--- a/Fixed Income.pptx
+++ b/Fixed Income.pptx
@@ -5,16 +5,17 @@
     <p:sldMasterId id="2147483660" r:id="rId1"/>
   </p:sldMasterIdLst>
   <p:notesMasterIdLst>
-    <p:notesMasterId r:id="rId9"/>
+    <p:notesMasterId r:id="rId10"/>
   </p:notesMasterIdLst>
   <p:sldIdLst>
-    <p:sldId id="257" r:id="rId2"/>
-    <p:sldId id="258" r:id="rId3"/>
-    <p:sldId id="259" r:id="rId4"/>
-    <p:sldId id="260" r:id="rId5"/>
-    <p:sldId id="261" r:id="rId6"/>
-    <p:sldId id="262" r:id="rId7"/>
-    <p:sldId id="263" r:id="rId8"/>
+    <p:sldId id="265" r:id="rId2"/>
+    <p:sldId id="257" r:id="rId3"/>
+    <p:sldId id="258" r:id="rId4"/>
+    <p:sldId id="259" r:id="rId5"/>
+    <p:sldId id="260" r:id="rId6"/>
+    <p:sldId id="261" r:id="rId7"/>
+    <p:sldId id="262" r:id="rId8"/>
+    <p:sldId id="263" r:id="rId9"/>
   </p:sldIdLst>
   <p:sldSz cx="12192000" cy="6858000"/>
   <p:notesSz cx="6858000" cy="9144000"/>
@@ -113,6 +114,11 @@
       </a:defRPr>
     </a:lvl9pPr>
   </p:defaultTextStyle>
+  <p:extLst>
+    <p:ext uri="{EFAFB233-063F-42B5-8137-9DF3F51BA10A}">
+      <p15:sldGuideLst xmlns:p15="http://schemas.microsoft.com/office/powerpoint/2012/main"/>
+    </p:ext>
+  </p:extLst>
 </p:presentation>
 </file>
 
@@ -198,7 +204,7 @@
           <a:p>
             <a:fld id="{9ADA5B36-BD01-47CD-B491-940693B77A9A}" type="datetimeFigureOut">
               <a:rPr lang="en-US" smtClean="0"/>
-              <a:t>9/28/2022</a:t>
+              <a:t>9/30/2022</a:t>
             </a:fld>
             <a:endParaRPr lang="en-US"/>
           </a:p>
@@ -530,7 +536,7 @@
           <a:p>
             <a:fld id="{E3B866C1-D4D8-42C4-BACA-D1CCAC4472DF}" type="slidenum">
               <a:rPr lang="en-US" smtClean="0"/>
-              <a:t>3</a:t>
+              <a:t>4</a:t>
             </a:fld>
             <a:endParaRPr lang="en-US"/>
           </a:p>
@@ -9342,7 +9348,7 @@
           <a:p>
             <a:fld id="{3CB14515-8DA5-4B82-96E7-E758FF8ACA06}" type="datetimeFigureOut">
               <a:rPr lang="en-US" smtClean="0"/>
-              <a:t>9/28/2022</a:t>
+              <a:t>9/30/2022</a:t>
             </a:fld>
             <a:endParaRPr lang="en-US"/>
           </a:p>
@@ -9549,7 +9555,7 @@
           <a:p>
             <a:fld id="{3CB14515-8DA5-4B82-96E7-E758FF8ACA06}" type="datetimeFigureOut">
               <a:rPr lang="en-US" smtClean="0"/>
-              <a:t>9/28/2022</a:t>
+              <a:t>9/30/2022</a:t>
             </a:fld>
             <a:endParaRPr lang="en-US"/>
           </a:p>
@@ -9729,7 +9735,7 @@
           <a:p>
             <a:fld id="{3CB14515-8DA5-4B82-96E7-E758FF8ACA06}" type="datetimeFigureOut">
               <a:rPr lang="en-US" smtClean="0"/>
-              <a:t>9/28/2022</a:t>
+              <a:t>9/30/2022</a:t>
             </a:fld>
             <a:endParaRPr lang="en-US"/>
           </a:p>
@@ -9934,7 +9940,7 @@
           <a:p>
             <a:fld id="{3CB14515-8DA5-4B82-96E7-E758FF8ACA06}" type="datetimeFigureOut">
               <a:rPr lang="en-US" smtClean="0"/>
-              <a:t>9/28/2022</a:t>
+              <a:t>9/30/2022</a:t>
             </a:fld>
             <a:endParaRPr lang="en-US"/>
           </a:p>
@@ -18832,7 +18838,7 @@
           <a:p>
             <a:fld id="{3CB14515-8DA5-4B82-96E7-E758FF8ACA06}" type="datetimeFigureOut">
               <a:rPr lang="en-US" smtClean="0"/>
-              <a:t>9/28/2022</a:t>
+              <a:t>9/30/2022</a:t>
             </a:fld>
             <a:endParaRPr lang="en-US"/>
           </a:p>
@@ -19106,7 +19112,7 @@
           <a:p>
             <a:fld id="{3CB14515-8DA5-4B82-96E7-E758FF8ACA06}" type="datetimeFigureOut">
               <a:rPr lang="en-US" smtClean="0"/>
-              <a:t>9/28/2022</a:t>
+              <a:t>9/30/2022</a:t>
             </a:fld>
             <a:endParaRPr lang="en-US"/>
           </a:p>
@@ -19504,7 +19510,7 @@
           <a:p>
             <a:fld id="{3CB14515-8DA5-4B82-96E7-E758FF8ACA06}" type="datetimeFigureOut">
               <a:rPr lang="en-US" smtClean="0"/>
-              <a:t>9/28/2022</a:t>
+              <a:t>9/30/2022</a:t>
             </a:fld>
             <a:endParaRPr lang="en-US"/>
           </a:p>
@@ -19622,7 +19628,7 @@
           <a:p>
             <a:fld id="{3CB14515-8DA5-4B82-96E7-E758FF8ACA06}" type="datetimeFigureOut">
               <a:rPr lang="en-US" smtClean="0"/>
-              <a:t>9/28/2022</a:t>
+              <a:t>9/30/2022</a:t>
             </a:fld>
             <a:endParaRPr lang="en-US"/>
           </a:p>
@@ -19717,7 +19723,7 @@
           <a:p>
             <a:fld id="{3CB14515-8DA5-4B82-96E7-E758FF8ACA06}" type="datetimeFigureOut">
               <a:rPr lang="en-US" smtClean="0"/>
-              <a:t>9/28/2022</a:t>
+              <a:t>9/30/2022</a:t>
             </a:fld>
             <a:endParaRPr lang="en-US"/>
           </a:p>
@@ -20007,7 +20013,7 @@
           <a:p>
             <a:fld id="{3CB14515-8DA5-4B82-96E7-E758FF8ACA06}" type="datetimeFigureOut">
               <a:rPr lang="en-US" smtClean="0"/>
-              <a:t>9/28/2022</a:t>
+              <a:t>9/30/2022</a:t>
             </a:fld>
             <a:endParaRPr lang="en-US"/>
           </a:p>
@@ -20287,7 +20293,7 @@
           <a:p>
             <a:fld id="{3CB14515-8DA5-4B82-96E7-E758FF8ACA06}" type="datetimeFigureOut">
               <a:rPr lang="en-US" smtClean="0"/>
-              <a:t>9/28/2022</a:t>
+              <a:t>9/30/2022</a:t>
             </a:fld>
             <a:endParaRPr lang="en-US"/>
           </a:p>
@@ -20537,7 +20543,7 @@
           <a:p>
             <a:fld id="{3CB14515-8DA5-4B82-96E7-E758FF8ACA06}" type="datetimeFigureOut">
               <a:rPr lang="en-US" smtClean="0"/>
-              <a:t>9/28/2022</a:t>
+              <a:t>9/30/2022</a:t>
             </a:fld>
             <a:endParaRPr lang="en-US"/>
           </a:p>
@@ -21044,7 +21050,7 @@
           <p:cNvPr id="2" name="Title 1">
             <a:extLst>
               <a:ext uri="{FF2B5EF4-FFF2-40B4-BE49-F238E27FC236}">
-                <a16:creationId xmlns:a16="http://schemas.microsoft.com/office/drawing/2014/main" id="{6C81C984-1188-43D8-9699-166698D071B6}"/>
+                <a16:creationId xmlns:a16="http://schemas.microsoft.com/office/drawing/2014/main" id="{733A69C3-5E32-47DA-8A19-34807962269E}"/>
               </a:ext>
             </a:extLst>
           </p:cNvPr>
@@ -21057,32 +21063,104 @@
         </p:nvSpPr>
         <p:spPr/>
         <p:txBody>
-          <a:bodyPr>
-            <a:normAutofit fontScale="90000"/>
-          </a:bodyPr>
+          <a:bodyPr/>
           <a:lstStyle/>
           <a:p>
             <a:r>
-              <a:rPr lang="en-US" sz="4900" b="1" dirty="0"/>
-              <a:t>Fixed-Income Securities: </a:t>
-            </a:r>
-            <a:br>
-              <a:rPr lang="en-US" sz="4900" b="1" dirty="0"/>
-            </a:br>
-            <a:r>
-              <a:rPr lang="en-US" sz="4900" b="1" dirty="0"/>
-              <a:t>Defining Elements</a:t>
-            </a:r>
-            <a:br>
-              <a:rPr lang="en-US" sz="4000" dirty="0"/>
-            </a:br>
-            <a:r>
-              <a:rPr lang="en-US" sz="4000" dirty="0"/>
-              <a:t>Overview of a Fixed-Income Security</a:t>
+              <a:rPr lang="en-US" dirty="0"/>
+              <a:t>Fixed income</a:t>
             </a:r>
           </a:p>
         </p:txBody>
       </p:sp>
+      <p:sp>
+        <p:nvSpPr>
+          <p:cNvPr id="3" name="Content Placeholder 2">
+            <a:extLst>
+              <a:ext uri="{FF2B5EF4-FFF2-40B4-BE49-F238E27FC236}">
+                <a16:creationId xmlns:a16="http://schemas.microsoft.com/office/drawing/2014/main" id="{6522B48B-694E-4554-806F-FB8AD56BF8F9}"/>
+              </a:ext>
+            </a:extLst>
+          </p:cNvPr>
+          <p:cNvSpPr>
+            <a:spLocks noGrp="1"/>
+          </p:cNvSpPr>
+          <p:nvPr>
+            <p:ph idx="1"/>
+          </p:nvPr>
+        </p:nvSpPr>
+        <p:spPr/>
+        <p:txBody>
+          <a:bodyPr/>
+          <a:lstStyle/>
+          <a:p>
+            <a:r>
+              <a:rPr lang="en-US" dirty="0"/>
+              <a:t>Moudle1 Fixed-Income Securities : Defining Elements</a:t>
+            </a:r>
+          </a:p>
+          <a:p>
+            <a:r>
+              <a:rPr lang="en-US" dirty="0"/>
+              <a:t>Moudle2 Fixed-Income Markets : Issuance, Trading, and Funding</a:t>
+            </a:r>
+          </a:p>
+          <a:p>
+            <a:r>
+              <a:rPr lang="en-US" dirty="0"/>
+              <a:t>Moudle3 Introduction to Fixed-Income Valuation</a:t>
+            </a:r>
+          </a:p>
+          <a:p>
+            <a:r>
+              <a:rPr lang="en-US" dirty="0"/>
+              <a:t>Moudle4 Introduction to Asset-Backed Securities</a:t>
+            </a:r>
+          </a:p>
+          <a:p>
+            <a:r>
+              <a:rPr lang="en-US" dirty="0"/>
+              <a:t>Moudle5 Understanding Fixed-Income Risk and Return</a:t>
+            </a:r>
+          </a:p>
+          <a:p>
+            <a:r>
+              <a:rPr lang="en-US" dirty="0"/>
+              <a:t>Moudle6 Fundamentals of Credit Analysis</a:t>
+            </a:r>
+          </a:p>
+        </p:txBody>
+      </p:sp>
+    </p:spTree>
+    <p:extLst>
+      <p:ext uri="{BB962C8B-B14F-4D97-AF65-F5344CB8AC3E}">
+        <p14:creationId xmlns:p14="http://schemas.microsoft.com/office/powerpoint/2010/main" val="250722941"/>
+      </p:ext>
+    </p:extLst>
+  </p:cSld>
+  <p:clrMapOvr>
+    <a:masterClrMapping/>
+  </p:clrMapOvr>
+</p:sld>
+</file>
+
+<file path=ppt/slides/slide2.xml><?xml version="1.0" encoding="utf-8"?>
+<p:sld xmlns:a="http://schemas.openxmlformats.org/drawingml/2006/main" xmlns:r="http://schemas.openxmlformats.org/officeDocument/2006/relationships" xmlns:p="http://schemas.openxmlformats.org/presentationml/2006/main">
+  <p:cSld>
+    <p:spTree>
+      <p:nvGrpSpPr>
+        <p:cNvPr id="1" name=""/>
+        <p:cNvGrpSpPr/>
+        <p:nvPr/>
+      </p:nvGrpSpPr>
+      <p:grpSpPr>
+        <a:xfrm>
+          <a:off x="0" y="0"/>
+          <a:ext cx="0" cy="0"/>
+          <a:chOff x="0" y="0"/>
+          <a:chExt cx="0" cy="0"/>
+        </a:xfrm>
+      </p:grpSpPr>
       <p:sp>
         <p:nvSpPr>
           <p:cNvPr id="3" name="Content Placeholder 2">
@@ -21157,6 +21235,51 @@
           </a:p>
         </p:txBody>
       </p:sp>
+      <p:sp>
+        <p:nvSpPr>
+          <p:cNvPr id="5" name="Title 4">
+            <a:extLst>
+              <a:ext uri="{FF2B5EF4-FFF2-40B4-BE49-F238E27FC236}">
+                <a16:creationId xmlns:a16="http://schemas.microsoft.com/office/drawing/2014/main" id="{09055712-EF55-4571-A1BC-672B42DA5C61}"/>
+              </a:ext>
+            </a:extLst>
+          </p:cNvPr>
+          <p:cNvSpPr>
+            <a:spLocks noGrp="1"/>
+          </p:cNvSpPr>
+          <p:nvPr>
+            <p:ph type="title"/>
+          </p:nvPr>
+        </p:nvSpPr>
+        <p:spPr/>
+        <p:txBody>
+          <a:bodyPr>
+            <a:noAutofit/>
+          </a:bodyPr>
+          <a:lstStyle/>
+          <a:p>
+            <a:r>
+              <a:rPr lang="en-US" sz="4000" b="1" dirty="0"/>
+              <a:t>Module1</a:t>
+            </a:r>
+            <a:br>
+              <a:rPr lang="en-US" sz="4000" b="1" dirty="0"/>
+            </a:br>
+            <a:r>
+              <a:rPr lang="en-US" sz="4000" b="1" dirty="0"/>
+              <a:t>Fixed-Income Securities: </a:t>
+            </a:r>
+            <a:br>
+              <a:rPr lang="en-US" sz="4000" b="1" dirty="0"/>
+            </a:br>
+            <a:r>
+              <a:rPr lang="en-US" sz="4000" b="1" dirty="0"/>
+              <a:t>Defining Elements</a:t>
+            </a:r>
+            <a:endParaRPr lang="en-US" sz="4000" dirty="0"/>
+          </a:p>
+        </p:txBody>
+      </p:sp>
     </p:spTree>
     <p:extLst>
       <p:ext uri="{BB962C8B-B14F-4D97-AF65-F5344CB8AC3E}">
@@ -21170,7 +21293,7 @@
 </p:sld>
 </file>
 
-<file path=ppt/slides/slide2.xml><?xml version="1.0" encoding="utf-8"?>
+<file path=ppt/slides/slide3.xml><?xml version="1.0" encoding="utf-8"?>
 <p:sld xmlns:a="http://schemas.openxmlformats.org/drawingml/2006/main" xmlns:r="http://schemas.openxmlformats.org/officeDocument/2006/relationships" xmlns:p="http://schemas.openxmlformats.org/presentationml/2006/main">
   <p:cSld>
     <p:spTree>
@@ -21206,28 +21329,29 @@
         <p:spPr/>
         <p:txBody>
           <a:bodyPr>
-            <a:normAutofit fontScale="90000"/>
+            <a:noAutofit/>
           </a:bodyPr>
           <a:lstStyle/>
           <a:p>
             <a:r>
-              <a:rPr lang="en-US" sz="4900" b="1" dirty="0"/>
+              <a:rPr lang="en-US" sz="4000" b="1" dirty="0"/>
+              <a:t>Module1</a:t>
+            </a:r>
+            <a:br>
+              <a:rPr lang="en-US" sz="4000" b="1" dirty="0"/>
+            </a:br>
+            <a:r>
+              <a:rPr lang="en-US" sz="4000" b="1" dirty="0"/>
               <a:t>Fixed-Income Securities: </a:t>
             </a:r>
             <a:br>
-              <a:rPr lang="en-US" sz="4900" b="1" dirty="0"/>
+              <a:rPr lang="en-US" sz="4000" b="1" dirty="0"/>
             </a:br>
             <a:r>
-              <a:rPr lang="en-US" sz="4900" b="1" dirty="0"/>
+              <a:rPr lang="en-US" sz="4000" b="1" dirty="0"/>
               <a:t>Defining Elements</a:t>
             </a:r>
-            <a:br>
-              <a:rPr lang="en-US" sz="4000" dirty="0"/>
-            </a:br>
-            <a:r>
-              <a:rPr lang="en-US" sz="4000" dirty="0"/>
-              <a:t>Overview of a Fixed-Income Security</a:t>
-            </a:r>
+            <a:endParaRPr lang="en-US" sz="4000" dirty="0"/>
           </a:p>
         </p:txBody>
       </p:sp>
@@ -21318,7 +21442,7 @@
 </p:sld>
 </file>
 
-<file path=ppt/slides/slide3.xml><?xml version="1.0" encoding="utf-8"?>
+<file path=ppt/slides/slide4.xml><?xml version="1.0" encoding="utf-8"?>
 <p:sld xmlns:a="http://schemas.openxmlformats.org/drawingml/2006/main" xmlns:r="http://schemas.openxmlformats.org/officeDocument/2006/relationships" xmlns:p="http://schemas.openxmlformats.org/presentationml/2006/main">
   <p:cSld>
     <p:spTree>
@@ -21354,28 +21478,29 @@
         <p:spPr/>
         <p:txBody>
           <a:bodyPr>
-            <a:normAutofit fontScale="90000"/>
+            <a:noAutofit/>
           </a:bodyPr>
           <a:lstStyle/>
           <a:p>
             <a:r>
-              <a:rPr lang="en-US" sz="4900" b="1" dirty="0"/>
+              <a:rPr lang="en-US" sz="4000" b="1" dirty="0"/>
+              <a:t>Module1</a:t>
+            </a:r>
+            <a:br>
+              <a:rPr lang="en-US" sz="4000" b="1" dirty="0"/>
+            </a:br>
+            <a:r>
+              <a:rPr lang="en-US" sz="4000" b="1" dirty="0"/>
               <a:t>Fixed-Income Securities: </a:t>
             </a:r>
             <a:br>
-              <a:rPr lang="en-US" sz="4900" b="1" dirty="0"/>
+              <a:rPr lang="en-US" sz="4000" b="1" dirty="0"/>
             </a:br>
             <a:r>
-              <a:rPr lang="en-US" sz="4900" b="1" dirty="0"/>
+              <a:rPr lang="en-US" sz="4000" b="1" dirty="0"/>
               <a:t>Defining Elements</a:t>
             </a:r>
-            <a:br>
-              <a:rPr lang="en-US" sz="4400" dirty="0"/>
-            </a:br>
-            <a:r>
-              <a:rPr lang="en-US" sz="4000" dirty="0"/>
-              <a:t>Overview of a Fixed-Income Security</a:t>
-            </a:r>
+            <a:endParaRPr lang="en-US" sz="4000" dirty="0"/>
           </a:p>
         </p:txBody>
       </p:sp>
@@ -21473,7 +21598,7 @@
 </p:sld>
 </file>
 
-<file path=ppt/slides/slide4.xml><?xml version="1.0" encoding="utf-8"?>
+<file path=ppt/slides/slide5.xml><?xml version="1.0" encoding="utf-8"?>
 <p:sld xmlns:a="http://schemas.openxmlformats.org/drawingml/2006/main" xmlns:r="http://schemas.openxmlformats.org/officeDocument/2006/relationships" xmlns:p="http://schemas.openxmlformats.org/presentationml/2006/main">
   <p:cSld>
     <p:spTree>
@@ -21509,28 +21634,29 @@
         <p:spPr/>
         <p:txBody>
           <a:bodyPr>
-            <a:normAutofit fontScale="90000"/>
+            <a:noAutofit/>
           </a:bodyPr>
           <a:lstStyle/>
           <a:p>
             <a:r>
-              <a:rPr lang="en-US" sz="4900" b="1" dirty="0"/>
+              <a:rPr lang="en-US" sz="4000" b="1" dirty="0"/>
+              <a:t>Module1</a:t>
+            </a:r>
+            <a:br>
+              <a:rPr lang="en-US" sz="4000" b="1" dirty="0"/>
+            </a:br>
+            <a:r>
+              <a:rPr lang="en-US" sz="4000" b="1" dirty="0"/>
               <a:t>Fixed-Income Securities: </a:t>
             </a:r>
             <a:br>
-              <a:rPr lang="en-US" sz="4900" b="1" dirty="0"/>
+              <a:rPr lang="en-US" sz="4000" b="1" dirty="0"/>
             </a:br>
             <a:r>
-              <a:rPr lang="en-US" sz="4900" b="1" dirty="0"/>
+              <a:rPr lang="en-US" sz="4000" b="1" dirty="0"/>
               <a:t>Defining Elements</a:t>
             </a:r>
-            <a:br>
-              <a:rPr lang="en-US" sz="4800" dirty="0"/>
-            </a:br>
-            <a:r>
-              <a:rPr lang="en-US" sz="4000" dirty="0"/>
-              <a:t>Overview of a Fixed-Income Security</a:t>
-            </a:r>
+            <a:endParaRPr lang="en-US" sz="4000" dirty="0"/>
           </a:p>
         </p:txBody>
       </p:sp>
@@ -21575,7 +21701,13 @@
             </a:r>
             <a:r>
               <a:rPr lang="en-US" sz="2400" dirty="0"/>
-              <a:t>of a bond refers to the date when the issuer is obligated to redeem the bond by paying the outstanding principal amount. The </a:t>
+              <a:t>of a bond refers to the date when the issuer is obligated to redeem the bond by paying the outstanding principal amount.</a:t>
+            </a:r>
+          </a:p>
+          <a:p>
+            <a:r>
+              <a:rPr lang="en-US" sz="2400" dirty="0"/>
+              <a:t>The </a:t>
             </a:r>
             <a:r>
               <a:rPr lang="en-US" sz="2400" dirty="0">
@@ -21629,7 +21761,7 @@
 </p:sld>
 </file>
 
-<file path=ppt/slides/slide5.xml><?xml version="1.0" encoding="utf-8"?>
+<file path=ppt/slides/slide6.xml><?xml version="1.0" encoding="utf-8"?>
 <p:sld xmlns:a="http://schemas.openxmlformats.org/drawingml/2006/main" xmlns:r="http://schemas.openxmlformats.org/officeDocument/2006/relationships" xmlns:p="http://schemas.openxmlformats.org/presentationml/2006/main">
   <p:cSld>
     <p:spTree>
@@ -21665,28 +21797,29 @@
         <p:spPr/>
         <p:txBody>
           <a:bodyPr>
-            <a:normAutofit fontScale="90000"/>
+            <a:noAutofit/>
           </a:bodyPr>
           <a:lstStyle/>
           <a:p>
             <a:r>
-              <a:rPr lang="en-US" sz="4900" b="1" dirty="0"/>
+              <a:rPr lang="en-US" sz="4000" b="1" dirty="0"/>
+              <a:t>Module1</a:t>
+            </a:r>
+            <a:br>
+              <a:rPr lang="en-US" sz="4000" b="1" dirty="0"/>
+            </a:br>
+            <a:r>
+              <a:rPr lang="en-US" sz="4000" b="1" dirty="0"/>
               <a:t>Fixed-Income Securities: </a:t>
             </a:r>
             <a:br>
-              <a:rPr lang="en-US" sz="4900" b="1" dirty="0"/>
+              <a:rPr lang="en-US" sz="4000" b="1" dirty="0"/>
             </a:br>
             <a:r>
-              <a:rPr lang="en-US" sz="4900" b="1" dirty="0"/>
+              <a:rPr lang="en-US" sz="4000" b="1" dirty="0"/>
               <a:t>Defining Elements</a:t>
             </a:r>
-            <a:br>
-              <a:rPr lang="en-US" sz="5400" dirty="0"/>
-            </a:br>
-            <a:r>
-              <a:rPr lang="en-US" sz="4000" dirty="0"/>
-              <a:t>Overview of a Fixed-Income Security</a:t>
-            </a:r>
+            <a:endParaRPr lang="en-US" sz="4000" dirty="0"/>
           </a:p>
         </p:txBody>
       </p:sp>
@@ -21883,7 +22016,7 @@
 </p:sld>
 </file>
 
-<file path=ppt/slides/slide6.xml><?xml version="1.0" encoding="utf-8"?>
+<file path=ppt/slides/slide7.xml><?xml version="1.0" encoding="utf-8"?>
 <p:sld xmlns:a="http://schemas.openxmlformats.org/drawingml/2006/main" xmlns:r="http://schemas.openxmlformats.org/officeDocument/2006/relationships" xmlns:p="http://schemas.openxmlformats.org/presentationml/2006/main">
   <p:cSld>
     <p:spTree>
@@ -21919,28 +22052,29 @@
         <p:spPr/>
         <p:txBody>
           <a:bodyPr>
-            <a:normAutofit fontScale="90000"/>
+            <a:noAutofit/>
           </a:bodyPr>
           <a:lstStyle/>
           <a:p>
             <a:r>
-              <a:rPr lang="en-US" sz="4900" b="1" dirty="0"/>
+              <a:rPr lang="en-US" sz="4000" b="1" dirty="0"/>
+              <a:t>Module1</a:t>
+            </a:r>
+            <a:br>
+              <a:rPr lang="en-US" sz="4000" b="1" dirty="0"/>
+            </a:br>
+            <a:r>
+              <a:rPr lang="en-US" sz="4000" b="1" dirty="0"/>
               <a:t>Fixed-Income Securities: </a:t>
             </a:r>
             <a:br>
-              <a:rPr lang="en-US" sz="4900" b="1" dirty="0"/>
+              <a:rPr lang="en-US" sz="4000" b="1" dirty="0"/>
             </a:br>
             <a:r>
-              <a:rPr lang="en-US" sz="4900" b="1" dirty="0"/>
+              <a:rPr lang="en-US" sz="4000" b="1" dirty="0"/>
               <a:t>Defining Elements</a:t>
             </a:r>
-            <a:br>
-              <a:rPr lang="en-US" sz="6000" dirty="0"/>
-            </a:br>
-            <a:r>
-              <a:rPr lang="en-US" sz="4000" dirty="0"/>
-              <a:t>Overview of a Fixed-Income Security</a:t>
-            </a:r>
+            <a:endParaRPr lang="en-US" sz="4000" dirty="0"/>
           </a:p>
         </p:txBody>
       </p:sp>
@@ -22051,7 +22185,7 @@
 </p:sld>
 </file>
 
-<file path=ppt/slides/slide7.xml><?xml version="1.0" encoding="utf-8"?>
+<file path=ppt/slides/slide8.xml><?xml version="1.0" encoding="utf-8"?>
 <p:sld xmlns:a="http://schemas.openxmlformats.org/drawingml/2006/main" xmlns:r="http://schemas.openxmlformats.org/officeDocument/2006/relationships" xmlns:p="http://schemas.openxmlformats.org/presentationml/2006/main">
   <p:cSld>
     <p:spTree>
@@ -22087,28 +22221,29 @@
         <p:spPr/>
         <p:txBody>
           <a:bodyPr>
-            <a:normAutofit fontScale="90000"/>
+            <a:noAutofit/>
           </a:bodyPr>
           <a:lstStyle/>
           <a:p>
             <a:r>
-              <a:rPr lang="en-US" sz="4900" b="1" dirty="0"/>
+              <a:rPr lang="en-US" sz="4000" b="1" dirty="0"/>
+              <a:t>Module1</a:t>
+            </a:r>
+            <a:br>
+              <a:rPr lang="en-US" sz="4000" b="1" dirty="0"/>
+            </a:br>
+            <a:r>
+              <a:rPr lang="en-US" sz="4000" b="1" dirty="0"/>
               <a:t>Fixed-Income Securities: </a:t>
             </a:r>
             <a:br>
-              <a:rPr lang="en-US" sz="4900" b="1" dirty="0"/>
+              <a:rPr lang="en-US" sz="4000" b="1" dirty="0"/>
             </a:br>
             <a:r>
-              <a:rPr lang="en-US" sz="4900" b="1" dirty="0"/>
+              <a:rPr lang="en-US" sz="4000" b="1" dirty="0"/>
               <a:t>Defining Elements</a:t>
             </a:r>
-            <a:br>
-              <a:rPr lang="en-US" sz="6600" dirty="0"/>
-            </a:br>
-            <a:r>
-              <a:rPr lang="en-US" sz="4000" dirty="0"/>
-              <a:t>Overview of a Fixed-Income Security</a:t>
-            </a:r>
+            <a:endParaRPr lang="en-US" sz="4000" dirty="0"/>
           </a:p>
         </p:txBody>
       </p:sp>

--- a/Fixed Income.pptx
+++ b/Fixed Income.pptx
@@ -5,7 +5,7 @@
     <p:sldMasterId id="2147483660" r:id="rId1"/>
   </p:sldMasterIdLst>
   <p:notesMasterIdLst>
-    <p:notesMasterId r:id="rId10"/>
+    <p:notesMasterId r:id="rId12"/>
   </p:notesMasterIdLst>
   <p:sldIdLst>
     <p:sldId id="265" r:id="rId2"/>
@@ -16,6 +16,8 @@
     <p:sldId id="261" r:id="rId7"/>
     <p:sldId id="262" r:id="rId8"/>
     <p:sldId id="263" r:id="rId9"/>
+    <p:sldId id="266" r:id="rId10"/>
+    <p:sldId id="267" r:id="rId11"/>
   </p:sldIdLst>
   <p:sldSz cx="12192000" cy="6858000"/>
   <p:notesSz cx="6858000" cy="9144000"/>
@@ -122,6 +124,3787 @@
 </p:presentation>
 </file>
 
+<file path=ppt/diagrams/colors1.xml><?xml version="1.0" encoding="utf-8"?>
+<dgm:colorsDef xmlns:dgm="http://schemas.openxmlformats.org/drawingml/2006/diagram" xmlns:a="http://schemas.openxmlformats.org/drawingml/2006/main" uniqueId="urn:microsoft.com/office/officeart/2018/5/colors/Iconchunking_neutralbg_colorful1">
+  <dgm:title val=""/>
+  <dgm:desc val=""/>
+  <dgm:catLst>
+    <dgm:cat type="colorful" pri="10100"/>
+  </dgm:catLst>
+  <dgm:styleLbl name="node0">
+    <dgm:fillClrLst meth="repeat">
+      <a:schemeClr val="accent1"/>
+    </dgm:fillClrLst>
+    <dgm:linClrLst meth="repeat">
+      <a:schemeClr val="lt1"/>
+    </dgm:linClrLst>
+    <dgm:effectClrLst/>
+    <dgm:txLinClrLst/>
+    <dgm:txFillClrLst/>
+    <dgm:txEffectClrLst/>
+  </dgm:styleLbl>
+  <dgm:styleLbl name="node1">
+    <dgm:fillClrLst meth="repeat">
+      <a:schemeClr val="accent2"/>
+      <a:schemeClr val="accent3"/>
+      <a:schemeClr val="accent4"/>
+      <a:schemeClr val="accent5"/>
+      <a:schemeClr val="accent6"/>
+    </dgm:fillClrLst>
+    <dgm:linClrLst meth="repeat">
+      <a:schemeClr val="lt1">
+        <a:alpha val="0"/>
+      </a:schemeClr>
+    </dgm:linClrLst>
+    <dgm:effectClrLst/>
+    <dgm:txLinClrLst/>
+    <dgm:txFillClrLst/>
+    <dgm:txEffectClrLst/>
+  </dgm:styleLbl>
+  <dgm:styleLbl name="alignNode1">
+    <dgm:fillClrLst meth="repeat">
+      <a:schemeClr val="accent2"/>
+      <a:schemeClr val="accent3"/>
+      <a:schemeClr val="accent4"/>
+      <a:schemeClr val="accent5"/>
+      <a:schemeClr val="accent6"/>
+    </dgm:fillClrLst>
+    <dgm:linClrLst meth="repeat">
+      <a:schemeClr val="accent2"/>
+      <a:schemeClr val="accent3"/>
+      <a:schemeClr val="accent4"/>
+      <a:schemeClr val="accent5"/>
+      <a:schemeClr val="accent6"/>
+    </dgm:linClrLst>
+    <dgm:effectClrLst/>
+    <dgm:txLinClrLst/>
+    <dgm:txFillClrLst/>
+    <dgm:txEffectClrLst/>
+  </dgm:styleLbl>
+  <dgm:styleLbl name="lnNode1">
+    <dgm:fillClrLst meth="repeat">
+      <a:schemeClr val="accent2"/>
+      <a:schemeClr val="accent3"/>
+      <a:schemeClr val="accent4"/>
+      <a:schemeClr val="accent5"/>
+      <a:schemeClr val="accent6"/>
+    </dgm:fillClrLst>
+    <dgm:linClrLst meth="repeat">
+      <a:schemeClr val="lt1"/>
+    </dgm:linClrLst>
+    <dgm:effectClrLst/>
+    <dgm:txLinClrLst/>
+    <dgm:txFillClrLst/>
+    <dgm:txEffectClrLst/>
+  </dgm:styleLbl>
+  <dgm:styleLbl name="vennNode1">
+    <dgm:fillClrLst meth="repeat">
+      <a:schemeClr val="accent2">
+        <a:alpha val="50000"/>
+      </a:schemeClr>
+      <a:schemeClr val="accent3">
+        <a:alpha val="50000"/>
+      </a:schemeClr>
+      <a:schemeClr val="accent4">
+        <a:alpha val="50000"/>
+      </a:schemeClr>
+      <a:schemeClr val="accent5">
+        <a:alpha val="50000"/>
+      </a:schemeClr>
+      <a:schemeClr val="accent6">
+        <a:alpha val="50000"/>
+      </a:schemeClr>
+    </dgm:fillClrLst>
+    <dgm:linClrLst meth="repeat">
+      <a:schemeClr val="lt1"/>
+    </dgm:linClrLst>
+    <dgm:effectClrLst/>
+    <dgm:txLinClrLst/>
+    <dgm:txFillClrLst/>
+    <dgm:txEffectClrLst/>
+  </dgm:styleLbl>
+  <dgm:styleLbl name="node2">
+    <dgm:fillClrLst>
+      <a:schemeClr val="accent2"/>
+    </dgm:fillClrLst>
+    <dgm:linClrLst meth="repeat">
+      <a:schemeClr val="lt1"/>
+    </dgm:linClrLst>
+    <dgm:effectClrLst/>
+    <dgm:txLinClrLst/>
+    <dgm:txFillClrLst/>
+    <dgm:txEffectClrLst/>
+  </dgm:styleLbl>
+  <dgm:styleLbl name="node3">
+    <dgm:fillClrLst>
+      <a:schemeClr val="accent3"/>
+    </dgm:fillClrLst>
+    <dgm:linClrLst meth="repeat">
+      <a:schemeClr val="lt1"/>
+    </dgm:linClrLst>
+    <dgm:effectClrLst/>
+    <dgm:txLinClrLst/>
+    <dgm:txFillClrLst/>
+    <dgm:txEffectClrLst/>
+  </dgm:styleLbl>
+  <dgm:styleLbl name="node4">
+    <dgm:fillClrLst>
+      <a:schemeClr val="accent4"/>
+    </dgm:fillClrLst>
+    <dgm:linClrLst meth="repeat">
+      <a:schemeClr val="lt1"/>
+    </dgm:linClrLst>
+    <dgm:effectClrLst/>
+    <dgm:txLinClrLst/>
+    <dgm:txFillClrLst/>
+    <dgm:txEffectClrLst/>
+  </dgm:styleLbl>
+  <dgm:styleLbl name="fgImgPlace1">
+    <dgm:fillClrLst meth="repeat">
+      <a:schemeClr val="accent2">
+        <a:tint val="50000"/>
+      </a:schemeClr>
+      <a:schemeClr val="accent3">
+        <a:tint val="50000"/>
+      </a:schemeClr>
+      <a:schemeClr val="accent4">
+        <a:tint val="50000"/>
+      </a:schemeClr>
+      <a:schemeClr val="accent5">
+        <a:tint val="50000"/>
+      </a:schemeClr>
+      <a:schemeClr val="accent6">
+        <a:tint val="50000"/>
+      </a:schemeClr>
+    </dgm:fillClrLst>
+    <dgm:linClrLst meth="repeat">
+      <a:schemeClr val="lt1"/>
+    </dgm:linClrLst>
+    <dgm:effectClrLst/>
+    <dgm:txLinClrLst/>
+    <dgm:txFillClrLst meth="repeat">
+      <a:schemeClr val="lt1"/>
+    </dgm:txFillClrLst>
+    <dgm:txEffectClrLst/>
+  </dgm:styleLbl>
+  <dgm:styleLbl name="alignImgPlace1">
+    <dgm:fillClrLst>
+      <a:schemeClr val="accent1">
+        <a:tint val="50000"/>
+      </a:schemeClr>
+      <a:schemeClr val="accent2">
+        <a:tint val="20000"/>
+      </a:schemeClr>
+    </dgm:fillClrLst>
+    <dgm:linClrLst meth="repeat">
+      <a:schemeClr val="lt1"/>
+    </dgm:linClrLst>
+    <dgm:effectClrLst/>
+    <dgm:txLinClrLst/>
+    <dgm:txFillClrLst meth="repeat">
+      <a:schemeClr val="lt1"/>
+    </dgm:txFillClrLst>
+    <dgm:txEffectClrLst/>
+  </dgm:styleLbl>
+  <dgm:styleLbl name="bgImgPlace1">
+    <dgm:fillClrLst>
+      <a:schemeClr val="accent1">
+        <a:tint val="50000"/>
+      </a:schemeClr>
+      <a:schemeClr val="accent2">
+        <a:tint val="20000"/>
+      </a:schemeClr>
+    </dgm:fillClrLst>
+    <dgm:linClrLst meth="repeat">
+      <a:schemeClr val="lt1"/>
+    </dgm:linClrLst>
+    <dgm:effectClrLst/>
+    <dgm:txLinClrLst/>
+    <dgm:txFillClrLst meth="repeat">
+      <a:schemeClr val="lt1"/>
+    </dgm:txFillClrLst>
+    <dgm:txEffectClrLst/>
+  </dgm:styleLbl>
+  <dgm:styleLbl name="sibTrans2D1">
+    <dgm:fillClrLst meth="repeat">
+      <a:schemeClr val="accent2"/>
+      <a:schemeClr val="accent3"/>
+      <a:schemeClr val="accent4"/>
+      <a:schemeClr val="accent5"/>
+      <a:schemeClr val="accent6"/>
+    </dgm:fillClrLst>
+    <dgm:linClrLst meth="cycle">
+      <a:schemeClr val="lt1"/>
+    </dgm:linClrLst>
+    <dgm:effectClrLst/>
+    <dgm:txLinClrLst/>
+    <dgm:txFillClrLst/>
+    <dgm:txEffectClrLst/>
+  </dgm:styleLbl>
+  <dgm:styleLbl name="fgSibTrans2D1">
+    <dgm:fillClrLst meth="repeat">
+      <a:schemeClr val="accent2"/>
+      <a:schemeClr val="accent3"/>
+      <a:schemeClr val="accent4"/>
+      <a:schemeClr val="accent5"/>
+      <a:schemeClr val="accent6"/>
+    </dgm:fillClrLst>
+    <dgm:linClrLst meth="cycle">
+      <a:schemeClr val="lt1"/>
+    </dgm:linClrLst>
+    <dgm:effectClrLst/>
+    <dgm:txLinClrLst/>
+    <dgm:txFillClrLst meth="repeat">
+      <a:schemeClr val="lt1"/>
+    </dgm:txFillClrLst>
+    <dgm:txEffectClrLst/>
+  </dgm:styleLbl>
+  <dgm:styleLbl name="bgSibTrans2D1">
+    <dgm:fillClrLst meth="repeat">
+      <a:schemeClr val="accent2"/>
+      <a:schemeClr val="accent3"/>
+      <a:schemeClr val="accent4"/>
+      <a:schemeClr val="accent5"/>
+      <a:schemeClr val="accent6"/>
+    </dgm:fillClrLst>
+    <dgm:linClrLst meth="cycle">
+      <a:schemeClr val="lt1"/>
+    </dgm:linClrLst>
+    <dgm:effectClrLst/>
+    <dgm:txLinClrLst/>
+    <dgm:txFillClrLst meth="repeat">
+      <a:schemeClr val="lt1"/>
+    </dgm:txFillClrLst>
+    <dgm:txEffectClrLst/>
+  </dgm:styleLbl>
+  <dgm:styleLbl name="sibTrans1D1">
+    <dgm:fillClrLst meth="repeat">
+      <a:schemeClr val="accent2"/>
+      <a:schemeClr val="accent3"/>
+      <a:schemeClr val="accent4"/>
+      <a:schemeClr val="accent5"/>
+      <a:schemeClr val="accent6"/>
+    </dgm:fillClrLst>
+    <dgm:linClrLst meth="repeat">
+      <a:schemeClr val="accent2"/>
+      <a:schemeClr val="accent3"/>
+      <a:schemeClr val="accent4"/>
+      <a:schemeClr val="accent5"/>
+      <a:schemeClr val="accent6"/>
+    </dgm:linClrLst>
+    <dgm:effectClrLst/>
+    <dgm:txLinClrLst/>
+    <dgm:txFillClrLst meth="repeat">
+      <a:schemeClr val="tx1"/>
+    </dgm:txFillClrLst>
+    <dgm:txEffectClrLst/>
+  </dgm:styleLbl>
+  <dgm:styleLbl name="callout">
+    <dgm:fillClrLst meth="repeat">
+      <a:schemeClr val="accent2"/>
+    </dgm:fillClrLst>
+    <dgm:linClrLst meth="repeat">
+      <a:schemeClr val="accent2">
+        <a:tint val="50000"/>
+      </a:schemeClr>
+    </dgm:linClrLst>
+    <dgm:effectClrLst/>
+    <dgm:txLinClrLst/>
+    <dgm:txFillClrLst meth="repeat">
+      <a:schemeClr val="tx1"/>
+    </dgm:txFillClrLst>
+    <dgm:txEffectClrLst/>
+  </dgm:styleLbl>
+  <dgm:styleLbl name="asst0">
+    <dgm:fillClrLst meth="repeat">
+      <a:schemeClr val="accent1"/>
+    </dgm:fillClrLst>
+    <dgm:linClrLst meth="repeat">
+      <a:schemeClr val="lt1"/>
+    </dgm:linClrLst>
+    <dgm:effectClrLst/>
+    <dgm:txLinClrLst/>
+    <dgm:txFillClrLst/>
+    <dgm:txEffectClrLst/>
+  </dgm:styleLbl>
+  <dgm:styleLbl name="asst1">
+    <dgm:fillClrLst meth="repeat">
+      <a:schemeClr val="accent2"/>
+    </dgm:fillClrLst>
+    <dgm:linClrLst meth="repeat">
+      <a:schemeClr val="lt1"/>
+    </dgm:linClrLst>
+    <dgm:effectClrLst/>
+    <dgm:txLinClrLst/>
+    <dgm:txFillClrLst/>
+    <dgm:txEffectClrLst/>
+  </dgm:styleLbl>
+  <dgm:styleLbl name="asst2">
+    <dgm:fillClrLst>
+      <a:schemeClr val="accent3"/>
+    </dgm:fillClrLst>
+    <dgm:linClrLst meth="repeat">
+      <a:schemeClr val="lt1"/>
+    </dgm:linClrLst>
+    <dgm:effectClrLst/>
+    <dgm:txLinClrLst/>
+    <dgm:txFillClrLst/>
+    <dgm:txEffectClrLst/>
+  </dgm:styleLbl>
+  <dgm:styleLbl name="asst3">
+    <dgm:fillClrLst>
+      <a:schemeClr val="accent4"/>
+    </dgm:fillClrLst>
+    <dgm:linClrLst meth="repeat">
+      <a:schemeClr val="lt1"/>
+    </dgm:linClrLst>
+    <dgm:effectClrLst/>
+    <dgm:txLinClrLst/>
+    <dgm:txFillClrLst/>
+    <dgm:txEffectClrLst/>
+  </dgm:styleLbl>
+  <dgm:styleLbl name="asst4">
+    <dgm:fillClrLst>
+      <a:schemeClr val="accent5"/>
+    </dgm:fillClrLst>
+    <dgm:linClrLst meth="repeat">
+      <a:schemeClr val="lt1"/>
+    </dgm:linClrLst>
+    <dgm:effectClrLst/>
+    <dgm:txLinClrLst/>
+    <dgm:txFillClrLst/>
+    <dgm:txEffectClrLst/>
+  </dgm:styleLbl>
+  <dgm:styleLbl name="parChTrans2D1">
+    <dgm:fillClrLst meth="repeat">
+      <a:schemeClr val="accent2"/>
+    </dgm:fillClrLst>
+    <dgm:linClrLst meth="repeat">
+      <a:schemeClr val="lt1"/>
+    </dgm:linClrLst>
+    <dgm:effectClrLst/>
+    <dgm:txLinClrLst/>
+    <dgm:txFillClrLst meth="repeat">
+      <a:schemeClr val="lt1"/>
+    </dgm:txFillClrLst>
+    <dgm:txEffectClrLst/>
+  </dgm:styleLbl>
+  <dgm:styleLbl name="parChTrans2D2">
+    <dgm:fillClrLst meth="repeat">
+      <a:schemeClr val="accent3"/>
+    </dgm:fillClrLst>
+    <dgm:linClrLst meth="repeat">
+      <a:schemeClr val="lt1"/>
+    </dgm:linClrLst>
+    <dgm:effectClrLst/>
+    <dgm:txLinClrLst/>
+    <dgm:txFillClrLst/>
+    <dgm:txEffectClrLst/>
+  </dgm:styleLbl>
+  <dgm:styleLbl name="parChTrans2D3">
+    <dgm:fillClrLst meth="repeat">
+      <a:schemeClr val="accent4"/>
+    </dgm:fillClrLst>
+    <dgm:linClrLst meth="repeat">
+      <a:schemeClr val="lt1"/>
+    </dgm:linClrLst>
+    <dgm:effectClrLst/>
+    <dgm:txLinClrLst/>
+    <dgm:txFillClrLst/>
+    <dgm:txEffectClrLst/>
+  </dgm:styleLbl>
+  <dgm:styleLbl name="parChTrans2D4">
+    <dgm:fillClrLst meth="repeat">
+      <a:schemeClr val="accent5"/>
+    </dgm:fillClrLst>
+    <dgm:linClrLst meth="repeat">
+      <a:schemeClr val="lt1"/>
+    </dgm:linClrLst>
+    <dgm:effectClrLst/>
+    <dgm:txLinClrLst/>
+    <dgm:txFillClrLst meth="repeat">
+      <a:schemeClr val="lt1"/>
+    </dgm:txFillClrLst>
+    <dgm:txEffectClrLst/>
+  </dgm:styleLbl>
+  <dgm:styleLbl name="parChTrans1D1">
+    <dgm:fillClrLst meth="repeat">
+      <a:schemeClr val="accent2"/>
+    </dgm:fillClrLst>
+    <dgm:linClrLst meth="repeat">
+      <a:schemeClr val="accent1"/>
+    </dgm:linClrLst>
+    <dgm:effectClrLst/>
+    <dgm:txLinClrLst/>
+    <dgm:txFillClrLst meth="repeat">
+      <a:schemeClr val="tx1"/>
+    </dgm:txFillClrLst>
+    <dgm:txEffectClrLst/>
+  </dgm:styleLbl>
+  <dgm:styleLbl name="parChTrans1D2">
+    <dgm:fillClrLst meth="repeat">
+      <a:schemeClr val="accent3">
+        <a:tint val="90000"/>
+      </a:schemeClr>
+    </dgm:fillClrLst>
+    <dgm:linClrLst meth="repeat">
+      <a:schemeClr val="accent2"/>
+    </dgm:linClrLst>
+    <dgm:effectClrLst/>
+    <dgm:txLinClrLst/>
+    <dgm:txFillClrLst meth="repeat">
+      <a:schemeClr val="tx1"/>
+    </dgm:txFillClrLst>
+    <dgm:txEffectClrLst/>
+  </dgm:styleLbl>
+  <dgm:styleLbl name="parChTrans1D3">
+    <dgm:fillClrLst meth="repeat">
+      <a:schemeClr val="accent4">
+        <a:tint val="70000"/>
+      </a:schemeClr>
+    </dgm:fillClrLst>
+    <dgm:linClrLst meth="repeat">
+      <a:schemeClr val="accent3"/>
+    </dgm:linClrLst>
+    <dgm:effectClrLst/>
+    <dgm:txLinClrLst/>
+    <dgm:txFillClrLst meth="repeat">
+      <a:schemeClr val="tx1"/>
+    </dgm:txFillClrLst>
+    <dgm:txEffectClrLst/>
+  </dgm:styleLbl>
+  <dgm:styleLbl name="parChTrans1D4">
+    <dgm:fillClrLst meth="repeat">
+      <a:schemeClr val="accent5">
+        <a:tint val="50000"/>
+      </a:schemeClr>
+    </dgm:fillClrLst>
+    <dgm:linClrLst meth="repeat">
+      <a:schemeClr val="accent4"/>
+    </dgm:linClrLst>
+    <dgm:effectClrLst/>
+    <dgm:txLinClrLst/>
+    <dgm:txFillClrLst meth="repeat">
+      <a:schemeClr val="tx1"/>
+    </dgm:txFillClrLst>
+    <dgm:txEffectClrLst/>
+  </dgm:styleLbl>
+  <dgm:styleLbl name="fgAcc1">
+    <dgm:fillClrLst meth="repeat">
+      <a:schemeClr val="lt1">
+        <a:alpha val="90000"/>
+      </a:schemeClr>
+    </dgm:fillClrLst>
+    <dgm:linClrLst meth="repeat">
+      <a:schemeClr val="accent2"/>
+      <a:schemeClr val="accent3"/>
+      <a:schemeClr val="accent4"/>
+      <a:schemeClr val="accent5"/>
+      <a:schemeClr val="accent6"/>
+    </dgm:linClrLst>
+    <dgm:effectClrLst/>
+    <dgm:txLinClrLst/>
+    <dgm:txFillClrLst meth="repeat">
+      <a:schemeClr val="dk1"/>
+    </dgm:txFillClrLst>
+    <dgm:txEffectClrLst/>
+  </dgm:styleLbl>
+  <dgm:styleLbl name="conFgAcc1">
+    <dgm:fillClrLst meth="repeat">
+      <a:schemeClr val="lt1">
+        <a:alpha val="90000"/>
+      </a:schemeClr>
+    </dgm:fillClrLst>
+    <dgm:linClrLst meth="repeat">
+      <a:schemeClr val="accent2"/>
+      <a:schemeClr val="accent3"/>
+      <a:schemeClr val="accent4"/>
+      <a:schemeClr val="accent5"/>
+      <a:schemeClr val="accent6"/>
+    </dgm:linClrLst>
+    <dgm:effectClrLst/>
+    <dgm:txLinClrLst/>
+    <dgm:txFillClrLst meth="repeat">
+      <a:schemeClr val="dk1"/>
+    </dgm:txFillClrLst>
+    <dgm:txEffectClrLst/>
+  </dgm:styleLbl>
+  <dgm:styleLbl name="alignAcc1">
+    <dgm:fillClrLst meth="repeat">
+      <a:schemeClr val="lt1">
+        <a:alpha val="90000"/>
+      </a:schemeClr>
+    </dgm:fillClrLst>
+    <dgm:linClrLst meth="repeat">
+      <a:schemeClr val="accent2"/>
+      <a:schemeClr val="accent3"/>
+      <a:schemeClr val="accent4"/>
+      <a:schemeClr val="accent5"/>
+      <a:schemeClr val="accent6"/>
+    </dgm:linClrLst>
+    <dgm:effectClrLst/>
+    <dgm:txLinClrLst/>
+    <dgm:txFillClrLst meth="repeat">
+      <a:schemeClr val="dk1"/>
+    </dgm:txFillClrLst>
+    <dgm:txEffectClrLst/>
+  </dgm:styleLbl>
+  <dgm:styleLbl name="trAlignAcc1">
+    <dgm:fillClrLst meth="repeat">
+      <a:schemeClr val="lt1">
+        <a:alpha val="40000"/>
+      </a:schemeClr>
+    </dgm:fillClrLst>
+    <dgm:linClrLst meth="repeat">
+      <a:schemeClr val="accent1"/>
+    </dgm:linClrLst>
+    <dgm:effectClrLst/>
+    <dgm:txLinClrLst/>
+    <dgm:txFillClrLst meth="repeat">
+      <a:schemeClr val="dk1"/>
+    </dgm:txFillClrLst>
+    <dgm:txEffectClrLst/>
+  </dgm:styleLbl>
+  <dgm:styleLbl name="bgAcc1">
+    <dgm:fillClrLst meth="repeat">
+      <a:schemeClr val="lt1">
+        <a:alpha val="90000"/>
+      </a:schemeClr>
+    </dgm:fillClrLst>
+    <dgm:linClrLst meth="repeat">
+      <a:schemeClr val="accent2"/>
+      <a:schemeClr val="accent3"/>
+      <a:schemeClr val="accent4"/>
+      <a:schemeClr val="accent5"/>
+      <a:schemeClr val="accent6"/>
+    </dgm:linClrLst>
+    <dgm:effectClrLst/>
+    <dgm:txLinClrLst/>
+    <dgm:txFillClrLst meth="repeat">
+      <a:schemeClr val="dk1"/>
+    </dgm:txFillClrLst>
+    <dgm:txEffectClrLst/>
+  </dgm:styleLbl>
+  <dgm:styleLbl name="solidFgAcc1">
+    <dgm:fillClrLst meth="repeat">
+      <a:schemeClr val="lt1"/>
+    </dgm:fillClrLst>
+    <dgm:linClrLst meth="repeat">
+      <a:schemeClr val="accent2"/>
+      <a:schemeClr val="accent3"/>
+      <a:schemeClr val="accent4"/>
+      <a:schemeClr val="accent5"/>
+      <a:schemeClr val="accent6"/>
+    </dgm:linClrLst>
+    <dgm:effectClrLst/>
+    <dgm:txLinClrLst/>
+    <dgm:txFillClrLst meth="repeat">
+      <a:schemeClr val="dk1"/>
+    </dgm:txFillClrLst>
+    <dgm:txEffectClrLst/>
+  </dgm:styleLbl>
+  <dgm:styleLbl name="solidAlignAcc1">
+    <dgm:fillClrLst meth="repeat">
+      <a:schemeClr val="lt1"/>
+    </dgm:fillClrLst>
+    <dgm:linClrLst meth="repeat">
+      <a:schemeClr val="accent2"/>
+      <a:schemeClr val="accent3"/>
+      <a:schemeClr val="accent4"/>
+      <a:schemeClr val="accent5"/>
+      <a:schemeClr val="accent6"/>
+    </dgm:linClrLst>
+    <dgm:effectClrLst/>
+    <dgm:txLinClrLst/>
+    <dgm:txFillClrLst meth="repeat">
+      <a:schemeClr val="dk1"/>
+    </dgm:txFillClrLst>
+    <dgm:txEffectClrLst/>
+  </dgm:styleLbl>
+  <dgm:styleLbl name="solidBgAcc1">
+    <dgm:fillClrLst meth="repeat">
+      <a:schemeClr val="lt1"/>
+    </dgm:fillClrLst>
+    <dgm:linClrLst meth="repeat">
+      <a:schemeClr val="accent2"/>
+      <a:schemeClr val="accent3"/>
+      <a:schemeClr val="accent4"/>
+      <a:schemeClr val="accent5"/>
+      <a:schemeClr val="accent6"/>
+    </dgm:linClrLst>
+    <dgm:effectClrLst/>
+    <dgm:txLinClrLst/>
+    <dgm:txFillClrLst meth="repeat">
+      <a:schemeClr val="dk1"/>
+    </dgm:txFillClrLst>
+    <dgm:txEffectClrLst/>
+  </dgm:styleLbl>
+  <dgm:styleLbl name="fgAccFollowNode1">
+    <dgm:fillClrLst meth="repeat">
+      <a:schemeClr val="accent2">
+        <a:tint val="40000"/>
+        <a:alpha val="90000"/>
+      </a:schemeClr>
+      <a:schemeClr val="accent3">
+        <a:tint val="40000"/>
+        <a:alpha val="90000"/>
+      </a:schemeClr>
+      <a:schemeClr val="accent4">
+        <a:tint val="40000"/>
+        <a:alpha val="90000"/>
+      </a:schemeClr>
+      <a:schemeClr val="accent5">
+        <a:tint val="40000"/>
+        <a:alpha val="90000"/>
+      </a:schemeClr>
+      <a:schemeClr val="accent6">
+        <a:tint val="40000"/>
+        <a:alpha val="90000"/>
+      </a:schemeClr>
+    </dgm:fillClrLst>
+    <dgm:linClrLst meth="repeat">
+      <a:schemeClr val="accent2">
+        <a:tint val="40000"/>
+        <a:alpha val="90000"/>
+      </a:schemeClr>
+      <a:schemeClr val="accent3">
+        <a:tint val="40000"/>
+        <a:alpha val="90000"/>
+      </a:schemeClr>
+      <a:schemeClr val="accent4">
+        <a:tint val="40000"/>
+        <a:alpha val="90000"/>
+      </a:schemeClr>
+      <a:schemeClr val="accent5">
+        <a:tint val="40000"/>
+        <a:alpha val="90000"/>
+      </a:schemeClr>
+      <a:schemeClr val="accent6">
+        <a:tint val="40000"/>
+        <a:alpha val="90000"/>
+      </a:schemeClr>
+    </dgm:linClrLst>
+    <dgm:effectClrLst/>
+    <dgm:txLinClrLst/>
+    <dgm:txFillClrLst meth="repeat">
+      <a:schemeClr val="dk1"/>
+    </dgm:txFillClrLst>
+    <dgm:txEffectClrLst/>
+  </dgm:styleLbl>
+  <dgm:styleLbl name="alignAccFollowNode1">
+    <dgm:fillClrLst meth="repeat">
+      <a:schemeClr val="accent2">
+        <a:tint val="40000"/>
+        <a:alpha val="90000"/>
+      </a:schemeClr>
+      <a:schemeClr val="accent3">
+        <a:tint val="40000"/>
+        <a:alpha val="90000"/>
+      </a:schemeClr>
+      <a:schemeClr val="accent4">
+        <a:tint val="40000"/>
+        <a:alpha val="90000"/>
+      </a:schemeClr>
+      <a:schemeClr val="accent5">
+        <a:tint val="40000"/>
+        <a:alpha val="90000"/>
+      </a:schemeClr>
+      <a:schemeClr val="accent6">
+        <a:tint val="40000"/>
+        <a:alpha val="90000"/>
+      </a:schemeClr>
+    </dgm:fillClrLst>
+    <dgm:linClrLst meth="repeat">
+      <a:schemeClr val="accent2">
+        <a:tint val="40000"/>
+        <a:alpha val="90000"/>
+      </a:schemeClr>
+      <a:schemeClr val="accent3">
+        <a:tint val="40000"/>
+        <a:alpha val="90000"/>
+      </a:schemeClr>
+      <a:schemeClr val="accent4">
+        <a:tint val="40000"/>
+        <a:alpha val="90000"/>
+      </a:schemeClr>
+      <a:schemeClr val="accent5">
+        <a:tint val="40000"/>
+        <a:alpha val="90000"/>
+      </a:schemeClr>
+      <a:schemeClr val="accent6">
+        <a:tint val="40000"/>
+        <a:alpha val="90000"/>
+      </a:schemeClr>
+    </dgm:linClrLst>
+    <dgm:effectClrLst/>
+    <dgm:txLinClrLst/>
+    <dgm:txFillClrLst meth="repeat">
+      <a:schemeClr val="dk1"/>
+    </dgm:txFillClrLst>
+    <dgm:txEffectClrLst/>
+  </dgm:styleLbl>
+  <dgm:styleLbl name="bgAccFollowNode1">
+    <dgm:fillClrLst meth="repeat">
+      <a:schemeClr val="accent2">
+        <a:tint val="40000"/>
+        <a:alpha val="90000"/>
+      </a:schemeClr>
+      <a:schemeClr val="accent3">
+        <a:tint val="40000"/>
+        <a:alpha val="90000"/>
+      </a:schemeClr>
+      <a:schemeClr val="accent4">
+        <a:tint val="40000"/>
+        <a:alpha val="90000"/>
+      </a:schemeClr>
+      <a:schemeClr val="accent5">
+        <a:tint val="40000"/>
+        <a:alpha val="90000"/>
+      </a:schemeClr>
+      <a:schemeClr val="accent6">
+        <a:tint val="40000"/>
+        <a:alpha val="90000"/>
+      </a:schemeClr>
+    </dgm:fillClrLst>
+    <dgm:linClrLst meth="repeat">
+      <a:schemeClr val="accent2">
+        <a:tint val="40000"/>
+        <a:alpha val="90000"/>
+      </a:schemeClr>
+      <a:schemeClr val="accent3">
+        <a:tint val="40000"/>
+        <a:alpha val="90000"/>
+      </a:schemeClr>
+      <a:schemeClr val="accent4">
+        <a:tint val="40000"/>
+        <a:alpha val="90000"/>
+      </a:schemeClr>
+      <a:schemeClr val="accent5">
+        <a:tint val="40000"/>
+        <a:alpha val="90000"/>
+      </a:schemeClr>
+      <a:schemeClr val="accent6">
+        <a:tint val="40000"/>
+        <a:alpha val="90000"/>
+      </a:schemeClr>
+    </dgm:linClrLst>
+    <dgm:effectClrLst/>
+    <dgm:txLinClrLst/>
+    <dgm:txFillClrLst meth="repeat">
+      <a:schemeClr val="dk1"/>
+    </dgm:txFillClrLst>
+    <dgm:txEffectClrLst/>
+  </dgm:styleLbl>
+  <dgm:styleLbl name="fgAcc0">
+    <dgm:fillClrLst meth="repeat">
+      <a:schemeClr val="lt1">
+        <a:alpha val="90000"/>
+      </a:schemeClr>
+    </dgm:fillClrLst>
+    <dgm:linClrLst>
+      <a:schemeClr val="accent1"/>
+    </dgm:linClrLst>
+    <dgm:effectClrLst/>
+    <dgm:txLinClrLst/>
+    <dgm:txFillClrLst meth="repeat">
+      <a:schemeClr val="dk1"/>
+    </dgm:txFillClrLst>
+    <dgm:txEffectClrLst/>
+  </dgm:styleLbl>
+  <dgm:styleLbl name="fgAcc2">
+    <dgm:fillClrLst meth="repeat">
+      <a:schemeClr val="lt1">
+        <a:alpha val="90000"/>
+      </a:schemeClr>
+    </dgm:fillClrLst>
+    <dgm:linClrLst>
+      <a:schemeClr val="accent2"/>
+    </dgm:linClrLst>
+    <dgm:effectClrLst/>
+    <dgm:txLinClrLst/>
+    <dgm:txFillClrLst meth="repeat">
+      <a:schemeClr val="dk1"/>
+    </dgm:txFillClrLst>
+    <dgm:txEffectClrLst/>
+  </dgm:styleLbl>
+  <dgm:styleLbl name="fgAcc3">
+    <dgm:fillClrLst meth="repeat">
+      <a:schemeClr val="lt1">
+        <a:alpha val="90000"/>
+      </a:schemeClr>
+    </dgm:fillClrLst>
+    <dgm:linClrLst>
+      <a:schemeClr val="accent3"/>
+    </dgm:linClrLst>
+    <dgm:effectClrLst/>
+    <dgm:txLinClrLst/>
+    <dgm:txFillClrLst meth="repeat">
+      <a:schemeClr val="dk1"/>
+    </dgm:txFillClrLst>
+    <dgm:txEffectClrLst/>
+  </dgm:styleLbl>
+  <dgm:styleLbl name="fgAcc4">
+    <dgm:fillClrLst meth="repeat">
+      <a:schemeClr val="lt1">
+        <a:alpha val="90000"/>
+      </a:schemeClr>
+    </dgm:fillClrLst>
+    <dgm:linClrLst>
+      <a:schemeClr val="accent4"/>
+    </dgm:linClrLst>
+    <dgm:effectClrLst/>
+    <dgm:txLinClrLst/>
+    <dgm:txFillClrLst meth="repeat">
+      <a:schemeClr val="dk1"/>
+    </dgm:txFillClrLst>
+    <dgm:txEffectClrLst/>
+  </dgm:styleLbl>
+  <dgm:styleLbl name="bgShp">
+    <dgm:fillClrLst meth="repeat">
+      <a:schemeClr val="bg1">
+        <a:lumMod val="95000"/>
+      </a:schemeClr>
+    </dgm:fillClrLst>
+    <dgm:linClrLst meth="repeat">
+      <a:schemeClr val="dk1"/>
+    </dgm:linClrLst>
+    <dgm:effectClrLst/>
+    <dgm:txLinClrLst/>
+    <dgm:txFillClrLst meth="repeat">
+      <a:schemeClr val="dk1"/>
+    </dgm:txFillClrLst>
+    <dgm:txEffectClrLst/>
+  </dgm:styleLbl>
+  <dgm:styleLbl name="dkBgShp">
+    <dgm:fillClrLst meth="repeat">
+      <a:schemeClr val="accent2">
+        <a:shade val="90000"/>
+      </a:schemeClr>
+    </dgm:fillClrLst>
+    <dgm:linClrLst meth="repeat">
+      <a:schemeClr val="dk1"/>
+    </dgm:linClrLst>
+    <dgm:effectClrLst/>
+    <dgm:txLinClrLst/>
+    <dgm:txFillClrLst meth="repeat">
+      <a:schemeClr val="lt1"/>
+    </dgm:txFillClrLst>
+    <dgm:txEffectClrLst/>
+  </dgm:styleLbl>
+  <dgm:styleLbl name="trBgShp">
+    <dgm:fillClrLst meth="repeat">
+      <a:schemeClr val="accent1">
+        <a:tint val="50000"/>
+        <a:alpha val="40000"/>
+      </a:schemeClr>
+    </dgm:fillClrLst>
+    <dgm:linClrLst meth="repeat">
+      <a:schemeClr val="accent2"/>
+    </dgm:linClrLst>
+    <dgm:effectClrLst/>
+    <dgm:txLinClrLst/>
+    <dgm:txFillClrLst meth="repeat">
+      <a:schemeClr val="lt1"/>
+    </dgm:txFillClrLst>
+    <dgm:txEffectClrLst/>
+  </dgm:styleLbl>
+  <dgm:styleLbl name="fgShp">
+    <dgm:fillClrLst meth="repeat">
+      <a:schemeClr val="accent2">
+        <a:tint val="40000"/>
+      </a:schemeClr>
+    </dgm:fillClrLst>
+    <dgm:linClrLst meth="repeat">
+      <a:schemeClr val="lt1"/>
+    </dgm:linClrLst>
+    <dgm:effectClrLst/>
+    <dgm:txLinClrLst/>
+    <dgm:txFillClrLst meth="repeat">
+      <a:schemeClr val="dk1"/>
+    </dgm:txFillClrLst>
+    <dgm:txEffectClrLst/>
+  </dgm:styleLbl>
+  <dgm:styleLbl name="revTx">
+    <dgm:fillClrLst meth="repeat">
+      <a:schemeClr val="lt1">
+        <a:alpha val="0"/>
+      </a:schemeClr>
+    </dgm:fillClrLst>
+    <dgm:linClrLst meth="repeat">
+      <a:schemeClr val="dk1">
+        <a:alpha val="0"/>
+      </a:schemeClr>
+    </dgm:linClrLst>
+    <dgm:effectClrLst/>
+    <dgm:txLinClrLst/>
+    <dgm:txFillClrLst meth="repeat">
+      <a:schemeClr val="tx1"/>
+    </dgm:txFillClrLst>
+    <dgm:txEffectClrLst/>
+  </dgm:styleLbl>
+</dgm:colorsDef>
+</file>
+
+<file path=ppt/diagrams/data1.xml><?xml version="1.0" encoding="utf-8"?>
+<dgm:dataModel xmlns:dgm="http://schemas.openxmlformats.org/drawingml/2006/diagram" xmlns:a="http://schemas.openxmlformats.org/drawingml/2006/main">
+  <dgm:ptLst>
+    <dgm:pt modelId="{65E766CA-5F07-42E3-8610-B4532427CF7D}" type="doc">
+      <dgm:prSet loTypeId="urn:microsoft.com/office/officeart/2018/2/layout/IconVerticalSolidList" loCatId="icon" qsTypeId="urn:microsoft.com/office/officeart/2005/8/quickstyle/simple1" qsCatId="simple" csTypeId="urn:microsoft.com/office/officeart/2018/5/colors/Iconchunking_neutralbg_colorful1" csCatId="colorful" phldr="1"/>
+      <dgm:spPr/>
+      <dgm:t>
+        <a:bodyPr/>
+        <a:lstStyle/>
+        <a:p>
+          <a:endParaRPr lang="en-US"/>
+        </a:p>
+      </dgm:t>
+    </dgm:pt>
+    <dgm:pt modelId="{7DDB86EF-A527-4532-89C3-24A27B793BDA}">
+      <dgm:prSet/>
+      <dgm:spPr/>
+      <dgm:t>
+        <a:bodyPr/>
+        <a:lstStyle/>
+        <a:p>
+          <a:r>
+            <a:rPr lang="en-US" dirty="0"/>
+            <a:t>Moudle1 Fixed-Income Securities : Defining Elements</a:t>
+          </a:r>
+        </a:p>
+      </dgm:t>
+    </dgm:pt>
+    <dgm:pt modelId="{F3804465-7488-414D-8607-C466A0CAA49D}" type="parTrans" cxnId="{AA660094-7F9F-49C3-AE79-024440C17B0E}">
+      <dgm:prSet/>
+      <dgm:spPr/>
+      <dgm:t>
+        <a:bodyPr/>
+        <a:lstStyle/>
+        <a:p>
+          <a:endParaRPr lang="en-US"/>
+        </a:p>
+      </dgm:t>
+    </dgm:pt>
+    <dgm:pt modelId="{62124337-350F-4AC5-930D-3E0358551D21}" type="sibTrans" cxnId="{AA660094-7F9F-49C3-AE79-024440C17B0E}">
+      <dgm:prSet/>
+      <dgm:spPr/>
+      <dgm:t>
+        <a:bodyPr/>
+        <a:lstStyle/>
+        <a:p>
+          <a:endParaRPr lang="en-US"/>
+        </a:p>
+      </dgm:t>
+    </dgm:pt>
+    <dgm:pt modelId="{8775BE4B-91CD-4E13-B5D4-9CA2CF13298E}">
+      <dgm:prSet/>
+      <dgm:spPr/>
+      <dgm:t>
+        <a:bodyPr/>
+        <a:lstStyle/>
+        <a:p>
+          <a:r>
+            <a:rPr lang="en-US"/>
+            <a:t>Moudle2 Fixed-Income Markets : Issuance, Trading, and Funding</a:t>
+          </a:r>
+        </a:p>
+      </dgm:t>
+    </dgm:pt>
+    <dgm:pt modelId="{8CBE5697-F745-415C-AE5D-A178D3DFBD66}" type="parTrans" cxnId="{908EC35E-46AF-4658-9648-9887CC3FA4A2}">
+      <dgm:prSet/>
+      <dgm:spPr/>
+      <dgm:t>
+        <a:bodyPr/>
+        <a:lstStyle/>
+        <a:p>
+          <a:endParaRPr lang="en-US"/>
+        </a:p>
+      </dgm:t>
+    </dgm:pt>
+    <dgm:pt modelId="{D2824199-343D-4CD5-B0D5-FADC944BFA11}" type="sibTrans" cxnId="{908EC35E-46AF-4658-9648-9887CC3FA4A2}">
+      <dgm:prSet/>
+      <dgm:spPr/>
+      <dgm:t>
+        <a:bodyPr/>
+        <a:lstStyle/>
+        <a:p>
+          <a:endParaRPr lang="en-US"/>
+        </a:p>
+      </dgm:t>
+    </dgm:pt>
+    <dgm:pt modelId="{4E857B33-F061-4528-8578-5C497DF46525}">
+      <dgm:prSet/>
+      <dgm:spPr/>
+      <dgm:t>
+        <a:bodyPr/>
+        <a:lstStyle/>
+        <a:p>
+          <a:r>
+            <a:rPr lang="en-US"/>
+            <a:t>Moudle3 Introduction to Fixed-Income Valuation</a:t>
+          </a:r>
+        </a:p>
+      </dgm:t>
+    </dgm:pt>
+    <dgm:pt modelId="{4C1D4D96-116B-4BD6-8195-3A9B9584C532}" type="parTrans" cxnId="{9784C25B-FAA9-4496-A610-A6C44A43AB28}">
+      <dgm:prSet/>
+      <dgm:spPr/>
+      <dgm:t>
+        <a:bodyPr/>
+        <a:lstStyle/>
+        <a:p>
+          <a:endParaRPr lang="en-US"/>
+        </a:p>
+      </dgm:t>
+    </dgm:pt>
+    <dgm:pt modelId="{E20AB3E6-14C8-4E08-AF6F-C749480DA3CE}" type="sibTrans" cxnId="{9784C25B-FAA9-4496-A610-A6C44A43AB28}">
+      <dgm:prSet/>
+      <dgm:spPr/>
+      <dgm:t>
+        <a:bodyPr/>
+        <a:lstStyle/>
+        <a:p>
+          <a:endParaRPr lang="en-US"/>
+        </a:p>
+      </dgm:t>
+    </dgm:pt>
+    <dgm:pt modelId="{0F4A2E6B-F5DA-4F29-A320-912D9E776CBF}">
+      <dgm:prSet/>
+      <dgm:spPr/>
+      <dgm:t>
+        <a:bodyPr/>
+        <a:lstStyle/>
+        <a:p>
+          <a:r>
+            <a:rPr lang="en-US"/>
+            <a:t>Moudle4 Introduction to Asset-Backed Securities</a:t>
+          </a:r>
+        </a:p>
+      </dgm:t>
+    </dgm:pt>
+    <dgm:pt modelId="{A044D1CC-86E4-4014-9354-5AEBCB3AC07E}" type="parTrans" cxnId="{EF073462-21DE-43F2-9C67-A6F08C7C2D42}">
+      <dgm:prSet/>
+      <dgm:spPr/>
+      <dgm:t>
+        <a:bodyPr/>
+        <a:lstStyle/>
+        <a:p>
+          <a:endParaRPr lang="en-US"/>
+        </a:p>
+      </dgm:t>
+    </dgm:pt>
+    <dgm:pt modelId="{3F04B0AA-3225-47C3-8A38-52AD470B6284}" type="sibTrans" cxnId="{EF073462-21DE-43F2-9C67-A6F08C7C2D42}">
+      <dgm:prSet/>
+      <dgm:spPr/>
+      <dgm:t>
+        <a:bodyPr/>
+        <a:lstStyle/>
+        <a:p>
+          <a:endParaRPr lang="en-US"/>
+        </a:p>
+      </dgm:t>
+    </dgm:pt>
+    <dgm:pt modelId="{FBE2AE91-992F-44F0-BA01-1337A9AEA998}">
+      <dgm:prSet/>
+      <dgm:spPr/>
+      <dgm:t>
+        <a:bodyPr/>
+        <a:lstStyle/>
+        <a:p>
+          <a:r>
+            <a:rPr lang="en-US"/>
+            <a:t>Moudle5 Understanding Fixed-Income Risk and Return</a:t>
+          </a:r>
+        </a:p>
+      </dgm:t>
+    </dgm:pt>
+    <dgm:pt modelId="{B42BBB98-0DAD-43D2-BBAB-F618BB40B07C}" type="parTrans" cxnId="{4DAF011C-5523-4925-A59C-EAAC19842E41}">
+      <dgm:prSet/>
+      <dgm:spPr/>
+      <dgm:t>
+        <a:bodyPr/>
+        <a:lstStyle/>
+        <a:p>
+          <a:endParaRPr lang="en-US"/>
+        </a:p>
+      </dgm:t>
+    </dgm:pt>
+    <dgm:pt modelId="{07980151-A11E-47F2-847A-9A354D3E2EA9}" type="sibTrans" cxnId="{4DAF011C-5523-4925-A59C-EAAC19842E41}">
+      <dgm:prSet/>
+      <dgm:spPr/>
+      <dgm:t>
+        <a:bodyPr/>
+        <a:lstStyle/>
+        <a:p>
+          <a:endParaRPr lang="en-US"/>
+        </a:p>
+      </dgm:t>
+    </dgm:pt>
+    <dgm:pt modelId="{1829E5B3-4239-40BD-B38B-44D9923F7F47}">
+      <dgm:prSet/>
+      <dgm:spPr/>
+      <dgm:t>
+        <a:bodyPr/>
+        <a:lstStyle/>
+        <a:p>
+          <a:r>
+            <a:rPr lang="en-US"/>
+            <a:t>Moudle6 Fundamentals of Credit Analysis</a:t>
+          </a:r>
+        </a:p>
+      </dgm:t>
+    </dgm:pt>
+    <dgm:pt modelId="{A73B8A4A-BE87-4748-B020-D733CAB07E7D}" type="parTrans" cxnId="{CBD81709-DFCD-4AFC-9BCF-34112444137A}">
+      <dgm:prSet/>
+      <dgm:spPr/>
+      <dgm:t>
+        <a:bodyPr/>
+        <a:lstStyle/>
+        <a:p>
+          <a:endParaRPr lang="en-US"/>
+        </a:p>
+      </dgm:t>
+    </dgm:pt>
+    <dgm:pt modelId="{28FF1035-A579-453F-B0DF-07AB992C3F0E}" type="sibTrans" cxnId="{CBD81709-DFCD-4AFC-9BCF-34112444137A}">
+      <dgm:prSet/>
+      <dgm:spPr/>
+      <dgm:t>
+        <a:bodyPr/>
+        <a:lstStyle/>
+        <a:p>
+          <a:endParaRPr lang="en-US"/>
+        </a:p>
+      </dgm:t>
+    </dgm:pt>
+    <dgm:pt modelId="{DC5C12B1-D6D9-4E77-93E9-2BAF487F89DA}" type="pres">
+      <dgm:prSet presAssocID="{65E766CA-5F07-42E3-8610-B4532427CF7D}" presName="root" presStyleCnt="0">
+        <dgm:presLayoutVars>
+          <dgm:dir/>
+          <dgm:resizeHandles val="exact"/>
+        </dgm:presLayoutVars>
+      </dgm:prSet>
+      <dgm:spPr/>
+    </dgm:pt>
+    <dgm:pt modelId="{E2A0B06A-A3FD-4AB4-95C5-4406862AEC22}" type="pres">
+      <dgm:prSet presAssocID="{7DDB86EF-A527-4532-89C3-24A27B793BDA}" presName="compNode" presStyleCnt="0"/>
+      <dgm:spPr/>
+    </dgm:pt>
+    <dgm:pt modelId="{8EEC5F2D-028A-459C-838C-DDD456F621E0}" type="pres">
+      <dgm:prSet presAssocID="{7DDB86EF-A527-4532-89C3-24A27B793BDA}" presName="bgRect" presStyleLbl="bgShp" presStyleIdx="0" presStyleCnt="6"/>
+      <dgm:spPr/>
+    </dgm:pt>
+    <dgm:pt modelId="{03EDD7C3-3ADC-4CDA-BEC1-EB09B94697D2}" type="pres">
+      <dgm:prSet presAssocID="{7DDB86EF-A527-4532-89C3-24A27B793BDA}" presName="iconRect" presStyleLbl="node1" presStyleIdx="0" presStyleCnt="6"/>
+      <dgm:spPr>
+        <a:blipFill>
+          <a:blip xmlns:r="http://schemas.openxmlformats.org/officeDocument/2006/relationships" r:embed="rId1">
+            <a:extLst>
+              <a:ext uri="{28A0092B-C50C-407E-A947-70E740481C1C}">
+                <a14:useLocalDpi xmlns:a14="http://schemas.microsoft.com/office/drawing/2010/main" val="0"/>
+              </a:ext>
+              <a:ext uri="{96DAC541-7B7A-43D3-8B79-37D633B846F1}">
+                <asvg:svgBlip xmlns:asvg="http://schemas.microsoft.com/office/drawing/2016/SVG/main" r:embed="rId2"/>
+              </a:ext>
+            </a:extLst>
+          </a:blip>
+          <a:stretch>
+            <a:fillRect/>
+          </a:stretch>
+        </a:blipFill>
+        <a:ln>
+          <a:noFill/>
+        </a:ln>
+      </dgm:spPr>
+      <dgm:extLst>
+        <a:ext uri="{E40237B7-FDA0-4F09-8148-C483321AD2D9}">
+          <dgm14:cNvPr xmlns:dgm14="http://schemas.microsoft.com/office/drawing/2010/diagram" id="0" name="" descr="钱"/>
+        </a:ext>
+      </dgm:extLst>
+    </dgm:pt>
+    <dgm:pt modelId="{2790A7F3-0879-4634-BD7F-62D346993B62}" type="pres">
+      <dgm:prSet presAssocID="{7DDB86EF-A527-4532-89C3-24A27B793BDA}" presName="spaceRect" presStyleCnt="0"/>
+      <dgm:spPr/>
+    </dgm:pt>
+    <dgm:pt modelId="{388709E5-3665-4121-96AE-CDA8783C0803}" type="pres">
+      <dgm:prSet presAssocID="{7DDB86EF-A527-4532-89C3-24A27B793BDA}" presName="parTx" presStyleLbl="revTx" presStyleIdx="0" presStyleCnt="6">
+        <dgm:presLayoutVars>
+          <dgm:chMax val="0"/>
+          <dgm:chPref val="0"/>
+        </dgm:presLayoutVars>
+      </dgm:prSet>
+      <dgm:spPr/>
+    </dgm:pt>
+    <dgm:pt modelId="{9DFB78EC-3D19-4477-9CD0-F3C26A34FB20}" type="pres">
+      <dgm:prSet presAssocID="{62124337-350F-4AC5-930D-3E0358551D21}" presName="sibTrans" presStyleCnt="0"/>
+      <dgm:spPr/>
+    </dgm:pt>
+    <dgm:pt modelId="{056A8D92-FF12-4397-BE4B-5C0685C9430A}" type="pres">
+      <dgm:prSet presAssocID="{8775BE4B-91CD-4E13-B5D4-9CA2CF13298E}" presName="compNode" presStyleCnt="0"/>
+      <dgm:spPr/>
+    </dgm:pt>
+    <dgm:pt modelId="{E2F9343B-9194-4ED5-9108-12CA03BE397A}" type="pres">
+      <dgm:prSet presAssocID="{8775BE4B-91CD-4E13-B5D4-9CA2CF13298E}" presName="bgRect" presStyleLbl="bgShp" presStyleIdx="1" presStyleCnt="6"/>
+      <dgm:spPr/>
+    </dgm:pt>
+    <dgm:pt modelId="{8731F683-B4ED-42EC-AB94-E885702A0433}" type="pres">
+      <dgm:prSet presAssocID="{8775BE4B-91CD-4E13-B5D4-9CA2CF13298E}" presName="iconRect" presStyleLbl="node1" presStyleIdx="1" presStyleCnt="6"/>
+      <dgm:spPr>
+        <a:blipFill>
+          <a:blip xmlns:r="http://schemas.openxmlformats.org/officeDocument/2006/relationships" r:embed="rId3">
+            <a:extLst>
+              <a:ext uri="{28A0092B-C50C-407E-A947-70E740481C1C}">
+                <a14:useLocalDpi xmlns:a14="http://schemas.microsoft.com/office/drawing/2010/main" val="0"/>
+              </a:ext>
+              <a:ext uri="{96DAC541-7B7A-43D3-8B79-37D633B846F1}">
+                <asvg:svgBlip xmlns:asvg="http://schemas.microsoft.com/office/drawing/2016/SVG/main" r:embed="rId4"/>
+              </a:ext>
+            </a:extLst>
+          </a:blip>
+          <a:stretch>
+            <a:fillRect/>
+          </a:stretch>
+        </a:blipFill>
+        <a:ln>
+          <a:noFill/>
+        </a:ln>
+      </dgm:spPr>
+      <dgm:extLst>
+        <a:ext uri="{E40237B7-FDA0-4F09-8148-C483321AD2D9}">
+          <dgm14:cNvPr xmlns:dgm14="http://schemas.microsoft.com/office/drawing/2010/diagram" id="0" name="" descr="元"/>
+        </a:ext>
+      </dgm:extLst>
+    </dgm:pt>
+    <dgm:pt modelId="{AD6DCFF4-1E12-4CC2-8E95-5FD41E6FA9A7}" type="pres">
+      <dgm:prSet presAssocID="{8775BE4B-91CD-4E13-B5D4-9CA2CF13298E}" presName="spaceRect" presStyleCnt="0"/>
+      <dgm:spPr/>
+    </dgm:pt>
+    <dgm:pt modelId="{E5642B59-79D5-4AD7-B291-78B837352C0E}" type="pres">
+      <dgm:prSet presAssocID="{8775BE4B-91CD-4E13-B5D4-9CA2CF13298E}" presName="parTx" presStyleLbl="revTx" presStyleIdx="1" presStyleCnt="6">
+        <dgm:presLayoutVars>
+          <dgm:chMax val="0"/>
+          <dgm:chPref val="0"/>
+        </dgm:presLayoutVars>
+      </dgm:prSet>
+      <dgm:spPr/>
+    </dgm:pt>
+    <dgm:pt modelId="{EB4FE269-2DDD-4653-A849-856C145B9562}" type="pres">
+      <dgm:prSet presAssocID="{D2824199-343D-4CD5-B0D5-FADC944BFA11}" presName="sibTrans" presStyleCnt="0"/>
+      <dgm:spPr/>
+    </dgm:pt>
+    <dgm:pt modelId="{139FC032-29A4-448A-920A-70F67E4BDDAE}" type="pres">
+      <dgm:prSet presAssocID="{4E857B33-F061-4528-8578-5C497DF46525}" presName="compNode" presStyleCnt="0"/>
+      <dgm:spPr/>
+    </dgm:pt>
+    <dgm:pt modelId="{4539A30B-BD30-4576-839C-600EE561FFF6}" type="pres">
+      <dgm:prSet presAssocID="{4E857B33-F061-4528-8578-5C497DF46525}" presName="bgRect" presStyleLbl="bgShp" presStyleIdx="2" presStyleCnt="6"/>
+      <dgm:spPr/>
+    </dgm:pt>
+    <dgm:pt modelId="{EA94339E-33F1-4971-B8E5-E13A0CC5862C}" type="pres">
+      <dgm:prSet presAssocID="{4E857B33-F061-4528-8578-5C497DF46525}" presName="iconRect" presStyleLbl="node1" presStyleIdx="2" presStyleCnt="6"/>
+      <dgm:spPr>
+        <a:blipFill>
+          <a:blip xmlns:r="http://schemas.openxmlformats.org/officeDocument/2006/relationships" r:embed="rId5">
+            <a:extLst>
+              <a:ext uri="{28A0092B-C50C-407E-A947-70E740481C1C}">
+                <a14:useLocalDpi xmlns:a14="http://schemas.microsoft.com/office/drawing/2010/main" val="0"/>
+              </a:ext>
+              <a:ext uri="{96DAC541-7B7A-43D3-8B79-37D633B846F1}">
+                <asvg:svgBlip xmlns:asvg="http://schemas.microsoft.com/office/drawing/2016/SVG/main" r:embed="rId6"/>
+              </a:ext>
+            </a:extLst>
+          </a:blip>
+          <a:stretch>
+            <a:fillRect/>
+          </a:stretch>
+        </a:blipFill>
+        <a:ln>
+          <a:noFill/>
+        </a:ln>
+      </dgm:spPr>
+      <dgm:extLst>
+        <a:ext uri="{E40237B7-FDA0-4F09-8148-C483321AD2D9}">
+          <dgm14:cNvPr xmlns:dgm14="http://schemas.microsoft.com/office/drawing/2010/diagram" id="0" name="" descr="硬币"/>
+        </a:ext>
+      </dgm:extLst>
+    </dgm:pt>
+    <dgm:pt modelId="{33914D17-B1F2-424C-9470-6CE436EB4E3F}" type="pres">
+      <dgm:prSet presAssocID="{4E857B33-F061-4528-8578-5C497DF46525}" presName="spaceRect" presStyleCnt="0"/>
+      <dgm:spPr/>
+    </dgm:pt>
+    <dgm:pt modelId="{B1BC8293-9433-49A9-97D0-C60668C4B9EF}" type="pres">
+      <dgm:prSet presAssocID="{4E857B33-F061-4528-8578-5C497DF46525}" presName="parTx" presStyleLbl="revTx" presStyleIdx="2" presStyleCnt="6">
+        <dgm:presLayoutVars>
+          <dgm:chMax val="0"/>
+          <dgm:chPref val="0"/>
+        </dgm:presLayoutVars>
+      </dgm:prSet>
+      <dgm:spPr/>
+    </dgm:pt>
+    <dgm:pt modelId="{8255D33F-879F-4B99-8877-DED5EB6EC7E1}" type="pres">
+      <dgm:prSet presAssocID="{E20AB3E6-14C8-4E08-AF6F-C749480DA3CE}" presName="sibTrans" presStyleCnt="0"/>
+      <dgm:spPr/>
+    </dgm:pt>
+    <dgm:pt modelId="{4B87D577-3BE5-4CF2-A680-9F98F058048A}" type="pres">
+      <dgm:prSet presAssocID="{0F4A2E6B-F5DA-4F29-A320-912D9E776CBF}" presName="compNode" presStyleCnt="0"/>
+      <dgm:spPr/>
+    </dgm:pt>
+    <dgm:pt modelId="{F86FF93E-356E-491A-A772-725657F7A28A}" type="pres">
+      <dgm:prSet presAssocID="{0F4A2E6B-F5DA-4F29-A320-912D9E776CBF}" presName="bgRect" presStyleLbl="bgShp" presStyleIdx="3" presStyleCnt="6"/>
+      <dgm:spPr/>
+    </dgm:pt>
+    <dgm:pt modelId="{C3B8CEA7-A95B-4CF7-8D66-91962C065327}" type="pres">
+      <dgm:prSet presAssocID="{0F4A2E6B-F5DA-4F29-A320-912D9E776CBF}" presName="iconRect" presStyleLbl="node1" presStyleIdx="3" presStyleCnt="6"/>
+      <dgm:spPr>
+        <a:blipFill>
+          <a:blip xmlns:r="http://schemas.openxmlformats.org/officeDocument/2006/relationships" r:embed="rId7">
+            <a:extLst>
+              <a:ext uri="{28A0092B-C50C-407E-A947-70E740481C1C}">
+                <a14:useLocalDpi xmlns:a14="http://schemas.microsoft.com/office/drawing/2010/main" val="0"/>
+              </a:ext>
+              <a:ext uri="{96DAC541-7B7A-43D3-8B79-37D633B846F1}">
+                <asvg:svgBlip xmlns:asvg="http://schemas.microsoft.com/office/drawing/2016/SVG/main" r:embed="rId8"/>
+              </a:ext>
+            </a:extLst>
+          </a:blip>
+          <a:stretch>
+            <a:fillRect/>
+          </a:stretch>
+        </a:blipFill>
+        <a:ln>
+          <a:noFill/>
+        </a:ln>
+      </dgm:spPr>
+      <dgm:extLst>
+        <a:ext uri="{E40237B7-FDA0-4F09-8148-C483321AD2D9}">
+          <dgm14:cNvPr xmlns:dgm14="http://schemas.microsoft.com/office/drawing/2010/diagram" id="0" name="" descr="城市"/>
+        </a:ext>
+      </dgm:extLst>
+    </dgm:pt>
+    <dgm:pt modelId="{B55C28C2-FBFB-44EE-B960-1A860DD2FD9F}" type="pres">
+      <dgm:prSet presAssocID="{0F4A2E6B-F5DA-4F29-A320-912D9E776CBF}" presName="spaceRect" presStyleCnt="0"/>
+      <dgm:spPr/>
+    </dgm:pt>
+    <dgm:pt modelId="{E2521213-F4F2-4890-AFB1-05C76A8D3FCB}" type="pres">
+      <dgm:prSet presAssocID="{0F4A2E6B-F5DA-4F29-A320-912D9E776CBF}" presName="parTx" presStyleLbl="revTx" presStyleIdx="3" presStyleCnt="6">
+        <dgm:presLayoutVars>
+          <dgm:chMax val="0"/>
+          <dgm:chPref val="0"/>
+        </dgm:presLayoutVars>
+      </dgm:prSet>
+      <dgm:spPr/>
+    </dgm:pt>
+    <dgm:pt modelId="{A64B3137-86D8-4EF2-B121-2666103A739F}" type="pres">
+      <dgm:prSet presAssocID="{3F04B0AA-3225-47C3-8A38-52AD470B6284}" presName="sibTrans" presStyleCnt="0"/>
+      <dgm:spPr/>
+    </dgm:pt>
+    <dgm:pt modelId="{03E4A6A8-341C-4BD9-8CB1-852A261D2019}" type="pres">
+      <dgm:prSet presAssocID="{FBE2AE91-992F-44F0-BA01-1337A9AEA998}" presName="compNode" presStyleCnt="0"/>
+      <dgm:spPr/>
+    </dgm:pt>
+    <dgm:pt modelId="{08FE9A4C-A673-4795-B974-ADBEAE4CCD02}" type="pres">
+      <dgm:prSet presAssocID="{FBE2AE91-992F-44F0-BA01-1337A9AEA998}" presName="bgRect" presStyleLbl="bgShp" presStyleIdx="4" presStyleCnt="6"/>
+      <dgm:spPr/>
+    </dgm:pt>
+    <dgm:pt modelId="{4D14CE0A-AF2C-4D06-9852-6A5CFDE252C2}" type="pres">
+      <dgm:prSet presAssocID="{FBE2AE91-992F-44F0-BA01-1337A9AEA998}" presName="iconRect" presStyleLbl="node1" presStyleIdx="4" presStyleCnt="6"/>
+      <dgm:spPr>
+        <a:blipFill>
+          <a:blip xmlns:r="http://schemas.openxmlformats.org/officeDocument/2006/relationships" r:embed="rId9">
+            <a:extLst>
+              <a:ext uri="{28A0092B-C50C-407E-A947-70E740481C1C}">
+                <a14:useLocalDpi xmlns:a14="http://schemas.microsoft.com/office/drawing/2010/main" val="0"/>
+              </a:ext>
+              <a:ext uri="{96DAC541-7B7A-43D3-8B79-37D633B846F1}">
+                <asvg:svgBlip xmlns:asvg="http://schemas.microsoft.com/office/drawing/2016/SVG/main" r:embed="rId10"/>
+              </a:ext>
+            </a:extLst>
+          </a:blip>
+          <a:stretch>
+            <a:fillRect/>
+          </a:stretch>
+        </a:blipFill>
+        <a:ln>
+          <a:noFill/>
+        </a:ln>
+      </dgm:spPr>
+      <dgm:extLst>
+        <a:ext uri="{E40237B7-FDA0-4F09-8148-C483321AD2D9}">
+          <dgm14:cNvPr xmlns:dgm14="http://schemas.microsoft.com/office/drawing/2010/diagram" id="0" name="" descr="Upward trend"/>
+        </a:ext>
+      </dgm:extLst>
+    </dgm:pt>
+    <dgm:pt modelId="{D626BCED-61B4-4028-8279-6DAE1619AB67}" type="pres">
+      <dgm:prSet presAssocID="{FBE2AE91-992F-44F0-BA01-1337A9AEA998}" presName="spaceRect" presStyleCnt="0"/>
+      <dgm:spPr/>
+    </dgm:pt>
+    <dgm:pt modelId="{B9B7FB8C-767D-4FE2-8B14-3C93DB99B10C}" type="pres">
+      <dgm:prSet presAssocID="{FBE2AE91-992F-44F0-BA01-1337A9AEA998}" presName="parTx" presStyleLbl="revTx" presStyleIdx="4" presStyleCnt="6">
+        <dgm:presLayoutVars>
+          <dgm:chMax val="0"/>
+          <dgm:chPref val="0"/>
+        </dgm:presLayoutVars>
+      </dgm:prSet>
+      <dgm:spPr/>
+    </dgm:pt>
+    <dgm:pt modelId="{7526737A-D445-4140-B11E-DEB1AE3CA8DA}" type="pres">
+      <dgm:prSet presAssocID="{07980151-A11E-47F2-847A-9A354D3E2EA9}" presName="sibTrans" presStyleCnt="0"/>
+      <dgm:spPr/>
+    </dgm:pt>
+    <dgm:pt modelId="{1BD3734F-AF2A-4560-B108-7E67A3648BEB}" type="pres">
+      <dgm:prSet presAssocID="{1829E5B3-4239-40BD-B38B-44D9923F7F47}" presName="compNode" presStyleCnt="0"/>
+      <dgm:spPr/>
+    </dgm:pt>
+    <dgm:pt modelId="{5EDDC7B2-FFC0-49AB-9983-E86F3F3A1C0F}" type="pres">
+      <dgm:prSet presAssocID="{1829E5B3-4239-40BD-B38B-44D9923F7F47}" presName="bgRect" presStyleLbl="bgShp" presStyleIdx="5" presStyleCnt="6"/>
+      <dgm:spPr/>
+    </dgm:pt>
+    <dgm:pt modelId="{2AEE7F50-91FB-44E0-B029-3983C6E732A7}" type="pres">
+      <dgm:prSet presAssocID="{1829E5B3-4239-40BD-B38B-44D9923F7F47}" presName="iconRect" presStyleLbl="node1" presStyleIdx="5" presStyleCnt="6"/>
+      <dgm:spPr>
+        <a:blipFill>
+          <a:blip xmlns:r="http://schemas.openxmlformats.org/officeDocument/2006/relationships" r:embed="rId11">
+            <a:extLst>
+              <a:ext uri="{28A0092B-C50C-407E-A947-70E740481C1C}">
+                <a14:useLocalDpi xmlns:a14="http://schemas.microsoft.com/office/drawing/2010/main" val="0"/>
+              </a:ext>
+              <a:ext uri="{96DAC541-7B7A-43D3-8B79-37D633B846F1}">
+                <asvg:svgBlip xmlns:asvg="http://schemas.microsoft.com/office/drawing/2016/SVG/main" r:embed="rId12"/>
+              </a:ext>
+            </a:extLst>
+          </a:blip>
+          <a:stretch>
+            <a:fillRect/>
+          </a:stretch>
+        </a:blipFill>
+        <a:ln>
+          <a:noFill/>
+        </a:ln>
+      </dgm:spPr>
+      <dgm:extLst>
+        <a:ext uri="{E40237B7-FDA0-4F09-8148-C483321AD2D9}">
+          <dgm14:cNvPr xmlns:dgm14="http://schemas.microsoft.com/office/drawing/2010/diagram" id="0" name="" descr="Bar chart"/>
+        </a:ext>
+      </dgm:extLst>
+    </dgm:pt>
+    <dgm:pt modelId="{D47F51E2-2CD1-48E4-9A8C-9D4490C8401A}" type="pres">
+      <dgm:prSet presAssocID="{1829E5B3-4239-40BD-B38B-44D9923F7F47}" presName="spaceRect" presStyleCnt="0"/>
+      <dgm:spPr/>
+    </dgm:pt>
+    <dgm:pt modelId="{7D512848-7C80-4833-A9D8-A0B168D3B482}" type="pres">
+      <dgm:prSet presAssocID="{1829E5B3-4239-40BD-B38B-44D9923F7F47}" presName="parTx" presStyleLbl="revTx" presStyleIdx="5" presStyleCnt="6">
+        <dgm:presLayoutVars>
+          <dgm:chMax val="0"/>
+          <dgm:chPref val="0"/>
+        </dgm:presLayoutVars>
+      </dgm:prSet>
+      <dgm:spPr/>
+    </dgm:pt>
+  </dgm:ptLst>
+  <dgm:cxnLst>
+    <dgm:cxn modelId="{63B7B500-2ECD-4EB6-A9DB-7B9467F55D0D}" type="presOf" srcId="{1829E5B3-4239-40BD-B38B-44D9923F7F47}" destId="{7D512848-7C80-4833-A9D8-A0B168D3B482}" srcOrd="0" destOrd="0" presId="urn:microsoft.com/office/officeart/2018/2/layout/IconVerticalSolidList"/>
+    <dgm:cxn modelId="{CBD81709-DFCD-4AFC-9BCF-34112444137A}" srcId="{65E766CA-5F07-42E3-8610-B4532427CF7D}" destId="{1829E5B3-4239-40BD-B38B-44D9923F7F47}" srcOrd="5" destOrd="0" parTransId="{A73B8A4A-BE87-4748-B020-D733CAB07E7D}" sibTransId="{28FF1035-A579-453F-B0DF-07AB992C3F0E}"/>
+    <dgm:cxn modelId="{4DAF011C-5523-4925-A59C-EAAC19842E41}" srcId="{65E766CA-5F07-42E3-8610-B4532427CF7D}" destId="{FBE2AE91-992F-44F0-BA01-1337A9AEA998}" srcOrd="4" destOrd="0" parTransId="{B42BBB98-0DAD-43D2-BBAB-F618BB40B07C}" sibTransId="{07980151-A11E-47F2-847A-9A354D3E2EA9}"/>
+    <dgm:cxn modelId="{001D0D3B-FAA1-4483-9C58-68D22DC09B9E}" type="presOf" srcId="{FBE2AE91-992F-44F0-BA01-1337A9AEA998}" destId="{B9B7FB8C-767D-4FE2-8B14-3C93DB99B10C}" srcOrd="0" destOrd="0" presId="urn:microsoft.com/office/officeart/2018/2/layout/IconVerticalSolidList"/>
+    <dgm:cxn modelId="{9784C25B-FAA9-4496-A610-A6C44A43AB28}" srcId="{65E766CA-5F07-42E3-8610-B4532427CF7D}" destId="{4E857B33-F061-4528-8578-5C497DF46525}" srcOrd="2" destOrd="0" parTransId="{4C1D4D96-116B-4BD6-8195-3A9B9584C532}" sibTransId="{E20AB3E6-14C8-4E08-AF6F-C749480DA3CE}"/>
+    <dgm:cxn modelId="{908EC35E-46AF-4658-9648-9887CC3FA4A2}" srcId="{65E766CA-5F07-42E3-8610-B4532427CF7D}" destId="{8775BE4B-91CD-4E13-B5D4-9CA2CF13298E}" srcOrd="1" destOrd="0" parTransId="{8CBE5697-F745-415C-AE5D-A178D3DFBD66}" sibTransId="{D2824199-343D-4CD5-B0D5-FADC944BFA11}"/>
+    <dgm:cxn modelId="{EF073462-21DE-43F2-9C67-A6F08C7C2D42}" srcId="{65E766CA-5F07-42E3-8610-B4532427CF7D}" destId="{0F4A2E6B-F5DA-4F29-A320-912D9E776CBF}" srcOrd="3" destOrd="0" parTransId="{A044D1CC-86E4-4014-9354-5AEBCB3AC07E}" sibTransId="{3F04B0AA-3225-47C3-8A38-52AD470B6284}"/>
+    <dgm:cxn modelId="{ACBD6264-F216-49DB-8823-6BA2082EAA67}" type="presOf" srcId="{65E766CA-5F07-42E3-8610-B4532427CF7D}" destId="{DC5C12B1-D6D9-4E77-93E9-2BAF487F89DA}" srcOrd="0" destOrd="0" presId="urn:microsoft.com/office/officeart/2018/2/layout/IconVerticalSolidList"/>
+    <dgm:cxn modelId="{AA660094-7F9F-49C3-AE79-024440C17B0E}" srcId="{65E766CA-5F07-42E3-8610-B4532427CF7D}" destId="{7DDB86EF-A527-4532-89C3-24A27B793BDA}" srcOrd="0" destOrd="0" parTransId="{F3804465-7488-414D-8607-C466A0CAA49D}" sibTransId="{62124337-350F-4AC5-930D-3E0358551D21}"/>
+    <dgm:cxn modelId="{7A351294-DFC3-46BB-A318-F608BBD05C1D}" type="presOf" srcId="{8775BE4B-91CD-4E13-B5D4-9CA2CF13298E}" destId="{E5642B59-79D5-4AD7-B291-78B837352C0E}" srcOrd="0" destOrd="0" presId="urn:microsoft.com/office/officeart/2018/2/layout/IconVerticalSolidList"/>
+    <dgm:cxn modelId="{677C74C8-A65A-40B9-9E68-C24090AA36EB}" type="presOf" srcId="{7DDB86EF-A527-4532-89C3-24A27B793BDA}" destId="{388709E5-3665-4121-96AE-CDA8783C0803}" srcOrd="0" destOrd="0" presId="urn:microsoft.com/office/officeart/2018/2/layout/IconVerticalSolidList"/>
+    <dgm:cxn modelId="{6297DAD3-FCDC-4505-890E-182ACBD4AC46}" type="presOf" srcId="{4E857B33-F061-4528-8578-5C497DF46525}" destId="{B1BC8293-9433-49A9-97D0-C60668C4B9EF}" srcOrd="0" destOrd="0" presId="urn:microsoft.com/office/officeart/2018/2/layout/IconVerticalSolidList"/>
+    <dgm:cxn modelId="{2F3127EF-1B59-44A5-A980-4ACBFCF4C652}" type="presOf" srcId="{0F4A2E6B-F5DA-4F29-A320-912D9E776CBF}" destId="{E2521213-F4F2-4890-AFB1-05C76A8D3FCB}" srcOrd="0" destOrd="0" presId="urn:microsoft.com/office/officeart/2018/2/layout/IconVerticalSolidList"/>
+    <dgm:cxn modelId="{68CF79A8-D9CF-4F81-8A76-6AA192FDB13E}" type="presParOf" srcId="{DC5C12B1-D6D9-4E77-93E9-2BAF487F89DA}" destId="{E2A0B06A-A3FD-4AB4-95C5-4406862AEC22}" srcOrd="0" destOrd="0" presId="urn:microsoft.com/office/officeart/2018/2/layout/IconVerticalSolidList"/>
+    <dgm:cxn modelId="{6C51A245-2D25-4473-ADF3-ABF2FD0893F2}" type="presParOf" srcId="{E2A0B06A-A3FD-4AB4-95C5-4406862AEC22}" destId="{8EEC5F2D-028A-459C-838C-DDD456F621E0}" srcOrd="0" destOrd="0" presId="urn:microsoft.com/office/officeart/2018/2/layout/IconVerticalSolidList"/>
+    <dgm:cxn modelId="{845E6223-8F49-42B5-8990-939248C90E58}" type="presParOf" srcId="{E2A0B06A-A3FD-4AB4-95C5-4406862AEC22}" destId="{03EDD7C3-3ADC-4CDA-BEC1-EB09B94697D2}" srcOrd="1" destOrd="0" presId="urn:microsoft.com/office/officeart/2018/2/layout/IconVerticalSolidList"/>
+    <dgm:cxn modelId="{A3D462E2-7110-4A4B-BD3D-EC9C5AC8638C}" type="presParOf" srcId="{E2A0B06A-A3FD-4AB4-95C5-4406862AEC22}" destId="{2790A7F3-0879-4634-BD7F-62D346993B62}" srcOrd="2" destOrd="0" presId="urn:microsoft.com/office/officeart/2018/2/layout/IconVerticalSolidList"/>
+    <dgm:cxn modelId="{98F8793A-B7DE-4366-91DC-BF7CA1462C3E}" type="presParOf" srcId="{E2A0B06A-A3FD-4AB4-95C5-4406862AEC22}" destId="{388709E5-3665-4121-96AE-CDA8783C0803}" srcOrd="3" destOrd="0" presId="urn:microsoft.com/office/officeart/2018/2/layout/IconVerticalSolidList"/>
+    <dgm:cxn modelId="{E033F95B-8CA3-42D6-A8CD-5CCDB309B267}" type="presParOf" srcId="{DC5C12B1-D6D9-4E77-93E9-2BAF487F89DA}" destId="{9DFB78EC-3D19-4477-9CD0-F3C26A34FB20}" srcOrd="1" destOrd="0" presId="urn:microsoft.com/office/officeart/2018/2/layout/IconVerticalSolidList"/>
+    <dgm:cxn modelId="{2D13F88B-9F17-46F7-B61A-7D356FB26D03}" type="presParOf" srcId="{DC5C12B1-D6D9-4E77-93E9-2BAF487F89DA}" destId="{056A8D92-FF12-4397-BE4B-5C0685C9430A}" srcOrd="2" destOrd="0" presId="urn:microsoft.com/office/officeart/2018/2/layout/IconVerticalSolidList"/>
+    <dgm:cxn modelId="{19ABE5B3-0796-4319-8025-402C0567FA0F}" type="presParOf" srcId="{056A8D92-FF12-4397-BE4B-5C0685C9430A}" destId="{E2F9343B-9194-4ED5-9108-12CA03BE397A}" srcOrd="0" destOrd="0" presId="urn:microsoft.com/office/officeart/2018/2/layout/IconVerticalSolidList"/>
+    <dgm:cxn modelId="{1F50C963-71A7-4500-BC3E-4A2BE5ABBE8A}" type="presParOf" srcId="{056A8D92-FF12-4397-BE4B-5C0685C9430A}" destId="{8731F683-B4ED-42EC-AB94-E885702A0433}" srcOrd="1" destOrd="0" presId="urn:microsoft.com/office/officeart/2018/2/layout/IconVerticalSolidList"/>
+    <dgm:cxn modelId="{CFEC7FAD-B048-4D6B-8793-51635305B6D7}" type="presParOf" srcId="{056A8D92-FF12-4397-BE4B-5C0685C9430A}" destId="{AD6DCFF4-1E12-4CC2-8E95-5FD41E6FA9A7}" srcOrd="2" destOrd="0" presId="urn:microsoft.com/office/officeart/2018/2/layout/IconVerticalSolidList"/>
+    <dgm:cxn modelId="{78EC0CA5-DB40-4A43-A9F0-ADECD8E3DF6C}" type="presParOf" srcId="{056A8D92-FF12-4397-BE4B-5C0685C9430A}" destId="{E5642B59-79D5-4AD7-B291-78B837352C0E}" srcOrd="3" destOrd="0" presId="urn:microsoft.com/office/officeart/2018/2/layout/IconVerticalSolidList"/>
+    <dgm:cxn modelId="{EAC05C54-F049-4FB2-8CBF-4F2EAA095B11}" type="presParOf" srcId="{DC5C12B1-D6D9-4E77-93E9-2BAF487F89DA}" destId="{EB4FE269-2DDD-4653-A849-856C145B9562}" srcOrd="3" destOrd="0" presId="urn:microsoft.com/office/officeart/2018/2/layout/IconVerticalSolidList"/>
+    <dgm:cxn modelId="{3EF050A5-F1F0-4AF7-89F8-A5AB400C6840}" type="presParOf" srcId="{DC5C12B1-D6D9-4E77-93E9-2BAF487F89DA}" destId="{139FC032-29A4-448A-920A-70F67E4BDDAE}" srcOrd="4" destOrd="0" presId="urn:microsoft.com/office/officeart/2018/2/layout/IconVerticalSolidList"/>
+    <dgm:cxn modelId="{B20287C0-B9F4-4BAB-937A-A0C19CABC7BB}" type="presParOf" srcId="{139FC032-29A4-448A-920A-70F67E4BDDAE}" destId="{4539A30B-BD30-4576-839C-600EE561FFF6}" srcOrd="0" destOrd="0" presId="urn:microsoft.com/office/officeart/2018/2/layout/IconVerticalSolidList"/>
+    <dgm:cxn modelId="{D4F09F5D-C82A-437C-BABD-5A2AFCD281B9}" type="presParOf" srcId="{139FC032-29A4-448A-920A-70F67E4BDDAE}" destId="{EA94339E-33F1-4971-B8E5-E13A0CC5862C}" srcOrd="1" destOrd="0" presId="urn:microsoft.com/office/officeart/2018/2/layout/IconVerticalSolidList"/>
+    <dgm:cxn modelId="{D77A6227-092F-4DB4-975F-79AEFE92222B}" type="presParOf" srcId="{139FC032-29A4-448A-920A-70F67E4BDDAE}" destId="{33914D17-B1F2-424C-9470-6CE436EB4E3F}" srcOrd="2" destOrd="0" presId="urn:microsoft.com/office/officeart/2018/2/layout/IconVerticalSolidList"/>
+    <dgm:cxn modelId="{C15A6A1A-81EF-4FEF-A970-EB4C0C52330D}" type="presParOf" srcId="{139FC032-29A4-448A-920A-70F67E4BDDAE}" destId="{B1BC8293-9433-49A9-97D0-C60668C4B9EF}" srcOrd="3" destOrd="0" presId="urn:microsoft.com/office/officeart/2018/2/layout/IconVerticalSolidList"/>
+    <dgm:cxn modelId="{55A6CA5A-817E-4959-8609-C1A270DA3843}" type="presParOf" srcId="{DC5C12B1-D6D9-4E77-93E9-2BAF487F89DA}" destId="{8255D33F-879F-4B99-8877-DED5EB6EC7E1}" srcOrd="5" destOrd="0" presId="urn:microsoft.com/office/officeart/2018/2/layout/IconVerticalSolidList"/>
+    <dgm:cxn modelId="{083B2601-4EAD-478D-A69A-9CA1C703E700}" type="presParOf" srcId="{DC5C12B1-D6D9-4E77-93E9-2BAF487F89DA}" destId="{4B87D577-3BE5-4CF2-A680-9F98F058048A}" srcOrd="6" destOrd="0" presId="urn:microsoft.com/office/officeart/2018/2/layout/IconVerticalSolidList"/>
+    <dgm:cxn modelId="{3E4DA14D-99FD-47B4-8673-B03F41867BBB}" type="presParOf" srcId="{4B87D577-3BE5-4CF2-A680-9F98F058048A}" destId="{F86FF93E-356E-491A-A772-725657F7A28A}" srcOrd="0" destOrd="0" presId="urn:microsoft.com/office/officeart/2018/2/layout/IconVerticalSolidList"/>
+    <dgm:cxn modelId="{6E137FBC-0FD4-41D7-A4CB-E6DCBB87AF2D}" type="presParOf" srcId="{4B87D577-3BE5-4CF2-A680-9F98F058048A}" destId="{C3B8CEA7-A95B-4CF7-8D66-91962C065327}" srcOrd="1" destOrd="0" presId="urn:microsoft.com/office/officeart/2018/2/layout/IconVerticalSolidList"/>
+    <dgm:cxn modelId="{6A92FD95-E34C-44F5-B624-7C7B1FDB472B}" type="presParOf" srcId="{4B87D577-3BE5-4CF2-A680-9F98F058048A}" destId="{B55C28C2-FBFB-44EE-B960-1A860DD2FD9F}" srcOrd="2" destOrd="0" presId="urn:microsoft.com/office/officeart/2018/2/layout/IconVerticalSolidList"/>
+    <dgm:cxn modelId="{FDFE46A0-6D74-4E6C-AB31-E93882CC9DDD}" type="presParOf" srcId="{4B87D577-3BE5-4CF2-A680-9F98F058048A}" destId="{E2521213-F4F2-4890-AFB1-05C76A8D3FCB}" srcOrd="3" destOrd="0" presId="urn:microsoft.com/office/officeart/2018/2/layout/IconVerticalSolidList"/>
+    <dgm:cxn modelId="{AFA10025-529A-4D17-9EDD-2F1801A748AD}" type="presParOf" srcId="{DC5C12B1-D6D9-4E77-93E9-2BAF487F89DA}" destId="{A64B3137-86D8-4EF2-B121-2666103A739F}" srcOrd="7" destOrd="0" presId="urn:microsoft.com/office/officeart/2018/2/layout/IconVerticalSolidList"/>
+    <dgm:cxn modelId="{508C7140-6D31-46F4-A5FE-A942AF531E8D}" type="presParOf" srcId="{DC5C12B1-D6D9-4E77-93E9-2BAF487F89DA}" destId="{03E4A6A8-341C-4BD9-8CB1-852A261D2019}" srcOrd="8" destOrd="0" presId="urn:microsoft.com/office/officeart/2018/2/layout/IconVerticalSolidList"/>
+    <dgm:cxn modelId="{EEAE2699-C6D6-4084-9DC5-ED98B8F3D15F}" type="presParOf" srcId="{03E4A6A8-341C-4BD9-8CB1-852A261D2019}" destId="{08FE9A4C-A673-4795-B974-ADBEAE4CCD02}" srcOrd="0" destOrd="0" presId="urn:microsoft.com/office/officeart/2018/2/layout/IconVerticalSolidList"/>
+    <dgm:cxn modelId="{2959F4BE-B971-42AD-BECF-6083C117F2DE}" type="presParOf" srcId="{03E4A6A8-341C-4BD9-8CB1-852A261D2019}" destId="{4D14CE0A-AF2C-4D06-9852-6A5CFDE252C2}" srcOrd="1" destOrd="0" presId="urn:microsoft.com/office/officeart/2018/2/layout/IconVerticalSolidList"/>
+    <dgm:cxn modelId="{7C6BA01A-D071-4F99-9316-C4D1BF319098}" type="presParOf" srcId="{03E4A6A8-341C-4BD9-8CB1-852A261D2019}" destId="{D626BCED-61B4-4028-8279-6DAE1619AB67}" srcOrd="2" destOrd="0" presId="urn:microsoft.com/office/officeart/2018/2/layout/IconVerticalSolidList"/>
+    <dgm:cxn modelId="{7811E420-62A4-4725-AE1F-2A467D83A5C7}" type="presParOf" srcId="{03E4A6A8-341C-4BD9-8CB1-852A261D2019}" destId="{B9B7FB8C-767D-4FE2-8B14-3C93DB99B10C}" srcOrd="3" destOrd="0" presId="urn:microsoft.com/office/officeart/2018/2/layout/IconVerticalSolidList"/>
+    <dgm:cxn modelId="{951A4741-4B23-419A-9B19-1EB9572158DC}" type="presParOf" srcId="{DC5C12B1-D6D9-4E77-93E9-2BAF487F89DA}" destId="{7526737A-D445-4140-B11E-DEB1AE3CA8DA}" srcOrd="9" destOrd="0" presId="urn:microsoft.com/office/officeart/2018/2/layout/IconVerticalSolidList"/>
+    <dgm:cxn modelId="{8E5E81B3-BB0F-47FC-B3BD-356E849D09CC}" type="presParOf" srcId="{DC5C12B1-D6D9-4E77-93E9-2BAF487F89DA}" destId="{1BD3734F-AF2A-4560-B108-7E67A3648BEB}" srcOrd="10" destOrd="0" presId="urn:microsoft.com/office/officeart/2018/2/layout/IconVerticalSolidList"/>
+    <dgm:cxn modelId="{62642D56-D0D8-4BBA-8812-197E21D5DA29}" type="presParOf" srcId="{1BD3734F-AF2A-4560-B108-7E67A3648BEB}" destId="{5EDDC7B2-FFC0-49AB-9983-E86F3F3A1C0F}" srcOrd="0" destOrd="0" presId="urn:microsoft.com/office/officeart/2018/2/layout/IconVerticalSolidList"/>
+    <dgm:cxn modelId="{039CBA2A-7756-471E-996C-DA131354F4A7}" type="presParOf" srcId="{1BD3734F-AF2A-4560-B108-7E67A3648BEB}" destId="{2AEE7F50-91FB-44E0-B029-3983C6E732A7}" srcOrd="1" destOrd="0" presId="urn:microsoft.com/office/officeart/2018/2/layout/IconVerticalSolidList"/>
+    <dgm:cxn modelId="{D0C3D7F2-47CB-4CA4-AF20-D7505908F9FC}" type="presParOf" srcId="{1BD3734F-AF2A-4560-B108-7E67A3648BEB}" destId="{D47F51E2-2CD1-48E4-9A8C-9D4490C8401A}" srcOrd="2" destOrd="0" presId="urn:microsoft.com/office/officeart/2018/2/layout/IconVerticalSolidList"/>
+    <dgm:cxn modelId="{F6D3914E-88FE-4BAB-937A-81071DD2CB0E}" type="presParOf" srcId="{1BD3734F-AF2A-4560-B108-7E67A3648BEB}" destId="{7D512848-7C80-4833-A9D8-A0B168D3B482}" srcOrd="3" destOrd="0" presId="urn:microsoft.com/office/officeart/2018/2/layout/IconVerticalSolidList"/>
+  </dgm:cxnLst>
+  <dgm:bg/>
+  <dgm:whole/>
+  <dgm:extLst>
+    <a:ext uri="http://schemas.microsoft.com/office/drawing/2008/diagram">
+      <dsp:dataModelExt xmlns:dsp="http://schemas.microsoft.com/office/drawing/2008/diagram" relId="rId6" minVer="http://schemas.openxmlformats.org/drawingml/2006/diagram"/>
+    </a:ext>
+  </dgm:extLst>
+</dgm:dataModel>
+</file>
+
+<file path=ppt/diagrams/drawing1.xml><?xml version="1.0" encoding="utf-8"?>
+<dsp:drawing xmlns:dgm="http://schemas.openxmlformats.org/drawingml/2006/diagram" xmlns:dsp="http://schemas.microsoft.com/office/drawing/2008/diagram" xmlns:a="http://schemas.openxmlformats.org/drawingml/2006/main">
+  <dsp:spTree>
+    <dsp:nvGrpSpPr>
+      <dsp:cNvPr id="0" name=""/>
+      <dsp:cNvGrpSpPr/>
+    </dsp:nvGrpSpPr>
+    <dsp:grpSpPr/>
+    <dsp:sp modelId="{8EEC5F2D-028A-459C-838C-DDD456F621E0}">
+      <dsp:nvSpPr>
+        <dsp:cNvPr id="0" name=""/>
+        <dsp:cNvSpPr/>
+      </dsp:nvSpPr>
+      <dsp:spPr>
+        <a:xfrm>
+          <a:off x="0" y="1301"/>
+          <a:ext cx="9720262" cy="554499"/>
+        </a:xfrm>
+        <a:prstGeom prst="roundRect">
+          <a:avLst>
+            <a:gd name="adj" fmla="val 10000"/>
+          </a:avLst>
+        </a:prstGeom>
+        <a:solidFill>
+          <a:schemeClr val="bg1">
+            <a:lumMod val="95000"/>
+            <a:hueOff val="0"/>
+            <a:satOff val="0"/>
+            <a:lumOff val="0"/>
+            <a:alphaOff val="0"/>
+          </a:schemeClr>
+        </a:solidFill>
+        <a:ln>
+          <a:noFill/>
+        </a:ln>
+        <a:effectLst/>
+      </dsp:spPr>
+      <dsp:style>
+        <a:lnRef idx="0">
+          <a:scrgbClr r="0" g="0" b="0"/>
+        </a:lnRef>
+        <a:fillRef idx="1">
+          <a:scrgbClr r="0" g="0" b="0"/>
+        </a:fillRef>
+        <a:effectRef idx="0">
+          <a:scrgbClr r="0" g="0" b="0"/>
+        </a:effectRef>
+        <a:fontRef idx="minor"/>
+      </dsp:style>
+    </dsp:sp>
+    <dsp:sp modelId="{03EDD7C3-3ADC-4CDA-BEC1-EB09B94697D2}">
+      <dsp:nvSpPr>
+        <dsp:cNvPr id="0" name=""/>
+        <dsp:cNvSpPr/>
+      </dsp:nvSpPr>
+      <dsp:spPr>
+        <a:xfrm>
+          <a:off x="167736" y="126063"/>
+          <a:ext cx="304974" cy="304974"/>
+        </a:xfrm>
+        <a:prstGeom prst="rect">
+          <a:avLst/>
+        </a:prstGeom>
+        <a:blipFill>
+          <a:blip xmlns:r="http://schemas.openxmlformats.org/officeDocument/2006/relationships" r:embed="rId1">
+            <a:extLst>
+              <a:ext uri="{28A0092B-C50C-407E-A947-70E740481C1C}">
+                <a14:useLocalDpi xmlns:a14="http://schemas.microsoft.com/office/drawing/2010/main" val="0"/>
+              </a:ext>
+              <a:ext uri="{96DAC541-7B7A-43D3-8B79-37D633B846F1}">
+                <asvg:svgBlip xmlns:asvg="http://schemas.microsoft.com/office/drawing/2016/SVG/main" r:embed="rId2"/>
+              </a:ext>
+            </a:extLst>
+          </a:blip>
+          <a:stretch>
+            <a:fillRect/>
+          </a:stretch>
+        </a:blipFill>
+        <a:ln w="15875" cap="flat" cmpd="sng" algn="ctr">
+          <a:noFill/>
+          <a:prstDash val="solid"/>
+        </a:ln>
+        <a:effectLst/>
+      </dsp:spPr>
+      <dsp:style>
+        <a:lnRef idx="2">
+          <a:scrgbClr r="0" g="0" b="0"/>
+        </a:lnRef>
+        <a:fillRef idx="1">
+          <a:scrgbClr r="0" g="0" b="0"/>
+        </a:fillRef>
+        <a:effectRef idx="0">
+          <a:scrgbClr r="0" g="0" b="0"/>
+        </a:effectRef>
+        <a:fontRef idx="minor">
+          <a:schemeClr val="lt1"/>
+        </a:fontRef>
+      </dsp:style>
+    </dsp:sp>
+    <dsp:sp modelId="{388709E5-3665-4121-96AE-CDA8783C0803}">
+      <dsp:nvSpPr>
+        <dsp:cNvPr id="0" name=""/>
+        <dsp:cNvSpPr/>
+      </dsp:nvSpPr>
+      <dsp:spPr>
+        <a:xfrm>
+          <a:off x="640447" y="1301"/>
+          <a:ext cx="9079814" cy="554499"/>
+        </a:xfrm>
+        <a:prstGeom prst="rect">
+          <a:avLst/>
+        </a:prstGeom>
+        <a:noFill/>
+        <a:ln>
+          <a:noFill/>
+        </a:ln>
+        <a:effectLst/>
+      </dsp:spPr>
+      <dsp:style>
+        <a:lnRef idx="0">
+          <a:scrgbClr r="0" g="0" b="0"/>
+        </a:lnRef>
+        <a:fillRef idx="0">
+          <a:scrgbClr r="0" g="0" b="0"/>
+        </a:fillRef>
+        <a:effectRef idx="0">
+          <a:scrgbClr r="0" g="0" b="0"/>
+        </a:effectRef>
+        <a:fontRef idx="minor"/>
+      </dsp:style>
+      <dsp:txBody>
+        <a:bodyPr spcFirstLastPara="0" vert="horz" wrap="square" lIns="58685" tIns="58685" rIns="58685" bIns="58685" numCol="1" spcCol="1270" anchor="ctr" anchorCtr="0">
+          <a:noAutofit/>
+        </a:bodyPr>
+        <a:lstStyle/>
+        <a:p>
+          <a:pPr marL="0" lvl="0" indent="0" algn="l" defTabSz="844550">
+            <a:lnSpc>
+              <a:spcPct val="90000"/>
+            </a:lnSpc>
+            <a:spcBef>
+              <a:spcPct val="0"/>
+            </a:spcBef>
+            <a:spcAft>
+              <a:spcPct val="35000"/>
+            </a:spcAft>
+            <a:buNone/>
+          </a:pPr>
+          <a:r>
+            <a:rPr lang="en-US" sz="1900" kern="1200" dirty="0"/>
+            <a:t>Moudle1 Fixed-Income Securities : Defining Elements</a:t>
+          </a:r>
+        </a:p>
+      </dsp:txBody>
+      <dsp:txXfrm>
+        <a:off x="640447" y="1301"/>
+        <a:ext cx="9079814" cy="554499"/>
+      </dsp:txXfrm>
+    </dsp:sp>
+    <dsp:sp modelId="{E2F9343B-9194-4ED5-9108-12CA03BE397A}">
+      <dsp:nvSpPr>
+        <dsp:cNvPr id="0" name=""/>
+        <dsp:cNvSpPr/>
+      </dsp:nvSpPr>
+      <dsp:spPr>
+        <a:xfrm>
+          <a:off x="0" y="694425"/>
+          <a:ext cx="9720262" cy="554499"/>
+        </a:xfrm>
+        <a:prstGeom prst="roundRect">
+          <a:avLst>
+            <a:gd name="adj" fmla="val 10000"/>
+          </a:avLst>
+        </a:prstGeom>
+        <a:solidFill>
+          <a:schemeClr val="bg1">
+            <a:lumMod val="95000"/>
+            <a:hueOff val="0"/>
+            <a:satOff val="0"/>
+            <a:lumOff val="0"/>
+            <a:alphaOff val="0"/>
+          </a:schemeClr>
+        </a:solidFill>
+        <a:ln>
+          <a:noFill/>
+        </a:ln>
+        <a:effectLst/>
+      </dsp:spPr>
+      <dsp:style>
+        <a:lnRef idx="0">
+          <a:scrgbClr r="0" g="0" b="0"/>
+        </a:lnRef>
+        <a:fillRef idx="1">
+          <a:scrgbClr r="0" g="0" b="0"/>
+        </a:fillRef>
+        <a:effectRef idx="0">
+          <a:scrgbClr r="0" g="0" b="0"/>
+        </a:effectRef>
+        <a:fontRef idx="minor"/>
+      </dsp:style>
+    </dsp:sp>
+    <dsp:sp modelId="{8731F683-B4ED-42EC-AB94-E885702A0433}">
+      <dsp:nvSpPr>
+        <dsp:cNvPr id="0" name=""/>
+        <dsp:cNvSpPr/>
+      </dsp:nvSpPr>
+      <dsp:spPr>
+        <a:xfrm>
+          <a:off x="167736" y="819188"/>
+          <a:ext cx="304974" cy="304974"/>
+        </a:xfrm>
+        <a:prstGeom prst="rect">
+          <a:avLst/>
+        </a:prstGeom>
+        <a:blipFill>
+          <a:blip xmlns:r="http://schemas.openxmlformats.org/officeDocument/2006/relationships" r:embed="rId3">
+            <a:extLst>
+              <a:ext uri="{28A0092B-C50C-407E-A947-70E740481C1C}">
+                <a14:useLocalDpi xmlns:a14="http://schemas.microsoft.com/office/drawing/2010/main" val="0"/>
+              </a:ext>
+              <a:ext uri="{96DAC541-7B7A-43D3-8B79-37D633B846F1}">
+                <asvg:svgBlip xmlns:asvg="http://schemas.microsoft.com/office/drawing/2016/SVG/main" r:embed="rId4"/>
+              </a:ext>
+            </a:extLst>
+          </a:blip>
+          <a:stretch>
+            <a:fillRect/>
+          </a:stretch>
+        </a:blipFill>
+        <a:ln w="15875" cap="flat" cmpd="sng" algn="ctr">
+          <a:noFill/>
+          <a:prstDash val="solid"/>
+        </a:ln>
+        <a:effectLst/>
+      </dsp:spPr>
+      <dsp:style>
+        <a:lnRef idx="2">
+          <a:scrgbClr r="0" g="0" b="0"/>
+        </a:lnRef>
+        <a:fillRef idx="1">
+          <a:scrgbClr r="0" g="0" b="0"/>
+        </a:fillRef>
+        <a:effectRef idx="0">
+          <a:scrgbClr r="0" g="0" b="0"/>
+        </a:effectRef>
+        <a:fontRef idx="minor">
+          <a:schemeClr val="lt1"/>
+        </a:fontRef>
+      </dsp:style>
+    </dsp:sp>
+    <dsp:sp modelId="{E5642B59-79D5-4AD7-B291-78B837352C0E}">
+      <dsp:nvSpPr>
+        <dsp:cNvPr id="0" name=""/>
+        <dsp:cNvSpPr/>
+      </dsp:nvSpPr>
+      <dsp:spPr>
+        <a:xfrm>
+          <a:off x="640447" y="694425"/>
+          <a:ext cx="9079814" cy="554499"/>
+        </a:xfrm>
+        <a:prstGeom prst="rect">
+          <a:avLst/>
+        </a:prstGeom>
+        <a:noFill/>
+        <a:ln>
+          <a:noFill/>
+        </a:ln>
+        <a:effectLst/>
+      </dsp:spPr>
+      <dsp:style>
+        <a:lnRef idx="0">
+          <a:scrgbClr r="0" g="0" b="0"/>
+        </a:lnRef>
+        <a:fillRef idx="0">
+          <a:scrgbClr r="0" g="0" b="0"/>
+        </a:fillRef>
+        <a:effectRef idx="0">
+          <a:scrgbClr r="0" g="0" b="0"/>
+        </a:effectRef>
+        <a:fontRef idx="minor"/>
+      </dsp:style>
+      <dsp:txBody>
+        <a:bodyPr spcFirstLastPara="0" vert="horz" wrap="square" lIns="58685" tIns="58685" rIns="58685" bIns="58685" numCol="1" spcCol="1270" anchor="ctr" anchorCtr="0">
+          <a:noAutofit/>
+        </a:bodyPr>
+        <a:lstStyle/>
+        <a:p>
+          <a:pPr marL="0" lvl="0" indent="0" algn="l" defTabSz="844550">
+            <a:lnSpc>
+              <a:spcPct val="90000"/>
+            </a:lnSpc>
+            <a:spcBef>
+              <a:spcPct val="0"/>
+            </a:spcBef>
+            <a:spcAft>
+              <a:spcPct val="35000"/>
+            </a:spcAft>
+            <a:buNone/>
+          </a:pPr>
+          <a:r>
+            <a:rPr lang="en-US" sz="1900" kern="1200"/>
+            <a:t>Moudle2 Fixed-Income Markets : Issuance, Trading, and Funding</a:t>
+          </a:r>
+        </a:p>
+      </dsp:txBody>
+      <dsp:txXfrm>
+        <a:off x="640447" y="694425"/>
+        <a:ext cx="9079814" cy="554499"/>
+      </dsp:txXfrm>
+    </dsp:sp>
+    <dsp:sp modelId="{4539A30B-BD30-4576-839C-600EE561FFF6}">
+      <dsp:nvSpPr>
+        <dsp:cNvPr id="0" name=""/>
+        <dsp:cNvSpPr/>
+      </dsp:nvSpPr>
+      <dsp:spPr>
+        <a:xfrm>
+          <a:off x="0" y="1387550"/>
+          <a:ext cx="9720262" cy="554499"/>
+        </a:xfrm>
+        <a:prstGeom prst="roundRect">
+          <a:avLst>
+            <a:gd name="adj" fmla="val 10000"/>
+          </a:avLst>
+        </a:prstGeom>
+        <a:solidFill>
+          <a:schemeClr val="bg1">
+            <a:lumMod val="95000"/>
+            <a:hueOff val="0"/>
+            <a:satOff val="0"/>
+            <a:lumOff val="0"/>
+            <a:alphaOff val="0"/>
+          </a:schemeClr>
+        </a:solidFill>
+        <a:ln>
+          <a:noFill/>
+        </a:ln>
+        <a:effectLst/>
+      </dsp:spPr>
+      <dsp:style>
+        <a:lnRef idx="0">
+          <a:scrgbClr r="0" g="0" b="0"/>
+        </a:lnRef>
+        <a:fillRef idx="1">
+          <a:scrgbClr r="0" g="0" b="0"/>
+        </a:fillRef>
+        <a:effectRef idx="0">
+          <a:scrgbClr r="0" g="0" b="0"/>
+        </a:effectRef>
+        <a:fontRef idx="minor"/>
+      </dsp:style>
+    </dsp:sp>
+    <dsp:sp modelId="{EA94339E-33F1-4971-B8E5-E13A0CC5862C}">
+      <dsp:nvSpPr>
+        <dsp:cNvPr id="0" name=""/>
+        <dsp:cNvSpPr/>
+      </dsp:nvSpPr>
+      <dsp:spPr>
+        <a:xfrm>
+          <a:off x="167736" y="1512312"/>
+          <a:ext cx="304974" cy="304974"/>
+        </a:xfrm>
+        <a:prstGeom prst="rect">
+          <a:avLst/>
+        </a:prstGeom>
+        <a:blipFill>
+          <a:blip xmlns:r="http://schemas.openxmlformats.org/officeDocument/2006/relationships" r:embed="rId5">
+            <a:extLst>
+              <a:ext uri="{28A0092B-C50C-407E-A947-70E740481C1C}">
+                <a14:useLocalDpi xmlns:a14="http://schemas.microsoft.com/office/drawing/2010/main" val="0"/>
+              </a:ext>
+              <a:ext uri="{96DAC541-7B7A-43D3-8B79-37D633B846F1}">
+                <asvg:svgBlip xmlns:asvg="http://schemas.microsoft.com/office/drawing/2016/SVG/main" r:embed="rId6"/>
+              </a:ext>
+            </a:extLst>
+          </a:blip>
+          <a:stretch>
+            <a:fillRect/>
+          </a:stretch>
+        </a:blipFill>
+        <a:ln w="15875" cap="flat" cmpd="sng" algn="ctr">
+          <a:noFill/>
+          <a:prstDash val="solid"/>
+        </a:ln>
+        <a:effectLst/>
+      </dsp:spPr>
+      <dsp:style>
+        <a:lnRef idx="2">
+          <a:scrgbClr r="0" g="0" b="0"/>
+        </a:lnRef>
+        <a:fillRef idx="1">
+          <a:scrgbClr r="0" g="0" b="0"/>
+        </a:fillRef>
+        <a:effectRef idx="0">
+          <a:scrgbClr r="0" g="0" b="0"/>
+        </a:effectRef>
+        <a:fontRef idx="minor">
+          <a:schemeClr val="lt1"/>
+        </a:fontRef>
+      </dsp:style>
+    </dsp:sp>
+    <dsp:sp modelId="{B1BC8293-9433-49A9-97D0-C60668C4B9EF}">
+      <dsp:nvSpPr>
+        <dsp:cNvPr id="0" name=""/>
+        <dsp:cNvSpPr/>
+      </dsp:nvSpPr>
+      <dsp:spPr>
+        <a:xfrm>
+          <a:off x="640447" y="1387550"/>
+          <a:ext cx="9079814" cy="554499"/>
+        </a:xfrm>
+        <a:prstGeom prst="rect">
+          <a:avLst/>
+        </a:prstGeom>
+        <a:noFill/>
+        <a:ln>
+          <a:noFill/>
+        </a:ln>
+        <a:effectLst/>
+      </dsp:spPr>
+      <dsp:style>
+        <a:lnRef idx="0">
+          <a:scrgbClr r="0" g="0" b="0"/>
+        </a:lnRef>
+        <a:fillRef idx="0">
+          <a:scrgbClr r="0" g="0" b="0"/>
+        </a:fillRef>
+        <a:effectRef idx="0">
+          <a:scrgbClr r="0" g="0" b="0"/>
+        </a:effectRef>
+        <a:fontRef idx="minor"/>
+      </dsp:style>
+      <dsp:txBody>
+        <a:bodyPr spcFirstLastPara="0" vert="horz" wrap="square" lIns="58685" tIns="58685" rIns="58685" bIns="58685" numCol="1" spcCol="1270" anchor="ctr" anchorCtr="0">
+          <a:noAutofit/>
+        </a:bodyPr>
+        <a:lstStyle/>
+        <a:p>
+          <a:pPr marL="0" lvl="0" indent="0" algn="l" defTabSz="844550">
+            <a:lnSpc>
+              <a:spcPct val="90000"/>
+            </a:lnSpc>
+            <a:spcBef>
+              <a:spcPct val="0"/>
+            </a:spcBef>
+            <a:spcAft>
+              <a:spcPct val="35000"/>
+            </a:spcAft>
+            <a:buNone/>
+          </a:pPr>
+          <a:r>
+            <a:rPr lang="en-US" sz="1900" kern="1200"/>
+            <a:t>Moudle3 Introduction to Fixed-Income Valuation</a:t>
+          </a:r>
+        </a:p>
+      </dsp:txBody>
+      <dsp:txXfrm>
+        <a:off x="640447" y="1387550"/>
+        <a:ext cx="9079814" cy="554499"/>
+      </dsp:txXfrm>
+    </dsp:sp>
+    <dsp:sp modelId="{F86FF93E-356E-491A-A772-725657F7A28A}">
+      <dsp:nvSpPr>
+        <dsp:cNvPr id="0" name=""/>
+        <dsp:cNvSpPr/>
+      </dsp:nvSpPr>
+      <dsp:spPr>
+        <a:xfrm>
+          <a:off x="0" y="2080674"/>
+          <a:ext cx="9720262" cy="554499"/>
+        </a:xfrm>
+        <a:prstGeom prst="roundRect">
+          <a:avLst>
+            <a:gd name="adj" fmla="val 10000"/>
+          </a:avLst>
+        </a:prstGeom>
+        <a:solidFill>
+          <a:schemeClr val="bg1">
+            <a:lumMod val="95000"/>
+            <a:hueOff val="0"/>
+            <a:satOff val="0"/>
+            <a:lumOff val="0"/>
+            <a:alphaOff val="0"/>
+          </a:schemeClr>
+        </a:solidFill>
+        <a:ln>
+          <a:noFill/>
+        </a:ln>
+        <a:effectLst/>
+      </dsp:spPr>
+      <dsp:style>
+        <a:lnRef idx="0">
+          <a:scrgbClr r="0" g="0" b="0"/>
+        </a:lnRef>
+        <a:fillRef idx="1">
+          <a:scrgbClr r="0" g="0" b="0"/>
+        </a:fillRef>
+        <a:effectRef idx="0">
+          <a:scrgbClr r="0" g="0" b="0"/>
+        </a:effectRef>
+        <a:fontRef idx="minor"/>
+      </dsp:style>
+    </dsp:sp>
+    <dsp:sp modelId="{C3B8CEA7-A95B-4CF7-8D66-91962C065327}">
+      <dsp:nvSpPr>
+        <dsp:cNvPr id="0" name=""/>
+        <dsp:cNvSpPr/>
+      </dsp:nvSpPr>
+      <dsp:spPr>
+        <a:xfrm>
+          <a:off x="167736" y="2205437"/>
+          <a:ext cx="304974" cy="304974"/>
+        </a:xfrm>
+        <a:prstGeom prst="rect">
+          <a:avLst/>
+        </a:prstGeom>
+        <a:blipFill>
+          <a:blip xmlns:r="http://schemas.openxmlformats.org/officeDocument/2006/relationships" r:embed="rId7">
+            <a:extLst>
+              <a:ext uri="{28A0092B-C50C-407E-A947-70E740481C1C}">
+                <a14:useLocalDpi xmlns:a14="http://schemas.microsoft.com/office/drawing/2010/main" val="0"/>
+              </a:ext>
+              <a:ext uri="{96DAC541-7B7A-43D3-8B79-37D633B846F1}">
+                <asvg:svgBlip xmlns:asvg="http://schemas.microsoft.com/office/drawing/2016/SVG/main" r:embed="rId8"/>
+              </a:ext>
+            </a:extLst>
+          </a:blip>
+          <a:stretch>
+            <a:fillRect/>
+          </a:stretch>
+        </a:blipFill>
+        <a:ln w="15875" cap="flat" cmpd="sng" algn="ctr">
+          <a:noFill/>
+          <a:prstDash val="solid"/>
+        </a:ln>
+        <a:effectLst/>
+      </dsp:spPr>
+      <dsp:style>
+        <a:lnRef idx="2">
+          <a:scrgbClr r="0" g="0" b="0"/>
+        </a:lnRef>
+        <a:fillRef idx="1">
+          <a:scrgbClr r="0" g="0" b="0"/>
+        </a:fillRef>
+        <a:effectRef idx="0">
+          <a:scrgbClr r="0" g="0" b="0"/>
+        </a:effectRef>
+        <a:fontRef idx="minor">
+          <a:schemeClr val="lt1"/>
+        </a:fontRef>
+      </dsp:style>
+    </dsp:sp>
+    <dsp:sp modelId="{E2521213-F4F2-4890-AFB1-05C76A8D3FCB}">
+      <dsp:nvSpPr>
+        <dsp:cNvPr id="0" name=""/>
+        <dsp:cNvSpPr/>
+      </dsp:nvSpPr>
+      <dsp:spPr>
+        <a:xfrm>
+          <a:off x="640447" y="2080674"/>
+          <a:ext cx="9079814" cy="554499"/>
+        </a:xfrm>
+        <a:prstGeom prst="rect">
+          <a:avLst/>
+        </a:prstGeom>
+        <a:noFill/>
+        <a:ln>
+          <a:noFill/>
+        </a:ln>
+        <a:effectLst/>
+      </dsp:spPr>
+      <dsp:style>
+        <a:lnRef idx="0">
+          <a:scrgbClr r="0" g="0" b="0"/>
+        </a:lnRef>
+        <a:fillRef idx="0">
+          <a:scrgbClr r="0" g="0" b="0"/>
+        </a:fillRef>
+        <a:effectRef idx="0">
+          <a:scrgbClr r="0" g="0" b="0"/>
+        </a:effectRef>
+        <a:fontRef idx="minor"/>
+      </dsp:style>
+      <dsp:txBody>
+        <a:bodyPr spcFirstLastPara="0" vert="horz" wrap="square" lIns="58685" tIns="58685" rIns="58685" bIns="58685" numCol="1" spcCol="1270" anchor="ctr" anchorCtr="0">
+          <a:noAutofit/>
+        </a:bodyPr>
+        <a:lstStyle/>
+        <a:p>
+          <a:pPr marL="0" lvl="0" indent="0" algn="l" defTabSz="844550">
+            <a:lnSpc>
+              <a:spcPct val="90000"/>
+            </a:lnSpc>
+            <a:spcBef>
+              <a:spcPct val="0"/>
+            </a:spcBef>
+            <a:spcAft>
+              <a:spcPct val="35000"/>
+            </a:spcAft>
+            <a:buNone/>
+          </a:pPr>
+          <a:r>
+            <a:rPr lang="en-US" sz="1900" kern="1200"/>
+            <a:t>Moudle4 Introduction to Asset-Backed Securities</a:t>
+          </a:r>
+        </a:p>
+      </dsp:txBody>
+      <dsp:txXfrm>
+        <a:off x="640447" y="2080674"/>
+        <a:ext cx="9079814" cy="554499"/>
+      </dsp:txXfrm>
+    </dsp:sp>
+    <dsp:sp modelId="{08FE9A4C-A673-4795-B974-ADBEAE4CCD02}">
+      <dsp:nvSpPr>
+        <dsp:cNvPr id="0" name=""/>
+        <dsp:cNvSpPr/>
+      </dsp:nvSpPr>
+      <dsp:spPr>
+        <a:xfrm>
+          <a:off x="0" y="2773799"/>
+          <a:ext cx="9720262" cy="554499"/>
+        </a:xfrm>
+        <a:prstGeom prst="roundRect">
+          <a:avLst>
+            <a:gd name="adj" fmla="val 10000"/>
+          </a:avLst>
+        </a:prstGeom>
+        <a:solidFill>
+          <a:schemeClr val="bg1">
+            <a:lumMod val="95000"/>
+            <a:hueOff val="0"/>
+            <a:satOff val="0"/>
+            <a:lumOff val="0"/>
+            <a:alphaOff val="0"/>
+          </a:schemeClr>
+        </a:solidFill>
+        <a:ln>
+          <a:noFill/>
+        </a:ln>
+        <a:effectLst/>
+      </dsp:spPr>
+      <dsp:style>
+        <a:lnRef idx="0">
+          <a:scrgbClr r="0" g="0" b="0"/>
+        </a:lnRef>
+        <a:fillRef idx="1">
+          <a:scrgbClr r="0" g="0" b="0"/>
+        </a:fillRef>
+        <a:effectRef idx="0">
+          <a:scrgbClr r="0" g="0" b="0"/>
+        </a:effectRef>
+        <a:fontRef idx="minor"/>
+      </dsp:style>
+    </dsp:sp>
+    <dsp:sp modelId="{4D14CE0A-AF2C-4D06-9852-6A5CFDE252C2}">
+      <dsp:nvSpPr>
+        <dsp:cNvPr id="0" name=""/>
+        <dsp:cNvSpPr/>
+      </dsp:nvSpPr>
+      <dsp:spPr>
+        <a:xfrm>
+          <a:off x="167736" y="2898561"/>
+          <a:ext cx="304974" cy="304974"/>
+        </a:xfrm>
+        <a:prstGeom prst="rect">
+          <a:avLst/>
+        </a:prstGeom>
+        <a:blipFill>
+          <a:blip xmlns:r="http://schemas.openxmlformats.org/officeDocument/2006/relationships" r:embed="rId9">
+            <a:extLst>
+              <a:ext uri="{28A0092B-C50C-407E-A947-70E740481C1C}">
+                <a14:useLocalDpi xmlns:a14="http://schemas.microsoft.com/office/drawing/2010/main" val="0"/>
+              </a:ext>
+              <a:ext uri="{96DAC541-7B7A-43D3-8B79-37D633B846F1}">
+                <asvg:svgBlip xmlns:asvg="http://schemas.microsoft.com/office/drawing/2016/SVG/main" r:embed="rId10"/>
+              </a:ext>
+            </a:extLst>
+          </a:blip>
+          <a:stretch>
+            <a:fillRect/>
+          </a:stretch>
+        </a:blipFill>
+        <a:ln w="15875" cap="flat" cmpd="sng" algn="ctr">
+          <a:noFill/>
+          <a:prstDash val="solid"/>
+        </a:ln>
+        <a:effectLst/>
+      </dsp:spPr>
+      <dsp:style>
+        <a:lnRef idx="2">
+          <a:scrgbClr r="0" g="0" b="0"/>
+        </a:lnRef>
+        <a:fillRef idx="1">
+          <a:scrgbClr r="0" g="0" b="0"/>
+        </a:fillRef>
+        <a:effectRef idx="0">
+          <a:scrgbClr r="0" g="0" b="0"/>
+        </a:effectRef>
+        <a:fontRef idx="minor">
+          <a:schemeClr val="lt1"/>
+        </a:fontRef>
+      </dsp:style>
+    </dsp:sp>
+    <dsp:sp modelId="{B9B7FB8C-767D-4FE2-8B14-3C93DB99B10C}">
+      <dsp:nvSpPr>
+        <dsp:cNvPr id="0" name=""/>
+        <dsp:cNvSpPr/>
+      </dsp:nvSpPr>
+      <dsp:spPr>
+        <a:xfrm>
+          <a:off x="640447" y="2773799"/>
+          <a:ext cx="9079814" cy="554499"/>
+        </a:xfrm>
+        <a:prstGeom prst="rect">
+          <a:avLst/>
+        </a:prstGeom>
+        <a:noFill/>
+        <a:ln>
+          <a:noFill/>
+        </a:ln>
+        <a:effectLst/>
+      </dsp:spPr>
+      <dsp:style>
+        <a:lnRef idx="0">
+          <a:scrgbClr r="0" g="0" b="0"/>
+        </a:lnRef>
+        <a:fillRef idx="0">
+          <a:scrgbClr r="0" g="0" b="0"/>
+        </a:fillRef>
+        <a:effectRef idx="0">
+          <a:scrgbClr r="0" g="0" b="0"/>
+        </a:effectRef>
+        <a:fontRef idx="minor"/>
+      </dsp:style>
+      <dsp:txBody>
+        <a:bodyPr spcFirstLastPara="0" vert="horz" wrap="square" lIns="58685" tIns="58685" rIns="58685" bIns="58685" numCol="1" spcCol="1270" anchor="ctr" anchorCtr="0">
+          <a:noAutofit/>
+        </a:bodyPr>
+        <a:lstStyle/>
+        <a:p>
+          <a:pPr marL="0" lvl="0" indent="0" algn="l" defTabSz="844550">
+            <a:lnSpc>
+              <a:spcPct val="90000"/>
+            </a:lnSpc>
+            <a:spcBef>
+              <a:spcPct val="0"/>
+            </a:spcBef>
+            <a:spcAft>
+              <a:spcPct val="35000"/>
+            </a:spcAft>
+            <a:buNone/>
+          </a:pPr>
+          <a:r>
+            <a:rPr lang="en-US" sz="1900" kern="1200"/>
+            <a:t>Moudle5 Understanding Fixed-Income Risk and Return</a:t>
+          </a:r>
+        </a:p>
+      </dsp:txBody>
+      <dsp:txXfrm>
+        <a:off x="640447" y="2773799"/>
+        <a:ext cx="9079814" cy="554499"/>
+      </dsp:txXfrm>
+    </dsp:sp>
+    <dsp:sp modelId="{5EDDC7B2-FFC0-49AB-9983-E86F3F3A1C0F}">
+      <dsp:nvSpPr>
+        <dsp:cNvPr id="0" name=""/>
+        <dsp:cNvSpPr/>
+      </dsp:nvSpPr>
+      <dsp:spPr>
+        <a:xfrm>
+          <a:off x="0" y="3466924"/>
+          <a:ext cx="9720262" cy="554499"/>
+        </a:xfrm>
+        <a:prstGeom prst="roundRect">
+          <a:avLst>
+            <a:gd name="adj" fmla="val 10000"/>
+          </a:avLst>
+        </a:prstGeom>
+        <a:solidFill>
+          <a:schemeClr val="bg1">
+            <a:lumMod val="95000"/>
+            <a:hueOff val="0"/>
+            <a:satOff val="0"/>
+            <a:lumOff val="0"/>
+            <a:alphaOff val="0"/>
+          </a:schemeClr>
+        </a:solidFill>
+        <a:ln>
+          <a:noFill/>
+        </a:ln>
+        <a:effectLst/>
+      </dsp:spPr>
+      <dsp:style>
+        <a:lnRef idx="0">
+          <a:scrgbClr r="0" g="0" b="0"/>
+        </a:lnRef>
+        <a:fillRef idx="1">
+          <a:scrgbClr r="0" g="0" b="0"/>
+        </a:fillRef>
+        <a:effectRef idx="0">
+          <a:scrgbClr r="0" g="0" b="0"/>
+        </a:effectRef>
+        <a:fontRef idx="minor"/>
+      </dsp:style>
+    </dsp:sp>
+    <dsp:sp modelId="{2AEE7F50-91FB-44E0-B029-3983C6E732A7}">
+      <dsp:nvSpPr>
+        <dsp:cNvPr id="0" name=""/>
+        <dsp:cNvSpPr/>
+      </dsp:nvSpPr>
+      <dsp:spPr>
+        <a:xfrm>
+          <a:off x="167736" y="3591686"/>
+          <a:ext cx="304974" cy="304974"/>
+        </a:xfrm>
+        <a:prstGeom prst="rect">
+          <a:avLst/>
+        </a:prstGeom>
+        <a:blipFill>
+          <a:blip xmlns:r="http://schemas.openxmlformats.org/officeDocument/2006/relationships" r:embed="rId11">
+            <a:extLst>
+              <a:ext uri="{28A0092B-C50C-407E-A947-70E740481C1C}">
+                <a14:useLocalDpi xmlns:a14="http://schemas.microsoft.com/office/drawing/2010/main" val="0"/>
+              </a:ext>
+              <a:ext uri="{96DAC541-7B7A-43D3-8B79-37D633B846F1}">
+                <asvg:svgBlip xmlns:asvg="http://schemas.microsoft.com/office/drawing/2016/SVG/main" r:embed="rId12"/>
+              </a:ext>
+            </a:extLst>
+          </a:blip>
+          <a:stretch>
+            <a:fillRect/>
+          </a:stretch>
+        </a:blipFill>
+        <a:ln w="15875" cap="flat" cmpd="sng" algn="ctr">
+          <a:noFill/>
+          <a:prstDash val="solid"/>
+        </a:ln>
+        <a:effectLst/>
+      </dsp:spPr>
+      <dsp:style>
+        <a:lnRef idx="2">
+          <a:scrgbClr r="0" g="0" b="0"/>
+        </a:lnRef>
+        <a:fillRef idx="1">
+          <a:scrgbClr r="0" g="0" b="0"/>
+        </a:fillRef>
+        <a:effectRef idx="0">
+          <a:scrgbClr r="0" g="0" b="0"/>
+        </a:effectRef>
+        <a:fontRef idx="minor">
+          <a:schemeClr val="lt1"/>
+        </a:fontRef>
+      </dsp:style>
+    </dsp:sp>
+    <dsp:sp modelId="{7D512848-7C80-4833-A9D8-A0B168D3B482}">
+      <dsp:nvSpPr>
+        <dsp:cNvPr id="0" name=""/>
+        <dsp:cNvSpPr/>
+      </dsp:nvSpPr>
+      <dsp:spPr>
+        <a:xfrm>
+          <a:off x="640447" y="3466924"/>
+          <a:ext cx="9079814" cy="554499"/>
+        </a:xfrm>
+        <a:prstGeom prst="rect">
+          <a:avLst/>
+        </a:prstGeom>
+        <a:noFill/>
+        <a:ln>
+          <a:noFill/>
+        </a:ln>
+        <a:effectLst/>
+      </dsp:spPr>
+      <dsp:style>
+        <a:lnRef idx="0">
+          <a:scrgbClr r="0" g="0" b="0"/>
+        </a:lnRef>
+        <a:fillRef idx="0">
+          <a:scrgbClr r="0" g="0" b="0"/>
+        </a:fillRef>
+        <a:effectRef idx="0">
+          <a:scrgbClr r="0" g="0" b="0"/>
+        </a:effectRef>
+        <a:fontRef idx="minor"/>
+      </dsp:style>
+      <dsp:txBody>
+        <a:bodyPr spcFirstLastPara="0" vert="horz" wrap="square" lIns="58685" tIns="58685" rIns="58685" bIns="58685" numCol="1" spcCol="1270" anchor="ctr" anchorCtr="0">
+          <a:noAutofit/>
+        </a:bodyPr>
+        <a:lstStyle/>
+        <a:p>
+          <a:pPr marL="0" lvl="0" indent="0" algn="l" defTabSz="844550">
+            <a:lnSpc>
+              <a:spcPct val="90000"/>
+            </a:lnSpc>
+            <a:spcBef>
+              <a:spcPct val="0"/>
+            </a:spcBef>
+            <a:spcAft>
+              <a:spcPct val="35000"/>
+            </a:spcAft>
+            <a:buNone/>
+          </a:pPr>
+          <a:r>
+            <a:rPr lang="en-US" sz="1900" kern="1200"/>
+            <a:t>Moudle6 Fundamentals of Credit Analysis</a:t>
+          </a:r>
+        </a:p>
+      </dsp:txBody>
+      <dsp:txXfrm>
+        <a:off x="640447" y="3466924"/>
+        <a:ext cx="9079814" cy="554499"/>
+      </dsp:txXfrm>
+    </dsp:sp>
+  </dsp:spTree>
+</dsp:drawing>
+</file>
+
+<file path=ppt/diagrams/layout1.xml><?xml version="1.0" encoding="utf-8"?>
+<dgm:layoutDef xmlns:dgm="http://schemas.openxmlformats.org/drawingml/2006/diagram" xmlns:a="http://schemas.openxmlformats.org/drawingml/2006/main" uniqueId="urn:microsoft.com/office/officeart/2018/2/layout/IconVerticalSolidList">
+  <dgm:title val="Icon Vertical Solid List"/>
+  <dgm:desc val="Use to show a series of visuals from top to bottom with Level 1 or Level 1 and Level 2 text grouped in a shape. Works best with icons or small pictures with lengthier descriptions."/>
+  <dgm:catLst>
+    <dgm:cat type="icon" pri="500"/>
+  </dgm:catLst>
+  <dgm:sampData useDef="1">
+    <dgm:dataModel>
+      <dgm:ptLst/>
+      <dgm:bg/>
+      <dgm:whole/>
+    </dgm:dataModel>
+  </dgm:sampData>
+  <dgm:styleData useDef="1">
+    <dgm:dataModel>
+      <dgm:ptLst/>
+      <dgm:bg/>
+      <dgm:whole/>
+    </dgm:dataModel>
+  </dgm:styleData>
+  <dgm:clrData useDef="1">
+    <dgm:dataModel>
+      <dgm:ptLst/>
+      <dgm:bg/>
+      <dgm:whole/>
+    </dgm:dataModel>
+  </dgm:clrData>
+  <dgm:layoutNode name="root">
+    <dgm:varLst>
+      <dgm:dir/>
+      <dgm:resizeHandles val="exact"/>
+    </dgm:varLst>
+    <dgm:choose name="Name0">
+      <dgm:if name="Name1" axis="self" func="var" arg="dir" op="equ" val="norm">
+        <dgm:alg type="lin">
+          <dgm:param type="linDir" val="fromT"/>
+          <dgm:param type="nodeHorzAlign" val="l"/>
+        </dgm:alg>
+      </dgm:if>
+      <dgm:else name="Name2">
+        <dgm:alg type="lin">
+          <dgm:param type="linDir" val="fromT"/>
+          <dgm:param type="nodeHorzAlign" val="r"/>
+        </dgm:alg>
+      </dgm:else>
+    </dgm:choose>
+    <dgm:shape xmlns:r="http://schemas.openxmlformats.org/officeDocument/2006/relationships" r:blip="">
+      <dgm:adjLst/>
+    </dgm:shape>
+    <dgm:presOf/>
+    <dgm:choose name="Name3">
+      <dgm:if name="Name4" axis="ch" ptType="node" func="cnt" op="lte" val="3">
+        <dgm:constrLst>
+          <dgm:constr type="h" for="ch" forName="compNode" refType="h" fact="0.3"/>
+          <dgm:constr type="w" for="ch" forName="compNode" refType="w"/>
+          <dgm:constr type="h" for="ch" forName="sibTrans" refType="h" refFor="ch" refForName="compNode" fact="0.25"/>
+          <dgm:constr type="primFontSz" for="des" forName="parTx" val="25"/>
+          <dgm:constr type="primFontSz" for="des" forName="desTx" refType="primFontSz" refFor="des" refForName="parTx" op="lte" fact="0.75"/>
+          <dgm:constr type="h" for="des" forName="compNode" op="equ"/>
+          <dgm:constr type="h" for="des" forName="bgRect" op="equ"/>
+          <dgm:constr type="h" for="des" forName="iconRect" op="equ"/>
+          <dgm:constr type="w" for="des" forName="iconRect" op="equ"/>
+          <dgm:constr type="h" for="des" forName="spaceRect" op="equ"/>
+          <dgm:constr type="h" for="des" forName="parTx" op="equ"/>
+          <dgm:constr type="h" for="des" forName="desTx" op="equ"/>
+        </dgm:constrLst>
+      </dgm:if>
+      <dgm:if name="Name5" axis="ch" ptType="node" func="cnt" op="lte" val="4">
+        <dgm:constrLst>
+          <dgm:constr type="h" for="ch" forName="compNode" refType="h" fact="0.3"/>
+          <dgm:constr type="w" for="ch" forName="compNode" refType="w"/>
+          <dgm:constr type="h" for="ch" forName="sibTrans" refType="h" refFor="ch" refForName="compNode" fact="0.25"/>
+          <dgm:constr type="primFontSz" for="des" forName="parTx" val="22"/>
+          <dgm:constr type="primFontSz" for="des" forName="desTx" refType="primFontSz" refFor="des" refForName="parTx" op="lte" fact="0.75"/>
+          <dgm:constr type="h" for="des" forName="compNode" op="equ"/>
+          <dgm:constr type="h" for="des" forName="bgRect" op="equ"/>
+          <dgm:constr type="h" for="des" forName="iconRect" op="equ"/>
+          <dgm:constr type="w" for="des" forName="iconRect" op="equ"/>
+          <dgm:constr type="h" for="des" forName="spaceRect" op="equ"/>
+          <dgm:constr type="h" for="des" forName="parTx" op="equ"/>
+          <dgm:constr type="h" for="des" forName="desTx" op="equ"/>
+        </dgm:constrLst>
+      </dgm:if>
+      <dgm:if name="Name6" axis="ch" ptType="node" func="cnt" op="lte" val="6">
+        <dgm:constrLst>
+          <dgm:constr type="h" for="ch" forName="compNode" refType="h" fact="0.3"/>
+          <dgm:constr type="w" for="ch" forName="compNode" refType="w"/>
+          <dgm:constr type="h" for="ch" forName="sibTrans" refType="h" refFor="ch" refForName="compNode" fact="0.25"/>
+          <dgm:constr type="primFontSz" for="des" forName="parTx" val="19"/>
+          <dgm:constr type="primFontSz" for="des" forName="desTx" refType="primFontSz" refFor="des" refForName="parTx" op="lte" fact="0.75"/>
+          <dgm:constr type="h" for="des" forName="compNode" op="equ"/>
+          <dgm:constr type="h" for="des" forName="bgRect" op="equ"/>
+          <dgm:constr type="h" for="des" forName="iconRect" op="equ"/>
+          <dgm:constr type="w" for="des" forName="iconRect" op="equ"/>
+          <dgm:constr type="h" for="des" forName="spaceRect" op="equ"/>
+          <dgm:constr type="h" for="des" forName="parTx" op="equ"/>
+          <dgm:constr type="h" for="des" forName="desTx" op="equ"/>
+        </dgm:constrLst>
+      </dgm:if>
+      <dgm:else name="Name7">
+        <dgm:constrLst>
+          <dgm:constr type="h" for="ch" forName="compNode" refType="h" fact="0.3"/>
+          <dgm:constr type="w" for="ch" forName="compNode" refType="w"/>
+          <dgm:constr type="h" for="ch" forName="sibTrans" refType="h" refFor="ch" refForName="compNode" fact="0.25"/>
+          <dgm:constr type="primFontSz" for="des" forName="parTx" val="16"/>
+          <dgm:constr type="primFontSz" for="des" forName="desTx" refType="primFontSz" refFor="des" refForName="parTx" op="lte" fact="0.75"/>
+          <dgm:constr type="h" for="des" forName="compNode" op="equ"/>
+          <dgm:constr type="h" for="des" forName="bgRect" op="equ"/>
+          <dgm:constr type="h" for="des" forName="iconRect" op="equ"/>
+          <dgm:constr type="w" for="des" forName="iconRect" op="equ"/>
+          <dgm:constr type="h" for="des" forName="spaceRect" op="equ"/>
+          <dgm:constr type="h" for="des" forName="parTx" op="equ"/>
+          <dgm:constr type="h" for="des" forName="desTx" op="equ"/>
+        </dgm:constrLst>
+      </dgm:else>
+    </dgm:choose>
+    <dgm:ruleLst>
+      <dgm:rule type="h" for="ch" forName="compNode" val="0" fact="NaN" max="NaN"/>
+    </dgm:ruleLst>
+    <dgm:forEach name="Name8" axis="ch" ptType="node">
+      <dgm:layoutNode name="compNode">
+        <dgm:alg type="composite"/>
+        <dgm:shape xmlns:r="http://schemas.openxmlformats.org/officeDocument/2006/relationships" r:blip="">
+          <dgm:adjLst/>
+        </dgm:shape>
+        <dgm:presOf axis="self"/>
+        <dgm:choose name="Name9">
+          <dgm:if name="Name10" axis="ch" ptType="node" func="cnt" op="gte" val="1">
+            <dgm:constrLst>
+              <dgm:constr type="w" for="ch" forName="bgRect" refType="w"/>
+              <dgm:constr type="h" for="ch" forName="bgRect" refType="h"/>
+              <dgm:constr type="l" for="ch" forName="bgRect"/>
+              <dgm:constr type="t" for="ch" forName="bgRect"/>
+              <dgm:constr type="h" for="ch" forName="iconRect" refType="h" fact="0.55"/>
+              <dgm:constr type="w" for="ch" forName="iconRect" refType="h" refFor="ch" refForName="iconRect"/>
+              <dgm:constr type="l" for="ch" forName="iconRect" refType="h" refFor="ch" refForName="iconRect" fact="0.55"/>
+              <dgm:constr type="ctrY" for="ch" forName="iconRect" refType="ctrY" refFor="ch" refForName="bgRect"/>
+              <dgm:constr type="w" for="ch" forName="spaceRect" refType="l" refFor="ch" refForName="iconRect"/>
+              <dgm:constr type="h" for="ch" forName="spaceRect" refType="h"/>
+              <dgm:constr type="l" for="ch" forName="spaceRect" refType="r" refFor="ch" refForName="iconRect"/>
+              <dgm:constr type="t" for="ch" forName="spaceRect"/>
+              <dgm:constr type="w" for="ch" forName="parTx" refType="w" fact="0.45"/>
+              <dgm:constr type="h" for="ch" forName="parTx" refType="h"/>
+              <dgm:constr type="l" for="ch" forName="parTx" refType="r" refFor="ch" refForName="spaceRect"/>
+              <dgm:constr type="t" for="ch" forName="parTx"/>
+              <dgm:constr type="h" for="ch" forName="desTx" refType="h"/>
+              <dgm:constr type="l" for="ch" forName="desTx" refType="r" refFor="ch" refForName="parTx"/>
+              <dgm:constr type="t" for="ch" forName="desTx"/>
+            </dgm:constrLst>
+          </dgm:if>
+          <dgm:else name="Name11">
+            <dgm:constrLst>
+              <dgm:constr type="w" for="ch" forName="bgRect" refType="w"/>
+              <dgm:constr type="h" for="ch" forName="bgRect" refType="h"/>
+              <dgm:constr type="l" for="ch" forName="bgRect"/>
+              <dgm:constr type="t" for="ch" forName="bgRect"/>
+              <dgm:constr type="h" for="ch" forName="iconRect" refType="h" fact="0.55"/>
+              <dgm:constr type="w" for="ch" forName="iconRect" refType="h" refFor="ch" refForName="iconRect"/>
+              <dgm:constr type="l" for="ch" forName="iconRect" refType="h" refFor="ch" refForName="iconRect" fact="0.55"/>
+              <dgm:constr type="ctrY" for="ch" forName="iconRect" refType="ctrY" refFor="ch" refForName="bgRect"/>
+              <dgm:constr type="w" for="ch" forName="spaceRect" refType="l" refFor="ch" refForName="iconRect"/>
+              <dgm:constr type="h" for="ch" forName="spaceRect" refType="h"/>
+              <dgm:constr type="l" for="ch" forName="spaceRect" refType="r" refFor="ch" refForName="iconRect"/>
+              <dgm:constr type="t" for="ch" forName="spaceRect"/>
+              <dgm:constr type="h" for="ch" forName="parTx" refType="h"/>
+              <dgm:constr type="l" for="ch" forName="parTx" refType="r" refFor="ch" refForName="spaceRect"/>
+              <dgm:constr type="t" for="ch" forName="parTx"/>
+            </dgm:constrLst>
+          </dgm:else>
+        </dgm:choose>
+        <dgm:ruleLst>
+          <dgm:rule type="h" val="INF" fact="NaN" max="NaN"/>
+        </dgm:ruleLst>
+        <dgm:layoutNode name="bgRect" styleLbl="bgShp">
+          <dgm:alg type="sp"/>
+          <dgm:shape xmlns:r="http://schemas.openxmlformats.org/officeDocument/2006/relationships" type="roundRect" r:blip="">
+            <dgm:adjLst>
+              <dgm:adj idx="1" val="0.1"/>
+            </dgm:adjLst>
+          </dgm:shape>
+          <dgm:presOf/>
+          <dgm:constrLst/>
+          <dgm:ruleLst/>
+        </dgm:layoutNode>
+        <dgm:layoutNode name="iconRect" styleLbl="node1">
+          <dgm:alg type="sp"/>
+          <dgm:shape xmlns:r="http://schemas.openxmlformats.org/officeDocument/2006/relationships" type="rect" r:blip="" blipPhldr="1">
+            <dgm:adjLst/>
+          </dgm:shape>
+          <dgm:presOf/>
+          <dgm:constrLst/>
+          <dgm:ruleLst/>
+        </dgm:layoutNode>
+        <dgm:layoutNode name="spaceRect">
+          <dgm:alg type="sp"/>
+          <dgm:shape xmlns:r="http://schemas.openxmlformats.org/officeDocument/2006/relationships" r:blip="">
+            <dgm:adjLst/>
+          </dgm:shape>
+          <dgm:presOf/>
+          <dgm:constrLst/>
+          <dgm:ruleLst/>
+        </dgm:layoutNode>
+        <dgm:layoutNode name="parTx" styleLbl="revTx">
+          <dgm:varLst>
+            <dgm:chMax val="0"/>
+            <dgm:chPref val="0"/>
+          </dgm:varLst>
+          <dgm:alg type="tx">
+            <dgm:param type="txAnchorVert" val="mid"/>
+            <dgm:param type="parTxLTRAlign" val="l"/>
+            <dgm:param type="shpTxLTRAlignCh" val="l"/>
+            <dgm:param type="parTxRTLAlign" val="r"/>
+            <dgm:param type="shpTxRTLAlignCh" val="r"/>
+          </dgm:alg>
+          <dgm:shape xmlns:r="http://schemas.openxmlformats.org/officeDocument/2006/relationships" type="rect" r:blip="">
+            <dgm:adjLst/>
+          </dgm:shape>
+          <dgm:presOf axis="self" ptType="node"/>
+          <dgm:constrLst>
+            <dgm:constr type="lMarg" refType="h" fact="0.3"/>
+            <dgm:constr type="rMarg" refType="h" fact="0.3"/>
+            <dgm:constr type="tMarg" refType="h" fact="0.3"/>
+            <dgm:constr type="bMarg" refType="h" fact="0.3"/>
+          </dgm:constrLst>
+          <dgm:ruleLst>
+            <dgm:rule type="primFontSz" val="14" fact="NaN" max="NaN"/>
+            <dgm:rule type="h" val="INF" fact="NaN" max="NaN"/>
+          </dgm:ruleLst>
+        </dgm:layoutNode>
+        <dgm:choose name="Name12">
+          <dgm:if name="Name13" axis="ch" ptType="node" func="cnt" op="gte" val="1">
+            <dgm:layoutNode name="desTx" styleLbl="revTx">
+              <dgm:varLst/>
+              <dgm:alg type="tx">
+                <dgm:param type="txAnchorVertCh" val="mid"/>
+                <dgm:param type="parTxLTRAlign" val="l"/>
+                <dgm:param type="shpTxLTRAlignCh" val="l"/>
+                <dgm:param type="parTxRTLAlign" val="r"/>
+                <dgm:param type="shpTxRTLAlignCh" val="r"/>
+                <dgm:param type="stBulletLvl" val="0"/>
+              </dgm:alg>
+              <dgm:shape xmlns:r="http://schemas.openxmlformats.org/officeDocument/2006/relationships" type="rect" r:blip="">
+                <dgm:adjLst/>
+              </dgm:shape>
+              <dgm:presOf axis="des" ptType="node"/>
+              <dgm:constrLst>
+                <dgm:constr type="primFontSz" val="18"/>
+                <dgm:constr type="secFontSz" refType="primFontSz"/>
+                <dgm:constr type="lMarg" refType="h" fact="0.3"/>
+                <dgm:constr type="rMarg" refType="h" fact="0.3"/>
+                <dgm:constr type="tMarg" refType="h" fact="0.3"/>
+                <dgm:constr type="bMarg" refType="h" fact="0.3"/>
+              </dgm:constrLst>
+              <dgm:ruleLst>
+                <dgm:rule type="primFontSz" val="11" fact="NaN" max="NaN"/>
+              </dgm:ruleLst>
+            </dgm:layoutNode>
+          </dgm:if>
+          <dgm:else name="Name14"/>
+        </dgm:choose>
+      </dgm:layoutNode>
+      <dgm:forEach name="Name15" axis="followSib" ptType="sibTrans" cnt="1">
+        <dgm:layoutNode name="sibTrans">
+          <dgm:alg type="sp"/>
+          <dgm:shape xmlns:r="http://schemas.openxmlformats.org/officeDocument/2006/relationships" r:blip="">
+            <dgm:adjLst/>
+          </dgm:shape>
+          <dgm:presOf axis="self"/>
+          <dgm:constrLst/>
+          <dgm:ruleLst/>
+        </dgm:layoutNode>
+      </dgm:forEach>
+    </dgm:forEach>
+  </dgm:layoutNode>
+  <dgm:extLst>
+    <a:ext uri="{68A01E43-0DF5-4B5B-8FA6-DAF915123BFB}">
+      <dgm1612:lstStyle xmlns:dgm1612="http://schemas.microsoft.com/office/drawing/2016/12/diagram">
+        <a:lvl1pPr>
+          <a:lnSpc>
+            <a:spcPct val="100000"/>
+          </a:lnSpc>
+        </a:lvl1pPr>
+        <a:lvl2pPr>
+          <a:lnSpc>
+            <a:spcPct val="100000"/>
+          </a:lnSpc>
+        </a:lvl2pPr>
+      </dgm1612:lstStyle>
+    </a:ext>
+  </dgm:extLst>
+</dgm:layoutDef>
+</file>
+
+<file path=ppt/diagrams/quickStyle1.xml><?xml version="1.0" encoding="utf-8"?>
+<dgm:styleDef xmlns:dgm="http://schemas.openxmlformats.org/drawingml/2006/diagram" xmlns:a="http://schemas.openxmlformats.org/drawingml/2006/main" uniqueId="urn:microsoft.com/office/officeart/2005/8/quickstyle/simple1">
+  <dgm:title val=""/>
+  <dgm:desc val=""/>
+  <dgm:catLst>
+    <dgm:cat type="simple" pri="10100"/>
+  </dgm:catLst>
+  <dgm:scene3d>
+    <a:camera prst="orthographicFront"/>
+    <a:lightRig rig="threePt" dir="t"/>
+  </dgm:scene3d>
+  <dgm:styleLbl name="node0">
+    <dgm:scene3d>
+      <a:camera prst="orthographicFront"/>
+      <a:lightRig rig="threePt" dir="t"/>
+    </dgm:scene3d>
+    <dgm:sp3d/>
+    <dgm:txPr/>
+    <dgm:style>
+      <a:lnRef idx="2">
+        <a:scrgbClr r="0" g="0" b="0"/>
+      </a:lnRef>
+      <a:fillRef idx="1">
+        <a:scrgbClr r="0" g="0" b="0"/>
+      </a:fillRef>
+      <a:effectRef idx="0">
+        <a:scrgbClr r="0" g="0" b="0"/>
+      </a:effectRef>
+      <a:fontRef idx="minor">
+        <a:schemeClr val="lt1"/>
+      </a:fontRef>
+    </dgm:style>
+  </dgm:styleLbl>
+  <dgm:styleLbl name="lnNode1">
+    <dgm:scene3d>
+      <a:camera prst="orthographicFront"/>
+      <a:lightRig rig="threePt" dir="t"/>
+    </dgm:scene3d>
+    <dgm:sp3d/>
+    <dgm:txPr/>
+    <dgm:style>
+      <a:lnRef idx="2">
+        <a:scrgbClr r="0" g="0" b="0"/>
+      </a:lnRef>
+      <a:fillRef idx="1">
+        <a:scrgbClr r="0" g="0" b="0"/>
+      </a:fillRef>
+      <a:effectRef idx="0">
+        <a:scrgbClr r="0" g="0" b="0"/>
+      </a:effectRef>
+      <a:fontRef idx="minor">
+        <a:schemeClr val="lt1"/>
+      </a:fontRef>
+    </dgm:style>
+  </dgm:styleLbl>
+  <dgm:styleLbl name="vennNode1">
+    <dgm:scene3d>
+      <a:camera prst="orthographicFront"/>
+      <a:lightRig rig="threePt" dir="t"/>
+    </dgm:scene3d>
+    <dgm:sp3d/>
+    <dgm:txPr/>
+    <dgm:style>
+      <a:lnRef idx="2">
+        <a:scrgbClr r="0" g="0" b="0"/>
+      </a:lnRef>
+      <a:fillRef idx="1">
+        <a:scrgbClr r="0" g="0" b="0"/>
+      </a:fillRef>
+      <a:effectRef idx="0">
+        <a:scrgbClr r="0" g="0" b="0"/>
+      </a:effectRef>
+      <a:fontRef idx="minor">
+        <a:schemeClr val="tx1"/>
+      </a:fontRef>
+    </dgm:style>
+  </dgm:styleLbl>
+  <dgm:styleLbl name="alignNode1">
+    <dgm:scene3d>
+      <a:camera prst="orthographicFront"/>
+      <a:lightRig rig="threePt" dir="t"/>
+    </dgm:scene3d>
+    <dgm:sp3d/>
+    <dgm:txPr/>
+    <dgm:style>
+      <a:lnRef idx="2">
+        <a:scrgbClr r="0" g="0" b="0"/>
+      </a:lnRef>
+      <a:fillRef idx="1">
+        <a:scrgbClr r="0" g="0" b="0"/>
+      </a:fillRef>
+      <a:effectRef idx="0">
+        <a:scrgbClr r="0" g="0" b="0"/>
+      </a:effectRef>
+      <a:fontRef idx="minor">
+        <a:schemeClr val="lt1"/>
+      </a:fontRef>
+    </dgm:style>
+  </dgm:styleLbl>
+  <dgm:styleLbl name="node1">
+    <dgm:scene3d>
+      <a:camera prst="orthographicFront"/>
+      <a:lightRig rig="threePt" dir="t"/>
+    </dgm:scene3d>
+    <dgm:sp3d/>
+    <dgm:txPr/>
+    <dgm:style>
+      <a:lnRef idx="2">
+        <a:scrgbClr r="0" g="0" b="0"/>
+      </a:lnRef>
+      <a:fillRef idx="1">
+        <a:scrgbClr r="0" g="0" b="0"/>
+      </a:fillRef>
+      <a:effectRef idx="0">
+        <a:scrgbClr r="0" g="0" b="0"/>
+      </a:effectRef>
+      <a:fontRef idx="minor">
+        <a:schemeClr val="lt1"/>
+      </a:fontRef>
+    </dgm:style>
+  </dgm:styleLbl>
+  <dgm:styleLbl name="node2">
+    <dgm:scene3d>
+      <a:camera prst="orthographicFront"/>
+      <a:lightRig rig="threePt" dir="t"/>
+    </dgm:scene3d>
+    <dgm:sp3d/>
+    <dgm:txPr/>
+    <dgm:style>
+      <a:lnRef idx="2">
+        <a:scrgbClr r="0" g="0" b="0"/>
+      </a:lnRef>
+      <a:fillRef idx="1">
+        <a:scrgbClr r="0" g="0" b="0"/>
+      </a:fillRef>
+      <a:effectRef idx="0">
+        <a:scrgbClr r="0" g="0" b="0"/>
+      </a:effectRef>
+      <a:fontRef idx="minor">
+        <a:schemeClr val="lt1"/>
+      </a:fontRef>
+    </dgm:style>
+  </dgm:styleLbl>
+  <dgm:styleLbl name="node3">
+    <dgm:scene3d>
+      <a:camera prst="orthographicFront"/>
+      <a:lightRig rig="threePt" dir="t"/>
+    </dgm:scene3d>
+    <dgm:sp3d/>
+    <dgm:txPr/>
+    <dgm:style>
+      <a:lnRef idx="2">
+        <a:scrgbClr r="0" g="0" b="0"/>
+      </a:lnRef>
+      <a:fillRef idx="1">
+        <a:scrgbClr r="0" g="0" b="0"/>
+      </a:fillRef>
+      <a:effectRef idx="0">
+        <a:scrgbClr r="0" g="0" b="0"/>
+      </a:effectRef>
+      <a:fontRef idx="minor">
+        <a:schemeClr val="lt1"/>
+      </a:fontRef>
+    </dgm:style>
+  </dgm:styleLbl>
+  <dgm:styleLbl name="node4">
+    <dgm:scene3d>
+      <a:camera prst="orthographicFront"/>
+      <a:lightRig rig="threePt" dir="t"/>
+    </dgm:scene3d>
+    <dgm:sp3d/>
+    <dgm:txPr/>
+    <dgm:style>
+      <a:lnRef idx="2">
+        <a:scrgbClr r="0" g="0" b="0"/>
+      </a:lnRef>
+      <a:fillRef idx="1">
+        <a:scrgbClr r="0" g="0" b="0"/>
+      </a:fillRef>
+      <a:effectRef idx="0">
+        <a:scrgbClr r="0" g="0" b="0"/>
+      </a:effectRef>
+      <a:fontRef idx="minor">
+        <a:schemeClr val="lt1"/>
+      </a:fontRef>
+    </dgm:style>
+  </dgm:styleLbl>
+  <dgm:styleLbl name="fgImgPlace1">
+    <dgm:scene3d>
+      <a:camera prst="orthographicFront"/>
+      <a:lightRig rig="threePt" dir="t"/>
+    </dgm:scene3d>
+    <dgm:sp3d/>
+    <dgm:txPr/>
+    <dgm:style>
+      <a:lnRef idx="2">
+        <a:scrgbClr r="0" g="0" b="0"/>
+      </a:lnRef>
+      <a:fillRef idx="1">
+        <a:scrgbClr r="0" g="0" b="0"/>
+      </a:fillRef>
+      <a:effectRef idx="0">
+        <a:scrgbClr r="0" g="0" b="0"/>
+      </a:effectRef>
+      <a:fontRef idx="minor"/>
+    </dgm:style>
+  </dgm:styleLbl>
+  <dgm:styleLbl name="alignImgPlace1">
+    <dgm:scene3d>
+      <a:camera prst="orthographicFront"/>
+      <a:lightRig rig="threePt" dir="t"/>
+    </dgm:scene3d>
+    <dgm:sp3d/>
+    <dgm:txPr/>
+    <dgm:style>
+      <a:lnRef idx="2">
+        <a:scrgbClr r="0" g="0" b="0"/>
+      </a:lnRef>
+      <a:fillRef idx="1">
+        <a:scrgbClr r="0" g="0" b="0"/>
+      </a:fillRef>
+      <a:effectRef idx="0">
+        <a:scrgbClr r="0" g="0" b="0"/>
+      </a:effectRef>
+      <a:fontRef idx="minor"/>
+    </dgm:style>
+  </dgm:styleLbl>
+  <dgm:styleLbl name="bgImgPlace1">
+    <dgm:scene3d>
+      <a:camera prst="orthographicFront"/>
+      <a:lightRig rig="threePt" dir="t"/>
+    </dgm:scene3d>
+    <dgm:sp3d/>
+    <dgm:txPr/>
+    <dgm:style>
+      <a:lnRef idx="2">
+        <a:scrgbClr r="0" g="0" b="0"/>
+      </a:lnRef>
+      <a:fillRef idx="1">
+        <a:scrgbClr r="0" g="0" b="0"/>
+      </a:fillRef>
+      <a:effectRef idx="0">
+        <a:scrgbClr r="0" g="0" b="0"/>
+      </a:effectRef>
+      <a:fontRef idx="minor"/>
+    </dgm:style>
+  </dgm:styleLbl>
+  <dgm:styleLbl name="sibTrans2D1">
+    <dgm:scene3d>
+      <a:camera prst="orthographicFront"/>
+      <a:lightRig rig="threePt" dir="t"/>
+    </dgm:scene3d>
+    <dgm:sp3d/>
+    <dgm:txPr/>
+    <dgm:style>
+      <a:lnRef idx="0">
+        <a:scrgbClr r="0" g="0" b="0"/>
+      </a:lnRef>
+      <a:fillRef idx="1">
+        <a:scrgbClr r="0" g="0" b="0"/>
+      </a:fillRef>
+      <a:effectRef idx="0">
+        <a:scrgbClr r="0" g="0" b="0"/>
+      </a:effectRef>
+      <a:fontRef idx="minor">
+        <a:schemeClr val="lt1"/>
+      </a:fontRef>
+    </dgm:style>
+  </dgm:styleLbl>
+  <dgm:styleLbl name="fgSibTrans2D1">
+    <dgm:scene3d>
+      <a:camera prst="orthographicFront"/>
+      <a:lightRig rig="threePt" dir="t"/>
+    </dgm:scene3d>
+    <dgm:sp3d/>
+    <dgm:txPr/>
+    <dgm:style>
+      <a:lnRef idx="0">
+        <a:scrgbClr r="0" g="0" b="0"/>
+      </a:lnRef>
+      <a:fillRef idx="1">
+        <a:scrgbClr r="0" g="0" b="0"/>
+      </a:fillRef>
+      <a:effectRef idx="0">
+        <a:scrgbClr r="0" g="0" b="0"/>
+      </a:effectRef>
+      <a:fontRef idx="minor">
+        <a:schemeClr val="lt1"/>
+      </a:fontRef>
+    </dgm:style>
+  </dgm:styleLbl>
+  <dgm:styleLbl name="bgSibTrans2D1">
+    <dgm:scene3d>
+      <a:camera prst="orthographicFront"/>
+      <a:lightRig rig="threePt" dir="t"/>
+    </dgm:scene3d>
+    <dgm:sp3d/>
+    <dgm:txPr/>
+    <dgm:style>
+      <a:lnRef idx="0">
+        <a:scrgbClr r="0" g="0" b="0"/>
+      </a:lnRef>
+      <a:fillRef idx="1">
+        <a:scrgbClr r="0" g="0" b="0"/>
+      </a:fillRef>
+      <a:effectRef idx="0">
+        <a:scrgbClr r="0" g="0" b="0"/>
+      </a:effectRef>
+      <a:fontRef idx="minor">
+        <a:schemeClr val="lt1"/>
+      </a:fontRef>
+    </dgm:style>
+  </dgm:styleLbl>
+  <dgm:styleLbl name="sibTrans1D1">
+    <dgm:scene3d>
+      <a:camera prst="orthographicFront"/>
+      <a:lightRig rig="threePt" dir="t"/>
+    </dgm:scene3d>
+    <dgm:sp3d/>
+    <dgm:txPr/>
+    <dgm:style>
+      <a:lnRef idx="1">
+        <a:scrgbClr r="0" g="0" b="0"/>
+      </a:lnRef>
+      <a:fillRef idx="0">
+        <a:scrgbClr r="0" g="0" b="0"/>
+      </a:fillRef>
+      <a:effectRef idx="0">
+        <a:scrgbClr r="0" g="0" b="0"/>
+      </a:effectRef>
+      <a:fontRef idx="minor"/>
+    </dgm:style>
+  </dgm:styleLbl>
+  <dgm:styleLbl name="callout">
+    <dgm:scene3d>
+      <a:camera prst="orthographicFront"/>
+      <a:lightRig rig="threePt" dir="t"/>
+    </dgm:scene3d>
+    <dgm:sp3d/>
+    <dgm:txPr/>
+    <dgm:style>
+      <a:lnRef idx="2">
+        <a:scrgbClr r="0" g="0" b="0"/>
+      </a:lnRef>
+      <a:fillRef idx="1">
+        <a:scrgbClr r="0" g="0" b="0"/>
+      </a:fillRef>
+      <a:effectRef idx="0">
+        <a:scrgbClr r="0" g="0" b="0"/>
+      </a:effectRef>
+      <a:fontRef idx="minor"/>
+    </dgm:style>
+  </dgm:styleLbl>
+  <dgm:styleLbl name="asst0">
+    <dgm:scene3d>
+      <a:camera prst="orthographicFront"/>
+      <a:lightRig rig="threePt" dir="t"/>
+    </dgm:scene3d>
+    <dgm:sp3d/>
+    <dgm:txPr/>
+    <dgm:style>
+      <a:lnRef idx="2">
+        <a:scrgbClr r="0" g="0" b="0"/>
+      </a:lnRef>
+      <a:fillRef idx="1">
+        <a:scrgbClr r="0" g="0" b="0"/>
+      </a:fillRef>
+      <a:effectRef idx="0">
+        <a:scrgbClr r="0" g="0" b="0"/>
+      </a:effectRef>
+      <a:fontRef idx="minor">
+        <a:schemeClr val="lt1"/>
+      </a:fontRef>
+    </dgm:style>
+  </dgm:styleLbl>
+  <dgm:styleLbl name="asst1">
+    <dgm:scene3d>
+      <a:camera prst="orthographicFront"/>
+      <a:lightRig rig="threePt" dir="t"/>
+    </dgm:scene3d>
+    <dgm:sp3d/>
+    <dgm:txPr/>
+    <dgm:style>
+      <a:lnRef idx="2">
+        <a:scrgbClr r="0" g="0" b="0"/>
+      </a:lnRef>
+      <a:fillRef idx="1">
+        <a:scrgbClr r="0" g="0" b="0"/>
+      </a:fillRef>
+      <a:effectRef idx="0">
+        <a:scrgbClr r="0" g="0" b="0"/>
+      </a:effectRef>
+      <a:fontRef idx="minor">
+        <a:schemeClr val="lt1"/>
+      </a:fontRef>
+    </dgm:style>
+  </dgm:styleLbl>
+  <dgm:styleLbl name="asst2">
+    <dgm:scene3d>
+      <a:camera prst="orthographicFront"/>
+      <a:lightRig rig="threePt" dir="t"/>
+    </dgm:scene3d>
+    <dgm:sp3d/>
+    <dgm:txPr/>
+    <dgm:style>
+      <a:lnRef idx="2">
+        <a:scrgbClr r="0" g="0" b="0"/>
+      </a:lnRef>
+      <a:fillRef idx="1">
+        <a:scrgbClr r="0" g="0" b="0"/>
+      </a:fillRef>
+      <a:effectRef idx="0">
+        <a:scrgbClr r="0" g="0" b="0"/>
+      </a:effectRef>
+      <a:fontRef idx="minor">
+        <a:schemeClr val="lt1"/>
+      </a:fontRef>
+    </dgm:style>
+  </dgm:styleLbl>
+  <dgm:styleLbl name="asst3">
+    <dgm:scene3d>
+      <a:camera prst="orthographicFront"/>
+      <a:lightRig rig="threePt" dir="t"/>
+    </dgm:scene3d>
+    <dgm:sp3d/>
+    <dgm:txPr/>
+    <dgm:style>
+      <a:lnRef idx="2">
+        <a:scrgbClr r="0" g="0" b="0"/>
+      </a:lnRef>
+      <a:fillRef idx="1">
+        <a:scrgbClr r="0" g="0" b="0"/>
+      </a:fillRef>
+      <a:effectRef idx="0">
+        <a:scrgbClr r="0" g="0" b="0"/>
+      </a:effectRef>
+      <a:fontRef idx="minor">
+        <a:schemeClr val="lt1"/>
+      </a:fontRef>
+    </dgm:style>
+  </dgm:styleLbl>
+  <dgm:styleLbl name="asst4">
+    <dgm:scene3d>
+      <a:camera prst="orthographicFront"/>
+      <a:lightRig rig="threePt" dir="t"/>
+    </dgm:scene3d>
+    <dgm:sp3d/>
+    <dgm:txPr/>
+    <dgm:style>
+      <a:lnRef idx="2">
+        <a:scrgbClr r="0" g="0" b="0"/>
+      </a:lnRef>
+      <a:fillRef idx="1">
+        <a:scrgbClr r="0" g="0" b="0"/>
+      </a:fillRef>
+      <a:effectRef idx="0">
+        <a:scrgbClr r="0" g="0" b="0"/>
+      </a:effectRef>
+      <a:fontRef idx="minor">
+        <a:schemeClr val="lt1"/>
+      </a:fontRef>
+    </dgm:style>
+  </dgm:styleLbl>
+  <dgm:styleLbl name="parChTrans2D1">
+    <dgm:scene3d>
+      <a:camera prst="orthographicFront"/>
+      <a:lightRig rig="threePt" dir="t"/>
+    </dgm:scene3d>
+    <dgm:sp3d/>
+    <dgm:txPr/>
+    <dgm:style>
+      <a:lnRef idx="2">
+        <a:scrgbClr r="0" g="0" b="0"/>
+      </a:lnRef>
+      <a:fillRef idx="1">
+        <a:scrgbClr r="0" g="0" b="0"/>
+      </a:fillRef>
+      <a:effectRef idx="0">
+        <a:scrgbClr r="0" g="0" b="0"/>
+      </a:effectRef>
+      <a:fontRef idx="minor">
+        <a:schemeClr val="lt1"/>
+      </a:fontRef>
+    </dgm:style>
+  </dgm:styleLbl>
+  <dgm:styleLbl name="parChTrans2D2">
+    <dgm:scene3d>
+      <a:camera prst="orthographicFront"/>
+      <a:lightRig rig="threePt" dir="t"/>
+    </dgm:scene3d>
+    <dgm:sp3d/>
+    <dgm:txPr/>
+    <dgm:style>
+      <a:lnRef idx="2">
+        <a:scrgbClr r="0" g="0" b="0"/>
+      </a:lnRef>
+      <a:fillRef idx="1">
+        <a:scrgbClr r="0" g="0" b="0"/>
+      </a:fillRef>
+      <a:effectRef idx="0">
+        <a:scrgbClr r="0" g="0" b="0"/>
+      </a:effectRef>
+      <a:fontRef idx="minor">
+        <a:schemeClr val="lt1"/>
+      </a:fontRef>
+    </dgm:style>
+  </dgm:styleLbl>
+  <dgm:styleLbl name="parChTrans2D3">
+    <dgm:scene3d>
+      <a:camera prst="orthographicFront"/>
+      <a:lightRig rig="threePt" dir="t"/>
+    </dgm:scene3d>
+    <dgm:sp3d/>
+    <dgm:txPr/>
+    <dgm:style>
+      <a:lnRef idx="2">
+        <a:scrgbClr r="0" g="0" b="0"/>
+      </a:lnRef>
+      <a:fillRef idx="1">
+        <a:scrgbClr r="0" g="0" b="0"/>
+      </a:fillRef>
+      <a:effectRef idx="0">
+        <a:scrgbClr r="0" g="0" b="0"/>
+      </a:effectRef>
+      <a:fontRef idx="minor">
+        <a:schemeClr val="lt1"/>
+      </a:fontRef>
+    </dgm:style>
+  </dgm:styleLbl>
+  <dgm:styleLbl name="parChTrans2D4">
+    <dgm:scene3d>
+      <a:camera prst="orthographicFront"/>
+      <a:lightRig rig="threePt" dir="t"/>
+    </dgm:scene3d>
+    <dgm:sp3d/>
+    <dgm:txPr/>
+    <dgm:style>
+      <a:lnRef idx="2">
+        <a:scrgbClr r="0" g="0" b="0"/>
+      </a:lnRef>
+      <a:fillRef idx="1">
+        <a:scrgbClr r="0" g="0" b="0"/>
+      </a:fillRef>
+      <a:effectRef idx="0">
+        <a:scrgbClr r="0" g="0" b="0"/>
+      </a:effectRef>
+      <a:fontRef idx="minor">
+        <a:schemeClr val="lt1"/>
+      </a:fontRef>
+    </dgm:style>
+  </dgm:styleLbl>
+  <dgm:styleLbl name="parChTrans1D1">
+    <dgm:scene3d>
+      <a:camera prst="orthographicFront"/>
+      <a:lightRig rig="threePt" dir="t"/>
+    </dgm:scene3d>
+    <dgm:sp3d/>
+    <dgm:txPr/>
+    <dgm:style>
+      <a:lnRef idx="2">
+        <a:scrgbClr r="0" g="0" b="0"/>
+      </a:lnRef>
+      <a:fillRef idx="0">
+        <a:scrgbClr r="0" g="0" b="0"/>
+      </a:fillRef>
+      <a:effectRef idx="0">
+        <a:scrgbClr r="0" g="0" b="0"/>
+      </a:effectRef>
+      <a:fontRef idx="minor"/>
+    </dgm:style>
+  </dgm:styleLbl>
+  <dgm:styleLbl name="parChTrans1D2">
+    <dgm:scene3d>
+      <a:camera prst="orthographicFront"/>
+      <a:lightRig rig="threePt" dir="t"/>
+    </dgm:scene3d>
+    <dgm:sp3d/>
+    <dgm:txPr/>
+    <dgm:style>
+      <a:lnRef idx="2">
+        <a:scrgbClr r="0" g="0" b="0"/>
+      </a:lnRef>
+      <a:fillRef idx="0">
+        <a:scrgbClr r="0" g="0" b="0"/>
+      </a:fillRef>
+      <a:effectRef idx="0">
+        <a:scrgbClr r="0" g="0" b="0"/>
+      </a:effectRef>
+      <a:fontRef idx="minor"/>
+    </dgm:style>
+  </dgm:styleLbl>
+  <dgm:styleLbl name="parChTrans1D3">
+    <dgm:scene3d>
+      <a:camera prst="orthographicFront"/>
+      <a:lightRig rig="threePt" dir="t"/>
+    </dgm:scene3d>
+    <dgm:sp3d/>
+    <dgm:txPr/>
+    <dgm:style>
+      <a:lnRef idx="2">
+        <a:scrgbClr r="0" g="0" b="0"/>
+      </a:lnRef>
+      <a:fillRef idx="0">
+        <a:scrgbClr r="0" g="0" b="0"/>
+      </a:fillRef>
+      <a:effectRef idx="0">
+        <a:scrgbClr r="0" g="0" b="0"/>
+      </a:effectRef>
+      <a:fontRef idx="minor"/>
+    </dgm:style>
+  </dgm:styleLbl>
+  <dgm:styleLbl name="parChTrans1D4">
+    <dgm:scene3d>
+      <a:camera prst="orthographicFront"/>
+      <a:lightRig rig="threePt" dir="t"/>
+    </dgm:scene3d>
+    <dgm:sp3d/>
+    <dgm:txPr/>
+    <dgm:style>
+      <a:lnRef idx="2">
+        <a:scrgbClr r="0" g="0" b="0"/>
+      </a:lnRef>
+      <a:fillRef idx="0">
+        <a:scrgbClr r="0" g="0" b="0"/>
+      </a:fillRef>
+      <a:effectRef idx="0">
+        <a:scrgbClr r="0" g="0" b="0"/>
+      </a:effectRef>
+      <a:fontRef idx="minor"/>
+    </dgm:style>
+  </dgm:styleLbl>
+  <dgm:styleLbl name="fgAcc1">
+    <dgm:scene3d>
+      <a:camera prst="orthographicFront"/>
+      <a:lightRig rig="threePt" dir="t"/>
+    </dgm:scene3d>
+    <dgm:sp3d/>
+    <dgm:txPr/>
+    <dgm:style>
+      <a:lnRef idx="2">
+        <a:scrgbClr r="0" g="0" b="0"/>
+      </a:lnRef>
+      <a:fillRef idx="1">
+        <a:scrgbClr r="0" g="0" b="0"/>
+      </a:fillRef>
+      <a:effectRef idx="0">
+        <a:scrgbClr r="0" g="0" b="0"/>
+      </a:effectRef>
+      <a:fontRef idx="minor"/>
+    </dgm:style>
+  </dgm:styleLbl>
+  <dgm:styleLbl name="conFgAcc1">
+    <dgm:scene3d>
+      <a:camera prst="orthographicFront"/>
+      <a:lightRig rig="threePt" dir="t"/>
+    </dgm:scene3d>
+    <dgm:sp3d/>
+    <dgm:txPr/>
+    <dgm:style>
+      <a:lnRef idx="2">
+        <a:scrgbClr r="0" g="0" b="0"/>
+      </a:lnRef>
+      <a:fillRef idx="1">
+        <a:scrgbClr r="0" g="0" b="0"/>
+      </a:fillRef>
+      <a:effectRef idx="0">
+        <a:scrgbClr r="0" g="0" b="0"/>
+      </a:effectRef>
+      <a:fontRef idx="minor"/>
+    </dgm:style>
+  </dgm:styleLbl>
+  <dgm:styleLbl name="alignAcc1">
+    <dgm:scene3d>
+      <a:camera prst="orthographicFront"/>
+      <a:lightRig rig="threePt" dir="t"/>
+    </dgm:scene3d>
+    <dgm:sp3d/>
+    <dgm:txPr/>
+    <dgm:style>
+      <a:lnRef idx="2">
+        <a:scrgbClr r="0" g="0" b="0"/>
+      </a:lnRef>
+      <a:fillRef idx="1">
+        <a:scrgbClr r="0" g="0" b="0"/>
+      </a:fillRef>
+      <a:effectRef idx="0">
+        <a:scrgbClr r="0" g="0" b="0"/>
+      </a:effectRef>
+      <a:fontRef idx="minor"/>
+    </dgm:style>
+  </dgm:styleLbl>
+  <dgm:styleLbl name="trAlignAcc1">
+    <dgm:scene3d>
+      <a:camera prst="orthographicFront"/>
+      <a:lightRig rig="threePt" dir="t"/>
+    </dgm:scene3d>
+    <dgm:sp3d/>
+    <dgm:txPr/>
+    <dgm:style>
+      <a:lnRef idx="1">
+        <a:scrgbClr r="0" g="0" b="0"/>
+      </a:lnRef>
+      <a:fillRef idx="1">
+        <a:scrgbClr r="0" g="0" b="0"/>
+      </a:fillRef>
+      <a:effectRef idx="0">
+        <a:scrgbClr r="0" g="0" b="0"/>
+      </a:effectRef>
+      <a:fontRef idx="minor"/>
+    </dgm:style>
+  </dgm:styleLbl>
+  <dgm:styleLbl name="bgAcc1">
+    <dgm:scene3d>
+      <a:camera prst="orthographicFront"/>
+      <a:lightRig rig="threePt" dir="t"/>
+    </dgm:scene3d>
+    <dgm:sp3d/>
+    <dgm:txPr/>
+    <dgm:style>
+      <a:lnRef idx="2">
+        <a:scrgbClr r="0" g="0" b="0"/>
+      </a:lnRef>
+      <a:fillRef idx="1">
+        <a:scrgbClr r="0" g="0" b="0"/>
+      </a:fillRef>
+      <a:effectRef idx="0">
+        <a:scrgbClr r="0" g="0" b="0"/>
+      </a:effectRef>
+      <a:fontRef idx="minor"/>
+    </dgm:style>
+  </dgm:styleLbl>
+  <dgm:styleLbl name="solidFgAcc1">
+    <dgm:scene3d>
+      <a:camera prst="orthographicFront"/>
+      <a:lightRig rig="threePt" dir="t"/>
+    </dgm:scene3d>
+    <dgm:sp3d/>
+    <dgm:txPr/>
+    <dgm:style>
+      <a:lnRef idx="2">
+        <a:scrgbClr r="0" g="0" b="0"/>
+      </a:lnRef>
+      <a:fillRef idx="1">
+        <a:scrgbClr r="0" g="0" b="0"/>
+      </a:fillRef>
+      <a:effectRef idx="0">
+        <a:scrgbClr r="0" g="0" b="0"/>
+      </a:effectRef>
+      <a:fontRef idx="minor"/>
+    </dgm:style>
+  </dgm:styleLbl>
+  <dgm:styleLbl name="solidAlignAcc1">
+    <dgm:scene3d>
+      <a:camera prst="orthographicFront"/>
+      <a:lightRig rig="threePt" dir="t"/>
+    </dgm:scene3d>
+    <dgm:sp3d/>
+    <dgm:txPr/>
+    <dgm:style>
+      <a:lnRef idx="2">
+        <a:scrgbClr r="0" g="0" b="0"/>
+      </a:lnRef>
+      <a:fillRef idx="1">
+        <a:scrgbClr r="0" g="0" b="0"/>
+      </a:fillRef>
+      <a:effectRef idx="0">
+        <a:scrgbClr r="0" g="0" b="0"/>
+      </a:effectRef>
+      <a:fontRef idx="minor"/>
+    </dgm:style>
+  </dgm:styleLbl>
+  <dgm:styleLbl name="solidBgAcc1">
+    <dgm:scene3d>
+      <a:camera prst="orthographicFront"/>
+      <a:lightRig rig="threePt" dir="t"/>
+    </dgm:scene3d>
+    <dgm:sp3d/>
+    <dgm:txPr/>
+    <dgm:style>
+      <a:lnRef idx="2">
+        <a:scrgbClr r="0" g="0" b="0"/>
+      </a:lnRef>
+      <a:fillRef idx="1">
+        <a:scrgbClr r="0" g="0" b="0"/>
+      </a:fillRef>
+      <a:effectRef idx="0">
+        <a:scrgbClr r="0" g="0" b="0"/>
+      </a:effectRef>
+      <a:fontRef idx="minor"/>
+    </dgm:style>
+  </dgm:styleLbl>
+  <dgm:styleLbl name="fgAccFollowNode1">
+    <dgm:scene3d>
+      <a:camera prst="orthographicFront"/>
+      <a:lightRig rig="threePt" dir="t"/>
+    </dgm:scene3d>
+    <dgm:sp3d/>
+    <dgm:txPr/>
+    <dgm:style>
+      <a:lnRef idx="2">
+        <a:scrgbClr r="0" g="0" b="0"/>
+      </a:lnRef>
+      <a:fillRef idx="1">
+        <a:scrgbClr r="0" g="0" b="0"/>
+      </a:fillRef>
+      <a:effectRef idx="0">
+        <a:scrgbClr r="0" g="0" b="0"/>
+      </a:effectRef>
+      <a:fontRef idx="minor"/>
+    </dgm:style>
+  </dgm:styleLbl>
+  <dgm:styleLbl name="alignAccFollowNode1">
+    <dgm:scene3d>
+      <a:camera prst="orthographicFront"/>
+      <a:lightRig rig="threePt" dir="t"/>
+    </dgm:scene3d>
+    <dgm:sp3d/>
+    <dgm:txPr/>
+    <dgm:style>
+      <a:lnRef idx="2">
+        <a:scrgbClr r="0" g="0" b="0"/>
+      </a:lnRef>
+      <a:fillRef idx="1">
+        <a:scrgbClr r="0" g="0" b="0"/>
+      </a:fillRef>
+      <a:effectRef idx="0">
+        <a:scrgbClr r="0" g="0" b="0"/>
+      </a:effectRef>
+      <a:fontRef idx="minor"/>
+    </dgm:style>
+  </dgm:styleLbl>
+  <dgm:styleLbl name="bgAccFollowNode1">
+    <dgm:scene3d>
+      <a:camera prst="orthographicFront"/>
+      <a:lightRig rig="threePt" dir="t"/>
+    </dgm:scene3d>
+    <dgm:sp3d/>
+    <dgm:txPr/>
+    <dgm:style>
+      <a:lnRef idx="2">
+        <a:scrgbClr r="0" g="0" b="0"/>
+      </a:lnRef>
+      <a:fillRef idx="1">
+        <a:scrgbClr r="0" g="0" b="0"/>
+      </a:fillRef>
+      <a:effectRef idx="0">
+        <a:scrgbClr r="0" g="0" b="0"/>
+      </a:effectRef>
+      <a:fontRef idx="minor"/>
+    </dgm:style>
+  </dgm:styleLbl>
+  <dgm:styleLbl name="fgAcc0">
+    <dgm:scene3d>
+      <a:camera prst="orthographicFront"/>
+      <a:lightRig rig="threePt" dir="t"/>
+    </dgm:scene3d>
+    <dgm:sp3d/>
+    <dgm:txPr/>
+    <dgm:style>
+      <a:lnRef idx="2">
+        <a:scrgbClr r="0" g="0" b="0"/>
+      </a:lnRef>
+      <a:fillRef idx="1">
+        <a:scrgbClr r="0" g="0" b="0"/>
+      </a:fillRef>
+      <a:effectRef idx="0">
+        <a:scrgbClr r="0" g="0" b="0"/>
+      </a:effectRef>
+      <a:fontRef idx="minor"/>
+    </dgm:style>
+  </dgm:styleLbl>
+  <dgm:styleLbl name="fgAcc2">
+    <dgm:scene3d>
+      <a:camera prst="orthographicFront"/>
+      <a:lightRig rig="threePt" dir="t"/>
+    </dgm:scene3d>
+    <dgm:sp3d/>
+    <dgm:txPr/>
+    <dgm:style>
+      <a:lnRef idx="2">
+        <a:scrgbClr r="0" g="0" b="0"/>
+      </a:lnRef>
+      <a:fillRef idx="1">
+        <a:scrgbClr r="0" g="0" b="0"/>
+      </a:fillRef>
+      <a:effectRef idx="0">
+        <a:scrgbClr r="0" g="0" b="0"/>
+      </a:effectRef>
+      <a:fontRef idx="minor"/>
+    </dgm:style>
+  </dgm:styleLbl>
+  <dgm:styleLbl name="fgAcc3">
+    <dgm:scene3d>
+      <a:camera prst="orthographicFront"/>
+      <a:lightRig rig="threePt" dir="t"/>
+    </dgm:scene3d>
+    <dgm:sp3d/>
+    <dgm:txPr/>
+    <dgm:style>
+      <a:lnRef idx="2">
+        <a:scrgbClr r="0" g="0" b="0"/>
+      </a:lnRef>
+      <a:fillRef idx="1">
+        <a:scrgbClr r="0" g="0" b="0"/>
+      </a:fillRef>
+      <a:effectRef idx="0">
+        <a:scrgbClr r="0" g="0" b="0"/>
+      </a:effectRef>
+      <a:fontRef idx="minor"/>
+    </dgm:style>
+  </dgm:styleLbl>
+  <dgm:styleLbl name="fgAcc4">
+    <dgm:scene3d>
+      <a:camera prst="orthographicFront"/>
+      <a:lightRig rig="threePt" dir="t"/>
+    </dgm:scene3d>
+    <dgm:sp3d/>
+    <dgm:txPr/>
+    <dgm:style>
+      <a:lnRef idx="2">
+        <a:scrgbClr r="0" g="0" b="0"/>
+      </a:lnRef>
+      <a:fillRef idx="1">
+        <a:scrgbClr r="0" g="0" b="0"/>
+      </a:fillRef>
+      <a:effectRef idx="0">
+        <a:scrgbClr r="0" g="0" b="0"/>
+      </a:effectRef>
+      <a:fontRef idx="minor"/>
+    </dgm:style>
+  </dgm:styleLbl>
+  <dgm:styleLbl name="bgShp">
+    <dgm:scene3d>
+      <a:camera prst="orthographicFront"/>
+      <a:lightRig rig="threePt" dir="t"/>
+    </dgm:scene3d>
+    <dgm:sp3d/>
+    <dgm:txPr/>
+    <dgm:style>
+      <a:lnRef idx="0">
+        <a:scrgbClr r="0" g="0" b="0"/>
+      </a:lnRef>
+      <a:fillRef idx="1">
+        <a:scrgbClr r="0" g="0" b="0"/>
+      </a:fillRef>
+      <a:effectRef idx="0">
+        <a:scrgbClr r="0" g="0" b="0"/>
+      </a:effectRef>
+      <a:fontRef idx="minor"/>
+    </dgm:style>
+  </dgm:styleLbl>
+  <dgm:styleLbl name="dkBgShp">
+    <dgm:scene3d>
+      <a:camera prst="orthographicFront"/>
+      <a:lightRig rig="threePt" dir="t"/>
+    </dgm:scene3d>
+    <dgm:sp3d/>
+    <dgm:txPr/>
+    <dgm:style>
+      <a:lnRef idx="0">
+        <a:scrgbClr r="0" g="0" b="0"/>
+      </a:lnRef>
+      <a:fillRef idx="1">
+        <a:scrgbClr r="0" g="0" b="0"/>
+      </a:fillRef>
+      <a:effectRef idx="0">
+        <a:scrgbClr r="0" g="0" b="0"/>
+      </a:effectRef>
+      <a:fontRef idx="minor"/>
+    </dgm:style>
+  </dgm:styleLbl>
+  <dgm:styleLbl name="trBgShp">
+    <dgm:scene3d>
+      <a:camera prst="orthographicFront"/>
+      <a:lightRig rig="threePt" dir="t"/>
+    </dgm:scene3d>
+    <dgm:sp3d/>
+    <dgm:txPr/>
+    <dgm:style>
+      <a:lnRef idx="0">
+        <a:scrgbClr r="0" g="0" b="0"/>
+      </a:lnRef>
+      <a:fillRef idx="1">
+        <a:scrgbClr r="0" g="0" b="0"/>
+      </a:fillRef>
+      <a:effectRef idx="0">
+        <a:scrgbClr r="0" g="0" b="0"/>
+      </a:effectRef>
+      <a:fontRef idx="minor"/>
+    </dgm:style>
+  </dgm:styleLbl>
+  <dgm:styleLbl name="fgShp">
+    <dgm:scene3d>
+      <a:camera prst="orthographicFront"/>
+      <a:lightRig rig="threePt" dir="t"/>
+    </dgm:scene3d>
+    <dgm:sp3d/>
+    <dgm:txPr/>
+    <dgm:style>
+      <a:lnRef idx="2">
+        <a:scrgbClr r="0" g="0" b="0"/>
+      </a:lnRef>
+      <a:fillRef idx="1">
+        <a:scrgbClr r="0" g="0" b="0"/>
+      </a:fillRef>
+      <a:effectRef idx="0">
+        <a:scrgbClr r="0" g="0" b="0"/>
+      </a:effectRef>
+      <a:fontRef idx="minor"/>
+    </dgm:style>
+  </dgm:styleLbl>
+  <dgm:styleLbl name="revTx">
+    <dgm:scene3d>
+      <a:camera prst="orthographicFront"/>
+      <a:lightRig rig="threePt" dir="t"/>
+    </dgm:scene3d>
+    <dgm:sp3d/>
+    <dgm:txPr/>
+    <dgm:style>
+      <a:lnRef idx="0">
+        <a:scrgbClr r="0" g="0" b="0"/>
+      </a:lnRef>
+      <a:fillRef idx="0">
+        <a:scrgbClr r="0" g="0" b="0"/>
+      </a:fillRef>
+      <a:effectRef idx="0">
+        <a:scrgbClr r="0" g="0" b="0"/>
+      </a:effectRef>
+      <a:fontRef idx="minor"/>
+    </dgm:style>
+  </dgm:styleLbl>
+</dgm:styleDef>
+</file>
+
 <file path=ppt/notesMasters/notesMaster1.xml><?xml version="1.0" encoding="utf-8"?>
 <p:notesMaster xmlns:a="http://schemas.openxmlformats.org/drawingml/2006/main" xmlns:r="http://schemas.openxmlformats.org/officeDocument/2006/relationships" xmlns:p="http://schemas.openxmlformats.org/presentationml/2006/main">
   <p:cSld>
@@ -204,7 +3987,7 @@
           <a:p>
             <a:fld id="{9ADA5B36-BD01-47CD-B491-940693B77A9A}" type="datetimeFigureOut">
               <a:rPr lang="en-US" smtClean="0"/>
-              <a:t>9/30/2022</a:t>
+              <a:t>10/7/22</a:t>
             </a:fld>
             <a:endParaRPr lang="en-US"/>
           </a:p>
@@ -9348,7 +13131,7 @@
           <a:p>
             <a:fld id="{3CB14515-8DA5-4B82-96E7-E758FF8ACA06}" type="datetimeFigureOut">
               <a:rPr lang="en-US" smtClean="0"/>
-              <a:t>9/30/2022</a:t>
+              <a:t>10/7/22</a:t>
             </a:fld>
             <a:endParaRPr lang="en-US"/>
           </a:p>
@@ -9555,7 +13338,7 @@
           <a:p>
             <a:fld id="{3CB14515-8DA5-4B82-96E7-E758FF8ACA06}" type="datetimeFigureOut">
               <a:rPr lang="en-US" smtClean="0"/>
-              <a:t>9/30/2022</a:t>
+              <a:t>10/7/22</a:t>
             </a:fld>
             <a:endParaRPr lang="en-US"/>
           </a:p>
@@ -9735,7 +13518,7 @@
           <a:p>
             <a:fld id="{3CB14515-8DA5-4B82-96E7-E758FF8ACA06}" type="datetimeFigureOut">
               <a:rPr lang="en-US" smtClean="0"/>
-              <a:t>9/30/2022</a:t>
+              <a:t>10/7/22</a:t>
             </a:fld>
             <a:endParaRPr lang="en-US"/>
           </a:p>
@@ -9940,7 +13723,7 @@
           <a:p>
             <a:fld id="{3CB14515-8DA5-4B82-96E7-E758FF8ACA06}" type="datetimeFigureOut">
               <a:rPr lang="en-US" smtClean="0"/>
-              <a:t>9/30/2022</a:t>
+              <a:t>10/7/22</a:t>
             </a:fld>
             <a:endParaRPr lang="en-US"/>
           </a:p>
@@ -18838,7 +22621,7 @@
           <a:p>
             <a:fld id="{3CB14515-8DA5-4B82-96E7-E758FF8ACA06}" type="datetimeFigureOut">
               <a:rPr lang="en-US" smtClean="0"/>
-              <a:t>9/30/2022</a:t>
+              <a:t>10/7/22</a:t>
             </a:fld>
             <a:endParaRPr lang="en-US"/>
           </a:p>
@@ -19112,7 +22895,7 @@
           <a:p>
             <a:fld id="{3CB14515-8DA5-4B82-96E7-E758FF8ACA06}" type="datetimeFigureOut">
               <a:rPr lang="en-US" smtClean="0"/>
-              <a:t>9/30/2022</a:t>
+              <a:t>10/7/22</a:t>
             </a:fld>
             <a:endParaRPr lang="en-US"/>
           </a:p>
@@ -19510,7 +23293,7 @@
           <a:p>
             <a:fld id="{3CB14515-8DA5-4B82-96E7-E758FF8ACA06}" type="datetimeFigureOut">
               <a:rPr lang="en-US" smtClean="0"/>
-              <a:t>9/30/2022</a:t>
+              <a:t>10/7/22</a:t>
             </a:fld>
             <a:endParaRPr lang="en-US"/>
           </a:p>
@@ -19628,7 +23411,7 @@
           <a:p>
             <a:fld id="{3CB14515-8DA5-4B82-96E7-E758FF8ACA06}" type="datetimeFigureOut">
               <a:rPr lang="en-US" smtClean="0"/>
-              <a:t>9/30/2022</a:t>
+              <a:t>10/7/22</a:t>
             </a:fld>
             <a:endParaRPr lang="en-US"/>
           </a:p>
@@ -19723,7 +23506,7 @@
           <a:p>
             <a:fld id="{3CB14515-8DA5-4B82-96E7-E758FF8ACA06}" type="datetimeFigureOut">
               <a:rPr lang="en-US" smtClean="0"/>
-              <a:t>9/30/2022</a:t>
+              <a:t>10/7/22</a:t>
             </a:fld>
             <a:endParaRPr lang="en-US"/>
           </a:p>
@@ -20013,7 +23796,7 @@
           <a:p>
             <a:fld id="{3CB14515-8DA5-4B82-96E7-E758FF8ACA06}" type="datetimeFigureOut">
               <a:rPr lang="en-US" smtClean="0"/>
-              <a:t>9/30/2022</a:t>
+              <a:t>10/7/22</a:t>
             </a:fld>
             <a:endParaRPr lang="en-US"/>
           </a:p>
@@ -20293,7 +24076,7 @@
           <a:p>
             <a:fld id="{3CB14515-8DA5-4B82-96E7-E758FF8ACA06}" type="datetimeFigureOut">
               <a:rPr lang="en-US" smtClean="0"/>
-              <a:t>9/30/2022</a:t>
+              <a:t>10/7/22</a:t>
             </a:fld>
             <a:endParaRPr lang="en-US"/>
           </a:p>
@@ -20543,7 +24326,7 @@
           <a:p>
             <a:fld id="{3CB14515-8DA5-4B82-96E7-E758FF8ACA06}" type="datetimeFigureOut">
               <a:rPr lang="en-US" smtClean="0"/>
-              <a:t>9/30/2022</a:t>
+              <a:t>10/7/22</a:t>
             </a:fld>
             <a:endParaRPr lang="en-US"/>
           </a:p>
@@ -21031,6 +24814,14 @@
 <file path=ppt/slides/slide1.xml><?xml version="1.0" encoding="utf-8"?>
 <p:sld xmlns:a="http://schemas.openxmlformats.org/drawingml/2006/main" xmlns:r="http://schemas.openxmlformats.org/officeDocument/2006/relationships" xmlns:p="http://schemas.openxmlformats.org/presentationml/2006/main">
   <p:cSld>
+    <p:bg>
+      <p:bgPr>
+        <a:solidFill>
+          <a:schemeClr val="bg1"/>
+        </a:solidFill>
+        <a:effectLst/>
+      </p:bgPr>
+    </p:bg>
     <p:spTree>
       <p:nvGrpSpPr>
         <p:cNvPr id="1" name=""/>
@@ -21061,9 +24852,16 @@
             <p:ph type="title"/>
           </p:nvPr>
         </p:nvSpPr>
-        <p:spPr/>
+        <p:spPr>
+          <a:xfrm>
+            <a:off x="1024128" y="585216"/>
+            <a:ext cx="9720072" cy="1499616"/>
+          </a:xfrm>
+        </p:spPr>
         <p:txBody>
-          <a:bodyPr/>
+          <a:bodyPr>
+            <a:normAutofit/>
+          </a:bodyPr>
           <a:lstStyle/>
           <a:p>
             <a:r>
@@ -21073,64 +24871,37 @@
           </a:p>
         </p:txBody>
       </p:sp>
-      <p:sp>
-        <p:nvSpPr>
-          <p:cNvPr id="3" name="Content Placeholder 2">
+      <p:graphicFrame>
+        <p:nvGraphicFramePr>
+          <p:cNvPr id="5" name="Content Placeholder 2">
             <a:extLst>
               <a:ext uri="{FF2B5EF4-FFF2-40B4-BE49-F238E27FC236}">
-                <a16:creationId xmlns:a16="http://schemas.microsoft.com/office/drawing/2014/main" id="{6522B48B-694E-4554-806F-FB8AD56BF8F9}"/>
+                <a16:creationId xmlns:a16="http://schemas.microsoft.com/office/drawing/2014/main" id="{5DA5F04F-F762-5B91-6136-506B5A69AC3A}"/>
               </a:ext>
             </a:extLst>
           </p:cNvPr>
-          <p:cNvSpPr>
-            <a:spLocks noGrp="1"/>
-          </p:cNvSpPr>
+          <p:cNvGraphicFramePr>
+            <a:graphicFrameLocks noGrp="1"/>
+          </p:cNvGraphicFramePr>
           <p:nvPr>
             <p:ph idx="1"/>
+            <p:extLst>
+              <p:ext uri="{D42A27DB-BD31-4B8C-83A1-F6EECF244321}">
+                <p14:modId xmlns:p14="http://schemas.microsoft.com/office/powerpoint/2010/main" val="3111119988"/>
+              </p:ext>
+            </p:extLst>
           </p:nvPr>
-        </p:nvSpPr>
-        <p:spPr/>
-        <p:txBody>
-          <a:bodyPr/>
-          <a:lstStyle/>
-          <a:p>
-            <a:r>
-              <a:rPr lang="en-US" dirty="0"/>
-              <a:t>Moudle1 Fixed-Income Securities : Defining Elements</a:t>
-            </a:r>
-          </a:p>
-          <a:p>
-            <a:r>
-              <a:rPr lang="en-US" dirty="0"/>
-              <a:t>Moudle2 Fixed-Income Markets : Issuance, Trading, and Funding</a:t>
-            </a:r>
-          </a:p>
-          <a:p>
-            <a:r>
-              <a:rPr lang="en-US" dirty="0"/>
-              <a:t>Moudle3 Introduction to Fixed-Income Valuation</a:t>
-            </a:r>
-          </a:p>
-          <a:p>
-            <a:r>
-              <a:rPr lang="en-US" dirty="0"/>
-              <a:t>Moudle4 Introduction to Asset-Backed Securities</a:t>
-            </a:r>
-          </a:p>
-          <a:p>
-            <a:r>
-              <a:rPr lang="en-US" dirty="0"/>
-              <a:t>Moudle5 Understanding Fixed-Income Risk and Return</a:t>
-            </a:r>
-          </a:p>
-          <a:p>
-            <a:r>
-              <a:rPr lang="en-US" dirty="0"/>
-              <a:t>Moudle6 Fundamentals of Credit Analysis</a:t>
-            </a:r>
-          </a:p>
-        </p:txBody>
-      </p:sp>
+        </p:nvGraphicFramePr>
+        <p:xfrm>
+          <a:off x="1023938" y="2286000"/>
+          <a:ext cx="9720262" cy="4022725"/>
+        </p:xfrm>
+        <a:graphic>
+          <a:graphicData uri="http://schemas.openxmlformats.org/drawingml/2006/diagram">
+            <dgm:relIds xmlns:dgm="http://schemas.openxmlformats.org/drawingml/2006/diagram" xmlns:r="http://schemas.openxmlformats.org/officeDocument/2006/relationships" r:dm="rId2" r:lo="rId3" r:qs="rId4" r:cs="rId5"/>
+          </a:graphicData>
+        </a:graphic>
+      </p:graphicFrame>
     </p:spTree>
     <p:extLst>
       <p:ext uri="{BB962C8B-B14F-4D97-AF65-F5344CB8AC3E}">
@@ -21144,9 +24915,17 @@
 </p:sld>
 </file>
 
-<file path=ppt/slides/slide2.xml><?xml version="1.0" encoding="utf-8"?>
+<file path=ppt/slides/slide10.xml><?xml version="1.0" encoding="utf-8"?>
 <p:sld xmlns:a="http://schemas.openxmlformats.org/drawingml/2006/main" xmlns:r="http://schemas.openxmlformats.org/officeDocument/2006/relationships" xmlns:p="http://schemas.openxmlformats.org/presentationml/2006/main">
   <p:cSld>
+    <p:bg>
+      <p:bgPr>
+        <a:solidFill>
+          <a:schemeClr val="bg1"/>
+        </a:solidFill>
+        <a:effectLst/>
+      </p:bgPr>
+    </p:bg>
     <p:spTree>
       <p:nvGrpSpPr>
         <p:cNvPr id="1" name=""/>
@@ -21163,10 +24942,46 @@
       </p:grpSpPr>
       <p:sp>
         <p:nvSpPr>
-          <p:cNvPr id="3" name="Content Placeholder 2">
+          <p:cNvPr id="2" name="标题 1">
             <a:extLst>
               <a:ext uri="{FF2B5EF4-FFF2-40B4-BE49-F238E27FC236}">
-                <a16:creationId xmlns:a16="http://schemas.microsoft.com/office/drawing/2014/main" id="{811740EF-41B0-4B0C-84A4-E39F3E0C1892}"/>
+                <a16:creationId xmlns:a16="http://schemas.microsoft.com/office/drawing/2014/main" id="{51D96F7D-C78F-724E-8EC8-FDFFC0EB5854}"/>
+              </a:ext>
+            </a:extLst>
+          </p:cNvPr>
+          <p:cNvSpPr>
+            <a:spLocks noGrp="1"/>
+          </p:cNvSpPr>
+          <p:nvPr>
+            <p:ph type="title"/>
+          </p:nvPr>
+        </p:nvSpPr>
+        <p:spPr>
+          <a:xfrm>
+            <a:off x="1024128" y="585216"/>
+            <a:ext cx="8018272" cy="1499616"/>
+          </a:xfrm>
+        </p:spPr>
+        <p:txBody>
+          <a:bodyPr>
+            <a:normAutofit/>
+          </a:bodyPr>
+          <a:lstStyle/>
+          <a:p>
+            <a:r>
+              <a:rPr kumimoji="1" lang="en-US" altLang="zh-CN" dirty="0"/>
+              <a:t>practices</a:t>
+            </a:r>
+            <a:endParaRPr kumimoji="1" lang="zh-CN" altLang="en-US" dirty="0"/>
+          </a:p>
+        </p:txBody>
+      </p:sp>
+      <p:sp>
+        <p:nvSpPr>
+          <p:cNvPr id="3" name="内容占位符 2">
+            <a:extLst>
+              <a:ext uri="{FF2B5EF4-FFF2-40B4-BE49-F238E27FC236}">
+                <a16:creationId xmlns:a16="http://schemas.microsoft.com/office/drawing/2014/main" id="{6EA90642-B743-9147-B512-C0FF138164AA}"/>
               </a:ext>
             </a:extLst>
           </p:cNvPr>
@@ -21177,61 +24992,437 @@
             <p:ph idx="1"/>
           </p:nvPr>
         </p:nvSpPr>
-        <p:spPr/>
+        <p:spPr>
+          <a:xfrm>
+            <a:off x="1024128" y="2286000"/>
+            <a:ext cx="8018271" cy="4023360"/>
+          </a:xfrm>
+        </p:spPr>
         <p:txBody>
-          <a:bodyPr/>
+          <a:bodyPr>
+            <a:normAutofit/>
+          </a:bodyPr>
           <a:lstStyle/>
           <a:p>
+            <a:pPr marL="0" indent="0">
+              <a:buNone/>
+            </a:pPr>
             <a:r>
-              <a:rPr lang="en-US" sz="3600" dirty="0"/>
-              <a:t>Basic Features of a Bond</a:t>
+              <a:rPr lang="en" altLang="zh-CN" sz="1500">
+                <a:effectLst/>
+                <a:latin typeface="WarnockPro"/>
+              </a:rPr>
+              <a:t>3.A bond has a par value of £100 and a coupon rate of 5%. Coupon payments are made semi-annually. The periodic interest payment is: </a:t>
+            </a:r>
+            <a:endParaRPr lang="en" altLang="zh-CN" sz="1500">
+              <a:effectLst/>
+            </a:endParaRPr>
+          </a:p>
+          <a:p>
+            <a:pPr marL="342900" indent="-342900">
+              <a:buFont typeface="+mj-lt"/>
+              <a:buAutoNum type="alphaUcPeriod"/>
+            </a:pPr>
+            <a:r>
+              <a:rPr lang="en" altLang="zh-CN" sz="1500" b="1">
+                <a:effectLst/>
+                <a:latin typeface="WarnockPro"/>
+              </a:rPr>
+              <a:t>£2.50, paid twice a year. </a:t>
+            </a:r>
+            <a:endParaRPr lang="en" altLang="zh-CN" sz="1500" b="1">
+              <a:effectLst/>
+              <a:latin typeface="MyriadPro"/>
+            </a:endParaRPr>
+          </a:p>
+          <a:p>
+            <a:pPr marL="342900" indent="-342900">
+              <a:buFont typeface="+mj-lt"/>
+              <a:buAutoNum type="alphaUcPeriod"/>
+            </a:pPr>
+            <a:r>
+              <a:rPr lang="en" altLang="zh-CN" sz="1500" b="1">
+                <a:effectLst/>
+                <a:latin typeface="WarnockPro"/>
+              </a:rPr>
+              <a:t>£5.00, paid once a year. </a:t>
+            </a:r>
+            <a:endParaRPr lang="en" altLang="zh-CN" sz="1500" b="1">
+              <a:effectLst/>
+              <a:latin typeface="MyriadPro"/>
+            </a:endParaRPr>
+          </a:p>
+          <a:p>
+            <a:pPr marL="342900" indent="-342900">
+              <a:buFont typeface="+mj-lt"/>
+              <a:buAutoNum type="alphaUcPeriod"/>
+            </a:pPr>
+            <a:r>
+              <a:rPr lang="en" altLang="zh-CN" sz="1500" b="1">
+                <a:effectLst/>
+                <a:latin typeface="WarnockPro"/>
+              </a:rPr>
+              <a:t>£5.00, paid twice a year. </a:t>
             </a:r>
           </a:p>
           <a:p>
-            <a:pPr lvl="1"/>
+            <a:pPr marL="0" indent="0">
+              <a:buNone/>
+            </a:pPr>
             <a:r>
-              <a:rPr lang="en-US" sz="2000" dirty="0"/>
-              <a:t>ISSUER</a:t>
+              <a:rPr lang="en" altLang="zh-CN" sz="1500">
+                <a:effectLst/>
+                <a:latin typeface="WarnockPro"/>
+              </a:rPr>
+              <a:t>4.The coupon rate of a floating-rate note that makes payments in June and December is expressed as      six-month MRR + 25 bps. Assuming that the six-month MRR is 3.00% at the end of June 20XX and 3.50% at the end of December 20XX, the interest rate that applies to the payment due in December 20XX is: </a:t>
+            </a:r>
+            <a:endParaRPr lang="en" altLang="zh-CN" sz="1500">
+              <a:effectLst/>
+            </a:endParaRPr>
+          </a:p>
+          <a:p>
+            <a:pPr marL="342900" indent="-342900">
+              <a:buFont typeface="+mj-lt"/>
+              <a:buAutoNum type="alphaUcPeriod"/>
+            </a:pPr>
+            <a:r>
+              <a:rPr lang="en" altLang="zh-CN" sz="1500" b="1">
+                <a:effectLst/>
+                <a:latin typeface="MyriadPro"/>
+              </a:rPr>
+              <a:t> </a:t>
+            </a:r>
+            <a:r>
+              <a:rPr lang="en" altLang="zh-CN" sz="1500" b="1">
+                <a:latin typeface="WarnockPro"/>
+              </a:rPr>
+              <a:t>3.25%. </a:t>
             </a:r>
           </a:p>
           <a:p>
-            <a:pPr lvl="1"/>
+            <a:pPr marL="342900" indent="-342900">
+              <a:buFont typeface="+mj-lt"/>
+              <a:buAutoNum type="alphaUcPeriod"/>
+            </a:pPr>
             <a:r>
-              <a:rPr lang="en-US" sz="2000" dirty="0"/>
-              <a:t>Maturity</a:t>
+              <a:rPr lang="en" altLang="zh-CN" sz="1500" b="1">
+                <a:latin typeface="WarnockPro"/>
+              </a:rPr>
+              <a:t> 3.50%. </a:t>
             </a:r>
           </a:p>
           <a:p>
-            <a:pPr lvl="1"/>
+            <a:pPr marL="342900" indent="-342900">
+              <a:buFont typeface="+mj-lt"/>
+              <a:buAutoNum type="alphaUcPeriod"/>
+            </a:pPr>
             <a:r>
-              <a:rPr lang="en-US" sz="2000" dirty="0"/>
-              <a:t>Par or principal amount</a:t>
+              <a:rPr lang="en" altLang="zh-CN" sz="1500" b="1">
+                <a:latin typeface="WarnockPro"/>
+              </a:rPr>
+              <a:t> 3.75%. </a:t>
             </a:r>
           </a:p>
           <a:p>
-            <a:pPr lvl="1"/>
-            <a:r>
-              <a:rPr lang="en-US" sz="2000" dirty="0"/>
-              <a:t>Coupon size</a:t>
-            </a:r>
+            <a:pPr marL="0" indent="0">
+              <a:buNone/>
+            </a:pPr>
+            <a:endParaRPr lang="en" altLang="zh-CN" sz="1500" b="1">
+              <a:effectLst/>
+              <a:latin typeface="MyriadPro"/>
+            </a:endParaRPr>
           </a:p>
           <a:p>
-            <a:pPr lvl="1"/>
-            <a:r>
-              <a:rPr lang="en-US" sz="2000" dirty="0"/>
-              <a:t>Frequency</a:t>
-            </a:r>
+            <a:endParaRPr kumimoji="1" lang="zh-CN" altLang="en-US" sz="1500"/>
           </a:p>
+        </p:txBody>
+      </p:sp>
+      <p:sp>
+        <p:nvSpPr>
+          <p:cNvPr id="23" name="Rectangle 14">
+            <a:extLst>
+              <a:ext uri="{FF2B5EF4-FFF2-40B4-BE49-F238E27FC236}">
+                <a16:creationId xmlns:a16="http://schemas.microsoft.com/office/drawing/2014/main" id="{77D7B666-D5E6-48CE-B26A-FB5E5C34AF90}"/>
+              </a:ext>
+              <a:ext uri="{C183D7F6-B498-43B3-948B-1728B52AA6E4}">
+                <adec:decorative xmlns:adec="http://schemas.microsoft.com/office/drawing/2017/decorative" val="1"/>
+              </a:ext>
+            </a:extLst>
+          </p:cNvPr>
+          <p:cNvSpPr>
+            <a:spLocks noGrp="1" noRot="1" noChangeAspect="1" noMove="1" noResize="1" noEditPoints="1" noAdjustHandles="1" noChangeArrowheads="1" noChangeShapeType="1" noTextEdit="1"/>
+          </p:cNvSpPr>
+          <p:nvPr>
+            <p:extLst>
+              <p:ext uri="{386F3935-93C4-4BCD-93E2-E3B085C9AB24}">
+                <p16:designElem xmlns:p16="http://schemas.microsoft.com/office/powerpoint/2015/main" val="1"/>
+              </p:ext>
+            </p:extLst>
+          </p:nvPr>
+        </p:nvSpPr>
+        <p:spPr>
+          <a:xfrm>
+            <a:off x="9583348" y="325601"/>
+            <a:ext cx="2286920" cy="3908071"/>
+          </a:xfrm>
+          <a:prstGeom prst="rect">
+            <a:avLst/>
+          </a:prstGeom>
+          <a:solidFill>
+            <a:schemeClr val="accent1"/>
+          </a:solidFill>
+          <a:ln>
+            <a:noFill/>
+          </a:ln>
+        </p:spPr>
+        <p:style>
+          <a:lnRef idx="2">
+            <a:schemeClr val="accent1">
+              <a:shade val="50000"/>
+            </a:schemeClr>
+          </a:lnRef>
+          <a:fillRef idx="1">
+            <a:schemeClr val="accent1"/>
+          </a:fillRef>
+          <a:effectRef idx="0">
+            <a:schemeClr val="accent1"/>
+          </a:effectRef>
+          <a:fontRef idx="minor">
+            <a:schemeClr val="lt1"/>
+          </a:fontRef>
+        </p:style>
+        <p:txBody>
+          <a:bodyPr rtlCol="0" anchor="ctr"/>
+          <a:lstStyle/>
           <a:p>
-            <a:pPr lvl="1"/>
-            <a:r>
-              <a:rPr lang="en-US" sz="2000" dirty="0"/>
-              <a:t>Currency</a:t>
-            </a:r>
+            <a:pPr algn="ctr"/>
+            <a:endParaRPr lang="en-US" dirty="0"/>
           </a:p>
+        </p:txBody>
+      </p:sp>
+      <p:sp>
+        <p:nvSpPr>
+          <p:cNvPr id="24" name="Rectangle 16">
+            <a:extLst>
+              <a:ext uri="{FF2B5EF4-FFF2-40B4-BE49-F238E27FC236}">
+                <a16:creationId xmlns:a16="http://schemas.microsoft.com/office/drawing/2014/main" id="{F6EE670A-A41A-44AD-BC1C-2090365EB5B3}"/>
+              </a:ext>
+              <a:ext uri="{C183D7F6-B498-43B3-948B-1728B52AA6E4}">
+                <adec:decorative xmlns:adec="http://schemas.microsoft.com/office/drawing/2017/decorative" val="1"/>
+              </a:ext>
+            </a:extLst>
+          </p:cNvPr>
+          <p:cNvSpPr>
+            <a:spLocks noGrp="1" noRot="1" noChangeAspect="1" noMove="1" noResize="1" noEditPoints="1" noAdjustHandles="1" noChangeArrowheads="1" noChangeShapeType="1" noTextEdit="1"/>
+          </p:cNvSpPr>
+          <p:nvPr>
+            <p:extLst>
+              <p:ext uri="{386F3935-93C4-4BCD-93E2-E3B085C9AB24}">
+                <p16:designElem xmlns:p16="http://schemas.microsoft.com/office/powerpoint/2015/main" val="1"/>
+              </p:ext>
+            </p:extLst>
+          </p:nvPr>
+        </p:nvSpPr>
+        <p:spPr>
+          <a:xfrm>
+            <a:off x="9583348" y="4394539"/>
+            <a:ext cx="2286920" cy="2029724"/>
+          </a:xfrm>
+          <a:prstGeom prst="rect">
+            <a:avLst/>
+          </a:prstGeom>
+          <a:solidFill>
+            <a:schemeClr val="tx2">
+              <a:alpha val="80000"/>
+            </a:schemeClr>
+          </a:solidFill>
+          <a:ln>
+            <a:noFill/>
+          </a:ln>
+        </p:spPr>
+        <p:style>
+          <a:lnRef idx="2">
+            <a:schemeClr val="accent1">
+              <a:shade val="50000"/>
+            </a:schemeClr>
+          </a:lnRef>
+          <a:fillRef idx="1">
+            <a:schemeClr val="accent1"/>
+          </a:fillRef>
+          <a:effectRef idx="0">
+            <a:schemeClr val="accent1"/>
+          </a:effectRef>
+          <a:fontRef idx="minor">
+            <a:schemeClr val="lt1"/>
+          </a:fontRef>
+        </p:style>
+        <p:txBody>
+          <a:bodyPr rtlCol="0" anchor="ctr"/>
+          <a:lstStyle/>
           <a:p>
-            <a:pPr lvl="1"/>
-            <a:endParaRPr lang="en-US" dirty="0"/>
+            <a:pPr algn="ctr"/>
+            <a:endParaRPr lang="en-US"/>
+          </a:p>
+        </p:txBody>
+      </p:sp>
+    </p:spTree>
+    <p:extLst>
+      <p:ext uri="{BB962C8B-B14F-4D97-AF65-F5344CB8AC3E}">
+        <p14:creationId xmlns:p14="http://schemas.microsoft.com/office/powerpoint/2010/main" val="122313331"/>
+      </p:ext>
+    </p:extLst>
+  </p:cSld>
+  <p:clrMapOvr>
+    <a:masterClrMapping/>
+  </p:clrMapOvr>
+</p:sld>
+</file>
+
+<file path=ppt/slides/slide2.xml><?xml version="1.0" encoding="utf-8"?>
+<p:sld xmlns:a="http://schemas.openxmlformats.org/drawingml/2006/main" xmlns:r="http://schemas.openxmlformats.org/officeDocument/2006/relationships" xmlns:p="http://schemas.openxmlformats.org/presentationml/2006/main">
+  <p:cSld>
+    <p:bg>
+      <p:bgPr>
+        <a:solidFill>
+          <a:schemeClr val="bg1"/>
+        </a:solidFill>
+        <a:effectLst/>
+      </p:bgPr>
+    </p:bg>
+    <p:spTree>
+      <p:nvGrpSpPr>
+        <p:cNvPr id="1" name=""/>
+        <p:cNvGrpSpPr/>
+        <p:nvPr/>
+      </p:nvGrpSpPr>
+      <p:grpSpPr>
+        <a:xfrm>
+          <a:off x="0" y="0"/>
+          <a:ext cx="0" cy="0"/>
+          <a:chOff x="0" y="0"/>
+          <a:chExt cx="0" cy="0"/>
+        </a:xfrm>
+      </p:grpSpPr>
+      <p:pic>
+        <p:nvPicPr>
+          <p:cNvPr id="7" name="Picture 6" descr="Magnifying glass showing decling performance">
+            <a:extLst>
+              <a:ext uri="{FF2B5EF4-FFF2-40B4-BE49-F238E27FC236}">
+                <a16:creationId xmlns:a16="http://schemas.microsoft.com/office/drawing/2014/main" id="{8705FBF8-9277-073D-B7EA-92A6FEC515B5}"/>
+              </a:ext>
+            </a:extLst>
+          </p:cNvPr>
+          <p:cNvPicPr>
+            <a:picLocks noChangeAspect="1"/>
+          </p:cNvPicPr>
+          <p:nvPr/>
+        </p:nvPicPr>
+        <p:blipFill rotWithShape="1">
+          <a:blip r:embed="rId2"/>
+          <a:srcRect t="3814" r="9091" b="19577"/>
+          <a:stretch/>
+        </p:blipFill>
+        <p:spPr>
+          <a:xfrm>
+            <a:off x="20" y="10"/>
+            <a:ext cx="12191980" cy="6857989"/>
+          </a:xfrm>
+          <a:prstGeom prst="rect">
+            <a:avLst/>
+          </a:prstGeom>
+        </p:spPr>
+      </p:pic>
+      <p:sp>
+        <p:nvSpPr>
+          <p:cNvPr id="16" name="Rectangle 15">
+            <a:extLst>
+              <a:ext uri="{FF2B5EF4-FFF2-40B4-BE49-F238E27FC236}">
+                <a16:creationId xmlns:a16="http://schemas.microsoft.com/office/drawing/2014/main" id="{57D175FC-84CC-4D12-A5E2-FA27D934E9CE}"/>
+              </a:ext>
+              <a:ext uri="{C183D7F6-B498-43B3-948B-1728B52AA6E4}">
+                <adec:decorative xmlns:adec="http://schemas.microsoft.com/office/drawing/2017/decorative" val="1"/>
+              </a:ext>
+            </a:extLst>
+          </p:cNvPr>
+          <p:cNvSpPr>
+            <a:spLocks noGrp="1" noRot="1" noChangeAspect="1" noMove="1" noResize="1" noEditPoints="1" noAdjustHandles="1" noChangeArrowheads="1" noChangeShapeType="1" noTextEdit="1"/>
+          </p:cNvSpPr>
+          <p:nvPr>
+            <p:extLst>
+              <p:ext uri="{386F3935-93C4-4BCD-93E2-E3B085C9AB24}">
+                <p16:designElem xmlns:p16="http://schemas.microsoft.com/office/powerpoint/2015/main" val="1"/>
+              </p:ext>
+            </p:extLst>
+          </p:nvPr>
+        </p:nvSpPr>
+        <p:spPr>
+          <a:xfrm>
+            <a:off x="-1" y="0"/>
+            <a:ext cx="7552265" cy="6858000"/>
+          </a:xfrm>
+          <a:prstGeom prst="rect">
+            <a:avLst/>
+          </a:prstGeom>
+          <a:solidFill>
+            <a:srgbClr val="FFFFFF">
+              <a:alpha val="90000"/>
+            </a:srgbClr>
+          </a:solidFill>
+          <a:ln>
+            <a:noFill/>
+          </a:ln>
+        </p:spPr>
+        <p:style>
+          <a:lnRef idx="2">
+            <a:schemeClr val="accent1">
+              <a:shade val="50000"/>
+            </a:schemeClr>
+          </a:lnRef>
+          <a:fillRef idx="1">
+            <a:schemeClr val="accent1"/>
+          </a:fillRef>
+          <a:effectRef idx="0">
+            <a:schemeClr val="accent1"/>
+          </a:effectRef>
+          <a:fontRef idx="minor">
+            <a:schemeClr val="lt1"/>
+          </a:fontRef>
+        </p:style>
+        <p:txBody>
+          <a:bodyPr rtlCol="0" anchor="ctr"/>
+          <a:lstStyle/>
+          <a:p>
+            <a:pPr marL="0" marR="0" lvl="0" indent="0" algn="ctr" defTabSz="914400" rtl="0" eaLnBrk="1" fontAlgn="auto" latinLnBrk="0" hangingPunct="1">
+              <a:lnSpc>
+                <a:spcPct val="100000"/>
+              </a:lnSpc>
+              <a:spcBef>
+                <a:spcPts val="0"/>
+              </a:spcBef>
+              <a:spcAft>
+                <a:spcPts val="0"/>
+              </a:spcAft>
+              <a:buClrTx/>
+              <a:buSzTx/>
+              <a:buFontTx/>
+              <a:buNone/>
+              <a:tabLst/>
+              <a:defRPr/>
+            </a:pPr>
+            <a:endParaRPr kumimoji="0" lang="en-US" sz="1800" b="0" i="0" u="none" strike="noStrike" kern="1200" cap="none" spc="0" normalizeH="0" baseline="0" noProof="0">
+              <a:ln>
+                <a:noFill/>
+              </a:ln>
+              <a:solidFill>
+                <a:prstClr val="white"/>
+              </a:solidFill>
+              <a:effectLst/>
+              <a:uLnTx/>
+              <a:uFillTx/>
+              <a:latin typeface="Tw Cen MT" panose="020B0602020104020603"/>
+              <a:ea typeface="+mn-ea"/>
+              <a:cs typeface="+mn-cs"/>
+            </a:endParaRPr>
           </a:p>
         </p:txBody>
       </p:sp>
@@ -21251,32 +25442,226 @@
             <p:ph type="title"/>
           </p:nvPr>
         </p:nvSpPr>
-        <p:spPr/>
+        <p:spPr>
+          <a:xfrm>
+            <a:off x="1024128" y="585216"/>
+            <a:ext cx="6066816" cy="1499616"/>
+          </a:xfrm>
+        </p:spPr>
         <p:txBody>
           <a:bodyPr>
-            <a:noAutofit/>
+            <a:normAutofit/>
           </a:bodyPr>
           <a:lstStyle/>
           <a:p>
             <a:r>
-              <a:rPr lang="en-US" sz="4000" b="1" dirty="0"/>
+              <a:rPr lang="en-US" sz="3500" b="1">
+                <a:solidFill>
+                  <a:srgbClr val="000000"/>
+                </a:solidFill>
+              </a:rPr>
               <a:t>Module1</a:t>
             </a:r>
             <a:br>
-              <a:rPr lang="en-US" sz="4000" b="1" dirty="0"/>
+              <a:rPr lang="en-US" sz="3500" b="1">
+                <a:solidFill>
+                  <a:srgbClr val="000000"/>
+                </a:solidFill>
+              </a:rPr>
             </a:br>
             <a:r>
-              <a:rPr lang="en-US" sz="4000" b="1" dirty="0"/>
+              <a:rPr lang="en-US" sz="3500" b="1">
+                <a:solidFill>
+                  <a:srgbClr val="000000"/>
+                </a:solidFill>
+              </a:rPr>
               <a:t>Fixed-Income Securities: </a:t>
             </a:r>
             <a:br>
-              <a:rPr lang="en-US" sz="4000" b="1" dirty="0"/>
+              <a:rPr lang="en-US" sz="3500" b="1">
+                <a:solidFill>
+                  <a:srgbClr val="000000"/>
+                </a:solidFill>
+              </a:rPr>
             </a:br>
             <a:r>
-              <a:rPr lang="en-US" sz="4000" b="1" dirty="0"/>
+              <a:rPr lang="en-US" sz="3500" b="1">
+                <a:solidFill>
+                  <a:srgbClr val="000000"/>
+                </a:solidFill>
+              </a:rPr>
               <a:t>Defining Elements</a:t>
             </a:r>
-            <a:endParaRPr lang="en-US" sz="4000" dirty="0"/>
+            <a:endParaRPr lang="en-US" sz="3500">
+              <a:solidFill>
+                <a:srgbClr val="000000"/>
+              </a:solidFill>
+            </a:endParaRPr>
+          </a:p>
+        </p:txBody>
+      </p:sp>
+      <p:cxnSp>
+        <p:nvCxnSpPr>
+          <p:cNvPr id="18" name="Straight Connector 17">
+            <a:extLst>
+              <a:ext uri="{FF2B5EF4-FFF2-40B4-BE49-F238E27FC236}">
+                <a16:creationId xmlns:a16="http://schemas.microsoft.com/office/drawing/2014/main" id="{8AC38328-2D50-4DDB-BD20-28DE12E4996E}"/>
+              </a:ext>
+              <a:ext uri="{C183D7F6-B498-43B3-948B-1728B52AA6E4}">
+                <adec:decorative xmlns:adec="http://schemas.microsoft.com/office/drawing/2017/decorative" val="1"/>
+              </a:ext>
+            </a:extLst>
+          </p:cNvPr>
+          <p:cNvCxnSpPr>
+            <a:cxnSpLocks noGrp="1" noRot="1" noChangeAspect="1" noMove="1" noResize="1" noEditPoints="1" noAdjustHandles="1" noChangeArrowheads="1" noChangeShapeType="1"/>
+          </p:cNvCxnSpPr>
+          <p:nvPr>
+            <p:extLst>
+              <p:ext uri="{386F3935-93C4-4BCD-93E2-E3B085C9AB24}">
+                <p16:designElem xmlns:p16="http://schemas.microsoft.com/office/powerpoint/2015/main" val="1"/>
+              </p:ext>
+            </p:extLst>
+          </p:nvPr>
+        </p:nvCxnSpPr>
+        <p:spPr>
+          <a:xfrm flipV="1">
+            <a:off x="762000" y="826324"/>
+            <a:ext cx="0" cy="914400"/>
+          </a:xfrm>
+          <a:prstGeom prst="line">
+            <a:avLst/>
+          </a:prstGeom>
+          <a:ln w="19050">
+            <a:solidFill>
+              <a:schemeClr val="accent1"/>
+            </a:solidFill>
+          </a:ln>
+        </p:spPr>
+        <p:style>
+          <a:lnRef idx="1">
+            <a:schemeClr val="accent1"/>
+          </a:lnRef>
+          <a:fillRef idx="0">
+            <a:schemeClr val="accent1"/>
+          </a:fillRef>
+          <a:effectRef idx="0">
+            <a:schemeClr val="accent1"/>
+          </a:effectRef>
+          <a:fontRef idx="minor">
+            <a:schemeClr val="tx1"/>
+          </a:fontRef>
+        </p:style>
+      </p:cxnSp>
+      <p:sp>
+        <p:nvSpPr>
+          <p:cNvPr id="3" name="Content Placeholder 2">
+            <a:extLst>
+              <a:ext uri="{FF2B5EF4-FFF2-40B4-BE49-F238E27FC236}">
+                <a16:creationId xmlns:a16="http://schemas.microsoft.com/office/drawing/2014/main" id="{811740EF-41B0-4B0C-84A4-E39F3E0C1892}"/>
+              </a:ext>
+            </a:extLst>
+          </p:cNvPr>
+          <p:cNvSpPr>
+            <a:spLocks noGrp="1"/>
+          </p:cNvSpPr>
+          <p:nvPr>
+            <p:ph idx="1"/>
+          </p:nvPr>
+        </p:nvSpPr>
+        <p:spPr>
+          <a:xfrm>
+            <a:off x="1024128" y="2286000"/>
+            <a:ext cx="6066816" cy="4023360"/>
+          </a:xfrm>
+        </p:spPr>
+        <p:txBody>
+          <a:bodyPr>
+            <a:normAutofit/>
+          </a:bodyPr>
+          <a:lstStyle/>
+          <a:p>
+            <a:r>
+              <a:rPr lang="en-US" sz="2800" dirty="0">
+                <a:solidFill>
+                  <a:srgbClr val="000000"/>
+                </a:solidFill>
+              </a:rPr>
+              <a:t>Basic Features of a Bond</a:t>
+            </a:r>
+          </a:p>
+          <a:p>
+            <a:pPr lvl="1"/>
+            <a:r>
+              <a:rPr lang="en-US" sz="2000" dirty="0">
+                <a:solidFill>
+                  <a:srgbClr val="000000"/>
+                </a:solidFill>
+              </a:rPr>
+              <a:t>ISSUER</a:t>
+            </a:r>
+          </a:p>
+          <a:p>
+            <a:pPr lvl="1"/>
+            <a:r>
+              <a:rPr lang="en-US" sz="2000" dirty="0">
+                <a:solidFill>
+                  <a:srgbClr val="000000"/>
+                </a:solidFill>
+              </a:rPr>
+              <a:t>Maturity</a:t>
+            </a:r>
+          </a:p>
+          <a:p>
+            <a:pPr lvl="1"/>
+            <a:r>
+              <a:rPr lang="en-US" sz="2000" dirty="0">
+                <a:solidFill>
+                  <a:srgbClr val="000000"/>
+                </a:solidFill>
+              </a:rPr>
+              <a:t>Par or principal amount</a:t>
+            </a:r>
+          </a:p>
+          <a:p>
+            <a:pPr lvl="1"/>
+            <a:r>
+              <a:rPr lang="en-US" sz="2000" dirty="0">
+                <a:solidFill>
+                  <a:srgbClr val="000000"/>
+                </a:solidFill>
+              </a:rPr>
+              <a:t>Coupon size</a:t>
+            </a:r>
+          </a:p>
+          <a:p>
+            <a:pPr lvl="1"/>
+            <a:r>
+              <a:rPr lang="en-US" sz="2000" dirty="0">
+                <a:solidFill>
+                  <a:srgbClr val="000000"/>
+                </a:solidFill>
+              </a:rPr>
+              <a:t>Frequency</a:t>
+            </a:r>
+          </a:p>
+          <a:p>
+            <a:pPr lvl="1"/>
+            <a:r>
+              <a:rPr lang="en-US" sz="2000" dirty="0">
+                <a:solidFill>
+                  <a:srgbClr val="000000"/>
+                </a:solidFill>
+              </a:rPr>
+              <a:t>Currency</a:t>
+            </a:r>
+          </a:p>
+          <a:p>
+            <a:pPr lvl="1"/>
+            <a:endParaRPr lang="en-US" dirty="0">
+              <a:solidFill>
+                <a:srgbClr val="000000"/>
+              </a:solidFill>
+            </a:endParaRPr>
           </a:p>
         </p:txBody>
       </p:sp>
@@ -21296,6 +25681,14 @@
 <file path=ppt/slides/slide3.xml><?xml version="1.0" encoding="utf-8"?>
 <p:sld xmlns:a="http://schemas.openxmlformats.org/drawingml/2006/main" xmlns:r="http://schemas.openxmlformats.org/officeDocument/2006/relationships" xmlns:p="http://schemas.openxmlformats.org/presentationml/2006/main">
   <p:cSld>
+    <p:bg>
+      <p:bgPr>
+        <a:solidFill>
+          <a:schemeClr val="bg1"/>
+        </a:solidFill>
+        <a:effectLst/>
+      </p:bgPr>
+    </p:bg>
     <p:spTree>
       <p:nvGrpSpPr>
         <p:cNvPr id="1" name=""/>
@@ -21326,32 +25719,37 @@
             <p:ph type="title"/>
           </p:nvPr>
         </p:nvSpPr>
-        <p:spPr/>
+        <p:spPr>
+          <a:xfrm>
+            <a:off x="1024128" y="585216"/>
+            <a:ext cx="8018272" cy="1499616"/>
+          </a:xfrm>
+        </p:spPr>
         <p:txBody>
           <a:bodyPr>
-            <a:noAutofit/>
+            <a:normAutofit/>
           </a:bodyPr>
           <a:lstStyle/>
           <a:p>
             <a:r>
-              <a:rPr lang="en-US" sz="4000" b="1" dirty="0"/>
+              <a:rPr lang="en-US" sz="3500" b="1"/>
               <a:t>Module1</a:t>
             </a:r>
             <a:br>
-              <a:rPr lang="en-US" sz="4000" b="1" dirty="0"/>
+              <a:rPr lang="en-US" sz="3500" b="1"/>
             </a:br>
             <a:r>
-              <a:rPr lang="en-US" sz="4000" b="1" dirty="0"/>
+              <a:rPr lang="en-US" sz="3500" b="1"/>
               <a:t>Fixed-Income Securities: </a:t>
             </a:r>
             <a:br>
-              <a:rPr lang="en-US" sz="4000" b="1" dirty="0"/>
+              <a:rPr lang="en-US" sz="3500" b="1"/>
             </a:br>
             <a:r>
-              <a:rPr lang="en-US" sz="4000" b="1" dirty="0"/>
+              <a:rPr lang="en-US" sz="3500" b="1"/>
               <a:t>Defining Elements</a:t>
             </a:r>
-            <a:endParaRPr lang="en-US" sz="4000" dirty="0"/>
+            <a:endParaRPr lang="en-US" sz="3500"/>
           </a:p>
         </p:txBody>
       </p:sp>
@@ -21371,61 +25769,196 @@
             <p:ph idx="1"/>
           </p:nvPr>
         </p:nvSpPr>
-        <p:spPr/>
+        <p:spPr>
+          <a:xfrm>
+            <a:off x="1024128" y="2286000"/>
+            <a:ext cx="8018271" cy="4023360"/>
+          </a:xfrm>
+        </p:spPr>
         <p:txBody>
-          <a:bodyPr/>
+          <a:bodyPr>
+            <a:normAutofit/>
+          </a:bodyPr>
           <a:lstStyle/>
           <a:p>
             <a:r>
-              <a:rPr lang="en-US" sz="3600" dirty="0"/>
+              <a:rPr lang="en-US"/>
               <a:t>Issuer</a:t>
             </a:r>
           </a:p>
           <a:p>
             <a:pPr lvl="1"/>
             <a:r>
-              <a:rPr lang="en-US" sz="2000" dirty="0"/>
+              <a:rPr lang="en-US"/>
               <a:t>Supranational organizations, such as the World Bank or the European Investment Bank</a:t>
             </a:r>
           </a:p>
           <a:p>
             <a:pPr lvl="1"/>
             <a:r>
-              <a:rPr lang="en-US" sz="2000" dirty="0"/>
+              <a:rPr lang="en-US"/>
               <a:t>Sovereign (national) governments, such as the United States or Japan</a:t>
             </a:r>
           </a:p>
           <a:p>
             <a:pPr lvl="1"/>
             <a:r>
-              <a:rPr lang="en-US" sz="2000" dirty="0"/>
+              <a:rPr lang="en-US"/>
               <a:t>Non-sovereign (local) governments, such as the State of Minnesota in the United States, the Catalonia region in Spain</a:t>
             </a:r>
           </a:p>
           <a:p>
             <a:pPr lvl="1"/>
             <a:r>
-              <a:rPr lang="en-US" sz="2000" dirty="0"/>
+              <a:rPr lang="en-US"/>
               <a:t>Quasi-government entities (i.e., agencies that are owned or sponsored by governments), such as postal services in many countries</a:t>
             </a:r>
           </a:p>
           <a:p>
             <a:pPr lvl="1"/>
             <a:r>
-              <a:rPr lang="en-US" sz="2000" dirty="0"/>
+              <a:rPr lang="en-US"/>
               <a:t>Companies (i.e., corporate issuers)</a:t>
             </a:r>
           </a:p>
           <a:p>
             <a:pPr lvl="1"/>
             <a:r>
-              <a:rPr lang="en-US" sz="2000" dirty="0"/>
+              <a:rPr lang="en-US"/>
               <a:t>Special legal entities (i.e., special purpose entities)</a:t>
             </a:r>
           </a:p>
           <a:p>
             <a:pPr lvl="1"/>
             <a:endParaRPr lang="en-US" dirty="0"/>
+          </a:p>
+        </p:txBody>
+      </p:sp>
+      <p:sp>
+        <p:nvSpPr>
+          <p:cNvPr id="8" name="Rectangle 7">
+            <a:extLst>
+              <a:ext uri="{FF2B5EF4-FFF2-40B4-BE49-F238E27FC236}">
+                <a16:creationId xmlns:a16="http://schemas.microsoft.com/office/drawing/2014/main" id="{77D7B666-D5E6-48CE-B26A-FB5E5C34AF90}"/>
+              </a:ext>
+              <a:ext uri="{C183D7F6-B498-43B3-948B-1728B52AA6E4}">
+                <adec:decorative xmlns:adec="http://schemas.microsoft.com/office/drawing/2017/decorative" val="1"/>
+              </a:ext>
+            </a:extLst>
+          </p:cNvPr>
+          <p:cNvSpPr>
+            <a:spLocks noGrp="1" noRot="1" noChangeAspect="1" noMove="1" noResize="1" noEditPoints="1" noAdjustHandles="1" noChangeArrowheads="1" noChangeShapeType="1" noTextEdit="1"/>
+          </p:cNvSpPr>
+          <p:nvPr>
+            <p:extLst>
+              <p:ext uri="{386F3935-93C4-4BCD-93E2-E3B085C9AB24}">
+                <p16:designElem xmlns:p16="http://schemas.microsoft.com/office/powerpoint/2015/main" val="1"/>
+              </p:ext>
+            </p:extLst>
+          </p:nvPr>
+        </p:nvSpPr>
+        <p:spPr>
+          <a:xfrm>
+            <a:off x="9583348" y="325601"/>
+            <a:ext cx="2286920" cy="3908071"/>
+          </a:xfrm>
+          <a:prstGeom prst="rect">
+            <a:avLst/>
+          </a:prstGeom>
+          <a:solidFill>
+            <a:schemeClr val="accent1"/>
+          </a:solidFill>
+          <a:ln>
+            <a:noFill/>
+          </a:ln>
+        </p:spPr>
+        <p:style>
+          <a:lnRef idx="2">
+            <a:schemeClr val="accent1">
+              <a:shade val="50000"/>
+            </a:schemeClr>
+          </a:lnRef>
+          <a:fillRef idx="1">
+            <a:schemeClr val="accent1"/>
+          </a:fillRef>
+          <a:effectRef idx="0">
+            <a:schemeClr val="accent1"/>
+          </a:effectRef>
+          <a:fontRef idx="minor">
+            <a:schemeClr val="lt1"/>
+          </a:fontRef>
+        </p:style>
+        <p:txBody>
+          <a:bodyPr rtlCol="0" anchor="ctr"/>
+          <a:lstStyle/>
+          <a:p>
+            <a:pPr algn="ctr"/>
+            <a:endParaRPr lang="en-US" dirty="0"/>
+          </a:p>
+        </p:txBody>
+      </p:sp>
+      <p:sp>
+        <p:nvSpPr>
+          <p:cNvPr id="10" name="Rectangle 9">
+            <a:extLst>
+              <a:ext uri="{FF2B5EF4-FFF2-40B4-BE49-F238E27FC236}">
+                <a16:creationId xmlns:a16="http://schemas.microsoft.com/office/drawing/2014/main" id="{F6EE670A-A41A-44AD-BC1C-2090365EB5B3}"/>
+              </a:ext>
+              <a:ext uri="{C183D7F6-B498-43B3-948B-1728B52AA6E4}">
+                <adec:decorative xmlns:adec="http://schemas.microsoft.com/office/drawing/2017/decorative" val="1"/>
+              </a:ext>
+            </a:extLst>
+          </p:cNvPr>
+          <p:cNvSpPr>
+            <a:spLocks noGrp="1" noRot="1" noChangeAspect="1" noMove="1" noResize="1" noEditPoints="1" noAdjustHandles="1" noChangeArrowheads="1" noChangeShapeType="1" noTextEdit="1"/>
+          </p:cNvSpPr>
+          <p:nvPr>
+            <p:extLst>
+              <p:ext uri="{386F3935-93C4-4BCD-93E2-E3B085C9AB24}">
+                <p16:designElem xmlns:p16="http://schemas.microsoft.com/office/powerpoint/2015/main" val="1"/>
+              </p:ext>
+            </p:extLst>
+          </p:nvPr>
+        </p:nvSpPr>
+        <p:spPr>
+          <a:xfrm>
+            <a:off x="9583348" y="4394539"/>
+            <a:ext cx="2286920" cy="2029724"/>
+          </a:xfrm>
+          <a:prstGeom prst="rect">
+            <a:avLst/>
+          </a:prstGeom>
+          <a:solidFill>
+            <a:schemeClr val="tx2">
+              <a:alpha val="80000"/>
+            </a:schemeClr>
+          </a:solidFill>
+          <a:ln>
+            <a:noFill/>
+          </a:ln>
+        </p:spPr>
+        <p:style>
+          <a:lnRef idx="2">
+            <a:schemeClr val="accent1">
+              <a:shade val="50000"/>
+            </a:schemeClr>
+          </a:lnRef>
+          <a:fillRef idx="1">
+            <a:schemeClr val="accent1"/>
+          </a:fillRef>
+          <a:effectRef idx="0">
+            <a:schemeClr val="accent1"/>
+          </a:effectRef>
+          <a:fontRef idx="minor">
+            <a:schemeClr val="lt1"/>
+          </a:fontRef>
+        </p:style>
+        <p:txBody>
+          <a:bodyPr rtlCol="0" anchor="ctr"/>
+          <a:lstStyle/>
+          <a:p>
+            <a:pPr algn="ctr"/>
+            <a:endParaRPr lang="en-US"/>
           </a:p>
         </p:txBody>
       </p:sp>
@@ -21445,6 +25978,14 @@
 <file path=ppt/slides/slide4.xml><?xml version="1.0" encoding="utf-8"?>
 <p:sld xmlns:a="http://schemas.openxmlformats.org/drawingml/2006/main" xmlns:r="http://schemas.openxmlformats.org/officeDocument/2006/relationships" xmlns:p="http://schemas.openxmlformats.org/presentationml/2006/main">
   <p:cSld>
+    <p:bg>
+      <p:bgPr>
+        <a:solidFill>
+          <a:schemeClr val="bg1"/>
+        </a:solidFill>
+        <a:effectLst/>
+      </p:bgPr>
+    </p:bg>
     <p:spTree>
       <p:nvGrpSpPr>
         <p:cNvPr id="1" name=""/>
@@ -21475,32 +26016,37 @@
             <p:ph type="title"/>
           </p:nvPr>
         </p:nvSpPr>
-        <p:spPr/>
+        <p:spPr>
+          <a:xfrm>
+            <a:off x="1024128" y="585216"/>
+            <a:ext cx="8018272" cy="1499616"/>
+          </a:xfrm>
+        </p:spPr>
         <p:txBody>
           <a:bodyPr>
-            <a:noAutofit/>
+            <a:normAutofit/>
           </a:bodyPr>
           <a:lstStyle/>
           <a:p>
             <a:r>
-              <a:rPr lang="en-US" sz="4000" b="1" dirty="0"/>
+              <a:rPr lang="en-US" sz="3500" b="1"/>
               <a:t>Module1</a:t>
             </a:r>
             <a:br>
-              <a:rPr lang="en-US" sz="4000" b="1" dirty="0"/>
+              <a:rPr lang="en-US" sz="3500" b="1"/>
             </a:br>
             <a:r>
-              <a:rPr lang="en-US" sz="4000" b="1" dirty="0"/>
+              <a:rPr lang="en-US" sz="3500" b="1"/>
               <a:t>Fixed-Income Securities: </a:t>
             </a:r>
             <a:br>
-              <a:rPr lang="en-US" sz="4000" b="1" dirty="0"/>
+              <a:rPr lang="en-US" sz="3500" b="1"/>
             </a:br>
             <a:r>
-              <a:rPr lang="en-US" sz="4000" b="1" dirty="0"/>
+              <a:rPr lang="en-US" sz="3500" b="1"/>
               <a:t>Defining Elements</a:t>
             </a:r>
-            <a:endParaRPr lang="en-US" sz="4000" dirty="0"/>
+            <a:endParaRPr lang="en-US" sz="3500"/>
           </a:p>
         </p:txBody>
       </p:sp>
@@ -21520,34 +26066,41 @@
             <p:ph idx="1"/>
           </p:nvPr>
         </p:nvSpPr>
-        <p:spPr/>
+        <p:spPr>
+          <a:xfrm>
+            <a:off x="1024128" y="2286000"/>
+            <a:ext cx="8018271" cy="4023360"/>
+          </a:xfrm>
+        </p:spPr>
         <p:txBody>
-          <a:bodyPr/>
+          <a:bodyPr>
+            <a:normAutofit/>
+          </a:bodyPr>
           <a:lstStyle/>
           <a:p>
             <a:r>
-              <a:rPr lang="en-US" sz="2400" dirty="0"/>
+              <a:rPr lang="en-US"/>
               <a:t>Market participants often classify fixed-income markets by the type of issuer, which leads to the identification of three bond market sectors:</a:t>
             </a:r>
           </a:p>
           <a:p>
             <a:pPr lvl="2"/>
             <a:r>
-              <a:rPr lang="en-US" sz="2000" dirty="0"/>
+              <a:rPr lang="en-US"/>
               <a:t>The government and government-related sector</a:t>
             </a:r>
           </a:p>
           <a:p>
             <a:pPr lvl="2"/>
             <a:r>
-              <a:rPr lang="en-US" sz="2000" dirty="0"/>
+              <a:rPr lang="en-US"/>
               <a:t>The corporate sector</a:t>
             </a:r>
           </a:p>
           <a:p>
             <a:pPr lvl="2"/>
             <a:r>
-              <a:rPr lang="en-US" sz="2000" dirty="0"/>
+              <a:rPr lang="en-US"/>
               <a:t>The structured finance sector</a:t>
             </a:r>
           </a:p>
@@ -21556,21 +26109,21 @@
               <a:buNone/>
             </a:pPr>
             <a:r>
-              <a:rPr lang="en-US" sz="2400" dirty="0"/>
+              <a:rPr lang="en-US"/>
               <a:t>The three largest credit rating agencies are Moody’s Investors Service, Standard&amp; Poor’s, and Fitch Ratings</a:t>
             </a:r>
           </a:p>
           <a:p>
             <a:pPr lvl="2"/>
             <a:r>
-              <a:rPr lang="en-US" sz="2000" dirty="0"/>
+              <a:rPr lang="en-US"/>
               <a:t>Investment-grade</a:t>
             </a:r>
           </a:p>
           <a:p>
             <a:pPr lvl="2"/>
             <a:r>
-              <a:rPr lang="en-US" sz="2000" dirty="0"/>
+              <a:rPr lang="en-US"/>
               <a:t>Non-investment-grade/ high yield/ speculative bond</a:t>
             </a:r>
           </a:p>
@@ -21578,10 +26131,138 @@
             <a:pPr marL="128016" lvl="1" indent="0">
               <a:buNone/>
             </a:pPr>
-            <a:endParaRPr lang="en-US" sz="2000" dirty="0"/>
+            <a:endParaRPr lang="en-US"/>
           </a:p>
           <a:p>
             <a:endParaRPr lang="en-US" dirty="0"/>
+          </a:p>
+        </p:txBody>
+      </p:sp>
+      <p:sp>
+        <p:nvSpPr>
+          <p:cNvPr id="8" name="Rectangle 7">
+            <a:extLst>
+              <a:ext uri="{FF2B5EF4-FFF2-40B4-BE49-F238E27FC236}">
+                <a16:creationId xmlns:a16="http://schemas.microsoft.com/office/drawing/2014/main" id="{77D7B666-D5E6-48CE-B26A-FB5E5C34AF90}"/>
+              </a:ext>
+              <a:ext uri="{C183D7F6-B498-43B3-948B-1728B52AA6E4}">
+                <adec:decorative xmlns:adec="http://schemas.microsoft.com/office/drawing/2017/decorative" val="1"/>
+              </a:ext>
+            </a:extLst>
+          </p:cNvPr>
+          <p:cNvSpPr>
+            <a:spLocks noGrp="1" noRot="1" noChangeAspect="1" noMove="1" noResize="1" noEditPoints="1" noAdjustHandles="1" noChangeArrowheads="1" noChangeShapeType="1" noTextEdit="1"/>
+          </p:cNvSpPr>
+          <p:nvPr>
+            <p:extLst>
+              <p:ext uri="{386F3935-93C4-4BCD-93E2-E3B085C9AB24}">
+                <p16:designElem xmlns:p16="http://schemas.microsoft.com/office/powerpoint/2015/main" val="1"/>
+              </p:ext>
+            </p:extLst>
+          </p:nvPr>
+        </p:nvSpPr>
+        <p:spPr>
+          <a:xfrm>
+            <a:off x="9583348" y="325601"/>
+            <a:ext cx="2286920" cy="3908071"/>
+          </a:xfrm>
+          <a:prstGeom prst="rect">
+            <a:avLst/>
+          </a:prstGeom>
+          <a:solidFill>
+            <a:schemeClr val="accent1"/>
+          </a:solidFill>
+          <a:ln>
+            <a:noFill/>
+          </a:ln>
+        </p:spPr>
+        <p:style>
+          <a:lnRef idx="2">
+            <a:schemeClr val="accent1">
+              <a:shade val="50000"/>
+            </a:schemeClr>
+          </a:lnRef>
+          <a:fillRef idx="1">
+            <a:schemeClr val="accent1"/>
+          </a:fillRef>
+          <a:effectRef idx="0">
+            <a:schemeClr val="accent1"/>
+          </a:effectRef>
+          <a:fontRef idx="minor">
+            <a:schemeClr val="lt1"/>
+          </a:fontRef>
+        </p:style>
+        <p:txBody>
+          <a:bodyPr rtlCol="0" anchor="ctr"/>
+          <a:lstStyle/>
+          <a:p>
+            <a:pPr algn="ctr"/>
+            <a:endParaRPr lang="en-US" dirty="0"/>
+          </a:p>
+        </p:txBody>
+      </p:sp>
+      <p:sp>
+        <p:nvSpPr>
+          <p:cNvPr id="10" name="Rectangle 9">
+            <a:extLst>
+              <a:ext uri="{FF2B5EF4-FFF2-40B4-BE49-F238E27FC236}">
+                <a16:creationId xmlns:a16="http://schemas.microsoft.com/office/drawing/2014/main" id="{F6EE670A-A41A-44AD-BC1C-2090365EB5B3}"/>
+              </a:ext>
+              <a:ext uri="{C183D7F6-B498-43B3-948B-1728B52AA6E4}">
+                <adec:decorative xmlns:adec="http://schemas.microsoft.com/office/drawing/2017/decorative" val="1"/>
+              </a:ext>
+            </a:extLst>
+          </p:cNvPr>
+          <p:cNvSpPr>
+            <a:spLocks noGrp="1" noRot="1" noChangeAspect="1" noMove="1" noResize="1" noEditPoints="1" noAdjustHandles="1" noChangeArrowheads="1" noChangeShapeType="1" noTextEdit="1"/>
+          </p:cNvSpPr>
+          <p:nvPr>
+            <p:extLst>
+              <p:ext uri="{386F3935-93C4-4BCD-93E2-E3B085C9AB24}">
+                <p16:designElem xmlns:p16="http://schemas.microsoft.com/office/powerpoint/2015/main" val="1"/>
+              </p:ext>
+            </p:extLst>
+          </p:nvPr>
+        </p:nvSpPr>
+        <p:spPr>
+          <a:xfrm>
+            <a:off x="9583348" y="4394539"/>
+            <a:ext cx="2286920" cy="2029724"/>
+          </a:xfrm>
+          <a:prstGeom prst="rect">
+            <a:avLst/>
+          </a:prstGeom>
+          <a:solidFill>
+            <a:schemeClr val="tx2">
+              <a:alpha val="80000"/>
+            </a:schemeClr>
+          </a:solidFill>
+          <a:ln>
+            <a:noFill/>
+          </a:ln>
+        </p:spPr>
+        <p:style>
+          <a:lnRef idx="2">
+            <a:schemeClr val="accent1">
+              <a:shade val="50000"/>
+            </a:schemeClr>
+          </a:lnRef>
+          <a:fillRef idx="1">
+            <a:schemeClr val="accent1"/>
+          </a:fillRef>
+          <a:effectRef idx="0">
+            <a:schemeClr val="accent1"/>
+          </a:effectRef>
+          <a:fontRef idx="minor">
+            <a:schemeClr val="lt1"/>
+          </a:fontRef>
+        </p:style>
+        <p:txBody>
+          <a:bodyPr rtlCol="0" anchor="ctr"/>
+          <a:lstStyle/>
+          <a:p>
+            <a:pPr algn="ctr"/>
+            <a:endParaRPr lang="en-US"/>
           </a:p>
         </p:txBody>
       </p:sp>
@@ -21601,6 +26282,14 @@
 <file path=ppt/slides/slide5.xml><?xml version="1.0" encoding="utf-8"?>
 <p:sld xmlns:a="http://schemas.openxmlformats.org/drawingml/2006/main" xmlns:r="http://schemas.openxmlformats.org/officeDocument/2006/relationships" xmlns:p="http://schemas.openxmlformats.org/presentationml/2006/main">
   <p:cSld>
+    <p:bg>
+      <p:bgPr>
+        <a:solidFill>
+          <a:schemeClr val="bg1"/>
+        </a:solidFill>
+        <a:effectLst/>
+      </p:bgPr>
+    </p:bg>
     <p:spTree>
       <p:nvGrpSpPr>
         <p:cNvPr id="1" name=""/>
@@ -21615,6 +26304,44 @@
           <a:chExt cx="0" cy="0"/>
         </a:xfrm>
       </p:grpSpPr>
+      <p:pic>
+        <p:nvPicPr>
+          <p:cNvPr id="5" name="Picture 4" descr="Graph on document with pen">
+            <a:extLst>
+              <a:ext uri="{FF2B5EF4-FFF2-40B4-BE49-F238E27FC236}">
+                <a16:creationId xmlns:a16="http://schemas.microsoft.com/office/drawing/2014/main" id="{F6E44C5C-825E-3BAC-44C0-3BF11AC37212}"/>
+              </a:ext>
+            </a:extLst>
+          </p:cNvPr>
+          <p:cNvPicPr>
+            <a:picLocks noChangeAspect="1"/>
+          </p:cNvPicPr>
+          <p:nvPr/>
+        </p:nvPicPr>
+        <p:blipFill rotWithShape="1">
+          <a:blip r:embed="rId2">
+            <a:duotone>
+              <a:schemeClr val="bg2">
+                <a:shade val="45000"/>
+                <a:satMod val="135000"/>
+              </a:schemeClr>
+              <a:prstClr val="white"/>
+            </a:duotone>
+            <a:alphaModFix amt="40000"/>
+          </a:blip>
+          <a:srcRect t="1510" b="14220"/>
+          <a:stretch/>
+        </p:blipFill>
+        <p:spPr>
+          <a:xfrm>
+            <a:off x="20" y="10"/>
+            <a:ext cx="12191980" cy="6857989"/>
+          </a:xfrm>
+          <a:prstGeom prst="rect">
+            <a:avLst/>
+          </a:prstGeom>
+        </p:spPr>
+      </p:pic>
       <p:sp>
         <p:nvSpPr>
           <p:cNvPr id="2" name="Title 1">
@@ -21631,35 +26358,92 @@
             <p:ph type="title"/>
           </p:nvPr>
         </p:nvSpPr>
-        <p:spPr/>
+        <p:spPr>
+          <a:xfrm>
+            <a:off x="1024128" y="585216"/>
+            <a:ext cx="9720072" cy="1499616"/>
+          </a:xfrm>
+        </p:spPr>
         <p:txBody>
           <a:bodyPr>
-            <a:noAutofit/>
+            <a:normAutofit/>
           </a:bodyPr>
           <a:lstStyle/>
           <a:p>
             <a:r>
-              <a:rPr lang="en-US" sz="4000" b="1" dirty="0"/>
+              <a:rPr lang="en-US" sz="3500" b="1"/>
               <a:t>Module1</a:t>
             </a:r>
             <a:br>
-              <a:rPr lang="en-US" sz="4000" b="1" dirty="0"/>
+              <a:rPr lang="en-US" sz="3500" b="1"/>
             </a:br>
             <a:r>
-              <a:rPr lang="en-US" sz="4000" b="1" dirty="0"/>
+              <a:rPr lang="en-US" sz="3500" b="1"/>
               <a:t>Fixed-Income Securities: </a:t>
             </a:r>
             <a:br>
-              <a:rPr lang="en-US" sz="4000" b="1" dirty="0"/>
+              <a:rPr lang="en-US" sz="3500" b="1"/>
             </a:br>
             <a:r>
-              <a:rPr lang="en-US" sz="4000" b="1" dirty="0"/>
+              <a:rPr lang="en-US" sz="3500" b="1"/>
               <a:t>Defining Elements</a:t>
             </a:r>
-            <a:endParaRPr lang="en-US" sz="4000" dirty="0"/>
+            <a:endParaRPr lang="en-US" sz="3500"/>
           </a:p>
         </p:txBody>
       </p:sp>
+      <p:cxnSp>
+        <p:nvCxnSpPr>
+          <p:cNvPr id="9" name="Straight Connector 8">
+            <a:extLst>
+              <a:ext uri="{FF2B5EF4-FFF2-40B4-BE49-F238E27FC236}">
+                <a16:creationId xmlns:a16="http://schemas.microsoft.com/office/drawing/2014/main" id="{3FEFDF7D-B17C-4F16-B8BE-C55FFC7E295E}"/>
+              </a:ext>
+              <a:ext uri="{C183D7F6-B498-43B3-948B-1728B52AA6E4}">
+                <adec:decorative xmlns:adec="http://schemas.microsoft.com/office/drawing/2017/decorative" val="1"/>
+              </a:ext>
+            </a:extLst>
+          </p:cNvPr>
+          <p:cNvCxnSpPr>
+            <a:cxnSpLocks noGrp="1" noRot="1" noChangeAspect="1" noMove="1" noResize="1" noEditPoints="1" noAdjustHandles="1" noChangeArrowheads="1" noChangeShapeType="1"/>
+          </p:cNvCxnSpPr>
+          <p:nvPr>
+            <p:extLst>
+              <p:ext uri="{386F3935-93C4-4BCD-93E2-E3B085C9AB24}">
+                <p16:designElem xmlns:p16="http://schemas.microsoft.com/office/powerpoint/2015/main" val="1"/>
+              </p:ext>
+            </p:extLst>
+          </p:nvPr>
+        </p:nvCxnSpPr>
+        <p:spPr>
+          <a:xfrm flipV="1">
+            <a:off x="762000" y="826324"/>
+            <a:ext cx="0" cy="914400"/>
+          </a:xfrm>
+          <a:prstGeom prst="line">
+            <a:avLst/>
+          </a:prstGeom>
+          <a:ln w="19050">
+            <a:solidFill>
+              <a:schemeClr val="accent1"/>
+            </a:solidFill>
+          </a:ln>
+        </p:spPr>
+        <p:style>
+          <a:lnRef idx="1">
+            <a:schemeClr val="accent1"/>
+          </a:lnRef>
+          <a:fillRef idx="0">
+            <a:schemeClr val="accent1"/>
+          </a:fillRef>
+          <a:effectRef idx="0">
+            <a:schemeClr val="accent1"/>
+          </a:effectRef>
+          <a:fontRef idx="minor">
+            <a:schemeClr val="tx1"/>
+          </a:fontRef>
+        </p:style>
+      </p:cxnSp>
       <p:sp>
         <p:nvSpPr>
           <p:cNvPr id="3" name="Content Placeholder 2">
@@ -21676,41 +26460,36 @@
             <p:ph idx="1"/>
           </p:nvPr>
         </p:nvSpPr>
-        <p:spPr/>
+        <p:spPr>
+          <a:xfrm>
+            <a:off x="1024128" y="2286000"/>
+            <a:ext cx="9720073" cy="4023360"/>
+          </a:xfrm>
+        </p:spPr>
         <p:txBody>
-          <a:bodyPr/>
+          <a:bodyPr>
+            <a:normAutofit/>
+          </a:bodyPr>
           <a:lstStyle/>
           <a:p>
             <a:r>
-              <a:rPr lang="en-US" sz="3600" dirty="0"/>
+              <a:rPr lang="en-US" dirty="0"/>
               <a:t>Maturity</a:t>
             </a:r>
           </a:p>
           <a:p>
             <a:r>
-              <a:rPr lang="en-US" sz="2400" dirty="0"/>
-              <a:t>The </a:t>
-            </a:r>
-            <a:r>
-              <a:rPr lang="en-US" sz="2400" dirty="0">
-                <a:solidFill>
-                  <a:srgbClr val="FF0000"/>
-                </a:solidFill>
-              </a:rPr>
-              <a:t>maturity date </a:t>
-            </a:r>
-            <a:r>
-              <a:rPr lang="en-US" sz="2400" dirty="0"/>
-              <a:t>of a bond refers to the date when the issuer is obligated to redeem the bond by paying the outstanding principal amount.</a:t>
+              <a:rPr lang="en-US" dirty="0"/>
+              <a:t>The maturity date of a bond refers to the date when the issuer is obligated to redeem the bond by paying the outstanding principal amount.</a:t>
             </a:r>
           </a:p>
           <a:p>
             <a:r>
-              <a:rPr lang="en-US" sz="2400" dirty="0"/>
+              <a:rPr lang="en-US" dirty="0"/>
               <a:t>The </a:t>
             </a:r>
             <a:r>
-              <a:rPr lang="en-US" sz="2400" dirty="0">
+              <a:rPr lang="en-US" dirty="0">
                 <a:solidFill>
                   <a:srgbClr val="FF0000"/>
                 </a:solidFill>
@@ -21718,28 +26497,28 @@
               <a:t>tenor</a:t>
             </a:r>
             <a:r>
-              <a:rPr lang="en-US" sz="2400" dirty="0"/>
+              <a:rPr lang="en-US" dirty="0"/>
               <a:t> is the time remaining until the bond’s maturity date.</a:t>
             </a:r>
           </a:p>
           <a:p>
             <a:pPr lvl="1"/>
             <a:r>
-              <a:rPr lang="en-US" sz="2400" dirty="0"/>
+              <a:rPr lang="en-US" dirty="0"/>
               <a:t>Money market security</a:t>
             </a:r>
           </a:p>
           <a:p>
             <a:pPr lvl="1"/>
             <a:r>
-              <a:rPr lang="en-US" sz="2400" dirty="0"/>
+              <a:rPr lang="en-US" dirty="0"/>
               <a:t>Capital market security</a:t>
             </a:r>
           </a:p>
           <a:p>
             <a:pPr lvl="1"/>
             <a:r>
-              <a:rPr lang="en-US" sz="2400" dirty="0"/>
+              <a:rPr lang="en-US" dirty="0"/>
               <a:t>Perpetual bond</a:t>
             </a:r>
           </a:p>
@@ -21764,6 +26543,14 @@
 <file path=ppt/slides/slide6.xml><?xml version="1.0" encoding="utf-8"?>
 <p:sld xmlns:a="http://schemas.openxmlformats.org/drawingml/2006/main" xmlns:r="http://schemas.openxmlformats.org/officeDocument/2006/relationships" xmlns:p="http://schemas.openxmlformats.org/presentationml/2006/main">
   <p:cSld>
+    <p:bg>
+      <p:bgPr>
+        <a:solidFill>
+          <a:schemeClr val="bg1"/>
+        </a:solidFill>
+        <a:effectLst/>
+      </p:bgPr>
+    </p:bg>
     <p:spTree>
       <p:nvGrpSpPr>
         <p:cNvPr id="1" name=""/>
@@ -21794,32 +26581,37 @@
             <p:ph type="title"/>
           </p:nvPr>
         </p:nvSpPr>
-        <p:spPr/>
+        <p:spPr>
+          <a:xfrm>
+            <a:off x="1024128" y="585216"/>
+            <a:ext cx="8018272" cy="1499616"/>
+          </a:xfrm>
+        </p:spPr>
         <p:txBody>
           <a:bodyPr>
-            <a:noAutofit/>
+            <a:normAutofit/>
           </a:bodyPr>
           <a:lstStyle/>
           <a:p>
             <a:r>
-              <a:rPr lang="en-US" sz="4000" b="1" dirty="0"/>
+              <a:rPr lang="en-US" sz="3500" b="1" dirty="0"/>
               <a:t>Module1</a:t>
             </a:r>
             <a:br>
-              <a:rPr lang="en-US" sz="4000" b="1" dirty="0"/>
+              <a:rPr lang="en-US" sz="3500" b="1" dirty="0"/>
             </a:br>
             <a:r>
-              <a:rPr lang="en-US" sz="4000" b="1" dirty="0"/>
+              <a:rPr lang="en-US" sz="3500" b="1" dirty="0"/>
               <a:t>Fixed-Income Securities: </a:t>
             </a:r>
             <a:br>
-              <a:rPr lang="en-US" sz="4000" b="1" dirty="0"/>
+              <a:rPr lang="en-US" sz="3500" b="1" dirty="0"/>
             </a:br>
             <a:r>
-              <a:rPr lang="en-US" sz="4000" b="1" dirty="0"/>
+              <a:rPr lang="en-US" sz="3500" b="1" dirty="0"/>
               <a:t>Defining Elements</a:t>
             </a:r>
-            <a:endParaRPr lang="en-US" sz="4000" dirty="0"/>
+            <a:endParaRPr lang="en-US" sz="3500" dirty="0"/>
           </a:p>
         </p:txBody>
       </p:sp>
@@ -21839,25 +26631,66 @@
             <p:ph idx="1"/>
           </p:nvPr>
         </p:nvSpPr>
-        <p:spPr/>
+        <p:spPr>
+          <a:xfrm>
+            <a:off x="1024128" y="2286000"/>
+            <a:ext cx="8018271" cy="4023360"/>
+          </a:xfrm>
+        </p:spPr>
         <p:txBody>
           <a:bodyPr>
-            <a:normAutofit lnSpcReduction="10000"/>
+            <a:normAutofit/>
           </a:bodyPr>
           <a:lstStyle/>
           <a:p>
             <a:r>
-              <a:rPr lang="en-US" sz="3600" dirty="0"/>
+              <a:rPr lang="en-US" sz="1700" dirty="0"/>
               <a:t>Par value</a:t>
             </a:r>
           </a:p>
           <a:p>
             <a:r>
-              <a:rPr lang="en-US" sz="2000" dirty="0"/>
-              <a:t>The principal amount, principal value, or simply principal of a bond is the amount that the issuer agrees to repay the bondholders on the maturity date. This amount is also referred to as the </a:t>
+              <a:rPr lang="en-US" sz="1700" dirty="0"/>
+              <a:t>The </a:t>
             </a:r>
             <a:r>
-              <a:rPr lang="en-US" sz="2000" dirty="0">
+              <a:rPr lang="en-US" sz="1700" dirty="0">
+                <a:solidFill>
+                  <a:srgbClr val="FF0000"/>
+                </a:solidFill>
+              </a:rPr>
+              <a:t>principal amount</a:t>
+            </a:r>
+            <a:r>
+              <a:rPr lang="en-US" sz="1700" dirty="0"/>
+              <a:t>, </a:t>
+            </a:r>
+            <a:r>
+              <a:rPr lang="en-US" sz="1700" dirty="0">
+                <a:solidFill>
+                  <a:srgbClr val="FF0000"/>
+                </a:solidFill>
+              </a:rPr>
+              <a:t>principal value</a:t>
+            </a:r>
+            <a:r>
+              <a:rPr lang="en-US" sz="1700" dirty="0"/>
+              <a:t>, or simply </a:t>
+            </a:r>
+            <a:r>
+              <a:rPr lang="en-US" sz="1700" dirty="0">
+                <a:solidFill>
+                  <a:srgbClr val="FF0000"/>
+                </a:solidFill>
+              </a:rPr>
+              <a:t>principal</a:t>
+            </a:r>
+            <a:r>
+              <a:rPr lang="en-US" sz="1700" dirty="0"/>
+              <a:t> of a bond is the amount that the issuer agrees to repay the bondholders on the maturity date. This amount is also referred to as the </a:t>
+            </a:r>
+            <a:r>
+              <a:rPr lang="en-US" sz="1700" dirty="0">
                 <a:solidFill>
                   <a:srgbClr val="FF0000"/>
                 </a:solidFill>
@@ -21865,11 +26698,11 @@
               <a:t>par value</a:t>
             </a:r>
             <a:r>
-              <a:rPr lang="en-US" sz="2000" dirty="0"/>
+              <a:rPr lang="en-US" sz="1700" dirty="0"/>
               <a:t>, or simply </a:t>
             </a:r>
             <a:r>
-              <a:rPr lang="en-US" sz="2000" dirty="0">
+              <a:rPr lang="en-US" sz="1700" dirty="0">
                 <a:solidFill>
                   <a:srgbClr val="FF0000"/>
                 </a:solidFill>
@@ -21877,11 +26710,11 @@
               <a:t>par</a:t>
             </a:r>
             <a:r>
-              <a:rPr lang="en-US" sz="2000" dirty="0"/>
+              <a:rPr lang="en-US" sz="1700" dirty="0"/>
               <a:t>, </a:t>
             </a:r>
             <a:r>
-              <a:rPr lang="en-US" sz="2000" dirty="0">
+              <a:rPr lang="en-US" sz="1700" dirty="0">
                 <a:solidFill>
                   <a:srgbClr val="FF0000"/>
                 </a:solidFill>
@@ -21889,11 +26722,11 @@
               <a:t>face value</a:t>
             </a:r>
             <a:r>
-              <a:rPr lang="en-US" sz="2000" dirty="0"/>
+              <a:rPr lang="en-US" sz="1700" dirty="0"/>
               <a:t>, </a:t>
             </a:r>
             <a:r>
-              <a:rPr lang="en-US" sz="2000" dirty="0">
+              <a:rPr lang="en-US" sz="1700" dirty="0">
                 <a:solidFill>
                   <a:srgbClr val="FF0000"/>
                 </a:solidFill>
@@ -21901,11 +26734,11 @@
               <a:t>nominal value</a:t>
             </a:r>
             <a:r>
-              <a:rPr lang="en-US" sz="2000" dirty="0"/>
+              <a:rPr lang="en-US" sz="1700" dirty="0"/>
               <a:t>, </a:t>
             </a:r>
             <a:r>
-              <a:rPr lang="en-US" sz="2000" dirty="0">
+              <a:rPr lang="en-US" sz="1700" dirty="0">
                 <a:solidFill>
                   <a:srgbClr val="FF0000"/>
                 </a:solidFill>
@@ -21913,11 +26746,11 @@
               <a:t>redemption value</a:t>
             </a:r>
             <a:r>
-              <a:rPr lang="en-US" sz="2000" dirty="0"/>
+              <a:rPr lang="en-US" sz="1700" dirty="0"/>
               <a:t>, or </a:t>
             </a:r>
             <a:r>
-              <a:rPr lang="en-US" sz="2000" dirty="0">
+              <a:rPr lang="en-US" sz="1700" dirty="0">
                 <a:solidFill>
                   <a:srgbClr val="FF0000"/>
                 </a:solidFill>
@@ -21925,59 +26758,23 @@
               <a:t>maturity value</a:t>
             </a:r>
             <a:r>
-              <a:rPr lang="en-US" sz="2000" dirty="0"/>
+              <a:rPr lang="en-US" sz="1700" dirty="0"/>
               <a:t>.</a:t>
             </a:r>
           </a:p>
           <a:p>
             <a:r>
-              <a:rPr lang="en-US" sz="2000" dirty="0"/>
-              <a:t>When the bond is priced at 100% of par, the bond is said to be </a:t>
-            </a:r>
-            <a:r>
-              <a:rPr lang="en-US" sz="2000" dirty="0">
-                <a:solidFill>
-                  <a:srgbClr val="FF0000"/>
-                </a:solidFill>
-              </a:rPr>
-              <a:t>trading at par</a:t>
-            </a:r>
-            <a:r>
-              <a:rPr lang="en-US" sz="2000" dirty="0"/>
-              <a:t>. If the bond’s price is below 100% of par, the bond is </a:t>
-            </a:r>
-            <a:r>
-              <a:rPr lang="en-US" sz="2000" dirty="0">
-                <a:solidFill>
-                  <a:srgbClr val="FF0000"/>
-                </a:solidFill>
-              </a:rPr>
-              <a:t>trading at a discount</a:t>
-            </a:r>
-            <a:r>
-              <a:rPr lang="en-US" sz="2000" dirty="0"/>
-              <a:t>. Alternatively, if the bond’s price is above 100% of par, the bond is </a:t>
-            </a:r>
-            <a:r>
-              <a:rPr lang="en-US" sz="2000" dirty="0">
-                <a:solidFill>
-                  <a:srgbClr val="FF0000"/>
-                </a:solidFill>
-              </a:rPr>
-              <a:t>trading at a premium</a:t>
-            </a:r>
-            <a:r>
-              <a:rPr lang="en-US" sz="2000" dirty="0"/>
-              <a:t>.</a:t>
+              <a:rPr lang="en-US" sz="1700" dirty="0"/>
+              <a:t>When the bond is priced at 100% of par, the bond is said to be trading at par. If the bond’s price is below 100% of par, the bond is trading at a discount. Alternatively, if the bond’s price is above 100% of par, the bond is trading at a premium.</a:t>
             </a:r>
           </a:p>
           <a:p>
             <a:r>
-              <a:rPr lang="en-US" sz="2000" dirty="0"/>
+              <a:rPr lang="en-US" sz="1700" dirty="0"/>
               <a:t>The most common yield measure is known as the </a:t>
             </a:r>
             <a:r>
-              <a:rPr lang="en-US" sz="2000" dirty="0">
+              <a:rPr lang="en-US" sz="1700" dirty="0">
                 <a:solidFill>
                   <a:srgbClr val="FF0000"/>
                 </a:solidFill>
@@ -21985,21 +26782,149 @@
               <a:t>yield-to-maturity</a:t>
             </a:r>
             <a:r>
-              <a:rPr lang="en-US" sz="2000" dirty="0"/>
-              <a:t>, also called </a:t>
+              <a:rPr lang="en-US" sz="1700" dirty="0"/>
+              <a:t>, also called the </a:t>
             </a:r>
             <a:r>
-              <a:rPr lang="en-US" sz="2000" dirty="0">
+              <a:rPr lang="en-US" sz="1700" dirty="0">
                 <a:solidFill>
                   <a:srgbClr val="FF0000"/>
                 </a:solidFill>
               </a:rPr>
-              <a:t>the yield-to-redemption or redemption yield</a:t>
+              <a:t>yield-to-redemption or redemption yield</a:t>
             </a:r>
             <a:r>
-              <a:rPr lang="en-US" sz="2000" dirty="0"/>
+              <a:rPr lang="en-US" sz="1700" dirty="0"/>
               <a:t>. The yield-to-maturity can be considered an estimate of the bond’s expected return; it reflects the annual return earned by an investor who purchases the bond today and holds it until maturity, provided they receive all promised cash flows and are able to reinvest all coupons at this same yield</a:t>
             </a:r>
+          </a:p>
+        </p:txBody>
+      </p:sp>
+      <p:sp>
+        <p:nvSpPr>
+          <p:cNvPr id="8" name="Rectangle 7">
+            <a:extLst>
+              <a:ext uri="{FF2B5EF4-FFF2-40B4-BE49-F238E27FC236}">
+                <a16:creationId xmlns:a16="http://schemas.microsoft.com/office/drawing/2014/main" id="{77D7B666-D5E6-48CE-B26A-FB5E5C34AF90}"/>
+              </a:ext>
+              <a:ext uri="{C183D7F6-B498-43B3-948B-1728B52AA6E4}">
+                <adec:decorative xmlns:adec="http://schemas.microsoft.com/office/drawing/2017/decorative" val="1"/>
+              </a:ext>
+            </a:extLst>
+          </p:cNvPr>
+          <p:cNvSpPr>
+            <a:spLocks noGrp="1" noRot="1" noChangeAspect="1" noMove="1" noResize="1" noEditPoints="1" noAdjustHandles="1" noChangeArrowheads="1" noChangeShapeType="1" noTextEdit="1"/>
+          </p:cNvSpPr>
+          <p:nvPr>
+            <p:extLst>
+              <p:ext uri="{386F3935-93C4-4BCD-93E2-E3B085C9AB24}">
+                <p16:designElem xmlns:p16="http://schemas.microsoft.com/office/powerpoint/2015/main" val="1"/>
+              </p:ext>
+            </p:extLst>
+          </p:nvPr>
+        </p:nvSpPr>
+        <p:spPr>
+          <a:xfrm>
+            <a:off x="9583348" y="325601"/>
+            <a:ext cx="2286920" cy="3908071"/>
+          </a:xfrm>
+          <a:prstGeom prst="rect">
+            <a:avLst/>
+          </a:prstGeom>
+          <a:solidFill>
+            <a:schemeClr val="accent1"/>
+          </a:solidFill>
+          <a:ln>
+            <a:noFill/>
+          </a:ln>
+        </p:spPr>
+        <p:style>
+          <a:lnRef idx="2">
+            <a:schemeClr val="accent1">
+              <a:shade val="50000"/>
+            </a:schemeClr>
+          </a:lnRef>
+          <a:fillRef idx="1">
+            <a:schemeClr val="accent1"/>
+          </a:fillRef>
+          <a:effectRef idx="0">
+            <a:schemeClr val="accent1"/>
+          </a:effectRef>
+          <a:fontRef idx="minor">
+            <a:schemeClr val="lt1"/>
+          </a:fontRef>
+        </p:style>
+        <p:txBody>
+          <a:bodyPr rtlCol="0" anchor="ctr"/>
+          <a:lstStyle/>
+          <a:p>
+            <a:pPr algn="ctr"/>
+            <a:endParaRPr lang="en-US" dirty="0"/>
+          </a:p>
+        </p:txBody>
+      </p:sp>
+      <p:sp>
+        <p:nvSpPr>
+          <p:cNvPr id="10" name="Rectangle 9">
+            <a:extLst>
+              <a:ext uri="{FF2B5EF4-FFF2-40B4-BE49-F238E27FC236}">
+                <a16:creationId xmlns:a16="http://schemas.microsoft.com/office/drawing/2014/main" id="{F6EE670A-A41A-44AD-BC1C-2090365EB5B3}"/>
+              </a:ext>
+              <a:ext uri="{C183D7F6-B498-43B3-948B-1728B52AA6E4}">
+                <adec:decorative xmlns:adec="http://schemas.microsoft.com/office/drawing/2017/decorative" val="1"/>
+              </a:ext>
+            </a:extLst>
+          </p:cNvPr>
+          <p:cNvSpPr>
+            <a:spLocks noGrp="1" noRot="1" noChangeAspect="1" noMove="1" noResize="1" noEditPoints="1" noAdjustHandles="1" noChangeArrowheads="1" noChangeShapeType="1" noTextEdit="1"/>
+          </p:cNvSpPr>
+          <p:nvPr>
+            <p:extLst>
+              <p:ext uri="{386F3935-93C4-4BCD-93E2-E3B085C9AB24}">
+                <p16:designElem xmlns:p16="http://schemas.microsoft.com/office/powerpoint/2015/main" val="1"/>
+              </p:ext>
+            </p:extLst>
+          </p:nvPr>
+        </p:nvSpPr>
+        <p:spPr>
+          <a:xfrm>
+            <a:off x="9583348" y="4394539"/>
+            <a:ext cx="2286920" cy="2029724"/>
+          </a:xfrm>
+          <a:prstGeom prst="rect">
+            <a:avLst/>
+          </a:prstGeom>
+          <a:solidFill>
+            <a:schemeClr val="tx2">
+              <a:alpha val="80000"/>
+            </a:schemeClr>
+          </a:solidFill>
+          <a:ln>
+            <a:noFill/>
+          </a:ln>
+        </p:spPr>
+        <p:style>
+          <a:lnRef idx="2">
+            <a:schemeClr val="accent1">
+              <a:shade val="50000"/>
+            </a:schemeClr>
+          </a:lnRef>
+          <a:fillRef idx="1">
+            <a:schemeClr val="accent1"/>
+          </a:fillRef>
+          <a:effectRef idx="0">
+            <a:schemeClr val="accent1"/>
+          </a:effectRef>
+          <a:fontRef idx="minor">
+            <a:schemeClr val="lt1"/>
+          </a:fontRef>
+        </p:style>
+        <p:txBody>
+          <a:bodyPr rtlCol="0" anchor="ctr"/>
+          <a:lstStyle/>
+          <a:p>
+            <a:pPr algn="ctr"/>
+            <a:endParaRPr lang="en-US"/>
           </a:p>
         </p:txBody>
       </p:sp>
@@ -22019,6 +26944,14 @@
 <file path=ppt/slides/slide7.xml><?xml version="1.0" encoding="utf-8"?>
 <p:sld xmlns:a="http://schemas.openxmlformats.org/drawingml/2006/main" xmlns:r="http://schemas.openxmlformats.org/officeDocument/2006/relationships" xmlns:p="http://schemas.openxmlformats.org/presentationml/2006/main">
   <p:cSld>
+    <p:bg>
+      <p:bgPr>
+        <a:solidFill>
+          <a:schemeClr val="bg1"/>
+        </a:solidFill>
+        <a:effectLst/>
+      </p:bgPr>
+    </p:bg>
     <p:spTree>
       <p:nvGrpSpPr>
         <p:cNvPr id="1" name=""/>
@@ -22033,6 +26966,44 @@
           <a:chExt cx="0" cy="0"/>
         </a:xfrm>
       </p:grpSpPr>
+      <p:pic>
+        <p:nvPicPr>
+          <p:cNvPr id="5" name="Picture 4" descr="Calculator, pen, compass, money and a paper with graphs printed on it">
+            <a:extLst>
+              <a:ext uri="{FF2B5EF4-FFF2-40B4-BE49-F238E27FC236}">
+                <a16:creationId xmlns:a16="http://schemas.microsoft.com/office/drawing/2014/main" id="{5394051B-3772-A892-98D9-53E8A394181A}"/>
+              </a:ext>
+            </a:extLst>
+          </p:cNvPr>
+          <p:cNvPicPr>
+            <a:picLocks noChangeAspect="1"/>
+          </p:cNvPicPr>
+          <p:nvPr/>
+        </p:nvPicPr>
+        <p:blipFill rotWithShape="1">
+          <a:blip r:embed="rId2">
+            <a:duotone>
+              <a:schemeClr val="bg2">
+                <a:shade val="45000"/>
+                <a:satMod val="135000"/>
+              </a:schemeClr>
+              <a:prstClr val="white"/>
+            </a:duotone>
+            <a:alphaModFix amt="40000"/>
+          </a:blip>
+          <a:srcRect b="6639"/>
+          <a:stretch/>
+        </p:blipFill>
+        <p:spPr>
+          <a:xfrm>
+            <a:off x="20" y="10"/>
+            <a:ext cx="12191980" cy="6857989"/>
+          </a:xfrm>
+          <a:prstGeom prst="rect">
+            <a:avLst/>
+          </a:prstGeom>
+        </p:spPr>
+      </p:pic>
       <p:sp>
         <p:nvSpPr>
           <p:cNvPr id="2" name="Title 1">
@@ -22049,35 +27020,92 @@
             <p:ph type="title"/>
           </p:nvPr>
         </p:nvSpPr>
-        <p:spPr/>
+        <p:spPr>
+          <a:xfrm>
+            <a:off x="1024128" y="585216"/>
+            <a:ext cx="9720072" cy="1499616"/>
+          </a:xfrm>
+        </p:spPr>
         <p:txBody>
           <a:bodyPr>
-            <a:noAutofit/>
+            <a:normAutofit/>
           </a:bodyPr>
           <a:lstStyle/>
           <a:p>
             <a:r>
-              <a:rPr lang="en-US" sz="4000" b="1" dirty="0"/>
+              <a:rPr lang="en-US" sz="3500" b="1"/>
               <a:t>Module1</a:t>
             </a:r>
             <a:br>
-              <a:rPr lang="en-US" sz="4000" b="1" dirty="0"/>
+              <a:rPr lang="en-US" sz="3500" b="1"/>
             </a:br>
             <a:r>
-              <a:rPr lang="en-US" sz="4000" b="1" dirty="0"/>
+              <a:rPr lang="en-US" sz="3500" b="1"/>
               <a:t>Fixed-Income Securities: </a:t>
             </a:r>
             <a:br>
-              <a:rPr lang="en-US" sz="4000" b="1" dirty="0"/>
+              <a:rPr lang="en-US" sz="3500" b="1"/>
             </a:br>
             <a:r>
-              <a:rPr lang="en-US" sz="4000" b="1" dirty="0"/>
+              <a:rPr lang="en-US" sz="3500" b="1"/>
               <a:t>Defining Elements</a:t>
             </a:r>
-            <a:endParaRPr lang="en-US" sz="4000" dirty="0"/>
+            <a:endParaRPr lang="en-US" sz="3500"/>
           </a:p>
         </p:txBody>
       </p:sp>
+      <p:cxnSp>
+        <p:nvCxnSpPr>
+          <p:cNvPr id="9" name="Straight Connector 8">
+            <a:extLst>
+              <a:ext uri="{FF2B5EF4-FFF2-40B4-BE49-F238E27FC236}">
+                <a16:creationId xmlns:a16="http://schemas.microsoft.com/office/drawing/2014/main" id="{3FEFDF7D-B17C-4F16-B8BE-C55FFC7E295E}"/>
+              </a:ext>
+              <a:ext uri="{C183D7F6-B498-43B3-948B-1728B52AA6E4}">
+                <adec:decorative xmlns:adec="http://schemas.microsoft.com/office/drawing/2017/decorative" val="1"/>
+              </a:ext>
+            </a:extLst>
+          </p:cNvPr>
+          <p:cNvCxnSpPr>
+            <a:cxnSpLocks noGrp="1" noRot="1" noChangeAspect="1" noMove="1" noResize="1" noEditPoints="1" noAdjustHandles="1" noChangeArrowheads="1" noChangeShapeType="1"/>
+          </p:cNvCxnSpPr>
+          <p:nvPr>
+            <p:extLst>
+              <p:ext uri="{386F3935-93C4-4BCD-93E2-E3B085C9AB24}">
+                <p16:designElem xmlns:p16="http://schemas.microsoft.com/office/powerpoint/2015/main" val="1"/>
+              </p:ext>
+            </p:extLst>
+          </p:nvPr>
+        </p:nvCxnSpPr>
+        <p:spPr>
+          <a:xfrm flipV="1">
+            <a:off x="762000" y="826324"/>
+            <a:ext cx="0" cy="914400"/>
+          </a:xfrm>
+          <a:prstGeom prst="line">
+            <a:avLst/>
+          </a:prstGeom>
+          <a:ln w="19050">
+            <a:solidFill>
+              <a:schemeClr val="accent1"/>
+            </a:solidFill>
+          </a:ln>
+        </p:spPr>
+        <p:style>
+          <a:lnRef idx="1">
+            <a:schemeClr val="accent1"/>
+          </a:lnRef>
+          <a:fillRef idx="0">
+            <a:schemeClr val="accent1"/>
+          </a:fillRef>
+          <a:effectRef idx="0">
+            <a:schemeClr val="accent1"/>
+          </a:effectRef>
+          <a:fontRef idx="minor">
+            <a:schemeClr val="tx1"/>
+          </a:fontRef>
+        </p:style>
+      </p:cxnSp>
       <p:sp>
         <p:nvSpPr>
           <p:cNvPr id="3" name="Content Placeholder 2">
@@ -22094,54 +27122,21 @@
             <p:ph idx="1"/>
           </p:nvPr>
         </p:nvSpPr>
-        <p:spPr/>
+        <p:spPr>
+          <a:xfrm>
+            <a:off x="1024128" y="2286000"/>
+            <a:ext cx="9720073" cy="4023360"/>
+          </a:xfrm>
+        </p:spPr>
         <p:txBody>
-          <a:bodyPr/>
+          <a:bodyPr>
+            <a:normAutofit/>
+          </a:bodyPr>
           <a:lstStyle/>
           <a:p>
             <a:r>
-              <a:rPr lang="en-US" sz="3600" dirty="0"/>
+              <a:rPr lang="en-US" dirty="0"/>
               <a:t>Coupon rate and frequency</a:t>
-            </a:r>
-          </a:p>
-          <a:p>
-            <a:r>
-              <a:rPr lang="en-US" sz="2400" dirty="0">
-                <a:solidFill>
-                  <a:srgbClr val="FF0000"/>
-                </a:solidFill>
-              </a:rPr>
-              <a:t>Fixed</a:t>
-            </a:r>
-            <a:r>
-              <a:rPr lang="en-US" sz="2400" dirty="0"/>
-              <a:t> rate : plain vanilla bond/conventional bond </a:t>
-            </a:r>
-          </a:p>
-          <a:p>
-            <a:r>
-              <a:rPr lang="en-US" sz="2400" dirty="0">
-                <a:solidFill>
-                  <a:srgbClr val="FF0000"/>
-                </a:solidFill>
-              </a:rPr>
-              <a:t>Floating</a:t>
-            </a:r>
-            <a:r>
-              <a:rPr lang="en-US" sz="2400" dirty="0"/>
-              <a:t> rate notes : MRR + spread</a:t>
-            </a:r>
-          </a:p>
-          <a:p>
-            <a:r>
-              <a:rPr lang="en-US" sz="2400" dirty="0"/>
-              <a:t>The higher the issuer’s credit quality, the lower the spread.</a:t>
-            </a:r>
-          </a:p>
-          <a:p>
-            <a:r>
-              <a:rPr lang="en-US" sz="2400" dirty="0"/>
-              <a:t>The MRR, however, resets periodically. Thus, as the MRR changes, the coupon rate and coupon payment change accordingly.</a:t>
             </a:r>
           </a:p>
           <a:p>
@@ -22151,23 +27146,43 @@
                   <a:srgbClr val="FF0000"/>
                 </a:solidFill>
               </a:rPr>
-              <a:t>Zero-coupon</a:t>
+              <a:t>Fixed rate </a:t>
             </a:r>
             <a:r>
               <a:rPr lang="en-US" dirty="0"/>
-              <a:t>, or </a:t>
+              <a:t>: plain vanilla bond/conventional bond </a:t>
             </a:r>
+          </a:p>
+          <a:p>
             <a:r>
               <a:rPr lang="en-US" dirty="0">
                 <a:solidFill>
                   <a:srgbClr val="FF0000"/>
                 </a:solidFill>
               </a:rPr>
-              <a:t>pure discount bonds</a:t>
+              <a:t>Floating rate </a:t>
             </a:r>
             <a:r>
               <a:rPr lang="en-US" dirty="0"/>
-              <a:t>, are issued at a discount to par value and are redeemed at par.</a:t>
+              <a:t>notes : MRR + spread</a:t>
+            </a:r>
+          </a:p>
+          <a:p>
+            <a:r>
+              <a:rPr lang="en-US" dirty="0"/>
+              <a:t>The higher the issuer’s credit quality, the lower the spread.</a:t>
+            </a:r>
+          </a:p>
+          <a:p>
+            <a:r>
+              <a:rPr lang="en-US" dirty="0"/>
+              <a:t>The MRR, however, resets periodically. Thus, as the MRR changes, the coupon rate and coupon payment change accordingly.</a:t>
+            </a:r>
+          </a:p>
+          <a:p>
+            <a:r>
+              <a:rPr lang="en-US" dirty="0"/>
+              <a:t>Zero-coupon, or pure discount bonds, are issued at a discount to par value and are redeemed at par.</a:t>
             </a:r>
           </a:p>
         </p:txBody>
@@ -22188,6 +27203,14 @@
 <file path=ppt/slides/slide8.xml><?xml version="1.0" encoding="utf-8"?>
 <p:sld xmlns:a="http://schemas.openxmlformats.org/drawingml/2006/main" xmlns:r="http://schemas.openxmlformats.org/officeDocument/2006/relationships" xmlns:p="http://schemas.openxmlformats.org/presentationml/2006/main">
   <p:cSld>
+    <p:bg>
+      <p:bgPr>
+        <a:solidFill>
+          <a:schemeClr val="bg1"/>
+        </a:solidFill>
+        <a:effectLst/>
+      </p:bgPr>
+    </p:bg>
     <p:spTree>
       <p:nvGrpSpPr>
         <p:cNvPr id="1" name=""/>
@@ -22218,32 +27241,37 @@
             <p:ph type="title"/>
           </p:nvPr>
         </p:nvSpPr>
-        <p:spPr/>
+        <p:spPr>
+          <a:xfrm>
+            <a:off x="1024128" y="585216"/>
+            <a:ext cx="8018272" cy="1499616"/>
+          </a:xfrm>
+        </p:spPr>
         <p:txBody>
           <a:bodyPr>
-            <a:noAutofit/>
+            <a:normAutofit/>
           </a:bodyPr>
           <a:lstStyle/>
           <a:p>
             <a:r>
-              <a:rPr lang="en-US" sz="4000" b="1" dirty="0"/>
+              <a:rPr lang="en-US" sz="3500" b="1" dirty="0"/>
               <a:t>Module1</a:t>
             </a:r>
             <a:br>
-              <a:rPr lang="en-US" sz="4000" b="1" dirty="0"/>
+              <a:rPr lang="en-US" sz="3500" b="1" dirty="0"/>
             </a:br>
             <a:r>
-              <a:rPr lang="en-US" sz="4000" b="1" dirty="0"/>
+              <a:rPr lang="en-US" sz="3500" b="1" dirty="0"/>
               <a:t>Fixed-Income Securities: </a:t>
             </a:r>
             <a:br>
-              <a:rPr lang="en-US" sz="4000" b="1" dirty="0"/>
+              <a:rPr lang="en-US" sz="3500" b="1" dirty="0"/>
             </a:br>
             <a:r>
-              <a:rPr lang="en-US" sz="4000" b="1" dirty="0"/>
+              <a:rPr lang="en-US" sz="3500" b="1" dirty="0"/>
               <a:t>Defining Elements</a:t>
             </a:r>
-            <a:endParaRPr lang="en-US" sz="4000" dirty="0"/>
+            <a:endParaRPr lang="en-US" sz="3500" dirty="0"/>
           </a:p>
         </p:txBody>
       </p:sp>
@@ -22263,19 +27291,26 @@
             <p:ph idx="1"/>
           </p:nvPr>
         </p:nvSpPr>
-        <p:spPr/>
+        <p:spPr>
+          <a:xfrm>
+            <a:off x="1024128" y="2286000"/>
+            <a:ext cx="8018271" cy="4023360"/>
+          </a:xfrm>
+        </p:spPr>
         <p:txBody>
-          <a:bodyPr/>
+          <a:bodyPr>
+            <a:normAutofit/>
+          </a:bodyPr>
           <a:lstStyle/>
           <a:p>
             <a:r>
-              <a:rPr lang="en-US" sz="3600" dirty="0"/>
+              <a:rPr lang="en-US" dirty="0"/>
               <a:t>Currency denomination</a:t>
             </a:r>
           </a:p>
           <a:p>
             <a:r>
-              <a:rPr lang="en-US" sz="2000" dirty="0">
+              <a:rPr lang="en-US" dirty="0">
                 <a:solidFill>
                   <a:srgbClr val="FF0000"/>
                 </a:solidFill>
@@ -22283,13 +27318,13 @@
               <a:t>Dual-currency bonds </a:t>
             </a:r>
             <a:r>
-              <a:rPr lang="en-US" sz="2000" dirty="0"/>
+              <a:rPr lang="en-US" dirty="0"/>
               <a:t>make coupon payments in one currency and pay the par value at maturity in another currency.</a:t>
             </a:r>
           </a:p>
           <a:p>
             <a:r>
-              <a:rPr lang="en-US" sz="2000" dirty="0">
+              <a:rPr lang="en-US" dirty="0">
                 <a:solidFill>
                   <a:srgbClr val="FF0000"/>
                 </a:solidFill>
@@ -22297,7 +27332,7 @@
               <a:t>Currency option bonds </a:t>
             </a:r>
             <a:r>
-              <a:rPr lang="en-US" sz="2000" dirty="0"/>
+              <a:rPr lang="en-US" dirty="0"/>
               <a:t>can be viewed as a combination of a single-currency bond plus a foreign currency option. They give bondholders the right to choose the currency in which they want to receive interest payments and principal repayments. Bondholders can select one of two currencies for each payment.</a:t>
             </a:r>
           </a:p>
@@ -22306,10 +27341,464 @@
           </a:p>
         </p:txBody>
       </p:sp>
+      <p:sp>
+        <p:nvSpPr>
+          <p:cNvPr id="8" name="Rectangle 7">
+            <a:extLst>
+              <a:ext uri="{FF2B5EF4-FFF2-40B4-BE49-F238E27FC236}">
+                <a16:creationId xmlns:a16="http://schemas.microsoft.com/office/drawing/2014/main" id="{77D7B666-D5E6-48CE-B26A-FB5E5C34AF90}"/>
+              </a:ext>
+              <a:ext uri="{C183D7F6-B498-43B3-948B-1728B52AA6E4}">
+                <adec:decorative xmlns:adec="http://schemas.microsoft.com/office/drawing/2017/decorative" val="1"/>
+              </a:ext>
+            </a:extLst>
+          </p:cNvPr>
+          <p:cNvSpPr>
+            <a:spLocks noGrp="1" noRot="1" noChangeAspect="1" noMove="1" noResize="1" noEditPoints="1" noAdjustHandles="1" noChangeArrowheads="1" noChangeShapeType="1" noTextEdit="1"/>
+          </p:cNvSpPr>
+          <p:nvPr>
+            <p:extLst>
+              <p:ext uri="{386F3935-93C4-4BCD-93E2-E3B085C9AB24}">
+                <p16:designElem xmlns:p16="http://schemas.microsoft.com/office/powerpoint/2015/main" val="1"/>
+              </p:ext>
+            </p:extLst>
+          </p:nvPr>
+        </p:nvSpPr>
+        <p:spPr>
+          <a:xfrm>
+            <a:off x="9583348" y="325601"/>
+            <a:ext cx="2286920" cy="3908071"/>
+          </a:xfrm>
+          <a:prstGeom prst="rect">
+            <a:avLst/>
+          </a:prstGeom>
+          <a:solidFill>
+            <a:schemeClr val="accent1"/>
+          </a:solidFill>
+          <a:ln>
+            <a:noFill/>
+          </a:ln>
+        </p:spPr>
+        <p:style>
+          <a:lnRef idx="2">
+            <a:schemeClr val="accent1">
+              <a:shade val="50000"/>
+            </a:schemeClr>
+          </a:lnRef>
+          <a:fillRef idx="1">
+            <a:schemeClr val="accent1"/>
+          </a:fillRef>
+          <a:effectRef idx="0">
+            <a:schemeClr val="accent1"/>
+          </a:effectRef>
+          <a:fontRef idx="minor">
+            <a:schemeClr val="lt1"/>
+          </a:fontRef>
+        </p:style>
+        <p:txBody>
+          <a:bodyPr rtlCol="0" anchor="ctr"/>
+          <a:lstStyle/>
+          <a:p>
+            <a:pPr algn="ctr"/>
+            <a:endParaRPr lang="en-US" dirty="0"/>
+          </a:p>
+        </p:txBody>
+      </p:sp>
+      <p:sp>
+        <p:nvSpPr>
+          <p:cNvPr id="10" name="Rectangle 9">
+            <a:extLst>
+              <a:ext uri="{FF2B5EF4-FFF2-40B4-BE49-F238E27FC236}">
+                <a16:creationId xmlns:a16="http://schemas.microsoft.com/office/drawing/2014/main" id="{F6EE670A-A41A-44AD-BC1C-2090365EB5B3}"/>
+              </a:ext>
+              <a:ext uri="{C183D7F6-B498-43B3-948B-1728B52AA6E4}">
+                <adec:decorative xmlns:adec="http://schemas.microsoft.com/office/drawing/2017/decorative" val="1"/>
+              </a:ext>
+            </a:extLst>
+          </p:cNvPr>
+          <p:cNvSpPr>
+            <a:spLocks noGrp="1" noRot="1" noChangeAspect="1" noMove="1" noResize="1" noEditPoints="1" noAdjustHandles="1" noChangeArrowheads="1" noChangeShapeType="1" noTextEdit="1"/>
+          </p:cNvSpPr>
+          <p:nvPr>
+            <p:extLst>
+              <p:ext uri="{386F3935-93C4-4BCD-93E2-E3B085C9AB24}">
+                <p16:designElem xmlns:p16="http://schemas.microsoft.com/office/powerpoint/2015/main" val="1"/>
+              </p:ext>
+            </p:extLst>
+          </p:nvPr>
+        </p:nvSpPr>
+        <p:spPr>
+          <a:xfrm>
+            <a:off x="9583348" y="4394539"/>
+            <a:ext cx="2286920" cy="2029724"/>
+          </a:xfrm>
+          <a:prstGeom prst="rect">
+            <a:avLst/>
+          </a:prstGeom>
+          <a:solidFill>
+            <a:schemeClr val="tx2">
+              <a:alpha val="80000"/>
+            </a:schemeClr>
+          </a:solidFill>
+          <a:ln>
+            <a:noFill/>
+          </a:ln>
+        </p:spPr>
+        <p:style>
+          <a:lnRef idx="2">
+            <a:schemeClr val="accent1">
+              <a:shade val="50000"/>
+            </a:schemeClr>
+          </a:lnRef>
+          <a:fillRef idx="1">
+            <a:schemeClr val="accent1"/>
+          </a:fillRef>
+          <a:effectRef idx="0">
+            <a:schemeClr val="accent1"/>
+          </a:effectRef>
+          <a:fontRef idx="minor">
+            <a:schemeClr val="lt1"/>
+          </a:fontRef>
+        </p:style>
+        <p:txBody>
+          <a:bodyPr rtlCol="0" anchor="ctr"/>
+          <a:lstStyle/>
+          <a:p>
+            <a:pPr algn="ctr"/>
+            <a:endParaRPr lang="en-US"/>
+          </a:p>
+        </p:txBody>
+      </p:sp>
     </p:spTree>
     <p:extLst>
       <p:ext uri="{BB962C8B-B14F-4D97-AF65-F5344CB8AC3E}">
         <p14:creationId xmlns:p14="http://schemas.microsoft.com/office/powerpoint/2010/main" val="798440609"/>
+      </p:ext>
+    </p:extLst>
+  </p:cSld>
+  <p:clrMapOvr>
+    <a:masterClrMapping/>
+  </p:clrMapOvr>
+</p:sld>
+</file>
+
+<file path=ppt/slides/slide9.xml><?xml version="1.0" encoding="utf-8"?>
+<p:sld xmlns:a="http://schemas.openxmlformats.org/drawingml/2006/main" xmlns:r="http://schemas.openxmlformats.org/officeDocument/2006/relationships" xmlns:p="http://schemas.openxmlformats.org/presentationml/2006/main">
+  <p:cSld>
+    <p:bg>
+      <p:bgPr>
+        <a:solidFill>
+          <a:schemeClr val="bg1"/>
+        </a:solidFill>
+        <a:effectLst/>
+      </p:bgPr>
+    </p:bg>
+    <p:spTree>
+      <p:nvGrpSpPr>
+        <p:cNvPr id="1" name=""/>
+        <p:cNvGrpSpPr/>
+        <p:nvPr/>
+      </p:nvGrpSpPr>
+      <p:grpSpPr>
+        <a:xfrm>
+          <a:off x="0" y="0"/>
+          <a:ext cx="0" cy="0"/>
+          <a:chOff x="0" y="0"/>
+          <a:chExt cx="0" cy="0"/>
+        </a:xfrm>
+      </p:grpSpPr>
+      <p:pic>
+        <p:nvPicPr>
+          <p:cNvPr id="5" name="Picture 4" descr="Digital numbers and graphs">
+            <a:extLst>
+              <a:ext uri="{FF2B5EF4-FFF2-40B4-BE49-F238E27FC236}">
+                <a16:creationId xmlns:a16="http://schemas.microsoft.com/office/drawing/2014/main" id="{BE653717-56F1-4013-3CE8-6E4A28D3015A}"/>
+              </a:ext>
+            </a:extLst>
+          </p:cNvPr>
+          <p:cNvPicPr>
+            <a:picLocks noChangeAspect="1"/>
+          </p:cNvPicPr>
+          <p:nvPr/>
+        </p:nvPicPr>
+        <p:blipFill rotWithShape="1">
+          <a:blip r:embed="rId2">
+            <a:duotone>
+              <a:schemeClr val="bg2">
+                <a:shade val="45000"/>
+                <a:satMod val="135000"/>
+              </a:schemeClr>
+              <a:prstClr val="white"/>
+            </a:duotone>
+            <a:alphaModFix amt="40000"/>
+          </a:blip>
+          <a:srcRect t="15730"/>
+          <a:stretch/>
+        </p:blipFill>
+        <p:spPr>
+          <a:xfrm>
+            <a:off x="20" y="10"/>
+            <a:ext cx="12191980" cy="6857989"/>
+          </a:xfrm>
+          <a:prstGeom prst="rect">
+            <a:avLst/>
+          </a:prstGeom>
+        </p:spPr>
+      </p:pic>
+      <p:sp>
+        <p:nvSpPr>
+          <p:cNvPr id="2" name="标题 1">
+            <a:extLst>
+              <a:ext uri="{FF2B5EF4-FFF2-40B4-BE49-F238E27FC236}">
+                <a16:creationId xmlns:a16="http://schemas.microsoft.com/office/drawing/2014/main" id="{5A5ACA59-A77D-054F-9B73-537202721DEF}"/>
+              </a:ext>
+            </a:extLst>
+          </p:cNvPr>
+          <p:cNvSpPr>
+            <a:spLocks noGrp="1"/>
+          </p:cNvSpPr>
+          <p:nvPr>
+            <p:ph type="title"/>
+          </p:nvPr>
+        </p:nvSpPr>
+        <p:spPr>
+          <a:xfrm>
+            <a:off x="1024128" y="585216"/>
+            <a:ext cx="9720072" cy="1499616"/>
+          </a:xfrm>
+        </p:spPr>
+        <p:txBody>
+          <a:bodyPr>
+            <a:normAutofit/>
+          </a:bodyPr>
+          <a:lstStyle/>
+          <a:p>
+            <a:r>
+              <a:rPr kumimoji="1" lang="en-US" altLang="zh-CN" dirty="0"/>
+              <a:t>practices</a:t>
+            </a:r>
+            <a:endParaRPr kumimoji="1" lang="zh-CN" altLang="en-US" dirty="0"/>
+          </a:p>
+        </p:txBody>
+      </p:sp>
+      <p:cxnSp>
+        <p:nvCxnSpPr>
+          <p:cNvPr id="9" name="Straight Connector 8">
+            <a:extLst>
+              <a:ext uri="{FF2B5EF4-FFF2-40B4-BE49-F238E27FC236}">
+                <a16:creationId xmlns:a16="http://schemas.microsoft.com/office/drawing/2014/main" id="{3FEFDF7D-B17C-4F16-B8BE-C55FFC7E295E}"/>
+              </a:ext>
+              <a:ext uri="{C183D7F6-B498-43B3-948B-1728B52AA6E4}">
+                <adec:decorative xmlns:adec="http://schemas.microsoft.com/office/drawing/2017/decorative" val="1"/>
+              </a:ext>
+            </a:extLst>
+          </p:cNvPr>
+          <p:cNvCxnSpPr>
+            <a:cxnSpLocks noGrp="1" noRot="1" noChangeAspect="1" noMove="1" noResize="1" noEditPoints="1" noAdjustHandles="1" noChangeArrowheads="1" noChangeShapeType="1"/>
+          </p:cNvCxnSpPr>
+          <p:nvPr>
+            <p:extLst>
+              <p:ext uri="{386F3935-93C4-4BCD-93E2-E3B085C9AB24}">
+                <p16:designElem xmlns:p16="http://schemas.microsoft.com/office/powerpoint/2015/main" val="1"/>
+              </p:ext>
+            </p:extLst>
+          </p:nvPr>
+        </p:nvCxnSpPr>
+        <p:spPr>
+          <a:xfrm flipV="1">
+            <a:off x="762000" y="826324"/>
+            <a:ext cx="0" cy="914400"/>
+          </a:xfrm>
+          <a:prstGeom prst="line">
+            <a:avLst/>
+          </a:prstGeom>
+          <a:ln w="19050">
+            <a:solidFill>
+              <a:schemeClr val="accent1"/>
+            </a:solidFill>
+          </a:ln>
+        </p:spPr>
+        <p:style>
+          <a:lnRef idx="1">
+            <a:schemeClr val="accent1"/>
+          </a:lnRef>
+          <a:fillRef idx="0">
+            <a:schemeClr val="accent1"/>
+          </a:fillRef>
+          <a:effectRef idx="0">
+            <a:schemeClr val="accent1"/>
+          </a:effectRef>
+          <a:fontRef idx="minor">
+            <a:schemeClr val="tx1"/>
+          </a:fontRef>
+        </p:style>
+      </p:cxnSp>
+      <p:sp>
+        <p:nvSpPr>
+          <p:cNvPr id="3" name="内容占位符 2">
+            <a:extLst>
+              <a:ext uri="{FF2B5EF4-FFF2-40B4-BE49-F238E27FC236}">
+                <a16:creationId xmlns:a16="http://schemas.microsoft.com/office/drawing/2014/main" id="{01E6EA75-6133-7A49-9C63-7496A766854D}"/>
+              </a:ext>
+            </a:extLst>
+          </p:cNvPr>
+          <p:cNvSpPr>
+            <a:spLocks noGrp="1"/>
+          </p:cNvSpPr>
+          <p:nvPr>
+            <p:ph idx="1"/>
+          </p:nvPr>
+        </p:nvSpPr>
+        <p:spPr>
+          <a:xfrm>
+            <a:off x="1024128" y="2286000"/>
+            <a:ext cx="9720073" cy="4023360"/>
+          </a:xfrm>
+        </p:spPr>
+        <p:txBody>
+          <a:bodyPr>
+            <a:normAutofit/>
+          </a:bodyPr>
+          <a:lstStyle/>
+          <a:p>
+            <a:pPr marL="0" indent="0">
+              <a:buNone/>
+            </a:pPr>
+            <a:r>
+              <a:rPr lang="en" altLang="zh-CN" sz="2000">
+                <a:effectLst/>
+                <a:latin typeface="WarnockPro"/>
+              </a:rPr>
+              <a:t>1.The risk of loss resulting from the issuer failing to make full and timely payment of interest is called: </a:t>
+            </a:r>
+            <a:endParaRPr lang="en" altLang="zh-CN" sz="2000"/>
+          </a:p>
+          <a:p>
+            <a:pPr marL="457200" indent="-457200">
+              <a:buFont typeface="+mj-lt"/>
+              <a:buAutoNum type="alphaUcPeriod"/>
+            </a:pPr>
+            <a:r>
+              <a:rPr lang="en" altLang="zh-CN" sz="2000" b="1">
+                <a:effectLst/>
+                <a:latin typeface="WarnockPro"/>
+              </a:rPr>
+              <a:t>credit risk. </a:t>
+            </a:r>
+            <a:endParaRPr lang="en" altLang="zh-CN" sz="2000" b="1">
+              <a:effectLst/>
+              <a:latin typeface="MyriadPro"/>
+            </a:endParaRPr>
+          </a:p>
+          <a:p>
+            <a:pPr marL="457200" indent="-457200">
+              <a:buFont typeface="+mj-lt"/>
+              <a:buAutoNum type="alphaUcPeriod"/>
+            </a:pPr>
+            <a:r>
+              <a:rPr lang="en" altLang="zh-CN" sz="2000" b="1">
+                <a:effectLst/>
+                <a:latin typeface="WarnockPro"/>
+              </a:rPr>
+              <a:t>systemic risk. </a:t>
+            </a:r>
+            <a:endParaRPr lang="en" altLang="zh-CN" sz="2000" b="1">
+              <a:effectLst/>
+              <a:latin typeface="MyriadPro"/>
+            </a:endParaRPr>
+          </a:p>
+          <a:p>
+            <a:pPr marL="457200" indent="-457200">
+              <a:buFont typeface="+mj-lt"/>
+              <a:buAutoNum type="alphaUcPeriod"/>
+            </a:pPr>
+            <a:r>
+              <a:rPr lang="en" altLang="zh-CN" sz="2000" b="1">
+                <a:effectLst/>
+                <a:latin typeface="WarnockPro"/>
+              </a:rPr>
+              <a:t>interest rate risk. </a:t>
+            </a:r>
+          </a:p>
+          <a:p>
+            <a:pPr marL="0" indent="0">
+              <a:buNone/>
+            </a:pPr>
+            <a:r>
+              <a:rPr lang="en" altLang="zh-CN" sz="2000">
+                <a:effectLst/>
+                <a:latin typeface="WarnockPro"/>
+              </a:rPr>
+              <a:t>2.If the bond’s price is higher than its par value, the bond is trading at: </a:t>
+            </a:r>
+            <a:endParaRPr lang="en" altLang="zh-CN" sz="2000">
+              <a:effectLst/>
+            </a:endParaRPr>
+          </a:p>
+          <a:p>
+            <a:pPr marL="342900" indent="-342900">
+              <a:buFont typeface="+mj-lt"/>
+              <a:buAutoNum type="alphaUcPeriod"/>
+            </a:pPr>
+            <a:r>
+              <a:rPr lang="en" altLang="zh-CN" sz="2000" b="1">
+                <a:latin typeface="WarnockPro"/>
+              </a:rPr>
+              <a:t>par. </a:t>
+            </a:r>
+          </a:p>
+          <a:p>
+            <a:pPr marL="342900" indent="-342900">
+              <a:buFont typeface="+mj-lt"/>
+              <a:buAutoNum type="alphaUcPeriod"/>
+            </a:pPr>
+            <a:r>
+              <a:rPr lang="en" altLang="zh-CN" sz="2000" b="1">
+                <a:effectLst/>
+                <a:latin typeface="WarnockPro"/>
+              </a:rPr>
+              <a:t>a discount. </a:t>
+            </a:r>
+            <a:endParaRPr lang="en" altLang="zh-CN" sz="2000" b="1">
+              <a:effectLst/>
+              <a:latin typeface="MyriadPro"/>
+            </a:endParaRPr>
+          </a:p>
+          <a:p>
+            <a:pPr marL="342900" indent="-342900">
+              <a:buFont typeface="+mj-lt"/>
+              <a:buAutoNum type="alphaUcPeriod"/>
+            </a:pPr>
+            <a:r>
+              <a:rPr lang="en" altLang="zh-CN" sz="2000" b="1">
+                <a:effectLst/>
+                <a:latin typeface="WarnockPro"/>
+              </a:rPr>
+              <a:t>a premium. </a:t>
+            </a:r>
+            <a:endParaRPr lang="en" altLang="zh-CN" sz="2000" b="1">
+              <a:effectLst/>
+              <a:latin typeface="MyriadPro"/>
+            </a:endParaRPr>
+          </a:p>
+          <a:p>
+            <a:pPr marL="0" indent="0">
+              <a:buNone/>
+            </a:pPr>
+            <a:endParaRPr lang="en" altLang="zh-CN" sz="2000" b="1">
+              <a:effectLst/>
+              <a:latin typeface="MyriadPro"/>
+            </a:endParaRPr>
+          </a:p>
+          <a:p>
+            <a:endParaRPr kumimoji="1" lang="zh-CN" altLang="en-US" sz="2000"/>
+          </a:p>
+        </p:txBody>
+      </p:sp>
+    </p:spTree>
+    <p:extLst>
+      <p:ext uri="{BB962C8B-B14F-4D97-AF65-F5344CB8AC3E}">
+        <p14:creationId xmlns:p14="http://schemas.microsoft.com/office/powerpoint/2010/main" val="3802304382"/>
       </p:ext>
     </p:extLst>
   </p:cSld>

--- a/Fixed Income.pptx
+++ b/Fixed Income.pptx
@@ -5,7 +5,7 @@
     <p:sldMasterId id="2147483660" r:id="rId1"/>
   </p:sldMasterIdLst>
   <p:notesMasterIdLst>
-    <p:notesMasterId r:id="rId12"/>
+    <p:notesMasterId r:id="rId14"/>
   </p:notesMasterIdLst>
   <p:sldIdLst>
     <p:sldId id="265" r:id="rId2"/>
@@ -18,6 +18,8 @@
     <p:sldId id="263" r:id="rId9"/>
     <p:sldId id="266" r:id="rId10"/>
     <p:sldId id="267" r:id="rId11"/>
+    <p:sldId id="270" r:id="rId12"/>
+    <p:sldId id="269" r:id="rId13"/>
   </p:sldIdLst>
   <p:sldSz cx="12192000" cy="6858000"/>
   <p:notesSz cx="6858000" cy="9144000"/>
@@ -3987,7 +3989,7 @@
           <a:p>
             <a:fld id="{9ADA5B36-BD01-47CD-B491-940693B77A9A}" type="datetimeFigureOut">
               <a:rPr lang="en-US" smtClean="0"/>
-              <a:t>10/7/22</a:t>
+              <a:t>10/10/2022</a:t>
             </a:fld>
             <a:endParaRPr lang="en-US"/>
           </a:p>
@@ -4319,6 +4321,90 @@
           <a:p>
             <a:fld id="{E3B866C1-D4D8-42C4-BACA-D1CCAC4472DF}" type="slidenum">
               <a:rPr lang="en-US" smtClean="0"/>
+              <a:t>2</a:t>
+            </a:fld>
+            <a:endParaRPr lang="en-US"/>
+          </a:p>
+        </p:txBody>
+      </p:sp>
+    </p:spTree>
+    <p:extLst>
+      <p:ext uri="{BB962C8B-B14F-4D97-AF65-F5344CB8AC3E}">
+        <p14:creationId xmlns:p14="http://schemas.microsoft.com/office/powerpoint/2010/main" val="2275233303"/>
+      </p:ext>
+    </p:extLst>
+  </p:cSld>
+  <p:clrMapOvr>
+    <a:masterClrMapping/>
+  </p:clrMapOvr>
+</p:notes>
+</file>
+
+<file path=ppt/notesSlides/notesSlide2.xml><?xml version="1.0" encoding="utf-8"?>
+<p:notes xmlns:a="http://schemas.openxmlformats.org/drawingml/2006/main" xmlns:r="http://schemas.openxmlformats.org/officeDocument/2006/relationships" xmlns:p="http://schemas.openxmlformats.org/presentationml/2006/main">
+  <p:cSld>
+    <p:spTree>
+      <p:nvGrpSpPr>
+        <p:cNvPr id="1" name=""/>
+        <p:cNvGrpSpPr/>
+        <p:nvPr/>
+      </p:nvGrpSpPr>
+      <p:grpSpPr>
+        <a:xfrm>
+          <a:off x="0" y="0"/>
+          <a:ext cx="0" cy="0"/>
+          <a:chOff x="0" y="0"/>
+          <a:chExt cx="0" cy="0"/>
+        </a:xfrm>
+      </p:grpSpPr>
+      <p:sp>
+        <p:nvSpPr>
+          <p:cNvPr id="2" name="Slide Image Placeholder 1"/>
+          <p:cNvSpPr>
+            <a:spLocks noGrp="1" noRot="1" noChangeAspect="1"/>
+          </p:cNvSpPr>
+          <p:nvPr>
+            <p:ph type="sldImg"/>
+          </p:nvPr>
+        </p:nvSpPr>
+        <p:spPr/>
+      </p:sp>
+      <p:sp>
+        <p:nvSpPr>
+          <p:cNvPr id="3" name="Notes Placeholder 2"/>
+          <p:cNvSpPr>
+            <a:spLocks noGrp="1"/>
+          </p:cNvSpPr>
+          <p:nvPr>
+            <p:ph type="body" idx="1"/>
+          </p:nvPr>
+        </p:nvSpPr>
+        <p:spPr/>
+        <p:txBody>
+          <a:bodyPr/>
+          <a:lstStyle/>
+          <a:p>
+            <a:endParaRPr lang="en-US" dirty="0"/>
+          </a:p>
+        </p:txBody>
+      </p:sp>
+      <p:sp>
+        <p:nvSpPr>
+          <p:cNvPr id="4" name="Slide Number Placeholder 3"/>
+          <p:cNvSpPr>
+            <a:spLocks noGrp="1"/>
+          </p:cNvSpPr>
+          <p:nvPr>
+            <p:ph type="sldNum" sz="quarter" idx="5"/>
+          </p:nvPr>
+        </p:nvSpPr>
+        <p:spPr/>
+        <p:txBody>
+          <a:bodyPr/>
+          <a:lstStyle/>
+          <a:p>
+            <a:fld id="{E3B866C1-D4D8-42C4-BACA-D1CCAC4472DF}" type="slidenum">
+              <a:rPr lang="en-US" smtClean="0"/>
               <a:t>4</a:t>
             </a:fld>
             <a:endParaRPr lang="en-US"/>
@@ -4329,6 +4415,90 @@
     <p:extLst>
       <p:ext uri="{BB962C8B-B14F-4D97-AF65-F5344CB8AC3E}">
         <p14:creationId xmlns:p14="http://schemas.microsoft.com/office/powerpoint/2010/main" val="1575684372"/>
+      </p:ext>
+    </p:extLst>
+  </p:cSld>
+  <p:clrMapOvr>
+    <a:masterClrMapping/>
+  </p:clrMapOvr>
+</p:notes>
+</file>
+
+<file path=ppt/notesSlides/notesSlide3.xml><?xml version="1.0" encoding="utf-8"?>
+<p:notes xmlns:a="http://schemas.openxmlformats.org/drawingml/2006/main" xmlns:r="http://schemas.openxmlformats.org/officeDocument/2006/relationships" xmlns:p="http://schemas.openxmlformats.org/presentationml/2006/main">
+  <p:cSld>
+    <p:spTree>
+      <p:nvGrpSpPr>
+        <p:cNvPr id="1" name=""/>
+        <p:cNvGrpSpPr/>
+        <p:nvPr/>
+      </p:nvGrpSpPr>
+      <p:grpSpPr>
+        <a:xfrm>
+          <a:off x="0" y="0"/>
+          <a:ext cx="0" cy="0"/>
+          <a:chOff x="0" y="0"/>
+          <a:chExt cx="0" cy="0"/>
+        </a:xfrm>
+      </p:grpSpPr>
+      <p:sp>
+        <p:nvSpPr>
+          <p:cNvPr id="2" name="Slide Image Placeholder 1"/>
+          <p:cNvSpPr>
+            <a:spLocks noGrp="1" noRot="1" noChangeAspect="1"/>
+          </p:cNvSpPr>
+          <p:nvPr>
+            <p:ph type="sldImg"/>
+          </p:nvPr>
+        </p:nvSpPr>
+        <p:spPr/>
+      </p:sp>
+      <p:sp>
+        <p:nvSpPr>
+          <p:cNvPr id="3" name="Notes Placeholder 2"/>
+          <p:cNvSpPr>
+            <a:spLocks noGrp="1"/>
+          </p:cNvSpPr>
+          <p:nvPr>
+            <p:ph type="body" idx="1"/>
+          </p:nvPr>
+        </p:nvSpPr>
+        <p:spPr/>
+        <p:txBody>
+          <a:bodyPr/>
+          <a:lstStyle/>
+          <a:p>
+            <a:endParaRPr lang="en-US" dirty="0"/>
+          </a:p>
+        </p:txBody>
+      </p:sp>
+      <p:sp>
+        <p:nvSpPr>
+          <p:cNvPr id="4" name="Slide Number Placeholder 3"/>
+          <p:cNvSpPr>
+            <a:spLocks noGrp="1"/>
+          </p:cNvSpPr>
+          <p:nvPr>
+            <p:ph type="sldNum" sz="quarter" idx="5"/>
+          </p:nvPr>
+        </p:nvSpPr>
+        <p:spPr/>
+        <p:txBody>
+          <a:bodyPr/>
+          <a:lstStyle/>
+          <a:p>
+            <a:fld id="{E3B866C1-D4D8-42C4-BACA-D1CCAC4472DF}" type="slidenum">
+              <a:rPr lang="en-US" smtClean="0"/>
+              <a:t>5</a:t>
+            </a:fld>
+            <a:endParaRPr lang="en-US"/>
+          </a:p>
+        </p:txBody>
+      </p:sp>
+    </p:spTree>
+    <p:extLst>
+      <p:ext uri="{BB962C8B-B14F-4D97-AF65-F5344CB8AC3E}">
+        <p14:creationId xmlns:p14="http://schemas.microsoft.com/office/powerpoint/2010/main" val="3843371866"/>
       </p:ext>
     </p:extLst>
   </p:cSld>
@@ -13131,7 +13301,7 @@
           <a:p>
             <a:fld id="{3CB14515-8DA5-4B82-96E7-E758FF8ACA06}" type="datetimeFigureOut">
               <a:rPr lang="en-US" smtClean="0"/>
-              <a:t>10/7/22</a:t>
+              <a:t>10/10/2022</a:t>
             </a:fld>
             <a:endParaRPr lang="en-US"/>
           </a:p>
@@ -13338,7 +13508,7 @@
           <a:p>
             <a:fld id="{3CB14515-8DA5-4B82-96E7-E758FF8ACA06}" type="datetimeFigureOut">
               <a:rPr lang="en-US" smtClean="0"/>
-              <a:t>10/7/22</a:t>
+              <a:t>10/10/2022</a:t>
             </a:fld>
             <a:endParaRPr lang="en-US"/>
           </a:p>
@@ -13518,7 +13688,7 @@
           <a:p>
             <a:fld id="{3CB14515-8DA5-4B82-96E7-E758FF8ACA06}" type="datetimeFigureOut">
               <a:rPr lang="en-US" smtClean="0"/>
-              <a:t>10/7/22</a:t>
+              <a:t>10/10/2022</a:t>
             </a:fld>
             <a:endParaRPr lang="en-US"/>
           </a:p>
@@ -13723,7 +13893,7 @@
           <a:p>
             <a:fld id="{3CB14515-8DA5-4B82-96E7-E758FF8ACA06}" type="datetimeFigureOut">
               <a:rPr lang="en-US" smtClean="0"/>
-              <a:t>10/7/22</a:t>
+              <a:t>10/10/2022</a:t>
             </a:fld>
             <a:endParaRPr lang="en-US"/>
           </a:p>
@@ -22621,7 +22791,7 @@
           <a:p>
             <a:fld id="{3CB14515-8DA5-4B82-96E7-E758FF8ACA06}" type="datetimeFigureOut">
               <a:rPr lang="en-US" smtClean="0"/>
-              <a:t>10/7/22</a:t>
+              <a:t>10/10/2022</a:t>
             </a:fld>
             <a:endParaRPr lang="en-US"/>
           </a:p>
@@ -22895,7 +23065,7 @@
           <a:p>
             <a:fld id="{3CB14515-8DA5-4B82-96E7-E758FF8ACA06}" type="datetimeFigureOut">
               <a:rPr lang="en-US" smtClean="0"/>
-              <a:t>10/7/22</a:t>
+              <a:t>10/10/2022</a:t>
             </a:fld>
             <a:endParaRPr lang="en-US"/>
           </a:p>
@@ -23293,7 +23463,7 @@
           <a:p>
             <a:fld id="{3CB14515-8DA5-4B82-96E7-E758FF8ACA06}" type="datetimeFigureOut">
               <a:rPr lang="en-US" smtClean="0"/>
-              <a:t>10/7/22</a:t>
+              <a:t>10/10/2022</a:t>
             </a:fld>
             <a:endParaRPr lang="en-US"/>
           </a:p>
@@ -23411,7 +23581,7 @@
           <a:p>
             <a:fld id="{3CB14515-8DA5-4B82-96E7-E758FF8ACA06}" type="datetimeFigureOut">
               <a:rPr lang="en-US" smtClean="0"/>
-              <a:t>10/7/22</a:t>
+              <a:t>10/10/2022</a:t>
             </a:fld>
             <a:endParaRPr lang="en-US"/>
           </a:p>
@@ -23506,7 +23676,7 @@
           <a:p>
             <a:fld id="{3CB14515-8DA5-4B82-96E7-E758FF8ACA06}" type="datetimeFigureOut">
               <a:rPr lang="en-US" smtClean="0"/>
-              <a:t>10/7/22</a:t>
+              <a:t>10/10/2022</a:t>
             </a:fld>
             <a:endParaRPr lang="en-US"/>
           </a:p>
@@ -23796,7 +23966,7 @@
           <a:p>
             <a:fld id="{3CB14515-8DA5-4B82-96E7-E758FF8ACA06}" type="datetimeFigureOut">
               <a:rPr lang="en-US" smtClean="0"/>
-              <a:t>10/7/22</a:t>
+              <a:t>10/10/2022</a:t>
             </a:fld>
             <a:endParaRPr lang="en-US"/>
           </a:p>
@@ -24076,7 +24246,7 @@
           <a:p>
             <a:fld id="{3CB14515-8DA5-4B82-96E7-E758FF8ACA06}" type="datetimeFigureOut">
               <a:rPr lang="en-US" smtClean="0"/>
-              <a:t>10/7/22</a:t>
+              <a:t>10/10/2022</a:t>
             </a:fld>
             <a:endParaRPr lang="en-US"/>
           </a:p>
@@ -24326,7 +24496,7 @@
           <a:p>
             <a:fld id="{3CB14515-8DA5-4B82-96E7-E758FF8ACA06}" type="datetimeFigureOut">
               <a:rPr lang="en-US" smtClean="0"/>
-              <a:t>10/7/22</a:t>
+              <a:t>10/10/2022</a:t>
             </a:fld>
             <a:endParaRPr lang="en-US"/>
           </a:p>
@@ -25000,7 +25170,7 @@
         </p:spPr>
         <p:txBody>
           <a:bodyPr>
-            <a:normAutofit/>
+            <a:normAutofit lnSpcReduction="10000"/>
           </a:bodyPr>
           <a:lstStyle/>
           <a:p>
@@ -25008,13 +25178,13 @@
               <a:buNone/>
             </a:pPr>
             <a:r>
-              <a:rPr lang="en" altLang="zh-CN" sz="1500">
+              <a:rPr lang="en" altLang="zh-CN" sz="1800" dirty="0">
                 <a:effectLst/>
                 <a:latin typeface="WarnockPro"/>
               </a:rPr>
               <a:t>3.A bond has a par value of £100 and a coupon rate of 5%. Coupon payments are made semi-annually. The periodic interest payment is: </a:t>
             </a:r>
-            <a:endParaRPr lang="en" altLang="zh-CN" sz="1500">
+            <a:endParaRPr lang="en" altLang="zh-CN" sz="1800" dirty="0">
               <a:effectLst/>
             </a:endParaRPr>
           </a:p>
@@ -25024,13 +25194,13 @@
               <a:buAutoNum type="alphaUcPeriod"/>
             </a:pPr>
             <a:r>
-              <a:rPr lang="en" altLang="zh-CN" sz="1500" b="1">
+              <a:rPr lang="en" altLang="zh-CN" sz="1800" b="1" dirty="0">
                 <a:effectLst/>
                 <a:latin typeface="WarnockPro"/>
               </a:rPr>
               <a:t>£2.50, paid twice a year. </a:t>
             </a:r>
-            <a:endParaRPr lang="en" altLang="zh-CN" sz="1500" b="1">
+            <a:endParaRPr lang="en" altLang="zh-CN" sz="1800" b="1" dirty="0">
               <a:effectLst/>
               <a:latin typeface="MyriadPro"/>
             </a:endParaRPr>
@@ -25041,13 +25211,13 @@
               <a:buAutoNum type="alphaUcPeriod"/>
             </a:pPr>
             <a:r>
-              <a:rPr lang="en" altLang="zh-CN" sz="1500" b="1">
+              <a:rPr lang="en" altLang="zh-CN" sz="1800" b="1" dirty="0">
                 <a:effectLst/>
                 <a:latin typeface="WarnockPro"/>
               </a:rPr>
               <a:t>£5.00, paid once a year. </a:t>
             </a:r>
-            <a:endParaRPr lang="en" altLang="zh-CN" sz="1500" b="1">
+            <a:endParaRPr lang="en" altLang="zh-CN" sz="1800" b="1" dirty="0">
               <a:effectLst/>
               <a:latin typeface="MyriadPro"/>
             </a:endParaRPr>
@@ -25058,7 +25228,7 @@
               <a:buAutoNum type="alphaUcPeriod"/>
             </a:pPr>
             <a:r>
-              <a:rPr lang="en" altLang="zh-CN" sz="1500" b="1">
+              <a:rPr lang="en" altLang="zh-CN" sz="1800" b="1" dirty="0">
                 <a:effectLst/>
                 <a:latin typeface="WarnockPro"/>
               </a:rPr>
@@ -25070,13 +25240,13 @@
               <a:buNone/>
             </a:pPr>
             <a:r>
-              <a:rPr lang="en" altLang="zh-CN" sz="1500">
+              <a:rPr lang="en" altLang="zh-CN" sz="1800" dirty="0">
                 <a:effectLst/>
                 <a:latin typeface="WarnockPro"/>
               </a:rPr>
               <a:t>4.The coupon rate of a floating-rate note that makes payments in June and December is expressed as      six-month MRR + 25 bps. Assuming that the six-month MRR is 3.00% at the end of June 20XX and 3.50% at the end of December 20XX, the interest rate that applies to the payment due in December 20XX is: </a:t>
             </a:r>
-            <a:endParaRPr lang="en" altLang="zh-CN" sz="1500">
+            <a:endParaRPr lang="en" altLang="zh-CN" sz="1800" dirty="0">
               <a:effectLst/>
             </a:endParaRPr>
           </a:p>
@@ -25086,14 +25256,14 @@
               <a:buAutoNum type="alphaUcPeriod"/>
             </a:pPr>
             <a:r>
-              <a:rPr lang="en" altLang="zh-CN" sz="1500" b="1">
+              <a:rPr lang="en" altLang="zh-CN" sz="1800" b="1" dirty="0">
                 <a:effectLst/>
                 <a:latin typeface="MyriadPro"/>
               </a:rPr>
               <a:t> </a:t>
             </a:r>
             <a:r>
-              <a:rPr lang="en" altLang="zh-CN" sz="1500" b="1">
+              <a:rPr lang="en" altLang="zh-CN" sz="1800" b="1" dirty="0">
                 <a:latin typeface="WarnockPro"/>
               </a:rPr>
               <a:t>3.25%. </a:t>
@@ -25105,7 +25275,7 @@
               <a:buAutoNum type="alphaUcPeriod"/>
             </a:pPr>
             <a:r>
-              <a:rPr lang="en" altLang="zh-CN" sz="1500" b="1">
+              <a:rPr lang="en" altLang="zh-CN" sz="1800" b="1" dirty="0">
                 <a:latin typeface="WarnockPro"/>
               </a:rPr>
               <a:t> 3.50%. </a:t>
@@ -25117,7 +25287,7 @@
               <a:buAutoNum type="alphaUcPeriod"/>
             </a:pPr>
             <a:r>
-              <a:rPr lang="en" altLang="zh-CN" sz="1500" b="1">
+              <a:rPr lang="en" altLang="zh-CN" sz="1800" b="1" dirty="0">
                 <a:latin typeface="WarnockPro"/>
               </a:rPr>
               <a:t> 3.75%. </a:t>
@@ -25127,13 +25297,13 @@
             <a:pPr marL="0" indent="0">
               <a:buNone/>
             </a:pPr>
-            <a:endParaRPr lang="en" altLang="zh-CN" sz="1500" b="1">
+            <a:endParaRPr lang="en" altLang="zh-CN" sz="1500" b="1" dirty="0">
               <a:effectLst/>
               <a:latin typeface="MyriadPro"/>
             </a:endParaRPr>
           </a:p>
           <a:p>
-            <a:endParaRPr kumimoji="1" lang="zh-CN" altLang="en-US" sz="1500"/>
+            <a:endParaRPr kumimoji="1" lang="zh-CN" altLang="en-US" sz="1500" dirty="0"/>
           </a:p>
         </p:txBody>
       </p:sp>
@@ -25278,6 +25448,166 @@
 </p:sld>
 </file>
 
+<file path=ppt/slides/slide11.xml><?xml version="1.0" encoding="utf-8"?>
+<p:sld xmlns:a="http://schemas.openxmlformats.org/drawingml/2006/main" xmlns:r="http://schemas.openxmlformats.org/officeDocument/2006/relationships" xmlns:p="http://schemas.openxmlformats.org/presentationml/2006/main">
+  <p:cSld>
+    <p:spTree>
+      <p:nvGrpSpPr>
+        <p:cNvPr id="1" name=""/>
+        <p:cNvGrpSpPr/>
+        <p:nvPr/>
+      </p:nvGrpSpPr>
+      <p:grpSpPr>
+        <a:xfrm>
+          <a:off x="0" y="0"/>
+          <a:ext cx="0" cy="0"/>
+          <a:chOff x="0" y="0"/>
+          <a:chExt cx="0" cy="0"/>
+        </a:xfrm>
+      </p:grpSpPr>
+      <p:sp>
+        <p:nvSpPr>
+          <p:cNvPr id="2" name="Title 1">
+            <a:extLst>
+              <a:ext uri="{FF2B5EF4-FFF2-40B4-BE49-F238E27FC236}">
+                <a16:creationId xmlns:a16="http://schemas.microsoft.com/office/drawing/2014/main" id="{D865EACA-BFAD-43CD-80DC-B4DF2A95B711}"/>
+              </a:ext>
+            </a:extLst>
+          </p:cNvPr>
+          <p:cNvSpPr>
+            <a:spLocks noGrp="1"/>
+          </p:cNvSpPr>
+          <p:nvPr>
+            <p:ph type="title"/>
+          </p:nvPr>
+        </p:nvSpPr>
+        <p:spPr/>
+        <p:txBody>
+          <a:bodyPr/>
+          <a:lstStyle/>
+          <a:p>
+            <a:endParaRPr lang="en-US"/>
+          </a:p>
+        </p:txBody>
+      </p:sp>
+      <p:sp>
+        <p:nvSpPr>
+          <p:cNvPr id="3" name="Content Placeholder 2">
+            <a:extLst>
+              <a:ext uri="{FF2B5EF4-FFF2-40B4-BE49-F238E27FC236}">
+                <a16:creationId xmlns:a16="http://schemas.microsoft.com/office/drawing/2014/main" id="{982F5E4A-7A72-430E-9D13-AF09E78B0C82}"/>
+              </a:ext>
+            </a:extLst>
+          </p:cNvPr>
+          <p:cNvSpPr>
+            <a:spLocks noGrp="1"/>
+          </p:cNvSpPr>
+          <p:nvPr>
+            <p:ph idx="1"/>
+          </p:nvPr>
+        </p:nvSpPr>
+        <p:spPr/>
+        <p:txBody>
+          <a:bodyPr/>
+          <a:lstStyle/>
+          <a:p>
+            <a:endParaRPr lang="en-US"/>
+          </a:p>
+        </p:txBody>
+      </p:sp>
+    </p:spTree>
+    <p:extLst>
+      <p:ext uri="{BB962C8B-B14F-4D97-AF65-F5344CB8AC3E}">
+        <p14:creationId xmlns:p14="http://schemas.microsoft.com/office/powerpoint/2010/main" val="1912203394"/>
+      </p:ext>
+    </p:extLst>
+  </p:cSld>
+  <p:clrMapOvr>
+    <a:masterClrMapping/>
+  </p:clrMapOvr>
+</p:sld>
+</file>
+
+<file path=ppt/slides/slide12.xml><?xml version="1.0" encoding="utf-8"?>
+<p:sld xmlns:a="http://schemas.openxmlformats.org/drawingml/2006/main" xmlns:r="http://schemas.openxmlformats.org/officeDocument/2006/relationships" xmlns:p="http://schemas.openxmlformats.org/presentationml/2006/main">
+  <p:cSld>
+    <p:spTree>
+      <p:nvGrpSpPr>
+        <p:cNvPr id="1" name=""/>
+        <p:cNvGrpSpPr/>
+        <p:nvPr/>
+      </p:nvGrpSpPr>
+      <p:grpSpPr>
+        <a:xfrm>
+          <a:off x="0" y="0"/>
+          <a:ext cx="0" cy="0"/>
+          <a:chOff x="0" y="0"/>
+          <a:chExt cx="0" cy="0"/>
+        </a:xfrm>
+      </p:grpSpPr>
+      <p:sp>
+        <p:nvSpPr>
+          <p:cNvPr id="2" name="Title 1">
+            <a:extLst>
+              <a:ext uri="{FF2B5EF4-FFF2-40B4-BE49-F238E27FC236}">
+                <a16:creationId xmlns:a16="http://schemas.microsoft.com/office/drawing/2014/main" id="{6DD65147-F4CD-479B-A576-4CF560B7C5C9}"/>
+              </a:ext>
+            </a:extLst>
+          </p:cNvPr>
+          <p:cNvSpPr>
+            <a:spLocks noGrp="1"/>
+          </p:cNvSpPr>
+          <p:nvPr>
+            <p:ph type="title"/>
+          </p:nvPr>
+        </p:nvSpPr>
+        <p:spPr/>
+        <p:txBody>
+          <a:bodyPr/>
+          <a:lstStyle/>
+          <a:p>
+            <a:endParaRPr lang="en-US"/>
+          </a:p>
+        </p:txBody>
+      </p:sp>
+      <p:sp>
+        <p:nvSpPr>
+          <p:cNvPr id="3" name="Content Placeholder 2">
+            <a:extLst>
+              <a:ext uri="{FF2B5EF4-FFF2-40B4-BE49-F238E27FC236}">
+                <a16:creationId xmlns:a16="http://schemas.microsoft.com/office/drawing/2014/main" id="{FCD0F9A7-3BAD-4BD5-A779-B3711B378938}"/>
+              </a:ext>
+            </a:extLst>
+          </p:cNvPr>
+          <p:cNvSpPr>
+            <a:spLocks noGrp="1"/>
+          </p:cNvSpPr>
+          <p:nvPr>
+            <p:ph idx="1"/>
+          </p:nvPr>
+        </p:nvSpPr>
+        <p:spPr/>
+        <p:txBody>
+          <a:bodyPr/>
+          <a:lstStyle/>
+          <a:p>
+            <a:endParaRPr lang="en-US"/>
+          </a:p>
+        </p:txBody>
+      </p:sp>
+    </p:spTree>
+    <p:extLst>
+      <p:ext uri="{BB962C8B-B14F-4D97-AF65-F5344CB8AC3E}">
+        <p14:creationId xmlns:p14="http://schemas.microsoft.com/office/powerpoint/2010/main" val="1828918389"/>
+      </p:ext>
+    </p:extLst>
+  </p:cSld>
+  <p:clrMapOvr>
+    <a:masterClrMapping/>
+  </p:clrMapOvr>
+</p:sld>
+</file>
+
 <file path=ppt/slides/slide2.xml><?xml version="1.0" encoding="utf-8"?>
 <p:sld xmlns:a="http://schemas.openxmlformats.org/drawingml/2006/main" xmlns:r="http://schemas.openxmlformats.org/officeDocument/2006/relationships" xmlns:p="http://schemas.openxmlformats.org/presentationml/2006/main">
   <p:cSld>
@@ -25318,7 +25648,7 @@
           <p:nvPr/>
         </p:nvPicPr>
         <p:blipFill rotWithShape="1">
-          <a:blip r:embed="rId2"/>
+          <a:blip r:embed="rId3"/>
           <a:srcRect t="3814" r="9091" b="19577"/>
           <a:stretch/>
         </p:blipFill>
@@ -25581,9 +25911,9 @@
           <a:lstStyle/>
           <a:p>
             <a:r>
-              <a:rPr lang="en-US" sz="2800" dirty="0">
+              <a:rPr lang="en-US" sz="3600" dirty="0">
                 <a:solidFill>
-                  <a:srgbClr val="000000"/>
+                  <a:srgbClr val="FF0000"/>
                 </a:solidFill>
               </a:rPr>
               <a:t>Basic Features of a Bond</a:t>
@@ -25592,18 +25922,18 @@
           <a:p>
             <a:pPr lvl="1"/>
             <a:r>
-              <a:rPr lang="en-US" sz="2000" dirty="0">
+              <a:rPr lang="en-US" sz="2400" dirty="0">
                 <a:solidFill>
                   <a:srgbClr val="000000"/>
                 </a:solidFill>
               </a:rPr>
-              <a:t>ISSUER</a:t>
+              <a:t>Issuer</a:t>
             </a:r>
           </a:p>
           <a:p>
             <a:pPr lvl="1"/>
             <a:r>
-              <a:rPr lang="en-US" sz="2000" dirty="0">
+              <a:rPr lang="en-US" sz="2400" dirty="0">
                 <a:solidFill>
                   <a:srgbClr val="000000"/>
                 </a:solidFill>
@@ -25614,7 +25944,7 @@
           <a:p>
             <a:pPr lvl="1"/>
             <a:r>
-              <a:rPr lang="en-US" sz="2000" dirty="0">
+              <a:rPr lang="en-US" sz="2400" dirty="0">
                 <a:solidFill>
                   <a:srgbClr val="000000"/>
                 </a:solidFill>
@@ -25625,7 +25955,7 @@
           <a:p>
             <a:pPr lvl="1"/>
             <a:r>
-              <a:rPr lang="en-US" sz="2000" dirty="0">
+              <a:rPr lang="en-US" sz="2400" dirty="0">
                 <a:solidFill>
                   <a:srgbClr val="000000"/>
                 </a:solidFill>
@@ -25636,7 +25966,7 @@
           <a:p>
             <a:pPr lvl="1"/>
             <a:r>
-              <a:rPr lang="en-US" sz="2000" dirty="0">
+              <a:rPr lang="en-US" sz="2400" dirty="0">
                 <a:solidFill>
                   <a:srgbClr val="000000"/>
                 </a:solidFill>
@@ -25647,7 +25977,7 @@
           <a:p>
             <a:pPr lvl="1"/>
             <a:r>
-              <a:rPr lang="en-US" sz="2000" dirty="0">
+              <a:rPr lang="en-US" sz="2400" dirty="0">
                 <a:solidFill>
                   <a:srgbClr val="000000"/>
                 </a:solidFill>
@@ -25782,49 +26112,53 @@
           <a:lstStyle/>
           <a:p>
             <a:r>
-              <a:rPr lang="en-US"/>
+              <a:rPr lang="en-US" sz="3600" dirty="0">
+                <a:solidFill>
+                  <a:srgbClr val="FF0000"/>
+                </a:solidFill>
+              </a:rPr>
               <a:t>Issuer</a:t>
             </a:r>
           </a:p>
           <a:p>
             <a:pPr lvl="1"/>
             <a:r>
-              <a:rPr lang="en-US"/>
+              <a:rPr lang="en-US" dirty="0"/>
               <a:t>Supranational organizations, such as the World Bank or the European Investment Bank</a:t>
             </a:r>
           </a:p>
           <a:p>
             <a:pPr lvl="1"/>
             <a:r>
-              <a:rPr lang="en-US"/>
+              <a:rPr lang="en-US" dirty="0"/>
               <a:t>Sovereign (national) governments, such as the United States or Japan</a:t>
             </a:r>
           </a:p>
           <a:p>
             <a:pPr lvl="1"/>
             <a:r>
-              <a:rPr lang="en-US"/>
+              <a:rPr lang="en-US" dirty="0"/>
               <a:t>Non-sovereign (local) governments, such as the State of Minnesota in the United States, the Catalonia region in Spain</a:t>
             </a:r>
           </a:p>
           <a:p>
             <a:pPr lvl="1"/>
             <a:r>
-              <a:rPr lang="en-US"/>
+              <a:rPr lang="en-US" dirty="0"/>
               <a:t>Quasi-government entities (i.e., agencies that are owned or sponsored by governments), such as postal services in many countries</a:t>
             </a:r>
           </a:p>
           <a:p>
             <a:pPr lvl="1"/>
             <a:r>
-              <a:rPr lang="en-US"/>
+              <a:rPr lang="en-US" dirty="0"/>
               <a:t>Companies (i.e., corporate issuers)</a:t>
             </a:r>
           </a:p>
           <a:p>
             <a:pPr lvl="1"/>
             <a:r>
-              <a:rPr lang="en-US"/>
+              <a:rPr lang="en-US" dirty="0"/>
               <a:t>Special legal entities (i.e., special purpose entities)</a:t>
             </a:r>
           </a:p>
@@ -26079,28 +26413,28 @@
           <a:lstStyle/>
           <a:p>
             <a:r>
-              <a:rPr lang="en-US"/>
+              <a:rPr lang="en-US" sz="2400" dirty="0"/>
               <a:t>Market participants often classify fixed-income markets by the type of issuer, which leads to the identification of three bond market sectors:</a:t>
             </a:r>
           </a:p>
           <a:p>
             <a:pPr lvl="2"/>
             <a:r>
-              <a:rPr lang="en-US"/>
+              <a:rPr lang="en-US" sz="1800" dirty="0"/>
               <a:t>The government and government-related sector</a:t>
             </a:r>
           </a:p>
           <a:p>
             <a:pPr lvl="2"/>
             <a:r>
-              <a:rPr lang="en-US"/>
+              <a:rPr lang="en-US" sz="1800" dirty="0"/>
               <a:t>The corporate sector</a:t>
             </a:r>
           </a:p>
           <a:p>
             <a:pPr lvl="2"/>
             <a:r>
-              <a:rPr lang="en-US"/>
+              <a:rPr lang="en-US" sz="1800" dirty="0"/>
               <a:t>The structured finance sector</a:t>
             </a:r>
           </a:p>
@@ -26109,21 +26443,21 @@
               <a:buNone/>
             </a:pPr>
             <a:r>
-              <a:rPr lang="en-US"/>
+              <a:rPr lang="en-US" sz="2400" dirty="0"/>
               <a:t>The three largest credit rating agencies are Moody’s Investors Service, Standard&amp; Poor’s, and Fitch Ratings</a:t>
             </a:r>
           </a:p>
           <a:p>
             <a:pPr lvl="2"/>
             <a:r>
-              <a:rPr lang="en-US"/>
+              <a:rPr lang="en-US" sz="1800" dirty="0"/>
               <a:t>Investment-grade</a:t>
             </a:r>
           </a:p>
           <a:p>
             <a:pPr lvl="2"/>
             <a:r>
-              <a:rPr lang="en-US"/>
+              <a:rPr lang="en-US" sz="1800" dirty="0"/>
               <a:t>Non-investment-grade/ high yield/ speculative bond</a:t>
             </a:r>
           </a:p>
@@ -26131,7 +26465,7 @@
             <a:pPr marL="128016" lvl="1" indent="0">
               <a:buNone/>
             </a:pPr>
-            <a:endParaRPr lang="en-US"/>
+            <a:endParaRPr lang="en-US" dirty="0"/>
           </a:p>
           <a:p>
             <a:endParaRPr lang="en-US" dirty="0"/>
@@ -26319,7 +26653,7 @@
           <p:nvPr/>
         </p:nvPicPr>
         <p:blipFill rotWithShape="1">
-          <a:blip r:embed="rId2">
+          <a:blip r:embed="rId3">
             <a:duotone>
               <a:schemeClr val="bg2">
                 <a:shade val="45000"/>
@@ -26473,7 +26807,11 @@
           <a:lstStyle/>
           <a:p>
             <a:r>
-              <a:rPr lang="en-US" dirty="0"/>
+              <a:rPr lang="en-US" sz="2800" dirty="0">
+                <a:solidFill>
+                  <a:srgbClr val="FF0000"/>
+                </a:solidFill>
+              </a:rPr>
               <a:t>Maturity</a:t>
             </a:r>
           </a:p>
@@ -26502,23 +26840,26 @@
             </a:r>
           </a:p>
           <a:p>
+            <a:endParaRPr lang="en-US" dirty="0"/>
+          </a:p>
+          <a:p>
             <a:pPr lvl="1"/>
             <a:r>
-              <a:rPr lang="en-US" dirty="0"/>
+              <a:rPr lang="en-US" sz="2400" dirty="0"/>
               <a:t>Money market security</a:t>
             </a:r>
           </a:p>
           <a:p>
             <a:pPr lvl="1"/>
             <a:r>
-              <a:rPr lang="en-US" dirty="0"/>
+              <a:rPr lang="en-US" sz="2400" dirty="0"/>
               <a:t>Capital market security</a:t>
             </a:r>
           </a:p>
           <a:p>
             <a:pPr lvl="1"/>
             <a:r>
-              <a:rPr lang="en-US" dirty="0"/>
+              <a:rPr lang="en-US" sz="2400" dirty="0"/>
               <a:t>Perpetual bond</a:t>
             </a:r>
           </a:p>
@@ -26644,7 +26985,11 @@
           <a:lstStyle/>
           <a:p>
             <a:r>
-              <a:rPr lang="en-US" sz="1700" dirty="0"/>
+              <a:rPr lang="en-US" sz="2800" dirty="0">
+                <a:solidFill>
+                  <a:srgbClr val="FF0000"/>
+                </a:solidFill>
+              </a:rPr>
               <a:t>Par value</a:t>
             </a:r>
           </a:p>
@@ -27135,7 +27480,11 @@
           <a:lstStyle/>
           <a:p>
             <a:r>
-              <a:rPr lang="en-US" dirty="0"/>
+              <a:rPr lang="en-US" sz="2800" dirty="0">
+                <a:solidFill>
+                  <a:srgbClr val="FF0000"/>
+                </a:solidFill>
+              </a:rPr>
               <a:t>Coupon rate and frequency</a:t>
             </a:r>
           </a:p>
@@ -27181,8 +27530,16 @@
           </a:p>
           <a:p>
             <a:r>
+              <a:rPr lang="en-US" dirty="0">
+                <a:solidFill>
+                  <a:srgbClr val="FF0000"/>
+                </a:solidFill>
+              </a:rPr>
+              <a:t>Zero-coupon</a:t>
+            </a:r>
+            <a:r>
               <a:rPr lang="en-US" dirty="0"/>
-              <a:t>Zero-coupon, or pure discount bonds, are issued at a discount to par value and are redeemed at par.</a:t>
+              <a:t>, or pure discount bonds, are issued at a discount to par value and are redeemed at par.</a:t>
             </a:r>
           </a:p>
         </p:txBody>
@@ -27304,7 +27661,11 @@
           <a:lstStyle/>
           <a:p>
             <a:r>
-              <a:rPr lang="en-US" dirty="0"/>
+              <a:rPr lang="en-US" sz="2800" dirty="0">
+                <a:solidFill>
+                  <a:srgbClr val="FF0000"/>
+                </a:solidFill>
+              </a:rPr>
               <a:t>Currency denomination</a:t>
             </a:r>
           </a:p>
@@ -27657,7 +28018,7 @@
         </p:spPr>
         <p:txBody>
           <a:bodyPr>
-            <a:normAutofit/>
+            <a:normAutofit lnSpcReduction="10000"/>
           </a:bodyPr>
           <a:lstStyle/>
           <a:p>
@@ -27665,13 +28026,13 @@
               <a:buNone/>
             </a:pPr>
             <a:r>
-              <a:rPr lang="en" altLang="zh-CN" sz="2000">
+              <a:rPr lang="en" altLang="zh-CN" sz="2400" dirty="0">
                 <a:effectLst/>
                 <a:latin typeface="WarnockPro"/>
               </a:rPr>
               <a:t>1.The risk of loss resulting from the issuer failing to make full and timely payment of interest is called: </a:t>
             </a:r>
-            <a:endParaRPr lang="en" altLang="zh-CN" sz="2000"/>
+            <a:endParaRPr lang="en" altLang="zh-CN" sz="2400" dirty="0"/>
           </a:p>
           <a:p>
             <a:pPr marL="457200" indent="-457200">
@@ -27679,13 +28040,13 @@
               <a:buAutoNum type="alphaUcPeriod"/>
             </a:pPr>
             <a:r>
-              <a:rPr lang="en" altLang="zh-CN" sz="2000" b="1">
+              <a:rPr lang="en" altLang="zh-CN" sz="2400" b="1" dirty="0">
                 <a:effectLst/>
                 <a:latin typeface="WarnockPro"/>
               </a:rPr>
               <a:t>credit risk. </a:t>
             </a:r>
-            <a:endParaRPr lang="en" altLang="zh-CN" sz="2000" b="1">
+            <a:endParaRPr lang="en" altLang="zh-CN" sz="2400" b="1" dirty="0">
               <a:effectLst/>
               <a:latin typeface="MyriadPro"/>
             </a:endParaRPr>
@@ -27696,13 +28057,13 @@
               <a:buAutoNum type="alphaUcPeriod"/>
             </a:pPr>
             <a:r>
-              <a:rPr lang="en" altLang="zh-CN" sz="2000" b="1">
+              <a:rPr lang="en" altLang="zh-CN" sz="2400" b="1" dirty="0">
                 <a:effectLst/>
                 <a:latin typeface="WarnockPro"/>
               </a:rPr>
               <a:t>systemic risk. </a:t>
             </a:r>
-            <a:endParaRPr lang="en" altLang="zh-CN" sz="2000" b="1">
+            <a:endParaRPr lang="en" altLang="zh-CN" sz="2400" b="1" dirty="0">
               <a:effectLst/>
               <a:latin typeface="MyriadPro"/>
             </a:endParaRPr>
@@ -27713,7 +28074,7 @@
               <a:buAutoNum type="alphaUcPeriod"/>
             </a:pPr>
             <a:r>
-              <a:rPr lang="en" altLang="zh-CN" sz="2000" b="1">
+              <a:rPr lang="en" altLang="zh-CN" sz="2400" b="1" dirty="0">
                 <a:effectLst/>
                 <a:latin typeface="WarnockPro"/>
               </a:rPr>
@@ -27725,13 +28086,13 @@
               <a:buNone/>
             </a:pPr>
             <a:r>
-              <a:rPr lang="en" altLang="zh-CN" sz="2000">
+              <a:rPr lang="en" altLang="zh-CN" sz="2400" dirty="0">
                 <a:effectLst/>
                 <a:latin typeface="WarnockPro"/>
               </a:rPr>
               <a:t>2.If the bond’s price is higher than its par value, the bond is trading at: </a:t>
             </a:r>
-            <a:endParaRPr lang="en" altLang="zh-CN" sz="2000">
+            <a:endParaRPr lang="en" altLang="zh-CN" sz="2400" dirty="0">
               <a:effectLst/>
             </a:endParaRPr>
           </a:p>
@@ -27741,7 +28102,7 @@
               <a:buAutoNum type="alphaUcPeriod"/>
             </a:pPr>
             <a:r>
-              <a:rPr lang="en" altLang="zh-CN" sz="2000" b="1">
+              <a:rPr lang="en" altLang="zh-CN" sz="2400" b="1" dirty="0">
                 <a:latin typeface="WarnockPro"/>
               </a:rPr>
               <a:t>par. </a:t>
@@ -27753,13 +28114,13 @@
               <a:buAutoNum type="alphaUcPeriod"/>
             </a:pPr>
             <a:r>
-              <a:rPr lang="en" altLang="zh-CN" sz="2000" b="1">
+              <a:rPr lang="en" altLang="zh-CN" sz="2400" b="1" dirty="0">
                 <a:effectLst/>
                 <a:latin typeface="WarnockPro"/>
               </a:rPr>
               <a:t>a discount. </a:t>
             </a:r>
-            <a:endParaRPr lang="en" altLang="zh-CN" sz="2000" b="1">
+            <a:endParaRPr lang="en" altLang="zh-CN" sz="2400" b="1" dirty="0">
               <a:effectLst/>
               <a:latin typeface="MyriadPro"/>
             </a:endParaRPr>
@@ -27770,13 +28131,13 @@
               <a:buAutoNum type="alphaUcPeriod"/>
             </a:pPr>
             <a:r>
-              <a:rPr lang="en" altLang="zh-CN" sz="2000" b="1">
+              <a:rPr lang="en" altLang="zh-CN" sz="2400" b="1" dirty="0">
                 <a:effectLst/>
                 <a:latin typeface="WarnockPro"/>
               </a:rPr>
               <a:t>a premium. </a:t>
             </a:r>
-            <a:endParaRPr lang="en" altLang="zh-CN" sz="2000" b="1">
+            <a:endParaRPr lang="en" altLang="zh-CN" sz="2400" b="1" dirty="0">
               <a:effectLst/>
               <a:latin typeface="MyriadPro"/>
             </a:endParaRPr>
@@ -27785,13 +28146,13 @@
             <a:pPr marL="0" indent="0">
               <a:buNone/>
             </a:pPr>
-            <a:endParaRPr lang="en" altLang="zh-CN" sz="2000" b="1">
+            <a:endParaRPr lang="en" altLang="zh-CN" sz="2000" b="1" dirty="0">
               <a:effectLst/>
               <a:latin typeface="MyriadPro"/>
             </a:endParaRPr>
           </a:p>
           <a:p>
-            <a:endParaRPr kumimoji="1" lang="zh-CN" altLang="en-US" sz="2000"/>
+            <a:endParaRPr kumimoji="1" lang="zh-CN" altLang="en-US" sz="2000" dirty="0"/>
           </a:p>
         </p:txBody>
       </p:sp>

--- a/Fixed Income.pptx
+++ b/Fixed Income.pptx
@@ -5,7 +5,7 @@
     <p:sldMasterId id="2147483660" r:id="rId1"/>
   </p:sldMasterIdLst>
   <p:notesMasterIdLst>
-    <p:notesMasterId r:id="rId14"/>
+    <p:notesMasterId r:id="rId22"/>
   </p:notesMasterIdLst>
   <p:sldIdLst>
     <p:sldId id="265" r:id="rId2"/>
@@ -20,6 +20,14 @@
     <p:sldId id="267" r:id="rId11"/>
     <p:sldId id="270" r:id="rId12"/>
     <p:sldId id="269" r:id="rId13"/>
+    <p:sldId id="271" r:id="rId14"/>
+    <p:sldId id="272" r:id="rId15"/>
+    <p:sldId id="273" r:id="rId16"/>
+    <p:sldId id="274" r:id="rId17"/>
+    <p:sldId id="275" r:id="rId18"/>
+    <p:sldId id="276" r:id="rId19"/>
+    <p:sldId id="277" r:id="rId20"/>
+    <p:sldId id="278" r:id="rId21"/>
   </p:sldIdLst>
   <p:sldSz cx="12192000" cy="6858000"/>
   <p:notesSz cx="6858000" cy="9144000"/>
@@ -3989,7 +3997,7 @@
           <a:p>
             <a:fld id="{9ADA5B36-BD01-47CD-B491-940693B77A9A}" type="datetimeFigureOut">
               <a:rPr lang="en-US" smtClean="0"/>
-              <a:t>10/10/2022</a:t>
+              <a:t>10/11/2022</a:t>
             </a:fld>
             <a:endParaRPr lang="en-US"/>
           </a:p>
@@ -13301,7 +13309,7 @@
           <a:p>
             <a:fld id="{3CB14515-8DA5-4B82-96E7-E758FF8ACA06}" type="datetimeFigureOut">
               <a:rPr lang="en-US" smtClean="0"/>
-              <a:t>10/10/2022</a:t>
+              <a:t>10/11/2022</a:t>
             </a:fld>
             <a:endParaRPr lang="en-US"/>
           </a:p>
@@ -13508,7 +13516,7 @@
           <a:p>
             <a:fld id="{3CB14515-8DA5-4B82-96E7-E758FF8ACA06}" type="datetimeFigureOut">
               <a:rPr lang="en-US" smtClean="0"/>
-              <a:t>10/10/2022</a:t>
+              <a:t>10/11/2022</a:t>
             </a:fld>
             <a:endParaRPr lang="en-US"/>
           </a:p>
@@ -13688,7 +13696,7 @@
           <a:p>
             <a:fld id="{3CB14515-8DA5-4B82-96E7-E758FF8ACA06}" type="datetimeFigureOut">
               <a:rPr lang="en-US" smtClean="0"/>
-              <a:t>10/10/2022</a:t>
+              <a:t>10/11/2022</a:t>
             </a:fld>
             <a:endParaRPr lang="en-US"/>
           </a:p>
@@ -13893,7 +13901,7 @@
           <a:p>
             <a:fld id="{3CB14515-8DA5-4B82-96E7-E758FF8ACA06}" type="datetimeFigureOut">
               <a:rPr lang="en-US" smtClean="0"/>
-              <a:t>10/10/2022</a:t>
+              <a:t>10/11/2022</a:t>
             </a:fld>
             <a:endParaRPr lang="en-US"/>
           </a:p>
@@ -22791,7 +22799,7 @@
           <a:p>
             <a:fld id="{3CB14515-8DA5-4B82-96E7-E758FF8ACA06}" type="datetimeFigureOut">
               <a:rPr lang="en-US" smtClean="0"/>
-              <a:t>10/10/2022</a:t>
+              <a:t>10/11/2022</a:t>
             </a:fld>
             <a:endParaRPr lang="en-US"/>
           </a:p>
@@ -23065,7 +23073,7 @@
           <a:p>
             <a:fld id="{3CB14515-8DA5-4B82-96E7-E758FF8ACA06}" type="datetimeFigureOut">
               <a:rPr lang="en-US" smtClean="0"/>
-              <a:t>10/10/2022</a:t>
+              <a:t>10/11/2022</a:t>
             </a:fld>
             <a:endParaRPr lang="en-US"/>
           </a:p>
@@ -23463,7 +23471,7 @@
           <a:p>
             <a:fld id="{3CB14515-8DA5-4B82-96E7-E758FF8ACA06}" type="datetimeFigureOut">
               <a:rPr lang="en-US" smtClean="0"/>
-              <a:t>10/10/2022</a:t>
+              <a:t>10/11/2022</a:t>
             </a:fld>
             <a:endParaRPr lang="en-US"/>
           </a:p>
@@ -23581,7 +23589,7 @@
           <a:p>
             <a:fld id="{3CB14515-8DA5-4B82-96E7-E758FF8ACA06}" type="datetimeFigureOut">
               <a:rPr lang="en-US" smtClean="0"/>
-              <a:t>10/10/2022</a:t>
+              <a:t>10/11/2022</a:t>
             </a:fld>
             <a:endParaRPr lang="en-US"/>
           </a:p>
@@ -23676,7 +23684,7 @@
           <a:p>
             <a:fld id="{3CB14515-8DA5-4B82-96E7-E758FF8ACA06}" type="datetimeFigureOut">
               <a:rPr lang="en-US" smtClean="0"/>
-              <a:t>10/10/2022</a:t>
+              <a:t>10/11/2022</a:t>
             </a:fld>
             <a:endParaRPr lang="en-US"/>
           </a:p>
@@ -23966,7 +23974,7 @@
           <a:p>
             <a:fld id="{3CB14515-8DA5-4B82-96E7-E758FF8ACA06}" type="datetimeFigureOut">
               <a:rPr lang="en-US" smtClean="0"/>
-              <a:t>10/10/2022</a:t>
+              <a:t>10/11/2022</a:t>
             </a:fld>
             <a:endParaRPr lang="en-US"/>
           </a:p>
@@ -24246,7 +24254,7 @@
           <a:p>
             <a:fld id="{3CB14515-8DA5-4B82-96E7-E758FF8ACA06}" type="datetimeFigureOut">
               <a:rPr lang="en-US" smtClean="0"/>
-              <a:t>10/10/2022</a:t>
+              <a:t>10/11/2022</a:t>
             </a:fld>
             <a:endParaRPr lang="en-US"/>
           </a:p>
@@ -24496,7 +24504,7 @@
           <a:p>
             <a:fld id="{3CB14515-8DA5-4B82-96E7-E758FF8ACA06}" type="datetimeFigureOut">
               <a:rPr lang="en-US" smtClean="0"/>
-              <a:t>10/10/2022</a:t>
+              <a:t>10/11/2022</a:t>
             </a:fld>
             <a:endParaRPr lang="en-US"/>
           </a:p>
@@ -25483,10 +25491,30 @@
         </p:nvSpPr>
         <p:spPr/>
         <p:txBody>
-          <a:bodyPr/>
+          <a:bodyPr>
+            <a:normAutofit/>
+          </a:bodyPr>
           <a:lstStyle/>
           <a:p>
-            <a:endParaRPr lang="en-US"/>
+            <a:r>
+              <a:rPr lang="en-US" sz="3500" b="1" dirty="0"/>
+              <a:t>Module1</a:t>
+            </a:r>
+            <a:br>
+              <a:rPr lang="en-US" sz="3500" b="1" dirty="0"/>
+            </a:br>
+            <a:r>
+              <a:rPr lang="en-US" sz="3500" b="1" dirty="0"/>
+              <a:t>Fixed-Income Securities: </a:t>
+            </a:r>
+            <a:br>
+              <a:rPr lang="en-US" sz="3500" b="1" dirty="0"/>
+            </a:br>
+            <a:r>
+              <a:rPr lang="en-US" sz="3500" b="1" dirty="0"/>
+              <a:t>Defining Elements</a:t>
+            </a:r>
+            <a:endParaRPr lang="en-US" sz="3500" dirty="0"/>
           </a:p>
         </p:txBody>
       </p:sp>
@@ -25511,7 +25539,67 @@
           <a:bodyPr/>
           <a:lstStyle/>
           <a:p>
-            <a:endParaRPr lang="en-US"/>
+            <a:r>
+              <a:rPr lang="en-US" altLang="zh-CN" sz="3600" dirty="0">
+                <a:solidFill>
+                  <a:srgbClr val="FF0000"/>
+                </a:solidFill>
+              </a:rPr>
+              <a:t>Content Of Bond Indenture</a:t>
+            </a:r>
+          </a:p>
+          <a:p>
+            <a:pPr>
+              <a:buFont typeface="Wingdings" panose="05000000000000000000" pitchFamily="2" charset="2"/>
+              <a:buChar char="§"/>
+            </a:pPr>
+            <a:r>
+              <a:rPr lang="en-US" altLang="zh-CN" sz="2400" dirty="0"/>
+              <a:t> the legal identity of the bond issuer and its legal form;</a:t>
+            </a:r>
+          </a:p>
+          <a:p>
+            <a:pPr>
+              <a:buFont typeface="Wingdings" panose="05000000000000000000" pitchFamily="2" charset="2"/>
+              <a:buChar char="§"/>
+            </a:pPr>
+            <a:r>
+              <a:rPr lang="en-US" altLang="zh-CN" sz="2400" dirty="0"/>
+              <a:t> the source of repayment proceeds;</a:t>
+            </a:r>
+          </a:p>
+          <a:p>
+            <a:pPr>
+              <a:buFont typeface="Wingdings" panose="05000000000000000000" pitchFamily="2" charset="2"/>
+              <a:buChar char="§"/>
+            </a:pPr>
+            <a:r>
+              <a:rPr lang="en-US" altLang="zh-CN" sz="2400" dirty="0"/>
+              <a:t> the asset or collateral backing (if any);</a:t>
+            </a:r>
+          </a:p>
+          <a:p>
+            <a:pPr>
+              <a:buFont typeface="Wingdings" panose="05000000000000000000" pitchFamily="2" charset="2"/>
+              <a:buChar char="§"/>
+            </a:pPr>
+            <a:r>
+              <a:rPr lang="en-US" altLang="zh-CN" sz="2400" dirty="0"/>
+              <a:t> the credit enhancements (if any); and</a:t>
+            </a:r>
+          </a:p>
+          <a:p>
+            <a:pPr>
+              <a:buFont typeface="Wingdings" panose="05000000000000000000" pitchFamily="2" charset="2"/>
+              <a:buChar char="§"/>
+            </a:pPr>
+            <a:r>
+              <a:rPr lang="en-US" altLang="zh-CN" sz="2400" dirty="0"/>
+              <a:t> the covenants (if any)</a:t>
+            </a:r>
+          </a:p>
+          <a:p>
+            <a:endParaRPr lang="en-US" dirty="0"/>
           </a:p>
         </p:txBody>
       </p:sp>
@@ -25563,10 +25651,30 @@
         </p:nvSpPr>
         <p:spPr/>
         <p:txBody>
-          <a:bodyPr/>
+          <a:bodyPr>
+            <a:normAutofit/>
+          </a:bodyPr>
           <a:lstStyle/>
           <a:p>
-            <a:endParaRPr lang="en-US"/>
+            <a:r>
+              <a:rPr lang="en-US" sz="3500" b="1" dirty="0"/>
+              <a:t>Module1</a:t>
+            </a:r>
+            <a:br>
+              <a:rPr lang="en-US" sz="3500" b="1" dirty="0"/>
+            </a:br>
+            <a:r>
+              <a:rPr lang="en-US" sz="3500" b="1" dirty="0"/>
+              <a:t>Fixed-Income Securities: </a:t>
+            </a:r>
+            <a:br>
+              <a:rPr lang="en-US" sz="3500" b="1" dirty="0"/>
+            </a:br>
+            <a:r>
+              <a:rPr lang="en-US" sz="3500" b="1" dirty="0"/>
+              <a:t>Defining Elements</a:t>
+            </a:r>
+            <a:endParaRPr lang="en-US" sz="3500" dirty="0"/>
           </a:p>
         </p:txBody>
       </p:sp>
@@ -25591,7 +25699,79 @@
           <a:bodyPr/>
           <a:lstStyle/>
           <a:p>
-            <a:endParaRPr lang="en-US"/>
+            <a:r>
+              <a:rPr lang="en-US" dirty="0"/>
+              <a:t>Because it would be impractical for the issuer to enter into a direct agreement with each bondholder, the indenture is usually held by a </a:t>
+            </a:r>
+            <a:r>
+              <a:rPr lang="en-US" dirty="0">
+                <a:solidFill>
+                  <a:srgbClr val="FF0000"/>
+                </a:solidFill>
+              </a:rPr>
+              <a:t>trustee</a:t>
+            </a:r>
+            <a:r>
+              <a:rPr lang="en-US" dirty="0"/>
+              <a:t>. The trustee is typically a financial institution acting as a fiduciary to ensure the issuer complies with the obligations specified in the indenture and to take action on behalf of the bondholders, when necessary.</a:t>
+            </a:r>
+          </a:p>
+          <a:p>
+            <a:r>
+              <a:rPr lang="en-US" altLang="zh-CN" dirty="0"/>
+              <a:t>Trustee’s</a:t>
+            </a:r>
+            <a:r>
+              <a:rPr lang="zh-CN" altLang="en-US" dirty="0"/>
+              <a:t> </a:t>
+            </a:r>
+            <a:r>
+              <a:rPr lang="en-US" altLang="zh-CN" dirty="0"/>
+              <a:t>duty:</a:t>
+            </a:r>
+          </a:p>
+          <a:p>
+            <a:pPr>
+              <a:buFont typeface="Arial" panose="020B0604020202020204" pitchFamily="34" charset="0"/>
+              <a:buChar char="•"/>
+            </a:pPr>
+            <a:r>
+              <a:rPr lang="en-US" dirty="0"/>
+              <a:t>Maintenance of required documentation and records</a:t>
+            </a:r>
+          </a:p>
+          <a:p>
+            <a:pPr>
+              <a:buFont typeface="Arial" panose="020B0604020202020204" pitchFamily="34" charset="0"/>
+              <a:buChar char="•"/>
+            </a:pPr>
+            <a:r>
+              <a:rPr lang="en-US" dirty="0"/>
+              <a:t>Appraising collateral </a:t>
+            </a:r>
+          </a:p>
+          <a:p>
+            <a:pPr>
+              <a:buFont typeface="Arial" panose="020B0604020202020204" pitchFamily="34" charset="0"/>
+              <a:buChar char="•"/>
+            </a:pPr>
+            <a:r>
+              <a:rPr lang="en-US" dirty="0"/>
+              <a:t>Invoicing the issuer for interest payments and principal repayments</a:t>
+            </a:r>
+          </a:p>
+          <a:p>
+            <a:pPr>
+              <a:buFont typeface="Arial" panose="020B0604020202020204" pitchFamily="34" charset="0"/>
+              <a:buChar char="•"/>
+            </a:pPr>
+            <a:r>
+              <a:rPr lang="en-US" dirty="0"/>
+              <a:t>Holding funds until they are paid</a:t>
+            </a:r>
+          </a:p>
+          <a:p>
+            <a:endParaRPr lang="en-US" dirty="0"/>
           </a:p>
         </p:txBody>
       </p:sp>
@@ -25599,6 +25779,1344 @@
     <p:extLst>
       <p:ext uri="{BB962C8B-B14F-4D97-AF65-F5344CB8AC3E}">
         <p14:creationId xmlns:p14="http://schemas.microsoft.com/office/powerpoint/2010/main" val="1828918389"/>
+      </p:ext>
+    </p:extLst>
+  </p:cSld>
+  <p:clrMapOvr>
+    <a:masterClrMapping/>
+  </p:clrMapOvr>
+</p:sld>
+</file>
+
+<file path=ppt/slides/slide13.xml><?xml version="1.0" encoding="utf-8"?>
+<p:sld xmlns:a="http://schemas.openxmlformats.org/drawingml/2006/main" xmlns:r="http://schemas.openxmlformats.org/officeDocument/2006/relationships" xmlns:p="http://schemas.openxmlformats.org/presentationml/2006/main">
+  <p:cSld>
+    <p:spTree>
+      <p:nvGrpSpPr>
+        <p:cNvPr id="1" name=""/>
+        <p:cNvGrpSpPr/>
+        <p:nvPr/>
+      </p:nvGrpSpPr>
+      <p:grpSpPr>
+        <a:xfrm>
+          <a:off x="0" y="0"/>
+          <a:ext cx="0" cy="0"/>
+          <a:chOff x="0" y="0"/>
+          <a:chExt cx="0" cy="0"/>
+        </a:xfrm>
+      </p:grpSpPr>
+      <p:sp>
+        <p:nvSpPr>
+          <p:cNvPr id="2" name="Title 1">
+            <a:extLst>
+              <a:ext uri="{FF2B5EF4-FFF2-40B4-BE49-F238E27FC236}">
+                <a16:creationId xmlns:a16="http://schemas.microsoft.com/office/drawing/2014/main" id="{30345430-85BD-45C6-8E92-4B275DB76108}"/>
+              </a:ext>
+            </a:extLst>
+          </p:cNvPr>
+          <p:cNvSpPr>
+            <a:spLocks noGrp="1"/>
+          </p:cNvSpPr>
+          <p:nvPr>
+            <p:ph type="title"/>
+          </p:nvPr>
+        </p:nvSpPr>
+        <p:spPr/>
+        <p:txBody>
+          <a:bodyPr>
+            <a:normAutofit/>
+          </a:bodyPr>
+          <a:lstStyle/>
+          <a:p>
+            <a:r>
+              <a:rPr lang="en-US" sz="3500" b="1" dirty="0"/>
+              <a:t>Module1</a:t>
+            </a:r>
+            <a:br>
+              <a:rPr lang="en-US" sz="3500" b="1" dirty="0"/>
+            </a:br>
+            <a:r>
+              <a:rPr lang="en-US" sz="3500" b="1" dirty="0"/>
+              <a:t>Fixed-Income Securities: </a:t>
+            </a:r>
+            <a:br>
+              <a:rPr lang="en-US" sz="3500" b="1" dirty="0"/>
+            </a:br>
+            <a:r>
+              <a:rPr lang="en-US" sz="3500" b="1" dirty="0"/>
+              <a:t>Defining Elements</a:t>
+            </a:r>
+            <a:endParaRPr lang="en-US" sz="3500" dirty="0"/>
+          </a:p>
+        </p:txBody>
+      </p:sp>
+      <p:sp>
+        <p:nvSpPr>
+          <p:cNvPr id="3" name="Content Placeholder 2">
+            <a:extLst>
+              <a:ext uri="{FF2B5EF4-FFF2-40B4-BE49-F238E27FC236}">
+                <a16:creationId xmlns:a16="http://schemas.microsoft.com/office/drawing/2014/main" id="{5635DFBB-D3C9-4AD8-B524-D8D5768E83F8}"/>
+              </a:ext>
+            </a:extLst>
+          </p:cNvPr>
+          <p:cNvSpPr>
+            <a:spLocks noGrp="1"/>
+          </p:cNvSpPr>
+          <p:nvPr>
+            <p:ph idx="1"/>
+          </p:nvPr>
+        </p:nvSpPr>
+        <p:spPr/>
+        <p:txBody>
+          <a:bodyPr>
+            <a:normAutofit/>
+          </a:bodyPr>
+          <a:lstStyle/>
+          <a:p>
+            <a:r>
+              <a:rPr lang="en-US" sz="2800" dirty="0">
+                <a:solidFill>
+                  <a:srgbClr val="FF0000"/>
+                </a:solidFill>
+              </a:rPr>
+              <a:t>Legal Identity of the Bond Issuer and Its Legal Form</a:t>
+            </a:r>
+          </a:p>
+          <a:p>
+            <a:pPr>
+              <a:buFont typeface="Arial" panose="020B0604020202020204" pitchFamily="34" charset="0"/>
+              <a:buChar char="•"/>
+            </a:pPr>
+            <a:r>
+              <a:rPr lang="en-US" sz="2000" dirty="0"/>
+              <a:t>Sovereign bond: Treasury (different from the body that administers the bond issue process)</a:t>
+            </a:r>
+          </a:p>
+          <a:p>
+            <a:pPr>
+              <a:buFont typeface="Arial" panose="020B0604020202020204" pitchFamily="34" charset="0"/>
+              <a:buChar char="•"/>
+            </a:pPr>
+            <a:r>
+              <a:rPr lang="en-US" sz="2000" dirty="0"/>
+              <a:t>Corporate bond: corporate legal entity(subsidiary of parent legal entity/holding company)</a:t>
+            </a:r>
+          </a:p>
+          <a:p>
+            <a:pPr>
+              <a:buFont typeface="Arial" panose="020B0604020202020204" pitchFamily="34" charset="0"/>
+              <a:buChar char="•"/>
+            </a:pPr>
+            <a:r>
+              <a:rPr lang="en-US" sz="2000" dirty="0"/>
+              <a:t>ABS: special purpose entity/special purpose vehicle(bankruptcy remoteness)</a:t>
+            </a:r>
+          </a:p>
+        </p:txBody>
+      </p:sp>
+    </p:spTree>
+    <p:extLst>
+      <p:ext uri="{BB962C8B-B14F-4D97-AF65-F5344CB8AC3E}">
+        <p14:creationId xmlns:p14="http://schemas.microsoft.com/office/powerpoint/2010/main" val="3248618625"/>
+      </p:ext>
+    </p:extLst>
+  </p:cSld>
+  <p:clrMapOvr>
+    <a:masterClrMapping/>
+  </p:clrMapOvr>
+</p:sld>
+</file>
+
+<file path=ppt/slides/slide14.xml><?xml version="1.0" encoding="utf-8"?>
+<p:sld xmlns:a="http://schemas.openxmlformats.org/drawingml/2006/main" xmlns:r="http://schemas.openxmlformats.org/officeDocument/2006/relationships" xmlns:p="http://schemas.openxmlformats.org/presentationml/2006/main">
+  <p:cSld>
+    <p:spTree>
+      <p:nvGrpSpPr>
+        <p:cNvPr id="1" name=""/>
+        <p:cNvGrpSpPr/>
+        <p:nvPr/>
+      </p:nvGrpSpPr>
+      <p:grpSpPr>
+        <a:xfrm>
+          <a:off x="0" y="0"/>
+          <a:ext cx="0" cy="0"/>
+          <a:chOff x="0" y="0"/>
+          <a:chExt cx="0" cy="0"/>
+        </a:xfrm>
+      </p:grpSpPr>
+      <p:sp>
+        <p:nvSpPr>
+          <p:cNvPr id="2" name="Title 1">
+            <a:extLst>
+              <a:ext uri="{FF2B5EF4-FFF2-40B4-BE49-F238E27FC236}">
+                <a16:creationId xmlns:a16="http://schemas.microsoft.com/office/drawing/2014/main" id="{F6CBC576-0EB0-4E48-A70D-D1EAB6581C00}"/>
+              </a:ext>
+            </a:extLst>
+          </p:cNvPr>
+          <p:cNvSpPr>
+            <a:spLocks noGrp="1"/>
+          </p:cNvSpPr>
+          <p:nvPr>
+            <p:ph type="title"/>
+          </p:nvPr>
+        </p:nvSpPr>
+        <p:spPr/>
+        <p:txBody>
+          <a:bodyPr>
+            <a:normAutofit/>
+          </a:bodyPr>
+          <a:lstStyle/>
+          <a:p>
+            <a:r>
+              <a:rPr lang="en-US" sz="3500" b="1" dirty="0"/>
+              <a:t>Module1</a:t>
+            </a:r>
+            <a:br>
+              <a:rPr lang="en-US" sz="3500" b="1" dirty="0"/>
+            </a:br>
+            <a:r>
+              <a:rPr lang="en-US" sz="3500" b="1" dirty="0"/>
+              <a:t>Fixed-Income Securities: </a:t>
+            </a:r>
+            <a:br>
+              <a:rPr lang="en-US" sz="3500" b="1" dirty="0"/>
+            </a:br>
+            <a:r>
+              <a:rPr lang="en-US" sz="3500" b="1" dirty="0"/>
+              <a:t>Defining Elements</a:t>
+            </a:r>
+            <a:endParaRPr lang="en-US" sz="3500" dirty="0"/>
+          </a:p>
+        </p:txBody>
+      </p:sp>
+      <p:sp>
+        <p:nvSpPr>
+          <p:cNvPr id="3" name="Content Placeholder 2">
+            <a:extLst>
+              <a:ext uri="{FF2B5EF4-FFF2-40B4-BE49-F238E27FC236}">
+                <a16:creationId xmlns:a16="http://schemas.microsoft.com/office/drawing/2014/main" id="{5F268237-5930-42D2-97F8-795B16577337}"/>
+              </a:ext>
+            </a:extLst>
+          </p:cNvPr>
+          <p:cNvSpPr>
+            <a:spLocks noGrp="1"/>
+          </p:cNvSpPr>
+          <p:nvPr>
+            <p:ph idx="1"/>
+          </p:nvPr>
+        </p:nvSpPr>
+        <p:spPr/>
+        <p:txBody>
+          <a:bodyPr/>
+          <a:lstStyle/>
+          <a:p>
+            <a:r>
+              <a:rPr lang="en-US" sz="2800" dirty="0">
+                <a:solidFill>
+                  <a:srgbClr val="FF0000"/>
+                </a:solidFill>
+              </a:rPr>
+              <a:t>Source of repayment proceeds</a:t>
+            </a:r>
+          </a:p>
+          <a:p>
+            <a:pPr>
+              <a:buFont typeface="Arial" panose="020B0604020202020204" pitchFamily="34" charset="0"/>
+              <a:buChar char="•"/>
+            </a:pPr>
+            <a:r>
+              <a:rPr lang="en-US" sz="2000" dirty="0"/>
+              <a:t>Supranational organization: repayment of previous loan/paid-in capital from members</a:t>
+            </a:r>
+          </a:p>
+          <a:p>
+            <a:pPr>
+              <a:buFont typeface="Arial" panose="020B0604020202020204" pitchFamily="34" charset="0"/>
+              <a:buChar char="•"/>
+            </a:pPr>
+            <a:r>
+              <a:rPr lang="en-US" sz="2000" dirty="0"/>
+              <a:t>Sovereign bond: tax/ print money/ foreign currency reserve</a:t>
+            </a:r>
+          </a:p>
+          <a:p>
+            <a:pPr>
+              <a:buFont typeface="Arial" panose="020B0604020202020204" pitchFamily="34" charset="0"/>
+              <a:buChar char="•"/>
+            </a:pPr>
+            <a:r>
+              <a:rPr lang="en-US" sz="2000" dirty="0"/>
+              <a:t>Non-sovereign bond: general tax/ cash flow of the project/ special tax or fees</a:t>
+            </a:r>
+          </a:p>
+          <a:p>
+            <a:pPr>
+              <a:buFont typeface="Arial" panose="020B0604020202020204" pitchFamily="34" charset="0"/>
+              <a:buChar char="•"/>
+            </a:pPr>
+            <a:r>
+              <a:rPr lang="en-US" sz="2000" dirty="0"/>
+              <a:t>Corporate bond: cash flow through its operation</a:t>
+            </a:r>
+          </a:p>
+          <a:p>
+            <a:pPr>
+              <a:buFont typeface="Arial" panose="020B0604020202020204" pitchFamily="34" charset="0"/>
+              <a:buChar char="•"/>
+            </a:pPr>
+            <a:r>
+              <a:rPr lang="en-US" sz="2000" dirty="0"/>
+              <a:t>ABS: cash flow generated by underlying financial asset</a:t>
+            </a:r>
+          </a:p>
+          <a:p>
+            <a:endParaRPr lang="en-US" dirty="0"/>
+          </a:p>
+        </p:txBody>
+      </p:sp>
+    </p:spTree>
+    <p:extLst>
+      <p:ext uri="{BB962C8B-B14F-4D97-AF65-F5344CB8AC3E}">
+        <p14:creationId xmlns:p14="http://schemas.microsoft.com/office/powerpoint/2010/main" val="3094011843"/>
+      </p:ext>
+    </p:extLst>
+  </p:cSld>
+  <p:clrMapOvr>
+    <a:masterClrMapping/>
+  </p:clrMapOvr>
+</p:sld>
+</file>
+
+<file path=ppt/slides/slide15.xml><?xml version="1.0" encoding="utf-8"?>
+<p:sld xmlns:a="http://schemas.openxmlformats.org/drawingml/2006/main" xmlns:r="http://schemas.openxmlformats.org/officeDocument/2006/relationships" xmlns:p="http://schemas.openxmlformats.org/presentationml/2006/main">
+  <p:cSld>
+    <p:spTree>
+      <p:nvGrpSpPr>
+        <p:cNvPr id="1" name=""/>
+        <p:cNvGrpSpPr/>
+        <p:nvPr/>
+      </p:nvGrpSpPr>
+      <p:grpSpPr>
+        <a:xfrm>
+          <a:off x="0" y="0"/>
+          <a:ext cx="0" cy="0"/>
+          <a:chOff x="0" y="0"/>
+          <a:chExt cx="0" cy="0"/>
+        </a:xfrm>
+      </p:grpSpPr>
+      <p:sp>
+        <p:nvSpPr>
+          <p:cNvPr id="2" name="Title 1">
+            <a:extLst>
+              <a:ext uri="{FF2B5EF4-FFF2-40B4-BE49-F238E27FC236}">
+                <a16:creationId xmlns:a16="http://schemas.microsoft.com/office/drawing/2014/main" id="{6B1DCB62-498C-42B3-A9FA-3D698D3972D5}"/>
+              </a:ext>
+            </a:extLst>
+          </p:cNvPr>
+          <p:cNvSpPr>
+            <a:spLocks noGrp="1"/>
+          </p:cNvSpPr>
+          <p:nvPr>
+            <p:ph type="title"/>
+          </p:nvPr>
+        </p:nvSpPr>
+        <p:spPr/>
+        <p:txBody>
+          <a:bodyPr>
+            <a:normAutofit/>
+          </a:bodyPr>
+          <a:lstStyle/>
+          <a:p>
+            <a:r>
+              <a:rPr lang="en-US" sz="3500" b="1" dirty="0"/>
+              <a:t>Module1</a:t>
+            </a:r>
+            <a:br>
+              <a:rPr lang="en-US" sz="3500" b="1" dirty="0"/>
+            </a:br>
+            <a:r>
+              <a:rPr lang="en-US" sz="3500" b="1" dirty="0"/>
+              <a:t>Fixed-Income Securities: </a:t>
+            </a:r>
+            <a:br>
+              <a:rPr lang="en-US" sz="3500" b="1" dirty="0"/>
+            </a:br>
+            <a:r>
+              <a:rPr lang="en-US" sz="3500" b="1" dirty="0"/>
+              <a:t>Defining Elements</a:t>
+            </a:r>
+            <a:endParaRPr lang="en-US" sz="3500" dirty="0"/>
+          </a:p>
+        </p:txBody>
+      </p:sp>
+      <p:sp>
+        <p:nvSpPr>
+          <p:cNvPr id="3" name="Content Placeholder 2">
+            <a:extLst>
+              <a:ext uri="{FF2B5EF4-FFF2-40B4-BE49-F238E27FC236}">
+                <a16:creationId xmlns:a16="http://schemas.microsoft.com/office/drawing/2014/main" id="{58BEB581-F996-4183-B4E0-643338576801}"/>
+              </a:ext>
+            </a:extLst>
+          </p:cNvPr>
+          <p:cNvSpPr>
+            <a:spLocks noGrp="1"/>
+          </p:cNvSpPr>
+          <p:nvPr>
+            <p:ph idx="1"/>
+          </p:nvPr>
+        </p:nvSpPr>
+        <p:spPr/>
+        <p:txBody>
+          <a:bodyPr>
+            <a:normAutofit fontScale="92500" lnSpcReduction="20000"/>
+          </a:bodyPr>
+          <a:lstStyle/>
+          <a:p>
+            <a:r>
+              <a:rPr lang="en-US" sz="3000" dirty="0">
+                <a:solidFill>
+                  <a:srgbClr val="FF0000"/>
+                </a:solidFill>
+              </a:rPr>
+              <a:t>Asset or collateral backing</a:t>
+            </a:r>
+          </a:p>
+          <a:p>
+            <a:r>
+              <a:rPr lang="en-US" sz="2000" dirty="0"/>
+              <a:t>Secured bond/unsecured bond</a:t>
+            </a:r>
+          </a:p>
+          <a:p>
+            <a:r>
+              <a:rPr lang="en-US" sz="2000" dirty="0"/>
+              <a:t>Senior debt/subordinated debt/junior debt</a:t>
+            </a:r>
+          </a:p>
+          <a:p>
+            <a:r>
+              <a:rPr lang="en-US" sz="2000" dirty="0">
+                <a:solidFill>
+                  <a:srgbClr val="FF0000"/>
+                </a:solidFill>
+              </a:rPr>
+              <a:t>Debentures</a:t>
+            </a:r>
+            <a:r>
+              <a:rPr lang="en-US" sz="2000" dirty="0"/>
+              <a:t> are a type of bond that can be secured or unsecured.</a:t>
+            </a:r>
+          </a:p>
+          <a:p>
+            <a:r>
+              <a:rPr lang="en-US" sz="3000" dirty="0">
+                <a:solidFill>
+                  <a:srgbClr val="FF0000"/>
+                </a:solidFill>
+              </a:rPr>
+              <a:t>Types of collateral backing</a:t>
+            </a:r>
+          </a:p>
+          <a:p>
+            <a:pPr>
+              <a:buFont typeface="Arial" panose="020B0604020202020204" pitchFamily="34" charset="0"/>
+              <a:buChar char="•"/>
+            </a:pPr>
+            <a:r>
+              <a:rPr lang="en-US" dirty="0"/>
+              <a:t>Collateral trust bonds (backed by securities such as common shares, other bonds)</a:t>
+            </a:r>
+          </a:p>
+          <a:p>
+            <a:pPr>
+              <a:buFont typeface="Arial" panose="020B0604020202020204" pitchFamily="34" charset="0"/>
+              <a:buChar char="•"/>
+            </a:pPr>
+            <a:r>
+              <a:rPr lang="en-US" dirty="0"/>
+              <a:t>Equipment trust certificates(secured by equipment or physical asset)</a:t>
+            </a:r>
+          </a:p>
+          <a:p>
+            <a:pPr>
+              <a:buFont typeface="Arial" panose="020B0604020202020204" pitchFamily="34" charset="0"/>
+              <a:buChar char="•"/>
+            </a:pPr>
+            <a:r>
+              <a:rPr lang="en-US" dirty="0"/>
+              <a:t>ABS(mortgaged property, motor)</a:t>
+            </a:r>
+          </a:p>
+          <a:p>
+            <a:pPr>
+              <a:buFont typeface="Arial" panose="020B0604020202020204" pitchFamily="34" charset="0"/>
+              <a:buChar char="•"/>
+            </a:pPr>
+            <a:r>
+              <a:rPr lang="en-US" dirty="0"/>
+              <a:t>Covered bonds(similar to ABS but offer bondholders recourse against both the financial institution and the underlying asset pool)</a:t>
+            </a:r>
+          </a:p>
+          <a:p>
+            <a:endParaRPr lang="en-US" dirty="0"/>
+          </a:p>
+        </p:txBody>
+      </p:sp>
+    </p:spTree>
+    <p:extLst>
+      <p:ext uri="{BB962C8B-B14F-4D97-AF65-F5344CB8AC3E}">
+        <p14:creationId xmlns:p14="http://schemas.microsoft.com/office/powerpoint/2010/main" val="1925574894"/>
+      </p:ext>
+    </p:extLst>
+  </p:cSld>
+  <p:clrMapOvr>
+    <a:masterClrMapping/>
+  </p:clrMapOvr>
+</p:sld>
+</file>
+
+<file path=ppt/slides/slide16.xml><?xml version="1.0" encoding="utf-8"?>
+<p:sld xmlns:a="http://schemas.openxmlformats.org/drawingml/2006/main" xmlns:r="http://schemas.openxmlformats.org/officeDocument/2006/relationships" xmlns:p="http://schemas.openxmlformats.org/presentationml/2006/main">
+  <p:cSld>
+    <p:spTree>
+      <p:nvGrpSpPr>
+        <p:cNvPr id="1" name=""/>
+        <p:cNvGrpSpPr/>
+        <p:nvPr/>
+      </p:nvGrpSpPr>
+      <p:grpSpPr>
+        <a:xfrm>
+          <a:off x="0" y="0"/>
+          <a:ext cx="0" cy="0"/>
+          <a:chOff x="0" y="0"/>
+          <a:chExt cx="0" cy="0"/>
+        </a:xfrm>
+      </p:grpSpPr>
+      <p:sp>
+        <p:nvSpPr>
+          <p:cNvPr id="2" name="Title 1">
+            <a:extLst>
+              <a:ext uri="{FF2B5EF4-FFF2-40B4-BE49-F238E27FC236}">
+                <a16:creationId xmlns:a16="http://schemas.microsoft.com/office/drawing/2014/main" id="{58C07877-0950-4738-BD21-CE88D20AE990}"/>
+              </a:ext>
+            </a:extLst>
+          </p:cNvPr>
+          <p:cNvSpPr>
+            <a:spLocks noGrp="1"/>
+          </p:cNvSpPr>
+          <p:nvPr>
+            <p:ph type="title"/>
+          </p:nvPr>
+        </p:nvSpPr>
+        <p:spPr/>
+        <p:txBody>
+          <a:bodyPr>
+            <a:normAutofit/>
+          </a:bodyPr>
+          <a:lstStyle/>
+          <a:p>
+            <a:r>
+              <a:rPr lang="en-US" sz="3500" b="1" dirty="0"/>
+              <a:t>Module1</a:t>
+            </a:r>
+            <a:br>
+              <a:rPr lang="en-US" sz="3500" b="1" dirty="0"/>
+            </a:br>
+            <a:r>
+              <a:rPr lang="en-US" sz="3500" b="1" dirty="0"/>
+              <a:t>Fixed-Income Securities: </a:t>
+            </a:r>
+            <a:br>
+              <a:rPr lang="en-US" sz="3500" b="1" dirty="0"/>
+            </a:br>
+            <a:r>
+              <a:rPr lang="en-US" sz="3500" b="1" dirty="0"/>
+              <a:t>Defining Elements</a:t>
+            </a:r>
+            <a:endParaRPr lang="en-US" sz="3500" dirty="0"/>
+          </a:p>
+        </p:txBody>
+      </p:sp>
+      <p:sp>
+        <p:nvSpPr>
+          <p:cNvPr id="3" name="Content Placeholder 2">
+            <a:extLst>
+              <a:ext uri="{FF2B5EF4-FFF2-40B4-BE49-F238E27FC236}">
+                <a16:creationId xmlns:a16="http://schemas.microsoft.com/office/drawing/2014/main" id="{B631C284-1207-45C5-BE3A-6A0B8B878C69}"/>
+              </a:ext>
+            </a:extLst>
+          </p:cNvPr>
+          <p:cNvSpPr>
+            <a:spLocks noGrp="1"/>
+          </p:cNvSpPr>
+          <p:nvPr>
+            <p:ph idx="1"/>
+          </p:nvPr>
+        </p:nvSpPr>
+        <p:spPr/>
+        <p:txBody>
+          <a:bodyPr>
+            <a:normAutofit/>
+          </a:bodyPr>
+          <a:lstStyle/>
+          <a:p>
+            <a:r>
+              <a:rPr lang="en-US" sz="2800" dirty="0">
+                <a:solidFill>
+                  <a:srgbClr val="FF0000"/>
+                </a:solidFill>
+              </a:rPr>
+              <a:t>Credit enhancements</a:t>
+            </a:r>
+          </a:p>
+          <a:p>
+            <a:pPr lvl="1"/>
+            <a:r>
+              <a:rPr lang="en-US" sz="2400" dirty="0"/>
+              <a:t>Internal credit enhancement</a:t>
+            </a:r>
+          </a:p>
+          <a:p>
+            <a:pPr lvl="2"/>
+            <a:r>
+              <a:rPr lang="en-US" sz="2000" dirty="0"/>
+              <a:t>Subordination/credit tranching</a:t>
+            </a:r>
+          </a:p>
+          <a:p>
+            <a:pPr lvl="2"/>
+            <a:r>
+              <a:rPr lang="en-US" sz="2000" dirty="0"/>
+              <a:t>Overcollateralizaiton</a:t>
+            </a:r>
+          </a:p>
+          <a:p>
+            <a:pPr lvl="2"/>
+            <a:r>
+              <a:rPr lang="en-US" sz="2000" dirty="0"/>
+              <a:t>Reserve accounts/reserve funds</a:t>
+            </a:r>
+          </a:p>
+          <a:p>
+            <a:pPr lvl="1"/>
+            <a:r>
+              <a:rPr lang="en-US" sz="2400" dirty="0"/>
+              <a:t>External credit enhancement</a:t>
+            </a:r>
+          </a:p>
+          <a:p>
+            <a:pPr lvl="2"/>
+            <a:r>
+              <a:rPr lang="en-US" sz="2000" dirty="0"/>
+              <a:t>Bank guarantee and surety bond</a:t>
+            </a:r>
+          </a:p>
+          <a:p>
+            <a:pPr lvl="2"/>
+            <a:r>
+              <a:rPr lang="en-US" sz="2000" dirty="0"/>
+              <a:t>Letter of credit</a:t>
+            </a:r>
+          </a:p>
+          <a:p>
+            <a:pPr lvl="2"/>
+            <a:r>
+              <a:rPr lang="en-US" sz="2000" dirty="0"/>
+              <a:t>Cash collateral account</a:t>
+            </a:r>
+          </a:p>
+          <a:p>
+            <a:endParaRPr lang="en-US" sz="2800" dirty="0">
+              <a:solidFill>
+                <a:srgbClr val="FF0000"/>
+              </a:solidFill>
+            </a:endParaRPr>
+          </a:p>
+          <a:p>
+            <a:endParaRPr lang="en-US" sz="2800" dirty="0">
+              <a:solidFill>
+                <a:srgbClr val="FF0000"/>
+              </a:solidFill>
+            </a:endParaRPr>
+          </a:p>
+          <a:p>
+            <a:endParaRPr lang="en-US" dirty="0"/>
+          </a:p>
+        </p:txBody>
+      </p:sp>
+    </p:spTree>
+    <p:extLst>
+      <p:ext uri="{BB962C8B-B14F-4D97-AF65-F5344CB8AC3E}">
+        <p14:creationId xmlns:p14="http://schemas.microsoft.com/office/powerpoint/2010/main" val="1063554227"/>
+      </p:ext>
+    </p:extLst>
+  </p:cSld>
+  <p:clrMapOvr>
+    <a:masterClrMapping/>
+  </p:clrMapOvr>
+</p:sld>
+</file>
+
+<file path=ppt/slides/slide17.xml><?xml version="1.0" encoding="utf-8"?>
+<p:sld xmlns:a="http://schemas.openxmlformats.org/drawingml/2006/main" xmlns:r="http://schemas.openxmlformats.org/officeDocument/2006/relationships" xmlns:p="http://schemas.openxmlformats.org/presentationml/2006/main">
+  <p:cSld>
+    <p:spTree>
+      <p:nvGrpSpPr>
+        <p:cNvPr id="1" name=""/>
+        <p:cNvGrpSpPr/>
+        <p:nvPr/>
+      </p:nvGrpSpPr>
+      <p:grpSpPr>
+        <a:xfrm>
+          <a:off x="0" y="0"/>
+          <a:ext cx="0" cy="0"/>
+          <a:chOff x="0" y="0"/>
+          <a:chExt cx="0" cy="0"/>
+        </a:xfrm>
+      </p:grpSpPr>
+      <p:sp>
+        <p:nvSpPr>
+          <p:cNvPr id="2" name="Title 1">
+            <a:extLst>
+              <a:ext uri="{FF2B5EF4-FFF2-40B4-BE49-F238E27FC236}">
+                <a16:creationId xmlns:a16="http://schemas.microsoft.com/office/drawing/2014/main" id="{D223A8FD-2699-4B2C-8DC3-65F5ADEFACF6}"/>
+              </a:ext>
+            </a:extLst>
+          </p:cNvPr>
+          <p:cNvSpPr>
+            <a:spLocks noGrp="1"/>
+          </p:cNvSpPr>
+          <p:nvPr>
+            <p:ph type="title"/>
+          </p:nvPr>
+        </p:nvSpPr>
+        <p:spPr/>
+        <p:txBody>
+          <a:bodyPr>
+            <a:normAutofit/>
+          </a:bodyPr>
+          <a:lstStyle/>
+          <a:p>
+            <a:r>
+              <a:rPr lang="en-US" sz="3500" b="1" dirty="0"/>
+              <a:t>Module1</a:t>
+            </a:r>
+            <a:br>
+              <a:rPr lang="en-US" sz="3500" b="1" dirty="0"/>
+            </a:br>
+            <a:r>
+              <a:rPr lang="en-US" sz="3500" b="1" dirty="0"/>
+              <a:t>Fixed-Income Securities: </a:t>
+            </a:r>
+            <a:br>
+              <a:rPr lang="en-US" sz="3500" b="1" dirty="0"/>
+            </a:br>
+            <a:r>
+              <a:rPr lang="en-US" sz="3500" b="1" dirty="0"/>
+              <a:t>Defining Elements</a:t>
+            </a:r>
+            <a:endParaRPr lang="en-US" sz="3500" dirty="0"/>
+          </a:p>
+        </p:txBody>
+      </p:sp>
+      <p:sp>
+        <p:nvSpPr>
+          <p:cNvPr id="3" name="Content Placeholder 2">
+            <a:extLst>
+              <a:ext uri="{FF2B5EF4-FFF2-40B4-BE49-F238E27FC236}">
+                <a16:creationId xmlns:a16="http://schemas.microsoft.com/office/drawing/2014/main" id="{1A2CBD07-9C7A-44C0-815E-3185D6418A17}"/>
+              </a:ext>
+            </a:extLst>
+          </p:cNvPr>
+          <p:cNvSpPr>
+            <a:spLocks noGrp="1"/>
+          </p:cNvSpPr>
+          <p:nvPr>
+            <p:ph idx="1"/>
+          </p:nvPr>
+        </p:nvSpPr>
+        <p:spPr/>
+        <p:txBody>
+          <a:bodyPr/>
+          <a:lstStyle/>
+          <a:p>
+            <a:r>
+              <a:rPr lang="en-US" sz="2800" dirty="0">
+                <a:solidFill>
+                  <a:srgbClr val="FF0000"/>
+                </a:solidFill>
+              </a:rPr>
+              <a:t>Covenants</a:t>
+            </a:r>
+          </a:p>
+          <a:p>
+            <a:r>
+              <a:rPr lang="en-US" dirty="0">
+                <a:solidFill>
+                  <a:srgbClr val="FF0000"/>
+                </a:solidFill>
+              </a:rPr>
+              <a:t>Affirmative (positive) covenants</a:t>
+            </a:r>
+            <a:r>
+              <a:rPr lang="en-US" dirty="0"/>
+              <a:t>: what issuers are required to do.</a:t>
+            </a:r>
+          </a:p>
+          <a:p>
+            <a:r>
+              <a:rPr lang="en-US" dirty="0"/>
+              <a:t>Pari passu (equal footing)</a:t>
+            </a:r>
+          </a:p>
+          <a:p>
+            <a:r>
+              <a:rPr lang="en-US" dirty="0"/>
+              <a:t>Cross-default</a:t>
+            </a:r>
+          </a:p>
+          <a:p>
+            <a:endParaRPr lang="en-US" dirty="0"/>
+          </a:p>
+          <a:p>
+            <a:endParaRPr lang="en-US" dirty="0"/>
+          </a:p>
+          <a:p>
+            <a:endParaRPr lang="en-US" dirty="0"/>
+          </a:p>
+          <a:p>
+            <a:endParaRPr lang="en-US" dirty="0"/>
+          </a:p>
+        </p:txBody>
+      </p:sp>
+    </p:spTree>
+    <p:extLst>
+      <p:ext uri="{BB962C8B-B14F-4D97-AF65-F5344CB8AC3E}">
+        <p14:creationId xmlns:p14="http://schemas.microsoft.com/office/powerpoint/2010/main" val="3210391999"/>
+      </p:ext>
+    </p:extLst>
+  </p:cSld>
+  <p:clrMapOvr>
+    <a:masterClrMapping/>
+  </p:clrMapOvr>
+</p:sld>
+</file>
+
+<file path=ppt/slides/slide18.xml><?xml version="1.0" encoding="utf-8"?>
+<p:sld xmlns:a="http://schemas.openxmlformats.org/drawingml/2006/main" xmlns:r="http://schemas.openxmlformats.org/officeDocument/2006/relationships" xmlns:p="http://schemas.openxmlformats.org/presentationml/2006/main">
+  <p:cSld>
+    <p:spTree>
+      <p:nvGrpSpPr>
+        <p:cNvPr id="1" name=""/>
+        <p:cNvGrpSpPr/>
+        <p:nvPr/>
+      </p:nvGrpSpPr>
+      <p:grpSpPr>
+        <a:xfrm>
+          <a:off x="0" y="0"/>
+          <a:ext cx="0" cy="0"/>
+          <a:chOff x="0" y="0"/>
+          <a:chExt cx="0" cy="0"/>
+        </a:xfrm>
+      </p:grpSpPr>
+      <p:sp>
+        <p:nvSpPr>
+          <p:cNvPr id="2" name="Title 1">
+            <a:extLst>
+              <a:ext uri="{FF2B5EF4-FFF2-40B4-BE49-F238E27FC236}">
+                <a16:creationId xmlns:a16="http://schemas.microsoft.com/office/drawing/2014/main" id="{6D675ACD-8E5B-404B-94A2-11BBCE313CAF}"/>
+              </a:ext>
+            </a:extLst>
+          </p:cNvPr>
+          <p:cNvSpPr>
+            <a:spLocks noGrp="1"/>
+          </p:cNvSpPr>
+          <p:nvPr>
+            <p:ph type="title"/>
+          </p:nvPr>
+        </p:nvSpPr>
+        <p:spPr/>
+        <p:txBody>
+          <a:bodyPr>
+            <a:normAutofit/>
+          </a:bodyPr>
+          <a:lstStyle/>
+          <a:p>
+            <a:r>
+              <a:rPr lang="en-US" sz="3500" b="1" dirty="0"/>
+              <a:t>Module1</a:t>
+            </a:r>
+            <a:br>
+              <a:rPr lang="en-US" sz="3500" b="1" dirty="0"/>
+            </a:br>
+            <a:r>
+              <a:rPr lang="en-US" sz="3500" b="1" dirty="0"/>
+              <a:t>Fixed-Income Securities: </a:t>
+            </a:r>
+            <a:br>
+              <a:rPr lang="en-US" sz="3500" b="1" dirty="0"/>
+            </a:br>
+            <a:r>
+              <a:rPr lang="en-US" sz="3500" b="1" dirty="0"/>
+              <a:t>Defining Elements</a:t>
+            </a:r>
+            <a:endParaRPr lang="en-US" sz="3500" dirty="0"/>
+          </a:p>
+        </p:txBody>
+      </p:sp>
+      <p:sp>
+        <p:nvSpPr>
+          <p:cNvPr id="3" name="Content Placeholder 2">
+            <a:extLst>
+              <a:ext uri="{FF2B5EF4-FFF2-40B4-BE49-F238E27FC236}">
+                <a16:creationId xmlns:a16="http://schemas.microsoft.com/office/drawing/2014/main" id="{3A6A2977-D5B7-429E-B9C9-F8EF1110F311}"/>
+              </a:ext>
+            </a:extLst>
+          </p:cNvPr>
+          <p:cNvSpPr>
+            <a:spLocks noGrp="1"/>
+          </p:cNvSpPr>
+          <p:nvPr>
+            <p:ph idx="1"/>
+          </p:nvPr>
+        </p:nvSpPr>
+        <p:spPr/>
+        <p:txBody>
+          <a:bodyPr/>
+          <a:lstStyle/>
+          <a:p>
+            <a:r>
+              <a:rPr lang="en-US" sz="2800" dirty="0">
+                <a:solidFill>
+                  <a:srgbClr val="FF0000"/>
+                </a:solidFill>
+              </a:rPr>
+              <a:t>Negative covenants</a:t>
+            </a:r>
+            <a:r>
+              <a:rPr lang="en-US" sz="2800" dirty="0"/>
+              <a:t>: what issuers are prohibited from doing.</a:t>
+            </a:r>
+          </a:p>
+          <a:p>
+            <a:endParaRPr lang="en-US" dirty="0"/>
+          </a:p>
+        </p:txBody>
+      </p:sp>
+      <p:graphicFrame>
+        <p:nvGraphicFramePr>
+          <p:cNvPr id="4" name="Table 3">
+            <a:extLst>
+              <a:ext uri="{FF2B5EF4-FFF2-40B4-BE49-F238E27FC236}">
+                <a16:creationId xmlns:a16="http://schemas.microsoft.com/office/drawing/2014/main" id="{1FF393E3-10C1-4748-92E3-F67982667E82}"/>
+              </a:ext>
+            </a:extLst>
+          </p:cNvPr>
+          <p:cNvGraphicFramePr>
+            <a:graphicFrameLocks noGrp="1"/>
+          </p:cNvGraphicFramePr>
+          <p:nvPr>
+            <p:extLst>
+              <p:ext uri="{D42A27DB-BD31-4B8C-83A1-F6EECF244321}">
+                <p14:modId xmlns:p14="http://schemas.microsoft.com/office/powerpoint/2010/main" val="1494406468"/>
+              </p:ext>
+            </p:extLst>
+          </p:nvPr>
+        </p:nvGraphicFramePr>
+        <p:xfrm>
+          <a:off x="1161845" y="2852256"/>
+          <a:ext cx="8128000" cy="3108960"/>
+        </p:xfrm>
+        <a:graphic>
+          <a:graphicData uri="http://schemas.openxmlformats.org/drawingml/2006/table">
+            <a:tbl>
+              <a:tblPr firstRow="1" bandRow="1">
+                <a:tableStyleId>{5C22544A-7EE6-4342-B048-85BDC9FD1C3A}</a:tableStyleId>
+              </a:tblPr>
+              <a:tblGrid>
+                <a:gridCol w="8128000">
+                  <a:extLst>
+                    <a:ext uri="{9D8B030D-6E8A-4147-A177-3AD203B41FA5}">
+                      <a16:colId xmlns:a16="http://schemas.microsoft.com/office/drawing/2014/main" val="792888080"/>
+                    </a:ext>
+                  </a:extLst>
+                </a:gridCol>
+              </a:tblGrid>
+              <a:tr h="185420">
+                <a:tc>
+                  <a:txBody>
+                    <a:bodyPr/>
+                    <a:lstStyle/>
+                    <a:p>
+                      <a:r>
+                        <a:rPr lang="en-US" sz="2800" dirty="0"/>
+                        <a:t>Example of negative covenants</a:t>
+                      </a:r>
+                    </a:p>
+                  </a:txBody>
+                  <a:tcPr/>
+                </a:tc>
+                <a:extLst>
+                  <a:ext uri="{0D108BD9-81ED-4DB2-BD59-A6C34878D82A}">
+                    <a16:rowId xmlns:a16="http://schemas.microsoft.com/office/drawing/2014/main" val="745340264"/>
+                  </a:ext>
+                </a:extLst>
+              </a:tr>
+              <a:tr h="185420">
+                <a:tc>
+                  <a:txBody>
+                    <a:bodyPr/>
+                    <a:lstStyle/>
+                    <a:p>
+                      <a:pPr marL="0" marR="0" lvl="0" indent="0" algn="l" defTabSz="914400" rtl="0" eaLnBrk="1" fontAlgn="auto" latinLnBrk="0" hangingPunct="1">
+                        <a:lnSpc>
+                          <a:spcPct val="100000"/>
+                        </a:lnSpc>
+                        <a:spcBef>
+                          <a:spcPts val="0"/>
+                        </a:spcBef>
+                        <a:spcAft>
+                          <a:spcPts val="0"/>
+                        </a:spcAft>
+                        <a:buClrTx/>
+                        <a:buSzTx/>
+                        <a:buFontTx/>
+                        <a:buNone/>
+                        <a:tabLst/>
+                        <a:defRPr/>
+                      </a:pPr>
+                      <a:r>
+                        <a:rPr lang="en-US" dirty="0"/>
+                        <a:t>Restrictions on debt</a:t>
+                      </a:r>
+                    </a:p>
+                  </a:txBody>
+                  <a:tcPr/>
+                </a:tc>
+                <a:extLst>
+                  <a:ext uri="{0D108BD9-81ED-4DB2-BD59-A6C34878D82A}">
+                    <a16:rowId xmlns:a16="http://schemas.microsoft.com/office/drawing/2014/main" val="3722911141"/>
+                  </a:ext>
+                </a:extLst>
+              </a:tr>
+              <a:tr h="370840">
+                <a:tc>
+                  <a:txBody>
+                    <a:bodyPr/>
+                    <a:lstStyle/>
+                    <a:p>
+                      <a:r>
+                        <a:rPr lang="en-US" dirty="0"/>
+                        <a:t>Negative pledge</a:t>
+                      </a:r>
+                    </a:p>
+                  </a:txBody>
+                  <a:tcPr/>
+                </a:tc>
+                <a:extLst>
+                  <a:ext uri="{0D108BD9-81ED-4DB2-BD59-A6C34878D82A}">
+                    <a16:rowId xmlns:a16="http://schemas.microsoft.com/office/drawing/2014/main" val="514548522"/>
+                  </a:ext>
+                </a:extLst>
+              </a:tr>
+              <a:tr h="370840">
+                <a:tc>
+                  <a:txBody>
+                    <a:bodyPr/>
+                    <a:lstStyle/>
+                    <a:p>
+                      <a:r>
+                        <a:rPr lang="en-US" dirty="0"/>
+                        <a:t>Restriction on prior claims</a:t>
+                      </a:r>
+                    </a:p>
+                  </a:txBody>
+                  <a:tcPr/>
+                </a:tc>
+                <a:extLst>
+                  <a:ext uri="{0D108BD9-81ED-4DB2-BD59-A6C34878D82A}">
+                    <a16:rowId xmlns:a16="http://schemas.microsoft.com/office/drawing/2014/main" val="3686912825"/>
+                  </a:ext>
+                </a:extLst>
+              </a:tr>
+              <a:tr h="370840">
+                <a:tc>
+                  <a:txBody>
+                    <a:bodyPr/>
+                    <a:lstStyle/>
+                    <a:p>
+                      <a:r>
+                        <a:rPr lang="en-US" dirty="0"/>
+                        <a:t>Restrictions on distribution to shareholders</a:t>
+                      </a:r>
+                    </a:p>
+                  </a:txBody>
+                  <a:tcPr/>
+                </a:tc>
+                <a:extLst>
+                  <a:ext uri="{0D108BD9-81ED-4DB2-BD59-A6C34878D82A}">
+                    <a16:rowId xmlns:a16="http://schemas.microsoft.com/office/drawing/2014/main" val="1753898742"/>
+                  </a:ext>
+                </a:extLst>
+              </a:tr>
+              <a:tr h="370840">
+                <a:tc>
+                  <a:txBody>
+                    <a:bodyPr/>
+                    <a:lstStyle/>
+                    <a:p>
+                      <a:r>
+                        <a:rPr lang="en-US" dirty="0"/>
+                        <a:t>Restrictions on asset disposals</a:t>
+                      </a:r>
+                    </a:p>
+                  </a:txBody>
+                  <a:tcPr/>
+                </a:tc>
+                <a:extLst>
+                  <a:ext uri="{0D108BD9-81ED-4DB2-BD59-A6C34878D82A}">
+                    <a16:rowId xmlns:a16="http://schemas.microsoft.com/office/drawing/2014/main" val="2721636710"/>
+                  </a:ext>
+                </a:extLst>
+              </a:tr>
+              <a:tr h="370840">
+                <a:tc>
+                  <a:txBody>
+                    <a:bodyPr/>
+                    <a:lstStyle/>
+                    <a:p>
+                      <a:r>
+                        <a:rPr lang="en-US" dirty="0"/>
+                        <a:t>Restrictions on investments</a:t>
+                      </a:r>
+                    </a:p>
+                  </a:txBody>
+                  <a:tcPr/>
+                </a:tc>
+                <a:extLst>
+                  <a:ext uri="{0D108BD9-81ED-4DB2-BD59-A6C34878D82A}">
+                    <a16:rowId xmlns:a16="http://schemas.microsoft.com/office/drawing/2014/main" val="663907548"/>
+                  </a:ext>
+                </a:extLst>
+              </a:tr>
+              <a:tr h="370840">
+                <a:tc>
+                  <a:txBody>
+                    <a:bodyPr/>
+                    <a:lstStyle/>
+                    <a:p>
+                      <a:r>
+                        <a:rPr lang="en-US" dirty="0"/>
+                        <a:t>Restrictions on mergers and acquisitions</a:t>
+                      </a:r>
+                    </a:p>
+                  </a:txBody>
+                  <a:tcPr/>
+                </a:tc>
+                <a:extLst>
+                  <a:ext uri="{0D108BD9-81ED-4DB2-BD59-A6C34878D82A}">
+                    <a16:rowId xmlns:a16="http://schemas.microsoft.com/office/drawing/2014/main" val="1465414983"/>
+                  </a:ext>
+                </a:extLst>
+              </a:tr>
+            </a:tbl>
+          </a:graphicData>
+        </a:graphic>
+      </p:graphicFrame>
+    </p:spTree>
+    <p:extLst>
+      <p:ext uri="{BB962C8B-B14F-4D97-AF65-F5344CB8AC3E}">
+        <p14:creationId xmlns:p14="http://schemas.microsoft.com/office/powerpoint/2010/main" val="2606163509"/>
+      </p:ext>
+    </p:extLst>
+  </p:cSld>
+  <p:clrMapOvr>
+    <a:masterClrMapping/>
+  </p:clrMapOvr>
+</p:sld>
+</file>
+
+<file path=ppt/slides/slide19.xml><?xml version="1.0" encoding="utf-8"?>
+<p:sld xmlns:a="http://schemas.openxmlformats.org/drawingml/2006/main" xmlns:r="http://schemas.openxmlformats.org/officeDocument/2006/relationships" xmlns:p="http://schemas.openxmlformats.org/presentationml/2006/main">
+  <p:cSld>
+    <p:spTree>
+      <p:nvGrpSpPr>
+        <p:cNvPr id="1" name=""/>
+        <p:cNvGrpSpPr/>
+        <p:nvPr/>
+      </p:nvGrpSpPr>
+      <p:grpSpPr>
+        <a:xfrm>
+          <a:off x="0" y="0"/>
+          <a:ext cx="0" cy="0"/>
+          <a:chOff x="0" y="0"/>
+          <a:chExt cx="0" cy="0"/>
+        </a:xfrm>
+      </p:grpSpPr>
+      <p:sp>
+        <p:nvSpPr>
+          <p:cNvPr id="2" name="Title 1">
+            <a:extLst>
+              <a:ext uri="{FF2B5EF4-FFF2-40B4-BE49-F238E27FC236}">
+                <a16:creationId xmlns:a16="http://schemas.microsoft.com/office/drawing/2014/main" id="{A9FE413B-D88F-4FF1-A7B1-3D53904ABB05}"/>
+              </a:ext>
+            </a:extLst>
+          </p:cNvPr>
+          <p:cNvSpPr>
+            <a:spLocks noGrp="1"/>
+          </p:cNvSpPr>
+          <p:nvPr>
+            <p:ph type="title"/>
+          </p:nvPr>
+        </p:nvSpPr>
+        <p:spPr/>
+        <p:txBody>
+          <a:bodyPr/>
+          <a:lstStyle/>
+          <a:p>
+            <a:r>
+              <a:rPr lang="en-US" dirty="0"/>
+              <a:t>practices</a:t>
+            </a:r>
+          </a:p>
+        </p:txBody>
+      </p:sp>
+      <p:sp>
+        <p:nvSpPr>
+          <p:cNvPr id="3" name="Content Placeholder 2">
+            <a:extLst>
+              <a:ext uri="{FF2B5EF4-FFF2-40B4-BE49-F238E27FC236}">
+                <a16:creationId xmlns:a16="http://schemas.microsoft.com/office/drawing/2014/main" id="{0705823F-304D-4D73-AC97-A47FCB00D67E}"/>
+              </a:ext>
+            </a:extLst>
+          </p:cNvPr>
+          <p:cNvSpPr>
+            <a:spLocks noGrp="1"/>
+          </p:cNvSpPr>
+          <p:nvPr>
+            <p:ph idx="1"/>
+          </p:nvPr>
+        </p:nvSpPr>
+        <p:spPr/>
+        <p:txBody>
+          <a:bodyPr>
+            <a:normAutofit/>
+          </a:bodyPr>
+          <a:lstStyle/>
+          <a:p>
+            <a:pPr marL="0" indent="0">
+              <a:buNone/>
+            </a:pPr>
+            <a:r>
+              <a:rPr lang="en-US" dirty="0"/>
+              <a:t>1.The major advantage of issuing bonds through a special legal entity is:</a:t>
+            </a:r>
+          </a:p>
+          <a:p>
+            <a:pPr marL="342900" indent="-342900">
+              <a:lnSpc>
+                <a:spcPct val="100000"/>
+              </a:lnSpc>
+              <a:buFont typeface="+mj-lt"/>
+              <a:buAutoNum type="alphaUcPeriod"/>
+            </a:pPr>
+            <a:r>
+              <a:rPr lang="en-US" sz="1800" b="1" dirty="0">
+                <a:latin typeface="MyriadPro"/>
+              </a:rPr>
+              <a:t>bankruptcy remoteness.</a:t>
+            </a:r>
+          </a:p>
+          <a:p>
+            <a:pPr marL="342900" indent="-342900">
+              <a:lnSpc>
+                <a:spcPct val="100000"/>
+              </a:lnSpc>
+              <a:buFont typeface="+mj-lt"/>
+              <a:buAutoNum type="alphaUcPeriod"/>
+            </a:pPr>
+            <a:r>
+              <a:rPr lang="en-US" sz="1800" b="1" dirty="0">
+                <a:latin typeface="MyriadPro"/>
+              </a:rPr>
+              <a:t>beneficial tax treatments.</a:t>
+            </a:r>
+          </a:p>
+          <a:p>
+            <a:pPr marL="342900" indent="-342900">
+              <a:lnSpc>
+                <a:spcPct val="100000"/>
+              </a:lnSpc>
+              <a:buFont typeface="+mj-lt"/>
+              <a:buAutoNum type="alphaUcPeriod"/>
+            </a:pPr>
+            <a:r>
+              <a:rPr lang="en-US" sz="1800" b="1" dirty="0">
+                <a:latin typeface="MyriadPro"/>
+              </a:rPr>
+              <a:t>greater liquidity and lower issuing costs.</a:t>
+            </a:r>
+          </a:p>
+          <a:p>
+            <a:pPr marL="0" indent="0">
+              <a:buNone/>
+            </a:pPr>
+            <a:r>
+              <a:rPr lang="en-US" dirty="0"/>
+              <a:t>2.The category of bond most likely repaid from the repayment of previous loans made by the issuer is:</a:t>
+            </a:r>
+          </a:p>
+          <a:p>
+            <a:pPr marL="342900" indent="-342900">
+              <a:lnSpc>
+                <a:spcPct val="100000"/>
+              </a:lnSpc>
+              <a:buFont typeface="+mj-lt"/>
+              <a:buAutoNum type="alphaUcPeriod"/>
+            </a:pPr>
+            <a:r>
+              <a:rPr lang="en-US" sz="1800" b="1" dirty="0">
+                <a:latin typeface="MyriadPro"/>
+              </a:rPr>
+              <a:t>sovereign bonds.</a:t>
+            </a:r>
+          </a:p>
+          <a:p>
+            <a:pPr marL="342900" indent="-342900">
+              <a:lnSpc>
+                <a:spcPct val="100000"/>
+              </a:lnSpc>
+              <a:buFont typeface="+mj-lt"/>
+              <a:buAutoNum type="alphaUcPeriod"/>
+            </a:pPr>
+            <a:r>
+              <a:rPr lang="en-US" sz="1800" b="1" dirty="0">
+                <a:latin typeface="MyriadPro"/>
+              </a:rPr>
+              <a:t>supranational bonds.</a:t>
+            </a:r>
+          </a:p>
+          <a:p>
+            <a:pPr marL="342900" indent="-342900">
+              <a:lnSpc>
+                <a:spcPct val="100000"/>
+              </a:lnSpc>
+              <a:buFont typeface="+mj-lt"/>
+              <a:buAutoNum type="alphaUcPeriod"/>
+            </a:pPr>
+            <a:r>
+              <a:rPr lang="en-US" sz="1800" b="1" dirty="0">
+                <a:latin typeface="MyriadPro"/>
+              </a:rPr>
+              <a:t>non-sovereign bonds.</a:t>
+            </a:r>
+          </a:p>
+        </p:txBody>
+      </p:sp>
+    </p:spTree>
+    <p:extLst>
+      <p:ext uri="{BB962C8B-B14F-4D97-AF65-F5344CB8AC3E}">
+        <p14:creationId xmlns:p14="http://schemas.microsoft.com/office/powerpoint/2010/main" val="3088721466"/>
       </p:ext>
     </p:extLst>
   </p:cSld>
@@ -25999,6 +27517,204 @@
     <p:extLst>
       <p:ext uri="{BB962C8B-B14F-4D97-AF65-F5344CB8AC3E}">
         <p14:creationId xmlns:p14="http://schemas.microsoft.com/office/powerpoint/2010/main" val="1854919035"/>
+      </p:ext>
+    </p:extLst>
+  </p:cSld>
+  <p:clrMapOvr>
+    <a:masterClrMapping/>
+  </p:clrMapOvr>
+</p:sld>
+</file>
+
+<file path=ppt/slides/slide20.xml><?xml version="1.0" encoding="utf-8"?>
+<p:sld xmlns:a="http://schemas.openxmlformats.org/drawingml/2006/main" xmlns:r="http://schemas.openxmlformats.org/officeDocument/2006/relationships" xmlns:p="http://schemas.openxmlformats.org/presentationml/2006/main">
+  <p:cSld>
+    <p:spTree>
+      <p:nvGrpSpPr>
+        <p:cNvPr id="1" name=""/>
+        <p:cNvGrpSpPr/>
+        <p:nvPr/>
+      </p:nvGrpSpPr>
+      <p:grpSpPr>
+        <a:xfrm>
+          <a:off x="0" y="0"/>
+          <a:ext cx="0" cy="0"/>
+          <a:chOff x="0" y="0"/>
+          <a:chExt cx="0" cy="0"/>
+        </a:xfrm>
+      </p:grpSpPr>
+      <p:sp>
+        <p:nvSpPr>
+          <p:cNvPr id="2" name="Title 1">
+            <a:extLst>
+              <a:ext uri="{FF2B5EF4-FFF2-40B4-BE49-F238E27FC236}">
+                <a16:creationId xmlns:a16="http://schemas.microsoft.com/office/drawing/2014/main" id="{6C95B49D-9C90-49AE-82C2-35262EF0146F}"/>
+              </a:ext>
+            </a:extLst>
+          </p:cNvPr>
+          <p:cNvSpPr>
+            <a:spLocks noGrp="1"/>
+          </p:cNvSpPr>
+          <p:nvPr>
+            <p:ph type="title"/>
+          </p:nvPr>
+        </p:nvSpPr>
+        <p:spPr/>
+        <p:txBody>
+          <a:bodyPr/>
+          <a:lstStyle/>
+          <a:p>
+            <a:r>
+              <a:rPr lang="en-US" dirty="0"/>
+              <a:t>practices</a:t>
+            </a:r>
+          </a:p>
+        </p:txBody>
+      </p:sp>
+      <p:sp>
+        <p:nvSpPr>
+          <p:cNvPr id="3" name="Content Placeholder 2">
+            <a:extLst>
+              <a:ext uri="{FF2B5EF4-FFF2-40B4-BE49-F238E27FC236}">
+                <a16:creationId xmlns:a16="http://schemas.microsoft.com/office/drawing/2014/main" id="{F3780695-E7DE-4F0E-AE00-8AB0DD8E1014}"/>
+              </a:ext>
+            </a:extLst>
+          </p:cNvPr>
+          <p:cNvSpPr>
+            <a:spLocks noGrp="1"/>
+          </p:cNvSpPr>
+          <p:nvPr>
+            <p:ph idx="1"/>
+          </p:nvPr>
+        </p:nvSpPr>
+        <p:spPr/>
+        <p:txBody>
+          <a:bodyPr>
+            <a:normAutofit/>
+          </a:bodyPr>
+          <a:lstStyle/>
+          <a:p>
+            <a:pPr marL="0" indent="0">
+              <a:buNone/>
+            </a:pPr>
+            <a:r>
+              <a:rPr lang="en-US" dirty="0"/>
+              <a:t>3. The external credit enhancement that has the </a:t>
+            </a:r>
+            <a:r>
+              <a:rPr lang="en-US" i="1" dirty="0"/>
+              <a:t>least </a:t>
+            </a:r>
+            <a:r>
+              <a:rPr lang="en-US" dirty="0"/>
+              <a:t>amount of third-party risk is a:</a:t>
+            </a:r>
+          </a:p>
+          <a:p>
+            <a:pPr marL="342900" indent="-342900">
+              <a:lnSpc>
+                <a:spcPct val="100000"/>
+              </a:lnSpc>
+              <a:buFont typeface="+mj-lt"/>
+              <a:buAutoNum type="alphaUcPeriod"/>
+            </a:pPr>
+            <a:r>
+              <a:rPr lang="en-US" sz="1800" b="1" dirty="0">
+                <a:latin typeface="MyriadPro"/>
+              </a:rPr>
+              <a:t>surety bond.</a:t>
+            </a:r>
+          </a:p>
+          <a:p>
+            <a:pPr marL="342900" indent="-342900">
+              <a:lnSpc>
+                <a:spcPct val="100000"/>
+              </a:lnSpc>
+              <a:buFont typeface="+mj-lt"/>
+              <a:buAutoNum type="alphaUcPeriod"/>
+            </a:pPr>
+            <a:r>
+              <a:rPr lang="en-US" sz="1800" b="1" dirty="0">
+                <a:latin typeface="MyriadPro"/>
+              </a:rPr>
+              <a:t>letter of credit.</a:t>
+            </a:r>
+          </a:p>
+          <a:p>
+            <a:pPr marL="342900" indent="-342900">
+              <a:lnSpc>
+                <a:spcPct val="100000"/>
+              </a:lnSpc>
+              <a:buFont typeface="+mj-lt"/>
+              <a:buAutoNum type="alphaUcPeriod"/>
+            </a:pPr>
+            <a:r>
+              <a:rPr lang="en-US" sz="1800" b="1" dirty="0">
+                <a:latin typeface="MyriadPro"/>
+              </a:rPr>
+              <a:t>cash collateral account.</a:t>
+            </a:r>
+          </a:p>
+          <a:p>
+            <a:pPr marL="0" indent="0">
+              <a:buNone/>
+            </a:pPr>
+            <a:r>
+              <a:rPr lang="en-US" dirty="0"/>
+              <a:t>4.An example of a covenant that protects bondholders against the dilution of their claims is a restriction on:</a:t>
+            </a:r>
+          </a:p>
+          <a:p>
+            <a:pPr marL="342900" indent="-342900">
+              <a:lnSpc>
+                <a:spcPct val="100000"/>
+              </a:lnSpc>
+              <a:buFont typeface="+mj-lt"/>
+              <a:buAutoNum type="alphaUcPeriod"/>
+            </a:pPr>
+            <a:r>
+              <a:rPr lang="en-US" sz="1800" b="1" dirty="0">
+                <a:latin typeface="MyriadPro"/>
+              </a:rPr>
+              <a:t> debt.</a:t>
+            </a:r>
+          </a:p>
+          <a:p>
+            <a:pPr marL="342900" indent="-342900">
+              <a:lnSpc>
+                <a:spcPct val="100000"/>
+              </a:lnSpc>
+              <a:buFont typeface="+mj-lt"/>
+              <a:buAutoNum type="alphaUcPeriod"/>
+            </a:pPr>
+            <a:r>
+              <a:rPr lang="en-US" sz="1800" b="1" dirty="0">
+                <a:latin typeface="MyriadPro"/>
+              </a:rPr>
+              <a:t>investments.</a:t>
+            </a:r>
+          </a:p>
+          <a:p>
+            <a:pPr marL="342900" indent="-342900">
+              <a:lnSpc>
+                <a:spcPct val="100000"/>
+              </a:lnSpc>
+              <a:buFont typeface="+mj-lt"/>
+              <a:buAutoNum type="alphaUcPeriod"/>
+            </a:pPr>
+            <a:r>
+              <a:rPr lang="en-US" sz="1800" b="1" dirty="0">
+                <a:latin typeface="MyriadPro"/>
+              </a:rPr>
+              <a:t>mergers and acquisitions.</a:t>
+            </a:r>
+          </a:p>
+        </p:txBody>
+      </p:sp>
+    </p:spTree>
+    <p:extLst>
+      <p:ext uri="{BB962C8B-B14F-4D97-AF65-F5344CB8AC3E}">
+        <p14:creationId xmlns:p14="http://schemas.microsoft.com/office/powerpoint/2010/main" val="3870843427"/>
       </p:ext>
     </p:extLst>
   </p:cSld>

--- a/Fixed Income.pptx
+++ b/Fixed Income.pptx
@@ -3997,7 +3997,7 @@
           <a:p>
             <a:fld id="{9ADA5B36-BD01-47CD-B491-940693B77A9A}" type="datetimeFigureOut">
               <a:rPr lang="en-US" smtClean="0"/>
-              <a:t>10/11/2022</a:t>
+              <a:t>10/13/2022</a:t>
             </a:fld>
             <a:endParaRPr lang="en-US"/>
           </a:p>
@@ -4516,6 +4516,90 @@
 </p:notes>
 </file>
 
+<file path=ppt/notesSlides/notesSlide4.xml><?xml version="1.0" encoding="utf-8"?>
+<p:notes xmlns:a="http://schemas.openxmlformats.org/drawingml/2006/main" xmlns:r="http://schemas.openxmlformats.org/officeDocument/2006/relationships" xmlns:p="http://schemas.openxmlformats.org/presentationml/2006/main">
+  <p:cSld>
+    <p:spTree>
+      <p:nvGrpSpPr>
+        <p:cNvPr id="1" name=""/>
+        <p:cNvGrpSpPr/>
+        <p:nvPr/>
+      </p:nvGrpSpPr>
+      <p:grpSpPr>
+        <a:xfrm>
+          <a:off x="0" y="0"/>
+          <a:ext cx="0" cy="0"/>
+          <a:chOff x="0" y="0"/>
+          <a:chExt cx="0" cy="0"/>
+        </a:xfrm>
+      </p:grpSpPr>
+      <p:sp>
+        <p:nvSpPr>
+          <p:cNvPr id="2" name="Slide Image Placeholder 1"/>
+          <p:cNvSpPr>
+            <a:spLocks noGrp="1" noRot="1" noChangeAspect="1"/>
+          </p:cNvSpPr>
+          <p:nvPr>
+            <p:ph type="sldImg"/>
+          </p:nvPr>
+        </p:nvSpPr>
+        <p:spPr/>
+      </p:sp>
+      <p:sp>
+        <p:nvSpPr>
+          <p:cNvPr id="3" name="Notes Placeholder 2"/>
+          <p:cNvSpPr>
+            <a:spLocks noGrp="1"/>
+          </p:cNvSpPr>
+          <p:nvPr>
+            <p:ph type="body" idx="1"/>
+          </p:nvPr>
+        </p:nvSpPr>
+        <p:spPr/>
+        <p:txBody>
+          <a:bodyPr/>
+          <a:lstStyle/>
+          <a:p>
+            <a:endParaRPr lang="en-US" dirty="0"/>
+          </a:p>
+        </p:txBody>
+      </p:sp>
+      <p:sp>
+        <p:nvSpPr>
+          <p:cNvPr id="4" name="Slide Number Placeholder 3"/>
+          <p:cNvSpPr>
+            <a:spLocks noGrp="1"/>
+          </p:cNvSpPr>
+          <p:nvPr>
+            <p:ph type="sldNum" sz="quarter" idx="5"/>
+          </p:nvPr>
+        </p:nvSpPr>
+        <p:spPr/>
+        <p:txBody>
+          <a:bodyPr/>
+          <a:lstStyle/>
+          <a:p>
+            <a:fld id="{E3B866C1-D4D8-42C4-BACA-D1CCAC4472DF}" type="slidenum">
+              <a:rPr lang="en-US" smtClean="0"/>
+              <a:t>17</a:t>
+            </a:fld>
+            <a:endParaRPr lang="en-US"/>
+          </a:p>
+        </p:txBody>
+      </p:sp>
+    </p:spTree>
+    <p:extLst>
+      <p:ext uri="{BB962C8B-B14F-4D97-AF65-F5344CB8AC3E}">
+        <p14:creationId xmlns:p14="http://schemas.microsoft.com/office/powerpoint/2010/main" val="3187305983"/>
+      </p:ext>
+    </p:extLst>
+  </p:cSld>
+  <p:clrMapOvr>
+    <a:masterClrMapping/>
+  </p:clrMapOvr>
+</p:notes>
+</file>
+
 <file path=ppt/slideLayouts/slideLayout1.xml><?xml version="1.0" encoding="utf-8"?>
 <p:sldLayout xmlns:a="http://schemas.openxmlformats.org/drawingml/2006/main" xmlns:r="http://schemas.openxmlformats.org/officeDocument/2006/relationships" xmlns:p="http://schemas.openxmlformats.org/presentationml/2006/main" showMasterSp="0" type="title" preserve="1">
   <p:cSld name="Title Slide">
@@ -13309,7 +13393,7 @@
           <a:p>
             <a:fld id="{3CB14515-8DA5-4B82-96E7-E758FF8ACA06}" type="datetimeFigureOut">
               <a:rPr lang="en-US" smtClean="0"/>
-              <a:t>10/11/2022</a:t>
+              <a:t>10/13/2022</a:t>
             </a:fld>
             <a:endParaRPr lang="en-US"/>
           </a:p>
@@ -13516,7 +13600,7 @@
           <a:p>
             <a:fld id="{3CB14515-8DA5-4B82-96E7-E758FF8ACA06}" type="datetimeFigureOut">
               <a:rPr lang="en-US" smtClean="0"/>
-              <a:t>10/11/2022</a:t>
+              <a:t>10/13/2022</a:t>
             </a:fld>
             <a:endParaRPr lang="en-US"/>
           </a:p>
@@ -13696,7 +13780,7 @@
           <a:p>
             <a:fld id="{3CB14515-8DA5-4B82-96E7-E758FF8ACA06}" type="datetimeFigureOut">
               <a:rPr lang="en-US" smtClean="0"/>
-              <a:t>10/11/2022</a:t>
+              <a:t>10/13/2022</a:t>
             </a:fld>
             <a:endParaRPr lang="en-US"/>
           </a:p>
@@ -13901,7 +13985,7 @@
           <a:p>
             <a:fld id="{3CB14515-8DA5-4B82-96E7-E758FF8ACA06}" type="datetimeFigureOut">
               <a:rPr lang="en-US" smtClean="0"/>
-              <a:t>10/11/2022</a:t>
+              <a:t>10/13/2022</a:t>
             </a:fld>
             <a:endParaRPr lang="en-US"/>
           </a:p>
@@ -22799,7 +22883,7 @@
           <a:p>
             <a:fld id="{3CB14515-8DA5-4B82-96E7-E758FF8ACA06}" type="datetimeFigureOut">
               <a:rPr lang="en-US" smtClean="0"/>
-              <a:t>10/11/2022</a:t>
+              <a:t>10/13/2022</a:t>
             </a:fld>
             <a:endParaRPr lang="en-US"/>
           </a:p>
@@ -23073,7 +23157,7 @@
           <a:p>
             <a:fld id="{3CB14515-8DA5-4B82-96E7-E758FF8ACA06}" type="datetimeFigureOut">
               <a:rPr lang="en-US" smtClean="0"/>
-              <a:t>10/11/2022</a:t>
+              <a:t>10/13/2022</a:t>
             </a:fld>
             <a:endParaRPr lang="en-US"/>
           </a:p>
@@ -23471,7 +23555,7 @@
           <a:p>
             <a:fld id="{3CB14515-8DA5-4B82-96E7-E758FF8ACA06}" type="datetimeFigureOut">
               <a:rPr lang="en-US" smtClean="0"/>
-              <a:t>10/11/2022</a:t>
+              <a:t>10/13/2022</a:t>
             </a:fld>
             <a:endParaRPr lang="en-US"/>
           </a:p>
@@ -23589,7 +23673,7 @@
           <a:p>
             <a:fld id="{3CB14515-8DA5-4B82-96E7-E758FF8ACA06}" type="datetimeFigureOut">
               <a:rPr lang="en-US" smtClean="0"/>
-              <a:t>10/11/2022</a:t>
+              <a:t>10/13/2022</a:t>
             </a:fld>
             <a:endParaRPr lang="en-US"/>
           </a:p>
@@ -23684,7 +23768,7 @@
           <a:p>
             <a:fld id="{3CB14515-8DA5-4B82-96E7-E758FF8ACA06}" type="datetimeFigureOut">
               <a:rPr lang="en-US" smtClean="0"/>
-              <a:t>10/11/2022</a:t>
+              <a:t>10/13/2022</a:t>
             </a:fld>
             <a:endParaRPr lang="en-US"/>
           </a:p>
@@ -23974,7 +24058,7 @@
           <a:p>
             <a:fld id="{3CB14515-8DA5-4B82-96E7-E758FF8ACA06}" type="datetimeFigureOut">
               <a:rPr lang="en-US" smtClean="0"/>
-              <a:t>10/11/2022</a:t>
+              <a:t>10/13/2022</a:t>
             </a:fld>
             <a:endParaRPr lang="en-US"/>
           </a:p>
@@ -24254,7 +24338,7 @@
           <a:p>
             <a:fld id="{3CB14515-8DA5-4B82-96E7-E758FF8ACA06}" type="datetimeFigureOut">
               <a:rPr lang="en-US" smtClean="0"/>
-              <a:t>10/11/2022</a:t>
+              <a:t>10/13/2022</a:t>
             </a:fld>
             <a:endParaRPr lang="en-US"/>
           </a:p>
@@ -24504,7 +24588,7 @@
           <a:p>
             <a:fld id="{3CB14515-8DA5-4B82-96E7-E758FF8ACA06}" type="datetimeFigureOut">
               <a:rPr lang="en-US" smtClean="0"/>
-              <a:t>10/11/2022</a:t>
+              <a:t>10/13/2022</a:t>
             </a:fld>
             <a:endParaRPr lang="en-US"/>
           </a:p>
@@ -26394,7 +26478,7 @@
             <a:pPr lvl="2"/>
             <a:r>
               <a:rPr lang="en-US" sz="2000" dirty="0"/>
-              <a:t>Reserve accounts/reserve funds</a:t>
+              <a:t>Reserve accounts(cash reserve fund/excess spread account)</a:t>
             </a:r>
           </a:p>
           <a:p>
@@ -26551,7 +26635,7 @@
           </a:p>
           <a:p>
             <a:r>
-              <a:rPr lang="en-US" dirty="0">
+              <a:rPr lang="en-US" sz="2800" dirty="0">
                 <a:solidFill>
                   <a:srgbClr val="FF0000"/>
                 </a:solidFill>
@@ -26559,20 +26643,8 @@
               <a:t>Affirmative (positive) covenants</a:t>
             </a:r>
             <a:r>
-              <a:rPr lang="en-US" dirty="0"/>
+              <a:rPr lang="en-US" sz="2800" dirty="0"/>
               <a:t>: what issuers are required to do.</a:t>
-            </a:r>
-          </a:p>
-          <a:p>
-            <a:r>
-              <a:rPr lang="en-US" dirty="0"/>
-              <a:t>Pari passu (equal footing)</a:t>
-            </a:r>
-          </a:p>
-          <a:p>
-            <a:r>
-              <a:rPr lang="en-US" dirty="0"/>
-              <a:t>Cross-default</a:t>
             </a:r>
           </a:p>
           <a:p>
@@ -26589,6 +26661,194 @@
           </a:p>
         </p:txBody>
       </p:sp>
+      <p:graphicFrame>
+        <p:nvGraphicFramePr>
+          <p:cNvPr id="4" name="Table 3">
+            <a:extLst>
+              <a:ext uri="{FF2B5EF4-FFF2-40B4-BE49-F238E27FC236}">
+                <a16:creationId xmlns:a16="http://schemas.microsoft.com/office/drawing/2014/main" id="{A49CD7DE-CF34-47AC-992A-0858A410D58F}"/>
+              </a:ext>
+            </a:extLst>
+          </p:cNvPr>
+          <p:cNvGraphicFramePr>
+            <a:graphicFrameLocks noGrp="1"/>
+          </p:cNvGraphicFramePr>
+          <p:nvPr>
+            <p:extLst>
+              <p:ext uri="{D42A27DB-BD31-4B8C-83A1-F6EECF244321}">
+                <p14:modId xmlns:p14="http://schemas.microsoft.com/office/powerpoint/2010/main" val="4294289038"/>
+              </p:ext>
+            </p:extLst>
+          </p:nvPr>
+        </p:nvGraphicFramePr>
+        <p:xfrm>
+          <a:off x="1171610" y="3429000"/>
+          <a:ext cx="8842543" cy="2843784"/>
+        </p:xfrm>
+        <a:graphic>
+          <a:graphicData uri="http://schemas.openxmlformats.org/drawingml/2006/table">
+            <a:tbl>
+              <a:tblPr firstRow="1" bandRow="1">
+                <a:tableStyleId>{5C22544A-7EE6-4342-B048-85BDC9FD1C3A}</a:tableStyleId>
+              </a:tblPr>
+              <a:tblGrid>
+                <a:gridCol w="8842543">
+                  <a:extLst>
+                    <a:ext uri="{9D8B030D-6E8A-4147-A177-3AD203B41FA5}">
+                      <a16:colId xmlns:a16="http://schemas.microsoft.com/office/drawing/2014/main" val="1853415585"/>
+                    </a:ext>
+                  </a:extLst>
+                </a:gridCol>
+              </a:tblGrid>
+              <a:tr h="473964">
+                <a:tc>
+                  <a:txBody>
+                    <a:bodyPr/>
+                    <a:lstStyle/>
+                    <a:p>
+                      <a:pPr marL="0" marR="0" lvl="0" indent="0" algn="l" defTabSz="914400" rtl="0" eaLnBrk="1" fontAlgn="auto" latinLnBrk="0" hangingPunct="1">
+                        <a:lnSpc>
+                          <a:spcPct val="100000"/>
+                        </a:lnSpc>
+                        <a:spcBef>
+                          <a:spcPts val="0"/>
+                        </a:spcBef>
+                        <a:spcAft>
+                          <a:spcPts val="0"/>
+                        </a:spcAft>
+                        <a:buClrTx/>
+                        <a:buSzTx/>
+                        <a:buFontTx/>
+                        <a:buNone/>
+                        <a:tabLst/>
+                        <a:defRPr/>
+                      </a:pPr>
+                      <a:r>
+                        <a:rPr lang="en-US" sz="1800" dirty="0"/>
+                        <a:t>Example of affirmative covenants</a:t>
+                      </a:r>
+                    </a:p>
+                  </a:txBody>
+                  <a:tcPr/>
+                </a:tc>
+                <a:extLst>
+                  <a:ext uri="{0D108BD9-81ED-4DB2-BD59-A6C34878D82A}">
+                    <a16:rowId xmlns:a16="http://schemas.microsoft.com/office/drawing/2014/main" val="3651774412"/>
+                  </a:ext>
+                </a:extLst>
+              </a:tr>
+              <a:tr h="473964">
+                <a:tc>
+                  <a:txBody>
+                    <a:bodyPr/>
+                    <a:lstStyle/>
+                    <a:p>
+                      <a:r>
+                        <a:rPr lang="en-US" dirty="0"/>
+                        <a:t>The promise of making the contractual payments</a:t>
+                      </a:r>
+                    </a:p>
+                  </a:txBody>
+                  <a:tcPr/>
+                </a:tc>
+                <a:extLst>
+                  <a:ext uri="{0D108BD9-81ED-4DB2-BD59-A6C34878D82A}">
+                    <a16:rowId xmlns:a16="http://schemas.microsoft.com/office/drawing/2014/main" val="592276633"/>
+                  </a:ext>
+                </a:extLst>
+              </a:tr>
+              <a:tr h="473964">
+                <a:tc>
+                  <a:txBody>
+                    <a:bodyPr/>
+                    <a:lstStyle/>
+                    <a:p>
+                      <a:r>
+                        <a:rPr lang="en-US" dirty="0"/>
+                        <a:t>Comply with all laws and regulation/maintain its current lines of business</a:t>
+                      </a:r>
+                    </a:p>
+                  </a:txBody>
+                  <a:tcPr/>
+                </a:tc>
+                <a:extLst>
+                  <a:ext uri="{0D108BD9-81ED-4DB2-BD59-A6C34878D82A}">
+                    <a16:rowId xmlns:a16="http://schemas.microsoft.com/office/drawing/2014/main" val="1956417011"/>
+                  </a:ext>
+                </a:extLst>
+              </a:tr>
+              <a:tr h="473964">
+                <a:tc>
+                  <a:txBody>
+                    <a:bodyPr/>
+                    <a:lstStyle/>
+                    <a:p>
+                      <a:r>
+                        <a:rPr lang="en-US" dirty="0"/>
+                        <a:t>Insure and maintain its assets/pay taxes as they come due</a:t>
+                      </a:r>
+                    </a:p>
+                  </a:txBody>
+                  <a:tcPr/>
+                </a:tc>
+                <a:extLst>
+                  <a:ext uri="{0D108BD9-81ED-4DB2-BD59-A6C34878D82A}">
+                    <a16:rowId xmlns:a16="http://schemas.microsoft.com/office/drawing/2014/main" val="3611796361"/>
+                  </a:ext>
+                </a:extLst>
+              </a:tr>
+              <a:tr h="473964">
+                <a:tc>
+                  <a:txBody>
+                    <a:bodyPr/>
+                    <a:lstStyle/>
+                    <a:p>
+                      <a:r>
+                        <a:rPr lang="en-US" dirty="0">
+                          <a:solidFill>
+                            <a:srgbClr val="FF0000"/>
+                          </a:solidFill>
+                        </a:rPr>
+                        <a:t>Pari passu</a:t>
+                      </a:r>
+                    </a:p>
+                  </a:txBody>
+                  <a:tcPr/>
+                </a:tc>
+                <a:extLst>
+                  <a:ext uri="{0D108BD9-81ED-4DB2-BD59-A6C34878D82A}">
+                    <a16:rowId xmlns:a16="http://schemas.microsoft.com/office/drawing/2014/main" val="3384966953"/>
+                  </a:ext>
+                </a:extLst>
+              </a:tr>
+              <a:tr h="473964">
+                <a:tc>
+                  <a:txBody>
+                    <a:bodyPr/>
+                    <a:lstStyle/>
+                    <a:p>
+                      <a:r>
+                        <a:rPr lang="en-US" dirty="0">
+                          <a:solidFill>
+                            <a:srgbClr val="FF0000"/>
+                          </a:solidFill>
+                        </a:rPr>
+                        <a:t>Cross-default</a:t>
+                      </a:r>
+                    </a:p>
+                  </a:txBody>
+                  <a:tcPr/>
+                </a:tc>
+                <a:extLst>
+                  <a:ext uri="{0D108BD9-81ED-4DB2-BD59-A6C34878D82A}">
+                    <a16:rowId xmlns:a16="http://schemas.microsoft.com/office/drawing/2014/main" val="1473585591"/>
+                  </a:ext>
+                </a:extLst>
+              </a:tr>
+            </a:tbl>
+          </a:graphicData>
+        </a:graphic>
+      </p:graphicFrame>
     </p:spTree>
     <p:extLst>
       <p:ext uri="{BB962C8B-B14F-4D97-AF65-F5344CB8AC3E}">

--- a/Fixed Income.pptx
+++ b/Fixed Income.pptx
@@ -5,7 +5,7 @@
     <p:sldMasterId id="2147483660" r:id="rId1"/>
   </p:sldMasterIdLst>
   <p:notesMasterIdLst>
-    <p:notesMasterId r:id="rId22"/>
+    <p:notesMasterId r:id="rId23"/>
   </p:notesMasterIdLst>
   <p:sldIdLst>
     <p:sldId id="265" r:id="rId2"/>
@@ -26,8 +26,9 @@
     <p:sldId id="274" r:id="rId17"/>
     <p:sldId id="275" r:id="rId18"/>
     <p:sldId id="276" r:id="rId19"/>
-    <p:sldId id="277" r:id="rId20"/>
-    <p:sldId id="278" r:id="rId21"/>
+    <p:sldId id="279" r:id="rId20"/>
+    <p:sldId id="277" r:id="rId21"/>
+    <p:sldId id="278" r:id="rId22"/>
   </p:sldIdLst>
   <p:sldSz cx="12192000" cy="6858000"/>
   <p:notesSz cx="6858000" cy="9144000"/>
@@ -3997,7 +3998,7 @@
           <a:p>
             <a:fld id="{9ADA5B36-BD01-47CD-B491-940693B77A9A}" type="datetimeFigureOut">
               <a:rPr lang="en-US" smtClean="0"/>
-              <a:t>10/13/2022</a:t>
+              <a:t>10/14/2022</a:t>
             </a:fld>
             <a:endParaRPr lang="en-US"/>
           </a:p>
@@ -13393,7 +13394,7 @@
           <a:p>
             <a:fld id="{3CB14515-8DA5-4B82-96E7-E758FF8ACA06}" type="datetimeFigureOut">
               <a:rPr lang="en-US" smtClean="0"/>
-              <a:t>10/13/2022</a:t>
+              <a:t>10/14/2022</a:t>
             </a:fld>
             <a:endParaRPr lang="en-US"/>
           </a:p>
@@ -13600,7 +13601,7 @@
           <a:p>
             <a:fld id="{3CB14515-8DA5-4B82-96E7-E758FF8ACA06}" type="datetimeFigureOut">
               <a:rPr lang="en-US" smtClean="0"/>
-              <a:t>10/13/2022</a:t>
+              <a:t>10/14/2022</a:t>
             </a:fld>
             <a:endParaRPr lang="en-US"/>
           </a:p>
@@ -13780,7 +13781,7 @@
           <a:p>
             <a:fld id="{3CB14515-8DA5-4B82-96E7-E758FF8ACA06}" type="datetimeFigureOut">
               <a:rPr lang="en-US" smtClean="0"/>
-              <a:t>10/13/2022</a:t>
+              <a:t>10/14/2022</a:t>
             </a:fld>
             <a:endParaRPr lang="en-US"/>
           </a:p>
@@ -13985,7 +13986,7 @@
           <a:p>
             <a:fld id="{3CB14515-8DA5-4B82-96E7-E758FF8ACA06}" type="datetimeFigureOut">
               <a:rPr lang="en-US" smtClean="0"/>
-              <a:t>10/13/2022</a:t>
+              <a:t>10/14/2022</a:t>
             </a:fld>
             <a:endParaRPr lang="en-US"/>
           </a:p>
@@ -22883,7 +22884,7 @@
           <a:p>
             <a:fld id="{3CB14515-8DA5-4B82-96E7-E758FF8ACA06}" type="datetimeFigureOut">
               <a:rPr lang="en-US" smtClean="0"/>
-              <a:t>10/13/2022</a:t>
+              <a:t>10/14/2022</a:t>
             </a:fld>
             <a:endParaRPr lang="en-US"/>
           </a:p>
@@ -23157,7 +23158,7 @@
           <a:p>
             <a:fld id="{3CB14515-8DA5-4B82-96E7-E758FF8ACA06}" type="datetimeFigureOut">
               <a:rPr lang="en-US" smtClean="0"/>
-              <a:t>10/13/2022</a:t>
+              <a:t>10/14/2022</a:t>
             </a:fld>
             <a:endParaRPr lang="en-US"/>
           </a:p>
@@ -23555,7 +23556,7 @@
           <a:p>
             <a:fld id="{3CB14515-8DA5-4B82-96E7-E758FF8ACA06}" type="datetimeFigureOut">
               <a:rPr lang="en-US" smtClean="0"/>
-              <a:t>10/13/2022</a:t>
+              <a:t>10/14/2022</a:t>
             </a:fld>
             <a:endParaRPr lang="en-US"/>
           </a:p>
@@ -23673,7 +23674,7 @@
           <a:p>
             <a:fld id="{3CB14515-8DA5-4B82-96E7-E758FF8ACA06}" type="datetimeFigureOut">
               <a:rPr lang="en-US" smtClean="0"/>
-              <a:t>10/13/2022</a:t>
+              <a:t>10/14/2022</a:t>
             </a:fld>
             <a:endParaRPr lang="en-US"/>
           </a:p>
@@ -23768,7 +23769,7 @@
           <a:p>
             <a:fld id="{3CB14515-8DA5-4B82-96E7-E758FF8ACA06}" type="datetimeFigureOut">
               <a:rPr lang="en-US" smtClean="0"/>
-              <a:t>10/13/2022</a:t>
+              <a:t>10/14/2022</a:t>
             </a:fld>
             <a:endParaRPr lang="en-US"/>
           </a:p>
@@ -24058,7 +24059,7 @@
           <a:p>
             <a:fld id="{3CB14515-8DA5-4B82-96E7-E758FF8ACA06}" type="datetimeFigureOut">
               <a:rPr lang="en-US" smtClean="0"/>
-              <a:t>10/13/2022</a:t>
+              <a:t>10/14/2022</a:t>
             </a:fld>
             <a:endParaRPr lang="en-US"/>
           </a:p>
@@ -24338,7 +24339,7 @@
           <a:p>
             <a:fld id="{3CB14515-8DA5-4B82-96E7-E758FF8ACA06}" type="datetimeFigureOut">
               <a:rPr lang="en-US" smtClean="0"/>
-              <a:t>10/13/2022</a:t>
+              <a:t>10/14/2022</a:t>
             </a:fld>
             <a:endParaRPr lang="en-US"/>
           </a:p>
@@ -24588,7 +24589,7 @@
           <a:p>
             <a:fld id="{3CB14515-8DA5-4B82-96E7-E758FF8ACA06}" type="datetimeFigureOut">
               <a:rPr lang="en-US" smtClean="0"/>
-              <a:t>10/13/2022</a:t>
+              <a:t>10/14/2022</a:t>
             </a:fld>
             <a:endParaRPr lang="en-US"/>
           </a:p>
@@ -25624,7 +25625,7 @@
           <a:lstStyle/>
           <a:p>
             <a:r>
-              <a:rPr lang="en-US" altLang="zh-CN" sz="3600" dirty="0">
+              <a:rPr lang="en-US" altLang="zh-CN" sz="4000" dirty="0">
                 <a:solidFill>
                   <a:srgbClr val="FF0000"/>
                 </a:solidFill>
@@ -26267,19 +26268,19 @@
           </a:p>
           <a:p>
             <a:r>
-              <a:rPr lang="en-US" sz="2000" dirty="0"/>
+              <a:rPr lang="en-US" dirty="0"/>
               <a:t>Secured bond/unsecured bond</a:t>
             </a:r>
           </a:p>
           <a:p>
             <a:r>
-              <a:rPr lang="en-US" sz="2000" dirty="0"/>
+              <a:rPr lang="en-US" dirty="0"/>
               <a:t>Senior debt/subordinated debt/junior debt</a:t>
             </a:r>
           </a:p>
           <a:p>
             <a:r>
-              <a:rPr lang="en-US" sz="2000" dirty="0">
+              <a:rPr lang="en-US" dirty="0">
                 <a:solidFill>
                   <a:srgbClr val="FF0000"/>
                 </a:solidFill>
@@ -26287,7 +26288,7 @@
               <a:t>Debentures</a:t>
             </a:r>
             <a:r>
-              <a:rPr lang="en-US" sz="2000" dirty="0"/>
+              <a:rPr lang="en-US" dirty="0"/>
               <a:t> are a type of bond that can be secured or unsecured.</a:t>
             </a:r>
           </a:p>
@@ -26456,7 +26457,11 @@
           <a:p>
             <a:pPr lvl="1"/>
             <a:r>
-              <a:rPr lang="en-US" sz="2400" dirty="0"/>
+              <a:rPr lang="en-US" sz="2400" dirty="0">
+                <a:solidFill>
+                  <a:srgbClr val="FF0000"/>
+                </a:solidFill>
+              </a:rPr>
               <a:t>Internal credit enhancement</a:t>
             </a:r>
           </a:p>
@@ -26484,7 +26489,11 @@
           <a:p>
             <a:pPr lvl="1"/>
             <a:r>
-              <a:rPr lang="en-US" sz="2400" dirty="0"/>
+              <a:rPr lang="en-US" sz="2400" dirty="0">
+                <a:solidFill>
+                  <a:srgbClr val="FF0000"/>
+                </a:solidFill>
+              </a:rPr>
               <a:t>External credit enhancement</a:t>
             </a:r>
           </a:p>
@@ -26635,7 +26644,7 @@
           </a:p>
           <a:p>
             <a:r>
-              <a:rPr lang="en-US" sz="2800" dirty="0">
+              <a:rPr lang="en-US" sz="2000" dirty="0">
                 <a:solidFill>
                   <a:srgbClr val="FF0000"/>
                 </a:solidFill>
@@ -26643,7 +26652,7 @@
               <a:t>Affirmative (positive) covenants</a:t>
             </a:r>
             <a:r>
-              <a:rPr lang="en-US" sz="2800" dirty="0"/>
+              <a:rPr lang="en-US" sz="2000" dirty="0"/>
               <a:t>: what issuers are required to do.</a:t>
             </a:r>
           </a:p>
@@ -26676,14 +26685,14 @@
           <p:nvPr>
             <p:extLst>
               <p:ext uri="{D42A27DB-BD31-4B8C-83A1-F6EECF244321}">
-                <p14:modId xmlns:p14="http://schemas.microsoft.com/office/powerpoint/2010/main" val="4294289038"/>
+                <p14:modId xmlns:p14="http://schemas.microsoft.com/office/powerpoint/2010/main" val="3592451037"/>
               </p:ext>
             </p:extLst>
           </p:nvPr>
         </p:nvGraphicFramePr>
         <p:xfrm>
-          <a:off x="1171610" y="3429000"/>
-          <a:ext cx="8842543" cy="2843784"/>
+          <a:off x="1156862" y="3281516"/>
+          <a:ext cx="9240751" cy="2991270"/>
         </p:xfrm>
         <a:graphic>
           <a:graphicData uri="http://schemas.openxmlformats.org/drawingml/2006/table">
@@ -26692,7 +26701,7 @@
                 <a:tableStyleId>{5C22544A-7EE6-4342-B048-85BDC9FD1C3A}</a:tableStyleId>
               </a:tblPr>
               <a:tblGrid>
-                <a:gridCol w="8842543">
+                <a:gridCol w="9240751">
                   <a:extLst>
                     <a:ext uri="{9D8B030D-6E8A-4147-A177-3AD203B41FA5}">
                       <a16:colId xmlns:a16="http://schemas.microsoft.com/office/drawing/2014/main" val="1853415585"/>
@@ -26700,7 +26709,7 @@
                   </a:extLst>
                 </a:gridCol>
               </a:tblGrid>
-              <a:tr h="473964">
+              <a:tr h="498545">
                 <a:tc>
                   <a:txBody>
                     <a:bodyPr/>
@@ -26724,7 +26733,7 @@
                         <a:defRPr/>
                       </a:pPr>
                       <a:r>
-                        <a:rPr lang="en-US" sz="1800" dirty="0"/>
+                        <a:rPr lang="en-US" sz="2000" dirty="0"/>
                         <a:t>Example of affirmative covenants</a:t>
                       </a:r>
                     </a:p>
@@ -26737,14 +26746,14 @@
                   </a:ext>
                 </a:extLst>
               </a:tr>
-              <a:tr h="473964">
+              <a:tr h="498545">
                 <a:tc>
                   <a:txBody>
                     <a:bodyPr/>
                     <a:lstStyle/>
                     <a:p>
                       <a:r>
-                        <a:rPr lang="en-US" dirty="0"/>
+                        <a:rPr lang="en-US" sz="2000" dirty="0"/>
                         <a:t>The promise of making the contractual payments</a:t>
                       </a:r>
                     </a:p>
@@ -26757,14 +26766,14 @@
                   </a:ext>
                 </a:extLst>
               </a:tr>
-              <a:tr h="473964">
+              <a:tr h="498545">
                 <a:tc>
                   <a:txBody>
                     <a:bodyPr/>
                     <a:lstStyle/>
                     <a:p>
                       <a:r>
-                        <a:rPr lang="en-US" dirty="0"/>
+                        <a:rPr lang="en-US" sz="2000" dirty="0"/>
                         <a:t>Comply with all laws and regulation/maintain its current lines of business</a:t>
                       </a:r>
                     </a:p>
@@ -26777,14 +26786,14 @@
                   </a:ext>
                 </a:extLst>
               </a:tr>
-              <a:tr h="473964">
+              <a:tr h="498545">
                 <a:tc>
                   <a:txBody>
                     <a:bodyPr/>
                     <a:lstStyle/>
                     <a:p>
                       <a:r>
-                        <a:rPr lang="en-US" dirty="0"/>
+                        <a:rPr lang="en-US" sz="2000" dirty="0"/>
                         <a:t>Insure and maintain its assets/pay taxes as they come due</a:t>
                       </a:r>
                     </a:p>
@@ -26797,20 +26806,49 @@
                   </a:ext>
                 </a:extLst>
               </a:tr>
-              <a:tr h="473964">
+              <a:tr h="498545">
                 <a:tc>
                   <a:txBody>
                     <a:bodyPr/>
                     <a:lstStyle/>
                     <a:p>
                       <a:r>
-                        <a:rPr lang="en-US" dirty="0">
+                        <a:rPr lang="en-US" sz="2000" dirty="0">
                           <a:solidFill>
                             <a:srgbClr val="FF0000"/>
                           </a:solidFill>
                         </a:rPr>
-                        <a:t>Pari passu</a:t>
+                        <a:t>Pari </a:t>
                       </a:r>
+                      <a:r>
+                        <a:rPr lang="en-US" sz="2000" dirty="0" err="1">
+                          <a:solidFill>
+                            <a:srgbClr val="FF0000"/>
+                          </a:solidFill>
+                        </a:rPr>
+                        <a:t>passu</a:t>
+                      </a:r>
+                      <a:r>
+                        <a:rPr lang="zh-CN" altLang="en-US" sz="2000" dirty="0">
+                          <a:solidFill>
+                            <a:srgbClr val="FF0000"/>
+                          </a:solidFill>
+                        </a:rPr>
+                        <a:t> </a:t>
+                      </a:r>
+                      <a:r>
+                        <a:rPr lang="en-US" altLang="zh-CN" sz="2000" dirty="0">
+                          <a:solidFill>
+                            <a:srgbClr val="FF0000"/>
+                          </a:solidFill>
+                        </a:rPr>
+                        <a:t>(equal footing)</a:t>
+                      </a:r>
+                      <a:endParaRPr lang="en-US" sz="2000" dirty="0">
+                        <a:solidFill>
+                          <a:srgbClr val="FF0000"/>
+                        </a:solidFill>
+                      </a:endParaRPr>
                     </a:p>
                   </a:txBody>
                   <a:tcPr/>
@@ -26821,14 +26859,14 @@
                   </a:ext>
                 </a:extLst>
               </a:tr>
-              <a:tr h="473964">
+              <a:tr h="498545">
                 <a:tc>
                   <a:txBody>
                     <a:bodyPr/>
                     <a:lstStyle/>
                     <a:p>
                       <a:r>
-                        <a:rPr lang="en-US" dirty="0">
+                        <a:rPr lang="en-US" sz="2000" dirty="0">
                           <a:solidFill>
                             <a:srgbClr val="FF0000"/>
                           </a:solidFill>
@@ -26978,14 +27016,14 @@
           <p:nvPr>
             <p:extLst>
               <p:ext uri="{D42A27DB-BD31-4B8C-83A1-F6EECF244321}">
-                <p14:modId xmlns:p14="http://schemas.microsoft.com/office/powerpoint/2010/main" val="1494406468"/>
+                <p14:modId xmlns:p14="http://schemas.microsoft.com/office/powerpoint/2010/main" val="1454246347"/>
               </p:ext>
             </p:extLst>
           </p:nvPr>
         </p:nvGraphicFramePr>
         <p:xfrm>
-          <a:off x="1161845" y="2852256"/>
-          <a:ext cx="8128000" cy="3108960"/>
+          <a:off x="1161844" y="2864558"/>
+          <a:ext cx="9176775" cy="3444802"/>
         </p:xfrm>
         <a:graphic>
           <a:graphicData uri="http://schemas.openxmlformats.org/drawingml/2006/table">
@@ -26994,7 +27032,7 @@
                 <a:tableStyleId>{5C22544A-7EE6-4342-B048-85BDC9FD1C3A}</a:tableStyleId>
               </a:tblPr>
               <a:tblGrid>
-                <a:gridCol w="8128000">
+                <a:gridCol w="9176775">
                   <a:extLst>
                     <a:ext uri="{9D8B030D-6E8A-4147-A177-3AD203B41FA5}">
                       <a16:colId xmlns:a16="http://schemas.microsoft.com/office/drawing/2014/main" val="792888080"/>
@@ -27002,14 +27040,14 @@
                   </a:extLst>
                 </a:gridCol>
               </a:tblGrid>
-              <a:tr h="185420">
+              <a:tr h="394301">
                 <a:tc>
                   <a:txBody>
                     <a:bodyPr/>
                     <a:lstStyle/>
                     <a:p>
                       <a:r>
-                        <a:rPr lang="en-US" sz="2800" dirty="0"/>
+                        <a:rPr lang="en-US" sz="2000" dirty="0"/>
                         <a:t>Example of negative covenants</a:t>
                       </a:r>
                     </a:p>
@@ -27022,7 +27060,7 @@
                   </a:ext>
                 </a:extLst>
               </a:tr>
-              <a:tr h="185420">
+              <a:tr h="430384">
                 <a:tc>
                   <a:txBody>
                     <a:bodyPr/>
@@ -27046,7 +27084,7 @@
                         <a:defRPr/>
                       </a:pPr>
                       <a:r>
-                        <a:rPr lang="en-US" dirty="0"/>
+                        <a:rPr lang="en-US" sz="2000" dirty="0"/>
                         <a:t>Restrictions on debt</a:t>
                       </a:r>
                     </a:p>
@@ -27059,14 +27097,14 @@
                   </a:ext>
                 </a:extLst>
               </a:tr>
-              <a:tr h="370840">
+              <a:tr h="436363">
                 <a:tc>
                   <a:txBody>
                     <a:bodyPr/>
                     <a:lstStyle/>
                     <a:p>
                       <a:r>
-                        <a:rPr lang="en-US" dirty="0"/>
+                        <a:rPr lang="en-US" sz="2000" dirty="0"/>
                         <a:t>Negative pledge</a:t>
                       </a:r>
                     </a:p>
@@ -27079,14 +27117,14 @@
                   </a:ext>
                 </a:extLst>
               </a:tr>
-              <a:tr h="370840">
+              <a:tr h="436363">
                 <a:tc>
                   <a:txBody>
                     <a:bodyPr/>
                     <a:lstStyle/>
                     <a:p>
                       <a:r>
-                        <a:rPr lang="en-US" dirty="0"/>
+                        <a:rPr lang="en-US" sz="2000" dirty="0"/>
                         <a:t>Restriction on prior claims</a:t>
                       </a:r>
                     </a:p>
@@ -27099,14 +27137,14 @@
                   </a:ext>
                 </a:extLst>
               </a:tr>
-              <a:tr h="370840">
+              <a:tr h="436363">
                 <a:tc>
                   <a:txBody>
                     <a:bodyPr/>
                     <a:lstStyle/>
                     <a:p>
                       <a:r>
-                        <a:rPr lang="en-US" dirty="0"/>
+                        <a:rPr lang="en-US" sz="2000" dirty="0"/>
                         <a:t>Restrictions on distribution to shareholders</a:t>
                       </a:r>
                     </a:p>
@@ -27119,14 +27157,14 @@
                   </a:ext>
                 </a:extLst>
               </a:tr>
-              <a:tr h="370840">
+              <a:tr h="436363">
                 <a:tc>
                   <a:txBody>
                     <a:bodyPr/>
                     <a:lstStyle/>
                     <a:p>
                       <a:r>
-                        <a:rPr lang="en-US" dirty="0"/>
+                        <a:rPr lang="en-US" sz="2000" dirty="0"/>
                         <a:t>Restrictions on asset disposals</a:t>
                       </a:r>
                     </a:p>
@@ -27139,14 +27177,14 @@
                   </a:ext>
                 </a:extLst>
               </a:tr>
-              <a:tr h="370840">
+              <a:tr h="436363">
                 <a:tc>
                   <a:txBody>
                     <a:bodyPr/>
                     <a:lstStyle/>
                     <a:p>
                       <a:r>
-                        <a:rPr lang="en-US" dirty="0"/>
+                        <a:rPr lang="en-US" sz="2000" dirty="0"/>
                         <a:t>Restrictions on investments</a:t>
                       </a:r>
                     </a:p>
@@ -27159,14 +27197,14 @@
                   </a:ext>
                 </a:extLst>
               </a:tr>
-              <a:tr h="370840">
+              <a:tr h="436363">
                 <a:tc>
                   <a:txBody>
                     <a:bodyPr/>
                     <a:lstStyle/>
                     <a:p>
                       <a:r>
-                        <a:rPr lang="en-US" dirty="0"/>
+                        <a:rPr lang="en-US" sz="2000" dirty="0"/>
                         <a:t>Restrictions on mergers and acquisitions</a:t>
                       </a:r>
                     </a:p>
@@ -27218,7 +27256,7 @@
           <p:cNvPr id="2" name="Title 1">
             <a:extLst>
               <a:ext uri="{FF2B5EF4-FFF2-40B4-BE49-F238E27FC236}">
-                <a16:creationId xmlns:a16="http://schemas.microsoft.com/office/drawing/2014/main" id="{A9FE413B-D88F-4FF1-A7B1-3D53904ABB05}"/>
+                <a16:creationId xmlns:a16="http://schemas.microsoft.com/office/drawing/2014/main" id="{182B19A7-AD6E-4BA4-8E8B-349FA99F1F37}"/>
               </a:ext>
             </a:extLst>
           </p:cNvPr>
@@ -27231,13 +27269,30 @@
         </p:nvSpPr>
         <p:spPr/>
         <p:txBody>
-          <a:bodyPr/>
+          <a:bodyPr>
+            <a:normAutofit/>
+          </a:bodyPr>
           <a:lstStyle/>
           <a:p>
             <a:r>
-              <a:rPr lang="en-US" dirty="0"/>
-              <a:t>practices</a:t>
+              <a:rPr lang="en-US" sz="3500" b="1" dirty="0"/>
+              <a:t>Module1</a:t>
             </a:r>
+            <a:br>
+              <a:rPr lang="en-US" sz="3500" b="1" dirty="0"/>
+            </a:br>
+            <a:r>
+              <a:rPr lang="en-US" sz="3500" b="1" dirty="0"/>
+              <a:t>Fixed-Income Securities: </a:t>
+            </a:r>
+            <a:br>
+              <a:rPr lang="en-US" sz="3500" b="1" dirty="0"/>
+            </a:br>
+            <a:r>
+              <a:rPr lang="en-US" sz="3500" b="1" dirty="0"/>
+              <a:t>Defining Elements</a:t>
+            </a:r>
+            <a:endParaRPr lang="en-US" sz="3500" dirty="0"/>
           </a:p>
         </p:txBody>
       </p:sp>
@@ -27246,7 +27301,7 @@
           <p:cNvPr id="3" name="Content Placeholder 2">
             <a:extLst>
               <a:ext uri="{FF2B5EF4-FFF2-40B4-BE49-F238E27FC236}">
-                <a16:creationId xmlns:a16="http://schemas.microsoft.com/office/drawing/2014/main" id="{0705823F-304D-4D73-AC97-A47FCB00D67E}"/>
+                <a16:creationId xmlns:a16="http://schemas.microsoft.com/office/drawing/2014/main" id="{289BC5C3-086E-4DD2-9C19-7C9F823C0EC9}"/>
               </a:ext>
             </a:extLst>
           </p:cNvPr>
@@ -27264,111 +27319,15 @@
           </a:bodyPr>
           <a:lstStyle/>
           <a:p>
-            <a:pPr marL="0" indent="0">
-              <a:buNone/>
-            </a:pPr>
             <a:r>
-              <a:rPr lang="en-US" dirty="0"/>
-              <a:t>1.The major advantage of issuing bonds through a special legal entity is:</a:t>
+              <a:rPr lang="en-US" sz="2400" dirty="0"/>
+              <a:t>Affirmative covenants typically do not impose additional costs to the issuer and do not materially constrain the issuer’s discretion regarding how to operate its business.</a:t>
             </a:r>
           </a:p>
           <a:p>
-            <a:pPr marL="342900" indent="-342900">
-              <a:lnSpc>
-                <a:spcPct val="100000"/>
-              </a:lnSpc>
-              <a:buFont typeface="+mj-lt"/>
-              <a:buAutoNum type="alphaUcPeriod"/>
-            </a:pPr>
             <a:r>
-              <a:rPr lang="en-US" sz="1800" b="1" dirty="0">
-                <a:latin typeface="MyriadPro"/>
-              </a:rPr>
-              <a:t>bankruptcy remoteness.</a:t>
-            </a:r>
-          </a:p>
-          <a:p>
-            <a:pPr marL="342900" indent="-342900">
-              <a:lnSpc>
-                <a:spcPct val="100000"/>
-              </a:lnSpc>
-              <a:buFont typeface="+mj-lt"/>
-              <a:buAutoNum type="alphaUcPeriod"/>
-            </a:pPr>
-            <a:r>
-              <a:rPr lang="en-US" sz="1800" b="1" dirty="0">
-                <a:latin typeface="MyriadPro"/>
-              </a:rPr>
-              <a:t>beneficial tax treatments.</a:t>
-            </a:r>
-          </a:p>
-          <a:p>
-            <a:pPr marL="342900" indent="-342900">
-              <a:lnSpc>
-                <a:spcPct val="100000"/>
-              </a:lnSpc>
-              <a:buFont typeface="+mj-lt"/>
-              <a:buAutoNum type="alphaUcPeriod"/>
-            </a:pPr>
-            <a:r>
-              <a:rPr lang="en-US" sz="1800" b="1" dirty="0">
-                <a:latin typeface="MyriadPro"/>
-              </a:rPr>
-              <a:t>greater liquidity and lower issuing costs.</a:t>
-            </a:r>
-          </a:p>
-          <a:p>
-            <a:pPr marL="0" indent="0">
-              <a:buNone/>
-            </a:pPr>
-            <a:r>
-              <a:rPr lang="en-US" dirty="0"/>
-              <a:t>2.The category of bond most likely repaid from the repayment of previous loans made by the issuer is:</a:t>
-            </a:r>
-          </a:p>
-          <a:p>
-            <a:pPr marL="342900" indent="-342900">
-              <a:lnSpc>
-                <a:spcPct val="100000"/>
-              </a:lnSpc>
-              <a:buFont typeface="+mj-lt"/>
-              <a:buAutoNum type="alphaUcPeriod"/>
-            </a:pPr>
-            <a:r>
-              <a:rPr lang="en-US" sz="1800" b="1" dirty="0">
-                <a:latin typeface="MyriadPro"/>
-              </a:rPr>
-              <a:t>sovereign bonds.</a:t>
-            </a:r>
-          </a:p>
-          <a:p>
-            <a:pPr marL="342900" indent="-342900">
-              <a:lnSpc>
-                <a:spcPct val="100000"/>
-              </a:lnSpc>
-              <a:buFont typeface="+mj-lt"/>
-              <a:buAutoNum type="alphaUcPeriod"/>
-            </a:pPr>
-            <a:r>
-              <a:rPr lang="en-US" sz="1800" b="1" dirty="0">
-                <a:latin typeface="MyriadPro"/>
-              </a:rPr>
-              <a:t>supranational bonds.</a:t>
-            </a:r>
-          </a:p>
-          <a:p>
-            <a:pPr marL="342900" indent="-342900">
-              <a:lnSpc>
-                <a:spcPct val="100000"/>
-              </a:lnSpc>
-              <a:buFont typeface="+mj-lt"/>
-              <a:buAutoNum type="alphaUcPeriod"/>
-            </a:pPr>
-            <a:r>
-              <a:rPr lang="en-US" sz="1800" b="1" dirty="0">
-                <a:latin typeface="MyriadPro"/>
-              </a:rPr>
-              <a:t>non-sovereign bonds.</a:t>
+              <a:rPr lang="en-US" sz="2400" dirty="0"/>
+              <a:t>In contrast, negative covenants are frequently costly and materially constrain the issuer’s potential business decisions. They protect bondholders from the dilution of their claims, asset withdrawals or substitutions, and suboptimal investments by the issuer.</a:t>
             </a:r>
           </a:p>
         </p:txBody>
@@ -27376,7 +27335,7 @@
     </p:spTree>
     <p:extLst>
       <p:ext uri="{BB962C8B-B14F-4D97-AF65-F5344CB8AC3E}">
-        <p14:creationId xmlns:p14="http://schemas.microsoft.com/office/powerpoint/2010/main" val="3088721466"/>
+        <p14:creationId xmlns:p14="http://schemas.microsoft.com/office/powerpoint/2010/main" val="1994957047"/>
       </p:ext>
     </p:extLst>
   </p:cSld>
@@ -27808,6 +27767,196 @@
           <p:cNvPr id="2" name="Title 1">
             <a:extLst>
               <a:ext uri="{FF2B5EF4-FFF2-40B4-BE49-F238E27FC236}">
+                <a16:creationId xmlns:a16="http://schemas.microsoft.com/office/drawing/2014/main" id="{A9FE413B-D88F-4FF1-A7B1-3D53904ABB05}"/>
+              </a:ext>
+            </a:extLst>
+          </p:cNvPr>
+          <p:cNvSpPr>
+            <a:spLocks noGrp="1"/>
+          </p:cNvSpPr>
+          <p:nvPr>
+            <p:ph type="title"/>
+          </p:nvPr>
+        </p:nvSpPr>
+        <p:spPr/>
+        <p:txBody>
+          <a:bodyPr/>
+          <a:lstStyle/>
+          <a:p>
+            <a:r>
+              <a:rPr lang="en-US" dirty="0"/>
+              <a:t>practices</a:t>
+            </a:r>
+          </a:p>
+        </p:txBody>
+      </p:sp>
+      <p:sp>
+        <p:nvSpPr>
+          <p:cNvPr id="3" name="Content Placeholder 2">
+            <a:extLst>
+              <a:ext uri="{FF2B5EF4-FFF2-40B4-BE49-F238E27FC236}">
+                <a16:creationId xmlns:a16="http://schemas.microsoft.com/office/drawing/2014/main" id="{0705823F-304D-4D73-AC97-A47FCB00D67E}"/>
+              </a:ext>
+            </a:extLst>
+          </p:cNvPr>
+          <p:cNvSpPr>
+            <a:spLocks noGrp="1"/>
+          </p:cNvSpPr>
+          <p:nvPr>
+            <p:ph idx="1"/>
+          </p:nvPr>
+        </p:nvSpPr>
+        <p:spPr/>
+        <p:txBody>
+          <a:bodyPr>
+            <a:normAutofit/>
+          </a:bodyPr>
+          <a:lstStyle/>
+          <a:p>
+            <a:pPr marL="0" indent="0">
+              <a:buNone/>
+            </a:pPr>
+            <a:r>
+              <a:rPr lang="en-US" dirty="0"/>
+              <a:t>1.The major advantage of issuing bonds through a special legal entity is:</a:t>
+            </a:r>
+          </a:p>
+          <a:p>
+            <a:pPr marL="342900" indent="-342900">
+              <a:lnSpc>
+                <a:spcPct val="100000"/>
+              </a:lnSpc>
+              <a:buFont typeface="+mj-lt"/>
+              <a:buAutoNum type="alphaUcPeriod"/>
+            </a:pPr>
+            <a:r>
+              <a:rPr lang="en-US" sz="1800" b="1" dirty="0">
+                <a:latin typeface="MyriadPro"/>
+              </a:rPr>
+              <a:t>bankruptcy remoteness.</a:t>
+            </a:r>
+          </a:p>
+          <a:p>
+            <a:pPr marL="342900" indent="-342900">
+              <a:lnSpc>
+                <a:spcPct val="100000"/>
+              </a:lnSpc>
+              <a:buFont typeface="+mj-lt"/>
+              <a:buAutoNum type="alphaUcPeriod"/>
+            </a:pPr>
+            <a:r>
+              <a:rPr lang="en-US" sz="1800" b="1" dirty="0">
+                <a:latin typeface="MyriadPro"/>
+              </a:rPr>
+              <a:t>beneficial tax treatments.</a:t>
+            </a:r>
+          </a:p>
+          <a:p>
+            <a:pPr marL="342900" indent="-342900">
+              <a:lnSpc>
+                <a:spcPct val="100000"/>
+              </a:lnSpc>
+              <a:buFont typeface="+mj-lt"/>
+              <a:buAutoNum type="alphaUcPeriod"/>
+            </a:pPr>
+            <a:r>
+              <a:rPr lang="en-US" sz="1800" b="1" dirty="0">
+                <a:latin typeface="MyriadPro"/>
+              </a:rPr>
+              <a:t>greater liquidity and lower issuing costs.</a:t>
+            </a:r>
+          </a:p>
+          <a:p>
+            <a:pPr marL="0" indent="0">
+              <a:buNone/>
+            </a:pPr>
+            <a:r>
+              <a:rPr lang="en-US" dirty="0"/>
+              <a:t>2.The category of bond most likely repaid from the repayment of previous loans made by the issuer is:</a:t>
+            </a:r>
+          </a:p>
+          <a:p>
+            <a:pPr marL="342900" indent="-342900">
+              <a:lnSpc>
+                <a:spcPct val="100000"/>
+              </a:lnSpc>
+              <a:buFont typeface="+mj-lt"/>
+              <a:buAutoNum type="alphaUcPeriod"/>
+            </a:pPr>
+            <a:r>
+              <a:rPr lang="en-US" sz="1800" b="1" dirty="0">
+                <a:latin typeface="MyriadPro"/>
+              </a:rPr>
+              <a:t>sovereign bonds.</a:t>
+            </a:r>
+          </a:p>
+          <a:p>
+            <a:pPr marL="342900" indent="-342900">
+              <a:lnSpc>
+                <a:spcPct val="100000"/>
+              </a:lnSpc>
+              <a:buFont typeface="+mj-lt"/>
+              <a:buAutoNum type="alphaUcPeriod"/>
+            </a:pPr>
+            <a:r>
+              <a:rPr lang="en-US" sz="1800" b="1" dirty="0">
+                <a:latin typeface="MyriadPro"/>
+              </a:rPr>
+              <a:t>supranational bonds.</a:t>
+            </a:r>
+          </a:p>
+          <a:p>
+            <a:pPr marL="342900" indent="-342900">
+              <a:lnSpc>
+                <a:spcPct val="100000"/>
+              </a:lnSpc>
+              <a:buFont typeface="+mj-lt"/>
+              <a:buAutoNum type="alphaUcPeriod"/>
+            </a:pPr>
+            <a:r>
+              <a:rPr lang="en-US" sz="1800" b="1" dirty="0">
+                <a:latin typeface="MyriadPro"/>
+              </a:rPr>
+              <a:t>non-sovereign bonds.</a:t>
+            </a:r>
+          </a:p>
+        </p:txBody>
+      </p:sp>
+    </p:spTree>
+    <p:extLst>
+      <p:ext uri="{BB962C8B-B14F-4D97-AF65-F5344CB8AC3E}">
+        <p14:creationId xmlns:p14="http://schemas.microsoft.com/office/powerpoint/2010/main" val="3088721466"/>
+      </p:ext>
+    </p:extLst>
+  </p:cSld>
+  <p:clrMapOvr>
+    <a:masterClrMapping/>
+  </p:clrMapOvr>
+</p:sld>
+</file>
+
+<file path=ppt/slides/slide21.xml><?xml version="1.0" encoding="utf-8"?>
+<p:sld xmlns:a="http://schemas.openxmlformats.org/drawingml/2006/main" xmlns:r="http://schemas.openxmlformats.org/officeDocument/2006/relationships" xmlns:p="http://schemas.openxmlformats.org/presentationml/2006/main">
+  <p:cSld>
+    <p:spTree>
+      <p:nvGrpSpPr>
+        <p:cNvPr id="1" name=""/>
+        <p:cNvGrpSpPr/>
+        <p:nvPr/>
+      </p:nvGrpSpPr>
+      <p:grpSpPr>
+        <a:xfrm>
+          <a:off x="0" y="0"/>
+          <a:ext cx="0" cy="0"/>
+          <a:chOff x="0" y="0"/>
+          <a:chExt cx="0" cy="0"/>
+        </a:xfrm>
+      </p:grpSpPr>
+      <p:sp>
+        <p:nvSpPr>
+          <p:cNvPr id="2" name="Title 1">
+            <a:extLst>
+              <a:ext uri="{FF2B5EF4-FFF2-40B4-BE49-F238E27FC236}">
                 <a16:creationId xmlns:a16="http://schemas.microsoft.com/office/drawing/2014/main" id="{6C95B49D-9C90-49AE-82C2-35262EF0146F}"/>
               </a:ext>
             </a:extLst>
@@ -27859,7 +28008,7 @@
             </a:pPr>
             <a:r>
               <a:rPr lang="en-US" dirty="0"/>
-              <a:t>3. The external credit enhancement that has the </a:t>
+              <a:t>3.The external credit enhancement that has the </a:t>
             </a:r>
             <a:r>
               <a:rPr lang="en-US" i="1" dirty="0"/>
@@ -27936,7 +28085,7 @@
               <a:rPr lang="en-US" sz="1800" b="1" dirty="0">
                 <a:latin typeface="MyriadPro"/>
               </a:rPr>
-              <a:t> debt.</a:t>
+              <a:t>debt.</a:t>
             </a:r>
           </a:p>
           <a:p>

--- a/Fixed Income.pptx
+++ b/Fixed Income.pptx
@@ -3998,7 +3998,7 @@
           <a:p>
             <a:fld id="{9ADA5B36-BD01-47CD-B491-940693B77A9A}" type="datetimeFigureOut">
               <a:rPr lang="en-US" smtClean="0"/>
-              <a:t>10/14/2022</a:t>
+              <a:t>10/14/22</a:t>
             </a:fld>
             <a:endParaRPr lang="en-US"/>
           </a:p>
@@ -13394,7 +13394,7 @@
           <a:p>
             <a:fld id="{3CB14515-8DA5-4B82-96E7-E758FF8ACA06}" type="datetimeFigureOut">
               <a:rPr lang="en-US" smtClean="0"/>
-              <a:t>10/14/2022</a:t>
+              <a:t>10/14/22</a:t>
             </a:fld>
             <a:endParaRPr lang="en-US"/>
           </a:p>
@@ -13601,7 +13601,7 @@
           <a:p>
             <a:fld id="{3CB14515-8DA5-4B82-96E7-E758FF8ACA06}" type="datetimeFigureOut">
               <a:rPr lang="en-US" smtClean="0"/>
-              <a:t>10/14/2022</a:t>
+              <a:t>10/14/22</a:t>
             </a:fld>
             <a:endParaRPr lang="en-US"/>
           </a:p>
@@ -13781,7 +13781,7 @@
           <a:p>
             <a:fld id="{3CB14515-8DA5-4B82-96E7-E758FF8ACA06}" type="datetimeFigureOut">
               <a:rPr lang="en-US" smtClean="0"/>
-              <a:t>10/14/2022</a:t>
+              <a:t>10/14/22</a:t>
             </a:fld>
             <a:endParaRPr lang="en-US"/>
           </a:p>
@@ -13986,7 +13986,7 @@
           <a:p>
             <a:fld id="{3CB14515-8DA5-4B82-96E7-E758FF8ACA06}" type="datetimeFigureOut">
               <a:rPr lang="en-US" smtClean="0"/>
-              <a:t>10/14/2022</a:t>
+              <a:t>10/14/22</a:t>
             </a:fld>
             <a:endParaRPr lang="en-US"/>
           </a:p>
@@ -22884,7 +22884,7 @@
           <a:p>
             <a:fld id="{3CB14515-8DA5-4B82-96E7-E758FF8ACA06}" type="datetimeFigureOut">
               <a:rPr lang="en-US" smtClean="0"/>
-              <a:t>10/14/2022</a:t>
+              <a:t>10/14/22</a:t>
             </a:fld>
             <a:endParaRPr lang="en-US"/>
           </a:p>
@@ -23158,7 +23158,7 @@
           <a:p>
             <a:fld id="{3CB14515-8DA5-4B82-96E7-E758FF8ACA06}" type="datetimeFigureOut">
               <a:rPr lang="en-US" smtClean="0"/>
-              <a:t>10/14/2022</a:t>
+              <a:t>10/14/22</a:t>
             </a:fld>
             <a:endParaRPr lang="en-US"/>
           </a:p>
@@ -23556,7 +23556,7 @@
           <a:p>
             <a:fld id="{3CB14515-8DA5-4B82-96E7-E758FF8ACA06}" type="datetimeFigureOut">
               <a:rPr lang="en-US" smtClean="0"/>
-              <a:t>10/14/2022</a:t>
+              <a:t>10/14/22</a:t>
             </a:fld>
             <a:endParaRPr lang="en-US"/>
           </a:p>
@@ -23674,7 +23674,7 @@
           <a:p>
             <a:fld id="{3CB14515-8DA5-4B82-96E7-E758FF8ACA06}" type="datetimeFigureOut">
               <a:rPr lang="en-US" smtClean="0"/>
-              <a:t>10/14/2022</a:t>
+              <a:t>10/14/22</a:t>
             </a:fld>
             <a:endParaRPr lang="en-US"/>
           </a:p>
@@ -23769,7 +23769,7 @@
           <a:p>
             <a:fld id="{3CB14515-8DA5-4B82-96E7-E758FF8ACA06}" type="datetimeFigureOut">
               <a:rPr lang="en-US" smtClean="0"/>
-              <a:t>10/14/2022</a:t>
+              <a:t>10/14/22</a:t>
             </a:fld>
             <a:endParaRPr lang="en-US"/>
           </a:p>
@@ -24059,7 +24059,7 @@
           <a:p>
             <a:fld id="{3CB14515-8DA5-4B82-96E7-E758FF8ACA06}" type="datetimeFigureOut">
               <a:rPr lang="en-US" smtClean="0"/>
-              <a:t>10/14/2022</a:t>
+              <a:t>10/14/22</a:t>
             </a:fld>
             <a:endParaRPr lang="en-US"/>
           </a:p>
@@ -24339,7 +24339,7 @@
           <a:p>
             <a:fld id="{3CB14515-8DA5-4B82-96E7-E758FF8ACA06}" type="datetimeFigureOut">
               <a:rPr lang="en-US" smtClean="0"/>
-              <a:t>10/14/2022</a:t>
+              <a:t>10/14/22</a:t>
             </a:fld>
             <a:endParaRPr lang="en-US"/>
           </a:p>
@@ -24589,7 +24589,7 @@
           <a:p>
             <a:fld id="{3CB14515-8DA5-4B82-96E7-E758FF8ACA06}" type="datetimeFigureOut">
               <a:rPr lang="en-US" smtClean="0"/>
-              <a:t>10/14/2022</a:t>
+              <a:t>10/14/22</a:t>
             </a:fld>
             <a:endParaRPr lang="en-US"/>
           </a:p>
@@ -25544,6 +25544,14 @@
 <file path=ppt/slides/slide11.xml><?xml version="1.0" encoding="utf-8"?>
 <p:sld xmlns:a="http://schemas.openxmlformats.org/drawingml/2006/main" xmlns:r="http://schemas.openxmlformats.org/officeDocument/2006/relationships" xmlns:p="http://schemas.openxmlformats.org/presentationml/2006/main">
   <p:cSld>
+    <p:bg>
+      <p:bgPr>
+        <a:solidFill>
+          <a:schemeClr val="bg1"/>
+        </a:solidFill>
+        <a:effectLst/>
+      </p:bgPr>
+    </p:bg>
     <p:spTree>
       <p:nvGrpSpPr>
         <p:cNvPr id="1" name=""/>
@@ -25574,7 +25582,12 @@
             <p:ph type="title"/>
           </p:nvPr>
         </p:nvSpPr>
-        <p:spPr/>
+        <p:spPr>
+          <a:xfrm>
+            <a:off x="1024128" y="585216"/>
+            <a:ext cx="6066818" cy="1499616"/>
+          </a:xfrm>
+        </p:spPr>
         <p:txBody>
           <a:bodyPr>
             <a:normAutofit/>
@@ -25619,13 +25632,20 @@
             <p:ph idx="1"/>
           </p:nvPr>
         </p:nvSpPr>
-        <p:spPr/>
+        <p:spPr>
+          <a:xfrm>
+            <a:off x="1024128" y="2286000"/>
+            <a:ext cx="6066818" cy="4023360"/>
+          </a:xfrm>
+        </p:spPr>
         <p:txBody>
-          <a:bodyPr/>
+          <a:bodyPr>
+            <a:normAutofit/>
+          </a:bodyPr>
           <a:lstStyle/>
           <a:p>
             <a:r>
-              <a:rPr lang="en-US" altLang="zh-CN" sz="4000" dirty="0">
+              <a:rPr lang="en-US" altLang="zh-CN" sz="2800" dirty="0">
                 <a:solidFill>
                   <a:srgbClr val="FF0000"/>
                 </a:solidFill>
@@ -25639,7 +25659,7 @@
               <a:buChar char="§"/>
             </a:pPr>
             <a:r>
-              <a:rPr lang="en-US" altLang="zh-CN" sz="2400" dirty="0"/>
+              <a:rPr lang="en-US" altLang="zh-CN" dirty="0"/>
               <a:t> the legal identity of the bond issuer and its legal form;</a:t>
             </a:r>
           </a:p>
@@ -25649,7 +25669,7 @@
               <a:buChar char="§"/>
             </a:pPr>
             <a:r>
-              <a:rPr lang="en-US" altLang="zh-CN" sz="2400" dirty="0"/>
+              <a:rPr lang="en-US" altLang="zh-CN" dirty="0"/>
               <a:t> the source of repayment proceeds;</a:t>
             </a:r>
           </a:p>
@@ -25659,7 +25679,7 @@
               <a:buChar char="§"/>
             </a:pPr>
             <a:r>
-              <a:rPr lang="en-US" altLang="zh-CN" sz="2400" dirty="0"/>
+              <a:rPr lang="en-US" altLang="zh-CN" dirty="0"/>
               <a:t> the asset or collateral backing (if any);</a:t>
             </a:r>
           </a:p>
@@ -25669,7 +25689,7 @@
               <a:buChar char="§"/>
             </a:pPr>
             <a:r>
-              <a:rPr lang="en-US" altLang="zh-CN" sz="2400" dirty="0"/>
+              <a:rPr lang="en-US" altLang="zh-CN" dirty="0"/>
               <a:t> the credit enhancements (if any); and</a:t>
             </a:r>
           </a:p>
@@ -25679,7 +25699,7 @@
               <a:buChar char="§"/>
             </a:pPr>
             <a:r>
-              <a:rPr lang="en-US" altLang="zh-CN" sz="2400" dirty="0"/>
+              <a:rPr lang="en-US" altLang="zh-CN" dirty="0"/>
               <a:t> the covenants (if any)</a:t>
             </a:r>
           </a:p>
@@ -25688,6 +25708,35 @@
           </a:p>
         </p:txBody>
       </p:sp>
+      <p:pic>
+        <p:nvPicPr>
+          <p:cNvPr id="11" name="Picture 4" descr="Calculator, pen, compass, money and a paper with graphs printed on it">
+            <a:extLst>
+              <a:ext uri="{FF2B5EF4-FFF2-40B4-BE49-F238E27FC236}">
+                <a16:creationId xmlns:a16="http://schemas.microsoft.com/office/drawing/2014/main" id="{0EC55320-6842-250D-D7B3-757146C91837}"/>
+              </a:ext>
+            </a:extLst>
+          </p:cNvPr>
+          <p:cNvPicPr>
+            <a:picLocks noChangeAspect="1"/>
+          </p:cNvPicPr>
+          <p:nvPr/>
+        </p:nvPicPr>
+        <p:blipFill rotWithShape="1">
+          <a:blip r:embed="rId2"/>
+          <a:srcRect l="31730" r="27507" b="-1"/>
+          <a:stretch/>
+        </p:blipFill>
+        <p:spPr>
+          <a:xfrm>
+            <a:off x="7552266" y="10"/>
+            <a:ext cx="4639733" cy="6857990"/>
+          </a:xfrm>
+          <a:prstGeom prst="rect">
+            <a:avLst/>
+          </a:prstGeom>
+        </p:spPr>
+      </p:pic>
     </p:spTree>
     <p:extLst>
       <p:ext uri="{BB962C8B-B14F-4D97-AF65-F5344CB8AC3E}">
@@ -25704,6 +25753,14 @@
 <file path=ppt/slides/slide12.xml><?xml version="1.0" encoding="utf-8"?>
 <p:sld xmlns:a="http://schemas.openxmlformats.org/drawingml/2006/main" xmlns:r="http://schemas.openxmlformats.org/officeDocument/2006/relationships" xmlns:p="http://schemas.openxmlformats.org/presentationml/2006/main">
   <p:cSld>
+    <p:bg>
+      <p:bgPr>
+        <a:solidFill>
+          <a:schemeClr val="bg1"/>
+        </a:solidFill>
+        <a:effectLst/>
+      </p:bgPr>
+    </p:bg>
     <p:spTree>
       <p:nvGrpSpPr>
         <p:cNvPr id="1" name=""/>
@@ -25734,7 +25791,12 @@
             <p:ph type="title"/>
           </p:nvPr>
         </p:nvSpPr>
-        <p:spPr/>
+        <p:spPr>
+          <a:xfrm>
+            <a:off x="1024128" y="585216"/>
+            <a:ext cx="8018272" cy="1499616"/>
+          </a:xfrm>
+        </p:spPr>
         <p:txBody>
           <a:bodyPr>
             <a:normAutofit/>
@@ -25779,17 +25841,24 @@
             <p:ph idx="1"/>
           </p:nvPr>
         </p:nvSpPr>
-        <p:spPr/>
+        <p:spPr>
+          <a:xfrm>
+            <a:off x="1024128" y="2286000"/>
+            <a:ext cx="8018271" cy="4023360"/>
+          </a:xfrm>
+        </p:spPr>
         <p:txBody>
-          <a:bodyPr/>
+          <a:bodyPr>
+            <a:normAutofit/>
+          </a:bodyPr>
           <a:lstStyle/>
           <a:p>
             <a:r>
-              <a:rPr lang="en-US" dirty="0"/>
+              <a:rPr lang="en-US" sz="2000" dirty="0"/>
               <a:t>Because it would be impractical for the issuer to enter into a direct agreement with each bondholder, the indenture is usually held by a </a:t>
             </a:r>
             <a:r>
-              <a:rPr lang="en-US" dirty="0">
+              <a:rPr lang="en-US" sz="2000" dirty="0">
                 <a:solidFill>
                   <a:srgbClr val="FF0000"/>
                 </a:solidFill>
@@ -25797,22 +25866,46 @@
               <a:t>trustee</a:t>
             </a:r>
             <a:r>
-              <a:rPr lang="en-US" dirty="0"/>
-              <a:t>. The trustee is typically a financial institution acting as a fiduciary to ensure the issuer complies with the obligations specified in the indenture and to take action on behalf of the bondholders, when necessary.</a:t>
+              <a:rPr lang="en-US" sz="2000" dirty="0"/>
+              <a:t>. The trustee is typically a financial institution acting as a fiduciary to ensure the issuer complies with the obligations specified in the indenture and to take</a:t>
+            </a:r>
+            <a:r>
+              <a:rPr lang="zh-CN" altLang="en-US" sz="2000" dirty="0"/>
+              <a:t> </a:t>
+            </a:r>
+            <a:r>
+              <a:rPr lang="en-US" sz="2000" dirty="0"/>
+              <a:t>action on behalf of the bondholders, when necessary.</a:t>
             </a:r>
           </a:p>
           <a:p>
             <a:r>
-              <a:rPr lang="en-US" altLang="zh-CN" dirty="0"/>
+              <a:rPr lang="en-US" altLang="zh-CN" sz="2000" dirty="0">
+                <a:solidFill>
+                  <a:srgbClr val="FF0000"/>
+                </a:solidFill>
+              </a:rPr>
               <a:t>Trustee’s</a:t>
             </a:r>
             <a:r>
-              <a:rPr lang="zh-CN" altLang="en-US" dirty="0"/>
+              <a:rPr lang="zh-CN" altLang="en-US" sz="2000" dirty="0">
+                <a:solidFill>
+                  <a:srgbClr val="FF0000"/>
+                </a:solidFill>
+              </a:rPr>
               <a:t> </a:t>
             </a:r>
             <a:r>
-              <a:rPr lang="en-US" altLang="zh-CN" dirty="0"/>
-              <a:t>duty:</a:t>
+              <a:rPr lang="en-US" altLang="zh-CN" sz="2000" dirty="0">
+                <a:solidFill>
+                  <a:srgbClr val="FF0000"/>
+                </a:solidFill>
+              </a:rPr>
+              <a:t>duty</a:t>
+            </a:r>
+            <a:r>
+              <a:rPr lang="en-US" altLang="zh-CN" sz="2000" dirty="0"/>
+              <a:t>:</a:t>
             </a:r>
           </a:p>
           <a:p>
@@ -25821,7 +25914,7 @@
               <a:buChar char="•"/>
             </a:pPr>
             <a:r>
-              <a:rPr lang="en-US" dirty="0"/>
+              <a:rPr lang="en-US" sz="2000" dirty="0"/>
               <a:t>Maintenance of required documentation and records</a:t>
             </a:r>
           </a:p>
@@ -25831,7 +25924,7 @@
               <a:buChar char="•"/>
             </a:pPr>
             <a:r>
-              <a:rPr lang="en-US" dirty="0"/>
+              <a:rPr lang="en-US" sz="2000" dirty="0"/>
               <a:t>Appraising collateral </a:t>
             </a:r>
           </a:p>
@@ -25841,7 +25934,7 @@
               <a:buChar char="•"/>
             </a:pPr>
             <a:r>
-              <a:rPr lang="en-US" dirty="0"/>
+              <a:rPr lang="en-US" sz="2000" dirty="0"/>
               <a:t>Invoicing the issuer for interest payments and principal repayments</a:t>
             </a:r>
           </a:p>
@@ -25851,12 +25944,140 @@
               <a:buChar char="•"/>
             </a:pPr>
             <a:r>
-              <a:rPr lang="en-US" dirty="0"/>
+              <a:rPr lang="en-US" sz="2000" dirty="0"/>
               <a:t>Holding funds until they are paid</a:t>
             </a:r>
           </a:p>
           <a:p>
+            <a:endParaRPr lang="en-US" sz="2000" dirty="0"/>
+          </a:p>
+        </p:txBody>
+      </p:sp>
+      <p:sp>
+        <p:nvSpPr>
+          <p:cNvPr id="8" name="Rectangle 7">
+            <a:extLst>
+              <a:ext uri="{FF2B5EF4-FFF2-40B4-BE49-F238E27FC236}">
+                <a16:creationId xmlns:a16="http://schemas.microsoft.com/office/drawing/2014/main" id="{77D7B666-D5E6-48CE-B26A-FB5E5C34AF90}"/>
+              </a:ext>
+              <a:ext uri="{C183D7F6-B498-43B3-948B-1728B52AA6E4}">
+                <adec:decorative xmlns:adec="http://schemas.microsoft.com/office/drawing/2017/decorative" val="1"/>
+              </a:ext>
+            </a:extLst>
+          </p:cNvPr>
+          <p:cNvSpPr>
+            <a:spLocks noGrp="1" noRot="1" noChangeAspect="1" noMove="1" noResize="1" noEditPoints="1" noAdjustHandles="1" noChangeArrowheads="1" noChangeShapeType="1" noTextEdit="1"/>
+          </p:cNvSpPr>
+          <p:nvPr>
+            <p:extLst>
+              <p:ext uri="{386F3935-93C4-4BCD-93E2-E3B085C9AB24}">
+                <p16:designElem xmlns:p16="http://schemas.microsoft.com/office/powerpoint/2015/main" val="1"/>
+              </p:ext>
+            </p:extLst>
+          </p:nvPr>
+        </p:nvSpPr>
+        <p:spPr>
+          <a:xfrm>
+            <a:off x="9583348" y="325601"/>
+            <a:ext cx="2286920" cy="3908071"/>
+          </a:xfrm>
+          <a:prstGeom prst="rect">
+            <a:avLst/>
+          </a:prstGeom>
+          <a:solidFill>
+            <a:schemeClr val="accent1"/>
+          </a:solidFill>
+          <a:ln>
+            <a:noFill/>
+          </a:ln>
+        </p:spPr>
+        <p:style>
+          <a:lnRef idx="2">
+            <a:schemeClr val="accent1">
+              <a:shade val="50000"/>
+            </a:schemeClr>
+          </a:lnRef>
+          <a:fillRef idx="1">
+            <a:schemeClr val="accent1"/>
+          </a:fillRef>
+          <a:effectRef idx="0">
+            <a:schemeClr val="accent1"/>
+          </a:effectRef>
+          <a:fontRef idx="minor">
+            <a:schemeClr val="lt1"/>
+          </a:fontRef>
+        </p:style>
+        <p:txBody>
+          <a:bodyPr rtlCol="0" anchor="ctr"/>
+          <a:lstStyle/>
+          <a:p>
+            <a:pPr algn="ctr"/>
             <a:endParaRPr lang="en-US" dirty="0"/>
+          </a:p>
+        </p:txBody>
+      </p:sp>
+      <p:sp>
+        <p:nvSpPr>
+          <p:cNvPr id="10" name="Rectangle 9">
+            <a:extLst>
+              <a:ext uri="{FF2B5EF4-FFF2-40B4-BE49-F238E27FC236}">
+                <a16:creationId xmlns:a16="http://schemas.microsoft.com/office/drawing/2014/main" id="{F6EE670A-A41A-44AD-BC1C-2090365EB5B3}"/>
+              </a:ext>
+              <a:ext uri="{C183D7F6-B498-43B3-948B-1728B52AA6E4}">
+                <adec:decorative xmlns:adec="http://schemas.microsoft.com/office/drawing/2017/decorative" val="1"/>
+              </a:ext>
+            </a:extLst>
+          </p:cNvPr>
+          <p:cNvSpPr>
+            <a:spLocks noGrp="1" noRot="1" noChangeAspect="1" noMove="1" noResize="1" noEditPoints="1" noAdjustHandles="1" noChangeArrowheads="1" noChangeShapeType="1" noTextEdit="1"/>
+          </p:cNvSpPr>
+          <p:nvPr>
+            <p:extLst>
+              <p:ext uri="{386F3935-93C4-4BCD-93E2-E3B085C9AB24}">
+                <p16:designElem xmlns:p16="http://schemas.microsoft.com/office/powerpoint/2015/main" val="1"/>
+              </p:ext>
+            </p:extLst>
+          </p:nvPr>
+        </p:nvSpPr>
+        <p:spPr>
+          <a:xfrm>
+            <a:off x="9583348" y="4394539"/>
+            <a:ext cx="2286920" cy="2029724"/>
+          </a:xfrm>
+          <a:prstGeom prst="rect">
+            <a:avLst/>
+          </a:prstGeom>
+          <a:solidFill>
+            <a:schemeClr val="tx2">
+              <a:alpha val="80000"/>
+            </a:schemeClr>
+          </a:solidFill>
+          <a:ln>
+            <a:noFill/>
+          </a:ln>
+        </p:spPr>
+        <p:style>
+          <a:lnRef idx="2">
+            <a:schemeClr val="accent1">
+              <a:shade val="50000"/>
+            </a:schemeClr>
+          </a:lnRef>
+          <a:fillRef idx="1">
+            <a:schemeClr val="accent1"/>
+          </a:fillRef>
+          <a:effectRef idx="0">
+            <a:schemeClr val="accent1"/>
+          </a:effectRef>
+          <a:fontRef idx="minor">
+            <a:schemeClr val="lt1"/>
+          </a:fontRef>
+        </p:style>
+        <p:txBody>
+          <a:bodyPr rtlCol="0" anchor="ctr"/>
+          <a:lstStyle/>
+          <a:p>
+            <a:pPr algn="ctr"/>
+            <a:endParaRPr lang="en-US"/>
           </a:p>
         </p:txBody>
       </p:sp>
@@ -25876,6 +26097,14 @@
 <file path=ppt/slides/slide13.xml><?xml version="1.0" encoding="utf-8"?>
 <p:sld xmlns:a="http://schemas.openxmlformats.org/drawingml/2006/main" xmlns:r="http://schemas.openxmlformats.org/officeDocument/2006/relationships" xmlns:p="http://schemas.openxmlformats.org/presentationml/2006/main">
   <p:cSld>
+    <p:bg>
+      <p:bgPr>
+        <a:solidFill>
+          <a:schemeClr val="bg1"/>
+        </a:solidFill>
+        <a:effectLst/>
+      </p:bgPr>
+    </p:bg>
     <p:spTree>
       <p:nvGrpSpPr>
         <p:cNvPr id="1" name=""/>
@@ -25906,7 +26135,12 @@
             <p:ph type="title"/>
           </p:nvPr>
         </p:nvSpPr>
-        <p:spPr/>
+        <p:spPr>
+          <a:xfrm>
+            <a:off x="1024128" y="585216"/>
+            <a:ext cx="8018272" cy="1499616"/>
+          </a:xfrm>
+        </p:spPr>
         <p:txBody>
           <a:bodyPr>
             <a:normAutofit/>
@@ -25951,7 +26185,12 @@
             <p:ph idx="1"/>
           </p:nvPr>
         </p:nvSpPr>
-        <p:spPr/>
+        <p:spPr>
+          <a:xfrm>
+            <a:off x="1024128" y="2286000"/>
+            <a:ext cx="8018271" cy="4023360"/>
+          </a:xfrm>
+        </p:spPr>
         <p:txBody>
           <a:bodyPr>
             <a:normAutofit/>
@@ -25973,7 +26212,7 @@
               <a:buChar char="•"/>
             </a:pPr>
             <a:r>
-              <a:rPr lang="en-US" sz="2000" dirty="0"/>
+              <a:rPr lang="en-US" dirty="0"/>
               <a:t>Sovereign bond: Treasury (different from the body that administers the bond issue process)</a:t>
             </a:r>
           </a:p>
@@ -25983,7 +26222,7 @@
               <a:buChar char="•"/>
             </a:pPr>
             <a:r>
-              <a:rPr lang="en-US" sz="2000" dirty="0"/>
+              <a:rPr lang="en-US" dirty="0"/>
               <a:t>Corporate bond: corporate legal entity(subsidiary of parent legal entity/holding company)</a:t>
             </a:r>
           </a:p>
@@ -25993,9 +26232,137 @@
               <a:buChar char="•"/>
             </a:pPr>
             <a:r>
-              <a:rPr lang="en-US" sz="2000" dirty="0"/>
+              <a:rPr lang="en-US" dirty="0"/>
               <a:t>ABS: special purpose entity/special purpose vehicle(bankruptcy remoteness)</a:t>
             </a:r>
+          </a:p>
+        </p:txBody>
+      </p:sp>
+      <p:sp>
+        <p:nvSpPr>
+          <p:cNvPr id="8" name="Rectangle 7">
+            <a:extLst>
+              <a:ext uri="{FF2B5EF4-FFF2-40B4-BE49-F238E27FC236}">
+                <a16:creationId xmlns:a16="http://schemas.microsoft.com/office/drawing/2014/main" id="{77D7B666-D5E6-48CE-B26A-FB5E5C34AF90}"/>
+              </a:ext>
+              <a:ext uri="{C183D7F6-B498-43B3-948B-1728B52AA6E4}">
+                <adec:decorative xmlns:adec="http://schemas.microsoft.com/office/drawing/2017/decorative" val="1"/>
+              </a:ext>
+            </a:extLst>
+          </p:cNvPr>
+          <p:cNvSpPr>
+            <a:spLocks noGrp="1" noRot="1" noChangeAspect="1" noMove="1" noResize="1" noEditPoints="1" noAdjustHandles="1" noChangeArrowheads="1" noChangeShapeType="1" noTextEdit="1"/>
+          </p:cNvSpPr>
+          <p:nvPr>
+            <p:extLst>
+              <p:ext uri="{386F3935-93C4-4BCD-93E2-E3B085C9AB24}">
+                <p16:designElem xmlns:p16="http://schemas.microsoft.com/office/powerpoint/2015/main" val="1"/>
+              </p:ext>
+            </p:extLst>
+          </p:nvPr>
+        </p:nvSpPr>
+        <p:spPr>
+          <a:xfrm>
+            <a:off x="9583348" y="325601"/>
+            <a:ext cx="2286920" cy="3908071"/>
+          </a:xfrm>
+          <a:prstGeom prst="rect">
+            <a:avLst/>
+          </a:prstGeom>
+          <a:solidFill>
+            <a:schemeClr val="accent1"/>
+          </a:solidFill>
+          <a:ln>
+            <a:noFill/>
+          </a:ln>
+        </p:spPr>
+        <p:style>
+          <a:lnRef idx="2">
+            <a:schemeClr val="accent1">
+              <a:shade val="50000"/>
+            </a:schemeClr>
+          </a:lnRef>
+          <a:fillRef idx="1">
+            <a:schemeClr val="accent1"/>
+          </a:fillRef>
+          <a:effectRef idx="0">
+            <a:schemeClr val="accent1"/>
+          </a:effectRef>
+          <a:fontRef idx="minor">
+            <a:schemeClr val="lt1"/>
+          </a:fontRef>
+        </p:style>
+        <p:txBody>
+          <a:bodyPr rtlCol="0" anchor="ctr"/>
+          <a:lstStyle/>
+          <a:p>
+            <a:pPr algn="ctr"/>
+            <a:endParaRPr lang="en-US" dirty="0"/>
+          </a:p>
+        </p:txBody>
+      </p:sp>
+      <p:sp>
+        <p:nvSpPr>
+          <p:cNvPr id="10" name="Rectangle 9">
+            <a:extLst>
+              <a:ext uri="{FF2B5EF4-FFF2-40B4-BE49-F238E27FC236}">
+                <a16:creationId xmlns:a16="http://schemas.microsoft.com/office/drawing/2014/main" id="{F6EE670A-A41A-44AD-BC1C-2090365EB5B3}"/>
+              </a:ext>
+              <a:ext uri="{C183D7F6-B498-43B3-948B-1728B52AA6E4}">
+                <adec:decorative xmlns:adec="http://schemas.microsoft.com/office/drawing/2017/decorative" val="1"/>
+              </a:ext>
+            </a:extLst>
+          </p:cNvPr>
+          <p:cNvSpPr>
+            <a:spLocks noGrp="1" noRot="1" noChangeAspect="1" noMove="1" noResize="1" noEditPoints="1" noAdjustHandles="1" noChangeArrowheads="1" noChangeShapeType="1" noTextEdit="1"/>
+          </p:cNvSpPr>
+          <p:nvPr>
+            <p:extLst>
+              <p:ext uri="{386F3935-93C4-4BCD-93E2-E3B085C9AB24}">
+                <p16:designElem xmlns:p16="http://schemas.microsoft.com/office/powerpoint/2015/main" val="1"/>
+              </p:ext>
+            </p:extLst>
+          </p:nvPr>
+        </p:nvSpPr>
+        <p:spPr>
+          <a:xfrm>
+            <a:off x="9583348" y="4394539"/>
+            <a:ext cx="2286920" cy="2029724"/>
+          </a:xfrm>
+          <a:prstGeom prst="rect">
+            <a:avLst/>
+          </a:prstGeom>
+          <a:solidFill>
+            <a:schemeClr val="tx2">
+              <a:alpha val="80000"/>
+            </a:schemeClr>
+          </a:solidFill>
+          <a:ln>
+            <a:noFill/>
+          </a:ln>
+        </p:spPr>
+        <p:style>
+          <a:lnRef idx="2">
+            <a:schemeClr val="accent1">
+              <a:shade val="50000"/>
+            </a:schemeClr>
+          </a:lnRef>
+          <a:fillRef idx="1">
+            <a:schemeClr val="accent1"/>
+          </a:fillRef>
+          <a:effectRef idx="0">
+            <a:schemeClr val="accent1"/>
+          </a:effectRef>
+          <a:fontRef idx="minor">
+            <a:schemeClr val="lt1"/>
+          </a:fontRef>
+        </p:style>
+        <p:txBody>
+          <a:bodyPr rtlCol="0" anchor="ctr"/>
+          <a:lstStyle/>
+          <a:p>
+            <a:pPr algn="ctr"/>
+            <a:endParaRPr lang="en-US"/>
           </a:p>
         </p:txBody>
       </p:sp>
@@ -26015,6 +26382,14 @@
 <file path=ppt/slides/slide14.xml><?xml version="1.0" encoding="utf-8"?>
 <p:sld xmlns:a="http://schemas.openxmlformats.org/drawingml/2006/main" xmlns:r="http://schemas.openxmlformats.org/officeDocument/2006/relationships" xmlns:p="http://schemas.openxmlformats.org/presentationml/2006/main">
   <p:cSld>
+    <p:bg>
+      <p:bgPr>
+        <a:solidFill>
+          <a:schemeClr val="bg1"/>
+        </a:solidFill>
+        <a:effectLst/>
+      </p:bgPr>
+    </p:bg>
     <p:spTree>
       <p:nvGrpSpPr>
         <p:cNvPr id="1" name=""/>
@@ -26045,7 +26420,12 @@
             <p:ph type="title"/>
           </p:nvPr>
         </p:nvSpPr>
-        <p:spPr/>
+        <p:spPr>
+          <a:xfrm>
+            <a:off x="1024128" y="585216"/>
+            <a:ext cx="8018272" cy="1499616"/>
+          </a:xfrm>
+        </p:spPr>
         <p:txBody>
           <a:bodyPr>
             <a:normAutofit/>
@@ -26090,9 +26470,16 @@
             <p:ph idx="1"/>
           </p:nvPr>
         </p:nvSpPr>
-        <p:spPr/>
+        <p:spPr>
+          <a:xfrm>
+            <a:off x="1024128" y="2286000"/>
+            <a:ext cx="8018271" cy="4023360"/>
+          </a:xfrm>
+        </p:spPr>
         <p:txBody>
-          <a:bodyPr/>
+          <a:bodyPr>
+            <a:normAutofit/>
+          </a:bodyPr>
           <a:lstStyle/>
           <a:p>
             <a:r>
@@ -26110,7 +26497,7 @@
               <a:buChar char="•"/>
             </a:pPr>
             <a:r>
-              <a:rPr lang="en-US" sz="2000" dirty="0"/>
+              <a:rPr lang="en-US" dirty="0"/>
               <a:t>Supranational organization: repayment of previous loan/paid-in capital from members</a:t>
             </a:r>
           </a:p>
@@ -26120,7 +26507,7 @@
               <a:buChar char="•"/>
             </a:pPr>
             <a:r>
-              <a:rPr lang="en-US" sz="2000" dirty="0"/>
+              <a:rPr lang="en-US" dirty="0"/>
               <a:t>Sovereign bond: tax/ print money/ foreign currency reserve</a:t>
             </a:r>
           </a:p>
@@ -26130,7 +26517,7 @@
               <a:buChar char="•"/>
             </a:pPr>
             <a:r>
-              <a:rPr lang="en-US" sz="2000" dirty="0"/>
+              <a:rPr lang="en-US" dirty="0"/>
               <a:t>Non-sovereign bond: general tax/ cash flow of the project/ special tax or fees</a:t>
             </a:r>
           </a:p>
@@ -26140,7 +26527,7 @@
               <a:buChar char="•"/>
             </a:pPr>
             <a:r>
-              <a:rPr lang="en-US" sz="2000" dirty="0"/>
+              <a:rPr lang="en-US" dirty="0"/>
               <a:t>Corporate bond: cash flow through its operation</a:t>
             </a:r>
           </a:p>
@@ -26150,12 +26537,140 @@
               <a:buChar char="•"/>
             </a:pPr>
             <a:r>
-              <a:rPr lang="en-US" sz="2000" dirty="0"/>
+              <a:rPr lang="en-US" dirty="0"/>
               <a:t>ABS: cash flow generated by underlying financial asset</a:t>
             </a:r>
           </a:p>
           <a:p>
             <a:endParaRPr lang="en-US" dirty="0"/>
+          </a:p>
+        </p:txBody>
+      </p:sp>
+      <p:sp>
+        <p:nvSpPr>
+          <p:cNvPr id="8" name="Rectangle 7">
+            <a:extLst>
+              <a:ext uri="{FF2B5EF4-FFF2-40B4-BE49-F238E27FC236}">
+                <a16:creationId xmlns:a16="http://schemas.microsoft.com/office/drawing/2014/main" id="{77D7B666-D5E6-48CE-B26A-FB5E5C34AF90}"/>
+              </a:ext>
+              <a:ext uri="{C183D7F6-B498-43B3-948B-1728B52AA6E4}">
+                <adec:decorative xmlns:adec="http://schemas.microsoft.com/office/drawing/2017/decorative" val="1"/>
+              </a:ext>
+            </a:extLst>
+          </p:cNvPr>
+          <p:cNvSpPr>
+            <a:spLocks noGrp="1" noRot="1" noChangeAspect="1" noMove="1" noResize="1" noEditPoints="1" noAdjustHandles="1" noChangeArrowheads="1" noChangeShapeType="1" noTextEdit="1"/>
+          </p:cNvSpPr>
+          <p:nvPr>
+            <p:extLst>
+              <p:ext uri="{386F3935-93C4-4BCD-93E2-E3B085C9AB24}">
+                <p16:designElem xmlns:p16="http://schemas.microsoft.com/office/powerpoint/2015/main" val="1"/>
+              </p:ext>
+            </p:extLst>
+          </p:nvPr>
+        </p:nvSpPr>
+        <p:spPr>
+          <a:xfrm>
+            <a:off x="9583348" y="325601"/>
+            <a:ext cx="2286920" cy="3908071"/>
+          </a:xfrm>
+          <a:prstGeom prst="rect">
+            <a:avLst/>
+          </a:prstGeom>
+          <a:solidFill>
+            <a:schemeClr val="accent1"/>
+          </a:solidFill>
+          <a:ln>
+            <a:noFill/>
+          </a:ln>
+        </p:spPr>
+        <p:style>
+          <a:lnRef idx="2">
+            <a:schemeClr val="accent1">
+              <a:shade val="50000"/>
+            </a:schemeClr>
+          </a:lnRef>
+          <a:fillRef idx="1">
+            <a:schemeClr val="accent1"/>
+          </a:fillRef>
+          <a:effectRef idx="0">
+            <a:schemeClr val="accent1"/>
+          </a:effectRef>
+          <a:fontRef idx="minor">
+            <a:schemeClr val="lt1"/>
+          </a:fontRef>
+        </p:style>
+        <p:txBody>
+          <a:bodyPr rtlCol="0" anchor="ctr"/>
+          <a:lstStyle/>
+          <a:p>
+            <a:pPr algn="ctr"/>
+            <a:endParaRPr lang="en-US" dirty="0"/>
+          </a:p>
+        </p:txBody>
+      </p:sp>
+      <p:sp>
+        <p:nvSpPr>
+          <p:cNvPr id="10" name="Rectangle 9">
+            <a:extLst>
+              <a:ext uri="{FF2B5EF4-FFF2-40B4-BE49-F238E27FC236}">
+                <a16:creationId xmlns:a16="http://schemas.microsoft.com/office/drawing/2014/main" id="{F6EE670A-A41A-44AD-BC1C-2090365EB5B3}"/>
+              </a:ext>
+              <a:ext uri="{C183D7F6-B498-43B3-948B-1728B52AA6E4}">
+                <adec:decorative xmlns:adec="http://schemas.microsoft.com/office/drawing/2017/decorative" val="1"/>
+              </a:ext>
+            </a:extLst>
+          </p:cNvPr>
+          <p:cNvSpPr>
+            <a:spLocks noGrp="1" noRot="1" noChangeAspect="1" noMove="1" noResize="1" noEditPoints="1" noAdjustHandles="1" noChangeArrowheads="1" noChangeShapeType="1" noTextEdit="1"/>
+          </p:cNvSpPr>
+          <p:nvPr>
+            <p:extLst>
+              <p:ext uri="{386F3935-93C4-4BCD-93E2-E3B085C9AB24}">
+                <p16:designElem xmlns:p16="http://schemas.microsoft.com/office/powerpoint/2015/main" val="1"/>
+              </p:ext>
+            </p:extLst>
+          </p:nvPr>
+        </p:nvSpPr>
+        <p:spPr>
+          <a:xfrm>
+            <a:off x="9583348" y="4394539"/>
+            <a:ext cx="2286920" cy="2029724"/>
+          </a:xfrm>
+          <a:prstGeom prst="rect">
+            <a:avLst/>
+          </a:prstGeom>
+          <a:solidFill>
+            <a:schemeClr val="tx2">
+              <a:alpha val="80000"/>
+            </a:schemeClr>
+          </a:solidFill>
+          <a:ln>
+            <a:noFill/>
+          </a:ln>
+        </p:spPr>
+        <p:style>
+          <a:lnRef idx="2">
+            <a:schemeClr val="accent1">
+              <a:shade val="50000"/>
+            </a:schemeClr>
+          </a:lnRef>
+          <a:fillRef idx="1">
+            <a:schemeClr val="accent1"/>
+          </a:fillRef>
+          <a:effectRef idx="0">
+            <a:schemeClr val="accent1"/>
+          </a:effectRef>
+          <a:fontRef idx="minor">
+            <a:schemeClr val="lt1"/>
+          </a:fontRef>
+        </p:style>
+        <p:txBody>
+          <a:bodyPr rtlCol="0" anchor="ctr"/>
+          <a:lstStyle/>
+          <a:p>
+            <a:pPr algn="ctr"/>
+            <a:endParaRPr lang="en-US"/>
           </a:p>
         </p:txBody>
       </p:sp>
@@ -26175,6 +26690,14 @@
 <file path=ppt/slides/slide15.xml><?xml version="1.0" encoding="utf-8"?>
 <p:sld xmlns:a="http://schemas.openxmlformats.org/drawingml/2006/main" xmlns:r="http://schemas.openxmlformats.org/officeDocument/2006/relationships" xmlns:p="http://schemas.openxmlformats.org/presentationml/2006/main">
   <p:cSld>
+    <p:bg>
+      <p:bgPr>
+        <a:solidFill>
+          <a:schemeClr val="bg1"/>
+        </a:solidFill>
+        <a:effectLst/>
+      </p:bgPr>
+    </p:bg>
     <p:spTree>
       <p:nvGrpSpPr>
         <p:cNvPr id="1" name=""/>
@@ -26205,7 +26728,12 @@
             <p:ph type="title"/>
           </p:nvPr>
         </p:nvSpPr>
-        <p:spPr/>
+        <p:spPr>
+          <a:xfrm>
+            <a:off x="1024128" y="585216"/>
+            <a:ext cx="8018272" cy="1499616"/>
+          </a:xfrm>
+        </p:spPr>
         <p:txBody>
           <a:bodyPr>
             <a:normAutofit/>
@@ -26250,15 +26778,20 @@
             <p:ph idx="1"/>
           </p:nvPr>
         </p:nvSpPr>
-        <p:spPr/>
+        <p:spPr>
+          <a:xfrm>
+            <a:off x="1024128" y="2286000"/>
+            <a:ext cx="8018271" cy="4023360"/>
+          </a:xfrm>
+        </p:spPr>
         <p:txBody>
           <a:bodyPr>
-            <a:normAutofit fontScale="92500" lnSpcReduction="20000"/>
+            <a:normAutofit lnSpcReduction="10000"/>
           </a:bodyPr>
           <a:lstStyle/>
           <a:p>
             <a:r>
-              <a:rPr lang="en-US" sz="3000" dirty="0">
+              <a:rPr lang="en-US" sz="2800" dirty="0">
                 <a:solidFill>
                   <a:srgbClr val="FF0000"/>
                 </a:solidFill>
@@ -26268,19 +26801,19 @@
           </a:p>
           <a:p>
             <a:r>
-              <a:rPr lang="en-US" dirty="0"/>
+              <a:rPr lang="en-US" sz="1700" dirty="0"/>
               <a:t>Secured bond/unsecured bond</a:t>
             </a:r>
           </a:p>
           <a:p>
             <a:r>
-              <a:rPr lang="en-US" dirty="0"/>
+              <a:rPr lang="en-US" sz="1700" dirty="0"/>
               <a:t>Senior debt/subordinated debt/junior debt</a:t>
             </a:r>
           </a:p>
           <a:p>
             <a:r>
-              <a:rPr lang="en-US" dirty="0">
+              <a:rPr lang="en-US" sz="1700" dirty="0">
                 <a:solidFill>
                   <a:srgbClr val="FF0000"/>
                 </a:solidFill>
@@ -26288,13 +26821,13 @@
               <a:t>Debentures</a:t>
             </a:r>
             <a:r>
-              <a:rPr lang="en-US" dirty="0"/>
+              <a:rPr lang="en-US" sz="1700" dirty="0"/>
               <a:t> are a type of bond that can be secured or unsecured.</a:t>
             </a:r>
           </a:p>
           <a:p>
             <a:r>
-              <a:rPr lang="en-US" sz="3000" dirty="0">
+              <a:rPr lang="en-US" sz="2800" dirty="0">
                 <a:solidFill>
                   <a:srgbClr val="FF0000"/>
                 </a:solidFill>
@@ -26308,7 +26841,7 @@
               <a:buChar char="•"/>
             </a:pPr>
             <a:r>
-              <a:rPr lang="en-US" dirty="0"/>
+              <a:rPr lang="en-US" sz="1700" dirty="0"/>
               <a:t>Collateral trust bonds (backed by securities such as common shares, other bonds)</a:t>
             </a:r>
           </a:p>
@@ -26318,7 +26851,7 @@
               <a:buChar char="•"/>
             </a:pPr>
             <a:r>
-              <a:rPr lang="en-US" dirty="0"/>
+              <a:rPr lang="en-US" sz="1700" dirty="0"/>
               <a:t>Equipment trust certificates(secured by equipment or physical asset)</a:t>
             </a:r>
           </a:p>
@@ -26328,7 +26861,7 @@
               <a:buChar char="•"/>
             </a:pPr>
             <a:r>
-              <a:rPr lang="en-US" dirty="0"/>
+              <a:rPr lang="en-US" sz="1700" dirty="0"/>
               <a:t>ABS(mortgaged property, motor)</a:t>
             </a:r>
           </a:p>
@@ -26338,12 +26871,140 @@
               <a:buChar char="•"/>
             </a:pPr>
             <a:r>
-              <a:rPr lang="en-US" dirty="0"/>
+              <a:rPr lang="en-US" sz="1700" dirty="0"/>
               <a:t>Covered bonds(similar to ABS but offer bondholders recourse against both the financial institution and the underlying asset pool)</a:t>
             </a:r>
           </a:p>
           <a:p>
+            <a:endParaRPr lang="en-US" sz="1700" dirty="0"/>
+          </a:p>
+        </p:txBody>
+      </p:sp>
+      <p:sp>
+        <p:nvSpPr>
+          <p:cNvPr id="8" name="Rectangle 7">
+            <a:extLst>
+              <a:ext uri="{FF2B5EF4-FFF2-40B4-BE49-F238E27FC236}">
+                <a16:creationId xmlns:a16="http://schemas.microsoft.com/office/drawing/2014/main" id="{77D7B666-D5E6-48CE-B26A-FB5E5C34AF90}"/>
+              </a:ext>
+              <a:ext uri="{C183D7F6-B498-43B3-948B-1728B52AA6E4}">
+                <adec:decorative xmlns:adec="http://schemas.microsoft.com/office/drawing/2017/decorative" val="1"/>
+              </a:ext>
+            </a:extLst>
+          </p:cNvPr>
+          <p:cNvSpPr>
+            <a:spLocks noGrp="1" noRot="1" noChangeAspect="1" noMove="1" noResize="1" noEditPoints="1" noAdjustHandles="1" noChangeArrowheads="1" noChangeShapeType="1" noTextEdit="1"/>
+          </p:cNvSpPr>
+          <p:nvPr>
+            <p:extLst>
+              <p:ext uri="{386F3935-93C4-4BCD-93E2-E3B085C9AB24}">
+                <p16:designElem xmlns:p16="http://schemas.microsoft.com/office/powerpoint/2015/main" val="1"/>
+              </p:ext>
+            </p:extLst>
+          </p:nvPr>
+        </p:nvSpPr>
+        <p:spPr>
+          <a:xfrm>
+            <a:off x="9583348" y="325601"/>
+            <a:ext cx="2286920" cy="3908071"/>
+          </a:xfrm>
+          <a:prstGeom prst="rect">
+            <a:avLst/>
+          </a:prstGeom>
+          <a:solidFill>
+            <a:schemeClr val="accent1"/>
+          </a:solidFill>
+          <a:ln>
+            <a:noFill/>
+          </a:ln>
+        </p:spPr>
+        <p:style>
+          <a:lnRef idx="2">
+            <a:schemeClr val="accent1">
+              <a:shade val="50000"/>
+            </a:schemeClr>
+          </a:lnRef>
+          <a:fillRef idx="1">
+            <a:schemeClr val="accent1"/>
+          </a:fillRef>
+          <a:effectRef idx="0">
+            <a:schemeClr val="accent1"/>
+          </a:effectRef>
+          <a:fontRef idx="minor">
+            <a:schemeClr val="lt1"/>
+          </a:fontRef>
+        </p:style>
+        <p:txBody>
+          <a:bodyPr rtlCol="0" anchor="ctr"/>
+          <a:lstStyle/>
+          <a:p>
+            <a:pPr algn="ctr"/>
             <a:endParaRPr lang="en-US" dirty="0"/>
+          </a:p>
+        </p:txBody>
+      </p:sp>
+      <p:sp>
+        <p:nvSpPr>
+          <p:cNvPr id="10" name="Rectangle 9">
+            <a:extLst>
+              <a:ext uri="{FF2B5EF4-FFF2-40B4-BE49-F238E27FC236}">
+                <a16:creationId xmlns:a16="http://schemas.microsoft.com/office/drawing/2014/main" id="{F6EE670A-A41A-44AD-BC1C-2090365EB5B3}"/>
+              </a:ext>
+              <a:ext uri="{C183D7F6-B498-43B3-948B-1728B52AA6E4}">
+                <adec:decorative xmlns:adec="http://schemas.microsoft.com/office/drawing/2017/decorative" val="1"/>
+              </a:ext>
+            </a:extLst>
+          </p:cNvPr>
+          <p:cNvSpPr>
+            <a:spLocks noGrp="1" noRot="1" noChangeAspect="1" noMove="1" noResize="1" noEditPoints="1" noAdjustHandles="1" noChangeArrowheads="1" noChangeShapeType="1" noTextEdit="1"/>
+          </p:cNvSpPr>
+          <p:nvPr>
+            <p:extLst>
+              <p:ext uri="{386F3935-93C4-4BCD-93E2-E3B085C9AB24}">
+                <p16:designElem xmlns:p16="http://schemas.microsoft.com/office/powerpoint/2015/main" val="1"/>
+              </p:ext>
+            </p:extLst>
+          </p:nvPr>
+        </p:nvSpPr>
+        <p:spPr>
+          <a:xfrm>
+            <a:off x="9583348" y="4394539"/>
+            <a:ext cx="2286920" cy="2029724"/>
+          </a:xfrm>
+          <a:prstGeom prst="rect">
+            <a:avLst/>
+          </a:prstGeom>
+          <a:solidFill>
+            <a:schemeClr val="tx2">
+              <a:alpha val="80000"/>
+            </a:schemeClr>
+          </a:solidFill>
+          <a:ln>
+            <a:noFill/>
+          </a:ln>
+        </p:spPr>
+        <p:style>
+          <a:lnRef idx="2">
+            <a:schemeClr val="accent1">
+              <a:shade val="50000"/>
+            </a:schemeClr>
+          </a:lnRef>
+          <a:fillRef idx="1">
+            <a:schemeClr val="accent1"/>
+          </a:fillRef>
+          <a:effectRef idx="0">
+            <a:schemeClr val="accent1"/>
+          </a:effectRef>
+          <a:fontRef idx="minor">
+            <a:schemeClr val="lt1"/>
+          </a:fontRef>
+        </p:style>
+        <p:txBody>
+          <a:bodyPr rtlCol="0" anchor="ctr"/>
+          <a:lstStyle/>
+          <a:p>
+            <a:pPr algn="ctr"/>
+            <a:endParaRPr lang="en-US"/>
           </a:p>
         </p:txBody>
       </p:sp>
@@ -26363,6 +27024,14 @@
 <file path=ppt/slides/slide16.xml><?xml version="1.0" encoding="utf-8"?>
 <p:sld xmlns:a="http://schemas.openxmlformats.org/drawingml/2006/main" xmlns:r="http://schemas.openxmlformats.org/officeDocument/2006/relationships" xmlns:p="http://schemas.openxmlformats.org/presentationml/2006/main">
   <p:cSld>
+    <p:bg>
+      <p:bgPr>
+        <a:solidFill>
+          <a:schemeClr val="bg1"/>
+        </a:solidFill>
+        <a:effectLst/>
+      </p:bgPr>
+    </p:bg>
     <p:spTree>
       <p:nvGrpSpPr>
         <p:cNvPr id="1" name=""/>
@@ -26377,6 +27046,44 @@
           <a:chExt cx="0" cy="0"/>
         </a:xfrm>
       </p:grpSpPr>
+      <p:pic>
+        <p:nvPicPr>
+          <p:cNvPr id="11" name="Picture 4" descr="Pen placed on top of a signature line">
+            <a:extLst>
+              <a:ext uri="{FF2B5EF4-FFF2-40B4-BE49-F238E27FC236}">
+                <a16:creationId xmlns:a16="http://schemas.microsoft.com/office/drawing/2014/main" id="{DF7CB45F-E148-0494-7396-9AF32CAD8C8C}"/>
+              </a:ext>
+            </a:extLst>
+          </p:cNvPr>
+          <p:cNvPicPr>
+            <a:picLocks noChangeAspect="1"/>
+          </p:cNvPicPr>
+          <p:nvPr/>
+        </p:nvPicPr>
+        <p:blipFill rotWithShape="1">
+          <a:blip r:embed="rId2">
+            <a:duotone>
+              <a:schemeClr val="bg2">
+                <a:shade val="45000"/>
+                <a:satMod val="135000"/>
+              </a:schemeClr>
+              <a:prstClr val="white"/>
+            </a:duotone>
+            <a:alphaModFix amt="40000"/>
+          </a:blip>
+          <a:srcRect b="15730"/>
+          <a:stretch/>
+        </p:blipFill>
+        <p:spPr>
+          <a:xfrm>
+            <a:off x="20" y="10"/>
+            <a:ext cx="12191980" cy="6857989"/>
+          </a:xfrm>
+          <a:prstGeom prst="rect">
+            <a:avLst/>
+          </a:prstGeom>
+        </p:spPr>
+      </p:pic>
       <p:sp>
         <p:nvSpPr>
           <p:cNvPr id="2" name="Title 1">
@@ -26393,7 +27100,12 @@
             <p:ph type="title"/>
           </p:nvPr>
         </p:nvSpPr>
-        <p:spPr/>
+        <p:spPr>
+          <a:xfrm>
+            <a:off x="1024128" y="585216"/>
+            <a:ext cx="9720072" cy="1499616"/>
+          </a:xfrm>
+        </p:spPr>
         <p:txBody>
           <a:bodyPr>
             <a:normAutofit/>
@@ -26401,27 +27113,79 @@
           <a:lstStyle/>
           <a:p>
             <a:r>
-              <a:rPr lang="en-US" sz="3500" b="1" dirty="0"/>
+              <a:rPr lang="en-US" sz="3500" b="1"/>
               <a:t>Module1</a:t>
             </a:r>
             <a:br>
-              <a:rPr lang="en-US" sz="3500" b="1" dirty="0"/>
+              <a:rPr lang="en-US" sz="3500" b="1"/>
             </a:br>
             <a:r>
-              <a:rPr lang="en-US" sz="3500" b="1" dirty="0"/>
+              <a:rPr lang="en-US" sz="3500" b="1"/>
               <a:t>Fixed-Income Securities: </a:t>
             </a:r>
             <a:br>
-              <a:rPr lang="en-US" sz="3500" b="1" dirty="0"/>
+              <a:rPr lang="en-US" sz="3500" b="1"/>
             </a:br>
             <a:r>
-              <a:rPr lang="en-US" sz="3500" b="1" dirty="0"/>
+              <a:rPr lang="en-US" sz="3500" b="1"/>
               <a:t>Defining Elements</a:t>
             </a:r>
             <a:endParaRPr lang="en-US" sz="3500" dirty="0"/>
           </a:p>
         </p:txBody>
       </p:sp>
+      <p:cxnSp>
+        <p:nvCxnSpPr>
+          <p:cNvPr id="12" name="Straight Connector 8">
+            <a:extLst>
+              <a:ext uri="{FF2B5EF4-FFF2-40B4-BE49-F238E27FC236}">
+                <a16:creationId xmlns:a16="http://schemas.microsoft.com/office/drawing/2014/main" id="{3FEFDF7D-B17C-4F16-B8BE-C55FFC7E295E}"/>
+              </a:ext>
+              <a:ext uri="{C183D7F6-B498-43B3-948B-1728B52AA6E4}">
+                <adec:decorative xmlns:adec="http://schemas.microsoft.com/office/drawing/2017/decorative" val="1"/>
+              </a:ext>
+            </a:extLst>
+          </p:cNvPr>
+          <p:cNvCxnSpPr>
+            <a:cxnSpLocks noGrp="1" noRot="1" noChangeAspect="1" noMove="1" noResize="1" noEditPoints="1" noAdjustHandles="1" noChangeArrowheads="1" noChangeShapeType="1"/>
+          </p:cNvCxnSpPr>
+          <p:nvPr>
+            <p:extLst>
+              <p:ext uri="{386F3935-93C4-4BCD-93E2-E3B085C9AB24}">
+                <p16:designElem xmlns:p16="http://schemas.microsoft.com/office/powerpoint/2015/main" val="1"/>
+              </p:ext>
+            </p:extLst>
+          </p:nvPr>
+        </p:nvCxnSpPr>
+        <p:spPr>
+          <a:xfrm flipV="1">
+            <a:off x="762000" y="826324"/>
+            <a:ext cx="0" cy="914400"/>
+          </a:xfrm>
+          <a:prstGeom prst="line">
+            <a:avLst/>
+          </a:prstGeom>
+          <a:ln w="19050">
+            <a:solidFill>
+              <a:schemeClr val="accent1"/>
+            </a:solidFill>
+          </a:ln>
+        </p:spPr>
+        <p:style>
+          <a:lnRef idx="1">
+            <a:schemeClr val="accent1"/>
+          </a:lnRef>
+          <a:fillRef idx="0">
+            <a:schemeClr val="accent1"/>
+          </a:fillRef>
+          <a:effectRef idx="0">
+            <a:schemeClr val="accent1"/>
+          </a:effectRef>
+          <a:fontRef idx="minor">
+            <a:schemeClr val="tx1"/>
+          </a:fontRef>
+        </p:style>
+      </p:cxnSp>
       <p:sp>
         <p:nvSpPr>
           <p:cNvPr id="3" name="Content Placeholder 2">
@@ -26438,7 +27202,12 @@
             <p:ph idx="1"/>
           </p:nvPr>
         </p:nvSpPr>
-        <p:spPr/>
+        <p:spPr>
+          <a:xfrm>
+            <a:off x="1024128" y="2286000"/>
+            <a:ext cx="9720073" cy="4023360"/>
+          </a:xfrm>
+        </p:spPr>
         <p:txBody>
           <a:bodyPr>
             <a:normAutofit/>
@@ -26457,11 +27226,7 @@
           <a:p>
             <a:pPr lvl="1"/>
             <a:r>
-              <a:rPr lang="en-US" sz="2400" dirty="0">
-                <a:solidFill>
-                  <a:srgbClr val="FF0000"/>
-                </a:solidFill>
-              </a:rPr>
+              <a:rPr lang="en-US" sz="2400" dirty="0"/>
               <a:t>Internal credit enhancement</a:t>
             </a:r>
           </a:p>
@@ -26489,11 +27254,7 @@
           <a:p>
             <a:pPr lvl="1"/>
             <a:r>
-              <a:rPr lang="en-US" sz="2400" dirty="0">
-                <a:solidFill>
-                  <a:srgbClr val="FF0000"/>
-                </a:solidFill>
-              </a:rPr>
+              <a:rPr lang="en-US" sz="2400" dirty="0"/>
               <a:t>External credit enhancement</a:t>
             </a:r>
           </a:p>
@@ -26519,18 +27280,10 @@
             </a:r>
           </a:p>
           <a:p>
-            <a:endParaRPr lang="en-US" sz="2800" dirty="0">
-              <a:solidFill>
-                <a:srgbClr val="FF0000"/>
-              </a:solidFill>
-            </a:endParaRPr>
+            <a:endParaRPr lang="en-US" dirty="0"/>
           </a:p>
           <a:p>
-            <a:endParaRPr lang="en-US" sz="2800" dirty="0">
-              <a:solidFill>
-                <a:srgbClr val="FF0000"/>
-              </a:solidFill>
-            </a:endParaRPr>
+            <a:endParaRPr lang="en-US" dirty="0"/>
           </a:p>
           <a:p>
             <a:endParaRPr lang="en-US" dirty="0"/>
@@ -27237,6 +27990,14 @@
 <file path=ppt/slides/slide19.xml><?xml version="1.0" encoding="utf-8"?>
 <p:sld xmlns:a="http://schemas.openxmlformats.org/drawingml/2006/main" xmlns:r="http://schemas.openxmlformats.org/officeDocument/2006/relationships" xmlns:p="http://schemas.openxmlformats.org/presentationml/2006/main">
   <p:cSld>
+    <p:bg>
+      <p:bgPr>
+        <a:solidFill>
+          <a:schemeClr val="bg1"/>
+        </a:solidFill>
+        <a:effectLst/>
+      </p:bgPr>
+    </p:bg>
     <p:spTree>
       <p:nvGrpSpPr>
         <p:cNvPr id="1" name=""/>
@@ -27267,7 +28028,12 @@
             <p:ph type="title"/>
           </p:nvPr>
         </p:nvSpPr>
-        <p:spPr/>
+        <p:spPr>
+          <a:xfrm>
+            <a:off x="1024128" y="585216"/>
+            <a:ext cx="8018272" cy="1499616"/>
+          </a:xfrm>
+        </p:spPr>
         <p:txBody>
           <a:bodyPr>
             <a:normAutofit/>
@@ -27312,7 +28078,12 @@
             <p:ph idx="1"/>
           </p:nvPr>
         </p:nvSpPr>
-        <p:spPr/>
+        <p:spPr>
+          <a:xfrm>
+            <a:off x="1024128" y="2286000"/>
+            <a:ext cx="8018271" cy="4023360"/>
+          </a:xfrm>
+        </p:spPr>
         <p:txBody>
           <a:bodyPr>
             <a:normAutofit/>
@@ -27320,15 +28091,163 @@
           <a:lstStyle/>
           <a:p>
             <a:r>
-              <a:rPr lang="en-US" sz="2400" dirty="0"/>
-              <a:t>Affirmative covenants typically do not impose additional costs to the issuer and do not materially constrain the issuer’s discretion regarding how to operate its business.</a:t>
+              <a:rPr lang="en-US" dirty="0">
+                <a:solidFill>
+                  <a:srgbClr val="FF0000"/>
+                </a:solidFill>
+              </a:rPr>
+              <a:t>Affirmative covenants </a:t>
+            </a:r>
+            <a:r>
+              <a:rPr lang="en-US" dirty="0"/>
+              <a:t>typically do not impose additional costs to the issuer and do not materially constrain the issuer’s discretion regarding how to operate its business.</a:t>
             </a:r>
           </a:p>
           <a:p>
             <a:r>
-              <a:rPr lang="en-US" sz="2400" dirty="0"/>
-              <a:t>In contrast, negative covenants are frequently costly and materially constrain the issuer’s potential business decisions. They protect bondholders from the dilution of their claims, asset withdrawals or substitutions, and suboptimal investments by the issuer.</a:t>
+              <a:rPr lang="en-US" dirty="0"/>
+              <a:t>In contrast, </a:t>
             </a:r>
+            <a:r>
+              <a:rPr lang="en-US" dirty="0">
+                <a:solidFill>
+                  <a:srgbClr val="FF0000"/>
+                </a:solidFill>
+              </a:rPr>
+              <a:t>negative covenants </a:t>
+            </a:r>
+            <a:r>
+              <a:rPr lang="en-US" dirty="0"/>
+              <a:t>are frequently costly and materially constrain the issuer’s potential business decisions. They protect bondholders from the dilution of their claims, asset withdrawals or substitutions, and suboptimal investments by the issuer.</a:t>
+            </a:r>
+          </a:p>
+        </p:txBody>
+      </p:sp>
+      <p:sp>
+        <p:nvSpPr>
+          <p:cNvPr id="8" name="Rectangle 7">
+            <a:extLst>
+              <a:ext uri="{FF2B5EF4-FFF2-40B4-BE49-F238E27FC236}">
+                <a16:creationId xmlns:a16="http://schemas.microsoft.com/office/drawing/2014/main" id="{77D7B666-D5E6-48CE-B26A-FB5E5C34AF90}"/>
+              </a:ext>
+              <a:ext uri="{C183D7F6-B498-43B3-948B-1728B52AA6E4}">
+                <adec:decorative xmlns:adec="http://schemas.microsoft.com/office/drawing/2017/decorative" val="1"/>
+              </a:ext>
+            </a:extLst>
+          </p:cNvPr>
+          <p:cNvSpPr>
+            <a:spLocks noGrp="1" noRot="1" noChangeAspect="1" noMove="1" noResize="1" noEditPoints="1" noAdjustHandles="1" noChangeArrowheads="1" noChangeShapeType="1" noTextEdit="1"/>
+          </p:cNvSpPr>
+          <p:nvPr>
+            <p:extLst>
+              <p:ext uri="{386F3935-93C4-4BCD-93E2-E3B085C9AB24}">
+                <p16:designElem xmlns:p16="http://schemas.microsoft.com/office/powerpoint/2015/main" val="1"/>
+              </p:ext>
+            </p:extLst>
+          </p:nvPr>
+        </p:nvSpPr>
+        <p:spPr>
+          <a:xfrm>
+            <a:off x="9583348" y="325601"/>
+            <a:ext cx="2286920" cy="3908071"/>
+          </a:xfrm>
+          <a:prstGeom prst="rect">
+            <a:avLst/>
+          </a:prstGeom>
+          <a:solidFill>
+            <a:schemeClr val="accent1"/>
+          </a:solidFill>
+          <a:ln>
+            <a:noFill/>
+          </a:ln>
+        </p:spPr>
+        <p:style>
+          <a:lnRef idx="2">
+            <a:schemeClr val="accent1">
+              <a:shade val="50000"/>
+            </a:schemeClr>
+          </a:lnRef>
+          <a:fillRef idx="1">
+            <a:schemeClr val="accent1"/>
+          </a:fillRef>
+          <a:effectRef idx="0">
+            <a:schemeClr val="accent1"/>
+          </a:effectRef>
+          <a:fontRef idx="minor">
+            <a:schemeClr val="lt1"/>
+          </a:fontRef>
+        </p:style>
+        <p:txBody>
+          <a:bodyPr rtlCol="0" anchor="ctr"/>
+          <a:lstStyle/>
+          <a:p>
+            <a:pPr algn="ctr"/>
+            <a:endParaRPr lang="en-US" dirty="0"/>
+          </a:p>
+        </p:txBody>
+      </p:sp>
+      <p:sp>
+        <p:nvSpPr>
+          <p:cNvPr id="10" name="Rectangle 9">
+            <a:extLst>
+              <a:ext uri="{FF2B5EF4-FFF2-40B4-BE49-F238E27FC236}">
+                <a16:creationId xmlns:a16="http://schemas.microsoft.com/office/drawing/2014/main" id="{F6EE670A-A41A-44AD-BC1C-2090365EB5B3}"/>
+              </a:ext>
+              <a:ext uri="{C183D7F6-B498-43B3-948B-1728B52AA6E4}">
+                <adec:decorative xmlns:adec="http://schemas.microsoft.com/office/drawing/2017/decorative" val="1"/>
+              </a:ext>
+            </a:extLst>
+          </p:cNvPr>
+          <p:cNvSpPr>
+            <a:spLocks noGrp="1" noRot="1" noChangeAspect="1" noMove="1" noResize="1" noEditPoints="1" noAdjustHandles="1" noChangeArrowheads="1" noChangeShapeType="1" noTextEdit="1"/>
+          </p:cNvSpPr>
+          <p:nvPr>
+            <p:extLst>
+              <p:ext uri="{386F3935-93C4-4BCD-93E2-E3B085C9AB24}">
+                <p16:designElem xmlns:p16="http://schemas.microsoft.com/office/powerpoint/2015/main" val="1"/>
+              </p:ext>
+            </p:extLst>
+          </p:nvPr>
+        </p:nvSpPr>
+        <p:spPr>
+          <a:xfrm>
+            <a:off x="9583348" y="4394539"/>
+            <a:ext cx="2286920" cy="2029724"/>
+          </a:xfrm>
+          <a:prstGeom prst="rect">
+            <a:avLst/>
+          </a:prstGeom>
+          <a:solidFill>
+            <a:schemeClr val="tx2">
+              <a:alpha val="80000"/>
+            </a:schemeClr>
+          </a:solidFill>
+          <a:ln>
+            <a:noFill/>
+          </a:ln>
+        </p:spPr>
+        <p:style>
+          <a:lnRef idx="2">
+            <a:schemeClr val="accent1">
+              <a:shade val="50000"/>
+            </a:schemeClr>
+          </a:lnRef>
+          <a:fillRef idx="1">
+            <a:schemeClr val="accent1"/>
+          </a:fillRef>
+          <a:effectRef idx="0">
+            <a:schemeClr val="accent1"/>
+          </a:effectRef>
+          <a:fontRef idx="minor">
+            <a:schemeClr val="lt1"/>
+          </a:fontRef>
+        </p:style>
+        <p:txBody>
+          <a:bodyPr rtlCol="0" anchor="ctr"/>
+          <a:lstStyle/>
+          <a:p>
+            <a:pPr algn="ctr"/>
+            <a:endParaRPr lang="en-US"/>
           </a:p>
         </p:txBody>
       </p:sp>
@@ -27748,6 +28667,14 @@
 <file path=ppt/slides/slide20.xml><?xml version="1.0" encoding="utf-8"?>
 <p:sld xmlns:a="http://schemas.openxmlformats.org/drawingml/2006/main" xmlns:r="http://schemas.openxmlformats.org/officeDocument/2006/relationships" xmlns:p="http://schemas.openxmlformats.org/presentationml/2006/main">
   <p:cSld>
+    <p:bg>
+      <p:bgPr>
+        <a:solidFill>
+          <a:schemeClr val="bg1"/>
+        </a:solidFill>
+        <a:effectLst/>
+      </p:bgPr>
+    </p:bg>
     <p:spTree>
       <p:nvGrpSpPr>
         <p:cNvPr id="1" name=""/>
@@ -27778,9 +28705,16 @@
             <p:ph type="title"/>
           </p:nvPr>
         </p:nvSpPr>
-        <p:spPr/>
+        <p:spPr>
+          <a:xfrm>
+            <a:off x="1024128" y="585216"/>
+            <a:ext cx="8018272" cy="1499616"/>
+          </a:xfrm>
+        </p:spPr>
         <p:txBody>
-          <a:bodyPr/>
+          <a:bodyPr>
+            <a:normAutofit/>
+          </a:bodyPr>
           <a:lstStyle/>
           <a:p>
             <a:r>
@@ -27806,7 +28740,12 @@
             <p:ph idx="1"/>
           </p:nvPr>
         </p:nvSpPr>
-        <p:spPr/>
+        <p:spPr>
+          <a:xfrm>
+            <a:off x="1024128" y="2286000"/>
+            <a:ext cx="8018271" cy="4023360"/>
+          </a:xfrm>
+        </p:spPr>
         <p:txBody>
           <a:bodyPr>
             <a:normAutofit/>
@@ -27817,20 +28756,17 @@
               <a:buNone/>
             </a:pPr>
             <a:r>
-              <a:rPr lang="en-US" dirty="0"/>
+              <a:rPr lang="en-US" sz="2000"/>
               <a:t>1.The major advantage of issuing bonds through a special legal entity is:</a:t>
             </a:r>
           </a:p>
           <a:p>
             <a:pPr marL="342900" indent="-342900">
-              <a:lnSpc>
-                <a:spcPct val="100000"/>
-              </a:lnSpc>
               <a:buFont typeface="+mj-lt"/>
               <a:buAutoNum type="alphaUcPeriod"/>
             </a:pPr>
             <a:r>
-              <a:rPr lang="en-US" sz="1800" b="1" dirty="0">
+              <a:rPr lang="en-US" sz="2000" b="1">
                 <a:latin typeface="MyriadPro"/>
               </a:rPr>
               <a:t>bankruptcy remoteness.</a:t>
@@ -27838,14 +28774,11 @@
           </a:p>
           <a:p>
             <a:pPr marL="342900" indent="-342900">
-              <a:lnSpc>
-                <a:spcPct val="100000"/>
-              </a:lnSpc>
               <a:buFont typeface="+mj-lt"/>
               <a:buAutoNum type="alphaUcPeriod"/>
             </a:pPr>
             <a:r>
-              <a:rPr lang="en-US" sz="1800" b="1" dirty="0">
+              <a:rPr lang="en-US" sz="2000" b="1">
                 <a:latin typeface="MyriadPro"/>
               </a:rPr>
               <a:t>beneficial tax treatments.</a:t>
@@ -27853,14 +28786,11 @@
           </a:p>
           <a:p>
             <a:pPr marL="342900" indent="-342900">
-              <a:lnSpc>
-                <a:spcPct val="100000"/>
-              </a:lnSpc>
               <a:buFont typeface="+mj-lt"/>
               <a:buAutoNum type="alphaUcPeriod"/>
             </a:pPr>
             <a:r>
-              <a:rPr lang="en-US" sz="1800" b="1" dirty="0">
+              <a:rPr lang="en-US" sz="2000" b="1">
                 <a:latin typeface="MyriadPro"/>
               </a:rPr>
               <a:t>greater liquidity and lower issuing costs.</a:t>
@@ -27871,20 +28801,17 @@
               <a:buNone/>
             </a:pPr>
             <a:r>
-              <a:rPr lang="en-US" dirty="0"/>
+              <a:rPr lang="en-US" sz="2000"/>
               <a:t>2.The category of bond most likely repaid from the repayment of previous loans made by the issuer is:</a:t>
             </a:r>
           </a:p>
           <a:p>
             <a:pPr marL="342900" indent="-342900">
-              <a:lnSpc>
-                <a:spcPct val="100000"/>
-              </a:lnSpc>
               <a:buFont typeface="+mj-lt"/>
               <a:buAutoNum type="alphaUcPeriod"/>
             </a:pPr>
             <a:r>
-              <a:rPr lang="en-US" sz="1800" b="1" dirty="0">
+              <a:rPr lang="en-US" sz="2000" b="1">
                 <a:latin typeface="MyriadPro"/>
               </a:rPr>
               <a:t>sovereign bonds.</a:t>
@@ -27892,14 +28819,11 @@
           </a:p>
           <a:p>
             <a:pPr marL="342900" indent="-342900">
-              <a:lnSpc>
-                <a:spcPct val="100000"/>
-              </a:lnSpc>
               <a:buFont typeface="+mj-lt"/>
               <a:buAutoNum type="alphaUcPeriod"/>
             </a:pPr>
             <a:r>
-              <a:rPr lang="en-US" sz="1800" b="1" dirty="0">
+              <a:rPr lang="en-US" sz="2000" b="1">
                 <a:latin typeface="MyriadPro"/>
               </a:rPr>
               <a:t>supranational bonds.</a:t>
@@ -27907,18 +28831,143 @@
           </a:p>
           <a:p>
             <a:pPr marL="342900" indent="-342900">
-              <a:lnSpc>
-                <a:spcPct val="100000"/>
-              </a:lnSpc>
               <a:buFont typeface="+mj-lt"/>
               <a:buAutoNum type="alphaUcPeriod"/>
             </a:pPr>
             <a:r>
-              <a:rPr lang="en-US" sz="1800" b="1" dirty="0">
+              <a:rPr lang="en-US" sz="2000" b="1">
                 <a:latin typeface="MyriadPro"/>
               </a:rPr>
               <a:t>non-sovereign bonds.</a:t>
             </a:r>
+          </a:p>
+        </p:txBody>
+      </p:sp>
+      <p:sp>
+        <p:nvSpPr>
+          <p:cNvPr id="8" name="Rectangle 7">
+            <a:extLst>
+              <a:ext uri="{FF2B5EF4-FFF2-40B4-BE49-F238E27FC236}">
+                <a16:creationId xmlns:a16="http://schemas.microsoft.com/office/drawing/2014/main" id="{77D7B666-D5E6-48CE-B26A-FB5E5C34AF90}"/>
+              </a:ext>
+              <a:ext uri="{C183D7F6-B498-43B3-948B-1728B52AA6E4}">
+                <adec:decorative xmlns:adec="http://schemas.microsoft.com/office/drawing/2017/decorative" val="1"/>
+              </a:ext>
+            </a:extLst>
+          </p:cNvPr>
+          <p:cNvSpPr>
+            <a:spLocks noGrp="1" noRot="1" noChangeAspect="1" noMove="1" noResize="1" noEditPoints="1" noAdjustHandles="1" noChangeArrowheads="1" noChangeShapeType="1" noTextEdit="1"/>
+          </p:cNvSpPr>
+          <p:nvPr>
+            <p:extLst>
+              <p:ext uri="{386F3935-93C4-4BCD-93E2-E3B085C9AB24}">
+                <p16:designElem xmlns:p16="http://schemas.microsoft.com/office/powerpoint/2015/main" val="1"/>
+              </p:ext>
+            </p:extLst>
+          </p:nvPr>
+        </p:nvSpPr>
+        <p:spPr>
+          <a:xfrm>
+            <a:off x="9583348" y="325601"/>
+            <a:ext cx="2286920" cy="3908071"/>
+          </a:xfrm>
+          <a:prstGeom prst="rect">
+            <a:avLst/>
+          </a:prstGeom>
+          <a:solidFill>
+            <a:schemeClr val="accent1"/>
+          </a:solidFill>
+          <a:ln>
+            <a:noFill/>
+          </a:ln>
+        </p:spPr>
+        <p:style>
+          <a:lnRef idx="2">
+            <a:schemeClr val="accent1">
+              <a:shade val="50000"/>
+            </a:schemeClr>
+          </a:lnRef>
+          <a:fillRef idx="1">
+            <a:schemeClr val="accent1"/>
+          </a:fillRef>
+          <a:effectRef idx="0">
+            <a:schemeClr val="accent1"/>
+          </a:effectRef>
+          <a:fontRef idx="minor">
+            <a:schemeClr val="lt1"/>
+          </a:fontRef>
+        </p:style>
+        <p:txBody>
+          <a:bodyPr rtlCol="0" anchor="ctr"/>
+          <a:lstStyle/>
+          <a:p>
+            <a:pPr algn="ctr"/>
+            <a:endParaRPr lang="en-US" dirty="0"/>
+          </a:p>
+        </p:txBody>
+      </p:sp>
+      <p:sp>
+        <p:nvSpPr>
+          <p:cNvPr id="10" name="Rectangle 9">
+            <a:extLst>
+              <a:ext uri="{FF2B5EF4-FFF2-40B4-BE49-F238E27FC236}">
+                <a16:creationId xmlns:a16="http://schemas.microsoft.com/office/drawing/2014/main" id="{F6EE670A-A41A-44AD-BC1C-2090365EB5B3}"/>
+              </a:ext>
+              <a:ext uri="{C183D7F6-B498-43B3-948B-1728B52AA6E4}">
+                <adec:decorative xmlns:adec="http://schemas.microsoft.com/office/drawing/2017/decorative" val="1"/>
+              </a:ext>
+            </a:extLst>
+          </p:cNvPr>
+          <p:cNvSpPr>
+            <a:spLocks noGrp="1" noRot="1" noChangeAspect="1" noMove="1" noResize="1" noEditPoints="1" noAdjustHandles="1" noChangeArrowheads="1" noChangeShapeType="1" noTextEdit="1"/>
+          </p:cNvSpPr>
+          <p:nvPr>
+            <p:extLst>
+              <p:ext uri="{386F3935-93C4-4BCD-93E2-E3B085C9AB24}">
+                <p16:designElem xmlns:p16="http://schemas.microsoft.com/office/powerpoint/2015/main" val="1"/>
+              </p:ext>
+            </p:extLst>
+          </p:nvPr>
+        </p:nvSpPr>
+        <p:spPr>
+          <a:xfrm>
+            <a:off x="9583348" y="4394539"/>
+            <a:ext cx="2286920" cy="2029724"/>
+          </a:xfrm>
+          <a:prstGeom prst="rect">
+            <a:avLst/>
+          </a:prstGeom>
+          <a:solidFill>
+            <a:schemeClr val="tx2">
+              <a:alpha val="80000"/>
+            </a:schemeClr>
+          </a:solidFill>
+          <a:ln>
+            <a:noFill/>
+          </a:ln>
+        </p:spPr>
+        <p:style>
+          <a:lnRef idx="2">
+            <a:schemeClr val="accent1">
+              <a:shade val="50000"/>
+            </a:schemeClr>
+          </a:lnRef>
+          <a:fillRef idx="1">
+            <a:schemeClr val="accent1"/>
+          </a:fillRef>
+          <a:effectRef idx="0">
+            <a:schemeClr val="accent1"/>
+          </a:effectRef>
+          <a:fontRef idx="minor">
+            <a:schemeClr val="lt1"/>
+          </a:fontRef>
+        </p:style>
+        <p:txBody>
+          <a:bodyPr rtlCol="0" anchor="ctr"/>
+          <a:lstStyle/>
+          <a:p>
+            <a:pPr algn="ctr"/>
+            <a:endParaRPr lang="en-US"/>
           </a:p>
         </p:txBody>
       </p:sp>
@@ -27938,6 +28987,14 @@
 <file path=ppt/slides/slide21.xml><?xml version="1.0" encoding="utf-8"?>
 <p:sld xmlns:a="http://schemas.openxmlformats.org/drawingml/2006/main" xmlns:r="http://schemas.openxmlformats.org/officeDocument/2006/relationships" xmlns:p="http://schemas.openxmlformats.org/presentationml/2006/main">
   <p:cSld>
+    <p:bg>
+      <p:bgPr>
+        <a:solidFill>
+          <a:schemeClr val="bg1"/>
+        </a:solidFill>
+        <a:effectLst/>
+      </p:bgPr>
+    </p:bg>
     <p:spTree>
       <p:nvGrpSpPr>
         <p:cNvPr id="1" name=""/>
@@ -27952,6 +29009,44 @@
           <a:chExt cx="0" cy="0"/>
         </a:xfrm>
       </p:grpSpPr>
+      <p:pic>
+        <p:nvPicPr>
+          <p:cNvPr id="11" name="Picture 4" descr="Magnifying glass showing decling performance">
+            <a:extLst>
+              <a:ext uri="{FF2B5EF4-FFF2-40B4-BE49-F238E27FC236}">
+                <a16:creationId xmlns:a16="http://schemas.microsoft.com/office/drawing/2014/main" id="{88DAF31F-BA75-0459-F76E-692EBD4FDDB9}"/>
+              </a:ext>
+            </a:extLst>
+          </p:cNvPr>
+          <p:cNvPicPr>
+            <a:picLocks noChangeAspect="1"/>
+          </p:cNvPicPr>
+          <p:nvPr/>
+        </p:nvPicPr>
+        <p:blipFill rotWithShape="1">
+          <a:blip r:embed="rId2">
+            <a:duotone>
+              <a:schemeClr val="bg2">
+                <a:shade val="45000"/>
+                <a:satMod val="135000"/>
+              </a:schemeClr>
+              <a:prstClr val="white"/>
+            </a:duotone>
+            <a:alphaModFix amt="40000"/>
+          </a:blip>
+          <a:srcRect t="1220" b="14510"/>
+          <a:stretch/>
+        </p:blipFill>
+        <p:spPr>
+          <a:xfrm>
+            <a:off x="20" y="10"/>
+            <a:ext cx="12191980" cy="6857989"/>
+          </a:xfrm>
+          <a:prstGeom prst="rect">
+            <a:avLst/>
+          </a:prstGeom>
+        </p:spPr>
+      </p:pic>
       <p:sp>
         <p:nvSpPr>
           <p:cNvPr id="2" name="Title 1">
@@ -27968,18 +29063,78 @@
             <p:ph type="title"/>
           </p:nvPr>
         </p:nvSpPr>
-        <p:spPr/>
+        <p:spPr>
+          <a:xfrm>
+            <a:off x="1024128" y="585216"/>
+            <a:ext cx="9720072" cy="1499616"/>
+          </a:xfrm>
+        </p:spPr>
         <p:txBody>
-          <a:bodyPr/>
+          <a:bodyPr>
+            <a:normAutofit/>
+          </a:bodyPr>
           <a:lstStyle/>
           <a:p>
             <a:r>
-              <a:rPr lang="en-US" dirty="0"/>
+              <a:rPr lang="en-US"/>
               <a:t>practices</a:t>
             </a:r>
+            <a:endParaRPr lang="en-US" dirty="0"/>
           </a:p>
         </p:txBody>
       </p:sp>
+      <p:cxnSp>
+        <p:nvCxnSpPr>
+          <p:cNvPr id="12" name="Straight Connector 8">
+            <a:extLst>
+              <a:ext uri="{FF2B5EF4-FFF2-40B4-BE49-F238E27FC236}">
+                <a16:creationId xmlns:a16="http://schemas.microsoft.com/office/drawing/2014/main" id="{3FEFDF7D-B17C-4F16-B8BE-C55FFC7E295E}"/>
+              </a:ext>
+              <a:ext uri="{C183D7F6-B498-43B3-948B-1728B52AA6E4}">
+                <adec:decorative xmlns:adec="http://schemas.microsoft.com/office/drawing/2017/decorative" val="1"/>
+              </a:ext>
+            </a:extLst>
+          </p:cNvPr>
+          <p:cNvCxnSpPr>
+            <a:cxnSpLocks noGrp="1" noRot="1" noChangeAspect="1" noMove="1" noResize="1" noEditPoints="1" noAdjustHandles="1" noChangeArrowheads="1" noChangeShapeType="1"/>
+          </p:cNvCxnSpPr>
+          <p:nvPr>
+            <p:extLst>
+              <p:ext uri="{386F3935-93C4-4BCD-93E2-E3B085C9AB24}">
+                <p16:designElem xmlns:p16="http://schemas.microsoft.com/office/powerpoint/2015/main" val="1"/>
+              </p:ext>
+            </p:extLst>
+          </p:nvPr>
+        </p:nvCxnSpPr>
+        <p:spPr>
+          <a:xfrm flipV="1">
+            <a:off x="762000" y="826324"/>
+            <a:ext cx="0" cy="914400"/>
+          </a:xfrm>
+          <a:prstGeom prst="line">
+            <a:avLst/>
+          </a:prstGeom>
+          <a:ln w="19050">
+            <a:solidFill>
+              <a:schemeClr val="accent1"/>
+            </a:solidFill>
+          </a:ln>
+        </p:spPr>
+        <p:style>
+          <a:lnRef idx="1">
+            <a:schemeClr val="accent1"/>
+          </a:lnRef>
+          <a:fillRef idx="0">
+            <a:schemeClr val="accent1"/>
+          </a:fillRef>
+          <a:effectRef idx="0">
+            <a:schemeClr val="accent1"/>
+          </a:effectRef>
+          <a:fontRef idx="minor">
+            <a:schemeClr val="tx1"/>
+          </a:fontRef>
+        </p:style>
+      </p:cxnSp>
       <p:sp>
         <p:nvSpPr>
           <p:cNvPr id="3" name="Content Placeholder 2">
@@ -27996,7 +29151,12 @@
             <p:ph idx="1"/>
           </p:nvPr>
         </p:nvSpPr>
-        <p:spPr/>
+        <p:spPr>
+          <a:xfrm>
+            <a:off x="1024128" y="2286000"/>
+            <a:ext cx="9720073" cy="4023360"/>
+          </a:xfrm>
+        </p:spPr>
         <p:txBody>
           <a:bodyPr>
             <a:normAutofit/>
@@ -28007,28 +29167,25 @@
               <a:buNone/>
             </a:pPr>
             <a:r>
-              <a:rPr lang="en-US" dirty="0"/>
+              <a:rPr lang="en-US" sz="2000"/>
               <a:t>3.The external credit enhancement that has the </a:t>
             </a:r>
             <a:r>
-              <a:rPr lang="en-US" i="1" dirty="0"/>
+              <a:rPr lang="en-US" sz="2000" i="1"/>
               <a:t>least </a:t>
             </a:r>
             <a:r>
-              <a:rPr lang="en-US" dirty="0"/>
+              <a:rPr lang="en-US" sz="2000"/>
               <a:t>amount of third-party risk is a:</a:t>
             </a:r>
           </a:p>
           <a:p>
             <a:pPr marL="342900" indent="-342900">
-              <a:lnSpc>
-                <a:spcPct val="100000"/>
-              </a:lnSpc>
               <a:buFont typeface="+mj-lt"/>
               <a:buAutoNum type="alphaUcPeriod"/>
             </a:pPr>
             <a:r>
-              <a:rPr lang="en-US" sz="1800" b="1" dirty="0">
+              <a:rPr lang="en-US" sz="2000" b="1">
                 <a:latin typeface="MyriadPro"/>
               </a:rPr>
               <a:t>surety bond.</a:t>
@@ -28036,14 +29193,11 @@
           </a:p>
           <a:p>
             <a:pPr marL="342900" indent="-342900">
-              <a:lnSpc>
-                <a:spcPct val="100000"/>
-              </a:lnSpc>
               <a:buFont typeface="+mj-lt"/>
               <a:buAutoNum type="alphaUcPeriod"/>
             </a:pPr>
             <a:r>
-              <a:rPr lang="en-US" sz="1800" b="1" dirty="0">
+              <a:rPr lang="en-US" sz="2000" b="1">
                 <a:latin typeface="MyriadPro"/>
               </a:rPr>
               <a:t>letter of credit.</a:t>
@@ -28051,14 +29205,11 @@
           </a:p>
           <a:p>
             <a:pPr marL="342900" indent="-342900">
-              <a:lnSpc>
-                <a:spcPct val="100000"/>
-              </a:lnSpc>
               <a:buFont typeface="+mj-lt"/>
               <a:buAutoNum type="alphaUcPeriod"/>
             </a:pPr>
             <a:r>
-              <a:rPr lang="en-US" sz="1800" b="1" dirty="0">
+              <a:rPr lang="en-US" sz="2000" b="1">
                 <a:latin typeface="MyriadPro"/>
               </a:rPr>
               <a:t>cash collateral account.</a:t>
@@ -28069,20 +29220,17 @@
               <a:buNone/>
             </a:pPr>
             <a:r>
-              <a:rPr lang="en-US" dirty="0"/>
+              <a:rPr lang="en-US" sz="2000"/>
               <a:t>4.An example of a covenant that protects bondholders against the dilution of their claims is a restriction on:</a:t>
             </a:r>
           </a:p>
           <a:p>
             <a:pPr marL="342900" indent="-342900">
-              <a:lnSpc>
-                <a:spcPct val="100000"/>
-              </a:lnSpc>
               <a:buFont typeface="+mj-lt"/>
               <a:buAutoNum type="alphaUcPeriod"/>
             </a:pPr>
             <a:r>
-              <a:rPr lang="en-US" sz="1800" b="1" dirty="0">
+              <a:rPr lang="en-US" sz="2000" b="1">
                 <a:latin typeface="MyriadPro"/>
               </a:rPr>
               <a:t>debt.</a:t>
@@ -28090,14 +29238,11 @@
           </a:p>
           <a:p>
             <a:pPr marL="342900" indent="-342900">
-              <a:lnSpc>
-                <a:spcPct val="100000"/>
-              </a:lnSpc>
               <a:buFont typeface="+mj-lt"/>
               <a:buAutoNum type="alphaUcPeriod"/>
             </a:pPr>
             <a:r>
-              <a:rPr lang="en-US" sz="1800" b="1" dirty="0">
+              <a:rPr lang="en-US" sz="2000" b="1">
                 <a:latin typeface="MyriadPro"/>
               </a:rPr>
               <a:t>investments.</a:t>
@@ -28105,14 +29250,11 @@
           </a:p>
           <a:p>
             <a:pPr marL="342900" indent="-342900">
-              <a:lnSpc>
-                <a:spcPct val="100000"/>
-              </a:lnSpc>
               <a:buFont typeface="+mj-lt"/>
               <a:buAutoNum type="alphaUcPeriod"/>
             </a:pPr>
             <a:r>
-              <a:rPr lang="en-US" sz="1800" b="1" dirty="0">
+              <a:rPr lang="en-US" sz="2000" b="1">
                 <a:latin typeface="MyriadPro"/>
               </a:rPr>
               <a:t>mergers and acquisitions.</a:t>

--- a/Fixed Income.pptx
+++ b/Fixed Income.pptx
@@ -5,7 +5,7 @@
     <p:sldMasterId id="2147483660" r:id="rId1"/>
   </p:sldMasterIdLst>
   <p:notesMasterIdLst>
-    <p:notesMasterId r:id="rId23"/>
+    <p:notesMasterId r:id="rId27"/>
   </p:notesMasterIdLst>
   <p:sldIdLst>
     <p:sldId id="265" r:id="rId2"/>
@@ -29,6 +29,10 @@
     <p:sldId id="279" r:id="rId20"/>
     <p:sldId id="277" r:id="rId21"/>
     <p:sldId id="278" r:id="rId22"/>
+    <p:sldId id="280" r:id="rId23"/>
+    <p:sldId id="281" r:id="rId24"/>
+    <p:sldId id="282" r:id="rId25"/>
+    <p:sldId id="283" r:id="rId26"/>
   </p:sldIdLst>
   <p:sldSz cx="12192000" cy="6858000"/>
   <p:notesSz cx="6858000" cy="9144000"/>
@@ -3998,7 +4002,7 @@
           <a:p>
             <a:fld id="{9ADA5B36-BD01-47CD-B491-940693B77A9A}" type="datetimeFigureOut">
               <a:rPr lang="en-US" smtClean="0"/>
-              <a:t>10/14/22</a:t>
+              <a:t>10/18/2022</a:t>
             </a:fld>
             <a:endParaRPr lang="en-US"/>
           </a:p>
@@ -13394,7 +13398,7 @@
           <a:p>
             <a:fld id="{3CB14515-8DA5-4B82-96E7-E758FF8ACA06}" type="datetimeFigureOut">
               <a:rPr lang="en-US" smtClean="0"/>
-              <a:t>10/14/22</a:t>
+              <a:t>10/18/2022</a:t>
             </a:fld>
             <a:endParaRPr lang="en-US"/>
           </a:p>
@@ -13601,7 +13605,7 @@
           <a:p>
             <a:fld id="{3CB14515-8DA5-4B82-96E7-E758FF8ACA06}" type="datetimeFigureOut">
               <a:rPr lang="en-US" smtClean="0"/>
-              <a:t>10/14/22</a:t>
+              <a:t>10/18/2022</a:t>
             </a:fld>
             <a:endParaRPr lang="en-US"/>
           </a:p>
@@ -13781,7 +13785,7 @@
           <a:p>
             <a:fld id="{3CB14515-8DA5-4B82-96E7-E758FF8ACA06}" type="datetimeFigureOut">
               <a:rPr lang="en-US" smtClean="0"/>
-              <a:t>10/14/22</a:t>
+              <a:t>10/18/2022</a:t>
             </a:fld>
             <a:endParaRPr lang="en-US"/>
           </a:p>
@@ -13986,7 +13990,7 @@
           <a:p>
             <a:fld id="{3CB14515-8DA5-4B82-96E7-E758FF8ACA06}" type="datetimeFigureOut">
               <a:rPr lang="en-US" smtClean="0"/>
-              <a:t>10/14/22</a:t>
+              <a:t>10/18/2022</a:t>
             </a:fld>
             <a:endParaRPr lang="en-US"/>
           </a:p>
@@ -22884,7 +22888,7 @@
           <a:p>
             <a:fld id="{3CB14515-8DA5-4B82-96E7-E758FF8ACA06}" type="datetimeFigureOut">
               <a:rPr lang="en-US" smtClean="0"/>
-              <a:t>10/14/22</a:t>
+              <a:t>10/18/2022</a:t>
             </a:fld>
             <a:endParaRPr lang="en-US"/>
           </a:p>
@@ -23158,7 +23162,7 @@
           <a:p>
             <a:fld id="{3CB14515-8DA5-4B82-96E7-E758FF8ACA06}" type="datetimeFigureOut">
               <a:rPr lang="en-US" smtClean="0"/>
-              <a:t>10/14/22</a:t>
+              <a:t>10/18/2022</a:t>
             </a:fld>
             <a:endParaRPr lang="en-US"/>
           </a:p>
@@ -23556,7 +23560,7 @@
           <a:p>
             <a:fld id="{3CB14515-8DA5-4B82-96E7-E758FF8ACA06}" type="datetimeFigureOut">
               <a:rPr lang="en-US" smtClean="0"/>
-              <a:t>10/14/22</a:t>
+              <a:t>10/18/2022</a:t>
             </a:fld>
             <a:endParaRPr lang="en-US"/>
           </a:p>
@@ -23674,7 +23678,7 @@
           <a:p>
             <a:fld id="{3CB14515-8DA5-4B82-96E7-E758FF8ACA06}" type="datetimeFigureOut">
               <a:rPr lang="en-US" smtClean="0"/>
-              <a:t>10/14/22</a:t>
+              <a:t>10/18/2022</a:t>
             </a:fld>
             <a:endParaRPr lang="en-US"/>
           </a:p>
@@ -23769,7 +23773,7 @@
           <a:p>
             <a:fld id="{3CB14515-8DA5-4B82-96E7-E758FF8ACA06}" type="datetimeFigureOut">
               <a:rPr lang="en-US" smtClean="0"/>
-              <a:t>10/14/22</a:t>
+              <a:t>10/18/2022</a:t>
             </a:fld>
             <a:endParaRPr lang="en-US"/>
           </a:p>
@@ -24059,7 +24063,7 @@
           <a:p>
             <a:fld id="{3CB14515-8DA5-4B82-96E7-E758FF8ACA06}" type="datetimeFigureOut">
               <a:rPr lang="en-US" smtClean="0"/>
-              <a:t>10/14/22</a:t>
+              <a:t>10/18/2022</a:t>
             </a:fld>
             <a:endParaRPr lang="en-US"/>
           </a:p>
@@ -24339,7 +24343,7 @@
           <a:p>
             <a:fld id="{3CB14515-8DA5-4B82-96E7-E758FF8ACA06}" type="datetimeFigureOut">
               <a:rPr lang="en-US" smtClean="0"/>
-              <a:t>10/14/22</a:t>
+              <a:t>10/18/2022</a:t>
             </a:fld>
             <a:endParaRPr lang="en-US"/>
           </a:p>
@@ -24589,7 +24593,7 @@
           <a:p>
             <a:fld id="{3CB14515-8DA5-4B82-96E7-E758FF8ACA06}" type="datetimeFigureOut">
               <a:rPr lang="en-US" smtClean="0"/>
-              <a:t>10/14/22</a:t>
+              <a:t>10/18/2022</a:t>
             </a:fld>
             <a:endParaRPr lang="en-US"/>
           </a:p>
@@ -28756,7 +28760,7 @@
               <a:buNone/>
             </a:pPr>
             <a:r>
-              <a:rPr lang="en-US" sz="2000"/>
+              <a:rPr lang="en-US" sz="2000" dirty="0"/>
               <a:t>1.The major advantage of issuing bonds through a special legal entity is:</a:t>
             </a:r>
           </a:p>
@@ -28766,7 +28770,7 @@
               <a:buAutoNum type="alphaUcPeriod"/>
             </a:pPr>
             <a:r>
-              <a:rPr lang="en-US" sz="2000" b="1">
+              <a:rPr lang="en-US" sz="2000" b="1" dirty="0">
                 <a:latin typeface="MyriadPro"/>
               </a:rPr>
               <a:t>bankruptcy remoteness.</a:t>
@@ -28778,7 +28782,7 @@
               <a:buAutoNum type="alphaUcPeriod"/>
             </a:pPr>
             <a:r>
-              <a:rPr lang="en-US" sz="2000" b="1">
+              <a:rPr lang="en-US" sz="2000" b="1" dirty="0">
                 <a:latin typeface="MyriadPro"/>
               </a:rPr>
               <a:t>beneficial tax treatments.</a:t>
@@ -28790,7 +28794,7 @@
               <a:buAutoNum type="alphaUcPeriod"/>
             </a:pPr>
             <a:r>
-              <a:rPr lang="en-US" sz="2000" b="1">
+              <a:rPr lang="en-US" sz="2000" b="1" dirty="0">
                 <a:latin typeface="MyriadPro"/>
               </a:rPr>
               <a:t>greater liquidity and lower issuing costs.</a:t>
@@ -28801,7 +28805,7 @@
               <a:buNone/>
             </a:pPr>
             <a:r>
-              <a:rPr lang="en-US" sz="2000"/>
+              <a:rPr lang="en-US" sz="2000" dirty="0"/>
               <a:t>2.The category of bond most likely repaid from the repayment of previous loans made by the issuer is:</a:t>
             </a:r>
           </a:p>
@@ -28811,7 +28815,7 @@
               <a:buAutoNum type="alphaUcPeriod"/>
             </a:pPr>
             <a:r>
-              <a:rPr lang="en-US" sz="2000" b="1">
+              <a:rPr lang="en-US" sz="2000" b="1" dirty="0">
                 <a:latin typeface="MyriadPro"/>
               </a:rPr>
               <a:t>sovereign bonds.</a:t>
@@ -28823,7 +28827,7 @@
               <a:buAutoNum type="alphaUcPeriod"/>
             </a:pPr>
             <a:r>
-              <a:rPr lang="en-US" sz="2000" b="1">
+              <a:rPr lang="en-US" sz="2000" b="1" dirty="0">
                 <a:latin typeface="MyriadPro"/>
               </a:rPr>
               <a:t>supranational bonds.</a:t>
@@ -28835,7 +28839,7 @@
               <a:buAutoNum type="alphaUcPeriod"/>
             </a:pPr>
             <a:r>
-              <a:rPr lang="en-US" sz="2000" b="1">
+              <a:rPr lang="en-US" sz="2000" b="1" dirty="0">
                 <a:latin typeface="MyriadPro"/>
               </a:rPr>
               <a:t>non-sovereign bonds.</a:t>
@@ -29076,10 +29080,9 @@
           <a:lstStyle/>
           <a:p>
             <a:r>
-              <a:rPr lang="en-US"/>
+              <a:rPr lang="en-US" dirty="0"/>
               <a:t>practices</a:t>
             </a:r>
-            <a:endParaRPr lang="en-US" dirty="0"/>
           </a:p>
         </p:txBody>
       </p:sp>
@@ -29167,15 +29170,15 @@
               <a:buNone/>
             </a:pPr>
             <a:r>
-              <a:rPr lang="en-US" sz="2000"/>
+              <a:rPr lang="en-US" sz="2000" dirty="0"/>
               <a:t>3.The external credit enhancement that has the </a:t>
             </a:r>
             <a:r>
-              <a:rPr lang="en-US" sz="2000" i="1"/>
+              <a:rPr lang="en-US" sz="2000" i="1" dirty="0"/>
               <a:t>least </a:t>
             </a:r>
             <a:r>
-              <a:rPr lang="en-US" sz="2000"/>
+              <a:rPr lang="en-US" sz="2000" dirty="0"/>
               <a:t>amount of third-party risk is a:</a:t>
             </a:r>
           </a:p>
@@ -29185,7 +29188,7 @@
               <a:buAutoNum type="alphaUcPeriod"/>
             </a:pPr>
             <a:r>
-              <a:rPr lang="en-US" sz="2000" b="1">
+              <a:rPr lang="en-US" sz="2000" b="1" dirty="0">
                 <a:latin typeface="MyriadPro"/>
               </a:rPr>
               <a:t>surety bond.</a:t>
@@ -29197,7 +29200,7 @@
               <a:buAutoNum type="alphaUcPeriod"/>
             </a:pPr>
             <a:r>
-              <a:rPr lang="en-US" sz="2000" b="1">
+              <a:rPr lang="en-US" sz="2000" b="1" dirty="0">
                 <a:latin typeface="MyriadPro"/>
               </a:rPr>
               <a:t>letter of credit.</a:t>
@@ -29209,7 +29212,7 @@
               <a:buAutoNum type="alphaUcPeriod"/>
             </a:pPr>
             <a:r>
-              <a:rPr lang="en-US" sz="2000" b="1">
+              <a:rPr lang="en-US" sz="2000" b="1" dirty="0">
                 <a:latin typeface="MyriadPro"/>
               </a:rPr>
               <a:t>cash collateral account.</a:t>
@@ -29220,7 +29223,7 @@
               <a:buNone/>
             </a:pPr>
             <a:r>
-              <a:rPr lang="en-US" sz="2000"/>
+              <a:rPr lang="en-US" sz="2000" dirty="0"/>
               <a:t>4.An example of a covenant that protects bondholders against the dilution of their claims is a restriction on:</a:t>
             </a:r>
           </a:p>
@@ -29230,7 +29233,7 @@
               <a:buAutoNum type="alphaUcPeriod"/>
             </a:pPr>
             <a:r>
-              <a:rPr lang="en-US" sz="2000" b="1">
+              <a:rPr lang="en-US" sz="2000" b="1" dirty="0">
                 <a:latin typeface="MyriadPro"/>
               </a:rPr>
               <a:t>debt.</a:t>
@@ -29242,7 +29245,7 @@
               <a:buAutoNum type="alphaUcPeriod"/>
             </a:pPr>
             <a:r>
-              <a:rPr lang="en-US" sz="2000" b="1">
+              <a:rPr lang="en-US" sz="2000" b="1" dirty="0">
                 <a:latin typeface="MyriadPro"/>
               </a:rPr>
               <a:t>investments.</a:t>
@@ -29254,7 +29257,7 @@
               <a:buAutoNum type="alphaUcPeriod"/>
             </a:pPr>
             <a:r>
-              <a:rPr lang="en-US" sz="2000" b="1">
+              <a:rPr lang="en-US" sz="2000" b="1" dirty="0">
                 <a:latin typeface="MyriadPro"/>
               </a:rPr>
               <a:t>mergers and acquisitions.</a:t>
@@ -29266,6 +29269,710 @@
     <p:extLst>
       <p:ext uri="{BB962C8B-B14F-4D97-AF65-F5344CB8AC3E}">
         <p14:creationId xmlns:p14="http://schemas.microsoft.com/office/powerpoint/2010/main" val="3870843427"/>
+      </p:ext>
+    </p:extLst>
+  </p:cSld>
+  <p:clrMapOvr>
+    <a:masterClrMapping/>
+  </p:clrMapOvr>
+</p:sld>
+</file>
+
+<file path=ppt/slides/slide22.xml><?xml version="1.0" encoding="utf-8"?>
+<p:sld xmlns:a="http://schemas.openxmlformats.org/drawingml/2006/main" xmlns:r="http://schemas.openxmlformats.org/officeDocument/2006/relationships" xmlns:p="http://schemas.openxmlformats.org/presentationml/2006/main">
+  <p:cSld>
+    <p:spTree>
+      <p:nvGrpSpPr>
+        <p:cNvPr id="1" name=""/>
+        <p:cNvGrpSpPr/>
+        <p:nvPr/>
+      </p:nvGrpSpPr>
+      <p:grpSpPr>
+        <a:xfrm>
+          <a:off x="0" y="0"/>
+          <a:ext cx="0" cy="0"/>
+          <a:chOff x="0" y="0"/>
+          <a:chExt cx="0" cy="0"/>
+        </a:xfrm>
+      </p:grpSpPr>
+      <p:sp>
+        <p:nvSpPr>
+          <p:cNvPr id="2" name="Title 1">
+            <a:extLst>
+              <a:ext uri="{FF2B5EF4-FFF2-40B4-BE49-F238E27FC236}">
+                <a16:creationId xmlns:a16="http://schemas.microsoft.com/office/drawing/2014/main" id="{43920EC6-AABB-4A21-BE1B-571D1C311E5E}"/>
+              </a:ext>
+            </a:extLst>
+          </p:cNvPr>
+          <p:cNvSpPr>
+            <a:spLocks noGrp="1"/>
+          </p:cNvSpPr>
+          <p:nvPr>
+            <p:ph type="title"/>
+          </p:nvPr>
+        </p:nvSpPr>
+        <p:spPr/>
+        <p:txBody>
+          <a:bodyPr>
+            <a:normAutofit/>
+          </a:bodyPr>
+          <a:lstStyle/>
+          <a:p>
+            <a:r>
+              <a:rPr lang="en-US" sz="3500" b="1" dirty="0"/>
+              <a:t>Module1</a:t>
+            </a:r>
+            <a:br>
+              <a:rPr lang="en-US" sz="3500" b="1" dirty="0"/>
+            </a:br>
+            <a:r>
+              <a:rPr lang="en-US" sz="3500" b="1" dirty="0"/>
+              <a:t>Fixed-Income Securities: </a:t>
+            </a:r>
+            <a:br>
+              <a:rPr lang="en-US" sz="3500" b="1" dirty="0"/>
+            </a:br>
+            <a:r>
+              <a:rPr lang="en-US" sz="3500" b="1" dirty="0"/>
+              <a:t>Defining Elements</a:t>
+            </a:r>
+            <a:endParaRPr lang="en-US" sz="3500" dirty="0"/>
+          </a:p>
+        </p:txBody>
+      </p:sp>
+      <p:sp>
+        <p:nvSpPr>
+          <p:cNvPr id="3" name="Content Placeholder 2">
+            <a:extLst>
+              <a:ext uri="{FF2B5EF4-FFF2-40B4-BE49-F238E27FC236}">
+                <a16:creationId xmlns:a16="http://schemas.microsoft.com/office/drawing/2014/main" id="{F1C36CA1-699C-4102-B429-514E7DA7D61A}"/>
+              </a:ext>
+            </a:extLst>
+          </p:cNvPr>
+          <p:cNvSpPr>
+            <a:spLocks noGrp="1"/>
+          </p:cNvSpPr>
+          <p:nvPr>
+            <p:ph idx="1"/>
+          </p:nvPr>
+        </p:nvSpPr>
+        <p:spPr/>
+        <p:txBody>
+          <a:bodyPr>
+            <a:normAutofit/>
+          </a:bodyPr>
+          <a:lstStyle/>
+          <a:p>
+            <a:r>
+              <a:rPr lang="en-US" sz="2800" dirty="0"/>
+              <a:t>Legal, regulatory, and tax consideration</a:t>
+            </a:r>
+          </a:p>
+          <a:p>
+            <a:r>
+              <a:rPr lang="en-US" dirty="0"/>
+              <a:t>A </a:t>
+            </a:r>
+            <a:r>
+              <a:rPr lang="en-US" dirty="0">
+                <a:solidFill>
+                  <a:srgbClr val="FF0000"/>
+                </a:solidFill>
+              </a:rPr>
+              <a:t>national bond </a:t>
+            </a:r>
+            <a:r>
+              <a:rPr lang="en-US" dirty="0"/>
+              <a:t>market includes all the bonds that are issued and traded in a specific country and are denominated in the currency of that country.</a:t>
+            </a:r>
+          </a:p>
+          <a:p>
+            <a:r>
+              <a:rPr lang="en-US" dirty="0"/>
+              <a:t>Bonds issued by entities that are incorporated in that country are called </a:t>
+            </a:r>
+            <a:r>
+              <a:rPr lang="en-US" dirty="0">
+                <a:solidFill>
+                  <a:srgbClr val="FF0000"/>
+                </a:solidFill>
+              </a:rPr>
+              <a:t>domestic bonds</a:t>
+            </a:r>
+            <a:r>
+              <a:rPr lang="en-US" dirty="0"/>
+              <a:t>, whereas bonds issued by entities that are incorporated in another country are called </a:t>
+            </a:r>
+            <a:r>
+              <a:rPr lang="en-US" dirty="0">
+                <a:solidFill>
+                  <a:srgbClr val="FF0000"/>
+                </a:solidFill>
+              </a:rPr>
+              <a:t>foreign bonds</a:t>
+            </a:r>
+            <a:r>
+              <a:rPr lang="en-US" dirty="0"/>
+              <a:t>.</a:t>
+            </a:r>
+          </a:p>
+          <a:p>
+            <a:r>
+              <a:rPr lang="en-US" dirty="0"/>
+              <a:t>A </a:t>
+            </a:r>
+            <a:r>
+              <a:rPr lang="en-US" dirty="0">
+                <a:solidFill>
+                  <a:srgbClr val="FF0000"/>
+                </a:solidFill>
+              </a:rPr>
+              <a:t>Eurobond</a:t>
+            </a:r>
+            <a:r>
+              <a:rPr lang="en-US" dirty="0"/>
+              <a:t> is a debt instrument that’s denominated in a currency other than the home currency of the country or market in which it is issued.</a:t>
+            </a:r>
+          </a:p>
+          <a:p>
+            <a:r>
+              <a:rPr lang="en-US" dirty="0"/>
+              <a:t>A </a:t>
+            </a:r>
+            <a:r>
+              <a:rPr lang="en-US" dirty="0">
+                <a:solidFill>
+                  <a:srgbClr val="FF0000"/>
+                </a:solidFill>
+              </a:rPr>
+              <a:t>global bond </a:t>
+            </a:r>
+            <a:r>
+              <a:rPr lang="en-US" dirty="0"/>
+              <a:t>is one issued simultaneously in the Eurobond market and in at least one domestic bond market.</a:t>
+            </a:r>
+          </a:p>
+        </p:txBody>
+      </p:sp>
+    </p:spTree>
+    <p:extLst>
+      <p:ext uri="{BB962C8B-B14F-4D97-AF65-F5344CB8AC3E}">
+        <p14:creationId xmlns:p14="http://schemas.microsoft.com/office/powerpoint/2010/main" val="3714039766"/>
+      </p:ext>
+    </p:extLst>
+  </p:cSld>
+  <p:clrMapOvr>
+    <a:masterClrMapping/>
+  </p:clrMapOvr>
+</p:sld>
+</file>
+
+<file path=ppt/slides/slide23.xml><?xml version="1.0" encoding="utf-8"?>
+<p:sld xmlns:a="http://schemas.openxmlformats.org/drawingml/2006/main" xmlns:r="http://schemas.openxmlformats.org/officeDocument/2006/relationships" xmlns:p="http://schemas.openxmlformats.org/presentationml/2006/main">
+  <p:cSld>
+    <p:spTree>
+      <p:nvGrpSpPr>
+        <p:cNvPr id="1" name=""/>
+        <p:cNvGrpSpPr/>
+        <p:nvPr/>
+      </p:nvGrpSpPr>
+      <p:grpSpPr>
+        <a:xfrm>
+          <a:off x="0" y="0"/>
+          <a:ext cx="0" cy="0"/>
+          <a:chOff x="0" y="0"/>
+          <a:chExt cx="0" cy="0"/>
+        </a:xfrm>
+      </p:grpSpPr>
+      <p:sp>
+        <p:nvSpPr>
+          <p:cNvPr id="2" name="Title 1">
+            <a:extLst>
+              <a:ext uri="{FF2B5EF4-FFF2-40B4-BE49-F238E27FC236}">
+                <a16:creationId xmlns:a16="http://schemas.microsoft.com/office/drawing/2014/main" id="{1F7BAF77-ADFA-467B-B7B7-E6C4F7211B81}"/>
+              </a:ext>
+            </a:extLst>
+          </p:cNvPr>
+          <p:cNvSpPr>
+            <a:spLocks noGrp="1"/>
+          </p:cNvSpPr>
+          <p:nvPr>
+            <p:ph type="title"/>
+          </p:nvPr>
+        </p:nvSpPr>
+        <p:spPr/>
+        <p:txBody>
+          <a:bodyPr/>
+          <a:lstStyle/>
+          <a:p>
+            <a:r>
+              <a:rPr lang="en-US" dirty="0"/>
+              <a:t>practices</a:t>
+            </a:r>
+          </a:p>
+        </p:txBody>
+      </p:sp>
+      <p:sp>
+        <p:nvSpPr>
+          <p:cNvPr id="3" name="Content Placeholder 2">
+            <a:extLst>
+              <a:ext uri="{FF2B5EF4-FFF2-40B4-BE49-F238E27FC236}">
+                <a16:creationId xmlns:a16="http://schemas.microsoft.com/office/drawing/2014/main" id="{4AD66BF2-8B74-4266-9D20-4AE31C5B6421}"/>
+              </a:ext>
+            </a:extLst>
+          </p:cNvPr>
+          <p:cNvSpPr>
+            <a:spLocks noGrp="1"/>
+          </p:cNvSpPr>
+          <p:nvPr>
+            <p:ph idx="1"/>
+          </p:nvPr>
+        </p:nvSpPr>
+        <p:spPr/>
+        <p:txBody>
+          <a:bodyPr>
+            <a:normAutofit lnSpcReduction="10000"/>
+          </a:bodyPr>
+          <a:lstStyle/>
+          <a:p>
+            <a:pPr marL="0" indent="0">
+              <a:buNone/>
+            </a:pPr>
+            <a:r>
+              <a:rPr lang="en-US" sz="1800" dirty="0"/>
+              <a:t>1. An example of a domestic bond is a bond issued by:</a:t>
+            </a:r>
+          </a:p>
+          <a:p>
+            <a:pPr marL="342900" indent="-342900">
+              <a:buFont typeface="+mj-lt"/>
+              <a:buAutoNum type="alphaUcPeriod"/>
+            </a:pPr>
+            <a:r>
+              <a:rPr lang="en-US" sz="1800" b="1" dirty="0"/>
+              <a:t>LG Group from South Korea, denominated in British pounds, and sold in the United Kingdom.</a:t>
+            </a:r>
+          </a:p>
+          <a:p>
+            <a:pPr marL="342900" indent="-342900">
+              <a:buFont typeface="+mj-lt"/>
+              <a:buAutoNum type="alphaUcPeriod"/>
+            </a:pPr>
+            <a:r>
+              <a:rPr lang="en-US" sz="1800" b="1" dirty="0"/>
+              <a:t>The UK Debt Management Office, denominated in British pounds, and sold in the United Kingdom.</a:t>
+            </a:r>
+          </a:p>
+          <a:p>
+            <a:pPr marL="342900" indent="-342900">
+              <a:buFont typeface="+mj-lt"/>
+              <a:buAutoNum type="alphaUcPeriod"/>
+            </a:pPr>
+            <a:r>
+              <a:rPr lang="en-US" sz="1800" b="1" dirty="0"/>
+              <a:t>Wal-Mart from the United States, denominated in US dollars, and sold in various countries in North America, Europe, the Middle East, and Asia Pacific.</a:t>
+            </a:r>
+          </a:p>
+          <a:p>
+            <a:pPr marL="0" indent="0">
+              <a:buNone/>
+            </a:pPr>
+            <a:r>
+              <a:rPr lang="en-US" sz="1800" dirty="0"/>
+              <a:t>2. A bond issued by Sony in Japan, denominated in US dollars but not registered with the SEC, and sold to an institutional investor in the Middle East, is most likely an example of a:</a:t>
+            </a:r>
+          </a:p>
+          <a:p>
+            <a:pPr marL="342900" indent="-342900">
+              <a:buFont typeface="+mj-lt"/>
+              <a:buAutoNum type="alphaUcPeriod"/>
+            </a:pPr>
+            <a:r>
+              <a:rPr lang="en-US" sz="1800" b="1" dirty="0"/>
+              <a:t>Eurobond.</a:t>
+            </a:r>
+          </a:p>
+          <a:p>
+            <a:pPr marL="342900" indent="-342900">
+              <a:buFont typeface="+mj-lt"/>
+              <a:buAutoNum type="alphaUcPeriod"/>
+            </a:pPr>
+            <a:r>
+              <a:rPr lang="en-US" sz="1800" b="1" dirty="0"/>
+              <a:t>global bond.</a:t>
+            </a:r>
+          </a:p>
+          <a:p>
+            <a:pPr marL="342900" indent="-342900">
+              <a:buFont typeface="+mj-lt"/>
+              <a:buAutoNum type="alphaUcPeriod"/>
+            </a:pPr>
+            <a:r>
+              <a:rPr lang="en-US" sz="1800" b="1" dirty="0"/>
+              <a:t>foreign bond.</a:t>
+            </a:r>
+          </a:p>
+        </p:txBody>
+      </p:sp>
+    </p:spTree>
+    <p:extLst>
+      <p:ext uri="{BB962C8B-B14F-4D97-AF65-F5344CB8AC3E}">
+        <p14:creationId xmlns:p14="http://schemas.microsoft.com/office/powerpoint/2010/main" val="3108874505"/>
+      </p:ext>
+    </p:extLst>
+  </p:cSld>
+  <p:clrMapOvr>
+    <a:masterClrMapping/>
+  </p:clrMapOvr>
+</p:sld>
+</file>
+
+<file path=ppt/slides/slide24.xml><?xml version="1.0" encoding="utf-8"?>
+<p:sld xmlns:a="http://schemas.openxmlformats.org/drawingml/2006/main" xmlns:r="http://schemas.openxmlformats.org/officeDocument/2006/relationships" xmlns:p="http://schemas.openxmlformats.org/presentationml/2006/main">
+  <p:cSld>
+    <p:spTree>
+      <p:nvGrpSpPr>
+        <p:cNvPr id="1" name=""/>
+        <p:cNvGrpSpPr/>
+        <p:nvPr/>
+      </p:nvGrpSpPr>
+      <p:grpSpPr>
+        <a:xfrm>
+          <a:off x="0" y="0"/>
+          <a:ext cx="0" cy="0"/>
+          <a:chOff x="0" y="0"/>
+          <a:chExt cx="0" cy="0"/>
+        </a:xfrm>
+      </p:grpSpPr>
+      <p:sp>
+        <p:nvSpPr>
+          <p:cNvPr id="2" name="Title 1">
+            <a:extLst>
+              <a:ext uri="{FF2B5EF4-FFF2-40B4-BE49-F238E27FC236}">
+                <a16:creationId xmlns:a16="http://schemas.microsoft.com/office/drawing/2014/main" id="{EC92A649-2FC8-4CC2-ACBB-1C427129070C}"/>
+              </a:ext>
+            </a:extLst>
+          </p:cNvPr>
+          <p:cNvSpPr>
+            <a:spLocks noGrp="1"/>
+          </p:cNvSpPr>
+          <p:nvPr>
+            <p:ph type="title"/>
+          </p:nvPr>
+        </p:nvSpPr>
+        <p:spPr/>
+        <p:txBody>
+          <a:bodyPr>
+            <a:normAutofit/>
+          </a:bodyPr>
+          <a:lstStyle/>
+          <a:p>
+            <a:r>
+              <a:rPr lang="en-US" sz="3500" b="1" dirty="0"/>
+              <a:t>Module1</a:t>
+            </a:r>
+            <a:br>
+              <a:rPr lang="en-US" sz="3500" b="1" dirty="0"/>
+            </a:br>
+            <a:r>
+              <a:rPr lang="en-US" sz="3500" b="1" dirty="0"/>
+              <a:t>Fixed-Income Securities: </a:t>
+            </a:r>
+            <a:br>
+              <a:rPr lang="en-US" sz="3500" b="1" dirty="0"/>
+            </a:br>
+            <a:r>
+              <a:rPr lang="en-US" sz="3500" b="1" dirty="0"/>
+              <a:t>Defining Elements</a:t>
+            </a:r>
+            <a:endParaRPr lang="en-US" sz="3500" dirty="0"/>
+          </a:p>
+        </p:txBody>
+      </p:sp>
+      <p:sp>
+        <p:nvSpPr>
+          <p:cNvPr id="3" name="Content Placeholder 2">
+            <a:extLst>
+              <a:ext uri="{FF2B5EF4-FFF2-40B4-BE49-F238E27FC236}">
+                <a16:creationId xmlns:a16="http://schemas.microsoft.com/office/drawing/2014/main" id="{84B3C3AE-06DB-4E67-8767-C8C7089A3E07}"/>
+              </a:ext>
+            </a:extLst>
+          </p:cNvPr>
+          <p:cNvSpPr>
+            <a:spLocks noGrp="1"/>
+          </p:cNvSpPr>
+          <p:nvPr>
+            <p:ph idx="1"/>
+          </p:nvPr>
+        </p:nvSpPr>
+        <p:spPr/>
+        <p:txBody>
+          <a:bodyPr>
+            <a:normAutofit/>
+          </a:bodyPr>
+          <a:lstStyle/>
+          <a:p>
+            <a:r>
+              <a:rPr lang="en-US" sz="2800" dirty="0"/>
+              <a:t>Tax Considerations</a:t>
+            </a:r>
+          </a:p>
+          <a:p>
+            <a:r>
+              <a:rPr lang="en-US" sz="2000" dirty="0"/>
+              <a:t>Bond </a:t>
+            </a:r>
+            <a:r>
+              <a:rPr lang="en-US" sz="2000" dirty="0">
+                <a:solidFill>
+                  <a:srgbClr val="FF0000"/>
+                </a:solidFill>
+              </a:rPr>
+              <a:t>interest</a:t>
+            </a:r>
+            <a:r>
+              <a:rPr lang="en-US" sz="2000" dirty="0"/>
+              <a:t> is usually taxed at the </a:t>
+            </a:r>
+            <a:r>
+              <a:rPr lang="en-US" sz="2000" dirty="0">
+                <a:solidFill>
+                  <a:srgbClr val="FF0000"/>
+                </a:solidFill>
+              </a:rPr>
+              <a:t>ordinary income tax rate</a:t>
+            </a:r>
+            <a:r>
+              <a:rPr lang="en-US" sz="2000" dirty="0"/>
+              <a:t>, which is typically the same tax rate that an individual would pay on wage or salary income.</a:t>
+            </a:r>
+          </a:p>
+          <a:p>
+            <a:r>
+              <a:rPr lang="en-US" sz="2000" dirty="0"/>
+              <a:t>In addition to earnings from interest, a bond investment will generate a </a:t>
+            </a:r>
+            <a:r>
+              <a:rPr lang="en-US" sz="2000" dirty="0">
+                <a:solidFill>
+                  <a:srgbClr val="FF0000"/>
+                </a:solidFill>
+              </a:rPr>
+              <a:t>capital gain or loss </a:t>
+            </a:r>
+            <a:r>
+              <a:rPr lang="en-US" sz="2000" dirty="0"/>
+              <a:t>if sold prior to maturity at a price different from the purchase price.</a:t>
+            </a:r>
+          </a:p>
+          <a:p>
+            <a:r>
+              <a:rPr lang="en-US" sz="2000" dirty="0"/>
+              <a:t>Capital gains or losses usually face different tax treatment from taxable income, which often varies for </a:t>
+            </a:r>
+            <a:r>
+              <a:rPr lang="en-US" sz="2000" dirty="0">
+                <a:solidFill>
+                  <a:srgbClr val="FF0000"/>
+                </a:solidFill>
+              </a:rPr>
+              <a:t>long-term</a:t>
+            </a:r>
+            <a:r>
+              <a:rPr lang="en-US" sz="2000" dirty="0"/>
+              <a:t> and </a:t>
+            </a:r>
+            <a:r>
+              <a:rPr lang="en-US" sz="2000" dirty="0">
+                <a:solidFill>
+                  <a:srgbClr val="FF0000"/>
+                </a:solidFill>
+              </a:rPr>
+              <a:t>short-term</a:t>
+            </a:r>
+            <a:r>
+              <a:rPr lang="en-US" sz="2000" dirty="0"/>
+              <a:t> capital gains.</a:t>
+            </a:r>
+          </a:p>
+          <a:p>
+            <a:r>
+              <a:rPr lang="en-US" sz="2000" dirty="0"/>
+              <a:t>For bonds </a:t>
+            </a:r>
+            <a:r>
+              <a:rPr lang="en-US" sz="2000" dirty="0">
+                <a:solidFill>
+                  <a:srgbClr val="FF0000"/>
+                </a:solidFill>
+              </a:rPr>
+              <a:t>issued at a discount</a:t>
+            </a:r>
+            <a:r>
+              <a:rPr lang="en-US" sz="2000" dirty="0"/>
+              <a:t>, the tax status of the original issue discount is an additional tax consideration. The United States includes a </a:t>
+            </a:r>
+            <a:r>
+              <a:rPr lang="en-US" sz="2000" dirty="0">
+                <a:solidFill>
+                  <a:srgbClr val="FF0000"/>
+                </a:solidFill>
+              </a:rPr>
+              <a:t>prorated portion </a:t>
+            </a:r>
+            <a:r>
+              <a:rPr lang="en-US" sz="2000" dirty="0"/>
+              <a:t>of the discount in interest income every tax year,</a:t>
+            </a:r>
+          </a:p>
+        </p:txBody>
+      </p:sp>
+    </p:spTree>
+    <p:extLst>
+      <p:ext uri="{BB962C8B-B14F-4D97-AF65-F5344CB8AC3E}">
+        <p14:creationId xmlns:p14="http://schemas.microsoft.com/office/powerpoint/2010/main" val="3295160974"/>
+      </p:ext>
+    </p:extLst>
+  </p:cSld>
+  <p:clrMapOvr>
+    <a:masterClrMapping/>
+  </p:clrMapOvr>
+</p:sld>
+</file>
+
+<file path=ppt/slides/slide25.xml><?xml version="1.0" encoding="utf-8"?>
+<p:sld xmlns:a="http://schemas.openxmlformats.org/drawingml/2006/main" xmlns:r="http://schemas.openxmlformats.org/officeDocument/2006/relationships" xmlns:p="http://schemas.openxmlformats.org/presentationml/2006/main">
+  <p:cSld>
+    <p:spTree>
+      <p:nvGrpSpPr>
+        <p:cNvPr id="1" name=""/>
+        <p:cNvGrpSpPr/>
+        <p:nvPr/>
+      </p:nvGrpSpPr>
+      <p:grpSpPr>
+        <a:xfrm>
+          <a:off x="0" y="0"/>
+          <a:ext cx="0" cy="0"/>
+          <a:chOff x="0" y="0"/>
+          <a:chExt cx="0" cy="0"/>
+        </a:xfrm>
+      </p:grpSpPr>
+      <p:sp>
+        <p:nvSpPr>
+          <p:cNvPr id="2" name="Title 1">
+            <a:extLst>
+              <a:ext uri="{FF2B5EF4-FFF2-40B4-BE49-F238E27FC236}">
+                <a16:creationId xmlns:a16="http://schemas.microsoft.com/office/drawing/2014/main" id="{C7A7A370-B1F9-464A-BC49-FE6F950C66D8}"/>
+              </a:ext>
+            </a:extLst>
+          </p:cNvPr>
+          <p:cNvSpPr>
+            <a:spLocks noGrp="1"/>
+          </p:cNvSpPr>
+          <p:nvPr>
+            <p:ph type="title"/>
+          </p:nvPr>
+        </p:nvSpPr>
+        <p:spPr/>
+        <p:txBody>
+          <a:bodyPr/>
+          <a:lstStyle/>
+          <a:p>
+            <a:r>
+              <a:rPr lang="en-US" dirty="0"/>
+              <a:t>prACTICES</a:t>
+            </a:r>
+          </a:p>
+        </p:txBody>
+      </p:sp>
+      <p:sp>
+        <p:nvSpPr>
+          <p:cNvPr id="3" name="Content Placeholder 2">
+            <a:extLst>
+              <a:ext uri="{FF2B5EF4-FFF2-40B4-BE49-F238E27FC236}">
+                <a16:creationId xmlns:a16="http://schemas.microsoft.com/office/drawing/2014/main" id="{2D14F10B-97C2-4AE1-AC5A-EFC3CC4FEBB1}"/>
+              </a:ext>
+            </a:extLst>
+          </p:cNvPr>
+          <p:cNvSpPr>
+            <a:spLocks noGrp="1"/>
+          </p:cNvSpPr>
+          <p:nvPr>
+            <p:ph idx="1"/>
+          </p:nvPr>
+        </p:nvSpPr>
+        <p:spPr/>
+        <p:txBody>
+          <a:bodyPr>
+            <a:normAutofit/>
+          </a:bodyPr>
+          <a:lstStyle/>
+          <a:p>
+            <a:r>
+              <a:rPr lang="en-US" sz="2000" dirty="0"/>
+              <a:t>Assume that a company issues bonds in the hypothetical country of </a:t>
+            </a:r>
+            <a:r>
+              <a:rPr lang="en-US" sz="2000" dirty="0" err="1"/>
+              <a:t>Zinland</a:t>
+            </a:r>
+            <a:r>
+              <a:rPr lang="en-US" sz="2000" dirty="0"/>
+              <a:t>, where the local currency is the </a:t>
+            </a:r>
+            <a:r>
+              <a:rPr lang="en-US" sz="2000" dirty="0" err="1"/>
+              <a:t>zini</a:t>
+            </a:r>
+            <a:r>
+              <a:rPr lang="en-US" sz="2000" dirty="0"/>
+              <a:t> (Z). There is an original issue discount tax provision in </a:t>
+            </a:r>
+            <a:r>
+              <a:rPr lang="en-US" sz="2000" dirty="0" err="1"/>
+              <a:t>Zinland’s</a:t>
+            </a:r>
+            <a:r>
+              <a:rPr lang="en-US" sz="2000" dirty="0"/>
+              <a:t> tax code. The company issues a 10-year zero-coupon bond with a par value of Z1,000 and sells it for Z800. An investor who buys the zero-coupon bond at issuance and holds it until maturity most likely:</a:t>
+            </a:r>
+          </a:p>
+          <a:p>
+            <a:pPr marL="457200" indent="-457200">
+              <a:buFont typeface="+mj-lt"/>
+              <a:buAutoNum type="alphaUcPeriod"/>
+            </a:pPr>
+            <a:r>
+              <a:rPr lang="en-US" sz="2000" b="1" dirty="0"/>
+              <a:t>has to include Z20 in his taxable income every tax year for 10 years and has to declare a capital gain of Z200 at maturity.</a:t>
+            </a:r>
+          </a:p>
+          <a:p>
+            <a:pPr marL="457200" indent="-457200">
+              <a:buFont typeface="+mj-lt"/>
+              <a:buAutoNum type="alphaUcPeriod"/>
+            </a:pPr>
+            <a:r>
+              <a:rPr lang="en-US" sz="2000" b="1" dirty="0"/>
+              <a:t>has to include Z20 in his taxable income every tax year for 10 years and does not have to declare a capital gain at maturity.</a:t>
+            </a:r>
+          </a:p>
+          <a:p>
+            <a:pPr marL="457200" indent="-457200">
+              <a:buFont typeface="+mj-lt"/>
+              <a:buAutoNum type="alphaUcPeriod"/>
+            </a:pPr>
+            <a:r>
+              <a:rPr lang="en-US" sz="2000" b="1" dirty="0"/>
+              <a:t>does not have to include anything in his taxable income every tax year for 10 years but has to declare a capital gain of Z200 at maturity.</a:t>
+            </a:r>
+          </a:p>
+        </p:txBody>
+      </p:sp>
+    </p:spTree>
+    <p:extLst>
+      <p:ext uri="{BB962C8B-B14F-4D97-AF65-F5344CB8AC3E}">
+        <p14:creationId xmlns:p14="http://schemas.microsoft.com/office/powerpoint/2010/main" val="384371891"/>
       </p:ext>
     </p:extLst>
   </p:cSld>

--- a/Fixed Income.pptx
+++ b/Fixed Income.pptx
@@ -4002,7 +4002,7 @@
           <a:p>
             <a:fld id="{9ADA5B36-BD01-47CD-B491-940693B77A9A}" type="datetimeFigureOut">
               <a:rPr lang="en-US" smtClean="0"/>
-              <a:t>10/18/2022</a:t>
+              <a:t>10/19/22</a:t>
             </a:fld>
             <a:endParaRPr lang="en-US"/>
           </a:p>
@@ -13398,7 +13398,7 @@
           <a:p>
             <a:fld id="{3CB14515-8DA5-4B82-96E7-E758FF8ACA06}" type="datetimeFigureOut">
               <a:rPr lang="en-US" smtClean="0"/>
-              <a:t>10/18/2022</a:t>
+              <a:t>10/19/22</a:t>
             </a:fld>
             <a:endParaRPr lang="en-US"/>
           </a:p>
@@ -13605,7 +13605,7 @@
           <a:p>
             <a:fld id="{3CB14515-8DA5-4B82-96E7-E758FF8ACA06}" type="datetimeFigureOut">
               <a:rPr lang="en-US" smtClean="0"/>
-              <a:t>10/18/2022</a:t>
+              <a:t>10/19/22</a:t>
             </a:fld>
             <a:endParaRPr lang="en-US"/>
           </a:p>
@@ -13785,7 +13785,7 @@
           <a:p>
             <a:fld id="{3CB14515-8DA5-4B82-96E7-E758FF8ACA06}" type="datetimeFigureOut">
               <a:rPr lang="en-US" smtClean="0"/>
-              <a:t>10/18/2022</a:t>
+              <a:t>10/19/22</a:t>
             </a:fld>
             <a:endParaRPr lang="en-US"/>
           </a:p>
@@ -13990,7 +13990,7 @@
           <a:p>
             <a:fld id="{3CB14515-8DA5-4B82-96E7-E758FF8ACA06}" type="datetimeFigureOut">
               <a:rPr lang="en-US" smtClean="0"/>
-              <a:t>10/18/2022</a:t>
+              <a:t>10/19/22</a:t>
             </a:fld>
             <a:endParaRPr lang="en-US"/>
           </a:p>
@@ -22888,7 +22888,7 @@
           <a:p>
             <a:fld id="{3CB14515-8DA5-4B82-96E7-E758FF8ACA06}" type="datetimeFigureOut">
               <a:rPr lang="en-US" smtClean="0"/>
-              <a:t>10/18/2022</a:t>
+              <a:t>10/19/22</a:t>
             </a:fld>
             <a:endParaRPr lang="en-US"/>
           </a:p>
@@ -23162,7 +23162,7 @@
           <a:p>
             <a:fld id="{3CB14515-8DA5-4B82-96E7-E758FF8ACA06}" type="datetimeFigureOut">
               <a:rPr lang="en-US" smtClean="0"/>
-              <a:t>10/18/2022</a:t>
+              <a:t>10/19/22</a:t>
             </a:fld>
             <a:endParaRPr lang="en-US"/>
           </a:p>
@@ -23560,7 +23560,7 @@
           <a:p>
             <a:fld id="{3CB14515-8DA5-4B82-96E7-E758FF8ACA06}" type="datetimeFigureOut">
               <a:rPr lang="en-US" smtClean="0"/>
-              <a:t>10/18/2022</a:t>
+              <a:t>10/19/22</a:t>
             </a:fld>
             <a:endParaRPr lang="en-US"/>
           </a:p>
@@ -23678,7 +23678,7 @@
           <a:p>
             <a:fld id="{3CB14515-8DA5-4B82-96E7-E758FF8ACA06}" type="datetimeFigureOut">
               <a:rPr lang="en-US" smtClean="0"/>
-              <a:t>10/18/2022</a:t>
+              <a:t>10/19/22</a:t>
             </a:fld>
             <a:endParaRPr lang="en-US"/>
           </a:p>
@@ -23773,7 +23773,7 @@
           <a:p>
             <a:fld id="{3CB14515-8DA5-4B82-96E7-E758FF8ACA06}" type="datetimeFigureOut">
               <a:rPr lang="en-US" smtClean="0"/>
-              <a:t>10/18/2022</a:t>
+              <a:t>10/19/22</a:t>
             </a:fld>
             <a:endParaRPr lang="en-US"/>
           </a:p>
@@ -24063,7 +24063,7 @@
           <a:p>
             <a:fld id="{3CB14515-8DA5-4B82-96E7-E758FF8ACA06}" type="datetimeFigureOut">
               <a:rPr lang="en-US" smtClean="0"/>
-              <a:t>10/18/2022</a:t>
+              <a:t>10/19/22</a:t>
             </a:fld>
             <a:endParaRPr lang="en-US"/>
           </a:p>
@@ -24343,7 +24343,7 @@
           <a:p>
             <a:fld id="{3CB14515-8DA5-4B82-96E7-E758FF8ACA06}" type="datetimeFigureOut">
               <a:rPr lang="en-US" smtClean="0"/>
-              <a:t>10/18/2022</a:t>
+              <a:t>10/19/22</a:t>
             </a:fld>
             <a:endParaRPr lang="en-US"/>
           </a:p>
@@ -24593,7 +24593,7 @@
           <a:p>
             <a:fld id="{3CB14515-8DA5-4B82-96E7-E758FF8ACA06}" type="datetimeFigureOut">
               <a:rPr lang="en-US" smtClean="0"/>
-              <a:t>10/18/2022</a:t>
+              <a:t>10/19/22</a:t>
             </a:fld>
             <a:endParaRPr lang="en-US"/>
           </a:p>
@@ -29281,6 +29281,14 @@
 <file path=ppt/slides/slide22.xml><?xml version="1.0" encoding="utf-8"?>
 <p:sld xmlns:a="http://schemas.openxmlformats.org/drawingml/2006/main" xmlns:r="http://schemas.openxmlformats.org/officeDocument/2006/relationships" xmlns:p="http://schemas.openxmlformats.org/presentationml/2006/main">
   <p:cSld>
+    <p:bg>
+      <p:bgPr>
+        <a:solidFill>
+          <a:schemeClr val="bg1"/>
+        </a:solidFill>
+        <a:effectLst/>
+      </p:bgPr>
+    </p:bg>
     <p:spTree>
       <p:nvGrpSpPr>
         <p:cNvPr id="1" name=""/>
@@ -29311,7 +29319,12 @@
             <p:ph type="title"/>
           </p:nvPr>
         </p:nvSpPr>
-        <p:spPr/>
+        <p:spPr>
+          <a:xfrm>
+            <a:off x="1024128" y="585216"/>
+            <a:ext cx="8018272" cy="1499616"/>
+          </a:xfrm>
+        </p:spPr>
         <p:txBody>
           <a:bodyPr>
             <a:normAutofit/>
@@ -29356,7 +29369,12 @@
             <p:ph idx="1"/>
           </p:nvPr>
         </p:nvSpPr>
-        <p:spPr/>
+        <p:spPr>
+          <a:xfrm>
+            <a:off x="1024128" y="2286000"/>
+            <a:ext cx="8018271" cy="4023360"/>
+          </a:xfrm>
+        </p:spPr>
         <p:txBody>
           <a:bodyPr>
             <a:normAutofit/>
@@ -29370,11 +29388,11 @@
           </a:p>
           <a:p>
             <a:r>
-              <a:rPr lang="en-US" dirty="0"/>
+              <a:rPr lang="en-US" sz="2000" dirty="0"/>
               <a:t>A </a:t>
             </a:r>
             <a:r>
-              <a:rPr lang="en-US" dirty="0">
+              <a:rPr lang="en-US" sz="2000" dirty="0">
                 <a:solidFill>
                   <a:srgbClr val="FF0000"/>
                 </a:solidFill>
@@ -29382,17 +29400,17 @@
               <a:t>national bond </a:t>
             </a:r>
             <a:r>
-              <a:rPr lang="en-US" dirty="0"/>
+              <a:rPr lang="en-US" sz="2000" dirty="0"/>
               <a:t>market includes all the bonds that are issued and traded in a specific country and are denominated in the currency of that country.</a:t>
             </a:r>
           </a:p>
           <a:p>
             <a:r>
-              <a:rPr lang="en-US" dirty="0"/>
+              <a:rPr lang="en-US" sz="2000" dirty="0"/>
               <a:t>Bonds issued by entities that are incorporated in that country are called </a:t>
             </a:r>
             <a:r>
-              <a:rPr lang="en-US" dirty="0">
+              <a:rPr lang="en-US" sz="2000" dirty="0">
                 <a:solidFill>
                   <a:srgbClr val="FF0000"/>
                 </a:solidFill>
@@ -29400,11 +29418,11 @@
               <a:t>domestic bonds</a:t>
             </a:r>
             <a:r>
-              <a:rPr lang="en-US" dirty="0"/>
+              <a:rPr lang="en-US" sz="2000" dirty="0"/>
               <a:t>, whereas bonds issued by entities that are incorporated in another country are called </a:t>
             </a:r>
             <a:r>
-              <a:rPr lang="en-US" dirty="0">
+              <a:rPr lang="en-US" sz="2000" dirty="0">
                 <a:solidFill>
                   <a:srgbClr val="FF0000"/>
                 </a:solidFill>
@@ -29412,17 +29430,17 @@
               <a:t>foreign bonds</a:t>
             </a:r>
             <a:r>
-              <a:rPr lang="en-US" dirty="0"/>
+              <a:rPr lang="en-US" sz="2000" dirty="0"/>
               <a:t>.</a:t>
             </a:r>
           </a:p>
           <a:p>
             <a:r>
-              <a:rPr lang="en-US" dirty="0"/>
+              <a:rPr lang="en-US" sz="2000" dirty="0"/>
               <a:t>A </a:t>
             </a:r>
             <a:r>
-              <a:rPr lang="en-US" dirty="0">
+              <a:rPr lang="en-US" sz="2000" dirty="0">
                 <a:solidFill>
                   <a:srgbClr val="FF0000"/>
                 </a:solidFill>
@@ -29430,17 +29448,17 @@
               <a:t>Eurobond</a:t>
             </a:r>
             <a:r>
-              <a:rPr lang="en-US" dirty="0"/>
+              <a:rPr lang="en-US" sz="2000" dirty="0"/>
               <a:t> is a debt instrument that’s denominated in a currency other than the home currency of the country or market in which it is issued.</a:t>
             </a:r>
           </a:p>
           <a:p>
             <a:r>
-              <a:rPr lang="en-US" dirty="0"/>
+              <a:rPr lang="en-US" sz="2000" dirty="0"/>
               <a:t>A </a:t>
             </a:r>
             <a:r>
-              <a:rPr lang="en-US" dirty="0">
+              <a:rPr lang="en-US" sz="2000" dirty="0">
                 <a:solidFill>
                   <a:srgbClr val="FF0000"/>
                 </a:solidFill>
@@ -29448,9 +29466,137 @@
               <a:t>global bond </a:t>
             </a:r>
             <a:r>
-              <a:rPr lang="en-US" dirty="0"/>
+              <a:rPr lang="en-US" sz="2000" dirty="0"/>
               <a:t>is one issued simultaneously in the Eurobond market and in at least one domestic bond market.</a:t>
             </a:r>
+          </a:p>
+        </p:txBody>
+      </p:sp>
+      <p:sp>
+        <p:nvSpPr>
+          <p:cNvPr id="8" name="Rectangle 7">
+            <a:extLst>
+              <a:ext uri="{FF2B5EF4-FFF2-40B4-BE49-F238E27FC236}">
+                <a16:creationId xmlns:a16="http://schemas.microsoft.com/office/drawing/2014/main" id="{77D7B666-D5E6-48CE-B26A-FB5E5C34AF90}"/>
+              </a:ext>
+              <a:ext uri="{C183D7F6-B498-43B3-948B-1728B52AA6E4}">
+                <adec:decorative xmlns:adec="http://schemas.microsoft.com/office/drawing/2017/decorative" val="1"/>
+              </a:ext>
+            </a:extLst>
+          </p:cNvPr>
+          <p:cNvSpPr>
+            <a:spLocks noGrp="1" noRot="1" noChangeAspect="1" noMove="1" noResize="1" noEditPoints="1" noAdjustHandles="1" noChangeArrowheads="1" noChangeShapeType="1" noTextEdit="1"/>
+          </p:cNvSpPr>
+          <p:nvPr>
+            <p:extLst>
+              <p:ext uri="{386F3935-93C4-4BCD-93E2-E3B085C9AB24}">
+                <p16:designElem xmlns:p16="http://schemas.microsoft.com/office/powerpoint/2015/main" val="1"/>
+              </p:ext>
+            </p:extLst>
+          </p:nvPr>
+        </p:nvSpPr>
+        <p:spPr>
+          <a:xfrm>
+            <a:off x="9583348" y="325601"/>
+            <a:ext cx="2286920" cy="3908071"/>
+          </a:xfrm>
+          <a:prstGeom prst="rect">
+            <a:avLst/>
+          </a:prstGeom>
+          <a:solidFill>
+            <a:schemeClr val="accent1"/>
+          </a:solidFill>
+          <a:ln>
+            <a:noFill/>
+          </a:ln>
+        </p:spPr>
+        <p:style>
+          <a:lnRef idx="2">
+            <a:schemeClr val="accent1">
+              <a:shade val="50000"/>
+            </a:schemeClr>
+          </a:lnRef>
+          <a:fillRef idx="1">
+            <a:schemeClr val="accent1"/>
+          </a:fillRef>
+          <a:effectRef idx="0">
+            <a:schemeClr val="accent1"/>
+          </a:effectRef>
+          <a:fontRef idx="minor">
+            <a:schemeClr val="lt1"/>
+          </a:fontRef>
+        </p:style>
+        <p:txBody>
+          <a:bodyPr rtlCol="0" anchor="ctr"/>
+          <a:lstStyle/>
+          <a:p>
+            <a:pPr algn="ctr"/>
+            <a:endParaRPr lang="en-US" dirty="0"/>
+          </a:p>
+        </p:txBody>
+      </p:sp>
+      <p:sp>
+        <p:nvSpPr>
+          <p:cNvPr id="10" name="Rectangle 9">
+            <a:extLst>
+              <a:ext uri="{FF2B5EF4-FFF2-40B4-BE49-F238E27FC236}">
+                <a16:creationId xmlns:a16="http://schemas.microsoft.com/office/drawing/2014/main" id="{F6EE670A-A41A-44AD-BC1C-2090365EB5B3}"/>
+              </a:ext>
+              <a:ext uri="{C183D7F6-B498-43B3-948B-1728B52AA6E4}">
+                <adec:decorative xmlns:adec="http://schemas.microsoft.com/office/drawing/2017/decorative" val="1"/>
+              </a:ext>
+            </a:extLst>
+          </p:cNvPr>
+          <p:cNvSpPr>
+            <a:spLocks noGrp="1" noRot="1" noChangeAspect="1" noMove="1" noResize="1" noEditPoints="1" noAdjustHandles="1" noChangeArrowheads="1" noChangeShapeType="1" noTextEdit="1"/>
+          </p:cNvSpPr>
+          <p:nvPr>
+            <p:extLst>
+              <p:ext uri="{386F3935-93C4-4BCD-93E2-E3B085C9AB24}">
+                <p16:designElem xmlns:p16="http://schemas.microsoft.com/office/powerpoint/2015/main" val="1"/>
+              </p:ext>
+            </p:extLst>
+          </p:nvPr>
+        </p:nvSpPr>
+        <p:spPr>
+          <a:xfrm>
+            <a:off x="9583348" y="4394539"/>
+            <a:ext cx="2286920" cy="2029724"/>
+          </a:xfrm>
+          <a:prstGeom prst="rect">
+            <a:avLst/>
+          </a:prstGeom>
+          <a:solidFill>
+            <a:schemeClr val="tx2">
+              <a:alpha val="80000"/>
+            </a:schemeClr>
+          </a:solidFill>
+          <a:ln>
+            <a:noFill/>
+          </a:ln>
+        </p:spPr>
+        <p:style>
+          <a:lnRef idx="2">
+            <a:schemeClr val="accent1">
+              <a:shade val="50000"/>
+            </a:schemeClr>
+          </a:lnRef>
+          <a:fillRef idx="1">
+            <a:schemeClr val="accent1"/>
+          </a:fillRef>
+          <a:effectRef idx="0">
+            <a:schemeClr val="accent1"/>
+          </a:effectRef>
+          <a:fontRef idx="minor">
+            <a:schemeClr val="lt1"/>
+          </a:fontRef>
+        </p:style>
+        <p:txBody>
+          <a:bodyPr rtlCol="0" anchor="ctr"/>
+          <a:lstStyle/>
+          <a:p>
+            <a:pPr algn="ctr"/>
+            <a:endParaRPr lang="en-US"/>
           </a:p>
         </p:txBody>
       </p:sp>
@@ -29470,6 +29616,14 @@
 <file path=ppt/slides/slide23.xml><?xml version="1.0" encoding="utf-8"?>
 <p:sld xmlns:a="http://schemas.openxmlformats.org/drawingml/2006/main" xmlns:r="http://schemas.openxmlformats.org/officeDocument/2006/relationships" xmlns:p="http://schemas.openxmlformats.org/presentationml/2006/main">
   <p:cSld>
+    <p:bg>
+      <p:bgPr>
+        <a:solidFill>
+          <a:schemeClr val="bg1"/>
+        </a:solidFill>
+        <a:effectLst/>
+      </p:bgPr>
+    </p:bg>
     <p:spTree>
       <p:nvGrpSpPr>
         <p:cNvPr id="1" name=""/>
@@ -29500,9 +29654,16 @@
             <p:ph type="title"/>
           </p:nvPr>
         </p:nvSpPr>
-        <p:spPr/>
+        <p:spPr>
+          <a:xfrm>
+            <a:off x="1024128" y="585216"/>
+            <a:ext cx="8018272" cy="1499616"/>
+          </a:xfrm>
+        </p:spPr>
         <p:txBody>
-          <a:bodyPr/>
+          <a:bodyPr>
+            <a:normAutofit/>
+          </a:bodyPr>
           <a:lstStyle/>
           <a:p>
             <a:r>
@@ -29528,10 +29689,15 @@
             <p:ph idx="1"/>
           </p:nvPr>
         </p:nvSpPr>
-        <p:spPr/>
+        <p:spPr>
+          <a:xfrm>
+            <a:off x="1024128" y="2286000"/>
+            <a:ext cx="8018271" cy="4023360"/>
+          </a:xfrm>
+        </p:spPr>
         <p:txBody>
           <a:bodyPr>
-            <a:normAutofit lnSpcReduction="10000"/>
+            <a:normAutofit/>
           </a:bodyPr>
           <a:lstStyle/>
           <a:p>
@@ -29539,7 +29705,7 @@
               <a:buNone/>
             </a:pPr>
             <a:r>
-              <a:rPr lang="en-US" sz="1800" dirty="0"/>
+              <a:rPr lang="en-US" sz="1500"/>
               <a:t>1. An example of a domestic bond is a bond issued by:</a:t>
             </a:r>
           </a:p>
@@ -29549,7 +29715,7 @@
               <a:buAutoNum type="alphaUcPeriod"/>
             </a:pPr>
             <a:r>
-              <a:rPr lang="en-US" sz="1800" b="1" dirty="0"/>
+              <a:rPr lang="en-US" sz="1500" b="1"/>
               <a:t>LG Group from South Korea, denominated in British pounds, and sold in the United Kingdom.</a:t>
             </a:r>
           </a:p>
@@ -29559,7 +29725,7 @@
               <a:buAutoNum type="alphaUcPeriod"/>
             </a:pPr>
             <a:r>
-              <a:rPr lang="en-US" sz="1800" b="1" dirty="0"/>
+              <a:rPr lang="en-US" sz="1500" b="1"/>
               <a:t>The UK Debt Management Office, denominated in British pounds, and sold in the United Kingdom.</a:t>
             </a:r>
           </a:p>
@@ -29569,7 +29735,7 @@
               <a:buAutoNum type="alphaUcPeriod"/>
             </a:pPr>
             <a:r>
-              <a:rPr lang="en-US" sz="1800" b="1" dirty="0"/>
+              <a:rPr lang="en-US" sz="1500" b="1"/>
               <a:t>Wal-Mart from the United States, denominated in US dollars, and sold in various countries in North America, Europe, the Middle East, and Asia Pacific.</a:t>
             </a:r>
           </a:p>
@@ -29578,7 +29744,7 @@
               <a:buNone/>
             </a:pPr>
             <a:r>
-              <a:rPr lang="en-US" sz="1800" dirty="0"/>
+              <a:rPr lang="en-US" sz="1500"/>
               <a:t>2. A bond issued by Sony in Japan, denominated in US dollars but not registered with the SEC, and sold to an institutional investor in the Middle East, is most likely an example of a:</a:t>
             </a:r>
           </a:p>
@@ -29588,7 +29754,7 @@
               <a:buAutoNum type="alphaUcPeriod"/>
             </a:pPr>
             <a:r>
-              <a:rPr lang="en-US" sz="1800" b="1" dirty="0"/>
+              <a:rPr lang="en-US" sz="1500" b="1"/>
               <a:t>Eurobond.</a:t>
             </a:r>
           </a:p>
@@ -29598,7 +29764,7 @@
               <a:buAutoNum type="alphaUcPeriod"/>
             </a:pPr>
             <a:r>
-              <a:rPr lang="en-US" sz="1800" b="1" dirty="0"/>
+              <a:rPr lang="en-US" sz="1500" b="1"/>
               <a:t>global bond.</a:t>
             </a:r>
           </a:p>
@@ -29608,9 +29774,137 @@
               <a:buAutoNum type="alphaUcPeriod"/>
             </a:pPr>
             <a:r>
-              <a:rPr lang="en-US" sz="1800" b="1" dirty="0"/>
+              <a:rPr lang="en-US" sz="1500" b="1"/>
               <a:t>foreign bond.</a:t>
             </a:r>
+          </a:p>
+        </p:txBody>
+      </p:sp>
+      <p:sp>
+        <p:nvSpPr>
+          <p:cNvPr id="8" name="Rectangle 7">
+            <a:extLst>
+              <a:ext uri="{FF2B5EF4-FFF2-40B4-BE49-F238E27FC236}">
+                <a16:creationId xmlns:a16="http://schemas.microsoft.com/office/drawing/2014/main" id="{77D7B666-D5E6-48CE-B26A-FB5E5C34AF90}"/>
+              </a:ext>
+              <a:ext uri="{C183D7F6-B498-43B3-948B-1728B52AA6E4}">
+                <adec:decorative xmlns:adec="http://schemas.microsoft.com/office/drawing/2017/decorative" val="1"/>
+              </a:ext>
+            </a:extLst>
+          </p:cNvPr>
+          <p:cNvSpPr>
+            <a:spLocks noGrp="1" noRot="1" noChangeAspect="1" noMove="1" noResize="1" noEditPoints="1" noAdjustHandles="1" noChangeArrowheads="1" noChangeShapeType="1" noTextEdit="1"/>
+          </p:cNvSpPr>
+          <p:nvPr>
+            <p:extLst>
+              <p:ext uri="{386F3935-93C4-4BCD-93E2-E3B085C9AB24}">
+                <p16:designElem xmlns:p16="http://schemas.microsoft.com/office/powerpoint/2015/main" val="1"/>
+              </p:ext>
+            </p:extLst>
+          </p:nvPr>
+        </p:nvSpPr>
+        <p:spPr>
+          <a:xfrm>
+            <a:off x="9583348" y="325601"/>
+            <a:ext cx="2286920" cy="3908071"/>
+          </a:xfrm>
+          <a:prstGeom prst="rect">
+            <a:avLst/>
+          </a:prstGeom>
+          <a:solidFill>
+            <a:schemeClr val="accent1"/>
+          </a:solidFill>
+          <a:ln>
+            <a:noFill/>
+          </a:ln>
+        </p:spPr>
+        <p:style>
+          <a:lnRef idx="2">
+            <a:schemeClr val="accent1">
+              <a:shade val="50000"/>
+            </a:schemeClr>
+          </a:lnRef>
+          <a:fillRef idx="1">
+            <a:schemeClr val="accent1"/>
+          </a:fillRef>
+          <a:effectRef idx="0">
+            <a:schemeClr val="accent1"/>
+          </a:effectRef>
+          <a:fontRef idx="minor">
+            <a:schemeClr val="lt1"/>
+          </a:fontRef>
+        </p:style>
+        <p:txBody>
+          <a:bodyPr rtlCol="0" anchor="ctr"/>
+          <a:lstStyle/>
+          <a:p>
+            <a:pPr algn="ctr"/>
+            <a:endParaRPr lang="en-US" dirty="0"/>
+          </a:p>
+        </p:txBody>
+      </p:sp>
+      <p:sp>
+        <p:nvSpPr>
+          <p:cNvPr id="10" name="Rectangle 9">
+            <a:extLst>
+              <a:ext uri="{FF2B5EF4-FFF2-40B4-BE49-F238E27FC236}">
+                <a16:creationId xmlns:a16="http://schemas.microsoft.com/office/drawing/2014/main" id="{F6EE670A-A41A-44AD-BC1C-2090365EB5B3}"/>
+              </a:ext>
+              <a:ext uri="{C183D7F6-B498-43B3-948B-1728B52AA6E4}">
+                <adec:decorative xmlns:adec="http://schemas.microsoft.com/office/drawing/2017/decorative" val="1"/>
+              </a:ext>
+            </a:extLst>
+          </p:cNvPr>
+          <p:cNvSpPr>
+            <a:spLocks noGrp="1" noRot="1" noChangeAspect="1" noMove="1" noResize="1" noEditPoints="1" noAdjustHandles="1" noChangeArrowheads="1" noChangeShapeType="1" noTextEdit="1"/>
+          </p:cNvSpPr>
+          <p:nvPr>
+            <p:extLst>
+              <p:ext uri="{386F3935-93C4-4BCD-93E2-E3B085C9AB24}">
+                <p16:designElem xmlns:p16="http://schemas.microsoft.com/office/powerpoint/2015/main" val="1"/>
+              </p:ext>
+            </p:extLst>
+          </p:nvPr>
+        </p:nvSpPr>
+        <p:spPr>
+          <a:xfrm>
+            <a:off x="9583348" y="4394539"/>
+            <a:ext cx="2286920" cy="2029724"/>
+          </a:xfrm>
+          <a:prstGeom prst="rect">
+            <a:avLst/>
+          </a:prstGeom>
+          <a:solidFill>
+            <a:schemeClr val="tx2">
+              <a:alpha val="80000"/>
+            </a:schemeClr>
+          </a:solidFill>
+          <a:ln>
+            <a:noFill/>
+          </a:ln>
+        </p:spPr>
+        <p:style>
+          <a:lnRef idx="2">
+            <a:schemeClr val="accent1">
+              <a:shade val="50000"/>
+            </a:schemeClr>
+          </a:lnRef>
+          <a:fillRef idx="1">
+            <a:schemeClr val="accent1"/>
+          </a:fillRef>
+          <a:effectRef idx="0">
+            <a:schemeClr val="accent1"/>
+          </a:effectRef>
+          <a:fontRef idx="minor">
+            <a:schemeClr val="lt1"/>
+          </a:fontRef>
+        </p:style>
+        <p:txBody>
+          <a:bodyPr rtlCol="0" anchor="ctr"/>
+          <a:lstStyle/>
+          <a:p>
+            <a:pPr algn="ctr"/>
+            <a:endParaRPr lang="en-US"/>
           </a:p>
         </p:txBody>
       </p:sp>
@@ -29630,6 +29924,14 @@
 <file path=ppt/slides/slide24.xml><?xml version="1.0" encoding="utf-8"?>
 <p:sld xmlns:a="http://schemas.openxmlformats.org/drawingml/2006/main" xmlns:r="http://schemas.openxmlformats.org/officeDocument/2006/relationships" xmlns:p="http://schemas.openxmlformats.org/presentationml/2006/main">
   <p:cSld>
+    <p:bg>
+      <p:bgPr>
+        <a:solidFill>
+          <a:schemeClr val="bg1"/>
+        </a:solidFill>
+        <a:effectLst/>
+      </p:bgPr>
+    </p:bg>
     <p:spTree>
       <p:nvGrpSpPr>
         <p:cNvPr id="1" name=""/>
@@ -29660,7 +29962,12 @@
             <p:ph type="title"/>
           </p:nvPr>
         </p:nvSpPr>
-        <p:spPr/>
+        <p:spPr>
+          <a:xfrm>
+            <a:off x="1024128" y="585216"/>
+            <a:ext cx="8018272" cy="1499616"/>
+          </a:xfrm>
+        </p:spPr>
         <p:txBody>
           <a:bodyPr>
             <a:normAutofit/>
@@ -29705,7 +30012,12 @@
             <p:ph idx="1"/>
           </p:nvPr>
         </p:nvSpPr>
-        <p:spPr/>
+        <p:spPr>
+          <a:xfrm>
+            <a:off x="1024128" y="2286000"/>
+            <a:ext cx="8018271" cy="4023360"/>
+          </a:xfrm>
+        </p:spPr>
         <p:txBody>
           <a:bodyPr>
             <a:normAutofit/>
@@ -29719,11 +30031,11 @@
           </a:p>
           <a:p>
             <a:r>
-              <a:rPr lang="en-US" sz="2000" dirty="0"/>
+              <a:rPr lang="en-US" sz="1900" dirty="0"/>
               <a:t>Bond </a:t>
             </a:r>
             <a:r>
-              <a:rPr lang="en-US" sz="2000" dirty="0">
+              <a:rPr lang="en-US" sz="1900" dirty="0">
                 <a:solidFill>
                   <a:srgbClr val="FF0000"/>
                 </a:solidFill>
@@ -29731,29 +30043,29 @@
               <a:t>interest</a:t>
             </a:r>
             <a:r>
-              <a:rPr lang="en-US" sz="2000" dirty="0"/>
+              <a:rPr lang="en-US" sz="1900" dirty="0"/>
               <a:t> is usually taxed at the </a:t>
             </a:r>
             <a:r>
-              <a:rPr lang="en-US" sz="2000" dirty="0">
+              <a:rPr lang="en-US" sz="1900" dirty="0">
                 <a:solidFill>
                   <a:srgbClr val="FF0000"/>
                 </a:solidFill>
               </a:rPr>
-              <a:t>ordinary income tax rate</a:t>
-            </a:r>
-            <a:r>
-              <a:rPr lang="en-US" sz="2000" dirty="0"/>
-              <a:t>, which is typically the same tax rate that an individual would pay on wage or salary income.</a:t>
-            </a:r>
-          </a:p>
-          <a:p>
-            <a:r>
-              <a:rPr lang="en-US" sz="2000" dirty="0"/>
+              <a:t>ordinary income tax </a:t>
+            </a:r>
+            <a:r>
+              <a:rPr lang="en-US" sz="1900" dirty="0"/>
+              <a:t>rate, which is typically the same tax rate that an individual would pay on wage or salary income.</a:t>
+            </a:r>
+          </a:p>
+          <a:p>
+            <a:r>
+              <a:rPr lang="en-US" sz="1900" dirty="0"/>
               <a:t>In addition to earnings from interest, a bond investment will generate a </a:t>
             </a:r>
             <a:r>
-              <a:rPr lang="en-US" sz="2000" dirty="0">
+              <a:rPr lang="en-US" sz="1900" dirty="0">
                 <a:solidFill>
                   <a:srgbClr val="FF0000"/>
                 </a:solidFill>
@@ -29761,47 +30073,23 @@
               <a:t>capital gain or loss </a:t>
             </a:r>
             <a:r>
-              <a:rPr lang="en-US" sz="2000" dirty="0"/>
+              <a:rPr lang="en-US" sz="1900" dirty="0"/>
               <a:t>if sold prior to maturity at a price different from the purchase price.</a:t>
             </a:r>
           </a:p>
           <a:p>
             <a:r>
-              <a:rPr lang="en-US" sz="2000" dirty="0"/>
-              <a:t>Capital gains or losses usually face different tax treatment from taxable income, which often varies for </a:t>
-            </a:r>
-            <a:r>
-              <a:rPr lang="en-US" sz="2000" dirty="0">
-                <a:solidFill>
-                  <a:srgbClr val="FF0000"/>
-                </a:solidFill>
-              </a:rPr>
-              <a:t>long-term</a:t>
-            </a:r>
-            <a:r>
-              <a:rPr lang="en-US" sz="2000" dirty="0"/>
-              <a:t> and </a:t>
-            </a:r>
-            <a:r>
-              <a:rPr lang="en-US" sz="2000" dirty="0">
-                <a:solidFill>
-                  <a:srgbClr val="FF0000"/>
-                </a:solidFill>
-              </a:rPr>
-              <a:t>short-term</a:t>
-            </a:r>
-            <a:r>
-              <a:rPr lang="en-US" sz="2000" dirty="0"/>
-              <a:t> capital gains.</a:t>
-            </a:r>
-          </a:p>
-          <a:p>
-            <a:r>
-              <a:rPr lang="en-US" sz="2000" dirty="0"/>
+              <a:rPr lang="en-US" sz="1900" dirty="0"/>
+              <a:t>Capital gains or losses usually face different tax treatment from taxable income, which often varies for long-term and short-term capital gains.</a:t>
+            </a:r>
+          </a:p>
+          <a:p>
+            <a:r>
+              <a:rPr lang="en-US" sz="1900" dirty="0"/>
               <a:t>For bonds </a:t>
             </a:r>
             <a:r>
-              <a:rPr lang="en-US" sz="2000" dirty="0">
+              <a:rPr lang="en-US" sz="1900" dirty="0">
                 <a:solidFill>
                   <a:srgbClr val="FF0000"/>
                 </a:solidFill>
@@ -29809,11 +30097,11 @@
               <a:t>issued at a discount</a:t>
             </a:r>
             <a:r>
-              <a:rPr lang="en-US" sz="2000" dirty="0"/>
+              <a:rPr lang="en-US" sz="1900" dirty="0"/>
               <a:t>, the tax status of the original issue discount is an additional tax consideration. The United States includes a </a:t>
             </a:r>
             <a:r>
-              <a:rPr lang="en-US" sz="2000" dirty="0">
+              <a:rPr lang="en-US" sz="1900" dirty="0">
                 <a:solidFill>
                   <a:srgbClr val="FF0000"/>
                 </a:solidFill>
@@ -29821,9 +30109,137 @@
               <a:t>prorated portion </a:t>
             </a:r>
             <a:r>
-              <a:rPr lang="en-US" sz="2000" dirty="0"/>
+              <a:rPr lang="en-US" sz="1900" dirty="0"/>
               <a:t>of the discount in interest income every tax year,</a:t>
             </a:r>
+          </a:p>
+        </p:txBody>
+      </p:sp>
+      <p:sp>
+        <p:nvSpPr>
+          <p:cNvPr id="8" name="Rectangle 7">
+            <a:extLst>
+              <a:ext uri="{FF2B5EF4-FFF2-40B4-BE49-F238E27FC236}">
+                <a16:creationId xmlns:a16="http://schemas.microsoft.com/office/drawing/2014/main" id="{77D7B666-D5E6-48CE-B26A-FB5E5C34AF90}"/>
+              </a:ext>
+              <a:ext uri="{C183D7F6-B498-43B3-948B-1728B52AA6E4}">
+                <adec:decorative xmlns:adec="http://schemas.microsoft.com/office/drawing/2017/decorative" val="1"/>
+              </a:ext>
+            </a:extLst>
+          </p:cNvPr>
+          <p:cNvSpPr>
+            <a:spLocks noGrp="1" noRot="1" noChangeAspect="1" noMove="1" noResize="1" noEditPoints="1" noAdjustHandles="1" noChangeArrowheads="1" noChangeShapeType="1" noTextEdit="1"/>
+          </p:cNvSpPr>
+          <p:nvPr>
+            <p:extLst>
+              <p:ext uri="{386F3935-93C4-4BCD-93E2-E3B085C9AB24}">
+                <p16:designElem xmlns:p16="http://schemas.microsoft.com/office/powerpoint/2015/main" val="1"/>
+              </p:ext>
+            </p:extLst>
+          </p:nvPr>
+        </p:nvSpPr>
+        <p:spPr>
+          <a:xfrm>
+            <a:off x="9583348" y="325601"/>
+            <a:ext cx="2286920" cy="3908071"/>
+          </a:xfrm>
+          <a:prstGeom prst="rect">
+            <a:avLst/>
+          </a:prstGeom>
+          <a:solidFill>
+            <a:schemeClr val="accent1"/>
+          </a:solidFill>
+          <a:ln>
+            <a:noFill/>
+          </a:ln>
+        </p:spPr>
+        <p:style>
+          <a:lnRef idx="2">
+            <a:schemeClr val="accent1">
+              <a:shade val="50000"/>
+            </a:schemeClr>
+          </a:lnRef>
+          <a:fillRef idx="1">
+            <a:schemeClr val="accent1"/>
+          </a:fillRef>
+          <a:effectRef idx="0">
+            <a:schemeClr val="accent1"/>
+          </a:effectRef>
+          <a:fontRef idx="minor">
+            <a:schemeClr val="lt1"/>
+          </a:fontRef>
+        </p:style>
+        <p:txBody>
+          <a:bodyPr rtlCol="0" anchor="ctr"/>
+          <a:lstStyle/>
+          <a:p>
+            <a:pPr algn="ctr"/>
+            <a:endParaRPr lang="en-US" dirty="0"/>
+          </a:p>
+        </p:txBody>
+      </p:sp>
+      <p:sp>
+        <p:nvSpPr>
+          <p:cNvPr id="10" name="Rectangle 9">
+            <a:extLst>
+              <a:ext uri="{FF2B5EF4-FFF2-40B4-BE49-F238E27FC236}">
+                <a16:creationId xmlns:a16="http://schemas.microsoft.com/office/drawing/2014/main" id="{F6EE670A-A41A-44AD-BC1C-2090365EB5B3}"/>
+              </a:ext>
+              <a:ext uri="{C183D7F6-B498-43B3-948B-1728B52AA6E4}">
+                <adec:decorative xmlns:adec="http://schemas.microsoft.com/office/drawing/2017/decorative" val="1"/>
+              </a:ext>
+            </a:extLst>
+          </p:cNvPr>
+          <p:cNvSpPr>
+            <a:spLocks noGrp="1" noRot="1" noChangeAspect="1" noMove="1" noResize="1" noEditPoints="1" noAdjustHandles="1" noChangeArrowheads="1" noChangeShapeType="1" noTextEdit="1"/>
+          </p:cNvSpPr>
+          <p:nvPr>
+            <p:extLst>
+              <p:ext uri="{386F3935-93C4-4BCD-93E2-E3B085C9AB24}">
+                <p16:designElem xmlns:p16="http://schemas.microsoft.com/office/powerpoint/2015/main" val="1"/>
+              </p:ext>
+            </p:extLst>
+          </p:nvPr>
+        </p:nvSpPr>
+        <p:spPr>
+          <a:xfrm>
+            <a:off x="9583348" y="4394539"/>
+            <a:ext cx="2286920" cy="2029724"/>
+          </a:xfrm>
+          <a:prstGeom prst="rect">
+            <a:avLst/>
+          </a:prstGeom>
+          <a:solidFill>
+            <a:schemeClr val="tx2">
+              <a:alpha val="80000"/>
+            </a:schemeClr>
+          </a:solidFill>
+          <a:ln>
+            <a:noFill/>
+          </a:ln>
+        </p:spPr>
+        <p:style>
+          <a:lnRef idx="2">
+            <a:schemeClr val="accent1">
+              <a:shade val="50000"/>
+            </a:schemeClr>
+          </a:lnRef>
+          <a:fillRef idx="1">
+            <a:schemeClr val="accent1"/>
+          </a:fillRef>
+          <a:effectRef idx="0">
+            <a:schemeClr val="accent1"/>
+          </a:effectRef>
+          <a:fontRef idx="minor">
+            <a:schemeClr val="lt1"/>
+          </a:fontRef>
+        </p:style>
+        <p:txBody>
+          <a:bodyPr rtlCol="0" anchor="ctr"/>
+          <a:lstStyle/>
+          <a:p>
+            <a:pPr algn="ctr"/>
+            <a:endParaRPr lang="en-US"/>
           </a:p>
         </p:txBody>
       </p:sp>
@@ -29843,6 +30259,14 @@
 <file path=ppt/slides/slide25.xml><?xml version="1.0" encoding="utf-8"?>
 <p:sld xmlns:a="http://schemas.openxmlformats.org/drawingml/2006/main" xmlns:r="http://schemas.openxmlformats.org/officeDocument/2006/relationships" xmlns:p="http://schemas.openxmlformats.org/presentationml/2006/main">
   <p:cSld>
+    <p:bg>
+      <p:bgPr>
+        <a:solidFill>
+          <a:schemeClr val="bg1"/>
+        </a:solidFill>
+        <a:effectLst/>
+      </p:bgPr>
+    </p:bg>
     <p:spTree>
       <p:nvGrpSpPr>
         <p:cNvPr id="1" name=""/>
@@ -29873,9 +30297,16 @@
             <p:ph type="title"/>
           </p:nvPr>
         </p:nvSpPr>
-        <p:spPr/>
+        <p:spPr>
+          <a:xfrm>
+            <a:off x="1024128" y="585216"/>
+            <a:ext cx="8018272" cy="1499616"/>
+          </a:xfrm>
+        </p:spPr>
         <p:txBody>
-          <a:bodyPr/>
+          <a:bodyPr>
+            <a:normAutofit/>
+          </a:bodyPr>
           <a:lstStyle/>
           <a:p>
             <a:r>
@@ -29901,7 +30332,12 @@
             <p:ph idx="1"/>
           </p:nvPr>
         </p:nvSpPr>
-        <p:spPr/>
+        <p:spPr>
+          <a:xfrm>
+            <a:off x="1024128" y="2286000"/>
+            <a:ext cx="8018271" cy="4023360"/>
+          </a:xfrm>
+        </p:spPr>
         <p:txBody>
           <a:bodyPr>
             <a:normAutofit/>
@@ -29966,6 +30402,134 @@
               <a:rPr lang="en-US" sz="2000" b="1" dirty="0"/>
               <a:t>does not have to include anything in his taxable income every tax year for 10 years but has to declare a capital gain of Z200 at maturity.</a:t>
             </a:r>
+          </a:p>
+        </p:txBody>
+      </p:sp>
+      <p:sp>
+        <p:nvSpPr>
+          <p:cNvPr id="8" name="Rectangle 7">
+            <a:extLst>
+              <a:ext uri="{FF2B5EF4-FFF2-40B4-BE49-F238E27FC236}">
+                <a16:creationId xmlns:a16="http://schemas.microsoft.com/office/drawing/2014/main" id="{77D7B666-D5E6-48CE-B26A-FB5E5C34AF90}"/>
+              </a:ext>
+              <a:ext uri="{C183D7F6-B498-43B3-948B-1728B52AA6E4}">
+                <adec:decorative xmlns:adec="http://schemas.microsoft.com/office/drawing/2017/decorative" val="1"/>
+              </a:ext>
+            </a:extLst>
+          </p:cNvPr>
+          <p:cNvSpPr>
+            <a:spLocks noGrp="1" noRot="1" noChangeAspect="1" noMove="1" noResize="1" noEditPoints="1" noAdjustHandles="1" noChangeArrowheads="1" noChangeShapeType="1" noTextEdit="1"/>
+          </p:cNvSpPr>
+          <p:nvPr>
+            <p:extLst>
+              <p:ext uri="{386F3935-93C4-4BCD-93E2-E3B085C9AB24}">
+                <p16:designElem xmlns:p16="http://schemas.microsoft.com/office/powerpoint/2015/main" val="1"/>
+              </p:ext>
+            </p:extLst>
+          </p:nvPr>
+        </p:nvSpPr>
+        <p:spPr>
+          <a:xfrm>
+            <a:off x="9583348" y="325601"/>
+            <a:ext cx="2286920" cy="3908071"/>
+          </a:xfrm>
+          <a:prstGeom prst="rect">
+            <a:avLst/>
+          </a:prstGeom>
+          <a:solidFill>
+            <a:schemeClr val="accent1"/>
+          </a:solidFill>
+          <a:ln>
+            <a:noFill/>
+          </a:ln>
+        </p:spPr>
+        <p:style>
+          <a:lnRef idx="2">
+            <a:schemeClr val="accent1">
+              <a:shade val="50000"/>
+            </a:schemeClr>
+          </a:lnRef>
+          <a:fillRef idx="1">
+            <a:schemeClr val="accent1"/>
+          </a:fillRef>
+          <a:effectRef idx="0">
+            <a:schemeClr val="accent1"/>
+          </a:effectRef>
+          <a:fontRef idx="minor">
+            <a:schemeClr val="lt1"/>
+          </a:fontRef>
+        </p:style>
+        <p:txBody>
+          <a:bodyPr rtlCol="0" anchor="ctr"/>
+          <a:lstStyle/>
+          <a:p>
+            <a:pPr algn="ctr"/>
+            <a:endParaRPr lang="en-US" dirty="0"/>
+          </a:p>
+        </p:txBody>
+      </p:sp>
+      <p:sp>
+        <p:nvSpPr>
+          <p:cNvPr id="10" name="Rectangle 9">
+            <a:extLst>
+              <a:ext uri="{FF2B5EF4-FFF2-40B4-BE49-F238E27FC236}">
+                <a16:creationId xmlns:a16="http://schemas.microsoft.com/office/drawing/2014/main" id="{F6EE670A-A41A-44AD-BC1C-2090365EB5B3}"/>
+              </a:ext>
+              <a:ext uri="{C183D7F6-B498-43B3-948B-1728B52AA6E4}">
+                <adec:decorative xmlns:adec="http://schemas.microsoft.com/office/drawing/2017/decorative" val="1"/>
+              </a:ext>
+            </a:extLst>
+          </p:cNvPr>
+          <p:cNvSpPr>
+            <a:spLocks noGrp="1" noRot="1" noChangeAspect="1" noMove="1" noResize="1" noEditPoints="1" noAdjustHandles="1" noChangeArrowheads="1" noChangeShapeType="1" noTextEdit="1"/>
+          </p:cNvSpPr>
+          <p:nvPr>
+            <p:extLst>
+              <p:ext uri="{386F3935-93C4-4BCD-93E2-E3B085C9AB24}">
+                <p16:designElem xmlns:p16="http://schemas.microsoft.com/office/powerpoint/2015/main" val="1"/>
+              </p:ext>
+            </p:extLst>
+          </p:nvPr>
+        </p:nvSpPr>
+        <p:spPr>
+          <a:xfrm>
+            <a:off x="9583348" y="4394539"/>
+            <a:ext cx="2286920" cy="2029724"/>
+          </a:xfrm>
+          <a:prstGeom prst="rect">
+            <a:avLst/>
+          </a:prstGeom>
+          <a:solidFill>
+            <a:schemeClr val="tx2">
+              <a:alpha val="80000"/>
+            </a:schemeClr>
+          </a:solidFill>
+          <a:ln>
+            <a:noFill/>
+          </a:ln>
+        </p:spPr>
+        <p:style>
+          <a:lnRef idx="2">
+            <a:schemeClr val="accent1">
+              <a:shade val="50000"/>
+            </a:schemeClr>
+          </a:lnRef>
+          <a:fillRef idx="1">
+            <a:schemeClr val="accent1"/>
+          </a:fillRef>
+          <a:effectRef idx="0">
+            <a:schemeClr val="accent1"/>
+          </a:effectRef>
+          <a:fontRef idx="minor">
+            <a:schemeClr val="lt1"/>
+          </a:fontRef>
+        </p:style>
+        <p:txBody>
+          <a:bodyPr rtlCol="0" anchor="ctr"/>
+          <a:lstStyle/>
+          <a:p>
+            <a:pPr algn="ctr"/>
+            <a:endParaRPr lang="en-US"/>
           </a:p>
         </p:txBody>
       </p:sp>

--- a/Fixed Income.pptx
+++ b/Fixed Income.pptx
@@ -5,7 +5,7 @@
     <p:sldMasterId id="2147483660" r:id="rId1"/>
   </p:sldMasterIdLst>
   <p:notesMasterIdLst>
-    <p:notesMasterId r:id="rId27"/>
+    <p:notesMasterId r:id="rId36"/>
   </p:notesMasterIdLst>
   <p:sldIdLst>
     <p:sldId id="265" r:id="rId2"/>
@@ -33,6 +33,15 @@
     <p:sldId id="281" r:id="rId24"/>
     <p:sldId id="282" r:id="rId25"/>
     <p:sldId id="283" r:id="rId26"/>
+    <p:sldId id="284" r:id="rId27"/>
+    <p:sldId id="286" r:id="rId28"/>
+    <p:sldId id="287" r:id="rId29"/>
+    <p:sldId id="285" r:id="rId30"/>
+    <p:sldId id="288" r:id="rId31"/>
+    <p:sldId id="289" r:id="rId32"/>
+    <p:sldId id="290" r:id="rId33"/>
+    <p:sldId id="291" r:id="rId34"/>
+    <p:sldId id="292" r:id="rId35"/>
   </p:sldIdLst>
   <p:sldSz cx="12192000" cy="6858000"/>
   <p:notesSz cx="6858000" cy="9144000"/>
@@ -4002,7 +4011,7 @@
           <a:p>
             <a:fld id="{9ADA5B36-BD01-47CD-B491-940693B77A9A}" type="datetimeFigureOut">
               <a:rPr lang="en-US" smtClean="0"/>
-              <a:t>10/19/22</a:t>
+              <a:t>10/21/2022</a:t>
             </a:fld>
             <a:endParaRPr lang="en-US"/>
           </a:p>
@@ -13398,7 +13407,7 @@
           <a:p>
             <a:fld id="{3CB14515-8DA5-4B82-96E7-E758FF8ACA06}" type="datetimeFigureOut">
               <a:rPr lang="en-US" smtClean="0"/>
-              <a:t>10/19/22</a:t>
+              <a:t>10/21/2022</a:t>
             </a:fld>
             <a:endParaRPr lang="en-US"/>
           </a:p>
@@ -13605,7 +13614,7 @@
           <a:p>
             <a:fld id="{3CB14515-8DA5-4B82-96E7-E758FF8ACA06}" type="datetimeFigureOut">
               <a:rPr lang="en-US" smtClean="0"/>
-              <a:t>10/19/22</a:t>
+              <a:t>10/21/2022</a:t>
             </a:fld>
             <a:endParaRPr lang="en-US"/>
           </a:p>
@@ -13785,7 +13794,7 @@
           <a:p>
             <a:fld id="{3CB14515-8DA5-4B82-96E7-E758FF8ACA06}" type="datetimeFigureOut">
               <a:rPr lang="en-US" smtClean="0"/>
-              <a:t>10/19/22</a:t>
+              <a:t>10/21/2022</a:t>
             </a:fld>
             <a:endParaRPr lang="en-US"/>
           </a:p>
@@ -13990,7 +13999,7 @@
           <a:p>
             <a:fld id="{3CB14515-8DA5-4B82-96E7-E758FF8ACA06}" type="datetimeFigureOut">
               <a:rPr lang="en-US" smtClean="0"/>
-              <a:t>10/19/22</a:t>
+              <a:t>10/21/2022</a:t>
             </a:fld>
             <a:endParaRPr lang="en-US"/>
           </a:p>
@@ -22888,7 +22897,7 @@
           <a:p>
             <a:fld id="{3CB14515-8DA5-4B82-96E7-E758FF8ACA06}" type="datetimeFigureOut">
               <a:rPr lang="en-US" smtClean="0"/>
-              <a:t>10/19/22</a:t>
+              <a:t>10/21/2022</a:t>
             </a:fld>
             <a:endParaRPr lang="en-US"/>
           </a:p>
@@ -23162,7 +23171,7 @@
           <a:p>
             <a:fld id="{3CB14515-8DA5-4B82-96E7-E758FF8ACA06}" type="datetimeFigureOut">
               <a:rPr lang="en-US" smtClean="0"/>
-              <a:t>10/19/22</a:t>
+              <a:t>10/21/2022</a:t>
             </a:fld>
             <a:endParaRPr lang="en-US"/>
           </a:p>
@@ -23560,7 +23569,7 @@
           <a:p>
             <a:fld id="{3CB14515-8DA5-4B82-96E7-E758FF8ACA06}" type="datetimeFigureOut">
               <a:rPr lang="en-US" smtClean="0"/>
-              <a:t>10/19/22</a:t>
+              <a:t>10/21/2022</a:t>
             </a:fld>
             <a:endParaRPr lang="en-US"/>
           </a:p>
@@ -23678,7 +23687,7 @@
           <a:p>
             <a:fld id="{3CB14515-8DA5-4B82-96E7-E758FF8ACA06}" type="datetimeFigureOut">
               <a:rPr lang="en-US" smtClean="0"/>
-              <a:t>10/19/22</a:t>
+              <a:t>10/21/2022</a:t>
             </a:fld>
             <a:endParaRPr lang="en-US"/>
           </a:p>
@@ -23773,7 +23782,7 @@
           <a:p>
             <a:fld id="{3CB14515-8DA5-4B82-96E7-E758FF8ACA06}" type="datetimeFigureOut">
               <a:rPr lang="en-US" smtClean="0"/>
-              <a:t>10/19/22</a:t>
+              <a:t>10/21/2022</a:t>
             </a:fld>
             <a:endParaRPr lang="en-US"/>
           </a:p>
@@ -24063,7 +24072,7 @@
           <a:p>
             <a:fld id="{3CB14515-8DA5-4B82-96E7-E758FF8ACA06}" type="datetimeFigureOut">
               <a:rPr lang="en-US" smtClean="0"/>
-              <a:t>10/19/22</a:t>
+              <a:t>10/21/2022</a:t>
             </a:fld>
             <a:endParaRPr lang="en-US"/>
           </a:p>
@@ -24343,7 +24352,7 @@
           <a:p>
             <a:fld id="{3CB14515-8DA5-4B82-96E7-E758FF8ACA06}" type="datetimeFigureOut">
               <a:rPr lang="en-US" smtClean="0"/>
-              <a:t>10/19/22</a:t>
+              <a:t>10/21/2022</a:t>
             </a:fld>
             <a:endParaRPr lang="en-US"/>
           </a:p>
@@ -24593,7 +24602,7 @@
           <a:p>
             <a:fld id="{3CB14515-8DA5-4B82-96E7-E758FF8ACA06}" type="datetimeFigureOut">
               <a:rPr lang="en-US" smtClean="0"/>
-              <a:t>10/19/22</a:t>
+              <a:t>10/21/2022</a:t>
             </a:fld>
             <a:endParaRPr lang="en-US"/>
           </a:p>
@@ -30546,6 +30555,2393 @@
 </p:sld>
 </file>
 
+<file path=ppt/slides/slide26.xml><?xml version="1.0" encoding="utf-8"?>
+<p:sld xmlns:a="http://schemas.openxmlformats.org/drawingml/2006/main" xmlns:r="http://schemas.openxmlformats.org/officeDocument/2006/relationships" xmlns:p="http://schemas.openxmlformats.org/presentationml/2006/main">
+  <p:cSld>
+    <p:spTree>
+      <p:nvGrpSpPr>
+        <p:cNvPr id="1" name=""/>
+        <p:cNvGrpSpPr/>
+        <p:nvPr/>
+      </p:nvGrpSpPr>
+      <p:grpSpPr>
+        <a:xfrm>
+          <a:off x="0" y="0"/>
+          <a:ext cx="0" cy="0"/>
+          <a:chOff x="0" y="0"/>
+          <a:chExt cx="0" cy="0"/>
+        </a:xfrm>
+      </p:grpSpPr>
+      <p:sp>
+        <p:nvSpPr>
+          <p:cNvPr id="2" name="Title 1">
+            <a:extLst>
+              <a:ext uri="{FF2B5EF4-FFF2-40B4-BE49-F238E27FC236}">
+                <a16:creationId xmlns:a16="http://schemas.microsoft.com/office/drawing/2014/main" id="{AA05E7FC-89A4-4FDD-8BC2-12834AFF0438}"/>
+              </a:ext>
+            </a:extLst>
+          </p:cNvPr>
+          <p:cNvSpPr>
+            <a:spLocks noGrp="1"/>
+          </p:cNvSpPr>
+          <p:nvPr>
+            <p:ph type="title"/>
+          </p:nvPr>
+        </p:nvSpPr>
+        <p:spPr/>
+        <p:txBody>
+          <a:bodyPr>
+            <a:normAutofit/>
+          </a:bodyPr>
+          <a:lstStyle/>
+          <a:p>
+            <a:r>
+              <a:rPr lang="en-US" sz="3500" dirty="0"/>
+              <a:t>Module1</a:t>
+            </a:r>
+            <a:br>
+              <a:rPr lang="en-US" sz="3500" dirty="0"/>
+            </a:br>
+            <a:r>
+              <a:rPr lang="en-US" sz="3500" dirty="0"/>
+              <a:t>Fixed-Income Securities: </a:t>
+            </a:r>
+            <a:br>
+              <a:rPr lang="en-US" sz="3500" dirty="0"/>
+            </a:br>
+            <a:r>
+              <a:rPr lang="en-US" sz="3500" dirty="0"/>
+              <a:t>Defining Elements</a:t>
+            </a:r>
+          </a:p>
+        </p:txBody>
+      </p:sp>
+      <p:sp>
+        <p:nvSpPr>
+          <p:cNvPr id="3" name="Content Placeholder 2">
+            <a:extLst>
+              <a:ext uri="{FF2B5EF4-FFF2-40B4-BE49-F238E27FC236}">
+                <a16:creationId xmlns:a16="http://schemas.microsoft.com/office/drawing/2014/main" id="{0334CCA4-AFE2-4FC0-85BD-135158263BE5}"/>
+              </a:ext>
+            </a:extLst>
+          </p:cNvPr>
+          <p:cNvSpPr>
+            <a:spLocks noGrp="1"/>
+          </p:cNvSpPr>
+          <p:nvPr>
+            <p:ph idx="1"/>
+          </p:nvPr>
+        </p:nvSpPr>
+        <p:spPr/>
+        <p:txBody>
+          <a:bodyPr>
+            <a:normAutofit/>
+          </a:bodyPr>
+          <a:lstStyle/>
+          <a:p>
+            <a:r>
+              <a:rPr lang="en-US" sz="2800" dirty="0"/>
+              <a:t>Principal repayment structures</a:t>
+            </a:r>
+          </a:p>
+          <a:p>
+            <a:endParaRPr lang="en-US" sz="2800" dirty="0"/>
+          </a:p>
+        </p:txBody>
+      </p:sp>
+      <p:graphicFrame>
+        <p:nvGraphicFramePr>
+          <p:cNvPr id="4" name="Table 3">
+            <a:extLst>
+              <a:ext uri="{FF2B5EF4-FFF2-40B4-BE49-F238E27FC236}">
+                <a16:creationId xmlns:a16="http://schemas.microsoft.com/office/drawing/2014/main" id="{46C61FCB-925C-456C-8ACE-DCCD0B330DB4}"/>
+              </a:ext>
+            </a:extLst>
+          </p:cNvPr>
+          <p:cNvGraphicFramePr>
+            <a:graphicFrameLocks noGrp="1"/>
+          </p:cNvGraphicFramePr>
+          <p:nvPr>
+            <p:extLst>
+              <p:ext uri="{D42A27DB-BD31-4B8C-83A1-F6EECF244321}">
+                <p14:modId xmlns:p14="http://schemas.microsoft.com/office/powerpoint/2010/main" val="3422115282"/>
+              </p:ext>
+            </p:extLst>
+          </p:nvPr>
+        </p:nvGraphicFramePr>
+        <p:xfrm>
+          <a:off x="1708443" y="3040836"/>
+          <a:ext cx="8128000" cy="3235960"/>
+        </p:xfrm>
+        <a:graphic>
+          <a:graphicData uri="http://schemas.openxmlformats.org/drawingml/2006/table">
+            <a:tbl>
+              <a:tblPr firstRow="1" bandRow="1">
+                <a:tableStyleId>{5C22544A-7EE6-4342-B048-85BDC9FD1C3A}</a:tableStyleId>
+              </a:tblPr>
+              <a:tblGrid>
+                <a:gridCol w="823742">
+                  <a:extLst>
+                    <a:ext uri="{9D8B030D-6E8A-4147-A177-3AD203B41FA5}">
+                      <a16:colId xmlns:a16="http://schemas.microsoft.com/office/drawing/2014/main" val="1778723693"/>
+                    </a:ext>
+                  </a:extLst>
+                </a:gridCol>
+                <a:gridCol w="1730326">
+                  <a:extLst>
+                    <a:ext uri="{9D8B030D-6E8A-4147-A177-3AD203B41FA5}">
+                      <a16:colId xmlns:a16="http://schemas.microsoft.com/office/drawing/2014/main" val="1673458682"/>
+                    </a:ext>
+                  </a:extLst>
+                </a:gridCol>
+                <a:gridCol w="1547446">
+                  <a:extLst>
+                    <a:ext uri="{9D8B030D-6E8A-4147-A177-3AD203B41FA5}">
+                      <a16:colId xmlns:a16="http://schemas.microsoft.com/office/drawing/2014/main" val="1640650160"/>
+                    </a:ext>
+                  </a:extLst>
+                </a:gridCol>
+                <a:gridCol w="1688123">
+                  <a:extLst>
+                    <a:ext uri="{9D8B030D-6E8A-4147-A177-3AD203B41FA5}">
+                      <a16:colId xmlns:a16="http://schemas.microsoft.com/office/drawing/2014/main" val="1897655640"/>
+                    </a:ext>
+                  </a:extLst>
+                </a:gridCol>
+                <a:gridCol w="2338363">
+                  <a:extLst>
+                    <a:ext uri="{9D8B030D-6E8A-4147-A177-3AD203B41FA5}">
+                      <a16:colId xmlns:a16="http://schemas.microsoft.com/office/drawing/2014/main" val="4208563810"/>
+                    </a:ext>
+                  </a:extLst>
+                </a:gridCol>
+              </a:tblGrid>
+              <a:tr h="370840">
+                <a:tc gridSpan="5">
+                  <a:txBody>
+                    <a:bodyPr/>
+                    <a:lstStyle/>
+                    <a:p>
+                      <a:pPr algn="ctr"/>
+                      <a:r>
+                        <a:rPr lang="en-US" dirty="0"/>
+                        <a:t>Bullet bond</a:t>
+                      </a:r>
+                    </a:p>
+                  </a:txBody>
+                  <a:tcPr/>
+                </a:tc>
+                <a:tc hMerge="1">
+                  <a:txBody>
+                    <a:bodyPr/>
+                    <a:lstStyle/>
+                    <a:p>
+                      <a:endParaRPr lang="en-US" dirty="0"/>
+                    </a:p>
+                  </a:txBody>
+                  <a:tcPr/>
+                </a:tc>
+                <a:tc hMerge="1">
+                  <a:txBody>
+                    <a:bodyPr/>
+                    <a:lstStyle/>
+                    <a:p>
+                      <a:endParaRPr lang="en-US" dirty="0"/>
+                    </a:p>
+                  </a:txBody>
+                  <a:tcPr/>
+                </a:tc>
+                <a:tc hMerge="1">
+                  <a:txBody>
+                    <a:bodyPr/>
+                    <a:lstStyle/>
+                    <a:p>
+                      <a:endParaRPr lang="en-US" dirty="0"/>
+                    </a:p>
+                  </a:txBody>
+                  <a:tcPr/>
+                </a:tc>
+                <a:tc hMerge="1">
+                  <a:txBody>
+                    <a:bodyPr/>
+                    <a:lstStyle/>
+                    <a:p>
+                      <a:endParaRPr lang="en-US" dirty="0"/>
+                    </a:p>
+                  </a:txBody>
+                  <a:tcPr/>
+                </a:tc>
+                <a:extLst>
+                  <a:ext uri="{0D108BD9-81ED-4DB2-BD59-A6C34878D82A}">
+                    <a16:rowId xmlns:a16="http://schemas.microsoft.com/office/drawing/2014/main" val="1802414915"/>
+                  </a:ext>
+                </a:extLst>
+              </a:tr>
+              <a:tr h="370840">
+                <a:tc>
+                  <a:txBody>
+                    <a:bodyPr/>
+                    <a:lstStyle/>
+                    <a:p>
+                      <a:r>
+                        <a:rPr lang="en-US" dirty="0"/>
+                        <a:t>Year</a:t>
+                      </a:r>
+                    </a:p>
+                  </a:txBody>
+                  <a:tcPr/>
+                </a:tc>
+                <a:tc>
+                  <a:txBody>
+                    <a:bodyPr/>
+                    <a:lstStyle/>
+                    <a:p>
+                      <a:r>
+                        <a:rPr lang="en-US" dirty="0"/>
+                        <a:t>Investor cash flows</a:t>
+                      </a:r>
+                    </a:p>
+                  </a:txBody>
+                  <a:tcPr/>
+                </a:tc>
+                <a:tc>
+                  <a:txBody>
+                    <a:bodyPr/>
+                    <a:lstStyle/>
+                    <a:p>
+                      <a:r>
+                        <a:rPr lang="en-US" dirty="0"/>
+                        <a:t>Interest payment</a:t>
+                      </a:r>
+                    </a:p>
+                  </a:txBody>
+                  <a:tcPr/>
+                </a:tc>
+                <a:tc>
+                  <a:txBody>
+                    <a:bodyPr/>
+                    <a:lstStyle/>
+                    <a:p>
+                      <a:r>
+                        <a:rPr lang="en-US" dirty="0"/>
+                        <a:t>Principal repayment</a:t>
+                      </a:r>
+                    </a:p>
+                  </a:txBody>
+                  <a:tcPr/>
+                </a:tc>
+                <a:tc>
+                  <a:txBody>
+                    <a:bodyPr/>
+                    <a:lstStyle/>
+                    <a:p>
+                      <a:r>
+                        <a:rPr lang="en-US" dirty="0"/>
+                        <a:t>Outstanding principal at the end of the year</a:t>
+                      </a:r>
+                    </a:p>
+                  </a:txBody>
+                  <a:tcPr/>
+                </a:tc>
+                <a:extLst>
+                  <a:ext uri="{0D108BD9-81ED-4DB2-BD59-A6C34878D82A}">
+                    <a16:rowId xmlns:a16="http://schemas.microsoft.com/office/drawing/2014/main" val="232843733"/>
+                  </a:ext>
+                </a:extLst>
+              </a:tr>
+              <a:tr h="370840">
+                <a:tc>
+                  <a:txBody>
+                    <a:bodyPr/>
+                    <a:lstStyle/>
+                    <a:p>
+                      <a:r>
+                        <a:rPr lang="en-US" dirty="0"/>
+                        <a:t>0</a:t>
+                      </a:r>
+                    </a:p>
+                  </a:txBody>
+                  <a:tcPr/>
+                </a:tc>
+                <a:tc>
+                  <a:txBody>
+                    <a:bodyPr/>
+                    <a:lstStyle/>
+                    <a:p>
+                      <a:r>
+                        <a:rPr lang="en-US" dirty="0"/>
+                        <a:t>-1000</a:t>
+                      </a:r>
+                    </a:p>
+                  </a:txBody>
+                  <a:tcPr/>
+                </a:tc>
+                <a:tc>
+                  <a:txBody>
+                    <a:bodyPr/>
+                    <a:lstStyle/>
+                    <a:p>
+                      <a:endParaRPr lang="en-US" dirty="0"/>
+                    </a:p>
+                  </a:txBody>
+                  <a:tcPr/>
+                </a:tc>
+                <a:tc>
+                  <a:txBody>
+                    <a:bodyPr/>
+                    <a:lstStyle/>
+                    <a:p>
+                      <a:endParaRPr lang="en-US" dirty="0"/>
+                    </a:p>
+                  </a:txBody>
+                  <a:tcPr/>
+                </a:tc>
+                <a:tc>
+                  <a:txBody>
+                    <a:bodyPr/>
+                    <a:lstStyle/>
+                    <a:p>
+                      <a:r>
+                        <a:rPr lang="en-US" dirty="0"/>
+                        <a:t>1000</a:t>
+                      </a:r>
+                    </a:p>
+                  </a:txBody>
+                  <a:tcPr/>
+                </a:tc>
+                <a:extLst>
+                  <a:ext uri="{0D108BD9-81ED-4DB2-BD59-A6C34878D82A}">
+                    <a16:rowId xmlns:a16="http://schemas.microsoft.com/office/drawing/2014/main" val="1430014142"/>
+                  </a:ext>
+                </a:extLst>
+              </a:tr>
+              <a:tr h="370840">
+                <a:tc>
+                  <a:txBody>
+                    <a:bodyPr/>
+                    <a:lstStyle/>
+                    <a:p>
+                      <a:r>
+                        <a:rPr lang="en-US" dirty="0"/>
+                        <a:t>1</a:t>
+                      </a:r>
+                    </a:p>
+                  </a:txBody>
+                  <a:tcPr/>
+                </a:tc>
+                <a:tc>
+                  <a:txBody>
+                    <a:bodyPr/>
+                    <a:lstStyle/>
+                    <a:p>
+                      <a:r>
+                        <a:rPr lang="en-US" dirty="0"/>
+                        <a:t>60</a:t>
+                      </a:r>
+                    </a:p>
+                  </a:txBody>
+                  <a:tcPr/>
+                </a:tc>
+                <a:tc>
+                  <a:txBody>
+                    <a:bodyPr/>
+                    <a:lstStyle/>
+                    <a:p>
+                      <a:r>
+                        <a:rPr lang="en-US" dirty="0"/>
+                        <a:t>60</a:t>
+                      </a:r>
+                    </a:p>
+                  </a:txBody>
+                  <a:tcPr/>
+                </a:tc>
+                <a:tc>
+                  <a:txBody>
+                    <a:bodyPr/>
+                    <a:lstStyle/>
+                    <a:p>
+                      <a:r>
+                        <a:rPr lang="en-US" dirty="0"/>
+                        <a:t>0</a:t>
+                      </a:r>
+                    </a:p>
+                  </a:txBody>
+                  <a:tcPr/>
+                </a:tc>
+                <a:tc>
+                  <a:txBody>
+                    <a:bodyPr/>
+                    <a:lstStyle/>
+                    <a:p>
+                      <a:r>
+                        <a:rPr lang="en-US" dirty="0"/>
+                        <a:t>1000</a:t>
+                      </a:r>
+                    </a:p>
+                  </a:txBody>
+                  <a:tcPr/>
+                </a:tc>
+                <a:extLst>
+                  <a:ext uri="{0D108BD9-81ED-4DB2-BD59-A6C34878D82A}">
+                    <a16:rowId xmlns:a16="http://schemas.microsoft.com/office/drawing/2014/main" val="2608074033"/>
+                  </a:ext>
+                </a:extLst>
+              </a:tr>
+              <a:tr h="370840">
+                <a:tc>
+                  <a:txBody>
+                    <a:bodyPr/>
+                    <a:lstStyle/>
+                    <a:p>
+                      <a:r>
+                        <a:rPr lang="en-US" dirty="0"/>
+                        <a:t>2</a:t>
+                      </a:r>
+                    </a:p>
+                  </a:txBody>
+                  <a:tcPr/>
+                </a:tc>
+                <a:tc>
+                  <a:txBody>
+                    <a:bodyPr/>
+                    <a:lstStyle/>
+                    <a:p>
+                      <a:r>
+                        <a:rPr lang="en-US" dirty="0"/>
+                        <a:t>60</a:t>
+                      </a:r>
+                    </a:p>
+                  </a:txBody>
+                  <a:tcPr/>
+                </a:tc>
+                <a:tc>
+                  <a:txBody>
+                    <a:bodyPr/>
+                    <a:lstStyle/>
+                    <a:p>
+                      <a:r>
+                        <a:rPr lang="en-US" dirty="0"/>
+                        <a:t>60</a:t>
+                      </a:r>
+                    </a:p>
+                  </a:txBody>
+                  <a:tcPr/>
+                </a:tc>
+                <a:tc>
+                  <a:txBody>
+                    <a:bodyPr/>
+                    <a:lstStyle/>
+                    <a:p>
+                      <a:r>
+                        <a:rPr lang="en-US" dirty="0"/>
+                        <a:t>0</a:t>
+                      </a:r>
+                    </a:p>
+                  </a:txBody>
+                  <a:tcPr/>
+                </a:tc>
+                <a:tc>
+                  <a:txBody>
+                    <a:bodyPr/>
+                    <a:lstStyle/>
+                    <a:p>
+                      <a:r>
+                        <a:rPr lang="en-US" dirty="0"/>
+                        <a:t>1000</a:t>
+                      </a:r>
+                    </a:p>
+                  </a:txBody>
+                  <a:tcPr/>
+                </a:tc>
+                <a:extLst>
+                  <a:ext uri="{0D108BD9-81ED-4DB2-BD59-A6C34878D82A}">
+                    <a16:rowId xmlns:a16="http://schemas.microsoft.com/office/drawing/2014/main" val="3496828594"/>
+                  </a:ext>
+                </a:extLst>
+              </a:tr>
+              <a:tr h="370840">
+                <a:tc>
+                  <a:txBody>
+                    <a:bodyPr/>
+                    <a:lstStyle/>
+                    <a:p>
+                      <a:r>
+                        <a:rPr lang="en-US" dirty="0"/>
+                        <a:t>3</a:t>
+                      </a:r>
+                    </a:p>
+                  </a:txBody>
+                  <a:tcPr/>
+                </a:tc>
+                <a:tc>
+                  <a:txBody>
+                    <a:bodyPr/>
+                    <a:lstStyle/>
+                    <a:p>
+                      <a:r>
+                        <a:rPr lang="en-US" dirty="0"/>
+                        <a:t>60</a:t>
+                      </a:r>
+                    </a:p>
+                  </a:txBody>
+                  <a:tcPr/>
+                </a:tc>
+                <a:tc>
+                  <a:txBody>
+                    <a:bodyPr/>
+                    <a:lstStyle/>
+                    <a:p>
+                      <a:r>
+                        <a:rPr lang="en-US" dirty="0"/>
+                        <a:t>60</a:t>
+                      </a:r>
+                    </a:p>
+                  </a:txBody>
+                  <a:tcPr/>
+                </a:tc>
+                <a:tc>
+                  <a:txBody>
+                    <a:bodyPr/>
+                    <a:lstStyle/>
+                    <a:p>
+                      <a:r>
+                        <a:rPr lang="en-US" dirty="0"/>
+                        <a:t>0</a:t>
+                      </a:r>
+                    </a:p>
+                  </a:txBody>
+                  <a:tcPr/>
+                </a:tc>
+                <a:tc>
+                  <a:txBody>
+                    <a:bodyPr/>
+                    <a:lstStyle/>
+                    <a:p>
+                      <a:r>
+                        <a:rPr lang="en-US" dirty="0"/>
+                        <a:t>1000</a:t>
+                      </a:r>
+                    </a:p>
+                  </a:txBody>
+                  <a:tcPr/>
+                </a:tc>
+                <a:extLst>
+                  <a:ext uri="{0D108BD9-81ED-4DB2-BD59-A6C34878D82A}">
+                    <a16:rowId xmlns:a16="http://schemas.microsoft.com/office/drawing/2014/main" val="2870150502"/>
+                  </a:ext>
+                </a:extLst>
+              </a:tr>
+              <a:tr h="370840">
+                <a:tc>
+                  <a:txBody>
+                    <a:bodyPr/>
+                    <a:lstStyle/>
+                    <a:p>
+                      <a:r>
+                        <a:rPr lang="en-US" dirty="0"/>
+                        <a:t>4</a:t>
+                      </a:r>
+                    </a:p>
+                  </a:txBody>
+                  <a:tcPr/>
+                </a:tc>
+                <a:tc>
+                  <a:txBody>
+                    <a:bodyPr/>
+                    <a:lstStyle/>
+                    <a:p>
+                      <a:r>
+                        <a:rPr lang="en-US" dirty="0"/>
+                        <a:t>60</a:t>
+                      </a:r>
+                    </a:p>
+                  </a:txBody>
+                  <a:tcPr/>
+                </a:tc>
+                <a:tc>
+                  <a:txBody>
+                    <a:bodyPr/>
+                    <a:lstStyle/>
+                    <a:p>
+                      <a:r>
+                        <a:rPr lang="en-US" dirty="0"/>
+                        <a:t>60</a:t>
+                      </a:r>
+                    </a:p>
+                  </a:txBody>
+                  <a:tcPr/>
+                </a:tc>
+                <a:tc>
+                  <a:txBody>
+                    <a:bodyPr/>
+                    <a:lstStyle/>
+                    <a:p>
+                      <a:r>
+                        <a:rPr lang="en-US" dirty="0"/>
+                        <a:t>0</a:t>
+                      </a:r>
+                    </a:p>
+                  </a:txBody>
+                  <a:tcPr/>
+                </a:tc>
+                <a:tc>
+                  <a:txBody>
+                    <a:bodyPr/>
+                    <a:lstStyle/>
+                    <a:p>
+                      <a:r>
+                        <a:rPr lang="en-US" dirty="0"/>
+                        <a:t>1000</a:t>
+                      </a:r>
+                    </a:p>
+                  </a:txBody>
+                  <a:tcPr/>
+                </a:tc>
+                <a:extLst>
+                  <a:ext uri="{0D108BD9-81ED-4DB2-BD59-A6C34878D82A}">
+                    <a16:rowId xmlns:a16="http://schemas.microsoft.com/office/drawing/2014/main" val="2517092684"/>
+                  </a:ext>
+                </a:extLst>
+              </a:tr>
+              <a:tr h="370840">
+                <a:tc>
+                  <a:txBody>
+                    <a:bodyPr/>
+                    <a:lstStyle/>
+                    <a:p>
+                      <a:r>
+                        <a:rPr lang="en-US" dirty="0"/>
+                        <a:t>5</a:t>
+                      </a:r>
+                    </a:p>
+                  </a:txBody>
+                  <a:tcPr/>
+                </a:tc>
+                <a:tc>
+                  <a:txBody>
+                    <a:bodyPr/>
+                    <a:lstStyle/>
+                    <a:p>
+                      <a:r>
+                        <a:rPr lang="en-US" dirty="0"/>
+                        <a:t>1060</a:t>
+                      </a:r>
+                    </a:p>
+                  </a:txBody>
+                  <a:tcPr/>
+                </a:tc>
+                <a:tc>
+                  <a:txBody>
+                    <a:bodyPr/>
+                    <a:lstStyle/>
+                    <a:p>
+                      <a:r>
+                        <a:rPr lang="en-US" dirty="0"/>
+                        <a:t>60</a:t>
+                      </a:r>
+                    </a:p>
+                  </a:txBody>
+                  <a:tcPr/>
+                </a:tc>
+                <a:tc>
+                  <a:txBody>
+                    <a:bodyPr/>
+                    <a:lstStyle/>
+                    <a:p>
+                      <a:r>
+                        <a:rPr lang="en-US" dirty="0"/>
+                        <a:t>1000</a:t>
+                      </a:r>
+                    </a:p>
+                  </a:txBody>
+                  <a:tcPr/>
+                </a:tc>
+                <a:tc>
+                  <a:txBody>
+                    <a:bodyPr/>
+                    <a:lstStyle/>
+                    <a:p>
+                      <a:r>
+                        <a:rPr lang="en-US" dirty="0"/>
+                        <a:t>0</a:t>
+                      </a:r>
+                    </a:p>
+                  </a:txBody>
+                  <a:tcPr/>
+                </a:tc>
+                <a:extLst>
+                  <a:ext uri="{0D108BD9-81ED-4DB2-BD59-A6C34878D82A}">
+                    <a16:rowId xmlns:a16="http://schemas.microsoft.com/office/drawing/2014/main" val="3986339358"/>
+                  </a:ext>
+                </a:extLst>
+              </a:tr>
+            </a:tbl>
+          </a:graphicData>
+        </a:graphic>
+      </p:graphicFrame>
+    </p:spTree>
+    <p:extLst>
+      <p:ext uri="{BB962C8B-B14F-4D97-AF65-F5344CB8AC3E}">
+        <p14:creationId xmlns:p14="http://schemas.microsoft.com/office/powerpoint/2010/main" val="4235057182"/>
+      </p:ext>
+    </p:extLst>
+  </p:cSld>
+  <p:clrMapOvr>
+    <a:masterClrMapping/>
+  </p:clrMapOvr>
+</p:sld>
+</file>
+
+<file path=ppt/slides/slide27.xml><?xml version="1.0" encoding="utf-8"?>
+<p:sld xmlns:a="http://schemas.openxmlformats.org/drawingml/2006/main" xmlns:r="http://schemas.openxmlformats.org/officeDocument/2006/relationships" xmlns:p="http://schemas.openxmlformats.org/presentationml/2006/main">
+  <p:cSld>
+    <p:spTree>
+      <p:nvGrpSpPr>
+        <p:cNvPr id="1" name=""/>
+        <p:cNvGrpSpPr/>
+        <p:nvPr/>
+      </p:nvGrpSpPr>
+      <p:grpSpPr>
+        <a:xfrm>
+          <a:off x="0" y="0"/>
+          <a:ext cx="0" cy="0"/>
+          <a:chOff x="0" y="0"/>
+          <a:chExt cx="0" cy="0"/>
+        </a:xfrm>
+      </p:grpSpPr>
+      <p:sp>
+        <p:nvSpPr>
+          <p:cNvPr id="2" name="Title 1">
+            <a:extLst>
+              <a:ext uri="{FF2B5EF4-FFF2-40B4-BE49-F238E27FC236}">
+                <a16:creationId xmlns:a16="http://schemas.microsoft.com/office/drawing/2014/main" id="{AA05E7FC-89A4-4FDD-8BC2-12834AFF0438}"/>
+              </a:ext>
+            </a:extLst>
+          </p:cNvPr>
+          <p:cNvSpPr>
+            <a:spLocks noGrp="1"/>
+          </p:cNvSpPr>
+          <p:nvPr>
+            <p:ph type="title"/>
+          </p:nvPr>
+        </p:nvSpPr>
+        <p:spPr/>
+        <p:txBody>
+          <a:bodyPr>
+            <a:normAutofit/>
+          </a:bodyPr>
+          <a:lstStyle/>
+          <a:p>
+            <a:r>
+              <a:rPr lang="en-US" sz="3500" dirty="0"/>
+              <a:t>Module1</a:t>
+            </a:r>
+            <a:br>
+              <a:rPr lang="en-US" sz="3500" dirty="0"/>
+            </a:br>
+            <a:r>
+              <a:rPr lang="en-US" sz="3500" dirty="0"/>
+              <a:t>Fixed-Income Securities: </a:t>
+            </a:r>
+            <a:br>
+              <a:rPr lang="en-US" sz="3500" dirty="0"/>
+            </a:br>
+            <a:r>
+              <a:rPr lang="en-US" sz="3500" dirty="0"/>
+              <a:t>Defining Elements</a:t>
+            </a:r>
+          </a:p>
+        </p:txBody>
+      </p:sp>
+      <p:sp>
+        <p:nvSpPr>
+          <p:cNvPr id="3" name="Content Placeholder 2">
+            <a:extLst>
+              <a:ext uri="{FF2B5EF4-FFF2-40B4-BE49-F238E27FC236}">
+                <a16:creationId xmlns:a16="http://schemas.microsoft.com/office/drawing/2014/main" id="{0334CCA4-AFE2-4FC0-85BD-135158263BE5}"/>
+              </a:ext>
+            </a:extLst>
+          </p:cNvPr>
+          <p:cNvSpPr>
+            <a:spLocks noGrp="1"/>
+          </p:cNvSpPr>
+          <p:nvPr>
+            <p:ph idx="1"/>
+          </p:nvPr>
+        </p:nvSpPr>
+        <p:spPr/>
+        <p:txBody>
+          <a:bodyPr>
+            <a:normAutofit/>
+          </a:bodyPr>
+          <a:lstStyle/>
+          <a:p>
+            <a:r>
+              <a:rPr lang="en-US" sz="2800" dirty="0"/>
+              <a:t>Principal repayment structures</a:t>
+            </a:r>
+          </a:p>
+          <a:p>
+            <a:endParaRPr lang="en-US" sz="2800" dirty="0"/>
+          </a:p>
+        </p:txBody>
+      </p:sp>
+      <p:graphicFrame>
+        <p:nvGraphicFramePr>
+          <p:cNvPr id="4" name="Table 3">
+            <a:extLst>
+              <a:ext uri="{FF2B5EF4-FFF2-40B4-BE49-F238E27FC236}">
+                <a16:creationId xmlns:a16="http://schemas.microsoft.com/office/drawing/2014/main" id="{46C61FCB-925C-456C-8ACE-DCCD0B330DB4}"/>
+              </a:ext>
+            </a:extLst>
+          </p:cNvPr>
+          <p:cNvGraphicFramePr>
+            <a:graphicFrameLocks noGrp="1"/>
+          </p:cNvGraphicFramePr>
+          <p:nvPr>
+            <p:extLst>
+              <p:ext uri="{D42A27DB-BD31-4B8C-83A1-F6EECF244321}">
+                <p14:modId xmlns:p14="http://schemas.microsoft.com/office/powerpoint/2010/main" val="2778705281"/>
+              </p:ext>
+            </p:extLst>
+          </p:nvPr>
+        </p:nvGraphicFramePr>
+        <p:xfrm>
+          <a:off x="1708443" y="3040836"/>
+          <a:ext cx="8128000" cy="3235960"/>
+        </p:xfrm>
+        <a:graphic>
+          <a:graphicData uri="http://schemas.openxmlformats.org/drawingml/2006/table">
+            <a:tbl>
+              <a:tblPr firstRow="1" bandRow="1">
+                <a:tableStyleId>{5C22544A-7EE6-4342-B048-85BDC9FD1C3A}</a:tableStyleId>
+              </a:tblPr>
+              <a:tblGrid>
+                <a:gridCol w="823742">
+                  <a:extLst>
+                    <a:ext uri="{9D8B030D-6E8A-4147-A177-3AD203B41FA5}">
+                      <a16:colId xmlns:a16="http://schemas.microsoft.com/office/drawing/2014/main" val="1778723693"/>
+                    </a:ext>
+                  </a:extLst>
+                </a:gridCol>
+                <a:gridCol w="1730326">
+                  <a:extLst>
+                    <a:ext uri="{9D8B030D-6E8A-4147-A177-3AD203B41FA5}">
+                      <a16:colId xmlns:a16="http://schemas.microsoft.com/office/drawing/2014/main" val="1673458682"/>
+                    </a:ext>
+                  </a:extLst>
+                </a:gridCol>
+                <a:gridCol w="1547446">
+                  <a:extLst>
+                    <a:ext uri="{9D8B030D-6E8A-4147-A177-3AD203B41FA5}">
+                      <a16:colId xmlns:a16="http://schemas.microsoft.com/office/drawing/2014/main" val="1640650160"/>
+                    </a:ext>
+                  </a:extLst>
+                </a:gridCol>
+                <a:gridCol w="1688123">
+                  <a:extLst>
+                    <a:ext uri="{9D8B030D-6E8A-4147-A177-3AD203B41FA5}">
+                      <a16:colId xmlns:a16="http://schemas.microsoft.com/office/drawing/2014/main" val="1897655640"/>
+                    </a:ext>
+                  </a:extLst>
+                </a:gridCol>
+                <a:gridCol w="2338363">
+                  <a:extLst>
+                    <a:ext uri="{9D8B030D-6E8A-4147-A177-3AD203B41FA5}">
+                      <a16:colId xmlns:a16="http://schemas.microsoft.com/office/drawing/2014/main" val="4208563810"/>
+                    </a:ext>
+                  </a:extLst>
+                </a:gridCol>
+              </a:tblGrid>
+              <a:tr h="370840">
+                <a:tc gridSpan="5">
+                  <a:txBody>
+                    <a:bodyPr/>
+                    <a:lstStyle/>
+                    <a:p>
+                      <a:pPr algn="ctr"/>
+                      <a:r>
+                        <a:rPr lang="en-US" dirty="0"/>
+                        <a:t>Fully amortized bond</a:t>
+                      </a:r>
+                    </a:p>
+                  </a:txBody>
+                  <a:tcPr/>
+                </a:tc>
+                <a:tc hMerge="1">
+                  <a:txBody>
+                    <a:bodyPr/>
+                    <a:lstStyle/>
+                    <a:p>
+                      <a:endParaRPr lang="en-US" dirty="0"/>
+                    </a:p>
+                  </a:txBody>
+                  <a:tcPr/>
+                </a:tc>
+                <a:tc hMerge="1">
+                  <a:txBody>
+                    <a:bodyPr/>
+                    <a:lstStyle/>
+                    <a:p>
+                      <a:endParaRPr lang="en-US" dirty="0"/>
+                    </a:p>
+                  </a:txBody>
+                  <a:tcPr/>
+                </a:tc>
+                <a:tc hMerge="1">
+                  <a:txBody>
+                    <a:bodyPr/>
+                    <a:lstStyle/>
+                    <a:p>
+                      <a:endParaRPr lang="en-US" dirty="0"/>
+                    </a:p>
+                  </a:txBody>
+                  <a:tcPr/>
+                </a:tc>
+                <a:tc hMerge="1">
+                  <a:txBody>
+                    <a:bodyPr/>
+                    <a:lstStyle/>
+                    <a:p>
+                      <a:endParaRPr lang="en-US" dirty="0"/>
+                    </a:p>
+                  </a:txBody>
+                  <a:tcPr/>
+                </a:tc>
+                <a:extLst>
+                  <a:ext uri="{0D108BD9-81ED-4DB2-BD59-A6C34878D82A}">
+                    <a16:rowId xmlns:a16="http://schemas.microsoft.com/office/drawing/2014/main" val="1802414915"/>
+                  </a:ext>
+                </a:extLst>
+              </a:tr>
+              <a:tr h="370840">
+                <a:tc>
+                  <a:txBody>
+                    <a:bodyPr/>
+                    <a:lstStyle/>
+                    <a:p>
+                      <a:r>
+                        <a:rPr lang="en-US" dirty="0"/>
+                        <a:t>Year</a:t>
+                      </a:r>
+                    </a:p>
+                  </a:txBody>
+                  <a:tcPr/>
+                </a:tc>
+                <a:tc>
+                  <a:txBody>
+                    <a:bodyPr/>
+                    <a:lstStyle/>
+                    <a:p>
+                      <a:r>
+                        <a:rPr lang="en-US" dirty="0"/>
+                        <a:t>Investor cash flows</a:t>
+                      </a:r>
+                    </a:p>
+                  </a:txBody>
+                  <a:tcPr/>
+                </a:tc>
+                <a:tc>
+                  <a:txBody>
+                    <a:bodyPr/>
+                    <a:lstStyle/>
+                    <a:p>
+                      <a:r>
+                        <a:rPr lang="en-US" dirty="0"/>
+                        <a:t>Interest payment</a:t>
+                      </a:r>
+                    </a:p>
+                  </a:txBody>
+                  <a:tcPr/>
+                </a:tc>
+                <a:tc>
+                  <a:txBody>
+                    <a:bodyPr/>
+                    <a:lstStyle/>
+                    <a:p>
+                      <a:r>
+                        <a:rPr lang="en-US" dirty="0"/>
+                        <a:t>Principal repayment</a:t>
+                      </a:r>
+                    </a:p>
+                  </a:txBody>
+                  <a:tcPr/>
+                </a:tc>
+                <a:tc>
+                  <a:txBody>
+                    <a:bodyPr/>
+                    <a:lstStyle/>
+                    <a:p>
+                      <a:r>
+                        <a:rPr lang="en-US" dirty="0"/>
+                        <a:t>Outstanding principal at the end of the year</a:t>
+                      </a:r>
+                    </a:p>
+                  </a:txBody>
+                  <a:tcPr/>
+                </a:tc>
+                <a:extLst>
+                  <a:ext uri="{0D108BD9-81ED-4DB2-BD59-A6C34878D82A}">
+                    <a16:rowId xmlns:a16="http://schemas.microsoft.com/office/drawing/2014/main" val="232843733"/>
+                  </a:ext>
+                </a:extLst>
+              </a:tr>
+              <a:tr h="370840">
+                <a:tc>
+                  <a:txBody>
+                    <a:bodyPr/>
+                    <a:lstStyle/>
+                    <a:p>
+                      <a:r>
+                        <a:rPr lang="en-US" dirty="0"/>
+                        <a:t>0</a:t>
+                      </a:r>
+                    </a:p>
+                  </a:txBody>
+                  <a:tcPr/>
+                </a:tc>
+                <a:tc>
+                  <a:txBody>
+                    <a:bodyPr/>
+                    <a:lstStyle/>
+                    <a:p>
+                      <a:r>
+                        <a:rPr lang="en-US" dirty="0"/>
+                        <a:t>-1000</a:t>
+                      </a:r>
+                    </a:p>
+                  </a:txBody>
+                  <a:tcPr/>
+                </a:tc>
+                <a:tc>
+                  <a:txBody>
+                    <a:bodyPr/>
+                    <a:lstStyle/>
+                    <a:p>
+                      <a:endParaRPr lang="en-US" dirty="0"/>
+                    </a:p>
+                  </a:txBody>
+                  <a:tcPr/>
+                </a:tc>
+                <a:tc>
+                  <a:txBody>
+                    <a:bodyPr/>
+                    <a:lstStyle/>
+                    <a:p>
+                      <a:endParaRPr lang="en-US" dirty="0"/>
+                    </a:p>
+                  </a:txBody>
+                  <a:tcPr/>
+                </a:tc>
+                <a:tc>
+                  <a:txBody>
+                    <a:bodyPr/>
+                    <a:lstStyle/>
+                    <a:p>
+                      <a:r>
+                        <a:rPr lang="en-US" dirty="0"/>
+                        <a:t>1000</a:t>
+                      </a:r>
+                    </a:p>
+                  </a:txBody>
+                  <a:tcPr/>
+                </a:tc>
+                <a:extLst>
+                  <a:ext uri="{0D108BD9-81ED-4DB2-BD59-A6C34878D82A}">
+                    <a16:rowId xmlns:a16="http://schemas.microsoft.com/office/drawing/2014/main" val="1430014142"/>
+                  </a:ext>
+                </a:extLst>
+              </a:tr>
+              <a:tr h="370840">
+                <a:tc>
+                  <a:txBody>
+                    <a:bodyPr/>
+                    <a:lstStyle/>
+                    <a:p>
+                      <a:r>
+                        <a:rPr lang="en-US" dirty="0"/>
+                        <a:t>1</a:t>
+                      </a:r>
+                    </a:p>
+                  </a:txBody>
+                  <a:tcPr/>
+                </a:tc>
+                <a:tc>
+                  <a:txBody>
+                    <a:bodyPr/>
+                    <a:lstStyle/>
+                    <a:p>
+                      <a:r>
+                        <a:rPr lang="en-US" dirty="0"/>
+                        <a:t>237.4</a:t>
+                      </a:r>
+                    </a:p>
+                  </a:txBody>
+                  <a:tcPr/>
+                </a:tc>
+                <a:tc>
+                  <a:txBody>
+                    <a:bodyPr/>
+                    <a:lstStyle/>
+                    <a:p>
+                      <a:r>
+                        <a:rPr lang="en-US" dirty="0"/>
+                        <a:t>60</a:t>
+                      </a:r>
+                    </a:p>
+                  </a:txBody>
+                  <a:tcPr/>
+                </a:tc>
+                <a:tc>
+                  <a:txBody>
+                    <a:bodyPr/>
+                    <a:lstStyle/>
+                    <a:p>
+                      <a:r>
+                        <a:rPr lang="en-US" dirty="0"/>
+                        <a:t>177.4</a:t>
+                      </a:r>
+                    </a:p>
+                  </a:txBody>
+                  <a:tcPr/>
+                </a:tc>
+                <a:tc>
+                  <a:txBody>
+                    <a:bodyPr/>
+                    <a:lstStyle/>
+                    <a:p>
+                      <a:r>
+                        <a:rPr lang="en-US" dirty="0"/>
+                        <a:t>822.6</a:t>
+                      </a:r>
+                    </a:p>
+                  </a:txBody>
+                  <a:tcPr/>
+                </a:tc>
+                <a:extLst>
+                  <a:ext uri="{0D108BD9-81ED-4DB2-BD59-A6C34878D82A}">
+                    <a16:rowId xmlns:a16="http://schemas.microsoft.com/office/drawing/2014/main" val="2608074033"/>
+                  </a:ext>
+                </a:extLst>
+              </a:tr>
+              <a:tr h="370840">
+                <a:tc>
+                  <a:txBody>
+                    <a:bodyPr/>
+                    <a:lstStyle/>
+                    <a:p>
+                      <a:r>
+                        <a:rPr lang="en-US" dirty="0"/>
+                        <a:t>2</a:t>
+                      </a:r>
+                    </a:p>
+                  </a:txBody>
+                  <a:tcPr/>
+                </a:tc>
+                <a:tc>
+                  <a:txBody>
+                    <a:bodyPr/>
+                    <a:lstStyle/>
+                    <a:p>
+                      <a:r>
+                        <a:rPr lang="en-US" dirty="0"/>
+                        <a:t>237.4</a:t>
+                      </a:r>
+                    </a:p>
+                  </a:txBody>
+                  <a:tcPr/>
+                </a:tc>
+                <a:tc>
+                  <a:txBody>
+                    <a:bodyPr/>
+                    <a:lstStyle/>
+                    <a:p>
+                      <a:r>
+                        <a:rPr lang="en-US" dirty="0"/>
+                        <a:t>49.36</a:t>
+                      </a:r>
+                    </a:p>
+                  </a:txBody>
+                  <a:tcPr/>
+                </a:tc>
+                <a:tc>
+                  <a:txBody>
+                    <a:bodyPr/>
+                    <a:lstStyle/>
+                    <a:p>
+                      <a:r>
+                        <a:rPr lang="en-US" dirty="0"/>
+                        <a:t>188.04</a:t>
+                      </a:r>
+                    </a:p>
+                  </a:txBody>
+                  <a:tcPr/>
+                </a:tc>
+                <a:tc>
+                  <a:txBody>
+                    <a:bodyPr/>
+                    <a:lstStyle/>
+                    <a:p>
+                      <a:r>
+                        <a:rPr lang="en-US" dirty="0"/>
+                        <a:t>634.56</a:t>
+                      </a:r>
+                    </a:p>
+                  </a:txBody>
+                  <a:tcPr/>
+                </a:tc>
+                <a:extLst>
+                  <a:ext uri="{0D108BD9-81ED-4DB2-BD59-A6C34878D82A}">
+                    <a16:rowId xmlns:a16="http://schemas.microsoft.com/office/drawing/2014/main" val="3496828594"/>
+                  </a:ext>
+                </a:extLst>
+              </a:tr>
+              <a:tr h="370840">
+                <a:tc>
+                  <a:txBody>
+                    <a:bodyPr/>
+                    <a:lstStyle/>
+                    <a:p>
+                      <a:r>
+                        <a:rPr lang="en-US" dirty="0"/>
+                        <a:t>3</a:t>
+                      </a:r>
+                    </a:p>
+                  </a:txBody>
+                  <a:tcPr/>
+                </a:tc>
+                <a:tc>
+                  <a:txBody>
+                    <a:bodyPr/>
+                    <a:lstStyle/>
+                    <a:p>
+                      <a:r>
+                        <a:rPr lang="en-US" dirty="0"/>
+                        <a:t>237.4</a:t>
+                      </a:r>
+                    </a:p>
+                  </a:txBody>
+                  <a:tcPr/>
+                </a:tc>
+                <a:tc>
+                  <a:txBody>
+                    <a:bodyPr/>
+                    <a:lstStyle/>
+                    <a:p>
+                      <a:r>
+                        <a:rPr lang="en-US" dirty="0"/>
+                        <a:t>38.07</a:t>
+                      </a:r>
+                    </a:p>
+                  </a:txBody>
+                  <a:tcPr/>
+                </a:tc>
+                <a:tc>
+                  <a:txBody>
+                    <a:bodyPr/>
+                    <a:lstStyle/>
+                    <a:p>
+                      <a:r>
+                        <a:rPr lang="en-US" dirty="0"/>
+                        <a:t>199.32</a:t>
+                      </a:r>
+                    </a:p>
+                  </a:txBody>
+                  <a:tcPr/>
+                </a:tc>
+                <a:tc>
+                  <a:txBody>
+                    <a:bodyPr/>
+                    <a:lstStyle/>
+                    <a:p>
+                      <a:r>
+                        <a:rPr lang="en-US" dirty="0"/>
+                        <a:t>435.24</a:t>
+                      </a:r>
+                    </a:p>
+                  </a:txBody>
+                  <a:tcPr/>
+                </a:tc>
+                <a:extLst>
+                  <a:ext uri="{0D108BD9-81ED-4DB2-BD59-A6C34878D82A}">
+                    <a16:rowId xmlns:a16="http://schemas.microsoft.com/office/drawing/2014/main" val="2870150502"/>
+                  </a:ext>
+                </a:extLst>
+              </a:tr>
+              <a:tr h="370840">
+                <a:tc>
+                  <a:txBody>
+                    <a:bodyPr/>
+                    <a:lstStyle/>
+                    <a:p>
+                      <a:r>
+                        <a:rPr lang="en-US" dirty="0"/>
+                        <a:t>4</a:t>
+                      </a:r>
+                    </a:p>
+                  </a:txBody>
+                  <a:tcPr/>
+                </a:tc>
+                <a:tc>
+                  <a:txBody>
+                    <a:bodyPr/>
+                    <a:lstStyle/>
+                    <a:p>
+                      <a:r>
+                        <a:rPr lang="en-US" dirty="0"/>
+                        <a:t>237.4</a:t>
+                      </a:r>
+                    </a:p>
+                  </a:txBody>
+                  <a:tcPr/>
+                </a:tc>
+                <a:tc>
+                  <a:txBody>
+                    <a:bodyPr/>
+                    <a:lstStyle/>
+                    <a:p>
+                      <a:r>
+                        <a:rPr lang="en-US" dirty="0"/>
+                        <a:t>26.11</a:t>
+                      </a:r>
+                    </a:p>
+                  </a:txBody>
+                  <a:tcPr/>
+                </a:tc>
+                <a:tc>
+                  <a:txBody>
+                    <a:bodyPr/>
+                    <a:lstStyle/>
+                    <a:p>
+                      <a:r>
+                        <a:rPr lang="en-US" dirty="0"/>
+                        <a:t>211.28</a:t>
+                      </a:r>
+                    </a:p>
+                  </a:txBody>
+                  <a:tcPr/>
+                </a:tc>
+                <a:tc>
+                  <a:txBody>
+                    <a:bodyPr/>
+                    <a:lstStyle/>
+                    <a:p>
+                      <a:r>
+                        <a:rPr lang="en-US" dirty="0"/>
+                        <a:t>223.96</a:t>
+                      </a:r>
+                    </a:p>
+                  </a:txBody>
+                  <a:tcPr/>
+                </a:tc>
+                <a:extLst>
+                  <a:ext uri="{0D108BD9-81ED-4DB2-BD59-A6C34878D82A}">
+                    <a16:rowId xmlns:a16="http://schemas.microsoft.com/office/drawing/2014/main" val="2517092684"/>
+                  </a:ext>
+                </a:extLst>
+              </a:tr>
+              <a:tr h="370840">
+                <a:tc>
+                  <a:txBody>
+                    <a:bodyPr/>
+                    <a:lstStyle/>
+                    <a:p>
+                      <a:r>
+                        <a:rPr lang="en-US" dirty="0"/>
+                        <a:t>5</a:t>
+                      </a:r>
+                    </a:p>
+                  </a:txBody>
+                  <a:tcPr/>
+                </a:tc>
+                <a:tc>
+                  <a:txBody>
+                    <a:bodyPr/>
+                    <a:lstStyle/>
+                    <a:p>
+                      <a:r>
+                        <a:rPr lang="en-US" dirty="0"/>
+                        <a:t>237.4</a:t>
+                      </a:r>
+                    </a:p>
+                  </a:txBody>
+                  <a:tcPr/>
+                </a:tc>
+                <a:tc>
+                  <a:txBody>
+                    <a:bodyPr/>
+                    <a:lstStyle/>
+                    <a:p>
+                      <a:r>
+                        <a:rPr lang="en-US" dirty="0"/>
+                        <a:t>13.44</a:t>
+                      </a:r>
+                    </a:p>
+                  </a:txBody>
+                  <a:tcPr/>
+                </a:tc>
+                <a:tc>
+                  <a:txBody>
+                    <a:bodyPr/>
+                    <a:lstStyle/>
+                    <a:p>
+                      <a:r>
+                        <a:rPr lang="en-US" dirty="0"/>
+                        <a:t>223.96</a:t>
+                      </a:r>
+                    </a:p>
+                  </a:txBody>
+                  <a:tcPr/>
+                </a:tc>
+                <a:tc>
+                  <a:txBody>
+                    <a:bodyPr/>
+                    <a:lstStyle/>
+                    <a:p>
+                      <a:r>
+                        <a:rPr lang="en-US" dirty="0"/>
+                        <a:t>0</a:t>
+                      </a:r>
+                    </a:p>
+                  </a:txBody>
+                  <a:tcPr/>
+                </a:tc>
+                <a:extLst>
+                  <a:ext uri="{0D108BD9-81ED-4DB2-BD59-A6C34878D82A}">
+                    <a16:rowId xmlns:a16="http://schemas.microsoft.com/office/drawing/2014/main" val="3986339358"/>
+                  </a:ext>
+                </a:extLst>
+              </a:tr>
+            </a:tbl>
+          </a:graphicData>
+        </a:graphic>
+      </p:graphicFrame>
+    </p:spTree>
+    <p:extLst>
+      <p:ext uri="{BB962C8B-B14F-4D97-AF65-F5344CB8AC3E}">
+        <p14:creationId xmlns:p14="http://schemas.microsoft.com/office/powerpoint/2010/main" val="85786549"/>
+      </p:ext>
+    </p:extLst>
+  </p:cSld>
+  <p:clrMapOvr>
+    <a:masterClrMapping/>
+  </p:clrMapOvr>
+</p:sld>
+</file>
+
+<file path=ppt/slides/slide28.xml><?xml version="1.0" encoding="utf-8"?>
+<p:sld xmlns:a="http://schemas.openxmlformats.org/drawingml/2006/main" xmlns:r="http://schemas.openxmlformats.org/officeDocument/2006/relationships" xmlns:p="http://schemas.openxmlformats.org/presentationml/2006/main">
+  <p:cSld>
+    <p:spTree>
+      <p:nvGrpSpPr>
+        <p:cNvPr id="1" name=""/>
+        <p:cNvGrpSpPr/>
+        <p:nvPr/>
+      </p:nvGrpSpPr>
+      <p:grpSpPr>
+        <a:xfrm>
+          <a:off x="0" y="0"/>
+          <a:ext cx="0" cy="0"/>
+          <a:chOff x="0" y="0"/>
+          <a:chExt cx="0" cy="0"/>
+        </a:xfrm>
+      </p:grpSpPr>
+      <p:sp>
+        <p:nvSpPr>
+          <p:cNvPr id="2" name="Title 1">
+            <a:extLst>
+              <a:ext uri="{FF2B5EF4-FFF2-40B4-BE49-F238E27FC236}">
+                <a16:creationId xmlns:a16="http://schemas.microsoft.com/office/drawing/2014/main" id="{AA05E7FC-89A4-4FDD-8BC2-12834AFF0438}"/>
+              </a:ext>
+            </a:extLst>
+          </p:cNvPr>
+          <p:cNvSpPr>
+            <a:spLocks noGrp="1"/>
+          </p:cNvSpPr>
+          <p:nvPr>
+            <p:ph type="title"/>
+          </p:nvPr>
+        </p:nvSpPr>
+        <p:spPr/>
+        <p:txBody>
+          <a:bodyPr>
+            <a:normAutofit/>
+          </a:bodyPr>
+          <a:lstStyle/>
+          <a:p>
+            <a:r>
+              <a:rPr lang="en-US" sz="3500" dirty="0"/>
+              <a:t>Module1</a:t>
+            </a:r>
+            <a:br>
+              <a:rPr lang="en-US" sz="3500" dirty="0"/>
+            </a:br>
+            <a:r>
+              <a:rPr lang="en-US" sz="3500" dirty="0"/>
+              <a:t>Fixed-Income Securities: </a:t>
+            </a:r>
+            <a:br>
+              <a:rPr lang="en-US" sz="3500" dirty="0"/>
+            </a:br>
+            <a:r>
+              <a:rPr lang="en-US" sz="3500" dirty="0"/>
+              <a:t>Defining Elements</a:t>
+            </a:r>
+          </a:p>
+        </p:txBody>
+      </p:sp>
+      <p:sp>
+        <p:nvSpPr>
+          <p:cNvPr id="3" name="Content Placeholder 2">
+            <a:extLst>
+              <a:ext uri="{FF2B5EF4-FFF2-40B4-BE49-F238E27FC236}">
+                <a16:creationId xmlns:a16="http://schemas.microsoft.com/office/drawing/2014/main" id="{0334CCA4-AFE2-4FC0-85BD-135158263BE5}"/>
+              </a:ext>
+            </a:extLst>
+          </p:cNvPr>
+          <p:cNvSpPr>
+            <a:spLocks noGrp="1"/>
+          </p:cNvSpPr>
+          <p:nvPr>
+            <p:ph idx="1"/>
+          </p:nvPr>
+        </p:nvSpPr>
+        <p:spPr/>
+        <p:txBody>
+          <a:bodyPr>
+            <a:normAutofit/>
+          </a:bodyPr>
+          <a:lstStyle/>
+          <a:p>
+            <a:r>
+              <a:rPr lang="en-US" sz="2800" dirty="0"/>
+              <a:t>Principal repayment structures</a:t>
+            </a:r>
+          </a:p>
+          <a:p>
+            <a:endParaRPr lang="en-US" sz="2800" dirty="0"/>
+          </a:p>
+        </p:txBody>
+      </p:sp>
+      <p:graphicFrame>
+        <p:nvGraphicFramePr>
+          <p:cNvPr id="4" name="Table 3">
+            <a:extLst>
+              <a:ext uri="{FF2B5EF4-FFF2-40B4-BE49-F238E27FC236}">
+                <a16:creationId xmlns:a16="http://schemas.microsoft.com/office/drawing/2014/main" id="{46C61FCB-925C-456C-8ACE-DCCD0B330DB4}"/>
+              </a:ext>
+            </a:extLst>
+          </p:cNvPr>
+          <p:cNvGraphicFramePr>
+            <a:graphicFrameLocks noGrp="1"/>
+          </p:cNvGraphicFramePr>
+          <p:nvPr>
+            <p:extLst>
+              <p:ext uri="{D42A27DB-BD31-4B8C-83A1-F6EECF244321}">
+                <p14:modId xmlns:p14="http://schemas.microsoft.com/office/powerpoint/2010/main" val="1522974608"/>
+              </p:ext>
+            </p:extLst>
+          </p:nvPr>
+        </p:nvGraphicFramePr>
+        <p:xfrm>
+          <a:off x="1708443" y="3040836"/>
+          <a:ext cx="8128000" cy="3235960"/>
+        </p:xfrm>
+        <a:graphic>
+          <a:graphicData uri="http://schemas.openxmlformats.org/drawingml/2006/table">
+            <a:tbl>
+              <a:tblPr firstRow="1" bandRow="1">
+                <a:tableStyleId>{5C22544A-7EE6-4342-B048-85BDC9FD1C3A}</a:tableStyleId>
+              </a:tblPr>
+              <a:tblGrid>
+                <a:gridCol w="823742">
+                  <a:extLst>
+                    <a:ext uri="{9D8B030D-6E8A-4147-A177-3AD203B41FA5}">
+                      <a16:colId xmlns:a16="http://schemas.microsoft.com/office/drawing/2014/main" val="1778723693"/>
+                    </a:ext>
+                  </a:extLst>
+                </a:gridCol>
+                <a:gridCol w="1730326">
+                  <a:extLst>
+                    <a:ext uri="{9D8B030D-6E8A-4147-A177-3AD203B41FA5}">
+                      <a16:colId xmlns:a16="http://schemas.microsoft.com/office/drawing/2014/main" val="1673458682"/>
+                    </a:ext>
+                  </a:extLst>
+                </a:gridCol>
+                <a:gridCol w="1547446">
+                  <a:extLst>
+                    <a:ext uri="{9D8B030D-6E8A-4147-A177-3AD203B41FA5}">
+                      <a16:colId xmlns:a16="http://schemas.microsoft.com/office/drawing/2014/main" val="1640650160"/>
+                    </a:ext>
+                  </a:extLst>
+                </a:gridCol>
+                <a:gridCol w="1688123">
+                  <a:extLst>
+                    <a:ext uri="{9D8B030D-6E8A-4147-A177-3AD203B41FA5}">
+                      <a16:colId xmlns:a16="http://schemas.microsoft.com/office/drawing/2014/main" val="1897655640"/>
+                    </a:ext>
+                  </a:extLst>
+                </a:gridCol>
+                <a:gridCol w="2338363">
+                  <a:extLst>
+                    <a:ext uri="{9D8B030D-6E8A-4147-A177-3AD203B41FA5}">
+                      <a16:colId xmlns:a16="http://schemas.microsoft.com/office/drawing/2014/main" val="4208563810"/>
+                    </a:ext>
+                  </a:extLst>
+                </a:gridCol>
+              </a:tblGrid>
+              <a:tr h="370840">
+                <a:tc gridSpan="5">
+                  <a:txBody>
+                    <a:bodyPr/>
+                    <a:lstStyle/>
+                    <a:p>
+                      <a:pPr algn="ctr"/>
+                      <a:r>
+                        <a:rPr lang="en-US" dirty="0"/>
+                        <a:t>Partially amortized bond</a:t>
+                      </a:r>
+                    </a:p>
+                  </a:txBody>
+                  <a:tcPr/>
+                </a:tc>
+                <a:tc hMerge="1">
+                  <a:txBody>
+                    <a:bodyPr/>
+                    <a:lstStyle/>
+                    <a:p>
+                      <a:endParaRPr lang="en-US" dirty="0"/>
+                    </a:p>
+                  </a:txBody>
+                  <a:tcPr/>
+                </a:tc>
+                <a:tc hMerge="1">
+                  <a:txBody>
+                    <a:bodyPr/>
+                    <a:lstStyle/>
+                    <a:p>
+                      <a:endParaRPr lang="en-US" dirty="0"/>
+                    </a:p>
+                  </a:txBody>
+                  <a:tcPr/>
+                </a:tc>
+                <a:tc hMerge="1">
+                  <a:txBody>
+                    <a:bodyPr/>
+                    <a:lstStyle/>
+                    <a:p>
+                      <a:endParaRPr lang="en-US" dirty="0"/>
+                    </a:p>
+                  </a:txBody>
+                  <a:tcPr/>
+                </a:tc>
+                <a:tc hMerge="1">
+                  <a:txBody>
+                    <a:bodyPr/>
+                    <a:lstStyle/>
+                    <a:p>
+                      <a:endParaRPr lang="en-US" dirty="0"/>
+                    </a:p>
+                  </a:txBody>
+                  <a:tcPr/>
+                </a:tc>
+                <a:extLst>
+                  <a:ext uri="{0D108BD9-81ED-4DB2-BD59-A6C34878D82A}">
+                    <a16:rowId xmlns:a16="http://schemas.microsoft.com/office/drawing/2014/main" val="1802414915"/>
+                  </a:ext>
+                </a:extLst>
+              </a:tr>
+              <a:tr h="370840">
+                <a:tc>
+                  <a:txBody>
+                    <a:bodyPr/>
+                    <a:lstStyle/>
+                    <a:p>
+                      <a:r>
+                        <a:rPr lang="en-US" dirty="0"/>
+                        <a:t>Year</a:t>
+                      </a:r>
+                    </a:p>
+                  </a:txBody>
+                  <a:tcPr/>
+                </a:tc>
+                <a:tc>
+                  <a:txBody>
+                    <a:bodyPr/>
+                    <a:lstStyle/>
+                    <a:p>
+                      <a:r>
+                        <a:rPr lang="en-US" dirty="0"/>
+                        <a:t>Investor cash flows</a:t>
+                      </a:r>
+                    </a:p>
+                  </a:txBody>
+                  <a:tcPr/>
+                </a:tc>
+                <a:tc>
+                  <a:txBody>
+                    <a:bodyPr/>
+                    <a:lstStyle/>
+                    <a:p>
+                      <a:r>
+                        <a:rPr lang="en-US" dirty="0"/>
+                        <a:t>Interest payment</a:t>
+                      </a:r>
+                    </a:p>
+                  </a:txBody>
+                  <a:tcPr/>
+                </a:tc>
+                <a:tc>
+                  <a:txBody>
+                    <a:bodyPr/>
+                    <a:lstStyle/>
+                    <a:p>
+                      <a:r>
+                        <a:rPr lang="en-US" dirty="0"/>
+                        <a:t>Principal repayment</a:t>
+                      </a:r>
+                    </a:p>
+                  </a:txBody>
+                  <a:tcPr/>
+                </a:tc>
+                <a:tc>
+                  <a:txBody>
+                    <a:bodyPr/>
+                    <a:lstStyle/>
+                    <a:p>
+                      <a:r>
+                        <a:rPr lang="en-US" dirty="0"/>
+                        <a:t>Outstanding principal at the end of the year</a:t>
+                      </a:r>
+                    </a:p>
+                  </a:txBody>
+                  <a:tcPr/>
+                </a:tc>
+                <a:extLst>
+                  <a:ext uri="{0D108BD9-81ED-4DB2-BD59-A6C34878D82A}">
+                    <a16:rowId xmlns:a16="http://schemas.microsoft.com/office/drawing/2014/main" val="232843733"/>
+                  </a:ext>
+                </a:extLst>
+              </a:tr>
+              <a:tr h="370840">
+                <a:tc>
+                  <a:txBody>
+                    <a:bodyPr/>
+                    <a:lstStyle/>
+                    <a:p>
+                      <a:r>
+                        <a:rPr lang="en-US" dirty="0"/>
+                        <a:t>0</a:t>
+                      </a:r>
+                    </a:p>
+                  </a:txBody>
+                  <a:tcPr/>
+                </a:tc>
+                <a:tc>
+                  <a:txBody>
+                    <a:bodyPr/>
+                    <a:lstStyle/>
+                    <a:p>
+                      <a:r>
+                        <a:rPr lang="en-US" dirty="0"/>
+                        <a:t>-1000</a:t>
+                      </a:r>
+                    </a:p>
+                  </a:txBody>
+                  <a:tcPr/>
+                </a:tc>
+                <a:tc>
+                  <a:txBody>
+                    <a:bodyPr/>
+                    <a:lstStyle/>
+                    <a:p>
+                      <a:endParaRPr lang="en-US" dirty="0"/>
+                    </a:p>
+                  </a:txBody>
+                  <a:tcPr/>
+                </a:tc>
+                <a:tc>
+                  <a:txBody>
+                    <a:bodyPr/>
+                    <a:lstStyle/>
+                    <a:p>
+                      <a:endParaRPr lang="en-US" dirty="0"/>
+                    </a:p>
+                  </a:txBody>
+                  <a:tcPr/>
+                </a:tc>
+                <a:tc>
+                  <a:txBody>
+                    <a:bodyPr/>
+                    <a:lstStyle/>
+                    <a:p>
+                      <a:r>
+                        <a:rPr lang="en-US" dirty="0"/>
+                        <a:t>1000</a:t>
+                      </a:r>
+                    </a:p>
+                  </a:txBody>
+                  <a:tcPr/>
+                </a:tc>
+                <a:extLst>
+                  <a:ext uri="{0D108BD9-81ED-4DB2-BD59-A6C34878D82A}">
+                    <a16:rowId xmlns:a16="http://schemas.microsoft.com/office/drawing/2014/main" val="1430014142"/>
+                  </a:ext>
+                </a:extLst>
+              </a:tr>
+              <a:tr h="370840">
+                <a:tc>
+                  <a:txBody>
+                    <a:bodyPr/>
+                    <a:lstStyle/>
+                    <a:p>
+                      <a:r>
+                        <a:rPr lang="en-US" dirty="0"/>
+                        <a:t>1</a:t>
+                      </a:r>
+                    </a:p>
+                  </a:txBody>
+                  <a:tcPr/>
+                </a:tc>
+                <a:tc>
+                  <a:txBody>
+                    <a:bodyPr/>
+                    <a:lstStyle/>
+                    <a:p>
+                      <a:r>
+                        <a:rPr lang="en-US" dirty="0"/>
+                        <a:t>201.92</a:t>
+                      </a:r>
+                    </a:p>
+                  </a:txBody>
+                  <a:tcPr/>
+                </a:tc>
+                <a:tc>
+                  <a:txBody>
+                    <a:bodyPr/>
+                    <a:lstStyle/>
+                    <a:p>
+                      <a:r>
+                        <a:rPr lang="en-US" dirty="0"/>
+                        <a:t>60</a:t>
+                      </a:r>
+                    </a:p>
+                  </a:txBody>
+                  <a:tcPr/>
+                </a:tc>
+                <a:tc>
+                  <a:txBody>
+                    <a:bodyPr/>
+                    <a:lstStyle/>
+                    <a:p>
+                      <a:r>
+                        <a:rPr lang="en-US" dirty="0"/>
+                        <a:t>141.92</a:t>
+                      </a:r>
+                    </a:p>
+                  </a:txBody>
+                  <a:tcPr/>
+                </a:tc>
+                <a:tc>
+                  <a:txBody>
+                    <a:bodyPr/>
+                    <a:lstStyle/>
+                    <a:p>
+                      <a:r>
+                        <a:rPr lang="en-US" dirty="0"/>
+                        <a:t>858.08</a:t>
+                      </a:r>
+                    </a:p>
+                  </a:txBody>
+                  <a:tcPr/>
+                </a:tc>
+                <a:extLst>
+                  <a:ext uri="{0D108BD9-81ED-4DB2-BD59-A6C34878D82A}">
+                    <a16:rowId xmlns:a16="http://schemas.microsoft.com/office/drawing/2014/main" val="2608074033"/>
+                  </a:ext>
+                </a:extLst>
+              </a:tr>
+              <a:tr h="370840">
+                <a:tc>
+                  <a:txBody>
+                    <a:bodyPr/>
+                    <a:lstStyle/>
+                    <a:p>
+                      <a:r>
+                        <a:rPr lang="en-US" dirty="0"/>
+                        <a:t>2</a:t>
+                      </a:r>
+                    </a:p>
+                  </a:txBody>
+                  <a:tcPr/>
+                </a:tc>
+                <a:tc>
+                  <a:txBody>
+                    <a:bodyPr/>
+                    <a:lstStyle/>
+                    <a:p>
+                      <a:r>
+                        <a:rPr lang="en-US" dirty="0"/>
+                        <a:t>201.92</a:t>
+                      </a:r>
+                    </a:p>
+                  </a:txBody>
+                  <a:tcPr/>
+                </a:tc>
+                <a:tc>
+                  <a:txBody>
+                    <a:bodyPr/>
+                    <a:lstStyle/>
+                    <a:p>
+                      <a:r>
+                        <a:rPr lang="en-US" dirty="0"/>
+                        <a:t>51.48</a:t>
+                      </a:r>
+                    </a:p>
+                  </a:txBody>
+                  <a:tcPr/>
+                </a:tc>
+                <a:tc>
+                  <a:txBody>
+                    <a:bodyPr/>
+                    <a:lstStyle/>
+                    <a:p>
+                      <a:r>
+                        <a:rPr lang="en-US" dirty="0"/>
+                        <a:t>150.43</a:t>
+                      </a:r>
+                    </a:p>
+                  </a:txBody>
+                  <a:tcPr/>
+                </a:tc>
+                <a:tc>
+                  <a:txBody>
+                    <a:bodyPr/>
+                    <a:lstStyle/>
+                    <a:p>
+                      <a:r>
+                        <a:rPr lang="en-US" dirty="0"/>
+                        <a:t>707.65</a:t>
+                      </a:r>
+                    </a:p>
+                  </a:txBody>
+                  <a:tcPr/>
+                </a:tc>
+                <a:extLst>
+                  <a:ext uri="{0D108BD9-81ED-4DB2-BD59-A6C34878D82A}">
+                    <a16:rowId xmlns:a16="http://schemas.microsoft.com/office/drawing/2014/main" val="3496828594"/>
+                  </a:ext>
+                </a:extLst>
+              </a:tr>
+              <a:tr h="370840">
+                <a:tc>
+                  <a:txBody>
+                    <a:bodyPr/>
+                    <a:lstStyle/>
+                    <a:p>
+                      <a:r>
+                        <a:rPr lang="en-US" dirty="0"/>
+                        <a:t>3</a:t>
+                      </a:r>
+                    </a:p>
+                  </a:txBody>
+                  <a:tcPr/>
+                </a:tc>
+                <a:tc>
+                  <a:txBody>
+                    <a:bodyPr/>
+                    <a:lstStyle/>
+                    <a:p>
+                      <a:r>
+                        <a:rPr lang="en-US" dirty="0"/>
+                        <a:t>201.92</a:t>
+                      </a:r>
+                    </a:p>
+                  </a:txBody>
+                  <a:tcPr/>
+                </a:tc>
+                <a:tc>
+                  <a:txBody>
+                    <a:bodyPr/>
+                    <a:lstStyle/>
+                    <a:p>
+                      <a:r>
+                        <a:rPr lang="en-US" dirty="0"/>
+                        <a:t>42.46</a:t>
+                      </a:r>
+                    </a:p>
+                  </a:txBody>
+                  <a:tcPr/>
+                </a:tc>
+                <a:tc>
+                  <a:txBody>
+                    <a:bodyPr/>
+                    <a:lstStyle/>
+                    <a:p>
+                      <a:r>
+                        <a:rPr lang="en-US" dirty="0"/>
+                        <a:t>159.46</a:t>
+                      </a:r>
+                    </a:p>
+                  </a:txBody>
+                  <a:tcPr/>
+                </a:tc>
+                <a:tc>
+                  <a:txBody>
+                    <a:bodyPr/>
+                    <a:lstStyle/>
+                    <a:p>
+                      <a:r>
+                        <a:rPr lang="en-US" dirty="0"/>
+                        <a:t>548.19</a:t>
+                      </a:r>
+                    </a:p>
+                  </a:txBody>
+                  <a:tcPr/>
+                </a:tc>
+                <a:extLst>
+                  <a:ext uri="{0D108BD9-81ED-4DB2-BD59-A6C34878D82A}">
+                    <a16:rowId xmlns:a16="http://schemas.microsoft.com/office/drawing/2014/main" val="2870150502"/>
+                  </a:ext>
+                </a:extLst>
+              </a:tr>
+              <a:tr h="370840">
+                <a:tc>
+                  <a:txBody>
+                    <a:bodyPr/>
+                    <a:lstStyle/>
+                    <a:p>
+                      <a:r>
+                        <a:rPr lang="en-US" dirty="0"/>
+                        <a:t>4</a:t>
+                      </a:r>
+                    </a:p>
+                  </a:txBody>
+                  <a:tcPr/>
+                </a:tc>
+                <a:tc>
+                  <a:txBody>
+                    <a:bodyPr/>
+                    <a:lstStyle/>
+                    <a:p>
+                      <a:r>
+                        <a:rPr lang="en-US" dirty="0"/>
+                        <a:t>201.92</a:t>
+                      </a:r>
+                    </a:p>
+                  </a:txBody>
+                  <a:tcPr/>
+                </a:tc>
+                <a:tc>
+                  <a:txBody>
+                    <a:bodyPr/>
+                    <a:lstStyle/>
+                    <a:p>
+                      <a:r>
+                        <a:rPr lang="en-US" dirty="0"/>
+                        <a:t>32.89</a:t>
+                      </a:r>
+                    </a:p>
+                  </a:txBody>
+                  <a:tcPr/>
+                </a:tc>
+                <a:tc>
+                  <a:txBody>
+                    <a:bodyPr/>
+                    <a:lstStyle/>
+                    <a:p>
+                      <a:r>
+                        <a:rPr lang="en-US" dirty="0"/>
+                        <a:t>169.03</a:t>
+                      </a:r>
+                    </a:p>
+                  </a:txBody>
+                  <a:tcPr/>
+                </a:tc>
+                <a:tc>
+                  <a:txBody>
+                    <a:bodyPr/>
+                    <a:lstStyle/>
+                    <a:p>
+                      <a:r>
+                        <a:rPr lang="en-US" dirty="0"/>
+                        <a:t>379.17</a:t>
+                      </a:r>
+                    </a:p>
+                  </a:txBody>
+                  <a:tcPr/>
+                </a:tc>
+                <a:extLst>
+                  <a:ext uri="{0D108BD9-81ED-4DB2-BD59-A6C34878D82A}">
+                    <a16:rowId xmlns:a16="http://schemas.microsoft.com/office/drawing/2014/main" val="2517092684"/>
+                  </a:ext>
+                </a:extLst>
+              </a:tr>
+              <a:tr h="370840">
+                <a:tc>
+                  <a:txBody>
+                    <a:bodyPr/>
+                    <a:lstStyle/>
+                    <a:p>
+                      <a:r>
+                        <a:rPr lang="en-US" dirty="0"/>
+                        <a:t>5</a:t>
+                      </a:r>
+                    </a:p>
+                  </a:txBody>
+                  <a:tcPr/>
+                </a:tc>
+                <a:tc>
+                  <a:txBody>
+                    <a:bodyPr/>
+                    <a:lstStyle/>
+                    <a:p>
+                      <a:r>
+                        <a:rPr lang="en-US" dirty="0"/>
+                        <a:t>401.92</a:t>
+                      </a:r>
+                    </a:p>
+                  </a:txBody>
+                  <a:tcPr/>
+                </a:tc>
+                <a:tc>
+                  <a:txBody>
+                    <a:bodyPr/>
+                    <a:lstStyle/>
+                    <a:p>
+                      <a:r>
+                        <a:rPr lang="en-US" dirty="0"/>
+                        <a:t>22.75</a:t>
+                      </a:r>
+                    </a:p>
+                  </a:txBody>
+                  <a:tcPr/>
+                </a:tc>
+                <a:tc>
+                  <a:txBody>
+                    <a:bodyPr/>
+                    <a:lstStyle/>
+                    <a:p>
+                      <a:r>
+                        <a:rPr lang="en-US" dirty="0"/>
+                        <a:t>379.17</a:t>
+                      </a:r>
+                    </a:p>
+                  </a:txBody>
+                  <a:tcPr/>
+                </a:tc>
+                <a:tc>
+                  <a:txBody>
+                    <a:bodyPr/>
+                    <a:lstStyle/>
+                    <a:p>
+                      <a:r>
+                        <a:rPr lang="en-US" dirty="0"/>
+                        <a:t>0</a:t>
+                      </a:r>
+                    </a:p>
+                  </a:txBody>
+                  <a:tcPr/>
+                </a:tc>
+                <a:extLst>
+                  <a:ext uri="{0D108BD9-81ED-4DB2-BD59-A6C34878D82A}">
+                    <a16:rowId xmlns:a16="http://schemas.microsoft.com/office/drawing/2014/main" val="3986339358"/>
+                  </a:ext>
+                </a:extLst>
+              </a:tr>
+            </a:tbl>
+          </a:graphicData>
+        </a:graphic>
+      </p:graphicFrame>
+    </p:spTree>
+    <p:extLst>
+      <p:ext uri="{BB962C8B-B14F-4D97-AF65-F5344CB8AC3E}">
+        <p14:creationId xmlns:p14="http://schemas.microsoft.com/office/powerpoint/2010/main" val="353983185"/>
+      </p:ext>
+    </p:extLst>
+  </p:cSld>
+  <p:clrMapOvr>
+    <a:masterClrMapping/>
+  </p:clrMapOvr>
+</p:sld>
+</file>
+
+<file path=ppt/slides/slide29.xml><?xml version="1.0" encoding="utf-8"?>
+<p:sld xmlns:a="http://schemas.openxmlformats.org/drawingml/2006/main" xmlns:r="http://schemas.openxmlformats.org/officeDocument/2006/relationships" xmlns:p="http://schemas.openxmlformats.org/presentationml/2006/main">
+  <p:cSld>
+    <p:spTree>
+      <p:nvGrpSpPr>
+        <p:cNvPr id="1" name=""/>
+        <p:cNvGrpSpPr/>
+        <p:nvPr/>
+      </p:nvGrpSpPr>
+      <p:grpSpPr>
+        <a:xfrm>
+          <a:off x="0" y="0"/>
+          <a:ext cx="0" cy="0"/>
+          <a:chOff x="0" y="0"/>
+          <a:chExt cx="0" cy="0"/>
+        </a:xfrm>
+      </p:grpSpPr>
+      <p:sp>
+        <p:nvSpPr>
+          <p:cNvPr id="2" name="Title 1">
+            <a:extLst>
+              <a:ext uri="{FF2B5EF4-FFF2-40B4-BE49-F238E27FC236}">
+                <a16:creationId xmlns:a16="http://schemas.microsoft.com/office/drawing/2014/main" id="{2E683C7D-3667-455A-A51A-DAB0D6BA4F70}"/>
+              </a:ext>
+            </a:extLst>
+          </p:cNvPr>
+          <p:cNvSpPr>
+            <a:spLocks noGrp="1"/>
+          </p:cNvSpPr>
+          <p:nvPr>
+            <p:ph type="title"/>
+          </p:nvPr>
+        </p:nvSpPr>
+        <p:spPr/>
+        <p:txBody>
+          <a:bodyPr>
+            <a:normAutofit/>
+          </a:bodyPr>
+          <a:lstStyle/>
+          <a:p>
+            <a:r>
+              <a:rPr lang="en-US" sz="3500" dirty="0"/>
+              <a:t>Module1</a:t>
+            </a:r>
+            <a:br>
+              <a:rPr lang="en-US" sz="3500" dirty="0"/>
+            </a:br>
+            <a:r>
+              <a:rPr lang="en-US" sz="3500" dirty="0"/>
+              <a:t>Fixed-Income Securities: </a:t>
+            </a:r>
+            <a:br>
+              <a:rPr lang="en-US" sz="3500" dirty="0"/>
+            </a:br>
+            <a:r>
+              <a:rPr lang="en-US" sz="3500" dirty="0"/>
+              <a:t>Defining Elements</a:t>
+            </a:r>
+          </a:p>
+        </p:txBody>
+      </p:sp>
+      <p:sp>
+        <p:nvSpPr>
+          <p:cNvPr id="3" name="Content Placeholder 2">
+            <a:extLst>
+              <a:ext uri="{FF2B5EF4-FFF2-40B4-BE49-F238E27FC236}">
+                <a16:creationId xmlns:a16="http://schemas.microsoft.com/office/drawing/2014/main" id="{3C97C31C-E50C-4FB9-8CC8-2785D38CCA0C}"/>
+              </a:ext>
+            </a:extLst>
+          </p:cNvPr>
+          <p:cNvSpPr>
+            <a:spLocks noGrp="1"/>
+          </p:cNvSpPr>
+          <p:nvPr>
+            <p:ph idx="1"/>
+          </p:nvPr>
+        </p:nvSpPr>
+        <p:spPr/>
+        <p:txBody>
+          <a:bodyPr>
+            <a:normAutofit/>
+          </a:bodyPr>
+          <a:lstStyle/>
+          <a:p>
+            <a:r>
+              <a:rPr lang="en-US" dirty="0"/>
+              <a:t>A plain vanilla bond is also known as a </a:t>
+            </a:r>
+            <a:r>
+              <a:rPr lang="en-US" dirty="0">
+                <a:solidFill>
+                  <a:srgbClr val="FF0000"/>
+                </a:solidFill>
+              </a:rPr>
+              <a:t>bullet bond </a:t>
+            </a:r>
+            <a:r>
+              <a:rPr lang="en-US" dirty="0"/>
+              <a:t>because the entire payment of principal occurs at maturity.</a:t>
+            </a:r>
+          </a:p>
+          <a:p>
+            <a:r>
+              <a:rPr lang="en-US" dirty="0"/>
+              <a:t>In contrast, an amortizing bond has a payment schedule that calls for periodic payments of interest and repayments of principal. </a:t>
+            </a:r>
+          </a:p>
+          <a:p>
+            <a:r>
+              <a:rPr lang="en-US" dirty="0"/>
+              <a:t>A </a:t>
+            </a:r>
+            <a:r>
+              <a:rPr lang="en-US" dirty="0">
+                <a:solidFill>
+                  <a:srgbClr val="FF0000"/>
+                </a:solidFill>
+              </a:rPr>
+              <a:t>fully amortized </a:t>
+            </a:r>
+            <a:r>
+              <a:rPr lang="en-US" dirty="0"/>
+              <a:t>bond is characterized by a fixed periodic payment schedule that reduces the bond’s outstanding principal amount to zero by the maturity date.</a:t>
+            </a:r>
+          </a:p>
+          <a:p>
+            <a:r>
+              <a:rPr lang="en-US" dirty="0"/>
+              <a:t>A </a:t>
+            </a:r>
+            <a:r>
+              <a:rPr lang="en-US" dirty="0">
+                <a:solidFill>
+                  <a:srgbClr val="FF0000"/>
+                </a:solidFill>
+              </a:rPr>
+              <a:t>partially amortized </a:t>
+            </a:r>
+            <a:r>
+              <a:rPr lang="en-US" dirty="0"/>
+              <a:t>bond also makes fixed periodic payments until maturity, but only a portion of the principal is repaid by the maturity date. </a:t>
+            </a:r>
+          </a:p>
+          <a:p>
+            <a:r>
+              <a:rPr lang="en-US" dirty="0"/>
+              <a:t>Thus, a </a:t>
+            </a:r>
+            <a:r>
+              <a:rPr lang="en-US" dirty="0">
+                <a:solidFill>
+                  <a:srgbClr val="FF0000"/>
+                </a:solidFill>
+              </a:rPr>
+              <a:t>balloon payment </a:t>
+            </a:r>
+            <a:r>
+              <a:rPr lang="en-US" dirty="0"/>
+              <a:t>is required at maturity to retire the bond’s outstanding principal amount.</a:t>
+            </a:r>
+          </a:p>
+        </p:txBody>
+      </p:sp>
+    </p:spTree>
+    <p:extLst>
+      <p:ext uri="{BB962C8B-B14F-4D97-AF65-F5344CB8AC3E}">
+        <p14:creationId xmlns:p14="http://schemas.microsoft.com/office/powerpoint/2010/main" val="3006901581"/>
+      </p:ext>
+    </p:extLst>
+  </p:cSld>
+  <p:clrMapOvr>
+    <a:masterClrMapping/>
+  </p:clrMapOvr>
+</p:sld>
+</file>
+
 <file path=ppt/slides/slide3.xml><?xml version="1.0" encoding="utf-8"?>
 <p:sld xmlns:a="http://schemas.openxmlformats.org/drawingml/2006/main" xmlns:r="http://schemas.openxmlformats.org/officeDocument/2006/relationships" xmlns:p="http://schemas.openxmlformats.org/presentationml/2006/main">
   <p:cSld>
@@ -30838,6 +33234,1748 @@
     <p:extLst>
       <p:ext uri="{BB962C8B-B14F-4D97-AF65-F5344CB8AC3E}">
         <p14:creationId xmlns:p14="http://schemas.microsoft.com/office/powerpoint/2010/main" val="3902323867"/>
+      </p:ext>
+    </p:extLst>
+  </p:cSld>
+  <p:clrMapOvr>
+    <a:masterClrMapping/>
+  </p:clrMapOvr>
+</p:sld>
+</file>
+
+<file path=ppt/slides/slide30.xml><?xml version="1.0" encoding="utf-8"?>
+<p:sld xmlns:a="http://schemas.openxmlformats.org/drawingml/2006/main" xmlns:r="http://schemas.openxmlformats.org/officeDocument/2006/relationships" xmlns:p="http://schemas.openxmlformats.org/presentationml/2006/main">
+  <p:cSld>
+    <p:spTree>
+      <p:nvGrpSpPr>
+        <p:cNvPr id="1" name=""/>
+        <p:cNvGrpSpPr/>
+        <p:nvPr/>
+      </p:nvGrpSpPr>
+      <p:grpSpPr>
+        <a:xfrm>
+          <a:off x="0" y="0"/>
+          <a:ext cx="0" cy="0"/>
+          <a:chOff x="0" y="0"/>
+          <a:chExt cx="0" cy="0"/>
+        </a:xfrm>
+      </p:grpSpPr>
+      <p:sp>
+        <p:nvSpPr>
+          <p:cNvPr id="2" name="Title 1">
+            <a:extLst>
+              <a:ext uri="{FF2B5EF4-FFF2-40B4-BE49-F238E27FC236}">
+                <a16:creationId xmlns:a16="http://schemas.microsoft.com/office/drawing/2014/main" id="{FBA41580-255C-4608-AB9A-B35A8F62376B}"/>
+              </a:ext>
+            </a:extLst>
+          </p:cNvPr>
+          <p:cNvSpPr>
+            <a:spLocks noGrp="1"/>
+          </p:cNvSpPr>
+          <p:nvPr>
+            <p:ph type="title"/>
+          </p:nvPr>
+        </p:nvSpPr>
+        <p:spPr/>
+        <p:txBody>
+          <a:bodyPr>
+            <a:normAutofit/>
+          </a:bodyPr>
+          <a:lstStyle/>
+          <a:p>
+            <a:r>
+              <a:rPr lang="en-US" sz="3500" dirty="0"/>
+              <a:t>Module1</a:t>
+            </a:r>
+            <a:br>
+              <a:rPr lang="en-US" sz="3500" dirty="0"/>
+            </a:br>
+            <a:r>
+              <a:rPr lang="en-US" sz="3500" dirty="0"/>
+              <a:t>Fixed-Income Securities: </a:t>
+            </a:r>
+            <a:br>
+              <a:rPr lang="en-US" sz="3500" dirty="0"/>
+            </a:br>
+            <a:r>
+              <a:rPr lang="en-US" sz="3500" dirty="0"/>
+              <a:t>Defining Elements</a:t>
+            </a:r>
+          </a:p>
+        </p:txBody>
+      </p:sp>
+      <p:sp>
+        <p:nvSpPr>
+          <p:cNvPr id="3" name="Content Placeholder 2">
+            <a:extLst>
+              <a:ext uri="{FF2B5EF4-FFF2-40B4-BE49-F238E27FC236}">
+                <a16:creationId xmlns:a16="http://schemas.microsoft.com/office/drawing/2014/main" id="{F101B022-AFF0-4117-92A6-1687DFCF8CEA}"/>
+              </a:ext>
+            </a:extLst>
+          </p:cNvPr>
+          <p:cNvSpPr>
+            <a:spLocks noGrp="1"/>
+          </p:cNvSpPr>
+          <p:nvPr>
+            <p:ph idx="1"/>
+          </p:nvPr>
+        </p:nvSpPr>
+        <p:spPr/>
+        <p:txBody>
+          <a:bodyPr>
+            <a:normAutofit/>
+          </a:bodyPr>
+          <a:lstStyle/>
+          <a:p>
+            <a:r>
+              <a:rPr lang="en-US" dirty="0"/>
+              <a:t>The annual payment of </a:t>
+            </a:r>
+            <a:r>
+              <a:rPr lang="en-US" dirty="0">
+                <a:solidFill>
+                  <a:srgbClr val="FF0000"/>
+                </a:solidFill>
+              </a:rPr>
+              <a:t>fully amortized </a:t>
+            </a:r>
+            <a:r>
+              <a:rPr lang="en-US" dirty="0"/>
+              <a:t>bond is constant, but over time the </a:t>
+            </a:r>
+            <a:r>
+              <a:rPr lang="en-US" dirty="0">
+                <a:solidFill>
+                  <a:srgbClr val="FF0000"/>
+                </a:solidFill>
+              </a:rPr>
+              <a:t>interest payment decreases while the principal repayment increases</a:t>
+            </a:r>
+            <a:r>
+              <a:rPr lang="en-US" dirty="0"/>
+              <a:t>.</a:t>
+            </a:r>
+          </a:p>
+          <a:p>
+            <a:r>
+              <a:rPr lang="en-US" dirty="0"/>
+              <a:t>Because the principal amount is not fully amortized, </a:t>
+            </a:r>
+            <a:r>
+              <a:rPr lang="en-US" dirty="0">
+                <a:solidFill>
+                  <a:srgbClr val="FF0000"/>
+                </a:solidFill>
+              </a:rPr>
+              <a:t>interest payments are higher for the partially amortized bond than for the fully amortized bond</a:t>
+            </a:r>
+            <a:r>
+              <a:rPr lang="en-US" dirty="0"/>
+              <a:t>, except the first year when they are equal.</a:t>
+            </a:r>
+          </a:p>
+          <a:p>
+            <a:r>
+              <a:rPr lang="en-US" dirty="0">
+                <a:solidFill>
+                  <a:srgbClr val="FF0000"/>
+                </a:solidFill>
+              </a:rPr>
+              <a:t>MBS</a:t>
+            </a:r>
+            <a:r>
+              <a:rPr lang="en-US" dirty="0"/>
+              <a:t> face </a:t>
+            </a:r>
+            <a:r>
+              <a:rPr lang="en-US" dirty="0">
+                <a:solidFill>
+                  <a:srgbClr val="FF0000"/>
+                </a:solidFill>
+              </a:rPr>
+              <a:t>prepayment risk</a:t>
+            </a:r>
+            <a:r>
+              <a:rPr lang="en-US" dirty="0"/>
+              <a:t>, which is the possible early repayment of mortgage principal. Borrowers usually have the right to prepay mortgages, which typically occurs when a current homeowner purchases a new home or when homeowners refinance their mortgages because market interest rates have fallen.</a:t>
+            </a:r>
+          </a:p>
+        </p:txBody>
+      </p:sp>
+    </p:spTree>
+    <p:extLst>
+      <p:ext uri="{BB962C8B-B14F-4D97-AF65-F5344CB8AC3E}">
+        <p14:creationId xmlns:p14="http://schemas.microsoft.com/office/powerpoint/2010/main" val="2917219996"/>
+      </p:ext>
+    </p:extLst>
+  </p:cSld>
+  <p:clrMapOvr>
+    <a:masterClrMapping/>
+  </p:clrMapOvr>
+</p:sld>
+</file>
+
+<file path=ppt/slides/slide31.xml><?xml version="1.0" encoding="utf-8"?>
+<p:sld xmlns:a="http://schemas.openxmlformats.org/drawingml/2006/main" xmlns:r="http://schemas.openxmlformats.org/officeDocument/2006/relationships" xmlns:p="http://schemas.openxmlformats.org/presentationml/2006/main">
+  <p:cSld>
+    <p:spTree>
+      <p:nvGrpSpPr>
+        <p:cNvPr id="1" name=""/>
+        <p:cNvGrpSpPr/>
+        <p:nvPr/>
+      </p:nvGrpSpPr>
+      <p:grpSpPr>
+        <a:xfrm>
+          <a:off x="0" y="0"/>
+          <a:ext cx="0" cy="0"/>
+          <a:chOff x="0" y="0"/>
+          <a:chExt cx="0" cy="0"/>
+        </a:xfrm>
+      </p:grpSpPr>
+      <p:sp>
+        <p:nvSpPr>
+          <p:cNvPr id="2" name="Title 1">
+            <a:extLst>
+              <a:ext uri="{FF2B5EF4-FFF2-40B4-BE49-F238E27FC236}">
+                <a16:creationId xmlns:a16="http://schemas.microsoft.com/office/drawing/2014/main" id="{8AE7A74C-9217-4DEA-B519-6A501C289543}"/>
+              </a:ext>
+            </a:extLst>
+          </p:cNvPr>
+          <p:cNvSpPr>
+            <a:spLocks noGrp="1"/>
+          </p:cNvSpPr>
+          <p:nvPr>
+            <p:ph type="title"/>
+          </p:nvPr>
+        </p:nvSpPr>
+        <p:spPr/>
+        <p:txBody>
+          <a:bodyPr/>
+          <a:lstStyle/>
+          <a:p>
+            <a:r>
+              <a:rPr lang="en-US" dirty="0"/>
+              <a:t>Practices</a:t>
+            </a:r>
+          </a:p>
+        </p:txBody>
+      </p:sp>
+      <p:sp>
+        <p:nvSpPr>
+          <p:cNvPr id="3" name="Content Placeholder 2">
+            <a:extLst>
+              <a:ext uri="{FF2B5EF4-FFF2-40B4-BE49-F238E27FC236}">
+                <a16:creationId xmlns:a16="http://schemas.microsoft.com/office/drawing/2014/main" id="{DB073F77-C5B7-46DC-8985-4E01A0A748CB}"/>
+              </a:ext>
+            </a:extLst>
+          </p:cNvPr>
+          <p:cNvSpPr>
+            <a:spLocks noGrp="1"/>
+          </p:cNvSpPr>
+          <p:nvPr>
+            <p:ph idx="1"/>
+          </p:nvPr>
+        </p:nvSpPr>
+        <p:spPr/>
+        <p:txBody>
+          <a:bodyPr>
+            <a:normAutofit fontScale="92500"/>
+          </a:bodyPr>
+          <a:lstStyle/>
+          <a:p>
+            <a:pPr marL="0" indent="0">
+              <a:buNone/>
+            </a:pPr>
+            <a:r>
+              <a:rPr lang="en-US" dirty="0"/>
+              <a:t>1. The structure that requires the largest repayment of principal at maturity is that of a:</a:t>
+            </a:r>
+          </a:p>
+          <a:p>
+            <a:pPr marL="457200" indent="-457200">
+              <a:buFont typeface="+mj-lt"/>
+              <a:buAutoNum type="alphaUcPeriod"/>
+            </a:pPr>
+            <a:r>
+              <a:rPr lang="en-US" b="1" dirty="0"/>
+              <a:t>bullet bond.</a:t>
+            </a:r>
+          </a:p>
+          <a:p>
+            <a:pPr marL="457200" indent="-457200">
+              <a:buFont typeface="+mj-lt"/>
+              <a:buAutoNum type="alphaUcPeriod"/>
+            </a:pPr>
+            <a:r>
+              <a:rPr lang="en-US" b="1" dirty="0"/>
+              <a:t>fully amortized bond.</a:t>
+            </a:r>
+          </a:p>
+          <a:p>
+            <a:pPr marL="457200" indent="-457200">
+              <a:buFont typeface="+mj-lt"/>
+              <a:buAutoNum type="alphaUcPeriod"/>
+            </a:pPr>
+            <a:r>
+              <a:rPr lang="en-US" b="1" dirty="0"/>
+              <a:t>partially amortized bond.</a:t>
+            </a:r>
+          </a:p>
+          <a:p>
+            <a:pPr marL="0" indent="0">
+              <a:buNone/>
+            </a:pPr>
+            <a:r>
+              <a:rPr lang="en-US" dirty="0"/>
+              <a:t>2. Relative to a fully amortized bond, the coupon payments of an otherwise similar partially amortized bond are:</a:t>
+            </a:r>
+          </a:p>
+          <a:p>
+            <a:pPr marL="457200" indent="-457200">
+              <a:buFont typeface="+mj-lt"/>
+              <a:buAutoNum type="alphaUcPeriod"/>
+            </a:pPr>
+            <a:r>
+              <a:rPr lang="en-US" b="1" dirty="0"/>
+              <a:t>lower or equal.</a:t>
+            </a:r>
+          </a:p>
+          <a:p>
+            <a:pPr marL="457200" indent="-457200">
+              <a:buFont typeface="+mj-lt"/>
+              <a:buAutoNum type="alphaUcPeriod"/>
+            </a:pPr>
+            <a:r>
+              <a:rPr lang="en-US" b="1" dirty="0"/>
+              <a:t>equal.</a:t>
+            </a:r>
+          </a:p>
+          <a:p>
+            <a:pPr marL="457200" indent="-457200">
+              <a:buFont typeface="+mj-lt"/>
+              <a:buAutoNum type="alphaUcPeriod"/>
+            </a:pPr>
+            <a:r>
+              <a:rPr lang="en-US" b="1" dirty="0"/>
+              <a:t>higher or equal.</a:t>
+            </a:r>
+          </a:p>
+        </p:txBody>
+      </p:sp>
+    </p:spTree>
+    <p:extLst>
+      <p:ext uri="{BB962C8B-B14F-4D97-AF65-F5344CB8AC3E}">
+        <p14:creationId xmlns:p14="http://schemas.microsoft.com/office/powerpoint/2010/main" val="1212145577"/>
+      </p:ext>
+    </p:extLst>
+  </p:cSld>
+  <p:clrMapOvr>
+    <a:masterClrMapping/>
+  </p:clrMapOvr>
+</p:sld>
+</file>
+
+<file path=ppt/slides/slide32.xml><?xml version="1.0" encoding="utf-8"?>
+<p:sld xmlns:a="http://schemas.openxmlformats.org/drawingml/2006/main" xmlns:r="http://schemas.openxmlformats.org/officeDocument/2006/relationships" xmlns:p="http://schemas.openxmlformats.org/presentationml/2006/main">
+  <p:cSld>
+    <p:spTree>
+      <p:nvGrpSpPr>
+        <p:cNvPr id="1" name=""/>
+        <p:cNvGrpSpPr/>
+        <p:nvPr/>
+      </p:nvGrpSpPr>
+      <p:grpSpPr>
+        <a:xfrm>
+          <a:off x="0" y="0"/>
+          <a:ext cx="0" cy="0"/>
+          <a:chOff x="0" y="0"/>
+          <a:chExt cx="0" cy="0"/>
+        </a:xfrm>
+      </p:grpSpPr>
+      <p:sp>
+        <p:nvSpPr>
+          <p:cNvPr id="2" name="Title 1">
+            <a:extLst>
+              <a:ext uri="{FF2B5EF4-FFF2-40B4-BE49-F238E27FC236}">
+                <a16:creationId xmlns:a16="http://schemas.microsoft.com/office/drawing/2014/main" id="{87DB0164-3706-4567-88DF-110AC1992AD8}"/>
+              </a:ext>
+            </a:extLst>
+          </p:cNvPr>
+          <p:cNvSpPr>
+            <a:spLocks noGrp="1"/>
+          </p:cNvSpPr>
+          <p:nvPr>
+            <p:ph type="title"/>
+          </p:nvPr>
+        </p:nvSpPr>
+        <p:spPr/>
+        <p:txBody>
+          <a:bodyPr>
+            <a:normAutofit/>
+          </a:bodyPr>
+          <a:lstStyle/>
+          <a:p>
+            <a:r>
+              <a:rPr lang="en-US" sz="3500" dirty="0"/>
+              <a:t>Module1</a:t>
+            </a:r>
+            <a:br>
+              <a:rPr lang="en-US" sz="3500" dirty="0"/>
+            </a:br>
+            <a:r>
+              <a:rPr lang="en-US" sz="3500" dirty="0"/>
+              <a:t>Fixed-Income Securities: </a:t>
+            </a:r>
+            <a:br>
+              <a:rPr lang="en-US" sz="3500" dirty="0"/>
+            </a:br>
+            <a:r>
+              <a:rPr lang="en-US" sz="3500" dirty="0"/>
+              <a:t>Defining Elements</a:t>
+            </a:r>
+          </a:p>
+        </p:txBody>
+      </p:sp>
+      <p:sp>
+        <p:nvSpPr>
+          <p:cNvPr id="3" name="Content Placeholder 2">
+            <a:extLst>
+              <a:ext uri="{FF2B5EF4-FFF2-40B4-BE49-F238E27FC236}">
+                <a16:creationId xmlns:a16="http://schemas.microsoft.com/office/drawing/2014/main" id="{0632729E-BB3E-4F47-A8DF-63F32659470D}"/>
+              </a:ext>
+            </a:extLst>
+          </p:cNvPr>
+          <p:cNvSpPr>
+            <a:spLocks noGrp="1"/>
+          </p:cNvSpPr>
+          <p:nvPr>
+            <p:ph idx="1"/>
+          </p:nvPr>
+        </p:nvSpPr>
+        <p:spPr/>
+        <p:txBody>
+          <a:bodyPr>
+            <a:normAutofit/>
+          </a:bodyPr>
+          <a:lstStyle/>
+          <a:p>
+            <a:r>
+              <a:rPr lang="en-US" sz="2800" dirty="0"/>
+              <a:t>Sinking fund arrangement</a:t>
+            </a:r>
+          </a:p>
+          <a:p>
+            <a:r>
+              <a:rPr lang="en-US" dirty="0"/>
+              <a:t>A </a:t>
+            </a:r>
+            <a:r>
+              <a:rPr lang="en-US" dirty="0">
+                <a:solidFill>
+                  <a:srgbClr val="FF0000"/>
+                </a:solidFill>
+              </a:rPr>
+              <a:t>sinking fund arrangement </a:t>
+            </a:r>
+            <a:r>
+              <a:rPr lang="en-US" dirty="0"/>
+              <a:t>is another approach that can be used to achieve the same goal of </a:t>
+            </a:r>
+            <a:r>
+              <a:rPr lang="en-US" dirty="0">
+                <a:solidFill>
+                  <a:srgbClr val="FF0000"/>
+                </a:solidFill>
+              </a:rPr>
+              <a:t>periodically retiring the bond’s principal outstanding</a:t>
+            </a:r>
+            <a:r>
+              <a:rPr lang="en-US" dirty="0"/>
+              <a:t>.</a:t>
+            </a:r>
+          </a:p>
+          <a:p>
+            <a:r>
+              <a:rPr lang="en-US" dirty="0"/>
+              <a:t>Originally, a sinking fund was a specified cash reserve that was segregated from the rest of the issuer’s business for the purpose of repaying the principal. </a:t>
+            </a:r>
+          </a:p>
+          <a:p>
+            <a:r>
+              <a:rPr lang="en-US" dirty="0"/>
+              <a:t>More generally today, a sinking fund arrangement specifies the portion of the bond’s principal outstanding, perhaps 5%, that must be repaid each year throughout the bond’s life or after a specified date.</a:t>
+            </a:r>
+          </a:p>
+          <a:p>
+            <a:r>
+              <a:rPr lang="en-US" dirty="0"/>
+              <a:t>Another type of sinking fund arrangement operates by redeeming a steadily increasing amount of the bond’s notional principal (total amount) each year</a:t>
+            </a:r>
+          </a:p>
+          <a:p>
+            <a:endParaRPr lang="en-US" dirty="0"/>
+          </a:p>
+        </p:txBody>
+      </p:sp>
+    </p:spTree>
+    <p:extLst>
+      <p:ext uri="{BB962C8B-B14F-4D97-AF65-F5344CB8AC3E}">
+        <p14:creationId xmlns:p14="http://schemas.microsoft.com/office/powerpoint/2010/main" val="835785825"/>
+      </p:ext>
+    </p:extLst>
+  </p:cSld>
+  <p:clrMapOvr>
+    <a:masterClrMapping/>
+  </p:clrMapOvr>
+</p:sld>
+</file>
+
+<file path=ppt/slides/slide33.xml><?xml version="1.0" encoding="utf-8"?>
+<p:sld xmlns:a="http://schemas.openxmlformats.org/drawingml/2006/main" xmlns:r="http://schemas.openxmlformats.org/officeDocument/2006/relationships" xmlns:p="http://schemas.openxmlformats.org/presentationml/2006/main">
+  <p:cSld>
+    <p:spTree>
+      <p:nvGrpSpPr>
+        <p:cNvPr id="1" name=""/>
+        <p:cNvGrpSpPr/>
+        <p:nvPr/>
+      </p:nvGrpSpPr>
+      <p:grpSpPr>
+        <a:xfrm>
+          <a:off x="0" y="0"/>
+          <a:ext cx="0" cy="0"/>
+          <a:chOff x="0" y="0"/>
+          <a:chExt cx="0" cy="0"/>
+        </a:xfrm>
+      </p:grpSpPr>
+      <p:sp>
+        <p:nvSpPr>
+          <p:cNvPr id="2" name="Title 1">
+            <a:extLst>
+              <a:ext uri="{FF2B5EF4-FFF2-40B4-BE49-F238E27FC236}">
+                <a16:creationId xmlns:a16="http://schemas.microsoft.com/office/drawing/2014/main" id="{F0198145-B53C-43A2-B04C-529A307E5763}"/>
+              </a:ext>
+            </a:extLst>
+          </p:cNvPr>
+          <p:cNvSpPr>
+            <a:spLocks noGrp="1"/>
+          </p:cNvSpPr>
+          <p:nvPr>
+            <p:ph type="title"/>
+          </p:nvPr>
+        </p:nvSpPr>
+        <p:spPr/>
+        <p:txBody>
+          <a:bodyPr>
+            <a:normAutofit/>
+          </a:bodyPr>
+          <a:lstStyle/>
+          <a:p>
+            <a:r>
+              <a:rPr lang="en-US" sz="3500" dirty="0"/>
+              <a:t>Module1</a:t>
+            </a:r>
+            <a:br>
+              <a:rPr lang="en-US" sz="3500" dirty="0"/>
+            </a:br>
+            <a:r>
+              <a:rPr lang="en-US" sz="3500" dirty="0"/>
+              <a:t>Fixed-Income Securities: </a:t>
+            </a:r>
+            <a:br>
+              <a:rPr lang="en-US" sz="3500" dirty="0"/>
+            </a:br>
+            <a:r>
+              <a:rPr lang="en-US" sz="3500" dirty="0"/>
+              <a:t>Defining Elements</a:t>
+            </a:r>
+          </a:p>
+        </p:txBody>
+      </p:sp>
+      <p:graphicFrame>
+        <p:nvGraphicFramePr>
+          <p:cNvPr id="4" name="Content Placeholder 3">
+            <a:extLst>
+              <a:ext uri="{FF2B5EF4-FFF2-40B4-BE49-F238E27FC236}">
+                <a16:creationId xmlns:a16="http://schemas.microsoft.com/office/drawing/2014/main" id="{4E4EF63C-2A58-4399-B962-C8D1A8A81162}"/>
+              </a:ext>
+            </a:extLst>
+          </p:cNvPr>
+          <p:cNvGraphicFramePr>
+            <a:graphicFrameLocks noGrp="1"/>
+          </p:cNvGraphicFramePr>
+          <p:nvPr>
+            <p:ph idx="1"/>
+            <p:extLst>
+              <p:ext uri="{D42A27DB-BD31-4B8C-83A1-F6EECF244321}">
+                <p14:modId xmlns:p14="http://schemas.microsoft.com/office/powerpoint/2010/main" val="3155518879"/>
+              </p:ext>
+            </p:extLst>
+          </p:nvPr>
+        </p:nvGraphicFramePr>
+        <p:xfrm>
+          <a:off x="1023940" y="2084832"/>
+          <a:ext cx="8837512" cy="5639329"/>
+        </p:xfrm>
+        <a:graphic>
+          <a:graphicData uri="http://schemas.openxmlformats.org/drawingml/2006/table">
+            <a:tbl>
+              <a:tblPr firstRow="1" bandRow="1">
+                <a:tableStyleId>{5C22544A-7EE6-4342-B048-85BDC9FD1C3A}</a:tableStyleId>
+              </a:tblPr>
+              <a:tblGrid>
+                <a:gridCol w="850305">
+                  <a:extLst>
+                    <a:ext uri="{9D8B030D-6E8A-4147-A177-3AD203B41FA5}">
+                      <a16:colId xmlns:a16="http://schemas.microsoft.com/office/drawing/2014/main" val="3144086889"/>
+                    </a:ext>
+                  </a:extLst>
+                </a:gridCol>
+                <a:gridCol w="2569797">
+                  <a:extLst>
+                    <a:ext uri="{9D8B030D-6E8A-4147-A177-3AD203B41FA5}">
+                      <a16:colId xmlns:a16="http://schemas.microsoft.com/office/drawing/2014/main" val="2502695033"/>
+                    </a:ext>
+                  </a:extLst>
+                </a:gridCol>
+                <a:gridCol w="1389079">
+                  <a:extLst>
+                    <a:ext uri="{9D8B030D-6E8A-4147-A177-3AD203B41FA5}">
+                      <a16:colId xmlns:a16="http://schemas.microsoft.com/office/drawing/2014/main" val="2418103292"/>
+                    </a:ext>
+                  </a:extLst>
+                </a:gridCol>
+                <a:gridCol w="2444781">
+                  <a:extLst>
+                    <a:ext uri="{9D8B030D-6E8A-4147-A177-3AD203B41FA5}">
+                      <a16:colId xmlns:a16="http://schemas.microsoft.com/office/drawing/2014/main" val="2167618140"/>
+                    </a:ext>
+                  </a:extLst>
+                </a:gridCol>
+                <a:gridCol w="1583550">
+                  <a:extLst>
+                    <a:ext uri="{9D8B030D-6E8A-4147-A177-3AD203B41FA5}">
+                      <a16:colId xmlns:a16="http://schemas.microsoft.com/office/drawing/2014/main" val="316379416"/>
+                    </a:ext>
+                  </a:extLst>
+                </a:gridCol>
+              </a:tblGrid>
+              <a:tr h="884449">
+                <a:tc>
+                  <a:txBody>
+                    <a:bodyPr/>
+                    <a:lstStyle/>
+                    <a:p>
+                      <a:r>
+                        <a:rPr lang="en-US" dirty="0"/>
+                        <a:t>Year</a:t>
+                      </a:r>
+                    </a:p>
+                  </a:txBody>
+                  <a:tcPr/>
+                </a:tc>
+                <a:tc>
+                  <a:txBody>
+                    <a:bodyPr/>
+                    <a:lstStyle/>
+                    <a:p>
+                      <a:r>
+                        <a:rPr lang="en-US" dirty="0"/>
+                        <a:t>Outstanding principal at the beginning of the year</a:t>
+                      </a:r>
+                    </a:p>
+                  </a:txBody>
+                  <a:tcPr/>
+                </a:tc>
+                <a:tc>
+                  <a:txBody>
+                    <a:bodyPr/>
+                    <a:lstStyle/>
+                    <a:p>
+                      <a:r>
+                        <a:rPr lang="en-US" dirty="0"/>
+                        <a:t>Sinking fund payment</a:t>
+                      </a:r>
+                    </a:p>
+                  </a:txBody>
+                  <a:tcPr/>
+                </a:tc>
+                <a:tc>
+                  <a:txBody>
+                    <a:bodyPr/>
+                    <a:lstStyle/>
+                    <a:p>
+                      <a:pPr marL="0" marR="0" lvl="0" indent="0" algn="l" defTabSz="914400" rtl="0" eaLnBrk="1" fontAlgn="auto" latinLnBrk="0" hangingPunct="1">
+                        <a:lnSpc>
+                          <a:spcPct val="100000"/>
+                        </a:lnSpc>
+                        <a:spcBef>
+                          <a:spcPts val="0"/>
+                        </a:spcBef>
+                        <a:spcAft>
+                          <a:spcPts val="0"/>
+                        </a:spcAft>
+                        <a:buClrTx/>
+                        <a:buSzTx/>
+                        <a:buFontTx/>
+                        <a:buNone/>
+                        <a:tabLst/>
+                        <a:defRPr/>
+                      </a:pPr>
+                      <a:r>
+                        <a:rPr lang="en-US" dirty="0"/>
+                        <a:t>Outstanding principal at the end of the year</a:t>
+                      </a:r>
+                    </a:p>
+                  </a:txBody>
+                  <a:tcPr/>
+                </a:tc>
+                <a:tc>
+                  <a:txBody>
+                    <a:bodyPr/>
+                    <a:lstStyle/>
+                    <a:p>
+                      <a:r>
+                        <a:rPr lang="en-US" dirty="0"/>
+                        <a:t>Final principal repayment</a:t>
+                      </a:r>
+                    </a:p>
+                  </a:txBody>
+                  <a:tcPr/>
+                </a:tc>
+                <a:extLst>
+                  <a:ext uri="{0D108BD9-81ED-4DB2-BD59-A6C34878D82A}">
+                    <a16:rowId xmlns:a16="http://schemas.microsoft.com/office/drawing/2014/main" val="3444236063"/>
+                  </a:ext>
+                </a:extLst>
+              </a:tr>
+              <a:tr h="353780">
+                <a:tc>
+                  <a:txBody>
+                    <a:bodyPr/>
+                    <a:lstStyle/>
+                    <a:p>
+                      <a:r>
+                        <a:rPr lang="en-US" dirty="0"/>
+                        <a:t>0</a:t>
+                      </a:r>
+                    </a:p>
+                  </a:txBody>
+                  <a:tcPr/>
+                </a:tc>
+                <a:tc>
+                  <a:txBody>
+                    <a:bodyPr/>
+                    <a:lstStyle/>
+                    <a:p>
+                      <a:endParaRPr lang="en-US"/>
+                    </a:p>
+                  </a:txBody>
+                  <a:tcPr/>
+                </a:tc>
+                <a:tc>
+                  <a:txBody>
+                    <a:bodyPr/>
+                    <a:lstStyle/>
+                    <a:p>
+                      <a:endParaRPr lang="en-US"/>
+                    </a:p>
+                  </a:txBody>
+                  <a:tcPr/>
+                </a:tc>
+                <a:tc>
+                  <a:txBody>
+                    <a:bodyPr/>
+                    <a:lstStyle/>
+                    <a:p>
+                      <a:r>
+                        <a:rPr lang="en-US" dirty="0"/>
+                        <a:t>200</a:t>
+                      </a:r>
+                    </a:p>
+                  </a:txBody>
+                  <a:tcPr/>
+                </a:tc>
+                <a:tc>
+                  <a:txBody>
+                    <a:bodyPr/>
+                    <a:lstStyle/>
+                    <a:p>
+                      <a:endParaRPr lang="en-US"/>
+                    </a:p>
+                  </a:txBody>
+                  <a:tcPr/>
+                </a:tc>
+                <a:extLst>
+                  <a:ext uri="{0D108BD9-81ED-4DB2-BD59-A6C34878D82A}">
+                    <a16:rowId xmlns:a16="http://schemas.microsoft.com/office/drawing/2014/main" val="380992981"/>
+                  </a:ext>
+                </a:extLst>
+              </a:tr>
+              <a:tr h="353780">
+                <a:tc>
+                  <a:txBody>
+                    <a:bodyPr/>
+                    <a:lstStyle/>
+                    <a:p>
+                      <a:r>
+                        <a:rPr lang="en-US" dirty="0"/>
+                        <a:t>1 to 9</a:t>
+                      </a:r>
+                    </a:p>
+                  </a:txBody>
+                  <a:tcPr/>
+                </a:tc>
+                <a:tc>
+                  <a:txBody>
+                    <a:bodyPr/>
+                    <a:lstStyle/>
+                    <a:p>
+                      <a:r>
+                        <a:rPr lang="en-US" dirty="0"/>
+                        <a:t>200</a:t>
+                      </a:r>
+                    </a:p>
+                  </a:txBody>
+                  <a:tcPr/>
+                </a:tc>
+                <a:tc>
+                  <a:txBody>
+                    <a:bodyPr/>
+                    <a:lstStyle/>
+                    <a:p>
+                      <a:r>
+                        <a:rPr lang="en-US" dirty="0"/>
+                        <a:t>0</a:t>
+                      </a:r>
+                    </a:p>
+                  </a:txBody>
+                  <a:tcPr/>
+                </a:tc>
+                <a:tc>
+                  <a:txBody>
+                    <a:bodyPr/>
+                    <a:lstStyle/>
+                    <a:p>
+                      <a:r>
+                        <a:rPr lang="en-US" dirty="0"/>
+                        <a:t>200</a:t>
+                      </a:r>
+                    </a:p>
+                  </a:txBody>
+                  <a:tcPr/>
+                </a:tc>
+                <a:tc>
+                  <a:txBody>
+                    <a:bodyPr/>
+                    <a:lstStyle/>
+                    <a:p>
+                      <a:endParaRPr lang="en-US" dirty="0"/>
+                    </a:p>
+                  </a:txBody>
+                  <a:tcPr/>
+                </a:tc>
+                <a:extLst>
+                  <a:ext uri="{0D108BD9-81ED-4DB2-BD59-A6C34878D82A}">
+                    <a16:rowId xmlns:a16="http://schemas.microsoft.com/office/drawing/2014/main" val="822001781"/>
+                  </a:ext>
+                </a:extLst>
+              </a:tr>
+              <a:tr h="353780">
+                <a:tc>
+                  <a:txBody>
+                    <a:bodyPr/>
+                    <a:lstStyle/>
+                    <a:p>
+                      <a:r>
+                        <a:rPr lang="en-US" dirty="0"/>
+                        <a:t>10</a:t>
+                      </a:r>
+                    </a:p>
+                  </a:txBody>
+                  <a:tcPr/>
+                </a:tc>
+                <a:tc>
+                  <a:txBody>
+                    <a:bodyPr/>
+                    <a:lstStyle/>
+                    <a:p>
+                      <a:r>
+                        <a:rPr lang="en-US" dirty="0"/>
+                        <a:t>200</a:t>
+                      </a:r>
+                    </a:p>
+                  </a:txBody>
+                  <a:tcPr/>
+                </a:tc>
+                <a:tc>
+                  <a:txBody>
+                    <a:bodyPr/>
+                    <a:lstStyle/>
+                    <a:p>
+                      <a:r>
+                        <a:rPr lang="en-US" dirty="0"/>
+                        <a:t>10</a:t>
+                      </a:r>
+                    </a:p>
+                  </a:txBody>
+                  <a:tcPr/>
+                </a:tc>
+                <a:tc>
+                  <a:txBody>
+                    <a:bodyPr/>
+                    <a:lstStyle/>
+                    <a:p>
+                      <a:r>
+                        <a:rPr lang="en-US" dirty="0"/>
+                        <a:t>190</a:t>
+                      </a:r>
+                    </a:p>
+                  </a:txBody>
+                  <a:tcPr/>
+                </a:tc>
+                <a:tc>
+                  <a:txBody>
+                    <a:bodyPr/>
+                    <a:lstStyle/>
+                    <a:p>
+                      <a:endParaRPr lang="en-US"/>
+                    </a:p>
+                  </a:txBody>
+                  <a:tcPr/>
+                </a:tc>
+                <a:extLst>
+                  <a:ext uri="{0D108BD9-81ED-4DB2-BD59-A6C34878D82A}">
+                    <a16:rowId xmlns:a16="http://schemas.microsoft.com/office/drawing/2014/main" val="842107849"/>
+                  </a:ext>
+                </a:extLst>
+              </a:tr>
+              <a:tr h="353780">
+                <a:tc>
+                  <a:txBody>
+                    <a:bodyPr/>
+                    <a:lstStyle/>
+                    <a:p>
+                      <a:r>
+                        <a:rPr lang="en-US" dirty="0"/>
+                        <a:t>11</a:t>
+                      </a:r>
+                    </a:p>
+                  </a:txBody>
+                  <a:tcPr/>
+                </a:tc>
+                <a:tc>
+                  <a:txBody>
+                    <a:bodyPr/>
+                    <a:lstStyle/>
+                    <a:p>
+                      <a:r>
+                        <a:rPr lang="en-US" dirty="0"/>
+                        <a:t>190</a:t>
+                      </a:r>
+                    </a:p>
+                  </a:txBody>
+                  <a:tcPr/>
+                </a:tc>
+                <a:tc>
+                  <a:txBody>
+                    <a:bodyPr/>
+                    <a:lstStyle/>
+                    <a:p>
+                      <a:r>
+                        <a:rPr lang="en-US" dirty="0"/>
+                        <a:t>9.5</a:t>
+                      </a:r>
+                    </a:p>
+                  </a:txBody>
+                  <a:tcPr/>
+                </a:tc>
+                <a:tc>
+                  <a:txBody>
+                    <a:bodyPr/>
+                    <a:lstStyle/>
+                    <a:p>
+                      <a:r>
+                        <a:rPr lang="en-US" dirty="0"/>
+                        <a:t>180.5</a:t>
+                      </a:r>
+                    </a:p>
+                  </a:txBody>
+                  <a:tcPr/>
+                </a:tc>
+                <a:tc>
+                  <a:txBody>
+                    <a:bodyPr/>
+                    <a:lstStyle/>
+                    <a:p>
+                      <a:endParaRPr lang="en-US"/>
+                    </a:p>
+                  </a:txBody>
+                  <a:tcPr/>
+                </a:tc>
+                <a:extLst>
+                  <a:ext uri="{0D108BD9-81ED-4DB2-BD59-A6C34878D82A}">
+                    <a16:rowId xmlns:a16="http://schemas.microsoft.com/office/drawing/2014/main" val="3136150927"/>
+                  </a:ext>
+                </a:extLst>
+              </a:tr>
+              <a:tr h="353780">
+                <a:tc>
+                  <a:txBody>
+                    <a:bodyPr/>
+                    <a:lstStyle/>
+                    <a:p>
+                      <a:r>
+                        <a:rPr lang="en-US" dirty="0"/>
+                        <a:t>12</a:t>
+                      </a:r>
+                    </a:p>
+                  </a:txBody>
+                  <a:tcPr/>
+                </a:tc>
+                <a:tc>
+                  <a:txBody>
+                    <a:bodyPr/>
+                    <a:lstStyle/>
+                    <a:p>
+                      <a:r>
+                        <a:rPr lang="en-US" dirty="0"/>
+                        <a:t>180.5</a:t>
+                      </a:r>
+                    </a:p>
+                  </a:txBody>
+                  <a:tcPr/>
+                </a:tc>
+                <a:tc>
+                  <a:txBody>
+                    <a:bodyPr/>
+                    <a:lstStyle/>
+                    <a:p>
+                      <a:r>
+                        <a:rPr lang="en-US" dirty="0"/>
+                        <a:t>9.03</a:t>
+                      </a:r>
+                    </a:p>
+                  </a:txBody>
+                  <a:tcPr/>
+                </a:tc>
+                <a:tc>
+                  <a:txBody>
+                    <a:bodyPr/>
+                    <a:lstStyle/>
+                    <a:p>
+                      <a:r>
+                        <a:rPr lang="en-US" dirty="0"/>
+                        <a:t>171.48</a:t>
+                      </a:r>
+                    </a:p>
+                  </a:txBody>
+                  <a:tcPr/>
+                </a:tc>
+                <a:tc>
+                  <a:txBody>
+                    <a:bodyPr/>
+                    <a:lstStyle/>
+                    <a:p>
+                      <a:endParaRPr lang="en-US"/>
+                    </a:p>
+                  </a:txBody>
+                  <a:tcPr/>
+                </a:tc>
+                <a:extLst>
+                  <a:ext uri="{0D108BD9-81ED-4DB2-BD59-A6C34878D82A}">
+                    <a16:rowId xmlns:a16="http://schemas.microsoft.com/office/drawing/2014/main" val="4177430592"/>
+                  </a:ext>
+                </a:extLst>
+              </a:tr>
+              <a:tr h="353780">
+                <a:tc>
+                  <a:txBody>
+                    <a:bodyPr/>
+                    <a:lstStyle/>
+                    <a:p>
+                      <a:r>
+                        <a:rPr lang="en-US" dirty="0"/>
+                        <a:t>13</a:t>
+                      </a:r>
+                    </a:p>
+                  </a:txBody>
+                  <a:tcPr/>
+                </a:tc>
+                <a:tc>
+                  <a:txBody>
+                    <a:bodyPr/>
+                    <a:lstStyle/>
+                    <a:p>
+                      <a:r>
+                        <a:rPr lang="en-US" dirty="0"/>
+                        <a:t>171.48</a:t>
+                      </a:r>
+                    </a:p>
+                  </a:txBody>
+                  <a:tcPr/>
+                </a:tc>
+                <a:tc>
+                  <a:txBody>
+                    <a:bodyPr/>
+                    <a:lstStyle/>
+                    <a:p>
+                      <a:r>
+                        <a:rPr lang="en-US" dirty="0"/>
+                        <a:t>8.57</a:t>
+                      </a:r>
+                    </a:p>
+                  </a:txBody>
+                  <a:tcPr/>
+                </a:tc>
+                <a:tc>
+                  <a:txBody>
+                    <a:bodyPr/>
+                    <a:lstStyle/>
+                    <a:p>
+                      <a:r>
+                        <a:rPr lang="en-US" dirty="0"/>
+                        <a:t>162.9</a:t>
+                      </a:r>
+                    </a:p>
+                  </a:txBody>
+                  <a:tcPr/>
+                </a:tc>
+                <a:tc>
+                  <a:txBody>
+                    <a:bodyPr/>
+                    <a:lstStyle/>
+                    <a:p>
+                      <a:endParaRPr lang="en-US"/>
+                    </a:p>
+                  </a:txBody>
+                  <a:tcPr/>
+                </a:tc>
+                <a:extLst>
+                  <a:ext uri="{0D108BD9-81ED-4DB2-BD59-A6C34878D82A}">
+                    <a16:rowId xmlns:a16="http://schemas.microsoft.com/office/drawing/2014/main" val="4247663566"/>
+                  </a:ext>
+                </a:extLst>
+              </a:tr>
+              <a:tr h="353780">
+                <a:tc>
+                  <a:txBody>
+                    <a:bodyPr/>
+                    <a:lstStyle/>
+                    <a:p>
+                      <a:r>
+                        <a:rPr lang="en-US" dirty="0"/>
+                        <a:t>14</a:t>
+                      </a:r>
+                    </a:p>
+                  </a:txBody>
+                  <a:tcPr/>
+                </a:tc>
+                <a:tc>
+                  <a:txBody>
+                    <a:bodyPr/>
+                    <a:lstStyle/>
+                    <a:p>
+                      <a:r>
+                        <a:rPr lang="en-US" dirty="0"/>
+                        <a:t>162.9</a:t>
+                      </a:r>
+                    </a:p>
+                  </a:txBody>
+                  <a:tcPr/>
+                </a:tc>
+                <a:tc>
+                  <a:txBody>
+                    <a:bodyPr/>
+                    <a:lstStyle/>
+                    <a:p>
+                      <a:r>
+                        <a:rPr lang="en-US" dirty="0"/>
+                        <a:t>8.15</a:t>
+                      </a:r>
+                    </a:p>
+                  </a:txBody>
+                  <a:tcPr/>
+                </a:tc>
+                <a:tc>
+                  <a:txBody>
+                    <a:bodyPr/>
+                    <a:lstStyle/>
+                    <a:p>
+                      <a:r>
+                        <a:rPr lang="en-US" dirty="0"/>
+                        <a:t>154.76</a:t>
+                      </a:r>
+                    </a:p>
+                  </a:txBody>
+                  <a:tcPr/>
+                </a:tc>
+                <a:tc>
+                  <a:txBody>
+                    <a:bodyPr/>
+                    <a:lstStyle/>
+                    <a:p>
+                      <a:endParaRPr lang="en-US"/>
+                    </a:p>
+                  </a:txBody>
+                  <a:tcPr/>
+                </a:tc>
+                <a:extLst>
+                  <a:ext uri="{0D108BD9-81ED-4DB2-BD59-A6C34878D82A}">
+                    <a16:rowId xmlns:a16="http://schemas.microsoft.com/office/drawing/2014/main" val="686733391"/>
+                  </a:ext>
+                </a:extLst>
+              </a:tr>
+              <a:tr h="353780">
+                <a:tc>
+                  <a:txBody>
+                    <a:bodyPr/>
+                    <a:lstStyle/>
+                    <a:p>
+                      <a:r>
+                        <a:rPr lang="en-US" dirty="0"/>
+                        <a:t>15</a:t>
+                      </a:r>
+                    </a:p>
+                  </a:txBody>
+                  <a:tcPr/>
+                </a:tc>
+                <a:tc>
+                  <a:txBody>
+                    <a:bodyPr/>
+                    <a:lstStyle/>
+                    <a:p>
+                      <a:r>
+                        <a:rPr lang="en-US" dirty="0"/>
+                        <a:t>154.76</a:t>
+                      </a:r>
+                    </a:p>
+                  </a:txBody>
+                  <a:tcPr/>
+                </a:tc>
+                <a:tc>
+                  <a:txBody>
+                    <a:bodyPr/>
+                    <a:lstStyle/>
+                    <a:p>
+                      <a:r>
+                        <a:rPr lang="en-US" dirty="0"/>
+                        <a:t>7.74</a:t>
+                      </a:r>
+                    </a:p>
+                  </a:txBody>
+                  <a:tcPr/>
+                </a:tc>
+                <a:tc>
+                  <a:txBody>
+                    <a:bodyPr/>
+                    <a:lstStyle/>
+                    <a:p>
+                      <a:r>
+                        <a:rPr lang="en-US" dirty="0"/>
+                        <a:t>147.02</a:t>
+                      </a:r>
+                    </a:p>
+                  </a:txBody>
+                  <a:tcPr/>
+                </a:tc>
+                <a:tc>
+                  <a:txBody>
+                    <a:bodyPr/>
+                    <a:lstStyle/>
+                    <a:p>
+                      <a:endParaRPr lang="en-US"/>
+                    </a:p>
+                  </a:txBody>
+                  <a:tcPr/>
+                </a:tc>
+                <a:extLst>
+                  <a:ext uri="{0D108BD9-81ED-4DB2-BD59-A6C34878D82A}">
+                    <a16:rowId xmlns:a16="http://schemas.microsoft.com/office/drawing/2014/main" val="3528822676"/>
+                  </a:ext>
+                </a:extLst>
+              </a:tr>
+              <a:tr h="353780">
+                <a:tc>
+                  <a:txBody>
+                    <a:bodyPr/>
+                    <a:lstStyle/>
+                    <a:p>
+                      <a:r>
+                        <a:rPr lang="en-US" dirty="0"/>
+                        <a:t>16</a:t>
+                      </a:r>
+                    </a:p>
+                  </a:txBody>
+                  <a:tcPr/>
+                </a:tc>
+                <a:tc>
+                  <a:txBody>
+                    <a:bodyPr/>
+                    <a:lstStyle/>
+                    <a:p>
+                      <a:r>
+                        <a:rPr lang="en-US" dirty="0"/>
+                        <a:t>147.02</a:t>
+                      </a:r>
+                    </a:p>
+                  </a:txBody>
+                  <a:tcPr/>
+                </a:tc>
+                <a:tc>
+                  <a:txBody>
+                    <a:bodyPr/>
+                    <a:lstStyle/>
+                    <a:p>
+                      <a:r>
+                        <a:rPr lang="en-US" dirty="0"/>
+                        <a:t>7.35</a:t>
+                      </a:r>
+                    </a:p>
+                  </a:txBody>
+                  <a:tcPr/>
+                </a:tc>
+                <a:tc>
+                  <a:txBody>
+                    <a:bodyPr/>
+                    <a:lstStyle/>
+                    <a:p>
+                      <a:r>
+                        <a:rPr lang="en-US" dirty="0"/>
+                        <a:t>139.67</a:t>
+                      </a:r>
+                    </a:p>
+                  </a:txBody>
+                  <a:tcPr/>
+                </a:tc>
+                <a:tc>
+                  <a:txBody>
+                    <a:bodyPr/>
+                    <a:lstStyle/>
+                    <a:p>
+                      <a:endParaRPr lang="en-US"/>
+                    </a:p>
+                  </a:txBody>
+                  <a:tcPr/>
+                </a:tc>
+                <a:extLst>
+                  <a:ext uri="{0D108BD9-81ED-4DB2-BD59-A6C34878D82A}">
+                    <a16:rowId xmlns:a16="http://schemas.microsoft.com/office/drawing/2014/main" val="3756742847"/>
+                  </a:ext>
+                </a:extLst>
+              </a:tr>
+              <a:tr h="353780">
+                <a:tc>
+                  <a:txBody>
+                    <a:bodyPr/>
+                    <a:lstStyle/>
+                    <a:p>
+                      <a:r>
+                        <a:rPr lang="en-US" dirty="0"/>
+                        <a:t>17</a:t>
+                      </a:r>
+                    </a:p>
+                  </a:txBody>
+                  <a:tcPr/>
+                </a:tc>
+                <a:tc>
+                  <a:txBody>
+                    <a:bodyPr/>
+                    <a:lstStyle/>
+                    <a:p>
+                      <a:r>
+                        <a:rPr lang="en-US" dirty="0"/>
+                        <a:t>139.67</a:t>
+                      </a:r>
+                    </a:p>
+                  </a:txBody>
+                  <a:tcPr/>
+                </a:tc>
+                <a:tc>
+                  <a:txBody>
+                    <a:bodyPr/>
+                    <a:lstStyle/>
+                    <a:p>
+                      <a:r>
+                        <a:rPr lang="en-US" dirty="0"/>
+                        <a:t>6.98</a:t>
+                      </a:r>
+                    </a:p>
+                  </a:txBody>
+                  <a:tcPr/>
+                </a:tc>
+                <a:tc>
+                  <a:txBody>
+                    <a:bodyPr/>
+                    <a:lstStyle/>
+                    <a:p>
+                      <a:r>
+                        <a:rPr lang="en-US" dirty="0"/>
+                        <a:t>132.68</a:t>
+                      </a:r>
+                    </a:p>
+                  </a:txBody>
+                  <a:tcPr/>
+                </a:tc>
+                <a:tc>
+                  <a:txBody>
+                    <a:bodyPr/>
+                    <a:lstStyle/>
+                    <a:p>
+                      <a:endParaRPr lang="en-US"/>
+                    </a:p>
+                  </a:txBody>
+                  <a:tcPr/>
+                </a:tc>
+                <a:extLst>
+                  <a:ext uri="{0D108BD9-81ED-4DB2-BD59-A6C34878D82A}">
+                    <a16:rowId xmlns:a16="http://schemas.microsoft.com/office/drawing/2014/main" val="4111519524"/>
+                  </a:ext>
+                </a:extLst>
+              </a:tr>
+              <a:tr h="353780">
+                <a:tc>
+                  <a:txBody>
+                    <a:bodyPr/>
+                    <a:lstStyle/>
+                    <a:p>
+                      <a:r>
+                        <a:rPr lang="en-US" dirty="0"/>
+                        <a:t>18</a:t>
+                      </a:r>
+                    </a:p>
+                  </a:txBody>
+                  <a:tcPr/>
+                </a:tc>
+                <a:tc>
+                  <a:txBody>
+                    <a:bodyPr/>
+                    <a:lstStyle/>
+                    <a:p>
+                      <a:r>
+                        <a:rPr lang="en-US" dirty="0"/>
+                        <a:t>132.68</a:t>
+                      </a:r>
+                    </a:p>
+                  </a:txBody>
+                  <a:tcPr/>
+                </a:tc>
+                <a:tc>
+                  <a:txBody>
+                    <a:bodyPr/>
+                    <a:lstStyle/>
+                    <a:p>
+                      <a:r>
+                        <a:rPr lang="en-US" dirty="0"/>
+                        <a:t>6.63</a:t>
+                      </a:r>
+                    </a:p>
+                  </a:txBody>
+                  <a:tcPr/>
+                </a:tc>
+                <a:tc>
+                  <a:txBody>
+                    <a:bodyPr/>
+                    <a:lstStyle/>
+                    <a:p>
+                      <a:r>
+                        <a:rPr lang="en-US" dirty="0"/>
+                        <a:t>126.05</a:t>
+                      </a:r>
+                    </a:p>
+                  </a:txBody>
+                  <a:tcPr/>
+                </a:tc>
+                <a:tc>
+                  <a:txBody>
+                    <a:bodyPr/>
+                    <a:lstStyle/>
+                    <a:p>
+                      <a:endParaRPr lang="en-US"/>
+                    </a:p>
+                  </a:txBody>
+                  <a:tcPr/>
+                </a:tc>
+                <a:extLst>
+                  <a:ext uri="{0D108BD9-81ED-4DB2-BD59-A6C34878D82A}">
+                    <a16:rowId xmlns:a16="http://schemas.microsoft.com/office/drawing/2014/main" val="1089961683"/>
+                  </a:ext>
+                </a:extLst>
+              </a:tr>
+              <a:tr h="353780">
+                <a:tc>
+                  <a:txBody>
+                    <a:bodyPr/>
+                    <a:lstStyle/>
+                    <a:p>
+                      <a:r>
+                        <a:rPr lang="en-US" dirty="0"/>
+                        <a:t>19</a:t>
+                      </a:r>
+                    </a:p>
+                  </a:txBody>
+                  <a:tcPr/>
+                </a:tc>
+                <a:tc>
+                  <a:txBody>
+                    <a:bodyPr/>
+                    <a:lstStyle/>
+                    <a:p>
+                      <a:r>
+                        <a:rPr lang="en-US" dirty="0"/>
+                        <a:t>126.05</a:t>
+                      </a:r>
+                    </a:p>
+                  </a:txBody>
+                  <a:tcPr/>
+                </a:tc>
+                <a:tc>
+                  <a:txBody>
+                    <a:bodyPr/>
+                    <a:lstStyle/>
+                    <a:p>
+                      <a:r>
+                        <a:rPr lang="en-US" dirty="0"/>
+                        <a:t>6.3</a:t>
+                      </a:r>
+                    </a:p>
+                  </a:txBody>
+                  <a:tcPr/>
+                </a:tc>
+                <a:tc>
+                  <a:txBody>
+                    <a:bodyPr/>
+                    <a:lstStyle/>
+                    <a:p>
+                      <a:r>
+                        <a:rPr lang="en-US" dirty="0"/>
+                        <a:t>119.75</a:t>
+                      </a:r>
+                    </a:p>
+                  </a:txBody>
+                  <a:tcPr/>
+                </a:tc>
+                <a:tc>
+                  <a:txBody>
+                    <a:bodyPr/>
+                    <a:lstStyle/>
+                    <a:p>
+                      <a:endParaRPr lang="en-US" dirty="0"/>
+                    </a:p>
+                  </a:txBody>
+                  <a:tcPr/>
+                </a:tc>
+                <a:extLst>
+                  <a:ext uri="{0D108BD9-81ED-4DB2-BD59-A6C34878D82A}">
+                    <a16:rowId xmlns:a16="http://schemas.microsoft.com/office/drawing/2014/main" val="1097657096"/>
+                  </a:ext>
+                </a:extLst>
+              </a:tr>
+              <a:tr h="0">
+                <a:tc>
+                  <a:txBody>
+                    <a:bodyPr/>
+                    <a:lstStyle/>
+                    <a:p>
+                      <a:r>
+                        <a:rPr lang="en-US" dirty="0"/>
+                        <a:t>20</a:t>
+                      </a:r>
+                    </a:p>
+                  </a:txBody>
+                  <a:tcPr/>
+                </a:tc>
+                <a:tc>
+                  <a:txBody>
+                    <a:bodyPr/>
+                    <a:lstStyle/>
+                    <a:p>
+                      <a:r>
+                        <a:rPr lang="en-US" dirty="0"/>
+                        <a:t>119.75</a:t>
+                      </a:r>
+                    </a:p>
+                  </a:txBody>
+                  <a:tcPr/>
+                </a:tc>
+                <a:tc>
+                  <a:txBody>
+                    <a:bodyPr/>
+                    <a:lstStyle/>
+                    <a:p>
+                      <a:endParaRPr lang="en-US" dirty="0"/>
+                    </a:p>
+                  </a:txBody>
+                  <a:tcPr/>
+                </a:tc>
+                <a:tc>
+                  <a:txBody>
+                    <a:bodyPr/>
+                    <a:lstStyle/>
+                    <a:p>
+                      <a:endParaRPr lang="en-US"/>
+                    </a:p>
+                  </a:txBody>
+                  <a:tcPr/>
+                </a:tc>
+                <a:tc>
+                  <a:txBody>
+                    <a:bodyPr/>
+                    <a:lstStyle/>
+                    <a:p>
+                      <a:r>
+                        <a:rPr lang="en-US" dirty="0"/>
+                        <a:t>119.75</a:t>
+                      </a:r>
+                    </a:p>
+                  </a:txBody>
+                  <a:tcPr/>
+                </a:tc>
+                <a:extLst>
+                  <a:ext uri="{0D108BD9-81ED-4DB2-BD59-A6C34878D82A}">
+                    <a16:rowId xmlns:a16="http://schemas.microsoft.com/office/drawing/2014/main" val="866270687"/>
+                  </a:ext>
+                </a:extLst>
+              </a:tr>
+            </a:tbl>
+          </a:graphicData>
+        </a:graphic>
+      </p:graphicFrame>
+    </p:spTree>
+    <p:extLst>
+      <p:ext uri="{BB962C8B-B14F-4D97-AF65-F5344CB8AC3E}">
+        <p14:creationId xmlns:p14="http://schemas.microsoft.com/office/powerpoint/2010/main" val="3969716095"/>
+      </p:ext>
+    </p:extLst>
+  </p:cSld>
+  <p:clrMapOvr>
+    <a:masterClrMapping/>
+  </p:clrMapOvr>
+</p:sld>
+</file>
+
+<file path=ppt/slides/slide34.xml><?xml version="1.0" encoding="utf-8"?>
+<p:sld xmlns:a="http://schemas.openxmlformats.org/drawingml/2006/main" xmlns:r="http://schemas.openxmlformats.org/officeDocument/2006/relationships" xmlns:p="http://schemas.openxmlformats.org/presentationml/2006/main">
+  <p:cSld>
+    <p:spTree>
+      <p:nvGrpSpPr>
+        <p:cNvPr id="1" name=""/>
+        <p:cNvGrpSpPr/>
+        <p:nvPr/>
+      </p:nvGrpSpPr>
+      <p:grpSpPr>
+        <a:xfrm>
+          <a:off x="0" y="0"/>
+          <a:ext cx="0" cy="0"/>
+          <a:chOff x="0" y="0"/>
+          <a:chExt cx="0" cy="0"/>
+        </a:xfrm>
+      </p:grpSpPr>
+      <p:sp>
+        <p:nvSpPr>
+          <p:cNvPr id="2" name="Title 1">
+            <a:extLst>
+              <a:ext uri="{FF2B5EF4-FFF2-40B4-BE49-F238E27FC236}">
+                <a16:creationId xmlns:a16="http://schemas.microsoft.com/office/drawing/2014/main" id="{985F75A3-8F39-438F-9A78-CE696815205A}"/>
+              </a:ext>
+            </a:extLst>
+          </p:cNvPr>
+          <p:cNvSpPr>
+            <a:spLocks noGrp="1"/>
+          </p:cNvSpPr>
+          <p:nvPr>
+            <p:ph type="title"/>
+          </p:nvPr>
+        </p:nvSpPr>
+        <p:spPr/>
+        <p:txBody>
+          <a:bodyPr>
+            <a:normAutofit/>
+          </a:bodyPr>
+          <a:lstStyle/>
+          <a:p>
+            <a:r>
+              <a:rPr lang="en-US" sz="3500" dirty="0"/>
+              <a:t>Module1</a:t>
+            </a:r>
+            <a:br>
+              <a:rPr lang="en-US" sz="3500" dirty="0"/>
+            </a:br>
+            <a:r>
+              <a:rPr lang="en-US" sz="3500" dirty="0"/>
+              <a:t>Fixed-Income Securities: </a:t>
+            </a:r>
+            <a:br>
+              <a:rPr lang="en-US" sz="3500" dirty="0"/>
+            </a:br>
+            <a:r>
+              <a:rPr lang="en-US" sz="3500" dirty="0"/>
+              <a:t>Defining Elements</a:t>
+            </a:r>
+          </a:p>
+        </p:txBody>
+      </p:sp>
+      <p:sp>
+        <p:nvSpPr>
+          <p:cNvPr id="3" name="Content Placeholder 2">
+            <a:extLst>
+              <a:ext uri="{FF2B5EF4-FFF2-40B4-BE49-F238E27FC236}">
+                <a16:creationId xmlns:a16="http://schemas.microsoft.com/office/drawing/2014/main" id="{25CB0CF8-E2DC-4823-B5B6-FF90BBF88152}"/>
+              </a:ext>
+            </a:extLst>
+          </p:cNvPr>
+          <p:cNvSpPr>
+            <a:spLocks noGrp="1"/>
+          </p:cNvSpPr>
+          <p:nvPr>
+            <p:ph idx="1"/>
+          </p:nvPr>
+        </p:nvSpPr>
+        <p:spPr/>
+        <p:txBody>
+          <a:bodyPr/>
+          <a:lstStyle/>
+          <a:p>
+            <a:r>
+              <a:rPr lang="en-US" sz="2800" dirty="0"/>
+              <a:t>Benefits and drawbacks of sinking fund arrangements</a:t>
+            </a:r>
+          </a:p>
+          <a:p>
+            <a:pPr>
+              <a:buFont typeface="Arial" panose="020B0604020202020204" pitchFamily="34" charset="0"/>
+              <a:buChar char="•"/>
+            </a:pPr>
+            <a:r>
+              <a:rPr lang="en-US" dirty="0"/>
+              <a:t>Reduce credit risk</a:t>
+            </a:r>
+          </a:p>
+          <a:p>
+            <a:pPr>
+              <a:buFont typeface="Arial" panose="020B0604020202020204" pitchFamily="34" charset="0"/>
+              <a:buChar char="•"/>
+            </a:pPr>
+            <a:r>
+              <a:rPr lang="en-US" dirty="0"/>
+              <a:t>Reinvestment risk</a:t>
+            </a:r>
+          </a:p>
+          <a:p>
+            <a:pPr>
+              <a:buFont typeface="Arial" panose="020B0604020202020204" pitchFamily="34" charset="0"/>
+              <a:buChar char="•"/>
+            </a:pPr>
+            <a:r>
+              <a:rPr lang="en-US" dirty="0"/>
+              <a:t>Suffer a loss if call back price below the market price</a:t>
+            </a:r>
+          </a:p>
+        </p:txBody>
+      </p:sp>
+    </p:spTree>
+    <p:extLst>
+      <p:ext uri="{BB962C8B-B14F-4D97-AF65-F5344CB8AC3E}">
+        <p14:creationId xmlns:p14="http://schemas.microsoft.com/office/powerpoint/2010/main" val="2992424222"/>
       </p:ext>
     </p:extLst>
   </p:cSld>

--- a/Fixed Income.pptx
+++ b/Fixed Income.pptx
@@ -4011,7 +4011,7 @@
           <a:p>
             <a:fld id="{9ADA5B36-BD01-47CD-B491-940693B77A9A}" type="datetimeFigureOut">
               <a:rPr lang="en-US" smtClean="0"/>
-              <a:t>10/21/2022</a:t>
+              <a:t>10/21/22</a:t>
             </a:fld>
             <a:endParaRPr lang="en-US"/>
           </a:p>
@@ -4614,6 +4614,174 @@
 </p:notes>
 </file>
 
+<file path=ppt/notesSlides/notesSlide5.xml><?xml version="1.0" encoding="utf-8"?>
+<p:notes xmlns:a="http://schemas.openxmlformats.org/drawingml/2006/main" xmlns:r="http://schemas.openxmlformats.org/officeDocument/2006/relationships" xmlns:p="http://schemas.openxmlformats.org/presentationml/2006/main">
+  <p:cSld>
+    <p:spTree>
+      <p:nvGrpSpPr>
+        <p:cNvPr id="1" name=""/>
+        <p:cNvGrpSpPr/>
+        <p:nvPr/>
+      </p:nvGrpSpPr>
+      <p:grpSpPr>
+        <a:xfrm>
+          <a:off x="0" y="0"/>
+          <a:ext cx="0" cy="0"/>
+          <a:chOff x="0" y="0"/>
+          <a:chExt cx="0" cy="0"/>
+        </a:xfrm>
+      </p:grpSpPr>
+      <p:sp>
+        <p:nvSpPr>
+          <p:cNvPr id="2" name="幻灯片图像占位符 1"/>
+          <p:cNvSpPr>
+            <a:spLocks noGrp="1" noRot="1" noChangeAspect="1"/>
+          </p:cNvSpPr>
+          <p:nvPr>
+            <p:ph type="sldImg"/>
+          </p:nvPr>
+        </p:nvSpPr>
+        <p:spPr/>
+      </p:sp>
+      <p:sp>
+        <p:nvSpPr>
+          <p:cNvPr id="3" name="备注占位符 2"/>
+          <p:cNvSpPr>
+            <a:spLocks noGrp="1"/>
+          </p:cNvSpPr>
+          <p:nvPr>
+            <p:ph type="body" idx="1"/>
+          </p:nvPr>
+        </p:nvSpPr>
+        <p:spPr/>
+        <p:txBody>
+          <a:bodyPr/>
+          <a:lstStyle/>
+          <a:p>
+            <a:endParaRPr kumimoji="1" lang="zh-CN" altLang="en-US" dirty="0"/>
+          </a:p>
+        </p:txBody>
+      </p:sp>
+      <p:sp>
+        <p:nvSpPr>
+          <p:cNvPr id="4" name="灯片编号占位符 3"/>
+          <p:cNvSpPr>
+            <a:spLocks noGrp="1"/>
+          </p:cNvSpPr>
+          <p:nvPr>
+            <p:ph type="sldNum" sz="quarter" idx="5"/>
+          </p:nvPr>
+        </p:nvSpPr>
+        <p:spPr/>
+        <p:txBody>
+          <a:bodyPr/>
+          <a:lstStyle/>
+          <a:p>
+            <a:fld id="{E3B866C1-D4D8-42C4-BACA-D1CCAC4472DF}" type="slidenum">
+              <a:rPr lang="en-US" smtClean="0"/>
+              <a:t>30</a:t>
+            </a:fld>
+            <a:endParaRPr lang="en-US"/>
+          </a:p>
+        </p:txBody>
+      </p:sp>
+    </p:spTree>
+    <p:extLst>
+      <p:ext uri="{BB962C8B-B14F-4D97-AF65-F5344CB8AC3E}">
+        <p14:creationId xmlns:p14="http://schemas.microsoft.com/office/powerpoint/2010/main" val="3062290348"/>
+      </p:ext>
+    </p:extLst>
+  </p:cSld>
+  <p:clrMapOvr>
+    <a:masterClrMapping/>
+  </p:clrMapOvr>
+</p:notes>
+</file>
+
+<file path=ppt/notesSlides/notesSlide6.xml><?xml version="1.0" encoding="utf-8"?>
+<p:notes xmlns:a="http://schemas.openxmlformats.org/drawingml/2006/main" xmlns:r="http://schemas.openxmlformats.org/officeDocument/2006/relationships" xmlns:p="http://schemas.openxmlformats.org/presentationml/2006/main">
+  <p:cSld>
+    <p:spTree>
+      <p:nvGrpSpPr>
+        <p:cNvPr id="1" name=""/>
+        <p:cNvGrpSpPr/>
+        <p:nvPr/>
+      </p:nvGrpSpPr>
+      <p:grpSpPr>
+        <a:xfrm>
+          <a:off x="0" y="0"/>
+          <a:ext cx="0" cy="0"/>
+          <a:chOff x="0" y="0"/>
+          <a:chExt cx="0" cy="0"/>
+        </a:xfrm>
+      </p:grpSpPr>
+      <p:sp>
+        <p:nvSpPr>
+          <p:cNvPr id="2" name="幻灯片图像占位符 1"/>
+          <p:cNvSpPr>
+            <a:spLocks noGrp="1" noRot="1" noChangeAspect="1"/>
+          </p:cNvSpPr>
+          <p:nvPr>
+            <p:ph type="sldImg"/>
+          </p:nvPr>
+        </p:nvSpPr>
+        <p:spPr/>
+      </p:sp>
+      <p:sp>
+        <p:nvSpPr>
+          <p:cNvPr id="3" name="备注占位符 2"/>
+          <p:cNvSpPr>
+            <a:spLocks noGrp="1"/>
+          </p:cNvSpPr>
+          <p:nvPr>
+            <p:ph type="body" idx="1"/>
+          </p:nvPr>
+        </p:nvSpPr>
+        <p:spPr/>
+        <p:txBody>
+          <a:bodyPr/>
+          <a:lstStyle/>
+          <a:p>
+            <a:endParaRPr kumimoji="1" lang="zh-CN" altLang="en-US" dirty="0"/>
+          </a:p>
+        </p:txBody>
+      </p:sp>
+      <p:sp>
+        <p:nvSpPr>
+          <p:cNvPr id="4" name="灯片编号占位符 3"/>
+          <p:cNvSpPr>
+            <a:spLocks noGrp="1"/>
+          </p:cNvSpPr>
+          <p:nvPr>
+            <p:ph type="sldNum" sz="quarter" idx="5"/>
+          </p:nvPr>
+        </p:nvSpPr>
+        <p:spPr/>
+        <p:txBody>
+          <a:bodyPr/>
+          <a:lstStyle/>
+          <a:p>
+            <a:fld id="{E3B866C1-D4D8-42C4-BACA-D1CCAC4472DF}" type="slidenum">
+              <a:rPr lang="en-US" smtClean="0"/>
+              <a:t>33</a:t>
+            </a:fld>
+            <a:endParaRPr lang="en-US"/>
+          </a:p>
+        </p:txBody>
+      </p:sp>
+    </p:spTree>
+    <p:extLst>
+      <p:ext uri="{BB962C8B-B14F-4D97-AF65-F5344CB8AC3E}">
+        <p14:creationId xmlns:p14="http://schemas.microsoft.com/office/powerpoint/2010/main" val="4096874004"/>
+      </p:ext>
+    </p:extLst>
+  </p:cSld>
+  <p:clrMapOvr>
+    <a:masterClrMapping/>
+  </p:clrMapOvr>
+</p:notes>
+</file>
+
 <file path=ppt/slideLayouts/slideLayout1.xml><?xml version="1.0" encoding="utf-8"?>
 <p:sldLayout xmlns:a="http://schemas.openxmlformats.org/drawingml/2006/main" xmlns:r="http://schemas.openxmlformats.org/officeDocument/2006/relationships" xmlns:p="http://schemas.openxmlformats.org/presentationml/2006/main" showMasterSp="0" type="title" preserve="1">
   <p:cSld name="Title Slide">
@@ -13407,7 +13575,7 @@
           <a:p>
             <a:fld id="{3CB14515-8DA5-4B82-96E7-E758FF8ACA06}" type="datetimeFigureOut">
               <a:rPr lang="en-US" smtClean="0"/>
-              <a:t>10/21/2022</a:t>
+              <a:t>10/21/22</a:t>
             </a:fld>
             <a:endParaRPr lang="en-US"/>
           </a:p>
@@ -13614,7 +13782,7 @@
           <a:p>
             <a:fld id="{3CB14515-8DA5-4B82-96E7-E758FF8ACA06}" type="datetimeFigureOut">
               <a:rPr lang="en-US" smtClean="0"/>
-              <a:t>10/21/2022</a:t>
+              <a:t>10/21/22</a:t>
             </a:fld>
             <a:endParaRPr lang="en-US"/>
           </a:p>
@@ -13794,7 +13962,7 @@
           <a:p>
             <a:fld id="{3CB14515-8DA5-4B82-96E7-E758FF8ACA06}" type="datetimeFigureOut">
               <a:rPr lang="en-US" smtClean="0"/>
-              <a:t>10/21/2022</a:t>
+              <a:t>10/21/22</a:t>
             </a:fld>
             <a:endParaRPr lang="en-US"/>
           </a:p>
@@ -13999,7 +14167,7 @@
           <a:p>
             <a:fld id="{3CB14515-8DA5-4B82-96E7-E758FF8ACA06}" type="datetimeFigureOut">
               <a:rPr lang="en-US" smtClean="0"/>
-              <a:t>10/21/2022</a:t>
+              <a:t>10/21/22</a:t>
             </a:fld>
             <a:endParaRPr lang="en-US"/>
           </a:p>
@@ -22897,7 +23065,7 @@
           <a:p>
             <a:fld id="{3CB14515-8DA5-4B82-96E7-E758FF8ACA06}" type="datetimeFigureOut">
               <a:rPr lang="en-US" smtClean="0"/>
-              <a:t>10/21/2022</a:t>
+              <a:t>10/21/22</a:t>
             </a:fld>
             <a:endParaRPr lang="en-US"/>
           </a:p>
@@ -23171,7 +23339,7 @@
           <a:p>
             <a:fld id="{3CB14515-8DA5-4B82-96E7-E758FF8ACA06}" type="datetimeFigureOut">
               <a:rPr lang="en-US" smtClean="0"/>
-              <a:t>10/21/2022</a:t>
+              <a:t>10/21/22</a:t>
             </a:fld>
             <a:endParaRPr lang="en-US"/>
           </a:p>
@@ -23569,7 +23737,7 @@
           <a:p>
             <a:fld id="{3CB14515-8DA5-4B82-96E7-E758FF8ACA06}" type="datetimeFigureOut">
               <a:rPr lang="en-US" smtClean="0"/>
-              <a:t>10/21/2022</a:t>
+              <a:t>10/21/22</a:t>
             </a:fld>
             <a:endParaRPr lang="en-US"/>
           </a:p>
@@ -23687,7 +23855,7 @@
           <a:p>
             <a:fld id="{3CB14515-8DA5-4B82-96E7-E758FF8ACA06}" type="datetimeFigureOut">
               <a:rPr lang="en-US" smtClean="0"/>
-              <a:t>10/21/2022</a:t>
+              <a:t>10/21/22</a:t>
             </a:fld>
             <a:endParaRPr lang="en-US"/>
           </a:p>
@@ -23782,7 +23950,7 @@
           <a:p>
             <a:fld id="{3CB14515-8DA5-4B82-96E7-E758FF8ACA06}" type="datetimeFigureOut">
               <a:rPr lang="en-US" smtClean="0"/>
-              <a:t>10/21/2022</a:t>
+              <a:t>10/21/22</a:t>
             </a:fld>
             <a:endParaRPr lang="en-US"/>
           </a:p>
@@ -24072,7 +24240,7 @@
           <a:p>
             <a:fld id="{3CB14515-8DA5-4B82-96E7-E758FF8ACA06}" type="datetimeFigureOut">
               <a:rPr lang="en-US" smtClean="0"/>
-              <a:t>10/21/2022</a:t>
+              <a:t>10/21/22</a:t>
             </a:fld>
             <a:endParaRPr lang="en-US"/>
           </a:p>
@@ -24352,7 +24520,7 @@
           <a:p>
             <a:fld id="{3CB14515-8DA5-4B82-96E7-E758FF8ACA06}" type="datetimeFigureOut">
               <a:rPr lang="en-US" smtClean="0"/>
-              <a:t>10/21/2022</a:t>
+              <a:t>10/21/22</a:t>
             </a:fld>
             <a:endParaRPr lang="en-US"/>
           </a:p>
@@ -24602,7 +24770,7 @@
           <a:p>
             <a:fld id="{3CB14515-8DA5-4B82-96E7-E758FF8ACA06}" type="datetimeFigureOut">
               <a:rPr lang="en-US" smtClean="0"/>
-              <a:t>10/21/2022</a:t>
+              <a:t>10/21/22</a:t>
             </a:fld>
             <a:endParaRPr lang="en-US"/>
           </a:p>
@@ -32769,6 +32937,14 @@
 <file path=ppt/slides/slide29.xml><?xml version="1.0" encoding="utf-8"?>
 <p:sld xmlns:a="http://schemas.openxmlformats.org/drawingml/2006/main" xmlns:r="http://schemas.openxmlformats.org/officeDocument/2006/relationships" xmlns:p="http://schemas.openxmlformats.org/presentationml/2006/main">
   <p:cSld>
+    <p:bg>
+      <p:bgPr>
+        <a:solidFill>
+          <a:schemeClr val="bg1"/>
+        </a:solidFill>
+        <a:effectLst/>
+      </p:bgPr>
+    </p:bg>
     <p:spTree>
       <p:nvGrpSpPr>
         <p:cNvPr id="1" name=""/>
@@ -32799,7 +32975,12 @@
             <p:ph type="title"/>
           </p:nvPr>
         </p:nvSpPr>
-        <p:spPr/>
+        <p:spPr>
+          <a:xfrm>
+            <a:off x="1024128" y="585216"/>
+            <a:ext cx="8018272" cy="1499616"/>
+          </a:xfrm>
+        </p:spPr>
         <p:txBody>
           <a:bodyPr>
             <a:normAutofit/>
@@ -32843,7 +33024,12 @@
             <p:ph idx="1"/>
           </p:nvPr>
         </p:nvSpPr>
-        <p:spPr/>
+        <p:spPr>
+          <a:xfrm>
+            <a:off x="1024128" y="2286000"/>
+            <a:ext cx="8018271" cy="4023360"/>
+          </a:xfrm>
+        </p:spPr>
         <p:txBody>
           <a:bodyPr>
             <a:normAutofit/>
@@ -32851,11 +33037,11 @@
           <a:lstStyle/>
           <a:p>
             <a:r>
-              <a:rPr lang="en-US" dirty="0"/>
+              <a:rPr lang="en-US" sz="2000" dirty="0"/>
               <a:t>A plain vanilla bond is also known as a </a:t>
             </a:r>
             <a:r>
-              <a:rPr lang="en-US" dirty="0">
+              <a:rPr lang="en-US" sz="2000" dirty="0">
                 <a:solidFill>
                   <a:srgbClr val="FF0000"/>
                 </a:solidFill>
@@ -32863,23 +33049,23 @@
               <a:t>bullet bond </a:t>
             </a:r>
             <a:r>
-              <a:rPr lang="en-US" dirty="0"/>
+              <a:rPr lang="en-US" sz="2000" dirty="0"/>
               <a:t>because the entire payment of principal occurs at maturity.</a:t>
             </a:r>
           </a:p>
           <a:p>
             <a:r>
-              <a:rPr lang="en-US" dirty="0"/>
+              <a:rPr lang="en-US" sz="2000" dirty="0"/>
               <a:t>In contrast, an amortizing bond has a payment schedule that calls for periodic payments of interest and repayments of principal. </a:t>
             </a:r>
           </a:p>
           <a:p>
             <a:r>
-              <a:rPr lang="en-US" dirty="0"/>
+              <a:rPr lang="en-US" sz="2000" dirty="0"/>
               <a:t>A </a:t>
             </a:r>
             <a:r>
-              <a:rPr lang="en-US" dirty="0">
+              <a:rPr lang="en-US" sz="2000" dirty="0">
                 <a:solidFill>
                   <a:srgbClr val="FF0000"/>
                 </a:solidFill>
@@ -32887,17 +33073,17 @@
               <a:t>fully amortized </a:t>
             </a:r>
             <a:r>
-              <a:rPr lang="en-US" dirty="0"/>
+              <a:rPr lang="en-US" sz="2000" dirty="0"/>
               <a:t>bond is characterized by a fixed periodic payment schedule that reduces the bond’s outstanding principal amount to zero by the maturity date.</a:t>
             </a:r>
           </a:p>
           <a:p>
             <a:r>
-              <a:rPr lang="en-US" dirty="0"/>
+              <a:rPr lang="en-US" sz="2000" dirty="0"/>
               <a:t>A </a:t>
             </a:r>
             <a:r>
-              <a:rPr lang="en-US" dirty="0">
+              <a:rPr lang="en-US" sz="2000" dirty="0">
                 <a:solidFill>
                   <a:srgbClr val="FF0000"/>
                 </a:solidFill>
@@ -32905,17 +33091,17 @@
               <a:t>partially amortized </a:t>
             </a:r>
             <a:r>
-              <a:rPr lang="en-US" dirty="0"/>
+              <a:rPr lang="en-US" sz="2000" dirty="0"/>
               <a:t>bond also makes fixed periodic payments until maturity, but only a portion of the principal is repaid by the maturity date. </a:t>
             </a:r>
           </a:p>
           <a:p>
             <a:r>
-              <a:rPr lang="en-US" dirty="0"/>
+              <a:rPr lang="en-US" sz="2000" dirty="0"/>
               <a:t>Thus, a </a:t>
             </a:r>
             <a:r>
-              <a:rPr lang="en-US" dirty="0">
+              <a:rPr lang="en-US" sz="2000" dirty="0">
                 <a:solidFill>
                   <a:srgbClr val="FF0000"/>
                 </a:solidFill>
@@ -32923,9 +33109,137 @@
               <a:t>balloon payment </a:t>
             </a:r>
             <a:r>
-              <a:rPr lang="en-US" dirty="0"/>
+              <a:rPr lang="en-US" sz="2000" dirty="0"/>
               <a:t>is required at maturity to retire the bond’s outstanding principal amount.</a:t>
             </a:r>
+          </a:p>
+        </p:txBody>
+      </p:sp>
+      <p:sp>
+        <p:nvSpPr>
+          <p:cNvPr id="8" name="Rectangle 7">
+            <a:extLst>
+              <a:ext uri="{FF2B5EF4-FFF2-40B4-BE49-F238E27FC236}">
+                <a16:creationId xmlns:a16="http://schemas.microsoft.com/office/drawing/2014/main" id="{77D7B666-D5E6-48CE-B26A-FB5E5C34AF90}"/>
+              </a:ext>
+              <a:ext uri="{C183D7F6-B498-43B3-948B-1728B52AA6E4}">
+                <adec:decorative xmlns:adec="http://schemas.microsoft.com/office/drawing/2017/decorative" val="1"/>
+              </a:ext>
+            </a:extLst>
+          </p:cNvPr>
+          <p:cNvSpPr>
+            <a:spLocks noGrp="1" noRot="1" noChangeAspect="1" noMove="1" noResize="1" noEditPoints="1" noAdjustHandles="1" noChangeArrowheads="1" noChangeShapeType="1" noTextEdit="1"/>
+          </p:cNvSpPr>
+          <p:nvPr>
+            <p:extLst>
+              <p:ext uri="{386F3935-93C4-4BCD-93E2-E3B085C9AB24}">
+                <p16:designElem xmlns:p16="http://schemas.microsoft.com/office/powerpoint/2015/main" val="1"/>
+              </p:ext>
+            </p:extLst>
+          </p:nvPr>
+        </p:nvSpPr>
+        <p:spPr>
+          <a:xfrm>
+            <a:off x="9583348" y="325601"/>
+            <a:ext cx="2286920" cy="3908071"/>
+          </a:xfrm>
+          <a:prstGeom prst="rect">
+            <a:avLst/>
+          </a:prstGeom>
+          <a:solidFill>
+            <a:schemeClr val="accent1"/>
+          </a:solidFill>
+          <a:ln>
+            <a:noFill/>
+          </a:ln>
+        </p:spPr>
+        <p:style>
+          <a:lnRef idx="2">
+            <a:schemeClr val="accent1">
+              <a:shade val="50000"/>
+            </a:schemeClr>
+          </a:lnRef>
+          <a:fillRef idx="1">
+            <a:schemeClr val="accent1"/>
+          </a:fillRef>
+          <a:effectRef idx="0">
+            <a:schemeClr val="accent1"/>
+          </a:effectRef>
+          <a:fontRef idx="minor">
+            <a:schemeClr val="lt1"/>
+          </a:fontRef>
+        </p:style>
+        <p:txBody>
+          <a:bodyPr rtlCol="0" anchor="ctr"/>
+          <a:lstStyle/>
+          <a:p>
+            <a:pPr algn="ctr"/>
+            <a:endParaRPr lang="en-US" dirty="0"/>
+          </a:p>
+        </p:txBody>
+      </p:sp>
+      <p:sp>
+        <p:nvSpPr>
+          <p:cNvPr id="10" name="Rectangle 9">
+            <a:extLst>
+              <a:ext uri="{FF2B5EF4-FFF2-40B4-BE49-F238E27FC236}">
+                <a16:creationId xmlns:a16="http://schemas.microsoft.com/office/drawing/2014/main" id="{F6EE670A-A41A-44AD-BC1C-2090365EB5B3}"/>
+              </a:ext>
+              <a:ext uri="{C183D7F6-B498-43B3-948B-1728B52AA6E4}">
+                <adec:decorative xmlns:adec="http://schemas.microsoft.com/office/drawing/2017/decorative" val="1"/>
+              </a:ext>
+            </a:extLst>
+          </p:cNvPr>
+          <p:cNvSpPr>
+            <a:spLocks noGrp="1" noRot="1" noChangeAspect="1" noMove="1" noResize="1" noEditPoints="1" noAdjustHandles="1" noChangeArrowheads="1" noChangeShapeType="1" noTextEdit="1"/>
+          </p:cNvSpPr>
+          <p:nvPr>
+            <p:extLst>
+              <p:ext uri="{386F3935-93C4-4BCD-93E2-E3B085C9AB24}">
+                <p16:designElem xmlns:p16="http://schemas.microsoft.com/office/powerpoint/2015/main" val="1"/>
+              </p:ext>
+            </p:extLst>
+          </p:nvPr>
+        </p:nvSpPr>
+        <p:spPr>
+          <a:xfrm>
+            <a:off x="9583348" y="4394539"/>
+            <a:ext cx="2286920" cy="2029724"/>
+          </a:xfrm>
+          <a:prstGeom prst="rect">
+            <a:avLst/>
+          </a:prstGeom>
+          <a:solidFill>
+            <a:schemeClr val="tx2">
+              <a:alpha val="80000"/>
+            </a:schemeClr>
+          </a:solidFill>
+          <a:ln>
+            <a:noFill/>
+          </a:ln>
+        </p:spPr>
+        <p:style>
+          <a:lnRef idx="2">
+            <a:schemeClr val="accent1">
+              <a:shade val="50000"/>
+            </a:schemeClr>
+          </a:lnRef>
+          <a:fillRef idx="1">
+            <a:schemeClr val="accent1"/>
+          </a:fillRef>
+          <a:effectRef idx="0">
+            <a:schemeClr val="accent1"/>
+          </a:effectRef>
+          <a:fontRef idx="minor">
+            <a:schemeClr val="lt1"/>
+          </a:fontRef>
+        </p:style>
+        <p:txBody>
+          <a:bodyPr rtlCol="0" anchor="ctr"/>
+          <a:lstStyle/>
+          <a:p>
+            <a:pPr algn="ctr"/>
+            <a:endParaRPr lang="en-US"/>
           </a:p>
         </p:txBody>
       </p:sp>
@@ -33246,6 +33560,14 @@
 <file path=ppt/slides/slide30.xml><?xml version="1.0" encoding="utf-8"?>
 <p:sld xmlns:a="http://schemas.openxmlformats.org/drawingml/2006/main" xmlns:r="http://schemas.openxmlformats.org/officeDocument/2006/relationships" xmlns:p="http://schemas.openxmlformats.org/presentationml/2006/main">
   <p:cSld>
+    <p:bg>
+      <p:bgPr>
+        <a:solidFill>
+          <a:schemeClr val="bg1"/>
+        </a:solidFill>
+        <a:effectLst/>
+      </p:bgPr>
+    </p:bg>
     <p:spTree>
       <p:nvGrpSpPr>
         <p:cNvPr id="1" name=""/>
@@ -33260,6 +33582,44 @@
           <a:chExt cx="0" cy="0"/>
         </a:xfrm>
       </p:grpSpPr>
+      <p:pic>
+        <p:nvPicPr>
+          <p:cNvPr id="5" name="Picture 4">
+            <a:extLst>
+              <a:ext uri="{FF2B5EF4-FFF2-40B4-BE49-F238E27FC236}">
+                <a16:creationId xmlns:a16="http://schemas.microsoft.com/office/drawing/2014/main" id="{1B608EEC-0B20-6356-AFE7-F76C57EA677B}"/>
+              </a:ext>
+            </a:extLst>
+          </p:cNvPr>
+          <p:cNvPicPr>
+            <a:picLocks noChangeAspect="1"/>
+          </p:cNvPicPr>
+          <p:nvPr/>
+        </p:nvPicPr>
+        <p:blipFill rotWithShape="1">
+          <a:blip r:embed="rId3">
+            <a:duotone>
+              <a:schemeClr val="bg2">
+                <a:shade val="45000"/>
+                <a:satMod val="135000"/>
+              </a:schemeClr>
+              <a:prstClr val="white"/>
+            </a:duotone>
+            <a:alphaModFix amt="40000"/>
+          </a:blip>
+          <a:srcRect/>
+          <a:stretch/>
+        </p:blipFill>
+        <p:spPr>
+          <a:xfrm>
+            <a:off x="0" y="0"/>
+            <a:ext cx="12191980" cy="6857989"/>
+          </a:xfrm>
+          <a:prstGeom prst="rect">
+            <a:avLst/>
+          </a:prstGeom>
+        </p:spPr>
+      </p:pic>
       <p:sp>
         <p:nvSpPr>
           <p:cNvPr id="2" name="Title 1">
@@ -33276,7 +33636,12 @@
             <p:ph type="title"/>
           </p:nvPr>
         </p:nvSpPr>
-        <p:spPr/>
+        <p:spPr>
+          <a:xfrm>
+            <a:off x="1024128" y="585216"/>
+            <a:ext cx="9720072" cy="1499616"/>
+          </a:xfrm>
+        </p:spPr>
         <p:txBody>
           <a:bodyPr>
             <a:normAutofit/>
@@ -33304,6 +33669,58 @@
           </a:p>
         </p:txBody>
       </p:sp>
+      <p:cxnSp>
+        <p:nvCxnSpPr>
+          <p:cNvPr id="9" name="Straight Connector 8">
+            <a:extLst>
+              <a:ext uri="{FF2B5EF4-FFF2-40B4-BE49-F238E27FC236}">
+                <a16:creationId xmlns:a16="http://schemas.microsoft.com/office/drawing/2014/main" id="{3FEFDF7D-B17C-4F16-B8BE-C55FFC7E295E}"/>
+              </a:ext>
+              <a:ext uri="{C183D7F6-B498-43B3-948B-1728B52AA6E4}">
+                <adec:decorative xmlns:adec="http://schemas.microsoft.com/office/drawing/2017/decorative" val="1"/>
+              </a:ext>
+            </a:extLst>
+          </p:cNvPr>
+          <p:cNvCxnSpPr>
+            <a:cxnSpLocks noGrp="1" noRot="1" noChangeAspect="1" noMove="1" noResize="1" noEditPoints="1" noAdjustHandles="1" noChangeArrowheads="1" noChangeShapeType="1"/>
+          </p:cNvCxnSpPr>
+          <p:nvPr>
+            <p:extLst>
+              <p:ext uri="{386F3935-93C4-4BCD-93E2-E3B085C9AB24}">
+                <p16:designElem xmlns:p16="http://schemas.microsoft.com/office/powerpoint/2015/main" val="1"/>
+              </p:ext>
+            </p:extLst>
+          </p:nvPr>
+        </p:nvCxnSpPr>
+        <p:spPr>
+          <a:xfrm flipV="1">
+            <a:off x="762000" y="826324"/>
+            <a:ext cx="0" cy="914400"/>
+          </a:xfrm>
+          <a:prstGeom prst="line">
+            <a:avLst/>
+          </a:prstGeom>
+          <a:ln w="19050">
+            <a:solidFill>
+              <a:schemeClr val="accent1"/>
+            </a:solidFill>
+          </a:ln>
+        </p:spPr>
+        <p:style>
+          <a:lnRef idx="1">
+            <a:schemeClr val="accent1"/>
+          </a:lnRef>
+          <a:fillRef idx="0">
+            <a:schemeClr val="accent1"/>
+          </a:fillRef>
+          <a:effectRef idx="0">
+            <a:schemeClr val="accent1"/>
+          </a:effectRef>
+          <a:fontRef idx="minor">
+            <a:schemeClr val="tx1"/>
+          </a:fontRef>
+        </p:style>
+      </p:cxnSp>
       <p:sp>
         <p:nvSpPr>
           <p:cNvPr id="3" name="Content Placeholder 2">
@@ -33320,7 +33737,12 @@
             <p:ph idx="1"/>
           </p:nvPr>
         </p:nvSpPr>
-        <p:spPr/>
+        <p:spPr>
+          <a:xfrm>
+            <a:off x="1024128" y="2286000"/>
+            <a:ext cx="9720073" cy="4023360"/>
+          </a:xfrm>
+        </p:spPr>
         <p:txBody>
           <a:bodyPr>
             <a:normAutofit/>
@@ -33418,6 +33840,14 @@
 <file path=ppt/slides/slide31.xml><?xml version="1.0" encoding="utf-8"?>
 <p:sld xmlns:a="http://schemas.openxmlformats.org/drawingml/2006/main" xmlns:r="http://schemas.openxmlformats.org/officeDocument/2006/relationships" xmlns:p="http://schemas.openxmlformats.org/presentationml/2006/main">
   <p:cSld>
+    <p:bg>
+      <p:bgPr>
+        <a:solidFill>
+          <a:schemeClr val="bg1"/>
+        </a:solidFill>
+        <a:effectLst/>
+      </p:bgPr>
+    </p:bg>
     <p:spTree>
       <p:nvGrpSpPr>
         <p:cNvPr id="1" name=""/>
@@ -33448,9 +33878,16 @@
             <p:ph type="title"/>
           </p:nvPr>
         </p:nvSpPr>
-        <p:spPr/>
+        <p:spPr>
+          <a:xfrm>
+            <a:off x="1024128" y="585216"/>
+            <a:ext cx="8018272" cy="1499616"/>
+          </a:xfrm>
+        </p:spPr>
         <p:txBody>
-          <a:bodyPr/>
+          <a:bodyPr>
+            <a:normAutofit/>
+          </a:bodyPr>
           <a:lstStyle/>
           <a:p>
             <a:r>
@@ -33476,10 +33913,15 @@
             <p:ph idx="1"/>
           </p:nvPr>
         </p:nvSpPr>
-        <p:spPr/>
+        <p:spPr>
+          <a:xfrm>
+            <a:off x="1024128" y="2286000"/>
+            <a:ext cx="8018271" cy="4023360"/>
+          </a:xfrm>
+        </p:spPr>
         <p:txBody>
           <a:bodyPr>
-            <a:normAutofit fontScale="92500"/>
+            <a:normAutofit/>
           </a:bodyPr>
           <a:lstStyle/>
           <a:p>
@@ -33487,7 +33929,7 @@
               <a:buNone/>
             </a:pPr>
             <a:r>
-              <a:rPr lang="en-US" dirty="0"/>
+              <a:rPr lang="en-US" sz="1900"/>
               <a:t>1. The structure that requires the largest repayment of principal at maturity is that of a:</a:t>
             </a:r>
           </a:p>
@@ -33497,7 +33939,7 @@
               <a:buAutoNum type="alphaUcPeriod"/>
             </a:pPr>
             <a:r>
-              <a:rPr lang="en-US" b="1" dirty="0"/>
+              <a:rPr lang="en-US" sz="1900" b="1"/>
               <a:t>bullet bond.</a:t>
             </a:r>
           </a:p>
@@ -33507,7 +33949,7 @@
               <a:buAutoNum type="alphaUcPeriod"/>
             </a:pPr>
             <a:r>
-              <a:rPr lang="en-US" b="1" dirty="0"/>
+              <a:rPr lang="en-US" sz="1900" b="1"/>
               <a:t>fully amortized bond.</a:t>
             </a:r>
           </a:p>
@@ -33517,7 +33959,7 @@
               <a:buAutoNum type="alphaUcPeriod"/>
             </a:pPr>
             <a:r>
-              <a:rPr lang="en-US" b="1" dirty="0"/>
+              <a:rPr lang="en-US" sz="1900" b="1"/>
               <a:t>partially amortized bond.</a:t>
             </a:r>
           </a:p>
@@ -33526,7 +33968,7 @@
               <a:buNone/>
             </a:pPr>
             <a:r>
-              <a:rPr lang="en-US" dirty="0"/>
+              <a:rPr lang="en-US" sz="1900"/>
               <a:t>2. Relative to a fully amortized bond, the coupon payments of an otherwise similar partially amortized bond are:</a:t>
             </a:r>
           </a:p>
@@ -33536,7 +33978,7 @@
               <a:buAutoNum type="alphaUcPeriod"/>
             </a:pPr>
             <a:r>
-              <a:rPr lang="en-US" b="1" dirty="0"/>
+              <a:rPr lang="en-US" sz="1900" b="1"/>
               <a:t>lower or equal.</a:t>
             </a:r>
           </a:p>
@@ -33546,7 +33988,7 @@
               <a:buAutoNum type="alphaUcPeriod"/>
             </a:pPr>
             <a:r>
-              <a:rPr lang="en-US" b="1" dirty="0"/>
+              <a:rPr lang="en-US" sz="1900" b="1"/>
               <a:t>equal.</a:t>
             </a:r>
           </a:p>
@@ -33556,9 +33998,137 @@
               <a:buAutoNum type="alphaUcPeriod"/>
             </a:pPr>
             <a:r>
-              <a:rPr lang="en-US" b="1" dirty="0"/>
+              <a:rPr lang="en-US" sz="1900" b="1"/>
               <a:t>higher or equal.</a:t>
             </a:r>
+          </a:p>
+        </p:txBody>
+      </p:sp>
+      <p:sp>
+        <p:nvSpPr>
+          <p:cNvPr id="8" name="Rectangle 7">
+            <a:extLst>
+              <a:ext uri="{FF2B5EF4-FFF2-40B4-BE49-F238E27FC236}">
+                <a16:creationId xmlns:a16="http://schemas.microsoft.com/office/drawing/2014/main" id="{77D7B666-D5E6-48CE-B26A-FB5E5C34AF90}"/>
+              </a:ext>
+              <a:ext uri="{C183D7F6-B498-43B3-948B-1728B52AA6E4}">
+                <adec:decorative xmlns:adec="http://schemas.microsoft.com/office/drawing/2017/decorative" val="1"/>
+              </a:ext>
+            </a:extLst>
+          </p:cNvPr>
+          <p:cNvSpPr>
+            <a:spLocks noGrp="1" noRot="1" noChangeAspect="1" noMove="1" noResize="1" noEditPoints="1" noAdjustHandles="1" noChangeArrowheads="1" noChangeShapeType="1" noTextEdit="1"/>
+          </p:cNvSpPr>
+          <p:nvPr>
+            <p:extLst>
+              <p:ext uri="{386F3935-93C4-4BCD-93E2-E3B085C9AB24}">
+                <p16:designElem xmlns:p16="http://schemas.microsoft.com/office/powerpoint/2015/main" val="1"/>
+              </p:ext>
+            </p:extLst>
+          </p:nvPr>
+        </p:nvSpPr>
+        <p:spPr>
+          <a:xfrm>
+            <a:off x="9583348" y="325601"/>
+            <a:ext cx="2286920" cy="3908071"/>
+          </a:xfrm>
+          <a:prstGeom prst="rect">
+            <a:avLst/>
+          </a:prstGeom>
+          <a:solidFill>
+            <a:schemeClr val="accent1"/>
+          </a:solidFill>
+          <a:ln>
+            <a:noFill/>
+          </a:ln>
+        </p:spPr>
+        <p:style>
+          <a:lnRef idx="2">
+            <a:schemeClr val="accent1">
+              <a:shade val="50000"/>
+            </a:schemeClr>
+          </a:lnRef>
+          <a:fillRef idx="1">
+            <a:schemeClr val="accent1"/>
+          </a:fillRef>
+          <a:effectRef idx="0">
+            <a:schemeClr val="accent1"/>
+          </a:effectRef>
+          <a:fontRef idx="minor">
+            <a:schemeClr val="lt1"/>
+          </a:fontRef>
+        </p:style>
+        <p:txBody>
+          <a:bodyPr rtlCol="0" anchor="ctr"/>
+          <a:lstStyle/>
+          <a:p>
+            <a:pPr algn="ctr"/>
+            <a:endParaRPr lang="en-US" dirty="0"/>
+          </a:p>
+        </p:txBody>
+      </p:sp>
+      <p:sp>
+        <p:nvSpPr>
+          <p:cNvPr id="10" name="Rectangle 9">
+            <a:extLst>
+              <a:ext uri="{FF2B5EF4-FFF2-40B4-BE49-F238E27FC236}">
+                <a16:creationId xmlns:a16="http://schemas.microsoft.com/office/drawing/2014/main" id="{F6EE670A-A41A-44AD-BC1C-2090365EB5B3}"/>
+              </a:ext>
+              <a:ext uri="{C183D7F6-B498-43B3-948B-1728B52AA6E4}">
+                <adec:decorative xmlns:adec="http://schemas.microsoft.com/office/drawing/2017/decorative" val="1"/>
+              </a:ext>
+            </a:extLst>
+          </p:cNvPr>
+          <p:cNvSpPr>
+            <a:spLocks noGrp="1" noRot="1" noChangeAspect="1" noMove="1" noResize="1" noEditPoints="1" noAdjustHandles="1" noChangeArrowheads="1" noChangeShapeType="1" noTextEdit="1"/>
+          </p:cNvSpPr>
+          <p:nvPr>
+            <p:extLst>
+              <p:ext uri="{386F3935-93C4-4BCD-93E2-E3B085C9AB24}">
+                <p16:designElem xmlns:p16="http://schemas.microsoft.com/office/powerpoint/2015/main" val="1"/>
+              </p:ext>
+            </p:extLst>
+          </p:nvPr>
+        </p:nvSpPr>
+        <p:spPr>
+          <a:xfrm>
+            <a:off x="9583348" y="4394539"/>
+            <a:ext cx="2286920" cy="2029724"/>
+          </a:xfrm>
+          <a:prstGeom prst="rect">
+            <a:avLst/>
+          </a:prstGeom>
+          <a:solidFill>
+            <a:schemeClr val="tx2">
+              <a:alpha val="80000"/>
+            </a:schemeClr>
+          </a:solidFill>
+          <a:ln>
+            <a:noFill/>
+          </a:ln>
+        </p:spPr>
+        <p:style>
+          <a:lnRef idx="2">
+            <a:schemeClr val="accent1">
+              <a:shade val="50000"/>
+            </a:schemeClr>
+          </a:lnRef>
+          <a:fillRef idx="1">
+            <a:schemeClr val="accent1"/>
+          </a:fillRef>
+          <a:effectRef idx="0">
+            <a:schemeClr val="accent1"/>
+          </a:effectRef>
+          <a:fontRef idx="minor">
+            <a:schemeClr val="lt1"/>
+          </a:fontRef>
+        </p:style>
+        <p:txBody>
+          <a:bodyPr rtlCol="0" anchor="ctr"/>
+          <a:lstStyle/>
+          <a:p>
+            <a:pPr algn="ctr"/>
+            <a:endParaRPr lang="en-US"/>
           </a:p>
         </p:txBody>
       </p:sp>
@@ -33578,6 +34148,14 @@
 <file path=ppt/slides/slide32.xml><?xml version="1.0" encoding="utf-8"?>
 <p:sld xmlns:a="http://schemas.openxmlformats.org/drawingml/2006/main" xmlns:r="http://schemas.openxmlformats.org/officeDocument/2006/relationships" xmlns:p="http://schemas.openxmlformats.org/presentationml/2006/main">
   <p:cSld>
+    <p:bg>
+      <p:bgPr>
+        <a:solidFill>
+          <a:schemeClr val="bg1"/>
+        </a:solidFill>
+        <a:effectLst/>
+      </p:bgPr>
+    </p:bg>
     <p:spTree>
       <p:nvGrpSpPr>
         <p:cNvPr id="1" name=""/>
@@ -33592,6 +34170,44 @@
           <a:chExt cx="0" cy="0"/>
         </a:xfrm>
       </p:grpSpPr>
+      <p:pic>
+        <p:nvPicPr>
+          <p:cNvPr id="5" name="Picture 4" descr="Wave in water">
+            <a:extLst>
+              <a:ext uri="{FF2B5EF4-FFF2-40B4-BE49-F238E27FC236}">
+                <a16:creationId xmlns:a16="http://schemas.microsoft.com/office/drawing/2014/main" id="{DC68E767-BE6D-F9FF-AD97-F3F4FF4330D8}"/>
+              </a:ext>
+            </a:extLst>
+          </p:cNvPr>
+          <p:cNvPicPr>
+            <a:picLocks noChangeAspect="1"/>
+          </p:cNvPicPr>
+          <p:nvPr/>
+        </p:nvPicPr>
+        <p:blipFill rotWithShape="1">
+          <a:blip r:embed="rId2">
+            <a:duotone>
+              <a:schemeClr val="bg2">
+                <a:shade val="45000"/>
+                <a:satMod val="135000"/>
+              </a:schemeClr>
+              <a:prstClr val="white"/>
+            </a:duotone>
+            <a:alphaModFix amt="40000"/>
+          </a:blip>
+          <a:srcRect b="15730"/>
+          <a:stretch/>
+        </p:blipFill>
+        <p:spPr>
+          <a:xfrm>
+            <a:off x="20" y="10"/>
+            <a:ext cx="12191980" cy="6857989"/>
+          </a:xfrm>
+          <a:prstGeom prst="rect">
+            <a:avLst/>
+          </a:prstGeom>
+        </p:spPr>
+      </p:pic>
       <p:sp>
         <p:nvSpPr>
           <p:cNvPr id="2" name="Title 1">
@@ -33608,7 +34224,12 @@
             <p:ph type="title"/>
           </p:nvPr>
         </p:nvSpPr>
-        <p:spPr/>
+        <p:spPr>
+          <a:xfrm>
+            <a:off x="1024128" y="585216"/>
+            <a:ext cx="9720072" cy="1499616"/>
+          </a:xfrm>
+        </p:spPr>
         <p:txBody>
           <a:bodyPr>
             <a:normAutofit/>
@@ -33636,6 +34257,58 @@
           </a:p>
         </p:txBody>
       </p:sp>
+      <p:cxnSp>
+        <p:nvCxnSpPr>
+          <p:cNvPr id="9" name="Straight Connector 8">
+            <a:extLst>
+              <a:ext uri="{FF2B5EF4-FFF2-40B4-BE49-F238E27FC236}">
+                <a16:creationId xmlns:a16="http://schemas.microsoft.com/office/drawing/2014/main" id="{3FEFDF7D-B17C-4F16-B8BE-C55FFC7E295E}"/>
+              </a:ext>
+              <a:ext uri="{C183D7F6-B498-43B3-948B-1728B52AA6E4}">
+                <adec:decorative xmlns:adec="http://schemas.microsoft.com/office/drawing/2017/decorative" val="1"/>
+              </a:ext>
+            </a:extLst>
+          </p:cNvPr>
+          <p:cNvCxnSpPr>
+            <a:cxnSpLocks noGrp="1" noRot="1" noChangeAspect="1" noMove="1" noResize="1" noEditPoints="1" noAdjustHandles="1" noChangeArrowheads="1" noChangeShapeType="1"/>
+          </p:cNvCxnSpPr>
+          <p:nvPr>
+            <p:extLst>
+              <p:ext uri="{386F3935-93C4-4BCD-93E2-E3B085C9AB24}">
+                <p16:designElem xmlns:p16="http://schemas.microsoft.com/office/powerpoint/2015/main" val="1"/>
+              </p:ext>
+            </p:extLst>
+          </p:nvPr>
+        </p:nvCxnSpPr>
+        <p:spPr>
+          <a:xfrm flipV="1">
+            <a:off x="762000" y="826324"/>
+            <a:ext cx="0" cy="914400"/>
+          </a:xfrm>
+          <a:prstGeom prst="line">
+            <a:avLst/>
+          </a:prstGeom>
+          <a:ln w="19050">
+            <a:solidFill>
+              <a:schemeClr val="accent1"/>
+            </a:solidFill>
+          </a:ln>
+        </p:spPr>
+        <p:style>
+          <a:lnRef idx="1">
+            <a:schemeClr val="accent1"/>
+          </a:lnRef>
+          <a:fillRef idx="0">
+            <a:schemeClr val="accent1"/>
+          </a:fillRef>
+          <a:effectRef idx="0">
+            <a:schemeClr val="accent1"/>
+          </a:effectRef>
+          <a:fontRef idx="minor">
+            <a:schemeClr val="tx1"/>
+          </a:fontRef>
+        </p:style>
+      </p:cxnSp>
       <p:sp>
         <p:nvSpPr>
           <p:cNvPr id="3" name="Content Placeholder 2">
@@ -33652,7 +34325,12 @@
             <p:ph idx="1"/>
           </p:nvPr>
         </p:nvSpPr>
-        <p:spPr/>
+        <p:spPr>
+          <a:xfrm>
+            <a:off x="1024128" y="2286000"/>
+            <a:ext cx="9720073" cy="4023360"/>
+          </a:xfrm>
+        </p:spPr>
         <p:txBody>
           <a:bodyPr>
             <a:normAutofit/>
@@ -33807,14 +34485,14 @@
             <p:ph idx="1"/>
             <p:extLst>
               <p:ext uri="{D42A27DB-BD31-4B8C-83A1-F6EECF244321}">
-                <p14:modId xmlns:p14="http://schemas.microsoft.com/office/powerpoint/2010/main" val="3155518879"/>
+                <p14:modId xmlns:p14="http://schemas.microsoft.com/office/powerpoint/2010/main" val="3952685709"/>
               </p:ext>
             </p:extLst>
           </p:nvPr>
         </p:nvGraphicFramePr>
         <p:xfrm>
           <a:off x="1023940" y="2084832"/>
-          <a:ext cx="8837512" cy="5639329"/>
+          <a:ext cx="8837512" cy="5669280"/>
         </p:xfrm>
         <a:graphic>
           <a:graphicData uri="http://schemas.openxmlformats.org/drawingml/2006/table">
@@ -34000,7 +34678,7 @@
                     <a:bodyPr/>
                     <a:lstStyle/>
                     <a:p>
-                      <a:endParaRPr lang="en-US"/>
+                      <a:endParaRPr lang="en-US" dirty="0"/>
                     </a:p>
                   </a:txBody>
                   <a:tcPr/>
@@ -34265,8 +34943,13 @@
                     <a:p>
                       <a:r>
                         <a:rPr lang="en-US" dirty="0"/>
-                        <a:t>171.48</a:t>
+                        <a:t>171.4</a:t>
                       </a:r>
+                      <a:r>
+                        <a:rPr lang="en-US" altLang="zh-CN" dirty="0"/>
+                        <a:t>7</a:t>
+                      </a:r>
+                      <a:endParaRPr lang="en-US" dirty="0"/>
                     </a:p>
                   </a:txBody>
                   <a:tcPr/>
@@ -34403,8 +35086,13 @@
                     <a:p>
                       <a:r>
                         <a:rPr lang="en-US" dirty="0"/>
-                        <a:t>154.76</a:t>
+                        <a:t>154.7</a:t>
                       </a:r>
+                      <a:r>
+                        <a:rPr lang="en-US" altLang="zh-CN" dirty="0"/>
+                        <a:t>5</a:t>
+                      </a:r>
+                      <a:endParaRPr lang="en-US" dirty="0"/>
                     </a:p>
                   </a:txBody>
                   <a:tcPr/>
@@ -34472,8 +35160,13 @@
                     <a:p>
                       <a:r>
                         <a:rPr lang="en-US" dirty="0"/>
-                        <a:t>147.02</a:t>
+                        <a:t>147.0</a:t>
                       </a:r>
+                      <a:r>
+                        <a:rPr lang="en-US" altLang="zh-CN" dirty="0"/>
+                        <a:t>1</a:t>
+                      </a:r>
+                      <a:endParaRPr lang="en-US" dirty="0"/>
                     </a:p>
                   </a:txBody>
                   <a:tcPr/>
@@ -34541,8 +35234,13 @@
                     <a:p>
                       <a:r>
                         <a:rPr lang="en-US" dirty="0"/>
-                        <a:t>139.67</a:t>
+                        <a:t>139.6</a:t>
                       </a:r>
+                      <a:r>
+                        <a:rPr lang="en-US" altLang="zh-CN" dirty="0"/>
+                        <a:t>6</a:t>
+                      </a:r>
+                      <a:endParaRPr lang="en-US" dirty="0"/>
                     </a:p>
                   </a:txBody>
                   <a:tcPr/>
@@ -34552,7 +35250,7 @@
                     <a:bodyPr/>
                     <a:lstStyle/>
                     <a:p>
-                      <a:endParaRPr lang="en-US"/>
+                      <a:endParaRPr lang="en-US" dirty="0"/>
                     </a:p>
                   </a:txBody>
                   <a:tcPr/>
@@ -34856,6 +35554,14 @@
 <file path=ppt/slides/slide34.xml><?xml version="1.0" encoding="utf-8"?>
 <p:sld xmlns:a="http://schemas.openxmlformats.org/drawingml/2006/main" xmlns:r="http://schemas.openxmlformats.org/officeDocument/2006/relationships" xmlns:p="http://schemas.openxmlformats.org/presentationml/2006/main">
   <p:cSld>
+    <p:bg>
+      <p:bgPr>
+        <a:solidFill>
+          <a:schemeClr val="bg1"/>
+        </a:solidFill>
+        <a:effectLst/>
+      </p:bgPr>
+    </p:bg>
     <p:spTree>
       <p:nvGrpSpPr>
         <p:cNvPr id="1" name=""/>
@@ -34870,6 +35576,44 @@
           <a:chExt cx="0" cy="0"/>
         </a:xfrm>
       </p:grpSpPr>
+      <p:pic>
+        <p:nvPicPr>
+          <p:cNvPr id="5" name="Picture 4" descr="Office building overlayed with stock market graphs">
+            <a:extLst>
+              <a:ext uri="{FF2B5EF4-FFF2-40B4-BE49-F238E27FC236}">
+                <a16:creationId xmlns:a16="http://schemas.microsoft.com/office/drawing/2014/main" id="{0F50934A-477D-A3B1-FDE2-7B2CEEED2C2B}"/>
+              </a:ext>
+            </a:extLst>
+          </p:cNvPr>
+          <p:cNvPicPr>
+            <a:picLocks noChangeAspect="1"/>
+          </p:cNvPicPr>
+          <p:nvPr/>
+        </p:nvPicPr>
+        <p:blipFill rotWithShape="1">
+          <a:blip r:embed="rId2">
+            <a:duotone>
+              <a:schemeClr val="bg2">
+                <a:shade val="45000"/>
+                <a:satMod val="135000"/>
+              </a:schemeClr>
+              <a:prstClr val="white"/>
+            </a:duotone>
+            <a:alphaModFix amt="40000"/>
+          </a:blip>
+          <a:srcRect t="14449" b="965"/>
+          <a:stretch/>
+        </p:blipFill>
+        <p:spPr>
+          <a:xfrm>
+            <a:off x="20" y="10"/>
+            <a:ext cx="12191980" cy="6857989"/>
+          </a:xfrm>
+          <a:prstGeom prst="rect">
+            <a:avLst/>
+          </a:prstGeom>
+        </p:spPr>
+      </p:pic>
       <p:sp>
         <p:nvSpPr>
           <p:cNvPr id="2" name="Title 1">
@@ -34886,7 +35630,12 @@
             <p:ph type="title"/>
           </p:nvPr>
         </p:nvSpPr>
-        <p:spPr/>
+        <p:spPr>
+          <a:xfrm>
+            <a:off x="1024128" y="585216"/>
+            <a:ext cx="9720072" cy="1499616"/>
+          </a:xfrm>
+        </p:spPr>
         <p:txBody>
           <a:bodyPr>
             <a:normAutofit/>
@@ -34914,6 +35663,58 @@
           </a:p>
         </p:txBody>
       </p:sp>
+      <p:cxnSp>
+        <p:nvCxnSpPr>
+          <p:cNvPr id="9" name="Straight Connector 8">
+            <a:extLst>
+              <a:ext uri="{FF2B5EF4-FFF2-40B4-BE49-F238E27FC236}">
+                <a16:creationId xmlns:a16="http://schemas.microsoft.com/office/drawing/2014/main" id="{3FEFDF7D-B17C-4F16-B8BE-C55FFC7E295E}"/>
+              </a:ext>
+              <a:ext uri="{C183D7F6-B498-43B3-948B-1728B52AA6E4}">
+                <adec:decorative xmlns:adec="http://schemas.microsoft.com/office/drawing/2017/decorative" val="1"/>
+              </a:ext>
+            </a:extLst>
+          </p:cNvPr>
+          <p:cNvCxnSpPr>
+            <a:cxnSpLocks noGrp="1" noRot="1" noChangeAspect="1" noMove="1" noResize="1" noEditPoints="1" noAdjustHandles="1" noChangeArrowheads="1" noChangeShapeType="1"/>
+          </p:cNvCxnSpPr>
+          <p:nvPr>
+            <p:extLst>
+              <p:ext uri="{386F3935-93C4-4BCD-93E2-E3B085C9AB24}">
+                <p16:designElem xmlns:p16="http://schemas.microsoft.com/office/powerpoint/2015/main" val="1"/>
+              </p:ext>
+            </p:extLst>
+          </p:nvPr>
+        </p:nvCxnSpPr>
+        <p:spPr>
+          <a:xfrm flipV="1">
+            <a:off x="762000" y="826324"/>
+            <a:ext cx="0" cy="914400"/>
+          </a:xfrm>
+          <a:prstGeom prst="line">
+            <a:avLst/>
+          </a:prstGeom>
+          <a:ln w="19050">
+            <a:solidFill>
+              <a:schemeClr val="accent1"/>
+            </a:solidFill>
+          </a:ln>
+        </p:spPr>
+        <p:style>
+          <a:lnRef idx="1">
+            <a:schemeClr val="accent1"/>
+          </a:lnRef>
+          <a:fillRef idx="0">
+            <a:schemeClr val="accent1"/>
+          </a:fillRef>
+          <a:effectRef idx="0">
+            <a:schemeClr val="accent1"/>
+          </a:effectRef>
+          <a:fontRef idx="minor">
+            <a:schemeClr val="tx1"/>
+          </a:fontRef>
+        </p:style>
+      </p:cxnSp>
       <p:sp>
         <p:nvSpPr>
           <p:cNvPr id="3" name="Content Placeholder 2">
@@ -34930,11 +35731,21 @@
             <p:ph idx="1"/>
           </p:nvPr>
         </p:nvSpPr>
-        <p:spPr/>
+        <p:spPr>
+          <a:xfrm>
+            <a:off x="1024128" y="2286000"/>
+            <a:ext cx="9720073" cy="4023360"/>
+          </a:xfrm>
+        </p:spPr>
         <p:txBody>
-          <a:bodyPr/>
+          <a:bodyPr>
+            <a:normAutofit/>
+          </a:bodyPr>
           <a:lstStyle/>
           <a:p>
+            <a:pPr marL="0" indent="0">
+              <a:buNone/>
+            </a:pPr>
             <a:r>
               <a:rPr lang="en-US" sz="2800" dirty="0"/>
               <a:t>Benefits and drawbacks of sinking fund arrangements</a:t>

--- a/Fixed Income.pptx
+++ b/Fixed Income.pptx
@@ -5,7 +5,7 @@
     <p:sldMasterId id="2147483660" r:id="rId1"/>
   </p:sldMasterIdLst>
   <p:notesMasterIdLst>
-    <p:notesMasterId r:id="rId36"/>
+    <p:notesMasterId r:id="rId44"/>
   </p:notesMasterIdLst>
   <p:sldIdLst>
     <p:sldId id="265" r:id="rId2"/>
@@ -42,6 +42,14 @@
     <p:sldId id="290" r:id="rId33"/>
     <p:sldId id="291" r:id="rId34"/>
     <p:sldId id="292" r:id="rId35"/>
+    <p:sldId id="293" r:id="rId36"/>
+    <p:sldId id="294" r:id="rId37"/>
+    <p:sldId id="295" r:id="rId38"/>
+    <p:sldId id="296" r:id="rId39"/>
+    <p:sldId id="297" r:id="rId40"/>
+    <p:sldId id="298" r:id="rId41"/>
+    <p:sldId id="299" r:id="rId42"/>
+    <p:sldId id="300" r:id="rId43"/>
   </p:sldIdLst>
   <p:sldSz cx="12192000" cy="6858000"/>
   <p:notesSz cx="6858000" cy="9144000"/>
@@ -4011,7 +4019,7 @@
           <a:p>
             <a:fld id="{9ADA5B36-BD01-47CD-B491-940693B77A9A}" type="datetimeFigureOut">
               <a:rPr lang="en-US" smtClean="0"/>
-              <a:t>10/21/22</a:t>
+              <a:t>10/27/2022</a:t>
             </a:fld>
             <a:endParaRPr lang="en-US"/>
           </a:p>
@@ -4782,6 +4790,174 @@
 </p:notes>
 </file>
 
+<file path=ppt/notesSlides/notesSlide7.xml><?xml version="1.0" encoding="utf-8"?>
+<p:notes xmlns:a="http://schemas.openxmlformats.org/drawingml/2006/main" xmlns:r="http://schemas.openxmlformats.org/officeDocument/2006/relationships" xmlns:p="http://schemas.openxmlformats.org/presentationml/2006/main">
+  <p:cSld>
+    <p:spTree>
+      <p:nvGrpSpPr>
+        <p:cNvPr id="1" name=""/>
+        <p:cNvGrpSpPr/>
+        <p:nvPr/>
+      </p:nvGrpSpPr>
+      <p:grpSpPr>
+        <a:xfrm>
+          <a:off x="0" y="0"/>
+          <a:ext cx="0" cy="0"/>
+          <a:chOff x="0" y="0"/>
+          <a:chExt cx="0" cy="0"/>
+        </a:xfrm>
+      </p:grpSpPr>
+      <p:sp>
+        <p:nvSpPr>
+          <p:cNvPr id="2" name="Slide Image Placeholder 1"/>
+          <p:cNvSpPr>
+            <a:spLocks noGrp="1" noRot="1" noChangeAspect="1"/>
+          </p:cNvSpPr>
+          <p:nvPr>
+            <p:ph type="sldImg"/>
+          </p:nvPr>
+        </p:nvSpPr>
+        <p:spPr/>
+      </p:sp>
+      <p:sp>
+        <p:nvSpPr>
+          <p:cNvPr id="3" name="Notes Placeholder 2"/>
+          <p:cNvSpPr>
+            <a:spLocks noGrp="1"/>
+          </p:cNvSpPr>
+          <p:nvPr>
+            <p:ph type="body" idx="1"/>
+          </p:nvPr>
+        </p:nvSpPr>
+        <p:spPr/>
+        <p:txBody>
+          <a:bodyPr/>
+          <a:lstStyle/>
+          <a:p>
+            <a:endParaRPr lang="en-US" dirty="0"/>
+          </a:p>
+        </p:txBody>
+      </p:sp>
+      <p:sp>
+        <p:nvSpPr>
+          <p:cNvPr id="4" name="Slide Number Placeholder 3"/>
+          <p:cNvSpPr>
+            <a:spLocks noGrp="1"/>
+          </p:cNvSpPr>
+          <p:nvPr>
+            <p:ph type="sldNum" sz="quarter" idx="5"/>
+          </p:nvPr>
+        </p:nvSpPr>
+        <p:spPr/>
+        <p:txBody>
+          <a:bodyPr/>
+          <a:lstStyle/>
+          <a:p>
+            <a:fld id="{E3B866C1-D4D8-42C4-BACA-D1CCAC4472DF}" type="slidenum">
+              <a:rPr lang="en-US" smtClean="0"/>
+              <a:t>36</a:t>
+            </a:fld>
+            <a:endParaRPr lang="en-US"/>
+          </a:p>
+        </p:txBody>
+      </p:sp>
+    </p:spTree>
+    <p:extLst>
+      <p:ext uri="{BB962C8B-B14F-4D97-AF65-F5344CB8AC3E}">
+        <p14:creationId xmlns:p14="http://schemas.microsoft.com/office/powerpoint/2010/main" val="1182867633"/>
+      </p:ext>
+    </p:extLst>
+  </p:cSld>
+  <p:clrMapOvr>
+    <a:masterClrMapping/>
+  </p:clrMapOvr>
+</p:notes>
+</file>
+
+<file path=ppt/notesSlides/notesSlide8.xml><?xml version="1.0" encoding="utf-8"?>
+<p:notes xmlns:a="http://schemas.openxmlformats.org/drawingml/2006/main" xmlns:r="http://schemas.openxmlformats.org/officeDocument/2006/relationships" xmlns:p="http://schemas.openxmlformats.org/presentationml/2006/main">
+  <p:cSld>
+    <p:spTree>
+      <p:nvGrpSpPr>
+        <p:cNvPr id="1" name=""/>
+        <p:cNvGrpSpPr/>
+        <p:nvPr/>
+      </p:nvGrpSpPr>
+      <p:grpSpPr>
+        <a:xfrm>
+          <a:off x="0" y="0"/>
+          <a:ext cx="0" cy="0"/>
+          <a:chOff x="0" y="0"/>
+          <a:chExt cx="0" cy="0"/>
+        </a:xfrm>
+      </p:grpSpPr>
+      <p:sp>
+        <p:nvSpPr>
+          <p:cNvPr id="2" name="Slide Image Placeholder 1"/>
+          <p:cNvSpPr>
+            <a:spLocks noGrp="1" noRot="1" noChangeAspect="1"/>
+          </p:cNvSpPr>
+          <p:nvPr>
+            <p:ph type="sldImg"/>
+          </p:nvPr>
+        </p:nvSpPr>
+        <p:spPr/>
+      </p:sp>
+      <p:sp>
+        <p:nvSpPr>
+          <p:cNvPr id="3" name="Notes Placeholder 2"/>
+          <p:cNvSpPr>
+            <a:spLocks noGrp="1"/>
+          </p:cNvSpPr>
+          <p:nvPr>
+            <p:ph type="body" idx="1"/>
+          </p:nvPr>
+        </p:nvSpPr>
+        <p:spPr/>
+        <p:txBody>
+          <a:bodyPr/>
+          <a:lstStyle/>
+          <a:p>
+            <a:endParaRPr lang="en-US" dirty="0"/>
+          </a:p>
+        </p:txBody>
+      </p:sp>
+      <p:sp>
+        <p:nvSpPr>
+          <p:cNvPr id="4" name="Slide Number Placeholder 3"/>
+          <p:cNvSpPr>
+            <a:spLocks noGrp="1"/>
+          </p:cNvSpPr>
+          <p:nvPr>
+            <p:ph type="sldNum" sz="quarter" idx="5"/>
+          </p:nvPr>
+        </p:nvSpPr>
+        <p:spPr/>
+        <p:txBody>
+          <a:bodyPr/>
+          <a:lstStyle/>
+          <a:p>
+            <a:fld id="{E3B866C1-D4D8-42C4-BACA-D1CCAC4472DF}" type="slidenum">
+              <a:rPr lang="en-US" smtClean="0"/>
+              <a:t>39</a:t>
+            </a:fld>
+            <a:endParaRPr lang="en-US"/>
+          </a:p>
+        </p:txBody>
+      </p:sp>
+    </p:spTree>
+    <p:extLst>
+      <p:ext uri="{BB962C8B-B14F-4D97-AF65-F5344CB8AC3E}">
+        <p14:creationId xmlns:p14="http://schemas.microsoft.com/office/powerpoint/2010/main" val="1202874973"/>
+      </p:ext>
+    </p:extLst>
+  </p:cSld>
+  <p:clrMapOvr>
+    <a:masterClrMapping/>
+  </p:clrMapOvr>
+</p:notes>
+</file>
+
 <file path=ppt/slideLayouts/slideLayout1.xml><?xml version="1.0" encoding="utf-8"?>
 <p:sldLayout xmlns:a="http://schemas.openxmlformats.org/drawingml/2006/main" xmlns:r="http://schemas.openxmlformats.org/officeDocument/2006/relationships" xmlns:p="http://schemas.openxmlformats.org/presentationml/2006/main" showMasterSp="0" type="title" preserve="1">
   <p:cSld name="Title Slide">
@@ -13575,7 +13751,7 @@
           <a:p>
             <a:fld id="{3CB14515-8DA5-4B82-96E7-E758FF8ACA06}" type="datetimeFigureOut">
               <a:rPr lang="en-US" smtClean="0"/>
-              <a:t>10/21/22</a:t>
+              <a:t>10/27/2022</a:t>
             </a:fld>
             <a:endParaRPr lang="en-US"/>
           </a:p>
@@ -13782,7 +13958,7 @@
           <a:p>
             <a:fld id="{3CB14515-8DA5-4B82-96E7-E758FF8ACA06}" type="datetimeFigureOut">
               <a:rPr lang="en-US" smtClean="0"/>
-              <a:t>10/21/22</a:t>
+              <a:t>10/27/2022</a:t>
             </a:fld>
             <a:endParaRPr lang="en-US"/>
           </a:p>
@@ -13962,7 +14138,7 @@
           <a:p>
             <a:fld id="{3CB14515-8DA5-4B82-96E7-E758FF8ACA06}" type="datetimeFigureOut">
               <a:rPr lang="en-US" smtClean="0"/>
-              <a:t>10/21/22</a:t>
+              <a:t>10/27/2022</a:t>
             </a:fld>
             <a:endParaRPr lang="en-US"/>
           </a:p>
@@ -14167,7 +14343,7 @@
           <a:p>
             <a:fld id="{3CB14515-8DA5-4B82-96E7-E758FF8ACA06}" type="datetimeFigureOut">
               <a:rPr lang="en-US" smtClean="0"/>
-              <a:t>10/21/22</a:t>
+              <a:t>10/27/2022</a:t>
             </a:fld>
             <a:endParaRPr lang="en-US"/>
           </a:p>
@@ -23065,7 +23241,7 @@
           <a:p>
             <a:fld id="{3CB14515-8DA5-4B82-96E7-E758FF8ACA06}" type="datetimeFigureOut">
               <a:rPr lang="en-US" smtClean="0"/>
-              <a:t>10/21/22</a:t>
+              <a:t>10/27/2022</a:t>
             </a:fld>
             <a:endParaRPr lang="en-US"/>
           </a:p>
@@ -23339,7 +23515,7 @@
           <a:p>
             <a:fld id="{3CB14515-8DA5-4B82-96E7-E758FF8ACA06}" type="datetimeFigureOut">
               <a:rPr lang="en-US" smtClean="0"/>
-              <a:t>10/21/22</a:t>
+              <a:t>10/27/2022</a:t>
             </a:fld>
             <a:endParaRPr lang="en-US"/>
           </a:p>
@@ -23737,7 +23913,7 @@
           <a:p>
             <a:fld id="{3CB14515-8DA5-4B82-96E7-E758FF8ACA06}" type="datetimeFigureOut">
               <a:rPr lang="en-US" smtClean="0"/>
-              <a:t>10/21/22</a:t>
+              <a:t>10/27/2022</a:t>
             </a:fld>
             <a:endParaRPr lang="en-US"/>
           </a:p>
@@ -23855,7 +24031,7 @@
           <a:p>
             <a:fld id="{3CB14515-8DA5-4B82-96E7-E758FF8ACA06}" type="datetimeFigureOut">
               <a:rPr lang="en-US" smtClean="0"/>
-              <a:t>10/21/22</a:t>
+              <a:t>10/27/2022</a:t>
             </a:fld>
             <a:endParaRPr lang="en-US"/>
           </a:p>
@@ -23950,7 +24126,7 @@
           <a:p>
             <a:fld id="{3CB14515-8DA5-4B82-96E7-E758FF8ACA06}" type="datetimeFigureOut">
               <a:rPr lang="en-US" smtClean="0"/>
-              <a:t>10/21/22</a:t>
+              <a:t>10/27/2022</a:t>
             </a:fld>
             <a:endParaRPr lang="en-US"/>
           </a:p>
@@ -24240,7 +24416,7 @@
           <a:p>
             <a:fld id="{3CB14515-8DA5-4B82-96E7-E758FF8ACA06}" type="datetimeFigureOut">
               <a:rPr lang="en-US" smtClean="0"/>
-              <a:t>10/21/22</a:t>
+              <a:t>10/27/2022</a:t>
             </a:fld>
             <a:endParaRPr lang="en-US"/>
           </a:p>
@@ -24520,7 +24696,7 @@
           <a:p>
             <a:fld id="{3CB14515-8DA5-4B82-96E7-E758FF8ACA06}" type="datetimeFigureOut">
               <a:rPr lang="en-US" smtClean="0"/>
-              <a:t>10/21/22</a:t>
+              <a:t>10/27/2022</a:t>
             </a:fld>
             <a:endParaRPr lang="en-US"/>
           </a:p>
@@ -24770,7 +24946,7 @@
           <a:p>
             <a:fld id="{3CB14515-8DA5-4B82-96E7-E758FF8ACA06}" type="datetimeFigureOut">
               <a:rPr lang="en-US" smtClean="0"/>
-              <a:t>10/21/22</a:t>
+              <a:t>10/27/2022</a:t>
             </a:fld>
             <a:endParaRPr lang="en-US"/>
           </a:p>
@@ -25826,7 +26002,7 @@
           <a:lstStyle/>
           <a:p>
             <a:r>
-              <a:rPr lang="en-US" altLang="zh-CN" sz="2800" dirty="0">
+              <a:rPr lang="en-US" altLang="zh-CN" sz="2800" b="1" dirty="0">
                 <a:solidFill>
                   <a:srgbClr val="FF0000"/>
                 </a:solidFill>
@@ -26379,12 +26555,12 @@
           <a:lstStyle/>
           <a:p>
             <a:r>
-              <a:rPr lang="en-US" sz="2800" dirty="0">
+              <a:rPr lang="en-US" sz="2800" b="1" dirty="0">
                 <a:solidFill>
                   <a:srgbClr val="FF0000"/>
                 </a:solidFill>
               </a:rPr>
-              <a:t>Legal Identity of the Bond Issuer and Its Legal Form</a:t>
+              <a:t>Legal Identity of the Bond Issuer and Its Legal Form(1/5)</a:t>
             </a:r>
           </a:p>
           <a:p>
@@ -26664,12 +26840,12 @@
           <a:lstStyle/>
           <a:p>
             <a:r>
-              <a:rPr lang="en-US" sz="2800" dirty="0">
+              <a:rPr lang="en-US" sz="2800" b="1" dirty="0">
                 <a:solidFill>
                   <a:srgbClr val="FF0000"/>
                 </a:solidFill>
               </a:rPr>
-              <a:t>Source of repayment proceeds</a:t>
+              <a:t>Source of repayment proceeds(2/5)</a:t>
             </a:r>
           </a:p>
           <a:p>
@@ -26972,12 +27148,12 @@
           <a:lstStyle/>
           <a:p>
             <a:r>
-              <a:rPr lang="en-US" sz="2800" dirty="0">
+              <a:rPr lang="en-US" sz="2800" b="1" dirty="0">
                 <a:solidFill>
                   <a:srgbClr val="FF0000"/>
                 </a:solidFill>
               </a:rPr>
-              <a:t>Asset or collateral backing</a:t>
+              <a:t>Asset or collateral backing(3/5)</a:t>
             </a:r>
           </a:p>
           <a:p>
@@ -27396,12 +27572,12 @@
           <a:lstStyle/>
           <a:p>
             <a:r>
-              <a:rPr lang="en-US" sz="2800" dirty="0">
+              <a:rPr lang="en-US" sz="2800" b="1" dirty="0">
                 <a:solidFill>
                   <a:srgbClr val="FF0000"/>
                 </a:solidFill>
               </a:rPr>
-              <a:t>Credit enhancements</a:t>
+              <a:t>Credit enhancements(4/5)</a:t>
             </a:r>
           </a:p>
           <a:p>
@@ -27568,12 +27744,12 @@
           <a:lstStyle/>
           <a:p>
             <a:r>
-              <a:rPr lang="en-US" sz="2800" dirty="0">
+              <a:rPr lang="en-US" sz="2800" b="1" dirty="0">
                 <a:solidFill>
                   <a:srgbClr val="FF0000"/>
                 </a:solidFill>
               </a:rPr>
-              <a:t>Covenants</a:t>
+              <a:t>Covenants(5/5)</a:t>
             </a:r>
           </a:p>
           <a:p>
@@ -28748,7 +28924,7 @@
           <a:lstStyle/>
           <a:p>
             <a:r>
-              <a:rPr lang="en-US" sz="3600" dirty="0">
+              <a:rPr lang="en-US" sz="2800" b="1" dirty="0">
                 <a:solidFill>
                   <a:srgbClr val="FF0000"/>
                 </a:solidFill>
@@ -29559,7 +29735,7 @@
           <a:lstStyle/>
           <a:p>
             <a:r>
-              <a:rPr lang="en-US" sz="2800" dirty="0"/>
+              <a:rPr lang="en-US" sz="2800" b="1" dirty="0"/>
               <a:t>Legal, regulatory, and tax consideration</a:t>
             </a:r>
           </a:p>
@@ -30202,7 +30378,7 @@
           <a:lstStyle/>
           <a:p>
             <a:r>
-              <a:rPr lang="en-US" sz="2800" dirty="0"/>
+              <a:rPr lang="en-US" sz="2800" b="1" dirty="0"/>
               <a:t>Tax Considerations</a:t>
             </a:r>
           </a:p>
@@ -30808,8 +30984,12 @@
           <a:lstStyle/>
           <a:p>
             <a:r>
-              <a:rPr lang="en-US" sz="2800" dirty="0"/>
-              <a:t>Principal repayment structures</a:t>
+              <a:rPr lang="en-US" sz="2800" b="1" dirty="0">
+                <a:solidFill>
+                  <a:srgbClr val="FF0000"/>
+                </a:solidFill>
+              </a:rPr>
+              <a:t>Principal repayment structures(1/3)</a:t>
             </a:r>
           </a:p>
           <a:p>
@@ -31545,8 +31725,12 @@
           <a:lstStyle/>
           <a:p>
             <a:r>
-              <a:rPr lang="en-US" sz="2800" dirty="0"/>
-              <a:t>Principal repayment structures</a:t>
+              <a:rPr lang="en-US" sz="2800" b="1" dirty="0">
+                <a:solidFill>
+                  <a:srgbClr val="FF0000"/>
+                </a:solidFill>
+              </a:rPr>
+              <a:t>Principal repayment structures(2/3)</a:t>
             </a:r>
           </a:p>
           <a:p>
@@ -32282,8 +32466,12 @@
           <a:lstStyle/>
           <a:p>
             <a:r>
-              <a:rPr lang="en-US" sz="2800" dirty="0"/>
-              <a:t>Principal repayment structures</a:t>
+              <a:rPr lang="en-US" sz="2800" b="1" dirty="0">
+                <a:solidFill>
+                  <a:srgbClr val="FF0000"/>
+                </a:solidFill>
+              </a:rPr>
+              <a:t>Principal repayment structures(3/3)</a:t>
             </a:r>
           </a:p>
           <a:p>
@@ -33360,12 +33548,12 @@
           <a:lstStyle/>
           <a:p>
             <a:r>
-              <a:rPr lang="en-US" sz="3600" dirty="0">
+              <a:rPr lang="en-US" sz="2800" b="1" dirty="0">
                 <a:solidFill>
                   <a:srgbClr val="FF0000"/>
                 </a:solidFill>
               </a:rPr>
-              <a:t>Issuer</a:t>
+              <a:t>Issuer(1/6)</a:t>
             </a:r>
           </a:p>
           <a:p>
@@ -34338,7 +34526,11 @@
           <a:lstStyle/>
           <a:p>
             <a:r>
-              <a:rPr lang="en-US" sz="2800" dirty="0"/>
+              <a:rPr lang="en-US" sz="2800" b="1" dirty="0">
+                <a:solidFill>
+                  <a:srgbClr val="FF0000"/>
+                </a:solidFill>
+              </a:rPr>
               <a:t>Sinking fund arrangement</a:t>
             </a:r>
           </a:p>
@@ -34492,7 +34684,7 @@
         </p:nvGraphicFramePr>
         <p:xfrm>
           <a:off x="1023940" y="2084832"/>
-          <a:ext cx="8837512" cy="5669280"/>
+          <a:ext cx="8837512" cy="5639329"/>
         </p:xfrm>
         <a:graphic>
           <a:graphicData uri="http://schemas.openxmlformats.org/drawingml/2006/table">
@@ -35796,6 +35988,888 @@
 </p:sld>
 </file>
 
+<file path=ppt/slides/slide35.xml><?xml version="1.0" encoding="utf-8"?>
+<p:sld xmlns:a="http://schemas.openxmlformats.org/drawingml/2006/main" xmlns:r="http://schemas.openxmlformats.org/officeDocument/2006/relationships" xmlns:p="http://schemas.openxmlformats.org/presentationml/2006/main">
+  <p:cSld>
+    <p:spTree>
+      <p:nvGrpSpPr>
+        <p:cNvPr id="1" name=""/>
+        <p:cNvGrpSpPr/>
+        <p:nvPr/>
+      </p:nvGrpSpPr>
+      <p:grpSpPr>
+        <a:xfrm>
+          <a:off x="0" y="0"/>
+          <a:ext cx="0" cy="0"/>
+          <a:chOff x="0" y="0"/>
+          <a:chExt cx="0" cy="0"/>
+        </a:xfrm>
+      </p:grpSpPr>
+      <p:sp>
+        <p:nvSpPr>
+          <p:cNvPr id="2" name="Title 1">
+            <a:extLst>
+              <a:ext uri="{FF2B5EF4-FFF2-40B4-BE49-F238E27FC236}">
+                <a16:creationId xmlns:a16="http://schemas.microsoft.com/office/drawing/2014/main" id="{417D7D10-17A7-4C8E-9F02-FB1FE262BAD0}"/>
+              </a:ext>
+            </a:extLst>
+          </p:cNvPr>
+          <p:cNvSpPr>
+            <a:spLocks noGrp="1"/>
+          </p:cNvSpPr>
+          <p:nvPr>
+            <p:ph type="title"/>
+          </p:nvPr>
+        </p:nvSpPr>
+        <p:spPr/>
+        <p:txBody>
+          <a:bodyPr>
+            <a:normAutofit/>
+          </a:bodyPr>
+          <a:lstStyle/>
+          <a:p>
+            <a:r>
+              <a:rPr lang="en-US" sz="3500" dirty="0"/>
+              <a:t>Module1</a:t>
+            </a:r>
+            <a:br>
+              <a:rPr lang="en-US" sz="3500" dirty="0"/>
+            </a:br>
+            <a:r>
+              <a:rPr lang="en-US" sz="3500" dirty="0"/>
+              <a:t>Fixed-Income Securities: </a:t>
+            </a:r>
+            <a:br>
+              <a:rPr lang="en-US" sz="3500" dirty="0"/>
+            </a:br>
+            <a:r>
+              <a:rPr lang="en-US" sz="3500" dirty="0"/>
+              <a:t>Defining Elements</a:t>
+            </a:r>
+          </a:p>
+        </p:txBody>
+      </p:sp>
+      <p:sp>
+        <p:nvSpPr>
+          <p:cNvPr id="3" name="Content Placeholder 2">
+            <a:extLst>
+              <a:ext uri="{FF2B5EF4-FFF2-40B4-BE49-F238E27FC236}">
+                <a16:creationId xmlns:a16="http://schemas.microsoft.com/office/drawing/2014/main" id="{489183AF-8E78-4746-B847-9E933E0E06D7}"/>
+              </a:ext>
+            </a:extLst>
+          </p:cNvPr>
+          <p:cNvSpPr>
+            <a:spLocks noGrp="1"/>
+          </p:cNvSpPr>
+          <p:nvPr>
+            <p:ph idx="1"/>
+          </p:nvPr>
+        </p:nvSpPr>
+        <p:spPr/>
+        <p:txBody>
+          <a:bodyPr/>
+          <a:lstStyle/>
+          <a:p>
+            <a:r>
+              <a:rPr lang="en-US" sz="2800" b="1" dirty="0">
+                <a:solidFill>
+                  <a:srgbClr val="FF0000"/>
+                </a:solidFill>
+              </a:rPr>
+              <a:t>Coupon payment structures</a:t>
+            </a:r>
+          </a:p>
+          <a:p>
+            <a:pPr>
+              <a:buFont typeface="Wingdings" panose="05000000000000000000" pitchFamily="2" charset="2"/>
+              <a:buChar char="§"/>
+            </a:pPr>
+            <a:r>
+              <a:rPr lang="en-US" dirty="0"/>
+              <a:t>Floating-rate notes</a:t>
+            </a:r>
+          </a:p>
+          <a:p>
+            <a:pPr>
+              <a:buFont typeface="Wingdings" panose="05000000000000000000" pitchFamily="2" charset="2"/>
+              <a:buChar char="§"/>
+            </a:pPr>
+            <a:r>
+              <a:rPr lang="en-US" dirty="0"/>
+              <a:t>Step-up coupon bonds</a:t>
+            </a:r>
+          </a:p>
+          <a:p>
+            <a:pPr>
+              <a:buFont typeface="Wingdings" panose="05000000000000000000" pitchFamily="2" charset="2"/>
+              <a:buChar char="§"/>
+            </a:pPr>
+            <a:r>
+              <a:rPr lang="en-US" dirty="0"/>
+              <a:t>Credit-linked coupon bonds</a:t>
+            </a:r>
+          </a:p>
+          <a:p>
+            <a:pPr>
+              <a:buFont typeface="Wingdings" panose="05000000000000000000" pitchFamily="2" charset="2"/>
+              <a:buChar char="§"/>
+            </a:pPr>
+            <a:r>
+              <a:rPr lang="en-US" dirty="0"/>
+              <a:t>Payment-in-kind coupon bonds</a:t>
+            </a:r>
+          </a:p>
+          <a:p>
+            <a:pPr>
+              <a:buFont typeface="Wingdings" panose="05000000000000000000" pitchFamily="2" charset="2"/>
+              <a:buChar char="§"/>
+            </a:pPr>
+            <a:r>
+              <a:rPr lang="en-US" dirty="0"/>
+              <a:t>Deferred coupon bonds</a:t>
+            </a:r>
+          </a:p>
+          <a:p>
+            <a:pPr>
+              <a:buFont typeface="Wingdings" panose="05000000000000000000" pitchFamily="2" charset="2"/>
+              <a:buChar char="§"/>
+            </a:pPr>
+            <a:r>
+              <a:rPr lang="en-US" dirty="0"/>
+              <a:t>Index-linked bonds</a:t>
+            </a:r>
+          </a:p>
+          <a:p>
+            <a:endParaRPr lang="en-US" dirty="0"/>
+          </a:p>
+          <a:p>
+            <a:endParaRPr lang="en-US" dirty="0"/>
+          </a:p>
+        </p:txBody>
+      </p:sp>
+    </p:spTree>
+    <p:extLst>
+      <p:ext uri="{BB962C8B-B14F-4D97-AF65-F5344CB8AC3E}">
+        <p14:creationId xmlns:p14="http://schemas.microsoft.com/office/powerpoint/2010/main" val="2265964379"/>
+      </p:ext>
+    </p:extLst>
+  </p:cSld>
+  <p:clrMapOvr>
+    <a:masterClrMapping/>
+  </p:clrMapOvr>
+</p:sld>
+</file>
+
+<file path=ppt/slides/slide36.xml><?xml version="1.0" encoding="utf-8"?>
+<p:sld xmlns:a="http://schemas.openxmlformats.org/drawingml/2006/main" xmlns:r="http://schemas.openxmlformats.org/officeDocument/2006/relationships" xmlns:p="http://schemas.openxmlformats.org/presentationml/2006/main">
+  <p:cSld>
+    <p:spTree>
+      <p:nvGrpSpPr>
+        <p:cNvPr id="1" name=""/>
+        <p:cNvGrpSpPr/>
+        <p:nvPr/>
+      </p:nvGrpSpPr>
+      <p:grpSpPr>
+        <a:xfrm>
+          <a:off x="0" y="0"/>
+          <a:ext cx="0" cy="0"/>
+          <a:chOff x="0" y="0"/>
+          <a:chExt cx="0" cy="0"/>
+        </a:xfrm>
+      </p:grpSpPr>
+      <p:sp>
+        <p:nvSpPr>
+          <p:cNvPr id="2" name="Title 1">
+            <a:extLst>
+              <a:ext uri="{FF2B5EF4-FFF2-40B4-BE49-F238E27FC236}">
+                <a16:creationId xmlns:a16="http://schemas.microsoft.com/office/drawing/2014/main" id="{BE810420-26EC-402C-BCFF-C571A6F031EF}"/>
+              </a:ext>
+            </a:extLst>
+          </p:cNvPr>
+          <p:cNvSpPr>
+            <a:spLocks noGrp="1"/>
+          </p:cNvSpPr>
+          <p:nvPr>
+            <p:ph type="title"/>
+          </p:nvPr>
+        </p:nvSpPr>
+        <p:spPr/>
+        <p:txBody>
+          <a:bodyPr>
+            <a:normAutofit/>
+          </a:bodyPr>
+          <a:lstStyle/>
+          <a:p>
+            <a:r>
+              <a:rPr lang="en-US" sz="3500" dirty="0"/>
+              <a:t>Module1</a:t>
+            </a:r>
+            <a:br>
+              <a:rPr lang="en-US" sz="3500" dirty="0"/>
+            </a:br>
+            <a:r>
+              <a:rPr lang="en-US" sz="3500" dirty="0"/>
+              <a:t>Fixed-Income Securities: </a:t>
+            </a:r>
+            <a:br>
+              <a:rPr lang="en-US" sz="3500" dirty="0"/>
+            </a:br>
+            <a:r>
+              <a:rPr lang="en-US" sz="3500" dirty="0"/>
+              <a:t>Defining Elements</a:t>
+            </a:r>
+          </a:p>
+        </p:txBody>
+      </p:sp>
+      <p:sp>
+        <p:nvSpPr>
+          <p:cNvPr id="3" name="Content Placeholder 2">
+            <a:extLst>
+              <a:ext uri="{FF2B5EF4-FFF2-40B4-BE49-F238E27FC236}">
+                <a16:creationId xmlns:a16="http://schemas.microsoft.com/office/drawing/2014/main" id="{19FFC7B7-22EC-402D-89F6-447E584EFBC9}"/>
+              </a:ext>
+            </a:extLst>
+          </p:cNvPr>
+          <p:cNvSpPr>
+            <a:spLocks noGrp="1"/>
+          </p:cNvSpPr>
+          <p:nvPr>
+            <p:ph idx="1"/>
+          </p:nvPr>
+        </p:nvSpPr>
+        <p:spPr/>
+        <p:txBody>
+          <a:bodyPr>
+            <a:normAutofit lnSpcReduction="10000"/>
+          </a:bodyPr>
+          <a:lstStyle/>
+          <a:p>
+            <a:r>
+              <a:rPr lang="en-US" sz="2800" b="1" dirty="0">
+                <a:solidFill>
+                  <a:srgbClr val="FF0000"/>
+                </a:solidFill>
+              </a:rPr>
+              <a:t>Floating-rate notes(1/6)</a:t>
+            </a:r>
+          </a:p>
+          <a:p>
+            <a:r>
+              <a:rPr lang="en-US" dirty="0"/>
+              <a:t>Floating-rate notes do not have a fixed coupon; instead, their coupon rate is linked to an </a:t>
+            </a:r>
+            <a:r>
+              <a:rPr lang="en-US" dirty="0">
+                <a:solidFill>
+                  <a:srgbClr val="FF0000"/>
+                </a:solidFill>
+              </a:rPr>
+              <a:t>external reference rate</a:t>
+            </a:r>
+            <a:r>
+              <a:rPr lang="en-US" dirty="0"/>
+              <a:t>, such as Euribor. FRNs usually pay a </a:t>
+            </a:r>
+            <a:r>
+              <a:rPr lang="en-US" dirty="0">
+                <a:solidFill>
+                  <a:srgbClr val="FF0000"/>
+                </a:solidFill>
+              </a:rPr>
+              <a:t>fixed spread </a:t>
+            </a:r>
+            <a:r>
+              <a:rPr lang="en-US" dirty="0"/>
+              <a:t>over the specified reference rate.</a:t>
+            </a:r>
+          </a:p>
+          <a:p>
+            <a:r>
+              <a:rPr lang="en-US" dirty="0"/>
+              <a:t>Almost all FRNs have </a:t>
+            </a:r>
+            <a:r>
+              <a:rPr lang="en-US" dirty="0">
+                <a:solidFill>
+                  <a:srgbClr val="FF0000"/>
+                </a:solidFill>
+              </a:rPr>
+              <a:t>quarterly</a:t>
+            </a:r>
+            <a:r>
+              <a:rPr lang="en-US" dirty="0"/>
+              <a:t> coupons.</a:t>
+            </a:r>
+          </a:p>
+          <a:p>
+            <a:r>
+              <a:rPr lang="en-US" dirty="0"/>
+              <a:t>FRNs have </a:t>
+            </a:r>
+            <a:r>
+              <a:rPr lang="en-US" dirty="0">
+                <a:solidFill>
+                  <a:srgbClr val="FF0000"/>
+                </a:solidFill>
+              </a:rPr>
+              <a:t>little interest rate risk</a:t>
+            </a:r>
+            <a:r>
+              <a:rPr lang="en-US" dirty="0"/>
+              <a:t>.</a:t>
+            </a:r>
+          </a:p>
+          <a:p>
+            <a:r>
+              <a:rPr lang="en-US" dirty="0"/>
+              <a:t>Additional features observed in FRNs may include </a:t>
+            </a:r>
+            <a:r>
+              <a:rPr lang="en-US" dirty="0">
+                <a:solidFill>
+                  <a:srgbClr val="FF0000"/>
+                </a:solidFill>
+              </a:rPr>
+              <a:t>a floor or a cap</a:t>
+            </a:r>
+            <a:r>
+              <a:rPr lang="en-US" dirty="0"/>
+              <a:t>. It is also possible to have a </a:t>
+            </a:r>
+            <a:r>
+              <a:rPr lang="en-US" dirty="0">
+                <a:solidFill>
+                  <a:srgbClr val="FF0000"/>
+                </a:solidFill>
+              </a:rPr>
+              <a:t>collared FRN, </a:t>
+            </a:r>
+            <a:r>
+              <a:rPr lang="en-US" dirty="0"/>
+              <a:t>which includes both a cap and a floor.</a:t>
+            </a:r>
+          </a:p>
+          <a:p>
+            <a:r>
+              <a:rPr lang="en-US" dirty="0"/>
+              <a:t>An </a:t>
+            </a:r>
+            <a:r>
+              <a:rPr lang="en-US" dirty="0">
+                <a:solidFill>
+                  <a:srgbClr val="FF0000"/>
+                </a:solidFill>
+              </a:rPr>
+              <a:t>inverse or reverse </a:t>
+            </a:r>
+            <a:r>
+              <a:rPr lang="en-US" dirty="0"/>
+              <a:t>FRN, or simply an inverse floater, is a bond whose coupon rate has an inverse relationship to the reference rate.</a:t>
+            </a:r>
+          </a:p>
+        </p:txBody>
+      </p:sp>
+    </p:spTree>
+    <p:extLst>
+      <p:ext uri="{BB962C8B-B14F-4D97-AF65-F5344CB8AC3E}">
+        <p14:creationId xmlns:p14="http://schemas.microsoft.com/office/powerpoint/2010/main" val="1786989951"/>
+      </p:ext>
+    </p:extLst>
+  </p:cSld>
+  <p:clrMapOvr>
+    <a:masterClrMapping/>
+  </p:clrMapOvr>
+</p:sld>
+</file>
+
+<file path=ppt/slides/slide37.xml><?xml version="1.0" encoding="utf-8"?>
+<p:sld xmlns:a="http://schemas.openxmlformats.org/drawingml/2006/main" xmlns:r="http://schemas.openxmlformats.org/officeDocument/2006/relationships" xmlns:p="http://schemas.openxmlformats.org/presentationml/2006/main">
+  <p:cSld>
+    <p:spTree>
+      <p:nvGrpSpPr>
+        <p:cNvPr id="1" name=""/>
+        <p:cNvGrpSpPr/>
+        <p:nvPr/>
+      </p:nvGrpSpPr>
+      <p:grpSpPr>
+        <a:xfrm>
+          <a:off x="0" y="0"/>
+          <a:ext cx="0" cy="0"/>
+          <a:chOff x="0" y="0"/>
+          <a:chExt cx="0" cy="0"/>
+        </a:xfrm>
+      </p:grpSpPr>
+      <p:sp>
+        <p:nvSpPr>
+          <p:cNvPr id="2" name="Title 1">
+            <a:extLst>
+              <a:ext uri="{FF2B5EF4-FFF2-40B4-BE49-F238E27FC236}">
+                <a16:creationId xmlns:a16="http://schemas.microsoft.com/office/drawing/2014/main" id="{4CACDEF0-2184-4282-98DE-6B42B4BEE4FA}"/>
+              </a:ext>
+            </a:extLst>
+          </p:cNvPr>
+          <p:cNvSpPr>
+            <a:spLocks noGrp="1"/>
+          </p:cNvSpPr>
+          <p:nvPr>
+            <p:ph type="title"/>
+          </p:nvPr>
+        </p:nvSpPr>
+        <p:spPr/>
+        <p:txBody>
+          <a:bodyPr>
+            <a:normAutofit/>
+          </a:bodyPr>
+          <a:lstStyle/>
+          <a:p>
+            <a:r>
+              <a:rPr lang="en-US" sz="3500" dirty="0"/>
+              <a:t>Module1</a:t>
+            </a:r>
+            <a:br>
+              <a:rPr lang="en-US" sz="3500" dirty="0"/>
+            </a:br>
+            <a:r>
+              <a:rPr lang="en-US" sz="3500" dirty="0"/>
+              <a:t>Fixed-Income Securities: </a:t>
+            </a:r>
+            <a:br>
+              <a:rPr lang="en-US" sz="3500" dirty="0"/>
+            </a:br>
+            <a:r>
+              <a:rPr lang="en-US" sz="3500" dirty="0"/>
+              <a:t>Defining Elements</a:t>
+            </a:r>
+          </a:p>
+        </p:txBody>
+      </p:sp>
+      <p:sp>
+        <p:nvSpPr>
+          <p:cNvPr id="3" name="Content Placeholder 2">
+            <a:extLst>
+              <a:ext uri="{FF2B5EF4-FFF2-40B4-BE49-F238E27FC236}">
+                <a16:creationId xmlns:a16="http://schemas.microsoft.com/office/drawing/2014/main" id="{C971C172-2A61-45B4-A534-E9DB2AE26BE2}"/>
+              </a:ext>
+            </a:extLst>
+          </p:cNvPr>
+          <p:cNvSpPr>
+            <a:spLocks noGrp="1"/>
+          </p:cNvSpPr>
+          <p:nvPr>
+            <p:ph idx="1"/>
+          </p:nvPr>
+        </p:nvSpPr>
+        <p:spPr/>
+        <p:txBody>
+          <a:bodyPr>
+            <a:normAutofit/>
+          </a:bodyPr>
+          <a:lstStyle/>
+          <a:p>
+            <a:r>
+              <a:rPr lang="en-US" sz="2800" b="1" dirty="0">
+                <a:solidFill>
+                  <a:srgbClr val="FF0000"/>
+                </a:solidFill>
+              </a:rPr>
+              <a:t>Step-Up Coupon Bonds(2/6)</a:t>
+            </a:r>
+          </a:p>
+          <a:p>
+            <a:r>
+              <a:rPr lang="en-US" dirty="0"/>
+              <a:t>The coupon of a step-up coupon bond, which may be fixed or floating, increases by specified margins at specified dates.</a:t>
+            </a:r>
+            <a:endParaRPr lang="en-US" sz="2800" dirty="0">
+              <a:solidFill>
+                <a:srgbClr val="FF0000"/>
+              </a:solidFill>
+            </a:endParaRPr>
+          </a:p>
+          <a:p>
+            <a:r>
+              <a:rPr lang="en-US" sz="2800" b="1" dirty="0">
+                <a:solidFill>
+                  <a:srgbClr val="FF0000"/>
+                </a:solidFill>
+              </a:rPr>
+              <a:t>Credit-Linked Coupon Bonds(3/6)</a:t>
+            </a:r>
+          </a:p>
+          <a:p>
+            <a:r>
+              <a:rPr lang="en-US" dirty="0"/>
+              <a:t>A credit-linked coupon bond has a coupon that changes when the bond’s credit rating changes. </a:t>
+            </a:r>
+          </a:p>
+          <a:p>
+            <a:r>
+              <a:rPr lang="en-US" sz="2800" b="1" dirty="0">
+                <a:solidFill>
+                  <a:srgbClr val="FF0000"/>
+                </a:solidFill>
+              </a:rPr>
+              <a:t>Payment-in-Kind Coupon Bonds(4/6)</a:t>
+            </a:r>
+          </a:p>
+          <a:p>
+            <a:r>
+              <a:rPr lang="en-US" dirty="0"/>
+              <a:t>A payment-in-kind (PIK) coupon bond typically allows the issuer to pay interest in the form of additional amounts of the bond issue rather than as a cash payment.</a:t>
+            </a:r>
+          </a:p>
+        </p:txBody>
+      </p:sp>
+    </p:spTree>
+    <p:extLst>
+      <p:ext uri="{BB962C8B-B14F-4D97-AF65-F5344CB8AC3E}">
+        <p14:creationId xmlns:p14="http://schemas.microsoft.com/office/powerpoint/2010/main" val="2793075245"/>
+      </p:ext>
+    </p:extLst>
+  </p:cSld>
+  <p:clrMapOvr>
+    <a:masterClrMapping/>
+  </p:clrMapOvr>
+</p:sld>
+</file>
+
+<file path=ppt/slides/slide38.xml><?xml version="1.0" encoding="utf-8"?>
+<p:sld xmlns:a="http://schemas.openxmlformats.org/drawingml/2006/main" xmlns:r="http://schemas.openxmlformats.org/officeDocument/2006/relationships" xmlns:p="http://schemas.openxmlformats.org/presentationml/2006/main">
+  <p:cSld>
+    <p:spTree>
+      <p:nvGrpSpPr>
+        <p:cNvPr id="1" name=""/>
+        <p:cNvGrpSpPr/>
+        <p:nvPr/>
+      </p:nvGrpSpPr>
+      <p:grpSpPr>
+        <a:xfrm>
+          <a:off x="0" y="0"/>
+          <a:ext cx="0" cy="0"/>
+          <a:chOff x="0" y="0"/>
+          <a:chExt cx="0" cy="0"/>
+        </a:xfrm>
+      </p:grpSpPr>
+      <p:sp>
+        <p:nvSpPr>
+          <p:cNvPr id="2" name="Title 1">
+            <a:extLst>
+              <a:ext uri="{FF2B5EF4-FFF2-40B4-BE49-F238E27FC236}">
+                <a16:creationId xmlns:a16="http://schemas.microsoft.com/office/drawing/2014/main" id="{CBD58A2B-C046-48AC-9935-1777527C0745}"/>
+              </a:ext>
+            </a:extLst>
+          </p:cNvPr>
+          <p:cNvSpPr>
+            <a:spLocks noGrp="1"/>
+          </p:cNvSpPr>
+          <p:nvPr>
+            <p:ph type="title"/>
+          </p:nvPr>
+        </p:nvSpPr>
+        <p:spPr/>
+        <p:txBody>
+          <a:bodyPr>
+            <a:normAutofit/>
+          </a:bodyPr>
+          <a:lstStyle/>
+          <a:p>
+            <a:r>
+              <a:rPr lang="en-US" sz="3500" dirty="0"/>
+              <a:t>Module1</a:t>
+            </a:r>
+            <a:br>
+              <a:rPr lang="en-US" sz="3500" dirty="0"/>
+            </a:br>
+            <a:r>
+              <a:rPr lang="en-US" sz="3500" dirty="0"/>
+              <a:t>Fixed-Income Securities: </a:t>
+            </a:r>
+            <a:br>
+              <a:rPr lang="en-US" sz="3500" dirty="0"/>
+            </a:br>
+            <a:r>
+              <a:rPr lang="en-US" sz="3500" dirty="0"/>
+              <a:t>Defining Elements</a:t>
+            </a:r>
+          </a:p>
+        </p:txBody>
+      </p:sp>
+      <p:sp>
+        <p:nvSpPr>
+          <p:cNvPr id="3" name="Content Placeholder 2">
+            <a:extLst>
+              <a:ext uri="{FF2B5EF4-FFF2-40B4-BE49-F238E27FC236}">
+                <a16:creationId xmlns:a16="http://schemas.microsoft.com/office/drawing/2014/main" id="{C03A372E-0D23-42EF-A0DD-6D96076A5CD5}"/>
+              </a:ext>
+            </a:extLst>
+          </p:cNvPr>
+          <p:cNvSpPr>
+            <a:spLocks noGrp="1"/>
+          </p:cNvSpPr>
+          <p:nvPr>
+            <p:ph idx="1"/>
+          </p:nvPr>
+        </p:nvSpPr>
+        <p:spPr>
+          <a:xfrm>
+            <a:off x="1024127" y="2249424"/>
+            <a:ext cx="9720073" cy="4023360"/>
+          </a:xfrm>
+        </p:spPr>
+        <p:txBody>
+          <a:bodyPr/>
+          <a:lstStyle/>
+          <a:p>
+            <a:r>
+              <a:rPr lang="en-US" sz="2800" b="1" dirty="0">
+                <a:solidFill>
+                  <a:srgbClr val="FF0000"/>
+                </a:solidFill>
+              </a:rPr>
+              <a:t>Deferred coupon bonds(5/6)</a:t>
+            </a:r>
+          </a:p>
+          <a:p>
+            <a:r>
+              <a:rPr lang="en-US" dirty="0"/>
+              <a:t>A deferred coupon bond, sometimes called a split coupon bond, pays no coupons for its first few years but then pays a higher coupon than it otherwise normally would for the remainder of its life.</a:t>
+            </a:r>
+          </a:p>
+          <a:p>
+            <a:r>
+              <a:rPr lang="en-US" dirty="0"/>
+              <a:t>A </a:t>
+            </a:r>
+            <a:r>
+              <a:rPr lang="en-US" dirty="0">
+                <a:solidFill>
+                  <a:srgbClr val="FF0000"/>
+                </a:solidFill>
+              </a:rPr>
+              <a:t>zero-coupon</a:t>
+            </a:r>
+            <a:r>
+              <a:rPr lang="en-US" dirty="0"/>
+              <a:t> bond can be thought of as an extreme form of deferred coupon bond.</a:t>
+            </a:r>
+          </a:p>
+          <a:p>
+            <a:endParaRPr lang="en-US" dirty="0"/>
+          </a:p>
+        </p:txBody>
+      </p:sp>
+    </p:spTree>
+    <p:extLst>
+      <p:ext uri="{BB962C8B-B14F-4D97-AF65-F5344CB8AC3E}">
+        <p14:creationId xmlns:p14="http://schemas.microsoft.com/office/powerpoint/2010/main" val="2305948823"/>
+      </p:ext>
+    </p:extLst>
+  </p:cSld>
+  <p:clrMapOvr>
+    <a:masterClrMapping/>
+  </p:clrMapOvr>
+</p:sld>
+</file>
+
+<file path=ppt/slides/slide39.xml><?xml version="1.0" encoding="utf-8"?>
+<p:sld xmlns:a="http://schemas.openxmlformats.org/drawingml/2006/main" xmlns:r="http://schemas.openxmlformats.org/officeDocument/2006/relationships" xmlns:p="http://schemas.openxmlformats.org/presentationml/2006/main">
+  <p:cSld>
+    <p:spTree>
+      <p:nvGrpSpPr>
+        <p:cNvPr id="1" name=""/>
+        <p:cNvGrpSpPr/>
+        <p:nvPr/>
+      </p:nvGrpSpPr>
+      <p:grpSpPr>
+        <a:xfrm>
+          <a:off x="0" y="0"/>
+          <a:ext cx="0" cy="0"/>
+          <a:chOff x="0" y="0"/>
+          <a:chExt cx="0" cy="0"/>
+        </a:xfrm>
+      </p:grpSpPr>
+      <p:sp>
+        <p:nvSpPr>
+          <p:cNvPr id="2" name="Title 1">
+            <a:extLst>
+              <a:ext uri="{FF2B5EF4-FFF2-40B4-BE49-F238E27FC236}">
+                <a16:creationId xmlns:a16="http://schemas.microsoft.com/office/drawing/2014/main" id="{F4BFC4DE-9CB9-4D2F-B2BA-242DF4165EA5}"/>
+              </a:ext>
+            </a:extLst>
+          </p:cNvPr>
+          <p:cNvSpPr>
+            <a:spLocks noGrp="1"/>
+          </p:cNvSpPr>
+          <p:nvPr>
+            <p:ph type="title"/>
+          </p:nvPr>
+        </p:nvSpPr>
+        <p:spPr/>
+        <p:txBody>
+          <a:bodyPr>
+            <a:normAutofit/>
+          </a:bodyPr>
+          <a:lstStyle/>
+          <a:p>
+            <a:r>
+              <a:rPr lang="en-US" sz="3500" dirty="0"/>
+              <a:t>Module1</a:t>
+            </a:r>
+            <a:br>
+              <a:rPr lang="en-US" sz="3500" dirty="0"/>
+            </a:br>
+            <a:r>
+              <a:rPr lang="en-US" sz="3500" dirty="0"/>
+              <a:t>Fixed-Income Securities: </a:t>
+            </a:r>
+            <a:br>
+              <a:rPr lang="en-US" sz="3500" dirty="0"/>
+            </a:br>
+            <a:r>
+              <a:rPr lang="en-US" sz="3500" dirty="0"/>
+              <a:t>Defining Elements</a:t>
+            </a:r>
+          </a:p>
+        </p:txBody>
+      </p:sp>
+      <p:sp>
+        <p:nvSpPr>
+          <p:cNvPr id="3" name="Content Placeholder 2">
+            <a:extLst>
+              <a:ext uri="{FF2B5EF4-FFF2-40B4-BE49-F238E27FC236}">
+                <a16:creationId xmlns:a16="http://schemas.microsoft.com/office/drawing/2014/main" id="{AF46EA5A-23A4-4950-B8BC-3793F9427FBE}"/>
+              </a:ext>
+            </a:extLst>
+          </p:cNvPr>
+          <p:cNvSpPr>
+            <a:spLocks noGrp="1"/>
+          </p:cNvSpPr>
+          <p:nvPr>
+            <p:ph idx="1"/>
+          </p:nvPr>
+        </p:nvSpPr>
+        <p:spPr/>
+        <p:txBody>
+          <a:bodyPr/>
+          <a:lstStyle/>
+          <a:p>
+            <a:r>
+              <a:rPr lang="en-US" sz="2800" b="1" dirty="0">
+                <a:solidFill>
+                  <a:srgbClr val="FF0000"/>
+                </a:solidFill>
+              </a:rPr>
+              <a:t>Index-linked bonds(6/6)</a:t>
+            </a:r>
+          </a:p>
+          <a:p>
+            <a:r>
+              <a:rPr lang="en-US" dirty="0"/>
+              <a:t>An index-linked bond has its coupon payments and/or principal repayment linked to a specified index. </a:t>
+            </a:r>
+            <a:r>
+              <a:rPr lang="en-US" dirty="0">
+                <a:solidFill>
+                  <a:srgbClr val="FF0000"/>
+                </a:solidFill>
+              </a:rPr>
+              <a:t>Inflation-linked bonds </a:t>
+            </a:r>
+            <a:r>
+              <a:rPr lang="en-US" dirty="0"/>
+              <a:t>are an example of index-linked bonds.</a:t>
+            </a:r>
+          </a:p>
+          <a:p>
+            <a:r>
+              <a:rPr lang="en-US" dirty="0"/>
+              <a:t>Theoretically inflation-linked bonds provide investors the benefit of a long-term asset with a fixed real return that is </a:t>
+            </a:r>
+            <a:r>
+              <a:rPr lang="en-US" dirty="0">
+                <a:solidFill>
+                  <a:srgbClr val="FF0000"/>
+                </a:solidFill>
+              </a:rPr>
+              <a:t>free from inflation risk</a:t>
+            </a:r>
+            <a:r>
+              <a:rPr lang="en-US" dirty="0"/>
+              <a:t>.</a:t>
+            </a:r>
+          </a:p>
+          <a:p>
+            <a:pPr>
+              <a:buFont typeface="Wingdings" panose="05000000000000000000" pitchFamily="2" charset="2"/>
+              <a:buChar char="§"/>
+            </a:pPr>
+            <a:r>
+              <a:rPr lang="en-US" dirty="0">
+                <a:solidFill>
+                  <a:srgbClr val="FF0000"/>
+                </a:solidFill>
+              </a:rPr>
+              <a:t>Zero-coupon-indexed bonds</a:t>
+            </a:r>
+            <a:endParaRPr lang="en-US" dirty="0"/>
+          </a:p>
+          <a:p>
+            <a:pPr>
+              <a:buFont typeface="Wingdings" panose="05000000000000000000" pitchFamily="2" charset="2"/>
+              <a:buChar char="§"/>
+            </a:pPr>
+            <a:r>
+              <a:rPr lang="en-US" dirty="0">
+                <a:solidFill>
+                  <a:srgbClr val="FF0000"/>
+                </a:solidFill>
+              </a:rPr>
+              <a:t>Interest-indexed bonds</a:t>
+            </a:r>
+          </a:p>
+          <a:p>
+            <a:pPr>
+              <a:buFont typeface="Wingdings" panose="05000000000000000000" pitchFamily="2" charset="2"/>
+              <a:buChar char="§"/>
+            </a:pPr>
+            <a:r>
+              <a:rPr lang="en-US" dirty="0">
+                <a:solidFill>
+                  <a:srgbClr val="FF0000"/>
+                </a:solidFill>
+              </a:rPr>
+              <a:t>Capital-indexed bonds</a:t>
+            </a:r>
+          </a:p>
+          <a:p>
+            <a:pPr>
+              <a:buFont typeface="Wingdings" panose="05000000000000000000" pitchFamily="2" charset="2"/>
+              <a:buChar char="§"/>
+            </a:pPr>
+            <a:r>
+              <a:rPr lang="en-US" dirty="0">
+                <a:solidFill>
+                  <a:srgbClr val="FF0000"/>
+                </a:solidFill>
+              </a:rPr>
+              <a:t>Indexed-annuity bonds</a:t>
+            </a:r>
+          </a:p>
+        </p:txBody>
+      </p:sp>
+    </p:spTree>
+    <p:extLst>
+      <p:ext uri="{BB962C8B-B14F-4D97-AF65-F5344CB8AC3E}">
+        <p14:creationId xmlns:p14="http://schemas.microsoft.com/office/powerpoint/2010/main" val="2283329616"/>
+      </p:ext>
+    </p:extLst>
+  </p:cSld>
+  <p:clrMapOvr>
+    <a:masterClrMapping/>
+  </p:clrMapOvr>
+</p:sld>
+</file>
+
 <file path=ppt/slides/slide4.xml><?xml version="1.0" encoding="utf-8"?>
 <p:sld xmlns:a="http://schemas.openxmlformats.org/drawingml/2006/main" xmlns:r="http://schemas.openxmlformats.org/officeDocument/2006/relationships" xmlns:p="http://schemas.openxmlformats.org/presentationml/2006/main">
   <p:cSld>
@@ -36091,6 +37165,399 @@
     <p:extLst>
       <p:ext uri="{BB962C8B-B14F-4D97-AF65-F5344CB8AC3E}">
         <p14:creationId xmlns:p14="http://schemas.microsoft.com/office/powerpoint/2010/main" val="517479427"/>
+      </p:ext>
+    </p:extLst>
+  </p:cSld>
+  <p:clrMapOvr>
+    <a:masterClrMapping/>
+  </p:clrMapOvr>
+</p:sld>
+</file>
+
+<file path=ppt/slides/slide40.xml><?xml version="1.0" encoding="utf-8"?>
+<p:sld xmlns:a="http://schemas.openxmlformats.org/drawingml/2006/main" xmlns:r="http://schemas.openxmlformats.org/officeDocument/2006/relationships" xmlns:p="http://schemas.openxmlformats.org/presentationml/2006/main">
+  <p:cSld>
+    <p:spTree>
+      <p:nvGrpSpPr>
+        <p:cNvPr id="1" name=""/>
+        <p:cNvGrpSpPr/>
+        <p:nvPr/>
+      </p:nvGrpSpPr>
+      <p:grpSpPr>
+        <a:xfrm>
+          <a:off x="0" y="0"/>
+          <a:ext cx="0" cy="0"/>
+          <a:chOff x="0" y="0"/>
+          <a:chExt cx="0" cy="0"/>
+        </a:xfrm>
+      </p:grpSpPr>
+      <p:sp>
+        <p:nvSpPr>
+          <p:cNvPr id="2" name="Title 1">
+            <a:extLst>
+              <a:ext uri="{FF2B5EF4-FFF2-40B4-BE49-F238E27FC236}">
+                <a16:creationId xmlns:a16="http://schemas.microsoft.com/office/drawing/2014/main" id="{36F51B5C-DB96-407B-9E94-B87FC41454B6}"/>
+              </a:ext>
+            </a:extLst>
+          </p:cNvPr>
+          <p:cNvSpPr>
+            <a:spLocks noGrp="1"/>
+          </p:cNvSpPr>
+          <p:nvPr>
+            <p:ph type="title"/>
+          </p:nvPr>
+        </p:nvSpPr>
+        <p:spPr/>
+        <p:txBody>
+          <a:bodyPr/>
+          <a:lstStyle/>
+          <a:p>
+            <a:r>
+              <a:rPr lang="en-US" dirty="0"/>
+              <a:t>practices</a:t>
+            </a:r>
+          </a:p>
+        </p:txBody>
+      </p:sp>
+      <p:sp>
+        <p:nvSpPr>
+          <p:cNvPr id="3" name="Content Placeholder 2">
+            <a:extLst>
+              <a:ext uri="{FF2B5EF4-FFF2-40B4-BE49-F238E27FC236}">
+                <a16:creationId xmlns:a16="http://schemas.microsoft.com/office/drawing/2014/main" id="{0F324E64-B7BF-43D5-B705-781198D5BBBE}"/>
+              </a:ext>
+            </a:extLst>
+          </p:cNvPr>
+          <p:cNvSpPr>
+            <a:spLocks noGrp="1"/>
+          </p:cNvSpPr>
+          <p:nvPr>
+            <p:ph idx="1"/>
+          </p:nvPr>
+        </p:nvSpPr>
+        <p:spPr/>
+        <p:txBody>
+          <a:bodyPr>
+            <a:normAutofit fontScale="85000" lnSpcReduction="20000"/>
+          </a:bodyPr>
+          <a:lstStyle/>
+          <a:p>
+            <a:pPr marL="0" indent="0">
+              <a:buNone/>
+            </a:pPr>
+            <a:r>
+              <a:rPr lang="en-US" dirty="0"/>
+              <a:t>1.The bonds that do not offer protection to the investor against increases in market interest rates are:</a:t>
+            </a:r>
+          </a:p>
+          <a:p>
+            <a:pPr marL="457200" indent="-457200">
+              <a:buFont typeface="+mj-lt"/>
+              <a:buAutoNum type="alphaUcPeriod"/>
+            </a:pPr>
+            <a:r>
+              <a:rPr lang="en-US" b="1" dirty="0"/>
+              <a:t>step-up bonds.</a:t>
+            </a:r>
+          </a:p>
+          <a:p>
+            <a:pPr marL="457200" indent="-457200">
+              <a:buFont typeface="+mj-lt"/>
+              <a:buAutoNum type="alphaUcPeriod"/>
+            </a:pPr>
+            <a:r>
+              <a:rPr lang="en-US" b="1" dirty="0"/>
+              <a:t>floating-rate notes.</a:t>
+            </a:r>
+          </a:p>
+          <a:p>
+            <a:pPr marL="457200" indent="-457200">
+              <a:buFont typeface="+mj-lt"/>
+              <a:buAutoNum type="alphaUcPeriod"/>
+            </a:pPr>
+            <a:r>
+              <a:rPr lang="en-US" b="1" dirty="0"/>
+              <a:t>inverse floating-rate notes.</a:t>
+            </a:r>
+          </a:p>
+          <a:p>
+            <a:pPr marL="0" indent="0">
+              <a:buNone/>
+            </a:pPr>
+            <a:r>
+              <a:rPr lang="en-US" dirty="0"/>
+              <a:t>2.The US Treasury offers Treasury Inflation-Protected Securities (TIPS). The principal of TIPS increases with inflation and decreases with deflation based on changes in the US Consumer Price Index. When TIPS mature, an investor is paid the original principal or inflation-adjusted principal, whichever is greater. TIPS pay interest twice a year based on a fixed real coupon rate that is applied to the inflation-adjusted principal. TIPS are most likely:</a:t>
+            </a:r>
+          </a:p>
+          <a:p>
+            <a:pPr marL="457200" indent="-457200">
+              <a:buFont typeface="+mj-lt"/>
+              <a:buAutoNum type="alphaUcPeriod"/>
+            </a:pPr>
+            <a:r>
+              <a:rPr lang="en-US" b="1" dirty="0"/>
+              <a:t>capital-indexed bonds.</a:t>
+            </a:r>
+          </a:p>
+          <a:p>
+            <a:pPr marL="457200" indent="-457200">
+              <a:buFont typeface="+mj-lt"/>
+              <a:buAutoNum type="alphaUcPeriod"/>
+            </a:pPr>
+            <a:r>
+              <a:rPr lang="en-US" b="1" dirty="0"/>
+              <a:t>interest-indexed bonds.</a:t>
+            </a:r>
+          </a:p>
+          <a:p>
+            <a:pPr marL="457200" indent="-457200">
+              <a:buFont typeface="+mj-lt"/>
+              <a:buAutoNum type="alphaUcPeriod"/>
+            </a:pPr>
+            <a:r>
+              <a:rPr lang="en-US" b="1" dirty="0"/>
+              <a:t>indexed-annuity bonds.</a:t>
+            </a:r>
+          </a:p>
+        </p:txBody>
+      </p:sp>
+    </p:spTree>
+    <p:extLst>
+      <p:ext uri="{BB962C8B-B14F-4D97-AF65-F5344CB8AC3E}">
+        <p14:creationId xmlns:p14="http://schemas.microsoft.com/office/powerpoint/2010/main" val="2231978163"/>
+      </p:ext>
+    </p:extLst>
+  </p:cSld>
+  <p:clrMapOvr>
+    <a:masterClrMapping/>
+  </p:clrMapOvr>
+</p:sld>
+</file>
+
+<file path=ppt/slides/slide41.xml><?xml version="1.0" encoding="utf-8"?>
+<p:sld xmlns:a="http://schemas.openxmlformats.org/drawingml/2006/main" xmlns:r="http://schemas.openxmlformats.org/officeDocument/2006/relationships" xmlns:p="http://schemas.openxmlformats.org/presentationml/2006/main">
+  <p:cSld>
+    <p:spTree>
+      <p:nvGrpSpPr>
+        <p:cNvPr id="1" name=""/>
+        <p:cNvGrpSpPr/>
+        <p:nvPr/>
+      </p:nvGrpSpPr>
+      <p:grpSpPr>
+        <a:xfrm>
+          <a:off x="0" y="0"/>
+          <a:ext cx="0" cy="0"/>
+          <a:chOff x="0" y="0"/>
+          <a:chExt cx="0" cy="0"/>
+        </a:xfrm>
+      </p:grpSpPr>
+      <p:sp>
+        <p:nvSpPr>
+          <p:cNvPr id="2" name="Title 1">
+            <a:extLst>
+              <a:ext uri="{FF2B5EF4-FFF2-40B4-BE49-F238E27FC236}">
+                <a16:creationId xmlns:a16="http://schemas.microsoft.com/office/drawing/2014/main" id="{B47455AA-7903-406A-B532-7F7FE750051F}"/>
+              </a:ext>
+            </a:extLst>
+          </p:cNvPr>
+          <p:cNvSpPr>
+            <a:spLocks noGrp="1"/>
+          </p:cNvSpPr>
+          <p:nvPr>
+            <p:ph type="title"/>
+          </p:nvPr>
+        </p:nvSpPr>
+        <p:spPr/>
+        <p:txBody>
+          <a:bodyPr/>
+          <a:lstStyle/>
+          <a:p>
+            <a:r>
+              <a:rPr lang="en-US" dirty="0"/>
+              <a:t>practices</a:t>
+            </a:r>
+          </a:p>
+        </p:txBody>
+      </p:sp>
+      <p:sp>
+        <p:nvSpPr>
+          <p:cNvPr id="3" name="Content Placeholder 2">
+            <a:extLst>
+              <a:ext uri="{FF2B5EF4-FFF2-40B4-BE49-F238E27FC236}">
+                <a16:creationId xmlns:a16="http://schemas.microsoft.com/office/drawing/2014/main" id="{12DF127A-DABC-4906-8181-78BB654E23B2}"/>
+              </a:ext>
+            </a:extLst>
+          </p:cNvPr>
+          <p:cNvSpPr>
+            <a:spLocks noGrp="1"/>
+          </p:cNvSpPr>
+          <p:nvPr>
+            <p:ph idx="1"/>
+          </p:nvPr>
+        </p:nvSpPr>
+        <p:spPr/>
+        <p:txBody>
+          <a:bodyPr>
+            <a:normAutofit/>
+          </a:bodyPr>
+          <a:lstStyle/>
+          <a:p>
+            <a:pPr marL="0" indent="0">
+              <a:buNone/>
+            </a:pPr>
+            <a:r>
+              <a:rPr lang="en-US" dirty="0"/>
+              <a:t>3.Assume a hypothetical country, Lemuria, where the national government has issued 20-year capital-indexed bonds linked to the domestic Consumer Price Index (CPI). Lemuria’s economy has been free of inflation until the most recent six months, when the CPI increased. Following the increase in inflation:</a:t>
+            </a:r>
+          </a:p>
+          <a:p>
+            <a:pPr marL="457200" indent="-457200">
+              <a:buFont typeface="+mj-lt"/>
+              <a:buAutoNum type="alphaUcPeriod"/>
+            </a:pPr>
+            <a:r>
+              <a:rPr lang="en-US" b="1" dirty="0"/>
+              <a:t>the principal amount remains unchanged but the coupon rate increases.</a:t>
+            </a:r>
+          </a:p>
+          <a:p>
+            <a:pPr marL="457200" indent="-457200">
+              <a:buFont typeface="+mj-lt"/>
+              <a:buAutoNum type="alphaUcPeriod"/>
+            </a:pPr>
+            <a:r>
+              <a:rPr lang="en-US" b="1" dirty="0"/>
+              <a:t>the coupon rate remains unchanged, but the principal amount increases.</a:t>
+            </a:r>
+          </a:p>
+          <a:p>
+            <a:pPr marL="457200" indent="-457200">
+              <a:buFont typeface="+mj-lt"/>
+              <a:buAutoNum type="alphaUcPeriod"/>
+            </a:pPr>
+            <a:r>
+              <a:rPr lang="en-US" b="1" dirty="0"/>
+              <a:t>the coupon payment remains unchanged, but the principal amount increases.</a:t>
+            </a:r>
+          </a:p>
+        </p:txBody>
+      </p:sp>
+    </p:spTree>
+    <p:extLst>
+      <p:ext uri="{BB962C8B-B14F-4D97-AF65-F5344CB8AC3E}">
+        <p14:creationId xmlns:p14="http://schemas.microsoft.com/office/powerpoint/2010/main" val="936411654"/>
+      </p:ext>
+    </p:extLst>
+  </p:cSld>
+  <p:clrMapOvr>
+    <a:masterClrMapping/>
+  </p:clrMapOvr>
+</p:sld>
+</file>
+
+<file path=ppt/slides/slide42.xml><?xml version="1.0" encoding="utf-8"?>
+<p:sld xmlns:a="http://schemas.openxmlformats.org/drawingml/2006/main" xmlns:r="http://schemas.openxmlformats.org/officeDocument/2006/relationships" xmlns:p="http://schemas.openxmlformats.org/presentationml/2006/main">
+  <p:cSld>
+    <p:spTree>
+      <p:nvGrpSpPr>
+        <p:cNvPr id="1" name=""/>
+        <p:cNvGrpSpPr/>
+        <p:nvPr/>
+      </p:nvGrpSpPr>
+      <p:grpSpPr>
+        <a:xfrm>
+          <a:off x="0" y="0"/>
+          <a:ext cx="0" cy="0"/>
+          <a:chOff x="0" y="0"/>
+          <a:chExt cx="0" cy="0"/>
+        </a:xfrm>
+      </p:grpSpPr>
+      <p:sp>
+        <p:nvSpPr>
+          <p:cNvPr id="2" name="Title 1">
+            <a:extLst>
+              <a:ext uri="{FF2B5EF4-FFF2-40B4-BE49-F238E27FC236}">
+                <a16:creationId xmlns:a16="http://schemas.microsoft.com/office/drawing/2014/main" id="{DC43200C-5D84-47FA-9EC2-35A87F395344}"/>
+              </a:ext>
+            </a:extLst>
+          </p:cNvPr>
+          <p:cNvSpPr>
+            <a:spLocks noGrp="1"/>
+          </p:cNvSpPr>
+          <p:nvPr>
+            <p:ph type="title"/>
+          </p:nvPr>
+        </p:nvSpPr>
+        <p:spPr/>
+        <p:txBody>
+          <a:bodyPr>
+            <a:normAutofit/>
+          </a:bodyPr>
+          <a:lstStyle/>
+          <a:p>
+            <a:r>
+              <a:rPr lang="en-US" sz="3500" dirty="0"/>
+              <a:t>Module1</a:t>
+            </a:r>
+            <a:br>
+              <a:rPr lang="en-US" sz="3500" dirty="0"/>
+            </a:br>
+            <a:r>
+              <a:rPr lang="en-US" sz="3500" dirty="0"/>
+              <a:t>Fixed-Income Securities: </a:t>
+            </a:r>
+            <a:br>
+              <a:rPr lang="en-US" sz="3500" dirty="0"/>
+            </a:br>
+            <a:r>
+              <a:rPr lang="en-US" sz="3500" dirty="0"/>
+              <a:t>Defining Elements</a:t>
+            </a:r>
+          </a:p>
+        </p:txBody>
+      </p:sp>
+      <p:sp>
+        <p:nvSpPr>
+          <p:cNvPr id="3" name="Content Placeholder 2">
+            <a:extLst>
+              <a:ext uri="{FF2B5EF4-FFF2-40B4-BE49-F238E27FC236}">
+                <a16:creationId xmlns:a16="http://schemas.microsoft.com/office/drawing/2014/main" id="{EFEFF64A-DFA8-4543-86B1-B5B9CED9A4CB}"/>
+              </a:ext>
+            </a:extLst>
+          </p:cNvPr>
+          <p:cNvSpPr>
+            <a:spLocks noGrp="1"/>
+          </p:cNvSpPr>
+          <p:nvPr>
+            <p:ph idx="1"/>
+          </p:nvPr>
+        </p:nvSpPr>
+        <p:spPr/>
+        <p:txBody>
+          <a:bodyPr/>
+          <a:lstStyle/>
+          <a:p>
+            <a:r>
+              <a:rPr lang="en-US" sz="2800" b="1" dirty="0">
+                <a:solidFill>
+                  <a:srgbClr val="FF0000"/>
+                </a:solidFill>
+              </a:rPr>
+              <a:t>Callable bond</a:t>
+            </a:r>
+          </a:p>
+          <a:p>
+            <a:r>
+              <a:rPr lang="en-US" dirty="0"/>
+              <a:t>A callable bond gives the issuer the right to redeem all or part of the bond before the specified maturity date.</a:t>
+            </a:r>
+          </a:p>
+        </p:txBody>
+      </p:sp>
+    </p:spTree>
+    <p:extLst>
+      <p:ext uri="{BB962C8B-B14F-4D97-AF65-F5344CB8AC3E}">
+        <p14:creationId xmlns:p14="http://schemas.microsoft.com/office/powerpoint/2010/main" val="903955073"/>
       </p:ext>
     </p:extLst>
   </p:cSld>
@@ -36294,12 +37761,12 @@
           <a:lstStyle/>
           <a:p>
             <a:r>
-              <a:rPr lang="en-US" sz="2800" dirty="0">
+              <a:rPr lang="en-US" sz="2800" b="1" dirty="0">
                 <a:solidFill>
                   <a:srgbClr val="FF0000"/>
                 </a:solidFill>
               </a:rPr>
-              <a:t>Maturity</a:t>
+              <a:t>Maturity(2/6)</a:t>
             </a:r>
           </a:p>
           <a:p>
@@ -36472,12 +37939,12 @@
           <a:lstStyle/>
           <a:p>
             <a:r>
-              <a:rPr lang="en-US" sz="2800" dirty="0">
+              <a:rPr lang="en-US" sz="2800" b="1" dirty="0">
                 <a:solidFill>
                   <a:srgbClr val="FF0000"/>
                 </a:solidFill>
               </a:rPr>
-              <a:t>Par value</a:t>
+              <a:t>Par value(3/6)</a:t>
             </a:r>
           </a:p>
           <a:p>
@@ -36967,12 +38434,12 @@
           <a:lstStyle/>
           <a:p>
             <a:r>
-              <a:rPr lang="en-US" sz="2800" dirty="0">
+              <a:rPr lang="en-US" sz="2800" b="1" dirty="0">
                 <a:solidFill>
                   <a:srgbClr val="FF0000"/>
                 </a:solidFill>
               </a:rPr>
-              <a:t>Coupon rate and frequency</a:t>
+              <a:t>Coupon rate and frequency(4/6,5/6)</a:t>
             </a:r>
           </a:p>
           <a:p>
@@ -37148,12 +38615,12 @@
           <a:lstStyle/>
           <a:p>
             <a:r>
-              <a:rPr lang="en-US" sz="2800" dirty="0">
+              <a:rPr lang="en-US" sz="2800" b="1" dirty="0">
                 <a:solidFill>
                   <a:srgbClr val="FF0000"/>
                 </a:solidFill>
               </a:rPr>
-              <a:t>Currency denomination</a:t>
+              <a:t>Currency denomination(6/6)</a:t>
             </a:r>
           </a:p>
           <a:p>

--- a/Fixed Income.pptx
+++ b/Fixed Income.pptx
@@ -5,7 +5,7 @@
     <p:sldMasterId id="2147483660" r:id="rId1"/>
   </p:sldMasterIdLst>
   <p:notesMasterIdLst>
-    <p:notesMasterId r:id="rId44"/>
+    <p:notesMasterId r:id="rId43"/>
   </p:notesMasterIdLst>
   <p:sldIdLst>
     <p:sldId id="265" r:id="rId2"/>
@@ -49,7 +49,6 @@
     <p:sldId id="297" r:id="rId40"/>
     <p:sldId id="298" r:id="rId41"/>
     <p:sldId id="299" r:id="rId42"/>
-    <p:sldId id="300" r:id="rId43"/>
   </p:sldIdLst>
   <p:sldSz cx="12192000" cy="6858000"/>
   <p:notesSz cx="6858000" cy="9144000"/>
@@ -4019,7 +4018,7 @@
           <a:p>
             <a:fld id="{9ADA5B36-BD01-47CD-B491-940693B77A9A}" type="datetimeFigureOut">
               <a:rPr lang="en-US" smtClean="0"/>
-              <a:t>10/27/2022</a:t>
+              <a:t>10/29/22</a:t>
             </a:fld>
             <a:endParaRPr lang="en-US"/>
           </a:p>
@@ -13751,7 +13750,7 @@
           <a:p>
             <a:fld id="{3CB14515-8DA5-4B82-96E7-E758FF8ACA06}" type="datetimeFigureOut">
               <a:rPr lang="en-US" smtClean="0"/>
-              <a:t>10/27/2022</a:t>
+              <a:t>10/29/22</a:t>
             </a:fld>
             <a:endParaRPr lang="en-US"/>
           </a:p>
@@ -13958,7 +13957,7 @@
           <a:p>
             <a:fld id="{3CB14515-8DA5-4B82-96E7-E758FF8ACA06}" type="datetimeFigureOut">
               <a:rPr lang="en-US" smtClean="0"/>
-              <a:t>10/27/2022</a:t>
+              <a:t>10/29/22</a:t>
             </a:fld>
             <a:endParaRPr lang="en-US"/>
           </a:p>
@@ -14138,7 +14137,7 @@
           <a:p>
             <a:fld id="{3CB14515-8DA5-4B82-96E7-E758FF8ACA06}" type="datetimeFigureOut">
               <a:rPr lang="en-US" smtClean="0"/>
-              <a:t>10/27/2022</a:t>
+              <a:t>10/29/22</a:t>
             </a:fld>
             <a:endParaRPr lang="en-US"/>
           </a:p>
@@ -14343,7 +14342,7 @@
           <a:p>
             <a:fld id="{3CB14515-8DA5-4B82-96E7-E758FF8ACA06}" type="datetimeFigureOut">
               <a:rPr lang="en-US" smtClean="0"/>
-              <a:t>10/27/2022</a:t>
+              <a:t>10/29/22</a:t>
             </a:fld>
             <a:endParaRPr lang="en-US"/>
           </a:p>
@@ -23241,7 +23240,7 @@
           <a:p>
             <a:fld id="{3CB14515-8DA5-4B82-96E7-E758FF8ACA06}" type="datetimeFigureOut">
               <a:rPr lang="en-US" smtClean="0"/>
-              <a:t>10/27/2022</a:t>
+              <a:t>10/29/22</a:t>
             </a:fld>
             <a:endParaRPr lang="en-US"/>
           </a:p>
@@ -23515,7 +23514,7 @@
           <a:p>
             <a:fld id="{3CB14515-8DA5-4B82-96E7-E758FF8ACA06}" type="datetimeFigureOut">
               <a:rPr lang="en-US" smtClean="0"/>
-              <a:t>10/27/2022</a:t>
+              <a:t>10/29/22</a:t>
             </a:fld>
             <a:endParaRPr lang="en-US"/>
           </a:p>
@@ -23913,7 +23912,7 @@
           <a:p>
             <a:fld id="{3CB14515-8DA5-4B82-96E7-E758FF8ACA06}" type="datetimeFigureOut">
               <a:rPr lang="en-US" smtClean="0"/>
-              <a:t>10/27/2022</a:t>
+              <a:t>10/29/22</a:t>
             </a:fld>
             <a:endParaRPr lang="en-US"/>
           </a:p>
@@ -24031,7 +24030,7 @@
           <a:p>
             <a:fld id="{3CB14515-8DA5-4B82-96E7-E758FF8ACA06}" type="datetimeFigureOut">
               <a:rPr lang="en-US" smtClean="0"/>
-              <a:t>10/27/2022</a:t>
+              <a:t>10/29/22</a:t>
             </a:fld>
             <a:endParaRPr lang="en-US"/>
           </a:p>
@@ -24126,7 +24125,7 @@
           <a:p>
             <a:fld id="{3CB14515-8DA5-4B82-96E7-E758FF8ACA06}" type="datetimeFigureOut">
               <a:rPr lang="en-US" smtClean="0"/>
-              <a:t>10/27/2022</a:t>
+              <a:t>10/29/22</a:t>
             </a:fld>
             <a:endParaRPr lang="en-US"/>
           </a:p>
@@ -24416,7 +24415,7 @@
           <a:p>
             <a:fld id="{3CB14515-8DA5-4B82-96E7-E758FF8ACA06}" type="datetimeFigureOut">
               <a:rPr lang="en-US" smtClean="0"/>
-              <a:t>10/27/2022</a:t>
+              <a:t>10/29/22</a:t>
             </a:fld>
             <a:endParaRPr lang="en-US"/>
           </a:p>
@@ -24696,7 +24695,7 @@
           <a:p>
             <a:fld id="{3CB14515-8DA5-4B82-96E7-E758FF8ACA06}" type="datetimeFigureOut">
               <a:rPr lang="en-US" smtClean="0"/>
-              <a:t>10/27/2022</a:t>
+              <a:t>10/29/22</a:t>
             </a:fld>
             <a:endParaRPr lang="en-US"/>
           </a:p>
@@ -24946,7 +24945,7 @@
           <a:p>
             <a:fld id="{3CB14515-8DA5-4B82-96E7-E758FF8ACA06}" type="datetimeFigureOut">
               <a:rPr lang="en-US" smtClean="0"/>
-              <a:t>10/27/2022</a:t>
+              <a:t>10/29/22</a:t>
             </a:fld>
             <a:endParaRPr lang="en-US"/>
           </a:p>
@@ -35991,6 +35990,14 @@
 <file path=ppt/slides/slide35.xml><?xml version="1.0" encoding="utf-8"?>
 <p:sld xmlns:a="http://schemas.openxmlformats.org/drawingml/2006/main" xmlns:r="http://schemas.openxmlformats.org/officeDocument/2006/relationships" xmlns:p="http://schemas.openxmlformats.org/presentationml/2006/main">
   <p:cSld>
+    <p:bg>
+      <p:bgPr>
+        <a:solidFill>
+          <a:schemeClr val="bg1"/>
+        </a:solidFill>
+        <a:effectLst/>
+      </p:bgPr>
+    </p:bg>
     <p:spTree>
       <p:nvGrpSpPr>
         <p:cNvPr id="1" name=""/>
@@ -36021,7 +36028,12 @@
             <p:ph type="title"/>
           </p:nvPr>
         </p:nvSpPr>
-        <p:spPr/>
+        <p:spPr>
+          <a:xfrm>
+            <a:off x="1024128" y="585216"/>
+            <a:ext cx="6066818" cy="1499616"/>
+          </a:xfrm>
+        </p:spPr>
         <p:txBody>
           <a:bodyPr>
             <a:normAutofit/>
@@ -36029,23 +36041,24 @@
           <a:lstStyle/>
           <a:p>
             <a:r>
-              <a:rPr lang="en-US" sz="3500" dirty="0"/>
+              <a:rPr lang="en-US" sz="3500"/>
               <a:t>Module1</a:t>
             </a:r>
             <a:br>
-              <a:rPr lang="en-US" sz="3500" dirty="0"/>
+              <a:rPr lang="en-US" sz="3500"/>
             </a:br>
             <a:r>
-              <a:rPr lang="en-US" sz="3500" dirty="0"/>
+              <a:rPr lang="en-US" sz="3500"/>
               <a:t>Fixed-Income Securities: </a:t>
             </a:r>
             <a:br>
-              <a:rPr lang="en-US" sz="3500" dirty="0"/>
+              <a:rPr lang="en-US" sz="3500"/>
             </a:br>
             <a:r>
-              <a:rPr lang="en-US" sz="3500" dirty="0"/>
+              <a:rPr lang="en-US" sz="3500"/>
               <a:t>Defining Elements</a:t>
             </a:r>
+            <a:endParaRPr lang="en-US" sz="3500" dirty="0"/>
           </a:p>
         </p:txBody>
       </p:sp>
@@ -36065,9 +36078,16 @@
             <p:ph idx="1"/>
           </p:nvPr>
         </p:nvSpPr>
-        <p:spPr/>
+        <p:spPr>
+          <a:xfrm>
+            <a:off x="1024128" y="2286000"/>
+            <a:ext cx="6066818" cy="4023360"/>
+          </a:xfrm>
+        </p:spPr>
         <p:txBody>
-          <a:bodyPr/>
+          <a:bodyPr>
+            <a:normAutofit/>
+          </a:bodyPr>
           <a:lstStyle/>
           <a:p>
             <a:r>
@@ -36147,6 +36167,35 @@
           </a:p>
         </p:txBody>
       </p:sp>
+      <p:pic>
+        <p:nvPicPr>
+          <p:cNvPr id="11" name="Picture 4">
+            <a:extLst>
+              <a:ext uri="{FF2B5EF4-FFF2-40B4-BE49-F238E27FC236}">
+                <a16:creationId xmlns:a16="http://schemas.microsoft.com/office/drawing/2014/main" id="{15BE794B-7618-8F7D-3876-B004BE6B87C8}"/>
+              </a:ext>
+            </a:extLst>
+          </p:cNvPr>
+          <p:cNvPicPr>
+            <a:picLocks noChangeAspect="1"/>
+          </p:cNvPicPr>
+          <p:nvPr/>
+        </p:nvPicPr>
+        <p:blipFill rotWithShape="1">
+          <a:blip r:embed="rId2"/>
+          <a:srcRect l="19993" r="41952"/>
+          <a:stretch/>
+        </p:blipFill>
+        <p:spPr>
+          <a:xfrm>
+            <a:off x="7552266" y="10"/>
+            <a:ext cx="4639733" cy="6857990"/>
+          </a:xfrm>
+          <a:prstGeom prst="rect">
+            <a:avLst/>
+          </a:prstGeom>
+        </p:spPr>
+      </p:pic>
     </p:spTree>
     <p:extLst>
       <p:ext uri="{BB962C8B-B14F-4D97-AF65-F5344CB8AC3E}">
@@ -36163,6 +36212,14 @@
 <file path=ppt/slides/slide36.xml><?xml version="1.0" encoding="utf-8"?>
 <p:sld xmlns:a="http://schemas.openxmlformats.org/drawingml/2006/main" xmlns:r="http://schemas.openxmlformats.org/officeDocument/2006/relationships" xmlns:p="http://schemas.openxmlformats.org/presentationml/2006/main">
   <p:cSld>
+    <p:bg>
+      <p:bgPr>
+        <a:solidFill>
+          <a:schemeClr val="bg1"/>
+        </a:solidFill>
+        <a:effectLst/>
+      </p:bgPr>
+    </p:bg>
     <p:spTree>
       <p:nvGrpSpPr>
         <p:cNvPr id="1" name=""/>
@@ -36193,7 +36250,12 @@
             <p:ph type="title"/>
           </p:nvPr>
         </p:nvSpPr>
-        <p:spPr/>
+        <p:spPr>
+          <a:xfrm>
+            <a:off x="1024128" y="585216"/>
+            <a:ext cx="8018272" cy="1499616"/>
+          </a:xfrm>
+        </p:spPr>
         <p:txBody>
           <a:bodyPr>
             <a:normAutofit/>
@@ -36237,10 +36299,15 @@
             <p:ph idx="1"/>
           </p:nvPr>
         </p:nvSpPr>
-        <p:spPr/>
+        <p:spPr>
+          <a:xfrm>
+            <a:off x="1024128" y="2286000"/>
+            <a:ext cx="8018271" cy="4023360"/>
+          </a:xfrm>
+        </p:spPr>
         <p:txBody>
           <a:bodyPr>
-            <a:normAutofit lnSpcReduction="10000"/>
+            <a:normAutofit/>
           </a:bodyPr>
           <a:lstStyle/>
           <a:p>
@@ -36255,41 +36322,17 @@
           </a:p>
           <a:p>
             <a:r>
-              <a:rPr lang="en-US" dirty="0"/>
-              <a:t>Floating-rate notes do not have a fixed coupon; instead, their coupon rate is linked to an </a:t>
-            </a:r>
-            <a:r>
-              <a:rPr lang="en-US" dirty="0">
-                <a:solidFill>
-                  <a:srgbClr val="FF0000"/>
-                </a:solidFill>
-              </a:rPr>
-              <a:t>external reference rate</a:t>
-            </a:r>
-            <a:r>
-              <a:rPr lang="en-US" dirty="0"/>
-              <a:t>, such as Euribor. FRNs usually pay a </a:t>
-            </a:r>
-            <a:r>
-              <a:rPr lang="en-US" dirty="0">
-                <a:solidFill>
-                  <a:srgbClr val="FF0000"/>
-                </a:solidFill>
-              </a:rPr>
-              <a:t>fixed spread </a:t>
-            </a:r>
-            <a:r>
-              <a:rPr lang="en-US" dirty="0"/>
-              <a:t>over the specified reference rate.</a:t>
-            </a:r>
-          </a:p>
-          <a:p>
-            <a:r>
-              <a:rPr lang="en-US" dirty="0"/>
+              <a:rPr lang="en-US" sz="2000" dirty="0"/>
+              <a:t>Floating-rate notes do not have a fixed coupon; instead, their coupon rate is linked to an external reference rate, such as Euribor. FRNs usually pay a fixed spread over the specified reference rate.</a:t>
+            </a:r>
+          </a:p>
+          <a:p>
+            <a:r>
+              <a:rPr lang="en-US" sz="2000" dirty="0"/>
               <a:t>Almost all FRNs have </a:t>
             </a:r>
             <a:r>
-              <a:rPr lang="en-US" dirty="0">
+              <a:rPr lang="en-US" sz="2000" dirty="0">
                 <a:solidFill>
                   <a:srgbClr val="FF0000"/>
                 </a:solidFill>
@@ -36297,35 +36340,35 @@
               <a:t>quarterly</a:t>
             </a:r>
             <a:r>
-              <a:rPr lang="en-US" dirty="0"/>
+              <a:rPr lang="en-US" sz="2000" dirty="0"/>
               <a:t> coupons.</a:t>
             </a:r>
           </a:p>
           <a:p>
             <a:r>
-              <a:rPr lang="en-US" dirty="0"/>
+              <a:rPr lang="en-US" sz="2000" dirty="0"/>
               <a:t>FRNs have </a:t>
             </a:r>
             <a:r>
-              <a:rPr lang="en-US" dirty="0">
+              <a:rPr lang="en-US" sz="2000" dirty="0">
                 <a:solidFill>
                   <a:srgbClr val="FF0000"/>
                 </a:solidFill>
               </a:rPr>
-              <a:t>little interest rate risk</a:t>
-            </a:r>
-            <a:r>
-              <a:rPr lang="en-US" dirty="0"/>
-              <a:t>.</a:t>
-            </a:r>
-          </a:p>
-          <a:p>
-            <a:r>
-              <a:rPr lang="en-US" dirty="0"/>
+              <a:t>little</a:t>
+            </a:r>
+            <a:r>
+              <a:rPr lang="en-US" sz="2000" dirty="0"/>
+              <a:t> interest rate risk.</a:t>
+            </a:r>
+          </a:p>
+          <a:p>
+            <a:r>
+              <a:rPr lang="en-US" sz="2000" dirty="0"/>
               <a:t>Additional features observed in FRNs may include </a:t>
             </a:r>
             <a:r>
-              <a:rPr lang="en-US" dirty="0">
+              <a:rPr lang="en-US" sz="2000" dirty="0">
                 <a:solidFill>
                   <a:srgbClr val="FF0000"/>
                 </a:solidFill>
@@ -36333,29 +36376,29 @@
               <a:t>a floor or a cap</a:t>
             </a:r>
             <a:r>
-              <a:rPr lang="en-US" dirty="0"/>
-              <a:t>. It is also possible to have a </a:t>
-            </a:r>
-            <a:r>
-              <a:rPr lang="en-US" dirty="0">
+              <a:rPr lang="en-US" sz="2000" dirty="0"/>
+              <a:t>. It is also possible to have </a:t>
+            </a:r>
+            <a:r>
+              <a:rPr lang="en-US" sz="2000" dirty="0">
                 <a:solidFill>
                   <a:srgbClr val="FF0000"/>
                 </a:solidFill>
               </a:rPr>
-              <a:t>collared FRN, </a:t>
-            </a:r>
-            <a:r>
-              <a:rPr lang="en-US" dirty="0"/>
-              <a:t>which includes both a cap and a floor.</a:t>
-            </a:r>
-          </a:p>
-          <a:p>
-            <a:r>
-              <a:rPr lang="en-US" dirty="0"/>
+              <a:t>a collared </a:t>
+            </a:r>
+            <a:r>
+              <a:rPr lang="en-US" sz="2000" dirty="0"/>
+              <a:t>FRN, which includes both a cap and a floor.</a:t>
+            </a:r>
+          </a:p>
+          <a:p>
+            <a:r>
+              <a:rPr lang="en-US" sz="2000" dirty="0"/>
               <a:t>An </a:t>
             </a:r>
             <a:r>
-              <a:rPr lang="en-US" dirty="0">
+              <a:rPr lang="en-US" sz="2000" dirty="0">
                 <a:solidFill>
                   <a:srgbClr val="FF0000"/>
                 </a:solidFill>
@@ -36363,9 +36406,137 @@
               <a:t>inverse or reverse </a:t>
             </a:r>
             <a:r>
-              <a:rPr lang="en-US" dirty="0"/>
+              <a:rPr lang="en-US" sz="2000" dirty="0"/>
               <a:t>FRN, or simply an inverse floater, is a bond whose coupon rate has an inverse relationship to the reference rate.</a:t>
             </a:r>
+          </a:p>
+        </p:txBody>
+      </p:sp>
+      <p:sp>
+        <p:nvSpPr>
+          <p:cNvPr id="8" name="Rectangle 7">
+            <a:extLst>
+              <a:ext uri="{FF2B5EF4-FFF2-40B4-BE49-F238E27FC236}">
+                <a16:creationId xmlns:a16="http://schemas.microsoft.com/office/drawing/2014/main" id="{77D7B666-D5E6-48CE-B26A-FB5E5C34AF90}"/>
+              </a:ext>
+              <a:ext uri="{C183D7F6-B498-43B3-948B-1728B52AA6E4}">
+                <adec:decorative xmlns:adec="http://schemas.microsoft.com/office/drawing/2017/decorative" val="1"/>
+              </a:ext>
+            </a:extLst>
+          </p:cNvPr>
+          <p:cNvSpPr>
+            <a:spLocks noGrp="1" noRot="1" noChangeAspect="1" noMove="1" noResize="1" noEditPoints="1" noAdjustHandles="1" noChangeArrowheads="1" noChangeShapeType="1" noTextEdit="1"/>
+          </p:cNvSpPr>
+          <p:nvPr>
+            <p:extLst>
+              <p:ext uri="{386F3935-93C4-4BCD-93E2-E3B085C9AB24}">
+                <p16:designElem xmlns:p16="http://schemas.microsoft.com/office/powerpoint/2015/main" val="1"/>
+              </p:ext>
+            </p:extLst>
+          </p:nvPr>
+        </p:nvSpPr>
+        <p:spPr>
+          <a:xfrm>
+            <a:off x="9583348" y="325601"/>
+            <a:ext cx="2286920" cy="3908071"/>
+          </a:xfrm>
+          <a:prstGeom prst="rect">
+            <a:avLst/>
+          </a:prstGeom>
+          <a:solidFill>
+            <a:schemeClr val="accent1"/>
+          </a:solidFill>
+          <a:ln>
+            <a:noFill/>
+          </a:ln>
+        </p:spPr>
+        <p:style>
+          <a:lnRef idx="2">
+            <a:schemeClr val="accent1">
+              <a:shade val="50000"/>
+            </a:schemeClr>
+          </a:lnRef>
+          <a:fillRef idx="1">
+            <a:schemeClr val="accent1"/>
+          </a:fillRef>
+          <a:effectRef idx="0">
+            <a:schemeClr val="accent1"/>
+          </a:effectRef>
+          <a:fontRef idx="minor">
+            <a:schemeClr val="lt1"/>
+          </a:fontRef>
+        </p:style>
+        <p:txBody>
+          <a:bodyPr rtlCol="0" anchor="ctr"/>
+          <a:lstStyle/>
+          <a:p>
+            <a:pPr algn="ctr"/>
+            <a:endParaRPr lang="en-US" dirty="0"/>
+          </a:p>
+        </p:txBody>
+      </p:sp>
+      <p:sp>
+        <p:nvSpPr>
+          <p:cNvPr id="10" name="Rectangle 9">
+            <a:extLst>
+              <a:ext uri="{FF2B5EF4-FFF2-40B4-BE49-F238E27FC236}">
+                <a16:creationId xmlns:a16="http://schemas.microsoft.com/office/drawing/2014/main" id="{F6EE670A-A41A-44AD-BC1C-2090365EB5B3}"/>
+              </a:ext>
+              <a:ext uri="{C183D7F6-B498-43B3-948B-1728B52AA6E4}">
+                <adec:decorative xmlns:adec="http://schemas.microsoft.com/office/drawing/2017/decorative" val="1"/>
+              </a:ext>
+            </a:extLst>
+          </p:cNvPr>
+          <p:cNvSpPr>
+            <a:spLocks noGrp="1" noRot="1" noChangeAspect="1" noMove="1" noResize="1" noEditPoints="1" noAdjustHandles="1" noChangeArrowheads="1" noChangeShapeType="1" noTextEdit="1"/>
+          </p:cNvSpPr>
+          <p:nvPr>
+            <p:extLst>
+              <p:ext uri="{386F3935-93C4-4BCD-93E2-E3B085C9AB24}">
+                <p16:designElem xmlns:p16="http://schemas.microsoft.com/office/powerpoint/2015/main" val="1"/>
+              </p:ext>
+            </p:extLst>
+          </p:nvPr>
+        </p:nvSpPr>
+        <p:spPr>
+          <a:xfrm>
+            <a:off x="9583348" y="4394539"/>
+            <a:ext cx="2286920" cy="2029724"/>
+          </a:xfrm>
+          <a:prstGeom prst="rect">
+            <a:avLst/>
+          </a:prstGeom>
+          <a:solidFill>
+            <a:schemeClr val="tx2">
+              <a:alpha val="80000"/>
+            </a:schemeClr>
+          </a:solidFill>
+          <a:ln>
+            <a:noFill/>
+          </a:ln>
+        </p:spPr>
+        <p:style>
+          <a:lnRef idx="2">
+            <a:schemeClr val="accent1">
+              <a:shade val="50000"/>
+            </a:schemeClr>
+          </a:lnRef>
+          <a:fillRef idx="1">
+            <a:schemeClr val="accent1"/>
+          </a:fillRef>
+          <a:effectRef idx="0">
+            <a:schemeClr val="accent1"/>
+          </a:effectRef>
+          <a:fontRef idx="minor">
+            <a:schemeClr val="lt1"/>
+          </a:fontRef>
+        </p:style>
+        <p:txBody>
+          <a:bodyPr rtlCol="0" anchor="ctr"/>
+          <a:lstStyle/>
+          <a:p>
+            <a:pPr algn="ctr"/>
+            <a:endParaRPr lang="en-US"/>
           </a:p>
         </p:txBody>
       </p:sp>
@@ -36385,6 +36556,14 @@
 <file path=ppt/slides/slide37.xml><?xml version="1.0" encoding="utf-8"?>
 <p:sld xmlns:a="http://schemas.openxmlformats.org/drawingml/2006/main" xmlns:r="http://schemas.openxmlformats.org/officeDocument/2006/relationships" xmlns:p="http://schemas.openxmlformats.org/presentationml/2006/main">
   <p:cSld>
+    <p:bg>
+      <p:bgPr>
+        <a:solidFill>
+          <a:schemeClr val="bg1"/>
+        </a:solidFill>
+        <a:effectLst/>
+      </p:bgPr>
+    </p:bg>
     <p:spTree>
       <p:nvGrpSpPr>
         <p:cNvPr id="1" name=""/>
@@ -36415,7 +36594,12 @@
             <p:ph type="title"/>
           </p:nvPr>
         </p:nvSpPr>
-        <p:spPr/>
+        <p:spPr>
+          <a:xfrm>
+            <a:off x="1024128" y="585216"/>
+            <a:ext cx="8018272" cy="1499616"/>
+          </a:xfrm>
+        </p:spPr>
         <p:txBody>
           <a:bodyPr>
             <a:normAutofit/>
@@ -36459,10 +36643,15 @@
             <p:ph idx="1"/>
           </p:nvPr>
         </p:nvSpPr>
-        <p:spPr/>
+        <p:spPr>
+          <a:xfrm>
+            <a:off x="1024128" y="2286000"/>
+            <a:ext cx="8018271" cy="4023360"/>
+          </a:xfrm>
+        </p:spPr>
         <p:txBody>
           <a:bodyPr>
-            <a:normAutofit/>
+            <a:normAutofit lnSpcReduction="10000"/>
           </a:bodyPr>
           <a:lstStyle/>
           <a:p>
@@ -36480,11 +36669,6 @@
               <a:rPr lang="en-US" dirty="0"/>
               <a:t>The coupon of a step-up coupon bond, which may be fixed or floating, increases by specified margins at specified dates.</a:t>
             </a:r>
-            <a:endParaRPr lang="en-US" sz="2800" dirty="0">
-              <a:solidFill>
-                <a:srgbClr val="FF0000"/>
-              </a:solidFill>
-            </a:endParaRPr>
           </a:p>
           <a:p>
             <a:r>
@@ -36517,6 +36701,134 @@
               <a:rPr lang="en-US" dirty="0"/>
               <a:t>A payment-in-kind (PIK) coupon bond typically allows the issuer to pay interest in the form of additional amounts of the bond issue rather than as a cash payment.</a:t>
             </a:r>
+          </a:p>
+        </p:txBody>
+      </p:sp>
+      <p:sp>
+        <p:nvSpPr>
+          <p:cNvPr id="8" name="Rectangle 7">
+            <a:extLst>
+              <a:ext uri="{FF2B5EF4-FFF2-40B4-BE49-F238E27FC236}">
+                <a16:creationId xmlns:a16="http://schemas.microsoft.com/office/drawing/2014/main" id="{77D7B666-D5E6-48CE-B26A-FB5E5C34AF90}"/>
+              </a:ext>
+              <a:ext uri="{C183D7F6-B498-43B3-948B-1728B52AA6E4}">
+                <adec:decorative xmlns:adec="http://schemas.microsoft.com/office/drawing/2017/decorative" val="1"/>
+              </a:ext>
+            </a:extLst>
+          </p:cNvPr>
+          <p:cNvSpPr>
+            <a:spLocks noGrp="1" noRot="1" noChangeAspect="1" noMove="1" noResize="1" noEditPoints="1" noAdjustHandles="1" noChangeArrowheads="1" noChangeShapeType="1" noTextEdit="1"/>
+          </p:cNvSpPr>
+          <p:nvPr>
+            <p:extLst>
+              <p:ext uri="{386F3935-93C4-4BCD-93E2-E3B085C9AB24}">
+                <p16:designElem xmlns:p16="http://schemas.microsoft.com/office/powerpoint/2015/main" val="1"/>
+              </p:ext>
+            </p:extLst>
+          </p:nvPr>
+        </p:nvSpPr>
+        <p:spPr>
+          <a:xfrm>
+            <a:off x="9583348" y="325601"/>
+            <a:ext cx="2286920" cy="3908071"/>
+          </a:xfrm>
+          <a:prstGeom prst="rect">
+            <a:avLst/>
+          </a:prstGeom>
+          <a:solidFill>
+            <a:schemeClr val="accent1"/>
+          </a:solidFill>
+          <a:ln>
+            <a:noFill/>
+          </a:ln>
+        </p:spPr>
+        <p:style>
+          <a:lnRef idx="2">
+            <a:schemeClr val="accent1">
+              <a:shade val="50000"/>
+            </a:schemeClr>
+          </a:lnRef>
+          <a:fillRef idx="1">
+            <a:schemeClr val="accent1"/>
+          </a:fillRef>
+          <a:effectRef idx="0">
+            <a:schemeClr val="accent1"/>
+          </a:effectRef>
+          <a:fontRef idx="minor">
+            <a:schemeClr val="lt1"/>
+          </a:fontRef>
+        </p:style>
+        <p:txBody>
+          <a:bodyPr rtlCol="0" anchor="ctr"/>
+          <a:lstStyle/>
+          <a:p>
+            <a:pPr algn="ctr"/>
+            <a:endParaRPr lang="en-US" dirty="0"/>
+          </a:p>
+        </p:txBody>
+      </p:sp>
+      <p:sp>
+        <p:nvSpPr>
+          <p:cNvPr id="10" name="Rectangle 9">
+            <a:extLst>
+              <a:ext uri="{FF2B5EF4-FFF2-40B4-BE49-F238E27FC236}">
+                <a16:creationId xmlns:a16="http://schemas.microsoft.com/office/drawing/2014/main" id="{F6EE670A-A41A-44AD-BC1C-2090365EB5B3}"/>
+              </a:ext>
+              <a:ext uri="{C183D7F6-B498-43B3-948B-1728B52AA6E4}">
+                <adec:decorative xmlns:adec="http://schemas.microsoft.com/office/drawing/2017/decorative" val="1"/>
+              </a:ext>
+            </a:extLst>
+          </p:cNvPr>
+          <p:cNvSpPr>
+            <a:spLocks noGrp="1" noRot="1" noChangeAspect="1" noMove="1" noResize="1" noEditPoints="1" noAdjustHandles="1" noChangeArrowheads="1" noChangeShapeType="1" noTextEdit="1"/>
+          </p:cNvSpPr>
+          <p:nvPr>
+            <p:extLst>
+              <p:ext uri="{386F3935-93C4-4BCD-93E2-E3B085C9AB24}">
+                <p16:designElem xmlns:p16="http://schemas.microsoft.com/office/powerpoint/2015/main" val="1"/>
+              </p:ext>
+            </p:extLst>
+          </p:nvPr>
+        </p:nvSpPr>
+        <p:spPr>
+          <a:xfrm>
+            <a:off x="9583348" y="4394539"/>
+            <a:ext cx="2286920" cy="2029724"/>
+          </a:xfrm>
+          <a:prstGeom prst="rect">
+            <a:avLst/>
+          </a:prstGeom>
+          <a:solidFill>
+            <a:schemeClr val="tx2">
+              <a:alpha val="80000"/>
+            </a:schemeClr>
+          </a:solidFill>
+          <a:ln>
+            <a:noFill/>
+          </a:ln>
+        </p:spPr>
+        <p:style>
+          <a:lnRef idx="2">
+            <a:schemeClr val="accent1">
+              <a:shade val="50000"/>
+            </a:schemeClr>
+          </a:lnRef>
+          <a:fillRef idx="1">
+            <a:schemeClr val="accent1"/>
+          </a:fillRef>
+          <a:effectRef idx="0">
+            <a:schemeClr val="accent1"/>
+          </a:effectRef>
+          <a:fontRef idx="minor">
+            <a:schemeClr val="lt1"/>
+          </a:fontRef>
+        </p:style>
+        <p:txBody>
+          <a:bodyPr rtlCol="0" anchor="ctr"/>
+          <a:lstStyle/>
+          <a:p>
+            <a:pPr algn="ctr"/>
+            <a:endParaRPr lang="en-US"/>
           </a:p>
         </p:txBody>
       </p:sp>
@@ -36536,6 +36848,14 @@
 <file path=ppt/slides/slide38.xml><?xml version="1.0" encoding="utf-8"?>
 <p:sld xmlns:a="http://schemas.openxmlformats.org/drawingml/2006/main" xmlns:r="http://schemas.openxmlformats.org/officeDocument/2006/relationships" xmlns:p="http://schemas.openxmlformats.org/presentationml/2006/main">
   <p:cSld>
+    <p:bg>
+      <p:bgPr>
+        <a:solidFill>
+          <a:schemeClr val="bg1"/>
+        </a:solidFill>
+        <a:effectLst/>
+      </p:bgPr>
+    </p:bg>
     <p:spTree>
       <p:nvGrpSpPr>
         <p:cNvPr id="1" name=""/>
@@ -36566,7 +36886,12 @@
             <p:ph type="title"/>
           </p:nvPr>
         </p:nvSpPr>
-        <p:spPr/>
+        <p:spPr>
+          <a:xfrm>
+            <a:off x="1024128" y="585216"/>
+            <a:ext cx="8018272" cy="1499616"/>
+          </a:xfrm>
+        </p:spPr>
         <p:txBody>
           <a:bodyPr>
             <a:normAutofit/>
@@ -36612,12 +36937,14 @@
         </p:nvSpPr>
         <p:spPr>
           <a:xfrm>
-            <a:off x="1024127" y="2249424"/>
-            <a:ext cx="9720073" cy="4023360"/>
+            <a:off x="1024128" y="2286000"/>
+            <a:ext cx="8018271" cy="4023360"/>
           </a:xfrm>
         </p:spPr>
         <p:txBody>
-          <a:bodyPr/>
+          <a:bodyPr>
+            <a:normAutofit/>
+          </a:bodyPr>
           <a:lstStyle/>
           <a:p>
             <a:r>
@@ -36646,15 +36973,143 @@
                   <a:srgbClr val="FF0000"/>
                 </a:solidFill>
               </a:rPr>
-              <a:t>zero-coupon</a:t>
+              <a:t>zero-coupon </a:t>
             </a:r>
             <a:r>
               <a:rPr lang="en-US" dirty="0"/>
-              <a:t> bond can be thought of as an extreme form of deferred coupon bond.</a:t>
+              <a:t>bond can be thought of as an extreme form of deferred coupon bond.</a:t>
             </a:r>
           </a:p>
           <a:p>
             <a:endParaRPr lang="en-US" dirty="0"/>
+          </a:p>
+        </p:txBody>
+      </p:sp>
+      <p:sp>
+        <p:nvSpPr>
+          <p:cNvPr id="8" name="Rectangle 7">
+            <a:extLst>
+              <a:ext uri="{FF2B5EF4-FFF2-40B4-BE49-F238E27FC236}">
+                <a16:creationId xmlns:a16="http://schemas.microsoft.com/office/drawing/2014/main" id="{77D7B666-D5E6-48CE-B26A-FB5E5C34AF90}"/>
+              </a:ext>
+              <a:ext uri="{C183D7F6-B498-43B3-948B-1728B52AA6E4}">
+                <adec:decorative xmlns:adec="http://schemas.microsoft.com/office/drawing/2017/decorative" val="1"/>
+              </a:ext>
+            </a:extLst>
+          </p:cNvPr>
+          <p:cNvSpPr>
+            <a:spLocks noGrp="1" noRot="1" noChangeAspect="1" noMove="1" noResize="1" noEditPoints="1" noAdjustHandles="1" noChangeArrowheads="1" noChangeShapeType="1" noTextEdit="1"/>
+          </p:cNvSpPr>
+          <p:nvPr>
+            <p:extLst>
+              <p:ext uri="{386F3935-93C4-4BCD-93E2-E3B085C9AB24}">
+                <p16:designElem xmlns:p16="http://schemas.microsoft.com/office/powerpoint/2015/main" val="1"/>
+              </p:ext>
+            </p:extLst>
+          </p:nvPr>
+        </p:nvSpPr>
+        <p:spPr>
+          <a:xfrm>
+            <a:off x="9583348" y="325601"/>
+            <a:ext cx="2286920" cy="3908071"/>
+          </a:xfrm>
+          <a:prstGeom prst="rect">
+            <a:avLst/>
+          </a:prstGeom>
+          <a:solidFill>
+            <a:schemeClr val="accent1"/>
+          </a:solidFill>
+          <a:ln>
+            <a:noFill/>
+          </a:ln>
+        </p:spPr>
+        <p:style>
+          <a:lnRef idx="2">
+            <a:schemeClr val="accent1">
+              <a:shade val="50000"/>
+            </a:schemeClr>
+          </a:lnRef>
+          <a:fillRef idx="1">
+            <a:schemeClr val="accent1"/>
+          </a:fillRef>
+          <a:effectRef idx="0">
+            <a:schemeClr val="accent1"/>
+          </a:effectRef>
+          <a:fontRef idx="minor">
+            <a:schemeClr val="lt1"/>
+          </a:fontRef>
+        </p:style>
+        <p:txBody>
+          <a:bodyPr rtlCol="0" anchor="ctr"/>
+          <a:lstStyle/>
+          <a:p>
+            <a:pPr algn="ctr"/>
+            <a:endParaRPr lang="en-US" dirty="0"/>
+          </a:p>
+        </p:txBody>
+      </p:sp>
+      <p:sp>
+        <p:nvSpPr>
+          <p:cNvPr id="10" name="Rectangle 9">
+            <a:extLst>
+              <a:ext uri="{FF2B5EF4-FFF2-40B4-BE49-F238E27FC236}">
+                <a16:creationId xmlns:a16="http://schemas.microsoft.com/office/drawing/2014/main" id="{F6EE670A-A41A-44AD-BC1C-2090365EB5B3}"/>
+              </a:ext>
+              <a:ext uri="{C183D7F6-B498-43B3-948B-1728B52AA6E4}">
+                <adec:decorative xmlns:adec="http://schemas.microsoft.com/office/drawing/2017/decorative" val="1"/>
+              </a:ext>
+            </a:extLst>
+          </p:cNvPr>
+          <p:cNvSpPr>
+            <a:spLocks noGrp="1" noRot="1" noChangeAspect="1" noMove="1" noResize="1" noEditPoints="1" noAdjustHandles="1" noChangeArrowheads="1" noChangeShapeType="1" noTextEdit="1"/>
+          </p:cNvSpPr>
+          <p:nvPr>
+            <p:extLst>
+              <p:ext uri="{386F3935-93C4-4BCD-93E2-E3B085C9AB24}">
+                <p16:designElem xmlns:p16="http://schemas.microsoft.com/office/powerpoint/2015/main" val="1"/>
+              </p:ext>
+            </p:extLst>
+          </p:nvPr>
+        </p:nvSpPr>
+        <p:spPr>
+          <a:xfrm>
+            <a:off x="9583348" y="4394539"/>
+            <a:ext cx="2286920" cy="2029724"/>
+          </a:xfrm>
+          <a:prstGeom prst="rect">
+            <a:avLst/>
+          </a:prstGeom>
+          <a:solidFill>
+            <a:schemeClr val="tx2">
+              <a:alpha val="80000"/>
+            </a:schemeClr>
+          </a:solidFill>
+          <a:ln>
+            <a:noFill/>
+          </a:ln>
+        </p:spPr>
+        <p:style>
+          <a:lnRef idx="2">
+            <a:schemeClr val="accent1">
+              <a:shade val="50000"/>
+            </a:schemeClr>
+          </a:lnRef>
+          <a:fillRef idx="1">
+            <a:schemeClr val="accent1"/>
+          </a:fillRef>
+          <a:effectRef idx="0">
+            <a:schemeClr val="accent1"/>
+          </a:effectRef>
+          <a:fontRef idx="minor">
+            <a:schemeClr val="lt1"/>
+          </a:fontRef>
+        </p:style>
+        <p:txBody>
+          <a:bodyPr rtlCol="0" anchor="ctr"/>
+          <a:lstStyle/>
+          <a:p>
+            <a:pPr algn="ctr"/>
+            <a:endParaRPr lang="en-US"/>
           </a:p>
         </p:txBody>
       </p:sp>
@@ -36674,6 +37129,14 @@
 <file path=ppt/slides/slide39.xml><?xml version="1.0" encoding="utf-8"?>
 <p:sld xmlns:a="http://schemas.openxmlformats.org/drawingml/2006/main" xmlns:r="http://schemas.openxmlformats.org/officeDocument/2006/relationships" xmlns:p="http://schemas.openxmlformats.org/presentationml/2006/main">
   <p:cSld>
+    <p:bg>
+      <p:bgPr>
+        <a:solidFill>
+          <a:schemeClr val="bg1"/>
+        </a:solidFill>
+        <a:effectLst/>
+      </p:bgPr>
+    </p:bg>
     <p:spTree>
       <p:nvGrpSpPr>
         <p:cNvPr id="1" name=""/>
@@ -36704,7 +37167,12 @@
             <p:ph type="title"/>
           </p:nvPr>
         </p:nvSpPr>
-        <p:spPr/>
+        <p:spPr>
+          <a:xfrm>
+            <a:off x="1024128" y="585216"/>
+            <a:ext cx="8018272" cy="1499616"/>
+          </a:xfrm>
+        </p:spPr>
         <p:txBody>
           <a:bodyPr>
             <a:normAutofit/>
@@ -36748,9 +37216,16 @@
             <p:ph idx="1"/>
           </p:nvPr>
         </p:nvSpPr>
-        <p:spPr/>
+        <p:spPr>
+          <a:xfrm>
+            <a:off x="1024128" y="2286000"/>
+            <a:ext cx="8018271" cy="4023360"/>
+          </a:xfrm>
+        </p:spPr>
         <p:txBody>
-          <a:bodyPr/>
+          <a:bodyPr>
+            <a:normAutofit/>
+          </a:bodyPr>
           <a:lstStyle/>
           <a:p>
             <a:r>
@@ -36764,38 +37239,14 @@
           </a:p>
           <a:p>
             <a:r>
-              <a:rPr lang="en-US" dirty="0"/>
-              <a:t>An index-linked bond has its coupon payments and/or principal repayment linked to a specified index. </a:t>
-            </a:r>
-            <a:r>
-              <a:rPr lang="en-US" dirty="0">
-                <a:solidFill>
-                  <a:srgbClr val="FF0000"/>
-                </a:solidFill>
-              </a:rPr>
-              <a:t>Inflation-linked bonds </a:t>
-            </a:r>
-            <a:r>
-              <a:rPr lang="en-US" dirty="0"/>
-              <a:t>are an example of index-linked bonds.</a:t>
-            </a:r>
-          </a:p>
-          <a:p>
-            <a:r>
-              <a:rPr lang="en-US" dirty="0"/>
-              <a:t>Theoretically inflation-linked bonds provide investors the benefit of a long-term asset with a fixed real return that is </a:t>
-            </a:r>
-            <a:r>
-              <a:rPr lang="en-US" dirty="0">
-                <a:solidFill>
-                  <a:srgbClr val="FF0000"/>
-                </a:solidFill>
-              </a:rPr>
-              <a:t>free from inflation risk</a:t>
-            </a:r>
-            <a:r>
-              <a:rPr lang="en-US" dirty="0"/>
-              <a:t>.</a:t>
+              <a:rPr lang="en-US" sz="2000" dirty="0"/>
+              <a:t>An index-linked bond has its coupon payments and/or principal repayment linked to a specified index. Inflation-linked bonds are an example of index-linked bonds.</a:t>
+            </a:r>
+          </a:p>
+          <a:p>
+            <a:r>
+              <a:rPr lang="en-US" sz="2000" dirty="0"/>
+              <a:t>Theoretically inflation-linked bonds provide investors the benefit of a long-term asset with a fixed real return that is free from inflation risk.</a:t>
             </a:r>
           </a:p>
           <a:p>
@@ -36804,14 +37255,9 @@
               <a:buChar char="§"/>
             </a:pPr>
             <a:r>
-              <a:rPr lang="en-US" dirty="0">
-                <a:solidFill>
-                  <a:srgbClr val="FF0000"/>
-                </a:solidFill>
-              </a:rPr>
+              <a:rPr lang="en-US" sz="2000" dirty="0"/>
               <a:t>Zero-coupon-indexed bonds</a:t>
             </a:r>
-            <a:endParaRPr lang="en-US" dirty="0"/>
           </a:p>
           <a:p>
             <a:pPr>
@@ -36819,11 +37265,7 @@
               <a:buChar char="§"/>
             </a:pPr>
             <a:r>
-              <a:rPr lang="en-US" dirty="0">
-                <a:solidFill>
-                  <a:srgbClr val="FF0000"/>
-                </a:solidFill>
-              </a:rPr>
+              <a:rPr lang="en-US" sz="2000" dirty="0"/>
               <a:t>Interest-indexed bonds</a:t>
             </a:r>
           </a:p>
@@ -36833,11 +37275,7 @@
               <a:buChar char="§"/>
             </a:pPr>
             <a:r>
-              <a:rPr lang="en-US" dirty="0">
-                <a:solidFill>
-                  <a:srgbClr val="FF0000"/>
-                </a:solidFill>
-              </a:rPr>
+              <a:rPr lang="en-US" sz="2000" dirty="0"/>
               <a:t>Capital-indexed bonds</a:t>
             </a:r>
           </a:p>
@@ -36847,13 +37285,137 @@
               <a:buChar char="§"/>
             </a:pPr>
             <a:r>
-              <a:rPr lang="en-US" dirty="0">
-                <a:solidFill>
-                  <a:srgbClr val="FF0000"/>
-                </a:solidFill>
-              </a:rPr>
+              <a:rPr lang="en-US" sz="2000" dirty="0"/>
               <a:t>Indexed-annuity bonds</a:t>
             </a:r>
+          </a:p>
+        </p:txBody>
+      </p:sp>
+      <p:sp>
+        <p:nvSpPr>
+          <p:cNvPr id="8" name="Rectangle 7">
+            <a:extLst>
+              <a:ext uri="{FF2B5EF4-FFF2-40B4-BE49-F238E27FC236}">
+                <a16:creationId xmlns:a16="http://schemas.microsoft.com/office/drawing/2014/main" id="{77D7B666-D5E6-48CE-B26A-FB5E5C34AF90}"/>
+              </a:ext>
+              <a:ext uri="{C183D7F6-B498-43B3-948B-1728B52AA6E4}">
+                <adec:decorative xmlns:adec="http://schemas.microsoft.com/office/drawing/2017/decorative" val="1"/>
+              </a:ext>
+            </a:extLst>
+          </p:cNvPr>
+          <p:cNvSpPr>
+            <a:spLocks noGrp="1" noRot="1" noChangeAspect="1" noMove="1" noResize="1" noEditPoints="1" noAdjustHandles="1" noChangeArrowheads="1" noChangeShapeType="1" noTextEdit="1"/>
+          </p:cNvSpPr>
+          <p:nvPr>
+            <p:extLst>
+              <p:ext uri="{386F3935-93C4-4BCD-93E2-E3B085C9AB24}">
+                <p16:designElem xmlns:p16="http://schemas.microsoft.com/office/powerpoint/2015/main" val="1"/>
+              </p:ext>
+            </p:extLst>
+          </p:nvPr>
+        </p:nvSpPr>
+        <p:spPr>
+          <a:xfrm>
+            <a:off x="9583348" y="325601"/>
+            <a:ext cx="2286920" cy="3908071"/>
+          </a:xfrm>
+          <a:prstGeom prst="rect">
+            <a:avLst/>
+          </a:prstGeom>
+          <a:solidFill>
+            <a:schemeClr val="accent1"/>
+          </a:solidFill>
+          <a:ln>
+            <a:noFill/>
+          </a:ln>
+        </p:spPr>
+        <p:style>
+          <a:lnRef idx="2">
+            <a:schemeClr val="accent1">
+              <a:shade val="50000"/>
+            </a:schemeClr>
+          </a:lnRef>
+          <a:fillRef idx="1">
+            <a:schemeClr val="accent1"/>
+          </a:fillRef>
+          <a:effectRef idx="0">
+            <a:schemeClr val="accent1"/>
+          </a:effectRef>
+          <a:fontRef idx="minor">
+            <a:schemeClr val="lt1"/>
+          </a:fontRef>
+        </p:style>
+        <p:txBody>
+          <a:bodyPr rtlCol="0" anchor="ctr"/>
+          <a:lstStyle/>
+          <a:p>
+            <a:pPr algn="ctr"/>
+            <a:endParaRPr lang="en-US" dirty="0"/>
+          </a:p>
+        </p:txBody>
+      </p:sp>
+      <p:sp>
+        <p:nvSpPr>
+          <p:cNvPr id="10" name="Rectangle 9">
+            <a:extLst>
+              <a:ext uri="{FF2B5EF4-FFF2-40B4-BE49-F238E27FC236}">
+                <a16:creationId xmlns:a16="http://schemas.microsoft.com/office/drawing/2014/main" id="{F6EE670A-A41A-44AD-BC1C-2090365EB5B3}"/>
+              </a:ext>
+              <a:ext uri="{C183D7F6-B498-43B3-948B-1728B52AA6E4}">
+                <adec:decorative xmlns:adec="http://schemas.microsoft.com/office/drawing/2017/decorative" val="1"/>
+              </a:ext>
+            </a:extLst>
+          </p:cNvPr>
+          <p:cNvSpPr>
+            <a:spLocks noGrp="1" noRot="1" noChangeAspect="1" noMove="1" noResize="1" noEditPoints="1" noAdjustHandles="1" noChangeArrowheads="1" noChangeShapeType="1" noTextEdit="1"/>
+          </p:cNvSpPr>
+          <p:nvPr>
+            <p:extLst>
+              <p:ext uri="{386F3935-93C4-4BCD-93E2-E3B085C9AB24}">
+                <p16:designElem xmlns:p16="http://schemas.microsoft.com/office/powerpoint/2015/main" val="1"/>
+              </p:ext>
+            </p:extLst>
+          </p:nvPr>
+        </p:nvSpPr>
+        <p:spPr>
+          <a:xfrm>
+            <a:off x="9583348" y="4394539"/>
+            <a:ext cx="2286920" cy="2029724"/>
+          </a:xfrm>
+          <a:prstGeom prst="rect">
+            <a:avLst/>
+          </a:prstGeom>
+          <a:solidFill>
+            <a:schemeClr val="tx2">
+              <a:alpha val="80000"/>
+            </a:schemeClr>
+          </a:solidFill>
+          <a:ln>
+            <a:noFill/>
+          </a:ln>
+        </p:spPr>
+        <p:style>
+          <a:lnRef idx="2">
+            <a:schemeClr val="accent1">
+              <a:shade val="50000"/>
+            </a:schemeClr>
+          </a:lnRef>
+          <a:fillRef idx="1">
+            <a:schemeClr val="accent1"/>
+          </a:fillRef>
+          <a:effectRef idx="0">
+            <a:schemeClr val="accent1"/>
+          </a:effectRef>
+          <a:fontRef idx="minor">
+            <a:schemeClr val="lt1"/>
+          </a:fontRef>
+        </p:style>
+        <p:txBody>
+          <a:bodyPr rtlCol="0" anchor="ctr"/>
+          <a:lstStyle/>
+          <a:p>
+            <a:pPr algn="ctr"/>
+            <a:endParaRPr lang="en-US"/>
           </a:p>
         </p:txBody>
       </p:sp>
@@ -37177,6 +37739,14 @@
 <file path=ppt/slides/slide40.xml><?xml version="1.0" encoding="utf-8"?>
 <p:sld xmlns:a="http://schemas.openxmlformats.org/drawingml/2006/main" xmlns:r="http://schemas.openxmlformats.org/officeDocument/2006/relationships" xmlns:p="http://schemas.openxmlformats.org/presentationml/2006/main">
   <p:cSld>
+    <p:bg>
+      <p:bgPr>
+        <a:solidFill>
+          <a:schemeClr val="bg1"/>
+        </a:solidFill>
+        <a:effectLst/>
+      </p:bgPr>
+    </p:bg>
     <p:spTree>
       <p:nvGrpSpPr>
         <p:cNvPr id="1" name=""/>
@@ -37207,9 +37777,16 @@
             <p:ph type="title"/>
           </p:nvPr>
         </p:nvSpPr>
-        <p:spPr/>
+        <p:spPr>
+          <a:xfrm>
+            <a:off x="1024128" y="585216"/>
+            <a:ext cx="8018272" cy="1499616"/>
+          </a:xfrm>
+        </p:spPr>
         <p:txBody>
-          <a:bodyPr/>
+          <a:bodyPr>
+            <a:normAutofit/>
+          </a:bodyPr>
           <a:lstStyle/>
           <a:p>
             <a:r>
@@ -37235,10 +37812,15 @@
             <p:ph idx="1"/>
           </p:nvPr>
         </p:nvSpPr>
-        <p:spPr/>
+        <p:spPr>
+          <a:xfrm>
+            <a:off x="1024128" y="2286000"/>
+            <a:ext cx="8018271" cy="4023360"/>
+          </a:xfrm>
+        </p:spPr>
         <p:txBody>
           <a:bodyPr>
-            <a:normAutofit fontScale="85000" lnSpcReduction="20000"/>
+            <a:normAutofit/>
           </a:bodyPr>
           <a:lstStyle/>
           <a:p>
@@ -37246,7 +37828,7 @@
               <a:buNone/>
             </a:pPr>
             <a:r>
-              <a:rPr lang="en-US" dirty="0"/>
+              <a:rPr lang="en-US" sz="1500"/>
               <a:t>1.The bonds that do not offer protection to the investor against increases in market interest rates are:</a:t>
             </a:r>
           </a:p>
@@ -37256,7 +37838,7 @@
               <a:buAutoNum type="alphaUcPeriod"/>
             </a:pPr>
             <a:r>
-              <a:rPr lang="en-US" b="1" dirty="0"/>
+              <a:rPr lang="en-US" sz="1500" b="1"/>
               <a:t>step-up bonds.</a:t>
             </a:r>
           </a:p>
@@ -37266,7 +37848,7 @@
               <a:buAutoNum type="alphaUcPeriod"/>
             </a:pPr>
             <a:r>
-              <a:rPr lang="en-US" b="1" dirty="0"/>
+              <a:rPr lang="en-US" sz="1500" b="1"/>
               <a:t>floating-rate notes.</a:t>
             </a:r>
           </a:p>
@@ -37276,7 +37858,7 @@
               <a:buAutoNum type="alphaUcPeriod"/>
             </a:pPr>
             <a:r>
-              <a:rPr lang="en-US" b="1" dirty="0"/>
+              <a:rPr lang="en-US" sz="1500" b="1"/>
               <a:t>inverse floating-rate notes.</a:t>
             </a:r>
           </a:p>
@@ -37285,7 +37867,7 @@
               <a:buNone/>
             </a:pPr>
             <a:r>
-              <a:rPr lang="en-US" dirty="0"/>
+              <a:rPr lang="en-US" sz="1500"/>
               <a:t>2.The US Treasury offers Treasury Inflation-Protected Securities (TIPS). The principal of TIPS increases with inflation and decreases with deflation based on changes in the US Consumer Price Index. When TIPS mature, an investor is paid the original principal or inflation-adjusted principal, whichever is greater. TIPS pay interest twice a year based on a fixed real coupon rate that is applied to the inflation-adjusted principal. TIPS are most likely:</a:t>
             </a:r>
           </a:p>
@@ -37295,7 +37877,7 @@
               <a:buAutoNum type="alphaUcPeriod"/>
             </a:pPr>
             <a:r>
-              <a:rPr lang="en-US" b="1" dirty="0"/>
+              <a:rPr lang="en-US" sz="1500" b="1"/>
               <a:t>capital-indexed bonds.</a:t>
             </a:r>
           </a:p>
@@ -37305,7 +37887,7 @@
               <a:buAutoNum type="alphaUcPeriod"/>
             </a:pPr>
             <a:r>
-              <a:rPr lang="en-US" b="1" dirty="0"/>
+              <a:rPr lang="en-US" sz="1500" b="1"/>
               <a:t>interest-indexed bonds.</a:t>
             </a:r>
           </a:p>
@@ -37315,9 +37897,137 @@
               <a:buAutoNum type="alphaUcPeriod"/>
             </a:pPr>
             <a:r>
-              <a:rPr lang="en-US" b="1" dirty="0"/>
+              <a:rPr lang="en-US" sz="1500" b="1"/>
               <a:t>indexed-annuity bonds.</a:t>
             </a:r>
+          </a:p>
+        </p:txBody>
+      </p:sp>
+      <p:sp>
+        <p:nvSpPr>
+          <p:cNvPr id="8" name="Rectangle 7">
+            <a:extLst>
+              <a:ext uri="{FF2B5EF4-FFF2-40B4-BE49-F238E27FC236}">
+                <a16:creationId xmlns:a16="http://schemas.microsoft.com/office/drawing/2014/main" id="{77D7B666-D5E6-48CE-B26A-FB5E5C34AF90}"/>
+              </a:ext>
+              <a:ext uri="{C183D7F6-B498-43B3-948B-1728B52AA6E4}">
+                <adec:decorative xmlns:adec="http://schemas.microsoft.com/office/drawing/2017/decorative" val="1"/>
+              </a:ext>
+            </a:extLst>
+          </p:cNvPr>
+          <p:cNvSpPr>
+            <a:spLocks noGrp="1" noRot="1" noChangeAspect="1" noMove="1" noResize="1" noEditPoints="1" noAdjustHandles="1" noChangeArrowheads="1" noChangeShapeType="1" noTextEdit="1"/>
+          </p:cNvSpPr>
+          <p:nvPr>
+            <p:extLst>
+              <p:ext uri="{386F3935-93C4-4BCD-93E2-E3B085C9AB24}">
+                <p16:designElem xmlns:p16="http://schemas.microsoft.com/office/powerpoint/2015/main" val="1"/>
+              </p:ext>
+            </p:extLst>
+          </p:nvPr>
+        </p:nvSpPr>
+        <p:spPr>
+          <a:xfrm>
+            <a:off x="9583348" y="325601"/>
+            <a:ext cx="2286920" cy="3908071"/>
+          </a:xfrm>
+          <a:prstGeom prst="rect">
+            <a:avLst/>
+          </a:prstGeom>
+          <a:solidFill>
+            <a:schemeClr val="accent1"/>
+          </a:solidFill>
+          <a:ln>
+            <a:noFill/>
+          </a:ln>
+        </p:spPr>
+        <p:style>
+          <a:lnRef idx="2">
+            <a:schemeClr val="accent1">
+              <a:shade val="50000"/>
+            </a:schemeClr>
+          </a:lnRef>
+          <a:fillRef idx="1">
+            <a:schemeClr val="accent1"/>
+          </a:fillRef>
+          <a:effectRef idx="0">
+            <a:schemeClr val="accent1"/>
+          </a:effectRef>
+          <a:fontRef idx="minor">
+            <a:schemeClr val="lt1"/>
+          </a:fontRef>
+        </p:style>
+        <p:txBody>
+          <a:bodyPr rtlCol="0" anchor="ctr"/>
+          <a:lstStyle/>
+          <a:p>
+            <a:pPr algn="ctr"/>
+            <a:endParaRPr lang="en-US" dirty="0"/>
+          </a:p>
+        </p:txBody>
+      </p:sp>
+      <p:sp>
+        <p:nvSpPr>
+          <p:cNvPr id="10" name="Rectangle 9">
+            <a:extLst>
+              <a:ext uri="{FF2B5EF4-FFF2-40B4-BE49-F238E27FC236}">
+                <a16:creationId xmlns:a16="http://schemas.microsoft.com/office/drawing/2014/main" id="{F6EE670A-A41A-44AD-BC1C-2090365EB5B3}"/>
+              </a:ext>
+              <a:ext uri="{C183D7F6-B498-43B3-948B-1728B52AA6E4}">
+                <adec:decorative xmlns:adec="http://schemas.microsoft.com/office/drawing/2017/decorative" val="1"/>
+              </a:ext>
+            </a:extLst>
+          </p:cNvPr>
+          <p:cNvSpPr>
+            <a:spLocks noGrp="1" noRot="1" noChangeAspect="1" noMove="1" noResize="1" noEditPoints="1" noAdjustHandles="1" noChangeArrowheads="1" noChangeShapeType="1" noTextEdit="1"/>
+          </p:cNvSpPr>
+          <p:nvPr>
+            <p:extLst>
+              <p:ext uri="{386F3935-93C4-4BCD-93E2-E3B085C9AB24}">
+                <p16:designElem xmlns:p16="http://schemas.microsoft.com/office/powerpoint/2015/main" val="1"/>
+              </p:ext>
+            </p:extLst>
+          </p:nvPr>
+        </p:nvSpPr>
+        <p:spPr>
+          <a:xfrm>
+            <a:off x="9583348" y="4394539"/>
+            <a:ext cx="2286920" cy="2029724"/>
+          </a:xfrm>
+          <a:prstGeom prst="rect">
+            <a:avLst/>
+          </a:prstGeom>
+          <a:solidFill>
+            <a:schemeClr val="tx2">
+              <a:alpha val="80000"/>
+            </a:schemeClr>
+          </a:solidFill>
+          <a:ln>
+            <a:noFill/>
+          </a:ln>
+        </p:spPr>
+        <p:style>
+          <a:lnRef idx="2">
+            <a:schemeClr val="accent1">
+              <a:shade val="50000"/>
+            </a:schemeClr>
+          </a:lnRef>
+          <a:fillRef idx="1">
+            <a:schemeClr val="accent1"/>
+          </a:fillRef>
+          <a:effectRef idx="0">
+            <a:schemeClr val="accent1"/>
+          </a:effectRef>
+          <a:fontRef idx="minor">
+            <a:schemeClr val="lt1"/>
+          </a:fontRef>
+        </p:style>
+        <p:txBody>
+          <a:bodyPr rtlCol="0" anchor="ctr"/>
+          <a:lstStyle/>
+          <a:p>
+            <a:pPr algn="ctr"/>
+            <a:endParaRPr lang="en-US"/>
           </a:p>
         </p:txBody>
       </p:sp>
@@ -37337,6 +38047,14 @@
 <file path=ppt/slides/slide41.xml><?xml version="1.0" encoding="utf-8"?>
 <p:sld xmlns:a="http://schemas.openxmlformats.org/drawingml/2006/main" xmlns:r="http://schemas.openxmlformats.org/officeDocument/2006/relationships" xmlns:p="http://schemas.openxmlformats.org/presentationml/2006/main">
   <p:cSld>
+    <p:bg>
+      <p:bgPr>
+        <a:solidFill>
+          <a:schemeClr val="bg1"/>
+        </a:solidFill>
+        <a:effectLst/>
+      </p:bgPr>
+    </p:bg>
     <p:spTree>
       <p:nvGrpSpPr>
         <p:cNvPr id="1" name=""/>
@@ -37367,9 +38085,16 @@
             <p:ph type="title"/>
           </p:nvPr>
         </p:nvSpPr>
-        <p:spPr/>
+        <p:spPr>
+          <a:xfrm>
+            <a:off x="1024128" y="585216"/>
+            <a:ext cx="8018272" cy="1499616"/>
+          </a:xfrm>
+        </p:spPr>
         <p:txBody>
-          <a:bodyPr/>
+          <a:bodyPr>
+            <a:normAutofit/>
+          </a:bodyPr>
           <a:lstStyle/>
           <a:p>
             <a:r>
@@ -37395,7 +38120,12 @@
             <p:ph idx="1"/>
           </p:nvPr>
         </p:nvSpPr>
-        <p:spPr/>
+        <p:spPr>
+          <a:xfrm>
+            <a:off x="1024128" y="2286000"/>
+            <a:ext cx="8018271" cy="4023360"/>
+          </a:xfrm>
+        </p:spPr>
         <p:txBody>
           <a:bodyPr>
             <a:normAutofit/>
@@ -37439,6 +38169,134 @@
               <a:rPr lang="en-US" b="1" dirty="0"/>
               <a:t>the coupon payment remains unchanged, but the principal amount increases.</a:t>
             </a:r>
+          </a:p>
+        </p:txBody>
+      </p:sp>
+      <p:sp>
+        <p:nvSpPr>
+          <p:cNvPr id="8" name="Rectangle 7">
+            <a:extLst>
+              <a:ext uri="{FF2B5EF4-FFF2-40B4-BE49-F238E27FC236}">
+                <a16:creationId xmlns:a16="http://schemas.microsoft.com/office/drawing/2014/main" id="{77D7B666-D5E6-48CE-B26A-FB5E5C34AF90}"/>
+              </a:ext>
+              <a:ext uri="{C183D7F6-B498-43B3-948B-1728B52AA6E4}">
+                <adec:decorative xmlns:adec="http://schemas.microsoft.com/office/drawing/2017/decorative" val="1"/>
+              </a:ext>
+            </a:extLst>
+          </p:cNvPr>
+          <p:cNvSpPr>
+            <a:spLocks noGrp="1" noRot="1" noChangeAspect="1" noMove="1" noResize="1" noEditPoints="1" noAdjustHandles="1" noChangeArrowheads="1" noChangeShapeType="1" noTextEdit="1"/>
+          </p:cNvSpPr>
+          <p:nvPr>
+            <p:extLst>
+              <p:ext uri="{386F3935-93C4-4BCD-93E2-E3B085C9AB24}">
+                <p16:designElem xmlns:p16="http://schemas.microsoft.com/office/powerpoint/2015/main" val="1"/>
+              </p:ext>
+            </p:extLst>
+          </p:nvPr>
+        </p:nvSpPr>
+        <p:spPr>
+          <a:xfrm>
+            <a:off x="9583348" y="325601"/>
+            <a:ext cx="2286920" cy="3908071"/>
+          </a:xfrm>
+          <a:prstGeom prst="rect">
+            <a:avLst/>
+          </a:prstGeom>
+          <a:solidFill>
+            <a:schemeClr val="accent1"/>
+          </a:solidFill>
+          <a:ln>
+            <a:noFill/>
+          </a:ln>
+        </p:spPr>
+        <p:style>
+          <a:lnRef idx="2">
+            <a:schemeClr val="accent1">
+              <a:shade val="50000"/>
+            </a:schemeClr>
+          </a:lnRef>
+          <a:fillRef idx="1">
+            <a:schemeClr val="accent1"/>
+          </a:fillRef>
+          <a:effectRef idx="0">
+            <a:schemeClr val="accent1"/>
+          </a:effectRef>
+          <a:fontRef idx="minor">
+            <a:schemeClr val="lt1"/>
+          </a:fontRef>
+        </p:style>
+        <p:txBody>
+          <a:bodyPr rtlCol="0" anchor="ctr"/>
+          <a:lstStyle/>
+          <a:p>
+            <a:pPr algn="ctr"/>
+            <a:endParaRPr lang="en-US" dirty="0"/>
+          </a:p>
+        </p:txBody>
+      </p:sp>
+      <p:sp>
+        <p:nvSpPr>
+          <p:cNvPr id="10" name="Rectangle 9">
+            <a:extLst>
+              <a:ext uri="{FF2B5EF4-FFF2-40B4-BE49-F238E27FC236}">
+                <a16:creationId xmlns:a16="http://schemas.microsoft.com/office/drawing/2014/main" id="{F6EE670A-A41A-44AD-BC1C-2090365EB5B3}"/>
+              </a:ext>
+              <a:ext uri="{C183D7F6-B498-43B3-948B-1728B52AA6E4}">
+                <adec:decorative xmlns:adec="http://schemas.microsoft.com/office/drawing/2017/decorative" val="1"/>
+              </a:ext>
+            </a:extLst>
+          </p:cNvPr>
+          <p:cNvSpPr>
+            <a:spLocks noGrp="1" noRot="1" noChangeAspect="1" noMove="1" noResize="1" noEditPoints="1" noAdjustHandles="1" noChangeArrowheads="1" noChangeShapeType="1" noTextEdit="1"/>
+          </p:cNvSpPr>
+          <p:nvPr>
+            <p:extLst>
+              <p:ext uri="{386F3935-93C4-4BCD-93E2-E3B085C9AB24}">
+                <p16:designElem xmlns:p16="http://schemas.microsoft.com/office/powerpoint/2015/main" val="1"/>
+              </p:ext>
+            </p:extLst>
+          </p:nvPr>
+        </p:nvSpPr>
+        <p:spPr>
+          <a:xfrm>
+            <a:off x="9583348" y="4394539"/>
+            <a:ext cx="2286920" cy="2029724"/>
+          </a:xfrm>
+          <a:prstGeom prst="rect">
+            <a:avLst/>
+          </a:prstGeom>
+          <a:solidFill>
+            <a:schemeClr val="tx2">
+              <a:alpha val="80000"/>
+            </a:schemeClr>
+          </a:solidFill>
+          <a:ln>
+            <a:noFill/>
+          </a:ln>
+        </p:spPr>
+        <p:style>
+          <a:lnRef idx="2">
+            <a:schemeClr val="accent1">
+              <a:shade val="50000"/>
+            </a:schemeClr>
+          </a:lnRef>
+          <a:fillRef idx="1">
+            <a:schemeClr val="accent1"/>
+          </a:fillRef>
+          <a:effectRef idx="0">
+            <a:schemeClr val="accent1"/>
+          </a:effectRef>
+          <a:fontRef idx="minor">
+            <a:schemeClr val="lt1"/>
+          </a:fontRef>
+        </p:style>
+        <p:txBody>
+          <a:bodyPr rtlCol="0" anchor="ctr"/>
+          <a:lstStyle/>
+          <a:p>
+            <a:pPr algn="ctr"/>
+            <a:endParaRPr lang="en-US"/>
           </a:p>
         </p:txBody>
       </p:sp>
@@ -37446,118 +38304,6 @@
     <p:extLst>
       <p:ext uri="{BB962C8B-B14F-4D97-AF65-F5344CB8AC3E}">
         <p14:creationId xmlns:p14="http://schemas.microsoft.com/office/powerpoint/2010/main" val="936411654"/>
-      </p:ext>
-    </p:extLst>
-  </p:cSld>
-  <p:clrMapOvr>
-    <a:masterClrMapping/>
-  </p:clrMapOvr>
-</p:sld>
-</file>
-
-<file path=ppt/slides/slide42.xml><?xml version="1.0" encoding="utf-8"?>
-<p:sld xmlns:a="http://schemas.openxmlformats.org/drawingml/2006/main" xmlns:r="http://schemas.openxmlformats.org/officeDocument/2006/relationships" xmlns:p="http://schemas.openxmlformats.org/presentationml/2006/main">
-  <p:cSld>
-    <p:spTree>
-      <p:nvGrpSpPr>
-        <p:cNvPr id="1" name=""/>
-        <p:cNvGrpSpPr/>
-        <p:nvPr/>
-      </p:nvGrpSpPr>
-      <p:grpSpPr>
-        <a:xfrm>
-          <a:off x="0" y="0"/>
-          <a:ext cx="0" cy="0"/>
-          <a:chOff x="0" y="0"/>
-          <a:chExt cx="0" cy="0"/>
-        </a:xfrm>
-      </p:grpSpPr>
-      <p:sp>
-        <p:nvSpPr>
-          <p:cNvPr id="2" name="Title 1">
-            <a:extLst>
-              <a:ext uri="{FF2B5EF4-FFF2-40B4-BE49-F238E27FC236}">
-                <a16:creationId xmlns:a16="http://schemas.microsoft.com/office/drawing/2014/main" id="{DC43200C-5D84-47FA-9EC2-35A87F395344}"/>
-              </a:ext>
-            </a:extLst>
-          </p:cNvPr>
-          <p:cNvSpPr>
-            <a:spLocks noGrp="1"/>
-          </p:cNvSpPr>
-          <p:nvPr>
-            <p:ph type="title"/>
-          </p:nvPr>
-        </p:nvSpPr>
-        <p:spPr/>
-        <p:txBody>
-          <a:bodyPr>
-            <a:normAutofit/>
-          </a:bodyPr>
-          <a:lstStyle/>
-          <a:p>
-            <a:r>
-              <a:rPr lang="en-US" sz="3500" dirty="0"/>
-              <a:t>Module1</a:t>
-            </a:r>
-            <a:br>
-              <a:rPr lang="en-US" sz="3500" dirty="0"/>
-            </a:br>
-            <a:r>
-              <a:rPr lang="en-US" sz="3500" dirty="0"/>
-              <a:t>Fixed-Income Securities: </a:t>
-            </a:r>
-            <a:br>
-              <a:rPr lang="en-US" sz="3500" dirty="0"/>
-            </a:br>
-            <a:r>
-              <a:rPr lang="en-US" sz="3500" dirty="0"/>
-              <a:t>Defining Elements</a:t>
-            </a:r>
-          </a:p>
-        </p:txBody>
-      </p:sp>
-      <p:sp>
-        <p:nvSpPr>
-          <p:cNvPr id="3" name="Content Placeholder 2">
-            <a:extLst>
-              <a:ext uri="{FF2B5EF4-FFF2-40B4-BE49-F238E27FC236}">
-                <a16:creationId xmlns:a16="http://schemas.microsoft.com/office/drawing/2014/main" id="{EFEFF64A-DFA8-4543-86B1-B5B9CED9A4CB}"/>
-              </a:ext>
-            </a:extLst>
-          </p:cNvPr>
-          <p:cNvSpPr>
-            <a:spLocks noGrp="1"/>
-          </p:cNvSpPr>
-          <p:nvPr>
-            <p:ph idx="1"/>
-          </p:nvPr>
-        </p:nvSpPr>
-        <p:spPr/>
-        <p:txBody>
-          <a:bodyPr/>
-          <a:lstStyle/>
-          <a:p>
-            <a:r>
-              <a:rPr lang="en-US" sz="2800" b="1" dirty="0">
-                <a:solidFill>
-                  <a:srgbClr val="FF0000"/>
-                </a:solidFill>
-              </a:rPr>
-              <a:t>Callable bond</a:t>
-            </a:r>
-          </a:p>
-          <a:p>
-            <a:r>
-              <a:rPr lang="en-US" dirty="0"/>
-              <a:t>A callable bond gives the issuer the right to redeem all or part of the bond before the specified maturity date.</a:t>
-            </a:r>
-          </a:p>
-        </p:txBody>
-      </p:sp>
-    </p:spTree>
-    <p:extLst>
-      <p:ext uri="{BB962C8B-B14F-4D97-AF65-F5344CB8AC3E}">
-        <p14:creationId xmlns:p14="http://schemas.microsoft.com/office/powerpoint/2010/main" val="903955073"/>
       </p:ext>
     </p:extLst>
   </p:cSld>

--- a/Fixed Income.pptx
+++ b/Fixed Income.pptx
@@ -5,7 +5,7 @@
     <p:sldMasterId id="2147483660" r:id="rId1"/>
   </p:sldMasterIdLst>
   <p:notesMasterIdLst>
-    <p:notesMasterId r:id="rId43"/>
+    <p:notesMasterId r:id="rId50"/>
   </p:notesMasterIdLst>
   <p:sldIdLst>
     <p:sldId id="265" r:id="rId2"/>
@@ -49,6 +49,13 @@
     <p:sldId id="297" r:id="rId40"/>
     <p:sldId id="298" r:id="rId41"/>
     <p:sldId id="299" r:id="rId42"/>
+    <p:sldId id="306" r:id="rId43"/>
+    <p:sldId id="301" r:id="rId44"/>
+    <p:sldId id="302" r:id="rId45"/>
+    <p:sldId id="303" r:id="rId46"/>
+    <p:sldId id="304" r:id="rId47"/>
+    <p:sldId id="305" r:id="rId48"/>
+    <p:sldId id="307" r:id="rId49"/>
   </p:sldIdLst>
   <p:sldSz cx="12192000" cy="6858000"/>
   <p:notesSz cx="6858000" cy="9144000"/>
@@ -4018,7 +4025,7 @@
           <a:p>
             <a:fld id="{9ADA5B36-BD01-47CD-B491-940693B77A9A}" type="datetimeFigureOut">
               <a:rPr lang="en-US" smtClean="0"/>
-              <a:t>10/29/22</a:t>
+              <a:t>11/1/2022</a:t>
             </a:fld>
             <a:endParaRPr lang="en-US"/>
           </a:p>
@@ -4957,6 +4964,90 @@
 </p:notes>
 </file>
 
+<file path=ppt/notesSlides/notesSlide9.xml><?xml version="1.0" encoding="utf-8"?>
+<p:notes xmlns:a="http://schemas.openxmlformats.org/drawingml/2006/main" xmlns:r="http://schemas.openxmlformats.org/officeDocument/2006/relationships" xmlns:p="http://schemas.openxmlformats.org/presentationml/2006/main">
+  <p:cSld>
+    <p:spTree>
+      <p:nvGrpSpPr>
+        <p:cNvPr id="1" name=""/>
+        <p:cNvGrpSpPr/>
+        <p:nvPr/>
+      </p:nvGrpSpPr>
+      <p:grpSpPr>
+        <a:xfrm>
+          <a:off x="0" y="0"/>
+          <a:ext cx="0" cy="0"/>
+          <a:chOff x="0" y="0"/>
+          <a:chExt cx="0" cy="0"/>
+        </a:xfrm>
+      </p:grpSpPr>
+      <p:sp>
+        <p:nvSpPr>
+          <p:cNvPr id="2" name="Slide Image Placeholder 1"/>
+          <p:cNvSpPr>
+            <a:spLocks noGrp="1" noRot="1" noChangeAspect="1"/>
+          </p:cNvSpPr>
+          <p:nvPr>
+            <p:ph type="sldImg"/>
+          </p:nvPr>
+        </p:nvSpPr>
+        <p:spPr/>
+      </p:sp>
+      <p:sp>
+        <p:nvSpPr>
+          <p:cNvPr id="3" name="Notes Placeholder 2"/>
+          <p:cNvSpPr>
+            <a:spLocks noGrp="1"/>
+          </p:cNvSpPr>
+          <p:nvPr>
+            <p:ph type="body" idx="1"/>
+          </p:nvPr>
+        </p:nvSpPr>
+        <p:spPr/>
+        <p:txBody>
+          <a:bodyPr/>
+          <a:lstStyle/>
+          <a:p>
+            <a:endParaRPr lang="en-US" dirty="0"/>
+          </a:p>
+        </p:txBody>
+      </p:sp>
+      <p:sp>
+        <p:nvSpPr>
+          <p:cNvPr id="4" name="Slide Number Placeholder 3"/>
+          <p:cNvSpPr>
+            <a:spLocks noGrp="1"/>
+          </p:cNvSpPr>
+          <p:nvPr>
+            <p:ph type="sldNum" sz="quarter" idx="5"/>
+          </p:nvPr>
+        </p:nvSpPr>
+        <p:spPr/>
+        <p:txBody>
+          <a:bodyPr/>
+          <a:lstStyle/>
+          <a:p>
+            <a:fld id="{E3B866C1-D4D8-42C4-BACA-D1CCAC4472DF}" type="slidenum">
+              <a:rPr lang="en-US" smtClean="0"/>
+              <a:t>42</a:t>
+            </a:fld>
+            <a:endParaRPr lang="en-US"/>
+          </a:p>
+        </p:txBody>
+      </p:sp>
+    </p:spTree>
+    <p:extLst>
+      <p:ext uri="{BB962C8B-B14F-4D97-AF65-F5344CB8AC3E}">
+        <p14:creationId xmlns:p14="http://schemas.microsoft.com/office/powerpoint/2010/main" val="1488351325"/>
+      </p:ext>
+    </p:extLst>
+  </p:cSld>
+  <p:clrMapOvr>
+    <a:masterClrMapping/>
+  </p:clrMapOvr>
+</p:notes>
+</file>
+
 <file path=ppt/slideLayouts/slideLayout1.xml><?xml version="1.0" encoding="utf-8"?>
 <p:sldLayout xmlns:a="http://schemas.openxmlformats.org/drawingml/2006/main" xmlns:r="http://schemas.openxmlformats.org/officeDocument/2006/relationships" xmlns:p="http://schemas.openxmlformats.org/presentationml/2006/main" showMasterSp="0" type="title" preserve="1">
   <p:cSld name="Title Slide">
@@ -13750,7 +13841,7 @@
           <a:p>
             <a:fld id="{3CB14515-8DA5-4B82-96E7-E758FF8ACA06}" type="datetimeFigureOut">
               <a:rPr lang="en-US" smtClean="0"/>
-              <a:t>10/29/22</a:t>
+              <a:t>11/1/2022</a:t>
             </a:fld>
             <a:endParaRPr lang="en-US"/>
           </a:p>
@@ -13957,7 +14048,7 @@
           <a:p>
             <a:fld id="{3CB14515-8DA5-4B82-96E7-E758FF8ACA06}" type="datetimeFigureOut">
               <a:rPr lang="en-US" smtClean="0"/>
-              <a:t>10/29/22</a:t>
+              <a:t>11/1/2022</a:t>
             </a:fld>
             <a:endParaRPr lang="en-US"/>
           </a:p>
@@ -14137,7 +14228,7 @@
           <a:p>
             <a:fld id="{3CB14515-8DA5-4B82-96E7-E758FF8ACA06}" type="datetimeFigureOut">
               <a:rPr lang="en-US" smtClean="0"/>
-              <a:t>10/29/22</a:t>
+              <a:t>11/1/2022</a:t>
             </a:fld>
             <a:endParaRPr lang="en-US"/>
           </a:p>
@@ -14342,7 +14433,7 @@
           <a:p>
             <a:fld id="{3CB14515-8DA5-4B82-96E7-E758FF8ACA06}" type="datetimeFigureOut">
               <a:rPr lang="en-US" smtClean="0"/>
-              <a:t>10/29/22</a:t>
+              <a:t>11/1/2022</a:t>
             </a:fld>
             <a:endParaRPr lang="en-US"/>
           </a:p>
@@ -23240,7 +23331,7 @@
           <a:p>
             <a:fld id="{3CB14515-8DA5-4B82-96E7-E758FF8ACA06}" type="datetimeFigureOut">
               <a:rPr lang="en-US" smtClean="0"/>
-              <a:t>10/29/22</a:t>
+              <a:t>11/1/2022</a:t>
             </a:fld>
             <a:endParaRPr lang="en-US"/>
           </a:p>
@@ -23514,7 +23605,7 @@
           <a:p>
             <a:fld id="{3CB14515-8DA5-4B82-96E7-E758FF8ACA06}" type="datetimeFigureOut">
               <a:rPr lang="en-US" smtClean="0"/>
-              <a:t>10/29/22</a:t>
+              <a:t>11/1/2022</a:t>
             </a:fld>
             <a:endParaRPr lang="en-US"/>
           </a:p>
@@ -23912,7 +24003,7 @@
           <a:p>
             <a:fld id="{3CB14515-8DA5-4B82-96E7-E758FF8ACA06}" type="datetimeFigureOut">
               <a:rPr lang="en-US" smtClean="0"/>
-              <a:t>10/29/22</a:t>
+              <a:t>11/1/2022</a:t>
             </a:fld>
             <a:endParaRPr lang="en-US"/>
           </a:p>
@@ -24030,7 +24121,7 @@
           <a:p>
             <a:fld id="{3CB14515-8DA5-4B82-96E7-E758FF8ACA06}" type="datetimeFigureOut">
               <a:rPr lang="en-US" smtClean="0"/>
-              <a:t>10/29/22</a:t>
+              <a:t>11/1/2022</a:t>
             </a:fld>
             <a:endParaRPr lang="en-US"/>
           </a:p>
@@ -24125,7 +24216,7 @@
           <a:p>
             <a:fld id="{3CB14515-8DA5-4B82-96E7-E758FF8ACA06}" type="datetimeFigureOut">
               <a:rPr lang="en-US" smtClean="0"/>
-              <a:t>10/29/22</a:t>
+              <a:t>11/1/2022</a:t>
             </a:fld>
             <a:endParaRPr lang="en-US"/>
           </a:p>
@@ -24415,7 +24506,7 @@
           <a:p>
             <a:fld id="{3CB14515-8DA5-4B82-96E7-E758FF8ACA06}" type="datetimeFigureOut">
               <a:rPr lang="en-US" smtClean="0"/>
-              <a:t>10/29/22</a:t>
+              <a:t>11/1/2022</a:t>
             </a:fld>
             <a:endParaRPr lang="en-US"/>
           </a:p>
@@ -24695,7 +24786,7 @@
           <a:p>
             <a:fld id="{3CB14515-8DA5-4B82-96E7-E758FF8ACA06}" type="datetimeFigureOut">
               <a:rPr lang="en-US" smtClean="0"/>
-              <a:t>10/29/22</a:t>
+              <a:t>11/1/2022</a:t>
             </a:fld>
             <a:endParaRPr lang="en-US"/>
           </a:p>
@@ -24945,7 +25036,7 @@
           <a:p>
             <a:fld id="{3CB14515-8DA5-4B82-96E7-E758FF8ACA06}" type="datetimeFigureOut">
               <a:rPr lang="en-US" smtClean="0"/>
-              <a:t>10/29/22</a:t>
+              <a:t>11/1/2022</a:t>
             </a:fld>
             <a:endParaRPr lang="en-US"/>
           </a:p>
@@ -38313,6 +38404,1856 @@
 </p:sld>
 </file>
 
+<file path=ppt/slides/slide42.xml><?xml version="1.0" encoding="utf-8"?>
+<p:sld xmlns:a="http://schemas.openxmlformats.org/drawingml/2006/main" xmlns:r="http://schemas.openxmlformats.org/officeDocument/2006/relationships" xmlns:p="http://schemas.openxmlformats.org/presentationml/2006/main">
+  <p:cSld>
+    <p:spTree>
+      <p:nvGrpSpPr>
+        <p:cNvPr id="1" name=""/>
+        <p:cNvGrpSpPr/>
+        <p:nvPr/>
+      </p:nvGrpSpPr>
+      <p:grpSpPr>
+        <a:xfrm>
+          <a:off x="0" y="0"/>
+          <a:ext cx="0" cy="0"/>
+          <a:chOff x="0" y="0"/>
+          <a:chExt cx="0" cy="0"/>
+        </a:xfrm>
+      </p:grpSpPr>
+      <p:sp>
+        <p:nvSpPr>
+          <p:cNvPr id="2" name="Title 1">
+            <a:extLst>
+              <a:ext uri="{FF2B5EF4-FFF2-40B4-BE49-F238E27FC236}">
+                <a16:creationId xmlns:a16="http://schemas.microsoft.com/office/drawing/2014/main" id="{DC43200C-5D84-47FA-9EC2-35A87F395344}"/>
+              </a:ext>
+            </a:extLst>
+          </p:cNvPr>
+          <p:cNvSpPr>
+            <a:spLocks noGrp="1"/>
+          </p:cNvSpPr>
+          <p:nvPr>
+            <p:ph type="title"/>
+          </p:nvPr>
+        </p:nvSpPr>
+        <p:spPr/>
+        <p:txBody>
+          <a:bodyPr>
+            <a:normAutofit/>
+          </a:bodyPr>
+          <a:lstStyle/>
+          <a:p>
+            <a:r>
+              <a:rPr lang="en-US" sz="3500" dirty="0"/>
+              <a:t>Module1</a:t>
+            </a:r>
+            <a:br>
+              <a:rPr lang="en-US" sz="3500" dirty="0"/>
+            </a:br>
+            <a:r>
+              <a:rPr lang="en-US" sz="3500" dirty="0"/>
+              <a:t>Fixed-Income Securities: </a:t>
+            </a:r>
+            <a:br>
+              <a:rPr lang="en-US" sz="3500" dirty="0"/>
+            </a:br>
+            <a:r>
+              <a:rPr lang="en-US" sz="3500" dirty="0"/>
+              <a:t>Defining Elements</a:t>
+            </a:r>
+          </a:p>
+        </p:txBody>
+      </p:sp>
+      <p:sp>
+        <p:nvSpPr>
+          <p:cNvPr id="3" name="Content Placeholder 2">
+            <a:extLst>
+              <a:ext uri="{FF2B5EF4-FFF2-40B4-BE49-F238E27FC236}">
+                <a16:creationId xmlns:a16="http://schemas.microsoft.com/office/drawing/2014/main" id="{EFEFF64A-DFA8-4543-86B1-B5B9CED9A4CB}"/>
+              </a:ext>
+            </a:extLst>
+          </p:cNvPr>
+          <p:cNvSpPr>
+            <a:spLocks noGrp="1"/>
+          </p:cNvSpPr>
+          <p:nvPr>
+            <p:ph idx="1"/>
+          </p:nvPr>
+        </p:nvSpPr>
+        <p:spPr/>
+        <p:txBody>
+          <a:bodyPr/>
+          <a:lstStyle/>
+          <a:p>
+            <a:r>
+              <a:rPr lang="en-US" sz="2800" b="1" dirty="0">
+                <a:solidFill>
+                  <a:srgbClr val="FF0000"/>
+                </a:solidFill>
+              </a:rPr>
+              <a:t>Callable and putable bond</a:t>
+            </a:r>
+          </a:p>
+          <a:p>
+            <a:r>
+              <a:rPr lang="en-US" sz="2000" dirty="0"/>
+              <a:t>A </a:t>
+            </a:r>
+            <a:r>
+              <a:rPr lang="en-US" sz="2000" dirty="0">
+                <a:solidFill>
+                  <a:srgbClr val="FF0000"/>
+                </a:solidFill>
+              </a:rPr>
+              <a:t>callable bond </a:t>
+            </a:r>
+            <a:r>
+              <a:rPr lang="en-US" sz="2000" dirty="0"/>
+              <a:t>gives the </a:t>
+            </a:r>
+            <a:r>
+              <a:rPr lang="en-US" sz="2000" dirty="0">
+                <a:solidFill>
+                  <a:srgbClr val="FF0000"/>
+                </a:solidFill>
+              </a:rPr>
+              <a:t>issuer</a:t>
+            </a:r>
+            <a:r>
+              <a:rPr lang="en-US" sz="2000" dirty="0"/>
+              <a:t> the right to redeem all or part of the bond before the specified maturity date.</a:t>
+            </a:r>
+          </a:p>
+          <a:p>
+            <a:r>
+              <a:rPr lang="en-US" sz="2000" dirty="0"/>
+              <a:t>A </a:t>
+            </a:r>
+            <a:r>
+              <a:rPr lang="en-US" sz="2000" dirty="0">
+                <a:solidFill>
+                  <a:srgbClr val="FF0000"/>
+                </a:solidFill>
+              </a:rPr>
+              <a:t>put provision </a:t>
+            </a:r>
+            <a:r>
+              <a:rPr lang="en-US" sz="2000" dirty="0"/>
+              <a:t>gives the </a:t>
+            </a:r>
+            <a:r>
+              <a:rPr lang="en-US" sz="2000" dirty="0">
+                <a:solidFill>
+                  <a:srgbClr val="FF0000"/>
+                </a:solidFill>
+              </a:rPr>
+              <a:t>bondholders</a:t>
+            </a:r>
+            <a:r>
+              <a:rPr lang="en-US" sz="2000" dirty="0"/>
+              <a:t> the right to sell the bond back to the issuer at a pre-determined price on specified dates</a:t>
+            </a:r>
+          </a:p>
+          <a:p>
+            <a:endParaRPr lang="en-US" dirty="0"/>
+          </a:p>
+        </p:txBody>
+      </p:sp>
+    </p:spTree>
+    <p:extLst>
+      <p:ext uri="{BB962C8B-B14F-4D97-AF65-F5344CB8AC3E}">
+        <p14:creationId xmlns:p14="http://schemas.microsoft.com/office/powerpoint/2010/main" val="3385463952"/>
+      </p:ext>
+    </p:extLst>
+  </p:cSld>
+  <p:clrMapOvr>
+    <a:masterClrMapping/>
+  </p:clrMapOvr>
+</p:sld>
+</file>
+
+<file path=ppt/slides/slide43.xml><?xml version="1.0" encoding="utf-8"?>
+<p:sld xmlns:a="http://schemas.openxmlformats.org/drawingml/2006/main" xmlns:r="http://schemas.openxmlformats.org/officeDocument/2006/relationships" xmlns:p="http://schemas.openxmlformats.org/presentationml/2006/main">
+  <p:cSld>
+    <p:spTree>
+      <p:nvGrpSpPr>
+        <p:cNvPr id="1" name=""/>
+        <p:cNvGrpSpPr/>
+        <p:nvPr/>
+      </p:nvGrpSpPr>
+      <p:grpSpPr>
+        <a:xfrm>
+          <a:off x="0" y="0"/>
+          <a:ext cx="0" cy="0"/>
+          <a:chOff x="0" y="0"/>
+          <a:chExt cx="0" cy="0"/>
+        </a:xfrm>
+      </p:grpSpPr>
+      <p:sp>
+        <p:nvSpPr>
+          <p:cNvPr id="2" name="Title 1">
+            <a:extLst>
+              <a:ext uri="{FF2B5EF4-FFF2-40B4-BE49-F238E27FC236}">
+                <a16:creationId xmlns:a16="http://schemas.microsoft.com/office/drawing/2014/main" id="{CF2F4956-BAAB-4A79-9732-C00C31433B07}"/>
+              </a:ext>
+            </a:extLst>
+          </p:cNvPr>
+          <p:cNvSpPr>
+            <a:spLocks noGrp="1"/>
+          </p:cNvSpPr>
+          <p:nvPr>
+            <p:ph type="title"/>
+          </p:nvPr>
+        </p:nvSpPr>
+        <p:spPr/>
+        <p:txBody>
+          <a:bodyPr>
+            <a:normAutofit/>
+          </a:bodyPr>
+          <a:lstStyle/>
+          <a:p>
+            <a:r>
+              <a:rPr lang="en-US" sz="3500" dirty="0"/>
+              <a:t>Module1</a:t>
+            </a:r>
+            <a:br>
+              <a:rPr lang="en-US" sz="3500" dirty="0"/>
+            </a:br>
+            <a:r>
+              <a:rPr lang="en-US" sz="3500" dirty="0"/>
+              <a:t>Fixed-Income Securities: </a:t>
+            </a:r>
+            <a:br>
+              <a:rPr lang="en-US" sz="3500" dirty="0"/>
+            </a:br>
+            <a:r>
+              <a:rPr lang="en-US" sz="3500" dirty="0"/>
+              <a:t>Defining Elements</a:t>
+            </a:r>
+          </a:p>
+        </p:txBody>
+      </p:sp>
+      <p:sp>
+        <p:nvSpPr>
+          <p:cNvPr id="3" name="Content Placeholder 2">
+            <a:extLst>
+              <a:ext uri="{FF2B5EF4-FFF2-40B4-BE49-F238E27FC236}">
+                <a16:creationId xmlns:a16="http://schemas.microsoft.com/office/drawing/2014/main" id="{3A7373B7-BFF6-4BE1-9F42-6C2CF1324351}"/>
+              </a:ext>
+            </a:extLst>
+          </p:cNvPr>
+          <p:cNvSpPr>
+            <a:spLocks noGrp="1"/>
+          </p:cNvSpPr>
+          <p:nvPr>
+            <p:ph idx="1"/>
+          </p:nvPr>
+        </p:nvSpPr>
+        <p:spPr/>
+        <p:txBody>
+          <a:bodyPr/>
+          <a:lstStyle/>
+          <a:p>
+            <a:r>
+              <a:rPr lang="en-US" sz="2800" b="1" dirty="0">
+                <a:solidFill>
+                  <a:srgbClr val="FF0000"/>
+                </a:solidFill>
+              </a:rPr>
+              <a:t>Callable and putable bond</a:t>
+            </a:r>
+          </a:p>
+          <a:p>
+            <a:endParaRPr lang="en-US" sz="2800" b="1" dirty="0">
+              <a:solidFill>
+                <a:srgbClr val="FF0000"/>
+              </a:solidFill>
+            </a:endParaRPr>
+          </a:p>
+          <a:p>
+            <a:endParaRPr lang="en-US" dirty="0"/>
+          </a:p>
+        </p:txBody>
+      </p:sp>
+      <p:graphicFrame>
+        <p:nvGraphicFramePr>
+          <p:cNvPr id="5" name="Table 4">
+            <a:extLst>
+              <a:ext uri="{FF2B5EF4-FFF2-40B4-BE49-F238E27FC236}">
+                <a16:creationId xmlns:a16="http://schemas.microsoft.com/office/drawing/2014/main" id="{71605FE9-043F-4BF4-9D0A-721E4CE7A396}"/>
+              </a:ext>
+            </a:extLst>
+          </p:cNvPr>
+          <p:cNvGraphicFramePr>
+            <a:graphicFrameLocks noGrp="1"/>
+          </p:cNvGraphicFramePr>
+          <p:nvPr>
+            <p:extLst>
+              <p:ext uri="{D42A27DB-BD31-4B8C-83A1-F6EECF244321}">
+                <p14:modId xmlns:p14="http://schemas.microsoft.com/office/powerpoint/2010/main" val="446328679"/>
+              </p:ext>
+            </p:extLst>
+          </p:nvPr>
+        </p:nvGraphicFramePr>
+        <p:xfrm>
+          <a:off x="1024128" y="2911537"/>
+          <a:ext cx="8127999" cy="3037840"/>
+        </p:xfrm>
+        <a:graphic>
+          <a:graphicData uri="http://schemas.openxmlformats.org/drawingml/2006/table">
+            <a:tbl>
+              <a:tblPr firstRow="1" bandRow="1">
+                <a:tableStyleId>{5C22544A-7EE6-4342-B048-85BDC9FD1C3A}</a:tableStyleId>
+              </a:tblPr>
+              <a:tblGrid>
+                <a:gridCol w="1795272">
+                  <a:extLst>
+                    <a:ext uri="{9D8B030D-6E8A-4147-A177-3AD203B41FA5}">
+                      <a16:colId xmlns:a16="http://schemas.microsoft.com/office/drawing/2014/main" val="4171366134"/>
+                    </a:ext>
+                  </a:extLst>
+                </a:gridCol>
+                <a:gridCol w="3000632">
+                  <a:extLst>
+                    <a:ext uri="{9D8B030D-6E8A-4147-A177-3AD203B41FA5}">
+                      <a16:colId xmlns:a16="http://schemas.microsoft.com/office/drawing/2014/main" val="98637969"/>
+                    </a:ext>
+                  </a:extLst>
+                </a:gridCol>
+                <a:gridCol w="3332095">
+                  <a:extLst>
+                    <a:ext uri="{9D8B030D-6E8A-4147-A177-3AD203B41FA5}">
+                      <a16:colId xmlns:a16="http://schemas.microsoft.com/office/drawing/2014/main" val="2006150089"/>
+                    </a:ext>
+                  </a:extLst>
+                </a:gridCol>
+              </a:tblGrid>
+              <a:tr h="370840">
+                <a:tc>
+                  <a:txBody>
+                    <a:bodyPr/>
+                    <a:lstStyle/>
+                    <a:p>
+                      <a:endParaRPr lang="en-US" dirty="0"/>
+                    </a:p>
+                  </a:txBody>
+                  <a:tcPr/>
+                </a:tc>
+                <a:tc>
+                  <a:txBody>
+                    <a:bodyPr/>
+                    <a:lstStyle/>
+                    <a:p>
+                      <a:r>
+                        <a:rPr lang="en-US" dirty="0"/>
+                        <a:t>Callable bond</a:t>
+                      </a:r>
+                    </a:p>
+                  </a:txBody>
+                  <a:tcPr/>
+                </a:tc>
+                <a:tc>
+                  <a:txBody>
+                    <a:bodyPr/>
+                    <a:lstStyle/>
+                    <a:p>
+                      <a:r>
+                        <a:rPr lang="en-US" dirty="0"/>
+                        <a:t>Putable bond</a:t>
+                      </a:r>
+                    </a:p>
+                  </a:txBody>
+                  <a:tcPr/>
+                </a:tc>
+                <a:extLst>
+                  <a:ext uri="{0D108BD9-81ED-4DB2-BD59-A6C34878D82A}">
+                    <a16:rowId xmlns:a16="http://schemas.microsoft.com/office/drawing/2014/main" val="32798777"/>
+                  </a:ext>
+                </a:extLst>
+              </a:tr>
+              <a:tr h="370840">
+                <a:tc>
+                  <a:txBody>
+                    <a:bodyPr/>
+                    <a:lstStyle/>
+                    <a:p>
+                      <a:r>
+                        <a:rPr lang="zh-CN" altLang="en-US" dirty="0"/>
+                        <a:t>权力归属</a:t>
+                      </a:r>
+                      <a:endParaRPr lang="en-US" dirty="0"/>
+                    </a:p>
+                  </a:txBody>
+                  <a:tcPr/>
+                </a:tc>
+                <a:tc>
+                  <a:txBody>
+                    <a:bodyPr/>
+                    <a:lstStyle/>
+                    <a:p>
+                      <a:r>
+                        <a:rPr lang="zh-CN" altLang="en-US" dirty="0"/>
+                        <a:t>发债人买回债券</a:t>
+                      </a:r>
+                      <a:endParaRPr lang="en-US" dirty="0"/>
+                    </a:p>
+                  </a:txBody>
+                  <a:tcPr/>
+                </a:tc>
+                <a:tc>
+                  <a:txBody>
+                    <a:bodyPr/>
+                    <a:lstStyle/>
+                    <a:p>
+                      <a:r>
+                        <a:rPr lang="zh-CN" altLang="en-US" dirty="0"/>
+                        <a:t>持有人卖回债券</a:t>
+                      </a:r>
+                      <a:endParaRPr lang="en-US" dirty="0"/>
+                    </a:p>
+                  </a:txBody>
+                  <a:tcPr/>
+                </a:tc>
+                <a:extLst>
+                  <a:ext uri="{0D108BD9-81ED-4DB2-BD59-A6C34878D82A}">
+                    <a16:rowId xmlns:a16="http://schemas.microsoft.com/office/drawing/2014/main" val="2549932243"/>
+                  </a:ext>
+                </a:extLst>
+              </a:tr>
+              <a:tr h="370840">
+                <a:tc>
+                  <a:txBody>
+                    <a:bodyPr/>
+                    <a:lstStyle/>
+                    <a:p>
+                      <a:r>
+                        <a:rPr lang="zh-CN" altLang="en-US" dirty="0"/>
+                        <a:t>行权条件</a:t>
+                      </a:r>
+                      <a:endParaRPr lang="en-US" dirty="0"/>
+                    </a:p>
+                  </a:txBody>
+                  <a:tcPr/>
+                </a:tc>
+                <a:tc>
+                  <a:txBody>
+                    <a:bodyPr/>
+                    <a:lstStyle/>
+                    <a:p>
+                      <a:r>
+                        <a:rPr lang="en-US" altLang="zh-CN" dirty="0"/>
+                        <a:t>Market price &gt; call price</a:t>
+                      </a:r>
+                    </a:p>
+                    <a:p>
+                      <a:r>
+                        <a:rPr lang="en-US" dirty="0"/>
+                        <a:t>Interest rate fall</a:t>
+                      </a:r>
+                    </a:p>
+                    <a:p>
+                      <a:r>
+                        <a:rPr lang="en-US" dirty="0"/>
+                        <a:t>Credit quality improve(issuer)</a:t>
+                      </a:r>
+                    </a:p>
+                  </a:txBody>
+                  <a:tcPr/>
+                </a:tc>
+                <a:tc>
+                  <a:txBody>
+                    <a:bodyPr/>
+                    <a:lstStyle/>
+                    <a:p>
+                      <a:r>
+                        <a:rPr lang="en-US" dirty="0"/>
+                        <a:t>Market price &lt; put price</a:t>
+                      </a:r>
+                    </a:p>
+                    <a:p>
+                      <a:r>
+                        <a:rPr lang="en-US" dirty="0"/>
+                        <a:t>Interest rate raise</a:t>
+                      </a:r>
+                    </a:p>
+                    <a:p>
+                      <a:r>
+                        <a:rPr lang="en-US" dirty="0"/>
+                        <a:t>Credit quality deteriorate(issuer)</a:t>
+                      </a:r>
+                    </a:p>
+                  </a:txBody>
+                  <a:tcPr/>
+                </a:tc>
+                <a:extLst>
+                  <a:ext uri="{0D108BD9-81ED-4DB2-BD59-A6C34878D82A}">
+                    <a16:rowId xmlns:a16="http://schemas.microsoft.com/office/drawing/2014/main" val="3256773259"/>
+                  </a:ext>
+                </a:extLst>
+              </a:tr>
+              <a:tr h="370840">
+                <a:tc>
+                  <a:txBody>
+                    <a:bodyPr/>
+                    <a:lstStyle/>
+                    <a:p>
+                      <a:r>
+                        <a:rPr lang="en-US" dirty="0"/>
+                        <a:t>benefit</a:t>
+                      </a:r>
+                    </a:p>
+                  </a:txBody>
+                  <a:tcPr/>
+                </a:tc>
+                <a:tc>
+                  <a:txBody>
+                    <a:bodyPr/>
+                    <a:lstStyle/>
+                    <a:p>
+                      <a:r>
+                        <a:rPr lang="en-US" dirty="0"/>
+                        <a:t>Refinance at a lower rate</a:t>
+                      </a:r>
+                    </a:p>
+                  </a:txBody>
+                  <a:tcPr/>
+                </a:tc>
+                <a:tc>
+                  <a:txBody>
+                    <a:bodyPr/>
+                    <a:lstStyle/>
+                    <a:p>
+                      <a:r>
+                        <a:rPr lang="en-US" dirty="0"/>
+                        <a:t>Reinvestment at a higher rate</a:t>
+                      </a:r>
+                    </a:p>
+                  </a:txBody>
+                  <a:tcPr/>
+                </a:tc>
+                <a:extLst>
+                  <a:ext uri="{0D108BD9-81ED-4DB2-BD59-A6C34878D82A}">
+                    <a16:rowId xmlns:a16="http://schemas.microsoft.com/office/drawing/2014/main" val="1506632821"/>
+                  </a:ext>
+                </a:extLst>
+              </a:tr>
+              <a:tr h="370840">
+                <a:tc>
+                  <a:txBody>
+                    <a:bodyPr/>
+                    <a:lstStyle/>
+                    <a:p>
+                      <a:r>
+                        <a:rPr lang="en-US" altLang="zh-CN" dirty="0"/>
+                        <a:t>option-free bond </a:t>
+                      </a:r>
+                      <a:r>
+                        <a:rPr lang="zh-CN" altLang="en-US" dirty="0"/>
+                        <a:t>对比</a:t>
+                      </a:r>
+                      <a:endParaRPr lang="en-US" dirty="0"/>
+                    </a:p>
+                  </a:txBody>
+                  <a:tcPr/>
+                </a:tc>
+                <a:tc>
+                  <a:txBody>
+                    <a:bodyPr/>
+                    <a:lstStyle/>
+                    <a:p>
+                      <a:r>
+                        <a:rPr lang="en-US" altLang="zh-CN" dirty="0"/>
+                        <a:t>Lower price</a:t>
+                      </a:r>
+                    </a:p>
+                    <a:p>
+                      <a:r>
+                        <a:rPr lang="en-US" altLang="zh-CN" dirty="0"/>
+                        <a:t>Higher yield</a:t>
+                      </a:r>
+                      <a:endParaRPr lang="en-US" dirty="0"/>
+                    </a:p>
+                  </a:txBody>
+                  <a:tcPr/>
+                </a:tc>
+                <a:tc>
+                  <a:txBody>
+                    <a:bodyPr/>
+                    <a:lstStyle/>
+                    <a:p>
+                      <a:r>
+                        <a:rPr lang="en-US" altLang="zh-CN" dirty="0"/>
+                        <a:t>Higher price</a:t>
+                      </a:r>
+                    </a:p>
+                    <a:p>
+                      <a:r>
+                        <a:rPr lang="en-US" altLang="zh-CN" dirty="0"/>
+                        <a:t>Lower yield</a:t>
+                      </a:r>
+                      <a:endParaRPr lang="en-US" dirty="0"/>
+                    </a:p>
+                  </a:txBody>
+                  <a:tcPr/>
+                </a:tc>
+                <a:extLst>
+                  <a:ext uri="{0D108BD9-81ED-4DB2-BD59-A6C34878D82A}">
+                    <a16:rowId xmlns:a16="http://schemas.microsoft.com/office/drawing/2014/main" val="2535486771"/>
+                  </a:ext>
+                </a:extLst>
+              </a:tr>
+              <a:tr h="370840">
+                <a:tc>
+                  <a:txBody>
+                    <a:bodyPr/>
+                    <a:lstStyle/>
+                    <a:p>
+                      <a:endParaRPr lang="en-US" dirty="0"/>
+                    </a:p>
+                  </a:txBody>
+                  <a:tcPr/>
+                </a:tc>
+                <a:tc>
+                  <a:txBody>
+                    <a:bodyPr/>
+                    <a:lstStyle/>
+                    <a:p>
+                      <a:endParaRPr lang="en-US" dirty="0"/>
+                    </a:p>
+                  </a:txBody>
+                  <a:tcPr/>
+                </a:tc>
+                <a:tc>
+                  <a:txBody>
+                    <a:bodyPr/>
+                    <a:lstStyle/>
+                    <a:p>
+                      <a:endParaRPr lang="en-US" dirty="0"/>
+                    </a:p>
+                  </a:txBody>
+                  <a:tcPr/>
+                </a:tc>
+                <a:extLst>
+                  <a:ext uri="{0D108BD9-81ED-4DB2-BD59-A6C34878D82A}">
+                    <a16:rowId xmlns:a16="http://schemas.microsoft.com/office/drawing/2014/main" val="617395968"/>
+                  </a:ext>
+                </a:extLst>
+              </a:tr>
+            </a:tbl>
+          </a:graphicData>
+        </a:graphic>
+      </p:graphicFrame>
+    </p:spTree>
+    <p:extLst>
+      <p:ext uri="{BB962C8B-B14F-4D97-AF65-F5344CB8AC3E}">
+        <p14:creationId xmlns:p14="http://schemas.microsoft.com/office/powerpoint/2010/main" val="3178638760"/>
+      </p:ext>
+    </p:extLst>
+  </p:cSld>
+  <p:clrMapOvr>
+    <a:masterClrMapping/>
+  </p:clrMapOvr>
+</p:sld>
+</file>
+
+<file path=ppt/slides/slide44.xml><?xml version="1.0" encoding="utf-8"?>
+<p:sld xmlns:a="http://schemas.openxmlformats.org/drawingml/2006/main" xmlns:r="http://schemas.openxmlformats.org/officeDocument/2006/relationships" xmlns:p="http://schemas.openxmlformats.org/presentationml/2006/main">
+  <p:cSld>
+    <p:spTree>
+      <p:nvGrpSpPr>
+        <p:cNvPr id="1" name=""/>
+        <p:cNvGrpSpPr/>
+        <p:nvPr/>
+      </p:nvGrpSpPr>
+      <p:grpSpPr>
+        <a:xfrm>
+          <a:off x="0" y="0"/>
+          <a:ext cx="0" cy="0"/>
+          <a:chOff x="0" y="0"/>
+          <a:chExt cx="0" cy="0"/>
+        </a:xfrm>
+      </p:grpSpPr>
+      <p:sp>
+        <p:nvSpPr>
+          <p:cNvPr id="2" name="Title 1">
+            <a:extLst>
+              <a:ext uri="{FF2B5EF4-FFF2-40B4-BE49-F238E27FC236}">
+                <a16:creationId xmlns:a16="http://schemas.microsoft.com/office/drawing/2014/main" id="{EC6ADD84-3D01-4497-B036-C032E5EB0BFF}"/>
+              </a:ext>
+            </a:extLst>
+          </p:cNvPr>
+          <p:cNvSpPr>
+            <a:spLocks noGrp="1"/>
+          </p:cNvSpPr>
+          <p:nvPr>
+            <p:ph type="title"/>
+          </p:nvPr>
+        </p:nvSpPr>
+        <p:spPr/>
+        <p:txBody>
+          <a:bodyPr>
+            <a:normAutofit/>
+          </a:bodyPr>
+          <a:lstStyle/>
+          <a:p>
+            <a:r>
+              <a:rPr lang="en-US" sz="3500" dirty="0"/>
+              <a:t>Module1</a:t>
+            </a:r>
+            <a:br>
+              <a:rPr lang="en-US" sz="3500" dirty="0"/>
+            </a:br>
+            <a:r>
+              <a:rPr lang="en-US" sz="3500" dirty="0"/>
+              <a:t>Fixed-Income Securities: </a:t>
+            </a:r>
+            <a:br>
+              <a:rPr lang="en-US" sz="3500" dirty="0"/>
+            </a:br>
+            <a:r>
+              <a:rPr lang="en-US" sz="3500" dirty="0"/>
+              <a:t>Defining Elements</a:t>
+            </a:r>
+          </a:p>
+        </p:txBody>
+      </p:sp>
+      <p:sp>
+        <p:nvSpPr>
+          <p:cNvPr id="3" name="Content Placeholder 2">
+            <a:extLst>
+              <a:ext uri="{FF2B5EF4-FFF2-40B4-BE49-F238E27FC236}">
+                <a16:creationId xmlns:a16="http://schemas.microsoft.com/office/drawing/2014/main" id="{8EEE7C88-4918-4ABE-9613-23093848BCD5}"/>
+              </a:ext>
+            </a:extLst>
+          </p:cNvPr>
+          <p:cNvSpPr>
+            <a:spLocks noGrp="1"/>
+          </p:cNvSpPr>
+          <p:nvPr>
+            <p:ph idx="1"/>
+          </p:nvPr>
+        </p:nvSpPr>
+        <p:spPr/>
+        <p:txBody>
+          <a:bodyPr>
+            <a:normAutofit fontScale="92500" lnSpcReduction="20000"/>
+          </a:bodyPr>
+          <a:lstStyle/>
+          <a:p>
+            <a:r>
+              <a:rPr lang="en-US" sz="2800" b="1" dirty="0">
+                <a:solidFill>
+                  <a:srgbClr val="FF0000"/>
+                </a:solidFill>
+              </a:rPr>
+              <a:t>Callable and putable bond</a:t>
+            </a:r>
+          </a:p>
+          <a:p>
+            <a:r>
+              <a:rPr lang="en-US" sz="2000" dirty="0"/>
+              <a:t>The </a:t>
+            </a:r>
+            <a:r>
+              <a:rPr lang="en-US" sz="2000" dirty="0">
+                <a:solidFill>
+                  <a:srgbClr val="FF0000"/>
+                </a:solidFill>
+              </a:rPr>
+              <a:t>call premium </a:t>
+            </a:r>
+            <a:r>
+              <a:rPr lang="en-US" sz="2000" dirty="0"/>
+              <a:t>is the amount over par paid by the issuer if the bond is called.</a:t>
+            </a:r>
+          </a:p>
+          <a:p>
+            <a:r>
+              <a:rPr lang="en-US" sz="2000" dirty="0"/>
+              <a:t>Some callable bonds are issued with a </a:t>
+            </a:r>
+            <a:r>
+              <a:rPr lang="en-US" sz="2000" dirty="0">
+                <a:solidFill>
+                  <a:srgbClr val="FF0000"/>
+                </a:solidFill>
+              </a:rPr>
+              <a:t>call protection period</a:t>
+            </a:r>
+            <a:r>
+              <a:rPr lang="en-US" sz="2000" dirty="0"/>
+              <a:t>, also called lockout period, cushion, or deferment period.</a:t>
+            </a:r>
+          </a:p>
+          <a:p>
+            <a:r>
+              <a:rPr lang="en-US" sz="2000" dirty="0"/>
+              <a:t>The earliest time that a bond might be called is known as the </a:t>
+            </a:r>
+            <a:r>
+              <a:rPr lang="en-US" sz="2000" dirty="0">
+                <a:solidFill>
+                  <a:srgbClr val="FF0000"/>
+                </a:solidFill>
+              </a:rPr>
+              <a:t>call date</a:t>
+            </a:r>
+            <a:r>
+              <a:rPr lang="en-US" sz="2000" dirty="0"/>
+              <a:t>.</a:t>
+            </a:r>
+          </a:p>
+          <a:p>
+            <a:pPr marL="457200" indent="-457200">
+              <a:buFont typeface="+mj-lt"/>
+              <a:buAutoNum type="arabicPeriod"/>
+            </a:pPr>
+            <a:r>
+              <a:rPr lang="en-US" sz="2000" dirty="0"/>
+              <a:t>American-style call, sometimes referred to as continuously callable, for which the issuer has the right to call a bond at any time starting on the first call date.</a:t>
+            </a:r>
+          </a:p>
+          <a:p>
+            <a:pPr marL="457200" indent="-457200">
+              <a:buFont typeface="+mj-lt"/>
+              <a:buAutoNum type="arabicPeriod"/>
+            </a:pPr>
+            <a:r>
+              <a:rPr lang="en-US" sz="2000" dirty="0"/>
+              <a:t>European-style call, for which the issuer has the right to call a bond only once on the call date.</a:t>
+            </a:r>
+          </a:p>
+          <a:p>
+            <a:pPr marL="457200" indent="-457200">
+              <a:buFont typeface="+mj-lt"/>
+              <a:buAutoNum type="arabicPeriod"/>
+            </a:pPr>
+            <a:r>
+              <a:rPr lang="en-US" sz="2000" dirty="0"/>
+              <a:t>Bermuda-style call, for which the issuer has the right to call bonds on specified dates following the call protection period. These dates frequently correspond to coupon payment dates.</a:t>
+            </a:r>
+          </a:p>
+          <a:p>
+            <a:endParaRPr lang="en-US" sz="2000" dirty="0"/>
+          </a:p>
+        </p:txBody>
+      </p:sp>
+    </p:spTree>
+    <p:extLst>
+      <p:ext uri="{BB962C8B-B14F-4D97-AF65-F5344CB8AC3E}">
+        <p14:creationId xmlns:p14="http://schemas.microsoft.com/office/powerpoint/2010/main" val="967813233"/>
+      </p:ext>
+    </p:extLst>
+  </p:cSld>
+  <p:clrMapOvr>
+    <a:masterClrMapping/>
+  </p:clrMapOvr>
+</p:sld>
+</file>
+
+<file path=ppt/slides/slide45.xml><?xml version="1.0" encoding="utf-8"?>
+<p:sld xmlns:a="http://schemas.openxmlformats.org/drawingml/2006/main" xmlns:r="http://schemas.openxmlformats.org/officeDocument/2006/relationships" xmlns:p="http://schemas.openxmlformats.org/presentationml/2006/main">
+  <p:cSld>
+    <p:spTree>
+      <p:nvGrpSpPr>
+        <p:cNvPr id="1" name=""/>
+        <p:cNvGrpSpPr/>
+        <p:nvPr/>
+      </p:nvGrpSpPr>
+      <p:grpSpPr>
+        <a:xfrm>
+          <a:off x="0" y="0"/>
+          <a:ext cx="0" cy="0"/>
+          <a:chOff x="0" y="0"/>
+          <a:chExt cx="0" cy="0"/>
+        </a:xfrm>
+      </p:grpSpPr>
+      <p:sp>
+        <p:nvSpPr>
+          <p:cNvPr id="2" name="Title 1">
+            <a:extLst>
+              <a:ext uri="{FF2B5EF4-FFF2-40B4-BE49-F238E27FC236}">
+                <a16:creationId xmlns:a16="http://schemas.microsoft.com/office/drawing/2014/main" id="{D04B2E30-8287-4329-80A8-E3ECC8EA3F09}"/>
+              </a:ext>
+            </a:extLst>
+          </p:cNvPr>
+          <p:cNvSpPr>
+            <a:spLocks noGrp="1"/>
+          </p:cNvSpPr>
+          <p:nvPr>
+            <p:ph type="title"/>
+          </p:nvPr>
+        </p:nvSpPr>
+        <p:spPr/>
+        <p:txBody>
+          <a:bodyPr>
+            <a:normAutofit/>
+          </a:bodyPr>
+          <a:lstStyle/>
+          <a:p>
+            <a:r>
+              <a:rPr lang="en-US" sz="3500" dirty="0"/>
+              <a:t>Module1</a:t>
+            </a:r>
+            <a:br>
+              <a:rPr lang="en-US" sz="3500" dirty="0"/>
+            </a:br>
+            <a:r>
+              <a:rPr lang="en-US" sz="3500" dirty="0"/>
+              <a:t>Fixed-Income Securities: </a:t>
+            </a:r>
+            <a:br>
+              <a:rPr lang="en-US" sz="3500" dirty="0"/>
+            </a:br>
+            <a:r>
+              <a:rPr lang="en-US" sz="3500" dirty="0"/>
+              <a:t>Defining Elements</a:t>
+            </a:r>
+          </a:p>
+        </p:txBody>
+      </p:sp>
+      <p:sp>
+        <p:nvSpPr>
+          <p:cNvPr id="3" name="Content Placeholder 2">
+            <a:extLst>
+              <a:ext uri="{FF2B5EF4-FFF2-40B4-BE49-F238E27FC236}">
+                <a16:creationId xmlns:a16="http://schemas.microsoft.com/office/drawing/2014/main" id="{B97278CD-D966-4789-8C4E-0732EA32F49E}"/>
+              </a:ext>
+            </a:extLst>
+          </p:cNvPr>
+          <p:cNvSpPr>
+            <a:spLocks noGrp="1"/>
+          </p:cNvSpPr>
+          <p:nvPr>
+            <p:ph idx="1"/>
+          </p:nvPr>
+        </p:nvSpPr>
+        <p:spPr/>
+        <p:txBody>
+          <a:bodyPr>
+            <a:normAutofit/>
+          </a:bodyPr>
+          <a:lstStyle/>
+          <a:p>
+            <a:r>
+              <a:rPr lang="en-US" sz="2800" b="1" dirty="0">
+                <a:solidFill>
+                  <a:srgbClr val="FF0000"/>
+                </a:solidFill>
+              </a:rPr>
+              <a:t>Callable and putable bond</a:t>
+            </a:r>
+          </a:p>
+          <a:p>
+            <a:r>
+              <a:rPr lang="en-US" sz="2400" dirty="0"/>
+              <a:t>A typical </a:t>
+            </a:r>
+            <a:r>
+              <a:rPr lang="en-US" sz="2400" dirty="0">
+                <a:solidFill>
+                  <a:srgbClr val="FF0000"/>
+                </a:solidFill>
+              </a:rPr>
+              <a:t>make-whole call </a:t>
+            </a:r>
+            <a:r>
+              <a:rPr lang="en-US" sz="2400" dirty="0"/>
+              <a:t>requires the issuer to make a lump-sum payment to the bondholders based on the present value of the future coupon payments and outstanding principal due to early bond redemption.</a:t>
+            </a:r>
+          </a:p>
+          <a:p>
+            <a:endParaRPr lang="en-US" dirty="0"/>
+          </a:p>
+          <a:p>
+            <a:endParaRPr lang="en-US" dirty="0"/>
+          </a:p>
+        </p:txBody>
+      </p:sp>
+    </p:spTree>
+    <p:extLst>
+      <p:ext uri="{BB962C8B-B14F-4D97-AF65-F5344CB8AC3E}">
+        <p14:creationId xmlns:p14="http://schemas.microsoft.com/office/powerpoint/2010/main" val="1608542233"/>
+      </p:ext>
+    </p:extLst>
+  </p:cSld>
+  <p:clrMapOvr>
+    <a:masterClrMapping/>
+  </p:clrMapOvr>
+</p:sld>
+</file>
+
+<file path=ppt/slides/slide46.xml><?xml version="1.0" encoding="utf-8"?>
+<p:sld xmlns:a="http://schemas.openxmlformats.org/drawingml/2006/main" xmlns:r="http://schemas.openxmlformats.org/officeDocument/2006/relationships" xmlns:p="http://schemas.openxmlformats.org/presentationml/2006/main">
+  <p:cSld>
+    <p:spTree>
+      <p:nvGrpSpPr>
+        <p:cNvPr id="1" name=""/>
+        <p:cNvGrpSpPr/>
+        <p:nvPr/>
+      </p:nvGrpSpPr>
+      <p:grpSpPr>
+        <a:xfrm>
+          <a:off x="0" y="0"/>
+          <a:ext cx="0" cy="0"/>
+          <a:chOff x="0" y="0"/>
+          <a:chExt cx="0" cy="0"/>
+        </a:xfrm>
+      </p:grpSpPr>
+      <p:sp>
+        <p:nvSpPr>
+          <p:cNvPr id="2" name="Title 1">
+            <a:extLst>
+              <a:ext uri="{FF2B5EF4-FFF2-40B4-BE49-F238E27FC236}">
+                <a16:creationId xmlns:a16="http://schemas.microsoft.com/office/drawing/2014/main" id="{33663BD6-50B0-4954-BB59-CCF2F9FFCE94}"/>
+              </a:ext>
+            </a:extLst>
+          </p:cNvPr>
+          <p:cNvSpPr>
+            <a:spLocks noGrp="1"/>
+          </p:cNvSpPr>
+          <p:nvPr>
+            <p:ph type="title"/>
+          </p:nvPr>
+        </p:nvSpPr>
+        <p:spPr/>
+        <p:txBody>
+          <a:bodyPr/>
+          <a:lstStyle/>
+          <a:p>
+            <a:r>
+              <a:rPr lang="en-US" dirty="0"/>
+              <a:t>practices</a:t>
+            </a:r>
+          </a:p>
+        </p:txBody>
+      </p:sp>
+      <p:sp>
+        <p:nvSpPr>
+          <p:cNvPr id="3" name="Content Placeholder 2">
+            <a:extLst>
+              <a:ext uri="{FF2B5EF4-FFF2-40B4-BE49-F238E27FC236}">
+                <a16:creationId xmlns:a16="http://schemas.microsoft.com/office/drawing/2014/main" id="{83678AE9-E28F-40E3-BC1E-E902DF3D824E}"/>
+              </a:ext>
+            </a:extLst>
+          </p:cNvPr>
+          <p:cNvSpPr>
+            <a:spLocks noGrp="1"/>
+          </p:cNvSpPr>
+          <p:nvPr>
+            <p:ph idx="1"/>
+          </p:nvPr>
+        </p:nvSpPr>
+        <p:spPr/>
+        <p:txBody>
+          <a:bodyPr/>
+          <a:lstStyle/>
+          <a:p>
+            <a:r>
+              <a:rPr lang="en-US" dirty="0"/>
+              <a:t>Assume a hypothetical 30-year bond is issued on 15 August 2019 at a price of 98.195 (as a percentage of par). Each bond has a par value of $1,000. The bond is callable in whole or in part every 15 August from 2029 at the option of the issuer. The call prices are shown below.</a:t>
+            </a:r>
+          </a:p>
+          <a:p>
+            <a:endParaRPr lang="en-US" dirty="0"/>
+          </a:p>
+        </p:txBody>
+      </p:sp>
+      <p:graphicFrame>
+        <p:nvGraphicFramePr>
+          <p:cNvPr id="4" name="Table 3">
+            <a:extLst>
+              <a:ext uri="{FF2B5EF4-FFF2-40B4-BE49-F238E27FC236}">
+                <a16:creationId xmlns:a16="http://schemas.microsoft.com/office/drawing/2014/main" id="{A2800946-BDB8-4173-8DB7-5F23DD58C22A}"/>
+              </a:ext>
+            </a:extLst>
+          </p:cNvPr>
+          <p:cNvGraphicFramePr>
+            <a:graphicFrameLocks noGrp="1"/>
+          </p:cNvGraphicFramePr>
+          <p:nvPr>
+            <p:extLst/>
+          </p:nvPr>
+        </p:nvGraphicFramePr>
+        <p:xfrm>
+          <a:off x="1024128" y="3713480"/>
+          <a:ext cx="8128000" cy="2595880"/>
+        </p:xfrm>
+        <a:graphic>
+          <a:graphicData uri="http://schemas.openxmlformats.org/drawingml/2006/table">
+            <a:tbl>
+              <a:tblPr firstRow="1" bandRow="1">
+                <a:tableStyleId>{5C22544A-7EE6-4342-B048-85BDC9FD1C3A}</a:tableStyleId>
+              </a:tblPr>
+              <a:tblGrid>
+                <a:gridCol w="2032000">
+                  <a:extLst>
+                    <a:ext uri="{9D8B030D-6E8A-4147-A177-3AD203B41FA5}">
+                      <a16:colId xmlns:a16="http://schemas.microsoft.com/office/drawing/2014/main" val="3985494105"/>
+                    </a:ext>
+                  </a:extLst>
+                </a:gridCol>
+                <a:gridCol w="2032000">
+                  <a:extLst>
+                    <a:ext uri="{9D8B030D-6E8A-4147-A177-3AD203B41FA5}">
+                      <a16:colId xmlns:a16="http://schemas.microsoft.com/office/drawing/2014/main" val="3967398872"/>
+                    </a:ext>
+                  </a:extLst>
+                </a:gridCol>
+                <a:gridCol w="2125472">
+                  <a:extLst>
+                    <a:ext uri="{9D8B030D-6E8A-4147-A177-3AD203B41FA5}">
+                      <a16:colId xmlns:a16="http://schemas.microsoft.com/office/drawing/2014/main" val="3543464742"/>
+                    </a:ext>
+                  </a:extLst>
+                </a:gridCol>
+                <a:gridCol w="1938528">
+                  <a:extLst>
+                    <a:ext uri="{9D8B030D-6E8A-4147-A177-3AD203B41FA5}">
+                      <a16:colId xmlns:a16="http://schemas.microsoft.com/office/drawing/2014/main" val="271594849"/>
+                    </a:ext>
+                  </a:extLst>
+                </a:gridCol>
+              </a:tblGrid>
+              <a:tr h="370840">
+                <a:tc>
+                  <a:txBody>
+                    <a:bodyPr/>
+                    <a:lstStyle/>
+                    <a:p>
+                      <a:r>
+                        <a:rPr lang="en-US" dirty="0"/>
+                        <a:t>Year</a:t>
+                      </a:r>
+                    </a:p>
+                  </a:txBody>
+                  <a:tcPr/>
+                </a:tc>
+                <a:tc>
+                  <a:txBody>
+                    <a:bodyPr/>
+                    <a:lstStyle/>
+                    <a:p>
+                      <a:r>
+                        <a:rPr lang="en-US" dirty="0"/>
+                        <a:t>Call price</a:t>
+                      </a:r>
+                    </a:p>
+                  </a:txBody>
+                  <a:tcPr/>
+                </a:tc>
+                <a:tc>
+                  <a:txBody>
+                    <a:bodyPr/>
+                    <a:lstStyle/>
+                    <a:p>
+                      <a:r>
+                        <a:rPr lang="en-US" dirty="0"/>
+                        <a:t>Year</a:t>
+                      </a:r>
+                    </a:p>
+                  </a:txBody>
+                  <a:tcPr/>
+                </a:tc>
+                <a:tc>
+                  <a:txBody>
+                    <a:bodyPr/>
+                    <a:lstStyle/>
+                    <a:p>
+                      <a:r>
+                        <a:rPr lang="en-US" dirty="0"/>
+                        <a:t>Call price</a:t>
+                      </a:r>
+                    </a:p>
+                  </a:txBody>
+                  <a:tcPr/>
+                </a:tc>
+                <a:extLst>
+                  <a:ext uri="{0D108BD9-81ED-4DB2-BD59-A6C34878D82A}">
+                    <a16:rowId xmlns:a16="http://schemas.microsoft.com/office/drawing/2014/main" val="2206036779"/>
+                  </a:ext>
+                </a:extLst>
+              </a:tr>
+              <a:tr h="370840">
+                <a:tc>
+                  <a:txBody>
+                    <a:bodyPr/>
+                    <a:lstStyle/>
+                    <a:p>
+                      <a:r>
+                        <a:rPr lang="en-US" dirty="0"/>
+                        <a:t>2029</a:t>
+                      </a:r>
+                    </a:p>
+                  </a:txBody>
+                  <a:tcPr/>
+                </a:tc>
+                <a:tc>
+                  <a:txBody>
+                    <a:bodyPr/>
+                    <a:lstStyle/>
+                    <a:p>
+                      <a:r>
+                        <a:rPr lang="en-US" dirty="0"/>
+                        <a:t>103.87</a:t>
+                      </a:r>
+                    </a:p>
+                  </a:txBody>
+                  <a:tcPr/>
+                </a:tc>
+                <a:tc>
+                  <a:txBody>
+                    <a:bodyPr/>
+                    <a:lstStyle/>
+                    <a:p>
+                      <a:r>
+                        <a:rPr lang="en-US" dirty="0"/>
+                        <a:t>2035</a:t>
+                      </a:r>
+                    </a:p>
+                  </a:txBody>
+                  <a:tcPr/>
+                </a:tc>
+                <a:tc>
+                  <a:txBody>
+                    <a:bodyPr/>
+                    <a:lstStyle/>
+                    <a:p>
+                      <a:r>
+                        <a:rPr lang="en-US" dirty="0"/>
+                        <a:t>101.548</a:t>
+                      </a:r>
+                    </a:p>
+                  </a:txBody>
+                  <a:tcPr/>
+                </a:tc>
+                <a:extLst>
+                  <a:ext uri="{0D108BD9-81ED-4DB2-BD59-A6C34878D82A}">
+                    <a16:rowId xmlns:a16="http://schemas.microsoft.com/office/drawing/2014/main" val="1383280456"/>
+                  </a:ext>
+                </a:extLst>
+              </a:tr>
+              <a:tr h="370840">
+                <a:tc>
+                  <a:txBody>
+                    <a:bodyPr/>
+                    <a:lstStyle/>
+                    <a:p>
+                      <a:r>
+                        <a:rPr lang="en-US" dirty="0"/>
+                        <a:t>2030</a:t>
+                      </a:r>
+                    </a:p>
+                  </a:txBody>
+                  <a:tcPr/>
+                </a:tc>
+                <a:tc>
+                  <a:txBody>
+                    <a:bodyPr/>
+                    <a:lstStyle/>
+                    <a:p>
+                      <a:r>
+                        <a:rPr lang="en-US" dirty="0"/>
+                        <a:t>103.485</a:t>
+                      </a:r>
+                    </a:p>
+                  </a:txBody>
+                  <a:tcPr/>
+                </a:tc>
+                <a:tc>
+                  <a:txBody>
+                    <a:bodyPr/>
+                    <a:lstStyle/>
+                    <a:p>
+                      <a:r>
+                        <a:rPr lang="en-US" dirty="0"/>
+                        <a:t>2036</a:t>
+                      </a:r>
+                    </a:p>
+                  </a:txBody>
+                  <a:tcPr/>
+                </a:tc>
+                <a:tc>
+                  <a:txBody>
+                    <a:bodyPr/>
+                    <a:lstStyle/>
+                    <a:p>
+                      <a:r>
+                        <a:rPr lang="en-US" dirty="0"/>
+                        <a:t>101.161</a:t>
+                      </a:r>
+                    </a:p>
+                  </a:txBody>
+                  <a:tcPr/>
+                </a:tc>
+                <a:extLst>
+                  <a:ext uri="{0D108BD9-81ED-4DB2-BD59-A6C34878D82A}">
+                    <a16:rowId xmlns:a16="http://schemas.microsoft.com/office/drawing/2014/main" val="893821106"/>
+                  </a:ext>
+                </a:extLst>
+              </a:tr>
+              <a:tr h="370840">
+                <a:tc>
+                  <a:txBody>
+                    <a:bodyPr/>
+                    <a:lstStyle/>
+                    <a:p>
+                      <a:r>
+                        <a:rPr lang="en-US" dirty="0"/>
+                        <a:t>2031</a:t>
+                      </a:r>
+                    </a:p>
+                  </a:txBody>
+                  <a:tcPr/>
+                </a:tc>
+                <a:tc>
+                  <a:txBody>
+                    <a:bodyPr/>
+                    <a:lstStyle/>
+                    <a:p>
+                      <a:r>
+                        <a:rPr lang="en-US" dirty="0"/>
+                        <a:t>103</a:t>
+                      </a:r>
+                    </a:p>
+                  </a:txBody>
+                  <a:tcPr/>
+                </a:tc>
+                <a:tc>
+                  <a:txBody>
+                    <a:bodyPr/>
+                    <a:lstStyle/>
+                    <a:p>
+                      <a:r>
+                        <a:rPr lang="en-US" dirty="0"/>
+                        <a:t>2037</a:t>
+                      </a:r>
+                    </a:p>
+                  </a:txBody>
+                  <a:tcPr/>
+                </a:tc>
+                <a:tc>
+                  <a:txBody>
+                    <a:bodyPr/>
+                    <a:lstStyle/>
+                    <a:p>
+                      <a:r>
+                        <a:rPr lang="en-US" dirty="0"/>
+                        <a:t>100.774</a:t>
+                      </a:r>
+                    </a:p>
+                  </a:txBody>
+                  <a:tcPr/>
+                </a:tc>
+                <a:extLst>
+                  <a:ext uri="{0D108BD9-81ED-4DB2-BD59-A6C34878D82A}">
+                    <a16:rowId xmlns:a16="http://schemas.microsoft.com/office/drawing/2014/main" val="3698477958"/>
+                  </a:ext>
+                </a:extLst>
+              </a:tr>
+              <a:tr h="370840">
+                <a:tc>
+                  <a:txBody>
+                    <a:bodyPr/>
+                    <a:lstStyle/>
+                    <a:p>
+                      <a:r>
+                        <a:rPr lang="en-US" dirty="0"/>
+                        <a:t>2032</a:t>
+                      </a:r>
+                    </a:p>
+                  </a:txBody>
+                  <a:tcPr/>
+                </a:tc>
+                <a:tc>
+                  <a:txBody>
+                    <a:bodyPr/>
+                    <a:lstStyle/>
+                    <a:p>
+                      <a:r>
+                        <a:rPr lang="en-US" dirty="0"/>
+                        <a:t>102.709</a:t>
+                      </a:r>
+                    </a:p>
+                  </a:txBody>
+                  <a:tcPr/>
+                </a:tc>
+                <a:tc>
+                  <a:txBody>
+                    <a:bodyPr/>
+                    <a:lstStyle/>
+                    <a:p>
+                      <a:r>
+                        <a:rPr lang="en-US" dirty="0"/>
+                        <a:t>2038</a:t>
+                      </a:r>
+                    </a:p>
+                  </a:txBody>
+                  <a:tcPr/>
+                </a:tc>
+                <a:tc>
+                  <a:txBody>
+                    <a:bodyPr/>
+                    <a:lstStyle/>
+                    <a:p>
+                      <a:r>
+                        <a:rPr lang="en-US" dirty="0"/>
+                        <a:t>100.387</a:t>
+                      </a:r>
+                    </a:p>
+                  </a:txBody>
+                  <a:tcPr/>
+                </a:tc>
+                <a:extLst>
+                  <a:ext uri="{0D108BD9-81ED-4DB2-BD59-A6C34878D82A}">
+                    <a16:rowId xmlns:a16="http://schemas.microsoft.com/office/drawing/2014/main" val="3192630126"/>
+                  </a:ext>
+                </a:extLst>
+              </a:tr>
+              <a:tr h="370840">
+                <a:tc>
+                  <a:txBody>
+                    <a:bodyPr/>
+                    <a:lstStyle/>
+                    <a:p>
+                      <a:r>
+                        <a:rPr lang="en-US" dirty="0"/>
+                        <a:t>2033</a:t>
+                      </a:r>
+                    </a:p>
+                  </a:txBody>
+                  <a:tcPr/>
+                </a:tc>
+                <a:tc>
+                  <a:txBody>
+                    <a:bodyPr/>
+                    <a:lstStyle/>
+                    <a:p>
+                      <a:r>
+                        <a:rPr lang="en-US" dirty="0"/>
+                        <a:t>102.322</a:t>
+                      </a:r>
+                    </a:p>
+                  </a:txBody>
+                  <a:tcPr/>
+                </a:tc>
+                <a:tc>
+                  <a:txBody>
+                    <a:bodyPr/>
+                    <a:lstStyle/>
+                    <a:p>
+                      <a:r>
+                        <a:rPr lang="en-US" dirty="0"/>
+                        <a:t>2039 and thereafter</a:t>
+                      </a:r>
+                    </a:p>
+                  </a:txBody>
+                  <a:tcPr/>
+                </a:tc>
+                <a:tc>
+                  <a:txBody>
+                    <a:bodyPr/>
+                    <a:lstStyle/>
+                    <a:p>
+                      <a:r>
+                        <a:rPr lang="en-US" dirty="0"/>
+                        <a:t>100</a:t>
+                      </a:r>
+                    </a:p>
+                  </a:txBody>
+                  <a:tcPr/>
+                </a:tc>
+                <a:extLst>
+                  <a:ext uri="{0D108BD9-81ED-4DB2-BD59-A6C34878D82A}">
+                    <a16:rowId xmlns:a16="http://schemas.microsoft.com/office/drawing/2014/main" val="424566210"/>
+                  </a:ext>
+                </a:extLst>
+              </a:tr>
+              <a:tr h="370840">
+                <a:tc>
+                  <a:txBody>
+                    <a:bodyPr/>
+                    <a:lstStyle/>
+                    <a:p>
+                      <a:r>
+                        <a:rPr lang="en-US" dirty="0"/>
+                        <a:t>2034</a:t>
+                      </a:r>
+                    </a:p>
+                  </a:txBody>
+                  <a:tcPr/>
+                </a:tc>
+                <a:tc>
+                  <a:txBody>
+                    <a:bodyPr/>
+                    <a:lstStyle/>
+                    <a:p>
+                      <a:r>
+                        <a:rPr lang="en-US" dirty="0"/>
+                        <a:t>101.955</a:t>
+                      </a:r>
+                    </a:p>
+                  </a:txBody>
+                  <a:tcPr/>
+                </a:tc>
+                <a:tc>
+                  <a:txBody>
+                    <a:bodyPr/>
+                    <a:lstStyle/>
+                    <a:p>
+                      <a:endParaRPr lang="en-US"/>
+                    </a:p>
+                  </a:txBody>
+                  <a:tcPr/>
+                </a:tc>
+                <a:tc>
+                  <a:txBody>
+                    <a:bodyPr/>
+                    <a:lstStyle/>
+                    <a:p>
+                      <a:endParaRPr lang="en-US" dirty="0"/>
+                    </a:p>
+                  </a:txBody>
+                  <a:tcPr/>
+                </a:tc>
+                <a:extLst>
+                  <a:ext uri="{0D108BD9-81ED-4DB2-BD59-A6C34878D82A}">
+                    <a16:rowId xmlns:a16="http://schemas.microsoft.com/office/drawing/2014/main" val="2208252512"/>
+                  </a:ext>
+                </a:extLst>
+              </a:tr>
+            </a:tbl>
+          </a:graphicData>
+        </a:graphic>
+      </p:graphicFrame>
+    </p:spTree>
+    <p:extLst>
+      <p:ext uri="{BB962C8B-B14F-4D97-AF65-F5344CB8AC3E}">
+        <p14:creationId xmlns:p14="http://schemas.microsoft.com/office/powerpoint/2010/main" val="457301420"/>
+      </p:ext>
+    </p:extLst>
+  </p:cSld>
+  <p:clrMapOvr>
+    <a:masterClrMapping/>
+  </p:clrMapOvr>
+</p:sld>
+</file>
+
+<file path=ppt/slides/slide47.xml><?xml version="1.0" encoding="utf-8"?>
+<p:sld xmlns:a="http://schemas.openxmlformats.org/drawingml/2006/main" xmlns:r="http://schemas.openxmlformats.org/officeDocument/2006/relationships" xmlns:p="http://schemas.openxmlformats.org/presentationml/2006/main">
+  <p:cSld>
+    <p:spTree>
+      <p:nvGrpSpPr>
+        <p:cNvPr id="1" name=""/>
+        <p:cNvGrpSpPr/>
+        <p:nvPr/>
+      </p:nvGrpSpPr>
+      <p:grpSpPr>
+        <a:xfrm>
+          <a:off x="0" y="0"/>
+          <a:ext cx="0" cy="0"/>
+          <a:chOff x="0" y="0"/>
+          <a:chExt cx="0" cy="0"/>
+        </a:xfrm>
+      </p:grpSpPr>
+      <p:sp>
+        <p:nvSpPr>
+          <p:cNvPr id="2" name="Title 1">
+            <a:extLst>
+              <a:ext uri="{FF2B5EF4-FFF2-40B4-BE49-F238E27FC236}">
+                <a16:creationId xmlns:a16="http://schemas.microsoft.com/office/drawing/2014/main" id="{0007D2CC-E964-42DF-AD8C-FFF8CD37DE6C}"/>
+              </a:ext>
+            </a:extLst>
+          </p:cNvPr>
+          <p:cNvSpPr>
+            <a:spLocks noGrp="1"/>
+          </p:cNvSpPr>
+          <p:nvPr>
+            <p:ph type="title"/>
+          </p:nvPr>
+        </p:nvSpPr>
+        <p:spPr/>
+        <p:txBody>
+          <a:bodyPr/>
+          <a:lstStyle/>
+          <a:p>
+            <a:r>
+              <a:rPr lang="en-US" dirty="0"/>
+              <a:t>practices</a:t>
+            </a:r>
+          </a:p>
+        </p:txBody>
+      </p:sp>
+      <p:sp>
+        <p:nvSpPr>
+          <p:cNvPr id="3" name="Content Placeholder 2">
+            <a:extLst>
+              <a:ext uri="{FF2B5EF4-FFF2-40B4-BE49-F238E27FC236}">
+                <a16:creationId xmlns:a16="http://schemas.microsoft.com/office/drawing/2014/main" id="{7FC1695E-DC99-4B65-9B20-35B3E06DAABB}"/>
+              </a:ext>
+            </a:extLst>
+          </p:cNvPr>
+          <p:cNvSpPr>
+            <a:spLocks noGrp="1"/>
+          </p:cNvSpPr>
+          <p:nvPr>
+            <p:ph idx="1"/>
+          </p:nvPr>
+        </p:nvSpPr>
+        <p:spPr/>
+        <p:txBody>
+          <a:bodyPr>
+            <a:normAutofit fontScale="70000" lnSpcReduction="20000"/>
+          </a:bodyPr>
+          <a:lstStyle/>
+          <a:p>
+            <a:r>
+              <a:rPr lang="en-US" dirty="0"/>
+              <a:t>1. The call protection period is:</a:t>
+            </a:r>
+          </a:p>
+          <a:p>
+            <a:pPr marL="457200" indent="-457200">
+              <a:buFont typeface="+mj-lt"/>
+              <a:buAutoNum type="alphaUcPeriod"/>
+            </a:pPr>
+            <a:r>
+              <a:rPr lang="en-US" b="1" dirty="0"/>
+              <a:t>10 years.</a:t>
+            </a:r>
+          </a:p>
+          <a:p>
+            <a:pPr marL="457200" indent="-457200">
+              <a:buFont typeface="+mj-lt"/>
+              <a:buAutoNum type="alphaUcPeriod"/>
+            </a:pPr>
+            <a:r>
+              <a:rPr lang="en-US" b="1" dirty="0"/>
+              <a:t>11 years.</a:t>
+            </a:r>
+          </a:p>
+          <a:p>
+            <a:pPr marL="457200" indent="-457200">
+              <a:buFont typeface="+mj-lt"/>
+              <a:buAutoNum type="alphaUcPeriod"/>
+            </a:pPr>
+            <a:r>
+              <a:rPr lang="en-US" b="1" dirty="0"/>
+              <a:t>20 years.</a:t>
+            </a:r>
+          </a:p>
+          <a:p>
+            <a:r>
+              <a:rPr lang="en-US" dirty="0"/>
+              <a:t>2. The call premium (per $1,000 in par value) in 2033 is closest to:</a:t>
+            </a:r>
+          </a:p>
+          <a:p>
+            <a:pPr marL="457200" indent="-457200">
+              <a:buFont typeface="+mj-lt"/>
+              <a:buAutoNum type="alphaUcPeriod"/>
+            </a:pPr>
+            <a:r>
+              <a:rPr lang="en-US" b="1" dirty="0"/>
+              <a:t>$2.32.</a:t>
+            </a:r>
+          </a:p>
+          <a:p>
+            <a:pPr marL="457200" indent="-457200">
+              <a:buFont typeface="+mj-lt"/>
+              <a:buAutoNum type="alphaUcPeriod"/>
+            </a:pPr>
+            <a:r>
+              <a:rPr lang="en-US" b="1" dirty="0"/>
+              <a:t>$23.22.</a:t>
+            </a:r>
+          </a:p>
+          <a:p>
+            <a:pPr marL="457200" indent="-457200">
+              <a:buFont typeface="+mj-lt"/>
+              <a:buAutoNum type="alphaUcPeriod"/>
+            </a:pPr>
+            <a:r>
+              <a:rPr lang="en-US" b="1" dirty="0"/>
+              <a:t>$45.14.</a:t>
+            </a:r>
+          </a:p>
+          <a:p>
+            <a:r>
+              <a:rPr lang="en-US" dirty="0"/>
+              <a:t>3. The call provision is </a:t>
+            </a:r>
+            <a:r>
+              <a:rPr lang="en-US" i="1" dirty="0"/>
+              <a:t>most likely</a:t>
+            </a:r>
+            <a:r>
+              <a:rPr lang="en-US" dirty="0"/>
+              <a:t>:</a:t>
+            </a:r>
+          </a:p>
+          <a:p>
+            <a:pPr marL="457200" indent="-457200">
+              <a:buFont typeface="+mj-lt"/>
+              <a:buAutoNum type="alphaUcPeriod"/>
+            </a:pPr>
+            <a:r>
+              <a:rPr lang="en-US" b="1" dirty="0"/>
+              <a:t>a Bermuda call.</a:t>
+            </a:r>
+          </a:p>
+          <a:p>
+            <a:pPr marL="457200" indent="-457200">
+              <a:buFont typeface="+mj-lt"/>
+              <a:buAutoNum type="alphaUcPeriod"/>
+            </a:pPr>
+            <a:r>
+              <a:rPr lang="en-US" b="1" dirty="0"/>
+              <a:t>a European call.</a:t>
+            </a:r>
+          </a:p>
+          <a:p>
+            <a:pPr marL="457200" indent="-457200">
+              <a:buFont typeface="+mj-lt"/>
+              <a:buAutoNum type="alphaUcPeriod"/>
+            </a:pPr>
+            <a:r>
+              <a:rPr lang="en-US" b="1" dirty="0"/>
+              <a:t>an American call.</a:t>
+            </a:r>
+          </a:p>
+        </p:txBody>
+      </p:sp>
+    </p:spTree>
+    <p:extLst>
+      <p:ext uri="{BB962C8B-B14F-4D97-AF65-F5344CB8AC3E}">
+        <p14:creationId xmlns:p14="http://schemas.microsoft.com/office/powerpoint/2010/main" val="444248272"/>
+      </p:ext>
+    </p:extLst>
+  </p:cSld>
+  <p:clrMapOvr>
+    <a:masterClrMapping/>
+  </p:clrMapOvr>
+</p:sld>
+</file>
+
+<file path=ppt/slides/slide48.xml><?xml version="1.0" encoding="utf-8"?>
+<p:sld xmlns:a="http://schemas.openxmlformats.org/drawingml/2006/main" xmlns:r="http://schemas.openxmlformats.org/officeDocument/2006/relationships" xmlns:p="http://schemas.openxmlformats.org/presentationml/2006/main">
+  <p:cSld>
+    <p:spTree>
+      <p:nvGrpSpPr>
+        <p:cNvPr id="1" name=""/>
+        <p:cNvGrpSpPr/>
+        <p:nvPr/>
+      </p:nvGrpSpPr>
+      <p:grpSpPr>
+        <a:xfrm>
+          <a:off x="0" y="0"/>
+          <a:ext cx="0" cy="0"/>
+          <a:chOff x="0" y="0"/>
+          <a:chExt cx="0" cy="0"/>
+        </a:xfrm>
+      </p:grpSpPr>
+      <p:sp>
+        <p:nvSpPr>
+          <p:cNvPr id="2" name="Title 1">
+            <a:extLst>
+              <a:ext uri="{FF2B5EF4-FFF2-40B4-BE49-F238E27FC236}">
+                <a16:creationId xmlns:a16="http://schemas.microsoft.com/office/drawing/2014/main" id="{99FB2BDC-3E20-4B0D-AD98-EA9B70FF554A}"/>
+              </a:ext>
+            </a:extLst>
+          </p:cNvPr>
+          <p:cNvSpPr>
+            <a:spLocks noGrp="1"/>
+          </p:cNvSpPr>
+          <p:nvPr>
+            <p:ph type="title"/>
+          </p:nvPr>
+        </p:nvSpPr>
+        <p:spPr/>
+        <p:txBody>
+          <a:bodyPr>
+            <a:normAutofit/>
+          </a:bodyPr>
+          <a:lstStyle/>
+          <a:p>
+            <a:r>
+              <a:rPr lang="en-US" sz="3500" dirty="0"/>
+              <a:t>Module1</a:t>
+            </a:r>
+            <a:br>
+              <a:rPr lang="en-US" sz="3500" dirty="0"/>
+            </a:br>
+            <a:r>
+              <a:rPr lang="en-US" sz="3500" dirty="0"/>
+              <a:t>Fixed-Income Securities: </a:t>
+            </a:r>
+            <a:br>
+              <a:rPr lang="en-US" sz="3500" dirty="0"/>
+            </a:br>
+            <a:r>
+              <a:rPr lang="en-US" sz="3500" dirty="0"/>
+              <a:t>Defining Elements</a:t>
+            </a:r>
+          </a:p>
+        </p:txBody>
+      </p:sp>
+      <p:sp>
+        <p:nvSpPr>
+          <p:cNvPr id="3" name="Content Placeholder 2">
+            <a:extLst>
+              <a:ext uri="{FF2B5EF4-FFF2-40B4-BE49-F238E27FC236}">
+                <a16:creationId xmlns:a16="http://schemas.microsoft.com/office/drawing/2014/main" id="{CCE983EF-5C68-4EC8-BFF1-4CE359A41BD1}"/>
+              </a:ext>
+            </a:extLst>
+          </p:cNvPr>
+          <p:cNvSpPr>
+            <a:spLocks noGrp="1"/>
+          </p:cNvSpPr>
+          <p:nvPr>
+            <p:ph idx="1"/>
+          </p:nvPr>
+        </p:nvSpPr>
+        <p:spPr/>
+        <p:txBody>
+          <a:bodyPr/>
+          <a:lstStyle/>
+          <a:p>
+            <a:r>
+              <a:rPr lang="en-US" sz="2800" b="1" dirty="0">
+                <a:solidFill>
+                  <a:srgbClr val="FF0000"/>
+                </a:solidFill>
+              </a:rPr>
+              <a:t>Convertible bond</a:t>
+            </a:r>
+          </a:p>
+          <a:p>
+            <a:endParaRPr lang="en-US" sz="2800" b="1" dirty="0">
+              <a:solidFill>
+                <a:srgbClr val="FF0000"/>
+              </a:solidFill>
+            </a:endParaRPr>
+          </a:p>
+          <a:p>
+            <a:endParaRPr lang="en-US" dirty="0"/>
+          </a:p>
+        </p:txBody>
+      </p:sp>
+    </p:spTree>
+    <p:extLst>
+      <p:ext uri="{BB962C8B-B14F-4D97-AF65-F5344CB8AC3E}">
+        <p14:creationId xmlns:p14="http://schemas.microsoft.com/office/powerpoint/2010/main" val="962242663"/>
+      </p:ext>
+    </p:extLst>
+  </p:cSld>
+  <p:clrMapOvr>
+    <a:masterClrMapping/>
+  </p:clrMapOvr>
+</p:sld>
+</file>
+
 <file path=ppt/slides/slide5.xml><?xml version="1.0" encoding="utf-8"?>
 <p:sld xmlns:a="http://schemas.openxmlformats.org/drawingml/2006/main" xmlns:r="http://schemas.openxmlformats.org/officeDocument/2006/relationships" xmlns:p="http://schemas.openxmlformats.org/presentationml/2006/main">
   <p:cSld>

--- a/Fixed Income.pptx
+++ b/Fixed Income.pptx
@@ -5,7 +5,7 @@
     <p:sldMasterId id="2147483660" r:id="rId1"/>
   </p:sldMasterIdLst>
   <p:notesMasterIdLst>
-    <p:notesMasterId r:id="rId50"/>
+    <p:notesMasterId r:id="rId49"/>
   </p:notesMasterIdLst>
   <p:sldIdLst>
     <p:sldId id="265" r:id="rId2"/>
@@ -55,7 +55,6 @@
     <p:sldId id="303" r:id="rId46"/>
     <p:sldId id="304" r:id="rId47"/>
     <p:sldId id="305" r:id="rId48"/>
-    <p:sldId id="307" r:id="rId49"/>
   </p:sldIdLst>
   <p:sldSz cx="12192000" cy="6858000"/>
   <p:notesSz cx="6858000" cy="9144000"/>
@@ -1083,6 +1082,753 @@
 </dgm:colorsDef>
 </file>
 
+<file path=ppt/diagrams/colors2.xml><?xml version="1.0" encoding="utf-8"?>
+<dgm:colorsDef xmlns:dgm="http://schemas.openxmlformats.org/drawingml/2006/diagram" xmlns:a="http://schemas.openxmlformats.org/drawingml/2006/main" uniqueId="urn:microsoft.com/office/officeart/2005/8/colors/accent1_2">
+  <dgm:title val=""/>
+  <dgm:desc val=""/>
+  <dgm:catLst>
+    <dgm:cat type="accent1" pri="11200"/>
+  </dgm:catLst>
+  <dgm:styleLbl name="node0">
+    <dgm:fillClrLst meth="repeat">
+      <a:schemeClr val="accent1"/>
+    </dgm:fillClrLst>
+    <dgm:linClrLst meth="repeat">
+      <a:schemeClr val="lt1"/>
+    </dgm:linClrLst>
+    <dgm:effectClrLst/>
+    <dgm:txLinClrLst/>
+    <dgm:txFillClrLst/>
+    <dgm:txEffectClrLst/>
+  </dgm:styleLbl>
+  <dgm:styleLbl name="alignNode1">
+    <dgm:fillClrLst meth="repeat">
+      <a:schemeClr val="accent1"/>
+    </dgm:fillClrLst>
+    <dgm:linClrLst meth="repeat">
+      <a:schemeClr val="accent1"/>
+    </dgm:linClrLst>
+    <dgm:effectClrLst/>
+    <dgm:txLinClrLst/>
+    <dgm:txFillClrLst/>
+    <dgm:txEffectClrLst/>
+  </dgm:styleLbl>
+  <dgm:styleLbl name="node1">
+    <dgm:fillClrLst meth="repeat">
+      <a:schemeClr val="accent1"/>
+    </dgm:fillClrLst>
+    <dgm:linClrLst meth="repeat">
+      <a:schemeClr val="lt1"/>
+    </dgm:linClrLst>
+    <dgm:effectClrLst/>
+    <dgm:txLinClrLst/>
+    <dgm:txFillClrLst/>
+    <dgm:txEffectClrLst/>
+  </dgm:styleLbl>
+  <dgm:styleLbl name="lnNode1">
+    <dgm:fillClrLst meth="repeat">
+      <a:schemeClr val="accent1"/>
+    </dgm:fillClrLst>
+    <dgm:linClrLst meth="repeat">
+      <a:schemeClr val="lt1"/>
+    </dgm:linClrLst>
+    <dgm:effectClrLst/>
+    <dgm:txLinClrLst/>
+    <dgm:txFillClrLst/>
+    <dgm:txEffectClrLst/>
+  </dgm:styleLbl>
+  <dgm:styleLbl name="vennNode1">
+    <dgm:fillClrLst meth="repeat">
+      <a:schemeClr val="accent1">
+        <a:alpha val="50000"/>
+      </a:schemeClr>
+    </dgm:fillClrLst>
+    <dgm:linClrLst meth="repeat">
+      <a:schemeClr val="lt1"/>
+    </dgm:linClrLst>
+    <dgm:effectClrLst/>
+    <dgm:txLinClrLst/>
+    <dgm:txFillClrLst/>
+    <dgm:txEffectClrLst/>
+  </dgm:styleLbl>
+  <dgm:styleLbl name="node2">
+    <dgm:fillClrLst meth="repeat">
+      <a:schemeClr val="accent1"/>
+    </dgm:fillClrLst>
+    <dgm:linClrLst meth="repeat">
+      <a:schemeClr val="lt1"/>
+    </dgm:linClrLst>
+    <dgm:effectClrLst/>
+    <dgm:txLinClrLst/>
+    <dgm:txFillClrLst/>
+    <dgm:txEffectClrLst/>
+  </dgm:styleLbl>
+  <dgm:styleLbl name="node3">
+    <dgm:fillClrLst meth="repeat">
+      <a:schemeClr val="accent1"/>
+    </dgm:fillClrLst>
+    <dgm:linClrLst meth="repeat">
+      <a:schemeClr val="lt1"/>
+    </dgm:linClrLst>
+    <dgm:effectClrLst/>
+    <dgm:txLinClrLst/>
+    <dgm:txFillClrLst/>
+    <dgm:txEffectClrLst/>
+  </dgm:styleLbl>
+  <dgm:styleLbl name="node4">
+    <dgm:fillClrLst meth="repeat">
+      <a:schemeClr val="accent1"/>
+    </dgm:fillClrLst>
+    <dgm:linClrLst meth="repeat">
+      <a:schemeClr val="lt1"/>
+    </dgm:linClrLst>
+    <dgm:effectClrLst/>
+    <dgm:txLinClrLst/>
+    <dgm:txFillClrLst/>
+    <dgm:txEffectClrLst/>
+  </dgm:styleLbl>
+  <dgm:styleLbl name="fgImgPlace1">
+    <dgm:fillClrLst meth="repeat">
+      <a:schemeClr val="accent1">
+        <a:tint val="50000"/>
+      </a:schemeClr>
+    </dgm:fillClrLst>
+    <dgm:linClrLst meth="repeat">
+      <a:schemeClr val="lt1"/>
+    </dgm:linClrLst>
+    <dgm:effectClrLst/>
+    <dgm:txLinClrLst/>
+    <dgm:txFillClrLst meth="repeat">
+      <a:schemeClr val="lt1"/>
+    </dgm:txFillClrLst>
+    <dgm:txEffectClrLst/>
+  </dgm:styleLbl>
+  <dgm:styleLbl name="alignImgPlace1">
+    <dgm:fillClrLst meth="repeat">
+      <a:schemeClr val="accent1">
+        <a:tint val="50000"/>
+      </a:schemeClr>
+    </dgm:fillClrLst>
+    <dgm:linClrLst meth="repeat">
+      <a:schemeClr val="lt1"/>
+    </dgm:linClrLst>
+    <dgm:effectClrLst/>
+    <dgm:txLinClrLst/>
+    <dgm:txFillClrLst meth="repeat">
+      <a:schemeClr val="lt1"/>
+    </dgm:txFillClrLst>
+    <dgm:txEffectClrLst/>
+  </dgm:styleLbl>
+  <dgm:styleLbl name="bgImgPlace1">
+    <dgm:fillClrLst meth="repeat">
+      <a:schemeClr val="accent1">
+        <a:tint val="50000"/>
+      </a:schemeClr>
+    </dgm:fillClrLst>
+    <dgm:linClrLst meth="repeat">
+      <a:schemeClr val="lt1"/>
+    </dgm:linClrLst>
+    <dgm:effectClrLst/>
+    <dgm:txLinClrLst/>
+    <dgm:txFillClrLst meth="repeat">
+      <a:schemeClr val="lt1"/>
+    </dgm:txFillClrLst>
+    <dgm:txEffectClrLst/>
+  </dgm:styleLbl>
+  <dgm:styleLbl name="sibTrans2D1">
+    <dgm:fillClrLst meth="repeat">
+      <a:schemeClr val="accent1">
+        <a:tint val="60000"/>
+      </a:schemeClr>
+    </dgm:fillClrLst>
+    <dgm:linClrLst meth="repeat">
+      <a:schemeClr val="accent1">
+        <a:tint val="60000"/>
+      </a:schemeClr>
+    </dgm:linClrLst>
+    <dgm:effectClrLst/>
+    <dgm:txLinClrLst/>
+    <dgm:txFillClrLst/>
+    <dgm:txEffectClrLst/>
+  </dgm:styleLbl>
+  <dgm:styleLbl name="fgSibTrans2D1">
+    <dgm:fillClrLst meth="repeat">
+      <a:schemeClr val="accent1">
+        <a:tint val="60000"/>
+      </a:schemeClr>
+    </dgm:fillClrLst>
+    <dgm:linClrLst meth="repeat">
+      <a:schemeClr val="accent1">
+        <a:tint val="60000"/>
+      </a:schemeClr>
+    </dgm:linClrLst>
+    <dgm:effectClrLst/>
+    <dgm:txLinClrLst/>
+    <dgm:txFillClrLst/>
+    <dgm:txEffectClrLst/>
+  </dgm:styleLbl>
+  <dgm:styleLbl name="bgSibTrans2D1">
+    <dgm:fillClrLst meth="repeat">
+      <a:schemeClr val="accent1">
+        <a:tint val="60000"/>
+      </a:schemeClr>
+    </dgm:fillClrLst>
+    <dgm:linClrLst meth="repeat">
+      <a:schemeClr val="accent1">
+        <a:tint val="60000"/>
+      </a:schemeClr>
+    </dgm:linClrLst>
+    <dgm:effectClrLst/>
+    <dgm:txLinClrLst/>
+    <dgm:txFillClrLst/>
+    <dgm:txEffectClrLst/>
+  </dgm:styleLbl>
+  <dgm:styleLbl name="sibTrans1D1">
+    <dgm:fillClrLst meth="repeat">
+      <a:schemeClr val="accent1"/>
+    </dgm:fillClrLst>
+    <dgm:linClrLst meth="repeat">
+      <a:schemeClr val="accent1"/>
+    </dgm:linClrLst>
+    <dgm:effectClrLst/>
+    <dgm:txLinClrLst/>
+    <dgm:txFillClrLst meth="repeat">
+      <a:schemeClr val="tx1"/>
+    </dgm:txFillClrLst>
+    <dgm:txEffectClrLst/>
+  </dgm:styleLbl>
+  <dgm:styleLbl name="callout">
+    <dgm:fillClrLst meth="repeat">
+      <a:schemeClr val="accent1"/>
+    </dgm:fillClrLst>
+    <dgm:linClrLst meth="repeat">
+      <a:schemeClr val="accent1">
+        <a:tint val="50000"/>
+      </a:schemeClr>
+    </dgm:linClrLst>
+    <dgm:effectClrLst/>
+    <dgm:txLinClrLst/>
+    <dgm:txFillClrLst meth="repeat">
+      <a:schemeClr val="tx1"/>
+    </dgm:txFillClrLst>
+    <dgm:txEffectClrLst/>
+  </dgm:styleLbl>
+  <dgm:styleLbl name="asst0">
+    <dgm:fillClrLst meth="repeat">
+      <a:schemeClr val="accent1"/>
+    </dgm:fillClrLst>
+    <dgm:linClrLst meth="repeat">
+      <a:schemeClr val="lt1"/>
+    </dgm:linClrLst>
+    <dgm:effectClrLst/>
+    <dgm:txLinClrLst/>
+    <dgm:txFillClrLst/>
+    <dgm:txEffectClrLst/>
+  </dgm:styleLbl>
+  <dgm:styleLbl name="asst1">
+    <dgm:fillClrLst meth="repeat">
+      <a:schemeClr val="accent1"/>
+    </dgm:fillClrLst>
+    <dgm:linClrLst meth="repeat">
+      <a:schemeClr val="lt1"/>
+    </dgm:linClrLst>
+    <dgm:effectClrLst/>
+    <dgm:txLinClrLst/>
+    <dgm:txFillClrLst/>
+    <dgm:txEffectClrLst/>
+  </dgm:styleLbl>
+  <dgm:styleLbl name="asst2">
+    <dgm:fillClrLst meth="repeat">
+      <a:schemeClr val="accent1"/>
+    </dgm:fillClrLst>
+    <dgm:linClrLst meth="repeat">
+      <a:schemeClr val="lt1"/>
+    </dgm:linClrLst>
+    <dgm:effectClrLst/>
+    <dgm:txLinClrLst/>
+    <dgm:txFillClrLst/>
+    <dgm:txEffectClrLst/>
+  </dgm:styleLbl>
+  <dgm:styleLbl name="asst3">
+    <dgm:fillClrLst meth="repeat">
+      <a:schemeClr val="accent1"/>
+    </dgm:fillClrLst>
+    <dgm:linClrLst meth="repeat">
+      <a:schemeClr val="lt1"/>
+    </dgm:linClrLst>
+    <dgm:effectClrLst/>
+    <dgm:txLinClrLst/>
+    <dgm:txFillClrLst/>
+    <dgm:txEffectClrLst/>
+  </dgm:styleLbl>
+  <dgm:styleLbl name="asst4">
+    <dgm:fillClrLst meth="repeat">
+      <a:schemeClr val="accent1"/>
+    </dgm:fillClrLst>
+    <dgm:linClrLst meth="repeat">
+      <a:schemeClr val="lt1"/>
+    </dgm:linClrLst>
+    <dgm:effectClrLst/>
+    <dgm:txLinClrLst/>
+    <dgm:txFillClrLst/>
+    <dgm:txEffectClrLst/>
+  </dgm:styleLbl>
+  <dgm:styleLbl name="parChTrans2D1">
+    <dgm:fillClrLst meth="repeat">
+      <a:schemeClr val="accent1">
+        <a:tint val="60000"/>
+      </a:schemeClr>
+    </dgm:fillClrLst>
+    <dgm:linClrLst meth="repeat">
+      <a:schemeClr val="accent1">
+        <a:tint val="60000"/>
+      </a:schemeClr>
+    </dgm:linClrLst>
+    <dgm:effectClrLst/>
+    <dgm:txLinClrLst/>
+    <dgm:txFillClrLst meth="repeat">
+      <a:schemeClr val="lt1"/>
+    </dgm:txFillClrLst>
+    <dgm:txEffectClrLst/>
+  </dgm:styleLbl>
+  <dgm:styleLbl name="parChTrans2D2">
+    <dgm:fillClrLst meth="repeat">
+      <a:schemeClr val="accent1"/>
+    </dgm:fillClrLst>
+    <dgm:linClrLst meth="repeat">
+      <a:schemeClr val="accent1"/>
+    </dgm:linClrLst>
+    <dgm:effectClrLst/>
+    <dgm:txLinClrLst/>
+    <dgm:txFillClrLst meth="repeat">
+      <a:schemeClr val="lt1"/>
+    </dgm:txFillClrLst>
+    <dgm:txEffectClrLst/>
+  </dgm:styleLbl>
+  <dgm:styleLbl name="parChTrans2D3">
+    <dgm:fillClrLst meth="repeat">
+      <a:schemeClr val="accent1"/>
+    </dgm:fillClrLst>
+    <dgm:linClrLst meth="repeat">
+      <a:schemeClr val="accent1"/>
+    </dgm:linClrLst>
+    <dgm:effectClrLst/>
+    <dgm:txLinClrLst/>
+    <dgm:txFillClrLst meth="repeat">
+      <a:schemeClr val="lt1"/>
+    </dgm:txFillClrLst>
+    <dgm:txEffectClrLst/>
+  </dgm:styleLbl>
+  <dgm:styleLbl name="parChTrans2D4">
+    <dgm:fillClrLst meth="repeat">
+      <a:schemeClr val="accent1"/>
+    </dgm:fillClrLst>
+    <dgm:linClrLst meth="repeat">
+      <a:schemeClr val="accent1"/>
+    </dgm:linClrLst>
+    <dgm:effectClrLst/>
+    <dgm:txLinClrLst/>
+    <dgm:txFillClrLst meth="repeat">
+      <a:schemeClr val="lt1"/>
+    </dgm:txFillClrLst>
+    <dgm:txEffectClrLst/>
+  </dgm:styleLbl>
+  <dgm:styleLbl name="parChTrans1D1">
+    <dgm:fillClrLst meth="repeat">
+      <a:schemeClr val="accent1"/>
+    </dgm:fillClrLst>
+    <dgm:linClrLst meth="repeat">
+      <a:schemeClr val="accent1">
+        <a:shade val="60000"/>
+      </a:schemeClr>
+    </dgm:linClrLst>
+    <dgm:effectClrLst/>
+    <dgm:txLinClrLst/>
+    <dgm:txFillClrLst meth="repeat">
+      <a:schemeClr val="tx1"/>
+    </dgm:txFillClrLst>
+    <dgm:txEffectClrLst/>
+  </dgm:styleLbl>
+  <dgm:styleLbl name="parChTrans1D2">
+    <dgm:fillClrLst meth="repeat">
+      <a:schemeClr val="accent1"/>
+    </dgm:fillClrLst>
+    <dgm:linClrLst meth="repeat">
+      <a:schemeClr val="accent1">
+        <a:shade val="60000"/>
+      </a:schemeClr>
+    </dgm:linClrLst>
+    <dgm:effectClrLst/>
+    <dgm:txLinClrLst/>
+    <dgm:txFillClrLst meth="repeat">
+      <a:schemeClr val="tx1"/>
+    </dgm:txFillClrLst>
+    <dgm:txEffectClrLst/>
+  </dgm:styleLbl>
+  <dgm:styleLbl name="parChTrans1D3">
+    <dgm:fillClrLst meth="repeat">
+      <a:schemeClr val="accent1"/>
+    </dgm:fillClrLst>
+    <dgm:linClrLst meth="repeat">
+      <a:schemeClr val="accent1">
+        <a:shade val="80000"/>
+      </a:schemeClr>
+    </dgm:linClrLst>
+    <dgm:effectClrLst/>
+    <dgm:txLinClrLst/>
+    <dgm:txFillClrLst meth="repeat">
+      <a:schemeClr val="tx1"/>
+    </dgm:txFillClrLst>
+    <dgm:txEffectClrLst/>
+  </dgm:styleLbl>
+  <dgm:styleLbl name="parChTrans1D4">
+    <dgm:fillClrLst meth="repeat">
+      <a:schemeClr val="accent1"/>
+    </dgm:fillClrLst>
+    <dgm:linClrLst meth="repeat">
+      <a:schemeClr val="accent1">
+        <a:shade val="80000"/>
+      </a:schemeClr>
+    </dgm:linClrLst>
+    <dgm:effectClrLst/>
+    <dgm:txLinClrLst/>
+    <dgm:txFillClrLst meth="repeat">
+      <a:schemeClr val="tx1"/>
+    </dgm:txFillClrLst>
+    <dgm:txEffectClrLst/>
+  </dgm:styleLbl>
+  <dgm:styleLbl name="fgAcc1">
+    <dgm:fillClrLst meth="repeat">
+      <a:schemeClr val="lt1">
+        <a:alpha val="90000"/>
+      </a:schemeClr>
+    </dgm:fillClrLst>
+    <dgm:linClrLst meth="repeat">
+      <a:schemeClr val="accent1"/>
+    </dgm:linClrLst>
+    <dgm:effectClrLst/>
+    <dgm:txLinClrLst/>
+    <dgm:txFillClrLst meth="repeat">
+      <a:schemeClr val="dk1"/>
+    </dgm:txFillClrLst>
+    <dgm:txEffectClrLst/>
+  </dgm:styleLbl>
+  <dgm:styleLbl name="conFgAcc1">
+    <dgm:fillClrLst meth="repeat">
+      <a:schemeClr val="lt1">
+        <a:alpha val="90000"/>
+      </a:schemeClr>
+    </dgm:fillClrLst>
+    <dgm:linClrLst meth="repeat">
+      <a:schemeClr val="accent1"/>
+    </dgm:linClrLst>
+    <dgm:effectClrLst/>
+    <dgm:txLinClrLst/>
+    <dgm:txFillClrLst meth="repeat">
+      <a:schemeClr val="dk1"/>
+    </dgm:txFillClrLst>
+    <dgm:txEffectClrLst/>
+  </dgm:styleLbl>
+  <dgm:styleLbl name="alignAcc1">
+    <dgm:fillClrLst meth="repeat">
+      <a:schemeClr val="lt1">
+        <a:alpha val="90000"/>
+      </a:schemeClr>
+    </dgm:fillClrLst>
+    <dgm:linClrLst meth="repeat">
+      <a:schemeClr val="accent1"/>
+    </dgm:linClrLst>
+    <dgm:effectClrLst/>
+    <dgm:txLinClrLst/>
+    <dgm:txFillClrLst meth="repeat">
+      <a:schemeClr val="dk1"/>
+    </dgm:txFillClrLst>
+    <dgm:txEffectClrLst/>
+  </dgm:styleLbl>
+  <dgm:styleLbl name="trAlignAcc1">
+    <dgm:fillClrLst meth="repeat">
+      <a:schemeClr val="lt1">
+        <a:alpha val="40000"/>
+      </a:schemeClr>
+    </dgm:fillClrLst>
+    <dgm:linClrLst meth="repeat">
+      <a:schemeClr val="accent1"/>
+    </dgm:linClrLst>
+    <dgm:effectClrLst/>
+    <dgm:txLinClrLst/>
+    <dgm:txFillClrLst meth="repeat">
+      <a:schemeClr val="dk1"/>
+    </dgm:txFillClrLst>
+    <dgm:txEffectClrLst/>
+  </dgm:styleLbl>
+  <dgm:styleLbl name="bgAcc1">
+    <dgm:fillClrLst meth="repeat">
+      <a:schemeClr val="lt1">
+        <a:alpha val="90000"/>
+      </a:schemeClr>
+    </dgm:fillClrLst>
+    <dgm:linClrLst meth="repeat">
+      <a:schemeClr val="accent1"/>
+    </dgm:linClrLst>
+    <dgm:effectClrLst/>
+    <dgm:txLinClrLst/>
+    <dgm:txFillClrLst meth="repeat">
+      <a:schemeClr val="dk1"/>
+    </dgm:txFillClrLst>
+    <dgm:txEffectClrLst/>
+  </dgm:styleLbl>
+  <dgm:styleLbl name="solidFgAcc1">
+    <dgm:fillClrLst meth="repeat">
+      <a:schemeClr val="lt1"/>
+    </dgm:fillClrLst>
+    <dgm:linClrLst meth="repeat">
+      <a:schemeClr val="accent1"/>
+    </dgm:linClrLst>
+    <dgm:effectClrLst/>
+    <dgm:txLinClrLst/>
+    <dgm:txFillClrLst meth="repeat">
+      <a:schemeClr val="dk1"/>
+    </dgm:txFillClrLst>
+    <dgm:txEffectClrLst/>
+  </dgm:styleLbl>
+  <dgm:styleLbl name="solidAlignAcc1">
+    <dgm:fillClrLst meth="repeat">
+      <a:schemeClr val="lt1"/>
+    </dgm:fillClrLst>
+    <dgm:linClrLst meth="repeat">
+      <a:schemeClr val="accent1"/>
+    </dgm:linClrLst>
+    <dgm:effectClrLst/>
+    <dgm:txLinClrLst/>
+    <dgm:txFillClrLst meth="repeat">
+      <a:schemeClr val="dk1"/>
+    </dgm:txFillClrLst>
+    <dgm:txEffectClrLst/>
+  </dgm:styleLbl>
+  <dgm:styleLbl name="solidBgAcc1">
+    <dgm:fillClrLst meth="repeat">
+      <a:schemeClr val="lt1"/>
+    </dgm:fillClrLst>
+    <dgm:linClrLst meth="repeat">
+      <a:schemeClr val="accent1"/>
+    </dgm:linClrLst>
+    <dgm:effectClrLst/>
+    <dgm:txLinClrLst/>
+    <dgm:txFillClrLst meth="repeat">
+      <a:schemeClr val="dk1"/>
+    </dgm:txFillClrLst>
+    <dgm:txEffectClrLst/>
+  </dgm:styleLbl>
+  <dgm:styleLbl name="fgAccFollowNode1">
+    <dgm:fillClrLst meth="repeat">
+      <a:schemeClr val="accent1">
+        <a:alpha val="90000"/>
+        <a:tint val="40000"/>
+      </a:schemeClr>
+    </dgm:fillClrLst>
+    <dgm:linClrLst meth="repeat">
+      <a:schemeClr val="accent1">
+        <a:alpha val="90000"/>
+        <a:tint val="40000"/>
+      </a:schemeClr>
+    </dgm:linClrLst>
+    <dgm:effectClrLst/>
+    <dgm:txLinClrLst/>
+    <dgm:txFillClrLst meth="repeat">
+      <a:schemeClr val="dk1"/>
+    </dgm:txFillClrLst>
+    <dgm:txEffectClrLst/>
+  </dgm:styleLbl>
+  <dgm:styleLbl name="alignAccFollowNode1">
+    <dgm:fillClrLst meth="repeat">
+      <a:schemeClr val="accent1">
+        <a:alpha val="90000"/>
+        <a:tint val="40000"/>
+      </a:schemeClr>
+    </dgm:fillClrLst>
+    <dgm:linClrLst meth="repeat">
+      <a:schemeClr val="accent1">
+        <a:alpha val="90000"/>
+        <a:tint val="40000"/>
+      </a:schemeClr>
+    </dgm:linClrLst>
+    <dgm:effectClrLst/>
+    <dgm:txLinClrLst/>
+    <dgm:txFillClrLst meth="repeat">
+      <a:schemeClr val="dk1"/>
+    </dgm:txFillClrLst>
+    <dgm:txEffectClrLst/>
+  </dgm:styleLbl>
+  <dgm:styleLbl name="bgAccFollowNode1">
+    <dgm:fillClrLst meth="repeat">
+      <a:schemeClr val="accent1">
+        <a:alpha val="90000"/>
+        <a:tint val="40000"/>
+      </a:schemeClr>
+    </dgm:fillClrLst>
+    <dgm:linClrLst meth="repeat">
+      <a:schemeClr val="accent1">
+        <a:alpha val="90000"/>
+        <a:tint val="40000"/>
+      </a:schemeClr>
+    </dgm:linClrLst>
+    <dgm:effectClrLst/>
+    <dgm:txLinClrLst/>
+    <dgm:txFillClrLst meth="repeat">
+      <a:schemeClr val="dk1"/>
+    </dgm:txFillClrLst>
+    <dgm:txEffectClrLst/>
+  </dgm:styleLbl>
+  <dgm:styleLbl name="fgAcc0">
+    <dgm:fillClrLst meth="repeat">
+      <a:schemeClr val="lt1">
+        <a:alpha val="90000"/>
+      </a:schemeClr>
+    </dgm:fillClrLst>
+    <dgm:linClrLst meth="repeat">
+      <a:schemeClr val="accent1"/>
+    </dgm:linClrLst>
+    <dgm:effectClrLst/>
+    <dgm:txLinClrLst/>
+    <dgm:txFillClrLst meth="repeat">
+      <a:schemeClr val="dk1"/>
+    </dgm:txFillClrLst>
+    <dgm:txEffectClrLst/>
+  </dgm:styleLbl>
+  <dgm:styleLbl name="fgAcc2">
+    <dgm:fillClrLst meth="repeat">
+      <a:schemeClr val="lt1">
+        <a:alpha val="90000"/>
+      </a:schemeClr>
+    </dgm:fillClrLst>
+    <dgm:linClrLst meth="repeat">
+      <a:schemeClr val="accent1"/>
+    </dgm:linClrLst>
+    <dgm:effectClrLst/>
+    <dgm:txLinClrLst/>
+    <dgm:txFillClrLst meth="repeat">
+      <a:schemeClr val="dk1"/>
+    </dgm:txFillClrLst>
+    <dgm:txEffectClrLst/>
+  </dgm:styleLbl>
+  <dgm:styleLbl name="fgAcc3">
+    <dgm:fillClrLst meth="repeat">
+      <a:schemeClr val="lt1">
+        <a:alpha val="90000"/>
+      </a:schemeClr>
+    </dgm:fillClrLst>
+    <dgm:linClrLst meth="repeat">
+      <a:schemeClr val="accent1"/>
+    </dgm:linClrLst>
+    <dgm:effectClrLst/>
+    <dgm:txLinClrLst/>
+    <dgm:txFillClrLst meth="repeat">
+      <a:schemeClr val="dk1"/>
+    </dgm:txFillClrLst>
+    <dgm:txEffectClrLst/>
+  </dgm:styleLbl>
+  <dgm:styleLbl name="fgAcc4">
+    <dgm:fillClrLst meth="repeat">
+      <a:schemeClr val="lt1">
+        <a:alpha val="90000"/>
+      </a:schemeClr>
+    </dgm:fillClrLst>
+    <dgm:linClrLst meth="repeat">
+      <a:schemeClr val="accent1"/>
+    </dgm:linClrLst>
+    <dgm:effectClrLst/>
+    <dgm:txLinClrLst/>
+    <dgm:txFillClrLst meth="repeat">
+      <a:schemeClr val="dk1"/>
+    </dgm:txFillClrLst>
+    <dgm:txEffectClrLst/>
+  </dgm:styleLbl>
+  <dgm:styleLbl name="bgShp">
+    <dgm:fillClrLst meth="repeat">
+      <a:schemeClr val="accent1">
+        <a:tint val="40000"/>
+      </a:schemeClr>
+    </dgm:fillClrLst>
+    <dgm:linClrLst meth="repeat">
+      <a:schemeClr val="accent1"/>
+    </dgm:linClrLst>
+    <dgm:effectClrLst/>
+    <dgm:txLinClrLst/>
+    <dgm:txFillClrLst meth="repeat">
+      <a:schemeClr val="dk1"/>
+    </dgm:txFillClrLst>
+    <dgm:txEffectClrLst/>
+  </dgm:styleLbl>
+  <dgm:styleLbl name="dkBgShp">
+    <dgm:fillClrLst meth="repeat">
+      <a:schemeClr val="accent1">
+        <a:shade val="80000"/>
+      </a:schemeClr>
+    </dgm:fillClrLst>
+    <dgm:linClrLst meth="repeat">
+      <a:schemeClr val="accent1"/>
+    </dgm:linClrLst>
+    <dgm:effectClrLst/>
+    <dgm:txLinClrLst/>
+    <dgm:txFillClrLst meth="repeat">
+      <a:schemeClr val="lt1"/>
+    </dgm:txFillClrLst>
+    <dgm:txEffectClrLst/>
+  </dgm:styleLbl>
+  <dgm:styleLbl name="trBgShp">
+    <dgm:fillClrLst meth="repeat">
+      <a:schemeClr val="accent1">
+        <a:tint val="50000"/>
+        <a:alpha val="40000"/>
+      </a:schemeClr>
+    </dgm:fillClrLst>
+    <dgm:linClrLst meth="repeat">
+      <a:schemeClr val="accent1"/>
+    </dgm:linClrLst>
+    <dgm:effectClrLst/>
+    <dgm:txLinClrLst/>
+    <dgm:txFillClrLst meth="repeat">
+      <a:schemeClr val="lt1"/>
+    </dgm:txFillClrLst>
+    <dgm:txEffectClrLst/>
+  </dgm:styleLbl>
+  <dgm:styleLbl name="fgShp">
+    <dgm:fillClrLst meth="repeat">
+      <a:schemeClr val="accent1">
+        <a:tint val="60000"/>
+      </a:schemeClr>
+    </dgm:fillClrLst>
+    <dgm:linClrLst meth="repeat">
+      <a:schemeClr val="lt1"/>
+    </dgm:linClrLst>
+    <dgm:effectClrLst/>
+    <dgm:txLinClrLst/>
+    <dgm:txFillClrLst meth="repeat">
+      <a:schemeClr val="dk1"/>
+    </dgm:txFillClrLst>
+    <dgm:txEffectClrLst/>
+  </dgm:styleLbl>
+  <dgm:styleLbl name="revTx">
+    <dgm:fillClrLst meth="repeat">
+      <a:schemeClr val="lt1">
+        <a:alpha val="0"/>
+      </a:schemeClr>
+    </dgm:fillClrLst>
+    <dgm:linClrLst meth="repeat">
+      <a:schemeClr val="dk1">
+        <a:alpha val="0"/>
+      </a:schemeClr>
+    </dgm:linClrLst>
+    <dgm:effectClrLst/>
+    <dgm:txLinClrLst/>
+    <dgm:txFillClrLst meth="repeat">
+      <a:schemeClr val="tx1"/>
+    </dgm:txFillClrLst>
+    <dgm:txEffectClrLst/>
+  </dgm:styleLbl>
+</dgm:colorsDef>
+</file>
+
 <file path=ppt/diagrams/data1.xml><?xml version="1.0" encoding="utf-8"?>
 <dgm:dataModel xmlns:dgm="http://schemas.openxmlformats.org/drawingml/2006/diagram" xmlns:a="http://schemas.openxmlformats.org/drawingml/2006/main">
   <dgm:ptLst>
@@ -1686,6 +2432,573 @@
     <dgm:cxn modelId="{039CBA2A-7756-471E-996C-DA131354F4A7}" type="presParOf" srcId="{1BD3734F-AF2A-4560-B108-7E67A3648BEB}" destId="{2AEE7F50-91FB-44E0-B029-3983C6E732A7}" srcOrd="1" destOrd="0" presId="urn:microsoft.com/office/officeart/2018/2/layout/IconVerticalSolidList"/>
     <dgm:cxn modelId="{D0C3D7F2-47CB-4CA4-AF20-D7505908F9FC}" type="presParOf" srcId="{1BD3734F-AF2A-4560-B108-7E67A3648BEB}" destId="{D47F51E2-2CD1-48E4-9A8C-9D4490C8401A}" srcOrd="2" destOrd="0" presId="urn:microsoft.com/office/officeart/2018/2/layout/IconVerticalSolidList"/>
     <dgm:cxn modelId="{F6D3914E-88FE-4BAB-937A-81071DD2CB0E}" type="presParOf" srcId="{1BD3734F-AF2A-4560-B108-7E67A3648BEB}" destId="{7D512848-7C80-4833-A9D8-A0B168D3B482}" srcOrd="3" destOrd="0" presId="urn:microsoft.com/office/officeart/2018/2/layout/IconVerticalSolidList"/>
+  </dgm:cxnLst>
+  <dgm:bg/>
+  <dgm:whole/>
+  <dgm:extLst>
+    <a:ext uri="http://schemas.microsoft.com/office/drawing/2008/diagram">
+      <dsp:dataModelExt xmlns:dsp="http://schemas.microsoft.com/office/drawing/2008/diagram" relId="rId6" minVer="http://schemas.openxmlformats.org/drawingml/2006/diagram"/>
+    </a:ext>
+  </dgm:extLst>
+</dgm:dataModel>
+</file>
+
+<file path=ppt/diagrams/data2.xml><?xml version="1.0" encoding="utf-8"?>
+<dgm:dataModel xmlns:dgm="http://schemas.openxmlformats.org/drawingml/2006/diagram" xmlns:a="http://schemas.openxmlformats.org/drawingml/2006/main">
+  <dgm:ptLst>
+    <dgm:pt modelId="{E418CFBD-CBB0-47D4-90EA-7C86E66E0301}" type="doc">
+      <dgm:prSet loTypeId="urn:microsoft.com/office/officeart/2005/8/layout/vList2" loCatId="list" qsTypeId="urn:microsoft.com/office/officeart/2005/8/quickstyle/simple1" qsCatId="simple" csTypeId="urn:microsoft.com/office/officeart/2005/8/colors/accent1_2" csCatId="accent1"/>
+      <dgm:spPr/>
+      <dgm:t>
+        <a:bodyPr/>
+        <a:lstStyle/>
+        <a:p>
+          <a:endParaRPr lang="en-US"/>
+        </a:p>
+      </dgm:t>
+    </dgm:pt>
+    <dgm:pt modelId="{B4A4CC78-25E8-4AC4-B6C7-FEF8A2ACA6AA}">
+      <dgm:prSet/>
+      <dgm:spPr/>
+      <dgm:t>
+        <a:bodyPr/>
+        <a:lstStyle/>
+        <a:p>
+          <a:r>
+            <a:rPr lang="en-US"/>
+            <a:t>1. The call protection period is:</a:t>
+          </a:r>
+        </a:p>
+      </dgm:t>
+    </dgm:pt>
+    <dgm:pt modelId="{85016B60-CA97-4D4D-A9E2-806B7E6A6D86}" type="parTrans" cxnId="{AF33C521-71B0-4B68-A042-D5C4BD05A724}">
+      <dgm:prSet/>
+      <dgm:spPr/>
+      <dgm:t>
+        <a:bodyPr/>
+        <a:lstStyle/>
+        <a:p>
+          <a:endParaRPr lang="en-US"/>
+        </a:p>
+      </dgm:t>
+    </dgm:pt>
+    <dgm:pt modelId="{849FA569-BFE8-4BE4-8A3A-A15102DEE95C}" type="sibTrans" cxnId="{AF33C521-71B0-4B68-A042-D5C4BD05A724}">
+      <dgm:prSet/>
+      <dgm:spPr/>
+      <dgm:t>
+        <a:bodyPr/>
+        <a:lstStyle/>
+        <a:p>
+          <a:endParaRPr lang="en-US"/>
+        </a:p>
+      </dgm:t>
+    </dgm:pt>
+    <dgm:pt modelId="{E79D3704-2259-4A45-9208-E7E3B168D5A5}">
+      <dgm:prSet/>
+      <dgm:spPr/>
+      <dgm:t>
+        <a:bodyPr/>
+        <a:lstStyle/>
+        <a:p>
+          <a:r>
+            <a:rPr lang="en-US" b="1"/>
+            <a:t>10 years.</a:t>
+          </a:r>
+          <a:endParaRPr lang="en-US"/>
+        </a:p>
+      </dgm:t>
+    </dgm:pt>
+    <dgm:pt modelId="{4878388E-DB59-439F-B6F3-5C85431A665D}" type="parTrans" cxnId="{59947886-8799-40C6-8A4C-8031E410CA52}">
+      <dgm:prSet/>
+      <dgm:spPr/>
+      <dgm:t>
+        <a:bodyPr/>
+        <a:lstStyle/>
+        <a:p>
+          <a:endParaRPr lang="en-US"/>
+        </a:p>
+      </dgm:t>
+    </dgm:pt>
+    <dgm:pt modelId="{19B403D0-6920-4A61-AAA1-3D5A9D371B3E}" type="sibTrans" cxnId="{59947886-8799-40C6-8A4C-8031E410CA52}">
+      <dgm:prSet/>
+      <dgm:spPr/>
+      <dgm:t>
+        <a:bodyPr/>
+        <a:lstStyle/>
+        <a:p>
+          <a:endParaRPr lang="en-US"/>
+        </a:p>
+      </dgm:t>
+    </dgm:pt>
+    <dgm:pt modelId="{625E143C-E6F5-4001-A4B7-E6AEEE28D32E}">
+      <dgm:prSet/>
+      <dgm:spPr/>
+      <dgm:t>
+        <a:bodyPr/>
+        <a:lstStyle/>
+        <a:p>
+          <a:r>
+            <a:rPr lang="en-US" b="1"/>
+            <a:t>11 years.</a:t>
+          </a:r>
+          <a:endParaRPr lang="en-US"/>
+        </a:p>
+      </dgm:t>
+    </dgm:pt>
+    <dgm:pt modelId="{DFA3C56B-960E-45EC-9C94-890937FC52CC}" type="parTrans" cxnId="{0BB6291C-CCE6-473C-8FCA-034F23830519}">
+      <dgm:prSet/>
+      <dgm:spPr/>
+      <dgm:t>
+        <a:bodyPr/>
+        <a:lstStyle/>
+        <a:p>
+          <a:endParaRPr lang="en-US"/>
+        </a:p>
+      </dgm:t>
+    </dgm:pt>
+    <dgm:pt modelId="{29B77866-1946-477C-BF53-471A313E1E7F}" type="sibTrans" cxnId="{0BB6291C-CCE6-473C-8FCA-034F23830519}">
+      <dgm:prSet/>
+      <dgm:spPr/>
+      <dgm:t>
+        <a:bodyPr/>
+        <a:lstStyle/>
+        <a:p>
+          <a:endParaRPr lang="en-US"/>
+        </a:p>
+      </dgm:t>
+    </dgm:pt>
+    <dgm:pt modelId="{53EC224F-F0B0-410D-96A8-6BA533D08D48}">
+      <dgm:prSet/>
+      <dgm:spPr/>
+      <dgm:t>
+        <a:bodyPr/>
+        <a:lstStyle/>
+        <a:p>
+          <a:r>
+            <a:rPr lang="en-US" b="1"/>
+            <a:t>20 years.</a:t>
+          </a:r>
+          <a:endParaRPr lang="en-US"/>
+        </a:p>
+      </dgm:t>
+    </dgm:pt>
+    <dgm:pt modelId="{67513B11-C926-4BB3-BADB-78FC17A851B4}" type="parTrans" cxnId="{E168CAA3-26BC-47AE-88AC-DFB7CD2251EF}">
+      <dgm:prSet/>
+      <dgm:spPr/>
+      <dgm:t>
+        <a:bodyPr/>
+        <a:lstStyle/>
+        <a:p>
+          <a:endParaRPr lang="en-US"/>
+        </a:p>
+      </dgm:t>
+    </dgm:pt>
+    <dgm:pt modelId="{758883EB-692F-4B3C-B77E-3D2A12CD721F}" type="sibTrans" cxnId="{E168CAA3-26BC-47AE-88AC-DFB7CD2251EF}">
+      <dgm:prSet/>
+      <dgm:spPr/>
+      <dgm:t>
+        <a:bodyPr/>
+        <a:lstStyle/>
+        <a:p>
+          <a:endParaRPr lang="en-US"/>
+        </a:p>
+      </dgm:t>
+    </dgm:pt>
+    <dgm:pt modelId="{65BD45E1-9307-465A-854F-A47F4FA7D94A}">
+      <dgm:prSet/>
+      <dgm:spPr/>
+      <dgm:t>
+        <a:bodyPr/>
+        <a:lstStyle/>
+        <a:p>
+          <a:r>
+            <a:rPr lang="en-US"/>
+            <a:t>2. The call premium (per $1,000 in par value) in 2033 is closest to:</a:t>
+          </a:r>
+        </a:p>
+      </dgm:t>
+    </dgm:pt>
+    <dgm:pt modelId="{BF5FBD6F-BC92-46DB-A188-DA880F917DF1}" type="parTrans" cxnId="{F5195613-7273-4C60-B446-AE05BBCE3A5D}">
+      <dgm:prSet/>
+      <dgm:spPr/>
+      <dgm:t>
+        <a:bodyPr/>
+        <a:lstStyle/>
+        <a:p>
+          <a:endParaRPr lang="en-US"/>
+        </a:p>
+      </dgm:t>
+    </dgm:pt>
+    <dgm:pt modelId="{65CF21F6-5308-4221-AB9B-4784BFE07723}" type="sibTrans" cxnId="{F5195613-7273-4C60-B446-AE05BBCE3A5D}">
+      <dgm:prSet/>
+      <dgm:spPr/>
+      <dgm:t>
+        <a:bodyPr/>
+        <a:lstStyle/>
+        <a:p>
+          <a:endParaRPr lang="en-US"/>
+        </a:p>
+      </dgm:t>
+    </dgm:pt>
+    <dgm:pt modelId="{12E8DCDE-129C-4875-BF61-2B214BB7B4DE}">
+      <dgm:prSet/>
+      <dgm:spPr/>
+      <dgm:t>
+        <a:bodyPr/>
+        <a:lstStyle/>
+        <a:p>
+          <a:r>
+            <a:rPr lang="en-US" b="1"/>
+            <a:t>$2.32.</a:t>
+          </a:r>
+          <a:endParaRPr lang="en-US"/>
+        </a:p>
+      </dgm:t>
+    </dgm:pt>
+    <dgm:pt modelId="{A8F4C52F-EBB9-4CB2-88A9-58A3A8D7A7FB}" type="parTrans" cxnId="{C608ECAD-7E94-41CC-A594-0A921AAAB0BC}">
+      <dgm:prSet/>
+      <dgm:spPr/>
+      <dgm:t>
+        <a:bodyPr/>
+        <a:lstStyle/>
+        <a:p>
+          <a:endParaRPr lang="en-US"/>
+        </a:p>
+      </dgm:t>
+    </dgm:pt>
+    <dgm:pt modelId="{9BFB9506-CB37-4047-9CEC-9782BD39C069}" type="sibTrans" cxnId="{C608ECAD-7E94-41CC-A594-0A921AAAB0BC}">
+      <dgm:prSet/>
+      <dgm:spPr/>
+      <dgm:t>
+        <a:bodyPr/>
+        <a:lstStyle/>
+        <a:p>
+          <a:endParaRPr lang="en-US"/>
+        </a:p>
+      </dgm:t>
+    </dgm:pt>
+    <dgm:pt modelId="{F0CD77C1-F0A0-4FA0-B576-62AC4ECBCED2}">
+      <dgm:prSet/>
+      <dgm:spPr/>
+      <dgm:t>
+        <a:bodyPr/>
+        <a:lstStyle/>
+        <a:p>
+          <a:r>
+            <a:rPr lang="en-US" b="1"/>
+            <a:t>$23.22.</a:t>
+          </a:r>
+          <a:endParaRPr lang="en-US"/>
+        </a:p>
+      </dgm:t>
+    </dgm:pt>
+    <dgm:pt modelId="{32BC71AE-FF68-4432-81D1-617ED245CFE0}" type="parTrans" cxnId="{19019B10-76C6-418B-BB58-1561B8793A17}">
+      <dgm:prSet/>
+      <dgm:spPr/>
+      <dgm:t>
+        <a:bodyPr/>
+        <a:lstStyle/>
+        <a:p>
+          <a:endParaRPr lang="en-US"/>
+        </a:p>
+      </dgm:t>
+    </dgm:pt>
+    <dgm:pt modelId="{440D3ADC-9F08-4AEE-AA08-C6CAF5D6DC74}" type="sibTrans" cxnId="{19019B10-76C6-418B-BB58-1561B8793A17}">
+      <dgm:prSet/>
+      <dgm:spPr/>
+      <dgm:t>
+        <a:bodyPr/>
+        <a:lstStyle/>
+        <a:p>
+          <a:endParaRPr lang="en-US"/>
+        </a:p>
+      </dgm:t>
+    </dgm:pt>
+    <dgm:pt modelId="{9281FDA0-9717-409F-9B5C-7014F9F9DCEB}">
+      <dgm:prSet/>
+      <dgm:spPr/>
+      <dgm:t>
+        <a:bodyPr/>
+        <a:lstStyle/>
+        <a:p>
+          <a:r>
+            <a:rPr lang="en-US" b="1"/>
+            <a:t>$45.14.</a:t>
+          </a:r>
+          <a:endParaRPr lang="en-US"/>
+        </a:p>
+      </dgm:t>
+    </dgm:pt>
+    <dgm:pt modelId="{B65CEBED-53FC-4D73-8288-6FD7B95C4C52}" type="parTrans" cxnId="{D4C8E319-E205-47E8-9189-02C0D5350924}">
+      <dgm:prSet/>
+      <dgm:spPr/>
+      <dgm:t>
+        <a:bodyPr/>
+        <a:lstStyle/>
+        <a:p>
+          <a:endParaRPr lang="en-US"/>
+        </a:p>
+      </dgm:t>
+    </dgm:pt>
+    <dgm:pt modelId="{7609E195-F745-4CE3-B355-AB3AA7D8DFC1}" type="sibTrans" cxnId="{D4C8E319-E205-47E8-9189-02C0D5350924}">
+      <dgm:prSet/>
+      <dgm:spPr/>
+      <dgm:t>
+        <a:bodyPr/>
+        <a:lstStyle/>
+        <a:p>
+          <a:endParaRPr lang="en-US"/>
+        </a:p>
+      </dgm:t>
+    </dgm:pt>
+    <dgm:pt modelId="{5FD280B5-9D57-41F5-B0DF-B73EEE094AB3}">
+      <dgm:prSet/>
+      <dgm:spPr/>
+      <dgm:t>
+        <a:bodyPr/>
+        <a:lstStyle/>
+        <a:p>
+          <a:r>
+            <a:rPr lang="en-US"/>
+            <a:t>3. The call provision is </a:t>
+          </a:r>
+          <a:r>
+            <a:rPr lang="en-US" i="1"/>
+            <a:t>most likely</a:t>
+          </a:r>
+          <a:r>
+            <a:rPr lang="en-US"/>
+            <a:t>:</a:t>
+          </a:r>
+        </a:p>
+      </dgm:t>
+    </dgm:pt>
+    <dgm:pt modelId="{B37FE43B-EA42-45C0-AD7F-12D87C62B6F7}" type="parTrans" cxnId="{CAE55517-4B8C-468B-B85F-9D3B6255A777}">
+      <dgm:prSet/>
+      <dgm:spPr/>
+      <dgm:t>
+        <a:bodyPr/>
+        <a:lstStyle/>
+        <a:p>
+          <a:endParaRPr lang="en-US"/>
+        </a:p>
+      </dgm:t>
+    </dgm:pt>
+    <dgm:pt modelId="{CF1EF2F7-229F-4499-8481-2C84E0732B33}" type="sibTrans" cxnId="{CAE55517-4B8C-468B-B85F-9D3B6255A777}">
+      <dgm:prSet/>
+      <dgm:spPr/>
+      <dgm:t>
+        <a:bodyPr/>
+        <a:lstStyle/>
+        <a:p>
+          <a:endParaRPr lang="en-US"/>
+        </a:p>
+      </dgm:t>
+    </dgm:pt>
+    <dgm:pt modelId="{5BA6EAC7-5FD8-4F9E-BFE8-CEDE7CEDDF86}">
+      <dgm:prSet/>
+      <dgm:spPr/>
+      <dgm:t>
+        <a:bodyPr/>
+        <a:lstStyle/>
+        <a:p>
+          <a:r>
+            <a:rPr lang="en-US" b="1"/>
+            <a:t>a Bermuda call.</a:t>
+          </a:r>
+          <a:endParaRPr lang="en-US"/>
+        </a:p>
+      </dgm:t>
+    </dgm:pt>
+    <dgm:pt modelId="{F23BD060-4D41-439F-9D44-6BB3ECCAAA81}" type="parTrans" cxnId="{840224C8-2871-4923-93B4-499B44D2723A}">
+      <dgm:prSet/>
+      <dgm:spPr/>
+      <dgm:t>
+        <a:bodyPr/>
+        <a:lstStyle/>
+        <a:p>
+          <a:endParaRPr lang="en-US"/>
+        </a:p>
+      </dgm:t>
+    </dgm:pt>
+    <dgm:pt modelId="{DD634F61-F547-4687-9432-2EA22952E0E0}" type="sibTrans" cxnId="{840224C8-2871-4923-93B4-499B44D2723A}">
+      <dgm:prSet/>
+      <dgm:spPr/>
+      <dgm:t>
+        <a:bodyPr/>
+        <a:lstStyle/>
+        <a:p>
+          <a:endParaRPr lang="en-US"/>
+        </a:p>
+      </dgm:t>
+    </dgm:pt>
+    <dgm:pt modelId="{8485117E-84FB-4AC0-84B3-D99A21D09A23}">
+      <dgm:prSet/>
+      <dgm:spPr/>
+      <dgm:t>
+        <a:bodyPr/>
+        <a:lstStyle/>
+        <a:p>
+          <a:r>
+            <a:rPr lang="en-US" b="1"/>
+            <a:t>a European call.</a:t>
+          </a:r>
+          <a:endParaRPr lang="en-US"/>
+        </a:p>
+      </dgm:t>
+    </dgm:pt>
+    <dgm:pt modelId="{8A286B5D-5344-4525-91B9-88AC67AB374C}" type="parTrans" cxnId="{E3A86CB9-EB4F-404D-B93B-9C91333985EE}">
+      <dgm:prSet/>
+      <dgm:spPr/>
+      <dgm:t>
+        <a:bodyPr/>
+        <a:lstStyle/>
+        <a:p>
+          <a:endParaRPr lang="en-US"/>
+        </a:p>
+      </dgm:t>
+    </dgm:pt>
+    <dgm:pt modelId="{4DF74AD1-3633-480B-ACFF-0EA0CD9E672D}" type="sibTrans" cxnId="{E3A86CB9-EB4F-404D-B93B-9C91333985EE}">
+      <dgm:prSet/>
+      <dgm:spPr/>
+      <dgm:t>
+        <a:bodyPr/>
+        <a:lstStyle/>
+        <a:p>
+          <a:endParaRPr lang="en-US"/>
+        </a:p>
+      </dgm:t>
+    </dgm:pt>
+    <dgm:pt modelId="{285DEE00-3466-4A02-B97F-7B091B7A1EBA}">
+      <dgm:prSet/>
+      <dgm:spPr/>
+      <dgm:t>
+        <a:bodyPr/>
+        <a:lstStyle/>
+        <a:p>
+          <a:r>
+            <a:rPr lang="en-US" b="1"/>
+            <a:t>an American call.</a:t>
+          </a:r>
+          <a:endParaRPr lang="en-US"/>
+        </a:p>
+      </dgm:t>
+    </dgm:pt>
+    <dgm:pt modelId="{62AAD258-66F0-49F2-A7F1-A8FB9B252602}" type="parTrans" cxnId="{76343FCC-8842-4C5C-8C47-312607329FED}">
+      <dgm:prSet/>
+      <dgm:spPr/>
+      <dgm:t>
+        <a:bodyPr/>
+        <a:lstStyle/>
+        <a:p>
+          <a:endParaRPr lang="en-US"/>
+        </a:p>
+      </dgm:t>
+    </dgm:pt>
+    <dgm:pt modelId="{22AA7D12-A1F6-4EE3-A90A-8FA0E47C15F7}" type="sibTrans" cxnId="{76343FCC-8842-4C5C-8C47-312607329FED}">
+      <dgm:prSet/>
+      <dgm:spPr/>
+      <dgm:t>
+        <a:bodyPr/>
+        <a:lstStyle/>
+        <a:p>
+          <a:endParaRPr lang="en-US"/>
+        </a:p>
+      </dgm:t>
+    </dgm:pt>
+    <dgm:pt modelId="{CD36D044-47F6-BA4C-B7C5-E9DB54309CE0}" type="pres">
+      <dgm:prSet presAssocID="{E418CFBD-CBB0-47D4-90EA-7C86E66E0301}" presName="linear" presStyleCnt="0">
+        <dgm:presLayoutVars>
+          <dgm:animLvl val="lvl"/>
+          <dgm:resizeHandles val="exact"/>
+        </dgm:presLayoutVars>
+      </dgm:prSet>
+      <dgm:spPr/>
+    </dgm:pt>
+    <dgm:pt modelId="{0138728D-D5F6-AB4A-9EC0-B7EF4191F203}" type="pres">
+      <dgm:prSet presAssocID="{B4A4CC78-25E8-4AC4-B6C7-FEF8A2ACA6AA}" presName="parentText" presStyleLbl="node1" presStyleIdx="0" presStyleCnt="3">
+        <dgm:presLayoutVars>
+          <dgm:chMax val="0"/>
+          <dgm:bulletEnabled val="1"/>
+        </dgm:presLayoutVars>
+      </dgm:prSet>
+      <dgm:spPr/>
+    </dgm:pt>
+    <dgm:pt modelId="{6E81FE26-0174-494F-A8AC-03518D01DF5A}" type="pres">
+      <dgm:prSet presAssocID="{B4A4CC78-25E8-4AC4-B6C7-FEF8A2ACA6AA}" presName="childText" presStyleLbl="revTx" presStyleIdx="0" presStyleCnt="3">
+        <dgm:presLayoutVars>
+          <dgm:bulletEnabled val="1"/>
+        </dgm:presLayoutVars>
+      </dgm:prSet>
+      <dgm:spPr/>
+    </dgm:pt>
+    <dgm:pt modelId="{5077C554-23B0-B14D-871F-99A3D7E86E41}" type="pres">
+      <dgm:prSet presAssocID="{65BD45E1-9307-465A-854F-A47F4FA7D94A}" presName="parentText" presStyleLbl="node1" presStyleIdx="1" presStyleCnt="3">
+        <dgm:presLayoutVars>
+          <dgm:chMax val="0"/>
+          <dgm:bulletEnabled val="1"/>
+        </dgm:presLayoutVars>
+      </dgm:prSet>
+      <dgm:spPr/>
+    </dgm:pt>
+    <dgm:pt modelId="{BC7A51D8-329D-4148-A3CC-5E08CD64BDFD}" type="pres">
+      <dgm:prSet presAssocID="{65BD45E1-9307-465A-854F-A47F4FA7D94A}" presName="childText" presStyleLbl="revTx" presStyleIdx="1" presStyleCnt="3">
+        <dgm:presLayoutVars>
+          <dgm:bulletEnabled val="1"/>
+        </dgm:presLayoutVars>
+      </dgm:prSet>
+      <dgm:spPr/>
+    </dgm:pt>
+    <dgm:pt modelId="{BFAB45D7-86FF-2F4A-8BCB-FF9A2B3B2860}" type="pres">
+      <dgm:prSet presAssocID="{5FD280B5-9D57-41F5-B0DF-B73EEE094AB3}" presName="parentText" presStyleLbl="node1" presStyleIdx="2" presStyleCnt="3">
+        <dgm:presLayoutVars>
+          <dgm:chMax val="0"/>
+          <dgm:bulletEnabled val="1"/>
+        </dgm:presLayoutVars>
+      </dgm:prSet>
+      <dgm:spPr/>
+    </dgm:pt>
+    <dgm:pt modelId="{4E2EE375-77E8-344D-8FE3-6D408976901F}" type="pres">
+      <dgm:prSet presAssocID="{5FD280B5-9D57-41F5-B0DF-B73EEE094AB3}" presName="childText" presStyleLbl="revTx" presStyleIdx="2" presStyleCnt="3">
+        <dgm:presLayoutVars>
+          <dgm:bulletEnabled val="1"/>
+        </dgm:presLayoutVars>
+      </dgm:prSet>
+      <dgm:spPr/>
+    </dgm:pt>
+  </dgm:ptLst>
+  <dgm:cxnLst>
+    <dgm:cxn modelId="{42530606-509A-944D-865A-3358AD9B6EAA}" type="presOf" srcId="{F0CD77C1-F0A0-4FA0-B576-62AC4ECBCED2}" destId="{BC7A51D8-329D-4148-A3CC-5E08CD64BDFD}" srcOrd="0" destOrd="1" presId="urn:microsoft.com/office/officeart/2005/8/layout/vList2"/>
+    <dgm:cxn modelId="{19019B10-76C6-418B-BB58-1561B8793A17}" srcId="{65BD45E1-9307-465A-854F-A47F4FA7D94A}" destId="{F0CD77C1-F0A0-4FA0-B576-62AC4ECBCED2}" srcOrd="1" destOrd="0" parTransId="{32BC71AE-FF68-4432-81D1-617ED245CFE0}" sibTransId="{440D3ADC-9F08-4AEE-AA08-C6CAF5D6DC74}"/>
+    <dgm:cxn modelId="{F5195613-7273-4C60-B446-AE05BBCE3A5D}" srcId="{E418CFBD-CBB0-47D4-90EA-7C86E66E0301}" destId="{65BD45E1-9307-465A-854F-A47F4FA7D94A}" srcOrd="1" destOrd="0" parTransId="{BF5FBD6F-BC92-46DB-A188-DA880F917DF1}" sibTransId="{65CF21F6-5308-4221-AB9B-4784BFE07723}"/>
+    <dgm:cxn modelId="{CAE55517-4B8C-468B-B85F-9D3B6255A777}" srcId="{E418CFBD-CBB0-47D4-90EA-7C86E66E0301}" destId="{5FD280B5-9D57-41F5-B0DF-B73EEE094AB3}" srcOrd="2" destOrd="0" parTransId="{B37FE43B-EA42-45C0-AD7F-12D87C62B6F7}" sibTransId="{CF1EF2F7-229F-4499-8481-2C84E0732B33}"/>
+    <dgm:cxn modelId="{D4C8E319-E205-47E8-9189-02C0D5350924}" srcId="{65BD45E1-9307-465A-854F-A47F4FA7D94A}" destId="{9281FDA0-9717-409F-9B5C-7014F9F9DCEB}" srcOrd="2" destOrd="0" parTransId="{B65CEBED-53FC-4D73-8288-6FD7B95C4C52}" sibTransId="{7609E195-F745-4CE3-B355-AB3AA7D8DFC1}"/>
+    <dgm:cxn modelId="{0BB6291C-CCE6-473C-8FCA-034F23830519}" srcId="{B4A4CC78-25E8-4AC4-B6C7-FEF8A2ACA6AA}" destId="{625E143C-E6F5-4001-A4B7-E6AEEE28D32E}" srcOrd="1" destOrd="0" parTransId="{DFA3C56B-960E-45EC-9C94-890937FC52CC}" sibTransId="{29B77866-1946-477C-BF53-471A313E1E7F}"/>
+    <dgm:cxn modelId="{517C7821-8D1E-DD4E-AF92-8BE8E5CA35C5}" type="presOf" srcId="{B4A4CC78-25E8-4AC4-B6C7-FEF8A2ACA6AA}" destId="{0138728D-D5F6-AB4A-9EC0-B7EF4191F203}" srcOrd="0" destOrd="0" presId="urn:microsoft.com/office/officeart/2005/8/layout/vList2"/>
+    <dgm:cxn modelId="{AF33C521-71B0-4B68-A042-D5C4BD05A724}" srcId="{E418CFBD-CBB0-47D4-90EA-7C86E66E0301}" destId="{B4A4CC78-25E8-4AC4-B6C7-FEF8A2ACA6AA}" srcOrd="0" destOrd="0" parTransId="{85016B60-CA97-4D4D-A9E2-806B7E6A6D86}" sibTransId="{849FA569-BFE8-4BE4-8A3A-A15102DEE95C}"/>
+    <dgm:cxn modelId="{F6B99A3C-9076-364A-879D-12713B74FC7C}" type="presOf" srcId="{285DEE00-3466-4A02-B97F-7B091B7A1EBA}" destId="{4E2EE375-77E8-344D-8FE3-6D408976901F}" srcOrd="0" destOrd="2" presId="urn:microsoft.com/office/officeart/2005/8/layout/vList2"/>
+    <dgm:cxn modelId="{D85F8B50-D075-1442-9DF8-1563FD94E531}" type="presOf" srcId="{53EC224F-F0B0-410D-96A8-6BA533D08D48}" destId="{6E81FE26-0174-494F-A8AC-03518D01DF5A}" srcOrd="0" destOrd="2" presId="urn:microsoft.com/office/officeart/2005/8/layout/vList2"/>
+    <dgm:cxn modelId="{3D0EFB57-CF8C-5744-A774-55319E05AA6E}" type="presOf" srcId="{5BA6EAC7-5FD8-4F9E-BFE8-CEDE7CEDDF86}" destId="{4E2EE375-77E8-344D-8FE3-6D408976901F}" srcOrd="0" destOrd="0" presId="urn:microsoft.com/office/officeart/2005/8/layout/vList2"/>
+    <dgm:cxn modelId="{6C296F77-763A-1B49-8F08-91BDF5A82BE2}" type="presOf" srcId="{E418CFBD-CBB0-47D4-90EA-7C86E66E0301}" destId="{CD36D044-47F6-BA4C-B7C5-E9DB54309CE0}" srcOrd="0" destOrd="0" presId="urn:microsoft.com/office/officeart/2005/8/layout/vList2"/>
+    <dgm:cxn modelId="{6ED6F37E-7BEF-8D4E-AF20-2B418631C184}" type="presOf" srcId="{12E8DCDE-129C-4875-BF61-2B214BB7B4DE}" destId="{BC7A51D8-329D-4148-A3CC-5E08CD64BDFD}" srcOrd="0" destOrd="0" presId="urn:microsoft.com/office/officeart/2005/8/layout/vList2"/>
+    <dgm:cxn modelId="{59947886-8799-40C6-8A4C-8031E410CA52}" srcId="{B4A4CC78-25E8-4AC4-B6C7-FEF8A2ACA6AA}" destId="{E79D3704-2259-4A45-9208-E7E3B168D5A5}" srcOrd="0" destOrd="0" parTransId="{4878388E-DB59-439F-B6F3-5C85431A665D}" sibTransId="{19B403D0-6920-4A61-AAA1-3D5A9D371B3E}"/>
+    <dgm:cxn modelId="{754BA58A-DFAF-FD40-8071-91502A0354A9}" type="presOf" srcId="{8485117E-84FB-4AC0-84B3-D99A21D09A23}" destId="{4E2EE375-77E8-344D-8FE3-6D408976901F}" srcOrd="0" destOrd="1" presId="urn:microsoft.com/office/officeart/2005/8/layout/vList2"/>
+    <dgm:cxn modelId="{0D8EF697-BAF3-CB41-8C9D-EC2F1B4B3B74}" type="presOf" srcId="{65BD45E1-9307-465A-854F-A47F4FA7D94A}" destId="{5077C554-23B0-B14D-871F-99A3D7E86E41}" srcOrd="0" destOrd="0" presId="urn:microsoft.com/office/officeart/2005/8/layout/vList2"/>
+    <dgm:cxn modelId="{E168CAA3-26BC-47AE-88AC-DFB7CD2251EF}" srcId="{B4A4CC78-25E8-4AC4-B6C7-FEF8A2ACA6AA}" destId="{53EC224F-F0B0-410D-96A8-6BA533D08D48}" srcOrd="2" destOrd="0" parTransId="{67513B11-C926-4BB3-BADB-78FC17A851B4}" sibTransId="{758883EB-692F-4B3C-B77E-3D2A12CD721F}"/>
+    <dgm:cxn modelId="{14A7F4A3-D244-D944-A795-0AEB032D939D}" type="presOf" srcId="{5FD280B5-9D57-41F5-B0DF-B73EEE094AB3}" destId="{BFAB45D7-86FF-2F4A-8BCB-FF9A2B3B2860}" srcOrd="0" destOrd="0" presId="urn:microsoft.com/office/officeart/2005/8/layout/vList2"/>
+    <dgm:cxn modelId="{C608ECAD-7E94-41CC-A594-0A921AAAB0BC}" srcId="{65BD45E1-9307-465A-854F-A47F4FA7D94A}" destId="{12E8DCDE-129C-4875-BF61-2B214BB7B4DE}" srcOrd="0" destOrd="0" parTransId="{A8F4C52F-EBB9-4CB2-88A9-58A3A8D7A7FB}" sibTransId="{9BFB9506-CB37-4047-9CEC-9782BD39C069}"/>
+    <dgm:cxn modelId="{A031D4B1-5616-C341-82D2-EAAE94596C19}" type="presOf" srcId="{9281FDA0-9717-409F-9B5C-7014F9F9DCEB}" destId="{BC7A51D8-329D-4148-A3CC-5E08CD64BDFD}" srcOrd="0" destOrd="2" presId="urn:microsoft.com/office/officeart/2005/8/layout/vList2"/>
+    <dgm:cxn modelId="{E3A86CB9-EB4F-404D-B93B-9C91333985EE}" srcId="{5FD280B5-9D57-41F5-B0DF-B73EEE094AB3}" destId="{8485117E-84FB-4AC0-84B3-D99A21D09A23}" srcOrd="1" destOrd="0" parTransId="{8A286B5D-5344-4525-91B9-88AC67AB374C}" sibTransId="{4DF74AD1-3633-480B-ACFF-0EA0CD9E672D}"/>
+    <dgm:cxn modelId="{840224C8-2871-4923-93B4-499B44D2723A}" srcId="{5FD280B5-9D57-41F5-B0DF-B73EEE094AB3}" destId="{5BA6EAC7-5FD8-4F9E-BFE8-CEDE7CEDDF86}" srcOrd="0" destOrd="0" parTransId="{F23BD060-4D41-439F-9D44-6BB3ECCAAA81}" sibTransId="{DD634F61-F547-4687-9432-2EA22952E0E0}"/>
+    <dgm:cxn modelId="{57760FCB-9A86-F644-9EB5-67EB30C717A7}" type="presOf" srcId="{625E143C-E6F5-4001-A4B7-E6AEEE28D32E}" destId="{6E81FE26-0174-494F-A8AC-03518D01DF5A}" srcOrd="0" destOrd="1" presId="urn:microsoft.com/office/officeart/2005/8/layout/vList2"/>
+    <dgm:cxn modelId="{76343FCC-8842-4C5C-8C47-312607329FED}" srcId="{5FD280B5-9D57-41F5-B0DF-B73EEE094AB3}" destId="{285DEE00-3466-4A02-B97F-7B091B7A1EBA}" srcOrd="2" destOrd="0" parTransId="{62AAD258-66F0-49F2-A7F1-A8FB9B252602}" sibTransId="{22AA7D12-A1F6-4EE3-A90A-8FA0E47C15F7}"/>
+    <dgm:cxn modelId="{E60EC6D5-5D91-8D40-870F-613EA84CCFA5}" type="presOf" srcId="{E79D3704-2259-4A45-9208-E7E3B168D5A5}" destId="{6E81FE26-0174-494F-A8AC-03518D01DF5A}" srcOrd="0" destOrd="0" presId="urn:microsoft.com/office/officeart/2005/8/layout/vList2"/>
+    <dgm:cxn modelId="{C933C57E-40AE-FC4E-869E-20D4A5A39059}" type="presParOf" srcId="{CD36D044-47F6-BA4C-B7C5-E9DB54309CE0}" destId="{0138728D-D5F6-AB4A-9EC0-B7EF4191F203}" srcOrd="0" destOrd="0" presId="urn:microsoft.com/office/officeart/2005/8/layout/vList2"/>
+    <dgm:cxn modelId="{3F2848B6-45B9-6C4A-A1FD-3ABF2D86D227}" type="presParOf" srcId="{CD36D044-47F6-BA4C-B7C5-E9DB54309CE0}" destId="{6E81FE26-0174-494F-A8AC-03518D01DF5A}" srcOrd="1" destOrd="0" presId="urn:microsoft.com/office/officeart/2005/8/layout/vList2"/>
+    <dgm:cxn modelId="{FBB6D614-B4C5-3543-9F62-56898ADA0A1C}" type="presParOf" srcId="{CD36D044-47F6-BA4C-B7C5-E9DB54309CE0}" destId="{5077C554-23B0-B14D-871F-99A3D7E86E41}" srcOrd="2" destOrd="0" presId="urn:microsoft.com/office/officeart/2005/8/layout/vList2"/>
+    <dgm:cxn modelId="{90587FCF-2146-7747-9400-8774C86431A9}" type="presParOf" srcId="{CD36D044-47F6-BA4C-B7C5-E9DB54309CE0}" destId="{BC7A51D8-329D-4148-A3CC-5E08CD64BDFD}" srcOrd="3" destOrd="0" presId="urn:microsoft.com/office/officeart/2005/8/layout/vList2"/>
+    <dgm:cxn modelId="{2B67B379-7353-E141-BBE8-6B3F17E691E4}" type="presParOf" srcId="{CD36D044-47F6-BA4C-B7C5-E9DB54309CE0}" destId="{BFAB45D7-86FF-2F4A-8BCB-FF9A2B3B2860}" srcOrd="4" destOrd="0" presId="urn:microsoft.com/office/officeart/2005/8/layout/vList2"/>
+    <dgm:cxn modelId="{8C4C0031-3FC9-BB48-8B44-E81C57F4D01B}" type="presParOf" srcId="{CD36D044-47F6-BA4C-B7C5-E9DB54309CE0}" destId="{4E2EE375-77E8-344D-8FE3-6D408976901F}" srcOrd="5" destOrd="0" presId="urn:microsoft.com/office/officeart/2005/8/layout/vList2"/>
   </dgm:cxnLst>
   <dgm:bg/>
   <dgm:whole/>
@@ -2615,6 +3928,554 @@
 </dsp:drawing>
 </file>
 
+<file path=ppt/diagrams/drawing2.xml><?xml version="1.0" encoding="utf-8"?>
+<dsp:drawing xmlns:dgm="http://schemas.openxmlformats.org/drawingml/2006/diagram" xmlns:dsp="http://schemas.microsoft.com/office/drawing/2008/diagram" xmlns:a="http://schemas.openxmlformats.org/drawingml/2006/main">
+  <dsp:spTree>
+    <dsp:nvGrpSpPr>
+      <dsp:cNvPr id="0" name=""/>
+      <dsp:cNvGrpSpPr/>
+    </dsp:nvGrpSpPr>
+    <dsp:grpSpPr/>
+    <dsp:sp modelId="{0138728D-D5F6-AB4A-9EC0-B7EF4191F203}">
+      <dsp:nvSpPr>
+        <dsp:cNvPr id="0" name=""/>
+        <dsp:cNvSpPr/>
+      </dsp:nvSpPr>
+      <dsp:spPr>
+        <a:xfrm>
+          <a:off x="0" y="63359"/>
+          <a:ext cx="8018271" cy="501930"/>
+        </a:xfrm>
+        <a:prstGeom prst="roundRect">
+          <a:avLst/>
+        </a:prstGeom>
+        <a:solidFill>
+          <a:schemeClr val="accent1">
+            <a:hueOff val="0"/>
+            <a:satOff val="0"/>
+            <a:lumOff val="0"/>
+            <a:alphaOff val="0"/>
+          </a:schemeClr>
+        </a:solidFill>
+        <a:ln w="15875" cap="flat" cmpd="sng" algn="ctr">
+          <a:solidFill>
+            <a:schemeClr val="lt1">
+              <a:hueOff val="0"/>
+              <a:satOff val="0"/>
+              <a:lumOff val="0"/>
+              <a:alphaOff val="0"/>
+            </a:schemeClr>
+          </a:solidFill>
+          <a:prstDash val="solid"/>
+        </a:ln>
+        <a:effectLst/>
+      </dsp:spPr>
+      <dsp:style>
+        <a:lnRef idx="2">
+          <a:scrgbClr r="0" g="0" b="0"/>
+        </a:lnRef>
+        <a:fillRef idx="1">
+          <a:scrgbClr r="0" g="0" b="0"/>
+        </a:fillRef>
+        <a:effectRef idx="0">
+          <a:scrgbClr r="0" g="0" b="0"/>
+        </a:effectRef>
+        <a:fontRef idx="minor">
+          <a:schemeClr val="lt1"/>
+        </a:fontRef>
+      </dsp:style>
+      <dsp:txBody>
+        <a:bodyPr spcFirstLastPara="0" vert="horz" wrap="square" lIns="83820" tIns="83820" rIns="83820" bIns="83820" numCol="1" spcCol="1270" anchor="ctr" anchorCtr="0">
+          <a:noAutofit/>
+        </a:bodyPr>
+        <a:lstStyle/>
+        <a:p>
+          <a:pPr marL="0" lvl="0" indent="0" algn="l" defTabSz="977900">
+            <a:lnSpc>
+              <a:spcPct val="90000"/>
+            </a:lnSpc>
+            <a:spcBef>
+              <a:spcPct val="0"/>
+            </a:spcBef>
+            <a:spcAft>
+              <a:spcPct val="35000"/>
+            </a:spcAft>
+            <a:buNone/>
+          </a:pPr>
+          <a:r>
+            <a:rPr lang="en-US" sz="2200" kern="1200"/>
+            <a:t>1. The call protection period is:</a:t>
+          </a:r>
+        </a:p>
+      </dsp:txBody>
+      <dsp:txXfrm>
+        <a:off x="24502" y="87861"/>
+        <a:ext cx="7969267" cy="452926"/>
+      </dsp:txXfrm>
+    </dsp:sp>
+    <dsp:sp modelId="{6E81FE26-0174-494F-A8AC-03518D01DF5A}">
+      <dsp:nvSpPr>
+        <dsp:cNvPr id="0" name=""/>
+        <dsp:cNvSpPr/>
+      </dsp:nvSpPr>
+      <dsp:spPr>
+        <a:xfrm>
+          <a:off x="0" y="565289"/>
+          <a:ext cx="8018271" cy="796950"/>
+        </a:xfrm>
+        <a:prstGeom prst="rect">
+          <a:avLst/>
+        </a:prstGeom>
+        <a:noFill/>
+        <a:ln>
+          <a:noFill/>
+        </a:ln>
+        <a:effectLst/>
+      </dsp:spPr>
+      <dsp:style>
+        <a:lnRef idx="0">
+          <a:scrgbClr r="0" g="0" b="0"/>
+        </a:lnRef>
+        <a:fillRef idx="0">
+          <a:scrgbClr r="0" g="0" b="0"/>
+        </a:fillRef>
+        <a:effectRef idx="0">
+          <a:scrgbClr r="0" g="0" b="0"/>
+        </a:effectRef>
+        <a:fontRef idx="minor"/>
+      </dsp:style>
+      <dsp:txBody>
+        <a:bodyPr spcFirstLastPara="0" vert="horz" wrap="square" lIns="254580" tIns="27940" rIns="156464" bIns="27940" numCol="1" spcCol="1270" anchor="t" anchorCtr="0">
+          <a:noAutofit/>
+        </a:bodyPr>
+        <a:lstStyle/>
+        <a:p>
+          <a:pPr marL="171450" lvl="1" indent="-171450" algn="l" defTabSz="755650">
+            <a:lnSpc>
+              <a:spcPct val="90000"/>
+            </a:lnSpc>
+            <a:spcBef>
+              <a:spcPct val="0"/>
+            </a:spcBef>
+            <a:spcAft>
+              <a:spcPct val="20000"/>
+            </a:spcAft>
+            <a:buChar char="•"/>
+          </a:pPr>
+          <a:r>
+            <a:rPr lang="en-US" sz="1700" b="1" kern="1200"/>
+            <a:t>10 years.</a:t>
+          </a:r>
+          <a:endParaRPr lang="en-US" sz="1700" kern="1200"/>
+        </a:p>
+        <a:p>
+          <a:pPr marL="171450" lvl="1" indent="-171450" algn="l" defTabSz="755650">
+            <a:lnSpc>
+              <a:spcPct val="90000"/>
+            </a:lnSpc>
+            <a:spcBef>
+              <a:spcPct val="0"/>
+            </a:spcBef>
+            <a:spcAft>
+              <a:spcPct val="20000"/>
+            </a:spcAft>
+            <a:buChar char="•"/>
+          </a:pPr>
+          <a:r>
+            <a:rPr lang="en-US" sz="1700" b="1" kern="1200"/>
+            <a:t>11 years.</a:t>
+          </a:r>
+          <a:endParaRPr lang="en-US" sz="1700" kern="1200"/>
+        </a:p>
+        <a:p>
+          <a:pPr marL="171450" lvl="1" indent="-171450" algn="l" defTabSz="755650">
+            <a:lnSpc>
+              <a:spcPct val="90000"/>
+            </a:lnSpc>
+            <a:spcBef>
+              <a:spcPct val="0"/>
+            </a:spcBef>
+            <a:spcAft>
+              <a:spcPct val="20000"/>
+            </a:spcAft>
+            <a:buChar char="•"/>
+          </a:pPr>
+          <a:r>
+            <a:rPr lang="en-US" sz="1700" b="1" kern="1200"/>
+            <a:t>20 years.</a:t>
+          </a:r>
+          <a:endParaRPr lang="en-US" sz="1700" kern="1200"/>
+        </a:p>
+      </dsp:txBody>
+      <dsp:txXfrm>
+        <a:off x="0" y="565289"/>
+        <a:ext cx="8018271" cy="796950"/>
+      </dsp:txXfrm>
+    </dsp:sp>
+    <dsp:sp modelId="{5077C554-23B0-B14D-871F-99A3D7E86E41}">
+      <dsp:nvSpPr>
+        <dsp:cNvPr id="0" name=""/>
+        <dsp:cNvSpPr/>
+      </dsp:nvSpPr>
+      <dsp:spPr>
+        <a:xfrm>
+          <a:off x="0" y="1362239"/>
+          <a:ext cx="8018271" cy="501930"/>
+        </a:xfrm>
+        <a:prstGeom prst="roundRect">
+          <a:avLst/>
+        </a:prstGeom>
+        <a:solidFill>
+          <a:schemeClr val="accent1">
+            <a:hueOff val="0"/>
+            <a:satOff val="0"/>
+            <a:lumOff val="0"/>
+            <a:alphaOff val="0"/>
+          </a:schemeClr>
+        </a:solidFill>
+        <a:ln w="15875" cap="flat" cmpd="sng" algn="ctr">
+          <a:solidFill>
+            <a:schemeClr val="lt1">
+              <a:hueOff val="0"/>
+              <a:satOff val="0"/>
+              <a:lumOff val="0"/>
+              <a:alphaOff val="0"/>
+            </a:schemeClr>
+          </a:solidFill>
+          <a:prstDash val="solid"/>
+        </a:ln>
+        <a:effectLst/>
+      </dsp:spPr>
+      <dsp:style>
+        <a:lnRef idx="2">
+          <a:scrgbClr r="0" g="0" b="0"/>
+        </a:lnRef>
+        <a:fillRef idx="1">
+          <a:scrgbClr r="0" g="0" b="0"/>
+        </a:fillRef>
+        <a:effectRef idx="0">
+          <a:scrgbClr r="0" g="0" b="0"/>
+        </a:effectRef>
+        <a:fontRef idx="minor">
+          <a:schemeClr val="lt1"/>
+        </a:fontRef>
+      </dsp:style>
+      <dsp:txBody>
+        <a:bodyPr spcFirstLastPara="0" vert="horz" wrap="square" lIns="83820" tIns="83820" rIns="83820" bIns="83820" numCol="1" spcCol="1270" anchor="ctr" anchorCtr="0">
+          <a:noAutofit/>
+        </a:bodyPr>
+        <a:lstStyle/>
+        <a:p>
+          <a:pPr marL="0" lvl="0" indent="0" algn="l" defTabSz="977900">
+            <a:lnSpc>
+              <a:spcPct val="90000"/>
+            </a:lnSpc>
+            <a:spcBef>
+              <a:spcPct val="0"/>
+            </a:spcBef>
+            <a:spcAft>
+              <a:spcPct val="35000"/>
+            </a:spcAft>
+            <a:buNone/>
+          </a:pPr>
+          <a:r>
+            <a:rPr lang="en-US" sz="2200" kern="1200"/>
+            <a:t>2. The call premium (per $1,000 in par value) in 2033 is closest to:</a:t>
+          </a:r>
+        </a:p>
+      </dsp:txBody>
+      <dsp:txXfrm>
+        <a:off x="24502" y="1386741"/>
+        <a:ext cx="7969267" cy="452926"/>
+      </dsp:txXfrm>
+    </dsp:sp>
+    <dsp:sp modelId="{BC7A51D8-329D-4148-A3CC-5E08CD64BDFD}">
+      <dsp:nvSpPr>
+        <dsp:cNvPr id="0" name=""/>
+        <dsp:cNvSpPr/>
+      </dsp:nvSpPr>
+      <dsp:spPr>
+        <a:xfrm>
+          <a:off x="0" y="1864170"/>
+          <a:ext cx="8018271" cy="796950"/>
+        </a:xfrm>
+        <a:prstGeom prst="rect">
+          <a:avLst/>
+        </a:prstGeom>
+        <a:noFill/>
+        <a:ln>
+          <a:noFill/>
+        </a:ln>
+        <a:effectLst/>
+      </dsp:spPr>
+      <dsp:style>
+        <a:lnRef idx="0">
+          <a:scrgbClr r="0" g="0" b="0"/>
+        </a:lnRef>
+        <a:fillRef idx="0">
+          <a:scrgbClr r="0" g="0" b="0"/>
+        </a:fillRef>
+        <a:effectRef idx="0">
+          <a:scrgbClr r="0" g="0" b="0"/>
+        </a:effectRef>
+        <a:fontRef idx="minor"/>
+      </dsp:style>
+      <dsp:txBody>
+        <a:bodyPr spcFirstLastPara="0" vert="horz" wrap="square" lIns="254580" tIns="27940" rIns="156464" bIns="27940" numCol="1" spcCol="1270" anchor="t" anchorCtr="0">
+          <a:noAutofit/>
+        </a:bodyPr>
+        <a:lstStyle/>
+        <a:p>
+          <a:pPr marL="171450" lvl="1" indent="-171450" algn="l" defTabSz="755650">
+            <a:lnSpc>
+              <a:spcPct val="90000"/>
+            </a:lnSpc>
+            <a:spcBef>
+              <a:spcPct val="0"/>
+            </a:spcBef>
+            <a:spcAft>
+              <a:spcPct val="20000"/>
+            </a:spcAft>
+            <a:buChar char="•"/>
+          </a:pPr>
+          <a:r>
+            <a:rPr lang="en-US" sz="1700" b="1" kern="1200"/>
+            <a:t>$2.32.</a:t>
+          </a:r>
+          <a:endParaRPr lang="en-US" sz="1700" kern="1200"/>
+        </a:p>
+        <a:p>
+          <a:pPr marL="171450" lvl="1" indent="-171450" algn="l" defTabSz="755650">
+            <a:lnSpc>
+              <a:spcPct val="90000"/>
+            </a:lnSpc>
+            <a:spcBef>
+              <a:spcPct val="0"/>
+            </a:spcBef>
+            <a:spcAft>
+              <a:spcPct val="20000"/>
+            </a:spcAft>
+            <a:buChar char="•"/>
+          </a:pPr>
+          <a:r>
+            <a:rPr lang="en-US" sz="1700" b="1" kern="1200"/>
+            <a:t>$23.22.</a:t>
+          </a:r>
+          <a:endParaRPr lang="en-US" sz="1700" kern="1200"/>
+        </a:p>
+        <a:p>
+          <a:pPr marL="171450" lvl="1" indent="-171450" algn="l" defTabSz="755650">
+            <a:lnSpc>
+              <a:spcPct val="90000"/>
+            </a:lnSpc>
+            <a:spcBef>
+              <a:spcPct val="0"/>
+            </a:spcBef>
+            <a:spcAft>
+              <a:spcPct val="20000"/>
+            </a:spcAft>
+            <a:buChar char="•"/>
+          </a:pPr>
+          <a:r>
+            <a:rPr lang="en-US" sz="1700" b="1" kern="1200"/>
+            <a:t>$45.14.</a:t>
+          </a:r>
+          <a:endParaRPr lang="en-US" sz="1700" kern="1200"/>
+        </a:p>
+      </dsp:txBody>
+      <dsp:txXfrm>
+        <a:off x="0" y="1864170"/>
+        <a:ext cx="8018271" cy="796950"/>
+      </dsp:txXfrm>
+    </dsp:sp>
+    <dsp:sp modelId="{BFAB45D7-86FF-2F4A-8BCB-FF9A2B3B2860}">
+      <dsp:nvSpPr>
+        <dsp:cNvPr id="0" name=""/>
+        <dsp:cNvSpPr/>
+      </dsp:nvSpPr>
+      <dsp:spPr>
+        <a:xfrm>
+          <a:off x="0" y="2661120"/>
+          <a:ext cx="8018271" cy="501930"/>
+        </a:xfrm>
+        <a:prstGeom prst="roundRect">
+          <a:avLst/>
+        </a:prstGeom>
+        <a:solidFill>
+          <a:schemeClr val="accent1">
+            <a:hueOff val="0"/>
+            <a:satOff val="0"/>
+            <a:lumOff val="0"/>
+            <a:alphaOff val="0"/>
+          </a:schemeClr>
+        </a:solidFill>
+        <a:ln w="15875" cap="flat" cmpd="sng" algn="ctr">
+          <a:solidFill>
+            <a:schemeClr val="lt1">
+              <a:hueOff val="0"/>
+              <a:satOff val="0"/>
+              <a:lumOff val="0"/>
+              <a:alphaOff val="0"/>
+            </a:schemeClr>
+          </a:solidFill>
+          <a:prstDash val="solid"/>
+        </a:ln>
+        <a:effectLst/>
+      </dsp:spPr>
+      <dsp:style>
+        <a:lnRef idx="2">
+          <a:scrgbClr r="0" g="0" b="0"/>
+        </a:lnRef>
+        <a:fillRef idx="1">
+          <a:scrgbClr r="0" g="0" b="0"/>
+        </a:fillRef>
+        <a:effectRef idx="0">
+          <a:scrgbClr r="0" g="0" b="0"/>
+        </a:effectRef>
+        <a:fontRef idx="minor">
+          <a:schemeClr val="lt1"/>
+        </a:fontRef>
+      </dsp:style>
+      <dsp:txBody>
+        <a:bodyPr spcFirstLastPara="0" vert="horz" wrap="square" lIns="83820" tIns="83820" rIns="83820" bIns="83820" numCol="1" spcCol="1270" anchor="ctr" anchorCtr="0">
+          <a:noAutofit/>
+        </a:bodyPr>
+        <a:lstStyle/>
+        <a:p>
+          <a:pPr marL="0" lvl="0" indent="0" algn="l" defTabSz="977900">
+            <a:lnSpc>
+              <a:spcPct val="90000"/>
+            </a:lnSpc>
+            <a:spcBef>
+              <a:spcPct val="0"/>
+            </a:spcBef>
+            <a:spcAft>
+              <a:spcPct val="35000"/>
+            </a:spcAft>
+            <a:buNone/>
+          </a:pPr>
+          <a:r>
+            <a:rPr lang="en-US" sz="2200" kern="1200"/>
+            <a:t>3. The call provision is </a:t>
+          </a:r>
+          <a:r>
+            <a:rPr lang="en-US" sz="2200" i="1" kern="1200"/>
+            <a:t>most likely</a:t>
+          </a:r>
+          <a:r>
+            <a:rPr lang="en-US" sz="2200" kern="1200"/>
+            <a:t>:</a:t>
+          </a:r>
+        </a:p>
+      </dsp:txBody>
+      <dsp:txXfrm>
+        <a:off x="24502" y="2685622"/>
+        <a:ext cx="7969267" cy="452926"/>
+      </dsp:txXfrm>
+    </dsp:sp>
+    <dsp:sp modelId="{4E2EE375-77E8-344D-8FE3-6D408976901F}">
+      <dsp:nvSpPr>
+        <dsp:cNvPr id="0" name=""/>
+        <dsp:cNvSpPr/>
+      </dsp:nvSpPr>
+      <dsp:spPr>
+        <a:xfrm>
+          <a:off x="0" y="3163050"/>
+          <a:ext cx="8018271" cy="796950"/>
+        </a:xfrm>
+        <a:prstGeom prst="rect">
+          <a:avLst/>
+        </a:prstGeom>
+        <a:noFill/>
+        <a:ln>
+          <a:noFill/>
+        </a:ln>
+        <a:effectLst/>
+      </dsp:spPr>
+      <dsp:style>
+        <a:lnRef idx="0">
+          <a:scrgbClr r="0" g="0" b="0"/>
+        </a:lnRef>
+        <a:fillRef idx="0">
+          <a:scrgbClr r="0" g="0" b="0"/>
+        </a:fillRef>
+        <a:effectRef idx="0">
+          <a:scrgbClr r="0" g="0" b="0"/>
+        </a:effectRef>
+        <a:fontRef idx="minor"/>
+      </dsp:style>
+      <dsp:txBody>
+        <a:bodyPr spcFirstLastPara="0" vert="horz" wrap="square" lIns="254580" tIns="27940" rIns="156464" bIns="27940" numCol="1" spcCol="1270" anchor="t" anchorCtr="0">
+          <a:noAutofit/>
+        </a:bodyPr>
+        <a:lstStyle/>
+        <a:p>
+          <a:pPr marL="171450" lvl="1" indent="-171450" algn="l" defTabSz="755650">
+            <a:lnSpc>
+              <a:spcPct val="90000"/>
+            </a:lnSpc>
+            <a:spcBef>
+              <a:spcPct val="0"/>
+            </a:spcBef>
+            <a:spcAft>
+              <a:spcPct val="20000"/>
+            </a:spcAft>
+            <a:buChar char="•"/>
+          </a:pPr>
+          <a:r>
+            <a:rPr lang="en-US" sz="1700" b="1" kern="1200"/>
+            <a:t>a Bermuda call.</a:t>
+          </a:r>
+          <a:endParaRPr lang="en-US" sz="1700" kern="1200"/>
+        </a:p>
+        <a:p>
+          <a:pPr marL="171450" lvl="1" indent="-171450" algn="l" defTabSz="755650">
+            <a:lnSpc>
+              <a:spcPct val="90000"/>
+            </a:lnSpc>
+            <a:spcBef>
+              <a:spcPct val="0"/>
+            </a:spcBef>
+            <a:spcAft>
+              <a:spcPct val="20000"/>
+            </a:spcAft>
+            <a:buChar char="•"/>
+          </a:pPr>
+          <a:r>
+            <a:rPr lang="en-US" sz="1700" b="1" kern="1200"/>
+            <a:t>a European call.</a:t>
+          </a:r>
+          <a:endParaRPr lang="en-US" sz="1700" kern="1200"/>
+        </a:p>
+        <a:p>
+          <a:pPr marL="171450" lvl="1" indent="-171450" algn="l" defTabSz="755650">
+            <a:lnSpc>
+              <a:spcPct val="90000"/>
+            </a:lnSpc>
+            <a:spcBef>
+              <a:spcPct val="0"/>
+            </a:spcBef>
+            <a:spcAft>
+              <a:spcPct val="20000"/>
+            </a:spcAft>
+            <a:buChar char="•"/>
+          </a:pPr>
+          <a:r>
+            <a:rPr lang="en-US" sz="1700" b="1" kern="1200"/>
+            <a:t>an American call.</a:t>
+          </a:r>
+          <a:endParaRPr lang="en-US" sz="1700" kern="1200"/>
+        </a:p>
+      </dsp:txBody>
+      <dsp:txXfrm>
+        <a:off x="0" y="3163050"/>
+        <a:ext cx="8018271" cy="796950"/>
+      </dsp:txXfrm>
+    </dsp:sp>
+  </dsp:spTree>
+</dsp:drawing>
+</file>
+
 <file path=ppt/diagrams/layout1.xml><?xml version="1.0" encoding="utf-8"?>
 <dgm:layoutDef xmlns:dgm="http://schemas.openxmlformats.org/drawingml/2006/diagram" xmlns:a="http://schemas.openxmlformats.org/drawingml/2006/main" uniqueId="urn:microsoft.com/office/officeart/2018/2/layout/IconVerticalSolidList">
   <dgm:title val="Icon Vertical Solid List"/>
@@ -2909,7 +4770,1208 @@
 </dgm:layoutDef>
 </file>
 
+<file path=ppt/diagrams/layout2.xml><?xml version="1.0" encoding="utf-8"?>
+<dgm:layoutDef xmlns:dgm="http://schemas.openxmlformats.org/drawingml/2006/diagram" xmlns:a="http://schemas.openxmlformats.org/drawingml/2006/main" uniqueId="urn:microsoft.com/office/officeart/2005/8/layout/vList2">
+  <dgm:title val=""/>
+  <dgm:desc val=""/>
+  <dgm:catLst>
+    <dgm:cat type="list" pri="3000"/>
+    <dgm:cat type="convert" pri="1000"/>
+  </dgm:catLst>
+  <dgm:sampData>
+    <dgm:dataModel>
+      <dgm:ptLst>
+        <dgm:pt modelId="0" type="doc"/>
+        <dgm:pt modelId="1">
+          <dgm:prSet phldr="1"/>
+        </dgm:pt>
+        <dgm:pt modelId="11">
+          <dgm:prSet phldr="1"/>
+        </dgm:pt>
+        <dgm:pt modelId="2">
+          <dgm:prSet phldr="1"/>
+        </dgm:pt>
+        <dgm:pt modelId="21">
+          <dgm:prSet phldr="1"/>
+        </dgm:pt>
+      </dgm:ptLst>
+      <dgm:cxnLst>
+        <dgm:cxn modelId="4" srcId="0" destId="1" srcOrd="0" destOrd="0"/>
+        <dgm:cxn modelId="5" srcId="0" destId="2" srcOrd="1" destOrd="0"/>
+        <dgm:cxn modelId="12" srcId="1" destId="11" srcOrd="0" destOrd="0"/>
+        <dgm:cxn modelId="23" srcId="2" destId="21" srcOrd="0" destOrd="0"/>
+      </dgm:cxnLst>
+      <dgm:bg/>
+      <dgm:whole/>
+    </dgm:dataModel>
+  </dgm:sampData>
+  <dgm:styleData>
+    <dgm:dataModel>
+      <dgm:ptLst>
+        <dgm:pt modelId="0" type="doc"/>
+        <dgm:pt modelId="1"/>
+        <dgm:pt modelId="2"/>
+      </dgm:ptLst>
+      <dgm:cxnLst>
+        <dgm:cxn modelId="3" srcId="0" destId="1" srcOrd="0" destOrd="0"/>
+        <dgm:cxn modelId="4" srcId="0" destId="2" srcOrd="1" destOrd="0"/>
+      </dgm:cxnLst>
+      <dgm:bg/>
+      <dgm:whole/>
+    </dgm:dataModel>
+  </dgm:styleData>
+  <dgm:clrData>
+    <dgm:dataModel>
+      <dgm:ptLst>
+        <dgm:pt modelId="0" type="doc"/>
+        <dgm:pt modelId="1"/>
+        <dgm:pt modelId="2"/>
+        <dgm:pt modelId="3"/>
+        <dgm:pt modelId="4"/>
+      </dgm:ptLst>
+      <dgm:cxnLst>
+        <dgm:cxn modelId="5" srcId="0" destId="1" srcOrd="0" destOrd="0"/>
+        <dgm:cxn modelId="6" srcId="0" destId="2" srcOrd="1" destOrd="0"/>
+        <dgm:cxn modelId="7" srcId="0" destId="3" srcOrd="2" destOrd="0"/>
+        <dgm:cxn modelId="8" srcId="0" destId="4" srcOrd="3" destOrd="0"/>
+      </dgm:cxnLst>
+      <dgm:bg/>
+      <dgm:whole/>
+    </dgm:dataModel>
+  </dgm:clrData>
+  <dgm:layoutNode name="linear">
+    <dgm:varLst>
+      <dgm:animLvl val="lvl"/>
+      <dgm:resizeHandles val="exact"/>
+    </dgm:varLst>
+    <dgm:alg type="lin">
+      <dgm:param type="linDir" val="fromT"/>
+      <dgm:param type="vertAlign" val="mid"/>
+    </dgm:alg>
+    <dgm:shape xmlns:r="http://schemas.openxmlformats.org/officeDocument/2006/relationships" r:blip="">
+      <dgm:adjLst/>
+    </dgm:shape>
+    <dgm:presOf/>
+    <dgm:constrLst>
+      <dgm:constr type="w" for="ch" forName="parentText" refType="w"/>
+      <dgm:constr type="h" for="ch" forName="parentText" refType="primFontSz" refFor="ch" refForName="parentText" fact="0.52"/>
+      <dgm:constr type="w" for="ch" forName="childText" refType="w"/>
+      <dgm:constr type="h" for="ch" forName="childText" refType="primFontSz" refFor="ch" refForName="parentText" fact="0.46"/>
+      <dgm:constr type="h" for="ch" forName="parentText" op="equ"/>
+      <dgm:constr type="primFontSz" for="ch" forName="parentText" op="equ" val="65"/>
+      <dgm:constr type="primFontSz" for="ch" forName="childText" refType="primFontSz" refFor="ch" refForName="parentText" op="equ"/>
+      <dgm:constr type="h" for="ch" forName="spacer" refType="primFontSz" refFor="ch" refForName="parentText" fact="0.08"/>
+    </dgm:constrLst>
+    <dgm:ruleLst>
+      <dgm:rule type="primFontSz" for="ch" forName="parentText" val="5" fact="NaN" max="NaN"/>
+    </dgm:ruleLst>
+    <dgm:forEach name="Name0" axis="ch" ptType="node">
+      <dgm:layoutNode name="parentText" styleLbl="node1">
+        <dgm:varLst>
+          <dgm:chMax val="0"/>
+          <dgm:bulletEnabled val="1"/>
+        </dgm:varLst>
+        <dgm:alg type="tx">
+          <dgm:param type="parTxLTRAlign" val="l"/>
+          <dgm:param type="parTxRTLAlign" val="r"/>
+        </dgm:alg>
+        <dgm:shape xmlns:r="http://schemas.openxmlformats.org/officeDocument/2006/relationships" type="roundRect" r:blip="">
+          <dgm:adjLst/>
+        </dgm:shape>
+        <dgm:presOf axis="self"/>
+        <dgm:constrLst>
+          <dgm:constr type="tMarg" refType="primFontSz" fact="0.3"/>
+          <dgm:constr type="bMarg" refType="primFontSz" fact="0.3"/>
+          <dgm:constr type="lMarg" refType="primFontSz" fact="0.3"/>
+          <dgm:constr type="rMarg" refType="primFontSz" fact="0.3"/>
+        </dgm:constrLst>
+        <dgm:ruleLst>
+          <dgm:rule type="h" val="INF" fact="NaN" max="NaN"/>
+        </dgm:ruleLst>
+      </dgm:layoutNode>
+      <dgm:choose name="Name1">
+        <dgm:if name="Name2" axis="ch" ptType="node" func="cnt" op="gte" val="1">
+          <dgm:layoutNode name="childText" styleLbl="revTx">
+            <dgm:varLst>
+              <dgm:bulletEnabled val="1"/>
+            </dgm:varLst>
+            <dgm:alg type="tx">
+              <dgm:param type="stBulletLvl" val="1"/>
+              <dgm:param type="lnSpAfChP" val="20"/>
+            </dgm:alg>
+            <dgm:shape xmlns:r="http://schemas.openxmlformats.org/officeDocument/2006/relationships" type="rect" r:blip="">
+              <dgm:adjLst/>
+            </dgm:shape>
+            <dgm:presOf axis="des" ptType="node"/>
+            <dgm:constrLst>
+              <dgm:constr type="tMarg" refType="primFontSz" fact="0.1"/>
+              <dgm:constr type="bMarg" refType="primFontSz" fact="0.1"/>
+              <dgm:constr type="lMarg" refType="w" fact="0.09"/>
+            </dgm:constrLst>
+            <dgm:ruleLst>
+              <dgm:rule type="h" val="INF" fact="NaN" max="NaN"/>
+            </dgm:ruleLst>
+          </dgm:layoutNode>
+        </dgm:if>
+        <dgm:else name="Name3">
+          <dgm:choose name="Name4">
+            <dgm:if name="Name5" axis="par ch" ptType="doc node" func="cnt" op="gte" val="2">
+              <dgm:forEach name="Name6" axis="followSib" ptType="sibTrans" cnt="1">
+                <dgm:layoutNode name="spacer">
+                  <dgm:alg type="sp"/>
+                  <dgm:shape xmlns:r="http://schemas.openxmlformats.org/officeDocument/2006/relationships" r:blip="">
+                    <dgm:adjLst/>
+                  </dgm:shape>
+                  <dgm:presOf/>
+                  <dgm:constrLst/>
+                  <dgm:ruleLst/>
+                </dgm:layoutNode>
+              </dgm:forEach>
+            </dgm:if>
+            <dgm:else name="Name7"/>
+          </dgm:choose>
+        </dgm:else>
+      </dgm:choose>
+    </dgm:forEach>
+  </dgm:layoutNode>
+</dgm:layoutDef>
+</file>
+
 <file path=ppt/diagrams/quickStyle1.xml><?xml version="1.0" encoding="utf-8"?>
+<dgm:styleDef xmlns:dgm="http://schemas.openxmlformats.org/drawingml/2006/diagram" xmlns:a="http://schemas.openxmlformats.org/drawingml/2006/main" uniqueId="urn:microsoft.com/office/officeart/2005/8/quickstyle/simple1">
+  <dgm:title val=""/>
+  <dgm:desc val=""/>
+  <dgm:catLst>
+    <dgm:cat type="simple" pri="10100"/>
+  </dgm:catLst>
+  <dgm:scene3d>
+    <a:camera prst="orthographicFront"/>
+    <a:lightRig rig="threePt" dir="t"/>
+  </dgm:scene3d>
+  <dgm:styleLbl name="node0">
+    <dgm:scene3d>
+      <a:camera prst="orthographicFront"/>
+      <a:lightRig rig="threePt" dir="t"/>
+    </dgm:scene3d>
+    <dgm:sp3d/>
+    <dgm:txPr/>
+    <dgm:style>
+      <a:lnRef idx="2">
+        <a:scrgbClr r="0" g="0" b="0"/>
+      </a:lnRef>
+      <a:fillRef idx="1">
+        <a:scrgbClr r="0" g="0" b="0"/>
+      </a:fillRef>
+      <a:effectRef idx="0">
+        <a:scrgbClr r="0" g="0" b="0"/>
+      </a:effectRef>
+      <a:fontRef idx="minor">
+        <a:schemeClr val="lt1"/>
+      </a:fontRef>
+    </dgm:style>
+  </dgm:styleLbl>
+  <dgm:styleLbl name="lnNode1">
+    <dgm:scene3d>
+      <a:camera prst="orthographicFront"/>
+      <a:lightRig rig="threePt" dir="t"/>
+    </dgm:scene3d>
+    <dgm:sp3d/>
+    <dgm:txPr/>
+    <dgm:style>
+      <a:lnRef idx="2">
+        <a:scrgbClr r="0" g="0" b="0"/>
+      </a:lnRef>
+      <a:fillRef idx="1">
+        <a:scrgbClr r="0" g="0" b="0"/>
+      </a:fillRef>
+      <a:effectRef idx="0">
+        <a:scrgbClr r="0" g="0" b="0"/>
+      </a:effectRef>
+      <a:fontRef idx="minor">
+        <a:schemeClr val="lt1"/>
+      </a:fontRef>
+    </dgm:style>
+  </dgm:styleLbl>
+  <dgm:styleLbl name="vennNode1">
+    <dgm:scene3d>
+      <a:camera prst="orthographicFront"/>
+      <a:lightRig rig="threePt" dir="t"/>
+    </dgm:scene3d>
+    <dgm:sp3d/>
+    <dgm:txPr/>
+    <dgm:style>
+      <a:lnRef idx="2">
+        <a:scrgbClr r="0" g="0" b="0"/>
+      </a:lnRef>
+      <a:fillRef idx="1">
+        <a:scrgbClr r="0" g="0" b="0"/>
+      </a:fillRef>
+      <a:effectRef idx="0">
+        <a:scrgbClr r="0" g="0" b="0"/>
+      </a:effectRef>
+      <a:fontRef idx="minor">
+        <a:schemeClr val="tx1"/>
+      </a:fontRef>
+    </dgm:style>
+  </dgm:styleLbl>
+  <dgm:styleLbl name="alignNode1">
+    <dgm:scene3d>
+      <a:camera prst="orthographicFront"/>
+      <a:lightRig rig="threePt" dir="t"/>
+    </dgm:scene3d>
+    <dgm:sp3d/>
+    <dgm:txPr/>
+    <dgm:style>
+      <a:lnRef idx="2">
+        <a:scrgbClr r="0" g="0" b="0"/>
+      </a:lnRef>
+      <a:fillRef idx="1">
+        <a:scrgbClr r="0" g="0" b="0"/>
+      </a:fillRef>
+      <a:effectRef idx="0">
+        <a:scrgbClr r="0" g="0" b="0"/>
+      </a:effectRef>
+      <a:fontRef idx="minor">
+        <a:schemeClr val="lt1"/>
+      </a:fontRef>
+    </dgm:style>
+  </dgm:styleLbl>
+  <dgm:styleLbl name="node1">
+    <dgm:scene3d>
+      <a:camera prst="orthographicFront"/>
+      <a:lightRig rig="threePt" dir="t"/>
+    </dgm:scene3d>
+    <dgm:sp3d/>
+    <dgm:txPr/>
+    <dgm:style>
+      <a:lnRef idx="2">
+        <a:scrgbClr r="0" g="0" b="0"/>
+      </a:lnRef>
+      <a:fillRef idx="1">
+        <a:scrgbClr r="0" g="0" b="0"/>
+      </a:fillRef>
+      <a:effectRef idx="0">
+        <a:scrgbClr r="0" g="0" b="0"/>
+      </a:effectRef>
+      <a:fontRef idx="minor">
+        <a:schemeClr val="lt1"/>
+      </a:fontRef>
+    </dgm:style>
+  </dgm:styleLbl>
+  <dgm:styleLbl name="node2">
+    <dgm:scene3d>
+      <a:camera prst="orthographicFront"/>
+      <a:lightRig rig="threePt" dir="t"/>
+    </dgm:scene3d>
+    <dgm:sp3d/>
+    <dgm:txPr/>
+    <dgm:style>
+      <a:lnRef idx="2">
+        <a:scrgbClr r="0" g="0" b="0"/>
+      </a:lnRef>
+      <a:fillRef idx="1">
+        <a:scrgbClr r="0" g="0" b="0"/>
+      </a:fillRef>
+      <a:effectRef idx="0">
+        <a:scrgbClr r="0" g="0" b="0"/>
+      </a:effectRef>
+      <a:fontRef idx="minor">
+        <a:schemeClr val="lt1"/>
+      </a:fontRef>
+    </dgm:style>
+  </dgm:styleLbl>
+  <dgm:styleLbl name="node3">
+    <dgm:scene3d>
+      <a:camera prst="orthographicFront"/>
+      <a:lightRig rig="threePt" dir="t"/>
+    </dgm:scene3d>
+    <dgm:sp3d/>
+    <dgm:txPr/>
+    <dgm:style>
+      <a:lnRef idx="2">
+        <a:scrgbClr r="0" g="0" b="0"/>
+      </a:lnRef>
+      <a:fillRef idx="1">
+        <a:scrgbClr r="0" g="0" b="0"/>
+      </a:fillRef>
+      <a:effectRef idx="0">
+        <a:scrgbClr r="0" g="0" b="0"/>
+      </a:effectRef>
+      <a:fontRef idx="minor">
+        <a:schemeClr val="lt1"/>
+      </a:fontRef>
+    </dgm:style>
+  </dgm:styleLbl>
+  <dgm:styleLbl name="node4">
+    <dgm:scene3d>
+      <a:camera prst="orthographicFront"/>
+      <a:lightRig rig="threePt" dir="t"/>
+    </dgm:scene3d>
+    <dgm:sp3d/>
+    <dgm:txPr/>
+    <dgm:style>
+      <a:lnRef idx="2">
+        <a:scrgbClr r="0" g="0" b="0"/>
+      </a:lnRef>
+      <a:fillRef idx="1">
+        <a:scrgbClr r="0" g="0" b="0"/>
+      </a:fillRef>
+      <a:effectRef idx="0">
+        <a:scrgbClr r="0" g="0" b="0"/>
+      </a:effectRef>
+      <a:fontRef idx="minor">
+        <a:schemeClr val="lt1"/>
+      </a:fontRef>
+    </dgm:style>
+  </dgm:styleLbl>
+  <dgm:styleLbl name="fgImgPlace1">
+    <dgm:scene3d>
+      <a:camera prst="orthographicFront"/>
+      <a:lightRig rig="threePt" dir="t"/>
+    </dgm:scene3d>
+    <dgm:sp3d/>
+    <dgm:txPr/>
+    <dgm:style>
+      <a:lnRef idx="2">
+        <a:scrgbClr r="0" g="0" b="0"/>
+      </a:lnRef>
+      <a:fillRef idx="1">
+        <a:scrgbClr r="0" g="0" b="0"/>
+      </a:fillRef>
+      <a:effectRef idx="0">
+        <a:scrgbClr r="0" g="0" b="0"/>
+      </a:effectRef>
+      <a:fontRef idx="minor"/>
+    </dgm:style>
+  </dgm:styleLbl>
+  <dgm:styleLbl name="alignImgPlace1">
+    <dgm:scene3d>
+      <a:camera prst="orthographicFront"/>
+      <a:lightRig rig="threePt" dir="t"/>
+    </dgm:scene3d>
+    <dgm:sp3d/>
+    <dgm:txPr/>
+    <dgm:style>
+      <a:lnRef idx="2">
+        <a:scrgbClr r="0" g="0" b="0"/>
+      </a:lnRef>
+      <a:fillRef idx="1">
+        <a:scrgbClr r="0" g="0" b="0"/>
+      </a:fillRef>
+      <a:effectRef idx="0">
+        <a:scrgbClr r="0" g="0" b="0"/>
+      </a:effectRef>
+      <a:fontRef idx="minor"/>
+    </dgm:style>
+  </dgm:styleLbl>
+  <dgm:styleLbl name="bgImgPlace1">
+    <dgm:scene3d>
+      <a:camera prst="orthographicFront"/>
+      <a:lightRig rig="threePt" dir="t"/>
+    </dgm:scene3d>
+    <dgm:sp3d/>
+    <dgm:txPr/>
+    <dgm:style>
+      <a:lnRef idx="2">
+        <a:scrgbClr r="0" g="0" b="0"/>
+      </a:lnRef>
+      <a:fillRef idx="1">
+        <a:scrgbClr r="0" g="0" b="0"/>
+      </a:fillRef>
+      <a:effectRef idx="0">
+        <a:scrgbClr r="0" g="0" b="0"/>
+      </a:effectRef>
+      <a:fontRef idx="minor"/>
+    </dgm:style>
+  </dgm:styleLbl>
+  <dgm:styleLbl name="sibTrans2D1">
+    <dgm:scene3d>
+      <a:camera prst="orthographicFront"/>
+      <a:lightRig rig="threePt" dir="t"/>
+    </dgm:scene3d>
+    <dgm:sp3d/>
+    <dgm:txPr/>
+    <dgm:style>
+      <a:lnRef idx="0">
+        <a:scrgbClr r="0" g="0" b="0"/>
+      </a:lnRef>
+      <a:fillRef idx="1">
+        <a:scrgbClr r="0" g="0" b="0"/>
+      </a:fillRef>
+      <a:effectRef idx="0">
+        <a:scrgbClr r="0" g="0" b="0"/>
+      </a:effectRef>
+      <a:fontRef idx="minor">
+        <a:schemeClr val="lt1"/>
+      </a:fontRef>
+    </dgm:style>
+  </dgm:styleLbl>
+  <dgm:styleLbl name="fgSibTrans2D1">
+    <dgm:scene3d>
+      <a:camera prst="orthographicFront"/>
+      <a:lightRig rig="threePt" dir="t"/>
+    </dgm:scene3d>
+    <dgm:sp3d/>
+    <dgm:txPr/>
+    <dgm:style>
+      <a:lnRef idx="0">
+        <a:scrgbClr r="0" g="0" b="0"/>
+      </a:lnRef>
+      <a:fillRef idx="1">
+        <a:scrgbClr r="0" g="0" b="0"/>
+      </a:fillRef>
+      <a:effectRef idx="0">
+        <a:scrgbClr r="0" g="0" b="0"/>
+      </a:effectRef>
+      <a:fontRef idx="minor">
+        <a:schemeClr val="lt1"/>
+      </a:fontRef>
+    </dgm:style>
+  </dgm:styleLbl>
+  <dgm:styleLbl name="bgSibTrans2D1">
+    <dgm:scene3d>
+      <a:camera prst="orthographicFront"/>
+      <a:lightRig rig="threePt" dir="t"/>
+    </dgm:scene3d>
+    <dgm:sp3d/>
+    <dgm:txPr/>
+    <dgm:style>
+      <a:lnRef idx="0">
+        <a:scrgbClr r="0" g="0" b="0"/>
+      </a:lnRef>
+      <a:fillRef idx="1">
+        <a:scrgbClr r="0" g="0" b="0"/>
+      </a:fillRef>
+      <a:effectRef idx="0">
+        <a:scrgbClr r="0" g="0" b="0"/>
+      </a:effectRef>
+      <a:fontRef idx="minor">
+        <a:schemeClr val="lt1"/>
+      </a:fontRef>
+    </dgm:style>
+  </dgm:styleLbl>
+  <dgm:styleLbl name="sibTrans1D1">
+    <dgm:scene3d>
+      <a:camera prst="orthographicFront"/>
+      <a:lightRig rig="threePt" dir="t"/>
+    </dgm:scene3d>
+    <dgm:sp3d/>
+    <dgm:txPr/>
+    <dgm:style>
+      <a:lnRef idx="1">
+        <a:scrgbClr r="0" g="0" b="0"/>
+      </a:lnRef>
+      <a:fillRef idx="0">
+        <a:scrgbClr r="0" g="0" b="0"/>
+      </a:fillRef>
+      <a:effectRef idx="0">
+        <a:scrgbClr r="0" g="0" b="0"/>
+      </a:effectRef>
+      <a:fontRef idx="minor"/>
+    </dgm:style>
+  </dgm:styleLbl>
+  <dgm:styleLbl name="callout">
+    <dgm:scene3d>
+      <a:camera prst="orthographicFront"/>
+      <a:lightRig rig="threePt" dir="t"/>
+    </dgm:scene3d>
+    <dgm:sp3d/>
+    <dgm:txPr/>
+    <dgm:style>
+      <a:lnRef idx="2">
+        <a:scrgbClr r="0" g="0" b="0"/>
+      </a:lnRef>
+      <a:fillRef idx="1">
+        <a:scrgbClr r="0" g="0" b="0"/>
+      </a:fillRef>
+      <a:effectRef idx="0">
+        <a:scrgbClr r="0" g="0" b="0"/>
+      </a:effectRef>
+      <a:fontRef idx="minor"/>
+    </dgm:style>
+  </dgm:styleLbl>
+  <dgm:styleLbl name="asst0">
+    <dgm:scene3d>
+      <a:camera prst="orthographicFront"/>
+      <a:lightRig rig="threePt" dir="t"/>
+    </dgm:scene3d>
+    <dgm:sp3d/>
+    <dgm:txPr/>
+    <dgm:style>
+      <a:lnRef idx="2">
+        <a:scrgbClr r="0" g="0" b="0"/>
+      </a:lnRef>
+      <a:fillRef idx="1">
+        <a:scrgbClr r="0" g="0" b="0"/>
+      </a:fillRef>
+      <a:effectRef idx="0">
+        <a:scrgbClr r="0" g="0" b="0"/>
+      </a:effectRef>
+      <a:fontRef idx="minor">
+        <a:schemeClr val="lt1"/>
+      </a:fontRef>
+    </dgm:style>
+  </dgm:styleLbl>
+  <dgm:styleLbl name="asst1">
+    <dgm:scene3d>
+      <a:camera prst="orthographicFront"/>
+      <a:lightRig rig="threePt" dir="t"/>
+    </dgm:scene3d>
+    <dgm:sp3d/>
+    <dgm:txPr/>
+    <dgm:style>
+      <a:lnRef idx="2">
+        <a:scrgbClr r="0" g="0" b="0"/>
+      </a:lnRef>
+      <a:fillRef idx="1">
+        <a:scrgbClr r="0" g="0" b="0"/>
+      </a:fillRef>
+      <a:effectRef idx="0">
+        <a:scrgbClr r="0" g="0" b="0"/>
+      </a:effectRef>
+      <a:fontRef idx="minor">
+        <a:schemeClr val="lt1"/>
+      </a:fontRef>
+    </dgm:style>
+  </dgm:styleLbl>
+  <dgm:styleLbl name="asst2">
+    <dgm:scene3d>
+      <a:camera prst="orthographicFront"/>
+      <a:lightRig rig="threePt" dir="t"/>
+    </dgm:scene3d>
+    <dgm:sp3d/>
+    <dgm:txPr/>
+    <dgm:style>
+      <a:lnRef idx="2">
+        <a:scrgbClr r="0" g="0" b="0"/>
+      </a:lnRef>
+      <a:fillRef idx="1">
+        <a:scrgbClr r="0" g="0" b="0"/>
+      </a:fillRef>
+      <a:effectRef idx="0">
+        <a:scrgbClr r="0" g="0" b="0"/>
+      </a:effectRef>
+      <a:fontRef idx="minor">
+        <a:schemeClr val="lt1"/>
+      </a:fontRef>
+    </dgm:style>
+  </dgm:styleLbl>
+  <dgm:styleLbl name="asst3">
+    <dgm:scene3d>
+      <a:camera prst="orthographicFront"/>
+      <a:lightRig rig="threePt" dir="t"/>
+    </dgm:scene3d>
+    <dgm:sp3d/>
+    <dgm:txPr/>
+    <dgm:style>
+      <a:lnRef idx="2">
+        <a:scrgbClr r="0" g="0" b="0"/>
+      </a:lnRef>
+      <a:fillRef idx="1">
+        <a:scrgbClr r="0" g="0" b="0"/>
+      </a:fillRef>
+      <a:effectRef idx="0">
+        <a:scrgbClr r="0" g="0" b="0"/>
+      </a:effectRef>
+      <a:fontRef idx="minor">
+        <a:schemeClr val="lt1"/>
+      </a:fontRef>
+    </dgm:style>
+  </dgm:styleLbl>
+  <dgm:styleLbl name="asst4">
+    <dgm:scene3d>
+      <a:camera prst="orthographicFront"/>
+      <a:lightRig rig="threePt" dir="t"/>
+    </dgm:scene3d>
+    <dgm:sp3d/>
+    <dgm:txPr/>
+    <dgm:style>
+      <a:lnRef idx="2">
+        <a:scrgbClr r="0" g="0" b="0"/>
+      </a:lnRef>
+      <a:fillRef idx="1">
+        <a:scrgbClr r="0" g="0" b="0"/>
+      </a:fillRef>
+      <a:effectRef idx="0">
+        <a:scrgbClr r="0" g="0" b="0"/>
+      </a:effectRef>
+      <a:fontRef idx="minor">
+        <a:schemeClr val="lt1"/>
+      </a:fontRef>
+    </dgm:style>
+  </dgm:styleLbl>
+  <dgm:styleLbl name="parChTrans2D1">
+    <dgm:scene3d>
+      <a:camera prst="orthographicFront"/>
+      <a:lightRig rig="threePt" dir="t"/>
+    </dgm:scene3d>
+    <dgm:sp3d/>
+    <dgm:txPr/>
+    <dgm:style>
+      <a:lnRef idx="2">
+        <a:scrgbClr r="0" g="0" b="0"/>
+      </a:lnRef>
+      <a:fillRef idx="1">
+        <a:scrgbClr r="0" g="0" b="0"/>
+      </a:fillRef>
+      <a:effectRef idx="0">
+        <a:scrgbClr r="0" g="0" b="0"/>
+      </a:effectRef>
+      <a:fontRef idx="minor">
+        <a:schemeClr val="lt1"/>
+      </a:fontRef>
+    </dgm:style>
+  </dgm:styleLbl>
+  <dgm:styleLbl name="parChTrans2D2">
+    <dgm:scene3d>
+      <a:camera prst="orthographicFront"/>
+      <a:lightRig rig="threePt" dir="t"/>
+    </dgm:scene3d>
+    <dgm:sp3d/>
+    <dgm:txPr/>
+    <dgm:style>
+      <a:lnRef idx="2">
+        <a:scrgbClr r="0" g="0" b="0"/>
+      </a:lnRef>
+      <a:fillRef idx="1">
+        <a:scrgbClr r="0" g="0" b="0"/>
+      </a:fillRef>
+      <a:effectRef idx="0">
+        <a:scrgbClr r="0" g="0" b="0"/>
+      </a:effectRef>
+      <a:fontRef idx="minor">
+        <a:schemeClr val="lt1"/>
+      </a:fontRef>
+    </dgm:style>
+  </dgm:styleLbl>
+  <dgm:styleLbl name="parChTrans2D3">
+    <dgm:scene3d>
+      <a:camera prst="orthographicFront"/>
+      <a:lightRig rig="threePt" dir="t"/>
+    </dgm:scene3d>
+    <dgm:sp3d/>
+    <dgm:txPr/>
+    <dgm:style>
+      <a:lnRef idx="2">
+        <a:scrgbClr r="0" g="0" b="0"/>
+      </a:lnRef>
+      <a:fillRef idx="1">
+        <a:scrgbClr r="0" g="0" b="0"/>
+      </a:fillRef>
+      <a:effectRef idx="0">
+        <a:scrgbClr r="0" g="0" b="0"/>
+      </a:effectRef>
+      <a:fontRef idx="minor">
+        <a:schemeClr val="lt1"/>
+      </a:fontRef>
+    </dgm:style>
+  </dgm:styleLbl>
+  <dgm:styleLbl name="parChTrans2D4">
+    <dgm:scene3d>
+      <a:camera prst="orthographicFront"/>
+      <a:lightRig rig="threePt" dir="t"/>
+    </dgm:scene3d>
+    <dgm:sp3d/>
+    <dgm:txPr/>
+    <dgm:style>
+      <a:lnRef idx="2">
+        <a:scrgbClr r="0" g="0" b="0"/>
+      </a:lnRef>
+      <a:fillRef idx="1">
+        <a:scrgbClr r="0" g="0" b="0"/>
+      </a:fillRef>
+      <a:effectRef idx="0">
+        <a:scrgbClr r="0" g="0" b="0"/>
+      </a:effectRef>
+      <a:fontRef idx="minor">
+        <a:schemeClr val="lt1"/>
+      </a:fontRef>
+    </dgm:style>
+  </dgm:styleLbl>
+  <dgm:styleLbl name="parChTrans1D1">
+    <dgm:scene3d>
+      <a:camera prst="orthographicFront"/>
+      <a:lightRig rig="threePt" dir="t"/>
+    </dgm:scene3d>
+    <dgm:sp3d/>
+    <dgm:txPr/>
+    <dgm:style>
+      <a:lnRef idx="2">
+        <a:scrgbClr r="0" g="0" b="0"/>
+      </a:lnRef>
+      <a:fillRef idx="0">
+        <a:scrgbClr r="0" g="0" b="0"/>
+      </a:fillRef>
+      <a:effectRef idx="0">
+        <a:scrgbClr r="0" g="0" b="0"/>
+      </a:effectRef>
+      <a:fontRef idx="minor"/>
+    </dgm:style>
+  </dgm:styleLbl>
+  <dgm:styleLbl name="parChTrans1D2">
+    <dgm:scene3d>
+      <a:camera prst="orthographicFront"/>
+      <a:lightRig rig="threePt" dir="t"/>
+    </dgm:scene3d>
+    <dgm:sp3d/>
+    <dgm:txPr/>
+    <dgm:style>
+      <a:lnRef idx="2">
+        <a:scrgbClr r="0" g="0" b="0"/>
+      </a:lnRef>
+      <a:fillRef idx="0">
+        <a:scrgbClr r="0" g="0" b="0"/>
+      </a:fillRef>
+      <a:effectRef idx="0">
+        <a:scrgbClr r="0" g="0" b="0"/>
+      </a:effectRef>
+      <a:fontRef idx="minor"/>
+    </dgm:style>
+  </dgm:styleLbl>
+  <dgm:styleLbl name="parChTrans1D3">
+    <dgm:scene3d>
+      <a:camera prst="orthographicFront"/>
+      <a:lightRig rig="threePt" dir="t"/>
+    </dgm:scene3d>
+    <dgm:sp3d/>
+    <dgm:txPr/>
+    <dgm:style>
+      <a:lnRef idx="2">
+        <a:scrgbClr r="0" g="0" b="0"/>
+      </a:lnRef>
+      <a:fillRef idx="0">
+        <a:scrgbClr r="0" g="0" b="0"/>
+      </a:fillRef>
+      <a:effectRef idx="0">
+        <a:scrgbClr r="0" g="0" b="0"/>
+      </a:effectRef>
+      <a:fontRef idx="minor"/>
+    </dgm:style>
+  </dgm:styleLbl>
+  <dgm:styleLbl name="parChTrans1D4">
+    <dgm:scene3d>
+      <a:camera prst="orthographicFront"/>
+      <a:lightRig rig="threePt" dir="t"/>
+    </dgm:scene3d>
+    <dgm:sp3d/>
+    <dgm:txPr/>
+    <dgm:style>
+      <a:lnRef idx="2">
+        <a:scrgbClr r="0" g="0" b="0"/>
+      </a:lnRef>
+      <a:fillRef idx="0">
+        <a:scrgbClr r="0" g="0" b="0"/>
+      </a:fillRef>
+      <a:effectRef idx="0">
+        <a:scrgbClr r="0" g="0" b="0"/>
+      </a:effectRef>
+      <a:fontRef idx="minor"/>
+    </dgm:style>
+  </dgm:styleLbl>
+  <dgm:styleLbl name="fgAcc1">
+    <dgm:scene3d>
+      <a:camera prst="orthographicFront"/>
+      <a:lightRig rig="threePt" dir="t"/>
+    </dgm:scene3d>
+    <dgm:sp3d/>
+    <dgm:txPr/>
+    <dgm:style>
+      <a:lnRef idx="2">
+        <a:scrgbClr r="0" g="0" b="0"/>
+      </a:lnRef>
+      <a:fillRef idx="1">
+        <a:scrgbClr r="0" g="0" b="0"/>
+      </a:fillRef>
+      <a:effectRef idx="0">
+        <a:scrgbClr r="0" g="0" b="0"/>
+      </a:effectRef>
+      <a:fontRef idx="minor"/>
+    </dgm:style>
+  </dgm:styleLbl>
+  <dgm:styleLbl name="conFgAcc1">
+    <dgm:scene3d>
+      <a:camera prst="orthographicFront"/>
+      <a:lightRig rig="threePt" dir="t"/>
+    </dgm:scene3d>
+    <dgm:sp3d/>
+    <dgm:txPr/>
+    <dgm:style>
+      <a:lnRef idx="2">
+        <a:scrgbClr r="0" g="0" b="0"/>
+      </a:lnRef>
+      <a:fillRef idx="1">
+        <a:scrgbClr r="0" g="0" b="0"/>
+      </a:fillRef>
+      <a:effectRef idx="0">
+        <a:scrgbClr r="0" g="0" b="0"/>
+      </a:effectRef>
+      <a:fontRef idx="minor"/>
+    </dgm:style>
+  </dgm:styleLbl>
+  <dgm:styleLbl name="alignAcc1">
+    <dgm:scene3d>
+      <a:camera prst="orthographicFront"/>
+      <a:lightRig rig="threePt" dir="t"/>
+    </dgm:scene3d>
+    <dgm:sp3d/>
+    <dgm:txPr/>
+    <dgm:style>
+      <a:lnRef idx="2">
+        <a:scrgbClr r="0" g="0" b="0"/>
+      </a:lnRef>
+      <a:fillRef idx="1">
+        <a:scrgbClr r="0" g="0" b="0"/>
+      </a:fillRef>
+      <a:effectRef idx="0">
+        <a:scrgbClr r="0" g="0" b="0"/>
+      </a:effectRef>
+      <a:fontRef idx="minor"/>
+    </dgm:style>
+  </dgm:styleLbl>
+  <dgm:styleLbl name="trAlignAcc1">
+    <dgm:scene3d>
+      <a:camera prst="orthographicFront"/>
+      <a:lightRig rig="threePt" dir="t"/>
+    </dgm:scene3d>
+    <dgm:sp3d/>
+    <dgm:txPr/>
+    <dgm:style>
+      <a:lnRef idx="1">
+        <a:scrgbClr r="0" g="0" b="0"/>
+      </a:lnRef>
+      <a:fillRef idx="1">
+        <a:scrgbClr r="0" g="0" b="0"/>
+      </a:fillRef>
+      <a:effectRef idx="0">
+        <a:scrgbClr r="0" g="0" b="0"/>
+      </a:effectRef>
+      <a:fontRef idx="minor"/>
+    </dgm:style>
+  </dgm:styleLbl>
+  <dgm:styleLbl name="bgAcc1">
+    <dgm:scene3d>
+      <a:camera prst="orthographicFront"/>
+      <a:lightRig rig="threePt" dir="t"/>
+    </dgm:scene3d>
+    <dgm:sp3d/>
+    <dgm:txPr/>
+    <dgm:style>
+      <a:lnRef idx="2">
+        <a:scrgbClr r="0" g="0" b="0"/>
+      </a:lnRef>
+      <a:fillRef idx="1">
+        <a:scrgbClr r="0" g="0" b="0"/>
+      </a:fillRef>
+      <a:effectRef idx="0">
+        <a:scrgbClr r="0" g="0" b="0"/>
+      </a:effectRef>
+      <a:fontRef idx="minor"/>
+    </dgm:style>
+  </dgm:styleLbl>
+  <dgm:styleLbl name="solidFgAcc1">
+    <dgm:scene3d>
+      <a:camera prst="orthographicFront"/>
+      <a:lightRig rig="threePt" dir="t"/>
+    </dgm:scene3d>
+    <dgm:sp3d/>
+    <dgm:txPr/>
+    <dgm:style>
+      <a:lnRef idx="2">
+        <a:scrgbClr r="0" g="0" b="0"/>
+      </a:lnRef>
+      <a:fillRef idx="1">
+        <a:scrgbClr r="0" g="0" b="0"/>
+      </a:fillRef>
+      <a:effectRef idx="0">
+        <a:scrgbClr r="0" g="0" b="0"/>
+      </a:effectRef>
+      <a:fontRef idx="minor"/>
+    </dgm:style>
+  </dgm:styleLbl>
+  <dgm:styleLbl name="solidAlignAcc1">
+    <dgm:scene3d>
+      <a:camera prst="orthographicFront"/>
+      <a:lightRig rig="threePt" dir="t"/>
+    </dgm:scene3d>
+    <dgm:sp3d/>
+    <dgm:txPr/>
+    <dgm:style>
+      <a:lnRef idx="2">
+        <a:scrgbClr r="0" g="0" b="0"/>
+      </a:lnRef>
+      <a:fillRef idx="1">
+        <a:scrgbClr r="0" g="0" b="0"/>
+      </a:fillRef>
+      <a:effectRef idx="0">
+        <a:scrgbClr r="0" g="0" b="0"/>
+      </a:effectRef>
+      <a:fontRef idx="minor"/>
+    </dgm:style>
+  </dgm:styleLbl>
+  <dgm:styleLbl name="solidBgAcc1">
+    <dgm:scene3d>
+      <a:camera prst="orthographicFront"/>
+      <a:lightRig rig="threePt" dir="t"/>
+    </dgm:scene3d>
+    <dgm:sp3d/>
+    <dgm:txPr/>
+    <dgm:style>
+      <a:lnRef idx="2">
+        <a:scrgbClr r="0" g="0" b="0"/>
+      </a:lnRef>
+      <a:fillRef idx="1">
+        <a:scrgbClr r="0" g="0" b="0"/>
+      </a:fillRef>
+      <a:effectRef idx="0">
+        <a:scrgbClr r="0" g="0" b="0"/>
+      </a:effectRef>
+      <a:fontRef idx="minor"/>
+    </dgm:style>
+  </dgm:styleLbl>
+  <dgm:styleLbl name="fgAccFollowNode1">
+    <dgm:scene3d>
+      <a:camera prst="orthographicFront"/>
+      <a:lightRig rig="threePt" dir="t"/>
+    </dgm:scene3d>
+    <dgm:sp3d/>
+    <dgm:txPr/>
+    <dgm:style>
+      <a:lnRef idx="2">
+        <a:scrgbClr r="0" g="0" b="0"/>
+      </a:lnRef>
+      <a:fillRef idx="1">
+        <a:scrgbClr r="0" g="0" b="0"/>
+      </a:fillRef>
+      <a:effectRef idx="0">
+        <a:scrgbClr r="0" g="0" b="0"/>
+      </a:effectRef>
+      <a:fontRef idx="minor"/>
+    </dgm:style>
+  </dgm:styleLbl>
+  <dgm:styleLbl name="alignAccFollowNode1">
+    <dgm:scene3d>
+      <a:camera prst="orthographicFront"/>
+      <a:lightRig rig="threePt" dir="t"/>
+    </dgm:scene3d>
+    <dgm:sp3d/>
+    <dgm:txPr/>
+    <dgm:style>
+      <a:lnRef idx="2">
+        <a:scrgbClr r="0" g="0" b="0"/>
+      </a:lnRef>
+      <a:fillRef idx="1">
+        <a:scrgbClr r="0" g="0" b="0"/>
+      </a:fillRef>
+      <a:effectRef idx="0">
+        <a:scrgbClr r="0" g="0" b="0"/>
+      </a:effectRef>
+      <a:fontRef idx="minor"/>
+    </dgm:style>
+  </dgm:styleLbl>
+  <dgm:styleLbl name="bgAccFollowNode1">
+    <dgm:scene3d>
+      <a:camera prst="orthographicFront"/>
+      <a:lightRig rig="threePt" dir="t"/>
+    </dgm:scene3d>
+    <dgm:sp3d/>
+    <dgm:txPr/>
+    <dgm:style>
+      <a:lnRef idx="2">
+        <a:scrgbClr r="0" g="0" b="0"/>
+      </a:lnRef>
+      <a:fillRef idx="1">
+        <a:scrgbClr r="0" g="0" b="0"/>
+      </a:fillRef>
+      <a:effectRef idx="0">
+        <a:scrgbClr r="0" g="0" b="0"/>
+      </a:effectRef>
+      <a:fontRef idx="minor"/>
+    </dgm:style>
+  </dgm:styleLbl>
+  <dgm:styleLbl name="fgAcc0">
+    <dgm:scene3d>
+      <a:camera prst="orthographicFront"/>
+      <a:lightRig rig="threePt" dir="t"/>
+    </dgm:scene3d>
+    <dgm:sp3d/>
+    <dgm:txPr/>
+    <dgm:style>
+      <a:lnRef idx="2">
+        <a:scrgbClr r="0" g="0" b="0"/>
+      </a:lnRef>
+      <a:fillRef idx="1">
+        <a:scrgbClr r="0" g="0" b="0"/>
+      </a:fillRef>
+      <a:effectRef idx="0">
+        <a:scrgbClr r="0" g="0" b="0"/>
+      </a:effectRef>
+      <a:fontRef idx="minor"/>
+    </dgm:style>
+  </dgm:styleLbl>
+  <dgm:styleLbl name="fgAcc2">
+    <dgm:scene3d>
+      <a:camera prst="orthographicFront"/>
+      <a:lightRig rig="threePt" dir="t"/>
+    </dgm:scene3d>
+    <dgm:sp3d/>
+    <dgm:txPr/>
+    <dgm:style>
+      <a:lnRef idx="2">
+        <a:scrgbClr r="0" g="0" b="0"/>
+      </a:lnRef>
+      <a:fillRef idx="1">
+        <a:scrgbClr r="0" g="0" b="0"/>
+      </a:fillRef>
+      <a:effectRef idx="0">
+        <a:scrgbClr r="0" g="0" b="0"/>
+      </a:effectRef>
+      <a:fontRef idx="minor"/>
+    </dgm:style>
+  </dgm:styleLbl>
+  <dgm:styleLbl name="fgAcc3">
+    <dgm:scene3d>
+      <a:camera prst="orthographicFront"/>
+      <a:lightRig rig="threePt" dir="t"/>
+    </dgm:scene3d>
+    <dgm:sp3d/>
+    <dgm:txPr/>
+    <dgm:style>
+      <a:lnRef idx="2">
+        <a:scrgbClr r="0" g="0" b="0"/>
+      </a:lnRef>
+      <a:fillRef idx="1">
+        <a:scrgbClr r="0" g="0" b="0"/>
+      </a:fillRef>
+      <a:effectRef idx="0">
+        <a:scrgbClr r="0" g="0" b="0"/>
+      </a:effectRef>
+      <a:fontRef idx="minor"/>
+    </dgm:style>
+  </dgm:styleLbl>
+  <dgm:styleLbl name="fgAcc4">
+    <dgm:scene3d>
+      <a:camera prst="orthographicFront"/>
+      <a:lightRig rig="threePt" dir="t"/>
+    </dgm:scene3d>
+    <dgm:sp3d/>
+    <dgm:txPr/>
+    <dgm:style>
+      <a:lnRef idx="2">
+        <a:scrgbClr r="0" g="0" b="0"/>
+      </a:lnRef>
+      <a:fillRef idx="1">
+        <a:scrgbClr r="0" g="0" b="0"/>
+      </a:fillRef>
+      <a:effectRef idx="0">
+        <a:scrgbClr r="0" g="0" b="0"/>
+      </a:effectRef>
+      <a:fontRef idx="minor"/>
+    </dgm:style>
+  </dgm:styleLbl>
+  <dgm:styleLbl name="bgShp">
+    <dgm:scene3d>
+      <a:camera prst="orthographicFront"/>
+      <a:lightRig rig="threePt" dir="t"/>
+    </dgm:scene3d>
+    <dgm:sp3d/>
+    <dgm:txPr/>
+    <dgm:style>
+      <a:lnRef idx="0">
+        <a:scrgbClr r="0" g="0" b="0"/>
+      </a:lnRef>
+      <a:fillRef idx="1">
+        <a:scrgbClr r="0" g="0" b="0"/>
+      </a:fillRef>
+      <a:effectRef idx="0">
+        <a:scrgbClr r="0" g="0" b="0"/>
+      </a:effectRef>
+      <a:fontRef idx="minor"/>
+    </dgm:style>
+  </dgm:styleLbl>
+  <dgm:styleLbl name="dkBgShp">
+    <dgm:scene3d>
+      <a:camera prst="orthographicFront"/>
+      <a:lightRig rig="threePt" dir="t"/>
+    </dgm:scene3d>
+    <dgm:sp3d/>
+    <dgm:txPr/>
+    <dgm:style>
+      <a:lnRef idx="0">
+        <a:scrgbClr r="0" g="0" b="0"/>
+      </a:lnRef>
+      <a:fillRef idx="1">
+        <a:scrgbClr r="0" g="0" b="0"/>
+      </a:fillRef>
+      <a:effectRef idx="0">
+        <a:scrgbClr r="0" g="0" b="0"/>
+      </a:effectRef>
+      <a:fontRef idx="minor"/>
+    </dgm:style>
+  </dgm:styleLbl>
+  <dgm:styleLbl name="trBgShp">
+    <dgm:scene3d>
+      <a:camera prst="orthographicFront"/>
+      <a:lightRig rig="threePt" dir="t"/>
+    </dgm:scene3d>
+    <dgm:sp3d/>
+    <dgm:txPr/>
+    <dgm:style>
+      <a:lnRef idx="0">
+        <a:scrgbClr r="0" g="0" b="0"/>
+      </a:lnRef>
+      <a:fillRef idx="1">
+        <a:scrgbClr r="0" g="0" b="0"/>
+      </a:fillRef>
+      <a:effectRef idx="0">
+        <a:scrgbClr r="0" g="0" b="0"/>
+      </a:effectRef>
+      <a:fontRef idx="minor"/>
+    </dgm:style>
+  </dgm:styleLbl>
+  <dgm:styleLbl name="fgShp">
+    <dgm:scene3d>
+      <a:camera prst="orthographicFront"/>
+      <a:lightRig rig="threePt" dir="t"/>
+    </dgm:scene3d>
+    <dgm:sp3d/>
+    <dgm:txPr/>
+    <dgm:style>
+      <a:lnRef idx="2">
+        <a:scrgbClr r="0" g="0" b="0"/>
+      </a:lnRef>
+      <a:fillRef idx="1">
+        <a:scrgbClr r="0" g="0" b="0"/>
+      </a:fillRef>
+      <a:effectRef idx="0">
+        <a:scrgbClr r="0" g="0" b="0"/>
+      </a:effectRef>
+      <a:fontRef idx="minor"/>
+    </dgm:style>
+  </dgm:styleLbl>
+  <dgm:styleLbl name="revTx">
+    <dgm:scene3d>
+      <a:camera prst="orthographicFront"/>
+      <a:lightRig rig="threePt" dir="t"/>
+    </dgm:scene3d>
+    <dgm:sp3d/>
+    <dgm:txPr/>
+    <dgm:style>
+      <a:lnRef idx="0">
+        <a:scrgbClr r="0" g="0" b="0"/>
+      </a:lnRef>
+      <a:fillRef idx="0">
+        <a:scrgbClr r="0" g="0" b="0"/>
+      </a:fillRef>
+      <a:effectRef idx="0">
+        <a:scrgbClr r="0" g="0" b="0"/>
+      </a:effectRef>
+      <a:fontRef idx="minor"/>
+    </dgm:style>
+  </dgm:styleLbl>
+</dgm:styleDef>
+</file>
+
+<file path=ppt/diagrams/quickStyle2.xml><?xml version="1.0" encoding="utf-8"?>
 <dgm:styleDef xmlns:dgm="http://schemas.openxmlformats.org/drawingml/2006/diagram" xmlns:a="http://schemas.openxmlformats.org/drawingml/2006/main" uniqueId="urn:microsoft.com/office/officeart/2005/8/quickstyle/simple1">
   <dgm:title val=""/>
   <dgm:desc val=""/>
@@ -4025,7 +7087,7 @@
           <a:p>
             <a:fld id="{9ADA5B36-BD01-47CD-B491-940693B77A9A}" type="datetimeFigureOut">
               <a:rPr lang="en-US" smtClean="0"/>
-              <a:t>11/1/2022</a:t>
+              <a:t>11/2/22</a:t>
             </a:fld>
             <a:endParaRPr lang="en-US"/>
           </a:p>
@@ -13841,7 +16903,7 @@
           <a:p>
             <a:fld id="{3CB14515-8DA5-4B82-96E7-E758FF8ACA06}" type="datetimeFigureOut">
               <a:rPr lang="en-US" smtClean="0"/>
-              <a:t>11/1/2022</a:t>
+              <a:t>11/2/22</a:t>
             </a:fld>
             <a:endParaRPr lang="en-US"/>
           </a:p>
@@ -14048,7 +17110,7 @@
           <a:p>
             <a:fld id="{3CB14515-8DA5-4B82-96E7-E758FF8ACA06}" type="datetimeFigureOut">
               <a:rPr lang="en-US" smtClean="0"/>
-              <a:t>11/1/2022</a:t>
+              <a:t>11/2/22</a:t>
             </a:fld>
             <a:endParaRPr lang="en-US"/>
           </a:p>
@@ -14228,7 +17290,7 @@
           <a:p>
             <a:fld id="{3CB14515-8DA5-4B82-96E7-E758FF8ACA06}" type="datetimeFigureOut">
               <a:rPr lang="en-US" smtClean="0"/>
-              <a:t>11/1/2022</a:t>
+              <a:t>11/2/22</a:t>
             </a:fld>
             <a:endParaRPr lang="en-US"/>
           </a:p>
@@ -14433,7 +17495,7 @@
           <a:p>
             <a:fld id="{3CB14515-8DA5-4B82-96E7-E758FF8ACA06}" type="datetimeFigureOut">
               <a:rPr lang="en-US" smtClean="0"/>
-              <a:t>11/1/2022</a:t>
+              <a:t>11/2/22</a:t>
             </a:fld>
             <a:endParaRPr lang="en-US"/>
           </a:p>
@@ -23331,7 +26393,7 @@
           <a:p>
             <a:fld id="{3CB14515-8DA5-4B82-96E7-E758FF8ACA06}" type="datetimeFigureOut">
               <a:rPr lang="en-US" smtClean="0"/>
-              <a:t>11/1/2022</a:t>
+              <a:t>11/2/22</a:t>
             </a:fld>
             <a:endParaRPr lang="en-US"/>
           </a:p>
@@ -23605,7 +26667,7 @@
           <a:p>
             <a:fld id="{3CB14515-8DA5-4B82-96E7-E758FF8ACA06}" type="datetimeFigureOut">
               <a:rPr lang="en-US" smtClean="0"/>
-              <a:t>11/1/2022</a:t>
+              <a:t>11/2/22</a:t>
             </a:fld>
             <a:endParaRPr lang="en-US"/>
           </a:p>
@@ -24003,7 +27065,7 @@
           <a:p>
             <a:fld id="{3CB14515-8DA5-4B82-96E7-E758FF8ACA06}" type="datetimeFigureOut">
               <a:rPr lang="en-US" smtClean="0"/>
-              <a:t>11/1/2022</a:t>
+              <a:t>11/2/22</a:t>
             </a:fld>
             <a:endParaRPr lang="en-US"/>
           </a:p>
@@ -24121,7 +27183,7 @@
           <a:p>
             <a:fld id="{3CB14515-8DA5-4B82-96E7-E758FF8ACA06}" type="datetimeFigureOut">
               <a:rPr lang="en-US" smtClean="0"/>
-              <a:t>11/1/2022</a:t>
+              <a:t>11/2/22</a:t>
             </a:fld>
             <a:endParaRPr lang="en-US"/>
           </a:p>
@@ -24216,7 +27278,7 @@
           <a:p>
             <a:fld id="{3CB14515-8DA5-4B82-96E7-E758FF8ACA06}" type="datetimeFigureOut">
               <a:rPr lang="en-US" smtClean="0"/>
-              <a:t>11/1/2022</a:t>
+              <a:t>11/2/22</a:t>
             </a:fld>
             <a:endParaRPr lang="en-US"/>
           </a:p>
@@ -24506,7 +27568,7 @@
           <a:p>
             <a:fld id="{3CB14515-8DA5-4B82-96E7-E758FF8ACA06}" type="datetimeFigureOut">
               <a:rPr lang="en-US" smtClean="0"/>
-              <a:t>11/1/2022</a:t>
+              <a:t>11/2/22</a:t>
             </a:fld>
             <a:endParaRPr lang="en-US"/>
           </a:p>
@@ -24786,7 +27848,7 @@
           <a:p>
             <a:fld id="{3CB14515-8DA5-4B82-96E7-E758FF8ACA06}" type="datetimeFigureOut">
               <a:rPr lang="en-US" smtClean="0"/>
-              <a:t>11/1/2022</a:t>
+              <a:t>11/2/22</a:t>
             </a:fld>
             <a:endParaRPr lang="en-US"/>
           </a:p>
@@ -25036,7 +28098,7 @@
           <a:p>
             <a:fld id="{3CB14515-8DA5-4B82-96E7-E758FF8ACA06}" type="datetimeFigureOut">
               <a:rPr lang="en-US" smtClean="0"/>
-              <a:t>11/1/2022</a:t>
+              <a:t>11/2/22</a:t>
             </a:fld>
             <a:endParaRPr lang="en-US"/>
           </a:p>
@@ -38407,6 +41469,14 @@
 <file path=ppt/slides/slide42.xml><?xml version="1.0" encoding="utf-8"?>
 <p:sld xmlns:a="http://schemas.openxmlformats.org/drawingml/2006/main" xmlns:r="http://schemas.openxmlformats.org/officeDocument/2006/relationships" xmlns:p="http://schemas.openxmlformats.org/presentationml/2006/main">
   <p:cSld>
+    <p:bg>
+      <p:bgPr>
+        <a:solidFill>
+          <a:schemeClr val="bg1"/>
+        </a:solidFill>
+        <a:effectLst/>
+      </p:bgPr>
+    </p:bg>
     <p:spTree>
       <p:nvGrpSpPr>
         <p:cNvPr id="1" name=""/>
@@ -38437,7 +41507,12 @@
             <p:ph type="title"/>
           </p:nvPr>
         </p:nvSpPr>
-        <p:spPr/>
+        <p:spPr>
+          <a:xfrm>
+            <a:off x="1024128" y="585216"/>
+            <a:ext cx="6066818" cy="1499616"/>
+          </a:xfrm>
+        </p:spPr>
         <p:txBody>
           <a:bodyPr>
             <a:normAutofit/>
@@ -38481,9 +41556,16 @@
             <p:ph idx="1"/>
           </p:nvPr>
         </p:nvSpPr>
-        <p:spPr/>
+        <p:spPr>
+          <a:xfrm>
+            <a:off x="1024128" y="2286000"/>
+            <a:ext cx="6066818" cy="4023360"/>
+          </a:xfrm>
+        </p:spPr>
         <p:txBody>
-          <a:bodyPr/>
+          <a:bodyPr>
+            <a:normAutofit/>
+          </a:bodyPr>
           <a:lstStyle/>
           <a:p>
             <a:r>
@@ -38497,62 +41579,14 @@
           </a:p>
           <a:p>
             <a:r>
-              <a:rPr lang="en-US" sz="2000" dirty="0"/>
-              <a:t>A </a:t>
-            </a:r>
-            <a:r>
-              <a:rPr lang="en-US" sz="2000" dirty="0">
-                <a:solidFill>
-                  <a:srgbClr val="FF0000"/>
-                </a:solidFill>
-              </a:rPr>
-              <a:t>callable bond </a:t>
-            </a:r>
-            <a:r>
-              <a:rPr lang="en-US" sz="2000" dirty="0"/>
-              <a:t>gives the </a:t>
-            </a:r>
-            <a:r>
-              <a:rPr lang="en-US" sz="2000" dirty="0">
-                <a:solidFill>
-                  <a:srgbClr val="FF0000"/>
-                </a:solidFill>
-              </a:rPr>
-              <a:t>issuer</a:t>
-            </a:r>
-            <a:r>
-              <a:rPr lang="en-US" sz="2000" dirty="0"/>
-              <a:t> the right to redeem all or part of the bond before the specified maturity date.</a:t>
-            </a:r>
-          </a:p>
-          <a:p>
-            <a:r>
-              <a:rPr lang="en-US" sz="2000" dirty="0"/>
-              <a:t>A </a:t>
-            </a:r>
-            <a:r>
-              <a:rPr lang="en-US" sz="2000" dirty="0">
-                <a:solidFill>
-                  <a:srgbClr val="FF0000"/>
-                </a:solidFill>
-              </a:rPr>
-              <a:t>put provision </a:t>
-            </a:r>
-            <a:r>
-              <a:rPr lang="en-US" sz="2000" dirty="0"/>
-              <a:t>gives the </a:t>
-            </a:r>
-            <a:r>
-              <a:rPr lang="en-US" sz="2000" dirty="0">
-                <a:solidFill>
-                  <a:srgbClr val="FF0000"/>
-                </a:solidFill>
-              </a:rPr>
-              <a:t>bondholders</a:t>
-            </a:r>
-            <a:r>
-              <a:rPr lang="en-US" sz="2000" dirty="0"/>
-              <a:t> the right to sell the bond back to the issuer at a pre-determined price on specified dates</a:t>
+              <a:rPr lang="en-US" dirty="0"/>
+              <a:t>A callable bond gives the issuer the right to redeem all or part of the bond before the specified maturity date.</a:t>
+            </a:r>
+          </a:p>
+          <a:p>
+            <a:r>
+              <a:rPr lang="en-US" dirty="0"/>
+              <a:t>A put provision gives the bondholders the right to sell the bond back to the issuer at a pre-determined price on specified dates</a:t>
             </a:r>
           </a:p>
           <a:p>
@@ -38560,6 +41594,35 @@
           </a:p>
         </p:txBody>
       </p:sp>
+      <p:pic>
+        <p:nvPicPr>
+          <p:cNvPr id="5" name="Picture 4" descr="Calculator, pen, compass, money and a paper with graphs printed on it">
+            <a:extLst>
+              <a:ext uri="{FF2B5EF4-FFF2-40B4-BE49-F238E27FC236}">
+                <a16:creationId xmlns:a16="http://schemas.microsoft.com/office/drawing/2014/main" id="{5251235B-A28C-07D0-CEA6-58488F59C1F2}"/>
+              </a:ext>
+            </a:extLst>
+          </p:cNvPr>
+          <p:cNvPicPr>
+            <a:picLocks noChangeAspect="1"/>
+          </p:cNvPicPr>
+          <p:nvPr/>
+        </p:nvPicPr>
+        <p:blipFill rotWithShape="1">
+          <a:blip r:embed="rId3"/>
+          <a:srcRect l="31730" r="27507" b="-1"/>
+          <a:stretch/>
+        </p:blipFill>
+        <p:spPr>
+          <a:xfrm>
+            <a:off x="7552266" y="10"/>
+            <a:ext cx="4639733" cy="6857990"/>
+          </a:xfrm>
+          <a:prstGeom prst="rect">
+            <a:avLst/>
+          </a:prstGeom>
+        </p:spPr>
+      </p:pic>
     </p:spTree>
     <p:extLst>
       <p:ext uri="{BB962C8B-B14F-4D97-AF65-F5344CB8AC3E}">
@@ -39060,6 +42123,14 @@
 <file path=ppt/slides/slide44.xml><?xml version="1.0" encoding="utf-8"?>
 <p:sld xmlns:a="http://schemas.openxmlformats.org/drawingml/2006/main" xmlns:r="http://schemas.openxmlformats.org/officeDocument/2006/relationships" xmlns:p="http://schemas.openxmlformats.org/presentationml/2006/main">
   <p:cSld>
+    <p:bg>
+      <p:bgPr>
+        <a:solidFill>
+          <a:schemeClr val="bg1"/>
+        </a:solidFill>
+        <a:effectLst/>
+      </p:bgPr>
+    </p:bg>
     <p:spTree>
       <p:nvGrpSpPr>
         <p:cNvPr id="1" name=""/>
@@ -39090,7 +42161,12 @@
             <p:ph type="title"/>
           </p:nvPr>
         </p:nvSpPr>
-        <p:spPr/>
+        <p:spPr>
+          <a:xfrm>
+            <a:off x="1024128" y="585216"/>
+            <a:ext cx="8018272" cy="1499616"/>
+          </a:xfrm>
+        </p:spPr>
         <p:txBody>
           <a:bodyPr>
             <a:normAutofit/>
@@ -39134,10 +42210,15 @@
             <p:ph idx="1"/>
           </p:nvPr>
         </p:nvSpPr>
-        <p:spPr/>
+        <p:spPr>
+          <a:xfrm>
+            <a:off x="1024128" y="2286000"/>
+            <a:ext cx="8018271" cy="4023360"/>
+          </a:xfrm>
+        </p:spPr>
         <p:txBody>
           <a:bodyPr>
-            <a:normAutofit fontScale="92500" lnSpcReduction="20000"/>
+            <a:normAutofit lnSpcReduction="10000"/>
           </a:bodyPr>
           <a:lstStyle/>
           <a:p>
@@ -39152,11 +42233,11 @@
           </a:p>
           <a:p>
             <a:r>
-              <a:rPr lang="en-US" sz="2000" dirty="0"/>
+              <a:rPr lang="en-US" sz="1700" dirty="0"/>
               <a:t>The </a:t>
             </a:r>
             <a:r>
-              <a:rPr lang="en-US" sz="2000" dirty="0">
+              <a:rPr lang="en-US" sz="1700" dirty="0">
                 <a:solidFill>
                   <a:srgbClr val="FF0000"/>
                 </a:solidFill>
@@ -39164,17 +42245,17 @@
               <a:t>call premium </a:t>
             </a:r>
             <a:r>
-              <a:rPr lang="en-US" sz="2000" dirty="0"/>
+              <a:rPr lang="en-US" sz="1700" dirty="0"/>
               <a:t>is the amount over par paid by the issuer if the bond is called.</a:t>
             </a:r>
           </a:p>
           <a:p>
             <a:r>
-              <a:rPr lang="en-US" sz="2000" dirty="0"/>
+              <a:rPr lang="en-US" sz="1700" dirty="0"/>
               <a:t>Some callable bonds are issued with a </a:t>
             </a:r>
             <a:r>
-              <a:rPr lang="en-US" sz="2000" dirty="0">
+              <a:rPr lang="en-US" sz="1700" dirty="0">
                 <a:solidFill>
                   <a:srgbClr val="FF0000"/>
                 </a:solidFill>
@@ -39182,17 +42263,17 @@
               <a:t>call protection period</a:t>
             </a:r>
             <a:r>
-              <a:rPr lang="en-US" sz="2000" dirty="0"/>
+              <a:rPr lang="en-US" sz="1700" dirty="0"/>
               <a:t>, also called lockout period, cushion, or deferment period.</a:t>
             </a:r>
           </a:p>
           <a:p>
             <a:r>
-              <a:rPr lang="en-US" sz="2000" dirty="0"/>
+              <a:rPr lang="en-US" sz="1700" dirty="0"/>
               <a:t>The earliest time that a bond might be called is known as the </a:t>
             </a:r>
             <a:r>
-              <a:rPr lang="en-US" sz="2000" dirty="0">
+              <a:rPr lang="en-US" sz="1700" dirty="0">
                 <a:solidFill>
                   <a:srgbClr val="FF0000"/>
                 </a:solidFill>
@@ -39200,7 +42281,7 @@
               <a:t>call date</a:t>
             </a:r>
             <a:r>
-              <a:rPr lang="en-US" sz="2000" dirty="0"/>
+              <a:rPr lang="en-US" sz="1700" dirty="0"/>
               <a:t>.</a:t>
             </a:r>
           </a:p>
@@ -39210,8 +42291,16 @@
               <a:buAutoNum type="arabicPeriod"/>
             </a:pPr>
             <a:r>
-              <a:rPr lang="en-US" sz="2000" dirty="0"/>
-              <a:t>American-style call, sometimes referred to as continuously callable, for which the issuer has the right to call a bond at any time starting on the first call date.</a:t>
+              <a:rPr lang="en-US" sz="1700" dirty="0">
+                <a:solidFill>
+                  <a:srgbClr val="FF0000"/>
+                </a:solidFill>
+              </a:rPr>
+              <a:t>American-style</a:t>
+            </a:r>
+            <a:r>
+              <a:rPr lang="en-US" sz="1700" dirty="0"/>
+              <a:t> call, sometimes referred to as continuously callable, for which the issuer has the right to call a bond at any time starting on the first call date.</a:t>
             </a:r>
           </a:p>
           <a:p>
@@ -39220,8 +42309,16 @@
               <a:buAutoNum type="arabicPeriod"/>
             </a:pPr>
             <a:r>
-              <a:rPr lang="en-US" sz="2000" dirty="0"/>
-              <a:t>European-style call, for which the issuer has the right to call a bond only once on the call date.</a:t>
+              <a:rPr lang="en-US" sz="1700" dirty="0">
+                <a:solidFill>
+                  <a:srgbClr val="FF0000"/>
+                </a:solidFill>
+              </a:rPr>
+              <a:t>European-style</a:t>
+            </a:r>
+            <a:r>
+              <a:rPr lang="en-US" sz="1700" dirty="0"/>
+              <a:t> call, for which the issuer has the right to call a bond only once on the call date.</a:t>
             </a:r>
           </a:p>
           <a:p>
@@ -39230,12 +42327,148 @@
               <a:buAutoNum type="arabicPeriod"/>
             </a:pPr>
             <a:r>
-              <a:rPr lang="en-US" sz="2000" dirty="0"/>
-              <a:t>Bermuda-style call, for which the issuer has the right to call bonds on specified dates following the call protection period. These dates frequently correspond to coupon payment dates.</a:t>
-            </a:r>
-          </a:p>
-          <a:p>
-            <a:endParaRPr lang="en-US" sz="2000" dirty="0"/>
+              <a:rPr lang="en-US" sz="1700" dirty="0">
+                <a:solidFill>
+                  <a:srgbClr val="FF0000"/>
+                </a:solidFill>
+              </a:rPr>
+              <a:t>Bermuda-style</a:t>
+            </a:r>
+            <a:r>
+              <a:rPr lang="en-US" sz="1700" dirty="0"/>
+              <a:t> call, for which the issuer has the right to call bonds on specified dates following the call protection period. These dates frequently correspond to coupon payment dates.</a:t>
+            </a:r>
+          </a:p>
+          <a:p>
+            <a:endParaRPr lang="en-US" sz="1700" dirty="0"/>
+          </a:p>
+        </p:txBody>
+      </p:sp>
+      <p:sp>
+        <p:nvSpPr>
+          <p:cNvPr id="8" name="Rectangle 7">
+            <a:extLst>
+              <a:ext uri="{FF2B5EF4-FFF2-40B4-BE49-F238E27FC236}">
+                <a16:creationId xmlns:a16="http://schemas.microsoft.com/office/drawing/2014/main" id="{77D7B666-D5E6-48CE-B26A-FB5E5C34AF90}"/>
+              </a:ext>
+              <a:ext uri="{C183D7F6-B498-43B3-948B-1728B52AA6E4}">
+                <adec:decorative xmlns:adec="http://schemas.microsoft.com/office/drawing/2017/decorative" val="1"/>
+              </a:ext>
+            </a:extLst>
+          </p:cNvPr>
+          <p:cNvSpPr>
+            <a:spLocks noGrp="1" noRot="1" noChangeAspect="1" noMove="1" noResize="1" noEditPoints="1" noAdjustHandles="1" noChangeArrowheads="1" noChangeShapeType="1" noTextEdit="1"/>
+          </p:cNvSpPr>
+          <p:nvPr>
+            <p:extLst>
+              <p:ext uri="{386F3935-93C4-4BCD-93E2-E3B085C9AB24}">
+                <p16:designElem xmlns:p16="http://schemas.microsoft.com/office/powerpoint/2015/main" val="1"/>
+              </p:ext>
+            </p:extLst>
+          </p:nvPr>
+        </p:nvSpPr>
+        <p:spPr>
+          <a:xfrm>
+            <a:off x="9583348" y="325601"/>
+            <a:ext cx="2286920" cy="3908071"/>
+          </a:xfrm>
+          <a:prstGeom prst="rect">
+            <a:avLst/>
+          </a:prstGeom>
+          <a:solidFill>
+            <a:schemeClr val="accent1"/>
+          </a:solidFill>
+          <a:ln>
+            <a:noFill/>
+          </a:ln>
+        </p:spPr>
+        <p:style>
+          <a:lnRef idx="2">
+            <a:schemeClr val="accent1">
+              <a:shade val="50000"/>
+            </a:schemeClr>
+          </a:lnRef>
+          <a:fillRef idx="1">
+            <a:schemeClr val="accent1"/>
+          </a:fillRef>
+          <a:effectRef idx="0">
+            <a:schemeClr val="accent1"/>
+          </a:effectRef>
+          <a:fontRef idx="minor">
+            <a:schemeClr val="lt1"/>
+          </a:fontRef>
+        </p:style>
+        <p:txBody>
+          <a:bodyPr rtlCol="0" anchor="ctr"/>
+          <a:lstStyle/>
+          <a:p>
+            <a:pPr algn="ctr"/>
+            <a:endParaRPr lang="en-US" dirty="0"/>
+          </a:p>
+        </p:txBody>
+      </p:sp>
+      <p:sp>
+        <p:nvSpPr>
+          <p:cNvPr id="10" name="Rectangle 9">
+            <a:extLst>
+              <a:ext uri="{FF2B5EF4-FFF2-40B4-BE49-F238E27FC236}">
+                <a16:creationId xmlns:a16="http://schemas.microsoft.com/office/drawing/2014/main" id="{F6EE670A-A41A-44AD-BC1C-2090365EB5B3}"/>
+              </a:ext>
+              <a:ext uri="{C183D7F6-B498-43B3-948B-1728B52AA6E4}">
+                <adec:decorative xmlns:adec="http://schemas.microsoft.com/office/drawing/2017/decorative" val="1"/>
+              </a:ext>
+            </a:extLst>
+          </p:cNvPr>
+          <p:cNvSpPr>
+            <a:spLocks noGrp="1" noRot="1" noChangeAspect="1" noMove="1" noResize="1" noEditPoints="1" noAdjustHandles="1" noChangeArrowheads="1" noChangeShapeType="1" noTextEdit="1"/>
+          </p:cNvSpPr>
+          <p:nvPr>
+            <p:extLst>
+              <p:ext uri="{386F3935-93C4-4BCD-93E2-E3B085C9AB24}">
+                <p16:designElem xmlns:p16="http://schemas.microsoft.com/office/powerpoint/2015/main" val="1"/>
+              </p:ext>
+            </p:extLst>
+          </p:nvPr>
+        </p:nvSpPr>
+        <p:spPr>
+          <a:xfrm>
+            <a:off x="9583348" y="4394539"/>
+            <a:ext cx="2286920" cy="2029724"/>
+          </a:xfrm>
+          <a:prstGeom prst="rect">
+            <a:avLst/>
+          </a:prstGeom>
+          <a:solidFill>
+            <a:schemeClr val="tx2">
+              <a:alpha val="80000"/>
+            </a:schemeClr>
+          </a:solidFill>
+          <a:ln>
+            <a:noFill/>
+          </a:ln>
+        </p:spPr>
+        <p:style>
+          <a:lnRef idx="2">
+            <a:schemeClr val="accent1">
+              <a:shade val="50000"/>
+            </a:schemeClr>
+          </a:lnRef>
+          <a:fillRef idx="1">
+            <a:schemeClr val="accent1"/>
+          </a:fillRef>
+          <a:effectRef idx="0">
+            <a:schemeClr val="accent1"/>
+          </a:effectRef>
+          <a:fontRef idx="minor">
+            <a:schemeClr val="lt1"/>
+          </a:fontRef>
+        </p:style>
+        <p:txBody>
+          <a:bodyPr rtlCol="0" anchor="ctr"/>
+          <a:lstStyle/>
+          <a:p>
+            <a:pPr algn="ctr"/>
+            <a:endParaRPr lang="en-US"/>
           </a:p>
         </p:txBody>
       </p:sp>
@@ -39255,6 +42488,14 @@
 <file path=ppt/slides/slide45.xml><?xml version="1.0" encoding="utf-8"?>
 <p:sld xmlns:a="http://schemas.openxmlformats.org/drawingml/2006/main" xmlns:r="http://schemas.openxmlformats.org/officeDocument/2006/relationships" xmlns:p="http://schemas.openxmlformats.org/presentationml/2006/main">
   <p:cSld>
+    <p:bg>
+      <p:bgPr>
+        <a:solidFill>
+          <a:schemeClr val="bg1"/>
+        </a:solidFill>
+        <a:effectLst/>
+      </p:bgPr>
+    </p:bg>
     <p:spTree>
       <p:nvGrpSpPr>
         <p:cNvPr id="1" name=""/>
@@ -39269,6 +42510,44 @@
           <a:chExt cx="0" cy="0"/>
         </a:xfrm>
       </p:grpSpPr>
+      <p:pic>
+        <p:nvPicPr>
+          <p:cNvPr id="5" name="Picture 4" descr="Old wrinkled hands with some coins">
+            <a:extLst>
+              <a:ext uri="{FF2B5EF4-FFF2-40B4-BE49-F238E27FC236}">
+                <a16:creationId xmlns:a16="http://schemas.microsoft.com/office/drawing/2014/main" id="{B21DFE95-D25E-EC6F-5D3A-31F088A94C4D}"/>
+              </a:ext>
+            </a:extLst>
+          </p:cNvPr>
+          <p:cNvPicPr>
+            <a:picLocks noChangeAspect="1"/>
+          </p:cNvPicPr>
+          <p:nvPr/>
+        </p:nvPicPr>
+        <p:blipFill rotWithShape="1">
+          <a:blip r:embed="rId2">
+            <a:duotone>
+              <a:schemeClr val="bg2">
+                <a:shade val="45000"/>
+                <a:satMod val="135000"/>
+              </a:schemeClr>
+              <a:prstClr val="white"/>
+            </a:duotone>
+            <a:alphaModFix amt="40000"/>
+          </a:blip>
+          <a:srcRect b="15730"/>
+          <a:stretch/>
+        </p:blipFill>
+        <p:spPr>
+          <a:xfrm>
+            <a:off x="20" y="10"/>
+            <a:ext cx="12191980" cy="6857989"/>
+          </a:xfrm>
+          <a:prstGeom prst="rect">
+            <a:avLst/>
+          </a:prstGeom>
+        </p:spPr>
+      </p:pic>
       <p:sp>
         <p:nvSpPr>
           <p:cNvPr id="2" name="Title 1">
@@ -39285,7 +42564,12 @@
             <p:ph type="title"/>
           </p:nvPr>
         </p:nvSpPr>
-        <p:spPr/>
+        <p:spPr>
+          <a:xfrm>
+            <a:off x="1024128" y="585216"/>
+            <a:ext cx="9720072" cy="1499616"/>
+          </a:xfrm>
+        </p:spPr>
         <p:txBody>
           <a:bodyPr>
             <a:normAutofit/>
@@ -39313,6 +42597,58 @@
           </a:p>
         </p:txBody>
       </p:sp>
+      <p:cxnSp>
+        <p:nvCxnSpPr>
+          <p:cNvPr id="9" name="Straight Connector 8">
+            <a:extLst>
+              <a:ext uri="{FF2B5EF4-FFF2-40B4-BE49-F238E27FC236}">
+                <a16:creationId xmlns:a16="http://schemas.microsoft.com/office/drawing/2014/main" id="{3FEFDF7D-B17C-4F16-B8BE-C55FFC7E295E}"/>
+              </a:ext>
+              <a:ext uri="{C183D7F6-B498-43B3-948B-1728B52AA6E4}">
+                <adec:decorative xmlns:adec="http://schemas.microsoft.com/office/drawing/2017/decorative" val="1"/>
+              </a:ext>
+            </a:extLst>
+          </p:cNvPr>
+          <p:cNvCxnSpPr>
+            <a:cxnSpLocks noGrp="1" noRot="1" noChangeAspect="1" noMove="1" noResize="1" noEditPoints="1" noAdjustHandles="1" noChangeArrowheads="1" noChangeShapeType="1"/>
+          </p:cNvCxnSpPr>
+          <p:nvPr>
+            <p:extLst>
+              <p:ext uri="{386F3935-93C4-4BCD-93E2-E3B085C9AB24}">
+                <p16:designElem xmlns:p16="http://schemas.microsoft.com/office/powerpoint/2015/main" val="1"/>
+              </p:ext>
+            </p:extLst>
+          </p:nvPr>
+        </p:nvCxnSpPr>
+        <p:spPr>
+          <a:xfrm flipV="1">
+            <a:off x="762000" y="826324"/>
+            <a:ext cx="0" cy="914400"/>
+          </a:xfrm>
+          <a:prstGeom prst="line">
+            <a:avLst/>
+          </a:prstGeom>
+          <a:ln w="19050">
+            <a:solidFill>
+              <a:schemeClr val="accent1"/>
+            </a:solidFill>
+          </a:ln>
+        </p:spPr>
+        <p:style>
+          <a:lnRef idx="1">
+            <a:schemeClr val="accent1"/>
+          </a:lnRef>
+          <a:fillRef idx="0">
+            <a:schemeClr val="accent1"/>
+          </a:fillRef>
+          <a:effectRef idx="0">
+            <a:schemeClr val="accent1"/>
+          </a:effectRef>
+          <a:fontRef idx="minor">
+            <a:schemeClr val="tx1"/>
+          </a:fontRef>
+        </p:style>
+      </p:cxnSp>
       <p:sp>
         <p:nvSpPr>
           <p:cNvPr id="3" name="Content Placeholder 2">
@@ -39329,7 +42665,12 @@
             <p:ph idx="1"/>
           </p:nvPr>
         </p:nvSpPr>
-        <p:spPr/>
+        <p:spPr>
+          <a:xfrm>
+            <a:off x="1024128" y="2286000"/>
+            <a:ext cx="9720073" cy="4023360"/>
+          </a:xfrm>
+        </p:spPr>
         <p:txBody>
           <a:bodyPr>
             <a:normAutofit/>
@@ -39347,20 +42688,32 @@
           </a:p>
           <a:p>
             <a:r>
-              <a:rPr lang="en-US" sz="2400" dirty="0"/>
+              <a:rPr lang="en-US" dirty="0"/>
               <a:t>A typical </a:t>
             </a:r>
             <a:r>
-              <a:rPr lang="en-US" sz="2400" dirty="0">
+              <a:rPr lang="en-US" dirty="0">
                 <a:solidFill>
                   <a:srgbClr val="FF0000"/>
                 </a:solidFill>
               </a:rPr>
-              <a:t>make-whole call </a:t>
-            </a:r>
-            <a:r>
-              <a:rPr lang="en-US" sz="2400" dirty="0"/>
-              <a:t>requires the issuer to make a lump-sum payment to the bondholders based on the present value of the future coupon payments and outstanding principal due to early bond redemption.</a:t>
+              <a:t>make-whole</a:t>
+            </a:r>
+            <a:r>
+              <a:rPr lang="en-US" dirty="0"/>
+              <a:t> </a:t>
+            </a:r>
+            <a:r>
+              <a:rPr lang="en-US" dirty="0">
+                <a:solidFill>
+                  <a:srgbClr val="FF0000"/>
+                </a:solidFill>
+              </a:rPr>
+              <a:t>call</a:t>
+            </a:r>
+            <a:r>
+              <a:rPr lang="en-US" dirty="0"/>
+              <a:t> requires the issuer to make a lump-sum payment to the bondholders based on the present value of the future coupon payments and outstanding principal due to early bond redemption.</a:t>
             </a:r>
           </a:p>
           <a:p>
@@ -39472,9 +42825,7 @@
           <p:cNvGraphicFramePr>
             <a:graphicFrameLocks noGrp="1"/>
           </p:cNvGraphicFramePr>
-          <p:nvPr>
-            <p:extLst/>
-          </p:nvPr>
+          <p:nvPr/>
         </p:nvGraphicFramePr>
         <p:xfrm>
           <a:off x="1024128" y="3713480"/>
@@ -39943,6 +43294,14 @@
 <file path=ppt/slides/slide47.xml><?xml version="1.0" encoding="utf-8"?>
 <p:sld xmlns:a="http://schemas.openxmlformats.org/drawingml/2006/main" xmlns:r="http://schemas.openxmlformats.org/officeDocument/2006/relationships" xmlns:p="http://schemas.openxmlformats.org/presentationml/2006/main">
   <p:cSld>
+    <p:bg>
+      <p:bgPr>
+        <a:solidFill>
+          <a:schemeClr val="bg1"/>
+        </a:solidFill>
+        <a:effectLst/>
+      </p:bgPr>
+    </p:bg>
     <p:spTree>
       <p:nvGrpSpPr>
         <p:cNvPr id="1" name=""/>
@@ -39973,155 +43332,176 @@
             <p:ph type="title"/>
           </p:nvPr>
         </p:nvSpPr>
-        <p:spPr/>
+        <p:spPr>
+          <a:xfrm>
+            <a:off x="1024128" y="585216"/>
+            <a:ext cx="8018272" cy="1499616"/>
+          </a:xfrm>
+        </p:spPr>
         <p:txBody>
-          <a:bodyPr/>
+          <a:bodyPr>
+            <a:normAutofit/>
+          </a:bodyPr>
           <a:lstStyle/>
           <a:p>
             <a:r>
               <a:rPr lang="en-US" dirty="0"/>
               <a:t>practices</a:t>
             </a:r>
+          </a:p>
+        </p:txBody>
+      </p:sp>
+      <p:graphicFrame>
+        <p:nvGraphicFramePr>
+          <p:cNvPr id="12" name="Content Placeholder 2">
+            <a:extLst>
+              <a:ext uri="{FF2B5EF4-FFF2-40B4-BE49-F238E27FC236}">
+                <a16:creationId xmlns:a16="http://schemas.microsoft.com/office/drawing/2014/main" id="{DD3C2379-0C0B-E3F8-7251-F77C34834BB7}"/>
+              </a:ext>
+            </a:extLst>
+          </p:cNvPr>
+          <p:cNvGraphicFramePr>
+            <a:graphicFrameLocks noGrp="1"/>
+          </p:cNvGraphicFramePr>
+          <p:nvPr>
+            <p:ph idx="1"/>
+          </p:nvPr>
+        </p:nvGraphicFramePr>
+        <p:xfrm>
+          <a:off x="1024128" y="2286000"/>
+          <a:ext cx="8018271" cy="4023360"/>
+        </p:xfrm>
+        <a:graphic>
+          <a:graphicData uri="http://schemas.openxmlformats.org/drawingml/2006/diagram">
+            <dgm:relIds xmlns:dgm="http://schemas.openxmlformats.org/drawingml/2006/diagram" xmlns:r="http://schemas.openxmlformats.org/officeDocument/2006/relationships" r:dm="rId2" r:lo="rId3" r:qs="rId4" r:cs="rId5"/>
+          </a:graphicData>
+        </a:graphic>
+      </p:graphicFrame>
+      <p:sp>
+        <p:nvSpPr>
+          <p:cNvPr id="8" name="Rectangle 7">
+            <a:extLst>
+              <a:ext uri="{FF2B5EF4-FFF2-40B4-BE49-F238E27FC236}">
+                <a16:creationId xmlns:a16="http://schemas.microsoft.com/office/drawing/2014/main" id="{77D7B666-D5E6-48CE-B26A-FB5E5C34AF90}"/>
+              </a:ext>
+              <a:ext uri="{C183D7F6-B498-43B3-948B-1728B52AA6E4}">
+                <adec:decorative xmlns:adec="http://schemas.microsoft.com/office/drawing/2017/decorative" val="1"/>
+              </a:ext>
+            </a:extLst>
+          </p:cNvPr>
+          <p:cNvSpPr>
+            <a:spLocks noGrp="1" noRot="1" noChangeAspect="1" noMove="1" noResize="1" noEditPoints="1" noAdjustHandles="1" noChangeArrowheads="1" noChangeShapeType="1" noTextEdit="1"/>
+          </p:cNvSpPr>
+          <p:nvPr>
+            <p:extLst>
+              <p:ext uri="{386F3935-93C4-4BCD-93E2-E3B085C9AB24}">
+                <p16:designElem xmlns:p16="http://schemas.microsoft.com/office/powerpoint/2015/main" val="1"/>
+              </p:ext>
+            </p:extLst>
+          </p:nvPr>
+        </p:nvSpPr>
+        <p:spPr>
+          <a:xfrm>
+            <a:off x="9583348" y="325601"/>
+            <a:ext cx="2286920" cy="3908071"/>
+          </a:xfrm>
+          <a:prstGeom prst="rect">
+            <a:avLst/>
+          </a:prstGeom>
+          <a:solidFill>
+            <a:schemeClr val="accent1"/>
+          </a:solidFill>
+          <a:ln>
+            <a:noFill/>
+          </a:ln>
+        </p:spPr>
+        <p:style>
+          <a:lnRef idx="2">
+            <a:schemeClr val="accent1">
+              <a:shade val="50000"/>
+            </a:schemeClr>
+          </a:lnRef>
+          <a:fillRef idx="1">
+            <a:schemeClr val="accent1"/>
+          </a:fillRef>
+          <a:effectRef idx="0">
+            <a:schemeClr val="accent1"/>
+          </a:effectRef>
+          <a:fontRef idx="minor">
+            <a:schemeClr val="lt1"/>
+          </a:fontRef>
+        </p:style>
+        <p:txBody>
+          <a:bodyPr rtlCol="0" anchor="ctr"/>
+          <a:lstStyle/>
+          <a:p>
+            <a:pPr algn="ctr"/>
+            <a:endParaRPr lang="en-US" dirty="0"/>
           </a:p>
         </p:txBody>
       </p:sp>
       <p:sp>
         <p:nvSpPr>
-          <p:cNvPr id="3" name="Content Placeholder 2">
+          <p:cNvPr id="10" name="Rectangle 9">
             <a:extLst>
               <a:ext uri="{FF2B5EF4-FFF2-40B4-BE49-F238E27FC236}">
-                <a16:creationId xmlns:a16="http://schemas.microsoft.com/office/drawing/2014/main" id="{7FC1695E-DC99-4B65-9B20-35B3E06DAABB}"/>
+                <a16:creationId xmlns:a16="http://schemas.microsoft.com/office/drawing/2014/main" id="{F6EE670A-A41A-44AD-BC1C-2090365EB5B3}"/>
+              </a:ext>
+              <a:ext uri="{C183D7F6-B498-43B3-948B-1728B52AA6E4}">
+                <adec:decorative xmlns:adec="http://schemas.microsoft.com/office/drawing/2017/decorative" val="1"/>
               </a:ext>
             </a:extLst>
           </p:cNvPr>
           <p:cNvSpPr>
-            <a:spLocks noGrp="1"/>
+            <a:spLocks noGrp="1" noRot="1" noChangeAspect="1" noMove="1" noResize="1" noEditPoints="1" noAdjustHandles="1" noChangeArrowheads="1" noChangeShapeType="1" noTextEdit="1"/>
           </p:cNvSpPr>
           <p:nvPr>
-            <p:ph idx="1"/>
+            <p:extLst>
+              <p:ext uri="{386F3935-93C4-4BCD-93E2-E3B085C9AB24}">
+                <p16:designElem xmlns:p16="http://schemas.microsoft.com/office/powerpoint/2015/main" val="1"/>
+              </p:ext>
+            </p:extLst>
           </p:nvPr>
         </p:nvSpPr>
-        <p:spPr/>
+        <p:spPr>
+          <a:xfrm>
+            <a:off x="9583348" y="4394539"/>
+            <a:ext cx="2286920" cy="2029724"/>
+          </a:xfrm>
+          <a:prstGeom prst="rect">
+            <a:avLst/>
+          </a:prstGeom>
+          <a:solidFill>
+            <a:schemeClr val="tx2">
+              <a:alpha val="80000"/>
+            </a:schemeClr>
+          </a:solidFill>
+          <a:ln>
+            <a:noFill/>
+          </a:ln>
+        </p:spPr>
+        <p:style>
+          <a:lnRef idx="2">
+            <a:schemeClr val="accent1">
+              <a:shade val="50000"/>
+            </a:schemeClr>
+          </a:lnRef>
+          <a:fillRef idx="1">
+            <a:schemeClr val="accent1"/>
+          </a:fillRef>
+          <a:effectRef idx="0">
+            <a:schemeClr val="accent1"/>
+          </a:effectRef>
+          <a:fontRef idx="minor">
+            <a:schemeClr val="lt1"/>
+          </a:fontRef>
+        </p:style>
         <p:txBody>
-          <a:bodyPr>
-            <a:normAutofit fontScale="70000" lnSpcReduction="20000"/>
-          </a:bodyPr>
+          <a:bodyPr rtlCol="0" anchor="ctr"/>
           <a:lstStyle/>
           <a:p>
-            <a:r>
-              <a:rPr lang="en-US" dirty="0"/>
-              <a:t>1. The call protection period is:</a:t>
-            </a:r>
-          </a:p>
-          <a:p>
-            <a:pPr marL="457200" indent="-457200">
-              <a:buFont typeface="+mj-lt"/>
-              <a:buAutoNum type="alphaUcPeriod"/>
-            </a:pPr>
-            <a:r>
-              <a:rPr lang="en-US" b="1" dirty="0"/>
-              <a:t>10 years.</a:t>
-            </a:r>
-          </a:p>
-          <a:p>
-            <a:pPr marL="457200" indent="-457200">
-              <a:buFont typeface="+mj-lt"/>
-              <a:buAutoNum type="alphaUcPeriod"/>
-            </a:pPr>
-            <a:r>
-              <a:rPr lang="en-US" b="1" dirty="0"/>
-              <a:t>11 years.</a:t>
-            </a:r>
-          </a:p>
-          <a:p>
-            <a:pPr marL="457200" indent="-457200">
-              <a:buFont typeface="+mj-lt"/>
-              <a:buAutoNum type="alphaUcPeriod"/>
-            </a:pPr>
-            <a:r>
-              <a:rPr lang="en-US" b="1" dirty="0"/>
-              <a:t>20 years.</a:t>
-            </a:r>
-          </a:p>
-          <a:p>
-            <a:r>
-              <a:rPr lang="en-US" dirty="0"/>
-              <a:t>2. The call premium (per $1,000 in par value) in 2033 is closest to:</a:t>
-            </a:r>
-          </a:p>
-          <a:p>
-            <a:pPr marL="457200" indent="-457200">
-              <a:buFont typeface="+mj-lt"/>
-              <a:buAutoNum type="alphaUcPeriod"/>
-            </a:pPr>
-            <a:r>
-              <a:rPr lang="en-US" b="1" dirty="0"/>
-              <a:t>$2.32.</a:t>
-            </a:r>
-          </a:p>
-          <a:p>
-            <a:pPr marL="457200" indent="-457200">
-              <a:buFont typeface="+mj-lt"/>
-              <a:buAutoNum type="alphaUcPeriod"/>
-            </a:pPr>
-            <a:r>
-              <a:rPr lang="en-US" b="1" dirty="0"/>
-              <a:t>$23.22.</a:t>
-            </a:r>
-          </a:p>
-          <a:p>
-            <a:pPr marL="457200" indent="-457200">
-              <a:buFont typeface="+mj-lt"/>
-              <a:buAutoNum type="alphaUcPeriod"/>
-            </a:pPr>
-            <a:r>
-              <a:rPr lang="en-US" b="1" dirty="0"/>
-              <a:t>$45.14.</a:t>
-            </a:r>
-          </a:p>
-          <a:p>
-            <a:r>
-              <a:rPr lang="en-US" dirty="0"/>
-              <a:t>3. The call provision is </a:t>
-            </a:r>
-            <a:r>
-              <a:rPr lang="en-US" i="1" dirty="0"/>
-              <a:t>most likely</a:t>
-            </a:r>
-            <a:r>
-              <a:rPr lang="en-US" dirty="0"/>
-              <a:t>:</a:t>
-            </a:r>
-          </a:p>
-          <a:p>
-            <a:pPr marL="457200" indent="-457200">
-              <a:buFont typeface="+mj-lt"/>
-              <a:buAutoNum type="alphaUcPeriod"/>
-            </a:pPr>
-            <a:r>
-              <a:rPr lang="en-US" b="1" dirty="0"/>
-              <a:t>a Bermuda call.</a:t>
-            </a:r>
-          </a:p>
-          <a:p>
-            <a:pPr marL="457200" indent="-457200">
-              <a:buFont typeface="+mj-lt"/>
-              <a:buAutoNum type="alphaUcPeriod"/>
-            </a:pPr>
-            <a:r>
-              <a:rPr lang="en-US" b="1" dirty="0"/>
-              <a:t>a European call.</a:t>
-            </a:r>
-          </a:p>
-          <a:p>
-            <a:pPr marL="457200" indent="-457200">
-              <a:buFont typeface="+mj-lt"/>
-              <a:buAutoNum type="alphaUcPeriod"/>
-            </a:pPr>
-            <a:r>
-              <a:rPr lang="en-US" b="1" dirty="0"/>
-              <a:t>an American call.</a:t>
-            </a:r>
+            <a:pPr algn="ctr"/>
+            <a:endParaRPr lang="en-US"/>
           </a:p>
         </p:txBody>
       </p:sp>
@@ -40129,122 +43509,6 @@
     <p:extLst>
       <p:ext uri="{BB962C8B-B14F-4D97-AF65-F5344CB8AC3E}">
         <p14:creationId xmlns:p14="http://schemas.microsoft.com/office/powerpoint/2010/main" val="444248272"/>
-      </p:ext>
-    </p:extLst>
-  </p:cSld>
-  <p:clrMapOvr>
-    <a:masterClrMapping/>
-  </p:clrMapOvr>
-</p:sld>
-</file>
-
-<file path=ppt/slides/slide48.xml><?xml version="1.0" encoding="utf-8"?>
-<p:sld xmlns:a="http://schemas.openxmlformats.org/drawingml/2006/main" xmlns:r="http://schemas.openxmlformats.org/officeDocument/2006/relationships" xmlns:p="http://schemas.openxmlformats.org/presentationml/2006/main">
-  <p:cSld>
-    <p:spTree>
-      <p:nvGrpSpPr>
-        <p:cNvPr id="1" name=""/>
-        <p:cNvGrpSpPr/>
-        <p:nvPr/>
-      </p:nvGrpSpPr>
-      <p:grpSpPr>
-        <a:xfrm>
-          <a:off x="0" y="0"/>
-          <a:ext cx="0" cy="0"/>
-          <a:chOff x="0" y="0"/>
-          <a:chExt cx="0" cy="0"/>
-        </a:xfrm>
-      </p:grpSpPr>
-      <p:sp>
-        <p:nvSpPr>
-          <p:cNvPr id="2" name="Title 1">
-            <a:extLst>
-              <a:ext uri="{FF2B5EF4-FFF2-40B4-BE49-F238E27FC236}">
-                <a16:creationId xmlns:a16="http://schemas.microsoft.com/office/drawing/2014/main" id="{99FB2BDC-3E20-4B0D-AD98-EA9B70FF554A}"/>
-              </a:ext>
-            </a:extLst>
-          </p:cNvPr>
-          <p:cNvSpPr>
-            <a:spLocks noGrp="1"/>
-          </p:cNvSpPr>
-          <p:nvPr>
-            <p:ph type="title"/>
-          </p:nvPr>
-        </p:nvSpPr>
-        <p:spPr/>
-        <p:txBody>
-          <a:bodyPr>
-            <a:normAutofit/>
-          </a:bodyPr>
-          <a:lstStyle/>
-          <a:p>
-            <a:r>
-              <a:rPr lang="en-US" sz="3500" dirty="0"/>
-              <a:t>Module1</a:t>
-            </a:r>
-            <a:br>
-              <a:rPr lang="en-US" sz="3500" dirty="0"/>
-            </a:br>
-            <a:r>
-              <a:rPr lang="en-US" sz="3500" dirty="0"/>
-              <a:t>Fixed-Income Securities: </a:t>
-            </a:r>
-            <a:br>
-              <a:rPr lang="en-US" sz="3500" dirty="0"/>
-            </a:br>
-            <a:r>
-              <a:rPr lang="en-US" sz="3500" dirty="0"/>
-              <a:t>Defining Elements</a:t>
-            </a:r>
-          </a:p>
-        </p:txBody>
-      </p:sp>
-      <p:sp>
-        <p:nvSpPr>
-          <p:cNvPr id="3" name="Content Placeholder 2">
-            <a:extLst>
-              <a:ext uri="{FF2B5EF4-FFF2-40B4-BE49-F238E27FC236}">
-                <a16:creationId xmlns:a16="http://schemas.microsoft.com/office/drawing/2014/main" id="{CCE983EF-5C68-4EC8-BFF1-4CE359A41BD1}"/>
-              </a:ext>
-            </a:extLst>
-          </p:cNvPr>
-          <p:cNvSpPr>
-            <a:spLocks noGrp="1"/>
-          </p:cNvSpPr>
-          <p:nvPr>
-            <p:ph idx="1"/>
-          </p:nvPr>
-        </p:nvSpPr>
-        <p:spPr/>
-        <p:txBody>
-          <a:bodyPr/>
-          <a:lstStyle/>
-          <a:p>
-            <a:r>
-              <a:rPr lang="en-US" sz="2800" b="1" dirty="0">
-                <a:solidFill>
-                  <a:srgbClr val="FF0000"/>
-                </a:solidFill>
-              </a:rPr>
-              <a:t>Convertible bond</a:t>
-            </a:r>
-          </a:p>
-          <a:p>
-            <a:endParaRPr lang="en-US" sz="2800" b="1" dirty="0">
-              <a:solidFill>
-                <a:srgbClr val="FF0000"/>
-              </a:solidFill>
-            </a:endParaRPr>
-          </a:p>
-          <a:p>
-            <a:endParaRPr lang="en-US" dirty="0"/>
-          </a:p>
-        </p:txBody>
-      </p:sp>
-    </p:spTree>
-    <p:extLst>
-      <p:ext uri="{BB962C8B-B14F-4D97-AF65-F5344CB8AC3E}">
-        <p14:creationId xmlns:p14="http://schemas.microsoft.com/office/powerpoint/2010/main" val="962242663"/>
       </p:ext>
     </p:extLst>
   </p:cSld>

--- a/Fixed Income.pptx
+++ b/Fixed Income.pptx
@@ -5,7 +5,7 @@
     <p:sldMasterId id="2147483660" r:id="rId1"/>
   </p:sldMasterIdLst>
   <p:notesMasterIdLst>
-    <p:notesMasterId r:id="rId49"/>
+    <p:notesMasterId r:id="rId54"/>
   </p:notesMasterIdLst>
   <p:sldIdLst>
     <p:sldId id="265" r:id="rId2"/>
@@ -55,6 +55,11 @@
     <p:sldId id="303" r:id="rId46"/>
     <p:sldId id="304" r:id="rId47"/>
     <p:sldId id="305" r:id="rId48"/>
+    <p:sldId id="307" r:id="rId49"/>
+    <p:sldId id="308" r:id="rId50"/>
+    <p:sldId id="309" r:id="rId51"/>
+    <p:sldId id="310" r:id="rId52"/>
+    <p:sldId id="311" r:id="rId53"/>
   </p:sldIdLst>
   <p:sldSz cx="12192000" cy="6858000"/>
   <p:notesSz cx="6858000" cy="9144000"/>
@@ -2978,8 +2983,8 @@
     <dgm:cxn modelId="{AF33C521-71B0-4B68-A042-D5C4BD05A724}" srcId="{E418CFBD-CBB0-47D4-90EA-7C86E66E0301}" destId="{B4A4CC78-25E8-4AC4-B6C7-FEF8A2ACA6AA}" srcOrd="0" destOrd="0" parTransId="{85016B60-CA97-4D4D-A9E2-806B7E6A6D86}" sibTransId="{849FA569-BFE8-4BE4-8A3A-A15102DEE95C}"/>
     <dgm:cxn modelId="{F6B99A3C-9076-364A-879D-12713B74FC7C}" type="presOf" srcId="{285DEE00-3466-4A02-B97F-7B091B7A1EBA}" destId="{4E2EE375-77E8-344D-8FE3-6D408976901F}" srcOrd="0" destOrd="2" presId="urn:microsoft.com/office/officeart/2005/8/layout/vList2"/>
     <dgm:cxn modelId="{D85F8B50-D075-1442-9DF8-1563FD94E531}" type="presOf" srcId="{53EC224F-F0B0-410D-96A8-6BA533D08D48}" destId="{6E81FE26-0174-494F-A8AC-03518D01DF5A}" srcOrd="0" destOrd="2" presId="urn:microsoft.com/office/officeart/2005/8/layout/vList2"/>
+    <dgm:cxn modelId="{6C296F77-763A-1B49-8F08-91BDF5A82BE2}" type="presOf" srcId="{E418CFBD-CBB0-47D4-90EA-7C86E66E0301}" destId="{CD36D044-47F6-BA4C-B7C5-E9DB54309CE0}" srcOrd="0" destOrd="0" presId="urn:microsoft.com/office/officeart/2005/8/layout/vList2"/>
     <dgm:cxn modelId="{3D0EFB57-CF8C-5744-A774-55319E05AA6E}" type="presOf" srcId="{5BA6EAC7-5FD8-4F9E-BFE8-CEDE7CEDDF86}" destId="{4E2EE375-77E8-344D-8FE3-6D408976901F}" srcOrd="0" destOrd="0" presId="urn:microsoft.com/office/officeart/2005/8/layout/vList2"/>
-    <dgm:cxn modelId="{6C296F77-763A-1B49-8F08-91BDF5A82BE2}" type="presOf" srcId="{E418CFBD-CBB0-47D4-90EA-7C86E66E0301}" destId="{CD36D044-47F6-BA4C-B7C5-E9DB54309CE0}" srcOrd="0" destOrd="0" presId="urn:microsoft.com/office/officeart/2005/8/layout/vList2"/>
     <dgm:cxn modelId="{6ED6F37E-7BEF-8D4E-AF20-2B418631C184}" type="presOf" srcId="{12E8DCDE-129C-4875-BF61-2B214BB7B4DE}" destId="{BC7A51D8-329D-4148-A3CC-5E08CD64BDFD}" srcOrd="0" destOrd="0" presId="urn:microsoft.com/office/officeart/2005/8/layout/vList2"/>
     <dgm:cxn modelId="{59947886-8799-40C6-8A4C-8031E410CA52}" srcId="{B4A4CC78-25E8-4AC4-B6C7-FEF8A2ACA6AA}" destId="{E79D3704-2259-4A45-9208-E7E3B168D5A5}" srcOrd="0" destOrd="0" parTransId="{4878388E-DB59-439F-B6F3-5C85431A665D}" sibTransId="{19B403D0-6920-4A61-AAA1-3D5A9D371B3E}"/>
     <dgm:cxn modelId="{754BA58A-DFAF-FD40-8071-91502A0354A9}" type="presOf" srcId="{8485117E-84FB-4AC0-84B3-D99A21D09A23}" destId="{4E2EE375-77E8-344D-8FE3-6D408976901F}" srcOrd="0" destOrd="1" presId="urn:microsoft.com/office/officeart/2005/8/layout/vList2"/>
@@ -3943,8 +3948,8 @@
       </dsp:nvSpPr>
       <dsp:spPr>
         <a:xfrm>
-          <a:off x="0" y="63359"/>
-          <a:ext cx="8018271" cy="501930"/>
+          <a:off x="0" y="17257"/>
+          <a:ext cx="8018271" cy="503685"/>
         </a:xfrm>
         <a:prstGeom prst="roundRect">
           <a:avLst/>
@@ -3985,12 +3990,12 @@
         </a:fontRef>
       </dsp:style>
       <dsp:txBody>
-        <a:bodyPr spcFirstLastPara="0" vert="horz" wrap="square" lIns="83820" tIns="83820" rIns="83820" bIns="83820" numCol="1" spcCol="1270" anchor="ctr" anchorCtr="0">
+        <a:bodyPr spcFirstLastPara="0" vert="horz" wrap="square" lIns="80010" tIns="80010" rIns="80010" bIns="80010" numCol="1" spcCol="1270" anchor="ctr" anchorCtr="0">
           <a:noAutofit/>
         </a:bodyPr>
         <a:lstStyle/>
         <a:p>
-          <a:pPr marL="0" lvl="0" indent="0" algn="l" defTabSz="977900">
+          <a:pPr marL="0" lvl="0" indent="0" algn="l" defTabSz="933450">
             <a:lnSpc>
               <a:spcPct val="90000"/>
             </a:lnSpc>
@@ -4003,14 +4008,14 @@
             <a:buNone/>
           </a:pPr>
           <a:r>
-            <a:rPr lang="en-US" sz="2200" kern="1200"/>
+            <a:rPr lang="en-US" sz="2100" kern="1200"/>
             <a:t>1. The call protection period is:</a:t>
           </a:r>
         </a:p>
       </dsp:txBody>
       <dsp:txXfrm>
-        <a:off x="24502" y="87861"/>
-        <a:ext cx="7969267" cy="452926"/>
+        <a:off x="24588" y="41845"/>
+        <a:ext cx="7969095" cy="454509"/>
       </dsp:txXfrm>
     </dsp:sp>
     <dsp:sp modelId="{6E81FE26-0174-494F-A8AC-03518D01DF5A}">
@@ -4020,8 +4025,8 @@
       </dsp:nvSpPr>
       <dsp:spPr>
         <a:xfrm>
-          <a:off x="0" y="565289"/>
-          <a:ext cx="8018271" cy="796950"/>
+          <a:off x="0" y="520942"/>
+          <a:ext cx="8018271" cy="825930"/>
         </a:xfrm>
         <a:prstGeom prst="rect">
           <a:avLst/>
@@ -4045,12 +4050,12 @@
         <a:fontRef idx="minor"/>
       </dsp:style>
       <dsp:txBody>
-        <a:bodyPr spcFirstLastPara="0" vert="horz" wrap="square" lIns="254580" tIns="27940" rIns="156464" bIns="27940" numCol="1" spcCol="1270" anchor="t" anchorCtr="0">
+        <a:bodyPr spcFirstLastPara="0" vert="horz" wrap="square" lIns="254580" tIns="26670" rIns="149352" bIns="26670" numCol="1" spcCol="1270" anchor="t" anchorCtr="0">
           <a:noAutofit/>
         </a:bodyPr>
         <a:lstStyle/>
         <a:p>
-          <a:pPr marL="171450" lvl="1" indent="-171450" algn="l" defTabSz="755650">
+          <a:pPr marL="171450" lvl="1" indent="-171450" algn="l" defTabSz="711200">
             <a:lnSpc>
               <a:spcPct val="90000"/>
             </a:lnSpc>
@@ -4063,13 +4068,13 @@
             <a:buChar char="•"/>
           </a:pPr>
           <a:r>
-            <a:rPr lang="en-US" sz="1700" b="1" kern="1200"/>
+            <a:rPr lang="en-US" sz="1600" b="1" kern="1200"/>
             <a:t>10 years.</a:t>
           </a:r>
-          <a:endParaRPr lang="en-US" sz="1700" kern="1200"/>
+          <a:endParaRPr lang="en-US" sz="1600" kern="1200"/>
         </a:p>
         <a:p>
-          <a:pPr marL="171450" lvl="1" indent="-171450" algn="l" defTabSz="755650">
+          <a:pPr marL="171450" lvl="1" indent="-171450" algn="l" defTabSz="711200">
             <a:lnSpc>
               <a:spcPct val="90000"/>
             </a:lnSpc>
@@ -4082,13 +4087,13 @@
             <a:buChar char="•"/>
           </a:pPr>
           <a:r>
-            <a:rPr lang="en-US" sz="1700" b="1" kern="1200"/>
+            <a:rPr lang="en-US" sz="1600" b="1" kern="1200"/>
             <a:t>11 years.</a:t>
           </a:r>
-          <a:endParaRPr lang="en-US" sz="1700" kern="1200"/>
+          <a:endParaRPr lang="en-US" sz="1600" kern="1200"/>
         </a:p>
         <a:p>
-          <a:pPr marL="171450" lvl="1" indent="-171450" algn="l" defTabSz="755650">
+          <a:pPr marL="171450" lvl="1" indent="-171450" algn="l" defTabSz="711200">
             <a:lnSpc>
               <a:spcPct val="90000"/>
             </a:lnSpc>
@@ -4101,15 +4106,15 @@
             <a:buChar char="•"/>
           </a:pPr>
           <a:r>
-            <a:rPr lang="en-US" sz="1700" b="1" kern="1200"/>
+            <a:rPr lang="en-US" sz="1600" b="1" kern="1200"/>
             <a:t>20 years.</a:t>
           </a:r>
-          <a:endParaRPr lang="en-US" sz="1700" kern="1200"/>
+          <a:endParaRPr lang="en-US" sz="1600" kern="1200"/>
         </a:p>
       </dsp:txBody>
       <dsp:txXfrm>
-        <a:off x="0" y="565289"/>
-        <a:ext cx="8018271" cy="796950"/>
+        <a:off x="0" y="520942"/>
+        <a:ext cx="8018271" cy="825930"/>
       </dsp:txXfrm>
     </dsp:sp>
     <dsp:sp modelId="{5077C554-23B0-B14D-871F-99A3D7E86E41}">
@@ -4119,8 +4124,8 @@
       </dsp:nvSpPr>
       <dsp:spPr>
         <a:xfrm>
-          <a:off x="0" y="1362239"/>
-          <a:ext cx="8018271" cy="501930"/>
+          <a:off x="0" y="1346872"/>
+          <a:ext cx="8018271" cy="503685"/>
         </a:xfrm>
         <a:prstGeom prst="roundRect">
           <a:avLst/>
@@ -4161,12 +4166,12 @@
         </a:fontRef>
       </dsp:style>
       <dsp:txBody>
-        <a:bodyPr spcFirstLastPara="0" vert="horz" wrap="square" lIns="83820" tIns="83820" rIns="83820" bIns="83820" numCol="1" spcCol="1270" anchor="ctr" anchorCtr="0">
+        <a:bodyPr spcFirstLastPara="0" vert="horz" wrap="square" lIns="80010" tIns="80010" rIns="80010" bIns="80010" numCol="1" spcCol="1270" anchor="ctr" anchorCtr="0">
           <a:noAutofit/>
         </a:bodyPr>
         <a:lstStyle/>
         <a:p>
-          <a:pPr marL="0" lvl="0" indent="0" algn="l" defTabSz="977900">
+          <a:pPr marL="0" lvl="0" indent="0" algn="l" defTabSz="933450">
             <a:lnSpc>
               <a:spcPct val="90000"/>
             </a:lnSpc>
@@ -4179,14 +4184,14 @@
             <a:buNone/>
           </a:pPr>
           <a:r>
-            <a:rPr lang="en-US" sz="2200" kern="1200"/>
+            <a:rPr lang="en-US" sz="2100" kern="1200"/>
             <a:t>2. The call premium (per $1,000 in par value) in 2033 is closest to:</a:t>
           </a:r>
         </a:p>
       </dsp:txBody>
       <dsp:txXfrm>
-        <a:off x="24502" y="1386741"/>
-        <a:ext cx="7969267" cy="452926"/>
+        <a:off x="24588" y="1371460"/>
+        <a:ext cx="7969095" cy="454509"/>
       </dsp:txXfrm>
     </dsp:sp>
     <dsp:sp modelId="{BC7A51D8-329D-4148-A3CC-5E08CD64BDFD}">
@@ -4196,8 +4201,8 @@
       </dsp:nvSpPr>
       <dsp:spPr>
         <a:xfrm>
-          <a:off x="0" y="1864170"/>
-          <a:ext cx="8018271" cy="796950"/>
+          <a:off x="0" y="1850557"/>
+          <a:ext cx="8018271" cy="825930"/>
         </a:xfrm>
         <a:prstGeom prst="rect">
           <a:avLst/>
@@ -4221,12 +4226,12 @@
         <a:fontRef idx="minor"/>
       </dsp:style>
       <dsp:txBody>
-        <a:bodyPr spcFirstLastPara="0" vert="horz" wrap="square" lIns="254580" tIns="27940" rIns="156464" bIns="27940" numCol="1" spcCol="1270" anchor="t" anchorCtr="0">
+        <a:bodyPr spcFirstLastPara="0" vert="horz" wrap="square" lIns="254580" tIns="26670" rIns="149352" bIns="26670" numCol="1" spcCol="1270" anchor="t" anchorCtr="0">
           <a:noAutofit/>
         </a:bodyPr>
         <a:lstStyle/>
         <a:p>
-          <a:pPr marL="171450" lvl="1" indent="-171450" algn="l" defTabSz="755650">
+          <a:pPr marL="171450" lvl="1" indent="-171450" algn="l" defTabSz="711200">
             <a:lnSpc>
               <a:spcPct val="90000"/>
             </a:lnSpc>
@@ -4239,13 +4244,13 @@
             <a:buChar char="•"/>
           </a:pPr>
           <a:r>
-            <a:rPr lang="en-US" sz="1700" b="1" kern="1200"/>
+            <a:rPr lang="en-US" sz="1600" b="1" kern="1200"/>
             <a:t>$2.32.</a:t>
           </a:r>
-          <a:endParaRPr lang="en-US" sz="1700" kern="1200"/>
+          <a:endParaRPr lang="en-US" sz="1600" kern="1200"/>
         </a:p>
         <a:p>
-          <a:pPr marL="171450" lvl="1" indent="-171450" algn="l" defTabSz="755650">
+          <a:pPr marL="171450" lvl="1" indent="-171450" algn="l" defTabSz="711200">
             <a:lnSpc>
               <a:spcPct val="90000"/>
             </a:lnSpc>
@@ -4258,13 +4263,13 @@
             <a:buChar char="•"/>
           </a:pPr>
           <a:r>
-            <a:rPr lang="en-US" sz="1700" b="1" kern="1200"/>
+            <a:rPr lang="en-US" sz="1600" b="1" kern="1200"/>
             <a:t>$23.22.</a:t>
           </a:r>
-          <a:endParaRPr lang="en-US" sz="1700" kern="1200"/>
+          <a:endParaRPr lang="en-US" sz="1600" kern="1200"/>
         </a:p>
         <a:p>
-          <a:pPr marL="171450" lvl="1" indent="-171450" algn="l" defTabSz="755650">
+          <a:pPr marL="171450" lvl="1" indent="-171450" algn="l" defTabSz="711200">
             <a:lnSpc>
               <a:spcPct val="90000"/>
             </a:lnSpc>
@@ -4277,15 +4282,15 @@
             <a:buChar char="•"/>
           </a:pPr>
           <a:r>
-            <a:rPr lang="en-US" sz="1700" b="1" kern="1200"/>
+            <a:rPr lang="en-US" sz="1600" b="1" kern="1200"/>
             <a:t>$45.14.</a:t>
           </a:r>
-          <a:endParaRPr lang="en-US" sz="1700" kern="1200"/>
+          <a:endParaRPr lang="en-US" sz="1600" kern="1200"/>
         </a:p>
       </dsp:txBody>
       <dsp:txXfrm>
-        <a:off x="0" y="1864170"/>
-        <a:ext cx="8018271" cy="796950"/>
+        <a:off x="0" y="1850557"/>
+        <a:ext cx="8018271" cy="825930"/>
       </dsp:txXfrm>
     </dsp:sp>
     <dsp:sp modelId="{BFAB45D7-86FF-2F4A-8BCB-FF9A2B3B2860}">
@@ -4295,8 +4300,8 @@
       </dsp:nvSpPr>
       <dsp:spPr>
         <a:xfrm>
-          <a:off x="0" y="2661120"/>
-          <a:ext cx="8018271" cy="501930"/>
+          <a:off x="0" y="2676487"/>
+          <a:ext cx="8018271" cy="503685"/>
         </a:xfrm>
         <a:prstGeom prst="roundRect">
           <a:avLst/>
@@ -4337,12 +4342,12 @@
         </a:fontRef>
       </dsp:style>
       <dsp:txBody>
-        <a:bodyPr spcFirstLastPara="0" vert="horz" wrap="square" lIns="83820" tIns="83820" rIns="83820" bIns="83820" numCol="1" spcCol="1270" anchor="ctr" anchorCtr="0">
+        <a:bodyPr spcFirstLastPara="0" vert="horz" wrap="square" lIns="80010" tIns="80010" rIns="80010" bIns="80010" numCol="1" spcCol="1270" anchor="ctr" anchorCtr="0">
           <a:noAutofit/>
         </a:bodyPr>
         <a:lstStyle/>
         <a:p>
-          <a:pPr marL="0" lvl="0" indent="0" algn="l" defTabSz="977900">
+          <a:pPr marL="0" lvl="0" indent="0" algn="l" defTabSz="933450">
             <a:lnSpc>
               <a:spcPct val="90000"/>
             </a:lnSpc>
@@ -4355,22 +4360,22 @@
             <a:buNone/>
           </a:pPr>
           <a:r>
-            <a:rPr lang="en-US" sz="2200" kern="1200"/>
+            <a:rPr lang="en-US" sz="2100" kern="1200"/>
             <a:t>3. The call provision is </a:t>
           </a:r>
           <a:r>
-            <a:rPr lang="en-US" sz="2200" i="1" kern="1200"/>
+            <a:rPr lang="en-US" sz="2100" i="1" kern="1200"/>
             <a:t>most likely</a:t>
           </a:r>
           <a:r>
-            <a:rPr lang="en-US" sz="2200" kern="1200"/>
+            <a:rPr lang="en-US" sz="2100" kern="1200"/>
             <a:t>:</a:t>
           </a:r>
         </a:p>
       </dsp:txBody>
       <dsp:txXfrm>
-        <a:off x="24502" y="2685622"/>
-        <a:ext cx="7969267" cy="452926"/>
+        <a:off x="24588" y="2701075"/>
+        <a:ext cx="7969095" cy="454509"/>
       </dsp:txXfrm>
     </dsp:sp>
     <dsp:sp modelId="{4E2EE375-77E8-344D-8FE3-6D408976901F}">
@@ -4380,8 +4385,8 @@
       </dsp:nvSpPr>
       <dsp:spPr>
         <a:xfrm>
-          <a:off x="0" y="3163050"/>
-          <a:ext cx="8018271" cy="796950"/>
+          <a:off x="0" y="3180172"/>
+          <a:ext cx="8018271" cy="825930"/>
         </a:xfrm>
         <a:prstGeom prst="rect">
           <a:avLst/>
@@ -4405,12 +4410,12 @@
         <a:fontRef idx="minor"/>
       </dsp:style>
       <dsp:txBody>
-        <a:bodyPr spcFirstLastPara="0" vert="horz" wrap="square" lIns="254580" tIns="27940" rIns="156464" bIns="27940" numCol="1" spcCol="1270" anchor="t" anchorCtr="0">
+        <a:bodyPr spcFirstLastPara="0" vert="horz" wrap="square" lIns="254580" tIns="26670" rIns="149352" bIns="26670" numCol="1" spcCol="1270" anchor="t" anchorCtr="0">
           <a:noAutofit/>
         </a:bodyPr>
         <a:lstStyle/>
         <a:p>
-          <a:pPr marL="171450" lvl="1" indent="-171450" algn="l" defTabSz="755650">
+          <a:pPr marL="171450" lvl="1" indent="-171450" algn="l" defTabSz="711200">
             <a:lnSpc>
               <a:spcPct val="90000"/>
             </a:lnSpc>
@@ -4423,13 +4428,13 @@
             <a:buChar char="•"/>
           </a:pPr>
           <a:r>
-            <a:rPr lang="en-US" sz="1700" b="1" kern="1200"/>
+            <a:rPr lang="en-US" sz="1600" b="1" kern="1200"/>
             <a:t>a Bermuda call.</a:t>
           </a:r>
-          <a:endParaRPr lang="en-US" sz="1700" kern="1200"/>
+          <a:endParaRPr lang="en-US" sz="1600" kern="1200"/>
         </a:p>
         <a:p>
-          <a:pPr marL="171450" lvl="1" indent="-171450" algn="l" defTabSz="755650">
+          <a:pPr marL="171450" lvl="1" indent="-171450" algn="l" defTabSz="711200">
             <a:lnSpc>
               <a:spcPct val="90000"/>
             </a:lnSpc>
@@ -4442,13 +4447,13 @@
             <a:buChar char="•"/>
           </a:pPr>
           <a:r>
-            <a:rPr lang="en-US" sz="1700" b="1" kern="1200"/>
+            <a:rPr lang="en-US" sz="1600" b="1" kern="1200"/>
             <a:t>a European call.</a:t>
           </a:r>
-          <a:endParaRPr lang="en-US" sz="1700" kern="1200"/>
+          <a:endParaRPr lang="en-US" sz="1600" kern="1200"/>
         </a:p>
         <a:p>
-          <a:pPr marL="171450" lvl="1" indent="-171450" algn="l" defTabSz="755650">
+          <a:pPr marL="171450" lvl="1" indent="-171450" algn="l" defTabSz="711200">
             <a:lnSpc>
               <a:spcPct val="90000"/>
             </a:lnSpc>
@@ -4461,15 +4466,15 @@
             <a:buChar char="•"/>
           </a:pPr>
           <a:r>
-            <a:rPr lang="en-US" sz="1700" b="1" kern="1200"/>
+            <a:rPr lang="en-US" sz="1600" b="1" kern="1200"/>
             <a:t>an American call.</a:t>
           </a:r>
-          <a:endParaRPr lang="en-US" sz="1700" kern="1200"/>
+          <a:endParaRPr lang="en-US" sz="1600" kern="1200"/>
         </a:p>
       </dsp:txBody>
       <dsp:txXfrm>
-        <a:off x="0" y="3163050"/>
-        <a:ext cx="8018271" cy="796950"/>
+        <a:off x="0" y="3180172"/>
+        <a:ext cx="8018271" cy="825930"/>
       </dsp:txXfrm>
     </dsp:sp>
   </dsp:spTree>
@@ -7087,7 +7092,7 @@
           <a:p>
             <a:fld id="{9ADA5B36-BD01-47CD-B491-940693B77A9A}" type="datetimeFigureOut">
               <a:rPr lang="en-US" smtClean="0"/>
-              <a:t>11/2/22</a:t>
+              <a:t>11/7/2022</a:t>
             </a:fld>
             <a:endParaRPr lang="en-US"/>
           </a:p>
@@ -16903,7 +16908,7 @@
           <a:p>
             <a:fld id="{3CB14515-8DA5-4B82-96E7-E758FF8ACA06}" type="datetimeFigureOut">
               <a:rPr lang="en-US" smtClean="0"/>
-              <a:t>11/2/22</a:t>
+              <a:t>11/7/2022</a:t>
             </a:fld>
             <a:endParaRPr lang="en-US"/>
           </a:p>
@@ -17110,7 +17115,7 @@
           <a:p>
             <a:fld id="{3CB14515-8DA5-4B82-96E7-E758FF8ACA06}" type="datetimeFigureOut">
               <a:rPr lang="en-US" smtClean="0"/>
-              <a:t>11/2/22</a:t>
+              <a:t>11/7/2022</a:t>
             </a:fld>
             <a:endParaRPr lang="en-US"/>
           </a:p>
@@ -17290,7 +17295,7 @@
           <a:p>
             <a:fld id="{3CB14515-8DA5-4B82-96E7-E758FF8ACA06}" type="datetimeFigureOut">
               <a:rPr lang="en-US" smtClean="0"/>
-              <a:t>11/2/22</a:t>
+              <a:t>11/7/2022</a:t>
             </a:fld>
             <a:endParaRPr lang="en-US"/>
           </a:p>
@@ -17495,7 +17500,7 @@
           <a:p>
             <a:fld id="{3CB14515-8DA5-4B82-96E7-E758FF8ACA06}" type="datetimeFigureOut">
               <a:rPr lang="en-US" smtClean="0"/>
-              <a:t>11/2/22</a:t>
+              <a:t>11/7/2022</a:t>
             </a:fld>
             <a:endParaRPr lang="en-US"/>
           </a:p>
@@ -26393,7 +26398,7 @@
           <a:p>
             <a:fld id="{3CB14515-8DA5-4B82-96E7-E758FF8ACA06}" type="datetimeFigureOut">
               <a:rPr lang="en-US" smtClean="0"/>
-              <a:t>11/2/22</a:t>
+              <a:t>11/7/2022</a:t>
             </a:fld>
             <a:endParaRPr lang="en-US"/>
           </a:p>
@@ -26667,7 +26672,7 @@
           <a:p>
             <a:fld id="{3CB14515-8DA5-4B82-96E7-E758FF8ACA06}" type="datetimeFigureOut">
               <a:rPr lang="en-US" smtClean="0"/>
-              <a:t>11/2/22</a:t>
+              <a:t>11/7/2022</a:t>
             </a:fld>
             <a:endParaRPr lang="en-US"/>
           </a:p>
@@ -27065,7 +27070,7 @@
           <a:p>
             <a:fld id="{3CB14515-8DA5-4B82-96E7-E758FF8ACA06}" type="datetimeFigureOut">
               <a:rPr lang="en-US" smtClean="0"/>
-              <a:t>11/2/22</a:t>
+              <a:t>11/7/2022</a:t>
             </a:fld>
             <a:endParaRPr lang="en-US"/>
           </a:p>
@@ -27183,7 +27188,7 @@
           <a:p>
             <a:fld id="{3CB14515-8DA5-4B82-96E7-E758FF8ACA06}" type="datetimeFigureOut">
               <a:rPr lang="en-US" smtClean="0"/>
-              <a:t>11/2/22</a:t>
+              <a:t>11/7/2022</a:t>
             </a:fld>
             <a:endParaRPr lang="en-US"/>
           </a:p>
@@ -27278,7 +27283,7 @@
           <a:p>
             <a:fld id="{3CB14515-8DA5-4B82-96E7-E758FF8ACA06}" type="datetimeFigureOut">
               <a:rPr lang="en-US" smtClean="0"/>
-              <a:t>11/2/22</a:t>
+              <a:t>11/7/2022</a:t>
             </a:fld>
             <a:endParaRPr lang="en-US"/>
           </a:p>
@@ -27568,7 +27573,7 @@
           <a:p>
             <a:fld id="{3CB14515-8DA5-4B82-96E7-E758FF8ACA06}" type="datetimeFigureOut">
               <a:rPr lang="en-US" smtClean="0"/>
-              <a:t>11/2/22</a:t>
+              <a:t>11/7/2022</a:t>
             </a:fld>
             <a:endParaRPr lang="en-US"/>
           </a:p>
@@ -27848,7 +27853,7 @@
           <a:p>
             <a:fld id="{3CB14515-8DA5-4B82-96E7-E758FF8ACA06}" type="datetimeFigureOut">
               <a:rPr lang="en-US" smtClean="0"/>
-              <a:t>11/2/22</a:t>
+              <a:t>11/7/2022</a:t>
             </a:fld>
             <a:endParaRPr lang="en-US"/>
           </a:p>
@@ -28098,7 +28103,7 @@
           <a:p>
             <a:fld id="{3CB14515-8DA5-4B82-96E7-E758FF8ACA06}" type="datetimeFigureOut">
               <a:rPr lang="en-US" smtClean="0"/>
-              <a:t>11/2/22</a:t>
+              <a:t>11/7/2022</a:t>
             </a:fld>
             <a:endParaRPr lang="en-US"/>
           </a:p>
@@ -43518,6 +43523,379 @@
 </p:sld>
 </file>
 
+<file path=ppt/slides/slide48.xml><?xml version="1.0" encoding="utf-8"?>
+<p:sld xmlns:a="http://schemas.openxmlformats.org/drawingml/2006/main" xmlns:r="http://schemas.openxmlformats.org/officeDocument/2006/relationships" xmlns:p="http://schemas.openxmlformats.org/presentationml/2006/main">
+  <p:cSld>
+    <p:spTree>
+      <p:nvGrpSpPr>
+        <p:cNvPr id="1" name=""/>
+        <p:cNvGrpSpPr/>
+        <p:nvPr/>
+      </p:nvGrpSpPr>
+      <p:grpSpPr>
+        <a:xfrm>
+          <a:off x="0" y="0"/>
+          <a:ext cx="0" cy="0"/>
+          <a:chOff x="0" y="0"/>
+          <a:chExt cx="0" cy="0"/>
+        </a:xfrm>
+      </p:grpSpPr>
+      <p:sp>
+        <p:nvSpPr>
+          <p:cNvPr id="2" name="Title 1">
+            <a:extLst>
+              <a:ext uri="{FF2B5EF4-FFF2-40B4-BE49-F238E27FC236}">
+                <a16:creationId xmlns:a16="http://schemas.microsoft.com/office/drawing/2014/main" id="{99FB2BDC-3E20-4B0D-AD98-EA9B70FF554A}"/>
+              </a:ext>
+            </a:extLst>
+          </p:cNvPr>
+          <p:cNvSpPr>
+            <a:spLocks noGrp="1"/>
+          </p:cNvSpPr>
+          <p:nvPr>
+            <p:ph type="title"/>
+          </p:nvPr>
+        </p:nvSpPr>
+        <p:spPr/>
+        <p:txBody>
+          <a:bodyPr>
+            <a:normAutofit/>
+          </a:bodyPr>
+          <a:lstStyle/>
+          <a:p>
+            <a:r>
+              <a:rPr lang="en-US" sz="3500" dirty="0"/>
+              <a:t>Module1</a:t>
+            </a:r>
+            <a:br>
+              <a:rPr lang="en-US" sz="3500" dirty="0"/>
+            </a:br>
+            <a:r>
+              <a:rPr lang="en-US" sz="3500" dirty="0"/>
+              <a:t>Fixed-Income Securities: </a:t>
+            </a:r>
+            <a:br>
+              <a:rPr lang="en-US" sz="3500" dirty="0"/>
+            </a:br>
+            <a:r>
+              <a:rPr lang="en-US" sz="3500" dirty="0"/>
+              <a:t>Defining Elements</a:t>
+            </a:r>
+          </a:p>
+        </p:txBody>
+      </p:sp>
+      <p:sp>
+        <p:nvSpPr>
+          <p:cNvPr id="3" name="Content Placeholder 2">
+            <a:extLst>
+              <a:ext uri="{FF2B5EF4-FFF2-40B4-BE49-F238E27FC236}">
+                <a16:creationId xmlns:a16="http://schemas.microsoft.com/office/drawing/2014/main" id="{CCE983EF-5C68-4EC8-BFF1-4CE359A41BD1}"/>
+              </a:ext>
+            </a:extLst>
+          </p:cNvPr>
+          <p:cNvSpPr>
+            <a:spLocks noGrp="1"/>
+          </p:cNvSpPr>
+          <p:nvPr>
+            <p:ph idx="1"/>
+          </p:nvPr>
+        </p:nvSpPr>
+        <p:spPr/>
+        <p:txBody>
+          <a:bodyPr>
+            <a:normAutofit lnSpcReduction="10000"/>
+          </a:bodyPr>
+          <a:lstStyle/>
+          <a:p>
+            <a:r>
+              <a:rPr lang="en-US" sz="2800" b="1" dirty="0">
+                <a:solidFill>
+                  <a:srgbClr val="FF0000"/>
+                </a:solidFill>
+              </a:rPr>
+              <a:t>Convertible bond</a:t>
+            </a:r>
+          </a:p>
+          <a:p>
+            <a:r>
+              <a:rPr lang="en-US" sz="2000" dirty="0"/>
+              <a:t>It gives the bondholder the right to exchange the bond for a specified number of common shares in the issuing company.</a:t>
+            </a:r>
+          </a:p>
+          <a:p>
+            <a:r>
+              <a:rPr lang="en-US" sz="2000" dirty="0"/>
+              <a:t>The </a:t>
+            </a:r>
+            <a:r>
+              <a:rPr lang="en-US" sz="2000" dirty="0">
+                <a:solidFill>
+                  <a:srgbClr val="FF0000"/>
+                </a:solidFill>
+              </a:rPr>
+              <a:t>conversion price </a:t>
+            </a:r>
+            <a:r>
+              <a:rPr lang="en-US" sz="2000" dirty="0"/>
+              <a:t>is the price per share at which the convertible bond can be converted into shares.</a:t>
+            </a:r>
+          </a:p>
+          <a:p>
+            <a:r>
+              <a:rPr lang="en-US" sz="2000" dirty="0"/>
+              <a:t>The </a:t>
+            </a:r>
+            <a:r>
+              <a:rPr lang="en-US" sz="2000" dirty="0">
+                <a:solidFill>
+                  <a:srgbClr val="FF0000"/>
+                </a:solidFill>
+              </a:rPr>
+              <a:t>conversion ratio </a:t>
+            </a:r>
+            <a:r>
+              <a:rPr lang="en-US" sz="2000" dirty="0"/>
+              <a:t>is the number of common shares that each bond can be converted into.</a:t>
+            </a:r>
+          </a:p>
+          <a:p>
+            <a:r>
+              <a:rPr lang="en-US" sz="2000" dirty="0"/>
+              <a:t>The </a:t>
+            </a:r>
+            <a:r>
+              <a:rPr lang="en-US" sz="2000" dirty="0">
+                <a:solidFill>
+                  <a:srgbClr val="FF0000"/>
+                </a:solidFill>
+              </a:rPr>
+              <a:t>conversion value</a:t>
+            </a:r>
+            <a:r>
+              <a:rPr lang="en-US" sz="2000" dirty="0"/>
+              <a:t>, sometimes called the parity value, is the current share pric</a:t>
+            </a:r>
+            <a:r>
+              <a:rPr lang="en-US" altLang="zh-CN" sz="2000" dirty="0"/>
+              <a:t>e </a:t>
+            </a:r>
+            <a:r>
+              <a:rPr lang="en-US" sz="2000" dirty="0"/>
+              <a:t>multiplied by the conversion ratio.</a:t>
+            </a:r>
+          </a:p>
+          <a:p>
+            <a:r>
+              <a:rPr lang="en-US" sz="2000" dirty="0"/>
+              <a:t>The </a:t>
+            </a:r>
+            <a:r>
+              <a:rPr lang="en-US" sz="2000" dirty="0">
+                <a:solidFill>
+                  <a:srgbClr val="FF0000"/>
+                </a:solidFill>
+              </a:rPr>
+              <a:t>conversion premium </a:t>
+            </a:r>
+            <a:r>
+              <a:rPr lang="en-US" sz="2000" dirty="0"/>
+              <a:t>is the difference between the convertible bond’s price and its conversion value.  When the conversion value  is more than the price of convertible bond , the condition is above parity. In contrast, the condition is below parity.</a:t>
+            </a:r>
+          </a:p>
+        </p:txBody>
+      </p:sp>
+    </p:spTree>
+    <p:extLst>
+      <p:ext uri="{BB962C8B-B14F-4D97-AF65-F5344CB8AC3E}">
+        <p14:creationId xmlns:p14="http://schemas.microsoft.com/office/powerpoint/2010/main" val="962242663"/>
+      </p:ext>
+    </p:extLst>
+  </p:cSld>
+  <p:clrMapOvr>
+    <a:masterClrMapping/>
+  </p:clrMapOvr>
+</p:sld>
+</file>
+
+<file path=ppt/slides/slide49.xml><?xml version="1.0" encoding="utf-8"?>
+<p:sld xmlns:a="http://schemas.openxmlformats.org/drawingml/2006/main" xmlns:r="http://schemas.openxmlformats.org/officeDocument/2006/relationships" xmlns:p="http://schemas.openxmlformats.org/presentationml/2006/main">
+  <p:cSld>
+    <p:spTree>
+      <p:nvGrpSpPr>
+        <p:cNvPr id="1" name=""/>
+        <p:cNvGrpSpPr/>
+        <p:nvPr/>
+      </p:nvGrpSpPr>
+      <p:grpSpPr>
+        <a:xfrm>
+          <a:off x="0" y="0"/>
+          <a:ext cx="0" cy="0"/>
+          <a:chOff x="0" y="0"/>
+          <a:chExt cx="0" cy="0"/>
+        </a:xfrm>
+      </p:grpSpPr>
+      <p:sp>
+        <p:nvSpPr>
+          <p:cNvPr id="2" name="Title 1">
+            <a:extLst>
+              <a:ext uri="{FF2B5EF4-FFF2-40B4-BE49-F238E27FC236}">
+                <a16:creationId xmlns:a16="http://schemas.microsoft.com/office/drawing/2014/main" id="{422FB242-0123-4ACB-85AC-1B46C9AA261E}"/>
+              </a:ext>
+            </a:extLst>
+          </p:cNvPr>
+          <p:cNvSpPr>
+            <a:spLocks noGrp="1"/>
+          </p:cNvSpPr>
+          <p:nvPr>
+            <p:ph type="title"/>
+          </p:nvPr>
+        </p:nvSpPr>
+        <p:spPr/>
+        <p:txBody>
+          <a:bodyPr>
+            <a:normAutofit/>
+          </a:bodyPr>
+          <a:lstStyle/>
+          <a:p>
+            <a:r>
+              <a:rPr lang="en-US" sz="3500" dirty="0"/>
+              <a:t>Module1</a:t>
+            </a:r>
+            <a:br>
+              <a:rPr lang="en-US" sz="3500" dirty="0"/>
+            </a:br>
+            <a:r>
+              <a:rPr lang="en-US" sz="3500" dirty="0"/>
+              <a:t>Fixed-Income Securities: </a:t>
+            </a:r>
+            <a:br>
+              <a:rPr lang="en-US" sz="3500" dirty="0"/>
+            </a:br>
+            <a:r>
+              <a:rPr lang="en-US" sz="3500" dirty="0"/>
+              <a:t>Defining Elements</a:t>
+            </a:r>
+          </a:p>
+        </p:txBody>
+      </p:sp>
+      <p:sp>
+        <p:nvSpPr>
+          <p:cNvPr id="3" name="Content Placeholder 2">
+            <a:extLst>
+              <a:ext uri="{FF2B5EF4-FFF2-40B4-BE49-F238E27FC236}">
+                <a16:creationId xmlns:a16="http://schemas.microsoft.com/office/drawing/2014/main" id="{2B092DB2-FA57-4A6E-BD4D-7455F41103CC}"/>
+              </a:ext>
+            </a:extLst>
+          </p:cNvPr>
+          <p:cNvSpPr>
+            <a:spLocks noGrp="1"/>
+          </p:cNvSpPr>
+          <p:nvPr>
+            <p:ph idx="1"/>
+          </p:nvPr>
+        </p:nvSpPr>
+        <p:spPr/>
+        <p:txBody>
+          <a:bodyPr/>
+          <a:lstStyle/>
+          <a:p>
+            <a:r>
+              <a:rPr lang="en-US" sz="2800" b="1" dirty="0">
+                <a:solidFill>
+                  <a:srgbClr val="FF0000"/>
+                </a:solidFill>
+              </a:rPr>
+              <a:t>Convertible bond</a:t>
+            </a:r>
+          </a:p>
+          <a:p>
+            <a:r>
+              <a:rPr lang="en-US" dirty="0">
+                <a:solidFill>
+                  <a:srgbClr val="FF0000"/>
+                </a:solidFill>
+              </a:rPr>
+              <a:t>Investor’s advantage</a:t>
+            </a:r>
+          </a:p>
+          <a:p>
+            <a:pPr>
+              <a:buFont typeface="Wingdings" panose="05000000000000000000" pitchFamily="2" charset="2"/>
+              <a:buChar char="§"/>
+            </a:pPr>
+            <a:r>
+              <a:rPr lang="en-US" dirty="0"/>
+              <a:t>Participate in the equity upside</a:t>
+            </a:r>
+          </a:p>
+          <a:p>
+            <a:pPr>
+              <a:buFont typeface="Wingdings" panose="05000000000000000000" pitchFamily="2" charset="2"/>
+              <a:buChar char="§"/>
+            </a:pPr>
+            <a:r>
+              <a:rPr lang="en-US" dirty="0"/>
+              <a:t>Receive downside protection</a:t>
+            </a:r>
+          </a:p>
+          <a:p>
+            <a:pPr>
+              <a:buFont typeface="Wingdings" panose="05000000000000000000" pitchFamily="2" charset="2"/>
+              <a:buChar char="§"/>
+            </a:pPr>
+            <a:r>
+              <a:rPr lang="en-US" dirty="0"/>
+              <a:t>Yield advantage</a:t>
+            </a:r>
+          </a:p>
+          <a:p>
+            <a:r>
+              <a:rPr lang="en-US" dirty="0">
+                <a:solidFill>
+                  <a:srgbClr val="FF0000"/>
+                </a:solidFill>
+              </a:rPr>
+              <a:t>Issuer’s advantage</a:t>
+            </a:r>
+          </a:p>
+          <a:p>
+            <a:pPr>
+              <a:buFont typeface="Wingdings" panose="05000000000000000000" pitchFamily="2" charset="2"/>
+              <a:buChar char="§"/>
+            </a:pPr>
+            <a:r>
+              <a:rPr lang="en-US" dirty="0"/>
+              <a:t>Reduce interest expense</a:t>
+            </a:r>
+          </a:p>
+          <a:p>
+            <a:pPr>
+              <a:buFont typeface="Wingdings" panose="05000000000000000000" pitchFamily="2" charset="2"/>
+              <a:buChar char="§"/>
+            </a:pPr>
+            <a:r>
+              <a:rPr lang="en-US" dirty="0"/>
+              <a:t>Elimination of debt if the conversion option is exercised</a:t>
+            </a:r>
+          </a:p>
+          <a:p>
+            <a:endParaRPr lang="en-US" dirty="0"/>
+          </a:p>
+        </p:txBody>
+      </p:sp>
+    </p:spTree>
+    <p:extLst>
+      <p:ext uri="{BB962C8B-B14F-4D97-AF65-F5344CB8AC3E}">
+        <p14:creationId xmlns:p14="http://schemas.microsoft.com/office/powerpoint/2010/main" val="476480734"/>
+      </p:ext>
+    </p:extLst>
+  </p:cSld>
+  <p:clrMapOvr>
+    <a:masterClrMapping/>
+  </p:clrMapOvr>
+</p:sld>
+</file>
+
 <file path=ppt/slides/slide5.xml><?xml version="1.0" encoding="utf-8"?>
 <p:sld xmlns:a="http://schemas.openxmlformats.org/drawingml/2006/main" xmlns:r="http://schemas.openxmlformats.org/officeDocument/2006/relationships" xmlns:p="http://schemas.openxmlformats.org/presentationml/2006/main">
   <p:cSld>
@@ -43777,6 +44155,568 @@
     <p:extLst>
       <p:ext uri="{BB962C8B-B14F-4D97-AF65-F5344CB8AC3E}">
         <p14:creationId xmlns:p14="http://schemas.microsoft.com/office/powerpoint/2010/main" val="2510248690"/>
+      </p:ext>
+    </p:extLst>
+  </p:cSld>
+  <p:clrMapOvr>
+    <a:masterClrMapping/>
+  </p:clrMapOvr>
+</p:sld>
+</file>
+
+<file path=ppt/slides/slide50.xml><?xml version="1.0" encoding="utf-8"?>
+<p:sld xmlns:a="http://schemas.openxmlformats.org/drawingml/2006/main" xmlns:r="http://schemas.openxmlformats.org/officeDocument/2006/relationships" xmlns:p="http://schemas.openxmlformats.org/presentationml/2006/main">
+  <p:cSld>
+    <p:spTree>
+      <p:nvGrpSpPr>
+        <p:cNvPr id="1" name=""/>
+        <p:cNvGrpSpPr/>
+        <p:nvPr/>
+      </p:nvGrpSpPr>
+      <p:grpSpPr>
+        <a:xfrm>
+          <a:off x="0" y="0"/>
+          <a:ext cx="0" cy="0"/>
+          <a:chOff x="0" y="0"/>
+          <a:chExt cx="0" cy="0"/>
+        </a:xfrm>
+      </p:grpSpPr>
+      <p:sp>
+        <p:nvSpPr>
+          <p:cNvPr id="2" name="Title 1">
+            <a:extLst>
+              <a:ext uri="{FF2B5EF4-FFF2-40B4-BE49-F238E27FC236}">
+                <a16:creationId xmlns:a16="http://schemas.microsoft.com/office/drawing/2014/main" id="{781997BE-077D-4395-9A09-45783D2C2C2F}"/>
+              </a:ext>
+            </a:extLst>
+          </p:cNvPr>
+          <p:cNvSpPr>
+            <a:spLocks noGrp="1"/>
+          </p:cNvSpPr>
+          <p:nvPr>
+            <p:ph type="title"/>
+          </p:nvPr>
+        </p:nvSpPr>
+        <p:spPr/>
+        <p:txBody>
+          <a:bodyPr>
+            <a:normAutofit/>
+          </a:bodyPr>
+          <a:lstStyle/>
+          <a:p>
+            <a:r>
+              <a:rPr lang="en-US" sz="3500" dirty="0"/>
+              <a:t>Module1</a:t>
+            </a:r>
+            <a:br>
+              <a:rPr lang="en-US" sz="3500" dirty="0"/>
+            </a:br>
+            <a:r>
+              <a:rPr lang="en-US" sz="3500" dirty="0"/>
+              <a:t>Fixed-Income Securities: </a:t>
+            </a:r>
+            <a:br>
+              <a:rPr lang="en-US" sz="3500" dirty="0"/>
+            </a:br>
+            <a:r>
+              <a:rPr lang="en-US" sz="3500" dirty="0"/>
+              <a:t>Defining Elements</a:t>
+            </a:r>
+          </a:p>
+        </p:txBody>
+      </p:sp>
+      <p:sp>
+        <p:nvSpPr>
+          <p:cNvPr id="3" name="Content Placeholder 2">
+            <a:extLst>
+              <a:ext uri="{FF2B5EF4-FFF2-40B4-BE49-F238E27FC236}">
+                <a16:creationId xmlns:a16="http://schemas.microsoft.com/office/drawing/2014/main" id="{FF73ECBA-8747-4246-9071-D13B433E6384}"/>
+              </a:ext>
+            </a:extLst>
+          </p:cNvPr>
+          <p:cNvSpPr>
+            <a:spLocks noGrp="1"/>
+          </p:cNvSpPr>
+          <p:nvPr>
+            <p:ph idx="1"/>
+          </p:nvPr>
+        </p:nvSpPr>
+        <p:spPr/>
+        <p:txBody>
+          <a:bodyPr/>
+          <a:lstStyle/>
+          <a:p>
+            <a:r>
+              <a:rPr lang="en-US" sz="2800" b="1" dirty="0">
+                <a:solidFill>
+                  <a:srgbClr val="FF0000"/>
+                </a:solidFill>
+              </a:rPr>
+              <a:t>Convertible bond</a:t>
+            </a:r>
+          </a:p>
+          <a:p>
+            <a:r>
+              <a:rPr lang="en-US" sz="2000" dirty="0"/>
+              <a:t>Compare with option-free bond: </a:t>
+            </a:r>
+            <a:r>
+              <a:rPr lang="en-US" sz="2000" dirty="0">
+                <a:solidFill>
+                  <a:srgbClr val="FF0000"/>
+                </a:solidFill>
+              </a:rPr>
+              <a:t>higher price, lower yield</a:t>
+            </a:r>
+          </a:p>
+          <a:p>
+            <a:r>
+              <a:rPr lang="en-US" sz="2000" dirty="0"/>
+              <a:t>A </a:t>
+            </a:r>
+            <a:r>
+              <a:rPr lang="en-US" sz="2000" dirty="0">
+                <a:solidFill>
+                  <a:srgbClr val="FF0000"/>
+                </a:solidFill>
+              </a:rPr>
+              <a:t>warrant</a:t>
+            </a:r>
+            <a:r>
+              <a:rPr lang="en-US" sz="2000" dirty="0"/>
+              <a:t> is an “</a:t>
+            </a:r>
+            <a:r>
+              <a:rPr lang="en-US" sz="2000" dirty="0">
+                <a:solidFill>
+                  <a:srgbClr val="FF0000"/>
+                </a:solidFill>
+              </a:rPr>
+              <a:t>attached</a:t>
+            </a:r>
+            <a:r>
+              <a:rPr lang="en-US" sz="2000" dirty="0"/>
+              <a:t>” rather than </a:t>
+            </a:r>
+            <a:r>
+              <a:rPr lang="en-US" sz="2000" dirty="0">
+                <a:solidFill>
+                  <a:srgbClr val="FF0000"/>
+                </a:solidFill>
+              </a:rPr>
+              <a:t>embedded option </a:t>
+            </a:r>
+            <a:r>
+              <a:rPr lang="en-US" sz="2000" dirty="0"/>
+              <a:t>entitling the holder to buy the underlying stock of the issuing company at a fixed exercise price until the expiration date.</a:t>
+            </a:r>
+          </a:p>
+          <a:p>
+            <a:r>
+              <a:rPr lang="en-US" sz="2000" dirty="0">
+                <a:solidFill>
+                  <a:srgbClr val="FF0000"/>
+                </a:solidFill>
+              </a:rPr>
+              <a:t>Contingent convertible bonds</a:t>
+            </a:r>
+            <a:r>
+              <a:rPr lang="en-US" sz="2000" dirty="0"/>
+              <a:t>, nicknamed “</a:t>
+            </a:r>
+            <a:r>
+              <a:rPr lang="en-US" sz="2000" dirty="0">
+                <a:solidFill>
+                  <a:srgbClr val="FF0000"/>
+                </a:solidFill>
+              </a:rPr>
+              <a:t>CoCos</a:t>
+            </a:r>
+            <a:r>
+              <a:rPr lang="en-US" sz="2000" dirty="0"/>
+              <a:t>,” are bonds with contingent </a:t>
+            </a:r>
+            <a:r>
+              <a:rPr lang="en-US" sz="2000" dirty="0">
+                <a:solidFill>
+                  <a:srgbClr val="FF0000"/>
+                </a:solidFill>
+              </a:rPr>
+              <a:t>write-down</a:t>
+            </a:r>
+            <a:r>
+              <a:rPr lang="en-US" sz="2000" dirty="0"/>
+              <a:t> provisions. In the case of CoCos, conversion is </a:t>
+            </a:r>
+            <a:r>
+              <a:rPr lang="en-US" sz="2000" dirty="0">
+                <a:solidFill>
+                  <a:srgbClr val="FF0000"/>
+                </a:solidFill>
+              </a:rPr>
+              <a:t>automatic</a:t>
+            </a:r>
+            <a:r>
+              <a:rPr lang="en-US" sz="2000" dirty="0"/>
+              <a:t> if a specified event occurs.</a:t>
+            </a:r>
+          </a:p>
+          <a:p>
+            <a:endParaRPr lang="en-US" sz="2800" b="1" dirty="0"/>
+          </a:p>
+          <a:p>
+            <a:endParaRPr lang="en-US" dirty="0"/>
+          </a:p>
+        </p:txBody>
+      </p:sp>
+    </p:spTree>
+    <p:extLst>
+      <p:ext uri="{BB962C8B-B14F-4D97-AF65-F5344CB8AC3E}">
+        <p14:creationId xmlns:p14="http://schemas.microsoft.com/office/powerpoint/2010/main" val="2641069271"/>
+      </p:ext>
+    </p:extLst>
+  </p:cSld>
+  <p:clrMapOvr>
+    <a:masterClrMapping/>
+  </p:clrMapOvr>
+</p:sld>
+</file>
+
+<file path=ppt/slides/slide51.xml><?xml version="1.0" encoding="utf-8"?>
+<p:sld xmlns:a="http://schemas.openxmlformats.org/drawingml/2006/main" xmlns:r="http://schemas.openxmlformats.org/officeDocument/2006/relationships" xmlns:p="http://schemas.openxmlformats.org/presentationml/2006/main">
+  <p:cSld>
+    <p:spTree>
+      <p:nvGrpSpPr>
+        <p:cNvPr id="1" name=""/>
+        <p:cNvGrpSpPr/>
+        <p:nvPr/>
+      </p:nvGrpSpPr>
+      <p:grpSpPr>
+        <a:xfrm>
+          <a:off x="0" y="0"/>
+          <a:ext cx="0" cy="0"/>
+          <a:chOff x="0" y="0"/>
+          <a:chExt cx="0" cy="0"/>
+        </a:xfrm>
+      </p:grpSpPr>
+      <p:sp>
+        <p:nvSpPr>
+          <p:cNvPr id="2" name="Title 1">
+            <a:extLst>
+              <a:ext uri="{FF2B5EF4-FFF2-40B4-BE49-F238E27FC236}">
+                <a16:creationId xmlns:a16="http://schemas.microsoft.com/office/drawing/2014/main" id="{81905830-37A9-4652-BC7C-CBC05BEC972B}"/>
+              </a:ext>
+            </a:extLst>
+          </p:cNvPr>
+          <p:cNvSpPr>
+            <a:spLocks noGrp="1"/>
+          </p:cNvSpPr>
+          <p:nvPr>
+            <p:ph type="title"/>
+          </p:nvPr>
+        </p:nvSpPr>
+        <p:spPr/>
+        <p:txBody>
+          <a:bodyPr/>
+          <a:lstStyle/>
+          <a:p>
+            <a:r>
+              <a:rPr lang="en-US" dirty="0"/>
+              <a:t>Practices	</a:t>
+            </a:r>
+          </a:p>
+        </p:txBody>
+      </p:sp>
+      <p:sp>
+        <p:nvSpPr>
+          <p:cNvPr id="3" name="Content Placeholder 2">
+            <a:extLst>
+              <a:ext uri="{FF2B5EF4-FFF2-40B4-BE49-F238E27FC236}">
+                <a16:creationId xmlns:a16="http://schemas.microsoft.com/office/drawing/2014/main" id="{D7577544-0C7A-46F6-B313-FDFD815EB0DC}"/>
+              </a:ext>
+            </a:extLst>
+          </p:cNvPr>
+          <p:cNvSpPr>
+            <a:spLocks noGrp="1"/>
+          </p:cNvSpPr>
+          <p:nvPr>
+            <p:ph idx="1"/>
+          </p:nvPr>
+        </p:nvSpPr>
+        <p:spPr/>
+        <p:txBody>
+          <a:bodyPr>
+            <a:normAutofit fontScale="62500" lnSpcReduction="20000"/>
+          </a:bodyPr>
+          <a:lstStyle/>
+          <a:p>
+            <a:r>
+              <a:rPr lang="en-US" dirty="0"/>
+              <a:t>1. Which of the following is not an example of an embedded option?</a:t>
+            </a:r>
+          </a:p>
+          <a:p>
+            <a:pPr marL="457200" indent="-457200">
+              <a:buFont typeface="+mj-lt"/>
+              <a:buAutoNum type="alphaUcPeriod"/>
+            </a:pPr>
+            <a:r>
+              <a:rPr lang="en-US" b="1" dirty="0"/>
+              <a:t>Warrant</a:t>
+            </a:r>
+          </a:p>
+          <a:p>
+            <a:pPr marL="457200" indent="-457200">
+              <a:buFont typeface="+mj-lt"/>
+              <a:buAutoNum type="alphaUcPeriod"/>
+            </a:pPr>
+            <a:r>
+              <a:rPr lang="en-US" b="1" dirty="0"/>
+              <a:t>Call provision</a:t>
+            </a:r>
+          </a:p>
+          <a:p>
+            <a:pPr marL="457200" indent="-457200">
+              <a:buFont typeface="+mj-lt"/>
+              <a:buAutoNum type="alphaUcPeriod"/>
+            </a:pPr>
+            <a:r>
+              <a:rPr lang="en-US" b="1" dirty="0"/>
+              <a:t>Conversion provision</a:t>
+            </a:r>
+          </a:p>
+          <a:p>
+            <a:r>
+              <a:rPr lang="en-US" dirty="0"/>
+              <a:t>2. The type of bond with an embedded option that would most likely sell at a lower price than an otherwise similar bond without the embedded option is a:</a:t>
+            </a:r>
+          </a:p>
+          <a:p>
+            <a:pPr marL="457200" indent="-457200">
+              <a:buFont typeface="+mj-lt"/>
+              <a:buAutoNum type="alphaUcPeriod"/>
+            </a:pPr>
+            <a:r>
+              <a:rPr lang="en-US" b="1" dirty="0"/>
+              <a:t>putable bond.</a:t>
+            </a:r>
+          </a:p>
+          <a:p>
+            <a:pPr marL="457200" indent="-457200">
+              <a:buFont typeface="+mj-lt"/>
+              <a:buAutoNum type="alphaUcPeriod"/>
+            </a:pPr>
+            <a:r>
+              <a:rPr lang="en-US" b="1" dirty="0"/>
+              <a:t>callable bond.</a:t>
+            </a:r>
+          </a:p>
+          <a:p>
+            <a:pPr marL="457200" indent="-457200">
+              <a:buFont typeface="+mj-lt"/>
+              <a:buAutoNum type="alphaUcPeriod"/>
+            </a:pPr>
+            <a:r>
+              <a:rPr lang="en-US" b="1" dirty="0"/>
+              <a:t>convertible bond.</a:t>
+            </a:r>
+          </a:p>
+          <a:p>
+            <a:r>
+              <a:rPr lang="en-US" dirty="0"/>
+              <a:t>3. The additional risk inherent to a callable bond is best described as:</a:t>
+            </a:r>
+          </a:p>
+          <a:p>
+            <a:pPr marL="457200" indent="-457200">
+              <a:buFont typeface="+mj-lt"/>
+              <a:buAutoNum type="alphaUcPeriod"/>
+            </a:pPr>
+            <a:r>
+              <a:rPr lang="en-US" dirty="0"/>
+              <a:t>credit risk.</a:t>
+            </a:r>
+          </a:p>
+          <a:p>
+            <a:pPr marL="457200" indent="-457200">
+              <a:buFont typeface="+mj-lt"/>
+              <a:buAutoNum type="alphaUcPeriod"/>
+            </a:pPr>
+            <a:r>
+              <a:rPr lang="en-US" dirty="0"/>
+              <a:t>interest rate risk.</a:t>
+            </a:r>
+          </a:p>
+          <a:p>
+            <a:pPr marL="457200" indent="-457200">
+              <a:buFont typeface="+mj-lt"/>
+              <a:buAutoNum type="alphaUcPeriod"/>
+            </a:pPr>
+            <a:r>
+              <a:rPr lang="en-US" dirty="0"/>
+              <a:t>reinvestment risk.</a:t>
+            </a:r>
+          </a:p>
+        </p:txBody>
+      </p:sp>
+    </p:spTree>
+    <p:extLst>
+      <p:ext uri="{BB962C8B-B14F-4D97-AF65-F5344CB8AC3E}">
+        <p14:creationId xmlns:p14="http://schemas.microsoft.com/office/powerpoint/2010/main" val="3413262976"/>
+      </p:ext>
+    </p:extLst>
+  </p:cSld>
+  <p:clrMapOvr>
+    <a:masterClrMapping/>
+  </p:clrMapOvr>
+</p:sld>
+</file>
+
+<file path=ppt/slides/slide52.xml><?xml version="1.0" encoding="utf-8"?>
+<p:sld xmlns:a="http://schemas.openxmlformats.org/drawingml/2006/main" xmlns:r="http://schemas.openxmlformats.org/officeDocument/2006/relationships" xmlns:p="http://schemas.openxmlformats.org/presentationml/2006/main">
+  <p:cSld>
+    <p:spTree>
+      <p:nvGrpSpPr>
+        <p:cNvPr id="1" name=""/>
+        <p:cNvGrpSpPr/>
+        <p:nvPr/>
+      </p:nvGrpSpPr>
+      <p:grpSpPr>
+        <a:xfrm>
+          <a:off x="0" y="0"/>
+          <a:ext cx="0" cy="0"/>
+          <a:chOff x="0" y="0"/>
+          <a:chExt cx="0" cy="0"/>
+        </a:xfrm>
+      </p:grpSpPr>
+      <p:sp>
+        <p:nvSpPr>
+          <p:cNvPr id="2" name="Title 1">
+            <a:extLst>
+              <a:ext uri="{FF2B5EF4-FFF2-40B4-BE49-F238E27FC236}">
+                <a16:creationId xmlns:a16="http://schemas.microsoft.com/office/drawing/2014/main" id="{853C6AB8-6A3C-4EDD-BB3F-63C7AE75556D}"/>
+              </a:ext>
+            </a:extLst>
+          </p:cNvPr>
+          <p:cNvSpPr>
+            <a:spLocks noGrp="1"/>
+          </p:cNvSpPr>
+          <p:nvPr>
+            <p:ph type="title"/>
+          </p:nvPr>
+        </p:nvSpPr>
+        <p:spPr/>
+        <p:txBody>
+          <a:bodyPr/>
+          <a:lstStyle/>
+          <a:p>
+            <a:r>
+              <a:rPr lang="en-US" dirty="0"/>
+              <a:t>practices</a:t>
+            </a:r>
+          </a:p>
+        </p:txBody>
+      </p:sp>
+      <p:sp>
+        <p:nvSpPr>
+          <p:cNvPr id="3" name="Content Placeholder 2">
+            <a:extLst>
+              <a:ext uri="{FF2B5EF4-FFF2-40B4-BE49-F238E27FC236}">
+                <a16:creationId xmlns:a16="http://schemas.microsoft.com/office/drawing/2014/main" id="{9B441E61-4E39-4B64-8594-B93BD5420CC8}"/>
+              </a:ext>
+            </a:extLst>
+          </p:cNvPr>
+          <p:cNvSpPr>
+            <a:spLocks noGrp="1"/>
+          </p:cNvSpPr>
+          <p:nvPr>
+            <p:ph idx="1"/>
+          </p:nvPr>
+        </p:nvSpPr>
+        <p:spPr/>
+        <p:txBody>
+          <a:bodyPr>
+            <a:normAutofit fontScale="92500" lnSpcReduction="10000"/>
+          </a:bodyPr>
+          <a:lstStyle/>
+          <a:p>
+            <a:r>
+              <a:rPr lang="en-US" dirty="0"/>
+              <a:t>4. The put provision of a putable bond:</a:t>
+            </a:r>
+          </a:p>
+          <a:p>
+            <a:pPr marL="457200" indent="-457200">
+              <a:buFont typeface="+mj-lt"/>
+              <a:buAutoNum type="alphaUcPeriod"/>
+            </a:pPr>
+            <a:r>
+              <a:rPr lang="en-US" b="1" dirty="0"/>
+              <a:t>limits the risk to the issuer.</a:t>
+            </a:r>
+          </a:p>
+          <a:p>
+            <a:pPr marL="457200" indent="-457200">
+              <a:buFont typeface="+mj-lt"/>
+              <a:buAutoNum type="alphaUcPeriod"/>
+            </a:pPr>
+            <a:r>
+              <a:rPr lang="en-US" b="1" dirty="0"/>
+              <a:t>limits the risk to the bondholder.</a:t>
+            </a:r>
+          </a:p>
+          <a:p>
+            <a:pPr marL="457200" indent="-457200">
+              <a:buFont typeface="+mj-lt"/>
+              <a:buAutoNum type="alphaUcPeriod"/>
+            </a:pPr>
+            <a:r>
+              <a:rPr lang="en-US" b="1" dirty="0"/>
+              <a:t>does not materially affect the risk of either the issuer or the bondholder.</a:t>
+            </a:r>
+          </a:p>
+          <a:p>
+            <a:r>
+              <a:rPr lang="en-US" dirty="0"/>
+              <a:t>5. Assume that a convertible bond issued in South Korea has a par value of ₩1,000,000 and is currently priced at ₩1,100,000. The underlying share price is ₩40,000, and the conversion ratio is 25:1. The conversion condition for this bond is:</a:t>
+            </a:r>
+          </a:p>
+          <a:p>
+            <a:pPr marL="457200" indent="-457200">
+              <a:buFont typeface="+mj-lt"/>
+              <a:buAutoNum type="alphaUcPeriod"/>
+            </a:pPr>
+            <a:r>
+              <a:rPr lang="en-US" b="1" dirty="0"/>
+              <a:t>parity.</a:t>
+            </a:r>
+          </a:p>
+          <a:p>
+            <a:pPr marL="457200" indent="-457200">
+              <a:buFont typeface="+mj-lt"/>
+              <a:buAutoNum type="alphaUcPeriod"/>
+            </a:pPr>
+            <a:r>
+              <a:rPr lang="en-US" b="1" dirty="0"/>
+              <a:t>above parity.</a:t>
+            </a:r>
+          </a:p>
+          <a:p>
+            <a:pPr marL="457200" indent="-457200">
+              <a:buFont typeface="+mj-lt"/>
+              <a:buAutoNum type="alphaUcPeriod"/>
+            </a:pPr>
+            <a:r>
+              <a:rPr lang="en-US" b="1" dirty="0"/>
+              <a:t>below parity.</a:t>
+            </a:r>
+          </a:p>
+        </p:txBody>
+      </p:sp>
+    </p:spTree>
+    <p:extLst>
+      <p:ext uri="{BB962C8B-B14F-4D97-AF65-F5344CB8AC3E}">
+        <p14:creationId xmlns:p14="http://schemas.microsoft.com/office/powerpoint/2010/main" val="3088305809"/>
       </p:ext>
     </p:extLst>
   </p:cSld>

--- a/Fixed Income.pptx
+++ b/Fixed Income.pptx
@@ -2983,8 +2983,8 @@
     <dgm:cxn modelId="{AF33C521-71B0-4B68-A042-D5C4BD05A724}" srcId="{E418CFBD-CBB0-47D4-90EA-7C86E66E0301}" destId="{B4A4CC78-25E8-4AC4-B6C7-FEF8A2ACA6AA}" srcOrd="0" destOrd="0" parTransId="{85016B60-CA97-4D4D-A9E2-806B7E6A6D86}" sibTransId="{849FA569-BFE8-4BE4-8A3A-A15102DEE95C}"/>
     <dgm:cxn modelId="{F6B99A3C-9076-364A-879D-12713B74FC7C}" type="presOf" srcId="{285DEE00-3466-4A02-B97F-7B091B7A1EBA}" destId="{4E2EE375-77E8-344D-8FE3-6D408976901F}" srcOrd="0" destOrd="2" presId="urn:microsoft.com/office/officeart/2005/8/layout/vList2"/>
     <dgm:cxn modelId="{D85F8B50-D075-1442-9DF8-1563FD94E531}" type="presOf" srcId="{53EC224F-F0B0-410D-96A8-6BA533D08D48}" destId="{6E81FE26-0174-494F-A8AC-03518D01DF5A}" srcOrd="0" destOrd="2" presId="urn:microsoft.com/office/officeart/2005/8/layout/vList2"/>
+    <dgm:cxn modelId="{3D0EFB57-CF8C-5744-A774-55319E05AA6E}" type="presOf" srcId="{5BA6EAC7-5FD8-4F9E-BFE8-CEDE7CEDDF86}" destId="{4E2EE375-77E8-344D-8FE3-6D408976901F}" srcOrd="0" destOrd="0" presId="urn:microsoft.com/office/officeart/2005/8/layout/vList2"/>
     <dgm:cxn modelId="{6C296F77-763A-1B49-8F08-91BDF5A82BE2}" type="presOf" srcId="{E418CFBD-CBB0-47D4-90EA-7C86E66E0301}" destId="{CD36D044-47F6-BA4C-B7C5-E9DB54309CE0}" srcOrd="0" destOrd="0" presId="urn:microsoft.com/office/officeart/2005/8/layout/vList2"/>
-    <dgm:cxn modelId="{3D0EFB57-CF8C-5744-A774-55319E05AA6E}" type="presOf" srcId="{5BA6EAC7-5FD8-4F9E-BFE8-CEDE7CEDDF86}" destId="{4E2EE375-77E8-344D-8FE3-6D408976901F}" srcOrd="0" destOrd="0" presId="urn:microsoft.com/office/officeart/2005/8/layout/vList2"/>
     <dgm:cxn modelId="{6ED6F37E-7BEF-8D4E-AF20-2B418631C184}" type="presOf" srcId="{12E8DCDE-129C-4875-BF61-2B214BB7B4DE}" destId="{BC7A51D8-329D-4148-A3CC-5E08CD64BDFD}" srcOrd="0" destOrd="0" presId="urn:microsoft.com/office/officeart/2005/8/layout/vList2"/>
     <dgm:cxn modelId="{59947886-8799-40C6-8A4C-8031E410CA52}" srcId="{B4A4CC78-25E8-4AC4-B6C7-FEF8A2ACA6AA}" destId="{E79D3704-2259-4A45-9208-E7E3B168D5A5}" srcOrd="0" destOrd="0" parTransId="{4878388E-DB59-439F-B6F3-5C85431A665D}" sibTransId="{19B403D0-6920-4A61-AAA1-3D5A9D371B3E}"/>
     <dgm:cxn modelId="{754BA58A-DFAF-FD40-8071-91502A0354A9}" type="presOf" srcId="{8485117E-84FB-4AC0-84B3-D99A21D09A23}" destId="{4E2EE375-77E8-344D-8FE3-6D408976901F}" srcOrd="0" destOrd="1" presId="urn:microsoft.com/office/officeart/2005/8/layout/vList2"/>
@@ -7092,7 +7092,7 @@
           <a:p>
             <a:fld id="{9ADA5B36-BD01-47CD-B491-940693B77A9A}" type="datetimeFigureOut">
               <a:rPr lang="en-US" smtClean="0"/>
-              <a:t>11/7/2022</a:t>
+              <a:t>11/7/22</a:t>
             </a:fld>
             <a:endParaRPr lang="en-US"/>
           </a:p>
@@ -16908,7 +16908,7 @@
           <a:p>
             <a:fld id="{3CB14515-8DA5-4B82-96E7-E758FF8ACA06}" type="datetimeFigureOut">
               <a:rPr lang="en-US" smtClean="0"/>
-              <a:t>11/7/2022</a:t>
+              <a:t>11/7/22</a:t>
             </a:fld>
             <a:endParaRPr lang="en-US"/>
           </a:p>
@@ -17115,7 +17115,7 @@
           <a:p>
             <a:fld id="{3CB14515-8DA5-4B82-96E7-E758FF8ACA06}" type="datetimeFigureOut">
               <a:rPr lang="en-US" smtClean="0"/>
-              <a:t>11/7/2022</a:t>
+              <a:t>11/7/22</a:t>
             </a:fld>
             <a:endParaRPr lang="en-US"/>
           </a:p>
@@ -17295,7 +17295,7 @@
           <a:p>
             <a:fld id="{3CB14515-8DA5-4B82-96E7-E758FF8ACA06}" type="datetimeFigureOut">
               <a:rPr lang="en-US" smtClean="0"/>
-              <a:t>11/7/2022</a:t>
+              <a:t>11/7/22</a:t>
             </a:fld>
             <a:endParaRPr lang="en-US"/>
           </a:p>
@@ -17500,7 +17500,7 @@
           <a:p>
             <a:fld id="{3CB14515-8DA5-4B82-96E7-E758FF8ACA06}" type="datetimeFigureOut">
               <a:rPr lang="en-US" smtClean="0"/>
-              <a:t>11/7/2022</a:t>
+              <a:t>11/7/22</a:t>
             </a:fld>
             <a:endParaRPr lang="en-US"/>
           </a:p>
@@ -26398,7 +26398,7 @@
           <a:p>
             <a:fld id="{3CB14515-8DA5-4B82-96E7-E758FF8ACA06}" type="datetimeFigureOut">
               <a:rPr lang="en-US" smtClean="0"/>
-              <a:t>11/7/2022</a:t>
+              <a:t>11/7/22</a:t>
             </a:fld>
             <a:endParaRPr lang="en-US"/>
           </a:p>
@@ -26672,7 +26672,7 @@
           <a:p>
             <a:fld id="{3CB14515-8DA5-4B82-96E7-E758FF8ACA06}" type="datetimeFigureOut">
               <a:rPr lang="en-US" smtClean="0"/>
-              <a:t>11/7/2022</a:t>
+              <a:t>11/7/22</a:t>
             </a:fld>
             <a:endParaRPr lang="en-US"/>
           </a:p>
@@ -27070,7 +27070,7 @@
           <a:p>
             <a:fld id="{3CB14515-8DA5-4B82-96E7-E758FF8ACA06}" type="datetimeFigureOut">
               <a:rPr lang="en-US" smtClean="0"/>
-              <a:t>11/7/2022</a:t>
+              <a:t>11/7/22</a:t>
             </a:fld>
             <a:endParaRPr lang="en-US"/>
           </a:p>
@@ -27188,7 +27188,7 @@
           <a:p>
             <a:fld id="{3CB14515-8DA5-4B82-96E7-E758FF8ACA06}" type="datetimeFigureOut">
               <a:rPr lang="en-US" smtClean="0"/>
-              <a:t>11/7/2022</a:t>
+              <a:t>11/7/22</a:t>
             </a:fld>
             <a:endParaRPr lang="en-US"/>
           </a:p>
@@ -27283,7 +27283,7 @@
           <a:p>
             <a:fld id="{3CB14515-8DA5-4B82-96E7-E758FF8ACA06}" type="datetimeFigureOut">
               <a:rPr lang="en-US" smtClean="0"/>
-              <a:t>11/7/2022</a:t>
+              <a:t>11/7/22</a:t>
             </a:fld>
             <a:endParaRPr lang="en-US"/>
           </a:p>
@@ -27573,7 +27573,7 @@
           <a:p>
             <a:fld id="{3CB14515-8DA5-4B82-96E7-E758FF8ACA06}" type="datetimeFigureOut">
               <a:rPr lang="en-US" smtClean="0"/>
-              <a:t>11/7/2022</a:t>
+              <a:t>11/7/22</a:t>
             </a:fld>
             <a:endParaRPr lang="en-US"/>
           </a:p>
@@ -27853,7 +27853,7 @@
           <a:p>
             <a:fld id="{3CB14515-8DA5-4B82-96E7-E758FF8ACA06}" type="datetimeFigureOut">
               <a:rPr lang="en-US" smtClean="0"/>
-              <a:t>11/7/2022</a:t>
+              <a:t>11/7/22</a:t>
             </a:fld>
             <a:endParaRPr lang="en-US"/>
           </a:p>
@@ -28103,7 +28103,7 @@
           <a:p>
             <a:fld id="{3CB14515-8DA5-4B82-96E7-E758FF8ACA06}" type="datetimeFigureOut">
               <a:rPr lang="en-US" smtClean="0"/>
-              <a:t>11/7/2022</a:t>
+              <a:t>11/7/22</a:t>
             </a:fld>
             <a:endParaRPr lang="en-US"/>
           </a:p>
@@ -43526,6 +43526,14 @@
 <file path=ppt/slides/slide48.xml><?xml version="1.0" encoding="utf-8"?>
 <p:sld xmlns:a="http://schemas.openxmlformats.org/drawingml/2006/main" xmlns:r="http://schemas.openxmlformats.org/officeDocument/2006/relationships" xmlns:p="http://schemas.openxmlformats.org/presentationml/2006/main">
   <p:cSld>
+    <p:bg>
+      <p:bgPr>
+        <a:solidFill>
+          <a:schemeClr val="bg1"/>
+        </a:solidFill>
+        <a:effectLst/>
+      </p:bgPr>
+    </p:bg>
     <p:spTree>
       <p:nvGrpSpPr>
         <p:cNvPr id="1" name=""/>
@@ -43540,6 +43548,44 @@
           <a:chExt cx="0" cy="0"/>
         </a:xfrm>
       </p:grpSpPr>
+      <p:pic>
+        <p:nvPicPr>
+          <p:cNvPr id="5" name="Picture 4" descr="Orange and blue numbers and graphs">
+            <a:extLst>
+              <a:ext uri="{FF2B5EF4-FFF2-40B4-BE49-F238E27FC236}">
+                <a16:creationId xmlns:a16="http://schemas.microsoft.com/office/drawing/2014/main" id="{FD5F360A-5B46-9086-E806-6342A94CA25F}"/>
+              </a:ext>
+            </a:extLst>
+          </p:cNvPr>
+          <p:cNvPicPr>
+            <a:picLocks noChangeAspect="1"/>
+          </p:cNvPicPr>
+          <p:nvPr/>
+        </p:nvPicPr>
+        <p:blipFill rotWithShape="1">
+          <a:blip r:embed="rId2">
+            <a:duotone>
+              <a:schemeClr val="bg2">
+                <a:shade val="45000"/>
+                <a:satMod val="135000"/>
+              </a:schemeClr>
+              <a:prstClr val="white"/>
+            </a:duotone>
+            <a:alphaModFix amt="40000"/>
+          </a:blip>
+          <a:srcRect t="6568" b="1595"/>
+          <a:stretch/>
+        </p:blipFill>
+        <p:spPr>
+          <a:xfrm>
+            <a:off x="20" y="10"/>
+            <a:ext cx="12191980" cy="6857989"/>
+          </a:xfrm>
+          <a:prstGeom prst="rect">
+            <a:avLst/>
+          </a:prstGeom>
+        </p:spPr>
+      </p:pic>
       <p:sp>
         <p:nvSpPr>
           <p:cNvPr id="2" name="Title 1">
@@ -43556,7 +43602,12 @@
             <p:ph type="title"/>
           </p:nvPr>
         </p:nvSpPr>
-        <p:spPr/>
+        <p:spPr>
+          <a:xfrm>
+            <a:off x="1024128" y="585216"/>
+            <a:ext cx="9720072" cy="1499616"/>
+          </a:xfrm>
+        </p:spPr>
         <p:txBody>
           <a:bodyPr>
             <a:normAutofit/>
@@ -43584,6 +43635,58 @@
           </a:p>
         </p:txBody>
       </p:sp>
+      <p:cxnSp>
+        <p:nvCxnSpPr>
+          <p:cNvPr id="9" name="Straight Connector 8">
+            <a:extLst>
+              <a:ext uri="{FF2B5EF4-FFF2-40B4-BE49-F238E27FC236}">
+                <a16:creationId xmlns:a16="http://schemas.microsoft.com/office/drawing/2014/main" id="{3FEFDF7D-B17C-4F16-B8BE-C55FFC7E295E}"/>
+              </a:ext>
+              <a:ext uri="{C183D7F6-B498-43B3-948B-1728B52AA6E4}">
+                <adec:decorative xmlns:adec="http://schemas.microsoft.com/office/drawing/2017/decorative" val="1"/>
+              </a:ext>
+            </a:extLst>
+          </p:cNvPr>
+          <p:cNvCxnSpPr>
+            <a:cxnSpLocks noGrp="1" noRot="1" noChangeAspect="1" noMove="1" noResize="1" noEditPoints="1" noAdjustHandles="1" noChangeArrowheads="1" noChangeShapeType="1"/>
+          </p:cNvCxnSpPr>
+          <p:nvPr>
+            <p:extLst>
+              <p:ext uri="{386F3935-93C4-4BCD-93E2-E3B085C9AB24}">
+                <p16:designElem xmlns:p16="http://schemas.microsoft.com/office/powerpoint/2015/main" val="1"/>
+              </p:ext>
+            </p:extLst>
+          </p:nvPr>
+        </p:nvCxnSpPr>
+        <p:spPr>
+          <a:xfrm flipV="1">
+            <a:off x="762000" y="826324"/>
+            <a:ext cx="0" cy="914400"/>
+          </a:xfrm>
+          <a:prstGeom prst="line">
+            <a:avLst/>
+          </a:prstGeom>
+          <a:ln w="19050">
+            <a:solidFill>
+              <a:schemeClr val="accent1"/>
+            </a:solidFill>
+          </a:ln>
+        </p:spPr>
+        <p:style>
+          <a:lnRef idx="1">
+            <a:schemeClr val="accent1"/>
+          </a:lnRef>
+          <a:fillRef idx="0">
+            <a:schemeClr val="accent1"/>
+          </a:fillRef>
+          <a:effectRef idx="0">
+            <a:schemeClr val="accent1"/>
+          </a:effectRef>
+          <a:fontRef idx="minor">
+            <a:schemeClr val="tx1"/>
+          </a:fontRef>
+        </p:style>
+      </p:cxnSp>
       <p:sp>
         <p:nvSpPr>
           <p:cNvPr id="3" name="Content Placeholder 2">
@@ -43600,7 +43703,12 @@
             <p:ph idx="1"/>
           </p:nvPr>
         </p:nvSpPr>
-        <p:spPr/>
+        <p:spPr>
+          <a:xfrm>
+            <a:off x="1024128" y="2286000"/>
+            <a:ext cx="9720073" cy="4023360"/>
+          </a:xfrm>
+        </p:spPr>
         <p:txBody>
           <a:bodyPr>
             <a:normAutofit lnSpcReduction="10000"/>
@@ -43720,6 +43828,14 @@
 <file path=ppt/slides/slide49.xml><?xml version="1.0" encoding="utf-8"?>
 <p:sld xmlns:a="http://schemas.openxmlformats.org/drawingml/2006/main" xmlns:r="http://schemas.openxmlformats.org/officeDocument/2006/relationships" xmlns:p="http://schemas.openxmlformats.org/presentationml/2006/main">
   <p:cSld>
+    <p:bg>
+      <p:bgPr>
+        <a:solidFill>
+          <a:schemeClr val="bg1"/>
+        </a:solidFill>
+        <a:effectLst/>
+      </p:bgPr>
+    </p:bg>
     <p:spTree>
       <p:nvGrpSpPr>
         <p:cNvPr id="1" name=""/>
@@ -43750,7 +43866,12 @@
             <p:ph type="title"/>
           </p:nvPr>
         </p:nvSpPr>
-        <p:spPr/>
+        <p:spPr>
+          <a:xfrm>
+            <a:off x="1024128" y="585216"/>
+            <a:ext cx="8018272" cy="1499616"/>
+          </a:xfrm>
+        </p:spPr>
         <p:txBody>
           <a:bodyPr>
             <a:normAutofit/>
@@ -43794,9 +43915,16 @@
             <p:ph idx="1"/>
           </p:nvPr>
         </p:nvSpPr>
-        <p:spPr/>
+        <p:spPr>
+          <a:xfrm>
+            <a:off x="1024128" y="2286000"/>
+            <a:ext cx="8018271" cy="4023360"/>
+          </a:xfrm>
+        </p:spPr>
         <p:txBody>
-          <a:bodyPr/>
+          <a:bodyPr>
+            <a:normAutofit/>
+          </a:bodyPr>
           <a:lstStyle/>
           <a:p>
             <a:r>
@@ -43880,6 +44008,134 @@
           </a:p>
           <a:p>
             <a:endParaRPr lang="en-US" dirty="0"/>
+          </a:p>
+        </p:txBody>
+      </p:sp>
+      <p:sp>
+        <p:nvSpPr>
+          <p:cNvPr id="8" name="Rectangle 7">
+            <a:extLst>
+              <a:ext uri="{FF2B5EF4-FFF2-40B4-BE49-F238E27FC236}">
+                <a16:creationId xmlns:a16="http://schemas.microsoft.com/office/drawing/2014/main" id="{77D7B666-D5E6-48CE-B26A-FB5E5C34AF90}"/>
+              </a:ext>
+              <a:ext uri="{C183D7F6-B498-43B3-948B-1728B52AA6E4}">
+                <adec:decorative xmlns:adec="http://schemas.microsoft.com/office/drawing/2017/decorative" val="1"/>
+              </a:ext>
+            </a:extLst>
+          </p:cNvPr>
+          <p:cNvSpPr>
+            <a:spLocks noGrp="1" noRot="1" noChangeAspect="1" noMove="1" noResize="1" noEditPoints="1" noAdjustHandles="1" noChangeArrowheads="1" noChangeShapeType="1" noTextEdit="1"/>
+          </p:cNvSpPr>
+          <p:nvPr>
+            <p:extLst>
+              <p:ext uri="{386F3935-93C4-4BCD-93E2-E3B085C9AB24}">
+                <p16:designElem xmlns:p16="http://schemas.microsoft.com/office/powerpoint/2015/main" val="1"/>
+              </p:ext>
+            </p:extLst>
+          </p:nvPr>
+        </p:nvSpPr>
+        <p:spPr>
+          <a:xfrm>
+            <a:off x="9583348" y="325601"/>
+            <a:ext cx="2286920" cy="3908071"/>
+          </a:xfrm>
+          <a:prstGeom prst="rect">
+            <a:avLst/>
+          </a:prstGeom>
+          <a:solidFill>
+            <a:schemeClr val="accent1"/>
+          </a:solidFill>
+          <a:ln>
+            <a:noFill/>
+          </a:ln>
+        </p:spPr>
+        <p:style>
+          <a:lnRef idx="2">
+            <a:schemeClr val="accent1">
+              <a:shade val="50000"/>
+            </a:schemeClr>
+          </a:lnRef>
+          <a:fillRef idx="1">
+            <a:schemeClr val="accent1"/>
+          </a:fillRef>
+          <a:effectRef idx="0">
+            <a:schemeClr val="accent1"/>
+          </a:effectRef>
+          <a:fontRef idx="minor">
+            <a:schemeClr val="lt1"/>
+          </a:fontRef>
+        </p:style>
+        <p:txBody>
+          <a:bodyPr rtlCol="0" anchor="ctr"/>
+          <a:lstStyle/>
+          <a:p>
+            <a:pPr algn="ctr"/>
+            <a:endParaRPr lang="en-US" dirty="0"/>
+          </a:p>
+        </p:txBody>
+      </p:sp>
+      <p:sp>
+        <p:nvSpPr>
+          <p:cNvPr id="10" name="Rectangle 9">
+            <a:extLst>
+              <a:ext uri="{FF2B5EF4-FFF2-40B4-BE49-F238E27FC236}">
+                <a16:creationId xmlns:a16="http://schemas.microsoft.com/office/drawing/2014/main" id="{F6EE670A-A41A-44AD-BC1C-2090365EB5B3}"/>
+              </a:ext>
+              <a:ext uri="{C183D7F6-B498-43B3-948B-1728B52AA6E4}">
+                <adec:decorative xmlns:adec="http://schemas.microsoft.com/office/drawing/2017/decorative" val="1"/>
+              </a:ext>
+            </a:extLst>
+          </p:cNvPr>
+          <p:cNvSpPr>
+            <a:spLocks noGrp="1" noRot="1" noChangeAspect="1" noMove="1" noResize="1" noEditPoints="1" noAdjustHandles="1" noChangeArrowheads="1" noChangeShapeType="1" noTextEdit="1"/>
+          </p:cNvSpPr>
+          <p:nvPr>
+            <p:extLst>
+              <p:ext uri="{386F3935-93C4-4BCD-93E2-E3B085C9AB24}">
+                <p16:designElem xmlns:p16="http://schemas.microsoft.com/office/powerpoint/2015/main" val="1"/>
+              </p:ext>
+            </p:extLst>
+          </p:nvPr>
+        </p:nvSpPr>
+        <p:spPr>
+          <a:xfrm>
+            <a:off x="9583348" y="4394539"/>
+            <a:ext cx="2286920" cy="2029724"/>
+          </a:xfrm>
+          <a:prstGeom prst="rect">
+            <a:avLst/>
+          </a:prstGeom>
+          <a:solidFill>
+            <a:schemeClr val="tx2">
+              <a:alpha val="80000"/>
+            </a:schemeClr>
+          </a:solidFill>
+          <a:ln>
+            <a:noFill/>
+          </a:ln>
+        </p:spPr>
+        <p:style>
+          <a:lnRef idx="2">
+            <a:schemeClr val="accent1">
+              <a:shade val="50000"/>
+            </a:schemeClr>
+          </a:lnRef>
+          <a:fillRef idx="1">
+            <a:schemeClr val="accent1"/>
+          </a:fillRef>
+          <a:effectRef idx="0">
+            <a:schemeClr val="accent1"/>
+          </a:effectRef>
+          <a:fontRef idx="minor">
+            <a:schemeClr val="lt1"/>
+          </a:fontRef>
+        </p:style>
+        <p:txBody>
+          <a:bodyPr rtlCol="0" anchor="ctr"/>
+          <a:lstStyle/>
+          <a:p>
+            <a:pPr algn="ctr"/>
+            <a:endParaRPr lang="en-US"/>
           </a:p>
         </p:txBody>
       </p:sp>
@@ -44167,6 +44423,14 @@
 <file path=ppt/slides/slide50.xml><?xml version="1.0" encoding="utf-8"?>
 <p:sld xmlns:a="http://schemas.openxmlformats.org/drawingml/2006/main" xmlns:r="http://schemas.openxmlformats.org/officeDocument/2006/relationships" xmlns:p="http://schemas.openxmlformats.org/presentationml/2006/main">
   <p:cSld>
+    <p:bg>
+      <p:bgPr>
+        <a:solidFill>
+          <a:schemeClr val="bg1"/>
+        </a:solidFill>
+        <a:effectLst/>
+      </p:bgPr>
+    </p:bg>
     <p:spTree>
       <p:nvGrpSpPr>
         <p:cNvPr id="1" name=""/>
@@ -44197,7 +44461,12 @@
             <p:ph type="title"/>
           </p:nvPr>
         </p:nvSpPr>
-        <p:spPr/>
+        <p:spPr>
+          <a:xfrm>
+            <a:off x="1024128" y="585216"/>
+            <a:ext cx="8018272" cy="1499616"/>
+          </a:xfrm>
+        </p:spPr>
         <p:txBody>
           <a:bodyPr>
             <a:normAutofit/>
@@ -44241,9 +44510,16 @@
             <p:ph idx="1"/>
           </p:nvPr>
         </p:nvSpPr>
-        <p:spPr/>
+        <p:spPr>
+          <a:xfrm>
+            <a:off x="1024128" y="2286000"/>
+            <a:ext cx="8018271" cy="4023360"/>
+          </a:xfrm>
+        </p:spPr>
         <p:txBody>
-          <a:bodyPr/>
+          <a:bodyPr>
+            <a:normAutofit/>
+          </a:bodyPr>
           <a:lstStyle/>
           <a:p>
             <a:r>
@@ -44257,11 +44533,11 @@
           </a:p>
           <a:p>
             <a:r>
-              <a:rPr lang="en-US" sz="2000" dirty="0"/>
+              <a:rPr lang="en-US" dirty="0"/>
               <a:t>Compare with option-free bond: </a:t>
             </a:r>
             <a:r>
-              <a:rPr lang="en-US" sz="2000" dirty="0">
+              <a:rPr lang="en-US" dirty="0">
                 <a:solidFill>
                   <a:srgbClr val="FF0000"/>
                 </a:solidFill>
@@ -44271,11 +44547,11 @@
           </a:p>
           <a:p>
             <a:r>
-              <a:rPr lang="en-US" sz="2000" dirty="0"/>
+              <a:rPr lang="en-US" dirty="0"/>
               <a:t>A </a:t>
             </a:r>
             <a:r>
-              <a:rPr lang="en-US" sz="2000" dirty="0">
+              <a:rPr lang="en-US" dirty="0">
                 <a:solidFill>
                   <a:srgbClr val="FF0000"/>
                 </a:solidFill>
@@ -44283,11 +44559,11 @@
               <a:t>warrant</a:t>
             </a:r>
             <a:r>
-              <a:rPr lang="en-US" sz="2000" dirty="0"/>
+              <a:rPr lang="en-US" dirty="0"/>
               <a:t> is an “</a:t>
             </a:r>
             <a:r>
-              <a:rPr lang="en-US" sz="2000" dirty="0">
+              <a:rPr lang="en-US" dirty="0">
                 <a:solidFill>
                   <a:srgbClr val="FF0000"/>
                 </a:solidFill>
@@ -44295,11 +44571,11 @@
               <a:t>attached</a:t>
             </a:r>
             <a:r>
-              <a:rPr lang="en-US" sz="2000" dirty="0"/>
+              <a:rPr lang="en-US" dirty="0"/>
               <a:t>” rather than </a:t>
             </a:r>
             <a:r>
-              <a:rPr lang="en-US" sz="2000" dirty="0">
+              <a:rPr lang="en-US" dirty="0">
                 <a:solidFill>
                   <a:srgbClr val="FF0000"/>
                 </a:solidFill>
@@ -44307,13 +44583,13 @@
               <a:t>embedded option </a:t>
             </a:r>
             <a:r>
-              <a:rPr lang="en-US" sz="2000" dirty="0"/>
+              <a:rPr lang="en-US" dirty="0"/>
               <a:t>entitling the holder to buy the underlying stock of the issuing company at a fixed exercise price until the expiration date.</a:t>
             </a:r>
           </a:p>
           <a:p>
             <a:r>
-              <a:rPr lang="en-US" sz="2000" dirty="0">
+              <a:rPr lang="en-US" dirty="0">
                 <a:solidFill>
                   <a:srgbClr val="FF0000"/>
                 </a:solidFill>
@@ -44321,11 +44597,11 @@
               <a:t>Contingent convertible bonds</a:t>
             </a:r>
             <a:r>
-              <a:rPr lang="en-US" sz="2000" dirty="0"/>
+              <a:rPr lang="en-US" dirty="0"/>
               <a:t>, nicknamed “</a:t>
             </a:r>
             <a:r>
-              <a:rPr lang="en-US" sz="2000" dirty="0">
+              <a:rPr lang="en-US" dirty="0" err="1">
                 <a:solidFill>
                   <a:srgbClr val="FF0000"/>
                 </a:solidFill>
@@ -44333,11 +44609,11 @@
               <a:t>CoCos</a:t>
             </a:r>
             <a:r>
-              <a:rPr lang="en-US" sz="2000" dirty="0"/>
+              <a:rPr lang="en-US" dirty="0"/>
               <a:t>,” are bonds with contingent </a:t>
             </a:r>
             <a:r>
-              <a:rPr lang="en-US" sz="2000" dirty="0">
+              <a:rPr lang="en-US" dirty="0">
                 <a:solidFill>
                   <a:srgbClr val="FF0000"/>
                 </a:solidFill>
@@ -44345,11 +44621,19 @@
               <a:t>write-down</a:t>
             </a:r>
             <a:r>
-              <a:rPr lang="en-US" sz="2000" dirty="0"/>
-              <a:t> provisions. In the case of CoCos, conversion is </a:t>
-            </a:r>
-            <a:r>
-              <a:rPr lang="en-US" sz="2000" dirty="0">
+              <a:rPr lang="en-US" dirty="0"/>
+              <a:t> provisions. In the case of </a:t>
+            </a:r>
+            <a:r>
+              <a:rPr lang="en-US" dirty="0" err="1"/>
+              <a:t>CoCos</a:t>
+            </a:r>
+            <a:r>
+              <a:rPr lang="en-US" dirty="0"/>
+              <a:t>, conversion is </a:t>
+            </a:r>
+            <a:r>
+              <a:rPr lang="en-US" dirty="0">
                 <a:solidFill>
                   <a:srgbClr val="FF0000"/>
                 </a:solidFill>
@@ -44357,15 +44641,143 @@
               <a:t>automatic</a:t>
             </a:r>
             <a:r>
-              <a:rPr lang="en-US" sz="2000" dirty="0"/>
+              <a:rPr lang="en-US" dirty="0"/>
               <a:t> if a specified event occurs.</a:t>
             </a:r>
           </a:p>
           <a:p>
-            <a:endParaRPr lang="en-US" sz="2800" b="1" dirty="0"/>
+            <a:endParaRPr lang="en-US" b="1" dirty="0"/>
           </a:p>
           <a:p>
             <a:endParaRPr lang="en-US" dirty="0"/>
+          </a:p>
+        </p:txBody>
+      </p:sp>
+      <p:sp>
+        <p:nvSpPr>
+          <p:cNvPr id="8" name="Rectangle 7">
+            <a:extLst>
+              <a:ext uri="{FF2B5EF4-FFF2-40B4-BE49-F238E27FC236}">
+                <a16:creationId xmlns:a16="http://schemas.microsoft.com/office/drawing/2014/main" id="{77D7B666-D5E6-48CE-B26A-FB5E5C34AF90}"/>
+              </a:ext>
+              <a:ext uri="{C183D7F6-B498-43B3-948B-1728B52AA6E4}">
+                <adec:decorative xmlns:adec="http://schemas.microsoft.com/office/drawing/2017/decorative" val="1"/>
+              </a:ext>
+            </a:extLst>
+          </p:cNvPr>
+          <p:cNvSpPr>
+            <a:spLocks noGrp="1" noRot="1" noChangeAspect="1" noMove="1" noResize="1" noEditPoints="1" noAdjustHandles="1" noChangeArrowheads="1" noChangeShapeType="1" noTextEdit="1"/>
+          </p:cNvSpPr>
+          <p:nvPr>
+            <p:extLst>
+              <p:ext uri="{386F3935-93C4-4BCD-93E2-E3B085C9AB24}">
+                <p16:designElem xmlns:p16="http://schemas.microsoft.com/office/powerpoint/2015/main" val="1"/>
+              </p:ext>
+            </p:extLst>
+          </p:nvPr>
+        </p:nvSpPr>
+        <p:spPr>
+          <a:xfrm>
+            <a:off x="9583348" y="325601"/>
+            <a:ext cx="2286920" cy="3908071"/>
+          </a:xfrm>
+          <a:prstGeom prst="rect">
+            <a:avLst/>
+          </a:prstGeom>
+          <a:solidFill>
+            <a:schemeClr val="accent1"/>
+          </a:solidFill>
+          <a:ln>
+            <a:noFill/>
+          </a:ln>
+        </p:spPr>
+        <p:style>
+          <a:lnRef idx="2">
+            <a:schemeClr val="accent1">
+              <a:shade val="50000"/>
+            </a:schemeClr>
+          </a:lnRef>
+          <a:fillRef idx="1">
+            <a:schemeClr val="accent1"/>
+          </a:fillRef>
+          <a:effectRef idx="0">
+            <a:schemeClr val="accent1"/>
+          </a:effectRef>
+          <a:fontRef idx="minor">
+            <a:schemeClr val="lt1"/>
+          </a:fontRef>
+        </p:style>
+        <p:txBody>
+          <a:bodyPr rtlCol="0" anchor="ctr"/>
+          <a:lstStyle/>
+          <a:p>
+            <a:pPr algn="ctr"/>
+            <a:endParaRPr lang="en-US" dirty="0"/>
+          </a:p>
+        </p:txBody>
+      </p:sp>
+      <p:sp>
+        <p:nvSpPr>
+          <p:cNvPr id="10" name="Rectangle 9">
+            <a:extLst>
+              <a:ext uri="{FF2B5EF4-FFF2-40B4-BE49-F238E27FC236}">
+                <a16:creationId xmlns:a16="http://schemas.microsoft.com/office/drawing/2014/main" id="{F6EE670A-A41A-44AD-BC1C-2090365EB5B3}"/>
+              </a:ext>
+              <a:ext uri="{C183D7F6-B498-43B3-948B-1728B52AA6E4}">
+                <adec:decorative xmlns:adec="http://schemas.microsoft.com/office/drawing/2017/decorative" val="1"/>
+              </a:ext>
+            </a:extLst>
+          </p:cNvPr>
+          <p:cNvSpPr>
+            <a:spLocks noGrp="1" noRot="1" noChangeAspect="1" noMove="1" noResize="1" noEditPoints="1" noAdjustHandles="1" noChangeArrowheads="1" noChangeShapeType="1" noTextEdit="1"/>
+          </p:cNvSpPr>
+          <p:nvPr>
+            <p:extLst>
+              <p:ext uri="{386F3935-93C4-4BCD-93E2-E3B085C9AB24}">
+                <p16:designElem xmlns:p16="http://schemas.microsoft.com/office/powerpoint/2015/main" val="1"/>
+              </p:ext>
+            </p:extLst>
+          </p:nvPr>
+        </p:nvSpPr>
+        <p:spPr>
+          <a:xfrm>
+            <a:off x="9583348" y="4394539"/>
+            <a:ext cx="2286920" cy="2029724"/>
+          </a:xfrm>
+          <a:prstGeom prst="rect">
+            <a:avLst/>
+          </a:prstGeom>
+          <a:solidFill>
+            <a:schemeClr val="tx2">
+              <a:alpha val="80000"/>
+            </a:schemeClr>
+          </a:solidFill>
+          <a:ln>
+            <a:noFill/>
+          </a:ln>
+        </p:spPr>
+        <p:style>
+          <a:lnRef idx="2">
+            <a:schemeClr val="accent1">
+              <a:shade val="50000"/>
+            </a:schemeClr>
+          </a:lnRef>
+          <a:fillRef idx="1">
+            <a:schemeClr val="accent1"/>
+          </a:fillRef>
+          <a:effectRef idx="0">
+            <a:schemeClr val="accent1"/>
+          </a:effectRef>
+          <a:fontRef idx="minor">
+            <a:schemeClr val="lt1"/>
+          </a:fontRef>
+        </p:style>
+        <p:txBody>
+          <a:bodyPr rtlCol="0" anchor="ctr"/>
+          <a:lstStyle/>
+          <a:p>
+            <a:pPr algn="ctr"/>
+            <a:endParaRPr lang="en-US"/>
           </a:p>
         </p:txBody>
       </p:sp>
@@ -44385,6 +44797,14 @@
 <file path=ppt/slides/slide51.xml><?xml version="1.0" encoding="utf-8"?>
 <p:sld xmlns:a="http://schemas.openxmlformats.org/drawingml/2006/main" xmlns:r="http://schemas.openxmlformats.org/officeDocument/2006/relationships" xmlns:p="http://schemas.openxmlformats.org/presentationml/2006/main">
   <p:cSld>
+    <p:bg>
+      <p:bgPr>
+        <a:solidFill>
+          <a:schemeClr val="bg1"/>
+        </a:solidFill>
+        <a:effectLst/>
+      </p:bgPr>
+    </p:bg>
     <p:spTree>
       <p:nvGrpSpPr>
         <p:cNvPr id="1" name=""/>
@@ -44399,6 +44819,44 @@
           <a:chExt cx="0" cy="0"/>
         </a:xfrm>
       </p:grpSpPr>
+      <p:pic>
+        <p:nvPicPr>
+          <p:cNvPr id="5" name="Picture 4" descr="Speedometer">
+            <a:extLst>
+              <a:ext uri="{FF2B5EF4-FFF2-40B4-BE49-F238E27FC236}">
+                <a16:creationId xmlns:a16="http://schemas.microsoft.com/office/drawing/2014/main" id="{2BD37315-CDD1-473F-828E-3D3F1188866D}"/>
+              </a:ext>
+            </a:extLst>
+          </p:cNvPr>
+          <p:cNvPicPr>
+            <a:picLocks noChangeAspect="1"/>
+          </p:cNvPicPr>
+          <p:nvPr/>
+        </p:nvPicPr>
+        <p:blipFill rotWithShape="1">
+          <a:blip r:embed="rId2">
+            <a:duotone>
+              <a:schemeClr val="bg2">
+                <a:shade val="45000"/>
+                <a:satMod val="135000"/>
+              </a:schemeClr>
+              <a:prstClr val="white"/>
+            </a:duotone>
+            <a:alphaModFix amt="40000"/>
+          </a:blip>
+          <a:srcRect t="5645" b="3994"/>
+          <a:stretch/>
+        </p:blipFill>
+        <p:spPr>
+          <a:xfrm>
+            <a:off x="20" y="10"/>
+            <a:ext cx="12191980" cy="6857989"/>
+          </a:xfrm>
+          <a:prstGeom prst="rect">
+            <a:avLst/>
+          </a:prstGeom>
+        </p:spPr>
+      </p:pic>
       <p:sp>
         <p:nvSpPr>
           <p:cNvPr id="2" name="Title 1">
@@ -44415,9 +44873,16 @@
             <p:ph type="title"/>
           </p:nvPr>
         </p:nvSpPr>
-        <p:spPr/>
+        <p:spPr>
+          <a:xfrm>
+            <a:off x="1024128" y="585216"/>
+            <a:ext cx="9720072" cy="1499616"/>
+          </a:xfrm>
+        </p:spPr>
         <p:txBody>
-          <a:bodyPr/>
+          <a:bodyPr>
+            <a:normAutofit/>
+          </a:bodyPr>
           <a:lstStyle/>
           <a:p>
             <a:r>
@@ -44427,6 +44892,58 @@
           </a:p>
         </p:txBody>
       </p:sp>
+      <p:cxnSp>
+        <p:nvCxnSpPr>
+          <p:cNvPr id="9" name="Straight Connector 8">
+            <a:extLst>
+              <a:ext uri="{FF2B5EF4-FFF2-40B4-BE49-F238E27FC236}">
+                <a16:creationId xmlns:a16="http://schemas.microsoft.com/office/drawing/2014/main" id="{3FEFDF7D-B17C-4F16-B8BE-C55FFC7E295E}"/>
+              </a:ext>
+              <a:ext uri="{C183D7F6-B498-43B3-948B-1728B52AA6E4}">
+                <adec:decorative xmlns:adec="http://schemas.microsoft.com/office/drawing/2017/decorative" val="1"/>
+              </a:ext>
+            </a:extLst>
+          </p:cNvPr>
+          <p:cNvCxnSpPr>
+            <a:cxnSpLocks noGrp="1" noRot="1" noChangeAspect="1" noMove="1" noResize="1" noEditPoints="1" noAdjustHandles="1" noChangeArrowheads="1" noChangeShapeType="1"/>
+          </p:cNvCxnSpPr>
+          <p:nvPr>
+            <p:extLst>
+              <p:ext uri="{386F3935-93C4-4BCD-93E2-E3B085C9AB24}">
+                <p16:designElem xmlns:p16="http://schemas.microsoft.com/office/powerpoint/2015/main" val="1"/>
+              </p:ext>
+            </p:extLst>
+          </p:nvPr>
+        </p:nvCxnSpPr>
+        <p:spPr>
+          <a:xfrm flipV="1">
+            <a:off x="762000" y="826324"/>
+            <a:ext cx="0" cy="914400"/>
+          </a:xfrm>
+          <a:prstGeom prst="line">
+            <a:avLst/>
+          </a:prstGeom>
+          <a:ln w="19050">
+            <a:solidFill>
+              <a:schemeClr val="accent1"/>
+            </a:solidFill>
+          </a:ln>
+        </p:spPr>
+        <p:style>
+          <a:lnRef idx="1">
+            <a:schemeClr val="accent1"/>
+          </a:lnRef>
+          <a:fillRef idx="0">
+            <a:schemeClr val="accent1"/>
+          </a:fillRef>
+          <a:effectRef idx="0">
+            <a:schemeClr val="accent1"/>
+          </a:effectRef>
+          <a:fontRef idx="minor">
+            <a:schemeClr val="tx1"/>
+          </a:fontRef>
+        </p:style>
+      </p:cxnSp>
       <p:sp>
         <p:nvSpPr>
           <p:cNvPr id="3" name="Content Placeholder 2">
@@ -44443,15 +44960,20 @@
             <p:ph idx="1"/>
           </p:nvPr>
         </p:nvSpPr>
-        <p:spPr/>
+        <p:spPr>
+          <a:xfrm>
+            <a:off x="1024128" y="2286000"/>
+            <a:ext cx="9720073" cy="4023360"/>
+          </a:xfrm>
+        </p:spPr>
         <p:txBody>
           <a:bodyPr>
-            <a:normAutofit fontScale="62500" lnSpcReduction="20000"/>
+            <a:normAutofit/>
           </a:bodyPr>
           <a:lstStyle/>
           <a:p>
             <a:r>
-              <a:rPr lang="en-US" dirty="0"/>
+              <a:rPr lang="en-US" sz="1200" dirty="0"/>
               <a:t>1. Which of the following is not an example of an embedded option?</a:t>
             </a:r>
           </a:p>
@@ -44461,7 +44983,7 @@
               <a:buAutoNum type="alphaUcPeriod"/>
             </a:pPr>
             <a:r>
-              <a:rPr lang="en-US" b="1" dirty="0"/>
+              <a:rPr lang="en-US" sz="1200" b="1" dirty="0"/>
               <a:t>Warrant</a:t>
             </a:r>
           </a:p>
@@ -44471,7 +44993,7 @@
               <a:buAutoNum type="alphaUcPeriod"/>
             </a:pPr>
             <a:r>
-              <a:rPr lang="en-US" b="1" dirty="0"/>
+              <a:rPr lang="en-US" sz="1200" b="1" dirty="0"/>
               <a:t>Call provision</a:t>
             </a:r>
           </a:p>
@@ -44481,13 +45003,13 @@
               <a:buAutoNum type="alphaUcPeriod"/>
             </a:pPr>
             <a:r>
-              <a:rPr lang="en-US" b="1" dirty="0"/>
+              <a:rPr lang="en-US" sz="1200" b="1" dirty="0"/>
               <a:t>Conversion provision</a:t>
             </a:r>
           </a:p>
           <a:p>
             <a:r>
-              <a:rPr lang="en-US" dirty="0"/>
+              <a:rPr lang="en-US" sz="1200" dirty="0"/>
               <a:t>2. The type of bond with an embedded option that would most likely sell at a lower price than an otherwise similar bond without the embedded option is a:</a:t>
             </a:r>
           </a:p>
@@ -44497,8 +45019,12 @@
               <a:buAutoNum type="alphaUcPeriod"/>
             </a:pPr>
             <a:r>
-              <a:rPr lang="en-US" b="1" dirty="0"/>
-              <a:t>putable bond.</a:t>
+              <a:rPr lang="en-US" sz="1200" b="1" dirty="0" err="1"/>
+              <a:t>putable</a:t>
+            </a:r>
+            <a:r>
+              <a:rPr lang="en-US" sz="1200" b="1" dirty="0"/>
+              <a:t> bond.</a:t>
             </a:r>
           </a:p>
           <a:p>
@@ -44507,7 +45033,7 @@
               <a:buAutoNum type="alphaUcPeriod"/>
             </a:pPr>
             <a:r>
-              <a:rPr lang="en-US" b="1" dirty="0"/>
+              <a:rPr lang="en-US" sz="1200" b="1" dirty="0"/>
               <a:t>callable bond.</a:t>
             </a:r>
           </a:p>
@@ -44517,13 +45043,13 @@
               <a:buAutoNum type="alphaUcPeriod"/>
             </a:pPr>
             <a:r>
-              <a:rPr lang="en-US" b="1" dirty="0"/>
+              <a:rPr lang="en-US" sz="1200" b="1" dirty="0"/>
               <a:t>convertible bond.</a:t>
             </a:r>
           </a:p>
           <a:p>
             <a:r>
-              <a:rPr lang="en-US" dirty="0"/>
+              <a:rPr lang="en-US" sz="1200" dirty="0"/>
               <a:t>3. The additional risk inherent to a callable bond is best described as:</a:t>
             </a:r>
           </a:p>
@@ -44533,7 +45059,7 @@
               <a:buAutoNum type="alphaUcPeriod"/>
             </a:pPr>
             <a:r>
-              <a:rPr lang="en-US" dirty="0"/>
+              <a:rPr lang="en-US" sz="1200" b="1" dirty="0"/>
               <a:t>credit risk.</a:t>
             </a:r>
           </a:p>
@@ -44543,7 +45069,7 @@
               <a:buAutoNum type="alphaUcPeriod"/>
             </a:pPr>
             <a:r>
-              <a:rPr lang="en-US" dirty="0"/>
+              <a:rPr lang="en-US" sz="1200" b="1" dirty="0"/>
               <a:t>interest rate risk.</a:t>
             </a:r>
           </a:p>
@@ -44553,7 +45079,7 @@
               <a:buAutoNum type="alphaUcPeriod"/>
             </a:pPr>
             <a:r>
-              <a:rPr lang="en-US" dirty="0"/>
+              <a:rPr lang="en-US" sz="1200" b="1" dirty="0"/>
               <a:t>reinvestment risk.</a:t>
             </a:r>
           </a:p>
@@ -44575,6 +45101,14 @@
 <file path=ppt/slides/slide52.xml><?xml version="1.0" encoding="utf-8"?>
 <p:sld xmlns:a="http://schemas.openxmlformats.org/drawingml/2006/main" xmlns:r="http://schemas.openxmlformats.org/officeDocument/2006/relationships" xmlns:p="http://schemas.openxmlformats.org/presentationml/2006/main">
   <p:cSld>
+    <p:bg>
+      <p:bgPr>
+        <a:solidFill>
+          <a:schemeClr val="bg1"/>
+        </a:solidFill>
+        <a:effectLst/>
+      </p:bgPr>
+    </p:bg>
     <p:spTree>
       <p:nvGrpSpPr>
         <p:cNvPr id="1" name=""/>
@@ -44605,9 +45139,16 @@
             <p:ph type="title"/>
           </p:nvPr>
         </p:nvSpPr>
-        <p:spPr/>
+        <p:spPr>
+          <a:xfrm>
+            <a:off x="1024128" y="585216"/>
+            <a:ext cx="8018272" cy="1499616"/>
+          </a:xfrm>
+        </p:spPr>
         <p:txBody>
-          <a:bodyPr/>
+          <a:bodyPr>
+            <a:normAutofit/>
+          </a:bodyPr>
           <a:lstStyle/>
           <a:p>
             <a:r>
@@ -44633,15 +45174,20 @@
             <p:ph idx="1"/>
           </p:nvPr>
         </p:nvSpPr>
-        <p:spPr/>
+        <p:spPr>
+          <a:xfrm>
+            <a:off x="1024128" y="2286000"/>
+            <a:ext cx="8018271" cy="4023360"/>
+          </a:xfrm>
+        </p:spPr>
         <p:txBody>
           <a:bodyPr>
-            <a:normAutofit fontScale="92500" lnSpcReduction="10000"/>
+            <a:normAutofit/>
           </a:bodyPr>
           <a:lstStyle/>
           <a:p>
             <a:r>
-              <a:rPr lang="en-US" dirty="0"/>
+              <a:rPr lang="en-US" sz="1700"/>
               <a:t>4. The put provision of a putable bond:</a:t>
             </a:r>
           </a:p>
@@ -44651,7 +45197,7 @@
               <a:buAutoNum type="alphaUcPeriod"/>
             </a:pPr>
             <a:r>
-              <a:rPr lang="en-US" b="1" dirty="0"/>
+              <a:rPr lang="en-US" sz="1700" b="1"/>
               <a:t>limits the risk to the issuer.</a:t>
             </a:r>
           </a:p>
@@ -44661,7 +45207,7 @@
               <a:buAutoNum type="alphaUcPeriod"/>
             </a:pPr>
             <a:r>
-              <a:rPr lang="en-US" b="1" dirty="0"/>
+              <a:rPr lang="en-US" sz="1700" b="1"/>
               <a:t>limits the risk to the bondholder.</a:t>
             </a:r>
           </a:p>
@@ -44671,13 +45217,13 @@
               <a:buAutoNum type="alphaUcPeriod"/>
             </a:pPr>
             <a:r>
-              <a:rPr lang="en-US" b="1" dirty="0"/>
+              <a:rPr lang="en-US" sz="1700" b="1"/>
               <a:t>does not materially affect the risk of either the issuer or the bondholder.</a:t>
             </a:r>
           </a:p>
           <a:p>
             <a:r>
-              <a:rPr lang="en-US" dirty="0"/>
+              <a:rPr lang="en-US" sz="1700"/>
               <a:t>5. Assume that a convertible bond issued in South Korea has a par value of ₩1,000,000 and is currently priced at ₩1,100,000. The underlying share price is ₩40,000, and the conversion ratio is 25:1. The conversion condition for this bond is:</a:t>
             </a:r>
           </a:p>
@@ -44687,7 +45233,7 @@
               <a:buAutoNum type="alphaUcPeriod"/>
             </a:pPr>
             <a:r>
-              <a:rPr lang="en-US" b="1" dirty="0"/>
+              <a:rPr lang="en-US" sz="1700" b="1"/>
               <a:t>parity.</a:t>
             </a:r>
           </a:p>
@@ -44697,7 +45243,7 @@
               <a:buAutoNum type="alphaUcPeriod"/>
             </a:pPr>
             <a:r>
-              <a:rPr lang="en-US" b="1" dirty="0"/>
+              <a:rPr lang="en-US" sz="1700" b="1"/>
               <a:t>above parity.</a:t>
             </a:r>
           </a:p>
@@ -44707,9 +45253,137 @@
               <a:buAutoNum type="alphaUcPeriod"/>
             </a:pPr>
             <a:r>
-              <a:rPr lang="en-US" b="1" dirty="0"/>
+              <a:rPr lang="en-US" sz="1700" b="1"/>
               <a:t>below parity.</a:t>
             </a:r>
+          </a:p>
+        </p:txBody>
+      </p:sp>
+      <p:sp>
+        <p:nvSpPr>
+          <p:cNvPr id="8" name="Rectangle 7">
+            <a:extLst>
+              <a:ext uri="{FF2B5EF4-FFF2-40B4-BE49-F238E27FC236}">
+                <a16:creationId xmlns:a16="http://schemas.microsoft.com/office/drawing/2014/main" id="{77D7B666-D5E6-48CE-B26A-FB5E5C34AF90}"/>
+              </a:ext>
+              <a:ext uri="{C183D7F6-B498-43B3-948B-1728B52AA6E4}">
+                <adec:decorative xmlns:adec="http://schemas.microsoft.com/office/drawing/2017/decorative" val="1"/>
+              </a:ext>
+            </a:extLst>
+          </p:cNvPr>
+          <p:cNvSpPr>
+            <a:spLocks noGrp="1" noRot="1" noChangeAspect="1" noMove="1" noResize="1" noEditPoints="1" noAdjustHandles="1" noChangeArrowheads="1" noChangeShapeType="1" noTextEdit="1"/>
+          </p:cNvSpPr>
+          <p:nvPr>
+            <p:extLst>
+              <p:ext uri="{386F3935-93C4-4BCD-93E2-E3B085C9AB24}">
+                <p16:designElem xmlns:p16="http://schemas.microsoft.com/office/powerpoint/2015/main" val="1"/>
+              </p:ext>
+            </p:extLst>
+          </p:nvPr>
+        </p:nvSpPr>
+        <p:spPr>
+          <a:xfrm>
+            <a:off x="9583348" y="325601"/>
+            <a:ext cx="2286920" cy="3908071"/>
+          </a:xfrm>
+          <a:prstGeom prst="rect">
+            <a:avLst/>
+          </a:prstGeom>
+          <a:solidFill>
+            <a:schemeClr val="accent1"/>
+          </a:solidFill>
+          <a:ln>
+            <a:noFill/>
+          </a:ln>
+        </p:spPr>
+        <p:style>
+          <a:lnRef idx="2">
+            <a:schemeClr val="accent1">
+              <a:shade val="50000"/>
+            </a:schemeClr>
+          </a:lnRef>
+          <a:fillRef idx="1">
+            <a:schemeClr val="accent1"/>
+          </a:fillRef>
+          <a:effectRef idx="0">
+            <a:schemeClr val="accent1"/>
+          </a:effectRef>
+          <a:fontRef idx="minor">
+            <a:schemeClr val="lt1"/>
+          </a:fontRef>
+        </p:style>
+        <p:txBody>
+          <a:bodyPr rtlCol="0" anchor="ctr"/>
+          <a:lstStyle/>
+          <a:p>
+            <a:pPr algn="ctr"/>
+            <a:endParaRPr lang="en-US" dirty="0"/>
+          </a:p>
+        </p:txBody>
+      </p:sp>
+      <p:sp>
+        <p:nvSpPr>
+          <p:cNvPr id="10" name="Rectangle 9">
+            <a:extLst>
+              <a:ext uri="{FF2B5EF4-FFF2-40B4-BE49-F238E27FC236}">
+                <a16:creationId xmlns:a16="http://schemas.microsoft.com/office/drawing/2014/main" id="{F6EE670A-A41A-44AD-BC1C-2090365EB5B3}"/>
+              </a:ext>
+              <a:ext uri="{C183D7F6-B498-43B3-948B-1728B52AA6E4}">
+                <adec:decorative xmlns:adec="http://schemas.microsoft.com/office/drawing/2017/decorative" val="1"/>
+              </a:ext>
+            </a:extLst>
+          </p:cNvPr>
+          <p:cNvSpPr>
+            <a:spLocks noGrp="1" noRot="1" noChangeAspect="1" noMove="1" noResize="1" noEditPoints="1" noAdjustHandles="1" noChangeArrowheads="1" noChangeShapeType="1" noTextEdit="1"/>
+          </p:cNvSpPr>
+          <p:nvPr>
+            <p:extLst>
+              <p:ext uri="{386F3935-93C4-4BCD-93E2-E3B085C9AB24}">
+                <p16:designElem xmlns:p16="http://schemas.microsoft.com/office/powerpoint/2015/main" val="1"/>
+              </p:ext>
+            </p:extLst>
+          </p:nvPr>
+        </p:nvSpPr>
+        <p:spPr>
+          <a:xfrm>
+            <a:off x="9583348" y="4394539"/>
+            <a:ext cx="2286920" cy="2029724"/>
+          </a:xfrm>
+          <a:prstGeom prst="rect">
+            <a:avLst/>
+          </a:prstGeom>
+          <a:solidFill>
+            <a:schemeClr val="tx2">
+              <a:alpha val="80000"/>
+            </a:schemeClr>
+          </a:solidFill>
+          <a:ln>
+            <a:noFill/>
+          </a:ln>
+        </p:spPr>
+        <p:style>
+          <a:lnRef idx="2">
+            <a:schemeClr val="accent1">
+              <a:shade val="50000"/>
+            </a:schemeClr>
+          </a:lnRef>
+          <a:fillRef idx="1">
+            <a:schemeClr val="accent1"/>
+          </a:fillRef>
+          <a:effectRef idx="0">
+            <a:schemeClr val="accent1"/>
+          </a:effectRef>
+          <a:fontRef idx="minor">
+            <a:schemeClr val="lt1"/>
+          </a:fontRef>
+        </p:style>
+        <p:txBody>
+          <a:bodyPr rtlCol="0" anchor="ctr"/>
+          <a:lstStyle/>
+          <a:p>
+            <a:pPr algn="ctr"/>
+            <a:endParaRPr lang="en-US"/>
           </a:p>
         </p:txBody>
       </p:sp>

--- a/Fixed Income.pptx
+++ b/Fixed Income.pptx
@@ -5,7 +5,7 @@
     <p:sldMasterId id="2147483660" r:id="rId1"/>
   </p:sldMasterIdLst>
   <p:notesMasterIdLst>
-    <p:notesMasterId r:id="rId54"/>
+    <p:notesMasterId r:id="rId62"/>
   </p:notesMasterIdLst>
   <p:sldIdLst>
     <p:sldId id="265" r:id="rId2"/>
@@ -60,6 +60,14 @@
     <p:sldId id="309" r:id="rId51"/>
     <p:sldId id="310" r:id="rId52"/>
     <p:sldId id="311" r:id="rId53"/>
+    <p:sldId id="318" r:id="rId54"/>
+    <p:sldId id="312" r:id="rId55"/>
+    <p:sldId id="313" r:id="rId56"/>
+    <p:sldId id="314" r:id="rId57"/>
+    <p:sldId id="319" r:id="rId58"/>
+    <p:sldId id="315" r:id="rId59"/>
+    <p:sldId id="316" r:id="rId60"/>
+    <p:sldId id="317" r:id="rId61"/>
   </p:sldIdLst>
   <p:sldSz cx="12192000" cy="6858000"/>
   <p:notesSz cx="6858000" cy="9144000"/>
@@ -1834,6 +1842,927 @@
 </dgm:colorsDef>
 </file>
 
+<file path=ppt/diagrams/colors3.xml><?xml version="1.0" encoding="utf-8"?>
+<dgm:colorsDef xmlns:dgm="http://schemas.openxmlformats.org/drawingml/2006/diagram" xmlns:a="http://schemas.openxmlformats.org/drawingml/2006/main" uniqueId="urn:microsoft.com/office/officeart/2018/5/colors/Iconchunking_neutralbg_colorful1">
+  <dgm:title val=""/>
+  <dgm:desc val=""/>
+  <dgm:catLst>
+    <dgm:cat type="colorful" pri="10100"/>
+  </dgm:catLst>
+  <dgm:styleLbl name="node0">
+    <dgm:fillClrLst meth="repeat">
+      <a:schemeClr val="accent1"/>
+    </dgm:fillClrLst>
+    <dgm:linClrLst meth="repeat">
+      <a:schemeClr val="lt1"/>
+    </dgm:linClrLst>
+    <dgm:effectClrLst/>
+    <dgm:txLinClrLst/>
+    <dgm:txFillClrLst/>
+    <dgm:txEffectClrLst/>
+  </dgm:styleLbl>
+  <dgm:styleLbl name="node1">
+    <dgm:fillClrLst meth="repeat">
+      <a:schemeClr val="accent2"/>
+      <a:schemeClr val="accent3"/>
+      <a:schemeClr val="accent4"/>
+      <a:schemeClr val="accent5"/>
+      <a:schemeClr val="accent6"/>
+    </dgm:fillClrLst>
+    <dgm:linClrLst meth="repeat">
+      <a:schemeClr val="lt1">
+        <a:alpha val="0"/>
+      </a:schemeClr>
+    </dgm:linClrLst>
+    <dgm:effectClrLst/>
+    <dgm:txLinClrLst/>
+    <dgm:txFillClrLst/>
+    <dgm:txEffectClrLst/>
+  </dgm:styleLbl>
+  <dgm:styleLbl name="alignNode1">
+    <dgm:fillClrLst meth="repeat">
+      <a:schemeClr val="accent2"/>
+      <a:schemeClr val="accent3"/>
+      <a:schemeClr val="accent4"/>
+      <a:schemeClr val="accent5"/>
+      <a:schemeClr val="accent6"/>
+    </dgm:fillClrLst>
+    <dgm:linClrLst meth="repeat">
+      <a:schemeClr val="accent2"/>
+      <a:schemeClr val="accent3"/>
+      <a:schemeClr val="accent4"/>
+      <a:schemeClr val="accent5"/>
+      <a:schemeClr val="accent6"/>
+    </dgm:linClrLst>
+    <dgm:effectClrLst/>
+    <dgm:txLinClrLst/>
+    <dgm:txFillClrLst/>
+    <dgm:txEffectClrLst/>
+  </dgm:styleLbl>
+  <dgm:styleLbl name="lnNode1">
+    <dgm:fillClrLst meth="repeat">
+      <a:schemeClr val="accent2"/>
+      <a:schemeClr val="accent3"/>
+      <a:schemeClr val="accent4"/>
+      <a:schemeClr val="accent5"/>
+      <a:schemeClr val="accent6"/>
+    </dgm:fillClrLst>
+    <dgm:linClrLst meth="repeat">
+      <a:schemeClr val="lt1"/>
+    </dgm:linClrLst>
+    <dgm:effectClrLst/>
+    <dgm:txLinClrLst/>
+    <dgm:txFillClrLst/>
+    <dgm:txEffectClrLst/>
+  </dgm:styleLbl>
+  <dgm:styleLbl name="vennNode1">
+    <dgm:fillClrLst meth="repeat">
+      <a:schemeClr val="accent2">
+        <a:alpha val="50000"/>
+      </a:schemeClr>
+      <a:schemeClr val="accent3">
+        <a:alpha val="50000"/>
+      </a:schemeClr>
+      <a:schemeClr val="accent4">
+        <a:alpha val="50000"/>
+      </a:schemeClr>
+      <a:schemeClr val="accent5">
+        <a:alpha val="50000"/>
+      </a:schemeClr>
+      <a:schemeClr val="accent6">
+        <a:alpha val="50000"/>
+      </a:schemeClr>
+    </dgm:fillClrLst>
+    <dgm:linClrLst meth="repeat">
+      <a:schemeClr val="lt1"/>
+    </dgm:linClrLst>
+    <dgm:effectClrLst/>
+    <dgm:txLinClrLst/>
+    <dgm:txFillClrLst/>
+    <dgm:txEffectClrLst/>
+  </dgm:styleLbl>
+  <dgm:styleLbl name="node2">
+    <dgm:fillClrLst>
+      <a:schemeClr val="accent2"/>
+    </dgm:fillClrLst>
+    <dgm:linClrLst meth="repeat">
+      <a:schemeClr val="lt1"/>
+    </dgm:linClrLst>
+    <dgm:effectClrLst/>
+    <dgm:txLinClrLst/>
+    <dgm:txFillClrLst/>
+    <dgm:txEffectClrLst/>
+  </dgm:styleLbl>
+  <dgm:styleLbl name="node3">
+    <dgm:fillClrLst>
+      <a:schemeClr val="accent3"/>
+    </dgm:fillClrLst>
+    <dgm:linClrLst meth="repeat">
+      <a:schemeClr val="lt1"/>
+    </dgm:linClrLst>
+    <dgm:effectClrLst/>
+    <dgm:txLinClrLst/>
+    <dgm:txFillClrLst/>
+    <dgm:txEffectClrLst/>
+  </dgm:styleLbl>
+  <dgm:styleLbl name="node4">
+    <dgm:fillClrLst>
+      <a:schemeClr val="accent4"/>
+    </dgm:fillClrLst>
+    <dgm:linClrLst meth="repeat">
+      <a:schemeClr val="lt1"/>
+    </dgm:linClrLst>
+    <dgm:effectClrLst/>
+    <dgm:txLinClrLst/>
+    <dgm:txFillClrLst/>
+    <dgm:txEffectClrLst/>
+  </dgm:styleLbl>
+  <dgm:styleLbl name="fgImgPlace1">
+    <dgm:fillClrLst meth="repeat">
+      <a:schemeClr val="accent2">
+        <a:tint val="50000"/>
+      </a:schemeClr>
+      <a:schemeClr val="accent3">
+        <a:tint val="50000"/>
+      </a:schemeClr>
+      <a:schemeClr val="accent4">
+        <a:tint val="50000"/>
+      </a:schemeClr>
+      <a:schemeClr val="accent5">
+        <a:tint val="50000"/>
+      </a:schemeClr>
+      <a:schemeClr val="accent6">
+        <a:tint val="50000"/>
+      </a:schemeClr>
+    </dgm:fillClrLst>
+    <dgm:linClrLst meth="repeat">
+      <a:schemeClr val="lt1"/>
+    </dgm:linClrLst>
+    <dgm:effectClrLst/>
+    <dgm:txLinClrLst/>
+    <dgm:txFillClrLst meth="repeat">
+      <a:schemeClr val="lt1"/>
+    </dgm:txFillClrLst>
+    <dgm:txEffectClrLst/>
+  </dgm:styleLbl>
+  <dgm:styleLbl name="alignImgPlace1">
+    <dgm:fillClrLst>
+      <a:schemeClr val="accent1">
+        <a:tint val="50000"/>
+      </a:schemeClr>
+      <a:schemeClr val="accent2">
+        <a:tint val="20000"/>
+      </a:schemeClr>
+    </dgm:fillClrLst>
+    <dgm:linClrLst meth="repeat">
+      <a:schemeClr val="lt1"/>
+    </dgm:linClrLst>
+    <dgm:effectClrLst/>
+    <dgm:txLinClrLst/>
+    <dgm:txFillClrLst meth="repeat">
+      <a:schemeClr val="lt1"/>
+    </dgm:txFillClrLst>
+    <dgm:txEffectClrLst/>
+  </dgm:styleLbl>
+  <dgm:styleLbl name="bgImgPlace1">
+    <dgm:fillClrLst>
+      <a:schemeClr val="accent1">
+        <a:tint val="50000"/>
+      </a:schemeClr>
+      <a:schemeClr val="accent2">
+        <a:tint val="20000"/>
+      </a:schemeClr>
+    </dgm:fillClrLst>
+    <dgm:linClrLst meth="repeat">
+      <a:schemeClr val="lt1"/>
+    </dgm:linClrLst>
+    <dgm:effectClrLst/>
+    <dgm:txLinClrLst/>
+    <dgm:txFillClrLst meth="repeat">
+      <a:schemeClr val="lt1"/>
+    </dgm:txFillClrLst>
+    <dgm:txEffectClrLst/>
+  </dgm:styleLbl>
+  <dgm:styleLbl name="sibTrans2D1">
+    <dgm:fillClrLst meth="repeat">
+      <a:schemeClr val="accent2"/>
+      <a:schemeClr val="accent3"/>
+      <a:schemeClr val="accent4"/>
+      <a:schemeClr val="accent5"/>
+      <a:schemeClr val="accent6"/>
+    </dgm:fillClrLst>
+    <dgm:linClrLst meth="cycle">
+      <a:schemeClr val="lt1"/>
+    </dgm:linClrLst>
+    <dgm:effectClrLst/>
+    <dgm:txLinClrLst/>
+    <dgm:txFillClrLst/>
+    <dgm:txEffectClrLst/>
+  </dgm:styleLbl>
+  <dgm:styleLbl name="fgSibTrans2D1">
+    <dgm:fillClrLst meth="repeat">
+      <a:schemeClr val="accent2"/>
+      <a:schemeClr val="accent3"/>
+      <a:schemeClr val="accent4"/>
+      <a:schemeClr val="accent5"/>
+      <a:schemeClr val="accent6"/>
+    </dgm:fillClrLst>
+    <dgm:linClrLst meth="cycle">
+      <a:schemeClr val="lt1"/>
+    </dgm:linClrLst>
+    <dgm:effectClrLst/>
+    <dgm:txLinClrLst/>
+    <dgm:txFillClrLst meth="repeat">
+      <a:schemeClr val="lt1"/>
+    </dgm:txFillClrLst>
+    <dgm:txEffectClrLst/>
+  </dgm:styleLbl>
+  <dgm:styleLbl name="bgSibTrans2D1">
+    <dgm:fillClrLst meth="repeat">
+      <a:schemeClr val="accent2"/>
+      <a:schemeClr val="accent3"/>
+      <a:schemeClr val="accent4"/>
+      <a:schemeClr val="accent5"/>
+      <a:schemeClr val="accent6"/>
+    </dgm:fillClrLst>
+    <dgm:linClrLst meth="cycle">
+      <a:schemeClr val="lt1"/>
+    </dgm:linClrLst>
+    <dgm:effectClrLst/>
+    <dgm:txLinClrLst/>
+    <dgm:txFillClrLst meth="repeat">
+      <a:schemeClr val="lt1"/>
+    </dgm:txFillClrLst>
+    <dgm:txEffectClrLst/>
+  </dgm:styleLbl>
+  <dgm:styleLbl name="sibTrans1D1">
+    <dgm:fillClrLst meth="repeat">
+      <a:schemeClr val="accent2"/>
+      <a:schemeClr val="accent3"/>
+      <a:schemeClr val="accent4"/>
+      <a:schemeClr val="accent5"/>
+      <a:schemeClr val="accent6"/>
+    </dgm:fillClrLst>
+    <dgm:linClrLst meth="repeat">
+      <a:schemeClr val="accent2"/>
+      <a:schemeClr val="accent3"/>
+      <a:schemeClr val="accent4"/>
+      <a:schemeClr val="accent5"/>
+      <a:schemeClr val="accent6"/>
+    </dgm:linClrLst>
+    <dgm:effectClrLst/>
+    <dgm:txLinClrLst/>
+    <dgm:txFillClrLst meth="repeat">
+      <a:schemeClr val="tx1"/>
+    </dgm:txFillClrLst>
+    <dgm:txEffectClrLst/>
+  </dgm:styleLbl>
+  <dgm:styleLbl name="callout">
+    <dgm:fillClrLst meth="repeat">
+      <a:schemeClr val="accent2"/>
+    </dgm:fillClrLst>
+    <dgm:linClrLst meth="repeat">
+      <a:schemeClr val="accent2">
+        <a:tint val="50000"/>
+      </a:schemeClr>
+    </dgm:linClrLst>
+    <dgm:effectClrLst/>
+    <dgm:txLinClrLst/>
+    <dgm:txFillClrLst meth="repeat">
+      <a:schemeClr val="tx1"/>
+    </dgm:txFillClrLst>
+    <dgm:txEffectClrLst/>
+  </dgm:styleLbl>
+  <dgm:styleLbl name="asst0">
+    <dgm:fillClrLst meth="repeat">
+      <a:schemeClr val="accent1"/>
+    </dgm:fillClrLst>
+    <dgm:linClrLst meth="repeat">
+      <a:schemeClr val="lt1"/>
+    </dgm:linClrLst>
+    <dgm:effectClrLst/>
+    <dgm:txLinClrLst/>
+    <dgm:txFillClrLst/>
+    <dgm:txEffectClrLst/>
+  </dgm:styleLbl>
+  <dgm:styleLbl name="asst1">
+    <dgm:fillClrLst meth="repeat">
+      <a:schemeClr val="accent2"/>
+    </dgm:fillClrLst>
+    <dgm:linClrLst meth="repeat">
+      <a:schemeClr val="lt1"/>
+    </dgm:linClrLst>
+    <dgm:effectClrLst/>
+    <dgm:txLinClrLst/>
+    <dgm:txFillClrLst/>
+    <dgm:txEffectClrLst/>
+  </dgm:styleLbl>
+  <dgm:styleLbl name="asst2">
+    <dgm:fillClrLst>
+      <a:schemeClr val="accent3"/>
+    </dgm:fillClrLst>
+    <dgm:linClrLst meth="repeat">
+      <a:schemeClr val="lt1"/>
+    </dgm:linClrLst>
+    <dgm:effectClrLst/>
+    <dgm:txLinClrLst/>
+    <dgm:txFillClrLst/>
+    <dgm:txEffectClrLst/>
+  </dgm:styleLbl>
+  <dgm:styleLbl name="asst3">
+    <dgm:fillClrLst>
+      <a:schemeClr val="accent4"/>
+    </dgm:fillClrLst>
+    <dgm:linClrLst meth="repeat">
+      <a:schemeClr val="lt1"/>
+    </dgm:linClrLst>
+    <dgm:effectClrLst/>
+    <dgm:txLinClrLst/>
+    <dgm:txFillClrLst/>
+    <dgm:txEffectClrLst/>
+  </dgm:styleLbl>
+  <dgm:styleLbl name="asst4">
+    <dgm:fillClrLst>
+      <a:schemeClr val="accent5"/>
+    </dgm:fillClrLst>
+    <dgm:linClrLst meth="repeat">
+      <a:schemeClr val="lt1"/>
+    </dgm:linClrLst>
+    <dgm:effectClrLst/>
+    <dgm:txLinClrLst/>
+    <dgm:txFillClrLst/>
+    <dgm:txEffectClrLst/>
+  </dgm:styleLbl>
+  <dgm:styleLbl name="parChTrans2D1">
+    <dgm:fillClrLst meth="repeat">
+      <a:schemeClr val="accent2"/>
+    </dgm:fillClrLst>
+    <dgm:linClrLst meth="repeat">
+      <a:schemeClr val="lt1"/>
+    </dgm:linClrLst>
+    <dgm:effectClrLst/>
+    <dgm:txLinClrLst/>
+    <dgm:txFillClrLst meth="repeat">
+      <a:schemeClr val="lt1"/>
+    </dgm:txFillClrLst>
+    <dgm:txEffectClrLst/>
+  </dgm:styleLbl>
+  <dgm:styleLbl name="parChTrans2D2">
+    <dgm:fillClrLst meth="repeat">
+      <a:schemeClr val="accent3"/>
+    </dgm:fillClrLst>
+    <dgm:linClrLst meth="repeat">
+      <a:schemeClr val="lt1"/>
+    </dgm:linClrLst>
+    <dgm:effectClrLst/>
+    <dgm:txLinClrLst/>
+    <dgm:txFillClrLst/>
+    <dgm:txEffectClrLst/>
+  </dgm:styleLbl>
+  <dgm:styleLbl name="parChTrans2D3">
+    <dgm:fillClrLst meth="repeat">
+      <a:schemeClr val="accent4"/>
+    </dgm:fillClrLst>
+    <dgm:linClrLst meth="repeat">
+      <a:schemeClr val="lt1"/>
+    </dgm:linClrLst>
+    <dgm:effectClrLst/>
+    <dgm:txLinClrLst/>
+    <dgm:txFillClrLst/>
+    <dgm:txEffectClrLst/>
+  </dgm:styleLbl>
+  <dgm:styleLbl name="parChTrans2D4">
+    <dgm:fillClrLst meth="repeat">
+      <a:schemeClr val="accent5"/>
+    </dgm:fillClrLst>
+    <dgm:linClrLst meth="repeat">
+      <a:schemeClr val="lt1"/>
+    </dgm:linClrLst>
+    <dgm:effectClrLst/>
+    <dgm:txLinClrLst/>
+    <dgm:txFillClrLst meth="repeat">
+      <a:schemeClr val="lt1"/>
+    </dgm:txFillClrLst>
+    <dgm:txEffectClrLst/>
+  </dgm:styleLbl>
+  <dgm:styleLbl name="parChTrans1D1">
+    <dgm:fillClrLst meth="repeat">
+      <a:schemeClr val="accent2"/>
+    </dgm:fillClrLst>
+    <dgm:linClrLst meth="repeat">
+      <a:schemeClr val="accent1"/>
+    </dgm:linClrLst>
+    <dgm:effectClrLst/>
+    <dgm:txLinClrLst/>
+    <dgm:txFillClrLst meth="repeat">
+      <a:schemeClr val="tx1"/>
+    </dgm:txFillClrLst>
+    <dgm:txEffectClrLst/>
+  </dgm:styleLbl>
+  <dgm:styleLbl name="parChTrans1D2">
+    <dgm:fillClrLst meth="repeat">
+      <a:schemeClr val="accent3">
+        <a:tint val="90000"/>
+      </a:schemeClr>
+    </dgm:fillClrLst>
+    <dgm:linClrLst meth="repeat">
+      <a:schemeClr val="accent2"/>
+    </dgm:linClrLst>
+    <dgm:effectClrLst/>
+    <dgm:txLinClrLst/>
+    <dgm:txFillClrLst meth="repeat">
+      <a:schemeClr val="tx1"/>
+    </dgm:txFillClrLst>
+    <dgm:txEffectClrLst/>
+  </dgm:styleLbl>
+  <dgm:styleLbl name="parChTrans1D3">
+    <dgm:fillClrLst meth="repeat">
+      <a:schemeClr val="accent4">
+        <a:tint val="70000"/>
+      </a:schemeClr>
+    </dgm:fillClrLst>
+    <dgm:linClrLst meth="repeat">
+      <a:schemeClr val="accent3"/>
+    </dgm:linClrLst>
+    <dgm:effectClrLst/>
+    <dgm:txLinClrLst/>
+    <dgm:txFillClrLst meth="repeat">
+      <a:schemeClr val="tx1"/>
+    </dgm:txFillClrLst>
+    <dgm:txEffectClrLst/>
+  </dgm:styleLbl>
+  <dgm:styleLbl name="parChTrans1D4">
+    <dgm:fillClrLst meth="repeat">
+      <a:schemeClr val="accent5">
+        <a:tint val="50000"/>
+      </a:schemeClr>
+    </dgm:fillClrLst>
+    <dgm:linClrLst meth="repeat">
+      <a:schemeClr val="accent4"/>
+    </dgm:linClrLst>
+    <dgm:effectClrLst/>
+    <dgm:txLinClrLst/>
+    <dgm:txFillClrLst meth="repeat">
+      <a:schemeClr val="tx1"/>
+    </dgm:txFillClrLst>
+    <dgm:txEffectClrLst/>
+  </dgm:styleLbl>
+  <dgm:styleLbl name="fgAcc1">
+    <dgm:fillClrLst meth="repeat">
+      <a:schemeClr val="lt1">
+        <a:alpha val="90000"/>
+      </a:schemeClr>
+    </dgm:fillClrLst>
+    <dgm:linClrLst meth="repeat">
+      <a:schemeClr val="accent2"/>
+      <a:schemeClr val="accent3"/>
+      <a:schemeClr val="accent4"/>
+      <a:schemeClr val="accent5"/>
+      <a:schemeClr val="accent6"/>
+    </dgm:linClrLst>
+    <dgm:effectClrLst/>
+    <dgm:txLinClrLst/>
+    <dgm:txFillClrLst meth="repeat">
+      <a:schemeClr val="dk1"/>
+    </dgm:txFillClrLst>
+    <dgm:txEffectClrLst/>
+  </dgm:styleLbl>
+  <dgm:styleLbl name="conFgAcc1">
+    <dgm:fillClrLst meth="repeat">
+      <a:schemeClr val="lt1">
+        <a:alpha val="90000"/>
+      </a:schemeClr>
+    </dgm:fillClrLst>
+    <dgm:linClrLst meth="repeat">
+      <a:schemeClr val="accent2"/>
+      <a:schemeClr val="accent3"/>
+      <a:schemeClr val="accent4"/>
+      <a:schemeClr val="accent5"/>
+      <a:schemeClr val="accent6"/>
+    </dgm:linClrLst>
+    <dgm:effectClrLst/>
+    <dgm:txLinClrLst/>
+    <dgm:txFillClrLst meth="repeat">
+      <a:schemeClr val="dk1"/>
+    </dgm:txFillClrLst>
+    <dgm:txEffectClrLst/>
+  </dgm:styleLbl>
+  <dgm:styleLbl name="alignAcc1">
+    <dgm:fillClrLst meth="repeat">
+      <a:schemeClr val="lt1">
+        <a:alpha val="90000"/>
+      </a:schemeClr>
+    </dgm:fillClrLst>
+    <dgm:linClrLst meth="repeat">
+      <a:schemeClr val="accent2"/>
+      <a:schemeClr val="accent3"/>
+      <a:schemeClr val="accent4"/>
+      <a:schemeClr val="accent5"/>
+      <a:schemeClr val="accent6"/>
+    </dgm:linClrLst>
+    <dgm:effectClrLst/>
+    <dgm:txLinClrLst/>
+    <dgm:txFillClrLst meth="repeat">
+      <a:schemeClr val="dk1"/>
+    </dgm:txFillClrLst>
+    <dgm:txEffectClrLst/>
+  </dgm:styleLbl>
+  <dgm:styleLbl name="trAlignAcc1">
+    <dgm:fillClrLst meth="repeat">
+      <a:schemeClr val="lt1">
+        <a:alpha val="40000"/>
+      </a:schemeClr>
+    </dgm:fillClrLst>
+    <dgm:linClrLst meth="repeat">
+      <a:schemeClr val="accent1"/>
+    </dgm:linClrLst>
+    <dgm:effectClrLst/>
+    <dgm:txLinClrLst/>
+    <dgm:txFillClrLst meth="repeat">
+      <a:schemeClr val="dk1"/>
+    </dgm:txFillClrLst>
+    <dgm:txEffectClrLst/>
+  </dgm:styleLbl>
+  <dgm:styleLbl name="bgAcc1">
+    <dgm:fillClrLst meth="repeat">
+      <a:schemeClr val="lt1">
+        <a:alpha val="90000"/>
+      </a:schemeClr>
+    </dgm:fillClrLst>
+    <dgm:linClrLst meth="repeat">
+      <a:schemeClr val="accent2"/>
+      <a:schemeClr val="accent3"/>
+      <a:schemeClr val="accent4"/>
+      <a:schemeClr val="accent5"/>
+      <a:schemeClr val="accent6"/>
+    </dgm:linClrLst>
+    <dgm:effectClrLst/>
+    <dgm:txLinClrLst/>
+    <dgm:txFillClrLst meth="repeat">
+      <a:schemeClr val="dk1"/>
+    </dgm:txFillClrLst>
+    <dgm:txEffectClrLst/>
+  </dgm:styleLbl>
+  <dgm:styleLbl name="solidFgAcc1">
+    <dgm:fillClrLst meth="repeat">
+      <a:schemeClr val="lt1"/>
+    </dgm:fillClrLst>
+    <dgm:linClrLst meth="repeat">
+      <a:schemeClr val="accent2"/>
+      <a:schemeClr val="accent3"/>
+      <a:schemeClr val="accent4"/>
+      <a:schemeClr val="accent5"/>
+      <a:schemeClr val="accent6"/>
+    </dgm:linClrLst>
+    <dgm:effectClrLst/>
+    <dgm:txLinClrLst/>
+    <dgm:txFillClrLst meth="repeat">
+      <a:schemeClr val="dk1"/>
+    </dgm:txFillClrLst>
+    <dgm:txEffectClrLst/>
+  </dgm:styleLbl>
+  <dgm:styleLbl name="solidAlignAcc1">
+    <dgm:fillClrLst meth="repeat">
+      <a:schemeClr val="lt1"/>
+    </dgm:fillClrLst>
+    <dgm:linClrLst meth="repeat">
+      <a:schemeClr val="accent2"/>
+      <a:schemeClr val="accent3"/>
+      <a:schemeClr val="accent4"/>
+      <a:schemeClr val="accent5"/>
+      <a:schemeClr val="accent6"/>
+    </dgm:linClrLst>
+    <dgm:effectClrLst/>
+    <dgm:txLinClrLst/>
+    <dgm:txFillClrLst meth="repeat">
+      <a:schemeClr val="dk1"/>
+    </dgm:txFillClrLst>
+    <dgm:txEffectClrLst/>
+  </dgm:styleLbl>
+  <dgm:styleLbl name="solidBgAcc1">
+    <dgm:fillClrLst meth="repeat">
+      <a:schemeClr val="lt1"/>
+    </dgm:fillClrLst>
+    <dgm:linClrLst meth="repeat">
+      <a:schemeClr val="accent2"/>
+      <a:schemeClr val="accent3"/>
+      <a:schemeClr val="accent4"/>
+      <a:schemeClr val="accent5"/>
+      <a:schemeClr val="accent6"/>
+    </dgm:linClrLst>
+    <dgm:effectClrLst/>
+    <dgm:txLinClrLst/>
+    <dgm:txFillClrLst meth="repeat">
+      <a:schemeClr val="dk1"/>
+    </dgm:txFillClrLst>
+    <dgm:txEffectClrLst/>
+  </dgm:styleLbl>
+  <dgm:styleLbl name="fgAccFollowNode1">
+    <dgm:fillClrLst meth="repeat">
+      <a:schemeClr val="accent2">
+        <a:tint val="40000"/>
+        <a:alpha val="90000"/>
+      </a:schemeClr>
+      <a:schemeClr val="accent3">
+        <a:tint val="40000"/>
+        <a:alpha val="90000"/>
+      </a:schemeClr>
+      <a:schemeClr val="accent4">
+        <a:tint val="40000"/>
+        <a:alpha val="90000"/>
+      </a:schemeClr>
+      <a:schemeClr val="accent5">
+        <a:tint val="40000"/>
+        <a:alpha val="90000"/>
+      </a:schemeClr>
+      <a:schemeClr val="accent6">
+        <a:tint val="40000"/>
+        <a:alpha val="90000"/>
+      </a:schemeClr>
+    </dgm:fillClrLst>
+    <dgm:linClrLst meth="repeat">
+      <a:schemeClr val="accent2">
+        <a:tint val="40000"/>
+        <a:alpha val="90000"/>
+      </a:schemeClr>
+      <a:schemeClr val="accent3">
+        <a:tint val="40000"/>
+        <a:alpha val="90000"/>
+      </a:schemeClr>
+      <a:schemeClr val="accent4">
+        <a:tint val="40000"/>
+        <a:alpha val="90000"/>
+      </a:schemeClr>
+      <a:schemeClr val="accent5">
+        <a:tint val="40000"/>
+        <a:alpha val="90000"/>
+      </a:schemeClr>
+      <a:schemeClr val="accent6">
+        <a:tint val="40000"/>
+        <a:alpha val="90000"/>
+      </a:schemeClr>
+    </dgm:linClrLst>
+    <dgm:effectClrLst/>
+    <dgm:txLinClrLst/>
+    <dgm:txFillClrLst meth="repeat">
+      <a:schemeClr val="dk1"/>
+    </dgm:txFillClrLst>
+    <dgm:txEffectClrLst/>
+  </dgm:styleLbl>
+  <dgm:styleLbl name="alignAccFollowNode1">
+    <dgm:fillClrLst meth="repeat">
+      <a:schemeClr val="accent2">
+        <a:tint val="40000"/>
+        <a:alpha val="90000"/>
+      </a:schemeClr>
+      <a:schemeClr val="accent3">
+        <a:tint val="40000"/>
+        <a:alpha val="90000"/>
+      </a:schemeClr>
+      <a:schemeClr val="accent4">
+        <a:tint val="40000"/>
+        <a:alpha val="90000"/>
+      </a:schemeClr>
+      <a:schemeClr val="accent5">
+        <a:tint val="40000"/>
+        <a:alpha val="90000"/>
+      </a:schemeClr>
+      <a:schemeClr val="accent6">
+        <a:tint val="40000"/>
+        <a:alpha val="90000"/>
+      </a:schemeClr>
+    </dgm:fillClrLst>
+    <dgm:linClrLst meth="repeat">
+      <a:schemeClr val="accent2">
+        <a:tint val="40000"/>
+        <a:alpha val="90000"/>
+      </a:schemeClr>
+      <a:schemeClr val="accent3">
+        <a:tint val="40000"/>
+        <a:alpha val="90000"/>
+      </a:schemeClr>
+      <a:schemeClr val="accent4">
+        <a:tint val="40000"/>
+        <a:alpha val="90000"/>
+      </a:schemeClr>
+      <a:schemeClr val="accent5">
+        <a:tint val="40000"/>
+        <a:alpha val="90000"/>
+      </a:schemeClr>
+      <a:schemeClr val="accent6">
+        <a:tint val="40000"/>
+        <a:alpha val="90000"/>
+      </a:schemeClr>
+    </dgm:linClrLst>
+    <dgm:effectClrLst/>
+    <dgm:txLinClrLst/>
+    <dgm:txFillClrLst meth="repeat">
+      <a:schemeClr val="dk1"/>
+    </dgm:txFillClrLst>
+    <dgm:txEffectClrLst/>
+  </dgm:styleLbl>
+  <dgm:styleLbl name="bgAccFollowNode1">
+    <dgm:fillClrLst meth="repeat">
+      <a:schemeClr val="accent2">
+        <a:tint val="40000"/>
+        <a:alpha val="90000"/>
+      </a:schemeClr>
+      <a:schemeClr val="accent3">
+        <a:tint val="40000"/>
+        <a:alpha val="90000"/>
+      </a:schemeClr>
+      <a:schemeClr val="accent4">
+        <a:tint val="40000"/>
+        <a:alpha val="90000"/>
+      </a:schemeClr>
+      <a:schemeClr val="accent5">
+        <a:tint val="40000"/>
+        <a:alpha val="90000"/>
+      </a:schemeClr>
+      <a:schemeClr val="accent6">
+        <a:tint val="40000"/>
+        <a:alpha val="90000"/>
+      </a:schemeClr>
+    </dgm:fillClrLst>
+    <dgm:linClrLst meth="repeat">
+      <a:schemeClr val="accent2">
+        <a:tint val="40000"/>
+        <a:alpha val="90000"/>
+      </a:schemeClr>
+      <a:schemeClr val="accent3">
+        <a:tint val="40000"/>
+        <a:alpha val="90000"/>
+      </a:schemeClr>
+      <a:schemeClr val="accent4">
+        <a:tint val="40000"/>
+        <a:alpha val="90000"/>
+      </a:schemeClr>
+      <a:schemeClr val="accent5">
+        <a:tint val="40000"/>
+        <a:alpha val="90000"/>
+      </a:schemeClr>
+      <a:schemeClr val="accent6">
+        <a:tint val="40000"/>
+        <a:alpha val="90000"/>
+      </a:schemeClr>
+    </dgm:linClrLst>
+    <dgm:effectClrLst/>
+    <dgm:txLinClrLst/>
+    <dgm:txFillClrLst meth="repeat">
+      <a:schemeClr val="dk1"/>
+    </dgm:txFillClrLst>
+    <dgm:txEffectClrLst/>
+  </dgm:styleLbl>
+  <dgm:styleLbl name="fgAcc0">
+    <dgm:fillClrLst meth="repeat">
+      <a:schemeClr val="lt1">
+        <a:alpha val="90000"/>
+      </a:schemeClr>
+    </dgm:fillClrLst>
+    <dgm:linClrLst>
+      <a:schemeClr val="accent1"/>
+    </dgm:linClrLst>
+    <dgm:effectClrLst/>
+    <dgm:txLinClrLst/>
+    <dgm:txFillClrLst meth="repeat">
+      <a:schemeClr val="dk1"/>
+    </dgm:txFillClrLst>
+    <dgm:txEffectClrLst/>
+  </dgm:styleLbl>
+  <dgm:styleLbl name="fgAcc2">
+    <dgm:fillClrLst meth="repeat">
+      <a:schemeClr val="lt1">
+        <a:alpha val="90000"/>
+      </a:schemeClr>
+    </dgm:fillClrLst>
+    <dgm:linClrLst>
+      <a:schemeClr val="accent2"/>
+    </dgm:linClrLst>
+    <dgm:effectClrLst/>
+    <dgm:txLinClrLst/>
+    <dgm:txFillClrLst meth="repeat">
+      <a:schemeClr val="dk1"/>
+    </dgm:txFillClrLst>
+    <dgm:txEffectClrLst/>
+  </dgm:styleLbl>
+  <dgm:styleLbl name="fgAcc3">
+    <dgm:fillClrLst meth="repeat">
+      <a:schemeClr val="lt1">
+        <a:alpha val="90000"/>
+      </a:schemeClr>
+    </dgm:fillClrLst>
+    <dgm:linClrLst>
+      <a:schemeClr val="accent3"/>
+    </dgm:linClrLst>
+    <dgm:effectClrLst/>
+    <dgm:txLinClrLst/>
+    <dgm:txFillClrLst meth="repeat">
+      <a:schemeClr val="dk1"/>
+    </dgm:txFillClrLst>
+    <dgm:txEffectClrLst/>
+  </dgm:styleLbl>
+  <dgm:styleLbl name="fgAcc4">
+    <dgm:fillClrLst meth="repeat">
+      <a:schemeClr val="lt1">
+        <a:alpha val="90000"/>
+      </a:schemeClr>
+    </dgm:fillClrLst>
+    <dgm:linClrLst>
+      <a:schemeClr val="accent4"/>
+    </dgm:linClrLst>
+    <dgm:effectClrLst/>
+    <dgm:txLinClrLst/>
+    <dgm:txFillClrLst meth="repeat">
+      <a:schemeClr val="dk1"/>
+    </dgm:txFillClrLst>
+    <dgm:txEffectClrLst/>
+  </dgm:styleLbl>
+  <dgm:styleLbl name="bgShp">
+    <dgm:fillClrLst meth="repeat">
+      <a:schemeClr val="bg1">
+        <a:lumMod val="95000"/>
+      </a:schemeClr>
+    </dgm:fillClrLst>
+    <dgm:linClrLst meth="repeat">
+      <a:schemeClr val="dk1"/>
+    </dgm:linClrLst>
+    <dgm:effectClrLst/>
+    <dgm:txLinClrLst/>
+    <dgm:txFillClrLst meth="repeat">
+      <a:schemeClr val="dk1"/>
+    </dgm:txFillClrLst>
+    <dgm:txEffectClrLst/>
+  </dgm:styleLbl>
+  <dgm:styleLbl name="dkBgShp">
+    <dgm:fillClrLst meth="repeat">
+      <a:schemeClr val="accent2">
+        <a:shade val="90000"/>
+      </a:schemeClr>
+    </dgm:fillClrLst>
+    <dgm:linClrLst meth="repeat">
+      <a:schemeClr val="dk1"/>
+    </dgm:linClrLst>
+    <dgm:effectClrLst/>
+    <dgm:txLinClrLst/>
+    <dgm:txFillClrLst meth="repeat">
+      <a:schemeClr val="lt1"/>
+    </dgm:txFillClrLst>
+    <dgm:txEffectClrLst/>
+  </dgm:styleLbl>
+  <dgm:styleLbl name="trBgShp">
+    <dgm:fillClrLst meth="repeat">
+      <a:schemeClr val="accent1">
+        <a:tint val="50000"/>
+        <a:alpha val="40000"/>
+      </a:schemeClr>
+    </dgm:fillClrLst>
+    <dgm:linClrLst meth="repeat">
+      <a:schemeClr val="accent2"/>
+    </dgm:linClrLst>
+    <dgm:effectClrLst/>
+    <dgm:txLinClrLst/>
+    <dgm:txFillClrLst meth="repeat">
+      <a:schemeClr val="lt1"/>
+    </dgm:txFillClrLst>
+    <dgm:txEffectClrLst/>
+  </dgm:styleLbl>
+  <dgm:styleLbl name="fgShp">
+    <dgm:fillClrLst meth="repeat">
+      <a:schemeClr val="accent2">
+        <a:tint val="40000"/>
+      </a:schemeClr>
+    </dgm:fillClrLst>
+    <dgm:linClrLst meth="repeat">
+      <a:schemeClr val="lt1"/>
+    </dgm:linClrLst>
+    <dgm:effectClrLst/>
+    <dgm:txLinClrLst/>
+    <dgm:txFillClrLst meth="repeat">
+      <a:schemeClr val="dk1"/>
+    </dgm:txFillClrLst>
+    <dgm:txEffectClrLst/>
+  </dgm:styleLbl>
+  <dgm:styleLbl name="revTx">
+    <dgm:fillClrLst meth="repeat">
+      <a:schemeClr val="lt1">
+        <a:alpha val="0"/>
+      </a:schemeClr>
+    </dgm:fillClrLst>
+    <dgm:linClrLst meth="repeat">
+      <a:schemeClr val="dk1">
+        <a:alpha val="0"/>
+      </a:schemeClr>
+    </dgm:linClrLst>
+    <dgm:effectClrLst/>
+    <dgm:txLinClrLst/>
+    <dgm:txFillClrLst meth="repeat">
+      <a:schemeClr val="tx1"/>
+    </dgm:txFillClrLst>
+    <dgm:txEffectClrLst/>
+  </dgm:styleLbl>
+</dgm:colorsDef>
+</file>
+
 <file path=ppt/diagrams/data1.xml><?xml version="1.0" encoding="utf-8"?>
 <dgm:dataModel xmlns:dgm="http://schemas.openxmlformats.org/drawingml/2006/diagram" xmlns:a="http://schemas.openxmlformats.org/drawingml/2006/main">
   <dgm:ptLst>
@@ -1856,7 +2785,11 @@
         <a:lstStyle/>
         <a:p>
           <a:r>
-            <a:rPr lang="en-US" dirty="0"/>
+            <a:rPr lang="en-US" dirty="0">
+              <a:solidFill>
+                <a:srgbClr val="FF0000"/>
+              </a:solidFill>
+            </a:rPr>
             <a:t>Moudle1 Fixed-Income Securities : Defining Elements</a:t>
           </a:r>
         </a:p>
@@ -2983,8 +3916,8 @@
     <dgm:cxn modelId="{AF33C521-71B0-4B68-A042-D5C4BD05A724}" srcId="{E418CFBD-CBB0-47D4-90EA-7C86E66E0301}" destId="{B4A4CC78-25E8-4AC4-B6C7-FEF8A2ACA6AA}" srcOrd="0" destOrd="0" parTransId="{85016B60-CA97-4D4D-A9E2-806B7E6A6D86}" sibTransId="{849FA569-BFE8-4BE4-8A3A-A15102DEE95C}"/>
     <dgm:cxn modelId="{F6B99A3C-9076-364A-879D-12713B74FC7C}" type="presOf" srcId="{285DEE00-3466-4A02-B97F-7B091B7A1EBA}" destId="{4E2EE375-77E8-344D-8FE3-6D408976901F}" srcOrd="0" destOrd="2" presId="urn:microsoft.com/office/officeart/2005/8/layout/vList2"/>
     <dgm:cxn modelId="{D85F8B50-D075-1442-9DF8-1563FD94E531}" type="presOf" srcId="{53EC224F-F0B0-410D-96A8-6BA533D08D48}" destId="{6E81FE26-0174-494F-A8AC-03518D01DF5A}" srcOrd="0" destOrd="2" presId="urn:microsoft.com/office/officeart/2005/8/layout/vList2"/>
+    <dgm:cxn modelId="{6C296F77-763A-1B49-8F08-91BDF5A82BE2}" type="presOf" srcId="{E418CFBD-CBB0-47D4-90EA-7C86E66E0301}" destId="{CD36D044-47F6-BA4C-B7C5-E9DB54309CE0}" srcOrd="0" destOrd="0" presId="urn:microsoft.com/office/officeart/2005/8/layout/vList2"/>
     <dgm:cxn modelId="{3D0EFB57-CF8C-5744-A774-55319E05AA6E}" type="presOf" srcId="{5BA6EAC7-5FD8-4F9E-BFE8-CEDE7CEDDF86}" destId="{4E2EE375-77E8-344D-8FE3-6D408976901F}" srcOrd="0" destOrd="0" presId="urn:microsoft.com/office/officeart/2005/8/layout/vList2"/>
-    <dgm:cxn modelId="{6C296F77-763A-1B49-8F08-91BDF5A82BE2}" type="presOf" srcId="{E418CFBD-CBB0-47D4-90EA-7C86E66E0301}" destId="{CD36D044-47F6-BA4C-B7C5-E9DB54309CE0}" srcOrd="0" destOrd="0" presId="urn:microsoft.com/office/officeart/2005/8/layout/vList2"/>
     <dgm:cxn modelId="{6ED6F37E-7BEF-8D4E-AF20-2B418631C184}" type="presOf" srcId="{12E8DCDE-129C-4875-BF61-2B214BB7B4DE}" destId="{BC7A51D8-329D-4148-A3CC-5E08CD64BDFD}" srcOrd="0" destOrd="0" presId="urn:microsoft.com/office/officeart/2005/8/layout/vList2"/>
     <dgm:cxn modelId="{59947886-8799-40C6-8A4C-8031E410CA52}" srcId="{B4A4CC78-25E8-4AC4-B6C7-FEF8A2ACA6AA}" destId="{E79D3704-2259-4A45-9208-E7E3B168D5A5}" srcOrd="0" destOrd="0" parTransId="{4878388E-DB59-439F-B6F3-5C85431A665D}" sibTransId="{19B403D0-6920-4A61-AAA1-3D5A9D371B3E}"/>
     <dgm:cxn modelId="{754BA58A-DFAF-FD40-8071-91502A0354A9}" type="presOf" srcId="{8485117E-84FB-4AC0-84B3-D99A21D09A23}" destId="{4E2EE375-77E8-344D-8FE3-6D408976901F}" srcOrd="0" destOrd="1" presId="urn:microsoft.com/office/officeart/2005/8/layout/vList2"/>
@@ -3004,6 +3937,624 @@
     <dgm:cxn modelId="{90587FCF-2146-7747-9400-8774C86431A9}" type="presParOf" srcId="{CD36D044-47F6-BA4C-B7C5-E9DB54309CE0}" destId="{BC7A51D8-329D-4148-A3CC-5E08CD64BDFD}" srcOrd="3" destOrd="0" presId="urn:microsoft.com/office/officeart/2005/8/layout/vList2"/>
     <dgm:cxn modelId="{2B67B379-7353-E141-BBE8-6B3F17E691E4}" type="presParOf" srcId="{CD36D044-47F6-BA4C-B7C5-E9DB54309CE0}" destId="{BFAB45D7-86FF-2F4A-8BCB-FF9A2B3B2860}" srcOrd="4" destOrd="0" presId="urn:microsoft.com/office/officeart/2005/8/layout/vList2"/>
     <dgm:cxn modelId="{8C4C0031-3FC9-BB48-8B44-E81C57F4D01B}" type="presParOf" srcId="{CD36D044-47F6-BA4C-B7C5-E9DB54309CE0}" destId="{4E2EE375-77E8-344D-8FE3-6D408976901F}" srcOrd="5" destOrd="0" presId="urn:microsoft.com/office/officeart/2005/8/layout/vList2"/>
+  </dgm:cxnLst>
+  <dgm:bg/>
+  <dgm:whole/>
+  <dgm:extLst>
+    <a:ext uri="http://schemas.microsoft.com/office/drawing/2008/diagram">
+      <dsp:dataModelExt xmlns:dsp="http://schemas.microsoft.com/office/drawing/2008/diagram" relId="rId6" minVer="http://schemas.openxmlformats.org/drawingml/2006/diagram"/>
+    </a:ext>
+  </dgm:extLst>
+</dgm:dataModel>
+</file>
+
+<file path=ppt/diagrams/data3.xml><?xml version="1.0" encoding="utf-8"?>
+<dgm:dataModel xmlns:dgm="http://schemas.openxmlformats.org/drawingml/2006/diagram" xmlns:a="http://schemas.openxmlformats.org/drawingml/2006/main">
+  <dgm:ptLst>
+    <dgm:pt modelId="{65E766CA-5F07-42E3-8610-B4532427CF7D}" type="doc">
+      <dgm:prSet loTypeId="urn:microsoft.com/office/officeart/2018/2/layout/IconVerticalSolidList" loCatId="icon" qsTypeId="urn:microsoft.com/office/officeart/2005/8/quickstyle/simple1" qsCatId="simple" csTypeId="urn:microsoft.com/office/officeart/2018/5/colors/Iconchunking_neutralbg_colorful1" csCatId="colorful" phldr="1"/>
+      <dgm:spPr/>
+      <dgm:t>
+        <a:bodyPr/>
+        <a:lstStyle/>
+        <a:p>
+          <a:endParaRPr lang="en-US"/>
+        </a:p>
+      </dgm:t>
+    </dgm:pt>
+    <dgm:pt modelId="{7DDB86EF-A527-4532-89C3-24A27B793BDA}">
+      <dgm:prSet/>
+      <dgm:spPr/>
+      <dgm:t>
+        <a:bodyPr/>
+        <a:lstStyle/>
+        <a:p>
+          <a:r>
+            <a:rPr lang="en-US" dirty="0"/>
+            <a:t>Moudle1 Fixed-Income Securities : Defining Elements</a:t>
+          </a:r>
+        </a:p>
+      </dgm:t>
+    </dgm:pt>
+    <dgm:pt modelId="{F3804465-7488-414D-8607-C466A0CAA49D}" type="parTrans" cxnId="{AA660094-7F9F-49C3-AE79-024440C17B0E}">
+      <dgm:prSet/>
+      <dgm:spPr/>
+      <dgm:t>
+        <a:bodyPr/>
+        <a:lstStyle/>
+        <a:p>
+          <a:endParaRPr lang="en-US"/>
+        </a:p>
+      </dgm:t>
+    </dgm:pt>
+    <dgm:pt modelId="{62124337-350F-4AC5-930D-3E0358551D21}" type="sibTrans" cxnId="{AA660094-7F9F-49C3-AE79-024440C17B0E}">
+      <dgm:prSet/>
+      <dgm:spPr/>
+      <dgm:t>
+        <a:bodyPr/>
+        <a:lstStyle/>
+        <a:p>
+          <a:endParaRPr lang="en-US"/>
+        </a:p>
+      </dgm:t>
+    </dgm:pt>
+    <dgm:pt modelId="{8775BE4B-91CD-4E13-B5D4-9CA2CF13298E}">
+      <dgm:prSet/>
+      <dgm:spPr/>
+      <dgm:t>
+        <a:bodyPr/>
+        <a:lstStyle/>
+        <a:p>
+          <a:r>
+            <a:rPr lang="en-US" dirty="0">
+              <a:solidFill>
+                <a:srgbClr val="FF0000"/>
+              </a:solidFill>
+            </a:rPr>
+            <a:t>Moudle2 Fixed-Income Markets : Issuance, Trading, and Funding</a:t>
+          </a:r>
+        </a:p>
+      </dgm:t>
+    </dgm:pt>
+    <dgm:pt modelId="{8CBE5697-F745-415C-AE5D-A178D3DFBD66}" type="parTrans" cxnId="{908EC35E-46AF-4658-9648-9887CC3FA4A2}">
+      <dgm:prSet/>
+      <dgm:spPr/>
+      <dgm:t>
+        <a:bodyPr/>
+        <a:lstStyle/>
+        <a:p>
+          <a:endParaRPr lang="en-US"/>
+        </a:p>
+      </dgm:t>
+    </dgm:pt>
+    <dgm:pt modelId="{D2824199-343D-4CD5-B0D5-FADC944BFA11}" type="sibTrans" cxnId="{908EC35E-46AF-4658-9648-9887CC3FA4A2}">
+      <dgm:prSet/>
+      <dgm:spPr/>
+      <dgm:t>
+        <a:bodyPr/>
+        <a:lstStyle/>
+        <a:p>
+          <a:endParaRPr lang="en-US"/>
+        </a:p>
+      </dgm:t>
+    </dgm:pt>
+    <dgm:pt modelId="{4E857B33-F061-4528-8578-5C497DF46525}">
+      <dgm:prSet/>
+      <dgm:spPr/>
+      <dgm:t>
+        <a:bodyPr/>
+        <a:lstStyle/>
+        <a:p>
+          <a:r>
+            <a:rPr lang="en-US"/>
+            <a:t>Moudle3 Introduction to Fixed-Income Valuation</a:t>
+          </a:r>
+        </a:p>
+      </dgm:t>
+    </dgm:pt>
+    <dgm:pt modelId="{4C1D4D96-116B-4BD6-8195-3A9B9584C532}" type="parTrans" cxnId="{9784C25B-FAA9-4496-A610-A6C44A43AB28}">
+      <dgm:prSet/>
+      <dgm:spPr/>
+      <dgm:t>
+        <a:bodyPr/>
+        <a:lstStyle/>
+        <a:p>
+          <a:endParaRPr lang="en-US"/>
+        </a:p>
+      </dgm:t>
+    </dgm:pt>
+    <dgm:pt modelId="{E20AB3E6-14C8-4E08-AF6F-C749480DA3CE}" type="sibTrans" cxnId="{9784C25B-FAA9-4496-A610-A6C44A43AB28}">
+      <dgm:prSet/>
+      <dgm:spPr/>
+      <dgm:t>
+        <a:bodyPr/>
+        <a:lstStyle/>
+        <a:p>
+          <a:endParaRPr lang="en-US"/>
+        </a:p>
+      </dgm:t>
+    </dgm:pt>
+    <dgm:pt modelId="{0F4A2E6B-F5DA-4F29-A320-912D9E776CBF}">
+      <dgm:prSet/>
+      <dgm:spPr/>
+      <dgm:t>
+        <a:bodyPr/>
+        <a:lstStyle/>
+        <a:p>
+          <a:r>
+            <a:rPr lang="en-US"/>
+            <a:t>Moudle4 Introduction to Asset-Backed Securities</a:t>
+          </a:r>
+        </a:p>
+      </dgm:t>
+    </dgm:pt>
+    <dgm:pt modelId="{A044D1CC-86E4-4014-9354-5AEBCB3AC07E}" type="parTrans" cxnId="{EF073462-21DE-43F2-9C67-A6F08C7C2D42}">
+      <dgm:prSet/>
+      <dgm:spPr/>
+      <dgm:t>
+        <a:bodyPr/>
+        <a:lstStyle/>
+        <a:p>
+          <a:endParaRPr lang="en-US"/>
+        </a:p>
+      </dgm:t>
+    </dgm:pt>
+    <dgm:pt modelId="{3F04B0AA-3225-47C3-8A38-52AD470B6284}" type="sibTrans" cxnId="{EF073462-21DE-43F2-9C67-A6F08C7C2D42}">
+      <dgm:prSet/>
+      <dgm:spPr/>
+      <dgm:t>
+        <a:bodyPr/>
+        <a:lstStyle/>
+        <a:p>
+          <a:endParaRPr lang="en-US"/>
+        </a:p>
+      </dgm:t>
+    </dgm:pt>
+    <dgm:pt modelId="{FBE2AE91-992F-44F0-BA01-1337A9AEA998}">
+      <dgm:prSet/>
+      <dgm:spPr/>
+      <dgm:t>
+        <a:bodyPr/>
+        <a:lstStyle/>
+        <a:p>
+          <a:r>
+            <a:rPr lang="en-US"/>
+            <a:t>Moudle5 Understanding Fixed-Income Risk and Return</a:t>
+          </a:r>
+        </a:p>
+      </dgm:t>
+    </dgm:pt>
+    <dgm:pt modelId="{B42BBB98-0DAD-43D2-BBAB-F618BB40B07C}" type="parTrans" cxnId="{4DAF011C-5523-4925-A59C-EAAC19842E41}">
+      <dgm:prSet/>
+      <dgm:spPr/>
+      <dgm:t>
+        <a:bodyPr/>
+        <a:lstStyle/>
+        <a:p>
+          <a:endParaRPr lang="en-US"/>
+        </a:p>
+      </dgm:t>
+    </dgm:pt>
+    <dgm:pt modelId="{07980151-A11E-47F2-847A-9A354D3E2EA9}" type="sibTrans" cxnId="{4DAF011C-5523-4925-A59C-EAAC19842E41}">
+      <dgm:prSet/>
+      <dgm:spPr/>
+      <dgm:t>
+        <a:bodyPr/>
+        <a:lstStyle/>
+        <a:p>
+          <a:endParaRPr lang="en-US"/>
+        </a:p>
+      </dgm:t>
+    </dgm:pt>
+    <dgm:pt modelId="{1829E5B3-4239-40BD-B38B-44D9923F7F47}">
+      <dgm:prSet/>
+      <dgm:spPr/>
+      <dgm:t>
+        <a:bodyPr/>
+        <a:lstStyle/>
+        <a:p>
+          <a:r>
+            <a:rPr lang="en-US"/>
+            <a:t>Moudle6 Fundamentals of Credit Analysis</a:t>
+          </a:r>
+        </a:p>
+      </dgm:t>
+    </dgm:pt>
+    <dgm:pt modelId="{A73B8A4A-BE87-4748-B020-D733CAB07E7D}" type="parTrans" cxnId="{CBD81709-DFCD-4AFC-9BCF-34112444137A}">
+      <dgm:prSet/>
+      <dgm:spPr/>
+      <dgm:t>
+        <a:bodyPr/>
+        <a:lstStyle/>
+        <a:p>
+          <a:endParaRPr lang="en-US"/>
+        </a:p>
+      </dgm:t>
+    </dgm:pt>
+    <dgm:pt modelId="{28FF1035-A579-453F-B0DF-07AB992C3F0E}" type="sibTrans" cxnId="{CBD81709-DFCD-4AFC-9BCF-34112444137A}">
+      <dgm:prSet/>
+      <dgm:spPr/>
+      <dgm:t>
+        <a:bodyPr/>
+        <a:lstStyle/>
+        <a:p>
+          <a:endParaRPr lang="en-US"/>
+        </a:p>
+      </dgm:t>
+    </dgm:pt>
+    <dgm:pt modelId="{DC5C12B1-D6D9-4E77-93E9-2BAF487F89DA}" type="pres">
+      <dgm:prSet presAssocID="{65E766CA-5F07-42E3-8610-B4532427CF7D}" presName="root" presStyleCnt="0">
+        <dgm:presLayoutVars>
+          <dgm:dir/>
+          <dgm:resizeHandles val="exact"/>
+        </dgm:presLayoutVars>
+      </dgm:prSet>
+      <dgm:spPr/>
+    </dgm:pt>
+    <dgm:pt modelId="{E2A0B06A-A3FD-4AB4-95C5-4406862AEC22}" type="pres">
+      <dgm:prSet presAssocID="{7DDB86EF-A527-4532-89C3-24A27B793BDA}" presName="compNode" presStyleCnt="0"/>
+      <dgm:spPr/>
+    </dgm:pt>
+    <dgm:pt modelId="{8EEC5F2D-028A-459C-838C-DDD456F621E0}" type="pres">
+      <dgm:prSet presAssocID="{7DDB86EF-A527-4532-89C3-24A27B793BDA}" presName="bgRect" presStyleLbl="bgShp" presStyleIdx="0" presStyleCnt="6"/>
+      <dgm:spPr/>
+    </dgm:pt>
+    <dgm:pt modelId="{03EDD7C3-3ADC-4CDA-BEC1-EB09B94697D2}" type="pres">
+      <dgm:prSet presAssocID="{7DDB86EF-A527-4532-89C3-24A27B793BDA}" presName="iconRect" presStyleLbl="node1" presStyleIdx="0" presStyleCnt="6"/>
+      <dgm:spPr>
+        <a:blipFill>
+          <a:blip xmlns:r="http://schemas.openxmlformats.org/officeDocument/2006/relationships" r:embed="rId1">
+            <a:extLst>
+              <a:ext uri="{28A0092B-C50C-407E-A947-70E740481C1C}">
+                <a14:useLocalDpi xmlns:a14="http://schemas.microsoft.com/office/drawing/2010/main" val="0"/>
+              </a:ext>
+              <a:ext uri="{96DAC541-7B7A-43D3-8B79-37D633B846F1}">
+                <asvg:svgBlip xmlns:asvg="http://schemas.microsoft.com/office/drawing/2016/SVG/main" r:embed="rId2"/>
+              </a:ext>
+            </a:extLst>
+          </a:blip>
+          <a:stretch>
+            <a:fillRect/>
+          </a:stretch>
+        </a:blipFill>
+        <a:ln>
+          <a:noFill/>
+        </a:ln>
+      </dgm:spPr>
+      <dgm:extLst>
+        <a:ext uri="{E40237B7-FDA0-4F09-8148-C483321AD2D9}">
+          <dgm14:cNvPr xmlns:dgm14="http://schemas.microsoft.com/office/drawing/2010/diagram" id="0" name="" descr="钱"/>
+        </a:ext>
+      </dgm:extLst>
+    </dgm:pt>
+    <dgm:pt modelId="{2790A7F3-0879-4634-BD7F-62D346993B62}" type="pres">
+      <dgm:prSet presAssocID="{7DDB86EF-A527-4532-89C3-24A27B793BDA}" presName="spaceRect" presStyleCnt="0"/>
+      <dgm:spPr/>
+    </dgm:pt>
+    <dgm:pt modelId="{388709E5-3665-4121-96AE-CDA8783C0803}" type="pres">
+      <dgm:prSet presAssocID="{7DDB86EF-A527-4532-89C3-24A27B793BDA}" presName="parTx" presStyleLbl="revTx" presStyleIdx="0" presStyleCnt="6">
+        <dgm:presLayoutVars>
+          <dgm:chMax val="0"/>
+          <dgm:chPref val="0"/>
+        </dgm:presLayoutVars>
+      </dgm:prSet>
+      <dgm:spPr/>
+    </dgm:pt>
+    <dgm:pt modelId="{9DFB78EC-3D19-4477-9CD0-F3C26A34FB20}" type="pres">
+      <dgm:prSet presAssocID="{62124337-350F-4AC5-930D-3E0358551D21}" presName="sibTrans" presStyleCnt="0"/>
+      <dgm:spPr/>
+    </dgm:pt>
+    <dgm:pt modelId="{056A8D92-FF12-4397-BE4B-5C0685C9430A}" type="pres">
+      <dgm:prSet presAssocID="{8775BE4B-91CD-4E13-B5D4-9CA2CF13298E}" presName="compNode" presStyleCnt="0"/>
+      <dgm:spPr/>
+    </dgm:pt>
+    <dgm:pt modelId="{E2F9343B-9194-4ED5-9108-12CA03BE397A}" type="pres">
+      <dgm:prSet presAssocID="{8775BE4B-91CD-4E13-B5D4-9CA2CF13298E}" presName="bgRect" presStyleLbl="bgShp" presStyleIdx="1" presStyleCnt="6"/>
+      <dgm:spPr/>
+    </dgm:pt>
+    <dgm:pt modelId="{8731F683-B4ED-42EC-AB94-E885702A0433}" type="pres">
+      <dgm:prSet presAssocID="{8775BE4B-91CD-4E13-B5D4-9CA2CF13298E}" presName="iconRect" presStyleLbl="node1" presStyleIdx="1" presStyleCnt="6"/>
+      <dgm:spPr>
+        <a:blipFill>
+          <a:blip xmlns:r="http://schemas.openxmlformats.org/officeDocument/2006/relationships" r:embed="rId3">
+            <a:extLst>
+              <a:ext uri="{28A0092B-C50C-407E-A947-70E740481C1C}">
+                <a14:useLocalDpi xmlns:a14="http://schemas.microsoft.com/office/drawing/2010/main" val="0"/>
+              </a:ext>
+              <a:ext uri="{96DAC541-7B7A-43D3-8B79-37D633B846F1}">
+                <asvg:svgBlip xmlns:asvg="http://schemas.microsoft.com/office/drawing/2016/SVG/main" r:embed="rId4"/>
+              </a:ext>
+            </a:extLst>
+          </a:blip>
+          <a:stretch>
+            <a:fillRect/>
+          </a:stretch>
+        </a:blipFill>
+        <a:ln>
+          <a:noFill/>
+        </a:ln>
+      </dgm:spPr>
+      <dgm:extLst>
+        <a:ext uri="{E40237B7-FDA0-4F09-8148-C483321AD2D9}">
+          <dgm14:cNvPr xmlns:dgm14="http://schemas.microsoft.com/office/drawing/2010/diagram" id="0" name="" descr="元"/>
+        </a:ext>
+      </dgm:extLst>
+    </dgm:pt>
+    <dgm:pt modelId="{AD6DCFF4-1E12-4CC2-8E95-5FD41E6FA9A7}" type="pres">
+      <dgm:prSet presAssocID="{8775BE4B-91CD-4E13-B5D4-9CA2CF13298E}" presName="spaceRect" presStyleCnt="0"/>
+      <dgm:spPr/>
+    </dgm:pt>
+    <dgm:pt modelId="{E5642B59-79D5-4AD7-B291-78B837352C0E}" type="pres">
+      <dgm:prSet presAssocID="{8775BE4B-91CD-4E13-B5D4-9CA2CF13298E}" presName="parTx" presStyleLbl="revTx" presStyleIdx="1" presStyleCnt="6">
+        <dgm:presLayoutVars>
+          <dgm:chMax val="0"/>
+          <dgm:chPref val="0"/>
+        </dgm:presLayoutVars>
+      </dgm:prSet>
+      <dgm:spPr/>
+    </dgm:pt>
+    <dgm:pt modelId="{EB4FE269-2DDD-4653-A849-856C145B9562}" type="pres">
+      <dgm:prSet presAssocID="{D2824199-343D-4CD5-B0D5-FADC944BFA11}" presName="sibTrans" presStyleCnt="0"/>
+      <dgm:spPr/>
+    </dgm:pt>
+    <dgm:pt modelId="{139FC032-29A4-448A-920A-70F67E4BDDAE}" type="pres">
+      <dgm:prSet presAssocID="{4E857B33-F061-4528-8578-5C497DF46525}" presName="compNode" presStyleCnt="0"/>
+      <dgm:spPr/>
+    </dgm:pt>
+    <dgm:pt modelId="{4539A30B-BD30-4576-839C-600EE561FFF6}" type="pres">
+      <dgm:prSet presAssocID="{4E857B33-F061-4528-8578-5C497DF46525}" presName="bgRect" presStyleLbl="bgShp" presStyleIdx="2" presStyleCnt="6"/>
+      <dgm:spPr/>
+    </dgm:pt>
+    <dgm:pt modelId="{EA94339E-33F1-4971-B8E5-E13A0CC5862C}" type="pres">
+      <dgm:prSet presAssocID="{4E857B33-F061-4528-8578-5C497DF46525}" presName="iconRect" presStyleLbl="node1" presStyleIdx="2" presStyleCnt="6"/>
+      <dgm:spPr>
+        <a:blipFill>
+          <a:blip xmlns:r="http://schemas.openxmlformats.org/officeDocument/2006/relationships" r:embed="rId5">
+            <a:extLst>
+              <a:ext uri="{28A0092B-C50C-407E-A947-70E740481C1C}">
+                <a14:useLocalDpi xmlns:a14="http://schemas.microsoft.com/office/drawing/2010/main" val="0"/>
+              </a:ext>
+              <a:ext uri="{96DAC541-7B7A-43D3-8B79-37D633B846F1}">
+                <asvg:svgBlip xmlns:asvg="http://schemas.microsoft.com/office/drawing/2016/SVG/main" r:embed="rId6"/>
+              </a:ext>
+            </a:extLst>
+          </a:blip>
+          <a:stretch>
+            <a:fillRect/>
+          </a:stretch>
+        </a:blipFill>
+        <a:ln>
+          <a:noFill/>
+        </a:ln>
+      </dgm:spPr>
+      <dgm:extLst>
+        <a:ext uri="{E40237B7-FDA0-4F09-8148-C483321AD2D9}">
+          <dgm14:cNvPr xmlns:dgm14="http://schemas.microsoft.com/office/drawing/2010/diagram" id="0" name="" descr="硬币"/>
+        </a:ext>
+      </dgm:extLst>
+    </dgm:pt>
+    <dgm:pt modelId="{33914D17-B1F2-424C-9470-6CE436EB4E3F}" type="pres">
+      <dgm:prSet presAssocID="{4E857B33-F061-4528-8578-5C497DF46525}" presName="spaceRect" presStyleCnt="0"/>
+      <dgm:spPr/>
+    </dgm:pt>
+    <dgm:pt modelId="{B1BC8293-9433-49A9-97D0-C60668C4B9EF}" type="pres">
+      <dgm:prSet presAssocID="{4E857B33-F061-4528-8578-5C497DF46525}" presName="parTx" presStyleLbl="revTx" presStyleIdx="2" presStyleCnt="6">
+        <dgm:presLayoutVars>
+          <dgm:chMax val="0"/>
+          <dgm:chPref val="0"/>
+        </dgm:presLayoutVars>
+      </dgm:prSet>
+      <dgm:spPr/>
+    </dgm:pt>
+    <dgm:pt modelId="{8255D33F-879F-4B99-8877-DED5EB6EC7E1}" type="pres">
+      <dgm:prSet presAssocID="{E20AB3E6-14C8-4E08-AF6F-C749480DA3CE}" presName="sibTrans" presStyleCnt="0"/>
+      <dgm:spPr/>
+    </dgm:pt>
+    <dgm:pt modelId="{4B87D577-3BE5-4CF2-A680-9F98F058048A}" type="pres">
+      <dgm:prSet presAssocID="{0F4A2E6B-F5DA-4F29-A320-912D9E776CBF}" presName="compNode" presStyleCnt="0"/>
+      <dgm:spPr/>
+    </dgm:pt>
+    <dgm:pt modelId="{F86FF93E-356E-491A-A772-725657F7A28A}" type="pres">
+      <dgm:prSet presAssocID="{0F4A2E6B-F5DA-4F29-A320-912D9E776CBF}" presName="bgRect" presStyleLbl="bgShp" presStyleIdx="3" presStyleCnt="6"/>
+      <dgm:spPr/>
+    </dgm:pt>
+    <dgm:pt modelId="{C3B8CEA7-A95B-4CF7-8D66-91962C065327}" type="pres">
+      <dgm:prSet presAssocID="{0F4A2E6B-F5DA-4F29-A320-912D9E776CBF}" presName="iconRect" presStyleLbl="node1" presStyleIdx="3" presStyleCnt="6"/>
+      <dgm:spPr>
+        <a:blipFill>
+          <a:blip xmlns:r="http://schemas.openxmlformats.org/officeDocument/2006/relationships" r:embed="rId7">
+            <a:extLst>
+              <a:ext uri="{28A0092B-C50C-407E-A947-70E740481C1C}">
+                <a14:useLocalDpi xmlns:a14="http://schemas.microsoft.com/office/drawing/2010/main" val="0"/>
+              </a:ext>
+              <a:ext uri="{96DAC541-7B7A-43D3-8B79-37D633B846F1}">
+                <asvg:svgBlip xmlns:asvg="http://schemas.microsoft.com/office/drawing/2016/SVG/main" r:embed="rId8"/>
+              </a:ext>
+            </a:extLst>
+          </a:blip>
+          <a:stretch>
+            <a:fillRect/>
+          </a:stretch>
+        </a:blipFill>
+        <a:ln>
+          <a:noFill/>
+        </a:ln>
+      </dgm:spPr>
+      <dgm:extLst>
+        <a:ext uri="{E40237B7-FDA0-4F09-8148-C483321AD2D9}">
+          <dgm14:cNvPr xmlns:dgm14="http://schemas.microsoft.com/office/drawing/2010/diagram" id="0" name="" descr="城市"/>
+        </a:ext>
+      </dgm:extLst>
+    </dgm:pt>
+    <dgm:pt modelId="{B55C28C2-FBFB-44EE-B960-1A860DD2FD9F}" type="pres">
+      <dgm:prSet presAssocID="{0F4A2E6B-F5DA-4F29-A320-912D9E776CBF}" presName="spaceRect" presStyleCnt="0"/>
+      <dgm:spPr/>
+    </dgm:pt>
+    <dgm:pt modelId="{E2521213-F4F2-4890-AFB1-05C76A8D3FCB}" type="pres">
+      <dgm:prSet presAssocID="{0F4A2E6B-F5DA-4F29-A320-912D9E776CBF}" presName="parTx" presStyleLbl="revTx" presStyleIdx="3" presStyleCnt="6">
+        <dgm:presLayoutVars>
+          <dgm:chMax val="0"/>
+          <dgm:chPref val="0"/>
+        </dgm:presLayoutVars>
+      </dgm:prSet>
+      <dgm:spPr/>
+    </dgm:pt>
+    <dgm:pt modelId="{A64B3137-86D8-4EF2-B121-2666103A739F}" type="pres">
+      <dgm:prSet presAssocID="{3F04B0AA-3225-47C3-8A38-52AD470B6284}" presName="sibTrans" presStyleCnt="0"/>
+      <dgm:spPr/>
+    </dgm:pt>
+    <dgm:pt modelId="{03E4A6A8-341C-4BD9-8CB1-852A261D2019}" type="pres">
+      <dgm:prSet presAssocID="{FBE2AE91-992F-44F0-BA01-1337A9AEA998}" presName="compNode" presStyleCnt="0"/>
+      <dgm:spPr/>
+    </dgm:pt>
+    <dgm:pt modelId="{08FE9A4C-A673-4795-B974-ADBEAE4CCD02}" type="pres">
+      <dgm:prSet presAssocID="{FBE2AE91-992F-44F0-BA01-1337A9AEA998}" presName="bgRect" presStyleLbl="bgShp" presStyleIdx="4" presStyleCnt="6"/>
+      <dgm:spPr/>
+    </dgm:pt>
+    <dgm:pt modelId="{4D14CE0A-AF2C-4D06-9852-6A5CFDE252C2}" type="pres">
+      <dgm:prSet presAssocID="{FBE2AE91-992F-44F0-BA01-1337A9AEA998}" presName="iconRect" presStyleLbl="node1" presStyleIdx="4" presStyleCnt="6"/>
+      <dgm:spPr>
+        <a:blipFill>
+          <a:blip xmlns:r="http://schemas.openxmlformats.org/officeDocument/2006/relationships" r:embed="rId9">
+            <a:extLst>
+              <a:ext uri="{28A0092B-C50C-407E-A947-70E740481C1C}">
+                <a14:useLocalDpi xmlns:a14="http://schemas.microsoft.com/office/drawing/2010/main" val="0"/>
+              </a:ext>
+              <a:ext uri="{96DAC541-7B7A-43D3-8B79-37D633B846F1}">
+                <asvg:svgBlip xmlns:asvg="http://schemas.microsoft.com/office/drawing/2016/SVG/main" r:embed="rId10"/>
+              </a:ext>
+            </a:extLst>
+          </a:blip>
+          <a:stretch>
+            <a:fillRect/>
+          </a:stretch>
+        </a:blipFill>
+        <a:ln>
+          <a:noFill/>
+        </a:ln>
+      </dgm:spPr>
+      <dgm:extLst>
+        <a:ext uri="{E40237B7-FDA0-4F09-8148-C483321AD2D9}">
+          <dgm14:cNvPr xmlns:dgm14="http://schemas.microsoft.com/office/drawing/2010/diagram" id="0" name="" descr="Upward trend"/>
+        </a:ext>
+      </dgm:extLst>
+    </dgm:pt>
+    <dgm:pt modelId="{D626BCED-61B4-4028-8279-6DAE1619AB67}" type="pres">
+      <dgm:prSet presAssocID="{FBE2AE91-992F-44F0-BA01-1337A9AEA998}" presName="spaceRect" presStyleCnt="0"/>
+      <dgm:spPr/>
+    </dgm:pt>
+    <dgm:pt modelId="{B9B7FB8C-767D-4FE2-8B14-3C93DB99B10C}" type="pres">
+      <dgm:prSet presAssocID="{FBE2AE91-992F-44F0-BA01-1337A9AEA998}" presName="parTx" presStyleLbl="revTx" presStyleIdx="4" presStyleCnt="6">
+        <dgm:presLayoutVars>
+          <dgm:chMax val="0"/>
+          <dgm:chPref val="0"/>
+        </dgm:presLayoutVars>
+      </dgm:prSet>
+      <dgm:spPr/>
+    </dgm:pt>
+    <dgm:pt modelId="{7526737A-D445-4140-B11E-DEB1AE3CA8DA}" type="pres">
+      <dgm:prSet presAssocID="{07980151-A11E-47F2-847A-9A354D3E2EA9}" presName="sibTrans" presStyleCnt="0"/>
+      <dgm:spPr/>
+    </dgm:pt>
+    <dgm:pt modelId="{1BD3734F-AF2A-4560-B108-7E67A3648BEB}" type="pres">
+      <dgm:prSet presAssocID="{1829E5B3-4239-40BD-B38B-44D9923F7F47}" presName="compNode" presStyleCnt="0"/>
+      <dgm:spPr/>
+    </dgm:pt>
+    <dgm:pt modelId="{5EDDC7B2-FFC0-49AB-9983-E86F3F3A1C0F}" type="pres">
+      <dgm:prSet presAssocID="{1829E5B3-4239-40BD-B38B-44D9923F7F47}" presName="bgRect" presStyleLbl="bgShp" presStyleIdx="5" presStyleCnt="6"/>
+      <dgm:spPr/>
+    </dgm:pt>
+    <dgm:pt modelId="{2AEE7F50-91FB-44E0-B029-3983C6E732A7}" type="pres">
+      <dgm:prSet presAssocID="{1829E5B3-4239-40BD-B38B-44D9923F7F47}" presName="iconRect" presStyleLbl="node1" presStyleIdx="5" presStyleCnt="6"/>
+      <dgm:spPr>
+        <a:blipFill>
+          <a:blip xmlns:r="http://schemas.openxmlformats.org/officeDocument/2006/relationships" r:embed="rId11">
+            <a:extLst>
+              <a:ext uri="{28A0092B-C50C-407E-A947-70E740481C1C}">
+                <a14:useLocalDpi xmlns:a14="http://schemas.microsoft.com/office/drawing/2010/main" val="0"/>
+              </a:ext>
+              <a:ext uri="{96DAC541-7B7A-43D3-8B79-37D633B846F1}">
+                <asvg:svgBlip xmlns:asvg="http://schemas.microsoft.com/office/drawing/2016/SVG/main" r:embed="rId12"/>
+              </a:ext>
+            </a:extLst>
+          </a:blip>
+          <a:stretch>
+            <a:fillRect/>
+          </a:stretch>
+        </a:blipFill>
+        <a:ln>
+          <a:noFill/>
+        </a:ln>
+      </dgm:spPr>
+      <dgm:extLst>
+        <a:ext uri="{E40237B7-FDA0-4F09-8148-C483321AD2D9}">
+          <dgm14:cNvPr xmlns:dgm14="http://schemas.microsoft.com/office/drawing/2010/diagram" id="0" name="" descr="Bar chart"/>
+        </a:ext>
+      </dgm:extLst>
+    </dgm:pt>
+    <dgm:pt modelId="{D47F51E2-2CD1-48E4-9A8C-9D4490C8401A}" type="pres">
+      <dgm:prSet presAssocID="{1829E5B3-4239-40BD-B38B-44D9923F7F47}" presName="spaceRect" presStyleCnt="0"/>
+      <dgm:spPr/>
+    </dgm:pt>
+    <dgm:pt modelId="{7D512848-7C80-4833-A9D8-A0B168D3B482}" type="pres">
+      <dgm:prSet presAssocID="{1829E5B3-4239-40BD-B38B-44D9923F7F47}" presName="parTx" presStyleLbl="revTx" presStyleIdx="5" presStyleCnt="6">
+        <dgm:presLayoutVars>
+          <dgm:chMax val="0"/>
+          <dgm:chPref val="0"/>
+        </dgm:presLayoutVars>
+      </dgm:prSet>
+      <dgm:spPr/>
+    </dgm:pt>
+  </dgm:ptLst>
+  <dgm:cxnLst>
+    <dgm:cxn modelId="{63B7B500-2ECD-4EB6-A9DB-7B9467F55D0D}" type="presOf" srcId="{1829E5B3-4239-40BD-B38B-44D9923F7F47}" destId="{7D512848-7C80-4833-A9D8-A0B168D3B482}" srcOrd="0" destOrd="0" presId="urn:microsoft.com/office/officeart/2018/2/layout/IconVerticalSolidList"/>
+    <dgm:cxn modelId="{CBD81709-DFCD-4AFC-9BCF-34112444137A}" srcId="{65E766CA-5F07-42E3-8610-B4532427CF7D}" destId="{1829E5B3-4239-40BD-B38B-44D9923F7F47}" srcOrd="5" destOrd="0" parTransId="{A73B8A4A-BE87-4748-B020-D733CAB07E7D}" sibTransId="{28FF1035-A579-453F-B0DF-07AB992C3F0E}"/>
+    <dgm:cxn modelId="{4DAF011C-5523-4925-A59C-EAAC19842E41}" srcId="{65E766CA-5F07-42E3-8610-B4532427CF7D}" destId="{FBE2AE91-992F-44F0-BA01-1337A9AEA998}" srcOrd="4" destOrd="0" parTransId="{B42BBB98-0DAD-43D2-BBAB-F618BB40B07C}" sibTransId="{07980151-A11E-47F2-847A-9A354D3E2EA9}"/>
+    <dgm:cxn modelId="{001D0D3B-FAA1-4483-9C58-68D22DC09B9E}" type="presOf" srcId="{FBE2AE91-992F-44F0-BA01-1337A9AEA998}" destId="{B9B7FB8C-767D-4FE2-8B14-3C93DB99B10C}" srcOrd="0" destOrd="0" presId="urn:microsoft.com/office/officeart/2018/2/layout/IconVerticalSolidList"/>
+    <dgm:cxn modelId="{9784C25B-FAA9-4496-A610-A6C44A43AB28}" srcId="{65E766CA-5F07-42E3-8610-B4532427CF7D}" destId="{4E857B33-F061-4528-8578-5C497DF46525}" srcOrd="2" destOrd="0" parTransId="{4C1D4D96-116B-4BD6-8195-3A9B9584C532}" sibTransId="{E20AB3E6-14C8-4E08-AF6F-C749480DA3CE}"/>
+    <dgm:cxn modelId="{908EC35E-46AF-4658-9648-9887CC3FA4A2}" srcId="{65E766CA-5F07-42E3-8610-B4532427CF7D}" destId="{8775BE4B-91CD-4E13-B5D4-9CA2CF13298E}" srcOrd="1" destOrd="0" parTransId="{8CBE5697-F745-415C-AE5D-A178D3DFBD66}" sibTransId="{D2824199-343D-4CD5-B0D5-FADC944BFA11}"/>
+    <dgm:cxn modelId="{EF073462-21DE-43F2-9C67-A6F08C7C2D42}" srcId="{65E766CA-5F07-42E3-8610-B4532427CF7D}" destId="{0F4A2E6B-F5DA-4F29-A320-912D9E776CBF}" srcOrd="3" destOrd="0" parTransId="{A044D1CC-86E4-4014-9354-5AEBCB3AC07E}" sibTransId="{3F04B0AA-3225-47C3-8A38-52AD470B6284}"/>
+    <dgm:cxn modelId="{ACBD6264-F216-49DB-8823-6BA2082EAA67}" type="presOf" srcId="{65E766CA-5F07-42E3-8610-B4532427CF7D}" destId="{DC5C12B1-D6D9-4E77-93E9-2BAF487F89DA}" srcOrd="0" destOrd="0" presId="urn:microsoft.com/office/officeart/2018/2/layout/IconVerticalSolidList"/>
+    <dgm:cxn modelId="{AA660094-7F9F-49C3-AE79-024440C17B0E}" srcId="{65E766CA-5F07-42E3-8610-B4532427CF7D}" destId="{7DDB86EF-A527-4532-89C3-24A27B793BDA}" srcOrd="0" destOrd="0" parTransId="{F3804465-7488-414D-8607-C466A0CAA49D}" sibTransId="{62124337-350F-4AC5-930D-3E0358551D21}"/>
+    <dgm:cxn modelId="{7A351294-DFC3-46BB-A318-F608BBD05C1D}" type="presOf" srcId="{8775BE4B-91CD-4E13-B5D4-9CA2CF13298E}" destId="{E5642B59-79D5-4AD7-B291-78B837352C0E}" srcOrd="0" destOrd="0" presId="urn:microsoft.com/office/officeart/2018/2/layout/IconVerticalSolidList"/>
+    <dgm:cxn modelId="{677C74C8-A65A-40B9-9E68-C24090AA36EB}" type="presOf" srcId="{7DDB86EF-A527-4532-89C3-24A27B793BDA}" destId="{388709E5-3665-4121-96AE-CDA8783C0803}" srcOrd="0" destOrd="0" presId="urn:microsoft.com/office/officeart/2018/2/layout/IconVerticalSolidList"/>
+    <dgm:cxn modelId="{6297DAD3-FCDC-4505-890E-182ACBD4AC46}" type="presOf" srcId="{4E857B33-F061-4528-8578-5C497DF46525}" destId="{B1BC8293-9433-49A9-97D0-C60668C4B9EF}" srcOrd="0" destOrd="0" presId="urn:microsoft.com/office/officeart/2018/2/layout/IconVerticalSolidList"/>
+    <dgm:cxn modelId="{2F3127EF-1B59-44A5-A980-4ACBFCF4C652}" type="presOf" srcId="{0F4A2E6B-F5DA-4F29-A320-912D9E776CBF}" destId="{E2521213-F4F2-4890-AFB1-05C76A8D3FCB}" srcOrd="0" destOrd="0" presId="urn:microsoft.com/office/officeart/2018/2/layout/IconVerticalSolidList"/>
+    <dgm:cxn modelId="{68CF79A8-D9CF-4F81-8A76-6AA192FDB13E}" type="presParOf" srcId="{DC5C12B1-D6D9-4E77-93E9-2BAF487F89DA}" destId="{E2A0B06A-A3FD-4AB4-95C5-4406862AEC22}" srcOrd="0" destOrd="0" presId="urn:microsoft.com/office/officeart/2018/2/layout/IconVerticalSolidList"/>
+    <dgm:cxn modelId="{6C51A245-2D25-4473-ADF3-ABF2FD0893F2}" type="presParOf" srcId="{E2A0B06A-A3FD-4AB4-95C5-4406862AEC22}" destId="{8EEC5F2D-028A-459C-838C-DDD456F621E0}" srcOrd="0" destOrd="0" presId="urn:microsoft.com/office/officeart/2018/2/layout/IconVerticalSolidList"/>
+    <dgm:cxn modelId="{845E6223-8F49-42B5-8990-939248C90E58}" type="presParOf" srcId="{E2A0B06A-A3FD-4AB4-95C5-4406862AEC22}" destId="{03EDD7C3-3ADC-4CDA-BEC1-EB09B94697D2}" srcOrd="1" destOrd="0" presId="urn:microsoft.com/office/officeart/2018/2/layout/IconVerticalSolidList"/>
+    <dgm:cxn modelId="{A3D462E2-7110-4A4B-BD3D-EC9C5AC8638C}" type="presParOf" srcId="{E2A0B06A-A3FD-4AB4-95C5-4406862AEC22}" destId="{2790A7F3-0879-4634-BD7F-62D346993B62}" srcOrd="2" destOrd="0" presId="urn:microsoft.com/office/officeart/2018/2/layout/IconVerticalSolidList"/>
+    <dgm:cxn modelId="{98F8793A-B7DE-4366-91DC-BF7CA1462C3E}" type="presParOf" srcId="{E2A0B06A-A3FD-4AB4-95C5-4406862AEC22}" destId="{388709E5-3665-4121-96AE-CDA8783C0803}" srcOrd="3" destOrd="0" presId="urn:microsoft.com/office/officeart/2018/2/layout/IconVerticalSolidList"/>
+    <dgm:cxn modelId="{E033F95B-8CA3-42D6-A8CD-5CCDB309B267}" type="presParOf" srcId="{DC5C12B1-D6D9-4E77-93E9-2BAF487F89DA}" destId="{9DFB78EC-3D19-4477-9CD0-F3C26A34FB20}" srcOrd="1" destOrd="0" presId="urn:microsoft.com/office/officeart/2018/2/layout/IconVerticalSolidList"/>
+    <dgm:cxn modelId="{2D13F88B-9F17-46F7-B61A-7D356FB26D03}" type="presParOf" srcId="{DC5C12B1-D6D9-4E77-93E9-2BAF487F89DA}" destId="{056A8D92-FF12-4397-BE4B-5C0685C9430A}" srcOrd="2" destOrd="0" presId="urn:microsoft.com/office/officeart/2018/2/layout/IconVerticalSolidList"/>
+    <dgm:cxn modelId="{19ABE5B3-0796-4319-8025-402C0567FA0F}" type="presParOf" srcId="{056A8D92-FF12-4397-BE4B-5C0685C9430A}" destId="{E2F9343B-9194-4ED5-9108-12CA03BE397A}" srcOrd="0" destOrd="0" presId="urn:microsoft.com/office/officeart/2018/2/layout/IconVerticalSolidList"/>
+    <dgm:cxn modelId="{1F50C963-71A7-4500-BC3E-4A2BE5ABBE8A}" type="presParOf" srcId="{056A8D92-FF12-4397-BE4B-5C0685C9430A}" destId="{8731F683-B4ED-42EC-AB94-E885702A0433}" srcOrd="1" destOrd="0" presId="urn:microsoft.com/office/officeart/2018/2/layout/IconVerticalSolidList"/>
+    <dgm:cxn modelId="{CFEC7FAD-B048-4D6B-8793-51635305B6D7}" type="presParOf" srcId="{056A8D92-FF12-4397-BE4B-5C0685C9430A}" destId="{AD6DCFF4-1E12-4CC2-8E95-5FD41E6FA9A7}" srcOrd="2" destOrd="0" presId="urn:microsoft.com/office/officeart/2018/2/layout/IconVerticalSolidList"/>
+    <dgm:cxn modelId="{78EC0CA5-DB40-4A43-A9F0-ADECD8E3DF6C}" type="presParOf" srcId="{056A8D92-FF12-4397-BE4B-5C0685C9430A}" destId="{E5642B59-79D5-4AD7-B291-78B837352C0E}" srcOrd="3" destOrd="0" presId="urn:microsoft.com/office/officeart/2018/2/layout/IconVerticalSolidList"/>
+    <dgm:cxn modelId="{EAC05C54-F049-4FB2-8CBF-4F2EAA095B11}" type="presParOf" srcId="{DC5C12B1-D6D9-4E77-93E9-2BAF487F89DA}" destId="{EB4FE269-2DDD-4653-A849-856C145B9562}" srcOrd="3" destOrd="0" presId="urn:microsoft.com/office/officeart/2018/2/layout/IconVerticalSolidList"/>
+    <dgm:cxn modelId="{3EF050A5-F1F0-4AF7-89F8-A5AB400C6840}" type="presParOf" srcId="{DC5C12B1-D6D9-4E77-93E9-2BAF487F89DA}" destId="{139FC032-29A4-448A-920A-70F67E4BDDAE}" srcOrd="4" destOrd="0" presId="urn:microsoft.com/office/officeart/2018/2/layout/IconVerticalSolidList"/>
+    <dgm:cxn modelId="{B20287C0-B9F4-4BAB-937A-A0C19CABC7BB}" type="presParOf" srcId="{139FC032-29A4-448A-920A-70F67E4BDDAE}" destId="{4539A30B-BD30-4576-839C-600EE561FFF6}" srcOrd="0" destOrd="0" presId="urn:microsoft.com/office/officeart/2018/2/layout/IconVerticalSolidList"/>
+    <dgm:cxn modelId="{D4F09F5D-C82A-437C-BABD-5A2AFCD281B9}" type="presParOf" srcId="{139FC032-29A4-448A-920A-70F67E4BDDAE}" destId="{EA94339E-33F1-4971-B8E5-E13A0CC5862C}" srcOrd="1" destOrd="0" presId="urn:microsoft.com/office/officeart/2018/2/layout/IconVerticalSolidList"/>
+    <dgm:cxn modelId="{D77A6227-092F-4DB4-975F-79AEFE92222B}" type="presParOf" srcId="{139FC032-29A4-448A-920A-70F67E4BDDAE}" destId="{33914D17-B1F2-424C-9470-6CE436EB4E3F}" srcOrd="2" destOrd="0" presId="urn:microsoft.com/office/officeart/2018/2/layout/IconVerticalSolidList"/>
+    <dgm:cxn modelId="{C15A6A1A-81EF-4FEF-A970-EB4C0C52330D}" type="presParOf" srcId="{139FC032-29A4-448A-920A-70F67E4BDDAE}" destId="{B1BC8293-9433-49A9-97D0-C60668C4B9EF}" srcOrd="3" destOrd="0" presId="urn:microsoft.com/office/officeart/2018/2/layout/IconVerticalSolidList"/>
+    <dgm:cxn modelId="{55A6CA5A-817E-4959-8609-C1A270DA3843}" type="presParOf" srcId="{DC5C12B1-D6D9-4E77-93E9-2BAF487F89DA}" destId="{8255D33F-879F-4B99-8877-DED5EB6EC7E1}" srcOrd="5" destOrd="0" presId="urn:microsoft.com/office/officeart/2018/2/layout/IconVerticalSolidList"/>
+    <dgm:cxn modelId="{083B2601-4EAD-478D-A69A-9CA1C703E700}" type="presParOf" srcId="{DC5C12B1-D6D9-4E77-93E9-2BAF487F89DA}" destId="{4B87D577-3BE5-4CF2-A680-9F98F058048A}" srcOrd="6" destOrd="0" presId="urn:microsoft.com/office/officeart/2018/2/layout/IconVerticalSolidList"/>
+    <dgm:cxn modelId="{3E4DA14D-99FD-47B4-8673-B03F41867BBB}" type="presParOf" srcId="{4B87D577-3BE5-4CF2-A680-9F98F058048A}" destId="{F86FF93E-356E-491A-A772-725657F7A28A}" srcOrd="0" destOrd="0" presId="urn:microsoft.com/office/officeart/2018/2/layout/IconVerticalSolidList"/>
+    <dgm:cxn modelId="{6E137FBC-0FD4-41D7-A4CB-E6DCBB87AF2D}" type="presParOf" srcId="{4B87D577-3BE5-4CF2-A680-9F98F058048A}" destId="{C3B8CEA7-A95B-4CF7-8D66-91962C065327}" srcOrd="1" destOrd="0" presId="urn:microsoft.com/office/officeart/2018/2/layout/IconVerticalSolidList"/>
+    <dgm:cxn modelId="{6A92FD95-E34C-44F5-B624-7C7B1FDB472B}" type="presParOf" srcId="{4B87D577-3BE5-4CF2-A680-9F98F058048A}" destId="{B55C28C2-FBFB-44EE-B960-1A860DD2FD9F}" srcOrd="2" destOrd="0" presId="urn:microsoft.com/office/officeart/2018/2/layout/IconVerticalSolidList"/>
+    <dgm:cxn modelId="{FDFE46A0-6D74-4E6C-AB31-E93882CC9DDD}" type="presParOf" srcId="{4B87D577-3BE5-4CF2-A680-9F98F058048A}" destId="{E2521213-F4F2-4890-AFB1-05C76A8D3FCB}" srcOrd="3" destOrd="0" presId="urn:microsoft.com/office/officeart/2018/2/layout/IconVerticalSolidList"/>
+    <dgm:cxn modelId="{AFA10025-529A-4D17-9EDD-2F1801A748AD}" type="presParOf" srcId="{DC5C12B1-D6D9-4E77-93E9-2BAF487F89DA}" destId="{A64B3137-86D8-4EF2-B121-2666103A739F}" srcOrd="7" destOrd="0" presId="urn:microsoft.com/office/officeart/2018/2/layout/IconVerticalSolidList"/>
+    <dgm:cxn modelId="{508C7140-6D31-46F4-A5FE-A942AF531E8D}" type="presParOf" srcId="{DC5C12B1-D6D9-4E77-93E9-2BAF487F89DA}" destId="{03E4A6A8-341C-4BD9-8CB1-852A261D2019}" srcOrd="8" destOrd="0" presId="urn:microsoft.com/office/officeart/2018/2/layout/IconVerticalSolidList"/>
+    <dgm:cxn modelId="{EEAE2699-C6D6-4084-9DC5-ED98B8F3D15F}" type="presParOf" srcId="{03E4A6A8-341C-4BD9-8CB1-852A261D2019}" destId="{08FE9A4C-A673-4795-B974-ADBEAE4CCD02}" srcOrd="0" destOrd="0" presId="urn:microsoft.com/office/officeart/2018/2/layout/IconVerticalSolidList"/>
+    <dgm:cxn modelId="{2959F4BE-B971-42AD-BECF-6083C117F2DE}" type="presParOf" srcId="{03E4A6A8-341C-4BD9-8CB1-852A261D2019}" destId="{4D14CE0A-AF2C-4D06-9852-6A5CFDE252C2}" srcOrd="1" destOrd="0" presId="urn:microsoft.com/office/officeart/2018/2/layout/IconVerticalSolidList"/>
+    <dgm:cxn modelId="{7C6BA01A-D071-4F99-9316-C4D1BF319098}" type="presParOf" srcId="{03E4A6A8-341C-4BD9-8CB1-852A261D2019}" destId="{D626BCED-61B4-4028-8279-6DAE1619AB67}" srcOrd="2" destOrd="0" presId="urn:microsoft.com/office/officeart/2018/2/layout/IconVerticalSolidList"/>
+    <dgm:cxn modelId="{7811E420-62A4-4725-AE1F-2A467D83A5C7}" type="presParOf" srcId="{03E4A6A8-341C-4BD9-8CB1-852A261D2019}" destId="{B9B7FB8C-767D-4FE2-8B14-3C93DB99B10C}" srcOrd="3" destOrd="0" presId="urn:microsoft.com/office/officeart/2018/2/layout/IconVerticalSolidList"/>
+    <dgm:cxn modelId="{951A4741-4B23-419A-9B19-1EB9572158DC}" type="presParOf" srcId="{DC5C12B1-D6D9-4E77-93E9-2BAF487F89DA}" destId="{7526737A-D445-4140-B11E-DEB1AE3CA8DA}" srcOrd="9" destOrd="0" presId="urn:microsoft.com/office/officeart/2018/2/layout/IconVerticalSolidList"/>
+    <dgm:cxn modelId="{8E5E81B3-BB0F-47FC-B3BD-356E849D09CC}" type="presParOf" srcId="{DC5C12B1-D6D9-4E77-93E9-2BAF487F89DA}" destId="{1BD3734F-AF2A-4560-B108-7E67A3648BEB}" srcOrd="10" destOrd="0" presId="urn:microsoft.com/office/officeart/2018/2/layout/IconVerticalSolidList"/>
+    <dgm:cxn modelId="{62642D56-D0D8-4BBA-8812-197E21D5DA29}" type="presParOf" srcId="{1BD3734F-AF2A-4560-B108-7E67A3648BEB}" destId="{5EDDC7B2-FFC0-49AB-9983-E86F3F3A1C0F}" srcOrd="0" destOrd="0" presId="urn:microsoft.com/office/officeart/2018/2/layout/IconVerticalSolidList"/>
+    <dgm:cxn modelId="{039CBA2A-7756-471E-996C-DA131354F4A7}" type="presParOf" srcId="{1BD3734F-AF2A-4560-B108-7E67A3648BEB}" destId="{2AEE7F50-91FB-44E0-B029-3983C6E732A7}" srcOrd="1" destOrd="0" presId="urn:microsoft.com/office/officeart/2018/2/layout/IconVerticalSolidList"/>
+    <dgm:cxn modelId="{D0C3D7F2-47CB-4CA4-AF20-D7505908F9FC}" type="presParOf" srcId="{1BD3734F-AF2A-4560-B108-7E67A3648BEB}" destId="{D47F51E2-2CD1-48E4-9A8C-9D4490C8401A}" srcOrd="2" destOrd="0" presId="urn:microsoft.com/office/officeart/2018/2/layout/IconVerticalSolidList"/>
+    <dgm:cxn modelId="{F6D3914E-88FE-4BAB-937A-81071DD2CB0E}" type="presParOf" srcId="{1BD3734F-AF2A-4560-B108-7E67A3648BEB}" destId="{7D512848-7C80-4833-A9D8-A0B168D3B482}" srcOrd="3" destOrd="0" presId="urn:microsoft.com/office/officeart/2018/2/layout/IconVerticalSolidList"/>
   </dgm:cxnLst>
   <dgm:bg/>
   <dgm:whole/>
@@ -3164,7 +4715,11 @@
             <a:buNone/>
           </a:pPr>
           <a:r>
-            <a:rPr lang="en-US" sz="1900" kern="1200" dirty="0"/>
+            <a:rPr lang="en-US" sz="1900" kern="1200" dirty="0">
+              <a:solidFill>
+                <a:srgbClr val="FF0000"/>
+              </a:solidFill>
+            </a:rPr>
             <a:t>Moudle1 Fixed-Income Securities : Defining Elements</a:t>
           </a:r>
         </a:p>
@@ -4481,6 +6036,928 @@
 </dsp:drawing>
 </file>
 
+<file path=ppt/diagrams/drawing3.xml><?xml version="1.0" encoding="utf-8"?>
+<dsp:drawing xmlns:dgm="http://schemas.openxmlformats.org/drawingml/2006/diagram" xmlns:dsp="http://schemas.microsoft.com/office/drawing/2008/diagram" xmlns:a="http://schemas.openxmlformats.org/drawingml/2006/main">
+  <dsp:spTree>
+    <dsp:nvGrpSpPr>
+      <dsp:cNvPr id="0" name=""/>
+      <dsp:cNvGrpSpPr/>
+    </dsp:nvGrpSpPr>
+    <dsp:grpSpPr/>
+    <dsp:sp modelId="{8EEC5F2D-028A-459C-838C-DDD456F621E0}">
+      <dsp:nvSpPr>
+        <dsp:cNvPr id="0" name=""/>
+        <dsp:cNvSpPr/>
+      </dsp:nvSpPr>
+      <dsp:spPr>
+        <a:xfrm>
+          <a:off x="0" y="1301"/>
+          <a:ext cx="9720262" cy="554499"/>
+        </a:xfrm>
+        <a:prstGeom prst="roundRect">
+          <a:avLst>
+            <a:gd name="adj" fmla="val 10000"/>
+          </a:avLst>
+        </a:prstGeom>
+        <a:solidFill>
+          <a:schemeClr val="bg1">
+            <a:lumMod val="95000"/>
+            <a:hueOff val="0"/>
+            <a:satOff val="0"/>
+            <a:lumOff val="0"/>
+            <a:alphaOff val="0"/>
+          </a:schemeClr>
+        </a:solidFill>
+        <a:ln>
+          <a:noFill/>
+        </a:ln>
+        <a:effectLst/>
+      </dsp:spPr>
+      <dsp:style>
+        <a:lnRef idx="0">
+          <a:scrgbClr r="0" g="0" b="0"/>
+        </a:lnRef>
+        <a:fillRef idx="1">
+          <a:scrgbClr r="0" g="0" b="0"/>
+        </a:fillRef>
+        <a:effectRef idx="0">
+          <a:scrgbClr r="0" g="0" b="0"/>
+        </a:effectRef>
+        <a:fontRef idx="minor"/>
+      </dsp:style>
+    </dsp:sp>
+    <dsp:sp modelId="{03EDD7C3-3ADC-4CDA-BEC1-EB09B94697D2}">
+      <dsp:nvSpPr>
+        <dsp:cNvPr id="0" name=""/>
+        <dsp:cNvSpPr/>
+      </dsp:nvSpPr>
+      <dsp:spPr>
+        <a:xfrm>
+          <a:off x="167736" y="126063"/>
+          <a:ext cx="304974" cy="304974"/>
+        </a:xfrm>
+        <a:prstGeom prst="rect">
+          <a:avLst/>
+        </a:prstGeom>
+        <a:blipFill>
+          <a:blip xmlns:r="http://schemas.openxmlformats.org/officeDocument/2006/relationships" r:embed="rId1">
+            <a:extLst>
+              <a:ext uri="{28A0092B-C50C-407E-A947-70E740481C1C}">
+                <a14:useLocalDpi xmlns:a14="http://schemas.microsoft.com/office/drawing/2010/main" val="0"/>
+              </a:ext>
+              <a:ext uri="{96DAC541-7B7A-43D3-8B79-37D633B846F1}">
+                <asvg:svgBlip xmlns:asvg="http://schemas.microsoft.com/office/drawing/2016/SVG/main" r:embed="rId2"/>
+              </a:ext>
+            </a:extLst>
+          </a:blip>
+          <a:stretch>
+            <a:fillRect/>
+          </a:stretch>
+        </a:blipFill>
+        <a:ln w="15875" cap="flat" cmpd="sng" algn="ctr">
+          <a:noFill/>
+          <a:prstDash val="solid"/>
+        </a:ln>
+        <a:effectLst/>
+      </dsp:spPr>
+      <dsp:style>
+        <a:lnRef idx="2">
+          <a:scrgbClr r="0" g="0" b="0"/>
+        </a:lnRef>
+        <a:fillRef idx="1">
+          <a:scrgbClr r="0" g="0" b="0"/>
+        </a:fillRef>
+        <a:effectRef idx="0">
+          <a:scrgbClr r="0" g="0" b="0"/>
+        </a:effectRef>
+        <a:fontRef idx="minor">
+          <a:schemeClr val="lt1"/>
+        </a:fontRef>
+      </dsp:style>
+    </dsp:sp>
+    <dsp:sp modelId="{388709E5-3665-4121-96AE-CDA8783C0803}">
+      <dsp:nvSpPr>
+        <dsp:cNvPr id="0" name=""/>
+        <dsp:cNvSpPr/>
+      </dsp:nvSpPr>
+      <dsp:spPr>
+        <a:xfrm>
+          <a:off x="640447" y="1301"/>
+          <a:ext cx="9079814" cy="554499"/>
+        </a:xfrm>
+        <a:prstGeom prst="rect">
+          <a:avLst/>
+        </a:prstGeom>
+        <a:noFill/>
+        <a:ln>
+          <a:noFill/>
+        </a:ln>
+        <a:effectLst/>
+      </dsp:spPr>
+      <dsp:style>
+        <a:lnRef idx="0">
+          <a:scrgbClr r="0" g="0" b="0"/>
+        </a:lnRef>
+        <a:fillRef idx="0">
+          <a:scrgbClr r="0" g="0" b="0"/>
+        </a:fillRef>
+        <a:effectRef idx="0">
+          <a:scrgbClr r="0" g="0" b="0"/>
+        </a:effectRef>
+        <a:fontRef idx="minor"/>
+      </dsp:style>
+      <dsp:txBody>
+        <a:bodyPr spcFirstLastPara="0" vert="horz" wrap="square" lIns="58685" tIns="58685" rIns="58685" bIns="58685" numCol="1" spcCol="1270" anchor="ctr" anchorCtr="0">
+          <a:noAutofit/>
+        </a:bodyPr>
+        <a:lstStyle/>
+        <a:p>
+          <a:pPr marL="0" lvl="0" indent="0" algn="l" defTabSz="844550">
+            <a:lnSpc>
+              <a:spcPct val="90000"/>
+            </a:lnSpc>
+            <a:spcBef>
+              <a:spcPct val="0"/>
+            </a:spcBef>
+            <a:spcAft>
+              <a:spcPct val="35000"/>
+            </a:spcAft>
+            <a:buNone/>
+          </a:pPr>
+          <a:r>
+            <a:rPr lang="en-US" sz="1900" kern="1200" dirty="0"/>
+            <a:t>Moudle1 Fixed-Income Securities : Defining Elements</a:t>
+          </a:r>
+        </a:p>
+      </dsp:txBody>
+      <dsp:txXfrm>
+        <a:off x="640447" y="1301"/>
+        <a:ext cx="9079814" cy="554499"/>
+      </dsp:txXfrm>
+    </dsp:sp>
+    <dsp:sp modelId="{E2F9343B-9194-4ED5-9108-12CA03BE397A}">
+      <dsp:nvSpPr>
+        <dsp:cNvPr id="0" name=""/>
+        <dsp:cNvSpPr/>
+      </dsp:nvSpPr>
+      <dsp:spPr>
+        <a:xfrm>
+          <a:off x="0" y="694425"/>
+          <a:ext cx="9720262" cy="554499"/>
+        </a:xfrm>
+        <a:prstGeom prst="roundRect">
+          <a:avLst>
+            <a:gd name="adj" fmla="val 10000"/>
+          </a:avLst>
+        </a:prstGeom>
+        <a:solidFill>
+          <a:schemeClr val="bg1">
+            <a:lumMod val="95000"/>
+            <a:hueOff val="0"/>
+            <a:satOff val="0"/>
+            <a:lumOff val="0"/>
+            <a:alphaOff val="0"/>
+          </a:schemeClr>
+        </a:solidFill>
+        <a:ln>
+          <a:noFill/>
+        </a:ln>
+        <a:effectLst/>
+      </dsp:spPr>
+      <dsp:style>
+        <a:lnRef idx="0">
+          <a:scrgbClr r="0" g="0" b="0"/>
+        </a:lnRef>
+        <a:fillRef idx="1">
+          <a:scrgbClr r="0" g="0" b="0"/>
+        </a:fillRef>
+        <a:effectRef idx="0">
+          <a:scrgbClr r="0" g="0" b="0"/>
+        </a:effectRef>
+        <a:fontRef idx="minor"/>
+      </dsp:style>
+    </dsp:sp>
+    <dsp:sp modelId="{8731F683-B4ED-42EC-AB94-E885702A0433}">
+      <dsp:nvSpPr>
+        <dsp:cNvPr id="0" name=""/>
+        <dsp:cNvSpPr/>
+      </dsp:nvSpPr>
+      <dsp:spPr>
+        <a:xfrm>
+          <a:off x="167736" y="819188"/>
+          <a:ext cx="304974" cy="304974"/>
+        </a:xfrm>
+        <a:prstGeom prst="rect">
+          <a:avLst/>
+        </a:prstGeom>
+        <a:blipFill>
+          <a:blip xmlns:r="http://schemas.openxmlformats.org/officeDocument/2006/relationships" r:embed="rId3">
+            <a:extLst>
+              <a:ext uri="{28A0092B-C50C-407E-A947-70E740481C1C}">
+                <a14:useLocalDpi xmlns:a14="http://schemas.microsoft.com/office/drawing/2010/main" val="0"/>
+              </a:ext>
+              <a:ext uri="{96DAC541-7B7A-43D3-8B79-37D633B846F1}">
+                <asvg:svgBlip xmlns:asvg="http://schemas.microsoft.com/office/drawing/2016/SVG/main" r:embed="rId4"/>
+              </a:ext>
+            </a:extLst>
+          </a:blip>
+          <a:stretch>
+            <a:fillRect/>
+          </a:stretch>
+        </a:blipFill>
+        <a:ln w="15875" cap="flat" cmpd="sng" algn="ctr">
+          <a:noFill/>
+          <a:prstDash val="solid"/>
+        </a:ln>
+        <a:effectLst/>
+      </dsp:spPr>
+      <dsp:style>
+        <a:lnRef idx="2">
+          <a:scrgbClr r="0" g="0" b="0"/>
+        </a:lnRef>
+        <a:fillRef idx="1">
+          <a:scrgbClr r="0" g="0" b="0"/>
+        </a:fillRef>
+        <a:effectRef idx="0">
+          <a:scrgbClr r="0" g="0" b="0"/>
+        </a:effectRef>
+        <a:fontRef idx="minor">
+          <a:schemeClr val="lt1"/>
+        </a:fontRef>
+      </dsp:style>
+    </dsp:sp>
+    <dsp:sp modelId="{E5642B59-79D5-4AD7-B291-78B837352C0E}">
+      <dsp:nvSpPr>
+        <dsp:cNvPr id="0" name=""/>
+        <dsp:cNvSpPr/>
+      </dsp:nvSpPr>
+      <dsp:spPr>
+        <a:xfrm>
+          <a:off x="640447" y="694425"/>
+          <a:ext cx="9079814" cy="554499"/>
+        </a:xfrm>
+        <a:prstGeom prst="rect">
+          <a:avLst/>
+        </a:prstGeom>
+        <a:noFill/>
+        <a:ln>
+          <a:noFill/>
+        </a:ln>
+        <a:effectLst/>
+      </dsp:spPr>
+      <dsp:style>
+        <a:lnRef idx="0">
+          <a:scrgbClr r="0" g="0" b="0"/>
+        </a:lnRef>
+        <a:fillRef idx="0">
+          <a:scrgbClr r="0" g="0" b="0"/>
+        </a:fillRef>
+        <a:effectRef idx="0">
+          <a:scrgbClr r="0" g="0" b="0"/>
+        </a:effectRef>
+        <a:fontRef idx="minor"/>
+      </dsp:style>
+      <dsp:txBody>
+        <a:bodyPr spcFirstLastPara="0" vert="horz" wrap="square" lIns="58685" tIns="58685" rIns="58685" bIns="58685" numCol="1" spcCol="1270" anchor="ctr" anchorCtr="0">
+          <a:noAutofit/>
+        </a:bodyPr>
+        <a:lstStyle/>
+        <a:p>
+          <a:pPr marL="0" lvl="0" indent="0" algn="l" defTabSz="844550">
+            <a:lnSpc>
+              <a:spcPct val="90000"/>
+            </a:lnSpc>
+            <a:spcBef>
+              <a:spcPct val="0"/>
+            </a:spcBef>
+            <a:spcAft>
+              <a:spcPct val="35000"/>
+            </a:spcAft>
+            <a:buNone/>
+          </a:pPr>
+          <a:r>
+            <a:rPr lang="en-US" sz="1900" kern="1200" dirty="0">
+              <a:solidFill>
+                <a:srgbClr val="FF0000"/>
+              </a:solidFill>
+            </a:rPr>
+            <a:t>Moudle2 Fixed-Income Markets : Issuance, Trading, and Funding</a:t>
+          </a:r>
+        </a:p>
+      </dsp:txBody>
+      <dsp:txXfrm>
+        <a:off x="640447" y="694425"/>
+        <a:ext cx="9079814" cy="554499"/>
+      </dsp:txXfrm>
+    </dsp:sp>
+    <dsp:sp modelId="{4539A30B-BD30-4576-839C-600EE561FFF6}">
+      <dsp:nvSpPr>
+        <dsp:cNvPr id="0" name=""/>
+        <dsp:cNvSpPr/>
+      </dsp:nvSpPr>
+      <dsp:spPr>
+        <a:xfrm>
+          <a:off x="0" y="1387550"/>
+          <a:ext cx="9720262" cy="554499"/>
+        </a:xfrm>
+        <a:prstGeom prst="roundRect">
+          <a:avLst>
+            <a:gd name="adj" fmla="val 10000"/>
+          </a:avLst>
+        </a:prstGeom>
+        <a:solidFill>
+          <a:schemeClr val="bg1">
+            <a:lumMod val="95000"/>
+            <a:hueOff val="0"/>
+            <a:satOff val="0"/>
+            <a:lumOff val="0"/>
+            <a:alphaOff val="0"/>
+          </a:schemeClr>
+        </a:solidFill>
+        <a:ln>
+          <a:noFill/>
+        </a:ln>
+        <a:effectLst/>
+      </dsp:spPr>
+      <dsp:style>
+        <a:lnRef idx="0">
+          <a:scrgbClr r="0" g="0" b="0"/>
+        </a:lnRef>
+        <a:fillRef idx="1">
+          <a:scrgbClr r="0" g="0" b="0"/>
+        </a:fillRef>
+        <a:effectRef idx="0">
+          <a:scrgbClr r="0" g="0" b="0"/>
+        </a:effectRef>
+        <a:fontRef idx="minor"/>
+      </dsp:style>
+    </dsp:sp>
+    <dsp:sp modelId="{EA94339E-33F1-4971-B8E5-E13A0CC5862C}">
+      <dsp:nvSpPr>
+        <dsp:cNvPr id="0" name=""/>
+        <dsp:cNvSpPr/>
+      </dsp:nvSpPr>
+      <dsp:spPr>
+        <a:xfrm>
+          <a:off x="167736" y="1512312"/>
+          <a:ext cx="304974" cy="304974"/>
+        </a:xfrm>
+        <a:prstGeom prst="rect">
+          <a:avLst/>
+        </a:prstGeom>
+        <a:blipFill>
+          <a:blip xmlns:r="http://schemas.openxmlformats.org/officeDocument/2006/relationships" r:embed="rId5">
+            <a:extLst>
+              <a:ext uri="{28A0092B-C50C-407E-A947-70E740481C1C}">
+                <a14:useLocalDpi xmlns:a14="http://schemas.microsoft.com/office/drawing/2010/main" val="0"/>
+              </a:ext>
+              <a:ext uri="{96DAC541-7B7A-43D3-8B79-37D633B846F1}">
+                <asvg:svgBlip xmlns:asvg="http://schemas.microsoft.com/office/drawing/2016/SVG/main" r:embed="rId6"/>
+              </a:ext>
+            </a:extLst>
+          </a:blip>
+          <a:stretch>
+            <a:fillRect/>
+          </a:stretch>
+        </a:blipFill>
+        <a:ln w="15875" cap="flat" cmpd="sng" algn="ctr">
+          <a:noFill/>
+          <a:prstDash val="solid"/>
+        </a:ln>
+        <a:effectLst/>
+      </dsp:spPr>
+      <dsp:style>
+        <a:lnRef idx="2">
+          <a:scrgbClr r="0" g="0" b="0"/>
+        </a:lnRef>
+        <a:fillRef idx="1">
+          <a:scrgbClr r="0" g="0" b="0"/>
+        </a:fillRef>
+        <a:effectRef idx="0">
+          <a:scrgbClr r="0" g="0" b="0"/>
+        </a:effectRef>
+        <a:fontRef idx="minor">
+          <a:schemeClr val="lt1"/>
+        </a:fontRef>
+      </dsp:style>
+    </dsp:sp>
+    <dsp:sp modelId="{B1BC8293-9433-49A9-97D0-C60668C4B9EF}">
+      <dsp:nvSpPr>
+        <dsp:cNvPr id="0" name=""/>
+        <dsp:cNvSpPr/>
+      </dsp:nvSpPr>
+      <dsp:spPr>
+        <a:xfrm>
+          <a:off x="640447" y="1387550"/>
+          <a:ext cx="9079814" cy="554499"/>
+        </a:xfrm>
+        <a:prstGeom prst="rect">
+          <a:avLst/>
+        </a:prstGeom>
+        <a:noFill/>
+        <a:ln>
+          <a:noFill/>
+        </a:ln>
+        <a:effectLst/>
+      </dsp:spPr>
+      <dsp:style>
+        <a:lnRef idx="0">
+          <a:scrgbClr r="0" g="0" b="0"/>
+        </a:lnRef>
+        <a:fillRef idx="0">
+          <a:scrgbClr r="0" g="0" b="0"/>
+        </a:fillRef>
+        <a:effectRef idx="0">
+          <a:scrgbClr r="0" g="0" b="0"/>
+        </a:effectRef>
+        <a:fontRef idx="minor"/>
+      </dsp:style>
+      <dsp:txBody>
+        <a:bodyPr spcFirstLastPara="0" vert="horz" wrap="square" lIns="58685" tIns="58685" rIns="58685" bIns="58685" numCol="1" spcCol="1270" anchor="ctr" anchorCtr="0">
+          <a:noAutofit/>
+        </a:bodyPr>
+        <a:lstStyle/>
+        <a:p>
+          <a:pPr marL="0" lvl="0" indent="0" algn="l" defTabSz="844550">
+            <a:lnSpc>
+              <a:spcPct val="90000"/>
+            </a:lnSpc>
+            <a:spcBef>
+              <a:spcPct val="0"/>
+            </a:spcBef>
+            <a:spcAft>
+              <a:spcPct val="35000"/>
+            </a:spcAft>
+            <a:buNone/>
+          </a:pPr>
+          <a:r>
+            <a:rPr lang="en-US" sz="1900" kern="1200"/>
+            <a:t>Moudle3 Introduction to Fixed-Income Valuation</a:t>
+          </a:r>
+        </a:p>
+      </dsp:txBody>
+      <dsp:txXfrm>
+        <a:off x="640447" y="1387550"/>
+        <a:ext cx="9079814" cy="554499"/>
+      </dsp:txXfrm>
+    </dsp:sp>
+    <dsp:sp modelId="{F86FF93E-356E-491A-A772-725657F7A28A}">
+      <dsp:nvSpPr>
+        <dsp:cNvPr id="0" name=""/>
+        <dsp:cNvSpPr/>
+      </dsp:nvSpPr>
+      <dsp:spPr>
+        <a:xfrm>
+          <a:off x="0" y="2080674"/>
+          <a:ext cx="9720262" cy="554499"/>
+        </a:xfrm>
+        <a:prstGeom prst="roundRect">
+          <a:avLst>
+            <a:gd name="adj" fmla="val 10000"/>
+          </a:avLst>
+        </a:prstGeom>
+        <a:solidFill>
+          <a:schemeClr val="bg1">
+            <a:lumMod val="95000"/>
+            <a:hueOff val="0"/>
+            <a:satOff val="0"/>
+            <a:lumOff val="0"/>
+            <a:alphaOff val="0"/>
+          </a:schemeClr>
+        </a:solidFill>
+        <a:ln>
+          <a:noFill/>
+        </a:ln>
+        <a:effectLst/>
+      </dsp:spPr>
+      <dsp:style>
+        <a:lnRef idx="0">
+          <a:scrgbClr r="0" g="0" b="0"/>
+        </a:lnRef>
+        <a:fillRef idx="1">
+          <a:scrgbClr r="0" g="0" b="0"/>
+        </a:fillRef>
+        <a:effectRef idx="0">
+          <a:scrgbClr r="0" g="0" b="0"/>
+        </a:effectRef>
+        <a:fontRef idx="minor"/>
+      </dsp:style>
+    </dsp:sp>
+    <dsp:sp modelId="{C3B8CEA7-A95B-4CF7-8D66-91962C065327}">
+      <dsp:nvSpPr>
+        <dsp:cNvPr id="0" name=""/>
+        <dsp:cNvSpPr/>
+      </dsp:nvSpPr>
+      <dsp:spPr>
+        <a:xfrm>
+          <a:off x="167736" y="2205437"/>
+          <a:ext cx="304974" cy="304974"/>
+        </a:xfrm>
+        <a:prstGeom prst="rect">
+          <a:avLst/>
+        </a:prstGeom>
+        <a:blipFill>
+          <a:blip xmlns:r="http://schemas.openxmlformats.org/officeDocument/2006/relationships" r:embed="rId7">
+            <a:extLst>
+              <a:ext uri="{28A0092B-C50C-407E-A947-70E740481C1C}">
+                <a14:useLocalDpi xmlns:a14="http://schemas.microsoft.com/office/drawing/2010/main" val="0"/>
+              </a:ext>
+              <a:ext uri="{96DAC541-7B7A-43D3-8B79-37D633B846F1}">
+                <asvg:svgBlip xmlns:asvg="http://schemas.microsoft.com/office/drawing/2016/SVG/main" r:embed="rId8"/>
+              </a:ext>
+            </a:extLst>
+          </a:blip>
+          <a:stretch>
+            <a:fillRect/>
+          </a:stretch>
+        </a:blipFill>
+        <a:ln w="15875" cap="flat" cmpd="sng" algn="ctr">
+          <a:noFill/>
+          <a:prstDash val="solid"/>
+        </a:ln>
+        <a:effectLst/>
+      </dsp:spPr>
+      <dsp:style>
+        <a:lnRef idx="2">
+          <a:scrgbClr r="0" g="0" b="0"/>
+        </a:lnRef>
+        <a:fillRef idx="1">
+          <a:scrgbClr r="0" g="0" b="0"/>
+        </a:fillRef>
+        <a:effectRef idx="0">
+          <a:scrgbClr r="0" g="0" b="0"/>
+        </a:effectRef>
+        <a:fontRef idx="minor">
+          <a:schemeClr val="lt1"/>
+        </a:fontRef>
+      </dsp:style>
+    </dsp:sp>
+    <dsp:sp modelId="{E2521213-F4F2-4890-AFB1-05C76A8D3FCB}">
+      <dsp:nvSpPr>
+        <dsp:cNvPr id="0" name=""/>
+        <dsp:cNvSpPr/>
+      </dsp:nvSpPr>
+      <dsp:spPr>
+        <a:xfrm>
+          <a:off x="640447" y="2080674"/>
+          <a:ext cx="9079814" cy="554499"/>
+        </a:xfrm>
+        <a:prstGeom prst="rect">
+          <a:avLst/>
+        </a:prstGeom>
+        <a:noFill/>
+        <a:ln>
+          <a:noFill/>
+        </a:ln>
+        <a:effectLst/>
+      </dsp:spPr>
+      <dsp:style>
+        <a:lnRef idx="0">
+          <a:scrgbClr r="0" g="0" b="0"/>
+        </a:lnRef>
+        <a:fillRef idx="0">
+          <a:scrgbClr r="0" g="0" b="0"/>
+        </a:fillRef>
+        <a:effectRef idx="0">
+          <a:scrgbClr r="0" g="0" b="0"/>
+        </a:effectRef>
+        <a:fontRef idx="minor"/>
+      </dsp:style>
+      <dsp:txBody>
+        <a:bodyPr spcFirstLastPara="0" vert="horz" wrap="square" lIns="58685" tIns="58685" rIns="58685" bIns="58685" numCol="1" spcCol="1270" anchor="ctr" anchorCtr="0">
+          <a:noAutofit/>
+        </a:bodyPr>
+        <a:lstStyle/>
+        <a:p>
+          <a:pPr marL="0" lvl="0" indent="0" algn="l" defTabSz="844550">
+            <a:lnSpc>
+              <a:spcPct val="90000"/>
+            </a:lnSpc>
+            <a:spcBef>
+              <a:spcPct val="0"/>
+            </a:spcBef>
+            <a:spcAft>
+              <a:spcPct val="35000"/>
+            </a:spcAft>
+            <a:buNone/>
+          </a:pPr>
+          <a:r>
+            <a:rPr lang="en-US" sz="1900" kern="1200"/>
+            <a:t>Moudle4 Introduction to Asset-Backed Securities</a:t>
+          </a:r>
+        </a:p>
+      </dsp:txBody>
+      <dsp:txXfrm>
+        <a:off x="640447" y="2080674"/>
+        <a:ext cx="9079814" cy="554499"/>
+      </dsp:txXfrm>
+    </dsp:sp>
+    <dsp:sp modelId="{08FE9A4C-A673-4795-B974-ADBEAE4CCD02}">
+      <dsp:nvSpPr>
+        <dsp:cNvPr id="0" name=""/>
+        <dsp:cNvSpPr/>
+      </dsp:nvSpPr>
+      <dsp:spPr>
+        <a:xfrm>
+          <a:off x="0" y="2773799"/>
+          <a:ext cx="9720262" cy="554499"/>
+        </a:xfrm>
+        <a:prstGeom prst="roundRect">
+          <a:avLst>
+            <a:gd name="adj" fmla="val 10000"/>
+          </a:avLst>
+        </a:prstGeom>
+        <a:solidFill>
+          <a:schemeClr val="bg1">
+            <a:lumMod val="95000"/>
+            <a:hueOff val="0"/>
+            <a:satOff val="0"/>
+            <a:lumOff val="0"/>
+            <a:alphaOff val="0"/>
+          </a:schemeClr>
+        </a:solidFill>
+        <a:ln>
+          <a:noFill/>
+        </a:ln>
+        <a:effectLst/>
+      </dsp:spPr>
+      <dsp:style>
+        <a:lnRef idx="0">
+          <a:scrgbClr r="0" g="0" b="0"/>
+        </a:lnRef>
+        <a:fillRef idx="1">
+          <a:scrgbClr r="0" g="0" b="0"/>
+        </a:fillRef>
+        <a:effectRef idx="0">
+          <a:scrgbClr r="0" g="0" b="0"/>
+        </a:effectRef>
+        <a:fontRef idx="minor"/>
+      </dsp:style>
+    </dsp:sp>
+    <dsp:sp modelId="{4D14CE0A-AF2C-4D06-9852-6A5CFDE252C2}">
+      <dsp:nvSpPr>
+        <dsp:cNvPr id="0" name=""/>
+        <dsp:cNvSpPr/>
+      </dsp:nvSpPr>
+      <dsp:spPr>
+        <a:xfrm>
+          <a:off x="167736" y="2898561"/>
+          <a:ext cx="304974" cy="304974"/>
+        </a:xfrm>
+        <a:prstGeom prst="rect">
+          <a:avLst/>
+        </a:prstGeom>
+        <a:blipFill>
+          <a:blip xmlns:r="http://schemas.openxmlformats.org/officeDocument/2006/relationships" r:embed="rId9">
+            <a:extLst>
+              <a:ext uri="{28A0092B-C50C-407E-A947-70E740481C1C}">
+                <a14:useLocalDpi xmlns:a14="http://schemas.microsoft.com/office/drawing/2010/main" val="0"/>
+              </a:ext>
+              <a:ext uri="{96DAC541-7B7A-43D3-8B79-37D633B846F1}">
+                <asvg:svgBlip xmlns:asvg="http://schemas.microsoft.com/office/drawing/2016/SVG/main" r:embed="rId10"/>
+              </a:ext>
+            </a:extLst>
+          </a:blip>
+          <a:stretch>
+            <a:fillRect/>
+          </a:stretch>
+        </a:blipFill>
+        <a:ln w="15875" cap="flat" cmpd="sng" algn="ctr">
+          <a:noFill/>
+          <a:prstDash val="solid"/>
+        </a:ln>
+        <a:effectLst/>
+      </dsp:spPr>
+      <dsp:style>
+        <a:lnRef idx="2">
+          <a:scrgbClr r="0" g="0" b="0"/>
+        </a:lnRef>
+        <a:fillRef idx="1">
+          <a:scrgbClr r="0" g="0" b="0"/>
+        </a:fillRef>
+        <a:effectRef idx="0">
+          <a:scrgbClr r="0" g="0" b="0"/>
+        </a:effectRef>
+        <a:fontRef idx="minor">
+          <a:schemeClr val="lt1"/>
+        </a:fontRef>
+      </dsp:style>
+    </dsp:sp>
+    <dsp:sp modelId="{B9B7FB8C-767D-4FE2-8B14-3C93DB99B10C}">
+      <dsp:nvSpPr>
+        <dsp:cNvPr id="0" name=""/>
+        <dsp:cNvSpPr/>
+      </dsp:nvSpPr>
+      <dsp:spPr>
+        <a:xfrm>
+          <a:off x="640447" y="2773799"/>
+          <a:ext cx="9079814" cy="554499"/>
+        </a:xfrm>
+        <a:prstGeom prst="rect">
+          <a:avLst/>
+        </a:prstGeom>
+        <a:noFill/>
+        <a:ln>
+          <a:noFill/>
+        </a:ln>
+        <a:effectLst/>
+      </dsp:spPr>
+      <dsp:style>
+        <a:lnRef idx="0">
+          <a:scrgbClr r="0" g="0" b="0"/>
+        </a:lnRef>
+        <a:fillRef idx="0">
+          <a:scrgbClr r="0" g="0" b="0"/>
+        </a:fillRef>
+        <a:effectRef idx="0">
+          <a:scrgbClr r="0" g="0" b="0"/>
+        </a:effectRef>
+        <a:fontRef idx="minor"/>
+      </dsp:style>
+      <dsp:txBody>
+        <a:bodyPr spcFirstLastPara="0" vert="horz" wrap="square" lIns="58685" tIns="58685" rIns="58685" bIns="58685" numCol="1" spcCol="1270" anchor="ctr" anchorCtr="0">
+          <a:noAutofit/>
+        </a:bodyPr>
+        <a:lstStyle/>
+        <a:p>
+          <a:pPr marL="0" lvl="0" indent="0" algn="l" defTabSz="844550">
+            <a:lnSpc>
+              <a:spcPct val="90000"/>
+            </a:lnSpc>
+            <a:spcBef>
+              <a:spcPct val="0"/>
+            </a:spcBef>
+            <a:spcAft>
+              <a:spcPct val="35000"/>
+            </a:spcAft>
+            <a:buNone/>
+          </a:pPr>
+          <a:r>
+            <a:rPr lang="en-US" sz="1900" kern="1200"/>
+            <a:t>Moudle5 Understanding Fixed-Income Risk and Return</a:t>
+          </a:r>
+        </a:p>
+      </dsp:txBody>
+      <dsp:txXfrm>
+        <a:off x="640447" y="2773799"/>
+        <a:ext cx="9079814" cy="554499"/>
+      </dsp:txXfrm>
+    </dsp:sp>
+    <dsp:sp modelId="{5EDDC7B2-FFC0-49AB-9983-E86F3F3A1C0F}">
+      <dsp:nvSpPr>
+        <dsp:cNvPr id="0" name=""/>
+        <dsp:cNvSpPr/>
+      </dsp:nvSpPr>
+      <dsp:spPr>
+        <a:xfrm>
+          <a:off x="0" y="3466924"/>
+          <a:ext cx="9720262" cy="554499"/>
+        </a:xfrm>
+        <a:prstGeom prst="roundRect">
+          <a:avLst>
+            <a:gd name="adj" fmla="val 10000"/>
+          </a:avLst>
+        </a:prstGeom>
+        <a:solidFill>
+          <a:schemeClr val="bg1">
+            <a:lumMod val="95000"/>
+            <a:hueOff val="0"/>
+            <a:satOff val="0"/>
+            <a:lumOff val="0"/>
+            <a:alphaOff val="0"/>
+          </a:schemeClr>
+        </a:solidFill>
+        <a:ln>
+          <a:noFill/>
+        </a:ln>
+        <a:effectLst/>
+      </dsp:spPr>
+      <dsp:style>
+        <a:lnRef idx="0">
+          <a:scrgbClr r="0" g="0" b="0"/>
+        </a:lnRef>
+        <a:fillRef idx="1">
+          <a:scrgbClr r="0" g="0" b="0"/>
+        </a:fillRef>
+        <a:effectRef idx="0">
+          <a:scrgbClr r="0" g="0" b="0"/>
+        </a:effectRef>
+        <a:fontRef idx="minor"/>
+      </dsp:style>
+    </dsp:sp>
+    <dsp:sp modelId="{2AEE7F50-91FB-44E0-B029-3983C6E732A7}">
+      <dsp:nvSpPr>
+        <dsp:cNvPr id="0" name=""/>
+        <dsp:cNvSpPr/>
+      </dsp:nvSpPr>
+      <dsp:spPr>
+        <a:xfrm>
+          <a:off x="167736" y="3591686"/>
+          <a:ext cx="304974" cy="304974"/>
+        </a:xfrm>
+        <a:prstGeom prst="rect">
+          <a:avLst/>
+        </a:prstGeom>
+        <a:blipFill>
+          <a:blip xmlns:r="http://schemas.openxmlformats.org/officeDocument/2006/relationships" r:embed="rId11">
+            <a:extLst>
+              <a:ext uri="{28A0092B-C50C-407E-A947-70E740481C1C}">
+                <a14:useLocalDpi xmlns:a14="http://schemas.microsoft.com/office/drawing/2010/main" val="0"/>
+              </a:ext>
+              <a:ext uri="{96DAC541-7B7A-43D3-8B79-37D633B846F1}">
+                <asvg:svgBlip xmlns:asvg="http://schemas.microsoft.com/office/drawing/2016/SVG/main" r:embed="rId12"/>
+              </a:ext>
+            </a:extLst>
+          </a:blip>
+          <a:stretch>
+            <a:fillRect/>
+          </a:stretch>
+        </a:blipFill>
+        <a:ln w="15875" cap="flat" cmpd="sng" algn="ctr">
+          <a:noFill/>
+          <a:prstDash val="solid"/>
+        </a:ln>
+        <a:effectLst/>
+      </dsp:spPr>
+      <dsp:style>
+        <a:lnRef idx="2">
+          <a:scrgbClr r="0" g="0" b="0"/>
+        </a:lnRef>
+        <a:fillRef idx="1">
+          <a:scrgbClr r="0" g="0" b="0"/>
+        </a:fillRef>
+        <a:effectRef idx="0">
+          <a:scrgbClr r="0" g="0" b="0"/>
+        </a:effectRef>
+        <a:fontRef idx="minor">
+          <a:schemeClr val="lt1"/>
+        </a:fontRef>
+      </dsp:style>
+    </dsp:sp>
+    <dsp:sp modelId="{7D512848-7C80-4833-A9D8-A0B168D3B482}">
+      <dsp:nvSpPr>
+        <dsp:cNvPr id="0" name=""/>
+        <dsp:cNvSpPr/>
+      </dsp:nvSpPr>
+      <dsp:spPr>
+        <a:xfrm>
+          <a:off x="640447" y="3466924"/>
+          <a:ext cx="9079814" cy="554499"/>
+        </a:xfrm>
+        <a:prstGeom prst="rect">
+          <a:avLst/>
+        </a:prstGeom>
+        <a:noFill/>
+        <a:ln>
+          <a:noFill/>
+        </a:ln>
+        <a:effectLst/>
+      </dsp:spPr>
+      <dsp:style>
+        <a:lnRef idx="0">
+          <a:scrgbClr r="0" g="0" b="0"/>
+        </a:lnRef>
+        <a:fillRef idx="0">
+          <a:scrgbClr r="0" g="0" b="0"/>
+        </a:fillRef>
+        <a:effectRef idx="0">
+          <a:scrgbClr r="0" g="0" b="0"/>
+        </a:effectRef>
+        <a:fontRef idx="minor"/>
+      </dsp:style>
+      <dsp:txBody>
+        <a:bodyPr spcFirstLastPara="0" vert="horz" wrap="square" lIns="58685" tIns="58685" rIns="58685" bIns="58685" numCol="1" spcCol="1270" anchor="ctr" anchorCtr="0">
+          <a:noAutofit/>
+        </a:bodyPr>
+        <a:lstStyle/>
+        <a:p>
+          <a:pPr marL="0" lvl="0" indent="0" algn="l" defTabSz="844550">
+            <a:lnSpc>
+              <a:spcPct val="90000"/>
+            </a:lnSpc>
+            <a:spcBef>
+              <a:spcPct val="0"/>
+            </a:spcBef>
+            <a:spcAft>
+              <a:spcPct val="35000"/>
+            </a:spcAft>
+            <a:buNone/>
+          </a:pPr>
+          <a:r>
+            <a:rPr lang="en-US" sz="1900" kern="1200"/>
+            <a:t>Moudle6 Fundamentals of Credit Analysis</a:t>
+          </a:r>
+        </a:p>
+      </dsp:txBody>
+      <dsp:txXfrm>
+        <a:off x="640447" y="3466924"/>
+        <a:ext cx="9079814" cy="554499"/>
+      </dsp:txXfrm>
+    </dsp:sp>
+  </dsp:spTree>
+</dsp:drawing>
+</file>
+
 <file path=ppt/diagrams/layout1.xml><?xml version="1.0" encoding="utf-8"?>
 <dgm:layoutDef xmlns:dgm="http://schemas.openxmlformats.org/drawingml/2006/diagram" xmlns:a="http://schemas.openxmlformats.org/drawingml/2006/main" uniqueId="urn:microsoft.com/office/officeart/2018/2/layout/IconVerticalSolidList">
   <dgm:title val="Icon Vertical Solid List"/>
@@ -4939,6 +7416,300 @@
       </dgm:choose>
     </dgm:forEach>
   </dgm:layoutNode>
+</dgm:layoutDef>
+</file>
+
+<file path=ppt/diagrams/layout3.xml><?xml version="1.0" encoding="utf-8"?>
+<dgm:layoutDef xmlns:dgm="http://schemas.openxmlformats.org/drawingml/2006/diagram" xmlns:a="http://schemas.openxmlformats.org/drawingml/2006/main" uniqueId="urn:microsoft.com/office/officeart/2018/2/layout/IconVerticalSolidList">
+  <dgm:title val="Icon Vertical Solid List"/>
+  <dgm:desc val="Use to show a series of visuals from top to bottom with Level 1 or Level 1 and Level 2 text grouped in a shape. Works best with icons or small pictures with lengthier descriptions."/>
+  <dgm:catLst>
+    <dgm:cat type="icon" pri="500"/>
+  </dgm:catLst>
+  <dgm:sampData useDef="1">
+    <dgm:dataModel>
+      <dgm:ptLst/>
+      <dgm:bg/>
+      <dgm:whole/>
+    </dgm:dataModel>
+  </dgm:sampData>
+  <dgm:styleData useDef="1">
+    <dgm:dataModel>
+      <dgm:ptLst/>
+      <dgm:bg/>
+      <dgm:whole/>
+    </dgm:dataModel>
+  </dgm:styleData>
+  <dgm:clrData useDef="1">
+    <dgm:dataModel>
+      <dgm:ptLst/>
+      <dgm:bg/>
+      <dgm:whole/>
+    </dgm:dataModel>
+  </dgm:clrData>
+  <dgm:layoutNode name="root">
+    <dgm:varLst>
+      <dgm:dir/>
+      <dgm:resizeHandles val="exact"/>
+    </dgm:varLst>
+    <dgm:choose name="Name0">
+      <dgm:if name="Name1" axis="self" func="var" arg="dir" op="equ" val="norm">
+        <dgm:alg type="lin">
+          <dgm:param type="linDir" val="fromT"/>
+          <dgm:param type="nodeHorzAlign" val="l"/>
+        </dgm:alg>
+      </dgm:if>
+      <dgm:else name="Name2">
+        <dgm:alg type="lin">
+          <dgm:param type="linDir" val="fromT"/>
+          <dgm:param type="nodeHorzAlign" val="r"/>
+        </dgm:alg>
+      </dgm:else>
+    </dgm:choose>
+    <dgm:shape xmlns:r="http://schemas.openxmlformats.org/officeDocument/2006/relationships" r:blip="">
+      <dgm:adjLst/>
+    </dgm:shape>
+    <dgm:presOf/>
+    <dgm:choose name="Name3">
+      <dgm:if name="Name4" axis="ch" ptType="node" func="cnt" op="lte" val="3">
+        <dgm:constrLst>
+          <dgm:constr type="h" for="ch" forName="compNode" refType="h" fact="0.3"/>
+          <dgm:constr type="w" for="ch" forName="compNode" refType="w"/>
+          <dgm:constr type="h" for="ch" forName="sibTrans" refType="h" refFor="ch" refForName="compNode" fact="0.25"/>
+          <dgm:constr type="primFontSz" for="des" forName="parTx" val="25"/>
+          <dgm:constr type="primFontSz" for="des" forName="desTx" refType="primFontSz" refFor="des" refForName="parTx" op="lte" fact="0.75"/>
+          <dgm:constr type="h" for="des" forName="compNode" op="equ"/>
+          <dgm:constr type="h" for="des" forName="bgRect" op="equ"/>
+          <dgm:constr type="h" for="des" forName="iconRect" op="equ"/>
+          <dgm:constr type="w" for="des" forName="iconRect" op="equ"/>
+          <dgm:constr type="h" for="des" forName="spaceRect" op="equ"/>
+          <dgm:constr type="h" for="des" forName="parTx" op="equ"/>
+          <dgm:constr type="h" for="des" forName="desTx" op="equ"/>
+        </dgm:constrLst>
+      </dgm:if>
+      <dgm:if name="Name5" axis="ch" ptType="node" func="cnt" op="lte" val="4">
+        <dgm:constrLst>
+          <dgm:constr type="h" for="ch" forName="compNode" refType="h" fact="0.3"/>
+          <dgm:constr type="w" for="ch" forName="compNode" refType="w"/>
+          <dgm:constr type="h" for="ch" forName="sibTrans" refType="h" refFor="ch" refForName="compNode" fact="0.25"/>
+          <dgm:constr type="primFontSz" for="des" forName="parTx" val="22"/>
+          <dgm:constr type="primFontSz" for="des" forName="desTx" refType="primFontSz" refFor="des" refForName="parTx" op="lte" fact="0.75"/>
+          <dgm:constr type="h" for="des" forName="compNode" op="equ"/>
+          <dgm:constr type="h" for="des" forName="bgRect" op="equ"/>
+          <dgm:constr type="h" for="des" forName="iconRect" op="equ"/>
+          <dgm:constr type="w" for="des" forName="iconRect" op="equ"/>
+          <dgm:constr type="h" for="des" forName="spaceRect" op="equ"/>
+          <dgm:constr type="h" for="des" forName="parTx" op="equ"/>
+          <dgm:constr type="h" for="des" forName="desTx" op="equ"/>
+        </dgm:constrLst>
+      </dgm:if>
+      <dgm:if name="Name6" axis="ch" ptType="node" func="cnt" op="lte" val="6">
+        <dgm:constrLst>
+          <dgm:constr type="h" for="ch" forName="compNode" refType="h" fact="0.3"/>
+          <dgm:constr type="w" for="ch" forName="compNode" refType="w"/>
+          <dgm:constr type="h" for="ch" forName="sibTrans" refType="h" refFor="ch" refForName="compNode" fact="0.25"/>
+          <dgm:constr type="primFontSz" for="des" forName="parTx" val="19"/>
+          <dgm:constr type="primFontSz" for="des" forName="desTx" refType="primFontSz" refFor="des" refForName="parTx" op="lte" fact="0.75"/>
+          <dgm:constr type="h" for="des" forName="compNode" op="equ"/>
+          <dgm:constr type="h" for="des" forName="bgRect" op="equ"/>
+          <dgm:constr type="h" for="des" forName="iconRect" op="equ"/>
+          <dgm:constr type="w" for="des" forName="iconRect" op="equ"/>
+          <dgm:constr type="h" for="des" forName="spaceRect" op="equ"/>
+          <dgm:constr type="h" for="des" forName="parTx" op="equ"/>
+          <dgm:constr type="h" for="des" forName="desTx" op="equ"/>
+        </dgm:constrLst>
+      </dgm:if>
+      <dgm:else name="Name7">
+        <dgm:constrLst>
+          <dgm:constr type="h" for="ch" forName="compNode" refType="h" fact="0.3"/>
+          <dgm:constr type="w" for="ch" forName="compNode" refType="w"/>
+          <dgm:constr type="h" for="ch" forName="sibTrans" refType="h" refFor="ch" refForName="compNode" fact="0.25"/>
+          <dgm:constr type="primFontSz" for="des" forName="parTx" val="16"/>
+          <dgm:constr type="primFontSz" for="des" forName="desTx" refType="primFontSz" refFor="des" refForName="parTx" op="lte" fact="0.75"/>
+          <dgm:constr type="h" for="des" forName="compNode" op="equ"/>
+          <dgm:constr type="h" for="des" forName="bgRect" op="equ"/>
+          <dgm:constr type="h" for="des" forName="iconRect" op="equ"/>
+          <dgm:constr type="w" for="des" forName="iconRect" op="equ"/>
+          <dgm:constr type="h" for="des" forName="spaceRect" op="equ"/>
+          <dgm:constr type="h" for="des" forName="parTx" op="equ"/>
+          <dgm:constr type="h" for="des" forName="desTx" op="equ"/>
+        </dgm:constrLst>
+      </dgm:else>
+    </dgm:choose>
+    <dgm:ruleLst>
+      <dgm:rule type="h" for="ch" forName="compNode" val="0" fact="NaN" max="NaN"/>
+    </dgm:ruleLst>
+    <dgm:forEach name="Name8" axis="ch" ptType="node">
+      <dgm:layoutNode name="compNode">
+        <dgm:alg type="composite"/>
+        <dgm:shape xmlns:r="http://schemas.openxmlformats.org/officeDocument/2006/relationships" r:blip="">
+          <dgm:adjLst/>
+        </dgm:shape>
+        <dgm:presOf axis="self"/>
+        <dgm:choose name="Name9">
+          <dgm:if name="Name10" axis="ch" ptType="node" func="cnt" op="gte" val="1">
+            <dgm:constrLst>
+              <dgm:constr type="w" for="ch" forName="bgRect" refType="w"/>
+              <dgm:constr type="h" for="ch" forName="bgRect" refType="h"/>
+              <dgm:constr type="l" for="ch" forName="bgRect"/>
+              <dgm:constr type="t" for="ch" forName="bgRect"/>
+              <dgm:constr type="h" for="ch" forName="iconRect" refType="h" fact="0.55"/>
+              <dgm:constr type="w" for="ch" forName="iconRect" refType="h" refFor="ch" refForName="iconRect"/>
+              <dgm:constr type="l" for="ch" forName="iconRect" refType="h" refFor="ch" refForName="iconRect" fact="0.55"/>
+              <dgm:constr type="ctrY" for="ch" forName="iconRect" refType="ctrY" refFor="ch" refForName="bgRect"/>
+              <dgm:constr type="w" for="ch" forName="spaceRect" refType="l" refFor="ch" refForName="iconRect"/>
+              <dgm:constr type="h" for="ch" forName="spaceRect" refType="h"/>
+              <dgm:constr type="l" for="ch" forName="spaceRect" refType="r" refFor="ch" refForName="iconRect"/>
+              <dgm:constr type="t" for="ch" forName="spaceRect"/>
+              <dgm:constr type="w" for="ch" forName="parTx" refType="w" fact="0.45"/>
+              <dgm:constr type="h" for="ch" forName="parTx" refType="h"/>
+              <dgm:constr type="l" for="ch" forName="parTx" refType="r" refFor="ch" refForName="spaceRect"/>
+              <dgm:constr type="t" for="ch" forName="parTx"/>
+              <dgm:constr type="h" for="ch" forName="desTx" refType="h"/>
+              <dgm:constr type="l" for="ch" forName="desTx" refType="r" refFor="ch" refForName="parTx"/>
+              <dgm:constr type="t" for="ch" forName="desTx"/>
+            </dgm:constrLst>
+          </dgm:if>
+          <dgm:else name="Name11">
+            <dgm:constrLst>
+              <dgm:constr type="w" for="ch" forName="bgRect" refType="w"/>
+              <dgm:constr type="h" for="ch" forName="bgRect" refType="h"/>
+              <dgm:constr type="l" for="ch" forName="bgRect"/>
+              <dgm:constr type="t" for="ch" forName="bgRect"/>
+              <dgm:constr type="h" for="ch" forName="iconRect" refType="h" fact="0.55"/>
+              <dgm:constr type="w" for="ch" forName="iconRect" refType="h" refFor="ch" refForName="iconRect"/>
+              <dgm:constr type="l" for="ch" forName="iconRect" refType="h" refFor="ch" refForName="iconRect" fact="0.55"/>
+              <dgm:constr type="ctrY" for="ch" forName="iconRect" refType="ctrY" refFor="ch" refForName="bgRect"/>
+              <dgm:constr type="w" for="ch" forName="spaceRect" refType="l" refFor="ch" refForName="iconRect"/>
+              <dgm:constr type="h" for="ch" forName="spaceRect" refType="h"/>
+              <dgm:constr type="l" for="ch" forName="spaceRect" refType="r" refFor="ch" refForName="iconRect"/>
+              <dgm:constr type="t" for="ch" forName="spaceRect"/>
+              <dgm:constr type="h" for="ch" forName="parTx" refType="h"/>
+              <dgm:constr type="l" for="ch" forName="parTx" refType="r" refFor="ch" refForName="spaceRect"/>
+              <dgm:constr type="t" for="ch" forName="parTx"/>
+            </dgm:constrLst>
+          </dgm:else>
+        </dgm:choose>
+        <dgm:ruleLst>
+          <dgm:rule type="h" val="INF" fact="NaN" max="NaN"/>
+        </dgm:ruleLst>
+        <dgm:layoutNode name="bgRect" styleLbl="bgShp">
+          <dgm:alg type="sp"/>
+          <dgm:shape xmlns:r="http://schemas.openxmlformats.org/officeDocument/2006/relationships" type="roundRect" r:blip="">
+            <dgm:adjLst>
+              <dgm:adj idx="1" val="0.1"/>
+            </dgm:adjLst>
+          </dgm:shape>
+          <dgm:presOf/>
+          <dgm:constrLst/>
+          <dgm:ruleLst/>
+        </dgm:layoutNode>
+        <dgm:layoutNode name="iconRect" styleLbl="node1">
+          <dgm:alg type="sp"/>
+          <dgm:shape xmlns:r="http://schemas.openxmlformats.org/officeDocument/2006/relationships" type="rect" r:blip="" blipPhldr="1">
+            <dgm:adjLst/>
+          </dgm:shape>
+          <dgm:presOf/>
+          <dgm:constrLst/>
+          <dgm:ruleLst/>
+        </dgm:layoutNode>
+        <dgm:layoutNode name="spaceRect">
+          <dgm:alg type="sp"/>
+          <dgm:shape xmlns:r="http://schemas.openxmlformats.org/officeDocument/2006/relationships" r:blip="">
+            <dgm:adjLst/>
+          </dgm:shape>
+          <dgm:presOf/>
+          <dgm:constrLst/>
+          <dgm:ruleLst/>
+        </dgm:layoutNode>
+        <dgm:layoutNode name="parTx" styleLbl="revTx">
+          <dgm:varLst>
+            <dgm:chMax val="0"/>
+            <dgm:chPref val="0"/>
+          </dgm:varLst>
+          <dgm:alg type="tx">
+            <dgm:param type="txAnchorVert" val="mid"/>
+            <dgm:param type="parTxLTRAlign" val="l"/>
+            <dgm:param type="shpTxLTRAlignCh" val="l"/>
+            <dgm:param type="parTxRTLAlign" val="r"/>
+            <dgm:param type="shpTxRTLAlignCh" val="r"/>
+          </dgm:alg>
+          <dgm:shape xmlns:r="http://schemas.openxmlformats.org/officeDocument/2006/relationships" type="rect" r:blip="">
+            <dgm:adjLst/>
+          </dgm:shape>
+          <dgm:presOf axis="self" ptType="node"/>
+          <dgm:constrLst>
+            <dgm:constr type="lMarg" refType="h" fact="0.3"/>
+            <dgm:constr type="rMarg" refType="h" fact="0.3"/>
+            <dgm:constr type="tMarg" refType="h" fact="0.3"/>
+            <dgm:constr type="bMarg" refType="h" fact="0.3"/>
+          </dgm:constrLst>
+          <dgm:ruleLst>
+            <dgm:rule type="primFontSz" val="14" fact="NaN" max="NaN"/>
+            <dgm:rule type="h" val="INF" fact="NaN" max="NaN"/>
+          </dgm:ruleLst>
+        </dgm:layoutNode>
+        <dgm:choose name="Name12">
+          <dgm:if name="Name13" axis="ch" ptType="node" func="cnt" op="gte" val="1">
+            <dgm:layoutNode name="desTx" styleLbl="revTx">
+              <dgm:varLst/>
+              <dgm:alg type="tx">
+                <dgm:param type="txAnchorVertCh" val="mid"/>
+                <dgm:param type="parTxLTRAlign" val="l"/>
+                <dgm:param type="shpTxLTRAlignCh" val="l"/>
+                <dgm:param type="parTxRTLAlign" val="r"/>
+                <dgm:param type="shpTxRTLAlignCh" val="r"/>
+                <dgm:param type="stBulletLvl" val="0"/>
+              </dgm:alg>
+              <dgm:shape xmlns:r="http://schemas.openxmlformats.org/officeDocument/2006/relationships" type="rect" r:blip="">
+                <dgm:adjLst/>
+              </dgm:shape>
+              <dgm:presOf axis="des" ptType="node"/>
+              <dgm:constrLst>
+                <dgm:constr type="primFontSz" val="18"/>
+                <dgm:constr type="secFontSz" refType="primFontSz"/>
+                <dgm:constr type="lMarg" refType="h" fact="0.3"/>
+                <dgm:constr type="rMarg" refType="h" fact="0.3"/>
+                <dgm:constr type="tMarg" refType="h" fact="0.3"/>
+                <dgm:constr type="bMarg" refType="h" fact="0.3"/>
+              </dgm:constrLst>
+              <dgm:ruleLst>
+                <dgm:rule type="primFontSz" val="11" fact="NaN" max="NaN"/>
+              </dgm:ruleLst>
+            </dgm:layoutNode>
+          </dgm:if>
+          <dgm:else name="Name14"/>
+        </dgm:choose>
+      </dgm:layoutNode>
+      <dgm:forEach name="Name15" axis="followSib" ptType="sibTrans" cnt="1">
+        <dgm:layoutNode name="sibTrans">
+          <dgm:alg type="sp"/>
+          <dgm:shape xmlns:r="http://schemas.openxmlformats.org/officeDocument/2006/relationships" r:blip="">
+            <dgm:adjLst/>
+          </dgm:shape>
+          <dgm:presOf axis="self"/>
+          <dgm:constrLst/>
+          <dgm:ruleLst/>
+        </dgm:layoutNode>
+      </dgm:forEach>
+    </dgm:forEach>
+  </dgm:layoutNode>
+  <dgm:extLst>
+    <a:ext uri="{68A01E43-0DF5-4B5B-8FA6-DAF915123BFB}">
+      <dgm1612:lstStyle xmlns:dgm1612="http://schemas.microsoft.com/office/drawing/2016/12/diagram">
+        <a:lvl1pPr>
+          <a:lnSpc>
+            <a:spcPct val="100000"/>
+          </a:lnSpc>
+        </a:lvl1pPr>
+        <a:lvl2pPr>
+          <a:lnSpc>
+            <a:spcPct val="100000"/>
+          </a:lnSpc>
+        </a:lvl2pPr>
+      </dgm1612:lstStyle>
+    </a:ext>
+  </dgm:extLst>
 </dgm:layoutDef>
 </file>
 
@@ -7010,6 +9781,1040 @@
 </dgm:styleDef>
 </file>
 
+<file path=ppt/diagrams/quickStyle3.xml><?xml version="1.0" encoding="utf-8"?>
+<dgm:styleDef xmlns:dgm="http://schemas.openxmlformats.org/drawingml/2006/diagram" xmlns:a="http://schemas.openxmlformats.org/drawingml/2006/main" uniqueId="urn:microsoft.com/office/officeart/2005/8/quickstyle/simple1">
+  <dgm:title val=""/>
+  <dgm:desc val=""/>
+  <dgm:catLst>
+    <dgm:cat type="simple" pri="10100"/>
+  </dgm:catLst>
+  <dgm:scene3d>
+    <a:camera prst="orthographicFront"/>
+    <a:lightRig rig="threePt" dir="t"/>
+  </dgm:scene3d>
+  <dgm:styleLbl name="node0">
+    <dgm:scene3d>
+      <a:camera prst="orthographicFront"/>
+      <a:lightRig rig="threePt" dir="t"/>
+    </dgm:scene3d>
+    <dgm:sp3d/>
+    <dgm:txPr/>
+    <dgm:style>
+      <a:lnRef idx="2">
+        <a:scrgbClr r="0" g="0" b="0"/>
+      </a:lnRef>
+      <a:fillRef idx="1">
+        <a:scrgbClr r="0" g="0" b="0"/>
+      </a:fillRef>
+      <a:effectRef idx="0">
+        <a:scrgbClr r="0" g="0" b="0"/>
+      </a:effectRef>
+      <a:fontRef idx="minor">
+        <a:schemeClr val="lt1"/>
+      </a:fontRef>
+    </dgm:style>
+  </dgm:styleLbl>
+  <dgm:styleLbl name="lnNode1">
+    <dgm:scene3d>
+      <a:camera prst="orthographicFront"/>
+      <a:lightRig rig="threePt" dir="t"/>
+    </dgm:scene3d>
+    <dgm:sp3d/>
+    <dgm:txPr/>
+    <dgm:style>
+      <a:lnRef idx="2">
+        <a:scrgbClr r="0" g="0" b="0"/>
+      </a:lnRef>
+      <a:fillRef idx="1">
+        <a:scrgbClr r="0" g="0" b="0"/>
+      </a:fillRef>
+      <a:effectRef idx="0">
+        <a:scrgbClr r="0" g="0" b="0"/>
+      </a:effectRef>
+      <a:fontRef idx="minor">
+        <a:schemeClr val="lt1"/>
+      </a:fontRef>
+    </dgm:style>
+  </dgm:styleLbl>
+  <dgm:styleLbl name="vennNode1">
+    <dgm:scene3d>
+      <a:camera prst="orthographicFront"/>
+      <a:lightRig rig="threePt" dir="t"/>
+    </dgm:scene3d>
+    <dgm:sp3d/>
+    <dgm:txPr/>
+    <dgm:style>
+      <a:lnRef idx="2">
+        <a:scrgbClr r="0" g="0" b="0"/>
+      </a:lnRef>
+      <a:fillRef idx="1">
+        <a:scrgbClr r="0" g="0" b="0"/>
+      </a:fillRef>
+      <a:effectRef idx="0">
+        <a:scrgbClr r="0" g="0" b="0"/>
+      </a:effectRef>
+      <a:fontRef idx="minor">
+        <a:schemeClr val="tx1"/>
+      </a:fontRef>
+    </dgm:style>
+  </dgm:styleLbl>
+  <dgm:styleLbl name="alignNode1">
+    <dgm:scene3d>
+      <a:camera prst="orthographicFront"/>
+      <a:lightRig rig="threePt" dir="t"/>
+    </dgm:scene3d>
+    <dgm:sp3d/>
+    <dgm:txPr/>
+    <dgm:style>
+      <a:lnRef idx="2">
+        <a:scrgbClr r="0" g="0" b="0"/>
+      </a:lnRef>
+      <a:fillRef idx="1">
+        <a:scrgbClr r="0" g="0" b="0"/>
+      </a:fillRef>
+      <a:effectRef idx="0">
+        <a:scrgbClr r="0" g="0" b="0"/>
+      </a:effectRef>
+      <a:fontRef idx="minor">
+        <a:schemeClr val="lt1"/>
+      </a:fontRef>
+    </dgm:style>
+  </dgm:styleLbl>
+  <dgm:styleLbl name="node1">
+    <dgm:scene3d>
+      <a:camera prst="orthographicFront"/>
+      <a:lightRig rig="threePt" dir="t"/>
+    </dgm:scene3d>
+    <dgm:sp3d/>
+    <dgm:txPr/>
+    <dgm:style>
+      <a:lnRef idx="2">
+        <a:scrgbClr r="0" g="0" b="0"/>
+      </a:lnRef>
+      <a:fillRef idx="1">
+        <a:scrgbClr r="0" g="0" b="0"/>
+      </a:fillRef>
+      <a:effectRef idx="0">
+        <a:scrgbClr r="0" g="0" b="0"/>
+      </a:effectRef>
+      <a:fontRef idx="minor">
+        <a:schemeClr val="lt1"/>
+      </a:fontRef>
+    </dgm:style>
+  </dgm:styleLbl>
+  <dgm:styleLbl name="node2">
+    <dgm:scene3d>
+      <a:camera prst="orthographicFront"/>
+      <a:lightRig rig="threePt" dir="t"/>
+    </dgm:scene3d>
+    <dgm:sp3d/>
+    <dgm:txPr/>
+    <dgm:style>
+      <a:lnRef idx="2">
+        <a:scrgbClr r="0" g="0" b="0"/>
+      </a:lnRef>
+      <a:fillRef idx="1">
+        <a:scrgbClr r="0" g="0" b="0"/>
+      </a:fillRef>
+      <a:effectRef idx="0">
+        <a:scrgbClr r="0" g="0" b="0"/>
+      </a:effectRef>
+      <a:fontRef idx="minor">
+        <a:schemeClr val="lt1"/>
+      </a:fontRef>
+    </dgm:style>
+  </dgm:styleLbl>
+  <dgm:styleLbl name="node3">
+    <dgm:scene3d>
+      <a:camera prst="orthographicFront"/>
+      <a:lightRig rig="threePt" dir="t"/>
+    </dgm:scene3d>
+    <dgm:sp3d/>
+    <dgm:txPr/>
+    <dgm:style>
+      <a:lnRef idx="2">
+        <a:scrgbClr r="0" g="0" b="0"/>
+      </a:lnRef>
+      <a:fillRef idx="1">
+        <a:scrgbClr r="0" g="0" b="0"/>
+      </a:fillRef>
+      <a:effectRef idx="0">
+        <a:scrgbClr r="0" g="0" b="0"/>
+      </a:effectRef>
+      <a:fontRef idx="minor">
+        <a:schemeClr val="lt1"/>
+      </a:fontRef>
+    </dgm:style>
+  </dgm:styleLbl>
+  <dgm:styleLbl name="node4">
+    <dgm:scene3d>
+      <a:camera prst="orthographicFront"/>
+      <a:lightRig rig="threePt" dir="t"/>
+    </dgm:scene3d>
+    <dgm:sp3d/>
+    <dgm:txPr/>
+    <dgm:style>
+      <a:lnRef idx="2">
+        <a:scrgbClr r="0" g="0" b="0"/>
+      </a:lnRef>
+      <a:fillRef idx="1">
+        <a:scrgbClr r="0" g="0" b="0"/>
+      </a:fillRef>
+      <a:effectRef idx="0">
+        <a:scrgbClr r="0" g="0" b="0"/>
+      </a:effectRef>
+      <a:fontRef idx="minor">
+        <a:schemeClr val="lt1"/>
+      </a:fontRef>
+    </dgm:style>
+  </dgm:styleLbl>
+  <dgm:styleLbl name="fgImgPlace1">
+    <dgm:scene3d>
+      <a:camera prst="orthographicFront"/>
+      <a:lightRig rig="threePt" dir="t"/>
+    </dgm:scene3d>
+    <dgm:sp3d/>
+    <dgm:txPr/>
+    <dgm:style>
+      <a:lnRef idx="2">
+        <a:scrgbClr r="0" g="0" b="0"/>
+      </a:lnRef>
+      <a:fillRef idx="1">
+        <a:scrgbClr r="0" g="0" b="0"/>
+      </a:fillRef>
+      <a:effectRef idx="0">
+        <a:scrgbClr r="0" g="0" b="0"/>
+      </a:effectRef>
+      <a:fontRef idx="minor"/>
+    </dgm:style>
+  </dgm:styleLbl>
+  <dgm:styleLbl name="alignImgPlace1">
+    <dgm:scene3d>
+      <a:camera prst="orthographicFront"/>
+      <a:lightRig rig="threePt" dir="t"/>
+    </dgm:scene3d>
+    <dgm:sp3d/>
+    <dgm:txPr/>
+    <dgm:style>
+      <a:lnRef idx="2">
+        <a:scrgbClr r="0" g="0" b="0"/>
+      </a:lnRef>
+      <a:fillRef idx="1">
+        <a:scrgbClr r="0" g="0" b="0"/>
+      </a:fillRef>
+      <a:effectRef idx="0">
+        <a:scrgbClr r="0" g="0" b="0"/>
+      </a:effectRef>
+      <a:fontRef idx="minor"/>
+    </dgm:style>
+  </dgm:styleLbl>
+  <dgm:styleLbl name="bgImgPlace1">
+    <dgm:scene3d>
+      <a:camera prst="orthographicFront"/>
+      <a:lightRig rig="threePt" dir="t"/>
+    </dgm:scene3d>
+    <dgm:sp3d/>
+    <dgm:txPr/>
+    <dgm:style>
+      <a:lnRef idx="2">
+        <a:scrgbClr r="0" g="0" b="0"/>
+      </a:lnRef>
+      <a:fillRef idx="1">
+        <a:scrgbClr r="0" g="0" b="0"/>
+      </a:fillRef>
+      <a:effectRef idx="0">
+        <a:scrgbClr r="0" g="0" b="0"/>
+      </a:effectRef>
+      <a:fontRef idx="minor"/>
+    </dgm:style>
+  </dgm:styleLbl>
+  <dgm:styleLbl name="sibTrans2D1">
+    <dgm:scene3d>
+      <a:camera prst="orthographicFront"/>
+      <a:lightRig rig="threePt" dir="t"/>
+    </dgm:scene3d>
+    <dgm:sp3d/>
+    <dgm:txPr/>
+    <dgm:style>
+      <a:lnRef idx="0">
+        <a:scrgbClr r="0" g="0" b="0"/>
+      </a:lnRef>
+      <a:fillRef idx="1">
+        <a:scrgbClr r="0" g="0" b="0"/>
+      </a:fillRef>
+      <a:effectRef idx="0">
+        <a:scrgbClr r="0" g="0" b="0"/>
+      </a:effectRef>
+      <a:fontRef idx="minor">
+        <a:schemeClr val="lt1"/>
+      </a:fontRef>
+    </dgm:style>
+  </dgm:styleLbl>
+  <dgm:styleLbl name="fgSibTrans2D1">
+    <dgm:scene3d>
+      <a:camera prst="orthographicFront"/>
+      <a:lightRig rig="threePt" dir="t"/>
+    </dgm:scene3d>
+    <dgm:sp3d/>
+    <dgm:txPr/>
+    <dgm:style>
+      <a:lnRef idx="0">
+        <a:scrgbClr r="0" g="0" b="0"/>
+      </a:lnRef>
+      <a:fillRef idx="1">
+        <a:scrgbClr r="0" g="0" b="0"/>
+      </a:fillRef>
+      <a:effectRef idx="0">
+        <a:scrgbClr r="0" g="0" b="0"/>
+      </a:effectRef>
+      <a:fontRef idx="minor">
+        <a:schemeClr val="lt1"/>
+      </a:fontRef>
+    </dgm:style>
+  </dgm:styleLbl>
+  <dgm:styleLbl name="bgSibTrans2D1">
+    <dgm:scene3d>
+      <a:camera prst="orthographicFront"/>
+      <a:lightRig rig="threePt" dir="t"/>
+    </dgm:scene3d>
+    <dgm:sp3d/>
+    <dgm:txPr/>
+    <dgm:style>
+      <a:lnRef idx="0">
+        <a:scrgbClr r="0" g="0" b="0"/>
+      </a:lnRef>
+      <a:fillRef idx="1">
+        <a:scrgbClr r="0" g="0" b="0"/>
+      </a:fillRef>
+      <a:effectRef idx="0">
+        <a:scrgbClr r="0" g="0" b="0"/>
+      </a:effectRef>
+      <a:fontRef idx="minor">
+        <a:schemeClr val="lt1"/>
+      </a:fontRef>
+    </dgm:style>
+  </dgm:styleLbl>
+  <dgm:styleLbl name="sibTrans1D1">
+    <dgm:scene3d>
+      <a:camera prst="orthographicFront"/>
+      <a:lightRig rig="threePt" dir="t"/>
+    </dgm:scene3d>
+    <dgm:sp3d/>
+    <dgm:txPr/>
+    <dgm:style>
+      <a:lnRef idx="1">
+        <a:scrgbClr r="0" g="0" b="0"/>
+      </a:lnRef>
+      <a:fillRef idx="0">
+        <a:scrgbClr r="0" g="0" b="0"/>
+      </a:fillRef>
+      <a:effectRef idx="0">
+        <a:scrgbClr r="0" g="0" b="0"/>
+      </a:effectRef>
+      <a:fontRef idx="minor"/>
+    </dgm:style>
+  </dgm:styleLbl>
+  <dgm:styleLbl name="callout">
+    <dgm:scene3d>
+      <a:camera prst="orthographicFront"/>
+      <a:lightRig rig="threePt" dir="t"/>
+    </dgm:scene3d>
+    <dgm:sp3d/>
+    <dgm:txPr/>
+    <dgm:style>
+      <a:lnRef idx="2">
+        <a:scrgbClr r="0" g="0" b="0"/>
+      </a:lnRef>
+      <a:fillRef idx="1">
+        <a:scrgbClr r="0" g="0" b="0"/>
+      </a:fillRef>
+      <a:effectRef idx="0">
+        <a:scrgbClr r="0" g="0" b="0"/>
+      </a:effectRef>
+      <a:fontRef idx="minor"/>
+    </dgm:style>
+  </dgm:styleLbl>
+  <dgm:styleLbl name="asst0">
+    <dgm:scene3d>
+      <a:camera prst="orthographicFront"/>
+      <a:lightRig rig="threePt" dir="t"/>
+    </dgm:scene3d>
+    <dgm:sp3d/>
+    <dgm:txPr/>
+    <dgm:style>
+      <a:lnRef idx="2">
+        <a:scrgbClr r="0" g="0" b="0"/>
+      </a:lnRef>
+      <a:fillRef idx="1">
+        <a:scrgbClr r="0" g="0" b="0"/>
+      </a:fillRef>
+      <a:effectRef idx="0">
+        <a:scrgbClr r="0" g="0" b="0"/>
+      </a:effectRef>
+      <a:fontRef idx="minor">
+        <a:schemeClr val="lt1"/>
+      </a:fontRef>
+    </dgm:style>
+  </dgm:styleLbl>
+  <dgm:styleLbl name="asst1">
+    <dgm:scene3d>
+      <a:camera prst="orthographicFront"/>
+      <a:lightRig rig="threePt" dir="t"/>
+    </dgm:scene3d>
+    <dgm:sp3d/>
+    <dgm:txPr/>
+    <dgm:style>
+      <a:lnRef idx="2">
+        <a:scrgbClr r="0" g="0" b="0"/>
+      </a:lnRef>
+      <a:fillRef idx="1">
+        <a:scrgbClr r="0" g="0" b="0"/>
+      </a:fillRef>
+      <a:effectRef idx="0">
+        <a:scrgbClr r="0" g="0" b="0"/>
+      </a:effectRef>
+      <a:fontRef idx="minor">
+        <a:schemeClr val="lt1"/>
+      </a:fontRef>
+    </dgm:style>
+  </dgm:styleLbl>
+  <dgm:styleLbl name="asst2">
+    <dgm:scene3d>
+      <a:camera prst="orthographicFront"/>
+      <a:lightRig rig="threePt" dir="t"/>
+    </dgm:scene3d>
+    <dgm:sp3d/>
+    <dgm:txPr/>
+    <dgm:style>
+      <a:lnRef idx="2">
+        <a:scrgbClr r="0" g="0" b="0"/>
+      </a:lnRef>
+      <a:fillRef idx="1">
+        <a:scrgbClr r="0" g="0" b="0"/>
+      </a:fillRef>
+      <a:effectRef idx="0">
+        <a:scrgbClr r="0" g="0" b="0"/>
+      </a:effectRef>
+      <a:fontRef idx="minor">
+        <a:schemeClr val="lt1"/>
+      </a:fontRef>
+    </dgm:style>
+  </dgm:styleLbl>
+  <dgm:styleLbl name="asst3">
+    <dgm:scene3d>
+      <a:camera prst="orthographicFront"/>
+      <a:lightRig rig="threePt" dir="t"/>
+    </dgm:scene3d>
+    <dgm:sp3d/>
+    <dgm:txPr/>
+    <dgm:style>
+      <a:lnRef idx="2">
+        <a:scrgbClr r="0" g="0" b="0"/>
+      </a:lnRef>
+      <a:fillRef idx="1">
+        <a:scrgbClr r="0" g="0" b="0"/>
+      </a:fillRef>
+      <a:effectRef idx="0">
+        <a:scrgbClr r="0" g="0" b="0"/>
+      </a:effectRef>
+      <a:fontRef idx="minor">
+        <a:schemeClr val="lt1"/>
+      </a:fontRef>
+    </dgm:style>
+  </dgm:styleLbl>
+  <dgm:styleLbl name="asst4">
+    <dgm:scene3d>
+      <a:camera prst="orthographicFront"/>
+      <a:lightRig rig="threePt" dir="t"/>
+    </dgm:scene3d>
+    <dgm:sp3d/>
+    <dgm:txPr/>
+    <dgm:style>
+      <a:lnRef idx="2">
+        <a:scrgbClr r="0" g="0" b="0"/>
+      </a:lnRef>
+      <a:fillRef idx="1">
+        <a:scrgbClr r="0" g="0" b="0"/>
+      </a:fillRef>
+      <a:effectRef idx="0">
+        <a:scrgbClr r="0" g="0" b="0"/>
+      </a:effectRef>
+      <a:fontRef idx="minor">
+        <a:schemeClr val="lt1"/>
+      </a:fontRef>
+    </dgm:style>
+  </dgm:styleLbl>
+  <dgm:styleLbl name="parChTrans2D1">
+    <dgm:scene3d>
+      <a:camera prst="orthographicFront"/>
+      <a:lightRig rig="threePt" dir="t"/>
+    </dgm:scene3d>
+    <dgm:sp3d/>
+    <dgm:txPr/>
+    <dgm:style>
+      <a:lnRef idx="2">
+        <a:scrgbClr r="0" g="0" b="0"/>
+      </a:lnRef>
+      <a:fillRef idx="1">
+        <a:scrgbClr r="0" g="0" b="0"/>
+      </a:fillRef>
+      <a:effectRef idx="0">
+        <a:scrgbClr r="0" g="0" b="0"/>
+      </a:effectRef>
+      <a:fontRef idx="minor">
+        <a:schemeClr val="lt1"/>
+      </a:fontRef>
+    </dgm:style>
+  </dgm:styleLbl>
+  <dgm:styleLbl name="parChTrans2D2">
+    <dgm:scene3d>
+      <a:camera prst="orthographicFront"/>
+      <a:lightRig rig="threePt" dir="t"/>
+    </dgm:scene3d>
+    <dgm:sp3d/>
+    <dgm:txPr/>
+    <dgm:style>
+      <a:lnRef idx="2">
+        <a:scrgbClr r="0" g="0" b="0"/>
+      </a:lnRef>
+      <a:fillRef idx="1">
+        <a:scrgbClr r="0" g="0" b="0"/>
+      </a:fillRef>
+      <a:effectRef idx="0">
+        <a:scrgbClr r="0" g="0" b="0"/>
+      </a:effectRef>
+      <a:fontRef idx="minor">
+        <a:schemeClr val="lt1"/>
+      </a:fontRef>
+    </dgm:style>
+  </dgm:styleLbl>
+  <dgm:styleLbl name="parChTrans2D3">
+    <dgm:scene3d>
+      <a:camera prst="orthographicFront"/>
+      <a:lightRig rig="threePt" dir="t"/>
+    </dgm:scene3d>
+    <dgm:sp3d/>
+    <dgm:txPr/>
+    <dgm:style>
+      <a:lnRef idx="2">
+        <a:scrgbClr r="0" g="0" b="0"/>
+      </a:lnRef>
+      <a:fillRef idx="1">
+        <a:scrgbClr r="0" g="0" b="0"/>
+      </a:fillRef>
+      <a:effectRef idx="0">
+        <a:scrgbClr r="0" g="0" b="0"/>
+      </a:effectRef>
+      <a:fontRef idx="minor">
+        <a:schemeClr val="lt1"/>
+      </a:fontRef>
+    </dgm:style>
+  </dgm:styleLbl>
+  <dgm:styleLbl name="parChTrans2D4">
+    <dgm:scene3d>
+      <a:camera prst="orthographicFront"/>
+      <a:lightRig rig="threePt" dir="t"/>
+    </dgm:scene3d>
+    <dgm:sp3d/>
+    <dgm:txPr/>
+    <dgm:style>
+      <a:lnRef idx="2">
+        <a:scrgbClr r="0" g="0" b="0"/>
+      </a:lnRef>
+      <a:fillRef idx="1">
+        <a:scrgbClr r="0" g="0" b="0"/>
+      </a:fillRef>
+      <a:effectRef idx="0">
+        <a:scrgbClr r="0" g="0" b="0"/>
+      </a:effectRef>
+      <a:fontRef idx="minor">
+        <a:schemeClr val="lt1"/>
+      </a:fontRef>
+    </dgm:style>
+  </dgm:styleLbl>
+  <dgm:styleLbl name="parChTrans1D1">
+    <dgm:scene3d>
+      <a:camera prst="orthographicFront"/>
+      <a:lightRig rig="threePt" dir="t"/>
+    </dgm:scene3d>
+    <dgm:sp3d/>
+    <dgm:txPr/>
+    <dgm:style>
+      <a:lnRef idx="2">
+        <a:scrgbClr r="0" g="0" b="0"/>
+      </a:lnRef>
+      <a:fillRef idx="0">
+        <a:scrgbClr r="0" g="0" b="0"/>
+      </a:fillRef>
+      <a:effectRef idx="0">
+        <a:scrgbClr r="0" g="0" b="0"/>
+      </a:effectRef>
+      <a:fontRef idx="minor"/>
+    </dgm:style>
+  </dgm:styleLbl>
+  <dgm:styleLbl name="parChTrans1D2">
+    <dgm:scene3d>
+      <a:camera prst="orthographicFront"/>
+      <a:lightRig rig="threePt" dir="t"/>
+    </dgm:scene3d>
+    <dgm:sp3d/>
+    <dgm:txPr/>
+    <dgm:style>
+      <a:lnRef idx="2">
+        <a:scrgbClr r="0" g="0" b="0"/>
+      </a:lnRef>
+      <a:fillRef idx="0">
+        <a:scrgbClr r="0" g="0" b="0"/>
+      </a:fillRef>
+      <a:effectRef idx="0">
+        <a:scrgbClr r="0" g="0" b="0"/>
+      </a:effectRef>
+      <a:fontRef idx="minor"/>
+    </dgm:style>
+  </dgm:styleLbl>
+  <dgm:styleLbl name="parChTrans1D3">
+    <dgm:scene3d>
+      <a:camera prst="orthographicFront"/>
+      <a:lightRig rig="threePt" dir="t"/>
+    </dgm:scene3d>
+    <dgm:sp3d/>
+    <dgm:txPr/>
+    <dgm:style>
+      <a:lnRef idx="2">
+        <a:scrgbClr r="0" g="0" b="0"/>
+      </a:lnRef>
+      <a:fillRef idx="0">
+        <a:scrgbClr r="0" g="0" b="0"/>
+      </a:fillRef>
+      <a:effectRef idx="0">
+        <a:scrgbClr r="0" g="0" b="0"/>
+      </a:effectRef>
+      <a:fontRef idx="minor"/>
+    </dgm:style>
+  </dgm:styleLbl>
+  <dgm:styleLbl name="parChTrans1D4">
+    <dgm:scene3d>
+      <a:camera prst="orthographicFront"/>
+      <a:lightRig rig="threePt" dir="t"/>
+    </dgm:scene3d>
+    <dgm:sp3d/>
+    <dgm:txPr/>
+    <dgm:style>
+      <a:lnRef idx="2">
+        <a:scrgbClr r="0" g="0" b="0"/>
+      </a:lnRef>
+      <a:fillRef idx="0">
+        <a:scrgbClr r="0" g="0" b="0"/>
+      </a:fillRef>
+      <a:effectRef idx="0">
+        <a:scrgbClr r="0" g="0" b="0"/>
+      </a:effectRef>
+      <a:fontRef idx="minor"/>
+    </dgm:style>
+  </dgm:styleLbl>
+  <dgm:styleLbl name="fgAcc1">
+    <dgm:scene3d>
+      <a:camera prst="orthographicFront"/>
+      <a:lightRig rig="threePt" dir="t"/>
+    </dgm:scene3d>
+    <dgm:sp3d/>
+    <dgm:txPr/>
+    <dgm:style>
+      <a:lnRef idx="2">
+        <a:scrgbClr r="0" g="0" b="0"/>
+      </a:lnRef>
+      <a:fillRef idx="1">
+        <a:scrgbClr r="0" g="0" b="0"/>
+      </a:fillRef>
+      <a:effectRef idx="0">
+        <a:scrgbClr r="0" g="0" b="0"/>
+      </a:effectRef>
+      <a:fontRef idx="minor"/>
+    </dgm:style>
+  </dgm:styleLbl>
+  <dgm:styleLbl name="conFgAcc1">
+    <dgm:scene3d>
+      <a:camera prst="orthographicFront"/>
+      <a:lightRig rig="threePt" dir="t"/>
+    </dgm:scene3d>
+    <dgm:sp3d/>
+    <dgm:txPr/>
+    <dgm:style>
+      <a:lnRef idx="2">
+        <a:scrgbClr r="0" g="0" b="0"/>
+      </a:lnRef>
+      <a:fillRef idx="1">
+        <a:scrgbClr r="0" g="0" b="0"/>
+      </a:fillRef>
+      <a:effectRef idx="0">
+        <a:scrgbClr r="0" g="0" b="0"/>
+      </a:effectRef>
+      <a:fontRef idx="minor"/>
+    </dgm:style>
+  </dgm:styleLbl>
+  <dgm:styleLbl name="alignAcc1">
+    <dgm:scene3d>
+      <a:camera prst="orthographicFront"/>
+      <a:lightRig rig="threePt" dir="t"/>
+    </dgm:scene3d>
+    <dgm:sp3d/>
+    <dgm:txPr/>
+    <dgm:style>
+      <a:lnRef idx="2">
+        <a:scrgbClr r="0" g="0" b="0"/>
+      </a:lnRef>
+      <a:fillRef idx="1">
+        <a:scrgbClr r="0" g="0" b="0"/>
+      </a:fillRef>
+      <a:effectRef idx="0">
+        <a:scrgbClr r="0" g="0" b="0"/>
+      </a:effectRef>
+      <a:fontRef idx="minor"/>
+    </dgm:style>
+  </dgm:styleLbl>
+  <dgm:styleLbl name="trAlignAcc1">
+    <dgm:scene3d>
+      <a:camera prst="orthographicFront"/>
+      <a:lightRig rig="threePt" dir="t"/>
+    </dgm:scene3d>
+    <dgm:sp3d/>
+    <dgm:txPr/>
+    <dgm:style>
+      <a:lnRef idx="1">
+        <a:scrgbClr r="0" g="0" b="0"/>
+      </a:lnRef>
+      <a:fillRef idx="1">
+        <a:scrgbClr r="0" g="0" b="0"/>
+      </a:fillRef>
+      <a:effectRef idx="0">
+        <a:scrgbClr r="0" g="0" b="0"/>
+      </a:effectRef>
+      <a:fontRef idx="minor"/>
+    </dgm:style>
+  </dgm:styleLbl>
+  <dgm:styleLbl name="bgAcc1">
+    <dgm:scene3d>
+      <a:camera prst="orthographicFront"/>
+      <a:lightRig rig="threePt" dir="t"/>
+    </dgm:scene3d>
+    <dgm:sp3d/>
+    <dgm:txPr/>
+    <dgm:style>
+      <a:lnRef idx="2">
+        <a:scrgbClr r="0" g="0" b="0"/>
+      </a:lnRef>
+      <a:fillRef idx="1">
+        <a:scrgbClr r="0" g="0" b="0"/>
+      </a:fillRef>
+      <a:effectRef idx="0">
+        <a:scrgbClr r="0" g="0" b="0"/>
+      </a:effectRef>
+      <a:fontRef idx="minor"/>
+    </dgm:style>
+  </dgm:styleLbl>
+  <dgm:styleLbl name="solidFgAcc1">
+    <dgm:scene3d>
+      <a:camera prst="orthographicFront"/>
+      <a:lightRig rig="threePt" dir="t"/>
+    </dgm:scene3d>
+    <dgm:sp3d/>
+    <dgm:txPr/>
+    <dgm:style>
+      <a:lnRef idx="2">
+        <a:scrgbClr r="0" g="0" b="0"/>
+      </a:lnRef>
+      <a:fillRef idx="1">
+        <a:scrgbClr r="0" g="0" b="0"/>
+      </a:fillRef>
+      <a:effectRef idx="0">
+        <a:scrgbClr r="0" g="0" b="0"/>
+      </a:effectRef>
+      <a:fontRef idx="minor"/>
+    </dgm:style>
+  </dgm:styleLbl>
+  <dgm:styleLbl name="solidAlignAcc1">
+    <dgm:scene3d>
+      <a:camera prst="orthographicFront"/>
+      <a:lightRig rig="threePt" dir="t"/>
+    </dgm:scene3d>
+    <dgm:sp3d/>
+    <dgm:txPr/>
+    <dgm:style>
+      <a:lnRef idx="2">
+        <a:scrgbClr r="0" g="0" b="0"/>
+      </a:lnRef>
+      <a:fillRef idx="1">
+        <a:scrgbClr r="0" g="0" b="0"/>
+      </a:fillRef>
+      <a:effectRef idx="0">
+        <a:scrgbClr r="0" g="0" b="0"/>
+      </a:effectRef>
+      <a:fontRef idx="minor"/>
+    </dgm:style>
+  </dgm:styleLbl>
+  <dgm:styleLbl name="solidBgAcc1">
+    <dgm:scene3d>
+      <a:camera prst="orthographicFront"/>
+      <a:lightRig rig="threePt" dir="t"/>
+    </dgm:scene3d>
+    <dgm:sp3d/>
+    <dgm:txPr/>
+    <dgm:style>
+      <a:lnRef idx="2">
+        <a:scrgbClr r="0" g="0" b="0"/>
+      </a:lnRef>
+      <a:fillRef idx="1">
+        <a:scrgbClr r="0" g="0" b="0"/>
+      </a:fillRef>
+      <a:effectRef idx="0">
+        <a:scrgbClr r="0" g="0" b="0"/>
+      </a:effectRef>
+      <a:fontRef idx="minor"/>
+    </dgm:style>
+  </dgm:styleLbl>
+  <dgm:styleLbl name="fgAccFollowNode1">
+    <dgm:scene3d>
+      <a:camera prst="orthographicFront"/>
+      <a:lightRig rig="threePt" dir="t"/>
+    </dgm:scene3d>
+    <dgm:sp3d/>
+    <dgm:txPr/>
+    <dgm:style>
+      <a:lnRef idx="2">
+        <a:scrgbClr r="0" g="0" b="0"/>
+      </a:lnRef>
+      <a:fillRef idx="1">
+        <a:scrgbClr r="0" g="0" b="0"/>
+      </a:fillRef>
+      <a:effectRef idx="0">
+        <a:scrgbClr r="0" g="0" b="0"/>
+      </a:effectRef>
+      <a:fontRef idx="minor"/>
+    </dgm:style>
+  </dgm:styleLbl>
+  <dgm:styleLbl name="alignAccFollowNode1">
+    <dgm:scene3d>
+      <a:camera prst="orthographicFront"/>
+      <a:lightRig rig="threePt" dir="t"/>
+    </dgm:scene3d>
+    <dgm:sp3d/>
+    <dgm:txPr/>
+    <dgm:style>
+      <a:lnRef idx="2">
+        <a:scrgbClr r="0" g="0" b="0"/>
+      </a:lnRef>
+      <a:fillRef idx="1">
+        <a:scrgbClr r="0" g="0" b="0"/>
+      </a:fillRef>
+      <a:effectRef idx="0">
+        <a:scrgbClr r="0" g="0" b="0"/>
+      </a:effectRef>
+      <a:fontRef idx="minor"/>
+    </dgm:style>
+  </dgm:styleLbl>
+  <dgm:styleLbl name="bgAccFollowNode1">
+    <dgm:scene3d>
+      <a:camera prst="orthographicFront"/>
+      <a:lightRig rig="threePt" dir="t"/>
+    </dgm:scene3d>
+    <dgm:sp3d/>
+    <dgm:txPr/>
+    <dgm:style>
+      <a:lnRef idx="2">
+        <a:scrgbClr r="0" g="0" b="0"/>
+      </a:lnRef>
+      <a:fillRef idx="1">
+        <a:scrgbClr r="0" g="0" b="0"/>
+      </a:fillRef>
+      <a:effectRef idx="0">
+        <a:scrgbClr r="0" g="0" b="0"/>
+      </a:effectRef>
+      <a:fontRef idx="minor"/>
+    </dgm:style>
+  </dgm:styleLbl>
+  <dgm:styleLbl name="fgAcc0">
+    <dgm:scene3d>
+      <a:camera prst="orthographicFront"/>
+      <a:lightRig rig="threePt" dir="t"/>
+    </dgm:scene3d>
+    <dgm:sp3d/>
+    <dgm:txPr/>
+    <dgm:style>
+      <a:lnRef idx="2">
+        <a:scrgbClr r="0" g="0" b="0"/>
+      </a:lnRef>
+      <a:fillRef idx="1">
+        <a:scrgbClr r="0" g="0" b="0"/>
+      </a:fillRef>
+      <a:effectRef idx="0">
+        <a:scrgbClr r="0" g="0" b="0"/>
+      </a:effectRef>
+      <a:fontRef idx="minor"/>
+    </dgm:style>
+  </dgm:styleLbl>
+  <dgm:styleLbl name="fgAcc2">
+    <dgm:scene3d>
+      <a:camera prst="orthographicFront"/>
+      <a:lightRig rig="threePt" dir="t"/>
+    </dgm:scene3d>
+    <dgm:sp3d/>
+    <dgm:txPr/>
+    <dgm:style>
+      <a:lnRef idx="2">
+        <a:scrgbClr r="0" g="0" b="0"/>
+      </a:lnRef>
+      <a:fillRef idx="1">
+        <a:scrgbClr r="0" g="0" b="0"/>
+      </a:fillRef>
+      <a:effectRef idx="0">
+        <a:scrgbClr r="0" g="0" b="0"/>
+      </a:effectRef>
+      <a:fontRef idx="minor"/>
+    </dgm:style>
+  </dgm:styleLbl>
+  <dgm:styleLbl name="fgAcc3">
+    <dgm:scene3d>
+      <a:camera prst="orthographicFront"/>
+      <a:lightRig rig="threePt" dir="t"/>
+    </dgm:scene3d>
+    <dgm:sp3d/>
+    <dgm:txPr/>
+    <dgm:style>
+      <a:lnRef idx="2">
+        <a:scrgbClr r="0" g="0" b="0"/>
+      </a:lnRef>
+      <a:fillRef idx="1">
+        <a:scrgbClr r="0" g="0" b="0"/>
+      </a:fillRef>
+      <a:effectRef idx="0">
+        <a:scrgbClr r="0" g="0" b="0"/>
+      </a:effectRef>
+      <a:fontRef idx="minor"/>
+    </dgm:style>
+  </dgm:styleLbl>
+  <dgm:styleLbl name="fgAcc4">
+    <dgm:scene3d>
+      <a:camera prst="orthographicFront"/>
+      <a:lightRig rig="threePt" dir="t"/>
+    </dgm:scene3d>
+    <dgm:sp3d/>
+    <dgm:txPr/>
+    <dgm:style>
+      <a:lnRef idx="2">
+        <a:scrgbClr r="0" g="0" b="0"/>
+      </a:lnRef>
+      <a:fillRef idx="1">
+        <a:scrgbClr r="0" g="0" b="0"/>
+      </a:fillRef>
+      <a:effectRef idx="0">
+        <a:scrgbClr r="0" g="0" b="0"/>
+      </a:effectRef>
+      <a:fontRef idx="minor"/>
+    </dgm:style>
+  </dgm:styleLbl>
+  <dgm:styleLbl name="bgShp">
+    <dgm:scene3d>
+      <a:camera prst="orthographicFront"/>
+      <a:lightRig rig="threePt" dir="t"/>
+    </dgm:scene3d>
+    <dgm:sp3d/>
+    <dgm:txPr/>
+    <dgm:style>
+      <a:lnRef idx="0">
+        <a:scrgbClr r="0" g="0" b="0"/>
+      </a:lnRef>
+      <a:fillRef idx="1">
+        <a:scrgbClr r="0" g="0" b="0"/>
+      </a:fillRef>
+      <a:effectRef idx="0">
+        <a:scrgbClr r="0" g="0" b="0"/>
+      </a:effectRef>
+      <a:fontRef idx="minor"/>
+    </dgm:style>
+  </dgm:styleLbl>
+  <dgm:styleLbl name="dkBgShp">
+    <dgm:scene3d>
+      <a:camera prst="orthographicFront"/>
+      <a:lightRig rig="threePt" dir="t"/>
+    </dgm:scene3d>
+    <dgm:sp3d/>
+    <dgm:txPr/>
+    <dgm:style>
+      <a:lnRef idx="0">
+        <a:scrgbClr r="0" g="0" b="0"/>
+      </a:lnRef>
+      <a:fillRef idx="1">
+        <a:scrgbClr r="0" g="0" b="0"/>
+      </a:fillRef>
+      <a:effectRef idx="0">
+        <a:scrgbClr r="0" g="0" b="0"/>
+      </a:effectRef>
+      <a:fontRef idx="minor"/>
+    </dgm:style>
+  </dgm:styleLbl>
+  <dgm:styleLbl name="trBgShp">
+    <dgm:scene3d>
+      <a:camera prst="orthographicFront"/>
+      <a:lightRig rig="threePt" dir="t"/>
+    </dgm:scene3d>
+    <dgm:sp3d/>
+    <dgm:txPr/>
+    <dgm:style>
+      <a:lnRef idx="0">
+        <a:scrgbClr r="0" g="0" b="0"/>
+      </a:lnRef>
+      <a:fillRef idx="1">
+        <a:scrgbClr r="0" g="0" b="0"/>
+      </a:fillRef>
+      <a:effectRef idx="0">
+        <a:scrgbClr r="0" g="0" b="0"/>
+      </a:effectRef>
+      <a:fontRef idx="minor"/>
+    </dgm:style>
+  </dgm:styleLbl>
+  <dgm:styleLbl name="fgShp">
+    <dgm:scene3d>
+      <a:camera prst="orthographicFront"/>
+      <a:lightRig rig="threePt" dir="t"/>
+    </dgm:scene3d>
+    <dgm:sp3d/>
+    <dgm:txPr/>
+    <dgm:style>
+      <a:lnRef idx="2">
+        <a:scrgbClr r="0" g="0" b="0"/>
+      </a:lnRef>
+      <a:fillRef idx="1">
+        <a:scrgbClr r="0" g="0" b="0"/>
+      </a:fillRef>
+      <a:effectRef idx="0">
+        <a:scrgbClr r="0" g="0" b="0"/>
+      </a:effectRef>
+      <a:fontRef idx="minor"/>
+    </dgm:style>
+  </dgm:styleLbl>
+  <dgm:styleLbl name="revTx">
+    <dgm:scene3d>
+      <a:camera prst="orthographicFront"/>
+      <a:lightRig rig="threePt" dir="t"/>
+    </dgm:scene3d>
+    <dgm:sp3d/>
+    <dgm:txPr/>
+    <dgm:style>
+      <a:lnRef idx="0">
+        <a:scrgbClr r="0" g="0" b="0"/>
+      </a:lnRef>
+      <a:fillRef idx="0">
+        <a:scrgbClr r="0" g="0" b="0"/>
+      </a:fillRef>
+      <a:effectRef idx="0">
+        <a:scrgbClr r="0" g="0" b="0"/>
+      </a:effectRef>
+      <a:fontRef idx="minor"/>
+    </dgm:style>
+  </dgm:styleLbl>
+</dgm:styleDef>
+</file>
+
 <file path=ppt/notesMasters/notesMaster1.xml><?xml version="1.0" encoding="utf-8"?>
 <p:notesMaster xmlns:a="http://schemas.openxmlformats.org/drawingml/2006/main" xmlns:r="http://schemas.openxmlformats.org/officeDocument/2006/relationships" xmlns:p="http://schemas.openxmlformats.org/presentationml/2006/main">
   <p:cSld>
@@ -7092,7 +10897,7 @@
           <a:p>
             <a:fld id="{9ADA5B36-BD01-47CD-B491-940693B77A9A}" type="datetimeFigureOut">
               <a:rPr lang="en-US" smtClean="0"/>
-              <a:t>11/7/22</a:t>
+              <a:t>11/11/2022</a:t>
             </a:fld>
             <a:endParaRPr lang="en-US"/>
           </a:p>
@@ -7443,6 +11248,90 @@
 </p:notes>
 </file>
 
+<file path=ppt/notesSlides/notesSlide10.xml><?xml version="1.0" encoding="utf-8"?>
+<p:notes xmlns:a="http://schemas.openxmlformats.org/drawingml/2006/main" xmlns:r="http://schemas.openxmlformats.org/officeDocument/2006/relationships" xmlns:p="http://schemas.openxmlformats.org/presentationml/2006/main">
+  <p:cSld>
+    <p:spTree>
+      <p:nvGrpSpPr>
+        <p:cNvPr id="1" name=""/>
+        <p:cNvGrpSpPr/>
+        <p:nvPr/>
+      </p:nvGrpSpPr>
+      <p:grpSpPr>
+        <a:xfrm>
+          <a:off x="0" y="0"/>
+          <a:ext cx="0" cy="0"/>
+          <a:chOff x="0" y="0"/>
+          <a:chExt cx="0" cy="0"/>
+        </a:xfrm>
+      </p:grpSpPr>
+      <p:sp>
+        <p:nvSpPr>
+          <p:cNvPr id="2" name="Slide Image Placeholder 1"/>
+          <p:cNvSpPr>
+            <a:spLocks noGrp="1" noRot="1" noChangeAspect="1"/>
+          </p:cNvSpPr>
+          <p:nvPr>
+            <p:ph type="sldImg"/>
+          </p:nvPr>
+        </p:nvSpPr>
+        <p:spPr/>
+      </p:sp>
+      <p:sp>
+        <p:nvSpPr>
+          <p:cNvPr id="3" name="Notes Placeholder 2"/>
+          <p:cNvSpPr>
+            <a:spLocks noGrp="1"/>
+          </p:cNvSpPr>
+          <p:nvPr>
+            <p:ph type="body" idx="1"/>
+          </p:nvPr>
+        </p:nvSpPr>
+        <p:spPr/>
+        <p:txBody>
+          <a:bodyPr/>
+          <a:lstStyle/>
+          <a:p>
+            <a:endParaRPr lang="en-US" dirty="0"/>
+          </a:p>
+        </p:txBody>
+      </p:sp>
+      <p:sp>
+        <p:nvSpPr>
+          <p:cNvPr id="4" name="Slide Number Placeholder 3"/>
+          <p:cNvSpPr>
+            <a:spLocks noGrp="1"/>
+          </p:cNvSpPr>
+          <p:nvPr>
+            <p:ph type="sldNum" sz="quarter" idx="5"/>
+          </p:nvPr>
+        </p:nvSpPr>
+        <p:spPr/>
+        <p:txBody>
+          <a:bodyPr/>
+          <a:lstStyle/>
+          <a:p>
+            <a:fld id="{E3B866C1-D4D8-42C4-BACA-D1CCAC4472DF}" type="slidenum">
+              <a:rPr lang="en-US" smtClean="0"/>
+              <a:t>52</a:t>
+            </a:fld>
+            <a:endParaRPr lang="en-US"/>
+          </a:p>
+        </p:txBody>
+      </p:sp>
+    </p:spTree>
+    <p:extLst>
+      <p:ext uri="{BB962C8B-B14F-4D97-AF65-F5344CB8AC3E}">
+        <p14:creationId xmlns:p14="http://schemas.microsoft.com/office/powerpoint/2010/main" val="2727169059"/>
+      </p:ext>
+    </p:extLst>
+  </p:cSld>
+  <p:clrMapOvr>
+    <a:masterClrMapping/>
+  </p:clrMapOvr>
+</p:notes>
+</file>
+
 <file path=ppt/notesSlides/notesSlide2.xml><?xml version="1.0" encoding="utf-8"?>
 <p:notes xmlns:a="http://schemas.openxmlformats.org/drawingml/2006/main" xmlns:r="http://schemas.openxmlformats.org/officeDocument/2006/relationships" xmlns:p="http://schemas.openxmlformats.org/presentationml/2006/main">
   <p:cSld>
@@ -16908,7 +20797,7 @@
           <a:p>
             <a:fld id="{3CB14515-8DA5-4B82-96E7-E758FF8ACA06}" type="datetimeFigureOut">
               <a:rPr lang="en-US" smtClean="0"/>
-              <a:t>11/7/22</a:t>
+              <a:t>11/11/2022</a:t>
             </a:fld>
             <a:endParaRPr lang="en-US"/>
           </a:p>
@@ -17115,7 +21004,7 @@
           <a:p>
             <a:fld id="{3CB14515-8DA5-4B82-96E7-E758FF8ACA06}" type="datetimeFigureOut">
               <a:rPr lang="en-US" smtClean="0"/>
-              <a:t>11/7/22</a:t>
+              <a:t>11/11/2022</a:t>
             </a:fld>
             <a:endParaRPr lang="en-US"/>
           </a:p>
@@ -17295,7 +21184,7 @@
           <a:p>
             <a:fld id="{3CB14515-8DA5-4B82-96E7-E758FF8ACA06}" type="datetimeFigureOut">
               <a:rPr lang="en-US" smtClean="0"/>
-              <a:t>11/7/22</a:t>
+              <a:t>11/11/2022</a:t>
             </a:fld>
             <a:endParaRPr lang="en-US"/>
           </a:p>
@@ -17500,7 +21389,7 @@
           <a:p>
             <a:fld id="{3CB14515-8DA5-4B82-96E7-E758FF8ACA06}" type="datetimeFigureOut">
               <a:rPr lang="en-US" smtClean="0"/>
-              <a:t>11/7/22</a:t>
+              <a:t>11/11/2022</a:t>
             </a:fld>
             <a:endParaRPr lang="en-US"/>
           </a:p>
@@ -26398,7 +30287,7 @@
           <a:p>
             <a:fld id="{3CB14515-8DA5-4B82-96E7-E758FF8ACA06}" type="datetimeFigureOut">
               <a:rPr lang="en-US" smtClean="0"/>
-              <a:t>11/7/22</a:t>
+              <a:t>11/11/2022</a:t>
             </a:fld>
             <a:endParaRPr lang="en-US"/>
           </a:p>
@@ -26672,7 +30561,7 @@
           <a:p>
             <a:fld id="{3CB14515-8DA5-4B82-96E7-E758FF8ACA06}" type="datetimeFigureOut">
               <a:rPr lang="en-US" smtClean="0"/>
-              <a:t>11/7/22</a:t>
+              <a:t>11/11/2022</a:t>
             </a:fld>
             <a:endParaRPr lang="en-US"/>
           </a:p>
@@ -27070,7 +30959,7 @@
           <a:p>
             <a:fld id="{3CB14515-8DA5-4B82-96E7-E758FF8ACA06}" type="datetimeFigureOut">
               <a:rPr lang="en-US" smtClean="0"/>
-              <a:t>11/7/22</a:t>
+              <a:t>11/11/2022</a:t>
             </a:fld>
             <a:endParaRPr lang="en-US"/>
           </a:p>
@@ -27188,7 +31077,7 @@
           <a:p>
             <a:fld id="{3CB14515-8DA5-4B82-96E7-E758FF8ACA06}" type="datetimeFigureOut">
               <a:rPr lang="en-US" smtClean="0"/>
-              <a:t>11/7/22</a:t>
+              <a:t>11/11/2022</a:t>
             </a:fld>
             <a:endParaRPr lang="en-US"/>
           </a:p>
@@ -27283,7 +31172,7 @@
           <a:p>
             <a:fld id="{3CB14515-8DA5-4B82-96E7-E758FF8ACA06}" type="datetimeFigureOut">
               <a:rPr lang="en-US" smtClean="0"/>
-              <a:t>11/7/22</a:t>
+              <a:t>11/11/2022</a:t>
             </a:fld>
             <a:endParaRPr lang="en-US"/>
           </a:p>
@@ -27573,7 +31462,7 @@
           <a:p>
             <a:fld id="{3CB14515-8DA5-4B82-96E7-E758FF8ACA06}" type="datetimeFigureOut">
               <a:rPr lang="en-US" smtClean="0"/>
-              <a:t>11/7/22</a:t>
+              <a:t>11/11/2022</a:t>
             </a:fld>
             <a:endParaRPr lang="en-US"/>
           </a:p>
@@ -27853,7 +31742,7 @@
           <a:p>
             <a:fld id="{3CB14515-8DA5-4B82-96E7-E758FF8ACA06}" type="datetimeFigureOut">
               <a:rPr lang="en-US" smtClean="0"/>
-              <a:t>11/7/22</a:t>
+              <a:t>11/11/2022</a:t>
             </a:fld>
             <a:endParaRPr lang="en-US"/>
           </a:p>
@@ -28103,7 +31992,7 @@
           <a:p>
             <a:fld id="{3CB14515-8DA5-4B82-96E7-E758FF8ACA06}" type="datetimeFigureOut">
               <a:rPr lang="en-US" smtClean="0"/>
-              <a:t>11/7/22</a:t>
+              <a:t>11/11/2022</a:t>
             </a:fld>
             <a:endParaRPr lang="en-US"/>
           </a:p>
@@ -28664,7 +32553,7 @@
             <p:ph idx="1"/>
             <p:extLst>
               <p:ext uri="{D42A27DB-BD31-4B8C-83A1-F6EECF244321}">
-                <p14:modId xmlns:p14="http://schemas.microsoft.com/office/powerpoint/2010/main" val="3111119988"/>
+                <p14:modId xmlns:p14="http://schemas.microsoft.com/office/powerpoint/2010/main" val="575611247"/>
               </p:ext>
             </p:extLst>
           </p:nvPr>
@@ -43923,7 +47812,7 @@
         </p:spPr>
         <p:txBody>
           <a:bodyPr>
-            <a:normAutofit/>
+            <a:normAutofit fontScale="92500" lnSpcReduction="10000"/>
           </a:bodyPr>
           <a:lstStyle/>
           <a:p>
@@ -44005,6 +47894,30 @@
               <a:rPr lang="en-US" dirty="0"/>
               <a:t>Elimination of debt if the conversion option is exercised</a:t>
             </a:r>
+          </a:p>
+          <a:p>
+            <a:pPr marL="0" indent="0">
+              <a:buNone/>
+            </a:pPr>
+            <a:r>
+              <a:rPr lang="en-US" dirty="0"/>
+              <a:t>Compare with option-free bond: </a:t>
+            </a:r>
+            <a:r>
+              <a:rPr lang="en-US" dirty="0">
+                <a:solidFill>
+                  <a:srgbClr val="FF0000"/>
+                </a:solidFill>
+              </a:rPr>
+              <a:t>higher price, lower yield</a:t>
+            </a:r>
+          </a:p>
+          <a:p>
+            <a:pPr>
+              <a:buFont typeface="Wingdings" panose="05000000000000000000" pitchFamily="2" charset="2"/>
+              <a:buChar char="§"/>
+            </a:pPr>
+            <a:endParaRPr lang="en-US" dirty="0"/>
           </a:p>
           <a:p>
             <a:endParaRPr lang="en-US" dirty="0"/>
@@ -44534,20 +48447,6 @@
           <a:p>
             <a:r>
               <a:rPr lang="en-US" dirty="0"/>
-              <a:t>Compare with option-free bond: </a:t>
-            </a:r>
-            <a:r>
-              <a:rPr lang="en-US" dirty="0">
-                <a:solidFill>
-                  <a:srgbClr val="FF0000"/>
-                </a:solidFill>
-              </a:rPr>
-              <a:t>higher price, lower yield</a:t>
-            </a:r>
-          </a:p>
-          <a:p>
-            <a:r>
-              <a:rPr lang="en-US" dirty="0"/>
               <a:t>A </a:t>
             </a:r>
             <a:r>
@@ -44968,12 +48867,12 @@
         </p:spPr>
         <p:txBody>
           <a:bodyPr>
-            <a:normAutofit/>
+            <a:noAutofit/>
           </a:bodyPr>
           <a:lstStyle/>
           <a:p>
             <a:r>
-              <a:rPr lang="en-US" sz="1200" dirty="0"/>
+              <a:rPr lang="en-US" sz="1400" dirty="0"/>
               <a:t>1. Which of the following is not an example of an embedded option?</a:t>
             </a:r>
           </a:p>
@@ -44983,7 +48882,7 @@
               <a:buAutoNum type="alphaUcPeriod"/>
             </a:pPr>
             <a:r>
-              <a:rPr lang="en-US" sz="1200" b="1" dirty="0"/>
+              <a:rPr lang="en-US" sz="1400" b="1" dirty="0"/>
               <a:t>Warrant</a:t>
             </a:r>
           </a:p>
@@ -44993,7 +48892,7 @@
               <a:buAutoNum type="alphaUcPeriod"/>
             </a:pPr>
             <a:r>
-              <a:rPr lang="en-US" sz="1200" b="1" dirty="0"/>
+              <a:rPr lang="en-US" sz="1400" b="1" dirty="0"/>
               <a:t>Call provision</a:t>
             </a:r>
           </a:p>
@@ -45003,13 +48902,13 @@
               <a:buAutoNum type="alphaUcPeriod"/>
             </a:pPr>
             <a:r>
-              <a:rPr lang="en-US" sz="1200" b="1" dirty="0"/>
+              <a:rPr lang="en-US" sz="1400" b="1" dirty="0"/>
               <a:t>Conversion provision</a:t>
             </a:r>
           </a:p>
           <a:p>
             <a:r>
-              <a:rPr lang="en-US" sz="1200" dirty="0"/>
+              <a:rPr lang="en-US" sz="1400" dirty="0"/>
               <a:t>2. The type of bond with an embedded option that would most likely sell at a lower price than an otherwise similar bond without the embedded option is a:</a:t>
             </a:r>
           </a:p>
@@ -45019,12 +48918,8 @@
               <a:buAutoNum type="alphaUcPeriod"/>
             </a:pPr>
             <a:r>
-              <a:rPr lang="en-US" sz="1200" b="1" dirty="0" err="1"/>
-              <a:t>putable</a:t>
-            </a:r>
-            <a:r>
-              <a:rPr lang="en-US" sz="1200" b="1" dirty="0"/>
-              <a:t> bond.</a:t>
+              <a:rPr lang="en-US" sz="1400" b="1" dirty="0"/>
+              <a:t>putable bond.</a:t>
             </a:r>
           </a:p>
           <a:p>
@@ -45033,7 +48928,7 @@
               <a:buAutoNum type="alphaUcPeriod"/>
             </a:pPr>
             <a:r>
-              <a:rPr lang="en-US" sz="1200" b="1" dirty="0"/>
+              <a:rPr lang="en-US" sz="1400" b="1" dirty="0"/>
               <a:t>callable bond.</a:t>
             </a:r>
           </a:p>
@@ -45043,13 +48938,13 @@
               <a:buAutoNum type="alphaUcPeriod"/>
             </a:pPr>
             <a:r>
-              <a:rPr lang="en-US" sz="1200" b="1" dirty="0"/>
+              <a:rPr lang="en-US" sz="1400" b="1" dirty="0"/>
               <a:t>convertible bond.</a:t>
             </a:r>
           </a:p>
           <a:p>
             <a:r>
-              <a:rPr lang="en-US" sz="1200" dirty="0"/>
+              <a:rPr lang="en-US" sz="1400" dirty="0"/>
               <a:t>3. The additional risk inherent to a callable bond is best described as:</a:t>
             </a:r>
           </a:p>
@@ -45059,7 +48954,7 @@
               <a:buAutoNum type="alphaUcPeriod"/>
             </a:pPr>
             <a:r>
-              <a:rPr lang="en-US" sz="1200" b="1" dirty="0"/>
+              <a:rPr lang="en-US" sz="1400" b="1" dirty="0"/>
               <a:t>credit risk.</a:t>
             </a:r>
           </a:p>
@@ -45069,7 +48964,7 @@
               <a:buAutoNum type="alphaUcPeriod"/>
             </a:pPr>
             <a:r>
-              <a:rPr lang="en-US" sz="1200" b="1" dirty="0"/>
+              <a:rPr lang="en-US" sz="1400" b="1" dirty="0"/>
               <a:t>interest rate risk.</a:t>
             </a:r>
           </a:p>
@@ -45079,7 +48974,7 @@
               <a:buAutoNum type="alphaUcPeriod"/>
             </a:pPr>
             <a:r>
-              <a:rPr lang="en-US" sz="1200" b="1" dirty="0"/>
+              <a:rPr lang="en-US" sz="1400" b="1" dirty="0"/>
               <a:t>reinvestment risk.</a:t>
             </a:r>
           </a:p>
@@ -45400,6 +49295,2047 @@
 </p:sld>
 </file>
 
+<file path=ppt/slides/slide53.xml><?xml version="1.0" encoding="utf-8"?>
+<p:sld xmlns:a="http://schemas.openxmlformats.org/drawingml/2006/main" xmlns:r="http://schemas.openxmlformats.org/officeDocument/2006/relationships" xmlns:p="http://schemas.openxmlformats.org/presentationml/2006/main">
+  <p:cSld>
+    <p:spTree>
+      <p:nvGrpSpPr>
+        <p:cNvPr id="1" name=""/>
+        <p:cNvGrpSpPr/>
+        <p:nvPr/>
+      </p:nvGrpSpPr>
+      <p:grpSpPr>
+        <a:xfrm>
+          <a:off x="0" y="0"/>
+          <a:ext cx="0" cy="0"/>
+          <a:chOff x="0" y="0"/>
+          <a:chExt cx="0" cy="0"/>
+        </a:xfrm>
+      </p:grpSpPr>
+      <p:sp>
+        <p:nvSpPr>
+          <p:cNvPr id="2" name="Title 1">
+            <a:extLst>
+              <a:ext uri="{FF2B5EF4-FFF2-40B4-BE49-F238E27FC236}">
+                <a16:creationId xmlns:a16="http://schemas.microsoft.com/office/drawing/2014/main" id="{733A69C3-5E32-47DA-8A19-34807962269E}"/>
+              </a:ext>
+            </a:extLst>
+          </p:cNvPr>
+          <p:cNvSpPr>
+            <a:spLocks noGrp="1"/>
+          </p:cNvSpPr>
+          <p:nvPr>
+            <p:ph type="title"/>
+          </p:nvPr>
+        </p:nvSpPr>
+        <p:spPr>
+          <a:xfrm>
+            <a:off x="1024128" y="585216"/>
+            <a:ext cx="9720072" cy="1499616"/>
+          </a:xfrm>
+        </p:spPr>
+        <p:txBody>
+          <a:bodyPr>
+            <a:normAutofit/>
+          </a:bodyPr>
+          <a:lstStyle/>
+          <a:p>
+            <a:r>
+              <a:rPr lang="en-US" dirty="0"/>
+              <a:t>Fixed income</a:t>
+            </a:r>
+          </a:p>
+        </p:txBody>
+      </p:sp>
+      <p:graphicFrame>
+        <p:nvGraphicFramePr>
+          <p:cNvPr id="5" name="Content Placeholder 2">
+            <a:extLst>
+              <a:ext uri="{FF2B5EF4-FFF2-40B4-BE49-F238E27FC236}">
+                <a16:creationId xmlns:a16="http://schemas.microsoft.com/office/drawing/2014/main" id="{5DA5F04F-F762-5B91-6136-506B5A69AC3A}"/>
+              </a:ext>
+            </a:extLst>
+          </p:cNvPr>
+          <p:cNvGraphicFramePr>
+            <a:graphicFrameLocks noGrp="1"/>
+          </p:cNvGraphicFramePr>
+          <p:nvPr>
+            <p:ph idx="1"/>
+            <p:extLst>
+              <p:ext uri="{D42A27DB-BD31-4B8C-83A1-F6EECF244321}">
+                <p14:modId xmlns:p14="http://schemas.microsoft.com/office/powerpoint/2010/main" val="537317246"/>
+              </p:ext>
+            </p:extLst>
+          </p:nvPr>
+        </p:nvGraphicFramePr>
+        <p:xfrm>
+          <a:off x="1023938" y="2286000"/>
+          <a:ext cx="9720262" cy="4022725"/>
+        </p:xfrm>
+        <a:graphic>
+          <a:graphicData uri="http://schemas.openxmlformats.org/drawingml/2006/diagram">
+            <dgm:relIds xmlns:dgm="http://schemas.openxmlformats.org/drawingml/2006/diagram" xmlns:r="http://schemas.openxmlformats.org/officeDocument/2006/relationships" r:dm="rId2" r:lo="rId3" r:qs="rId4" r:cs="rId5"/>
+          </a:graphicData>
+        </a:graphic>
+      </p:graphicFrame>
+    </p:spTree>
+    <p:extLst>
+      <p:ext uri="{BB962C8B-B14F-4D97-AF65-F5344CB8AC3E}">
+        <p14:creationId xmlns:p14="http://schemas.microsoft.com/office/powerpoint/2010/main" val="2838343392"/>
+      </p:ext>
+    </p:extLst>
+  </p:cSld>
+  <p:clrMapOvr>
+    <a:masterClrMapping/>
+  </p:clrMapOvr>
+</p:sld>
+</file>
+
+<file path=ppt/slides/slide54.xml><?xml version="1.0" encoding="utf-8"?>
+<p:sld xmlns:a="http://schemas.openxmlformats.org/drawingml/2006/main" xmlns:r="http://schemas.openxmlformats.org/officeDocument/2006/relationships" xmlns:p="http://schemas.openxmlformats.org/presentationml/2006/main">
+  <p:cSld>
+    <p:spTree>
+      <p:nvGrpSpPr>
+        <p:cNvPr id="1" name=""/>
+        <p:cNvGrpSpPr/>
+        <p:nvPr/>
+      </p:nvGrpSpPr>
+      <p:grpSpPr>
+        <a:xfrm>
+          <a:off x="0" y="0"/>
+          <a:ext cx="0" cy="0"/>
+          <a:chOff x="0" y="0"/>
+          <a:chExt cx="0" cy="0"/>
+        </a:xfrm>
+      </p:grpSpPr>
+      <p:sp>
+        <p:nvSpPr>
+          <p:cNvPr id="2" name="Title 1">
+            <a:extLst>
+              <a:ext uri="{FF2B5EF4-FFF2-40B4-BE49-F238E27FC236}">
+                <a16:creationId xmlns:a16="http://schemas.microsoft.com/office/drawing/2014/main" id="{A600719C-95D1-45C9-8195-4AF9CD0F937E}"/>
+              </a:ext>
+            </a:extLst>
+          </p:cNvPr>
+          <p:cNvSpPr>
+            <a:spLocks noGrp="1"/>
+          </p:cNvSpPr>
+          <p:nvPr>
+            <p:ph type="title"/>
+          </p:nvPr>
+        </p:nvSpPr>
+        <p:spPr/>
+        <p:txBody>
+          <a:bodyPr>
+            <a:normAutofit/>
+          </a:bodyPr>
+          <a:lstStyle/>
+          <a:p>
+            <a:r>
+              <a:rPr lang="en-US" sz="3500" dirty="0"/>
+              <a:t>Module2</a:t>
+            </a:r>
+            <a:br>
+              <a:rPr lang="en-US" sz="3500" dirty="0"/>
+            </a:br>
+            <a:r>
+              <a:rPr lang="en-US" sz="3500" dirty="0"/>
+              <a:t>Fixed-Income markets: </a:t>
+            </a:r>
+            <a:br>
+              <a:rPr lang="en-US" sz="3500" dirty="0"/>
+            </a:br>
+            <a:r>
+              <a:rPr lang="en-US" sz="3500" dirty="0"/>
+              <a:t>issuance, trading, and funding</a:t>
+            </a:r>
+          </a:p>
+        </p:txBody>
+      </p:sp>
+      <p:sp>
+        <p:nvSpPr>
+          <p:cNvPr id="3" name="Content Placeholder 2">
+            <a:extLst>
+              <a:ext uri="{FF2B5EF4-FFF2-40B4-BE49-F238E27FC236}">
+                <a16:creationId xmlns:a16="http://schemas.microsoft.com/office/drawing/2014/main" id="{E2B4840C-5F98-47C1-942F-3C147BA070D5}"/>
+              </a:ext>
+            </a:extLst>
+          </p:cNvPr>
+          <p:cNvSpPr>
+            <a:spLocks noGrp="1"/>
+          </p:cNvSpPr>
+          <p:nvPr>
+            <p:ph idx="1"/>
+          </p:nvPr>
+        </p:nvSpPr>
+        <p:spPr/>
+        <p:txBody>
+          <a:bodyPr>
+            <a:normAutofit/>
+          </a:bodyPr>
+          <a:lstStyle/>
+          <a:p>
+            <a:r>
+              <a:rPr lang="en-US" sz="2800" b="1" dirty="0">
+                <a:solidFill>
+                  <a:srgbClr val="FF0000"/>
+                </a:solidFill>
+              </a:rPr>
+              <a:t>Classification of fixed-income markets</a:t>
+            </a:r>
+          </a:p>
+          <a:p>
+            <a:pPr>
+              <a:buFont typeface="Wingdings" panose="05000000000000000000" pitchFamily="2" charset="2"/>
+              <a:buChar char="§"/>
+            </a:pPr>
+            <a:r>
+              <a:rPr lang="en-US" sz="2000" dirty="0"/>
+              <a:t>Classification by type of issuer</a:t>
+            </a:r>
+          </a:p>
+          <a:p>
+            <a:pPr>
+              <a:buFont typeface="Wingdings" panose="05000000000000000000" pitchFamily="2" charset="2"/>
+              <a:buChar char="§"/>
+            </a:pPr>
+            <a:r>
+              <a:rPr lang="en-US" sz="2000" dirty="0"/>
+              <a:t>Classification by credit quality</a:t>
+            </a:r>
+          </a:p>
+          <a:p>
+            <a:pPr>
+              <a:buFont typeface="Wingdings" panose="05000000000000000000" pitchFamily="2" charset="2"/>
+              <a:buChar char="§"/>
+            </a:pPr>
+            <a:r>
+              <a:rPr lang="en-US" sz="2000" dirty="0"/>
+              <a:t>Classification by maturity</a:t>
+            </a:r>
+          </a:p>
+          <a:p>
+            <a:pPr>
+              <a:buFont typeface="Wingdings" panose="05000000000000000000" pitchFamily="2" charset="2"/>
+              <a:buChar char="§"/>
+            </a:pPr>
+            <a:r>
+              <a:rPr lang="en-US" sz="2000" dirty="0"/>
+              <a:t>Classification by currency denomination</a:t>
+            </a:r>
+          </a:p>
+          <a:p>
+            <a:pPr>
+              <a:buFont typeface="Wingdings" panose="05000000000000000000" pitchFamily="2" charset="2"/>
+              <a:buChar char="§"/>
+            </a:pPr>
+            <a:r>
+              <a:rPr lang="en-US" sz="2000" dirty="0"/>
+              <a:t>Classification by type of coupon</a:t>
+            </a:r>
+          </a:p>
+          <a:p>
+            <a:pPr>
+              <a:buFont typeface="Wingdings" panose="05000000000000000000" pitchFamily="2" charset="2"/>
+              <a:buChar char="§"/>
+            </a:pPr>
+            <a:r>
+              <a:rPr lang="en-US" sz="2000" dirty="0"/>
+              <a:t>Classification by geography</a:t>
+            </a:r>
+          </a:p>
+          <a:p>
+            <a:pPr>
+              <a:buFont typeface="Wingdings" panose="05000000000000000000" pitchFamily="2" charset="2"/>
+              <a:buChar char="§"/>
+            </a:pPr>
+            <a:r>
+              <a:rPr lang="en-US" sz="2000" dirty="0"/>
+              <a:t>Other classifications of fixed-income markets</a:t>
+            </a:r>
+          </a:p>
+        </p:txBody>
+      </p:sp>
+    </p:spTree>
+    <p:extLst>
+      <p:ext uri="{BB962C8B-B14F-4D97-AF65-F5344CB8AC3E}">
+        <p14:creationId xmlns:p14="http://schemas.microsoft.com/office/powerpoint/2010/main" val="1503302639"/>
+      </p:ext>
+    </p:extLst>
+  </p:cSld>
+  <p:clrMapOvr>
+    <a:masterClrMapping/>
+  </p:clrMapOvr>
+</p:sld>
+</file>
+
+<file path=ppt/slides/slide55.xml><?xml version="1.0" encoding="utf-8"?>
+<p:sld xmlns:a="http://schemas.openxmlformats.org/drawingml/2006/main" xmlns:r="http://schemas.openxmlformats.org/officeDocument/2006/relationships" xmlns:p="http://schemas.openxmlformats.org/presentationml/2006/main">
+  <p:cSld>
+    <p:spTree>
+      <p:nvGrpSpPr>
+        <p:cNvPr id="1" name=""/>
+        <p:cNvGrpSpPr/>
+        <p:nvPr/>
+      </p:nvGrpSpPr>
+      <p:grpSpPr>
+        <a:xfrm>
+          <a:off x="0" y="0"/>
+          <a:ext cx="0" cy="0"/>
+          <a:chOff x="0" y="0"/>
+          <a:chExt cx="0" cy="0"/>
+        </a:xfrm>
+      </p:grpSpPr>
+      <p:sp>
+        <p:nvSpPr>
+          <p:cNvPr id="2" name="Title 1">
+            <a:extLst>
+              <a:ext uri="{FF2B5EF4-FFF2-40B4-BE49-F238E27FC236}">
+                <a16:creationId xmlns:a16="http://schemas.microsoft.com/office/drawing/2014/main" id="{14CC52DB-7AC9-4150-AC06-9B42B8CE559F}"/>
+              </a:ext>
+            </a:extLst>
+          </p:cNvPr>
+          <p:cNvSpPr>
+            <a:spLocks noGrp="1"/>
+          </p:cNvSpPr>
+          <p:nvPr>
+            <p:ph type="title"/>
+          </p:nvPr>
+        </p:nvSpPr>
+        <p:spPr/>
+        <p:txBody>
+          <a:bodyPr>
+            <a:normAutofit/>
+          </a:bodyPr>
+          <a:lstStyle/>
+          <a:p>
+            <a:r>
+              <a:rPr lang="en-US" sz="3500" dirty="0"/>
+              <a:t>Module2</a:t>
+            </a:r>
+            <a:br>
+              <a:rPr lang="en-US" sz="3500" dirty="0"/>
+            </a:br>
+            <a:r>
+              <a:rPr lang="en-US" sz="3500" dirty="0"/>
+              <a:t>Fixed-Income markets: </a:t>
+            </a:r>
+            <a:br>
+              <a:rPr lang="en-US" sz="3500" dirty="0"/>
+            </a:br>
+            <a:r>
+              <a:rPr lang="en-US" sz="3500" dirty="0"/>
+              <a:t>issuance, trading, and funding</a:t>
+            </a:r>
+          </a:p>
+        </p:txBody>
+      </p:sp>
+      <p:sp>
+        <p:nvSpPr>
+          <p:cNvPr id="3" name="Content Placeholder 2">
+            <a:extLst>
+              <a:ext uri="{FF2B5EF4-FFF2-40B4-BE49-F238E27FC236}">
+                <a16:creationId xmlns:a16="http://schemas.microsoft.com/office/drawing/2014/main" id="{08E60E4F-0ADE-42FA-B1F7-39D4307767B3}"/>
+              </a:ext>
+            </a:extLst>
+          </p:cNvPr>
+          <p:cNvSpPr>
+            <a:spLocks noGrp="1"/>
+          </p:cNvSpPr>
+          <p:nvPr>
+            <p:ph idx="1"/>
+          </p:nvPr>
+        </p:nvSpPr>
+        <p:spPr/>
+        <p:txBody>
+          <a:bodyPr/>
+          <a:lstStyle/>
+          <a:p>
+            <a:r>
+              <a:rPr lang="en-US" sz="2800" b="1" dirty="0">
+                <a:solidFill>
+                  <a:srgbClr val="FF0000"/>
+                </a:solidFill>
+              </a:rPr>
+              <a:t>Classification by type of issuer(1/7)</a:t>
+            </a:r>
+          </a:p>
+          <a:p>
+            <a:r>
+              <a:rPr lang="en-US" sz="2000" dirty="0"/>
+              <a:t>Four bond market sectors: households, non-financial corporates, government and financial institutions</a:t>
+            </a:r>
+          </a:p>
+          <a:p>
+            <a:endParaRPr lang="en-US" dirty="0"/>
+          </a:p>
+        </p:txBody>
+      </p:sp>
+      <p:graphicFrame>
+        <p:nvGraphicFramePr>
+          <p:cNvPr id="4" name="Table 3">
+            <a:extLst>
+              <a:ext uri="{FF2B5EF4-FFF2-40B4-BE49-F238E27FC236}">
+                <a16:creationId xmlns:a16="http://schemas.microsoft.com/office/drawing/2014/main" id="{0D48F85C-A480-40E2-94C4-2B1D4A60D68C}"/>
+              </a:ext>
+            </a:extLst>
+          </p:cNvPr>
+          <p:cNvGraphicFramePr>
+            <a:graphicFrameLocks noGrp="1"/>
+          </p:cNvGraphicFramePr>
+          <p:nvPr>
+            <p:extLst>
+              <p:ext uri="{D42A27DB-BD31-4B8C-83A1-F6EECF244321}">
+                <p14:modId xmlns:p14="http://schemas.microsoft.com/office/powerpoint/2010/main" val="4254373169"/>
+              </p:ext>
+            </p:extLst>
+          </p:nvPr>
+        </p:nvGraphicFramePr>
+        <p:xfrm>
+          <a:off x="1024128" y="3745254"/>
+          <a:ext cx="8128000" cy="1752600"/>
+        </p:xfrm>
+        <a:graphic>
+          <a:graphicData uri="http://schemas.openxmlformats.org/drawingml/2006/table">
+            <a:tbl>
+              <a:tblPr firstRow="1" bandRow="1">
+                <a:tableStyleId>{5C22544A-7EE6-4342-B048-85BDC9FD1C3A}</a:tableStyleId>
+              </a:tblPr>
+              <a:tblGrid>
+                <a:gridCol w="1490472">
+                  <a:extLst>
+                    <a:ext uri="{9D8B030D-6E8A-4147-A177-3AD203B41FA5}">
+                      <a16:colId xmlns:a16="http://schemas.microsoft.com/office/drawing/2014/main" val="248823626"/>
+                    </a:ext>
+                  </a:extLst>
+                </a:gridCol>
+                <a:gridCol w="1760728">
+                  <a:extLst>
+                    <a:ext uri="{9D8B030D-6E8A-4147-A177-3AD203B41FA5}">
+                      <a16:colId xmlns:a16="http://schemas.microsoft.com/office/drawing/2014/main" val="52392148"/>
+                    </a:ext>
+                  </a:extLst>
+                </a:gridCol>
+                <a:gridCol w="1625600">
+                  <a:extLst>
+                    <a:ext uri="{9D8B030D-6E8A-4147-A177-3AD203B41FA5}">
+                      <a16:colId xmlns:a16="http://schemas.microsoft.com/office/drawing/2014/main" val="3067596100"/>
+                    </a:ext>
+                  </a:extLst>
+                </a:gridCol>
+                <a:gridCol w="1427719">
+                  <a:extLst>
+                    <a:ext uri="{9D8B030D-6E8A-4147-A177-3AD203B41FA5}">
+                      <a16:colId xmlns:a16="http://schemas.microsoft.com/office/drawing/2014/main" val="1737152787"/>
+                    </a:ext>
+                  </a:extLst>
+                </a:gridCol>
+                <a:gridCol w="1823481">
+                  <a:extLst>
+                    <a:ext uri="{9D8B030D-6E8A-4147-A177-3AD203B41FA5}">
+                      <a16:colId xmlns:a16="http://schemas.microsoft.com/office/drawing/2014/main" val="3618383935"/>
+                    </a:ext>
+                  </a:extLst>
+                </a:gridCol>
+              </a:tblGrid>
+              <a:tr h="370840">
+                <a:tc gridSpan="5">
+                  <a:txBody>
+                    <a:bodyPr/>
+                    <a:lstStyle/>
+                    <a:p>
+                      <a:r>
+                        <a:rPr lang="en-US" dirty="0"/>
+                        <a:t>Global debt by sector at end of Q3 2019 in USD(USD TRILLION)</a:t>
+                      </a:r>
+                    </a:p>
+                  </a:txBody>
+                  <a:tcPr/>
+                </a:tc>
+                <a:tc hMerge="1">
+                  <a:txBody>
+                    <a:bodyPr/>
+                    <a:lstStyle/>
+                    <a:p>
+                      <a:endParaRPr lang="en-US" dirty="0"/>
+                    </a:p>
+                  </a:txBody>
+                  <a:tcPr/>
+                </a:tc>
+                <a:tc hMerge="1">
+                  <a:txBody>
+                    <a:bodyPr/>
+                    <a:lstStyle/>
+                    <a:p>
+                      <a:endParaRPr lang="en-US" dirty="0"/>
+                    </a:p>
+                  </a:txBody>
+                  <a:tcPr/>
+                </a:tc>
+                <a:tc hMerge="1">
+                  <a:txBody>
+                    <a:bodyPr/>
+                    <a:lstStyle/>
+                    <a:p>
+                      <a:endParaRPr lang="en-US" dirty="0"/>
+                    </a:p>
+                  </a:txBody>
+                  <a:tcPr/>
+                </a:tc>
+                <a:tc hMerge="1">
+                  <a:txBody>
+                    <a:bodyPr/>
+                    <a:lstStyle/>
+                    <a:p>
+                      <a:endParaRPr lang="en-US" dirty="0"/>
+                    </a:p>
+                  </a:txBody>
+                  <a:tcPr/>
+                </a:tc>
+                <a:extLst>
+                  <a:ext uri="{0D108BD9-81ED-4DB2-BD59-A6C34878D82A}">
+                    <a16:rowId xmlns:a16="http://schemas.microsoft.com/office/drawing/2014/main" val="2699436781"/>
+                  </a:ext>
+                </a:extLst>
+              </a:tr>
+              <a:tr h="370840">
+                <a:tc>
+                  <a:txBody>
+                    <a:bodyPr/>
+                    <a:lstStyle/>
+                    <a:p>
+                      <a:r>
+                        <a:rPr lang="en-US" dirty="0"/>
+                        <a:t>Households</a:t>
+                      </a:r>
+                    </a:p>
+                  </a:txBody>
+                  <a:tcPr/>
+                </a:tc>
+                <a:tc>
+                  <a:txBody>
+                    <a:bodyPr/>
+                    <a:lstStyle/>
+                    <a:p>
+                      <a:r>
+                        <a:rPr lang="en-US" dirty="0"/>
+                        <a:t>Non-financial Corporates</a:t>
+                      </a:r>
+                    </a:p>
+                  </a:txBody>
+                  <a:tcPr/>
+                </a:tc>
+                <a:tc>
+                  <a:txBody>
+                    <a:bodyPr/>
+                    <a:lstStyle/>
+                    <a:p>
+                      <a:r>
+                        <a:rPr lang="en-US" dirty="0"/>
+                        <a:t>Government</a:t>
+                      </a:r>
+                    </a:p>
+                  </a:txBody>
+                  <a:tcPr/>
+                </a:tc>
+                <a:tc>
+                  <a:txBody>
+                    <a:bodyPr/>
+                    <a:lstStyle/>
+                    <a:p>
+                      <a:r>
+                        <a:rPr lang="en-US" dirty="0"/>
+                        <a:t>Financial Sector</a:t>
+                      </a:r>
+                    </a:p>
+                  </a:txBody>
+                  <a:tcPr/>
+                </a:tc>
+                <a:tc>
+                  <a:txBody>
+                    <a:bodyPr/>
+                    <a:lstStyle/>
+                    <a:p>
+                      <a:r>
+                        <a:rPr lang="en-US" dirty="0"/>
+                        <a:t>Total</a:t>
+                      </a:r>
+                    </a:p>
+                  </a:txBody>
+                  <a:tcPr/>
+                </a:tc>
+                <a:extLst>
+                  <a:ext uri="{0D108BD9-81ED-4DB2-BD59-A6C34878D82A}">
+                    <a16:rowId xmlns:a16="http://schemas.microsoft.com/office/drawing/2014/main" val="4198217589"/>
+                  </a:ext>
+                </a:extLst>
+              </a:tr>
+              <a:tr h="370840">
+                <a:tc>
+                  <a:txBody>
+                    <a:bodyPr/>
+                    <a:lstStyle/>
+                    <a:p>
+                      <a:r>
+                        <a:rPr lang="en-US" dirty="0"/>
+                        <a:t>47.5</a:t>
+                      </a:r>
+                    </a:p>
+                  </a:txBody>
+                  <a:tcPr/>
+                </a:tc>
+                <a:tc>
+                  <a:txBody>
+                    <a:bodyPr/>
+                    <a:lstStyle/>
+                    <a:p>
+                      <a:r>
+                        <a:rPr lang="en-US" dirty="0"/>
+                        <a:t>74.4</a:t>
+                      </a:r>
+                    </a:p>
+                  </a:txBody>
+                  <a:tcPr/>
+                </a:tc>
+                <a:tc>
+                  <a:txBody>
+                    <a:bodyPr/>
+                    <a:lstStyle/>
+                    <a:p>
+                      <a:r>
+                        <a:rPr lang="en-US" dirty="0"/>
+                        <a:t>69.2</a:t>
+                      </a:r>
+                    </a:p>
+                  </a:txBody>
+                  <a:tcPr/>
+                </a:tc>
+                <a:tc>
+                  <a:txBody>
+                    <a:bodyPr/>
+                    <a:lstStyle/>
+                    <a:p>
+                      <a:r>
+                        <a:rPr lang="en-US" dirty="0"/>
+                        <a:t>61.5</a:t>
+                      </a:r>
+                    </a:p>
+                  </a:txBody>
+                  <a:tcPr/>
+                </a:tc>
+                <a:tc>
+                  <a:txBody>
+                    <a:bodyPr/>
+                    <a:lstStyle/>
+                    <a:p>
+                      <a:r>
+                        <a:rPr lang="en-US" dirty="0"/>
+                        <a:t>252.6</a:t>
+                      </a:r>
+                    </a:p>
+                  </a:txBody>
+                  <a:tcPr/>
+                </a:tc>
+                <a:extLst>
+                  <a:ext uri="{0D108BD9-81ED-4DB2-BD59-A6C34878D82A}">
+                    <a16:rowId xmlns:a16="http://schemas.microsoft.com/office/drawing/2014/main" val="328271208"/>
+                  </a:ext>
+                </a:extLst>
+              </a:tr>
+              <a:tr h="370840">
+                <a:tc>
+                  <a:txBody>
+                    <a:bodyPr/>
+                    <a:lstStyle/>
+                    <a:p>
+                      <a:r>
+                        <a:rPr lang="en-US" dirty="0"/>
+                        <a:t>18.8%</a:t>
+                      </a:r>
+                    </a:p>
+                  </a:txBody>
+                  <a:tcPr/>
+                </a:tc>
+                <a:tc>
+                  <a:txBody>
+                    <a:bodyPr/>
+                    <a:lstStyle/>
+                    <a:p>
+                      <a:r>
+                        <a:rPr lang="en-US" dirty="0"/>
+                        <a:t>29.5%</a:t>
+                      </a:r>
+                    </a:p>
+                  </a:txBody>
+                  <a:tcPr/>
+                </a:tc>
+                <a:tc>
+                  <a:txBody>
+                    <a:bodyPr/>
+                    <a:lstStyle/>
+                    <a:p>
+                      <a:r>
+                        <a:rPr lang="en-US" dirty="0"/>
+                        <a:t>27.4%</a:t>
+                      </a:r>
+                    </a:p>
+                  </a:txBody>
+                  <a:tcPr/>
+                </a:tc>
+                <a:tc>
+                  <a:txBody>
+                    <a:bodyPr/>
+                    <a:lstStyle/>
+                    <a:p>
+                      <a:r>
+                        <a:rPr lang="en-US" dirty="0"/>
+                        <a:t>24.3%</a:t>
+                      </a:r>
+                    </a:p>
+                  </a:txBody>
+                  <a:tcPr/>
+                </a:tc>
+                <a:tc>
+                  <a:txBody>
+                    <a:bodyPr/>
+                    <a:lstStyle/>
+                    <a:p>
+                      <a:r>
+                        <a:rPr lang="en-US" dirty="0"/>
+                        <a:t>100%</a:t>
+                      </a:r>
+                    </a:p>
+                  </a:txBody>
+                  <a:tcPr/>
+                </a:tc>
+                <a:extLst>
+                  <a:ext uri="{0D108BD9-81ED-4DB2-BD59-A6C34878D82A}">
+                    <a16:rowId xmlns:a16="http://schemas.microsoft.com/office/drawing/2014/main" val="704056687"/>
+                  </a:ext>
+                </a:extLst>
+              </a:tr>
+            </a:tbl>
+          </a:graphicData>
+        </a:graphic>
+      </p:graphicFrame>
+    </p:spTree>
+    <p:extLst>
+      <p:ext uri="{BB962C8B-B14F-4D97-AF65-F5344CB8AC3E}">
+        <p14:creationId xmlns:p14="http://schemas.microsoft.com/office/powerpoint/2010/main" val="2496640406"/>
+      </p:ext>
+    </p:extLst>
+  </p:cSld>
+  <p:clrMapOvr>
+    <a:masterClrMapping/>
+  </p:clrMapOvr>
+</p:sld>
+</file>
+
+<file path=ppt/slides/slide56.xml><?xml version="1.0" encoding="utf-8"?>
+<p:sld xmlns:a="http://schemas.openxmlformats.org/drawingml/2006/main" xmlns:r="http://schemas.openxmlformats.org/officeDocument/2006/relationships" xmlns:p="http://schemas.openxmlformats.org/presentationml/2006/main">
+  <p:cSld>
+    <p:spTree>
+      <p:nvGrpSpPr>
+        <p:cNvPr id="1" name=""/>
+        <p:cNvGrpSpPr/>
+        <p:nvPr/>
+      </p:nvGrpSpPr>
+      <p:grpSpPr>
+        <a:xfrm>
+          <a:off x="0" y="0"/>
+          <a:ext cx="0" cy="0"/>
+          <a:chOff x="0" y="0"/>
+          <a:chExt cx="0" cy="0"/>
+        </a:xfrm>
+      </p:grpSpPr>
+      <p:sp>
+        <p:nvSpPr>
+          <p:cNvPr id="2" name="Title 1">
+            <a:extLst>
+              <a:ext uri="{FF2B5EF4-FFF2-40B4-BE49-F238E27FC236}">
+                <a16:creationId xmlns:a16="http://schemas.microsoft.com/office/drawing/2014/main" id="{2F7255DE-6274-43AB-BE4F-9F0A3D491C34}"/>
+              </a:ext>
+            </a:extLst>
+          </p:cNvPr>
+          <p:cNvSpPr>
+            <a:spLocks noGrp="1"/>
+          </p:cNvSpPr>
+          <p:nvPr>
+            <p:ph type="title"/>
+          </p:nvPr>
+        </p:nvSpPr>
+        <p:spPr/>
+        <p:txBody>
+          <a:bodyPr>
+            <a:normAutofit/>
+          </a:bodyPr>
+          <a:lstStyle/>
+          <a:p>
+            <a:r>
+              <a:rPr lang="en-US" sz="3500" dirty="0"/>
+              <a:t>Module2</a:t>
+            </a:r>
+            <a:br>
+              <a:rPr lang="en-US" sz="3500" dirty="0"/>
+            </a:br>
+            <a:r>
+              <a:rPr lang="en-US" sz="3500" dirty="0"/>
+              <a:t>Fixed-Income markets: </a:t>
+            </a:r>
+            <a:br>
+              <a:rPr lang="en-US" sz="3500" dirty="0"/>
+            </a:br>
+            <a:r>
+              <a:rPr lang="en-US" sz="3500" dirty="0"/>
+              <a:t>issuance, trading, and funding</a:t>
+            </a:r>
+          </a:p>
+        </p:txBody>
+      </p:sp>
+      <p:sp>
+        <p:nvSpPr>
+          <p:cNvPr id="3" name="Content Placeholder 2">
+            <a:extLst>
+              <a:ext uri="{FF2B5EF4-FFF2-40B4-BE49-F238E27FC236}">
+                <a16:creationId xmlns:a16="http://schemas.microsoft.com/office/drawing/2014/main" id="{6685D902-6C21-4123-B82D-34DEB64838BC}"/>
+              </a:ext>
+            </a:extLst>
+          </p:cNvPr>
+          <p:cNvSpPr>
+            <a:spLocks noGrp="1"/>
+          </p:cNvSpPr>
+          <p:nvPr>
+            <p:ph idx="1"/>
+          </p:nvPr>
+        </p:nvSpPr>
+        <p:spPr/>
+        <p:txBody>
+          <a:bodyPr>
+            <a:normAutofit fontScale="92500" lnSpcReduction="20000"/>
+          </a:bodyPr>
+          <a:lstStyle/>
+          <a:p>
+            <a:r>
+              <a:rPr lang="en-US" sz="3000" b="1" dirty="0">
+                <a:solidFill>
+                  <a:srgbClr val="FF0000"/>
+                </a:solidFill>
+              </a:rPr>
+              <a:t>Classification by credit quality(2/7)</a:t>
+            </a:r>
+          </a:p>
+          <a:p>
+            <a:endParaRPr lang="en-US" sz="2800" b="1" dirty="0">
+              <a:solidFill>
+                <a:srgbClr val="FF0000"/>
+              </a:solidFill>
+            </a:endParaRPr>
+          </a:p>
+          <a:p>
+            <a:endParaRPr lang="en-US" sz="2800" b="1" dirty="0">
+              <a:solidFill>
+                <a:srgbClr val="FF0000"/>
+              </a:solidFill>
+            </a:endParaRPr>
+          </a:p>
+          <a:p>
+            <a:endParaRPr lang="en-US" sz="2800" b="1" dirty="0">
+              <a:solidFill>
+                <a:srgbClr val="FF0000"/>
+              </a:solidFill>
+            </a:endParaRPr>
+          </a:p>
+          <a:p>
+            <a:endParaRPr lang="en-US" sz="2800" b="1" dirty="0">
+              <a:solidFill>
+                <a:srgbClr val="FF0000"/>
+              </a:solidFill>
+            </a:endParaRPr>
+          </a:p>
+          <a:p>
+            <a:r>
+              <a:rPr lang="en-US" sz="3000" b="1" dirty="0">
+                <a:solidFill>
+                  <a:srgbClr val="FF0000"/>
+                </a:solidFill>
+              </a:rPr>
+              <a:t>Classification by maturity(3/7)</a:t>
+            </a:r>
+          </a:p>
+          <a:p>
+            <a:pPr>
+              <a:buFont typeface="Wingdings" panose="05000000000000000000" pitchFamily="2" charset="2"/>
+              <a:buChar char="§"/>
+            </a:pPr>
+            <a:r>
+              <a:rPr lang="en-US" dirty="0"/>
+              <a:t>Money market security: overnight to one year</a:t>
+            </a:r>
+          </a:p>
+          <a:p>
+            <a:pPr>
+              <a:buFont typeface="Wingdings" panose="05000000000000000000" pitchFamily="2" charset="2"/>
+              <a:buChar char="§"/>
+            </a:pPr>
+            <a:r>
+              <a:rPr lang="en-US" dirty="0"/>
+              <a:t>Capita market security: longer than one year</a:t>
+            </a:r>
+          </a:p>
+          <a:p>
+            <a:pPr marL="128016" lvl="1" indent="0">
+              <a:buNone/>
+            </a:pPr>
+            <a:r>
+              <a:rPr lang="en-US" dirty="0"/>
+              <a:t>						</a:t>
+            </a:r>
+          </a:p>
+          <a:p>
+            <a:pPr lvl="6"/>
+            <a:endParaRPr lang="en-US" dirty="0"/>
+          </a:p>
+        </p:txBody>
+      </p:sp>
+      <p:graphicFrame>
+        <p:nvGraphicFramePr>
+          <p:cNvPr id="4" name="Table 3">
+            <a:extLst>
+              <a:ext uri="{FF2B5EF4-FFF2-40B4-BE49-F238E27FC236}">
+                <a16:creationId xmlns:a16="http://schemas.microsoft.com/office/drawing/2014/main" id="{266D2CCA-D7EE-40C0-B24E-F74FBBF04E8D}"/>
+              </a:ext>
+            </a:extLst>
+          </p:cNvPr>
+          <p:cNvGraphicFramePr>
+            <a:graphicFrameLocks noGrp="1"/>
+          </p:cNvGraphicFramePr>
+          <p:nvPr>
+            <p:extLst>
+              <p:ext uri="{D42A27DB-BD31-4B8C-83A1-F6EECF244321}">
+                <p14:modId xmlns:p14="http://schemas.microsoft.com/office/powerpoint/2010/main" val="1454917788"/>
+              </p:ext>
+            </p:extLst>
+          </p:nvPr>
+        </p:nvGraphicFramePr>
+        <p:xfrm>
+          <a:off x="1024128" y="2749176"/>
+          <a:ext cx="8127999" cy="1656080"/>
+        </p:xfrm>
+        <a:graphic>
+          <a:graphicData uri="http://schemas.openxmlformats.org/drawingml/2006/table">
+            <a:tbl>
+              <a:tblPr firstRow="1" bandRow="1">
+                <a:tableStyleId>{5C22544A-7EE6-4342-B048-85BDC9FD1C3A}</a:tableStyleId>
+              </a:tblPr>
+              <a:tblGrid>
+                <a:gridCol w="2709333">
+                  <a:extLst>
+                    <a:ext uri="{9D8B030D-6E8A-4147-A177-3AD203B41FA5}">
+                      <a16:colId xmlns:a16="http://schemas.microsoft.com/office/drawing/2014/main" val="822137417"/>
+                    </a:ext>
+                  </a:extLst>
+                </a:gridCol>
+                <a:gridCol w="2709333">
+                  <a:extLst>
+                    <a:ext uri="{9D8B030D-6E8A-4147-A177-3AD203B41FA5}">
+                      <a16:colId xmlns:a16="http://schemas.microsoft.com/office/drawing/2014/main" val="3753428277"/>
+                    </a:ext>
+                  </a:extLst>
+                </a:gridCol>
+                <a:gridCol w="2709333">
+                  <a:extLst>
+                    <a:ext uri="{9D8B030D-6E8A-4147-A177-3AD203B41FA5}">
+                      <a16:colId xmlns:a16="http://schemas.microsoft.com/office/drawing/2014/main" val="1846629712"/>
+                    </a:ext>
+                  </a:extLst>
+                </a:gridCol>
+              </a:tblGrid>
+              <a:tr h="370840">
+                <a:tc>
+                  <a:txBody>
+                    <a:bodyPr/>
+                    <a:lstStyle/>
+                    <a:p>
+                      <a:endParaRPr lang="en-US" dirty="0"/>
+                    </a:p>
+                  </a:txBody>
+                  <a:tcPr/>
+                </a:tc>
+                <a:tc>
+                  <a:txBody>
+                    <a:bodyPr/>
+                    <a:lstStyle/>
+                    <a:p>
+                      <a:r>
+                        <a:rPr lang="en-US" dirty="0"/>
+                        <a:t>Moody</a:t>
+                      </a:r>
+                    </a:p>
+                  </a:txBody>
+                  <a:tcPr/>
+                </a:tc>
+                <a:tc>
+                  <a:txBody>
+                    <a:bodyPr/>
+                    <a:lstStyle/>
+                    <a:p>
+                      <a:r>
+                        <a:rPr lang="en-US" dirty="0"/>
+                        <a:t>S&amp;P, Fitch</a:t>
+                      </a:r>
+                    </a:p>
+                  </a:txBody>
+                  <a:tcPr/>
+                </a:tc>
+                <a:extLst>
+                  <a:ext uri="{0D108BD9-81ED-4DB2-BD59-A6C34878D82A}">
+                    <a16:rowId xmlns:a16="http://schemas.microsoft.com/office/drawing/2014/main" val="4046324711"/>
+                  </a:ext>
+                </a:extLst>
+              </a:tr>
+              <a:tr h="370840">
+                <a:tc>
+                  <a:txBody>
+                    <a:bodyPr/>
+                    <a:lstStyle/>
+                    <a:p>
+                      <a:r>
+                        <a:rPr lang="en-US" dirty="0"/>
+                        <a:t>Investment grade</a:t>
+                      </a:r>
+                    </a:p>
+                  </a:txBody>
+                  <a:tcPr/>
+                </a:tc>
+                <a:tc>
+                  <a:txBody>
+                    <a:bodyPr/>
+                    <a:lstStyle/>
+                    <a:p>
+                      <a:r>
+                        <a:rPr lang="en-US" dirty="0"/>
+                        <a:t>Baa3 or above</a:t>
+                      </a:r>
+                    </a:p>
+                  </a:txBody>
+                  <a:tcPr/>
+                </a:tc>
+                <a:tc>
+                  <a:txBody>
+                    <a:bodyPr/>
+                    <a:lstStyle/>
+                    <a:p>
+                      <a:r>
+                        <a:rPr lang="en-US" dirty="0"/>
+                        <a:t>BBB- or above</a:t>
+                      </a:r>
+                    </a:p>
+                  </a:txBody>
+                  <a:tcPr/>
+                </a:tc>
+                <a:extLst>
+                  <a:ext uri="{0D108BD9-81ED-4DB2-BD59-A6C34878D82A}">
+                    <a16:rowId xmlns:a16="http://schemas.microsoft.com/office/drawing/2014/main" val="1068756194"/>
+                  </a:ext>
+                </a:extLst>
+              </a:tr>
+              <a:tr h="370840">
+                <a:tc>
+                  <a:txBody>
+                    <a:bodyPr/>
+                    <a:lstStyle/>
+                    <a:p>
+                      <a:r>
+                        <a:rPr lang="en-US" dirty="0"/>
+                        <a:t>Non-investment grade</a:t>
+                      </a:r>
+                    </a:p>
+                    <a:p>
+                      <a:r>
+                        <a:rPr lang="en-US" dirty="0"/>
+                        <a:t>(high yield, speculative, junk)</a:t>
+                      </a:r>
+                    </a:p>
+                  </a:txBody>
+                  <a:tcPr/>
+                </a:tc>
+                <a:tc>
+                  <a:txBody>
+                    <a:bodyPr/>
+                    <a:lstStyle/>
+                    <a:p>
+                      <a:r>
+                        <a:rPr lang="en-US" dirty="0"/>
+                        <a:t>Below Baa3</a:t>
+                      </a:r>
+                    </a:p>
+                  </a:txBody>
+                  <a:tcPr/>
+                </a:tc>
+                <a:tc>
+                  <a:txBody>
+                    <a:bodyPr/>
+                    <a:lstStyle/>
+                    <a:p>
+                      <a:r>
+                        <a:rPr lang="en-US" dirty="0"/>
+                        <a:t>Below BBB-</a:t>
+                      </a:r>
+                    </a:p>
+                  </a:txBody>
+                  <a:tcPr/>
+                </a:tc>
+                <a:extLst>
+                  <a:ext uri="{0D108BD9-81ED-4DB2-BD59-A6C34878D82A}">
+                    <a16:rowId xmlns:a16="http://schemas.microsoft.com/office/drawing/2014/main" val="579598874"/>
+                  </a:ext>
+                </a:extLst>
+              </a:tr>
+            </a:tbl>
+          </a:graphicData>
+        </a:graphic>
+      </p:graphicFrame>
+    </p:spTree>
+    <p:extLst>
+      <p:ext uri="{BB962C8B-B14F-4D97-AF65-F5344CB8AC3E}">
+        <p14:creationId xmlns:p14="http://schemas.microsoft.com/office/powerpoint/2010/main" val="2171020122"/>
+      </p:ext>
+    </p:extLst>
+  </p:cSld>
+  <p:clrMapOvr>
+    <a:masterClrMapping/>
+  </p:clrMapOvr>
+</p:sld>
+</file>
+
+<file path=ppt/slides/slide57.xml><?xml version="1.0" encoding="utf-8"?>
+<p:sld xmlns:a="http://schemas.openxmlformats.org/drawingml/2006/main" xmlns:r="http://schemas.openxmlformats.org/officeDocument/2006/relationships" xmlns:p="http://schemas.openxmlformats.org/presentationml/2006/main">
+  <p:cSld>
+    <p:spTree>
+      <p:nvGrpSpPr>
+        <p:cNvPr id="1" name=""/>
+        <p:cNvGrpSpPr/>
+        <p:nvPr/>
+      </p:nvGrpSpPr>
+      <p:grpSpPr>
+        <a:xfrm>
+          <a:off x="0" y="0"/>
+          <a:ext cx="0" cy="0"/>
+          <a:chOff x="0" y="0"/>
+          <a:chExt cx="0" cy="0"/>
+        </a:xfrm>
+      </p:grpSpPr>
+      <p:sp>
+        <p:nvSpPr>
+          <p:cNvPr id="2" name="Title 1">
+            <a:extLst>
+              <a:ext uri="{FF2B5EF4-FFF2-40B4-BE49-F238E27FC236}">
+                <a16:creationId xmlns:a16="http://schemas.microsoft.com/office/drawing/2014/main" id="{DCFEC9E2-6364-4966-BB04-45A18988F84C}"/>
+              </a:ext>
+            </a:extLst>
+          </p:cNvPr>
+          <p:cNvSpPr>
+            <a:spLocks noGrp="1"/>
+          </p:cNvSpPr>
+          <p:nvPr>
+            <p:ph type="title"/>
+          </p:nvPr>
+        </p:nvSpPr>
+        <p:spPr/>
+        <p:txBody>
+          <a:bodyPr>
+            <a:normAutofit/>
+          </a:bodyPr>
+          <a:lstStyle/>
+          <a:p>
+            <a:r>
+              <a:rPr lang="en-US" sz="3500" dirty="0"/>
+              <a:t>Module2</a:t>
+            </a:r>
+            <a:br>
+              <a:rPr lang="en-US" sz="3500" dirty="0"/>
+            </a:br>
+            <a:r>
+              <a:rPr lang="en-US" sz="3500" dirty="0"/>
+              <a:t>Fixed-Income markets: </a:t>
+            </a:r>
+            <a:br>
+              <a:rPr lang="en-US" sz="3500" dirty="0"/>
+            </a:br>
+            <a:r>
+              <a:rPr lang="en-US" sz="3500" dirty="0"/>
+              <a:t>issuance, trading, and funding</a:t>
+            </a:r>
+          </a:p>
+        </p:txBody>
+      </p:sp>
+      <p:graphicFrame>
+        <p:nvGraphicFramePr>
+          <p:cNvPr id="4" name="Content Placeholder 3">
+            <a:extLst>
+              <a:ext uri="{FF2B5EF4-FFF2-40B4-BE49-F238E27FC236}">
+                <a16:creationId xmlns:a16="http://schemas.microsoft.com/office/drawing/2014/main" id="{56E33E43-A5F2-4863-838C-355FF76DAEFD}"/>
+              </a:ext>
+            </a:extLst>
+          </p:cNvPr>
+          <p:cNvGraphicFramePr>
+            <a:graphicFrameLocks noGrp="1"/>
+          </p:cNvGraphicFramePr>
+          <p:nvPr>
+            <p:ph idx="1"/>
+            <p:extLst>
+              <p:ext uri="{D42A27DB-BD31-4B8C-83A1-F6EECF244321}">
+                <p14:modId xmlns:p14="http://schemas.microsoft.com/office/powerpoint/2010/main" val="3328083883"/>
+              </p:ext>
+            </p:extLst>
+          </p:nvPr>
+        </p:nvGraphicFramePr>
+        <p:xfrm>
+          <a:off x="1023938" y="2286000"/>
+          <a:ext cx="9720261" cy="4079240"/>
+        </p:xfrm>
+        <a:graphic>
+          <a:graphicData uri="http://schemas.openxmlformats.org/drawingml/2006/table">
+            <a:tbl>
+              <a:tblPr firstRow="1" bandRow="1">
+                <a:tableStyleId>{5C22544A-7EE6-4342-B048-85BDC9FD1C3A}</a:tableStyleId>
+              </a:tblPr>
+              <a:tblGrid>
+                <a:gridCol w="3240087">
+                  <a:extLst>
+                    <a:ext uri="{9D8B030D-6E8A-4147-A177-3AD203B41FA5}">
+                      <a16:colId xmlns:a16="http://schemas.microsoft.com/office/drawing/2014/main" val="510043102"/>
+                    </a:ext>
+                  </a:extLst>
+                </a:gridCol>
+                <a:gridCol w="3240087">
+                  <a:extLst>
+                    <a:ext uri="{9D8B030D-6E8A-4147-A177-3AD203B41FA5}">
+                      <a16:colId xmlns:a16="http://schemas.microsoft.com/office/drawing/2014/main" val="3101958610"/>
+                    </a:ext>
+                  </a:extLst>
+                </a:gridCol>
+                <a:gridCol w="3240087">
+                  <a:extLst>
+                    <a:ext uri="{9D8B030D-6E8A-4147-A177-3AD203B41FA5}">
+                      <a16:colId xmlns:a16="http://schemas.microsoft.com/office/drawing/2014/main" val="1349325990"/>
+                    </a:ext>
+                  </a:extLst>
+                </a:gridCol>
+              </a:tblGrid>
+              <a:tr h="370840">
+                <a:tc>
+                  <a:txBody>
+                    <a:bodyPr/>
+                    <a:lstStyle/>
+                    <a:p>
+                      <a:endParaRPr lang="en-US" dirty="0"/>
+                    </a:p>
+                  </a:txBody>
+                  <a:tcPr/>
+                </a:tc>
+                <a:tc>
+                  <a:txBody>
+                    <a:bodyPr/>
+                    <a:lstStyle/>
+                    <a:p>
+                      <a:r>
+                        <a:rPr lang="en-US" dirty="0"/>
+                        <a:t>Moody</a:t>
+                      </a:r>
+                    </a:p>
+                  </a:txBody>
+                  <a:tcPr/>
+                </a:tc>
+                <a:tc>
+                  <a:txBody>
+                    <a:bodyPr/>
+                    <a:lstStyle/>
+                    <a:p>
+                      <a:r>
+                        <a:rPr lang="en-US" dirty="0"/>
+                        <a:t>S&amp;P, Fitch</a:t>
+                      </a:r>
+                    </a:p>
+                  </a:txBody>
+                  <a:tcPr/>
+                </a:tc>
+                <a:extLst>
+                  <a:ext uri="{0D108BD9-81ED-4DB2-BD59-A6C34878D82A}">
+                    <a16:rowId xmlns:a16="http://schemas.microsoft.com/office/drawing/2014/main" val="1581286107"/>
+                  </a:ext>
+                </a:extLst>
+              </a:tr>
+              <a:tr h="370840">
+                <a:tc>
+                  <a:txBody>
+                    <a:bodyPr/>
+                    <a:lstStyle/>
+                    <a:p>
+                      <a:r>
+                        <a:rPr lang="en-US" dirty="0"/>
+                        <a:t>Investment</a:t>
+                      </a:r>
+                    </a:p>
+                  </a:txBody>
+                  <a:tcPr/>
+                </a:tc>
+                <a:tc>
+                  <a:txBody>
+                    <a:bodyPr/>
+                    <a:lstStyle/>
+                    <a:p>
+                      <a:r>
+                        <a:rPr lang="en-US" dirty="0" err="1"/>
+                        <a:t>Aaa</a:t>
+                      </a:r>
+                      <a:endParaRPr lang="en-US" dirty="0"/>
+                    </a:p>
+                  </a:txBody>
+                  <a:tcPr/>
+                </a:tc>
+                <a:tc>
+                  <a:txBody>
+                    <a:bodyPr/>
+                    <a:lstStyle/>
+                    <a:p>
+                      <a:r>
+                        <a:rPr lang="en-US" dirty="0"/>
+                        <a:t>AAA</a:t>
+                      </a:r>
+                    </a:p>
+                  </a:txBody>
+                  <a:tcPr/>
+                </a:tc>
+                <a:extLst>
+                  <a:ext uri="{0D108BD9-81ED-4DB2-BD59-A6C34878D82A}">
+                    <a16:rowId xmlns:a16="http://schemas.microsoft.com/office/drawing/2014/main" val="3146699596"/>
+                  </a:ext>
+                </a:extLst>
+              </a:tr>
+              <a:tr h="370840">
+                <a:tc>
+                  <a:txBody>
+                    <a:bodyPr/>
+                    <a:lstStyle/>
+                    <a:p>
+                      <a:endParaRPr lang="en-US" dirty="0"/>
+                    </a:p>
+                  </a:txBody>
+                  <a:tcPr/>
+                </a:tc>
+                <a:tc>
+                  <a:txBody>
+                    <a:bodyPr/>
+                    <a:lstStyle/>
+                    <a:p>
+                      <a:r>
+                        <a:rPr lang="en-US" dirty="0"/>
+                        <a:t>Aa</a:t>
+                      </a:r>
+                    </a:p>
+                  </a:txBody>
+                  <a:tcPr/>
+                </a:tc>
+                <a:tc>
+                  <a:txBody>
+                    <a:bodyPr/>
+                    <a:lstStyle/>
+                    <a:p>
+                      <a:r>
+                        <a:rPr lang="en-US" dirty="0"/>
+                        <a:t>AA</a:t>
+                      </a:r>
+                    </a:p>
+                  </a:txBody>
+                  <a:tcPr/>
+                </a:tc>
+                <a:extLst>
+                  <a:ext uri="{0D108BD9-81ED-4DB2-BD59-A6C34878D82A}">
+                    <a16:rowId xmlns:a16="http://schemas.microsoft.com/office/drawing/2014/main" val="2805878721"/>
+                  </a:ext>
+                </a:extLst>
+              </a:tr>
+              <a:tr h="370840">
+                <a:tc>
+                  <a:txBody>
+                    <a:bodyPr/>
+                    <a:lstStyle/>
+                    <a:p>
+                      <a:endParaRPr lang="en-US" dirty="0"/>
+                    </a:p>
+                  </a:txBody>
+                  <a:tcPr/>
+                </a:tc>
+                <a:tc>
+                  <a:txBody>
+                    <a:bodyPr/>
+                    <a:lstStyle/>
+                    <a:p>
+                      <a:r>
+                        <a:rPr lang="en-US" dirty="0"/>
+                        <a:t>A</a:t>
+                      </a:r>
+                    </a:p>
+                  </a:txBody>
+                  <a:tcPr/>
+                </a:tc>
+                <a:tc>
+                  <a:txBody>
+                    <a:bodyPr/>
+                    <a:lstStyle/>
+                    <a:p>
+                      <a:r>
+                        <a:rPr lang="en-US" dirty="0"/>
+                        <a:t>A</a:t>
+                      </a:r>
+                    </a:p>
+                  </a:txBody>
+                  <a:tcPr/>
+                </a:tc>
+                <a:extLst>
+                  <a:ext uri="{0D108BD9-81ED-4DB2-BD59-A6C34878D82A}">
+                    <a16:rowId xmlns:a16="http://schemas.microsoft.com/office/drawing/2014/main" val="1500717763"/>
+                  </a:ext>
+                </a:extLst>
+              </a:tr>
+              <a:tr h="370840">
+                <a:tc>
+                  <a:txBody>
+                    <a:bodyPr/>
+                    <a:lstStyle/>
+                    <a:p>
+                      <a:endParaRPr lang="en-US" dirty="0"/>
+                    </a:p>
+                  </a:txBody>
+                  <a:tcPr/>
+                </a:tc>
+                <a:tc>
+                  <a:txBody>
+                    <a:bodyPr/>
+                    <a:lstStyle/>
+                    <a:p>
+                      <a:r>
+                        <a:rPr lang="en-US" dirty="0"/>
+                        <a:t>Baa</a:t>
+                      </a:r>
+                    </a:p>
+                  </a:txBody>
+                  <a:tcPr/>
+                </a:tc>
+                <a:tc>
+                  <a:txBody>
+                    <a:bodyPr/>
+                    <a:lstStyle/>
+                    <a:p>
+                      <a:r>
+                        <a:rPr lang="en-US" dirty="0"/>
+                        <a:t>BBB</a:t>
+                      </a:r>
+                    </a:p>
+                  </a:txBody>
+                  <a:tcPr/>
+                </a:tc>
+                <a:extLst>
+                  <a:ext uri="{0D108BD9-81ED-4DB2-BD59-A6C34878D82A}">
+                    <a16:rowId xmlns:a16="http://schemas.microsoft.com/office/drawing/2014/main" val="3878922433"/>
+                  </a:ext>
+                </a:extLst>
+              </a:tr>
+              <a:tr h="370840">
+                <a:tc>
+                  <a:txBody>
+                    <a:bodyPr/>
+                    <a:lstStyle/>
+                    <a:p>
+                      <a:r>
+                        <a:rPr lang="en-US" dirty="0"/>
+                        <a:t>Speculative</a:t>
+                      </a:r>
+                    </a:p>
+                  </a:txBody>
+                  <a:tcPr/>
+                </a:tc>
+                <a:tc>
+                  <a:txBody>
+                    <a:bodyPr/>
+                    <a:lstStyle/>
+                    <a:p>
+                      <a:r>
+                        <a:rPr lang="en-US" dirty="0"/>
+                        <a:t>Ba</a:t>
+                      </a:r>
+                    </a:p>
+                  </a:txBody>
+                  <a:tcPr/>
+                </a:tc>
+                <a:tc>
+                  <a:txBody>
+                    <a:bodyPr/>
+                    <a:lstStyle/>
+                    <a:p>
+                      <a:r>
+                        <a:rPr lang="en-US" dirty="0"/>
+                        <a:t>BB</a:t>
+                      </a:r>
+                    </a:p>
+                  </a:txBody>
+                  <a:tcPr/>
+                </a:tc>
+                <a:extLst>
+                  <a:ext uri="{0D108BD9-81ED-4DB2-BD59-A6C34878D82A}">
+                    <a16:rowId xmlns:a16="http://schemas.microsoft.com/office/drawing/2014/main" val="576987141"/>
+                  </a:ext>
+                </a:extLst>
+              </a:tr>
+              <a:tr h="370840">
+                <a:tc>
+                  <a:txBody>
+                    <a:bodyPr/>
+                    <a:lstStyle/>
+                    <a:p>
+                      <a:endParaRPr lang="en-US"/>
+                    </a:p>
+                  </a:txBody>
+                  <a:tcPr/>
+                </a:tc>
+                <a:tc>
+                  <a:txBody>
+                    <a:bodyPr/>
+                    <a:lstStyle/>
+                    <a:p>
+                      <a:r>
+                        <a:rPr lang="en-US" dirty="0"/>
+                        <a:t>B</a:t>
+                      </a:r>
+                    </a:p>
+                  </a:txBody>
+                  <a:tcPr/>
+                </a:tc>
+                <a:tc>
+                  <a:txBody>
+                    <a:bodyPr/>
+                    <a:lstStyle/>
+                    <a:p>
+                      <a:r>
+                        <a:rPr lang="en-US" dirty="0"/>
+                        <a:t>B</a:t>
+                      </a:r>
+                    </a:p>
+                  </a:txBody>
+                  <a:tcPr/>
+                </a:tc>
+                <a:extLst>
+                  <a:ext uri="{0D108BD9-81ED-4DB2-BD59-A6C34878D82A}">
+                    <a16:rowId xmlns:a16="http://schemas.microsoft.com/office/drawing/2014/main" val="644098417"/>
+                  </a:ext>
+                </a:extLst>
+              </a:tr>
+              <a:tr h="370840">
+                <a:tc>
+                  <a:txBody>
+                    <a:bodyPr/>
+                    <a:lstStyle/>
+                    <a:p>
+                      <a:endParaRPr lang="en-US"/>
+                    </a:p>
+                  </a:txBody>
+                  <a:tcPr/>
+                </a:tc>
+                <a:tc>
+                  <a:txBody>
+                    <a:bodyPr/>
+                    <a:lstStyle/>
+                    <a:p>
+                      <a:r>
+                        <a:rPr lang="en-US" dirty="0" err="1"/>
+                        <a:t>Caa</a:t>
+                      </a:r>
+                      <a:endParaRPr lang="en-US" dirty="0"/>
+                    </a:p>
+                  </a:txBody>
+                  <a:tcPr/>
+                </a:tc>
+                <a:tc>
+                  <a:txBody>
+                    <a:bodyPr/>
+                    <a:lstStyle/>
+                    <a:p>
+                      <a:r>
+                        <a:rPr lang="en-US" dirty="0"/>
+                        <a:t>CCC</a:t>
+                      </a:r>
+                    </a:p>
+                  </a:txBody>
+                  <a:tcPr/>
+                </a:tc>
+                <a:extLst>
+                  <a:ext uri="{0D108BD9-81ED-4DB2-BD59-A6C34878D82A}">
+                    <a16:rowId xmlns:a16="http://schemas.microsoft.com/office/drawing/2014/main" val="747649931"/>
+                  </a:ext>
+                </a:extLst>
+              </a:tr>
+              <a:tr h="370840">
+                <a:tc>
+                  <a:txBody>
+                    <a:bodyPr/>
+                    <a:lstStyle/>
+                    <a:p>
+                      <a:endParaRPr lang="en-US"/>
+                    </a:p>
+                  </a:txBody>
+                  <a:tcPr/>
+                </a:tc>
+                <a:tc>
+                  <a:txBody>
+                    <a:bodyPr/>
+                    <a:lstStyle/>
+                    <a:p>
+                      <a:r>
+                        <a:rPr lang="en-US" dirty="0"/>
+                        <a:t>Ca</a:t>
+                      </a:r>
+                    </a:p>
+                  </a:txBody>
+                  <a:tcPr/>
+                </a:tc>
+                <a:tc>
+                  <a:txBody>
+                    <a:bodyPr/>
+                    <a:lstStyle/>
+                    <a:p>
+                      <a:r>
+                        <a:rPr lang="en-US" dirty="0"/>
+                        <a:t>CC</a:t>
+                      </a:r>
+                    </a:p>
+                  </a:txBody>
+                  <a:tcPr/>
+                </a:tc>
+                <a:extLst>
+                  <a:ext uri="{0D108BD9-81ED-4DB2-BD59-A6C34878D82A}">
+                    <a16:rowId xmlns:a16="http://schemas.microsoft.com/office/drawing/2014/main" val="1604727918"/>
+                  </a:ext>
+                </a:extLst>
+              </a:tr>
+              <a:tr h="370840">
+                <a:tc>
+                  <a:txBody>
+                    <a:bodyPr/>
+                    <a:lstStyle/>
+                    <a:p>
+                      <a:endParaRPr lang="en-US"/>
+                    </a:p>
+                  </a:txBody>
+                  <a:tcPr/>
+                </a:tc>
+                <a:tc>
+                  <a:txBody>
+                    <a:bodyPr/>
+                    <a:lstStyle/>
+                    <a:p>
+                      <a:r>
+                        <a:rPr lang="en-US" dirty="0"/>
+                        <a:t>C</a:t>
+                      </a:r>
+                    </a:p>
+                  </a:txBody>
+                  <a:tcPr/>
+                </a:tc>
+                <a:tc>
+                  <a:txBody>
+                    <a:bodyPr/>
+                    <a:lstStyle/>
+                    <a:p>
+                      <a:r>
+                        <a:rPr lang="en-US" dirty="0"/>
+                        <a:t>C</a:t>
+                      </a:r>
+                    </a:p>
+                  </a:txBody>
+                  <a:tcPr/>
+                </a:tc>
+                <a:extLst>
+                  <a:ext uri="{0D108BD9-81ED-4DB2-BD59-A6C34878D82A}">
+                    <a16:rowId xmlns:a16="http://schemas.microsoft.com/office/drawing/2014/main" val="3079077078"/>
+                  </a:ext>
+                </a:extLst>
+              </a:tr>
+              <a:tr h="370840">
+                <a:tc>
+                  <a:txBody>
+                    <a:bodyPr/>
+                    <a:lstStyle/>
+                    <a:p>
+                      <a:endParaRPr lang="en-US"/>
+                    </a:p>
+                  </a:txBody>
+                  <a:tcPr/>
+                </a:tc>
+                <a:tc>
+                  <a:txBody>
+                    <a:bodyPr/>
+                    <a:lstStyle/>
+                    <a:p>
+                      <a:endParaRPr lang="en-US"/>
+                    </a:p>
+                  </a:txBody>
+                  <a:tcPr/>
+                </a:tc>
+                <a:tc>
+                  <a:txBody>
+                    <a:bodyPr/>
+                    <a:lstStyle/>
+                    <a:p>
+                      <a:r>
+                        <a:rPr lang="en-US" dirty="0"/>
+                        <a:t>D</a:t>
+                      </a:r>
+                    </a:p>
+                  </a:txBody>
+                  <a:tcPr/>
+                </a:tc>
+                <a:extLst>
+                  <a:ext uri="{0D108BD9-81ED-4DB2-BD59-A6C34878D82A}">
+                    <a16:rowId xmlns:a16="http://schemas.microsoft.com/office/drawing/2014/main" val="3656473821"/>
+                  </a:ext>
+                </a:extLst>
+              </a:tr>
+            </a:tbl>
+          </a:graphicData>
+        </a:graphic>
+      </p:graphicFrame>
+    </p:spTree>
+    <p:extLst>
+      <p:ext uri="{BB962C8B-B14F-4D97-AF65-F5344CB8AC3E}">
+        <p14:creationId xmlns:p14="http://schemas.microsoft.com/office/powerpoint/2010/main" val="52534725"/>
+      </p:ext>
+    </p:extLst>
+  </p:cSld>
+  <p:clrMapOvr>
+    <a:masterClrMapping/>
+  </p:clrMapOvr>
+</p:sld>
+</file>
+
+<file path=ppt/slides/slide58.xml><?xml version="1.0" encoding="utf-8"?>
+<p:sld xmlns:a="http://schemas.openxmlformats.org/drawingml/2006/main" xmlns:r="http://schemas.openxmlformats.org/officeDocument/2006/relationships" xmlns:p="http://schemas.openxmlformats.org/presentationml/2006/main">
+  <p:cSld>
+    <p:spTree>
+      <p:nvGrpSpPr>
+        <p:cNvPr id="1" name=""/>
+        <p:cNvGrpSpPr/>
+        <p:nvPr/>
+      </p:nvGrpSpPr>
+      <p:grpSpPr>
+        <a:xfrm>
+          <a:off x="0" y="0"/>
+          <a:ext cx="0" cy="0"/>
+          <a:chOff x="0" y="0"/>
+          <a:chExt cx="0" cy="0"/>
+        </a:xfrm>
+      </p:grpSpPr>
+      <p:sp>
+        <p:nvSpPr>
+          <p:cNvPr id="2" name="Title 1">
+            <a:extLst>
+              <a:ext uri="{FF2B5EF4-FFF2-40B4-BE49-F238E27FC236}">
+                <a16:creationId xmlns:a16="http://schemas.microsoft.com/office/drawing/2014/main" id="{E9A91BC9-B3B3-4AB3-BF1A-16E87314080B}"/>
+              </a:ext>
+            </a:extLst>
+          </p:cNvPr>
+          <p:cNvSpPr>
+            <a:spLocks noGrp="1"/>
+          </p:cNvSpPr>
+          <p:nvPr>
+            <p:ph type="title"/>
+          </p:nvPr>
+        </p:nvSpPr>
+        <p:spPr/>
+        <p:txBody>
+          <a:bodyPr>
+            <a:normAutofit/>
+          </a:bodyPr>
+          <a:lstStyle/>
+          <a:p>
+            <a:r>
+              <a:rPr lang="en-US" sz="3500" dirty="0"/>
+              <a:t>Module2</a:t>
+            </a:r>
+            <a:br>
+              <a:rPr lang="en-US" sz="3500" dirty="0"/>
+            </a:br>
+            <a:r>
+              <a:rPr lang="en-US" sz="3500" dirty="0"/>
+              <a:t>Fixed-Income markets: </a:t>
+            </a:r>
+            <a:br>
+              <a:rPr lang="en-US" sz="3500" dirty="0"/>
+            </a:br>
+            <a:r>
+              <a:rPr lang="en-US" sz="3500" dirty="0"/>
+              <a:t>issuance, trading, and funding</a:t>
+            </a:r>
+          </a:p>
+        </p:txBody>
+      </p:sp>
+      <p:sp>
+        <p:nvSpPr>
+          <p:cNvPr id="3" name="Content Placeholder 2">
+            <a:extLst>
+              <a:ext uri="{FF2B5EF4-FFF2-40B4-BE49-F238E27FC236}">
+                <a16:creationId xmlns:a16="http://schemas.microsoft.com/office/drawing/2014/main" id="{2DEDD7EA-1214-4744-A8CD-9598ED9C1049}"/>
+              </a:ext>
+            </a:extLst>
+          </p:cNvPr>
+          <p:cNvSpPr>
+            <a:spLocks noGrp="1"/>
+          </p:cNvSpPr>
+          <p:nvPr>
+            <p:ph idx="1"/>
+          </p:nvPr>
+        </p:nvSpPr>
+        <p:spPr/>
+        <p:txBody>
+          <a:bodyPr/>
+          <a:lstStyle/>
+          <a:p>
+            <a:r>
+              <a:rPr lang="en-US" sz="2800" b="1" dirty="0">
+                <a:solidFill>
+                  <a:srgbClr val="FF0000"/>
+                </a:solidFill>
+              </a:rPr>
+              <a:t>Classification by currency denomination(4/7)</a:t>
+            </a:r>
+          </a:p>
+          <a:p>
+            <a:pPr>
+              <a:buFont typeface="Wingdings" panose="05000000000000000000" pitchFamily="2" charset="2"/>
+              <a:buChar char="§"/>
+            </a:pPr>
+            <a:r>
+              <a:rPr lang="en-US" dirty="0"/>
+              <a:t>Local currency</a:t>
+            </a:r>
+          </a:p>
+          <a:p>
+            <a:pPr>
+              <a:buFont typeface="Wingdings" panose="05000000000000000000" pitchFamily="2" charset="2"/>
+              <a:buChar char="§"/>
+            </a:pPr>
+            <a:r>
+              <a:rPr lang="en-US" dirty="0"/>
+              <a:t>Foreign currency</a:t>
+            </a:r>
+          </a:p>
+          <a:p>
+            <a:r>
+              <a:rPr lang="en-US" sz="2800" b="1" dirty="0">
+                <a:solidFill>
+                  <a:srgbClr val="FF0000"/>
+                </a:solidFill>
+              </a:rPr>
+              <a:t>Classification by type of coupon(5/7)</a:t>
+            </a:r>
+          </a:p>
+          <a:p>
+            <a:pPr>
+              <a:buFont typeface="Wingdings" panose="05000000000000000000" pitchFamily="2" charset="2"/>
+              <a:buChar char="§"/>
+            </a:pPr>
+            <a:r>
+              <a:rPr lang="en-US" dirty="0"/>
+              <a:t>Fixed rate</a:t>
+            </a:r>
+          </a:p>
+          <a:p>
+            <a:pPr>
+              <a:buFont typeface="Wingdings" panose="05000000000000000000" pitchFamily="2" charset="2"/>
+              <a:buChar char="§"/>
+            </a:pPr>
+            <a:r>
+              <a:rPr lang="en-US" dirty="0"/>
+              <a:t>Floating rate(MRR + spread)</a:t>
+            </a:r>
+          </a:p>
+          <a:p>
+            <a:endParaRPr lang="en-US" dirty="0"/>
+          </a:p>
+        </p:txBody>
+      </p:sp>
+    </p:spTree>
+    <p:extLst>
+      <p:ext uri="{BB962C8B-B14F-4D97-AF65-F5344CB8AC3E}">
+        <p14:creationId xmlns:p14="http://schemas.microsoft.com/office/powerpoint/2010/main" val="995478339"/>
+      </p:ext>
+    </p:extLst>
+  </p:cSld>
+  <p:clrMapOvr>
+    <a:masterClrMapping/>
+  </p:clrMapOvr>
+</p:sld>
+</file>
+
+<file path=ppt/slides/slide59.xml><?xml version="1.0" encoding="utf-8"?>
+<p:sld xmlns:a="http://schemas.openxmlformats.org/drawingml/2006/main" xmlns:r="http://schemas.openxmlformats.org/officeDocument/2006/relationships" xmlns:p="http://schemas.openxmlformats.org/presentationml/2006/main">
+  <p:cSld>
+    <p:spTree>
+      <p:nvGrpSpPr>
+        <p:cNvPr id="1" name=""/>
+        <p:cNvGrpSpPr/>
+        <p:nvPr/>
+      </p:nvGrpSpPr>
+      <p:grpSpPr>
+        <a:xfrm>
+          <a:off x="0" y="0"/>
+          <a:ext cx="0" cy="0"/>
+          <a:chOff x="0" y="0"/>
+          <a:chExt cx="0" cy="0"/>
+        </a:xfrm>
+      </p:grpSpPr>
+      <p:sp>
+        <p:nvSpPr>
+          <p:cNvPr id="2" name="Title 1">
+            <a:extLst>
+              <a:ext uri="{FF2B5EF4-FFF2-40B4-BE49-F238E27FC236}">
+                <a16:creationId xmlns:a16="http://schemas.microsoft.com/office/drawing/2014/main" id="{3E499721-514D-4C90-BD7F-EFB30026352A}"/>
+              </a:ext>
+            </a:extLst>
+          </p:cNvPr>
+          <p:cNvSpPr>
+            <a:spLocks noGrp="1"/>
+          </p:cNvSpPr>
+          <p:nvPr>
+            <p:ph type="title"/>
+          </p:nvPr>
+        </p:nvSpPr>
+        <p:spPr/>
+        <p:txBody>
+          <a:bodyPr>
+            <a:normAutofit/>
+          </a:bodyPr>
+          <a:lstStyle/>
+          <a:p>
+            <a:r>
+              <a:rPr lang="en-US" sz="3500" dirty="0"/>
+              <a:t>Module2</a:t>
+            </a:r>
+            <a:br>
+              <a:rPr lang="en-US" sz="3500" dirty="0"/>
+            </a:br>
+            <a:r>
+              <a:rPr lang="en-US" sz="3500" dirty="0"/>
+              <a:t>Fixed-Income markets: </a:t>
+            </a:r>
+            <a:br>
+              <a:rPr lang="en-US" sz="3500" dirty="0"/>
+            </a:br>
+            <a:r>
+              <a:rPr lang="en-US" sz="3500" dirty="0"/>
+              <a:t>issuance, trading, and funding</a:t>
+            </a:r>
+          </a:p>
+        </p:txBody>
+      </p:sp>
+      <p:sp>
+        <p:nvSpPr>
+          <p:cNvPr id="3" name="Content Placeholder 2">
+            <a:extLst>
+              <a:ext uri="{FF2B5EF4-FFF2-40B4-BE49-F238E27FC236}">
+                <a16:creationId xmlns:a16="http://schemas.microsoft.com/office/drawing/2014/main" id="{4FADB322-E4A8-4227-B889-49CBF383619C}"/>
+              </a:ext>
+            </a:extLst>
+          </p:cNvPr>
+          <p:cNvSpPr>
+            <a:spLocks noGrp="1"/>
+          </p:cNvSpPr>
+          <p:nvPr>
+            <p:ph idx="1"/>
+          </p:nvPr>
+        </p:nvSpPr>
+        <p:spPr/>
+        <p:txBody>
+          <a:bodyPr/>
+          <a:lstStyle/>
+          <a:p>
+            <a:r>
+              <a:rPr lang="en-US" sz="2800" b="1" dirty="0">
+                <a:solidFill>
+                  <a:srgbClr val="FF0000"/>
+                </a:solidFill>
+              </a:rPr>
+              <a:t>Classification by geography(6/7)</a:t>
+            </a:r>
+          </a:p>
+          <a:p>
+            <a:pPr>
+              <a:buFont typeface="Wingdings" panose="05000000000000000000" pitchFamily="2" charset="2"/>
+              <a:buChar char="§"/>
+            </a:pPr>
+            <a:r>
+              <a:rPr lang="en-US" dirty="0"/>
+              <a:t>Domestic bond, foreign bond, Eurobond</a:t>
+            </a:r>
+          </a:p>
+          <a:p>
+            <a:pPr>
+              <a:buFont typeface="Wingdings" panose="05000000000000000000" pitchFamily="2" charset="2"/>
+              <a:buChar char="§"/>
+            </a:pPr>
+            <a:r>
+              <a:rPr lang="en-US" dirty="0"/>
+              <a:t>Developed market, emerging market</a:t>
+            </a:r>
+          </a:p>
+          <a:p>
+            <a:r>
+              <a:rPr lang="en-US" sz="2800" b="1" dirty="0">
+                <a:solidFill>
+                  <a:srgbClr val="FF0000"/>
+                </a:solidFill>
+              </a:rPr>
+              <a:t>Other classifications of fixed-income markets(7/7)</a:t>
+            </a:r>
+          </a:p>
+          <a:p>
+            <a:pPr>
+              <a:buFont typeface="Wingdings" panose="05000000000000000000" pitchFamily="2" charset="2"/>
+              <a:buChar char="§"/>
+            </a:pPr>
+            <a:r>
+              <a:rPr lang="en-US" dirty="0"/>
+              <a:t>Inflation-linked bond</a:t>
+            </a:r>
+          </a:p>
+          <a:p>
+            <a:pPr>
+              <a:buFont typeface="Wingdings" panose="05000000000000000000" pitchFamily="2" charset="2"/>
+              <a:buChar char="§"/>
+            </a:pPr>
+            <a:r>
+              <a:rPr lang="en-US" dirty="0"/>
+              <a:t>Tax-exempt bond</a:t>
+            </a:r>
+          </a:p>
+          <a:p>
+            <a:endParaRPr lang="en-US" dirty="0"/>
+          </a:p>
+        </p:txBody>
+      </p:sp>
+    </p:spTree>
+    <p:extLst>
+      <p:ext uri="{BB962C8B-B14F-4D97-AF65-F5344CB8AC3E}">
+        <p14:creationId xmlns:p14="http://schemas.microsoft.com/office/powerpoint/2010/main" val="4188510907"/>
+      </p:ext>
+    </p:extLst>
+  </p:cSld>
+  <p:clrMapOvr>
+    <a:masterClrMapping/>
+  </p:clrMapOvr>
+</p:sld>
+</file>
+
 <file path=ppt/slides/slide6.xml><?xml version="1.0" encoding="utf-8"?>
 <p:sld xmlns:a="http://schemas.openxmlformats.org/drawingml/2006/main" xmlns:r="http://schemas.openxmlformats.org/officeDocument/2006/relationships" xmlns:p="http://schemas.openxmlformats.org/presentationml/2006/main">
   <p:cSld>
@@ -45796,6 +51732,172 @@
     <p:extLst>
       <p:ext uri="{BB962C8B-B14F-4D97-AF65-F5344CB8AC3E}">
         <p14:creationId xmlns:p14="http://schemas.microsoft.com/office/powerpoint/2010/main" val="3743994876"/>
+      </p:ext>
+    </p:extLst>
+  </p:cSld>
+  <p:clrMapOvr>
+    <a:masterClrMapping/>
+  </p:clrMapOvr>
+</p:sld>
+</file>
+
+<file path=ppt/slides/slide60.xml><?xml version="1.0" encoding="utf-8"?>
+<p:sld xmlns:a="http://schemas.openxmlformats.org/drawingml/2006/main" xmlns:r="http://schemas.openxmlformats.org/officeDocument/2006/relationships" xmlns:p="http://schemas.openxmlformats.org/presentationml/2006/main">
+  <p:cSld>
+    <p:spTree>
+      <p:nvGrpSpPr>
+        <p:cNvPr id="1" name=""/>
+        <p:cNvGrpSpPr/>
+        <p:nvPr/>
+      </p:nvGrpSpPr>
+      <p:grpSpPr>
+        <a:xfrm>
+          <a:off x="0" y="0"/>
+          <a:ext cx="0" cy="0"/>
+          <a:chOff x="0" y="0"/>
+          <a:chExt cx="0" cy="0"/>
+        </a:xfrm>
+      </p:grpSpPr>
+      <p:sp>
+        <p:nvSpPr>
+          <p:cNvPr id="2" name="Title 1">
+            <a:extLst>
+              <a:ext uri="{FF2B5EF4-FFF2-40B4-BE49-F238E27FC236}">
+                <a16:creationId xmlns:a16="http://schemas.microsoft.com/office/drawing/2014/main" id="{1D215F09-FDB6-4690-AF0D-853C944AABC8}"/>
+              </a:ext>
+            </a:extLst>
+          </p:cNvPr>
+          <p:cNvSpPr>
+            <a:spLocks noGrp="1"/>
+          </p:cNvSpPr>
+          <p:nvPr>
+            <p:ph type="title"/>
+          </p:nvPr>
+        </p:nvSpPr>
+        <p:spPr/>
+        <p:txBody>
+          <a:bodyPr>
+            <a:normAutofit/>
+          </a:bodyPr>
+          <a:lstStyle/>
+          <a:p>
+            <a:r>
+              <a:rPr lang="en-US" sz="3500" dirty="0"/>
+              <a:t>Module2</a:t>
+            </a:r>
+            <a:br>
+              <a:rPr lang="en-US" sz="3500" dirty="0"/>
+            </a:br>
+            <a:r>
+              <a:rPr lang="en-US" sz="3500" dirty="0"/>
+              <a:t>Fixed-Income markets: </a:t>
+            </a:r>
+            <a:br>
+              <a:rPr lang="en-US" sz="3500" dirty="0"/>
+            </a:br>
+            <a:r>
+              <a:rPr lang="en-US" sz="3500" dirty="0"/>
+              <a:t>issuance, trading, and funding</a:t>
+            </a:r>
+          </a:p>
+        </p:txBody>
+      </p:sp>
+      <p:sp>
+        <p:nvSpPr>
+          <p:cNvPr id="3" name="Content Placeholder 2">
+            <a:extLst>
+              <a:ext uri="{FF2B5EF4-FFF2-40B4-BE49-F238E27FC236}">
+                <a16:creationId xmlns:a16="http://schemas.microsoft.com/office/drawing/2014/main" id="{57AAC320-45E7-4D13-8426-BE8AF4F105AF}"/>
+              </a:ext>
+            </a:extLst>
+          </p:cNvPr>
+          <p:cNvSpPr>
+            <a:spLocks noGrp="1"/>
+          </p:cNvSpPr>
+          <p:nvPr>
+            <p:ph idx="1"/>
+          </p:nvPr>
+        </p:nvSpPr>
+        <p:spPr/>
+        <p:txBody>
+          <a:bodyPr/>
+          <a:lstStyle/>
+          <a:p>
+            <a:r>
+              <a:rPr lang="en-US" sz="2800" b="1" dirty="0">
+                <a:solidFill>
+                  <a:srgbClr val="FF0000"/>
+                </a:solidFill>
+              </a:rPr>
+              <a:t>Fixed-income indexes</a:t>
+            </a:r>
+          </a:p>
+          <a:p>
+            <a:pPr>
+              <a:buFont typeface="Wingdings" panose="05000000000000000000" pitchFamily="2" charset="2"/>
+              <a:buChar char="§"/>
+            </a:pPr>
+            <a:r>
+              <a:rPr lang="en-US" dirty="0"/>
+              <a:t>Bloomberg Barclays Global Aggregate Bond Index</a:t>
+            </a:r>
+          </a:p>
+          <a:p>
+            <a:pPr>
+              <a:buFont typeface="Wingdings" panose="05000000000000000000" pitchFamily="2" charset="2"/>
+              <a:buChar char="§"/>
+            </a:pPr>
+            <a:r>
+              <a:rPr lang="en-US" dirty="0"/>
+              <a:t>J.P. Morgan Emerging Market Bond Index (EMBI) Global</a:t>
+            </a:r>
+          </a:p>
+          <a:p>
+            <a:r>
+              <a:rPr lang="en-US" sz="2800" b="1" dirty="0">
+                <a:solidFill>
+                  <a:srgbClr val="FF0000"/>
+                </a:solidFill>
+              </a:rPr>
+              <a:t>Investors in fixed-income securities</a:t>
+            </a:r>
+          </a:p>
+          <a:p>
+            <a:pPr>
+              <a:buFont typeface="Wingdings" panose="05000000000000000000" pitchFamily="2" charset="2"/>
+              <a:buChar char="§"/>
+            </a:pPr>
+            <a:r>
+              <a:rPr lang="en-US" dirty="0"/>
+              <a:t>Central bank</a:t>
+            </a:r>
+          </a:p>
+          <a:p>
+            <a:pPr>
+              <a:buFont typeface="Wingdings" panose="05000000000000000000" pitchFamily="2" charset="2"/>
+              <a:buChar char="§"/>
+            </a:pPr>
+            <a:r>
+              <a:rPr lang="en-US" dirty="0"/>
+              <a:t>Institutional investor </a:t>
+            </a:r>
+          </a:p>
+          <a:p>
+            <a:pPr>
+              <a:buFont typeface="Wingdings" panose="05000000000000000000" pitchFamily="2" charset="2"/>
+              <a:buChar char="§"/>
+            </a:pPr>
+            <a:r>
+              <a:rPr lang="en-US" dirty="0"/>
+              <a:t>Retail investor</a:t>
+            </a:r>
+          </a:p>
+        </p:txBody>
+      </p:sp>
+    </p:spTree>
+    <p:extLst>
+      <p:ext uri="{BB962C8B-B14F-4D97-AF65-F5344CB8AC3E}">
+        <p14:creationId xmlns:p14="http://schemas.microsoft.com/office/powerpoint/2010/main" val="3488199028"/>
       </p:ext>
     </p:extLst>
   </p:cSld>

--- a/Fixed Income.pptx
+++ b/Fixed Income.pptx
@@ -5,7 +5,7 @@
     <p:sldMasterId id="2147483660" r:id="rId1"/>
   </p:sldMasterIdLst>
   <p:notesMasterIdLst>
-    <p:notesMasterId r:id="rId62"/>
+    <p:notesMasterId r:id="rId63"/>
   </p:notesMasterIdLst>
   <p:sldIdLst>
     <p:sldId id="265" r:id="rId2"/>
@@ -63,11 +63,12 @@
     <p:sldId id="318" r:id="rId54"/>
     <p:sldId id="312" r:id="rId55"/>
     <p:sldId id="313" r:id="rId56"/>
-    <p:sldId id="314" r:id="rId57"/>
-    <p:sldId id="319" r:id="rId58"/>
-    <p:sldId id="315" r:id="rId59"/>
-    <p:sldId id="316" r:id="rId60"/>
-    <p:sldId id="317" r:id="rId61"/>
+    <p:sldId id="319" r:id="rId57"/>
+    <p:sldId id="315" r:id="rId58"/>
+    <p:sldId id="316" r:id="rId59"/>
+    <p:sldId id="317" r:id="rId60"/>
+    <p:sldId id="320" r:id="rId61"/>
+    <p:sldId id="321" r:id="rId62"/>
   </p:sldIdLst>
   <p:sldSz cx="12192000" cy="6858000"/>
   <p:notesSz cx="6858000" cy="9144000"/>
@@ -10897,7 +10898,7 @@
           <a:p>
             <a:fld id="{9ADA5B36-BD01-47CD-B491-940693B77A9A}" type="datetimeFigureOut">
               <a:rPr lang="en-US" smtClean="0"/>
-              <a:t>11/11/2022</a:t>
+              <a:t>11/15/2022</a:t>
             </a:fld>
             <a:endParaRPr lang="en-US"/>
           </a:p>
@@ -20797,7 +20798,7 @@
           <a:p>
             <a:fld id="{3CB14515-8DA5-4B82-96E7-E758FF8ACA06}" type="datetimeFigureOut">
               <a:rPr lang="en-US" smtClean="0"/>
-              <a:t>11/11/2022</a:t>
+              <a:t>11/15/2022</a:t>
             </a:fld>
             <a:endParaRPr lang="en-US"/>
           </a:p>
@@ -21004,7 +21005,7 @@
           <a:p>
             <a:fld id="{3CB14515-8DA5-4B82-96E7-E758FF8ACA06}" type="datetimeFigureOut">
               <a:rPr lang="en-US" smtClean="0"/>
-              <a:t>11/11/2022</a:t>
+              <a:t>11/15/2022</a:t>
             </a:fld>
             <a:endParaRPr lang="en-US"/>
           </a:p>
@@ -21184,7 +21185,7 @@
           <a:p>
             <a:fld id="{3CB14515-8DA5-4B82-96E7-E758FF8ACA06}" type="datetimeFigureOut">
               <a:rPr lang="en-US" smtClean="0"/>
-              <a:t>11/11/2022</a:t>
+              <a:t>11/15/2022</a:t>
             </a:fld>
             <a:endParaRPr lang="en-US"/>
           </a:p>
@@ -21389,7 +21390,7 @@
           <a:p>
             <a:fld id="{3CB14515-8DA5-4B82-96E7-E758FF8ACA06}" type="datetimeFigureOut">
               <a:rPr lang="en-US" smtClean="0"/>
-              <a:t>11/11/2022</a:t>
+              <a:t>11/15/2022</a:t>
             </a:fld>
             <a:endParaRPr lang="en-US"/>
           </a:p>
@@ -30287,7 +30288,7 @@
           <a:p>
             <a:fld id="{3CB14515-8DA5-4B82-96E7-E758FF8ACA06}" type="datetimeFigureOut">
               <a:rPr lang="en-US" smtClean="0"/>
-              <a:t>11/11/2022</a:t>
+              <a:t>11/15/2022</a:t>
             </a:fld>
             <a:endParaRPr lang="en-US"/>
           </a:p>
@@ -30561,7 +30562,7 @@
           <a:p>
             <a:fld id="{3CB14515-8DA5-4B82-96E7-E758FF8ACA06}" type="datetimeFigureOut">
               <a:rPr lang="en-US" smtClean="0"/>
-              <a:t>11/11/2022</a:t>
+              <a:t>11/15/2022</a:t>
             </a:fld>
             <a:endParaRPr lang="en-US"/>
           </a:p>
@@ -30959,7 +30960,7 @@
           <a:p>
             <a:fld id="{3CB14515-8DA5-4B82-96E7-E758FF8ACA06}" type="datetimeFigureOut">
               <a:rPr lang="en-US" smtClean="0"/>
-              <a:t>11/11/2022</a:t>
+              <a:t>11/15/2022</a:t>
             </a:fld>
             <a:endParaRPr lang="en-US"/>
           </a:p>
@@ -31077,7 +31078,7 @@
           <a:p>
             <a:fld id="{3CB14515-8DA5-4B82-96E7-E758FF8ACA06}" type="datetimeFigureOut">
               <a:rPr lang="en-US" smtClean="0"/>
-              <a:t>11/11/2022</a:t>
+              <a:t>11/15/2022</a:t>
             </a:fld>
             <a:endParaRPr lang="en-US"/>
           </a:p>
@@ -31172,7 +31173,7 @@
           <a:p>
             <a:fld id="{3CB14515-8DA5-4B82-96E7-E758FF8ACA06}" type="datetimeFigureOut">
               <a:rPr lang="en-US" smtClean="0"/>
-              <a:t>11/11/2022</a:t>
+              <a:t>11/15/2022</a:t>
             </a:fld>
             <a:endParaRPr lang="en-US"/>
           </a:p>
@@ -31462,7 +31463,7 @@
           <a:p>
             <a:fld id="{3CB14515-8DA5-4B82-96E7-E758FF8ACA06}" type="datetimeFigureOut">
               <a:rPr lang="en-US" smtClean="0"/>
-              <a:t>11/11/2022</a:t>
+              <a:t>11/15/2022</a:t>
             </a:fld>
             <a:endParaRPr lang="en-US"/>
           </a:p>
@@ -31742,7 +31743,7 @@
           <a:p>
             <a:fld id="{3CB14515-8DA5-4B82-96E7-E758FF8ACA06}" type="datetimeFigureOut">
               <a:rPr lang="en-US" smtClean="0"/>
-              <a:t>11/11/2022</a:t>
+              <a:t>11/15/2022</a:t>
             </a:fld>
             <a:endParaRPr lang="en-US"/>
           </a:p>
@@ -31992,7 +31993,7 @@
           <a:p>
             <a:fld id="{3CB14515-8DA5-4B82-96E7-E758FF8ACA06}" type="datetimeFigureOut">
               <a:rPr lang="en-US" smtClean="0"/>
-              <a:t>11/11/2022</a:t>
+              <a:t>11/15/2022</a:t>
             </a:fld>
             <a:endParaRPr lang="en-US"/>
           </a:p>
@@ -49661,10 +49662,42 @@
             </a:r>
           </a:p>
           <a:p>
-            <a:r>
-              <a:rPr lang="en-US" sz="2000" dirty="0"/>
-              <a:t>Four bond market sectors: households, non-financial corporates, government and financial institutions</a:t>
-            </a:r>
+            <a:endParaRPr lang="en-US" sz="2800" b="1" dirty="0">
+              <a:solidFill>
+                <a:srgbClr val="FF0000"/>
+              </a:solidFill>
+            </a:endParaRPr>
+          </a:p>
+          <a:p>
+            <a:endParaRPr lang="en-US" sz="2800" b="1" dirty="0">
+              <a:solidFill>
+                <a:srgbClr val="FF0000"/>
+              </a:solidFill>
+            </a:endParaRPr>
+          </a:p>
+          <a:p>
+            <a:endParaRPr lang="en-US" sz="2800" b="1" dirty="0">
+              <a:solidFill>
+                <a:srgbClr val="FF0000"/>
+              </a:solidFill>
+            </a:endParaRPr>
+          </a:p>
+          <a:p>
+            <a:r>
+              <a:rPr lang="en-US" sz="2800" b="1" dirty="0">
+                <a:solidFill>
+                  <a:srgbClr val="FF0000"/>
+                </a:solidFill>
+              </a:rPr>
+              <a:t>Classification by credit quality(2/7)</a:t>
+            </a:r>
+          </a:p>
+          <a:p>
+            <a:endParaRPr lang="en-US" sz="2800" b="1" dirty="0">
+              <a:solidFill>
+                <a:srgbClr val="FF0000"/>
+              </a:solidFill>
+            </a:endParaRPr>
           </a:p>
           <a:p>
             <a:endParaRPr lang="en-US" dirty="0"/>
@@ -49686,14 +49719,14 @@
           <p:nvPr>
             <p:extLst>
               <p:ext uri="{D42A27DB-BD31-4B8C-83A1-F6EECF244321}">
-                <p14:modId xmlns:p14="http://schemas.microsoft.com/office/powerpoint/2010/main" val="4254373169"/>
+                <p14:modId xmlns:p14="http://schemas.microsoft.com/office/powerpoint/2010/main" val="1967102231"/>
               </p:ext>
             </p:extLst>
           </p:nvPr>
         </p:nvGraphicFramePr>
         <p:xfrm>
-          <a:off x="1024128" y="3745254"/>
-          <a:ext cx="8128000" cy="1752600"/>
+          <a:off x="1024129" y="2788649"/>
+          <a:ext cx="8169348" cy="1759437"/>
         </p:xfrm>
         <a:graphic>
           <a:graphicData uri="http://schemas.openxmlformats.org/drawingml/2006/table">
@@ -49702,35 +49735,35 @@
                 <a:tableStyleId>{5C22544A-7EE6-4342-B048-85BDC9FD1C3A}</a:tableStyleId>
               </a:tblPr>
               <a:tblGrid>
-                <a:gridCol w="1490472">
+                <a:gridCol w="1498054">
                   <a:extLst>
                     <a:ext uri="{9D8B030D-6E8A-4147-A177-3AD203B41FA5}">
                       <a16:colId xmlns:a16="http://schemas.microsoft.com/office/drawing/2014/main" val="248823626"/>
                     </a:ext>
                   </a:extLst>
                 </a:gridCol>
-                <a:gridCol w="1760728">
+                <a:gridCol w="1769685">
                   <a:extLst>
                     <a:ext uri="{9D8B030D-6E8A-4147-A177-3AD203B41FA5}">
                       <a16:colId xmlns:a16="http://schemas.microsoft.com/office/drawing/2014/main" val="52392148"/>
                     </a:ext>
                   </a:extLst>
                 </a:gridCol>
-                <a:gridCol w="1625600">
+                <a:gridCol w="1633870">
                   <a:extLst>
                     <a:ext uri="{9D8B030D-6E8A-4147-A177-3AD203B41FA5}">
                       <a16:colId xmlns:a16="http://schemas.microsoft.com/office/drawing/2014/main" val="3067596100"/>
                     </a:ext>
                   </a:extLst>
                 </a:gridCol>
-                <a:gridCol w="1427719">
+                <a:gridCol w="1434982">
                   <a:extLst>
                     <a:ext uri="{9D8B030D-6E8A-4147-A177-3AD203B41FA5}">
                       <a16:colId xmlns:a16="http://schemas.microsoft.com/office/drawing/2014/main" val="1737152787"/>
                     </a:ext>
                   </a:extLst>
                 </a:gridCol>
-                <a:gridCol w="1823481">
+                <a:gridCol w="1832757">
                   <a:extLst>
                     <a:ext uri="{9D8B030D-6E8A-4147-A177-3AD203B41FA5}">
                       <a16:colId xmlns:a16="http://schemas.microsoft.com/office/drawing/2014/main" val="3618383935"/>
@@ -49738,7 +49771,7 @@
                   </a:extLst>
                 </a:gridCol>
               </a:tblGrid>
-              <a:tr h="370840">
+              <a:tr h="372287">
                 <a:tc gridSpan="5">
                   <a:txBody>
                     <a:bodyPr/>
@@ -49798,7 +49831,7 @@
                   </a:ext>
                 </a:extLst>
               </a:tr>
-              <a:tr h="370840">
+              <a:tr h="642576">
                 <a:tc>
                   <a:txBody>
                     <a:bodyPr/>
@@ -49870,7 +49903,7 @@
                   </a:ext>
                 </a:extLst>
               </a:tr>
-              <a:tr h="370840">
+              <a:tr h="372287">
                 <a:tc>
                   <a:txBody>
                     <a:bodyPr/>
@@ -49942,7 +49975,7 @@
                   </a:ext>
                 </a:extLst>
               </a:tr>
-              <a:tr h="370840">
+              <a:tr h="372287">
                 <a:tc>
                   <a:txBody>
                     <a:bodyPr/>
@@ -50018,6 +50051,36 @@
           </a:graphicData>
         </a:graphic>
       </p:graphicFrame>
+      <p:pic>
+        <p:nvPicPr>
+          <p:cNvPr id="6" name="Picture 5">
+            <a:extLst>
+              <a:ext uri="{FF2B5EF4-FFF2-40B4-BE49-F238E27FC236}">
+                <a16:creationId xmlns:a16="http://schemas.microsoft.com/office/drawing/2014/main" id="{A85BCF6B-45BF-4F44-AA22-6F43F3869313}"/>
+              </a:ext>
+            </a:extLst>
+          </p:cNvPr>
+          <p:cNvPicPr>
+            <a:picLocks noChangeAspect="1"/>
+          </p:cNvPicPr>
+          <p:nvPr/>
+        </p:nvPicPr>
+        <p:blipFill>
+          <a:blip r:embed="rId2"/>
+          <a:stretch>
+            <a:fillRect/>
+          </a:stretch>
+        </p:blipFill>
+        <p:spPr>
+          <a:xfrm>
+            <a:off x="1024128" y="5019630"/>
+            <a:ext cx="8169348" cy="1792379"/>
+          </a:xfrm>
+          <a:prstGeom prst="rect">
+            <a:avLst/>
+          </a:prstGeom>
+        </p:spPr>
+      </p:pic>
     </p:spTree>
     <p:extLst>
       <p:ext uri="{BB962C8B-B14F-4D97-AF65-F5344CB8AC3E}">
@@ -50032,383 +50095,6 @@
 </file>
 
 <file path=ppt/slides/slide56.xml><?xml version="1.0" encoding="utf-8"?>
-<p:sld xmlns:a="http://schemas.openxmlformats.org/drawingml/2006/main" xmlns:r="http://schemas.openxmlformats.org/officeDocument/2006/relationships" xmlns:p="http://schemas.openxmlformats.org/presentationml/2006/main">
-  <p:cSld>
-    <p:spTree>
-      <p:nvGrpSpPr>
-        <p:cNvPr id="1" name=""/>
-        <p:cNvGrpSpPr/>
-        <p:nvPr/>
-      </p:nvGrpSpPr>
-      <p:grpSpPr>
-        <a:xfrm>
-          <a:off x="0" y="0"/>
-          <a:ext cx="0" cy="0"/>
-          <a:chOff x="0" y="0"/>
-          <a:chExt cx="0" cy="0"/>
-        </a:xfrm>
-      </p:grpSpPr>
-      <p:sp>
-        <p:nvSpPr>
-          <p:cNvPr id="2" name="Title 1">
-            <a:extLst>
-              <a:ext uri="{FF2B5EF4-FFF2-40B4-BE49-F238E27FC236}">
-                <a16:creationId xmlns:a16="http://schemas.microsoft.com/office/drawing/2014/main" id="{2F7255DE-6274-43AB-BE4F-9F0A3D491C34}"/>
-              </a:ext>
-            </a:extLst>
-          </p:cNvPr>
-          <p:cNvSpPr>
-            <a:spLocks noGrp="1"/>
-          </p:cNvSpPr>
-          <p:nvPr>
-            <p:ph type="title"/>
-          </p:nvPr>
-        </p:nvSpPr>
-        <p:spPr/>
-        <p:txBody>
-          <a:bodyPr>
-            <a:normAutofit/>
-          </a:bodyPr>
-          <a:lstStyle/>
-          <a:p>
-            <a:r>
-              <a:rPr lang="en-US" sz="3500" dirty="0"/>
-              <a:t>Module2</a:t>
-            </a:r>
-            <a:br>
-              <a:rPr lang="en-US" sz="3500" dirty="0"/>
-            </a:br>
-            <a:r>
-              <a:rPr lang="en-US" sz="3500" dirty="0"/>
-              <a:t>Fixed-Income markets: </a:t>
-            </a:r>
-            <a:br>
-              <a:rPr lang="en-US" sz="3500" dirty="0"/>
-            </a:br>
-            <a:r>
-              <a:rPr lang="en-US" sz="3500" dirty="0"/>
-              <a:t>issuance, trading, and funding</a:t>
-            </a:r>
-          </a:p>
-        </p:txBody>
-      </p:sp>
-      <p:sp>
-        <p:nvSpPr>
-          <p:cNvPr id="3" name="Content Placeholder 2">
-            <a:extLst>
-              <a:ext uri="{FF2B5EF4-FFF2-40B4-BE49-F238E27FC236}">
-                <a16:creationId xmlns:a16="http://schemas.microsoft.com/office/drawing/2014/main" id="{6685D902-6C21-4123-B82D-34DEB64838BC}"/>
-              </a:ext>
-            </a:extLst>
-          </p:cNvPr>
-          <p:cNvSpPr>
-            <a:spLocks noGrp="1"/>
-          </p:cNvSpPr>
-          <p:nvPr>
-            <p:ph idx="1"/>
-          </p:nvPr>
-        </p:nvSpPr>
-        <p:spPr/>
-        <p:txBody>
-          <a:bodyPr>
-            <a:normAutofit fontScale="92500" lnSpcReduction="20000"/>
-          </a:bodyPr>
-          <a:lstStyle/>
-          <a:p>
-            <a:r>
-              <a:rPr lang="en-US" sz="3000" b="1" dirty="0">
-                <a:solidFill>
-                  <a:srgbClr val="FF0000"/>
-                </a:solidFill>
-              </a:rPr>
-              <a:t>Classification by credit quality(2/7)</a:t>
-            </a:r>
-          </a:p>
-          <a:p>
-            <a:endParaRPr lang="en-US" sz="2800" b="1" dirty="0">
-              <a:solidFill>
-                <a:srgbClr val="FF0000"/>
-              </a:solidFill>
-            </a:endParaRPr>
-          </a:p>
-          <a:p>
-            <a:endParaRPr lang="en-US" sz="2800" b="1" dirty="0">
-              <a:solidFill>
-                <a:srgbClr val="FF0000"/>
-              </a:solidFill>
-            </a:endParaRPr>
-          </a:p>
-          <a:p>
-            <a:endParaRPr lang="en-US" sz="2800" b="1" dirty="0">
-              <a:solidFill>
-                <a:srgbClr val="FF0000"/>
-              </a:solidFill>
-            </a:endParaRPr>
-          </a:p>
-          <a:p>
-            <a:endParaRPr lang="en-US" sz="2800" b="1" dirty="0">
-              <a:solidFill>
-                <a:srgbClr val="FF0000"/>
-              </a:solidFill>
-            </a:endParaRPr>
-          </a:p>
-          <a:p>
-            <a:r>
-              <a:rPr lang="en-US" sz="3000" b="1" dirty="0">
-                <a:solidFill>
-                  <a:srgbClr val="FF0000"/>
-                </a:solidFill>
-              </a:rPr>
-              <a:t>Classification by maturity(3/7)</a:t>
-            </a:r>
-          </a:p>
-          <a:p>
-            <a:pPr>
-              <a:buFont typeface="Wingdings" panose="05000000000000000000" pitchFamily="2" charset="2"/>
-              <a:buChar char="§"/>
-            </a:pPr>
-            <a:r>
-              <a:rPr lang="en-US" dirty="0"/>
-              <a:t>Money market security: overnight to one year</a:t>
-            </a:r>
-          </a:p>
-          <a:p>
-            <a:pPr>
-              <a:buFont typeface="Wingdings" panose="05000000000000000000" pitchFamily="2" charset="2"/>
-              <a:buChar char="§"/>
-            </a:pPr>
-            <a:r>
-              <a:rPr lang="en-US" dirty="0"/>
-              <a:t>Capita market security: longer than one year</a:t>
-            </a:r>
-          </a:p>
-          <a:p>
-            <a:pPr marL="128016" lvl="1" indent="0">
-              <a:buNone/>
-            </a:pPr>
-            <a:r>
-              <a:rPr lang="en-US" dirty="0"/>
-              <a:t>						</a:t>
-            </a:r>
-          </a:p>
-          <a:p>
-            <a:pPr lvl="6"/>
-            <a:endParaRPr lang="en-US" dirty="0"/>
-          </a:p>
-        </p:txBody>
-      </p:sp>
-      <p:graphicFrame>
-        <p:nvGraphicFramePr>
-          <p:cNvPr id="4" name="Table 3">
-            <a:extLst>
-              <a:ext uri="{FF2B5EF4-FFF2-40B4-BE49-F238E27FC236}">
-                <a16:creationId xmlns:a16="http://schemas.microsoft.com/office/drawing/2014/main" id="{266D2CCA-D7EE-40C0-B24E-F74FBBF04E8D}"/>
-              </a:ext>
-            </a:extLst>
-          </p:cNvPr>
-          <p:cNvGraphicFramePr>
-            <a:graphicFrameLocks noGrp="1"/>
-          </p:cNvGraphicFramePr>
-          <p:nvPr>
-            <p:extLst>
-              <p:ext uri="{D42A27DB-BD31-4B8C-83A1-F6EECF244321}">
-                <p14:modId xmlns:p14="http://schemas.microsoft.com/office/powerpoint/2010/main" val="1454917788"/>
-              </p:ext>
-            </p:extLst>
-          </p:nvPr>
-        </p:nvGraphicFramePr>
-        <p:xfrm>
-          <a:off x="1024128" y="2749176"/>
-          <a:ext cx="8127999" cy="1656080"/>
-        </p:xfrm>
-        <a:graphic>
-          <a:graphicData uri="http://schemas.openxmlformats.org/drawingml/2006/table">
-            <a:tbl>
-              <a:tblPr firstRow="1" bandRow="1">
-                <a:tableStyleId>{5C22544A-7EE6-4342-B048-85BDC9FD1C3A}</a:tableStyleId>
-              </a:tblPr>
-              <a:tblGrid>
-                <a:gridCol w="2709333">
-                  <a:extLst>
-                    <a:ext uri="{9D8B030D-6E8A-4147-A177-3AD203B41FA5}">
-                      <a16:colId xmlns:a16="http://schemas.microsoft.com/office/drawing/2014/main" val="822137417"/>
-                    </a:ext>
-                  </a:extLst>
-                </a:gridCol>
-                <a:gridCol w="2709333">
-                  <a:extLst>
-                    <a:ext uri="{9D8B030D-6E8A-4147-A177-3AD203B41FA5}">
-                      <a16:colId xmlns:a16="http://schemas.microsoft.com/office/drawing/2014/main" val="3753428277"/>
-                    </a:ext>
-                  </a:extLst>
-                </a:gridCol>
-                <a:gridCol w="2709333">
-                  <a:extLst>
-                    <a:ext uri="{9D8B030D-6E8A-4147-A177-3AD203B41FA5}">
-                      <a16:colId xmlns:a16="http://schemas.microsoft.com/office/drawing/2014/main" val="1846629712"/>
-                    </a:ext>
-                  </a:extLst>
-                </a:gridCol>
-              </a:tblGrid>
-              <a:tr h="370840">
-                <a:tc>
-                  <a:txBody>
-                    <a:bodyPr/>
-                    <a:lstStyle/>
-                    <a:p>
-                      <a:endParaRPr lang="en-US" dirty="0"/>
-                    </a:p>
-                  </a:txBody>
-                  <a:tcPr/>
-                </a:tc>
-                <a:tc>
-                  <a:txBody>
-                    <a:bodyPr/>
-                    <a:lstStyle/>
-                    <a:p>
-                      <a:r>
-                        <a:rPr lang="en-US" dirty="0"/>
-                        <a:t>Moody</a:t>
-                      </a:r>
-                    </a:p>
-                  </a:txBody>
-                  <a:tcPr/>
-                </a:tc>
-                <a:tc>
-                  <a:txBody>
-                    <a:bodyPr/>
-                    <a:lstStyle/>
-                    <a:p>
-                      <a:r>
-                        <a:rPr lang="en-US" dirty="0"/>
-                        <a:t>S&amp;P, Fitch</a:t>
-                      </a:r>
-                    </a:p>
-                  </a:txBody>
-                  <a:tcPr/>
-                </a:tc>
-                <a:extLst>
-                  <a:ext uri="{0D108BD9-81ED-4DB2-BD59-A6C34878D82A}">
-                    <a16:rowId xmlns:a16="http://schemas.microsoft.com/office/drawing/2014/main" val="4046324711"/>
-                  </a:ext>
-                </a:extLst>
-              </a:tr>
-              <a:tr h="370840">
-                <a:tc>
-                  <a:txBody>
-                    <a:bodyPr/>
-                    <a:lstStyle/>
-                    <a:p>
-                      <a:r>
-                        <a:rPr lang="en-US" dirty="0"/>
-                        <a:t>Investment grade</a:t>
-                      </a:r>
-                    </a:p>
-                  </a:txBody>
-                  <a:tcPr/>
-                </a:tc>
-                <a:tc>
-                  <a:txBody>
-                    <a:bodyPr/>
-                    <a:lstStyle/>
-                    <a:p>
-                      <a:r>
-                        <a:rPr lang="en-US" dirty="0"/>
-                        <a:t>Baa3 or above</a:t>
-                      </a:r>
-                    </a:p>
-                  </a:txBody>
-                  <a:tcPr/>
-                </a:tc>
-                <a:tc>
-                  <a:txBody>
-                    <a:bodyPr/>
-                    <a:lstStyle/>
-                    <a:p>
-                      <a:r>
-                        <a:rPr lang="en-US" dirty="0"/>
-                        <a:t>BBB- or above</a:t>
-                      </a:r>
-                    </a:p>
-                  </a:txBody>
-                  <a:tcPr/>
-                </a:tc>
-                <a:extLst>
-                  <a:ext uri="{0D108BD9-81ED-4DB2-BD59-A6C34878D82A}">
-                    <a16:rowId xmlns:a16="http://schemas.microsoft.com/office/drawing/2014/main" val="1068756194"/>
-                  </a:ext>
-                </a:extLst>
-              </a:tr>
-              <a:tr h="370840">
-                <a:tc>
-                  <a:txBody>
-                    <a:bodyPr/>
-                    <a:lstStyle/>
-                    <a:p>
-                      <a:r>
-                        <a:rPr lang="en-US" dirty="0"/>
-                        <a:t>Non-investment grade</a:t>
-                      </a:r>
-                    </a:p>
-                    <a:p>
-                      <a:r>
-                        <a:rPr lang="en-US" dirty="0"/>
-                        <a:t>(high yield, speculative, junk)</a:t>
-                      </a:r>
-                    </a:p>
-                  </a:txBody>
-                  <a:tcPr/>
-                </a:tc>
-                <a:tc>
-                  <a:txBody>
-                    <a:bodyPr/>
-                    <a:lstStyle/>
-                    <a:p>
-                      <a:r>
-                        <a:rPr lang="en-US" dirty="0"/>
-                        <a:t>Below Baa3</a:t>
-                      </a:r>
-                    </a:p>
-                  </a:txBody>
-                  <a:tcPr/>
-                </a:tc>
-                <a:tc>
-                  <a:txBody>
-                    <a:bodyPr/>
-                    <a:lstStyle/>
-                    <a:p>
-                      <a:r>
-                        <a:rPr lang="en-US" dirty="0"/>
-                        <a:t>Below BBB-</a:t>
-                      </a:r>
-                    </a:p>
-                  </a:txBody>
-                  <a:tcPr/>
-                </a:tc>
-                <a:extLst>
-                  <a:ext uri="{0D108BD9-81ED-4DB2-BD59-A6C34878D82A}">
-                    <a16:rowId xmlns:a16="http://schemas.microsoft.com/office/drawing/2014/main" val="579598874"/>
-                  </a:ext>
-                </a:extLst>
-              </a:tr>
-            </a:tbl>
-          </a:graphicData>
-        </a:graphic>
-      </p:graphicFrame>
-    </p:spTree>
-    <p:extLst>
-      <p:ext uri="{BB962C8B-B14F-4D97-AF65-F5344CB8AC3E}">
-        <p14:creationId xmlns:p14="http://schemas.microsoft.com/office/powerpoint/2010/main" val="2171020122"/>
-      </p:ext>
-    </p:extLst>
-  </p:cSld>
-  <p:clrMapOvr>
-    <a:masterClrMapping/>
-  </p:clrMapOvr>
-</p:sld>
-</file>
-
-<file path=ppt/slides/slide57.xml><?xml version="1.0" encoding="utf-8"?>
 <p:sld xmlns:a="http://schemas.openxmlformats.org/drawingml/2006/main" xmlns:r="http://schemas.openxmlformats.org/officeDocument/2006/relationships" xmlns:p="http://schemas.openxmlformats.org/presentationml/2006/main">
   <p:cSld>
     <p:spTree>
@@ -51018,7 +50704,7 @@
 </p:sld>
 </file>
 
-<file path=ppt/slides/slide58.xml><?xml version="1.0" encoding="utf-8"?>
+<file path=ppt/slides/slide57.xml><?xml version="1.0" encoding="utf-8"?>
 <p:sld xmlns:a="http://schemas.openxmlformats.org/drawingml/2006/main" xmlns:r="http://schemas.openxmlformats.org/officeDocument/2006/relationships" xmlns:p="http://schemas.openxmlformats.org/presentationml/2006/main">
   <p:cSld>
     <p:spTree>
@@ -51097,11 +50783,48 @@
         </p:nvSpPr>
         <p:spPr/>
         <p:txBody>
-          <a:bodyPr/>
+          <a:bodyPr>
+            <a:normAutofit fontScale="92500" lnSpcReduction="20000"/>
+          </a:bodyPr>
           <a:lstStyle/>
           <a:p>
             <a:r>
-              <a:rPr lang="en-US" sz="2800" b="1" dirty="0">
+              <a:rPr lang="en-US" sz="3000" b="1" dirty="0">
+                <a:solidFill>
+                  <a:srgbClr val="FF0000"/>
+                </a:solidFill>
+              </a:rPr>
+              <a:t>Classification by maturity(3/7)</a:t>
+            </a:r>
+          </a:p>
+          <a:p>
+            <a:pPr>
+              <a:buFont typeface="Wingdings" panose="05000000000000000000" pitchFamily="2" charset="2"/>
+              <a:buChar char="§"/>
+            </a:pPr>
+            <a:r>
+              <a:rPr lang="en-US" dirty="0"/>
+              <a:t>Money market security: overnight to one year</a:t>
+            </a:r>
+          </a:p>
+          <a:p>
+            <a:pPr>
+              <a:buFont typeface="Wingdings" panose="05000000000000000000" pitchFamily="2" charset="2"/>
+              <a:buChar char="§"/>
+            </a:pPr>
+            <a:r>
+              <a:rPr lang="en-US" dirty="0"/>
+              <a:t>Capita market security: longer than one year</a:t>
+            </a:r>
+            <a:endParaRPr lang="en-US" b="1" dirty="0">
+              <a:solidFill>
+                <a:srgbClr val="FF0000"/>
+              </a:solidFill>
+            </a:endParaRPr>
+          </a:p>
+          <a:p>
+            <a:r>
+              <a:rPr lang="en-US" sz="3000" b="1" dirty="0">
                 <a:solidFill>
                   <a:srgbClr val="FF0000"/>
                 </a:solidFill>
@@ -51131,7 +50854,7 @@
           </a:p>
           <a:p>
             <a:r>
-              <a:rPr lang="en-US" sz="2800" b="1" dirty="0">
+              <a:rPr lang="en-US" sz="3000" b="1" dirty="0">
                 <a:solidFill>
                   <a:srgbClr val="FF0000"/>
                 </a:solidFill>
@@ -51177,7 +50900,7 @@
 </p:sld>
 </file>
 
-<file path=ppt/slides/slide59.xml><?xml version="1.0" encoding="utf-8"?>
+<file path=ppt/slides/slide58.xml><?xml version="1.0" encoding="utf-8"?>
 <p:sld xmlns:a="http://schemas.openxmlformats.org/drawingml/2006/main" xmlns:r="http://schemas.openxmlformats.org/officeDocument/2006/relationships" xmlns:p="http://schemas.openxmlformats.org/presentationml/2006/main">
   <p:cSld>
     <p:spTree>
@@ -51327,6 +51050,142 @@
     <p:extLst>
       <p:ext uri="{BB962C8B-B14F-4D97-AF65-F5344CB8AC3E}">
         <p14:creationId xmlns:p14="http://schemas.microsoft.com/office/powerpoint/2010/main" val="4188510907"/>
+      </p:ext>
+    </p:extLst>
+  </p:cSld>
+  <p:clrMapOvr>
+    <a:masterClrMapping/>
+  </p:clrMapOvr>
+</p:sld>
+</file>
+
+<file path=ppt/slides/slide59.xml><?xml version="1.0" encoding="utf-8"?>
+<p:sld xmlns:a="http://schemas.openxmlformats.org/drawingml/2006/main" xmlns:r="http://schemas.openxmlformats.org/officeDocument/2006/relationships" xmlns:p="http://schemas.openxmlformats.org/presentationml/2006/main">
+  <p:cSld>
+    <p:spTree>
+      <p:nvGrpSpPr>
+        <p:cNvPr id="1" name=""/>
+        <p:cNvGrpSpPr/>
+        <p:nvPr/>
+      </p:nvGrpSpPr>
+      <p:grpSpPr>
+        <a:xfrm>
+          <a:off x="0" y="0"/>
+          <a:ext cx="0" cy="0"/>
+          <a:chOff x="0" y="0"/>
+          <a:chExt cx="0" cy="0"/>
+        </a:xfrm>
+      </p:grpSpPr>
+      <p:sp>
+        <p:nvSpPr>
+          <p:cNvPr id="2" name="Title 1">
+            <a:extLst>
+              <a:ext uri="{FF2B5EF4-FFF2-40B4-BE49-F238E27FC236}">
+                <a16:creationId xmlns:a16="http://schemas.microsoft.com/office/drawing/2014/main" id="{1D215F09-FDB6-4690-AF0D-853C944AABC8}"/>
+              </a:ext>
+            </a:extLst>
+          </p:cNvPr>
+          <p:cNvSpPr>
+            <a:spLocks noGrp="1"/>
+          </p:cNvSpPr>
+          <p:nvPr>
+            <p:ph type="title"/>
+          </p:nvPr>
+        </p:nvSpPr>
+        <p:spPr/>
+        <p:txBody>
+          <a:bodyPr>
+            <a:normAutofit/>
+          </a:bodyPr>
+          <a:lstStyle/>
+          <a:p>
+            <a:r>
+              <a:rPr lang="en-US" sz="3500" dirty="0"/>
+              <a:t>Module2</a:t>
+            </a:r>
+            <a:br>
+              <a:rPr lang="en-US" sz="3500" dirty="0"/>
+            </a:br>
+            <a:r>
+              <a:rPr lang="en-US" sz="3500" dirty="0"/>
+              <a:t>Fixed-Income markets: </a:t>
+            </a:r>
+            <a:br>
+              <a:rPr lang="en-US" sz="3500" dirty="0"/>
+            </a:br>
+            <a:r>
+              <a:rPr lang="en-US" sz="3500" dirty="0"/>
+              <a:t>issuance, trading, and funding</a:t>
+            </a:r>
+          </a:p>
+        </p:txBody>
+      </p:sp>
+      <p:sp>
+        <p:nvSpPr>
+          <p:cNvPr id="3" name="Content Placeholder 2">
+            <a:extLst>
+              <a:ext uri="{FF2B5EF4-FFF2-40B4-BE49-F238E27FC236}">
+                <a16:creationId xmlns:a16="http://schemas.microsoft.com/office/drawing/2014/main" id="{57AAC320-45E7-4D13-8426-BE8AF4F105AF}"/>
+              </a:ext>
+            </a:extLst>
+          </p:cNvPr>
+          <p:cNvSpPr>
+            <a:spLocks noGrp="1"/>
+          </p:cNvSpPr>
+          <p:nvPr>
+            <p:ph idx="1"/>
+          </p:nvPr>
+        </p:nvSpPr>
+        <p:spPr/>
+        <p:txBody>
+          <a:bodyPr/>
+          <a:lstStyle/>
+          <a:p>
+            <a:r>
+              <a:rPr lang="en-US" sz="2800" b="1" dirty="0">
+                <a:solidFill>
+                  <a:srgbClr val="FF0000"/>
+                </a:solidFill>
+              </a:rPr>
+              <a:t>Investors in fixed-income securities</a:t>
+            </a:r>
+          </a:p>
+          <a:p>
+            <a:pPr>
+              <a:buFont typeface="Wingdings" panose="05000000000000000000" pitchFamily="2" charset="2"/>
+              <a:buChar char="§"/>
+            </a:pPr>
+            <a:r>
+              <a:rPr lang="en-US" dirty="0"/>
+              <a:t>Central bank</a:t>
+            </a:r>
+          </a:p>
+          <a:p>
+            <a:pPr>
+              <a:buFont typeface="Wingdings" panose="05000000000000000000" pitchFamily="2" charset="2"/>
+              <a:buChar char="§"/>
+            </a:pPr>
+            <a:r>
+              <a:rPr lang="en-US" dirty="0"/>
+              <a:t>Institutional investor </a:t>
+            </a:r>
+          </a:p>
+          <a:p>
+            <a:pPr>
+              <a:buFont typeface="Wingdings" panose="05000000000000000000" pitchFamily="2" charset="2"/>
+              <a:buChar char="§"/>
+            </a:pPr>
+            <a:r>
+              <a:rPr lang="en-US" dirty="0"/>
+              <a:t>Retail investor</a:t>
+            </a:r>
+          </a:p>
+        </p:txBody>
+      </p:sp>
+    </p:spTree>
+    <p:extLst>
+      <p:ext uri="{BB962C8B-B14F-4D97-AF65-F5344CB8AC3E}">
+        <p14:creationId xmlns:p14="http://schemas.microsoft.com/office/powerpoint/2010/main" val="3488199028"/>
       </p:ext>
     </p:extLst>
   </p:cSld>
@@ -51763,7 +51622,7 @@
           <p:cNvPr id="2" name="Title 1">
             <a:extLst>
               <a:ext uri="{FF2B5EF4-FFF2-40B4-BE49-F238E27FC236}">
-                <a16:creationId xmlns:a16="http://schemas.microsoft.com/office/drawing/2014/main" id="{1D215F09-FDB6-4690-AF0D-853C944AABC8}"/>
+                <a16:creationId xmlns:a16="http://schemas.microsoft.com/office/drawing/2014/main" id="{E32EC8F5-15EC-4048-B97B-F1F93C8B4248}"/>
               </a:ext>
             </a:extLst>
           </p:cNvPr>
@@ -51776,28 +51635,12 @@
         </p:nvSpPr>
         <p:spPr/>
         <p:txBody>
-          <a:bodyPr>
-            <a:normAutofit/>
-          </a:bodyPr>
+          <a:bodyPr/>
           <a:lstStyle/>
           <a:p>
             <a:r>
-              <a:rPr lang="en-US" sz="3500" dirty="0"/>
-              <a:t>Module2</a:t>
-            </a:r>
-            <a:br>
-              <a:rPr lang="en-US" sz="3500" dirty="0"/>
-            </a:br>
-            <a:r>
-              <a:rPr lang="en-US" sz="3500" dirty="0"/>
-              <a:t>Fixed-Income markets: </a:t>
-            </a:r>
-            <a:br>
-              <a:rPr lang="en-US" sz="3500" dirty="0"/>
-            </a:br>
-            <a:r>
-              <a:rPr lang="en-US" sz="3500" dirty="0"/>
-              <a:t>issuance, trading, and funding</a:t>
+              <a:rPr lang="en-US" dirty="0"/>
+              <a:t>practices</a:t>
             </a:r>
           </a:p>
         </p:txBody>
@@ -51807,7 +51650,7 @@
           <p:cNvPr id="3" name="Content Placeholder 2">
             <a:extLst>
               <a:ext uri="{FF2B5EF4-FFF2-40B4-BE49-F238E27FC236}">
-                <a16:creationId xmlns:a16="http://schemas.microsoft.com/office/drawing/2014/main" id="{57AAC320-45E7-4D13-8426-BE8AF4F105AF}"/>
+                <a16:creationId xmlns:a16="http://schemas.microsoft.com/office/drawing/2014/main" id="{CF11E0F8-581C-4975-B20A-805578FFDDF1}"/>
               </a:ext>
             </a:extLst>
           </p:cNvPr>
@@ -51820,76 +51663,80 @@
         </p:nvSpPr>
         <p:spPr/>
         <p:txBody>
-          <a:bodyPr/>
+          <a:bodyPr>
+            <a:normAutofit fontScale="92500"/>
+          </a:bodyPr>
           <a:lstStyle/>
           <a:p>
             <a:r>
-              <a:rPr lang="en-US" sz="2800" b="1" dirty="0">
-                <a:solidFill>
-                  <a:srgbClr val="FF0000"/>
-                </a:solidFill>
-              </a:rPr>
-              <a:t>Fixed-income indexes</a:t>
-            </a:r>
-          </a:p>
-          <a:p>
-            <a:pPr>
-              <a:buFont typeface="Wingdings" panose="05000000000000000000" pitchFamily="2" charset="2"/>
-              <a:buChar char="§"/>
+              <a:rPr lang="en-US" dirty="0"/>
+              <a:t>1.Interbank offered rates are best described as the rates at which a panel of banks can:</a:t>
+            </a:r>
+          </a:p>
+          <a:p>
+            <a:pPr marL="457200" indent="-457200">
+              <a:buFont typeface="+mj-lt"/>
+              <a:buAutoNum type="alphaUcPeriod"/>
             </a:pPr>
             <a:r>
+              <a:rPr lang="en-US" b="1" dirty="0"/>
+              <a:t>issue short-term debt.</a:t>
+            </a:r>
+          </a:p>
+          <a:p>
+            <a:pPr marL="457200" indent="-457200">
+              <a:buFont typeface="+mj-lt"/>
+              <a:buAutoNum type="alphaUcPeriod"/>
+            </a:pPr>
+            <a:r>
+              <a:rPr lang="en-US" b="1" dirty="0"/>
+              <a:t>borrow unsecured funds from other major banks.</a:t>
+            </a:r>
+          </a:p>
+          <a:p>
+            <a:pPr marL="457200" indent="-457200">
+              <a:buFont typeface="+mj-lt"/>
+              <a:buAutoNum type="alphaUcPeriod"/>
+            </a:pPr>
+            <a:r>
+              <a:rPr lang="en-US" b="1" dirty="0"/>
+              <a:t>borrow from other major banks against some form of collateral.</a:t>
+            </a:r>
+          </a:p>
+          <a:p>
+            <a:r>
               <a:rPr lang="en-US" dirty="0"/>
-              <a:t>Bloomberg Barclays Global Aggregate Bond Index</a:t>
-            </a:r>
-          </a:p>
-          <a:p>
-            <a:pPr>
-              <a:buFont typeface="Wingdings" panose="05000000000000000000" pitchFamily="2" charset="2"/>
-              <a:buChar char="§"/>
+              <a:t>2.A company issues floating-rate bonds. The coupon rate is expressed as the three-month Libor plus a spread. The coupon payments are most likely to increase as:</a:t>
+            </a:r>
+          </a:p>
+          <a:p>
+            <a:pPr marL="457200" indent="-457200">
+              <a:buFont typeface="+mj-lt"/>
+              <a:buAutoNum type="alphaUcPeriod"/>
             </a:pPr>
             <a:r>
-              <a:rPr lang="en-US" dirty="0"/>
-              <a:t>J.P. Morgan Emerging Market Bond Index (EMBI) Global</a:t>
-            </a:r>
-          </a:p>
-          <a:p>
-            <a:r>
-              <a:rPr lang="en-US" sz="2800" b="1" dirty="0">
-                <a:solidFill>
-                  <a:srgbClr val="FF0000"/>
-                </a:solidFill>
-              </a:rPr>
-              <a:t>Investors in fixed-income securities</a:t>
-            </a:r>
-          </a:p>
-          <a:p>
-            <a:pPr>
-              <a:buFont typeface="Wingdings" panose="05000000000000000000" pitchFamily="2" charset="2"/>
-              <a:buChar char="§"/>
+              <a:rPr lang="en-US" b="1" dirty="0"/>
+              <a:t>Libor increases.</a:t>
+            </a:r>
+          </a:p>
+          <a:p>
+            <a:pPr marL="457200" indent="-457200">
+              <a:buFont typeface="+mj-lt"/>
+              <a:buAutoNum type="alphaUcPeriod"/>
             </a:pPr>
             <a:r>
-              <a:rPr lang="en-US" dirty="0"/>
-              <a:t>Central bank</a:t>
-            </a:r>
-          </a:p>
-          <a:p>
-            <a:pPr>
-              <a:buFont typeface="Wingdings" panose="05000000000000000000" pitchFamily="2" charset="2"/>
-              <a:buChar char="§"/>
+              <a:rPr lang="en-US" b="1" dirty="0"/>
+              <a:t>the spread increases.</a:t>
+            </a:r>
+          </a:p>
+          <a:p>
+            <a:pPr marL="457200" indent="-457200">
+              <a:buFont typeface="+mj-lt"/>
+              <a:buAutoNum type="alphaUcPeriod"/>
             </a:pPr>
             <a:r>
-              <a:rPr lang="en-US" dirty="0"/>
-              <a:t>Institutional investor </a:t>
-            </a:r>
-          </a:p>
-          <a:p>
-            <a:pPr>
-              <a:buFont typeface="Wingdings" panose="05000000000000000000" pitchFamily="2" charset="2"/>
-              <a:buChar char="§"/>
-            </a:pPr>
-            <a:r>
-              <a:rPr lang="en-US" dirty="0"/>
-              <a:t>Retail investor</a:t>
+              <a:rPr lang="en-US" b="1" dirty="0"/>
+              <a:t>the company’s credit quality decreases</a:t>
             </a:r>
           </a:p>
         </p:txBody>
@@ -51897,7 +51744,167 @@
     </p:spTree>
     <p:extLst>
       <p:ext uri="{BB962C8B-B14F-4D97-AF65-F5344CB8AC3E}">
-        <p14:creationId xmlns:p14="http://schemas.microsoft.com/office/powerpoint/2010/main" val="3488199028"/>
+        <p14:creationId xmlns:p14="http://schemas.microsoft.com/office/powerpoint/2010/main" val="1056588093"/>
+      </p:ext>
+    </p:extLst>
+  </p:cSld>
+  <p:clrMapOvr>
+    <a:masterClrMapping/>
+  </p:clrMapOvr>
+</p:sld>
+</file>
+
+<file path=ppt/slides/slide61.xml><?xml version="1.0" encoding="utf-8"?>
+<p:sld xmlns:a="http://schemas.openxmlformats.org/drawingml/2006/main" xmlns:r="http://schemas.openxmlformats.org/officeDocument/2006/relationships" xmlns:p="http://schemas.openxmlformats.org/presentationml/2006/main">
+  <p:cSld>
+    <p:spTree>
+      <p:nvGrpSpPr>
+        <p:cNvPr id="1" name=""/>
+        <p:cNvGrpSpPr/>
+        <p:nvPr/>
+      </p:nvGrpSpPr>
+      <p:grpSpPr>
+        <a:xfrm>
+          <a:off x="0" y="0"/>
+          <a:ext cx="0" cy="0"/>
+          <a:chOff x="0" y="0"/>
+          <a:chExt cx="0" cy="0"/>
+        </a:xfrm>
+      </p:grpSpPr>
+      <p:sp>
+        <p:nvSpPr>
+          <p:cNvPr id="2" name="Title 1">
+            <a:extLst>
+              <a:ext uri="{FF2B5EF4-FFF2-40B4-BE49-F238E27FC236}">
+                <a16:creationId xmlns:a16="http://schemas.microsoft.com/office/drawing/2014/main" id="{6F2988A1-8866-4FEF-A858-EADB78D59D95}"/>
+              </a:ext>
+            </a:extLst>
+          </p:cNvPr>
+          <p:cNvSpPr>
+            <a:spLocks noGrp="1"/>
+          </p:cNvSpPr>
+          <p:nvPr>
+            <p:ph type="title"/>
+          </p:nvPr>
+        </p:nvSpPr>
+        <p:spPr/>
+        <p:txBody>
+          <a:bodyPr/>
+          <a:lstStyle/>
+          <a:p>
+            <a:r>
+              <a:rPr lang="en-US" dirty="0"/>
+              <a:t>practices</a:t>
+            </a:r>
+          </a:p>
+        </p:txBody>
+      </p:sp>
+      <p:sp>
+        <p:nvSpPr>
+          <p:cNvPr id="3" name="Content Placeholder 2">
+            <a:extLst>
+              <a:ext uri="{FF2B5EF4-FFF2-40B4-BE49-F238E27FC236}">
+                <a16:creationId xmlns:a16="http://schemas.microsoft.com/office/drawing/2014/main" id="{37219331-5922-4CEB-9ABB-4CAEE80787D8}"/>
+              </a:ext>
+            </a:extLst>
+          </p:cNvPr>
+          <p:cNvSpPr>
+            <a:spLocks noGrp="1"/>
+          </p:cNvSpPr>
+          <p:nvPr>
+            <p:ph idx="1"/>
+          </p:nvPr>
+        </p:nvSpPr>
+        <p:spPr/>
+        <p:txBody>
+          <a:bodyPr>
+            <a:normAutofit fontScale="92500" lnSpcReduction="10000"/>
+          </a:bodyPr>
+          <a:lstStyle/>
+          <a:p>
+            <a:pPr marL="0" indent="0">
+              <a:buNone/>
+            </a:pPr>
+            <a:r>
+              <a:rPr lang="en-US" dirty="0"/>
+              <a:t>3. Open market operations describe the process used by central banks to buy and sell bonds to:</a:t>
+            </a:r>
+          </a:p>
+          <a:p>
+            <a:pPr marL="457200" indent="-457200">
+              <a:buFont typeface="+mj-lt"/>
+              <a:buAutoNum type="alphaUcPeriod"/>
+            </a:pPr>
+            <a:r>
+              <a:rPr lang="en-US" b="1" dirty="0"/>
+              <a:t>implement fiscal policy.</a:t>
+            </a:r>
+          </a:p>
+          <a:p>
+            <a:pPr marL="457200" indent="-457200">
+              <a:buFont typeface="+mj-lt"/>
+              <a:buAutoNum type="alphaUcPeriod"/>
+            </a:pPr>
+            <a:r>
+              <a:rPr lang="en-US" b="1" dirty="0"/>
+              <a:t>control the monetary base.</a:t>
+            </a:r>
+          </a:p>
+          <a:p>
+            <a:pPr marL="457200" indent="-457200">
+              <a:buFont typeface="+mj-lt"/>
+              <a:buAutoNum type="alphaUcPeriod"/>
+            </a:pPr>
+            <a:r>
+              <a:rPr lang="en-US" b="1" dirty="0"/>
+              <a:t>issue and repay government debt.</a:t>
+            </a:r>
+          </a:p>
+          <a:p>
+            <a:pPr marL="0" indent="0">
+              <a:buNone/>
+            </a:pPr>
+            <a:r>
+              <a:rPr lang="en-US" dirty="0"/>
+              <a:t>4. Retail investors most often:</a:t>
+            </a:r>
+          </a:p>
+          <a:p>
+            <a:pPr marL="457200" indent="-457200">
+              <a:buFont typeface="+mj-lt"/>
+              <a:buAutoNum type="alphaUcPeriod"/>
+            </a:pPr>
+            <a:r>
+              <a:rPr lang="en-US" b="1" dirty="0"/>
+              <a:t>do not invest in fixed-income securities.</a:t>
+            </a:r>
+          </a:p>
+          <a:p>
+            <a:pPr marL="457200" indent="-457200">
+              <a:buFont typeface="+mj-lt"/>
+              <a:buAutoNum type="alphaUcPeriod"/>
+            </a:pPr>
+            <a:r>
+              <a:rPr lang="en-US" b="1" dirty="0"/>
+              <a:t>invest directly in fixed-income securities.</a:t>
+            </a:r>
+          </a:p>
+          <a:p>
+            <a:pPr marL="457200" indent="-457200">
+              <a:buFont typeface="+mj-lt"/>
+              <a:buAutoNum type="alphaUcPeriod"/>
+            </a:pPr>
+            <a:r>
+              <a:rPr lang="en-US" b="1" dirty="0"/>
+              <a:t>invest indirectly in fixed-income securities through mutual funds or exchange-traded funds.</a:t>
+            </a:r>
+          </a:p>
+        </p:txBody>
+      </p:sp>
+    </p:spTree>
+    <p:extLst>
+      <p:ext uri="{BB962C8B-B14F-4D97-AF65-F5344CB8AC3E}">
+        <p14:creationId xmlns:p14="http://schemas.microsoft.com/office/powerpoint/2010/main" val="538403057"/>
       </p:ext>
     </p:extLst>
   </p:cSld>

--- a/Fixed Income.pptx
+++ b/Fixed Income.pptx
@@ -3917,8 +3917,8 @@
     <dgm:cxn modelId="{AF33C521-71B0-4B68-A042-D5C4BD05A724}" srcId="{E418CFBD-CBB0-47D4-90EA-7C86E66E0301}" destId="{B4A4CC78-25E8-4AC4-B6C7-FEF8A2ACA6AA}" srcOrd="0" destOrd="0" parTransId="{85016B60-CA97-4D4D-A9E2-806B7E6A6D86}" sibTransId="{849FA569-BFE8-4BE4-8A3A-A15102DEE95C}"/>
     <dgm:cxn modelId="{F6B99A3C-9076-364A-879D-12713B74FC7C}" type="presOf" srcId="{285DEE00-3466-4A02-B97F-7B091B7A1EBA}" destId="{4E2EE375-77E8-344D-8FE3-6D408976901F}" srcOrd="0" destOrd="2" presId="urn:microsoft.com/office/officeart/2005/8/layout/vList2"/>
     <dgm:cxn modelId="{D85F8B50-D075-1442-9DF8-1563FD94E531}" type="presOf" srcId="{53EC224F-F0B0-410D-96A8-6BA533D08D48}" destId="{6E81FE26-0174-494F-A8AC-03518D01DF5A}" srcOrd="0" destOrd="2" presId="urn:microsoft.com/office/officeart/2005/8/layout/vList2"/>
+    <dgm:cxn modelId="{3D0EFB57-CF8C-5744-A774-55319E05AA6E}" type="presOf" srcId="{5BA6EAC7-5FD8-4F9E-BFE8-CEDE7CEDDF86}" destId="{4E2EE375-77E8-344D-8FE3-6D408976901F}" srcOrd="0" destOrd="0" presId="urn:microsoft.com/office/officeart/2005/8/layout/vList2"/>
     <dgm:cxn modelId="{6C296F77-763A-1B49-8F08-91BDF5A82BE2}" type="presOf" srcId="{E418CFBD-CBB0-47D4-90EA-7C86E66E0301}" destId="{CD36D044-47F6-BA4C-B7C5-E9DB54309CE0}" srcOrd="0" destOrd="0" presId="urn:microsoft.com/office/officeart/2005/8/layout/vList2"/>
-    <dgm:cxn modelId="{3D0EFB57-CF8C-5744-A774-55319E05AA6E}" type="presOf" srcId="{5BA6EAC7-5FD8-4F9E-BFE8-CEDE7CEDDF86}" destId="{4E2EE375-77E8-344D-8FE3-6D408976901F}" srcOrd="0" destOrd="0" presId="urn:microsoft.com/office/officeart/2005/8/layout/vList2"/>
     <dgm:cxn modelId="{6ED6F37E-7BEF-8D4E-AF20-2B418631C184}" type="presOf" srcId="{12E8DCDE-129C-4875-BF61-2B214BB7B4DE}" destId="{BC7A51D8-329D-4148-A3CC-5E08CD64BDFD}" srcOrd="0" destOrd="0" presId="urn:microsoft.com/office/officeart/2005/8/layout/vList2"/>
     <dgm:cxn modelId="{59947886-8799-40C6-8A4C-8031E410CA52}" srcId="{B4A4CC78-25E8-4AC4-B6C7-FEF8A2ACA6AA}" destId="{E79D3704-2259-4A45-9208-E7E3B168D5A5}" srcOrd="0" destOrd="0" parTransId="{4878388E-DB59-439F-B6F3-5C85431A665D}" sibTransId="{19B403D0-6920-4A61-AAA1-3D5A9D371B3E}"/>
     <dgm:cxn modelId="{754BA58A-DFAF-FD40-8071-91502A0354A9}" type="presOf" srcId="{8485117E-84FB-4AC0-84B3-D99A21D09A23}" destId="{4E2EE375-77E8-344D-8FE3-6D408976901F}" srcOrd="0" destOrd="1" presId="urn:microsoft.com/office/officeart/2005/8/layout/vList2"/>
@@ -10898,7 +10898,7 @@
           <a:p>
             <a:fld id="{9ADA5B36-BD01-47CD-B491-940693B77A9A}" type="datetimeFigureOut">
               <a:rPr lang="en-US" smtClean="0"/>
-              <a:t>11/15/2022</a:t>
+              <a:t>11/15/22</a:t>
             </a:fld>
             <a:endParaRPr lang="en-US"/>
           </a:p>
@@ -11333,6 +11333,90 @@
 </p:notes>
 </file>
 
+<file path=ppt/notesSlides/notesSlide11.xml><?xml version="1.0" encoding="utf-8"?>
+<p:notes xmlns:a="http://schemas.openxmlformats.org/drawingml/2006/main" xmlns:r="http://schemas.openxmlformats.org/officeDocument/2006/relationships" xmlns:p="http://schemas.openxmlformats.org/presentationml/2006/main">
+  <p:cSld>
+    <p:spTree>
+      <p:nvGrpSpPr>
+        <p:cNvPr id="1" name=""/>
+        <p:cNvGrpSpPr/>
+        <p:nvPr/>
+      </p:nvGrpSpPr>
+      <p:grpSpPr>
+        <a:xfrm>
+          <a:off x="0" y="0"/>
+          <a:ext cx="0" cy="0"/>
+          <a:chOff x="0" y="0"/>
+          <a:chExt cx="0" cy="0"/>
+        </a:xfrm>
+      </p:grpSpPr>
+      <p:sp>
+        <p:nvSpPr>
+          <p:cNvPr id="2" name="幻灯片图像占位符 1"/>
+          <p:cNvSpPr>
+            <a:spLocks noGrp="1" noRot="1" noChangeAspect="1"/>
+          </p:cNvSpPr>
+          <p:nvPr>
+            <p:ph type="sldImg"/>
+          </p:nvPr>
+        </p:nvSpPr>
+        <p:spPr/>
+      </p:sp>
+      <p:sp>
+        <p:nvSpPr>
+          <p:cNvPr id="3" name="备注占位符 2"/>
+          <p:cNvSpPr>
+            <a:spLocks noGrp="1"/>
+          </p:cNvSpPr>
+          <p:nvPr>
+            <p:ph type="body" idx="1"/>
+          </p:nvPr>
+        </p:nvSpPr>
+        <p:spPr/>
+        <p:txBody>
+          <a:bodyPr/>
+          <a:lstStyle/>
+          <a:p>
+            <a:endParaRPr kumimoji="1" lang="zh-CN" altLang="en-US"/>
+          </a:p>
+        </p:txBody>
+      </p:sp>
+      <p:sp>
+        <p:nvSpPr>
+          <p:cNvPr id="4" name="灯片编号占位符 3"/>
+          <p:cNvSpPr>
+            <a:spLocks noGrp="1"/>
+          </p:cNvSpPr>
+          <p:nvPr>
+            <p:ph type="sldNum" sz="quarter" idx="5"/>
+          </p:nvPr>
+        </p:nvSpPr>
+        <p:spPr/>
+        <p:txBody>
+          <a:bodyPr/>
+          <a:lstStyle/>
+          <a:p>
+            <a:fld id="{E3B866C1-D4D8-42C4-BACA-D1CCAC4472DF}" type="slidenum">
+              <a:rPr lang="en-US" smtClean="0"/>
+              <a:t>61</a:t>
+            </a:fld>
+            <a:endParaRPr lang="en-US"/>
+          </a:p>
+        </p:txBody>
+      </p:sp>
+    </p:spTree>
+    <p:extLst>
+      <p:ext uri="{BB962C8B-B14F-4D97-AF65-F5344CB8AC3E}">
+        <p14:creationId xmlns:p14="http://schemas.microsoft.com/office/powerpoint/2010/main" val="1239975992"/>
+      </p:ext>
+    </p:extLst>
+  </p:cSld>
+  <p:clrMapOvr>
+    <a:masterClrMapping/>
+  </p:clrMapOvr>
+</p:notes>
+</file>
+
 <file path=ppt/notesSlides/notesSlide2.xml><?xml version="1.0" encoding="utf-8"?>
 <p:notes xmlns:a="http://schemas.openxmlformats.org/drawingml/2006/main" xmlns:r="http://schemas.openxmlformats.org/officeDocument/2006/relationships" xmlns:p="http://schemas.openxmlformats.org/presentationml/2006/main">
   <p:cSld>
@@ -20798,7 +20882,7 @@
           <a:p>
             <a:fld id="{3CB14515-8DA5-4B82-96E7-E758FF8ACA06}" type="datetimeFigureOut">
               <a:rPr lang="en-US" smtClean="0"/>
-              <a:t>11/15/2022</a:t>
+              <a:t>11/15/22</a:t>
             </a:fld>
             <a:endParaRPr lang="en-US"/>
           </a:p>
@@ -21005,7 +21089,7 @@
           <a:p>
             <a:fld id="{3CB14515-8DA5-4B82-96E7-E758FF8ACA06}" type="datetimeFigureOut">
               <a:rPr lang="en-US" smtClean="0"/>
-              <a:t>11/15/2022</a:t>
+              <a:t>11/15/22</a:t>
             </a:fld>
             <a:endParaRPr lang="en-US"/>
           </a:p>
@@ -21185,7 +21269,7 @@
           <a:p>
             <a:fld id="{3CB14515-8DA5-4B82-96E7-E758FF8ACA06}" type="datetimeFigureOut">
               <a:rPr lang="en-US" smtClean="0"/>
-              <a:t>11/15/2022</a:t>
+              <a:t>11/15/22</a:t>
             </a:fld>
             <a:endParaRPr lang="en-US"/>
           </a:p>
@@ -21390,7 +21474,7 @@
           <a:p>
             <a:fld id="{3CB14515-8DA5-4B82-96E7-E758FF8ACA06}" type="datetimeFigureOut">
               <a:rPr lang="en-US" smtClean="0"/>
-              <a:t>11/15/2022</a:t>
+              <a:t>11/15/22</a:t>
             </a:fld>
             <a:endParaRPr lang="en-US"/>
           </a:p>
@@ -30288,7 +30372,7 @@
           <a:p>
             <a:fld id="{3CB14515-8DA5-4B82-96E7-E758FF8ACA06}" type="datetimeFigureOut">
               <a:rPr lang="en-US" smtClean="0"/>
-              <a:t>11/15/2022</a:t>
+              <a:t>11/15/22</a:t>
             </a:fld>
             <a:endParaRPr lang="en-US"/>
           </a:p>
@@ -30562,7 +30646,7 @@
           <a:p>
             <a:fld id="{3CB14515-8DA5-4B82-96E7-E758FF8ACA06}" type="datetimeFigureOut">
               <a:rPr lang="en-US" smtClean="0"/>
-              <a:t>11/15/2022</a:t>
+              <a:t>11/15/22</a:t>
             </a:fld>
             <a:endParaRPr lang="en-US"/>
           </a:p>
@@ -30960,7 +31044,7 @@
           <a:p>
             <a:fld id="{3CB14515-8DA5-4B82-96E7-E758FF8ACA06}" type="datetimeFigureOut">
               <a:rPr lang="en-US" smtClean="0"/>
-              <a:t>11/15/2022</a:t>
+              <a:t>11/15/22</a:t>
             </a:fld>
             <a:endParaRPr lang="en-US"/>
           </a:p>
@@ -31078,7 +31162,7 @@
           <a:p>
             <a:fld id="{3CB14515-8DA5-4B82-96E7-E758FF8ACA06}" type="datetimeFigureOut">
               <a:rPr lang="en-US" smtClean="0"/>
-              <a:t>11/15/2022</a:t>
+              <a:t>11/15/22</a:t>
             </a:fld>
             <a:endParaRPr lang="en-US"/>
           </a:p>
@@ -31173,7 +31257,7 @@
           <a:p>
             <a:fld id="{3CB14515-8DA5-4B82-96E7-E758FF8ACA06}" type="datetimeFigureOut">
               <a:rPr lang="en-US" smtClean="0"/>
-              <a:t>11/15/2022</a:t>
+              <a:t>11/15/22</a:t>
             </a:fld>
             <a:endParaRPr lang="en-US"/>
           </a:p>
@@ -31463,7 +31547,7 @@
           <a:p>
             <a:fld id="{3CB14515-8DA5-4B82-96E7-E758FF8ACA06}" type="datetimeFigureOut">
               <a:rPr lang="en-US" smtClean="0"/>
-              <a:t>11/15/2022</a:t>
+              <a:t>11/15/22</a:t>
             </a:fld>
             <a:endParaRPr lang="en-US"/>
           </a:p>
@@ -31743,7 +31827,7 @@
           <a:p>
             <a:fld id="{3CB14515-8DA5-4B82-96E7-E758FF8ACA06}" type="datetimeFigureOut">
               <a:rPr lang="en-US" smtClean="0"/>
-              <a:t>11/15/2022</a:t>
+              <a:t>11/15/22</a:t>
             </a:fld>
             <a:endParaRPr lang="en-US"/>
           </a:p>
@@ -31993,7 +32077,7 @@
           <a:p>
             <a:fld id="{3CB14515-8DA5-4B82-96E7-E758FF8ACA06}" type="datetimeFigureOut">
               <a:rPr lang="en-US" smtClean="0"/>
-              <a:t>11/15/2022</a:t>
+              <a:t>11/15/22</a:t>
             </a:fld>
             <a:endParaRPr lang="en-US"/>
           </a:p>
@@ -49395,6 +49479,14 @@
 <file path=ppt/slides/slide54.xml><?xml version="1.0" encoding="utf-8"?>
 <p:sld xmlns:a="http://schemas.openxmlformats.org/drawingml/2006/main" xmlns:r="http://schemas.openxmlformats.org/officeDocument/2006/relationships" xmlns:p="http://schemas.openxmlformats.org/presentationml/2006/main">
   <p:cSld>
+    <p:bg>
+      <p:bgPr>
+        <a:solidFill>
+          <a:schemeClr val="bg1"/>
+        </a:solidFill>
+        <a:effectLst/>
+      </p:bgPr>
+    </p:bg>
     <p:spTree>
       <p:nvGrpSpPr>
         <p:cNvPr id="1" name=""/>
@@ -49425,7 +49517,12 @@
             <p:ph type="title"/>
           </p:nvPr>
         </p:nvSpPr>
-        <p:spPr/>
+        <p:spPr>
+          <a:xfrm>
+            <a:off x="1024128" y="585216"/>
+            <a:ext cx="8018272" cy="1499616"/>
+          </a:xfrm>
+        </p:spPr>
         <p:txBody>
           <a:bodyPr>
             <a:normAutofit/>
@@ -49469,7 +49566,12 @@
             <p:ph idx="1"/>
           </p:nvPr>
         </p:nvSpPr>
-        <p:spPr/>
+        <p:spPr>
+          <a:xfrm>
+            <a:off x="1024128" y="2286000"/>
+            <a:ext cx="8018271" cy="4023360"/>
+          </a:xfrm>
+        </p:spPr>
         <p:txBody>
           <a:bodyPr>
             <a:normAutofit/>
@@ -49491,7 +49593,7 @@
               <a:buChar char="§"/>
             </a:pPr>
             <a:r>
-              <a:rPr lang="en-US" sz="2000" dirty="0"/>
+              <a:rPr lang="en-US" dirty="0"/>
               <a:t>Classification by type of issuer</a:t>
             </a:r>
           </a:p>
@@ -49501,7 +49603,7 @@
               <a:buChar char="§"/>
             </a:pPr>
             <a:r>
-              <a:rPr lang="en-US" sz="2000" dirty="0"/>
+              <a:rPr lang="en-US" dirty="0"/>
               <a:t>Classification by credit quality</a:t>
             </a:r>
           </a:p>
@@ -49511,7 +49613,7 @@
               <a:buChar char="§"/>
             </a:pPr>
             <a:r>
-              <a:rPr lang="en-US" sz="2000" dirty="0"/>
+              <a:rPr lang="en-US" dirty="0"/>
               <a:t>Classification by maturity</a:t>
             </a:r>
           </a:p>
@@ -49521,7 +49623,7 @@
               <a:buChar char="§"/>
             </a:pPr>
             <a:r>
-              <a:rPr lang="en-US" sz="2000" dirty="0"/>
+              <a:rPr lang="en-US" dirty="0"/>
               <a:t>Classification by currency denomination</a:t>
             </a:r>
           </a:p>
@@ -49531,7 +49633,7 @@
               <a:buChar char="§"/>
             </a:pPr>
             <a:r>
-              <a:rPr lang="en-US" sz="2000" dirty="0"/>
+              <a:rPr lang="en-US" dirty="0"/>
               <a:t>Classification by type of coupon</a:t>
             </a:r>
           </a:p>
@@ -49541,7 +49643,7 @@
               <a:buChar char="§"/>
             </a:pPr>
             <a:r>
-              <a:rPr lang="en-US" sz="2000" dirty="0"/>
+              <a:rPr lang="en-US" dirty="0"/>
               <a:t>Classification by geography</a:t>
             </a:r>
           </a:p>
@@ -49551,9 +49653,137 @@
               <a:buChar char="§"/>
             </a:pPr>
             <a:r>
-              <a:rPr lang="en-US" sz="2000" dirty="0"/>
+              <a:rPr lang="en-US" dirty="0"/>
               <a:t>Other classifications of fixed-income markets</a:t>
             </a:r>
+          </a:p>
+        </p:txBody>
+      </p:sp>
+      <p:sp>
+        <p:nvSpPr>
+          <p:cNvPr id="8" name="Rectangle 7">
+            <a:extLst>
+              <a:ext uri="{FF2B5EF4-FFF2-40B4-BE49-F238E27FC236}">
+                <a16:creationId xmlns:a16="http://schemas.microsoft.com/office/drawing/2014/main" id="{77D7B666-D5E6-48CE-B26A-FB5E5C34AF90}"/>
+              </a:ext>
+              <a:ext uri="{C183D7F6-B498-43B3-948B-1728B52AA6E4}">
+                <adec:decorative xmlns:adec="http://schemas.microsoft.com/office/drawing/2017/decorative" val="1"/>
+              </a:ext>
+            </a:extLst>
+          </p:cNvPr>
+          <p:cNvSpPr>
+            <a:spLocks noGrp="1" noRot="1" noChangeAspect="1" noMove="1" noResize="1" noEditPoints="1" noAdjustHandles="1" noChangeArrowheads="1" noChangeShapeType="1" noTextEdit="1"/>
+          </p:cNvSpPr>
+          <p:nvPr>
+            <p:extLst>
+              <p:ext uri="{386F3935-93C4-4BCD-93E2-E3B085C9AB24}">
+                <p16:designElem xmlns:p16="http://schemas.microsoft.com/office/powerpoint/2015/main" val="1"/>
+              </p:ext>
+            </p:extLst>
+          </p:nvPr>
+        </p:nvSpPr>
+        <p:spPr>
+          <a:xfrm>
+            <a:off x="9583348" y="325601"/>
+            <a:ext cx="2286920" cy="3908071"/>
+          </a:xfrm>
+          <a:prstGeom prst="rect">
+            <a:avLst/>
+          </a:prstGeom>
+          <a:solidFill>
+            <a:schemeClr val="accent1"/>
+          </a:solidFill>
+          <a:ln>
+            <a:noFill/>
+          </a:ln>
+        </p:spPr>
+        <p:style>
+          <a:lnRef idx="2">
+            <a:schemeClr val="accent1">
+              <a:shade val="50000"/>
+            </a:schemeClr>
+          </a:lnRef>
+          <a:fillRef idx="1">
+            <a:schemeClr val="accent1"/>
+          </a:fillRef>
+          <a:effectRef idx="0">
+            <a:schemeClr val="accent1"/>
+          </a:effectRef>
+          <a:fontRef idx="minor">
+            <a:schemeClr val="lt1"/>
+          </a:fontRef>
+        </p:style>
+        <p:txBody>
+          <a:bodyPr rtlCol="0" anchor="ctr"/>
+          <a:lstStyle/>
+          <a:p>
+            <a:pPr algn="ctr"/>
+            <a:endParaRPr lang="en-US" dirty="0"/>
+          </a:p>
+        </p:txBody>
+      </p:sp>
+      <p:sp>
+        <p:nvSpPr>
+          <p:cNvPr id="10" name="Rectangle 9">
+            <a:extLst>
+              <a:ext uri="{FF2B5EF4-FFF2-40B4-BE49-F238E27FC236}">
+                <a16:creationId xmlns:a16="http://schemas.microsoft.com/office/drawing/2014/main" id="{F6EE670A-A41A-44AD-BC1C-2090365EB5B3}"/>
+              </a:ext>
+              <a:ext uri="{C183D7F6-B498-43B3-948B-1728B52AA6E4}">
+                <adec:decorative xmlns:adec="http://schemas.microsoft.com/office/drawing/2017/decorative" val="1"/>
+              </a:ext>
+            </a:extLst>
+          </p:cNvPr>
+          <p:cNvSpPr>
+            <a:spLocks noGrp="1" noRot="1" noChangeAspect="1" noMove="1" noResize="1" noEditPoints="1" noAdjustHandles="1" noChangeArrowheads="1" noChangeShapeType="1" noTextEdit="1"/>
+          </p:cNvSpPr>
+          <p:nvPr>
+            <p:extLst>
+              <p:ext uri="{386F3935-93C4-4BCD-93E2-E3B085C9AB24}">
+                <p16:designElem xmlns:p16="http://schemas.microsoft.com/office/powerpoint/2015/main" val="1"/>
+              </p:ext>
+            </p:extLst>
+          </p:nvPr>
+        </p:nvSpPr>
+        <p:spPr>
+          <a:xfrm>
+            <a:off x="9583348" y="4394539"/>
+            <a:ext cx="2286920" cy="2029724"/>
+          </a:xfrm>
+          <a:prstGeom prst="rect">
+            <a:avLst/>
+          </a:prstGeom>
+          <a:solidFill>
+            <a:schemeClr val="tx2">
+              <a:alpha val="80000"/>
+            </a:schemeClr>
+          </a:solidFill>
+          <a:ln>
+            <a:noFill/>
+          </a:ln>
+        </p:spPr>
+        <p:style>
+          <a:lnRef idx="2">
+            <a:schemeClr val="accent1">
+              <a:shade val="50000"/>
+            </a:schemeClr>
+          </a:lnRef>
+          <a:fillRef idx="1">
+            <a:schemeClr val="accent1"/>
+          </a:fillRef>
+          <a:effectRef idx="0">
+            <a:schemeClr val="accent1"/>
+          </a:effectRef>
+          <a:fontRef idx="minor">
+            <a:schemeClr val="lt1"/>
+          </a:fontRef>
+        </p:style>
+        <p:txBody>
+          <a:bodyPr rtlCol="0" anchor="ctr"/>
+          <a:lstStyle/>
+          <a:p>
+            <a:pPr algn="ctr"/>
+            <a:endParaRPr lang="en-US"/>
           </a:p>
         </p:txBody>
       </p:sp>
@@ -50097,6 +50327,14 @@
 <file path=ppt/slides/slide56.xml><?xml version="1.0" encoding="utf-8"?>
 <p:sld xmlns:a="http://schemas.openxmlformats.org/drawingml/2006/main" xmlns:r="http://schemas.openxmlformats.org/officeDocument/2006/relationships" xmlns:p="http://schemas.openxmlformats.org/presentationml/2006/main">
   <p:cSld>
+    <p:bg>
+      <p:bgPr>
+        <a:solidFill>
+          <a:schemeClr val="bg1"/>
+        </a:solidFill>
+        <a:effectLst/>
+      </p:bgPr>
+    </p:bg>
     <p:spTree>
       <p:nvGrpSpPr>
         <p:cNvPr id="1" name=""/>
@@ -50127,7 +50365,12 @@
             <p:ph type="title"/>
           </p:nvPr>
         </p:nvSpPr>
-        <p:spPr/>
+        <p:spPr>
+          <a:xfrm>
+            <a:off x="1024128" y="585216"/>
+            <a:ext cx="9720072" cy="1499616"/>
+          </a:xfrm>
+        </p:spPr>
         <p:txBody>
           <a:bodyPr>
             <a:normAutofit/>
@@ -50171,14 +50414,14 @@
             <p:ph idx="1"/>
             <p:extLst>
               <p:ext uri="{D42A27DB-BD31-4B8C-83A1-F6EECF244321}">
-                <p14:modId xmlns:p14="http://schemas.microsoft.com/office/powerpoint/2010/main" val="3328083883"/>
+                <p14:modId xmlns:p14="http://schemas.microsoft.com/office/powerpoint/2010/main" val="4171478097"/>
               </p:ext>
             </p:extLst>
           </p:nvPr>
         </p:nvGraphicFramePr>
         <p:xfrm>
-          <a:off x="1023938" y="2286000"/>
-          <a:ext cx="9720261" cy="4079240"/>
+          <a:off x="1820328" y="2286000"/>
+          <a:ext cx="8127483" cy="4022733"/>
         </p:xfrm>
         <a:graphic>
           <a:graphicData uri="http://schemas.openxmlformats.org/drawingml/2006/table">
@@ -50187,21 +50430,21 @@
                 <a:tableStyleId>{5C22544A-7EE6-4342-B048-85BDC9FD1C3A}</a:tableStyleId>
               </a:tblPr>
               <a:tblGrid>
-                <a:gridCol w="3240087">
+                <a:gridCol w="3083283">
                   <a:extLst>
                     <a:ext uri="{9D8B030D-6E8A-4147-A177-3AD203B41FA5}">
                       <a16:colId xmlns:a16="http://schemas.microsoft.com/office/drawing/2014/main" val="510043102"/>
                     </a:ext>
                   </a:extLst>
                 </a:gridCol>
-                <a:gridCol w="3240087">
+                <a:gridCol w="2266048">
                   <a:extLst>
                     <a:ext uri="{9D8B030D-6E8A-4147-A177-3AD203B41FA5}">
                       <a16:colId xmlns:a16="http://schemas.microsoft.com/office/drawing/2014/main" val="3101958610"/>
                     </a:ext>
                   </a:extLst>
                 </a:gridCol>
-                <a:gridCol w="3240087">
+                <a:gridCol w="2778152">
                   <a:extLst>
                     <a:ext uri="{9D8B030D-6E8A-4147-A177-3AD203B41FA5}">
                       <a16:colId xmlns:a16="http://schemas.microsoft.com/office/drawing/2014/main" val="1349325990"/>
@@ -50209,16 +50452,16 @@
                   </a:extLst>
                 </a:gridCol>
               </a:tblGrid>
-              <a:tr h="370840">
+              <a:tr h="365703">
                 <a:tc>
                   <a:txBody>
                     <a:bodyPr/>
                     <a:lstStyle/>
                     <a:p>
-                      <a:endParaRPr lang="en-US" dirty="0"/>
+                      <a:endParaRPr lang="en-US" sz="1600"/>
                     </a:p>
                   </a:txBody>
-                  <a:tcPr/>
+                  <a:tcPr marL="83114" marR="83114" marT="41557" marB="41557"/>
                 </a:tc>
                 <a:tc>
                   <a:txBody>
@@ -50226,12 +50469,12 @@
                     <a:lstStyle/>
                     <a:p>
                       <a:r>
-                        <a:rPr lang="en-US" dirty="0"/>
+                        <a:rPr lang="en-US" sz="1600"/>
                         <a:t>Moody</a:t>
                       </a:r>
                     </a:p>
                   </a:txBody>
-                  <a:tcPr/>
+                  <a:tcPr marL="83114" marR="83114" marT="41557" marB="41557"/>
                 </a:tc>
                 <a:tc>
                   <a:txBody>
@@ -50239,12 +50482,12 @@
                     <a:lstStyle/>
                     <a:p>
                       <a:r>
-                        <a:rPr lang="en-US" dirty="0"/>
+                        <a:rPr lang="en-US" sz="1600"/>
                         <a:t>S&amp;P, Fitch</a:t>
                       </a:r>
                     </a:p>
                   </a:txBody>
-                  <a:tcPr/>
+                  <a:tcPr marL="83114" marR="83114" marT="41557" marB="41557"/>
                 </a:tc>
                 <a:extLst>
                   <a:ext uri="{0D108BD9-81ED-4DB2-BD59-A6C34878D82A}">
@@ -50252,19 +50495,19 @@
                   </a:ext>
                 </a:extLst>
               </a:tr>
-              <a:tr h="370840">
+              <a:tr h="365703">
                 <a:tc>
                   <a:txBody>
                     <a:bodyPr/>
                     <a:lstStyle/>
                     <a:p>
                       <a:r>
-                        <a:rPr lang="en-US" dirty="0"/>
+                        <a:rPr lang="en-US" sz="1600"/>
                         <a:t>Investment</a:t>
                       </a:r>
                     </a:p>
                   </a:txBody>
-                  <a:tcPr/>
+                  <a:tcPr marL="83114" marR="83114" marT="41557" marB="41557"/>
                 </a:tc>
                 <a:tc>
                   <a:txBody>
@@ -50272,13 +50515,12 @@
                     <a:lstStyle/>
                     <a:p>
                       <a:r>
-                        <a:rPr lang="en-US" dirty="0" err="1"/>
+                        <a:rPr lang="en-US" sz="1600"/>
                         <a:t>Aaa</a:t>
                       </a:r>
-                      <a:endParaRPr lang="en-US" dirty="0"/>
                     </a:p>
                   </a:txBody>
-                  <a:tcPr/>
+                  <a:tcPr marL="83114" marR="83114" marT="41557" marB="41557"/>
                 </a:tc>
                 <a:tc>
                   <a:txBody>
@@ -50286,12 +50528,12 @@
                     <a:lstStyle/>
                     <a:p>
                       <a:r>
-                        <a:rPr lang="en-US" dirty="0"/>
+                        <a:rPr lang="en-US" sz="1600"/>
                         <a:t>AAA</a:t>
                       </a:r>
                     </a:p>
                   </a:txBody>
-                  <a:tcPr/>
+                  <a:tcPr marL="83114" marR="83114" marT="41557" marB="41557"/>
                 </a:tc>
                 <a:extLst>
                   <a:ext uri="{0D108BD9-81ED-4DB2-BD59-A6C34878D82A}">
@@ -50299,16 +50541,16 @@
                   </a:ext>
                 </a:extLst>
               </a:tr>
-              <a:tr h="370840">
+              <a:tr h="365703">
                 <a:tc>
                   <a:txBody>
                     <a:bodyPr/>
                     <a:lstStyle/>
                     <a:p>
-                      <a:endParaRPr lang="en-US" dirty="0"/>
+                      <a:endParaRPr lang="en-US" sz="1600"/>
                     </a:p>
                   </a:txBody>
-                  <a:tcPr/>
+                  <a:tcPr marL="83114" marR="83114" marT="41557" marB="41557"/>
                 </a:tc>
                 <a:tc>
                   <a:txBody>
@@ -50316,12 +50558,12 @@
                     <a:lstStyle/>
                     <a:p>
                       <a:r>
-                        <a:rPr lang="en-US" dirty="0"/>
+                        <a:rPr lang="en-US" sz="1600"/>
                         <a:t>Aa</a:t>
                       </a:r>
                     </a:p>
                   </a:txBody>
-                  <a:tcPr/>
+                  <a:tcPr marL="83114" marR="83114" marT="41557" marB="41557"/>
                 </a:tc>
                 <a:tc>
                   <a:txBody>
@@ -50329,12 +50571,12 @@
                     <a:lstStyle/>
                     <a:p>
                       <a:r>
-                        <a:rPr lang="en-US" dirty="0"/>
+                        <a:rPr lang="en-US" sz="1600"/>
                         <a:t>AA</a:t>
                       </a:r>
                     </a:p>
                   </a:txBody>
-                  <a:tcPr/>
+                  <a:tcPr marL="83114" marR="83114" marT="41557" marB="41557"/>
                 </a:tc>
                 <a:extLst>
                   <a:ext uri="{0D108BD9-81ED-4DB2-BD59-A6C34878D82A}">
@@ -50342,16 +50584,16 @@
                   </a:ext>
                 </a:extLst>
               </a:tr>
-              <a:tr h="370840">
+              <a:tr h="365703">
                 <a:tc>
                   <a:txBody>
                     <a:bodyPr/>
                     <a:lstStyle/>
                     <a:p>
-                      <a:endParaRPr lang="en-US" dirty="0"/>
+                      <a:endParaRPr lang="en-US" sz="1600"/>
                     </a:p>
                   </a:txBody>
-                  <a:tcPr/>
+                  <a:tcPr marL="83114" marR="83114" marT="41557" marB="41557"/>
                 </a:tc>
                 <a:tc>
                   <a:txBody>
@@ -50359,12 +50601,12 @@
                     <a:lstStyle/>
                     <a:p>
                       <a:r>
-                        <a:rPr lang="en-US" dirty="0"/>
+                        <a:rPr lang="en-US" sz="1600"/>
                         <a:t>A</a:t>
                       </a:r>
                     </a:p>
                   </a:txBody>
-                  <a:tcPr/>
+                  <a:tcPr marL="83114" marR="83114" marT="41557" marB="41557"/>
                 </a:tc>
                 <a:tc>
                   <a:txBody>
@@ -50372,12 +50614,12 @@
                     <a:lstStyle/>
                     <a:p>
                       <a:r>
-                        <a:rPr lang="en-US" dirty="0"/>
+                        <a:rPr lang="en-US" sz="1600"/>
                         <a:t>A</a:t>
                       </a:r>
                     </a:p>
                   </a:txBody>
-                  <a:tcPr/>
+                  <a:tcPr marL="83114" marR="83114" marT="41557" marB="41557"/>
                 </a:tc>
                 <a:extLst>
                   <a:ext uri="{0D108BD9-81ED-4DB2-BD59-A6C34878D82A}">
@@ -50385,16 +50627,16 @@
                   </a:ext>
                 </a:extLst>
               </a:tr>
-              <a:tr h="370840">
+              <a:tr h="365703">
                 <a:tc>
                   <a:txBody>
                     <a:bodyPr/>
                     <a:lstStyle/>
                     <a:p>
-                      <a:endParaRPr lang="en-US" dirty="0"/>
+                      <a:endParaRPr lang="en-US" sz="1600"/>
                     </a:p>
                   </a:txBody>
-                  <a:tcPr/>
+                  <a:tcPr marL="83114" marR="83114" marT="41557" marB="41557"/>
                 </a:tc>
                 <a:tc>
                   <a:txBody>
@@ -50402,12 +50644,12 @@
                     <a:lstStyle/>
                     <a:p>
                       <a:r>
-                        <a:rPr lang="en-US" dirty="0"/>
+                        <a:rPr lang="en-US" sz="1600"/>
                         <a:t>Baa</a:t>
                       </a:r>
                     </a:p>
                   </a:txBody>
-                  <a:tcPr/>
+                  <a:tcPr marL="83114" marR="83114" marT="41557" marB="41557"/>
                 </a:tc>
                 <a:tc>
                   <a:txBody>
@@ -50415,12 +50657,12 @@
                     <a:lstStyle/>
                     <a:p>
                       <a:r>
-                        <a:rPr lang="en-US" dirty="0"/>
+                        <a:rPr lang="en-US" sz="1600"/>
                         <a:t>BBB</a:t>
                       </a:r>
                     </a:p>
                   </a:txBody>
-                  <a:tcPr/>
+                  <a:tcPr marL="83114" marR="83114" marT="41557" marB="41557"/>
                 </a:tc>
                 <a:extLst>
                   <a:ext uri="{0D108BD9-81ED-4DB2-BD59-A6C34878D82A}">
@@ -50428,19 +50670,19 @@
                   </a:ext>
                 </a:extLst>
               </a:tr>
-              <a:tr h="370840">
+              <a:tr h="365703">
                 <a:tc>
                   <a:txBody>
                     <a:bodyPr/>
                     <a:lstStyle/>
                     <a:p>
                       <a:r>
-                        <a:rPr lang="en-US" dirty="0"/>
+                        <a:rPr lang="en-US" sz="1600"/>
                         <a:t>Speculative</a:t>
                       </a:r>
                     </a:p>
                   </a:txBody>
-                  <a:tcPr/>
+                  <a:tcPr marL="83114" marR="83114" marT="41557" marB="41557"/>
                 </a:tc>
                 <a:tc>
                   <a:txBody>
@@ -50448,12 +50690,12 @@
                     <a:lstStyle/>
                     <a:p>
                       <a:r>
-                        <a:rPr lang="en-US" dirty="0"/>
+                        <a:rPr lang="en-US" sz="1600"/>
                         <a:t>Ba</a:t>
                       </a:r>
                     </a:p>
                   </a:txBody>
-                  <a:tcPr/>
+                  <a:tcPr marL="83114" marR="83114" marT="41557" marB="41557"/>
                 </a:tc>
                 <a:tc>
                   <a:txBody>
@@ -50461,12 +50703,12 @@
                     <a:lstStyle/>
                     <a:p>
                       <a:r>
-                        <a:rPr lang="en-US" dirty="0"/>
+                        <a:rPr lang="en-US" sz="1600"/>
                         <a:t>BB</a:t>
                       </a:r>
                     </a:p>
                   </a:txBody>
-                  <a:tcPr/>
+                  <a:tcPr marL="83114" marR="83114" marT="41557" marB="41557"/>
                 </a:tc>
                 <a:extLst>
                   <a:ext uri="{0D108BD9-81ED-4DB2-BD59-A6C34878D82A}">
@@ -50474,16 +50716,16 @@
                   </a:ext>
                 </a:extLst>
               </a:tr>
-              <a:tr h="370840">
+              <a:tr h="365703">
                 <a:tc>
                   <a:txBody>
                     <a:bodyPr/>
                     <a:lstStyle/>
                     <a:p>
-                      <a:endParaRPr lang="en-US"/>
+                      <a:endParaRPr lang="en-US" sz="1600"/>
                     </a:p>
                   </a:txBody>
-                  <a:tcPr/>
+                  <a:tcPr marL="83114" marR="83114" marT="41557" marB="41557"/>
                 </a:tc>
                 <a:tc>
                   <a:txBody>
@@ -50491,12 +50733,12 @@
                     <a:lstStyle/>
                     <a:p>
                       <a:r>
-                        <a:rPr lang="en-US" dirty="0"/>
+                        <a:rPr lang="en-US" sz="1600"/>
                         <a:t>B</a:t>
                       </a:r>
                     </a:p>
                   </a:txBody>
-                  <a:tcPr/>
+                  <a:tcPr marL="83114" marR="83114" marT="41557" marB="41557"/>
                 </a:tc>
                 <a:tc>
                   <a:txBody>
@@ -50504,12 +50746,12 @@
                     <a:lstStyle/>
                     <a:p>
                       <a:r>
-                        <a:rPr lang="en-US" dirty="0"/>
+                        <a:rPr lang="en-US" sz="1600"/>
                         <a:t>B</a:t>
                       </a:r>
                     </a:p>
                   </a:txBody>
-                  <a:tcPr/>
+                  <a:tcPr marL="83114" marR="83114" marT="41557" marB="41557"/>
                 </a:tc>
                 <a:extLst>
                   <a:ext uri="{0D108BD9-81ED-4DB2-BD59-A6C34878D82A}">
@@ -50517,16 +50759,16 @@
                   </a:ext>
                 </a:extLst>
               </a:tr>
-              <a:tr h="370840">
+              <a:tr h="365703">
                 <a:tc>
                   <a:txBody>
                     <a:bodyPr/>
                     <a:lstStyle/>
                     <a:p>
-                      <a:endParaRPr lang="en-US"/>
+                      <a:endParaRPr lang="en-US" sz="1600"/>
                     </a:p>
                   </a:txBody>
-                  <a:tcPr/>
+                  <a:tcPr marL="83114" marR="83114" marT="41557" marB="41557"/>
                 </a:tc>
                 <a:tc>
                   <a:txBody>
@@ -50534,13 +50776,12 @@
                     <a:lstStyle/>
                     <a:p>
                       <a:r>
-                        <a:rPr lang="en-US" dirty="0" err="1"/>
+                        <a:rPr lang="en-US" sz="1600"/>
                         <a:t>Caa</a:t>
                       </a:r>
-                      <a:endParaRPr lang="en-US" dirty="0"/>
                     </a:p>
                   </a:txBody>
-                  <a:tcPr/>
+                  <a:tcPr marL="83114" marR="83114" marT="41557" marB="41557"/>
                 </a:tc>
                 <a:tc>
                   <a:txBody>
@@ -50548,12 +50789,12 @@
                     <a:lstStyle/>
                     <a:p>
                       <a:r>
-                        <a:rPr lang="en-US" dirty="0"/>
+                        <a:rPr lang="en-US" sz="1600"/>
                         <a:t>CCC</a:t>
                       </a:r>
                     </a:p>
                   </a:txBody>
-                  <a:tcPr/>
+                  <a:tcPr marL="83114" marR="83114" marT="41557" marB="41557"/>
                 </a:tc>
                 <a:extLst>
                   <a:ext uri="{0D108BD9-81ED-4DB2-BD59-A6C34878D82A}">
@@ -50561,16 +50802,16 @@
                   </a:ext>
                 </a:extLst>
               </a:tr>
-              <a:tr h="370840">
+              <a:tr h="365703">
                 <a:tc>
                   <a:txBody>
                     <a:bodyPr/>
                     <a:lstStyle/>
                     <a:p>
-                      <a:endParaRPr lang="en-US"/>
+                      <a:endParaRPr lang="en-US" sz="1600"/>
                     </a:p>
                   </a:txBody>
-                  <a:tcPr/>
+                  <a:tcPr marL="83114" marR="83114" marT="41557" marB="41557"/>
                 </a:tc>
                 <a:tc>
                   <a:txBody>
@@ -50578,12 +50819,12 @@
                     <a:lstStyle/>
                     <a:p>
                       <a:r>
-                        <a:rPr lang="en-US" dirty="0"/>
+                        <a:rPr lang="en-US" sz="1600"/>
                         <a:t>Ca</a:t>
                       </a:r>
                     </a:p>
                   </a:txBody>
-                  <a:tcPr/>
+                  <a:tcPr marL="83114" marR="83114" marT="41557" marB="41557"/>
                 </a:tc>
                 <a:tc>
                   <a:txBody>
@@ -50591,12 +50832,12 @@
                     <a:lstStyle/>
                     <a:p>
                       <a:r>
-                        <a:rPr lang="en-US" dirty="0"/>
+                        <a:rPr lang="en-US" sz="1600"/>
                         <a:t>CC</a:t>
                       </a:r>
                     </a:p>
                   </a:txBody>
-                  <a:tcPr/>
+                  <a:tcPr marL="83114" marR="83114" marT="41557" marB="41557"/>
                 </a:tc>
                 <a:extLst>
                   <a:ext uri="{0D108BD9-81ED-4DB2-BD59-A6C34878D82A}">
@@ -50604,16 +50845,16 @@
                   </a:ext>
                 </a:extLst>
               </a:tr>
-              <a:tr h="370840">
+              <a:tr h="365703">
                 <a:tc>
                   <a:txBody>
                     <a:bodyPr/>
                     <a:lstStyle/>
                     <a:p>
-                      <a:endParaRPr lang="en-US"/>
+                      <a:endParaRPr lang="en-US" sz="1600"/>
                     </a:p>
                   </a:txBody>
-                  <a:tcPr/>
+                  <a:tcPr marL="83114" marR="83114" marT="41557" marB="41557"/>
                 </a:tc>
                 <a:tc>
                   <a:txBody>
@@ -50621,12 +50862,12 @@
                     <a:lstStyle/>
                     <a:p>
                       <a:r>
-                        <a:rPr lang="en-US" dirty="0"/>
+                        <a:rPr lang="en-US" sz="1600"/>
                         <a:t>C</a:t>
                       </a:r>
                     </a:p>
                   </a:txBody>
-                  <a:tcPr/>
+                  <a:tcPr marL="83114" marR="83114" marT="41557" marB="41557"/>
                 </a:tc>
                 <a:tc>
                   <a:txBody>
@@ -50634,12 +50875,12 @@
                     <a:lstStyle/>
                     <a:p>
                       <a:r>
-                        <a:rPr lang="en-US" dirty="0"/>
+                        <a:rPr lang="en-US" sz="1600"/>
                         <a:t>C</a:t>
                       </a:r>
                     </a:p>
                   </a:txBody>
-                  <a:tcPr/>
+                  <a:tcPr marL="83114" marR="83114" marT="41557" marB="41557"/>
                 </a:tc>
                 <a:extLst>
                   <a:ext uri="{0D108BD9-81ED-4DB2-BD59-A6C34878D82A}">
@@ -50647,26 +50888,26 @@
                   </a:ext>
                 </a:extLst>
               </a:tr>
-              <a:tr h="370840">
+              <a:tr h="365703">
                 <a:tc>
                   <a:txBody>
                     <a:bodyPr/>
                     <a:lstStyle/>
                     <a:p>
-                      <a:endParaRPr lang="en-US"/>
+                      <a:endParaRPr lang="en-US" sz="1600"/>
                     </a:p>
                   </a:txBody>
-                  <a:tcPr/>
+                  <a:tcPr marL="83114" marR="83114" marT="41557" marB="41557"/>
                 </a:tc>
                 <a:tc>
                   <a:txBody>
                     <a:bodyPr/>
                     <a:lstStyle/>
                     <a:p>
-                      <a:endParaRPr lang="en-US"/>
+                      <a:endParaRPr lang="en-US" sz="1600"/>
                     </a:p>
                   </a:txBody>
-                  <a:tcPr/>
+                  <a:tcPr marL="83114" marR="83114" marT="41557" marB="41557"/>
                 </a:tc>
                 <a:tc>
                   <a:txBody>
@@ -50674,12 +50915,12 @@
                     <a:lstStyle/>
                     <a:p>
                       <a:r>
-                        <a:rPr lang="en-US" dirty="0"/>
+                        <a:rPr lang="en-US" sz="1600"/>
                         <a:t>D</a:t>
                       </a:r>
                     </a:p>
                   </a:txBody>
-                  <a:tcPr/>
+                  <a:tcPr marL="83114" marR="83114" marT="41557" marB="41557"/>
                 </a:tc>
                 <a:extLst>
                   <a:ext uri="{0D108BD9-81ED-4DB2-BD59-A6C34878D82A}">
@@ -50707,6 +50948,14 @@
 <file path=ppt/slides/slide57.xml><?xml version="1.0" encoding="utf-8"?>
 <p:sld xmlns:a="http://schemas.openxmlformats.org/drawingml/2006/main" xmlns:r="http://schemas.openxmlformats.org/officeDocument/2006/relationships" xmlns:p="http://schemas.openxmlformats.org/presentationml/2006/main">
   <p:cSld>
+    <p:bg>
+      <p:bgPr>
+        <a:solidFill>
+          <a:schemeClr val="bg1"/>
+        </a:solidFill>
+        <a:effectLst/>
+      </p:bgPr>
+    </p:bg>
     <p:spTree>
       <p:nvGrpSpPr>
         <p:cNvPr id="1" name=""/>
@@ -50737,7 +50986,12 @@
             <p:ph type="title"/>
           </p:nvPr>
         </p:nvSpPr>
-        <p:spPr/>
+        <p:spPr>
+          <a:xfrm>
+            <a:off x="1024128" y="585216"/>
+            <a:ext cx="8018272" cy="1499616"/>
+          </a:xfrm>
+        </p:spPr>
         <p:txBody>
           <a:bodyPr>
             <a:normAutofit/>
@@ -50781,15 +51035,20 @@
             <p:ph idx="1"/>
           </p:nvPr>
         </p:nvSpPr>
-        <p:spPr/>
+        <p:spPr>
+          <a:xfrm>
+            <a:off x="1024128" y="2286000"/>
+            <a:ext cx="8018271" cy="4023360"/>
+          </a:xfrm>
+        </p:spPr>
         <p:txBody>
           <a:bodyPr>
-            <a:normAutofit fontScale="92500" lnSpcReduction="20000"/>
+            <a:normAutofit fontScale="92500" lnSpcReduction="10000"/>
           </a:bodyPr>
           <a:lstStyle/>
           <a:p>
             <a:r>
-              <a:rPr lang="en-US" sz="3000" b="1" dirty="0">
+              <a:rPr lang="en-US" sz="2800" b="1" dirty="0">
                 <a:solidFill>
                   <a:srgbClr val="FF0000"/>
                 </a:solidFill>
@@ -50803,7 +51062,7 @@
               <a:buChar char="§"/>
             </a:pPr>
             <a:r>
-              <a:rPr lang="en-US" dirty="0"/>
+              <a:rPr lang="en-US" sz="2000" dirty="0"/>
               <a:t>Money market security: overnight to one year</a:t>
             </a:r>
           </a:p>
@@ -50813,18 +51072,14 @@
               <a:buChar char="§"/>
             </a:pPr>
             <a:r>
-              <a:rPr lang="en-US" dirty="0"/>
+              <a:rPr lang="en-US" sz="2000" dirty="0"/>
               <a:t>Capita market security: longer than one year</a:t>
             </a:r>
-            <a:endParaRPr lang="en-US" b="1" dirty="0">
-              <a:solidFill>
-                <a:srgbClr val="FF0000"/>
-              </a:solidFill>
-            </a:endParaRPr>
-          </a:p>
-          <a:p>
-            <a:r>
-              <a:rPr lang="en-US" sz="3000" b="1" dirty="0">
+            <a:endParaRPr lang="en-US" sz="2000" b="1" dirty="0"/>
+          </a:p>
+          <a:p>
+            <a:r>
+              <a:rPr lang="en-US" sz="2800" b="1" dirty="0">
                 <a:solidFill>
                   <a:srgbClr val="FF0000"/>
                 </a:solidFill>
@@ -50838,7 +51093,7 @@
               <a:buChar char="§"/>
             </a:pPr>
             <a:r>
-              <a:rPr lang="en-US" dirty="0"/>
+              <a:rPr lang="en-US" sz="2000" dirty="0"/>
               <a:t>Local currency</a:t>
             </a:r>
           </a:p>
@@ -50848,13 +51103,13 @@
               <a:buChar char="§"/>
             </a:pPr>
             <a:r>
-              <a:rPr lang="en-US" dirty="0"/>
+              <a:rPr lang="en-US" sz="2000" dirty="0"/>
               <a:t>Foreign currency</a:t>
             </a:r>
           </a:p>
           <a:p>
             <a:r>
-              <a:rPr lang="en-US" sz="3000" b="1" dirty="0">
+              <a:rPr lang="en-US" sz="2800" b="1" dirty="0">
                 <a:solidFill>
                   <a:srgbClr val="FF0000"/>
                 </a:solidFill>
@@ -50868,7 +51123,7 @@
               <a:buChar char="§"/>
             </a:pPr>
             <a:r>
-              <a:rPr lang="en-US" dirty="0"/>
+              <a:rPr lang="en-US" sz="2000" dirty="0"/>
               <a:t>Fixed rate</a:t>
             </a:r>
           </a:p>
@@ -50878,12 +51133,140 @@
               <a:buChar char="§"/>
             </a:pPr>
             <a:r>
-              <a:rPr lang="en-US" dirty="0"/>
+              <a:rPr lang="en-US" sz="2000" dirty="0"/>
               <a:t>Floating rate(MRR + spread)</a:t>
             </a:r>
           </a:p>
           <a:p>
+            <a:endParaRPr lang="en-US" sz="2000" dirty="0"/>
+          </a:p>
+        </p:txBody>
+      </p:sp>
+      <p:sp>
+        <p:nvSpPr>
+          <p:cNvPr id="8" name="Rectangle 7">
+            <a:extLst>
+              <a:ext uri="{FF2B5EF4-FFF2-40B4-BE49-F238E27FC236}">
+                <a16:creationId xmlns:a16="http://schemas.microsoft.com/office/drawing/2014/main" id="{77D7B666-D5E6-48CE-B26A-FB5E5C34AF90}"/>
+              </a:ext>
+              <a:ext uri="{C183D7F6-B498-43B3-948B-1728B52AA6E4}">
+                <adec:decorative xmlns:adec="http://schemas.microsoft.com/office/drawing/2017/decorative" val="1"/>
+              </a:ext>
+            </a:extLst>
+          </p:cNvPr>
+          <p:cNvSpPr>
+            <a:spLocks noGrp="1" noRot="1" noChangeAspect="1" noMove="1" noResize="1" noEditPoints="1" noAdjustHandles="1" noChangeArrowheads="1" noChangeShapeType="1" noTextEdit="1"/>
+          </p:cNvSpPr>
+          <p:nvPr>
+            <p:extLst>
+              <p:ext uri="{386F3935-93C4-4BCD-93E2-E3B085C9AB24}">
+                <p16:designElem xmlns:p16="http://schemas.microsoft.com/office/powerpoint/2015/main" val="1"/>
+              </p:ext>
+            </p:extLst>
+          </p:nvPr>
+        </p:nvSpPr>
+        <p:spPr>
+          <a:xfrm>
+            <a:off x="9583348" y="325601"/>
+            <a:ext cx="2286920" cy="3908071"/>
+          </a:xfrm>
+          <a:prstGeom prst="rect">
+            <a:avLst/>
+          </a:prstGeom>
+          <a:solidFill>
+            <a:schemeClr val="accent1"/>
+          </a:solidFill>
+          <a:ln>
+            <a:noFill/>
+          </a:ln>
+        </p:spPr>
+        <p:style>
+          <a:lnRef idx="2">
+            <a:schemeClr val="accent1">
+              <a:shade val="50000"/>
+            </a:schemeClr>
+          </a:lnRef>
+          <a:fillRef idx="1">
+            <a:schemeClr val="accent1"/>
+          </a:fillRef>
+          <a:effectRef idx="0">
+            <a:schemeClr val="accent1"/>
+          </a:effectRef>
+          <a:fontRef idx="minor">
+            <a:schemeClr val="lt1"/>
+          </a:fontRef>
+        </p:style>
+        <p:txBody>
+          <a:bodyPr rtlCol="0" anchor="ctr"/>
+          <a:lstStyle/>
+          <a:p>
+            <a:pPr algn="ctr"/>
             <a:endParaRPr lang="en-US" dirty="0"/>
+          </a:p>
+        </p:txBody>
+      </p:sp>
+      <p:sp>
+        <p:nvSpPr>
+          <p:cNvPr id="10" name="Rectangle 9">
+            <a:extLst>
+              <a:ext uri="{FF2B5EF4-FFF2-40B4-BE49-F238E27FC236}">
+                <a16:creationId xmlns:a16="http://schemas.microsoft.com/office/drawing/2014/main" id="{F6EE670A-A41A-44AD-BC1C-2090365EB5B3}"/>
+              </a:ext>
+              <a:ext uri="{C183D7F6-B498-43B3-948B-1728B52AA6E4}">
+                <adec:decorative xmlns:adec="http://schemas.microsoft.com/office/drawing/2017/decorative" val="1"/>
+              </a:ext>
+            </a:extLst>
+          </p:cNvPr>
+          <p:cNvSpPr>
+            <a:spLocks noGrp="1" noRot="1" noChangeAspect="1" noMove="1" noResize="1" noEditPoints="1" noAdjustHandles="1" noChangeArrowheads="1" noChangeShapeType="1" noTextEdit="1"/>
+          </p:cNvSpPr>
+          <p:nvPr>
+            <p:extLst>
+              <p:ext uri="{386F3935-93C4-4BCD-93E2-E3B085C9AB24}">
+                <p16:designElem xmlns:p16="http://schemas.microsoft.com/office/powerpoint/2015/main" val="1"/>
+              </p:ext>
+            </p:extLst>
+          </p:nvPr>
+        </p:nvSpPr>
+        <p:spPr>
+          <a:xfrm>
+            <a:off x="9583348" y="4394539"/>
+            <a:ext cx="2286920" cy="2029724"/>
+          </a:xfrm>
+          <a:prstGeom prst="rect">
+            <a:avLst/>
+          </a:prstGeom>
+          <a:solidFill>
+            <a:schemeClr val="tx2">
+              <a:alpha val="80000"/>
+            </a:schemeClr>
+          </a:solidFill>
+          <a:ln>
+            <a:noFill/>
+          </a:ln>
+        </p:spPr>
+        <p:style>
+          <a:lnRef idx="2">
+            <a:schemeClr val="accent1">
+              <a:shade val="50000"/>
+            </a:schemeClr>
+          </a:lnRef>
+          <a:fillRef idx="1">
+            <a:schemeClr val="accent1"/>
+          </a:fillRef>
+          <a:effectRef idx="0">
+            <a:schemeClr val="accent1"/>
+          </a:effectRef>
+          <a:fontRef idx="minor">
+            <a:schemeClr val="lt1"/>
+          </a:fontRef>
+        </p:style>
+        <p:txBody>
+          <a:bodyPr rtlCol="0" anchor="ctr"/>
+          <a:lstStyle/>
+          <a:p>
+            <a:pPr algn="ctr"/>
+            <a:endParaRPr lang="en-US"/>
           </a:p>
         </p:txBody>
       </p:sp>
@@ -50903,6 +51286,14 @@
 <file path=ppt/slides/slide58.xml><?xml version="1.0" encoding="utf-8"?>
 <p:sld xmlns:a="http://schemas.openxmlformats.org/drawingml/2006/main" xmlns:r="http://schemas.openxmlformats.org/officeDocument/2006/relationships" xmlns:p="http://schemas.openxmlformats.org/presentationml/2006/main">
   <p:cSld>
+    <p:bg>
+      <p:bgPr>
+        <a:solidFill>
+          <a:schemeClr val="bg1"/>
+        </a:solidFill>
+        <a:effectLst/>
+      </p:bgPr>
+    </p:bg>
     <p:spTree>
       <p:nvGrpSpPr>
         <p:cNvPr id="1" name=""/>
@@ -50933,7 +51324,12 @@
             <p:ph type="title"/>
           </p:nvPr>
         </p:nvSpPr>
-        <p:spPr/>
+        <p:spPr>
+          <a:xfrm>
+            <a:off x="1024128" y="585216"/>
+            <a:ext cx="8018272" cy="1499616"/>
+          </a:xfrm>
+        </p:spPr>
         <p:txBody>
           <a:bodyPr>
             <a:normAutofit/>
@@ -50977,9 +51373,16 @@
             <p:ph idx="1"/>
           </p:nvPr>
         </p:nvSpPr>
-        <p:spPr/>
+        <p:spPr>
+          <a:xfrm>
+            <a:off x="1024128" y="2286000"/>
+            <a:ext cx="8018271" cy="4023360"/>
+          </a:xfrm>
+        </p:spPr>
         <p:txBody>
-          <a:bodyPr/>
+          <a:bodyPr>
+            <a:normAutofit/>
+          </a:bodyPr>
           <a:lstStyle/>
           <a:p>
             <a:r>
@@ -51043,6 +51446,134 @@
           </a:p>
           <a:p>
             <a:endParaRPr lang="en-US" dirty="0"/>
+          </a:p>
+        </p:txBody>
+      </p:sp>
+      <p:sp>
+        <p:nvSpPr>
+          <p:cNvPr id="8" name="Rectangle 7">
+            <a:extLst>
+              <a:ext uri="{FF2B5EF4-FFF2-40B4-BE49-F238E27FC236}">
+                <a16:creationId xmlns:a16="http://schemas.microsoft.com/office/drawing/2014/main" id="{77D7B666-D5E6-48CE-B26A-FB5E5C34AF90}"/>
+              </a:ext>
+              <a:ext uri="{C183D7F6-B498-43B3-948B-1728B52AA6E4}">
+                <adec:decorative xmlns:adec="http://schemas.microsoft.com/office/drawing/2017/decorative" val="1"/>
+              </a:ext>
+            </a:extLst>
+          </p:cNvPr>
+          <p:cNvSpPr>
+            <a:spLocks noGrp="1" noRot="1" noChangeAspect="1" noMove="1" noResize="1" noEditPoints="1" noAdjustHandles="1" noChangeArrowheads="1" noChangeShapeType="1" noTextEdit="1"/>
+          </p:cNvSpPr>
+          <p:nvPr>
+            <p:extLst>
+              <p:ext uri="{386F3935-93C4-4BCD-93E2-E3B085C9AB24}">
+                <p16:designElem xmlns:p16="http://schemas.microsoft.com/office/powerpoint/2015/main" val="1"/>
+              </p:ext>
+            </p:extLst>
+          </p:nvPr>
+        </p:nvSpPr>
+        <p:spPr>
+          <a:xfrm>
+            <a:off x="9583348" y="325601"/>
+            <a:ext cx="2286920" cy="3908071"/>
+          </a:xfrm>
+          <a:prstGeom prst="rect">
+            <a:avLst/>
+          </a:prstGeom>
+          <a:solidFill>
+            <a:schemeClr val="accent1"/>
+          </a:solidFill>
+          <a:ln>
+            <a:noFill/>
+          </a:ln>
+        </p:spPr>
+        <p:style>
+          <a:lnRef idx="2">
+            <a:schemeClr val="accent1">
+              <a:shade val="50000"/>
+            </a:schemeClr>
+          </a:lnRef>
+          <a:fillRef idx="1">
+            <a:schemeClr val="accent1"/>
+          </a:fillRef>
+          <a:effectRef idx="0">
+            <a:schemeClr val="accent1"/>
+          </a:effectRef>
+          <a:fontRef idx="minor">
+            <a:schemeClr val="lt1"/>
+          </a:fontRef>
+        </p:style>
+        <p:txBody>
+          <a:bodyPr rtlCol="0" anchor="ctr"/>
+          <a:lstStyle/>
+          <a:p>
+            <a:pPr algn="ctr"/>
+            <a:endParaRPr lang="en-US" dirty="0"/>
+          </a:p>
+        </p:txBody>
+      </p:sp>
+      <p:sp>
+        <p:nvSpPr>
+          <p:cNvPr id="10" name="Rectangle 9">
+            <a:extLst>
+              <a:ext uri="{FF2B5EF4-FFF2-40B4-BE49-F238E27FC236}">
+                <a16:creationId xmlns:a16="http://schemas.microsoft.com/office/drawing/2014/main" id="{F6EE670A-A41A-44AD-BC1C-2090365EB5B3}"/>
+              </a:ext>
+              <a:ext uri="{C183D7F6-B498-43B3-948B-1728B52AA6E4}">
+                <adec:decorative xmlns:adec="http://schemas.microsoft.com/office/drawing/2017/decorative" val="1"/>
+              </a:ext>
+            </a:extLst>
+          </p:cNvPr>
+          <p:cNvSpPr>
+            <a:spLocks noGrp="1" noRot="1" noChangeAspect="1" noMove="1" noResize="1" noEditPoints="1" noAdjustHandles="1" noChangeArrowheads="1" noChangeShapeType="1" noTextEdit="1"/>
+          </p:cNvSpPr>
+          <p:nvPr>
+            <p:extLst>
+              <p:ext uri="{386F3935-93C4-4BCD-93E2-E3B085C9AB24}">
+                <p16:designElem xmlns:p16="http://schemas.microsoft.com/office/powerpoint/2015/main" val="1"/>
+              </p:ext>
+            </p:extLst>
+          </p:nvPr>
+        </p:nvSpPr>
+        <p:spPr>
+          <a:xfrm>
+            <a:off x="9583348" y="4394539"/>
+            <a:ext cx="2286920" cy="2029724"/>
+          </a:xfrm>
+          <a:prstGeom prst="rect">
+            <a:avLst/>
+          </a:prstGeom>
+          <a:solidFill>
+            <a:schemeClr val="tx2">
+              <a:alpha val="80000"/>
+            </a:schemeClr>
+          </a:solidFill>
+          <a:ln>
+            <a:noFill/>
+          </a:ln>
+        </p:spPr>
+        <p:style>
+          <a:lnRef idx="2">
+            <a:schemeClr val="accent1">
+              <a:shade val="50000"/>
+            </a:schemeClr>
+          </a:lnRef>
+          <a:fillRef idx="1">
+            <a:schemeClr val="accent1"/>
+          </a:fillRef>
+          <a:effectRef idx="0">
+            <a:schemeClr val="accent1"/>
+          </a:effectRef>
+          <a:fontRef idx="minor">
+            <a:schemeClr val="lt1"/>
+          </a:fontRef>
+        </p:style>
+        <p:txBody>
+          <a:bodyPr rtlCol="0" anchor="ctr"/>
+          <a:lstStyle/>
+          <a:p>
+            <a:pPr algn="ctr"/>
+            <a:endParaRPr lang="en-US"/>
           </a:p>
         </p:txBody>
       </p:sp>
@@ -51062,6 +51593,14 @@
 <file path=ppt/slides/slide59.xml><?xml version="1.0" encoding="utf-8"?>
 <p:sld xmlns:a="http://schemas.openxmlformats.org/drawingml/2006/main" xmlns:r="http://schemas.openxmlformats.org/officeDocument/2006/relationships" xmlns:p="http://schemas.openxmlformats.org/presentationml/2006/main">
   <p:cSld>
+    <p:bg>
+      <p:bgPr>
+        <a:solidFill>
+          <a:schemeClr val="bg1"/>
+        </a:solidFill>
+        <a:effectLst/>
+      </p:bgPr>
+    </p:bg>
     <p:spTree>
       <p:nvGrpSpPr>
         <p:cNvPr id="1" name=""/>
@@ -51092,7 +51631,12 @@
             <p:ph type="title"/>
           </p:nvPr>
         </p:nvSpPr>
-        <p:spPr/>
+        <p:spPr>
+          <a:xfrm>
+            <a:off x="1024128" y="585216"/>
+            <a:ext cx="6066818" cy="1499616"/>
+          </a:xfrm>
+        </p:spPr>
         <p:txBody>
           <a:bodyPr>
             <a:normAutofit/>
@@ -51136,9 +51680,16 @@
             <p:ph idx="1"/>
           </p:nvPr>
         </p:nvSpPr>
-        <p:spPr/>
+        <p:spPr>
+          <a:xfrm>
+            <a:off x="1024128" y="2286000"/>
+            <a:ext cx="6066818" cy="4023360"/>
+          </a:xfrm>
+        </p:spPr>
         <p:txBody>
-          <a:bodyPr/>
+          <a:bodyPr>
+            <a:normAutofit/>
+          </a:bodyPr>
           <a:lstStyle/>
           <a:p>
             <a:r>
@@ -51182,6 +51733,35 @@
           </a:p>
         </p:txBody>
       </p:sp>
+      <p:pic>
+        <p:nvPicPr>
+          <p:cNvPr id="5" name="Picture 4" descr="Office building overlayed with stock market graphs">
+            <a:extLst>
+              <a:ext uri="{FF2B5EF4-FFF2-40B4-BE49-F238E27FC236}">
+                <a16:creationId xmlns:a16="http://schemas.microsoft.com/office/drawing/2014/main" id="{BE5145C8-0065-16BD-3429-BB06CB4F0328}"/>
+              </a:ext>
+            </a:extLst>
+          </p:cNvPr>
+          <p:cNvPicPr>
+            <a:picLocks noChangeAspect="1"/>
+          </p:cNvPicPr>
+          <p:nvPr/>
+        </p:nvPicPr>
+        <p:blipFill rotWithShape="1">
+          <a:blip r:embed="rId2"/>
+          <a:srcRect l="48122" r="6888"/>
+          <a:stretch/>
+        </p:blipFill>
+        <p:spPr>
+          <a:xfrm>
+            <a:off x="7552266" y="10"/>
+            <a:ext cx="4639733" cy="6857990"/>
+          </a:xfrm>
+          <a:prstGeom prst="rect">
+            <a:avLst/>
+          </a:prstGeom>
+        </p:spPr>
+      </p:pic>
     </p:spTree>
     <p:extLst>
       <p:ext uri="{BB962C8B-B14F-4D97-AF65-F5344CB8AC3E}">
@@ -51603,6 +52183,14 @@
 <file path=ppt/slides/slide60.xml><?xml version="1.0" encoding="utf-8"?>
 <p:sld xmlns:a="http://schemas.openxmlformats.org/drawingml/2006/main" xmlns:r="http://schemas.openxmlformats.org/officeDocument/2006/relationships" xmlns:p="http://schemas.openxmlformats.org/presentationml/2006/main">
   <p:cSld>
+    <p:bg>
+      <p:bgPr>
+        <a:solidFill>
+          <a:schemeClr val="bg1"/>
+        </a:solidFill>
+        <a:effectLst/>
+      </p:bgPr>
+    </p:bg>
     <p:spTree>
       <p:nvGrpSpPr>
         <p:cNvPr id="1" name=""/>
@@ -51617,6 +52205,44 @@
           <a:chExt cx="0" cy="0"/>
         </a:xfrm>
       </p:grpSpPr>
+      <p:pic>
+        <p:nvPicPr>
+          <p:cNvPr id="5" name="Picture 4" descr="Codes on papers">
+            <a:extLst>
+              <a:ext uri="{FF2B5EF4-FFF2-40B4-BE49-F238E27FC236}">
+                <a16:creationId xmlns:a16="http://schemas.microsoft.com/office/drawing/2014/main" id="{041F3BBF-55A2-E445-6D9A-1FAEF9B0BF76}"/>
+              </a:ext>
+            </a:extLst>
+          </p:cNvPr>
+          <p:cNvPicPr>
+            <a:picLocks noChangeAspect="1"/>
+          </p:cNvPicPr>
+          <p:nvPr/>
+        </p:nvPicPr>
+        <p:blipFill rotWithShape="1">
+          <a:blip r:embed="rId2">
+            <a:duotone>
+              <a:schemeClr val="bg2">
+                <a:shade val="45000"/>
+                <a:satMod val="135000"/>
+              </a:schemeClr>
+              <a:prstClr val="white"/>
+            </a:duotone>
+            <a:alphaModFix amt="40000"/>
+          </a:blip>
+          <a:srcRect t="3608" b="12122"/>
+          <a:stretch/>
+        </p:blipFill>
+        <p:spPr>
+          <a:xfrm>
+            <a:off x="20" y="10"/>
+            <a:ext cx="12191980" cy="6857989"/>
+          </a:xfrm>
+          <a:prstGeom prst="rect">
+            <a:avLst/>
+          </a:prstGeom>
+        </p:spPr>
+      </p:pic>
       <p:sp>
         <p:nvSpPr>
           <p:cNvPr id="2" name="Title 1">
@@ -51633,9 +52259,16 @@
             <p:ph type="title"/>
           </p:nvPr>
         </p:nvSpPr>
-        <p:spPr/>
+        <p:spPr>
+          <a:xfrm>
+            <a:off x="1024128" y="585216"/>
+            <a:ext cx="9720072" cy="1499616"/>
+          </a:xfrm>
+        </p:spPr>
         <p:txBody>
-          <a:bodyPr/>
+          <a:bodyPr>
+            <a:normAutofit/>
+          </a:bodyPr>
           <a:lstStyle/>
           <a:p>
             <a:r>
@@ -51645,6 +52278,58 @@
           </a:p>
         </p:txBody>
       </p:sp>
+      <p:cxnSp>
+        <p:nvCxnSpPr>
+          <p:cNvPr id="9" name="Straight Connector 8">
+            <a:extLst>
+              <a:ext uri="{FF2B5EF4-FFF2-40B4-BE49-F238E27FC236}">
+                <a16:creationId xmlns:a16="http://schemas.microsoft.com/office/drawing/2014/main" id="{3FEFDF7D-B17C-4F16-B8BE-C55FFC7E295E}"/>
+              </a:ext>
+              <a:ext uri="{C183D7F6-B498-43B3-948B-1728B52AA6E4}">
+                <adec:decorative xmlns:adec="http://schemas.microsoft.com/office/drawing/2017/decorative" val="1"/>
+              </a:ext>
+            </a:extLst>
+          </p:cNvPr>
+          <p:cNvCxnSpPr>
+            <a:cxnSpLocks noGrp="1" noRot="1" noChangeAspect="1" noMove="1" noResize="1" noEditPoints="1" noAdjustHandles="1" noChangeArrowheads="1" noChangeShapeType="1"/>
+          </p:cNvCxnSpPr>
+          <p:nvPr>
+            <p:extLst>
+              <p:ext uri="{386F3935-93C4-4BCD-93E2-E3B085C9AB24}">
+                <p16:designElem xmlns:p16="http://schemas.microsoft.com/office/powerpoint/2015/main" val="1"/>
+              </p:ext>
+            </p:extLst>
+          </p:nvPr>
+        </p:nvCxnSpPr>
+        <p:spPr>
+          <a:xfrm flipV="1">
+            <a:off x="762000" y="826324"/>
+            <a:ext cx="0" cy="914400"/>
+          </a:xfrm>
+          <a:prstGeom prst="line">
+            <a:avLst/>
+          </a:prstGeom>
+          <a:ln w="19050">
+            <a:solidFill>
+              <a:schemeClr val="accent1"/>
+            </a:solidFill>
+          </a:ln>
+        </p:spPr>
+        <p:style>
+          <a:lnRef idx="1">
+            <a:schemeClr val="accent1"/>
+          </a:lnRef>
+          <a:fillRef idx="0">
+            <a:schemeClr val="accent1"/>
+          </a:fillRef>
+          <a:effectRef idx="0">
+            <a:schemeClr val="accent1"/>
+          </a:effectRef>
+          <a:fontRef idx="minor">
+            <a:schemeClr val="tx1"/>
+          </a:fontRef>
+        </p:style>
+      </p:cxnSp>
       <p:sp>
         <p:nvSpPr>
           <p:cNvPr id="3" name="Content Placeholder 2">
@@ -51661,15 +52346,20 @@
             <p:ph idx="1"/>
           </p:nvPr>
         </p:nvSpPr>
-        <p:spPr/>
+        <p:spPr>
+          <a:xfrm>
+            <a:off x="1024128" y="2286000"/>
+            <a:ext cx="9720073" cy="4023360"/>
+          </a:xfrm>
+        </p:spPr>
         <p:txBody>
           <a:bodyPr>
-            <a:normAutofit fontScale="92500"/>
+            <a:normAutofit/>
           </a:bodyPr>
           <a:lstStyle/>
           <a:p>
             <a:r>
-              <a:rPr lang="en-US" dirty="0"/>
+              <a:rPr lang="en-US" sz="2000"/>
               <a:t>1.Interbank offered rates are best described as the rates at which a panel of banks can:</a:t>
             </a:r>
           </a:p>
@@ -51679,7 +52369,7 @@
               <a:buAutoNum type="alphaUcPeriod"/>
             </a:pPr>
             <a:r>
-              <a:rPr lang="en-US" b="1" dirty="0"/>
+              <a:rPr lang="en-US" sz="2000" b="1"/>
               <a:t>issue short-term debt.</a:t>
             </a:r>
           </a:p>
@@ -51689,7 +52379,7 @@
               <a:buAutoNum type="alphaUcPeriod"/>
             </a:pPr>
             <a:r>
-              <a:rPr lang="en-US" b="1" dirty="0"/>
+              <a:rPr lang="en-US" sz="2000" b="1"/>
               <a:t>borrow unsecured funds from other major banks.</a:t>
             </a:r>
           </a:p>
@@ -51699,13 +52389,13 @@
               <a:buAutoNum type="alphaUcPeriod"/>
             </a:pPr>
             <a:r>
-              <a:rPr lang="en-US" b="1" dirty="0"/>
+              <a:rPr lang="en-US" sz="2000" b="1"/>
               <a:t>borrow from other major banks against some form of collateral.</a:t>
             </a:r>
           </a:p>
           <a:p>
             <a:r>
-              <a:rPr lang="en-US" dirty="0"/>
+              <a:rPr lang="en-US" sz="2000"/>
               <a:t>2.A company issues floating-rate bonds. The coupon rate is expressed as the three-month Libor plus a spread. The coupon payments are most likely to increase as:</a:t>
             </a:r>
           </a:p>
@@ -51715,7 +52405,7 @@
               <a:buAutoNum type="alphaUcPeriod"/>
             </a:pPr>
             <a:r>
-              <a:rPr lang="en-US" b="1" dirty="0"/>
+              <a:rPr lang="en-US" sz="2000" b="1"/>
               <a:t>Libor increases.</a:t>
             </a:r>
           </a:p>
@@ -51725,7 +52415,7 @@
               <a:buAutoNum type="alphaUcPeriod"/>
             </a:pPr>
             <a:r>
-              <a:rPr lang="en-US" b="1" dirty="0"/>
+              <a:rPr lang="en-US" sz="2000" b="1"/>
               <a:t>the spread increases.</a:t>
             </a:r>
           </a:p>
@@ -51735,7 +52425,7 @@
               <a:buAutoNum type="alphaUcPeriod"/>
             </a:pPr>
             <a:r>
-              <a:rPr lang="en-US" b="1" dirty="0"/>
+              <a:rPr lang="en-US" sz="2000" b="1"/>
               <a:t>the company’s credit quality decreases</a:t>
             </a:r>
           </a:p>
@@ -51757,6 +52447,14 @@
 <file path=ppt/slides/slide61.xml><?xml version="1.0" encoding="utf-8"?>
 <p:sld xmlns:a="http://schemas.openxmlformats.org/drawingml/2006/main" xmlns:r="http://schemas.openxmlformats.org/officeDocument/2006/relationships" xmlns:p="http://schemas.openxmlformats.org/presentationml/2006/main">
   <p:cSld>
+    <p:bg>
+      <p:bgPr>
+        <a:solidFill>
+          <a:schemeClr val="bg1"/>
+        </a:solidFill>
+        <a:effectLst/>
+      </p:bgPr>
+    </p:bg>
     <p:spTree>
       <p:nvGrpSpPr>
         <p:cNvPr id="1" name=""/>
@@ -51787,9 +52485,16 @@
             <p:ph type="title"/>
           </p:nvPr>
         </p:nvSpPr>
-        <p:spPr/>
+        <p:spPr>
+          <a:xfrm>
+            <a:off x="1024128" y="585216"/>
+            <a:ext cx="8018272" cy="1499616"/>
+          </a:xfrm>
+        </p:spPr>
         <p:txBody>
-          <a:bodyPr/>
+          <a:bodyPr>
+            <a:normAutofit/>
+          </a:bodyPr>
           <a:lstStyle/>
           <a:p>
             <a:r>
@@ -51815,10 +52520,15 @@
             <p:ph idx="1"/>
           </p:nvPr>
         </p:nvSpPr>
-        <p:spPr/>
+        <p:spPr>
+          <a:xfrm>
+            <a:off x="1024128" y="2286000"/>
+            <a:ext cx="8018271" cy="4023360"/>
+          </a:xfrm>
+        </p:spPr>
         <p:txBody>
           <a:bodyPr>
-            <a:normAutofit fontScale="92500" lnSpcReduction="10000"/>
+            <a:normAutofit/>
           </a:bodyPr>
           <a:lstStyle/>
           <a:p>
@@ -51826,7 +52536,7 @@
               <a:buNone/>
             </a:pPr>
             <a:r>
-              <a:rPr lang="en-US" dirty="0"/>
+              <a:rPr lang="en-US" sz="1900"/>
               <a:t>3. Open market operations describe the process used by central banks to buy and sell bonds to:</a:t>
             </a:r>
           </a:p>
@@ -51836,7 +52546,7 @@
               <a:buAutoNum type="alphaUcPeriod"/>
             </a:pPr>
             <a:r>
-              <a:rPr lang="en-US" b="1" dirty="0"/>
+              <a:rPr lang="en-US" sz="1900" b="1"/>
               <a:t>implement fiscal policy.</a:t>
             </a:r>
           </a:p>
@@ -51846,7 +52556,7 @@
               <a:buAutoNum type="alphaUcPeriod"/>
             </a:pPr>
             <a:r>
-              <a:rPr lang="en-US" b="1" dirty="0"/>
+              <a:rPr lang="en-US" sz="1900" b="1"/>
               <a:t>control the monetary base.</a:t>
             </a:r>
           </a:p>
@@ -51856,7 +52566,7 @@
               <a:buAutoNum type="alphaUcPeriod"/>
             </a:pPr>
             <a:r>
-              <a:rPr lang="en-US" b="1" dirty="0"/>
+              <a:rPr lang="en-US" sz="1900" b="1"/>
               <a:t>issue and repay government debt.</a:t>
             </a:r>
           </a:p>
@@ -51865,7 +52575,7 @@
               <a:buNone/>
             </a:pPr>
             <a:r>
-              <a:rPr lang="en-US" dirty="0"/>
+              <a:rPr lang="en-US" sz="1900"/>
               <a:t>4. Retail investors most often:</a:t>
             </a:r>
           </a:p>
@@ -51875,7 +52585,7 @@
               <a:buAutoNum type="alphaUcPeriod"/>
             </a:pPr>
             <a:r>
-              <a:rPr lang="en-US" b="1" dirty="0"/>
+              <a:rPr lang="en-US" sz="1900" b="1"/>
               <a:t>do not invest in fixed-income securities.</a:t>
             </a:r>
           </a:p>
@@ -51885,7 +52595,7 @@
               <a:buAutoNum type="alphaUcPeriod"/>
             </a:pPr>
             <a:r>
-              <a:rPr lang="en-US" b="1" dirty="0"/>
+              <a:rPr lang="en-US" sz="1900" b="1"/>
               <a:t>invest directly in fixed-income securities.</a:t>
             </a:r>
           </a:p>
@@ -51895,9 +52605,137 @@
               <a:buAutoNum type="alphaUcPeriod"/>
             </a:pPr>
             <a:r>
-              <a:rPr lang="en-US" b="1" dirty="0"/>
+              <a:rPr lang="en-US" sz="1900" b="1"/>
               <a:t>invest indirectly in fixed-income securities through mutual funds or exchange-traded funds.</a:t>
             </a:r>
+          </a:p>
+        </p:txBody>
+      </p:sp>
+      <p:sp>
+        <p:nvSpPr>
+          <p:cNvPr id="8" name="Rectangle 7">
+            <a:extLst>
+              <a:ext uri="{FF2B5EF4-FFF2-40B4-BE49-F238E27FC236}">
+                <a16:creationId xmlns:a16="http://schemas.microsoft.com/office/drawing/2014/main" id="{77D7B666-D5E6-48CE-B26A-FB5E5C34AF90}"/>
+              </a:ext>
+              <a:ext uri="{C183D7F6-B498-43B3-948B-1728B52AA6E4}">
+                <adec:decorative xmlns:adec="http://schemas.microsoft.com/office/drawing/2017/decorative" val="1"/>
+              </a:ext>
+            </a:extLst>
+          </p:cNvPr>
+          <p:cNvSpPr>
+            <a:spLocks noGrp="1" noRot="1" noChangeAspect="1" noMove="1" noResize="1" noEditPoints="1" noAdjustHandles="1" noChangeArrowheads="1" noChangeShapeType="1" noTextEdit="1"/>
+          </p:cNvSpPr>
+          <p:nvPr>
+            <p:extLst>
+              <p:ext uri="{386F3935-93C4-4BCD-93E2-E3B085C9AB24}">
+                <p16:designElem xmlns:p16="http://schemas.microsoft.com/office/powerpoint/2015/main" val="1"/>
+              </p:ext>
+            </p:extLst>
+          </p:nvPr>
+        </p:nvSpPr>
+        <p:spPr>
+          <a:xfrm>
+            <a:off x="9583348" y="325601"/>
+            <a:ext cx="2286920" cy="3908071"/>
+          </a:xfrm>
+          <a:prstGeom prst="rect">
+            <a:avLst/>
+          </a:prstGeom>
+          <a:solidFill>
+            <a:schemeClr val="accent1"/>
+          </a:solidFill>
+          <a:ln>
+            <a:noFill/>
+          </a:ln>
+        </p:spPr>
+        <p:style>
+          <a:lnRef idx="2">
+            <a:schemeClr val="accent1">
+              <a:shade val="50000"/>
+            </a:schemeClr>
+          </a:lnRef>
+          <a:fillRef idx="1">
+            <a:schemeClr val="accent1"/>
+          </a:fillRef>
+          <a:effectRef idx="0">
+            <a:schemeClr val="accent1"/>
+          </a:effectRef>
+          <a:fontRef idx="minor">
+            <a:schemeClr val="lt1"/>
+          </a:fontRef>
+        </p:style>
+        <p:txBody>
+          <a:bodyPr rtlCol="0" anchor="ctr"/>
+          <a:lstStyle/>
+          <a:p>
+            <a:pPr algn="ctr"/>
+            <a:endParaRPr lang="en-US" dirty="0"/>
+          </a:p>
+        </p:txBody>
+      </p:sp>
+      <p:sp>
+        <p:nvSpPr>
+          <p:cNvPr id="10" name="Rectangle 9">
+            <a:extLst>
+              <a:ext uri="{FF2B5EF4-FFF2-40B4-BE49-F238E27FC236}">
+                <a16:creationId xmlns:a16="http://schemas.microsoft.com/office/drawing/2014/main" id="{F6EE670A-A41A-44AD-BC1C-2090365EB5B3}"/>
+              </a:ext>
+              <a:ext uri="{C183D7F6-B498-43B3-948B-1728B52AA6E4}">
+                <adec:decorative xmlns:adec="http://schemas.microsoft.com/office/drawing/2017/decorative" val="1"/>
+              </a:ext>
+            </a:extLst>
+          </p:cNvPr>
+          <p:cNvSpPr>
+            <a:spLocks noGrp="1" noRot="1" noChangeAspect="1" noMove="1" noResize="1" noEditPoints="1" noAdjustHandles="1" noChangeArrowheads="1" noChangeShapeType="1" noTextEdit="1"/>
+          </p:cNvSpPr>
+          <p:nvPr>
+            <p:extLst>
+              <p:ext uri="{386F3935-93C4-4BCD-93E2-E3B085C9AB24}">
+                <p16:designElem xmlns:p16="http://schemas.microsoft.com/office/powerpoint/2015/main" val="1"/>
+              </p:ext>
+            </p:extLst>
+          </p:nvPr>
+        </p:nvSpPr>
+        <p:spPr>
+          <a:xfrm>
+            <a:off x="9583348" y="4394539"/>
+            <a:ext cx="2286920" cy="2029724"/>
+          </a:xfrm>
+          <a:prstGeom prst="rect">
+            <a:avLst/>
+          </a:prstGeom>
+          <a:solidFill>
+            <a:schemeClr val="tx2">
+              <a:alpha val="80000"/>
+            </a:schemeClr>
+          </a:solidFill>
+          <a:ln>
+            <a:noFill/>
+          </a:ln>
+        </p:spPr>
+        <p:style>
+          <a:lnRef idx="2">
+            <a:schemeClr val="accent1">
+              <a:shade val="50000"/>
+            </a:schemeClr>
+          </a:lnRef>
+          <a:fillRef idx="1">
+            <a:schemeClr val="accent1"/>
+          </a:fillRef>
+          <a:effectRef idx="0">
+            <a:schemeClr val="accent1"/>
+          </a:effectRef>
+          <a:fontRef idx="minor">
+            <a:schemeClr val="lt1"/>
+          </a:fontRef>
+        </p:style>
+        <p:txBody>
+          <a:bodyPr rtlCol="0" anchor="ctr"/>
+          <a:lstStyle/>
+          <a:p>
+            <a:pPr algn="ctr"/>
+            <a:endParaRPr lang="en-US"/>
           </a:p>
         </p:txBody>
       </p:sp>

--- a/Fixed Income.pptx
+++ b/Fixed Income.pptx
@@ -5,7 +5,7 @@
     <p:sldMasterId id="2147483660" r:id="rId1"/>
   </p:sldMasterIdLst>
   <p:notesMasterIdLst>
-    <p:notesMasterId r:id="rId63"/>
+    <p:notesMasterId r:id="rId66"/>
   </p:notesMasterIdLst>
   <p:sldIdLst>
     <p:sldId id="265" r:id="rId2"/>
@@ -69,6 +69,9 @@
     <p:sldId id="317" r:id="rId60"/>
     <p:sldId id="320" r:id="rId61"/>
     <p:sldId id="321" r:id="rId62"/>
+    <p:sldId id="322" r:id="rId63"/>
+    <p:sldId id="323" r:id="rId64"/>
+    <p:sldId id="324" r:id="rId65"/>
   </p:sldIdLst>
   <p:sldSz cx="12192000" cy="6858000"/>
   <p:notesSz cx="6858000" cy="9144000"/>
@@ -3917,8 +3920,8 @@
     <dgm:cxn modelId="{AF33C521-71B0-4B68-A042-D5C4BD05A724}" srcId="{E418CFBD-CBB0-47D4-90EA-7C86E66E0301}" destId="{B4A4CC78-25E8-4AC4-B6C7-FEF8A2ACA6AA}" srcOrd="0" destOrd="0" parTransId="{85016B60-CA97-4D4D-A9E2-806B7E6A6D86}" sibTransId="{849FA569-BFE8-4BE4-8A3A-A15102DEE95C}"/>
     <dgm:cxn modelId="{F6B99A3C-9076-364A-879D-12713B74FC7C}" type="presOf" srcId="{285DEE00-3466-4A02-B97F-7B091B7A1EBA}" destId="{4E2EE375-77E8-344D-8FE3-6D408976901F}" srcOrd="0" destOrd="2" presId="urn:microsoft.com/office/officeart/2005/8/layout/vList2"/>
     <dgm:cxn modelId="{D85F8B50-D075-1442-9DF8-1563FD94E531}" type="presOf" srcId="{53EC224F-F0B0-410D-96A8-6BA533D08D48}" destId="{6E81FE26-0174-494F-A8AC-03518D01DF5A}" srcOrd="0" destOrd="2" presId="urn:microsoft.com/office/officeart/2005/8/layout/vList2"/>
+    <dgm:cxn modelId="{6C296F77-763A-1B49-8F08-91BDF5A82BE2}" type="presOf" srcId="{E418CFBD-CBB0-47D4-90EA-7C86E66E0301}" destId="{CD36D044-47F6-BA4C-B7C5-E9DB54309CE0}" srcOrd="0" destOrd="0" presId="urn:microsoft.com/office/officeart/2005/8/layout/vList2"/>
     <dgm:cxn modelId="{3D0EFB57-CF8C-5744-A774-55319E05AA6E}" type="presOf" srcId="{5BA6EAC7-5FD8-4F9E-BFE8-CEDE7CEDDF86}" destId="{4E2EE375-77E8-344D-8FE3-6D408976901F}" srcOrd="0" destOrd="0" presId="urn:microsoft.com/office/officeart/2005/8/layout/vList2"/>
-    <dgm:cxn modelId="{6C296F77-763A-1B49-8F08-91BDF5A82BE2}" type="presOf" srcId="{E418CFBD-CBB0-47D4-90EA-7C86E66E0301}" destId="{CD36D044-47F6-BA4C-B7C5-E9DB54309CE0}" srcOrd="0" destOrd="0" presId="urn:microsoft.com/office/officeart/2005/8/layout/vList2"/>
     <dgm:cxn modelId="{6ED6F37E-7BEF-8D4E-AF20-2B418631C184}" type="presOf" srcId="{12E8DCDE-129C-4875-BF61-2B214BB7B4DE}" destId="{BC7A51D8-329D-4148-A3CC-5E08CD64BDFD}" srcOrd="0" destOrd="0" presId="urn:microsoft.com/office/officeart/2005/8/layout/vList2"/>
     <dgm:cxn modelId="{59947886-8799-40C6-8A4C-8031E410CA52}" srcId="{B4A4CC78-25E8-4AC4-B6C7-FEF8A2ACA6AA}" destId="{E79D3704-2259-4A45-9208-E7E3B168D5A5}" srcOrd="0" destOrd="0" parTransId="{4878388E-DB59-439F-B6F3-5C85431A665D}" sibTransId="{19B403D0-6920-4A61-AAA1-3D5A9D371B3E}"/>
     <dgm:cxn modelId="{754BA58A-DFAF-FD40-8071-91502A0354A9}" type="presOf" srcId="{8485117E-84FB-4AC0-84B3-D99A21D09A23}" destId="{4E2EE375-77E8-344D-8FE3-6D408976901F}" srcOrd="0" destOrd="1" presId="urn:microsoft.com/office/officeart/2005/8/layout/vList2"/>
@@ -10898,7 +10901,7 @@
           <a:p>
             <a:fld id="{9ADA5B36-BD01-47CD-B491-940693B77A9A}" type="datetimeFigureOut">
               <a:rPr lang="en-US" smtClean="0"/>
-              <a:t>11/15/22</a:t>
+              <a:t>11/18/2022</a:t>
             </a:fld>
             <a:endParaRPr lang="en-US"/>
           </a:p>
@@ -20882,7 +20885,7 @@
           <a:p>
             <a:fld id="{3CB14515-8DA5-4B82-96E7-E758FF8ACA06}" type="datetimeFigureOut">
               <a:rPr lang="en-US" smtClean="0"/>
-              <a:t>11/15/22</a:t>
+              <a:t>11/18/2022</a:t>
             </a:fld>
             <a:endParaRPr lang="en-US"/>
           </a:p>
@@ -21089,7 +21092,7 @@
           <a:p>
             <a:fld id="{3CB14515-8DA5-4B82-96E7-E758FF8ACA06}" type="datetimeFigureOut">
               <a:rPr lang="en-US" smtClean="0"/>
-              <a:t>11/15/22</a:t>
+              <a:t>11/18/2022</a:t>
             </a:fld>
             <a:endParaRPr lang="en-US"/>
           </a:p>
@@ -21269,7 +21272,7 @@
           <a:p>
             <a:fld id="{3CB14515-8DA5-4B82-96E7-E758FF8ACA06}" type="datetimeFigureOut">
               <a:rPr lang="en-US" smtClean="0"/>
-              <a:t>11/15/22</a:t>
+              <a:t>11/18/2022</a:t>
             </a:fld>
             <a:endParaRPr lang="en-US"/>
           </a:p>
@@ -21474,7 +21477,7 @@
           <a:p>
             <a:fld id="{3CB14515-8DA5-4B82-96E7-E758FF8ACA06}" type="datetimeFigureOut">
               <a:rPr lang="en-US" smtClean="0"/>
-              <a:t>11/15/22</a:t>
+              <a:t>11/18/2022</a:t>
             </a:fld>
             <a:endParaRPr lang="en-US"/>
           </a:p>
@@ -30372,7 +30375,7 @@
           <a:p>
             <a:fld id="{3CB14515-8DA5-4B82-96E7-E758FF8ACA06}" type="datetimeFigureOut">
               <a:rPr lang="en-US" smtClean="0"/>
-              <a:t>11/15/22</a:t>
+              <a:t>11/18/2022</a:t>
             </a:fld>
             <a:endParaRPr lang="en-US"/>
           </a:p>
@@ -30646,7 +30649,7 @@
           <a:p>
             <a:fld id="{3CB14515-8DA5-4B82-96E7-E758FF8ACA06}" type="datetimeFigureOut">
               <a:rPr lang="en-US" smtClean="0"/>
-              <a:t>11/15/22</a:t>
+              <a:t>11/18/2022</a:t>
             </a:fld>
             <a:endParaRPr lang="en-US"/>
           </a:p>
@@ -31044,7 +31047,7 @@
           <a:p>
             <a:fld id="{3CB14515-8DA5-4B82-96E7-E758FF8ACA06}" type="datetimeFigureOut">
               <a:rPr lang="en-US" smtClean="0"/>
-              <a:t>11/15/22</a:t>
+              <a:t>11/18/2022</a:t>
             </a:fld>
             <a:endParaRPr lang="en-US"/>
           </a:p>
@@ -31162,7 +31165,7 @@
           <a:p>
             <a:fld id="{3CB14515-8DA5-4B82-96E7-E758FF8ACA06}" type="datetimeFigureOut">
               <a:rPr lang="en-US" smtClean="0"/>
-              <a:t>11/15/22</a:t>
+              <a:t>11/18/2022</a:t>
             </a:fld>
             <a:endParaRPr lang="en-US"/>
           </a:p>
@@ -31257,7 +31260,7 @@
           <a:p>
             <a:fld id="{3CB14515-8DA5-4B82-96E7-E758FF8ACA06}" type="datetimeFigureOut">
               <a:rPr lang="en-US" smtClean="0"/>
-              <a:t>11/15/22</a:t>
+              <a:t>11/18/2022</a:t>
             </a:fld>
             <a:endParaRPr lang="en-US"/>
           </a:p>
@@ -31547,7 +31550,7 @@
           <a:p>
             <a:fld id="{3CB14515-8DA5-4B82-96E7-E758FF8ACA06}" type="datetimeFigureOut">
               <a:rPr lang="en-US" smtClean="0"/>
-              <a:t>11/15/22</a:t>
+              <a:t>11/18/2022</a:t>
             </a:fld>
             <a:endParaRPr lang="en-US"/>
           </a:p>
@@ -31827,7 +31830,7 @@
           <a:p>
             <a:fld id="{3CB14515-8DA5-4B82-96E7-E758FF8ACA06}" type="datetimeFigureOut">
               <a:rPr lang="en-US" smtClean="0"/>
-              <a:t>11/15/22</a:t>
+              <a:t>11/18/2022</a:t>
             </a:fld>
             <a:endParaRPr lang="en-US"/>
           </a:p>
@@ -32077,7 +32080,7 @@
           <a:p>
             <a:fld id="{3CB14515-8DA5-4B82-96E7-E758FF8ACA06}" type="datetimeFigureOut">
               <a:rPr lang="en-US" smtClean="0"/>
-              <a:t>11/15/22</a:t>
+              <a:t>11/18/2022</a:t>
             </a:fld>
             <a:endParaRPr lang="en-US"/>
           </a:p>
@@ -51639,7 +51642,7 @@
         </p:spPr>
         <p:txBody>
           <a:bodyPr>
-            <a:normAutofit/>
+            <a:normAutofit fontScale="90000"/>
           </a:bodyPr>
           <a:lstStyle/>
           <a:p>
@@ -52743,6 +52746,388 @@
     <p:extLst>
       <p:ext uri="{BB962C8B-B14F-4D97-AF65-F5344CB8AC3E}">
         <p14:creationId xmlns:p14="http://schemas.microsoft.com/office/powerpoint/2010/main" val="538403057"/>
+      </p:ext>
+    </p:extLst>
+  </p:cSld>
+  <p:clrMapOvr>
+    <a:masterClrMapping/>
+  </p:clrMapOvr>
+</p:sld>
+</file>
+
+<file path=ppt/slides/slide62.xml><?xml version="1.0" encoding="utf-8"?>
+<p:sld xmlns:a="http://schemas.openxmlformats.org/drawingml/2006/main" xmlns:r="http://schemas.openxmlformats.org/officeDocument/2006/relationships" xmlns:p="http://schemas.openxmlformats.org/presentationml/2006/main">
+  <p:cSld>
+    <p:spTree>
+      <p:nvGrpSpPr>
+        <p:cNvPr id="1" name=""/>
+        <p:cNvGrpSpPr/>
+        <p:nvPr/>
+      </p:nvGrpSpPr>
+      <p:grpSpPr>
+        <a:xfrm>
+          <a:off x="0" y="0"/>
+          <a:ext cx="0" cy="0"/>
+          <a:chOff x="0" y="0"/>
+          <a:chExt cx="0" cy="0"/>
+        </a:xfrm>
+      </p:grpSpPr>
+      <p:sp>
+        <p:nvSpPr>
+          <p:cNvPr id="2" name="Title 1">
+            <a:extLst>
+              <a:ext uri="{FF2B5EF4-FFF2-40B4-BE49-F238E27FC236}">
+                <a16:creationId xmlns:a16="http://schemas.microsoft.com/office/drawing/2014/main" id="{30D44A3A-6FBF-4037-B62F-41C24B6CB526}"/>
+              </a:ext>
+            </a:extLst>
+          </p:cNvPr>
+          <p:cNvSpPr>
+            <a:spLocks noGrp="1"/>
+          </p:cNvSpPr>
+          <p:nvPr>
+            <p:ph type="title"/>
+          </p:nvPr>
+        </p:nvSpPr>
+        <p:spPr/>
+        <p:txBody>
+          <a:bodyPr>
+            <a:normAutofit/>
+          </a:bodyPr>
+          <a:lstStyle/>
+          <a:p>
+            <a:r>
+              <a:rPr lang="en-US" sz="3500" dirty="0"/>
+              <a:t>Module2</a:t>
+            </a:r>
+            <a:br>
+              <a:rPr lang="en-US" sz="3500" dirty="0"/>
+            </a:br>
+            <a:r>
+              <a:rPr lang="en-US" sz="3500" dirty="0"/>
+              <a:t>Fixed-Income markets: </a:t>
+            </a:r>
+            <a:br>
+              <a:rPr lang="en-US" sz="3500" dirty="0"/>
+            </a:br>
+            <a:r>
+              <a:rPr lang="en-US" sz="3500" dirty="0"/>
+              <a:t>issuance, trading, and funding</a:t>
+            </a:r>
+          </a:p>
+        </p:txBody>
+      </p:sp>
+      <p:sp>
+        <p:nvSpPr>
+          <p:cNvPr id="3" name="Content Placeholder 2">
+            <a:extLst>
+              <a:ext uri="{FF2B5EF4-FFF2-40B4-BE49-F238E27FC236}">
+                <a16:creationId xmlns:a16="http://schemas.microsoft.com/office/drawing/2014/main" id="{1349F254-052C-469F-A343-4957FF614058}"/>
+              </a:ext>
+            </a:extLst>
+          </p:cNvPr>
+          <p:cNvSpPr>
+            <a:spLocks noGrp="1"/>
+          </p:cNvSpPr>
+          <p:nvPr>
+            <p:ph idx="1"/>
+          </p:nvPr>
+        </p:nvSpPr>
+        <p:spPr/>
+        <p:txBody>
+          <a:bodyPr/>
+          <a:lstStyle/>
+          <a:p>
+            <a:r>
+              <a:rPr lang="en-US" sz="2800" b="1" dirty="0">
+                <a:solidFill>
+                  <a:srgbClr val="FF0000"/>
+                </a:solidFill>
+              </a:rPr>
+              <a:t>Primary and secondary bond markets</a:t>
+            </a:r>
+          </a:p>
+          <a:p>
+            <a:r>
+              <a:rPr lang="en-US" dirty="0">
+                <a:solidFill>
+                  <a:srgbClr val="FF0000"/>
+                </a:solidFill>
+              </a:rPr>
+              <a:t>Primary bond markets</a:t>
+            </a:r>
+            <a:r>
+              <a:rPr lang="en-US" dirty="0"/>
+              <a:t> are markets in which issuers initially sell bonds to investors to raise capital.</a:t>
+            </a:r>
+          </a:p>
+          <a:p>
+            <a:r>
+              <a:rPr lang="en-US" dirty="0">
+                <a:solidFill>
+                  <a:srgbClr val="FF0000"/>
+                </a:solidFill>
+              </a:rPr>
+              <a:t>Secondary bond markets </a:t>
+            </a:r>
+            <a:r>
+              <a:rPr lang="en-US" dirty="0"/>
+              <a:t>are markets in which existing bonds are subsequently traded among investors.</a:t>
+            </a:r>
+          </a:p>
+          <a:p>
+            <a:endParaRPr lang="en-US" dirty="0"/>
+          </a:p>
+        </p:txBody>
+      </p:sp>
+    </p:spTree>
+    <p:extLst>
+      <p:ext uri="{BB962C8B-B14F-4D97-AF65-F5344CB8AC3E}">
+        <p14:creationId xmlns:p14="http://schemas.microsoft.com/office/powerpoint/2010/main" val="531213849"/>
+      </p:ext>
+    </p:extLst>
+  </p:cSld>
+  <p:clrMapOvr>
+    <a:masterClrMapping/>
+  </p:clrMapOvr>
+</p:sld>
+</file>
+
+<file path=ppt/slides/slide63.xml><?xml version="1.0" encoding="utf-8"?>
+<p:sld xmlns:a="http://schemas.openxmlformats.org/drawingml/2006/main" xmlns:r="http://schemas.openxmlformats.org/officeDocument/2006/relationships" xmlns:p="http://schemas.openxmlformats.org/presentationml/2006/main">
+  <p:cSld>
+    <p:spTree>
+      <p:nvGrpSpPr>
+        <p:cNvPr id="1" name=""/>
+        <p:cNvGrpSpPr/>
+        <p:nvPr/>
+      </p:nvGrpSpPr>
+      <p:grpSpPr>
+        <a:xfrm>
+          <a:off x="0" y="0"/>
+          <a:ext cx="0" cy="0"/>
+          <a:chOff x="0" y="0"/>
+          <a:chExt cx="0" cy="0"/>
+        </a:xfrm>
+      </p:grpSpPr>
+      <p:sp>
+        <p:nvSpPr>
+          <p:cNvPr id="2" name="Title 1">
+            <a:extLst>
+              <a:ext uri="{FF2B5EF4-FFF2-40B4-BE49-F238E27FC236}">
+                <a16:creationId xmlns:a16="http://schemas.microsoft.com/office/drawing/2014/main" id="{8B740A7A-B85E-4C56-A6DA-2AC7A45C6353}"/>
+              </a:ext>
+            </a:extLst>
+          </p:cNvPr>
+          <p:cNvSpPr>
+            <a:spLocks noGrp="1"/>
+          </p:cNvSpPr>
+          <p:nvPr>
+            <p:ph type="title"/>
+          </p:nvPr>
+        </p:nvSpPr>
+        <p:spPr/>
+        <p:txBody>
+          <a:bodyPr>
+            <a:normAutofit/>
+          </a:bodyPr>
+          <a:lstStyle/>
+          <a:p>
+            <a:r>
+              <a:rPr lang="en-US" sz="3500" dirty="0"/>
+              <a:t>Module2</a:t>
+            </a:r>
+            <a:br>
+              <a:rPr lang="en-US" sz="3500" dirty="0"/>
+            </a:br>
+            <a:r>
+              <a:rPr lang="en-US" sz="3500" dirty="0"/>
+              <a:t>Fixed-Income markets: </a:t>
+            </a:r>
+            <a:br>
+              <a:rPr lang="en-US" sz="3500" dirty="0"/>
+            </a:br>
+            <a:r>
+              <a:rPr lang="en-US" sz="3500" dirty="0"/>
+              <a:t>issuance, trading, and funding</a:t>
+            </a:r>
+          </a:p>
+        </p:txBody>
+      </p:sp>
+      <p:sp>
+        <p:nvSpPr>
+          <p:cNvPr id="3" name="Content Placeholder 2">
+            <a:extLst>
+              <a:ext uri="{FF2B5EF4-FFF2-40B4-BE49-F238E27FC236}">
+                <a16:creationId xmlns:a16="http://schemas.microsoft.com/office/drawing/2014/main" id="{084C0C0E-5598-4FDE-BE58-EAC228A801D3}"/>
+              </a:ext>
+            </a:extLst>
+          </p:cNvPr>
+          <p:cNvSpPr>
+            <a:spLocks noGrp="1"/>
+          </p:cNvSpPr>
+          <p:nvPr>
+            <p:ph idx="1"/>
+          </p:nvPr>
+        </p:nvSpPr>
+        <p:spPr/>
+        <p:txBody>
+          <a:bodyPr/>
+          <a:lstStyle/>
+          <a:p>
+            <a:r>
+              <a:rPr lang="en-US" sz="2800" b="1" dirty="0">
+                <a:solidFill>
+                  <a:srgbClr val="FF0000"/>
+                </a:solidFill>
+              </a:rPr>
+              <a:t>Primary bond markets</a:t>
+            </a:r>
+          </a:p>
+          <a:p>
+            <a:r>
+              <a:rPr lang="en-US" dirty="0"/>
+              <a:t>Public offering</a:t>
+            </a:r>
+          </a:p>
+          <a:p>
+            <a:pPr lvl="1"/>
+            <a:r>
+              <a:rPr lang="en-US" dirty="0"/>
+              <a:t>Underwritten offering(firm commitment offering)</a:t>
+            </a:r>
+          </a:p>
+          <a:p>
+            <a:pPr lvl="1"/>
+            <a:r>
+              <a:rPr lang="en-US" dirty="0"/>
+              <a:t>Best-efforts offering</a:t>
+            </a:r>
+          </a:p>
+          <a:p>
+            <a:pPr lvl="1"/>
+            <a:r>
+              <a:rPr lang="en-US" dirty="0"/>
+              <a:t>Shelf registration</a:t>
+            </a:r>
+          </a:p>
+          <a:p>
+            <a:pPr lvl="1"/>
+            <a:r>
+              <a:rPr lang="en-US" dirty="0"/>
+              <a:t>auction</a:t>
+            </a:r>
+          </a:p>
+          <a:p>
+            <a:r>
+              <a:rPr lang="en-US" dirty="0"/>
+              <a:t>Private placement</a:t>
+            </a:r>
+          </a:p>
+        </p:txBody>
+      </p:sp>
+    </p:spTree>
+    <p:extLst>
+      <p:ext uri="{BB962C8B-B14F-4D97-AF65-F5344CB8AC3E}">
+        <p14:creationId xmlns:p14="http://schemas.microsoft.com/office/powerpoint/2010/main" val="1802182499"/>
+      </p:ext>
+    </p:extLst>
+  </p:cSld>
+  <p:clrMapOvr>
+    <a:masterClrMapping/>
+  </p:clrMapOvr>
+</p:sld>
+</file>
+
+<file path=ppt/slides/slide64.xml><?xml version="1.0" encoding="utf-8"?>
+<p:sld xmlns:a="http://schemas.openxmlformats.org/drawingml/2006/main" xmlns:r="http://schemas.openxmlformats.org/officeDocument/2006/relationships" xmlns:p="http://schemas.openxmlformats.org/presentationml/2006/main">
+  <p:cSld>
+    <p:spTree>
+      <p:nvGrpSpPr>
+        <p:cNvPr id="1" name=""/>
+        <p:cNvGrpSpPr/>
+        <p:nvPr/>
+      </p:nvGrpSpPr>
+      <p:grpSpPr>
+        <a:xfrm>
+          <a:off x="0" y="0"/>
+          <a:ext cx="0" cy="0"/>
+          <a:chOff x="0" y="0"/>
+          <a:chExt cx="0" cy="0"/>
+        </a:xfrm>
+      </p:grpSpPr>
+      <p:sp>
+        <p:nvSpPr>
+          <p:cNvPr id="2" name="Title 1">
+            <a:extLst>
+              <a:ext uri="{FF2B5EF4-FFF2-40B4-BE49-F238E27FC236}">
+                <a16:creationId xmlns:a16="http://schemas.microsoft.com/office/drawing/2014/main" id="{3CCEB31B-AB9E-4225-B577-58C0F8B809FC}"/>
+              </a:ext>
+            </a:extLst>
+          </p:cNvPr>
+          <p:cNvSpPr>
+            <a:spLocks noGrp="1"/>
+          </p:cNvSpPr>
+          <p:nvPr>
+            <p:ph type="title"/>
+          </p:nvPr>
+        </p:nvSpPr>
+        <p:spPr/>
+        <p:txBody>
+          <a:bodyPr>
+            <a:normAutofit/>
+          </a:bodyPr>
+          <a:lstStyle/>
+          <a:p>
+            <a:r>
+              <a:rPr lang="en-US" sz="3500" dirty="0"/>
+              <a:t>Module2</a:t>
+            </a:r>
+            <a:br>
+              <a:rPr lang="en-US" sz="3500" dirty="0"/>
+            </a:br>
+            <a:r>
+              <a:rPr lang="en-US" sz="3500" dirty="0"/>
+              <a:t>Fixed-Income markets: </a:t>
+            </a:r>
+            <a:br>
+              <a:rPr lang="en-US" sz="3500" dirty="0"/>
+            </a:br>
+            <a:r>
+              <a:rPr lang="en-US" sz="3500" dirty="0"/>
+              <a:t>issuance, trading, and funding</a:t>
+            </a:r>
+          </a:p>
+        </p:txBody>
+      </p:sp>
+      <p:sp>
+        <p:nvSpPr>
+          <p:cNvPr id="3" name="Content Placeholder 2">
+            <a:extLst>
+              <a:ext uri="{FF2B5EF4-FFF2-40B4-BE49-F238E27FC236}">
+                <a16:creationId xmlns:a16="http://schemas.microsoft.com/office/drawing/2014/main" id="{7F7E8947-4A46-4557-B0D3-21507797CCD2}"/>
+              </a:ext>
+            </a:extLst>
+          </p:cNvPr>
+          <p:cNvSpPr>
+            <a:spLocks noGrp="1"/>
+          </p:cNvSpPr>
+          <p:nvPr>
+            <p:ph idx="1"/>
+          </p:nvPr>
+        </p:nvSpPr>
+        <p:spPr/>
+        <p:txBody>
+          <a:bodyPr/>
+          <a:lstStyle/>
+          <a:p>
+            <a:endParaRPr lang="en-US"/>
+          </a:p>
+        </p:txBody>
+      </p:sp>
+    </p:spTree>
+    <p:extLst>
+      <p:ext uri="{BB962C8B-B14F-4D97-AF65-F5344CB8AC3E}">
+        <p14:creationId xmlns:p14="http://schemas.microsoft.com/office/powerpoint/2010/main" val="44873347"/>
       </p:ext>
     </p:extLst>
   </p:cSld>

--- a/Fixed Income.pptx
+++ b/Fixed Income.pptx
@@ -5,7 +5,7 @@
     <p:sldMasterId id="2147483660" r:id="rId1"/>
   </p:sldMasterIdLst>
   <p:notesMasterIdLst>
-    <p:notesMasterId r:id="rId66"/>
+    <p:notesMasterId r:id="rId69"/>
   </p:notesMasterIdLst>
   <p:sldIdLst>
     <p:sldId id="265" r:id="rId2"/>
@@ -72,6 +72,9 @@
     <p:sldId id="322" r:id="rId63"/>
     <p:sldId id="323" r:id="rId64"/>
     <p:sldId id="324" r:id="rId65"/>
+    <p:sldId id="325" r:id="rId66"/>
+    <p:sldId id="326" r:id="rId67"/>
+    <p:sldId id="327" r:id="rId68"/>
   </p:sldIdLst>
   <p:sldSz cx="12192000" cy="6858000"/>
   <p:notesSz cx="6858000" cy="9144000"/>
@@ -10901,7 +10904,7 @@
           <a:p>
             <a:fld id="{9ADA5B36-BD01-47CD-B491-940693B77A9A}" type="datetimeFigureOut">
               <a:rPr lang="en-US" smtClean="0"/>
-              <a:t>11/18/2022</a:t>
+              <a:t>11/22/2022</a:t>
             </a:fld>
             <a:endParaRPr lang="en-US"/>
           </a:p>
@@ -20885,7 +20888,7 @@
           <a:p>
             <a:fld id="{3CB14515-8DA5-4B82-96E7-E758FF8ACA06}" type="datetimeFigureOut">
               <a:rPr lang="en-US" smtClean="0"/>
-              <a:t>11/18/2022</a:t>
+              <a:t>11/22/2022</a:t>
             </a:fld>
             <a:endParaRPr lang="en-US"/>
           </a:p>
@@ -21092,7 +21095,7 @@
           <a:p>
             <a:fld id="{3CB14515-8DA5-4B82-96E7-E758FF8ACA06}" type="datetimeFigureOut">
               <a:rPr lang="en-US" smtClean="0"/>
-              <a:t>11/18/2022</a:t>
+              <a:t>11/22/2022</a:t>
             </a:fld>
             <a:endParaRPr lang="en-US"/>
           </a:p>
@@ -21272,7 +21275,7 @@
           <a:p>
             <a:fld id="{3CB14515-8DA5-4B82-96E7-E758FF8ACA06}" type="datetimeFigureOut">
               <a:rPr lang="en-US" smtClean="0"/>
-              <a:t>11/18/2022</a:t>
+              <a:t>11/22/2022</a:t>
             </a:fld>
             <a:endParaRPr lang="en-US"/>
           </a:p>
@@ -21477,7 +21480,7 @@
           <a:p>
             <a:fld id="{3CB14515-8DA5-4B82-96E7-E758FF8ACA06}" type="datetimeFigureOut">
               <a:rPr lang="en-US" smtClean="0"/>
-              <a:t>11/18/2022</a:t>
+              <a:t>11/22/2022</a:t>
             </a:fld>
             <a:endParaRPr lang="en-US"/>
           </a:p>
@@ -30375,7 +30378,7 @@
           <a:p>
             <a:fld id="{3CB14515-8DA5-4B82-96E7-E758FF8ACA06}" type="datetimeFigureOut">
               <a:rPr lang="en-US" smtClean="0"/>
-              <a:t>11/18/2022</a:t>
+              <a:t>11/22/2022</a:t>
             </a:fld>
             <a:endParaRPr lang="en-US"/>
           </a:p>
@@ -30649,7 +30652,7 @@
           <a:p>
             <a:fld id="{3CB14515-8DA5-4B82-96E7-E758FF8ACA06}" type="datetimeFigureOut">
               <a:rPr lang="en-US" smtClean="0"/>
-              <a:t>11/18/2022</a:t>
+              <a:t>11/22/2022</a:t>
             </a:fld>
             <a:endParaRPr lang="en-US"/>
           </a:p>
@@ -31047,7 +31050,7 @@
           <a:p>
             <a:fld id="{3CB14515-8DA5-4B82-96E7-E758FF8ACA06}" type="datetimeFigureOut">
               <a:rPr lang="en-US" smtClean="0"/>
-              <a:t>11/18/2022</a:t>
+              <a:t>11/22/2022</a:t>
             </a:fld>
             <a:endParaRPr lang="en-US"/>
           </a:p>
@@ -31165,7 +31168,7 @@
           <a:p>
             <a:fld id="{3CB14515-8DA5-4B82-96E7-E758FF8ACA06}" type="datetimeFigureOut">
               <a:rPr lang="en-US" smtClean="0"/>
-              <a:t>11/18/2022</a:t>
+              <a:t>11/22/2022</a:t>
             </a:fld>
             <a:endParaRPr lang="en-US"/>
           </a:p>
@@ -31260,7 +31263,7 @@
           <a:p>
             <a:fld id="{3CB14515-8DA5-4B82-96E7-E758FF8ACA06}" type="datetimeFigureOut">
               <a:rPr lang="en-US" smtClean="0"/>
-              <a:t>11/18/2022</a:t>
+              <a:t>11/22/2022</a:t>
             </a:fld>
             <a:endParaRPr lang="en-US"/>
           </a:p>
@@ -31550,7 +31553,7 @@
           <a:p>
             <a:fld id="{3CB14515-8DA5-4B82-96E7-E758FF8ACA06}" type="datetimeFigureOut">
               <a:rPr lang="en-US" smtClean="0"/>
-              <a:t>11/18/2022</a:t>
+              <a:t>11/22/2022</a:t>
             </a:fld>
             <a:endParaRPr lang="en-US"/>
           </a:p>
@@ -31830,7 +31833,7 @@
           <a:p>
             <a:fld id="{3CB14515-8DA5-4B82-96E7-E758FF8ACA06}" type="datetimeFigureOut">
               <a:rPr lang="en-US" smtClean="0"/>
-              <a:t>11/18/2022</a:t>
+              <a:t>11/22/2022</a:t>
             </a:fld>
             <a:endParaRPr lang="en-US"/>
           </a:p>
@@ -32080,7 +32083,7 @@
           <a:p>
             <a:fld id="{3CB14515-8DA5-4B82-96E7-E758FF8ACA06}" type="datetimeFigureOut">
               <a:rPr lang="en-US" smtClean="0"/>
-              <a:t>11/18/2022</a:t>
+              <a:t>11/22/2022</a:t>
             </a:fld>
             <a:endParaRPr lang="en-US"/>
           </a:p>
@@ -52848,7 +52851,7 @@
           </a:p>
           <a:p>
             <a:r>
-              <a:rPr lang="en-US" dirty="0">
+              <a:rPr lang="en-US" sz="2400" dirty="0">
                 <a:solidFill>
                   <a:srgbClr val="FF0000"/>
                 </a:solidFill>
@@ -52856,13 +52859,13 @@
               <a:t>Primary bond markets</a:t>
             </a:r>
             <a:r>
-              <a:rPr lang="en-US" dirty="0"/>
+              <a:rPr lang="en-US" sz="2400" dirty="0"/>
               <a:t> are markets in which issuers initially sell bonds to investors to raise capital.</a:t>
             </a:r>
           </a:p>
           <a:p>
             <a:r>
-              <a:rPr lang="en-US" dirty="0">
+              <a:rPr lang="en-US" sz="2400" dirty="0">
                 <a:solidFill>
                   <a:srgbClr val="FF0000"/>
                 </a:solidFill>
@@ -52870,7 +52873,7 @@
               <a:t>Secondary bond markets </a:t>
             </a:r>
             <a:r>
-              <a:rPr lang="en-US" dirty="0"/>
+              <a:rPr lang="en-US" sz="2400" dirty="0"/>
               <a:t>are markets in which existing bonds are subsequently traded among investors.</a:t>
             </a:r>
           </a:p>
@@ -52985,41 +52988,41 @@
           </a:p>
           <a:p>
             <a:r>
-              <a:rPr lang="en-US" dirty="0"/>
+              <a:rPr lang="en-US" sz="2400" dirty="0"/>
               <a:t>Public offering</a:t>
             </a:r>
           </a:p>
           <a:p>
             <a:pPr lvl="1"/>
             <a:r>
-              <a:rPr lang="en-US" dirty="0"/>
+              <a:rPr lang="en-US" sz="2000" dirty="0"/>
               <a:t>Underwritten offering(firm commitment offering)</a:t>
             </a:r>
           </a:p>
           <a:p>
             <a:pPr lvl="1"/>
             <a:r>
-              <a:rPr lang="en-US" dirty="0"/>
+              <a:rPr lang="en-US" sz="2000" dirty="0"/>
               <a:t>Best-efforts offering</a:t>
             </a:r>
           </a:p>
           <a:p>
             <a:pPr lvl="1"/>
             <a:r>
-              <a:rPr lang="en-US" dirty="0"/>
+              <a:rPr lang="en-US" sz="2000" dirty="0"/>
               <a:t>Shelf registration</a:t>
             </a:r>
           </a:p>
           <a:p>
             <a:pPr lvl="1"/>
             <a:r>
-              <a:rPr lang="en-US" dirty="0"/>
+              <a:rPr lang="en-US" sz="2000" dirty="0"/>
               <a:t>auction</a:t>
             </a:r>
           </a:p>
           <a:p>
             <a:r>
-              <a:rPr lang="en-US" dirty="0"/>
+              <a:rPr lang="en-US" sz="2400" dirty="0"/>
               <a:t>Private placement</a:t>
             </a:r>
           </a:p>
@@ -53120,7 +53123,70 @@
           <a:bodyPr/>
           <a:lstStyle/>
           <a:p>
-            <a:endParaRPr lang="en-US"/>
+            <a:r>
+              <a:rPr lang="en-US" sz="2800" b="1" dirty="0">
+                <a:solidFill>
+                  <a:srgbClr val="FF0000"/>
+                </a:solidFill>
+              </a:rPr>
+              <a:t>Auction</a:t>
+            </a:r>
+          </a:p>
+          <a:p>
+            <a:r>
+              <a:rPr lang="en-US" sz="2400" dirty="0"/>
+              <a:t>The public auction process used in the United States is a </a:t>
+            </a:r>
+            <a:r>
+              <a:rPr lang="en-US" sz="2400" dirty="0">
+                <a:solidFill>
+                  <a:srgbClr val="FF0000"/>
+                </a:solidFill>
+              </a:rPr>
+              <a:t>single-price auction </a:t>
+            </a:r>
+            <a:r>
+              <a:rPr lang="en-US" sz="2400" dirty="0"/>
+              <a:t>through which all the winning bidders pay the same price and receive the same coupon rate for the bonds.</a:t>
+            </a:r>
+          </a:p>
+          <a:p>
+            <a:r>
+              <a:rPr lang="en-US" sz="2400" dirty="0">
+                <a:solidFill>
+                  <a:srgbClr val="FF0000"/>
+                </a:solidFill>
+              </a:rPr>
+              <a:t>Competitive bid</a:t>
+            </a:r>
+          </a:p>
+          <a:p>
+            <a:r>
+              <a:rPr lang="en-US" sz="2400" dirty="0">
+                <a:solidFill>
+                  <a:srgbClr val="FF0000"/>
+                </a:solidFill>
+              </a:rPr>
+              <a:t>Non-competitive bid</a:t>
+            </a:r>
+          </a:p>
+          <a:p>
+            <a:r>
+              <a:rPr lang="en-US" sz="2400" dirty="0"/>
+              <a:t>Most US Treasury securities are bought at auction by </a:t>
+            </a:r>
+            <a:r>
+              <a:rPr lang="en-US" sz="2400" dirty="0">
+                <a:solidFill>
+                  <a:srgbClr val="FF0000"/>
+                </a:solidFill>
+              </a:rPr>
+              <a:t>primary dealers</a:t>
+            </a:r>
+            <a:r>
+              <a:rPr lang="en-US" sz="2400" dirty="0"/>
+              <a:t>.</a:t>
+            </a:r>
           </a:p>
         </p:txBody>
       </p:sp>
@@ -53128,6 +53194,782 @@
     <p:extLst>
       <p:ext uri="{BB962C8B-B14F-4D97-AF65-F5344CB8AC3E}">
         <p14:creationId xmlns:p14="http://schemas.microsoft.com/office/powerpoint/2010/main" val="44873347"/>
+      </p:ext>
+    </p:extLst>
+  </p:cSld>
+  <p:clrMapOvr>
+    <a:masterClrMapping/>
+  </p:clrMapOvr>
+</p:sld>
+</file>
+
+<file path=ppt/slides/slide65.xml><?xml version="1.0" encoding="utf-8"?>
+<p:sld xmlns:a="http://schemas.openxmlformats.org/drawingml/2006/main" xmlns:r="http://schemas.openxmlformats.org/officeDocument/2006/relationships" xmlns:p="http://schemas.openxmlformats.org/presentationml/2006/main">
+  <p:cSld>
+    <p:spTree>
+      <p:nvGrpSpPr>
+        <p:cNvPr id="1" name=""/>
+        <p:cNvGrpSpPr/>
+        <p:nvPr/>
+      </p:nvGrpSpPr>
+      <p:grpSpPr>
+        <a:xfrm>
+          <a:off x="0" y="0"/>
+          <a:ext cx="0" cy="0"/>
+          <a:chOff x="0" y="0"/>
+          <a:chExt cx="0" cy="0"/>
+        </a:xfrm>
+      </p:grpSpPr>
+      <p:sp>
+        <p:nvSpPr>
+          <p:cNvPr id="2" name="Title 1">
+            <a:extLst>
+              <a:ext uri="{FF2B5EF4-FFF2-40B4-BE49-F238E27FC236}">
+                <a16:creationId xmlns:a16="http://schemas.microsoft.com/office/drawing/2014/main" id="{F0B2170E-6B25-489B-AB01-D0FFBEDF8270}"/>
+              </a:ext>
+            </a:extLst>
+          </p:cNvPr>
+          <p:cNvSpPr>
+            <a:spLocks noGrp="1"/>
+          </p:cNvSpPr>
+          <p:nvPr>
+            <p:ph type="title"/>
+          </p:nvPr>
+        </p:nvSpPr>
+        <p:spPr/>
+        <p:txBody>
+          <a:bodyPr>
+            <a:normAutofit/>
+          </a:bodyPr>
+          <a:lstStyle/>
+          <a:p>
+            <a:r>
+              <a:rPr lang="en-US" sz="3500" dirty="0"/>
+              <a:t>Module2</a:t>
+            </a:r>
+            <a:br>
+              <a:rPr lang="en-US" sz="3500" dirty="0"/>
+            </a:br>
+            <a:r>
+              <a:rPr lang="en-US" sz="3500" dirty="0"/>
+              <a:t>Fixed-Income markets: </a:t>
+            </a:r>
+            <a:br>
+              <a:rPr lang="en-US" sz="3500" dirty="0"/>
+            </a:br>
+            <a:r>
+              <a:rPr lang="en-US" sz="3500" dirty="0"/>
+              <a:t>issuance, trading, and funding</a:t>
+            </a:r>
+          </a:p>
+        </p:txBody>
+      </p:sp>
+      <p:sp>
+        <p:nvSpPr>
+          <p:cNvPr id="3" name="Content Placeholder 2">
+            <a:extLst>
+              <a:ext uri="{FF2B5EF4-FFF2-40B4-BE49-F238E27FC236}">
+                <a16:creationId xmlns:a16="http://schemas.microsoft.com/office/drawing/2014/main" id="{3EB65575-C4F0-4431-87DB-E728C878735E}"/>
+              </a:ext>
+            </a:extLst>
+          </p:cNvPr>
+          <p:cNvSpPr>
+            <a:spLocks noGrp="1"/>
+          </p:cNvSpPr>
+          <p:nvPr>
+            <p:ph idx="1"/>
+          </p:nvPr>
+        </p:nvSpPr>
+        <p:spPr/>
+        <p:txBody>
+          <a:bodyPr/>
+          <a:lstStyle/>
+          <a:p>
+            <a:r>
+              <a:rPr lang="en-US" sz="2800" b="1" dirty="0">
+                <a:solidFill>
+                  <a:srgbClr val="FF0000"/>
+                </a:solidFill>
+              </a:rPr>
+              <a:t>Auction</a:t>
+            </a:r>
+          </a:p>
+          <a:p>
+            <a:endParaRPr lang="en-US" dirty="0"/>
+          </a:p>
+        </p:txBody>
+      </p:sp>
+      <p:graphicFrame>
+        <p:nvGraphicFramePr>
+          <p:cNvPr id="5" name="Table 4">
+            <a:extLst>
+              <a:ext uri="{FF2B5EF4-FFF2-40B4-BE49-F238E27FC236}">
+                <a16:creationId xmlns:a16="http://schemas.microsoft.com/office/drawing/2014/main" id="{7585EB83-1AFE-4AAB-92CD-FBD34B73AB27}"/>
+              </a:ext>
+            </a:extLst>
+          </p:cNvPr>
+          <p:cNvGraphicFramePr>
+            <a:graphicFrameLocks noGrp="1"/>
+          </p:cNvGraphicFramePr>
+          <p:nvPr>
+            <p:extLst>
+              <p:ext uri="{D42A27DB-BD31-4B8C-83A1-F6EECF244321}">
+                <p14:modId xmlns:p14="http://schemas.microsoft.com/office/powerpoint/2010/main" val="619557124"/>
+              </p:ext>
+            </p:extLst>
+          </p:nvPr>
+        </p:nvGraphicFramePr>
+        <p:xfrm>
+          <a:off x="1024127" y="2816860"/>
+          <a:ext cx="4642382" cy="3492498"/>
+        </p:xfrm>
+        <a:graphic>
+          <a:graphicData uri="http://schemas.openxmlformats.org/drawingml/2006/table">
+            <a:tbl>
+              <a:tblPr firstRow="1" bandRow="1">
+                <a:tableStyleId>{5C22544A-7EE6-4342-B048-85BDC9FD1C3A}</a:tableStyleId>
+              </a:tblPr>
+              <a:tblGrid>
+                <a:gridCol w="2321191">
+                  <a:extLst>
+                    <a:ext uri="{9D8B030D-6E8A-4147-A177-3AD203B41FA5}">
+                      <a16:colId xmlns:a16="http://schemas.microsoft.com/office/drawing/2014/main" val="1947446501"/>
+                    </a:ext>
+                  </a:extLst>
+                </a:gridCol>
+                <a:gridCol w="2321191">
+                  <a:extLst>
+                    <a:ext uri="{9D8B030D-6E8A-4147-A177-3AD203B41FA5}">
+                      <a16:colId xmlns:a16="http://schemas.microsoft.com/office/drawing/2014/main" val="219318879"/>
+                    </a:ext>
+                  </a:extLst>
+                </a:gridCol>
+              </a:tblGrid>
+              <a:tr h="431321">
+                <a:tc>
+                  <a:txBody>
+                    <a:bodyPr/>
+                    <a:lstStyle/>
+                    <a:p>
+                      <a:r>
+                        <a:rPr lang="zh-CN" altLang="en-US" dirty="0"/>
+                        <a:t>竞标利率</a:t>
+                      </a:r>
+                      <a:endParaRPr lang="en-US" dirty="0"/>
+                    </a:p>
+                  </a:txBody>
+                  <a:tcPr/>
+                </a:tc>
+                <a:tc>
+                  <a:txBody>
+                    <a:bodyPr/>
+                    <a:lstStyle/>
+                    <a:p>
+                      <a:r>
+                        <a:rPr lang="zh-CN" altLang="en-US" dirty="0"/>
+                        <a:t>竞标金额</a:t>
+                      </a:r>
+                      <a:endParaRPr lang="en-US" dirty="0"/>
+                    </a:p>
+                  </a:txBody>
+                  <a:tcPr/>
+                </a:tc>
+                <a:extLst>
+                  <a:ext uri="{0D108BD9-81ED-4DB2-BD59-A6C34878D82A}">
+                    <a16:rowId xmlns:a16="http://schemas.microsoft.com/office/drawing/2014/main" val="3548674907"/>
+                  </a:ext>
+                </a:extLst>
+              </a:tr>
+              <a:tr h="437311">
+                <a:tc>
+                  <a:txBody>
+                    <a:bodyPr/>
+                    <a:lstStyle/>
+                    <a:p>
+                      <a:r>
+                        <a:rPr lang="en-US" dirty="0"/>
+                        <a:t>1.52%</a:t>
+                      </a:r>
+                    </a:p>
+                  </a:txBody>
+                  <a:tcPr/>
+                </a:tc>
+                <a:tc>
+                  <a:txBody>
+                    <a:bodyPr/>
+                    <a:lstStyle/>
+                    <a:p>
+                      <a:r>
+                        <a:rPr lang="en-US" dirty="0"/>
+                        <a:t>2,000,000,000</a:t>
+                      </a:r>
+                    </a:p>
+                  </a:txBody>
+                  <a:tcPr/>
+                </a:tc>
+                <a:extLst>
+                  <a:ext uri="{0D108BD9-81ED-4DB2-BD59-A6C34878D82A}">
+                    <a16:rowId xmlns:a16="http://schemas.microsoft.com/office/drawing/2014/main" val="1477313742"/>
+                  </a:ext>
+                </a:extLst>
+              </a:tr>
+              <a:tr h="437311">
+                <a:tc>
+                  <a:txBody>
+                    <a:bodyPr/>
+                    <a:lstStyle/>
+                    <a:p>
+                      <a:r>
+                        <a:rPr lang="en-US" dirty="0"/>
+                        <a:t>1.60%</a:t>
+                      </a:r>
+                    </a:p>
+                  </a:txBody>
+                  <a:tcPr/>
+                </a:tc>
+                <a:tc>
+                  <a:txBody>
+                    <a:bodyPr/>
+                    <a:lstStyle/>
+                    <a:p>
+                      <a:r>
+                        <a:rPr lang="en-US" dirty="0"/>
+                        <a:t>3,000,000,000</a:t>
+                      </a:r>
+                    </a:p>
+                  </a:txBody>
+                  <a:tcPr/>
+                </a:tc>
+                <a:extLst>
+                  <a:ext uri="{0D108BD9-81ED-4DB2-BD59-A6C34878D82A}">
+                    <a16:rowId xmlns:a16="http://schemas.microsoft.com/office/drawing/2014/main" val="1193484640"/>
+                  </a:ext>
+                </a:extLst>
+              </a:tr>
+              <a:tr h="437311">
+                <a:tc>
+                  <a:txBody>
+                    <a:bodyPr/>
+                    <a:lstStyle/>
+                    <a:p>
+                      <a:r>
+                        <a:rPr lang="en-US" dirty="0"/>
+                        <a:t>1.62%</a:t>
+                      </a:r>
+                    </a:p>
+                  </a:txBody>
+                  <a:tcPr/>
+                </a:tc>
+                <a:tc>
+                  <a:txBody>
+                    <a:bodyPr/>
+                    <a:lstStyle/>
+                    <a:p>
+                      <a:r>
+                        <a:rPr lang="en-US" dirty="0"/>
+                        <a:t>1,500,000,000</a:t>
+                      </a:r>
+                    </a:p>
+                  </a:txBody>
+                  <a:tcPr/>
+                </a:tc>
+                <a:extLst>
+                  <a:ext uri="{0D108BD9-81ED-4DB2-BD59-A6C34878D82A}">
+                    <a16:rowId xmlns:a16="http://schemas.microsoft.com/office/drawing/2014/main" val="1460340345"/>
+                  </a:ext>
+                </a:extLst>
+              </a:tr>
+              <a:tr h="437311">
+                <a:tc>
+                  <a:txBody>
+                    <a:bodyPr/>
+                    <a:lstStyle/>
+                    <a:p>
+                      <a:r>
+                        <a:rPr lang="en-US" dirty="0"/>
+                        <a:t>1.74%</a:t>
+                      </a:r>
+                    </a:p>
+                  </a:txBody>
+                  <a:tcPr/>
+                </a:tc>
+                <a:tc>
+                  <a:txBody>
+                    <a:bodyPr/>
+                    <a:lstStyle/>
+                    <a:p>
+                      <a:r>
+                        <a:rPr lang="en-US" dirty="0"/>
+                        <a:t>2,500,000,000</a:t>
+                      </a:r>
+                    </a:p>
+                  </a:txBody>
+                  <a:tcPr/>
+                </a:tc>
+                <a:extLst>
+                  <a:ext uri="{0D108BD9-81ED-4DB2-BD59-A6C34878D82A}">
+                    <a16:rowId xmlns:a16="http://schemas.microsoft.com/office/drawing/2014/main" val="1164376066"/>
+                  </a:ext>
+                </a:extLst>
+              </a:tr>
+              <a:tr h="437311">
+                <a:tc>
+                  <a:txBody>
+                    <a:bodyPr/>
+                    <a:lstStyle/>
+                    <a:p>
+                      <a:r>
+                        <a:rPr lang="en-US" dirty="0"/>
+                        <a:t>1.79%</a:t>
+                      </a:r>
+                    </a:p>
+                  </a:txBody>
+                  <a:tcPr/>
+                </a:tc>
+                <a:tc>
+                  <a:txBody>
+                    <a:bodyPr/>
+                    <a:lstStyle/>
+                    <a:p>
+                      <a:r>
+                        <a:rPr lang="en-US" dirty="0"/>
+                        <a:t>500,000,000</a:t>
+                      </a:r>
+                    </a:p>
+                  </a:txBody>
+                  <a:tcPr/>
+                </a:tc>
+                <a:extLst>
+                  <a:ext uri="{0D108BD9-81ED-4DB2-BD59-A6C34878D82A}">
+                    <a16:rowId xmlns:a16="http://schemas.microsoft.com/office/drawing/2014/main" val="3998121923"/>
+                  </a:ext>
+                </a:extLst>
+              </a:tr>
+              <a:tr h="437311">
+                <a:tc>
+                  <a:txBody>
+                    <a:bodyPr/>
+                    <a:lstStyle/>
+                    <a:p>
+                      <a:r>
+                        <a:rPr lang="en-US" dirty="0"/>
+                        <a:t>1.83%</a:t>
+                      </a:r>
+                    </a:p>
+                  </a:txBody>
+                  <a:tcPr/>
+                </a:tc>
+                <a:tc>
+                  <a:txBody>
+                    <a:bodyPr/>
+                    <a:lstStyle/>
+                    <a:p>
+                      <a:r>
+                        <a:rPr lang="en-US" dirty="0"/>
+                        <a:t>800,000,000</a:t>
+                      </a:r>
+                    </a:p>
+                  </a:txBody>
+                  <a:tcPr/>
+                </a:tc>
+                <a:extLst>
+                  <a:ext uri="{0D108BD9-81ED-4DB2-BD59-A6C34878D82A}">
+                    <a16:rowId xmlns:a16="http://schemas.microsoft.com/office/drawing/2014/main" val="535609544"/>
+                  </a:ext>
+                </a:extLst>
+              </a:tr>
+              <a:tr h="437311">
+                <a:tc>
+                  <a:txBody>
+                    <a:bodyPr/>
+                    <a:lstStyle/>
+                    <a:p>
+                      <a:r>
+                        <a:rPr lang="en-US" dirty="0"/>
+                        <a:t>1.86%</a:t>
+                      </a:r>
+                    </a:p>
+                  </a:txBody>
+                  <a:tcPr/>
+                </a:tc>
+                <a:tc>
+                  <a:txBody>
+                    <a:bodyPr/>
+                    <a:lstStyle/>
+                    <a:p>
+                      <a:r>
+                        <a:rPr lang="en-US" dirty="0"/>
+                        <a:t>1,000,000,000</a:t>
+                      </a:r>
+                    </a:p>
+                  </a:txBody>
+                  <a:tcPr/>
+                </a:tc>
+                <a:extLst>
+                  <a:ext uri="{0D108BD9-81ED-4DB2-BD59-A6C34878D82A}">
+                    <a16:rowId xmlns:a16="http://schemas.microsoft.com/office/drawing/2014/main" val="2777276074"/>
+                  </a:ext>
+                </a:extLst>
+              </a:tr>
+            </a:tbl>
+          </a:graphicData>
+        </a:graphic>
+      </p:graphicFrame>
+    </p:spTree>
+    <p:extLst>
+      <p:ext uri="{BB962C8B-B14F-4D97-AF65-F5344CB8AC3E}">
+        <p14:creationId xmlns:p14="http://schemas.microsoft.com/office/powerpoint/2010/main" val="367298186"/>
+      </p:ext>
+    </p:extLst>
+  </p:cSld>
+  <p:clrMapOvr>
+    <a:masterClrMapping/>
+  </p:clrMapOvr>
+</p:sld>
+</file>
+
+<file path=ppt/slides/slide66.xml><?xml version="1.0" encoding="utf-8"?>
+<p:sld xmlns:a="http://schemas.openxmlformats.org/drawingml/2006/main" xmlns:r="http://schemas.openxmlformats.org/officeDocument/2006/relationships" xmlns:p="http://schemas.openxmlformats.org/presentationml/2006/main">
+  <p:cSld>
+    <p:spTree>
+      <p:nvGrpSpPr>
+        <p:cNvPr id="1" name=""/>
+        <p:cNvGrpSpPr/>
+        <p:nvPr/>
+      </p:nvGrpSpPr>
+      <p:grpSpPr>
+        <a:xfrm>
+          <a:off x="0" y="0"/>
+          <a:ext cx="0" cy="0"/>
+          <a:chOff x="0" y="0"/>
+          <a:chExt cx="0" cy="0"/>
+        </a:xfrm>
+      </p:grpSpPr>
+      <p:sp>
+        <p:nvSpPr>
+          <p:cNvPr id="2" name="Title 1">
+            <a:extLst>
+              <a:ext uri="{FF2B5EF4-FFF2-40B4-BE49-F238E27FC236}">
+                <a16:creationId xmlns:a16="http://schemas.microsoft.com/office/drawing/2014/main" id="{898A46ED-F7F0-4790-83E1-83CF29595EF5}"/>
+              </a:ext>
+            </a:extLst>
+          </p:cNvPr>
+          <p:cNvSpPr>
+            <a:spLocks noGrp="1"/>
+          </p:cNvSpPr>
+          <p:nvPr>
+            <p:ph type="title"/>
+          </p:nvPr>
+        </p:nvSpPr>
+        <p:spPr/>
+        <p:txBody>
+          <a:bodyPr>
+            <a:normAutofit/>
+          </a:bodyPr>
+          <a:lstStyle/>
+          <a:p>
+            <a:r>
+              <a:rPr lang="en-US" sz="3500" dirty="0"/>
+              <a:t>Module2</a:t>
+            </a:r>
+            <a:br>
+              <a:rPr lang="en-US" sz="3500" dirty="0"/>
+            </a:br>
+            <a:r>
+              <a:rPr lang="en-US" sz="3500" dirty="0"/>
+              <a:t>Fixed-Income markets: </a:t>
+            </a:r>
+            <a:br>
+              <a:rPr lang="en-US" sz="3500" dirty="0"/>
+            </a:br>
+            <a:r>
+              <a:rPr lang="en-US" sz="3500" dirty="0"/>
+              <a:t>issuance, trading, and funding</a:t>
+            </a:r>
+          </a:p>
+        </p:txBody>
+      </p:sp>
+      <p:sp>
+        <p:nvSpPr>
+          <p:cNvPr id="3" name="Content Placeholder 2">
+            <a:extLst>
+              <a:ext uri="{FF2B5EF4-FFF2-40B4-BE49-F238E27FC236}">
+                <a16:creationId xmlns:a16="http://schemas.microsoft.com/office/drawing/2014/main" id="{F0970D73-4A66-4965-9514-276A70C327AF}"/>
+              </a:ext>
+            </a:extLst>
+          </p:cNvPr>
+          <p:cNvSpPr>
+            <a:spLocks noGrp="1"/>
+          </p:cNvSpPr>
+          <p:nvPr>
+            <p:ph idx="1"/>
+          </p:nvPr>
+        </p:nvSpPr>
+        <p:spPr/>
+        <p:txBody>
+          <a:bodyPr>
+            <a:normAutofit/>
+          </a:bodyPr>
+          <a:lstStyle/>
+          <a:p>
+            <a:r>
+              <a:rPr lang="en-US" sz="2800" b="1" dirty="0">
+                <a:solidFill>
+                  <a:srgbClr val="FF0000"/>
+                </a:solidFill>
+              </a:rPr>
+              <a:t>Secondary bond markets</a:t>
+            </a:r>
+          </a:p>
+          <a:p>
+            <a:r>
+              <a:rPr lang="en-US" sz="2000" dirty="0"/>
+              <a:t>There are three main ways for secondary markets to be structured: as an </a:t>
+            </a:r>
+            <a:r>
+              <a:rPr lang="en-US" sz="2000" dirty="0">
+                <a:solidFill>
+                  <a:srgbClr val="FF0000"/>
+                </a:solidFill>
+              </a:rPr>
+              <a:t>organized</a:t>
+            </a:r>
+            <a:r>
+              <a:rPr lang="en-US" sz="2000" dirty="0"/>
+              <a:t> </a:t>
+            </a:r>
+            <a:r>
+              <a:rPr lang="en-US" sz="2000" dirty="0">
+                <a:solidFill>
+                  <a:srgbClr val="FF0000"/>
+                </a:solidFill>
+              </a:rPr>
+              <a:t>exchange</a:t>
+            </a:r>
+            <a:r>
+              <a:rPr lang="en-US" sz="2000" dirty="0"/>
+              <a:t>, as an </a:t>
+            </a:r>
+            <a:r>
+              <a:rPr lang="en-US" sz="2000" dirty="0">
+                <a:solidFill>
+                  <a:srgbClr val="FF0000"/>
+                </a:solidFill>
+              </a:rPr>
+              <a:t>over-the-counter market</a:t>
+            </a:r>
+            <a:r>
+              <a:rPr lang="en-US" sz="2000" dirty="0"/>
+              <a:t>, or as a </a:t>
+            </a:r>
+            <a:r>
+              <a:rPr lang="en-US" sz="2000" dirty="0">
+                <a:solidFill>
+                  <a:srgbClr val="FF0000"/>
+                </a:solidFill>
+              </a:rPr>
+              <a:t>bond tender offer</a:t>
+            </a:r>
+            <a:r>
+              <a:rPr lang="en-US" sz="2000" dirty="0"/>
+              <a:t>.</a:t>
+            </a:r>
+          </a:p>
+          <a:p>
+            <a:r>
+              <a:rPr lang="en-US" sz="2000" dirty="0"/>
+              <a:t>In a liquid market, trading takes place quickly at prices close to the security’s fair market value. A key indicator and measurement of liquidity is the </a:t>
+            </a:r>
+            <a:r>
+              <a:rPr lang="en-US" sz="2000" dirty="0">
+                <a:solidFill>
+                  <a:srgbClr val="FF0000"/>
+                </a:solidFill>
+              </a:rPr>
+              <a:t>bid–offer spread </a:t>
+            </a:r>
+            <a:r>
+              <a:rPr lang="en-US" sz="2000" dirty="0"/>
+              <a:t>or </a:t>
+            </a:r>
+            <a:r>
+              <a:rPr lang="en-US" sz="2000" dirty="0">
+                <a:solidFill>
+                  <a:srgbClr val="FF0000"/>
+                </a:solidFill>
+              </a:rPr>
+              <a:t>bid–ask spread.</a:t>
+            </a:r>
+          </a:p>
+          <a:p>
+            <a:r>
+              <a:rPr lang="en-US" sz="2000" dirty="0"/>
+              <a:t>Secondary market settlement for government and quasi-government bonds typically takes place either on a cash basis or on a T + 1 basis. Corporate bonds usually settle on a T + 2 or T + 3 basis.</a:t>
+            </a:r>
+          </a:p>
+          <a:p>
+            <a:endParaRPr lang="en-US" dirty="0"/>
+          </a:p>
+        </p:txBody>
+      </p:sp>
+    </p:spTree>
+    <p:extLst>
+      <p:ext uri="{BB962C8B-B14F-4D97-AF65-F5344CB8AC3E}">
+        <p14:creationId xmlns:p14="http://schemas.microsoft.com/office/powerpoint/2010/main" val="670691433"/>
+      </p:ext>
+    </p:extLst>
+  </p:cSld>
+  <p:clrMapOvr>
+    <a:masterClrMapping/>
+  </p:clrMapOvr>
+</p:sld>
+</file>
+
+<file path=ppt/slides/slide67.xml><?xml version="1.0" encoding="utf-8"?>
+<p:sld xmlns:a="http://schemas.openxmlformats.org/drawingml/2006/main" xmlns:r="http://schemas.openxmlformats.org/officeDocument/2006/relationships" xmlns:p="http://schemas.openxmlformats.org/presentationml/2006/main">
+  <p:cSld>
+    <p:spTree>
+      <p:nvGrpSpPr>
+        <p:cNvPr id="1" name=""/>
+        <p:cNvGrpSpPr/>
+        <p:nvPr/>
+      </p:nvGrpSpPr>
+      <p:grpSpPr>
+        <a:xfrm>
+          <a:off x="0" y="0"/>
+          <a:ext cx="0" cy="0"/>
+          <a:chOff x="0" y="0"/>
+          <a:chExt cx="0" cy="0"/>
+        </a:xfrm>
+      </p:grpSpPr>
+      <p:sp>
+        <p:nvSpPr>
+          <p:cNvPr id="2" name="Title 1">
+            <a:extLst>
+              <a:ext uri="{FF2B5EF4-FFF2-40B4-BE49-F238E27FC236}">
+                <a16:creationId xmlns:a16="http://schemas.microsoft.com/office/drawing/2014/main" id="{3733BC62-2F37-42A3-8FCA-1851B21B05E0}"/>
+              </a:ext>
+            </a:extLst>
+          </p:cNvPr>
+          <p:cNvSpPr>
+            <a:spLocks noGrp="1"/>
+          </p:cNvSpPr>
+          <p:nvPr>
+            <p:ph type="title"/>
+          </p:nvPr>
+        </p:nvSpPr>
+        <p:spPr/>
+        <p:txBody>
+          <a:bodyPr/>
+          <a:lstStyle/>
+          <a:p>
+            <a:r>
+              <a:rPr lang="en-US" dirty="0"/>
+              <a:t>practices</a:t>
+            </a:r>
+          </a:p>
+        </p:txBody>
+      </p:sp>
+      <p:sp>
+        <p:nvSpPr>
+          <p:cNvPr id="3" name="Content Placeholder 2">
+            <a:extLst>
+              <a:ext uri="{FF2B5EF4-FFF2-40B4-BE49-F238E27FC236}">
+                <a16:creationId xmlns:a16="http://schemas.microsoft.com/office/drawing/2014/main" id="{0059500D-4867-422A-98A7-5199220E8AFF}"/>
+              </a:ext>
+            </a:extLst>
+          </p:cNvPr>
+          <p:cNvSpPr>
+            <a:spLocks noGrp="1"/>
+          </p:cNvSpPr>
+          <p:nvPr>
+            <p:ph idx="1"/>
+          </p:nvPr>
+        </p:nvSpPr>
+        <p:spPr/>
+        <p:txBody>
+          <a:bodyPr>
+            <a:normAutofit lnSpcReduction="10000"/>
+          </a:bodyPr>
+          <a:lstStyle/>
+          <a:p>
+            <a:r>
+              <a:rPr lang="en-US" dirty="0"/>
+              <a:t>In a single-price bond auction, an investor who places a competitive bid and specifies a rate that is above the rate determined at auction will most likely:</a:t>
+            </a:r>
+          </a:p>
+          <a:p>
+            <a:pPr marL="457200" indent="-457200">
+              <a:buFont typeface="+mj-lt"/>
+              <a:buAutoNum type="alphaUcPeriod"/>
+            </a:pPr>
+            <a:r>
+              <a:rPr lang="en-US" b="1" dirty="0"/>
+              <a:t>not receive any bonds.</a:t>
+            </a:r>
+          </a:p>
+          <a:p>
+            <a:pPr marL="457200" indent="-457200">
+              <a:buFont typeface="+mj-lt"/>
+              <a:buAutoNum type="alphaUcPeriod"/>
+            </a:pPr>
+            <a:r>
+              <a:rPr lang="en-US" b="1" dirty="0"/>
+              <a:t>receive the bonds at the rate determined at auction.</a:t>
+            </a:r>
+          </a:p>
+          <a:p>
+            <a:pPr marL="457200" indent="-457200">
+              <a:buFont typeface="+mj-lt"/>
+              <a:buAutoNum type="alphaUcPeriod"/>
+            </a:pPr>
+            <a:r>
+              <a:rPr lang="en-US" b="1" dirty="0"/>
+              <a:t>receive the bonds at the rate specified in the investor’s competitive bid.</a:t>
+            </a:r>
+          </a:p>
+          <a:p>
+            <a:r>
+              <a:rPr lang="en-US" dirty="0"/>
+              <a:t>A bond purchased in a secondary market is most likely purchased from:</a:t>
+            </a:r>
+          </a:p>
+          <a:p>
+            <a:pPr marL="457200" indent="-457200">
+              <a:buFont typeface="+mj-lt"/>
+              <a:buAutoNum type="alphaUcPeriod"/>
+            </a:pPr>
+            <a:r>
+              <a:rPr lang="en-US" b="1" dirty="0"/>
+              <a:t>the bond’s issuer.</a:t>
+            </a:r>
+          </a:p>
+          <a:p>
+            <a:pPr marL="457200" indent="-457200">
+              <a:buFont typeface="+mj-lt"/>
+              <a:buAutoNum type="alphaUcPeriod"/>
+            </a:pPr>
+            <a:r>
+              <a:rPr lang="en-US" b="1" dirty="0"/>
+              <a:t>the bond’s lead underwriter.</a:t>
+            </a:r>
+          </a:p>
+          <a:p>
+            <a:pPr marL="457200" indent="-457200">
+              <a:buFont typeface="+mj-lt"/>
+              <a:buAutoNum type="alphaUcPeriod"/>
+            </a:pPr>
+            <a:r>
+              <a:rPr lang="en-US" b="1" dirty="0"/>
+              <a:t>another investor in the bond.</a:t>
+            </a:r>
+          </a:p>
+        </p:txBody>
+      </p:sp>
+    </p:spTree>
+    <p:extLst>
+      <p:ext uri="{BB962C8B-B14F-4D97-AF65-F5344CB8AC3E}">
+        <p14:creationId xmlns:p14="http://schemas.microsoft.com/office/powerpoint/2010/main" val="1644048063"/>
       </p:ext>
     </p:extLst>
   </p:cSld>

--- a/Fixed Income.pptx
+++ b/Fixed Income.pptx
@@ -3923,8 +3923,8 @@
     <dgm:cxn modelId="{AF33C521-71B0-4B68-A042-D5C4BD05A724}" srcId="{E418CFBD-CBB0-47D4-90EA-7C86E66E0301}" destId="{B4A4CC78-25E8-4AC4-B6C7-FEF8A2ACA6AA}" srcOrd="0" destOrd="0" parTransId="{85016B60-CA97-4D4D-A9E2-806B7E6A6D86}" sibTransId="{849FA569-BFE8-4BE4-8A3A-A15102DEE95C}"/>
     <dgm:cxn modelId="{F6B99A3C-9076-364A-879D-12713B74FC7C}" type="presOf" srcId="{285DEE00-3466-4A02-B97F-7B091B7A1EBA}" destId="{4E2EE375-77E8-344D-8FE3-6D408976901F}" srcOrd="0" destOrd="2" presId="urn:microsoft.com/office/officeart/2005/8/layout/vList2"/>
     <dgm:cxn modelId="{D85F8B50-D075-1442-9DF8-1563FD94E531}" type="presOf" srcId="{53EC224F-F0B0-410D-96A8-6BA533D08D48}" destId="{6E81FE26-0174-494F-A8AC-03518D01DF5A}" srcOrd="0" destOrd="2" presId="urn:microsoft.com/office/officeart/2005/8/layout/vList2"/>
+    <dgm:cxn modelId="{3D0EFB57-CF8C-5744-A774-55319E05AA6E}" type="presOf" srcId="{5BA6EAC7-5FD8-4F9E-BFE8-CEDE7CEDDF86}" destId="{4E2EE375-77E8-344D-8FE3-6D408976901F}" srcOrd="0" destOrd="0" presId="urn:microsoft.com/office/officeart/2005/8/layout/vList2"/>
     <dgm:cxn modelId="{6C296F77-763A-1B49-8F08-91BDF5A82BE2}" type="presOf" srcId="{E418CFBD-CBB0-47D4-90EA-7C86E66E0301}" destId="{CD36D044-47F6-BA4C-B7C5-E9DB54309CE0}" srcOrd="0" destOrd="0" presId="urn:microsoft.com/office/officeart/2005/8/layout/vList2"/>
-    <dgm:cxn modelId="{3D0EFB57-CF8C-5744-A774-55319E05AA6E}" type="presOf" srcId="{5BA6EAC7-5FD8-4F9E-BFE8-CEDE7CEDDF86}" destId="{4E2EE375-77E8-344D-8FE3-6D408976901F}" srcOrd="0" destOrd="0" presId="urn:microsoft.com/office/officeart/2005/8/layout/vList2"/>
     <dgm:cxn modelId="{6ED6F37E-7BEF-8D4E-AF20-2B418631C184}" type="presOf" srcId="{12E8DCDE-129C-4875-BF61-2B214BB7B4DE}" destId="{BC7A51D8-329D-4148-A3CC-5E08CD64BDFD}" srcOrd="0" destOrd="0" presId="urn:microsoft.com/office/officeart/2005/8/layout/vList2"/>
     <dgm:cxn modelId="{59947886-8799-40C6-8A4C-8031E410CA52}" srcId="{B4A4CC78-25E8-4AC4-B6C7-FEF8A2ACA6AA}" destId="{E79D3704-2259-4A45-9208-E7E3B168D5A5}" srcOrd="0" destOrd="0" parTransId="{4878388E-DB59-439F-B6F3-5C85431A665D}" sibTransId="{19B403D0-6920-4A61-AAA1-3D5A9D371B3E}"/>
     <dgm:cxn modelId="{754BA58A-DFAF-FD40-8071-91502A0354A9}" type="presOf" srcId="{8485117E-84FB-4AC0-84B3-D99A21D09A23}" destId="{4E2EE375-77E8-344D-8FE3-6D408976901F}" srcOrd="0" destOrd="1" presId="urn:microsoft.com/office/officeart/2005/8/layout/vList2"/>
@@ -10904,7 +10904,7 @@
           <a:p>
             <a:fld id="{9ADA5B36-BD01-47CD-B491-940693B77A9A}" type="datetimeFigureOut">
               <a:rPr lang="en-US" smtClean="0"/>
-              <a:t>11/22/2022</a:t>
+              <a:t>11/22/22</a:t>
             </a:fld>
             <a:endParaRPr lang="en-US"/>
           </a:p>
@@ -20888,7 +20888,7 @@
           <a:p>
             <a:fld id="{3CB14515-8DA5-4B82-96E7-E758FF8ACA06}" type="datetimeFigureOut">
               <a:rPr lang="en-US" smtClean="0"/>
-              <a:t>11/22/2022</a:t>
+              <a:t>11/22/22</a:t>
             </a:fld>
             <a:endParaRPr lang="en-US"/>
           </a:p>
@@ -21095,7 +21095,7 @@
           <a:p>
             <a:fld id="{3CB14515-8DA5-4B82-96E7-E758FF8ACA06}" type="datetimeFigureOut">
               <a:rPr lang="en-US" smtClean="0"/>
-              <a:t>11/22/2022</a:t>
+              <a:t>11/22/22</a:t>
             </a:fld>
             <a:endParaRPr lang="en-US"/>
           </a:p>
@@ -21275,7 +21275,7 @@
           <a:p>
             <a:fld id="{3CB14515-8DA5-4B82-96E7-E758FF8ACA06}" type="datetimeFigureOut">
               <a:rPr lang="en-US" smtClean="0"/>
-              <a:t>11/22/2022</a:t>
+              <a:t>11/22/22</a:t>
             </a:fld>
             <a:endParaRPr lang="en-US"/>
           </a:p>
@@ -21480,7 +21480,7 @@
           <a:p>
             <a:fld id="{3CB14515-8DA5-4B82-96E7-E758FF8ACA06}" type="datetimeFigureOut">
               <a:rPr lang="en-US" smtClean="0"/>
-              <a:t>11/22/2022</a:t>
+              <a:t>11/22/22</a:t>
             </a:fld>
             <a:endParaRPr lang="en-US"/>
           </a:p>
@@ -30378,7 +30378,7 @@
           <a:p>
             <a:fld id="{3CB14515-8DA5-4B82-96E7-E758FF8ACA06}" type="datetimeFigureOut">
               <a:rPr lang="en-US" smtClean="0"/>
-              <a:t>11/22/2022</a:t>
+              <a:t>11/22/22</a:t>
             </a:fld>
             <a:endParaRPr lang="en-US"/>
           </a:p>
@@ -30652,7 +30652,7 @@
           <a:p>
             <a:fld id="{3CB14515-8DA5-4B82-96E7-E758FF8ACA06}" type="datetimeFigureOut">
               <a:rPr lang="en-US" smtClean="0"/>
-              <a:t>11/22/2022</a:t>
+              <a:t>11/22/22</a:t>
             </a:fld>
             <a:endParaRPr lang="en-US"/>
           </a:p>
@@ -31050,7 +31050,7 @@
           <a:p>
             <a:fld id="{3CB14515-8DA5-4B82-96E7-E758FF8ACA06}" type="datetimeFigureOut">
               <a:rPr lang="en-US" smtClean="0"/>
-              <a:t>11/22/2022</a:t>
+              <a:t>11/22/22</a:t>
             </a:fld>
             <a:endParaRPr lang="en-US"/>
           </a:p>
@@ -31168,7 +31168,7 @@
           <a:p>
             <a:fld id="{3CB14515-8DA5-4B82-96E7-E758FF8ACA06}" type="datetimeFigureOut">
               <a:rPr lang="en-US" smtClean="0"/>
-              <a:t>11/22/2022</a:t>
+              <a:t>11/22/22</a:t>
             </a:fld>
             <a:endParaRPr lang="en-US"/>
           </a:p>
@@ -31263,7 +31263,7 @@
           <a:p>
             <a:fld id="{3CB14515-8DA5-4B82-96E7-E758FF8ACA06}" type="datetimeFigureOut">
               <a:rPr lang="en-US" smtClean="0"/>
-              <a:t>11/22/2022</a:t>
+              <a:t>11/22/22</a:t>
             </a:fld>
             <a:endParaRPr lang="en-US"/>
           </a:p>
@@ -31553,7 +31553,7 @@
           <a:p>
             <a:fld id="{3CB14515-8DA5-4B82-96E7-E758FF8ACA06}" type="datetimeFigureOut">
               <a:rPr lang="en-US" smtClean="0"/>
-              <a:t>11/22/2022</a:t>
+              <a:t>11/22/22</a:t>
             </a:fld>
             <a:endParaRPr lang="en-US"/>
           </a:p>
@@ -31833,7 +31833,7 @@
           <a:p>
             <a:fld id="{3CB14515-8DA5-4B82-96E7-E758FF8ACA06}" type="datetimeFigureOut">
               <a:rPr lang="en-US" smtClean="0"/>
-              <a:t>11/22/2022</a:t>
+              <a:t>11/22/22</a:t>
             </a:fld>
             <a:endParaRPr lang="en-US"/>
           </a:p>
@@ -32083,7 +32083,7 @@
           <a:p>
             <a:fld id="{3CB14515-8DA5-4B82-96E7-E758FF8ACA06}" type="datetimeFigureOut">
               <a:rPr lang="en-US" smtClean="0"/>
-              <a:t>11/22/2022</a:t>
+              <a:t>11/22/22</a:t>
             </a:fld>
             <a:endParaRPr lang="en-US"/>
           </a:p>
@@ -52761,6 +52761,14 @@
 <file path=ppt/slides/slide62.xml><?xml version="1.0" encoding="utf-8"?>
 <p:sld xmlns:a="http://schemas.openxmlformats.org/drawingml/2006/main" xmlns:r="http://schemas.openxmlformats.org/officeDocument/2006/relationships" xmlns:p="http://schemas.openxmlformats.org/presentationml/2006/main">
   <p:cSld>
+    <p:bg>
+      <p:bgPr>
+        <a:solidFill>
+          <a:schemeClr val="bg1"/>
+        </a:solidFill>
+        <a:effectLst/>
+      </p:bgPr>
+    </p:bg>
     <p:spTree>
       <p:nvGrpSpPr>
         <p:cNvPr id="1" name=""/>
@@ -52791,7 +52799,12 @@
             <p:ph type="title"/>
           </p:nvPr>
         </p:nvSpPr>
-        <p:spPr/>
+        <p:spPr>
+          <a:xfrm>
+            <a:off x="1024128" y="585216"/>
+            <a:ext cx="6066818" cy="1499616"/>
+          </a:xfrm>
+        </p:spPr>
         <p:txBody>
           <a:bodyPr>
             <a:normAutofit/>
@@ -52835,9 +52848,16 @@
             <p:ph idx="1"/>
           </p:nvPr>
         </p:nvSpPr>
-        <p:spPr/>
+        <p:spPr>
+          <a:xfrm>
+            <a:off x="1024128" y="2286000"/>
+            <a:ext cx="6066818" cy="4023360"/>
+          </a:xfrm>
+        </p:spPr>
         <p:txBody>
-          <a:bodyPr/>
+          <a:bodyPr>
+            <a:normAutofit/>
+          </a:bodyPr>
           <a:lstStyle/>
           <a:p>
             <a:r>
@@ -52851,30 +52871,14 @@
           </a:p>
           <a:p>
             <a:r>
-              <a:rPr lang="en-US" sz="2400" dirty="0">
-                <a:solidFill>
-                  <a:srgbClr val="FF0000"/>
-                </a:solidFill>
-              </a:rPr>
-              <a:t>Primary bond markets</a:t>
-            </a:r>
-            <a:r>
-              <a:rPr lang="en-US" sz="2400" dirty="0"/>
-              <a:t> are markets in which issuers initially sell bonds to investors to raise capital.</a:t>
-            </a:r>
-          </a:p>
-          <a:p>
-            <a:r>
-              <a:rPr lang="en-US" sz="2400" dirty="0">
-                <a:solidFill>
-                  <a:srgbClr val="FF0000"/>
-                </a:solidFill>
-              </a:rPr>
-              <a:t>Secondary bond markets </a:t>
-            </a:r>
-            <a:r>
-              <a:rPr lang="en-US" sz="2400" dirty="0"/>
-              <a:t>are markets in which existing bonds are subsequently traded among investors.</a:t>
+              <a:rPr lang="en-US" dirty="0"/>
+              <a:t>Primary bond markets are markets in which issuers initially sell bonds to investors to raise capital.</a:t>
+            </a:r>
+          </a:p>
+          <a:p>
+            <a:r>
+              <a:rPr lang="en-US" dirty="0"/>
+              <a:t>Secondary bond markets are markets in which existing bonds are subsequently traded among investors.</a:t>
             </a:r>
           </a:p>
           <a:p>
@@ -52882,6 +52886,35 @@
           </a:p>
         </p:txBody>
       </p:sp>
+      <p:pic>
+        <p:nvPicPr>
+          <p:cNvPr id="5" name="Picture 4" descr="Orange and blue numbers and graphs">
+            <a:extLst>
+              <a:ext uri="{FF2B5EF4-FFF2-40B4-BE49-F238E27FC236}">
+                <a16:creationId xmlns:a16="http://schemas.microsoft.com/office/drawing/2014/main" id="{04D442D3-9394-6AA0-27F3-1E411043F3E4}"/>
+              </a:ext>
+            </a:extLst>
+          </p:cNvPr>
+          <p:cNvPicPr>
+            <a:picLocks noChangeAspect="1"/>
+          </p:cNvPicPr>
+          <p:nvPr/>
+        </p:nvPicPr>
+        <p:blipFill rotWithShape="1">
+          <a:blip r:embed="rId2"/>
+          <a:srcRect l="24554" r="34008" b="1"/>
+          <a:stretch/>
+        </p:blipFill>
+        <p:spPr>
+          <a:xfrm>
+            <a:off x="7552266" y="10"/>
+            <a:ext cx="4639733" cy="6857990"/>
+          </a:xfrm>
+          <a:prstGeom prst="rect">
+            <a:avLst/>
+          </a:prstGeom>
+        </p:spPr>
+      </p:pic>
     </p:spTree>
     <p:extLst>
       <p:ext uri="{BB962C8B-B14F-4D97-AF65-F5344CB8AC3E}">
@@ -52898,6 +52931,14 @@
 <file path=ppt/slides/slide63.xml><?xml version="1.0" encoding="utf-8"?>
 <p:sld xmlns:a="http://schemas.openxmlformats.org/drawingml/2006/main" xmlns:r="http://schemas.openxmlformats.org/officeDocument/2006/relationships" xmlns:p="http://schemas.openxmlformats.org/presentationml/2006/main">
   <p:cSld>
+    <p:bg>
+      <p:bgPr>
+        <a:solidFill>
+          <a:schemeClr val="bg1"/>
+        </a:solidFill>
+        <a:effectLst/>
+      </p:bgPr>
+    </p:bg>
     <p:spTree>
       <p:nvGrpSpPr>
         <p:cNvPr id="1" name=""/>
@@ -52928,7 +52969,12 @@
             <p:ph type="title"/>
           </p:nvPr>
         </p:nvSpPr>
-        <p:spPr/>
+        <p:spPr>
+          <a:xfrm>
+            <a:off x="1024128" y="585216"/>
+            <a:ext cx="8018272" cy="1499616"/>
+          </a:xfrm>
+        </p:spPr>
         <p:txBody>
           <a:bodyPr>
             <a:normAutofit/>
@@ -52972,9 +53018,16 @@
             <p:ph idx="1"/>
           </p:nvPr>
         </p:nvSpPr>
-        <p:spPr/>
+        <p:spPr>
+          <a:xfrm>
+            <a:off x="1024128" y="2286000"/>
+            <a:ext cx="8018271" cy="4023360"/>
+          </a:xfrm>
+        </p:spPr>
         <p:txBody>
-          <a:bodyPr/>
+          <a:bodyPr>
+            <a:normAutofit/>
+          </a:bodyPr>
           <a:lstStyle/>
           <a:p>
             <a:r>
@@ -52988,43 +53041,171 @@
           </a:p>
           <a:p>
             <a:r>
-              <a:rPr lang="en-US" sz="2400" dirty="0"/>
+              <a:rPr lang="en-US" dirty="0"/>
               <a:t>Public offering</a:t>
             </a:r>
           </a:p>
           <a:p>
             <a:pPr lvl="1"/>
             <a:r>
-              <a:rPr lang="en-US" sz="2000" dirty="0"/>
+              <a:rPr lang="en-US" dirty="0"/>
               <a:t>Underwritten offering(firm commitment offering)</a:t>
             </a:r>
           </a:p>
           <a:p>
             <a:pPr lvl="1"/>
             <a:r>
-              <a:rPr lang="en-US" sz="2000" dirty="0"/>
+              <a:rPr lang="en-US" dirty="0"/>
               <a:t>Best-efforts offering</a:t>
             </a:r>
           </a:p>
           <a:p>
             <a:pPr lvl="1"/>
             <a:r>
-              <a:rPr lang="en-US" sz="2000" dirty="0"/>
+              <a:rPr lang="en-US" dirty="0"/>
               <a:t>Shelf registration</a:t>
             </a:r>
           </a:p>
           <a:p>
             <a:pPr lvl="1"/>
             <a:r>
-              <a:rPr lang="en-US" sz="2000" dirty="0"/>
+              <a:rPr lang="en-US" dirty="0"/>
               <a:t>auction</a:t>
             </a:r>
           </a:p>
           <a:p>
             <a:r>
-              <a:rPr lang="en-US" sz="2400" dirty="0"/>
+              <a:rPr lang="en-US" dirty="0"/>
               <a:t>Private placement</a:t>
             </a:r>
+          </a:p>
+        </p:txBody>
+      </p:sp>
+      <p:sp>
+        <p:nvSpPr>
+          <p:cNvPr id="8" name="Rectangle 7">
+            <a:extLst>
+              <a:ext uri="{FF2B5EF4-FFF2-40B4-BE49-F238E27FC236}">
+                <a16:creationId xmlns:a16="http://schemas.microsoft.com/office/drawing/2014/main" id="{77D7B666-D5E6-48CE-B26A-FB5E5C34AF90}"/>
+              </a:ext>
+              <a:ext uri="{C183D7F6-B498-43B3-948B-1728B52AA6E4}">
+                <adec:decorative xmlns:adec="http://schemas.microsoft.com/office/drawing/2017/decorative" val="1"/>
+              </a:ext>
+            </a:extLst>
+          </p:cNvPr>
+          <p:cNvSpPr>
+            <a:spLocks noGrp="1" noRot="1" noChangeAspect="1" noMove="1" noResize="1" noEditPoints="1" noAdjustHandles="1" noChangeArrowheads="1" noChangeShapeType="1" noTextEdit="1"/>
+          </p:cNvSpPr>
+          <p:nvPr>
+            <p:extLst>
+              <p:ext uri="{386F3935-93C4-4BCD-93E2-E3B085C9AB24}">
+                <p16:designElem xmlns:p16="http://schemas.microsoft.com/office/powerpoint/2015/main" val="1"/>
+              </p:ext>
+            </p:extLst>
+          </p:nvPr>
+        </p:nvSpPr>
+        <p:spPr>
+          <a:xfrm>
+            <a:off x="9583348" y="325601"/>
+            <a:ext cx="2286920" cy="3908071"/>
+          </a:xfrm>
+          <a:prstGeom prst="rect">
+            <a:avLst/>
+          </a:prstGeom>
+          <a:solidFill>
+            <a:schemeClr val="accent1"/>
+          </a:solidFill>
+          <a:ln>
+            <a:noFill/>
+          </a:ln>
+        </p:spPr>
+        <p:style>
+          <a:lnRef idx="2">
+            <a:schemeClr val="accent1">
+              <a:shade val="50000"/>
+            </a:schemeClr>
+          </a:lnRef>
+          <a:fillRef idx="1">
+            <a:schemeClr val="accent1"/>
+          </a:fillRef>
+          <a:effectRef idx="0">
+            <a:schemeClr val="accent1"/>
+          </a:effectRef>
+          <a:fontRef idx="minor">
+            <a:schemeClr val="lt1"/>
+          </a:fontRef>
+        </p:style>
+        <p:txBody>
+          <a:bodyPr rtlCol="0" anchor="ctr"/>
+          <a:lstStyle/>
+          <a:p>
+            <a:pPr algn="ctr"/>
+            <a:endParaRPr lang="en-US" dirty="0"/>
+          </a:p>
+        </p:txBody>
+      </p:sp>
+      <p:sp>
+        <p:nvSpPr>
+          <p:cNvPr id="10" name="Rectangle 9">
+            <a:extLst>
+              <a:ext uri="{FF2B5EF4-FFF2-40B4-BE49-F238E27FC236}">
+                <a16:creationId xmlns:a16="http://schemas.microsoft.com/office/drawing/2014/main" id="{F6EE670A-A41A-44AD-BC1C-2090365EB5B3}"/>
+              </a:ext>
+              <a:ext uri="{C183D7F6-B498-43B3-948B-1728B52AA6E4}">
+                <adec:decorative xmlns:adec="http://schemas.microsoft.com/office/drawing/2017/decorative" val="1"/>
+              </a:ext>
+            </a:extLst>
+          </p:cNvPr>
+          <p:cNvSpPr>
+            <a:spLocks noGrp="1" noRot="1" noChangeAspect="1" noMove="1" noResize="1" noEditPoints="1" noAdjustHandles="1" noChangeArrowheads="1" noChangeShapeType="1" noTextEdit="1"/>
+          </p:cNvSpPr>
+          <p:nvPr>
+            <p:extLst>
+              <p:ext uri="{386F3935-93C4-4BCD-93E2-E3B085C9AB24}">
+                <p16:designElem xmlns:p16="http://schemas.microsoft.com/office/powerpoint/2015/main" val="1"/>
+              </p:ext>
+            </p:extLst>
+          </p:nvPr>
+        </p:nvSpPr>
+        <p:spPr>
+          <a:xfrm>
+            <a:off x="9583348" y="4394539"/>
+            <a:ext cx="2286920" cy="2029724"/>
+          </a:xfrm>
+          <a:prstGeom prst="rect">
+            <a:avLst/>
+          </a:prstGeom>
+          <a:solidFill>
+            <a:schemeClr val="tx2">
+              <a:alpha val="80000"/>
+            </a:schemeClr>
+          </a:solidFill>
+          <a:ln>
+            <a:noFill/>
+          </a:ln>
+        </p:spPr>
+        <p:style>
+          <a:lnRef idx="2">
+            <a:schemeClr val="accent1">
+              <a:shade val="50000"/>
+            </a:schemeClr>
+          </a:lnRef>
+          <a:fillRef idx="1">
+            <a:schemeClr val="accent1"/>
+          </a:fillRef>
+          <a:effectRef idx="0">
+            <a:schemeClr val="accent1"/>
+          </a:effectRef>
+          <a:fontRef idx="minor">
+            <a:schemeClr val="lt1"/>
+          </a:fontRef>
+        </p:style>
+        <p:txBody>
+          <a:bodyPr rtlCol="0" anchor="ctr"/>
+          <a:lstStyle/>
+          <a:p>
+            <a:pPr algn="ctr"/>
+            <a:endParaRPr lang="en-US"/>
           </a:p>
         </p:txBody>
       </p:sp>
@@ -53044,6 +53225,14 @@
 <file path=ppt/slides/slide64.xml><?xml version="1.0" encoding="utf-8"?>
 <p:sld xmlns:a="http://schemas.openxmlformats.org/drawingml/2006/main" xmlns:r="http://schemas.openxmlformats.org/officeDocument/2006/relationships" xmlns:p="http://schemas.openxmlformats.org/presentationml/2006/main">
   <p:cSld>
+    <p:bg>
+      <p:bgPr>
+        <a:solidFill>
+          <a:schemeClr val="bg1"/>
+        </a:solidFill>
+        <a:effectLst/>
+      </p:bgPr>
+    </p:bg>
     <p:spTree>
       <p:nvGrpSpPr>
         <p:cNvPr id="1" name=""/>
@@ -53074,7 +53263,12 @@
             <p:ph type="title"/>
           </p:nvPr>
         </p:nvSpPr>
-        <p:spPr/>
+        <p:spPr>
+          <a:xfrm>
+            <a:off x="1024128" y="585216"/>
+            <a:ext cx="8018272" cy="1499616"/>
+          </a:xfrm>
+        </p:spPr>
         <p:txBody>
           <a:bodyPr>
             <a:normAutofit/>
@@ -53118,9 +53312,16 @@
             <p:ph idx="1"/>
           </p:nvPr>
         </p:nvSpPr>
-        <p:spPr/>
+        <p:spPr>
+          <a:xfrm>
+            <a:off x="1024128" y="2286000"/>
+            <a:ext cx="8018271" cy="4023360"/>
+          </a:xfrm>
+        </p:spPr>
         <p:txBody>
-          <a:bodyPr/>
+          <a:bodyPr>
+            <a:normAutofit/>
+          </a:bodyPr>
           <a:lstStyle/>
           <a:p>
             <a:r>
@@ -53134,25 +53335,29 @@
           </a:p>
           <a:p>
             <a:r>
-              <a:rPr lang="en-US" sz="2400" dirty="0"/>
+              <a:rPr lang="en-US" dirty="0"/>
               <a:t>The public auction process used in the United States is a </a:t>
             </a:r>
             <a:r>
-              <a:rPr lang="en-US" sz="2400" dirty="0">
+              <a:rPr lang="en-US" dirty="0">
                 <a:solidFill>
                   <a:srgbClr val="FF0000"/>
                 </a:solidFill>
               </a:rPr>
-              <a:t>single-price auction </a:t>
-            </a:r>
-            <a:r>
-              <a:rPr lang="en-US" sz="2400" dirty="0"/>
-              <a:t>through which all the winning bidders pay the same price and receive the same coupon rate for the bonds.</a:t>
-            </a:r>
-          </a:p>
-          <a:p>
-            <a:r>
-              <a:rPr lang="en-US" sz="2400" dirty="0">
+              <a:t>single-price</a:t>
+            </a:r>
+            <a:r>
+              <a:rPr lang="en-US" dirty="0"/>
+              <a:t> auction through which all the winning bidders pay the same price and receive the same coupon rate for the bonds.</a:t>
+            </a:r>
+          </a:p>
+          <a:p>
+            <a:pPr>
+              <a:buFont typeface="Wingdings" pitchFamily="2" charset="2"/>
+              <a:buChar char="n"/>
+            </a:pPr>
+            <a:r>
+              <a:rPr lang="en-US" dirty="0">
                 <a:solidFill>
                   <a:srgbClr val="FF0000"/>
                 </a:solidFill>
@@ -53161,8 +53366,12 @@
             </a:r>
           </a:p>
           <a:p>
-            <a:r>
-              <a:rPr lang="en-US" sz="2400" dirty="0">
+            <a:pPr>
+              <a:buFont typeface="Wingdings" pitchFamily="2" charset="2"/>
+              <a:buChar char="n"/>
+            </a:pPr>
+            <a:r>
+              <a:rPr lang="en-US" dirty="0">
                 <a:solidFill>
                   <a:srgbClr val="FF0000"/>
                 </a:solidFill>
@@ -53172,11 +53381,11 @@
           </a:p>
           <a:p>
             <a:r>
-              <a:rPr lang="en-US" sz="2400" dirty="0"/>
+              <a:rPr lang="en-US" dirty="0"/>
               <a:t>Most US Treasury securities are bought at auction by </a:t>
             </a:r>
             <a:r>
-              <a:rPr lang="en-US" sz="2400" dirty="0">
+              <a:rPr lang="en-US" dirty="0">
                 <a:solidFill>
                   <a:srgbClr val="FF0000"/>
                 </a:solidFill>
@@ -53184,9 +53393,137 @@
               <a:t>primary dealers</a:t>
             </a:r>
             <a:r>
-              <a:rPr lang="en-US" sz="2400" dirty="0"/>
+              <a:rPr lang="en-US" dirty="0"/>
               <a:t>.</a:t>
             </a:r>
+          </a:p>
+        </p:txBody>
+      </p:sp>
+      <p:sp>
+        <p:nvSpPr>
+          <p:cNvPr id="8" name="Rectangle 7">
+            <a:extLst>
+              <a:ext uri="{FF2B5EF4-FFF2-40B4-BE49-F238E27FC236}">
+                <a16:creationId xmlns:a16="http://schemas.microsoft.com/office/drawing/2014/main" id="{77D7B666-D5E6-48CE-B26A-FB5E5C34AF90}"/>
+              </a:ext>
+              <a:ext uri="{C183D7F6-B498-43B3-948B-1728B52AA6E4}">
+                <adec:decorative xmlns:adec="http://schemas.microsoft.com/office/drawing/2017/decorative" val="1"/>
+              </a:ext>
+            </a:extLst>
+          </p:cNvPr>
+          <p:cNvSpPr>
+            <a:spLocks noGrp="1" noRot="1" noChangeAspect="1" noMove="1" noResize="1" noEditPoints="1" noAdjustHandles="1" noChangeArrowheads="1" noChangeShapeType="1" noTextEdit="1"/>
+          </p:cNvSpPr>
+          <p:nvPr>
+            <p:extLst>
+              <p:ext uri="{386F3935-93C4-4BCD-93E2-E3B085C9AB24}">
+                <p16:designElem xmlns:p16="http://schemas.microsoft.com/office/powerpoint/2015/main" val="1"/>
+              </p:ext>
+            </p:extLst>
+          </p:nvPr>
+        </p:nvSpPr>
+        <p:spPr>
+          <a:xfrm>
+            <a:off x="9583348" y="325601"/>
+            <a:ext cx="2286920" cy="3908071"/>
+          </a:xfrm>
+          <a:prstGeom prst="rect">
+            <a:avLst/>
+          </a:prstGeom>
+          <a:solidFill>
+            <a:schemeClr val="accent1"/>
+          </a:solidFill>
+          <a:ln>
+            <a:noFill/>
+          </a:ln>
+        </p:spPr>
+        <p:style>
+          <a:lnRef idx="2">
+            <a:schemeClr val="accent1">
+              <a:shade val="50000"/>
+            </a:schemeClr>
+          </a:lnRef>
+          <a:fillRef idx="1">
+            <a:schemeClr val="accent1"/>
+          </a:fillRef>
+          <a:effectRef idx="0">
+            <a:schemeClr val="accent1"/>
+          </a:effectRef>
+          <a:fontRef idx="minor">
+            <a:schemeClr val="lt1"/>
+          </a:fontRef>
+        </p:style>
+        <p:txBody>
+          <a:bodyPr rtlCol="0" anchor="ctr"/>
+          <a:lstStyle/>
+          <a:p>
+            <a:pPr algn="ctr"/>
+            <a:endParaRPr lang="en-US" dirty="0"/>
+          </a:p>
+        </p:txBody>
+      </p:sp>
+      <p:sp>
+        <p:nvSpPr>
+          <p:cNvPr id="10" name="Rectangle 9">
+            <a:extLst>
+              <a:ext uri="{FF2B5EF4-FFF2-40B4-BE49-F238E27FC236}">
+                <a16:creationId xmlns:a16="http://schemas.microsoft.com/office/drawing/2014/main" id="{F6EE670A-A41A-44AD-BC1C-2090365EB5B3}"/>
+              </a:ext>
+              <a:ext uri="{C183D7F6-B498-43B3-948B-1728B52AA6E4}">
+                <adec:decorative xmlns:adec="http://schemas.microsoft.com/office/drawing/2017/decorative" val="1"/>
+              </a:ext>
+            </a:extLst>
+          </p:cNvPr>
+          <p:cNvSpPr>
+            <a:spLocks noGrp="1" noRot="1" noChangeAspect="1" noMove="1" noResize="1" noEditPoints="1" noAdjustHandles="1" noChangeArrowheads="1" noChangeShapeType="1" noTextEdit="1"/>
+          </p:cNvSpPr>
+          <p:nvPr>
+            <p:extLst>
+              <p:ext uri="{386F3935-93C4-4BCD-93E2-E3B085C9AB24}">
+                <p16:designElem xmlns:p16="http://schemas.microsoft.com/office/powerpoint/2015/main" val="1"/>
+              </p:ext>
+            </p:extLst>
+          </p:nvPr>
+        </p:nvSpPr>
+        <p:spPr>
+          <a:xfrm>
+            <a:off x="9583348" y="4394539"/>
+            <a:ext cx="2286920" cy="2029724"/>
+          </a:xfrm>
+          <a:prstGeom prst="rect">
+            <a:avLst/>
+          </a:prstGeom>
+          <a:solidFill>
+            <a:schemeClr val="tx2">
+              <a:alpha val="80000"/>
+            </a:schemeClr>
+          </a:solidFill>
+          <a:ln>
+            <a:noFill/>
+          </a:ln>
+        </p:spPr>
+        <p:style>
+          <a:lnRef idx="2">
+            <a:schemeClr val="accent1">
+              <a:shade val="50000"/>
+            </a:schemeClr>
+          </a:lnRef>
+          <a:fillRef idx="1">
+            <a:schemeClr val="accent1"/>
+          </a:fillRef>
+          <a:effectRef idx="0">
+            <a:schemeClr val="accent1"/>
+          </a:effectRef>
+          <a:fontRef idx="minor">
+            <a:schemeClr val="lt1"/>
+          </a:fontRef>
+        </p:style>
+        <p:txBody>
+          <a:bodyPr rtlCol="0" anchor="ctr"/>
+          <a:lstStyle/>
+          <a:p>
+            <a:pPr algn="ctr"/>
+            <a:endParaRPr lang="en-US"/>
           </a:p>
         </p:txBody>
       </p:sp>
@@ -53631,6 +53968,14 @@
 <file path=ppt/slides/slide66.xml><?xml version="1.0" encoding="utf-8"?>
 <p:sld xmlns:a="http://schemas.openxmlformats.org/drawingml/2006/main" xmlns:r="http://schemas.openxmlformats.org/officeDocument/2006/relationships" xmlns:p="http://schemas.openxmlformats.org/presentationml/2006/main">
   <p:cSld>
+    <p:bg>
+      <p:bgPr>
+        <a:solidFill>
+          <a:schemeClr val="bg1"/>
+        </a:solidFill>
+        <a:effectLst/>
+      </p:bgPr>
+    </p:bg>
     <p:spTree>
       <p:nvGrpSpPr>
         <p:cNvPr id="1" name=""/>
@@ -53661,7 +54006,12 @@
             <p:ph type="title"/>
           </p:nvPr>
         </p:nvSpPr>
-        <p:spPr/>
+        <p:spPr>
+          <a:xfrm>
+            <a:off x="1024128" y="585216"/>
+            <a:ext cx="8018272" cy="1499616"/>
+          </a:xfrm>
+        </p:spPr>
         <p:txBody>
           <a:bodyPr>
             <a:normAutofit/>
@@ -53705,7 +54055,12 @@
             <p:ph idx="1"/>
           </p:nvPr>
         </p:nvSpPr>
-        <p:spPr/>
+        <p:spPr>
+          <a:xfrm>
+            <a:off x="1024128" y="2286000"/>
+            <a:ext cx="8018271" cy="4023360"/>
+          </a:xfrm>
+        </p:spPr>
         <p:txBody>
           <a:bodyPr>
             <a:normAutofit/>
@@ -53723,35 +54078,23 @@
           </a:p>
           <a:p>
             <a:r>
-              <a:rPr lang="en-US" sz="2000" dirty="0"/>
+              <a:rPr lang="en-US" dirty="0"/>
               <a:t>There are three main ways for secondary markets to be structured: as an </a:t>
             </a:r>
             <a:r>
-              <a:rPr lang="en-US" sz="2000" dirty="0">
+              <a:rPr lang="en-US" dirty="0">
                 <a:solidFill>
                   <a:srgbClr val="FF0000"/>
                 </a:solidFill>
               </a:rPr>
-              <a:t>organized</a:t>
-            </a:r>
-            <a:r>
-              <a:rPr lang="en-US" sz="2000" dirty="0"/>
-              <a:t> </a:t>
-            </a:r>
-            <a:r>
-              <a:rPr lang="en-US" sz="2000" dirty="0">
-                <a:solidFill>
-                  <a:srgbClr val="FF0000"/>
-                </a:solidFill>
-              </a:rPr>
-              <a:t>exchange</a:t>
-            </a:r>
-            <a:r>
-              <a:rPr lang="en-US" sz="2000" dirty="0"/>
+              <a:t>organized exchange</a:t>
+            </a:r>
+            <a:r>
+              <a:rPr lang="en-US" dirty="0"/>
               <a:t>, as an </a:t>
             </a:r>
             <a:r>
-              <a:rPr lang="en-US" sz="2000" dirty="0">
+              <a:rPr lang="en-US" dirty="0">
                 <a:solidFill>
                   <a:srgbClr val="FF0000"/>
                 </a:solidFill>
@@ -53759,56 +54102,172 @@
               <a:t>over-the-counter market</a:t>
             </a:r>
             <a:r>
-              <a:rPr lang="en-US" sz="2000" dirty="0"/>
+              <a:rPr lang="en-US" dirty="0"/>
               <a:t>, or as a </a:t>
             </a:r>
             <a:r>
-              <a:rPr lang="en-US" sz="2000" dirty="0">
+              <a:rPr lang="en-US" dirty="0">
                 <a:solidFill>
                   <a:srgbClr val="FF0000"/>
                 </a:solidFill>
               </a:rPr>
-              <a:t>bond tender offer</a:t>
-            </a:r>
-            <a:r>
-              <a:rPr lang="en-US" sz="2000" dirty="0"/>
-              <a:t>.</a:t>
-            </a:r>
-          </a:p>
-          <a:p>
-            <a:r>
-              <a:rPr lang="en-US" sz="2000" dirty="0"/>
-              <a:t>In a liquid market, trading takes place quickly at prices close to the security’s fair market value. A key indicator and measurement of liquidity is the </a:t>
-            </a:r>
-            <a:r>
-              <a:rPr lang="en-US" sz="2000" dirty="0">
+              <a:t>bond tender offer.</a:t>
+            </a:r>
+          </a:p>
+          <a:p>
+            <a:r>
+              <a:rPr lang="en-US" dirty="0"/>
+              <a:t>In a liquid market, trading takes place quickly at prices close to the security’s fair market value. A key indicator and measurement of liquidity is the bid–offer spread or </a:t>
+            </a:r>
+            <a:r>
+              <a:rPr lang="en-US" dirty="0">
                 <a:solidFill>
                   <a:srgbClr val="FF0000"/>
                 </a:solidFill>
               </a:rPr>
-              <a:t>bid–offer spread </a:t>
-            </a:r>
-            <a:r>
-              <a:rPr lang="en-US" sz="2000" dirty="0"/>
-              <a:t>or </a:t>
-            </a:r>
-            <a:r>
-              <a:rPr lang="en-US" sz="2000" dirty="0">
-                <a:solidFill>
-                  <a:srgbClr val="FF0000"/>
-                </a:solidFill>
-              </a:rPr>
-              <a:t>bid–ask spread.</a:t>
-            </a:r>
-          </a:p>
-          <a:p>
-            <a:r>
-              <a:rPr lang="en-US" sz="2000" dirty="0"/>
+              <a:t>bid–ask spread</a:t>
+            </a:r>
+            <a:r>
+              <a:rPr lang="en-US" dirty="0"/>
+              <a:t>.</a:t>
+            </a:r>
+          </a:p>
+          <a:p>
+            <a:r>
+              <a:rPr lang="en-US" dirty="0"/>
               <a:t>Secondary market settlement for government and quasi-government bonds typically takes place either on a cash basis or on a T + 1 basis. Corporate bonds usually settle on a T + 2 or T + 3 basis.</a:t>
             </a:r>
           </a:p>
           <a:p>
             <a:endParaRPr lang="en-US" dirty="0"/>
+          </a:p>
+        </p:txBody>
+      </p:sp>
+      <p:sp>
+        <p:nvSpPr>
+          <p:cNvPr id="8" name="Rectangle 7">
+            <a:extLst>
+              <a:ext uri="{FF2B5EF4-FFF2-40B4-BE49-F238E27FC236}">
+                <a16:creationId xmlns:a16="http://schemas.microsoft.com/office/drawing/2014/main" id="{77D7B666-D5E6-48CE-B26A-FB5E5C34AF90}"/>
+              </a:ext>
+              <a:ext uri="{C183D7F6-B498-43B3-948B-1728B52AA6E4}">
+                <adec:decorative xmlns:adec="http://schemas.microsoft.com/office/drawing/2017/decorative" val="1"/>
+              </a:ext>
+            </a:extLst>
+          </p:cNvPr>
+          <p:cNvSpPr>
+            <a:spLocks noGrp="1" noRot="1" noChangeAspect="1" noMove="1" noResize="1" noEditPoints="1" noAdjustHandles="1" noChangeArrowheads="1" noChangeShapeType="1" noTextEdit="1"/>
+          </p:cNvSpPr>
+          <p:nvPr>
+            <p:extLst>
+              <p:ext uri="{386F3935-93C4-4BCD-93E2-E3B085C9AB24}">
+                <p16:designElem xmlns:p16="http://schemas.microsoft.com/office/powerpoint/2015/main" val="1"/>
+              </p:ext>
+            </p:extLst>
+          </p:nvPr>
+        </p:nvSpPr>
+        <p:spPr>
+          <a:xfrm>
+            <a:off x="9583348" y="325601"/>
+            <a:ext cx="2286920" cy="3908071"/>
+          </a:xfrm>
+          <a:prstGeom prst="rect">
+            <a:avLst/>
+          </a:prstGeom>
+          <a:solidFill>
+            <a:schemeClr val="accent1"/>
+          </a:solidFill>
+          <a:ln>
+            <a:noFill/>
+          </a:ln>
+        </p:spPr>
+        <p:style>
+          <a:lnRef idx="2">
+            <a:schemeClr val="accent1">
+              <a:shade val="50000"/>
+            </a:schemeClr>
+          </a:lnRef>
+          <a:fillRef idx="1">
+            <a:schemeClr val="accent1"/>
+          </a:fillRef>
+          <a:effectRef idx="0">
+            <a:schemeClr val="accent1"/>
+          </a:effectRef>
+          <a:fontRef idx="minor">
+            <a:schemeClr val="lt1"/>
+          </a:fontRef>
+        </p:style>
+        <p:txBody>
+          <a:bodyPr rtlCol="0" anchor="ctr"/>
+          <a:lstStyle/>
+          <a:p>
+            <a:pPr algn="ctr"/>
+            <a:endParaRPr lang="en-US" dirty="0"/>
+          </a:p>
+        </p:txBody>
+      </p:sp>
+      <p:sp>
+        <p:nvSpPr>
+          <p:cNvPr id="10" name="Rectangle 9">
+            <a:extLst>
+              <a:ext uri="{FF2B5EF4-FFF2-40B4-BE49-F238E27FC236}">
+                <a16:creationId xmlns:a16="http://schemas.microsoft.com/office/drawing/2014/main" id="{F6EE670A-A41A-44AD-BC1C-2090365EB5B3}"/>
+              </a:ext>
+              <a:ext uri="{C183D7F6-B498-43B3-948B-1728B52AA6E4}">
+                <adec:decorative xmlns:adec="http://schemas.microsoft.com/office/drawing/2017/decorative" val="1"/>
+              </a:ext>
+            </a:extLst>
+          </p:cNvPr>
+          <p:cNvSpPr>
+            <a:spLocks noGrp="1" noRot="1" noChangeAspect="1" noMove="1" noResize="1" noEditPoints="1" noAdjustHandles="1" noChangeArrowheads="1" noChangeShapeType="1" noTextEdit="1"/>
+          </p:cNvSpPr>
+          <p:nvPr>
+            <p:extLst>
+              <p:ext uri="{386F3935-93C4-4BCD-93E2-E3B085C9AB24}">
+                <p16:designElem xmlns:p16="http://schemas.microsoft.com/office/powerpoint/2015/main" val="1"/>
+              </p:ext>
+            </p:extLst>
+          </p:nvPr>
+        </p:nvSpPr>
+        <p:spPr>
+          <a:xfrm>
+            <a:off x="9583348" y="4394539"/>
+            <a:ext cx="2286920" cy="2029724"/>
+          </a:xfrm>
+          <a:prstGeom prst="rect">
+            <a:avLst/>
+          </a:prstGeom>
+          <a:solidFill>
+            <a:schemeClr val="tx2">
+              <a:alpha val="80000"/>
+            </a:schemeClr>
+          </a:solidFill>
+          <a:ln>
+            <a:noFill/>
+          </a:ln>
+        </p:spPr>
+        <p:style>
+          <a:lnRef idx="2">
+            <a:schemeClr val="accent1">
+              <a:shade val="50000"/>
+            </a:schemeClr>
+          </a:lnRef>
+          <a:fillRef idx="1">
+            <a:schemeClr val="accent1"/>
+          </a:fillRef>
+          <a:effectRef idx="0">
+            <a:schemeClr val="accent1"/>
+          </a:effectRef>
+          <a:fontRef idx="minor">
+            <a:schemeClr val="lt1"/>
+          </a:fontRef>
+        </p:style>
+        <p:txBody>
+          <a:bodyPr rtlCol="0" anchor="ctr"/>
+          <a:lstStyle/>
+          <a:p>
+            <a:pPr algn="ctr"/>
+            <a:endParaRPr lang="en-US"/>
           </a:p>
         </p:txBody>
       </p:sp>
@@ -53828,6 +54287,14 @@
 <file path=ppt/slides/slide67.xml><?xml version="1.0" encoding="utf-8"?>
 <p:sld xmlns:a="http://schemas.openxmlformats.org/drawingml/2006/main" xmlns:r="http://schemas.openxmlformats.org/officeDocument/2006/relationships" xmlns:p="http://schemas.openxmlformats.org/presentationml/2006/main">
   <p:cSld>
+    <p:bg>
+      <p:bgPr>
+        <a:solidFill>
+          <a:schemeClr val="bg1"/>
+        </a:solidFill>
+        <a:effectLst/>
+      </p:bgPr>
+    </p:bg>
     <p:spTree>
       <p:nvGrpSpPr>
         <p:cNvPr id="1" name=""/>
@@ -53858,15 +54325,23 @@
             <p:ph type="title"/>
           </p:nvPr>
         </p:nvSpPr>
-        <p:spPr/>
+        <p:spPr>
+          <a:xfrm>
+            <a:off x="1024128" y="585216"/>
+            <a:ext cx="6066818" cy="1499616"/>
+          </a:xfrm>
+        </p:spPr>
         <p:txBody>
-          <a:bodyPr/>
+          <a:bodyPr>
+            <a:normAutofit/>
+          </a:bodyPr>
           <a:lstStyle/>
           <a:p>
             <a:r>
-              <a:rPr lang="en-US" dirty="0"/>
+              <a:rPr lang="en-US"/>
               <a:t>practices</a:t>
             </a:r>
+            <a:endParaRPr lang="en-US" dirty="0"/>
           </a:p>
         </p:txBody>
       </p:sp>
@@ -53886,15 +54361,20 @@
             <p:ph idx="1"/>
           </p:nvPr>
         </p:nvSpPr>
-        <p:spPr/>
+        <p:spPr>
+          <a:xfrm>
+            <a:off x="1024128" y="2286000"/>
+            <a:ext cx="6066818" cy="4023360"/>
+          </a:xfrm>
+        </p:spPr>
         <p:txBody>
           <a:bodyPr>
-            <a:normAutofit lnSpcReduction="10000"/>
+            <a:normAutofit/>
           </a:bodyPr>
           <a:lstStyle/>
           <a:p>
             <a:r>
-              <a:rPr lang="en-US" dirty="0"/>
+              <a:rPr lang="en-US" sz="1500"/>
               <a:t>In a single-price bond auction, an investor who places a competitive bid and specifies a rate that is above the rate determined at auction will most likely:</a:t>
             </a:r>
           </a:p>
@@ -53904,7 +54384,7 @@
               <a:buAutoNum type="alphaUcPeriod"/>
             </a:pPr>
             <a:r>
-              <a:rPr lang="en-US" b="1" dirty="0"/>
+              <a:rPr lang="en-US" sz="1500" b="1"/>
               <a:t>not receive any bonds.</a:t>
             </a:r>
           </a:p>
@@ -53914,7 +54394,7 @@
               <a:buAutoNum type="alphaUcPeriod"/>
             </a:pPr>
             <a:r>
-              <a:rPr lang="en-US" b="1" dirty="0"/>
+              <a:rPr lang="en-US" sz="1500" b="1"/>
               <a:t>receive the bonds at the rate determined at auction.</a:t>
             </a:r>
           </a:p>
@@ -53924,13 +54404,13 @@
               <a:buAutoNum type="alphaUcPeriod"/>
             </a:pPr>
             <a:r>
-              <a:rPr lang="en-US" b="1" dirty="0"/>
+              <a:rPr lang="en-US" sz="1500" b="1"/>
               <a:t>receive the bonds at the rate specified in the investor’s competitive bid.</a:t>
             </a:r>
           </a:p>
           <a:p>
             <a:r>
-              <a:rPr lang="en-US" dirty="0"/>
+              <a:rPr lang="en-US" sz="1500"/>
               <a:t>A bond purchased in a secondary market is most likely purchased from:</a:t>
             </a:r>
           </a:p>
@@ -53940,7 +54420,7 @@
               <a:buAutoNum type="alphaUcPeriod"/>
             </a:pPr>
             <a:r>
-              <a:rPr lang="en-US" b="1" dirty="0"/>
+              <a:rPr lang="en-US" sz="1500" b="1"/>
               <a:t>the bond’s issuer.</a:t>
             </a:r>
           </a:p>
@@ -53950,7 +54430,7 @@
               <a:buAutoNum type="alphaUcPeriod"/>
             </a:pPr>
             <a:r>
-              <a:rPr lang="en-US" b="1" dirty="0"/>
+              <a:rPr lang="en-US" sz="1500" b="1"/>
               <a:t>the bond’s lead underwriter.</a:t>
             </a:r>
           </a:p>
@@ -53960,12 +54440,41 @@
               <a:buAutoNum type="alphaUcPeriod"/>
             </a:pPr>
             <a:r>
-              <a:rPr lang="en-US" b="1" dirty="0"/>
+              <a:rPr lang="en-US" sz="1500" b="1"/>
               <a:t>another investor in the bond.</a:t>
             </a:r>
           </a:p>
         </p:txBody>
       </p:sp>
+      <p:pic>
+        <p:nvPicPr>
+          <p:cNvPr id="13" name="Picture 4" descr="Calculator, pen, compass, money and a paper with graphs printed on it">
+            <a:extLst>
+              <a:ext uri="{FF2B5EF4-FFF2-40B4-BE49-F238E27FC236}">
+                <a16:creationId xmlns:a16="http://schemas.microsoft.com/office/drawing/2014/main" id="{9F10E344-BFB3-C942-EDA9-E60A7DDD4BDC}"/>
+              </a:ext>
+            </a:extLst>
+          </p:cNvPr>
+          <p:cNvPicPr>
+            <a:picLocks noChangeAspect="1"/>
+          </p:cNvPicPr>
+          <p:nvPr/>
+        </p:nvPicPr>
+        <p:blipFill rotWithShape="1">
+          <a:blip r:embed="rId2"/>
+          <a:srcRect l="31730" r="27507" b="-1"/>
+          <a:stretch/>
+        </p:blipFill>
+        <p:spPr>
+          <a:xfrm>
+            <a:off x="7552266" y="10"/>
+            <a:ext cx="4639733" cy="6857990"/>
+          </a:xfrm>
+          <a:prstGeom prst="rect">
+            <a:avLst/>
+          </a:prstGeom>
+        </p:spPr>
+      </p:pic>
     </p:spTree>
     <p:extLst>
       <p:ext uri="{BB962C8B-B14F-4D97-AF65-F5344CB8AC3E}">

--- a/Fixed Income.pptx
+++ b/Fixed Income.pptx
@@ -5,7 +5,7 @@
     <p:sldMasterId id="2147483660" r:id="rId1"/>
   </p:sldMasterIdLst>
   <p:notesMasterIdLst>
-    <p:notesMasterId r:id="rId69"/>
+    <p:notesMasterId r:id="rId75"/>
   </p:notesMasterIdLst>
   <p:sldIdLst>
     <p:sldId id="265" r:id="rId2"/>
@@ -75,6 +75,12 @@
     <p:sldId id="325" r:id="rId66"/>
     <p:sldId id="326" r:id="rId67"/>
     <p:sldId id="327" r:id="rId68"/>
+    <p:sldId id="328" r:id="rId69"/>
+    <p:sldId id="329" r:id="rId70"/>
+    <p:sldId id="330" r:id="rId71"/>
+    <p:sldId id="331" r:id="rId72"/>
+    <p:sldId id="332" r:id="rId73"/>
+    <p:sldId id="333" r:id="rId74"/>
   </p:sldIdLst>
   <p:sldSz cx="12192000" cy="6858000"/>
   <p:notesSz cx="6858000" cy="9144000"/>
@@ -3923,8 +3929,8 @@
     <dgm:cxn modelId="{AF33C521-71B0-4B68-A042-D5C4BD05A724}" srcId="{E418CFBD-CBB0-47D4-90EA-7C86E66E0301}" destId="{B4A4CC78-25E8-4AC4-B6C7-FEF8A2ACA6AA}" srcOrd="0" destOrd="0" parTransId="{85016B60-CA97-4D4D-A9E2-806B7E6A6D86}" sibTransId="{849FA569-BFE8-4BE4-8A3A-A15102DEE95C}"/>
     <dgm:cxn modelId="{F6B99A3C-9076-364A-879D-12713B74FC7C}" type="presOf" srcId="{285DEE00-3466-4A02-B97F-7B091B7A1EBA}" destId="{4E2EE375-77E8-344D-8FE3-6D408976901F}" srcOrd="0" destOrd="2" presId="urn:microsoft.com/office/officeart/2005/8/layout/vList2"/>
     <dgm:cxn modelId="{D85F8B50-D075-1442-9DF8-1563FD94E531}" type="presOf" srcId="{53EC224F-F0B0-410D-96A8-6BA533D08D48}" destId="{6E81FE26-0174-494F-A8AC-03518D01DF5A}" srcOrd="0" destOrd="2" presId="urn:microsoft.com/office/officeart/2005/8/layout/vList2"/>
+    <dgm:cxn modelId="{6C296F77-763A-1B49-8F08-91BDF5A82BE2}" type="presOf" srcId="{E418CFBD-CBB0-47D4-90EA-7C86E66E0301}" destId="{CD36D044-47F6-BA4C-B7C5-E9DB54309CE0}" srcOrd="0" destOrd="0" presId="urn:microsoft.com/office/officeart/2005/8/layout/vList2"/>
     <dgm:cxn modelId="{3D0EFB57-CF8C-5744-A774-55319E05AA6E}" type="presOf" srcId="{5BA6EAC7-5FD8-4F9E-BFE8-CEDE7CEDDF86}" destId="{4E2EE375-77E8-344D-8FE3-6D408976901F}" srcOrd="0" destOrd="0" presId="urn:microsoft.com/office/officeart/2005/8/layout/vList2"/>
-    <dgm:cxn modelId="{6C296F77-763A-1B49-8F08-91BDF5A82BE2}" type="presOf" srcId="{E418CFBD-CBB0-47D4-90EA-7C86E66E0301}" destId="{CD36D044-47F6-BA4C-B7C5-E9DB54309CE0}" srcOrd="0" destOrd="0" presId="urn:microsoft.com/office/officeart/2005/8/layout/vList2"/>
     <dgm:cxn modelId="{6ED6F37E-7BEF-8D4E-AF20-2B418631C184}" type="presOf" srcId="{12E8DCDE-129C-4875-BF61-2B214BB7B4DE}" destId="{BC7A51D8-329D-4148-A3CC-5E08CD64BDFD}" srcOrd="0" destOrd="0" presId="urn:microsoft.com/office/officeart/2005/8/layout/vList2"/>
     <dgm:cxn modelId="{59947886-8799-40C6-8A4C-8031E410CA52}" srcId="{B4A4CC78-25E8-4AC4-B6C7-FEF8A2ACA6AA}" destId="{E79D3704-2259-4A45-9208-E7E3B168D5A5}" srcOrd="0" destOrd="0" parTransId="{4878388E-DB59-439F-B6F3-5C85431A665D}" sibTransId="{19B403D0-6920-4A61-AAA1-3D5A9D371B3E}"/>
     <dgm:cxn modelId="{754BA58A-DFAF-FD40-8071-91502A0354A9}" type="presOf" srcId="{8485117E-84FB-4AC0-84B3-D99A21D09A23}" destId="{4E2EE375-77E8-344D-8FE3-6D408976901F}" srcOrd="0" destOrd="1" presId="urn:microsoft.com/office/officeart/2005/8/layout/vList2"/>
@@ -10904,7 +10910,7 @@
           <a:p>
             <a:fld id="{9ADA5B36-BD01-47CD-B491-940693B77A9A}" type="datetimeFigureOut">
               <a:rPr lang="en-US" smtClean="0"/>
-              <a:t>11/22/22</a:t>
+              <a:t>11/30/2022</a:t>
             </a:fld>
             <a:endParaRPr lang="en-US"/>
           </a:p>
@@ -11423,6 +11429,258 @@
 </p:notes>
 </file>
 
+<file path=ppt/notesSlides/notesSlide12.xml><?xml version="1.0" encoding="utf-8"?>
+<p:notes xmlns:a="http://schemas.openxmlformats.org/drawingml/2006/main" xmlns:r="http://schemas.openxmlformats.org/officeDocument/2006/relationships" xmlns:p="http://schemas.openxmlformats.org/presentationml/2006/main">
+  <p:cSld>
+    <p:spTree>
+      <p:nvGrpSpPr>
+        <p:cNvPr id="1" name=""/>
+        <p:cNvGrpSpPr/>
+        <p:nvPr/>
+      </p:nvGrpSpPr>
+      <p:grpSpPr>
+        <a:xfrm>
+          <a:off x="0" y="0"/>
+          <a:ext cx="0" cy="0"/>
+          <a:chOff x="0" y="0"/>
+          <a:chExt cx="0" cy="0"/>
+        </a:xfrm>
+      </p:grpSpPr>
+      <p:sp>
+        <p:nvSpPr>
+          <p:cNvPr id="2" name="Slide Image Placeholder 1"/>
+          <p:cNvSpPr>
+            <a:spLocks noGrp="1" noRot="1" noChangeAspect="1"/>
+          </p:cNvSpPr>
+          <p:nvPr>
+            <p:ph type="sldImg"/>
+          </p:nvPr>
+        </p:nvSpPr>
+        <p:spPr/>
+      </p:sp>
+      <p:sp>
+        <p:nvSpPr>
+          <p:cNvPr id="3" name="Notes Placeholder 2"/>
+          <p:cNvSpPr>
+            <a:spLocks noGrp="1"/>
+          </p:cNvSpPr>
+          <p:nvPr>
+            <p:ph type="body" idx="1"/>
+          </p:nvPr>
+        </p:nvSpPr>
+        <p:spPr/>
+        <p:txBody>
+          <a:bodyPr/>
+          <a:lstStyle/>
+          <a:p>
+            <a:endParaRPr lang="en-US" dirty="0"/>
+          </a:p>
+        </p:txBody>
+      </p:sp>
+      <p:sp>
+        <p:nvSpPr>
+          <p:cNvPr id="4" name="Slide Number Placeholder 3"/>
+          <p:cNvSpPr>
+            <a:spLocks noGrp="1"/>
+          </p:cNvSpPr>
+          <p:nvPr>
+            <p:ph type="sldNum" sz="quarter" idx="5"/>
+          </p:nvPr>
+        </p:nvSpPr>
+        <p:spPr/>
+        <p:txBody>
+          <a:bodyPr/>
+          <a:lstStyle/>
+          <a:p>
+            <a:fld id="{E3B866C1-D4D8-42C4-BACA-D1CCAC4472DF}" type="slidenum">
+              <a:rPr lang="en-US" smtClean="0"/>
+              <a:t>70</a:t>
+            </a:fld>
+            <a:endParaRPr lang="en-US"/>
+          </a:p>
+        </p:txBody>
+      </p:sp>
+    </p:spTree>
+    <p:extLst>
+      <p:ext uri="{BB962C8B-B14F-4D97-AF65-F5344CB8AC3E}">
+        <p14:creationId xmlns:p14="http://schemas.microsoft.com/office/powerpoint/2010/main" val="2721000974"/>
+      </p:ext>
+    </p:extLst>
+  </p:cSld>
+  <p:clrMapOvr>
+    <a:masterClrMapping/>
+  </p:clrMapOvr>
+</p:notes>
+</file>
+
+<file path=ppt/notesSlides/notesSlide13.xml><?xml version="1.0" encoding="utf-8"?>
+<p:notes xmlns:a="http://schemas.openxmlformats.org/drawingml/2006/main" xmlns:r="http://schemas.openxmlformats.org/officeDocument/2006/relationships" xmlns:p="http://schemas.openxmlformats.org/presentationml/2006/main">
+  <p:cSld>
+    <p:spTree>
+      <p:nvGrpSpPr>
+        <p:cNvPr id="1" name=""/>
+        <p:cNvGrpSpPr/>
+        <p:nvPr/>
+      </p:nvGrpSpPr>
+      <p:grpSpPr>
+        <a:xfrm>
+          <a:off x="0" y="0"/>
+          <a:ext cx="0" cy="0"/>
+          <a:chOff x="0" y="0"/>
+          <a:chExt cx="0" cy="0"/>
+        </a:xfrm>
+      </p:grpSpPr>
+      <p:sp>
+        <p:nvSpPr>
+          <p:cNvPr id="2" name="Slide Image Placeholder 1"/>
+          <p:cNvSpPr>
+            <a:spLocks noGrp="1" noRot="1" noChangeAspect="1"/>
+          </p:cNvSpPr>
+          <p:nvPr>
+            <p:ph type="sldImg"/>
+          </p:nvPr>
+        </p:nvSpPr>
+        <p:spPr/>
+      </p:sp>
+      <p:sp>
+        <p:nvSpPr>
+          <p:cNvPr id="3" name="Notes Placeholder 2"/>
+          <p:cNvSpPr>
+            <a:spLocks noGrp="1"/>
+          </p:cNvSpPr>
+          <p:nvPr>
+            <p:ph type="body" idx="1"/>
+          </p:nvPr>
+        </p:nvSpPr>
+        <p:spPr/>
+        <p:txBody>
+          <a:bodyPr/>
+          <a:lstStyle/>
+          <a:p>
+            <a:endParaRPr lang="en-US" dirty="0"/>
+          </a:p>
+        </p:txBody>
+      </p:sp>
+      <p:sp>
+        <p:nvSpPr>
+          <p:cNvPr id="4" name="Slide Number Placeholder 3"/>
+          <p:cNvSpPr>
+            <a:spLocks noGrp="1"/>
+          </p:cNvSpPr>
+          <p:nvPr>
+            <p:ph type="sldNum" sz="quarter" idx="5"/>
+          </p:nvPr>
+        </p:nvSpPr>
+        <p:spPr/>
+        <p:txBody>
+          <a:bodyPr/>
+          <a:lstStyle/>
+          <a:p>
+            <a:fld id="{E3B866C1-D4D8-42C4-BACA-D1CCAC4472DF}" type="slidenum">
+              <a:rPr lang="en-US" smtClean="0"/>
+              <a:t>71</a:t>
+            </a:fld>
+            <a:endParaRPr lang="en-US"/>
+          </a:p>
+        </p:txBody>
+      </p:sp>
+    </p:spTree>
+    <p:extLst>
+      <p:ext uri="{BB962C8B-B14F-4D97-AF65-F5344CB8AC3E}">
+        <p14:creationId xmlns:p14="http://schemas.microsoft.com/office/powerpoint/2010/main" val="3478914614"/>
+      </p:ext>
+    </p:extLst>
+  </p:cSld>
+  <p:clrMapOvr>
+    <a:masterClrMapping/>
+  </p:clrMapOvr>
+</p:notes>
+</file>
+
+<file path=ppt/notesSlides/notesSlide14.xml><?xml version="1.0" encoding="utf-8"?>
+<p:notes xmlns:a="http://schemas.openxmlformats.org/drawingml/2006/main" xmlns:r="http://schemas.openxmlformats.org/officeDocument/2006/relationships" xmlns:p="http://schemas.openxmlformats.org/presentationml/2006/main">
+  <p:cSld>
+    <p:spTree>
+      <p:nvGrpSpPr>
+        <p:cNvPr id="1" name=""/>
+        <p:cNvGrpSpPr/>
+        <p:nvPr/>
+      </p:nvGrpSpPr>
+      <p:grpSpPr>
+        <a:xfrm>
+          <a:off x="0" y="0"/>
+          <a:ext cx="0" cy="0"/>
+          <a:chOff x="0" y="0"/>
+          <a:chExt cx="0" cy="0"/>
+        </a:xfrm>
+      </p:grpSpPr>
+      <p:sp>
+        <p:nvSpPr>
+          <p:cNvPr id="2" name="Slide Image Placeholder 1"/>
+          <p:cNvSpPr>
+            <a:spLocks noGrp="1" noRot="1" noChangeAspect="1"/>
+          </p:cNvSpPr>
+          <p:nvPr>
+            <p:ph type="sldImg"/>
+          </p:nvPr>
+        </p:nvSpPr>
+        <p:spPr/>
+      </p:sp>
+      <p:sp>
+        <p:nvSpPr>
+          <p:cNvPr id="3" name="Notes Placeholder 2"/>
+          <p:cNvSpPr>
+            <a:spLocks noGrp="1"/>
+          </p:cNvSpPr>
+          <p:nvPr>
+            <p:ph type="body" idx="1"/>
+          </p:nvPr>
+        </p:nvSpPr>
+        <p:spPr/>
+        <p:txBody>
+          <a:bodyPr/>
+          <a:lstStyle/>
+          <a:p>
+            <a:endParaRPr lang="en-US" dirty="0"/>
+          </a:p>
+        </p:txBody>
+      </p:sp>
+      <p:sp>
+        <p:nvSpPr>
+          <p:cNvPr id="4" name="Slide Number Placeholder 3"/>
+          <p:cNvSpPr>
+            <a:spLocks noGrp="1"/>
+          </p:cNvSpPr>
+          <p:nvPr>
+            <p:ph type="sldNum" sz="quarter" idx="5"/>
+          </p:nvPr>
+        </p:nvSpPr>
+        <p:spPr/>
+        <p:txBody>
+          <a:bodyPr/>
+          <a:lstStyle/>
+          <a:p>
+            <a:fld id="{E3B866C1-D4D8-42C4-BACA-D1CCAC4472DF}" type="slidenum">
+              <a:rPr lang="en-US" smtClean="0"/>
+              <a:t>73</a:t>
+            </a:fld>
+            <a:endParaRPr lang="en-US"/>
+          </a:p>
+        </p:txBody>
+      </p:sp>
+    </p:spTree>
+    <p:extLst>
+      <p:ext uri="{BB962C8B-B14F-4D97-AF65-F5344CB8AC3E}">
+        <p14:creationId xmlns:p14="http://schemas.microsoft.com/office/powerpoint/2010/main" val="216509752"/>
+      </p:ext>
+    </p:extLst>
+  </p:cSld>
+  <p:clrMapOvr>
+    <a:masterClrMapping/>
+  </p:clrMapOvr>
+</p:notes>
+</file>
+
 <file path=ppt/notesSlides/notesSlide2.xml><?xml version="1.0" encoding="utf-8"?>
 <p:notes xmlns:a="http://schemas.openxmlformats.org/drawingml/2006/main" xmlns:r="http://schemas.openxmlformats.org/officeDocument/2006/relationships" xmlns:p="http://schemas.openxmlformats.org/presentationml/2006/main">
   <p:cSld>
@@ -20888,7 +21146,7 @@
           <a:p>
             <a:fld id="{3CB14515-8DA5-4B82-96E7-E758FF8ACA06}" type="datetimeFigureOut">
               <a:rPr lang="en-US" smtClean="0"/>
-              <a:t>11/22/22</a:t>
+              <a:t>11/30/2022</a:t>
             </a:fld>
             <a:endParaRPr lang="en-US"/>
           </a:p>
@@ -21095,7 +21353,7 @@
           <a:p>
             <a:fld id="{3CB14515-8DA5-4B82-96E7-E758FF8ACA06}" type="datetimeFigureOut">
               <a:rPr lang="en-US" smtClean="0"/>
-              <a:t>11/22/22</a:t>
+              <a:t>11/30/2022</a:t>
             </a:fld>
             <a:endParaRPr lang="en-US"/>
           </a:p>
@@ -21275,7 +21533,7 @@
           <a:p>
             <a:fld id="{3CB14515-8DA5-4B82-96E7-E758FF8ACA06}" type="datetimeFigureOut">
               <a:rPr lang="en-US" smtClean="0"/>
-              <a:t>11/22/22</a:t>
+              <a:t>11/30/2022</a:t>
             </a:fld>
             <a:endParaRPr lang="en-US"/>
           </a:p>
@@ -21480,7 +21738,7 @@
           <a:p>
             <a:fld id="{3CB14515-8DA5-4B82-96E7-E758FF8ACA06}" type="datetimeFigureOut">
               <a:rPr lang="en-US" smtClean="0"/>
-              <a:t>11/22/22</a:t>
+              <a:t>11/30/2022</a:t>
             </a:fld>
             <a:endParaRPr lang="en-US"/>
           </a:p>
@@ -30378,7 +30636,7 @@
           <a:p>
             <a:fld id="{3CB14515-8DA5-4B82-96E7-E758FF8ACA06}" type="datetimeFigureOut">
               <a:rPr lang="en-US" smtClean="0"/>
-              <a:t>11/22/22</a:t>
+              <a:t>11/30/2022</a:t>
             </a:fld>
             <a:endParaRPr lang="en-US"/>
           </a:p>
@@ -30652,7 +30910,7 @@
           <a:p>
             <a:fld id="{3CB14515-8DA5-4B82-96E7-E758FF8ACA06}" type="datetimeFigureOut">
               <a:rPr lang="en-US" smtClean="0"/>
-              <a:t>11/22/22</a:t>
+              <a:t>11/30/2022</a:t>
             </a:fld>
             <a:endParaRPr lang="en-US"/>
           </a:p>
@@ -31050,7 +31308,7 @@
           <a:p>
             <a:fld id="{3CB14515-8DA5-4B82-96E7-E758FF8ACA06}" type="datetimeFigureOut">
               <a:rPr lang="en-US" smtClean="0"/>
-              <a:t>11/22/22</a:t>
+              <a:t>11/30/2022</a:t>
             </a:fld>
             <a:endParaRPr lang="en-US"/>
           </a:p>
@@ -31168,7 +31426,7 @@
           <a:p>
             <a:fld id="{3CB14515-8DA5-4B82-96E7-E758FF8ACA06}" type="datetimeFigureOut">
               <a:rPr lang="en-US" smtClean="0"/>
-              <a:t>11/22/22</a:t>
+              <a:t>11/30/2022</a:t>
             </a:fld>
             <a:endParaRPr lang="en-US"/>
           </a:p>
@@ -31263,7 +31521,7 @@
           <a:p>
             <a:fld id="{3CB14515-8DA5-4B82-96E7-E758FF8ACA06}" type="datetimeFigureOut">
               <a:rPr lang="en-US" smtClean="0"/>
-              <a:t>11/22/22</a:t>
+              <a:t>11/30/2022</a:t>
             </a:fld>
             <a:endParaRPr lang="en-US"/>
           </a:p>
@@ -31553,7 +31811,7 @@
           <a:p>
             <a:fld id="{3CB14515-8DA5-4B82-96E7-E758FF8ACA06}" type="datetimeFigureOut">
               <a:rPr lang="en-US" smtClean="0"/>
-              <a:t>11/22/22</a:t>
+              <a:t>11/30/2022</a:t>
             </a:fld>
             <a:endParaRPr lang="en-US"/>
           </a:p>
@@ -31833,7 +32091,7 @@
           <a:p>
             <a:fld id="{3CB14515-8DA5-4B82-96E7-E758FF8ACA06}" type="datetimeFigureOut">
               <a:rPr lang="en-US" smtClean="0"/>
-              <a:t>11/22/22</a:t>
+              <a:t>11/30/2022</a:t>
             </a:fld>
             <a:endParaRPr lang="en-US"/>
           </a:p>
@@ -32083,7 +32341,7 @@
           <a:p>
             <a:fld id="{3CB14515-8DA5-4B82-96E7-E758FF8ACA06}" type="datetimeFigureOut">
               <a:rPr lang="en-US" smtClean="0"/>
-              <a:t>11/22/22</a:t>
+              <a:t>11/30/2022</a:t>
             </a:fld>
             <a:endParaRPr lang="en-US"/>
           </a:p>
@@ -52807,7 +53065,7 @@
         </p:spPr>
         <p:txBody>
           <a:bodyPr>
-            <a:normAutofit/>
+            <a:normAutofit fontScale="90000"/>
           </a:bodyPr>
           <a:lstStyle/>
           <a:p>
@@ -54373,8 +54631,15 @@
           </a:bodyPr>
           <a:lstStyle/>
           <a:p>
-            <a:r>
-              <a:rPr lang="en-US" sz="1500"/>
+            <a:pPr marL="0" indent="0">
+              <a:buNone/>
+            </a:pPr>
+            <a:r>
+              <a:rPr lang="en-US" altLang="zh-CN" sz="1500" dirty="0"/>
+              <a:t>1.</a:t>
+            </a:r>
+            <a:r>
+              <a:rPr lang="en-US" sz="1500" dirty="0"/>
               <a:t>In a single-price bond auction, an investor who places a competitive bid and specifies a rate that is above the rate determined at auction will most likely:</a:t>
             </a:r>
           </a:p>
@@ -54384,7 +54649,7 @@
               <a:buAutoNum type="alphaUcPeriod"/>
             </a:pPr>
             <a:r>
-              <a:rPr lang="en-US" sz="1500" b="1"/>
+              <a:rPr lang="en-US" sz="1500" b="1" dirty="0"/>
               <a:t>not receive any bonds.</a:t>
             </a:r>
           </a:p>
@@ -54394,7 +54659,7 @@
               <a:buAutoNum type="alphaUcPeriod"/>
             </a:pPr>
             <a:r>
-              <a:rPr lang="en-US" sz="1500" b="1"/>
+              <a:rPr lang="en-US" sz="1500" b="1" dirty="0"/>
               <a:t>receive the bonds at the rate determined at auction.</a:t>
             </a:r>
           </a:p>
@@ -54404,13 +54669,20 @@
               <a:buAutoNum type="alphaUcPeriod"/>
             </a:pPr>
             <a:r>
-              <a:rPr lang="en-US" sz="1500" b="1"/>
+              <a:rPr lang="en-US" sz="1500" b="1" dirty="0"/>
               <a:t>receive the bonds at the rate specified in the investor’s competitive bid.</a:t>
             </a:r>
           </a:p>
           <a:p>
-            <a:r>
-              <a:rPr lang="en-US" sz="1500"/>
+            <a:pPr marL="0" indent="0">
+              <a:buNone/>
+            </a:pPr>
+            <a:r>
+              <a:rPr lang="en-US" altLang="zh-CN" sz="1500" dirty="0"/>
+              <a:t>2.</a:t>
+            </a:r>
+            <a:r>
+              <a:rPr lang="en-US" sz="1500" dirty="0"/>
               <a:t>A bond purchased in a secondary market is most likely purchased from:</a:t>
             </a:r>
           </a:p>
@@ -54420,7 +54692,7 @@
               <a:buAutoNum type="alphaUcPeriod"/>
             </a:pPr>
             <a:r>
-              <a:rPr lang="en-US" sz="1500" b="1"/>
+              <a:rPr lang="en-US" sz="1500" b="1" dirty="0"/>
               <a:t>the bond’s issuer.</a:t>
             </a:r>
           </a:p>
@@ -54430,7 +54702,7 @@
               <a:buAutoNum type="alphaUcPeriod"/>
             </a:pPr>
             <a:r>
-              <a:rPr lang="en-US" sz="1500" b="1"/>
+              <a:rPr lang="en-US" sz="1500" b="1" dirty="0"/>
               <a:t>the bond’s lead underwriter.</a:t>
             </a:r>
           </a:p>
@@ -54440,7 +54712,7 @@
               <a:buAutoNum type="alphaUcPeriod"/>
             </a:pPr>
             <a:r>
-              <a:rPr lang="en-US" sz="1500" b="1"/>
+              <a:rPr lang="en-US" sz="1500" b="1" dirty="0"/>
               <a:t>another investor in the bond.</a:t>
             </a:r>
           </a:p>
@@ -54479,6 +54751,301 @@
     <p:extLst>
       <p:ext uri="{BB962C8B-B14F-4D97-AF65-F5344CB8AC3E}">
         <p14:creationId xmlns:p14="http://schemas.microsoft.com/office/powerpoint/2010/main" val="1644048063"/>
+      </p:ext>
+    </p:extLst>
+  </p:cSld>
+  <p:clrMapOvr>
+    <a:masterClrMapping/>
+  </p:clrMapOvr>
+</p:sld>
+</file>
+
+<file path=ppt/slides/slide68.xml><?xml version="1.0" encoding="utf-8"?>
+<p:sld xmlns:a="http://schemas.openxmlformats.org/drawingml/2006/main" xmlns:r="http://schemas.openxmlformats.org/officeDocument/2006/relationships" xmlns:p="http://schemas.openxmlformats.org/presentationml/2006/main">
+  <p:cSld>
+    <p:spTree>
+      <p:nvGrpSpPr>
+        <p:cNvPr id="1" name=""/>
+        <p:cNvGrpSpPr/>
+        <p:nvPr/>
+      </p:nvGrpSpPr>
+      <p:grpSpPr>
+        <a:xfrm>
+          <a:off x="0" y="0"/>
+          <a:ext cx="0" cy="0"/>
+          <a:chOff x="0" y="0"/>
+          <a:chExt cx="0" cy="0"/>
+        </a:xfrm>
+      </p:grpSpPr>
+      <p:sp>
+        <p:nvSpPr>
+          <p:cNvPr id="2" name="Title 1">
+            <a:extLst>
+              <a:ext uri="{FF2B5EF4-FFF2-40B4-BE49-F238E27FC236}">
+                <a16:creationId xmlns:a16="http://schemas.microsoft.com/office/drawing/2014/main" id="{9565F98A-2592-4D06-BA67-FC308A0844D5}"/>
+              </a:ext>
+            </a:extLst>
+          </p:cNvPr>
+          <p:cNvSpPr>
+            <a:spLocks noGrp="1"/>
+          </p:cNvSpPr>
+          <p:nvPr>
+            <p:ph type="title"/>
+          </p:nvPr>
+        </p:nvSpPr>
+        <p:spPr/>
+        <p:txBody>
+          <a:bodyPr>
+            <a:normAutofit/>
+          </a:bodyPr>
+          <a:lstStyle/>
+          <a:p>
+            <a:r>
+              <a:rPr lang="en-US" sz="3500" dirty="0"/>
+              <a:t>Module2</a:t>
+            </a:r>
+            <a:br>
+              <a:rPr lang="en-US" sz="3500" dirty="0"/>
+            </a:br>
+            <a:r>
+              <a:rPr lang="en-US" sz="3500" dirty="0"/>
+              <a:t>Fixed-Income markets: </a:t>
+            </a:r>
+            <a:br>
+              <a:rPr lang="en-US" sz="3500" dirty="0"/>
+            </a:br>
+            <a:r>
+              <a:rPr lang="en-US" sz="3500" dirty="0"/>
+              <a:t>issuance, trading, and funding</a:t>
+            </a:r>
+          </a:p>
+        </p:txBody>
+      </p:sp>
+      <p:sp>
+        <p:nvSpPr>
+          <p:cNvPr id="3" name="Content Placeholder 2">
+            <a:extLst>
+              <a:ext uri="{FF2B5EF4-FFF2-40B4-BE49-F238E27FC236}">
+                <a16:creationId xmlns:a16="http://schemas.microsoft.com/office/drawing/2014/main" id="{E5A2DE7E-7A47-4A61-B15E-3EF5D132916F}"/>
+              </a:ext>
+            </a:extLst>
+          </p:cNvPr>
+          <p:cNvSpPr>
+            <a:spLocks noGrp="1"/>
+          </p:cNvSpPr>
+          <p:nvPr>
+            <p:ph idx="1"/>
+          </p:nvPr>
+        </p:nvSpPr>
+        <p:spPr/>
+        <p:txBody>
+          <a:bodyPr>
+            <a:normAutofit fontScale="92500" lnSpcReduction="10000"/>
+          </a:bodyPr>
+          <a:lstStyle/>
+          <a:p>
+            <a:r>
+              <a:rPr lang="en-US" sz="2800" b="1" dirty="0">
+                <a:solidFill>
+                  <a:srgbClr val="FF0000"/>
+                </a:solidFill>
+              </a:rPr>
+              <a:t>Sovereign bonds</a:t>
+            </a:r>
+          </a:p>
+          <a:p>
+            <a:r>
+              <a:rPr lang="en-US" dirty="0"/>
+              <a:t>US government bond</a:t>
+            </a:r>
+          </a:p>
+          <a:p>
+            <a:pPr>
+              <a:buFont typeface="Wingdings" panose="05000000000000000000" pitchFamily="2" charset="2"/>
+              <a:buChar char="§"/>
+            </a:pPr>
+            <a:r>
+              <a:rPr lang="en-US" dirty="0"/>
+              <a:t>T-bills(Treasury bills): original maturity is on year or shorter</a:t>
+            </a:r>
+          </a:p>
+          <a:p>
+            <a:pPr>
+              <a:buFont typeface="Wingdings" panose="05000000000000000000" pitchFamily="2" charset="2"/>
+              <a:buChar char="§"/>
+            </a:pPr>
+            <a:r>
+              <a:rPr lang="en-US" dirty="0"/>
+              <a:t>T-notes(Treasury notes): original maturity is longer than one year and up to 10years</a:t>
+            </a:r>
+          </a:p>
+          <a:p>
+            <a:pPr>
+              <a:buFont typeface="Wingdings" panose="05000000000000000000" pitchFamily="2" charset="2"/>
+              <a:buChar char="§"/>
+            </a:pPr>
+            <a:r>
+              <a:rPr lang="en-US" dirty="0"/>
+              <a:t>T-bonds(Treasury bonds):original maturity is longer than 10 years</a:t>
+            </a:r>
+          </a:p>
+          <a:p>
+            <a:r>
+              <a:rPr lang="en-US" dirty="0"/>
+              <a:t>Money market securities(T-bills) are pure discount bonds.</a:t>
+            </a:r>
+          </a:p>
+          <a:p>
+            <a:r>
+              <a:rPr lang="en-US" dirty="0"/>
+              <a:t>Capital market securities(T-notes and T-bonds) are typically coupon (or coupon-bearing) bonds.</a:t>
+            </a:r>
+          </a:p>
+          <a:p>
+            <a:r>
+              <a:rPr lang="en-US" dirty="0"/>
+              <a:t>The majority of the trading in secondary markets is of sovereign securities that were most recently issued, called </a:t>
+            </a:r>
+            <a:r>
+              <a:rPr lang="en-US" dirty="0">
+                <a:solidFill>
+                  <a:srgbClr val="FF0000"/>
+                </a:solidFill>
+              </a:rPr>
+              <a:t>on-the-run</a:t>
+            </a:r>
+            <a:r>
+              <a:rPr lang="en-US" dirty="0"/>
+              <a:t> securities</a:t>
+            </a:r>
+          </a:p>
+        </p:txBody>
+      </p:sp>
+    </p:spTree>
+    <p:extLst>
+      <p:ext uri="{BB962C8B-B14F-4D97-AF65-F5344CB8AC3E}">
+        <p14:creationId xmlns:p14="http://schemas.microsoft.com/office/powerpoint/2010/main" val="1898997626"/>
+      </p:ext>
+    </p:extLst>
+  </p:cSld>
+  <p:clrMapOvr>
+    <a:masterClrMapping/>
+  </p:clrMapOvr>
+</p:sld>
+</file>
+
+<file path=ppt/slides/slide69.xml><?xml version="1.0" encoding="utf-8"?>
+<p:sld xmlns:a="http://schemas.openxmlformats.org/drawingml/2006/main" xmlns:r="http://schemas.openxmlformats.org/officeDocument/2006/relationships" xmlns:p="http://schemas.openxmlformats.org/presentationml/2006/main">
+  <p:cSld>
+    <p:spTree>
+      <p:nvGrpSpPr>
+        <p:cNvPr id="1" name=""/>
+        <p:cNvGrpSpPr/>
+        <p:nvPr/>
+      </p:nvGrpSpPr>
+      <p:grpSpPr>
+        <a:xfrm>
+          <a:off x="0" y="0"/>
+          <a:ext cx="0" cy="0"/>
+          <a:chOff x="0" y="0"/>
+          <a:chExt cx="0" cy="0"/>
+        </a:xfrm>
+      </p:grpSpPr>
+      <p:sp>
+        <p:nvSpPr>
+          <p:cNvPr id="2" name="Title 1">
+            <a:extLst>
+              <a:ext uri="{FF2B5EF4-FFF2-40B4-BE49-F238E27FC236}">
+                <a16:creationId xmlns:a16="http://schemas.microsoft.com/office/drawing/2014/main" id="{28498FF7-EC3D-44D2-A22F-CD57E64017B8}"/>
+              </a:ext>
+            </a:extLst>
+          </p:cNvPr>
+          <p:cNvSpPr>
+            <a:spLocks noGrp="1"/>
+          </p:cNvSpPr>
+          <p:nvPr>
+            <p:ph type="title"/>
+          </p:nvPr>
+        </p:nvSpPr>
+        <p:spPr/>
+        <p:txBody>
+          <a:bodyPr>
+            <a:normAutofit/>
+          </a:bodyPr>
+          <a:lstStyle/>
+          <a:p>
+            <a:r>
+              <a:rPr lang="en-US" sz="3500" dirty="0"/>
+              <a:t>Module2</a:t>
+            </a:r>
+            <a:br>
+              <a:rPr lang="en-US" sz="3500" dirty="0"/>
+            </a:br>
+            <a:r>
+              <a:rPr lang="en-US" sz="3500" dirty="0"/>
+              <a:t>Fixed-Income markets: </a:t>
+            </a:r>
+            <a:br>
+              <a:rPr lang="en-US" sz="3500" dirty="0"/>
+            </a:br>
+            <a:r>
+              <a:rPr lang="en-US" sz="3500" dirty="0"/>
+              <a:t>issuance, trading, and funding</a:t>
+            </a:r>
+          </a:p>
+        </p:txBody>
+      </p:sp>
+      <p:sp>
+        <p:nvSpPr>
+          <p:cNvPr id="3" name="Content Placeholder 2">
+            <a:extLst>
+              <a:ext uri="{FF2B5EF4-FFF2-40B4-BE49-F238E27FC236}">
+                <a16:creationId xmlns:a16="http://schemas.microsoft.com/office/drawing/2014/main" id="{CEFB170A-539E-475E-81BB-AA7E72AB97F5}"/>
+              </a:ext>
+            </a:extLst>
+          </p:cNvPr>
+          <p:cNvSpPr>
+            <a:spLocks noGrp="1"/>
+          </p:cNvSpPr>
+          <p:nvPr>
+            <p:ph idx="1"/>
+          </p:nvPr>
+        </p:nvSpPr>
+        <p:spPr/>
+        <p:txBody>
+          <a:bodyPr/>
+          <a:lstStyle/>
+          <a:p>
+            <a:r>
+              <a:rPr lang="en-US" sz="2800" b="1" dirty="0">
+                <a:solidFill>
+                  <a:srgbClr val="FF0000"/>
+                </a:solidFill>
+              </a:rPr>
+              <a:t>Credit quality of sovereign bonds</a:t>
+            </a:r>
+          </a:p>
+          <a:p>
+            <a:r>
+              <a:rPr lang="en-US" dirty="0"/>
+              <a:t>Highly rated sovereign bonds denominated in local currency are virtually free of credit risk.</a:t>
+            </a:r>
+          </a:p>
+          <a:p>
+            <a:r>
+              <a:rPr lang="en-US" dirty="0"/>
+              <a:t>Thus, it is common to observe a higher credit rating for sovereign bonds issued in local currency than for those issued in a foreign currency.</a:t>
+            </a:r>
+          </a:p>
+          <a:p>
+            <a:endParaRPr lang="en-US" dirty="0"/>
+          </a:p>
+        </p:txBody>
+      </p:sp>
+    </p:spTree>
+    <p:extLst>
+      <p:ext uri="{BB962C8B-B14F-4D97-AF65-F5344CB8AC3E}">
+        <p14:creationId xmlns:p14="http://schemas.microsoft.com/office/powerpoint/2010/main" val="2744539199"/>
       </p:ext>
     </p:extLst>
   </p:cSld>
@@ -54750,6 +55317,625 @@
     <p:extLst>
       <p:ext uri="{BB962C8B-B14F-4D97-AF65-F5344CB8AC3E}">
         <p14:creationId xmlns:p14="http://schemas.microsoft.com/office/powerpoint/2010/main" val="2330326556"/>
+      </p:ext>
+    </p:extLst>
+  </p:cSld>
+  <p:clrMapOvr>
+    <a:masterClrMapping/>
+  </p:clrMapOvr>
+</p:sld>
+</file>
+
+<file path=ppt/slides/slide70.xml><?xml version="1.0" encoding="utf-8"?>
+<p:sld xmlns:a="http://schemas.openxmlformats.org/drawingml/2006/main" xmlns:r="http://schemas.openxmlformats.org/officeDocument/2006/relationships" xmlns:p="http://schemas.openxmlformats.org/presentationml/2006/main">
+  <p:cSld>
+    <p:spTree>
+      <p:nvGrpSpPr>
+        <p:cNvPr id="1" name=""/>
+        <p:cNvGrpSpPr/>
+        <p:nvPr/>
+      </p:nvGrpSpPr>
+      <p:grpSpPr>
+        <a:xfrm>
+          <a:off x="0" y="0"/>
+          <a:ext cx="0" cy="0"/>
+          <a:chOff x="0" y="0"/>
+          <a:chExt cx="0" cy="0"/>
+        </a:xfrm>
+      </p:grpSpPr>
+      <p:sp>
+        <p:nvSpPr>
+          <p:cNvPr id="2" name="Title 1">
+            <a:extLst>
+              <a:ext uri="{FF2B5EF4-FFF2-40B4-BE49-F238E27FC236}">
+                <a16:creationId xmlns:a16="http://schemas.microsoft.com/office/drawing/2014/main" id="{BAC23EA6-6189-4BB7-A236-EAA5B3EFF436}"/>
+              </a:ext>
+            </a:extLst>
+          </p:cNvPr>
+          <p:cNvSpPr>
+            <a:spLocks noGrp="1"/>
+          </p:cNvSpPr>
+          <p:nvPr>
+            <p:ph type="title"/>
+          </p:nvPr>
+        </p:nvSpPr>
+        <p:spPr/>
+        <p:txBody>
+          <a:bodyPr>
+            <a:normAutofit/>
+          </a:bodyPr>
+          <a:lstStyle/>
+          <a:p>
+            <a:r>
+              <a:rPr lang="en-US" sz="3500" dirty="0"/>
+              <a:t>Module2</a:t>
+            </a:r>
+            <a:br>
+              <a:rPr lang="en-US" sz="3500" dirty="0"/>
+            </a:br>
+            <a:r>
+              <a:rPr lang="en-US" sz="3500" dirty="0"/>
+              <a:t>Fixed-Income markets: </a:t>
+            </a:r>
+            <a:br>
+              <a:rPr lang="en-US" sz="3500" dirty="0"/>
+            </a:br>
+            <a:r>
+              <a:rPr lang="en-US" sz="3500" dirty="0"/>
+              <a:t>issuance, trading, and funding</a:t>
+            </a:r>
+          </a:p>
+        </p:txBody>
+      </p:sp>
+      <p:sp>
+        <p:nvSpPr>
+          <p:cNvPr id="3" name="Content Placeholder 2">
+            <a:extLst>
+              <a:ext uri="{FF2B5EF4-FFF2-40B4-BE49-F238E27FC236}">
+                <a16:creationId xmlns:a16="http://schemas.microsoft.com/office/drawing/2014/main" id="{B6CFBF4B-F3EB-4CB8-BE7A-E35ACE3C5134}"/>
+              </a:ext>
+            </a:extLst>
+          </p:cNvPr>
+          <p:cNvSpPr>
+            <a:spLocks noGrp="1"/>
+          </p:cNvSpPr>
+          <p:nvPr>
+            <p:ph idx="1"/>
+          </p:nvPr>
+        </p:nvSpPr>
+        <p:spPr/>
+        <p:txBody>
+          <a:bodyPr/>
+          <a:lstStyle/>
+          <a:p>
+            <a:r>
+              <a:rPr lang="en-US" sz="2800" b="1" dirty="0">
+                <a:solidFill>
+                  <a:srgbClr val="FF0000"/>
+                </a:solidFill>
+              </a:rPr>
+              <a:t>Types of Sovereign Bonds</a:t>
+            </a:r>
+          </a:p>
+          <a:p>
+            <a:r>
+              <a:rPr lang="en-US" dirty="0"/>
+              <a:t>Fixed-rate bonds</a:t>
+            </a:r>
+          </a:p>
+          <a:p>
+            <a:pPr lvl="1">
+              <a:buFont typeface="Wingdings" panose="05000000000000000000" pitchFamily="2" charset="2"/>
+              <a:buChar char="§"/>
+            </a:pPr>
+            <a:r>
+              <a:rPr lang="en-US" dirty="0"/>
+              <a:t>Zero-coupon bonds</a:t>
+            </a:r>
+          </a:p>
+          <a:p>
+            <a:pPr lvl="1">
+              <a:buFont typeface="Wingdings" panose="05000000000000000000" pitchFamily="2" charset="2"/>
+              <a:buChar char="§"/>
+            </a:pPr>
+            <a:r>
+              <a:rPr lang="en-US" dirty="0"/>
+              <a:t>Coupon bonds</a:t>
+            </a:r>
+          </a:p>
+          <a:p>
+            <a:r>
+              <a:rPr lang="en-US" dirty="0"/>
+              <a:t>Floating-rate bonds</a:t>
+            </a:r>
+          </a:p>
+          <a:p>
+            <a:r>
+              <a:rPr lang="en-US" dirty="0"/>
+              <a:t>Inflation-linked bonds</a:t>
+            </a:r>
+          </a:p>
+          <a:p>
+            <a:endParaRPr lang="en-US" dirty="0"/>
+          </a:p>
+        </p:txBody>
+      </p:sp>
+    </p:spTree>
+    <p:extLst>
+      <p:ext uri="{BB962C8B-B14F-4D97-AF65-F5344CB8AC3E}">
+        <p14:creationId xmlns:p14="http://schemas.microsoft.com/office/powerpoint/2010/main" val="2065592340"/>
+      </p:ext>
+    </p:extLst>
+  </p:cSld>
+  <p:clrMapOvr>
+    <a:masterClrMapping/>
+  </p:clrMapOvr>
+</p:sld>
+</file>
+
+<file path=ppt/slides/slide71.xml><?xml version="1.0" encoding="utf-8"?>
+<p:sld xmlns:a="http://schemas.openxmlformats.org/drawingml/2006/main" xmlns:r="http://schemas.openxmlformats.org/officeDocument/2006/relationships" xmlns:p="http://schemas.openxmlformats.org/presentationml/2006/main">
+  <p:cSld>
+    <p:spTree>
+      <p:nvGrpSpPr>
+        <p:cNvPr id="1" name=""/>
+        <p:cNvGrpSpPr/>
+        <p:nvPr/>
+      </p:nvGrpSpPr>
+      <p:grpSpPr>
+        <a:xfrm>
+          <a:off x="0" y="0"/>
+          <a:ext cx="0" cy="0"/>
+          <a:chOff x="0" y="0"/>
+          <a:chExt cx="0" cy="0"/>
+        </a:xfrm>
+      </p:grpSpPr>
+      <p:sp>
+        <p:nvSpPr>
+          <p:cNvPr id="2" name="Title 1">
+            <a:extLst>
+              <a:ext uri="{FF2B5EF4-FFF2-40B4-BE49-F238E27FC236}">
+                <a16:creationId xmlns:a16="http://schemas.microsoft.com/office/drawing/2014/main" id="{A5DA251A-B5C0-4173-AEE1-33D7B7559162}"/>
+              </a:ext>
+            </a:extLst>
+          </p:cNvPr>
+          <p:cNvSpPr>
+            <a:spLocks noGrp="1"/>
+          </p:cNvSpPr>
+          <p:nvPr>
+            <p:ph type="title"/>
+          </p:nvPr>
+        </p:nvSpPr>
+        <p:spPr/>
+        <p:txBody>
+          <a:bodyPr/>
+          <a:lstStyle/>
+          <a:p>
+            <a:r>
+              <a:rPr lang="en-US" dirty="0"/>
+              <a:t>practices</a:t>
+            </a:r>
+          </a:p>
+        </p:txBody>
+      </p:sp>
+      <p:sp>
+        <p:nvSpPr>
+          <p:cNvPr id="3" name="Content Placeholder 2">
+            <a:extLst>
+              <a:ext uri="{FF2B5EF4-FFF2-40B4-BE49-F238E27FC236}">
+                <a16:creationId xmlns:a16="http://schemas.microsoft.com/office/drawing/2014/main" id="{C1CE4756-64AF-4169-AF41-3301F0C7C126}"/>
+              </a:ext>
+            </a:extLst>
+          </p:cNvPr>
+          <p:cNvSpPr>
+            <a:spLocks noGrp="1"/>
+          </p:cNvSpPr>
+          <p:nvPr>
+            <p:ph idx="1"/>
+          </p:nvPr>
+        </p:nvSpPr>
+        <p:spPr/>
+        <p:txBody>
+          <a:bodyPr>
+            <a:normAutofit lnSpcReduction="10000"/>
+          </a:bodyPr>
+          <a:lstStyle/>
+          <a:p>
+            <a:pPr marL="0" indent="0">
+              <a:buNone/>
+            </a:pPr>
+            <a:r>
+              <a:rPr lang="en-US" dirty="0"/>
+              <a:t>1.Floating-rate bonds are issued by national governments as the best way to reduce:</a:t>
+            </a:r>
+          </a:p>
+          <a:p>
+            <a:pPr marL="457200" indent="-457200">
+              <a:buFont typeface="+mj-lt"/>
+              <a:buAutoNum type="alphaUcPeriod"/>
+            </a:pPr>
+            <a:r>
+              <a:rPr lang="en-US" b="1" dirty="0"/>
+              <a:t>credit risk.</a:t>
+            </a:r>
+          </a:p>
+          <a:p>
+            <a:pPr marL="457200" indent="-457200">
+              <a:buFont typeface="+mj-lt"/>
+              <a:buAutoNum type="alphaUcPeriod"/>
+            </a:pPr>
+            <a:r>
+              <a:rPr lang="en-US" b="1" dirty="0"/>
+              <a:t>inflation risk.</a:t>
+            </a:r>
+          </a:p>
+          <a:p>
+            <a:pPr marL="457200" indent="-457200">
+              <a:buFont typeface="+mj-lt"/>
+              <a:buAutoNum type="alphaUcPeriod"/>
+            </a:pPr>
+            <a:r>
+              <a:rPr lang="en-US" b="1" dirty="0"/>
+              <a:t>interest rate risk.</a:t>
+            </a:r>
+          </a:p>
+          <a:p>
+            <a:pPr marL="0" indent="0">
+              <a:buNone/>
+            </a:pPr>
+            <a:r>
+              <a:rPr lang="en-US" dirty="0"/>
+              <a:t>2.Sovereign bonds whose coupon payments and/or principal repayments are adjusted by a consumer price index are most likely known as:</a:t>
+            </a:r>
+          </a:p>
+          <a:p>
+            <a:pPr marL="457200" indent="-457200">
+              <a:buFont typeface="+mj-lt"/>
+              <a:buAutoNum type="alphaUcPeriod"/>
+            </a:pPr>
+            <a:r>
+              <a:rPr lang="en-US" b="1" dirty="0"/>
+              <a:t>linkers.</a:t>
+            </a:r>
+          </a:p>
+          <a:p>
+            <a:pPr marL="457200" indent="-457200">
+              <a:buFont typeface="+mj-lt"/>
+              <a:buAutoNum type="alphaUcPeriod"/>
+            </a:pPr>
+            <a:r>
+              <a:rPr lang="en-US" b="1" dirty="0"/>
+              <a:t>floaters.</a:t>
+            </a:r>
+          </a:p>
+          <a:p>
+            <a:pPr marL="457200" indent="-457200">
+              <a:buFont typeface="+mj-lt"/>
+              <a:buAutoNum type="alphaUcPeriod"/>
+            </a:pPr>
+            <a:r>
+              <a:rPr lang="en-US" b="1" dirty="0" err="1"/>
+              <a:t>consols</a:t>
+            </a:r>
+            <a:r>
+              <a:rPr lang="en-US" b="1" dirty="0"/>
+              <a:t>.</a:t>
+            </a:r>
+          </a:p>
+        </p:txBody>
+      </p:sp>
+    </p:spTree>
+    <p:extLst>
+      <p:ext uri="{BB962C8B-B14F-4D97-AF65-F5344CB8AC3E}">
+        <p14:creationId xmlns:p14="http://schemas.microsoft.com/office/powerpoint/2010/main" val="1146036962"/>
+      </p:ext>
+    </p:extLst>
+  </p:cSld>
+  <p:clrMapOvr>
+    <a:masterClrMapping/>
+  </p:clrMapOvr>
+</p:sld>
+</file>
+
+<file path=ppt/slides/slide72.xml><?xml version="1.0" encoding="utf-8"?>
+<p:sld xmlns:a="http://schemas.openxmlformats.org/drawingml/2006/main" xmlns:r="http://schemas.openxmlformats.org/officeDocument/2006/relationships" xmlns:p="http://schemas.openxmlformats.org/presentationml/2006/main">
+  <p:cSld>
+    <p:spTree>
+      <p:nvGrpSpPr>
+        <p:cNvPr id="1" name=""/>
+        <p:cNvGrpSpPr/>
+        <p:nvPr/>
+      </p:nvGrpSpPr>
+      <p:grpSpPr>
+        <a:xfrm>
+          <a:off x="0" y="0"/>
+          <a:ext cx="0" cy="0"/>
+          <a:chOff x="0" y="0"/>
+          <a:chExt cx="0" cy="0"/>
+        </a:xfrm>
+      </p:grpSpPr>
+      <p:sp>
+        <p:nvSpPr>
+          <p:cNvPr id="2" name="Title 1">
+            <a:extLst>
+              <a:ext uri="{FF2B5EF4-FFF2-40B4-BE49-F238E27FC236}">
+                <a16:creationId xmlns:a16="http://schemas.microsoft.com/office/drawing/2014/main" id="{168E6032-38A6-496E-A753-6B1AD41BE061}"/>
+              </a:ext>
+            </a:extLst>
+          </p:cNvPr>
+          <p:cNvSpPr>
+            <a:spLocks noGrp="1"/>
+          </p:cNvSpPr>
+          <p:nvPr>
+            <p:ph type="title"/>
+          </p:nvPr>
+        </p:nvSpPr>
+        <p:spPr/>
+        <p:txBody>
+          <a:bodyPr>
+            <a:normAutofit/>
+          </a:bodyPr>
+          <a:lstStyle/>
+          <a:p>
+            <a:r>
+              <a:rPr lang="en-US" sz="3500" dirty="0"/>
+              <a:t>Module2</a:t>
+            </a:r>
+            <a:br>
+              <a:rPr lang="en-US" sz="3500" dirty="0"/>
+            </a:br>
+            <a:r>
+              <a:rPr lang="en-US" sz="3500" dirty="0"/>
+              <a:t>Fixed-Income markets: </a:t>
+            </a:r>
+            <a:br>
+              <a:rPr lang="en-US" sz="3500" dirty="0"/>
+            </a:br>
+            <a:r>
+              <a:rPr lang="en-US" sz="3500" dirty="0"/>
+              <a:t>issuance, trading, and funding</a:t>
+            </a:r>
+          </a:p>
+        </p:txBody>
+      </p:sp>
+      <p:sp>
+        <p:nvSpPr>
+          <p:cNvPr id="3" name="Content Placeholder 2">
+            <a:extLst>
+              <a:ext uri="{FF2B5EF4-FFF2-40B4-BE49-F238E27FC236}">
+                <a16:creationId xmlns:a16="http://schemas.microsoft.com/office/drawing/2014/main" id="{898D6380-EA8D-4487-B33A-4D8624D1A914}"/>
+              </a:ext>
+            </a:extLst>
+          </p:cNvPr>
+          <p:cNvSpPr>
+            <a:spLocks noGrp="1"/>
+          </p:cNvSpPr>
+          <p:nvPr>
+            <p:ph idx="1"/>
+          </p:nvPr>
+        </p:nvSpPr>
+        <p:spPr/>
+        <p:txBody>
+          <a:bodyPr>
+            <a:normAutofit lnSpcReduction="10000"/>
+          </a:bodyPr>
+          <a:lstStyle/>
+          <a:p>
+            <a:r>
+              <a:rPr lang="en-US" sz="2800" b="1" dirty="0">
+                <a:solidFill>
+                  <a:srgbClr val="FF0000"/>
+                </a:solidFill>
+              </a:rPr>
+              <a:t>Non-Sovereign Bonds</a:t>
+            </a:r>
+          </a:p>
+          <a:p>
+            <a:r>
+              <a:rPr lang="en-US" dirty="0"/>
+              <a:t>The source for repaying interest and principal: taxing authority, cash flow of project , special tax and fee.</a:t>
+            </a:r>
+          </a:p>
+          <a:p>
+            <a:r>
+              <a:rPr lang="en-US" dirty="0"/>
+              <a:t>Non-sovereign bonds usually trade at a higher yield and lower price than sovereign bonds with similar characteristics.</a:t>
+            </a:r>
+          </a:p>
+          <a:p>
+            <a:r>
+              <a:rPr lang="en-US" sz="2800" b="1" dirty="0">
+                <a:solidFill>
+                  <a:srgbClr val="FF0000"/>
+                </a:solidFill>
+              </a:rPr>
+              <a:t>Quasi-Government Bonds</a:t>
+            </a:r>
+          </a:p>
+          <a:p>
+            <a:r>
+              <a:rPr lang="en-US" dirty="0"/>
+              <a:t>Federal National Mortgage Association, Federal Home Loan Mortgage Corporation</a:t>
+            </a:r>
+          </a:p>
+          <a:p>
+            <a:r>
+              <a:rPr lang="en-US" dirty="0"/>
+              <a:t>Bonds are repaid from the cash flows generated by the entity or from the project the bond issue is financing</a:t>
+            </a:r>
+          </a:p>
+          <a:p>
+            <a:r>
+              <a:rPr lang="en-US" dirty="0"/>
+              <a:t>Quasi-government bonds are usually rated very high by the credit rating agencies</a:t>
+            </a:r>
+          </a:p>
+        </p:txBody>
+      </p:sp>
+    </p:spTree>
+    <p:extLst>
+      <p:ext uri="{BB962C8B-B14F-4D97-AF65-F5344CB8AC3E}">
+        <p14:creationId xmlns:p14="http://schemas.microsoft.com/office/powerpoint/2010/main" val="516178488"/>
+      </p:ext>
+    </p:extLst>
+  </p:cSld>
+  <p:clrMapOvr>
+    <a:masterClrMapping/>
+  </p:clrMapOvr>
+</p:sld>
+</file>
+
+<file path=ppt/slides/slide73.xml><?xml version="1.0" encoding="utf-8"?>
+<p:sld xmlns:a="http://schemas.openxmlformats.org/drawingml/2006/main" xmlns:r="http://schemas.openxmlformats.org/officeDocument/2006/relationships" xmlns:p="http://schemas.openxmlformats.org/presentationml/2006/main">
+  <p:cSld>
+    <p:spTree>
+      <p:nvGrpSpPr>
+        <p:cNvPr id="1" name=""/>
+        <p:cNvGrpSpPr/>
+        <p:nvPr/>
+      </p:nvGrpSpPr>
+      <p:grpSpPr>
+        <a:xfrm>
+          <a:off x="0" y="0"/>
+          <a:ext cx="0" cy="0"/>
+          <a:chOff x="0" y="0"/>
+          <a:chExt cx="0" cy="0"/>
+        </a:xfrm>
+      </p:grpSpPr>
+      <p:sp>
+        <p:nvSpPr>
+          <p:cNvPr id="2" name="Title 1">
+            <a:extLst>
+              <a:ext uri="{FF2B5EF4-FFF2-40B4-BE49-F238E27FC236}">
+                <a16:creationId xmlns:a16="http://schemas.microsoft.com/office/drawing/2014/main" id="{A2BE38C1-0566-43DE-ACED-2C83282643F4}"/>
+              </a:ext>
+            </a:extLst>
+          </p:cNvPr>
+          <p:cNvSpPr>
+            <a:spLocks noGrp="1"/>
+          </p:cNvSpPr>
+          <p:nvPr>
+            <p:ph type="title"/>
+          </p:nvPr>
+        </p:nvSpPr>
+        <p:spPr/>
+        <p:txBody>
+          <a:bodyPr/>
+          <a:lstStyle/>
+          <a:p>
+            <a:r>
+              <a:rPr lang="en-US" dirty="0"/>
+              <a:t>Practices	</a:t>
+            </a:r>
+          </a:p>
+        </p:txBody>
+      </p:sp>
+      <p:sp>
+        <p:nvSpPr>
+          <p:cNvPr id="3" name="Content Placeholder 2">
+            <a:extLst>
+              <a:ext uri="{FF2B5EF4-FFF2-40B4-BE49-F238E27FC236}">
+                <a16:creationId xmlns:a16="http://schemas.microsoft.com/office/drawing/2014/main" id="{C1F797E5-6A7E-43FF-B999-C54B172C6741}"/>
+              </a:ext>
+            </a:extLst>
+          </p:cNvPr>
+          <p:cNvSpPr>
+            <a:spLocks noGrp="1"/>
+          </p:cNvSpPr>
+          <p:nvPr>
+            <p:ph idx="1"/>
+          </p:nvPr>
+        </p:nvSpPr>
+        <p:spPr/>
+        <p:txBody>
+          <a:bodyPr>
+            <a:normAutofit fontScale="92500"/>
+          </a:bodyPr>
+          <a:lstStyle/>
+          <a:p>
+            <a:pPr marL="0" indent="0">
+              <a:buNone/>
+            </a:pPr>
+            <a:r>
+              <a:rPr lang="en-US" dirty="0"/>
+              <a:t>1.Relative to sovereign bonds, non-sovereign bonds with similar characteristics most likely trade at a yield that is:</a:t>
+            </a:r>
+          </a:p>
+          <a:p>
+            <a:pPr marL="457200" indent="-457200">
+              <a:buFont typeface="+mj-lt"/>
+              <a:buAutoNum type="alphaUcPeriod"/>
+            </a:pPr>
+            <a:r>
+              <a:rPr lang="en-US" b="1" dirty="0"/>
+              <a:t>lower.</a:t>
+            </a:r>
+          </a:p>
+          <a:p>
+            <a:pPr marL="457200" indent="-457200">
+              <a:buFont typeface="+mj-lt"/>
+              <a:buAutoNum type="alphaUcPeriod"/>
+            </a:pPr>
+            <a:r>
+              <a:rPr lang="en-US" b="1" dirty="0"/>
+              <a:t>the same.</a:t>
+            </a:r>
+          </a:p>
+          <a:p>
+            <a:pPr marL="457200" indent="-457200">
+              <a:buFont typeface="+mj-lt"/>
+              <a:buAutoNum type="alphaUcPeriod"/>
+            </a:pPr>
+            <a:r>
+              <a:rPr lang="en-US" b="1" dirty="0"/>
+              <a:t>higher.</a:t>
+            </a:r>
+          </a:p>
+          <a:p>
+            <a:pPr marL="0" indent="0">
+              <a:buNone/>
+            </a:pPr>
+            <a:r>
+              <a:rPr lang="en-US" dirty="0"/>
+              <a:t>2. Bonds issued by a governmental agency are most likely:</a:t>
+            </a:r>
+          </a:p>
+          <a:p>
+            <a:pPr marL="457200" indent="-457200">
+              <a:buFont typeface="+mj-lt"/>
+              <a:buAutoNum type="alphaUcPeriod"/>
+            </a:pPr>
+            <a:r>
+              <a:rPr lang="en-US" b="1" dirty="0"/>
+              <a:t>repaid from the cash flows generated by the agency.</a:t>
+            </a:r>
+          </a:p>
+          <a:p>
+            <a:pPr marL="457200" indent="-457200">
+              <a:buFont typeface="+mj-lt"/>
+              <a:buAutoNum type="alphaUcPeriod"/>
+            </a:pPr>
+            <a:r>
+              <a:rPr lang="en-US" b="1" dirty="0"/>
+              <a:t>guaranteed by the national government that sponsored the agency.</a:t>
+            </a:r>
+          </a:p>
+          <a:p>
+            <a:pPr marL="457200" indent="-457200">
+              <a:buFont typeface="+mj-lt"/>
+              <a:buAutoNum type="alphaUcPeriod"/>
+            </a:pPr>
+            <a:r>
+              <a:rPr lang="en-US" b="1" dirty="0"/>
+              <a:t>backed by the taxing power of the national government that sponsored the agency.</a:t>
+            </a:r>
+          </a:p>
+        </p:txBody>
+      </p:sp>
+    </p:spTree>
+    <p:extLst>
+      <p:ext uri="{BB962C8B-B14F-4D97-AF65-F5344CB8AC3E}">
+        <p14:creationId xmlns:p14="http://schemas.microsoft.com/office/powerpoint/2010/main" val="2148893920"/>
       </p:ext>
     </p:extLst>
   </p:cSld>
